--- a/resource/dubbo-go-arch.pptx
+++ b/resource/dubbo-go-arch.pptx
@@ -2152,7 +2152,7 @@
           </a:ln>
           <a:extLst>
             <a:ext uri="{C572A759-6A51-4108-AA02-DFA0A04FC94B}">
-              <ma14:wrappingTextBoxFlag xmlns="" xmlns:m="http://schemas.openxmlformats.org/officeDocument/2006/math" xmlns:a14="http://schemas.microsoft.com/office/drawing/2010/main" xmlns:ma14="http://schemas.microsoft.com/office/mac/drawingml/2011/main" val="1"/>
+              <ma14:wrappingTextBoxFlag xmlns:ma14="http://schemas.microsoft.com/office/mac/drawingml/2011/main" xmlns:a14="http://schemas.microsoft.com/office/drawing/2010/main" xmlns:m="http://schemas.openxmlformats.org/officeDocument/2006/math" xmlns="" val="1"/>
             </a:ext>
           </a:extLst>
         </p:spPr>
@@ -2191,7 +2191,7 @@
           </a:ln>
           <a:extLst>
             <a:ext uri="{C572A759-6A51-4108-AA02-DFA0A04FC94B}">
-              <ma14:wrappingTextBoxFlag xmlns="" xmlns:m="http://schemas.openxmlformats.org/officeDocument/2006/math" xmlns:a14="http://schemas.microsoft.com/office/drawing/2010/main" xmlns:ma14="http://schemas.microsoft.com/office/mac/drawingml/2011/main" val="1"/>
+              <ma14:wrappingTextBoxFlag xmlns:ma14="http://schemas.microsoft.com/office/mac/drawingml/2011/main" xmlns:a14="http://schemas.microsoft.com/office/drawing/2010/main" xmlns:m="http://schemas.openxmlformats.org/officeDocument/2006/math" xmlns="" val="1"/>
             </a:ext>
           </a:extLst>
         </p:spPr>
@@ -3061,7 +3061,7 @@
           </a:effectLst>
           <a:extLst>
             <a:ext uri="{C572A759-6A51-4108-AA02-DFA0A04FC94B}">
-              <ma14:wrappingTextBoxFlag xmlns="" xmlns:m="http://schemas.openxmlformats.org/officeDocument/2006/math" xmlns:a14="http://schemas.microsoft.com/office/drawing/2010/main" xmlns:ma14="http://schemas.microsoft.com/office/mac/drawingml/2011/main" val="1"/>
+              <ma14:wrappingTextBoxFlag xmlns:ma14="http://schemas.microsoft.com/office/mac/drawingml/2011/main" xmlns:a14="http://schemas.microsoft.com/office/drawing/2010/main" xmlns:m="http://schemas.openxmlformats.org/officeDocument/2006/math" xmlns="" val="1"/>
             </a:ext>
           </a:extLst>
         </p:spPr>
@@ -3091,7 +3091,7 @@
         </p:nvSpPr>
         <p:spPr>
           <a:xfrm>
-            <a:off x="5511379" y="4662880"/>
+            <a:off x="5482484" y="4340380"/>
             <a:ext cx="500002" cy="2"/>
           </a:xfrm>
           <a:prstGeom prst="line">
@@ -3137,7 +3137,7 @@
         </p:nvSpPr>
         <p:spPr>
           <a:xfrm>
-            <a:off x="52095" y="2432523"/>
+            <a:off x="23200" y="2110023"/>
             <a:ext cx="9143261" cy="5040000"/>
           </a:xfrm>
           <a:prstGeom prst="roundRect">
@@ -3161,7 +3161,7 @@
           </a:effectLst>
           <a:extLst>
             <a:ext uri="{C572A759-6A51-4108-AA02-DFA0A04FC94B}">
-              <ma14:wrappingTextBoxFlag xmlns="" xmlns:m="http://schemas.openxmlformats.org/officeDocument/2006/math" xmlns:a14="http://schemas.microsoft.com/office/drawing/2010/main" xmlns:ma14="http://schemas.microsoft.com/office/mac/drawingml/2011/main" val="1"/>
+              <ma14:wrappingTextBoxFlag xmlns:ma14="http://schemas.microsoft.com/office/mac/drawingml/2011/main" xmlns:a14="http://schemas.microsoft.com/office/drawing/2010/main" xmlns:m="http://schemas.openxmlformats.org/officeDocument/2006/math" xmlns="" val="1"/>
             </a:ext>
           </a:extLst>
         </p:spPr>
@@ -3210,7 +3210,7 @@
         </p:nvGrpSpPr>
         <p:grpSpPr>
           <a:xfrm>
-            <a:off x="6416912" y="3174922"/>
+            <a:off x="6388017" y="2852422"/>
             <a:ext cx="1083600" cy="2880000"/>
             <a:chOff x="6416912" y="3174922"/>
             <a:chExt cx="1083600" cy="2880000"/>
@@ -3251,7 +3251,7 @@
             </a:effectLst>
             <a:extLst>
               <a:ext uri="{C572A759-6A51-4108-AA02-DFA0A04FC94B}">
-                <ma14:wrappingTextBoxFlag xmlns="" xmlns:m="http://schemas.openxmlformats.org/officeDocument/2006/math" xmlns:a14="http://schemas.microsoft.com/office/drawing/2010/main" xmlns:ma14="http://schemas.microsoft.com/office/mac/drawingml/2011/main" val="1"/>
+                <ma14:wrappingTextBoxFlag xmlns:ma14="http://schemas.microsoft.com/office/mac/drawingml/2011/main" xmlns:a14="http://schemas.microsoft.com/office/drawing/2010/main" xmlns:m="http://schemas.openxmlformats.org/officeDocument/2006/math" xmlns="" val="1"/>
               </a:ext>
             </a:extLst>
           </p:spPr>
@@ -3324,7 +3324,7 @@
               </a:effectLst>
               <a:extLst>
                 <a:ext uri="{C572A759-6A51-4108-AA02-DFA0A04FC94B}">
-                  <ma14:wrappingTextBoxFlag xmlns="" xmlns:m="http://schemas.openxmlformats.org/officeDocument/2006/math" xmlns:a14="http://schemas.microsoft.com/office/drawing/2010/main" xmlns:ma14="http://schemas.microsoft.com/office/mac/drawingml/2011/main" val="1"/>
+                  <ma14:wrappingTextBoxFlag xmlns:ma14="http://schemas.microsoft.com/office/mac/drawingml/2011/main" xmlns:a14="http://schemas.microsoft.com/office/drawing/2010/main" xmlns:m="http://schemas.openxmlformats.org/officeDocument/2006/math" xmlns="" val="1"/>
                 </a:ext>
               </a:extLst>
             </p:spPr>
@@ -3391,7 +3391,7 @@
               </a:effectLst>
               <a:extLst>
                 <a:ext uri="{C572A759-6A51-4108-AA02-DFA0A04FC94B}">
-                  <ma14:wrappingTextBoxFlag xmlns="" xmlns:m="http://schemas.openxmlformats.org/officeDocument/2006/math" xmlns:a14="http://schemas.microsoft.com/office/drawing/2010/main" xmlns:ma14="http://schemas.microsoft.com/office/mac/drawingml/2011/main" val="1"/>
+                  <ma14:wrappingTextBoxFlag xmlns:ma14="http://schemas.microsoft.com/office/mac/drawingml/2011/main" xmlns:a14="http://schemas.microsoft.com/office/drawing/2010/main" xmlns:m="http://schemas.openxmlformats.org/officeDocument/2006/math" xmlns="" val="1"/>
                 </a:ext>
               </a:extLst>
             </p:spPr>
@@ -3456,7 +3456,7 @@
               </a:effectLst>
               <a:extLst>
                 <a:ext uri="{C572A759-6A51-4108-AA02-DFA0A04FC94B}">
-                  <ma14:wrappingTextBoxFlag xmlns="" xmlns:m="http://schemas.openxmlformats.org/officeDocument/2006/math" xmlns:a14="http://schemas.microsoft.com/office/drawing/2010/main" xmlns:ma14="http://schemas.microsoft.com/office/mac/drawingml/2011/main" val="1"/>
+                  <ma14:wrappingTextBoxFlag xmlns:ma14="http://schemas.microsoft.com/office/mac/drawingml/2011/main" xmlns:a14="http://schemas.microsoft.com/office/drawing/2010/main" xmlns:m="http://schemas.openxmlformats.org/officeDocument/2006/math" xmlns="" val="1"/>
                 </a:ext>
               </a:extLst>
             </p:spPr>
@@ -3496,7 +3496,7 @@
         </p:nvGrpSpPr>
         <p:grpSpPr>
           <a:xfrm>
-            <a:off x="1745279" y="3132668"/>
+            <a:off x="1716384" y="2810168"/>
             <a:ext cx="1255462" cy="2880000"/>
             <a:chOff x="2383951" y="3132668"/>
             <a:chExt cx="1255462" cy="2880000"/>
@@ -3537,7 +3537,7 @@
             </a:effectLst>
             <a:extLst>
               <a:ext uri="{C572A759-6A51-4108-AA02-DFA0A04FC94B}">
-                <ma14:wrappingTextBoxFlag xmlns="" xmlns:m="http://schemas.openxmlformats.org/officeDocument/2006/math" xmlns:a14="http://schemas.microsoft.com/office/drawing/2010/main" xmlns:ma14="http://schemas.microsoft.com/office/mac/drawingml/2011/main" val="1"/>
+                <ma14:wrappingTextBoxFlag xmlns:ma14="http://schemas.microsoft.com/office/mac/drawingml/2011/main" xmlns:a14="http://schemas.microsoft.com/office/drawing/2010/main" xmlns:m="http://schemas.openxmlformats.org/officeDocument/2006/math" xmlns="" val="1"/>
               </a:ext>
             </a:extLst>
           </p:spPr>
@@ -3588,7 +3588,7 @@
             </a:effectLst>
             <a:extLst>
               <a:ext uri="{C572A759-6A51-4108-AA02-DFA0A04FC94B}">
-                <ma14:wrappingTextBoxFlag xmlns="" xmlns:m="http://schemas.openxmlformats.org/officeDocument/2006/math" xmlns:a14="http://schemas.microsoft.com/office/drawing/2010/main" xmlns:ma14="http://schemas.microsoft.com/office/mac/drawingml/2011/main" val="1"/>
+                <ma14:wrappingTextBoxFlag xmlns:ma14="http://schemas.microsoft.com/office/mac/drawingml/2011/main" xmlns:a14="http://schemas.microsoft.com/office/drawing/2010/main" xmlns:m="http://schemas.openxmlformats.org/officeDocument/2006/math" xmlns="" val="1"/>
               </a:ext>
             </a:extLst>
           </p:spPr>
@@ -3642,7 +3642,7 @@
             </a:effectLst>
             <a:extLst>
               <a:ext uri="{C572A759-6A51-4108-AA02-DFA0A04FC94B}">
-                <ma14:wrappingTextBoxFlag xmlns="" xmlns:m="http://schemas.openxmlformats.org/officeDocument/2006/math" xmlns:a14="http://schemas.microsoft.com/office/drawing/2010/main" xmlns:ma14="http://schemas.microsoft.com/office/mac/drawingml/2011/main" val="1"/>
+                <ma14:wrappingTextBoxFlag xmlns:ma14="http://schemas.microsoft.com/office/mac/drawingml/2011/main" xmlns:a14="http://schemas.microsoft.com/office/drawing/2010/main" xmlns:m="http://schemas.openxmlformats.org/officeDocument/2006/math" xmlns="" val="1"/>
               </a:ext>
             </a:extLst>
           </p:spPr>
@@ -3704,7 +3704,7 @@
             </a:effectLst>
             <a:extLst>
               <a:ext uri="{C572A759-6A51-4108-AA02-DFA0A04FC94B}">
-                <ma14:wrappingTextBoxFlag xmlns="" xmlns:m="http://schemas.openxmlformats.org/officeDocument/2006/math" xmlns:a14="http://schemas.microsoft.com/office/drawing/2010/main" xmlns:ma14="http://schemas.microsoft.com/office/mac/drawingml/2011/main" val="1"/>
+                <ma14:wrappingTextBoxFlag xmlns:ma14="http://schemas.microsoft.com/office/mac/drawingml/2011/main" xmlns:a14="http://schemas.microsoft.com/office/drawing/2010/main" xmlns:m="http://schemas.openxmlformats.org/officeDocument/2006/math" xmlns="" val="1"/>
               </a:ext>
             </a:extLst>
           </p:spPr>
@@ -3758,7 +3758,7 @@
             </a:effectLst>
             <a:extLst>
               <a:ext uri="{C572A759-6A51-4108-AA02-DFA0A04FC94B}">
-                <ma14:wrappingTextBoxFlag xmlns="" xmlns:m="http://schemas.openxmlformats.org/officeDocument/2006/math" xmlns:a14="http://schemas.microsoft.com/office/drawing/2010/main" xmlns:ma14="http://schemas.microsoft.com/office/mac/drawingml/2011/main" val="1"/>
+                <ma14:wrappingTextBoxFlag xmlns:ma14="http://schemas.microsoft.com/office/mac/drawingml/2011/main" xmlns:a14="http://schemas.microsoft.com/office/drawing/2010/main" xmlns:m="http://schemas.openxmlformats.org/officeDocument/2006/math" xmlns="" val="1"/>
               </a:ext>
             </a:extLst>
           </p:spPr>
@@ -3791,7 +3791,7 @@
         </p:nvSpPr>
         <p:spPr>
           <a:xfrm>
-            <a:off x="2174680" y="2515971"/>
+            <a:off x="2145785" y="2193471"/>
             <a:ext cx="6120000" cy="417378"/>
           </a:xfrm>
           <a:prstGeom prst="roundRect">
@@ -3813,7 +3813,7 @@
           </a:effectLst>
           <a:extLst>
             <a:ext uri="{C572A759-6A51-4108-AA02-DFA0A04FC94B}">
-              <ma14:wrappingTextBoxFlag xmlns="" xmlns:m="http://schemas.openxmlformats.org/officeDocument/2006/math" xmlns:a14="http://schemas.microsoft.com/office/drawing/2010/main" xmlns:ma14="http://schemas.microsoft.com/office/mac/drawingml/2011/main" val="1"/>
+              <ma14:wrappingTextBoxFlag xmlns:ma14="http://schemas.microsoft.com/office/mac/drawingml/2011/main" xmlns:a14="http://schemas.microsoft.com/office/drawing/2010/main" xmlns:m="http://schemas.openxmlformats.org/officeDocument/2006/math" xmlns="" val="1"/>
             </a:ext>
           </a:extLst>
         </p:spPr>
@@ -3853,7 +3853,7 @@
         </p:nvSpPr>
         <p:spPr>
           <a:xfrm>
-            <a:off x="6115163" y="4592105"/>
+            <a:off x="6086268" y="4269605"/>
             <a:ext cx="262228" cy="0"/>
           </a:xfrm>
           <a:prstGeom prst="line">
@@ -3907,7 +3907,7 @@
         </p:nvSpPr>
         <p:spPr>
           <a:xfrm>
-            <a:off x="1487402" y="4571528"/>
+            <a:off x="1458507" y="4249028"/>
             <a:ext cx="243782" cy="2"/>
           </a:xfrm>
           <a:prstGeom prst="line">
@@ -3965,7 +3965,7 @@
         </p:nvSpPr>
         <p:spPr>
           <a:xfrm>
-            <a:off x="10675312" y="2411883"/>
+            <a:off x="10646417" y="2089383"/>
             <a:ext cx="6517178" cy="5040000"/>
           </a:xfrm>
           <a:prstGeom prst="roundRect">
@@ -3989,7 +3989,7 @@
           </a:effectLst>
           <a:extLst>
             <a:ext uri="{C572A759-6A51-4108-AA02-DFA0A04FC94B}">
-              <ma14:wrappingTextBoxFlag xmlns="" xmlns:m="http://schemas.openxmlformats.org/officeDocument/2006/math" xmlns:a14="http://schemas.microsoft.com/office/drawing/2010/main" xmlns:ma14="http://schemas.microsoft.com/office/mac/drawingml/2011/main" val="1"/>
+              <ma14:wrappingTextBoxFlag xmlns:ma14="http://schemas.microsoft.com/office/mac/drawingml/2011/main" xmlns:a14="http://schemas.microsoft.com/office/drawing/2010/main" xmlns:m="http://schemas.openxmlformats.org/officeDocument/2006/math" xmlns="" val="1"/>
             </a:ext>
           </a:extLst>
         </p:spPr>
@@ -4032,8 +4032,8 @@
         </p:nvSpPr>
         <p:spPr>
           <a:xfrm flipH="1" flipV="1">
-            <a:off x="5511379" y="7321701"/>
-            <a:ext cx="349638" cy="369608"/>
+            <a:off x="5482484" y="6999200"/>
+            <a:ext cx="539702" cy="720983"/>
           </a:xfrm>
           <a:prstGeom prst="line">
             <a:avLst/>
@@ -4086,7 +4086,7 @@
         </p:nvSpPr>
         <p:spPr>
           <a:xfrm>
-            <a:off x="114008" y="3132668"/>
+            <a:off x="85113" y="2810168"/>
             <a:ext cx="1329522" cy="2880000"/>
           </a:xfrm>
           <a:prstGeom prst="roundRect">
@@ -4113,7 +4113,7 @@
           </a:effectLst>
           <a:extLst>
             <a:ext uri="{C572A759-6A51-4108-AA02-DFA0A04FC94B}">
-              <ma14:wrappingTextBoxFlag xmlns="" xmlns:m="http://schemas.openxmlformats.org/officeDocument/2006/math" xmlns:a14="http://schemas.microsoft.com/office/drawing/2010/main" xmlns:ma14="http://schemas.microsoft.com/office/mac/drawingml/2011/main" val="1"/>
+              <ma14:wrappingTextBoxFlag xmlns:ma14="http://schemas.microsoft.com/office/mac/drawingml/2011/main" xmlns:a14="http://schemas.microsoft.com/office/drawing/2010/main" xmlns:m="http://schemas.openxmlformats.org/officeDocument/2006/math" xmlns="" val="1"/>
             </a:ext>
           </a:extLst>
         </p:spPr>
@@ -4156,7 +4156,7 @@
         </p:nvGrpSpPr>
         <p:grpSpPr>
           <a:xfrm>
-            <a:off x="221153" y="3782157"/>
+            <a:off x="192258" y="3459657"/>
             <a:ext cx="1126048" cy="1713469"/>
             <a:chOff x="819907" y="3778702"/>
             <a:chExt cx="1126048" cy="1713469"/>
@@ -4192,7 +4192,7 @@
             </a:effectLst>
             <a:extLst>
               <a:ext uri="{C572A759-6A51-4108-AA02-DFA0A04FC94B}">
-                <ma14:wrappingTextBoxFlag xmlns="" xmlns:m="http://schemas.openxmlformats.org/officeDocument/2006/math" xmlns:a14="http://schemas.microsoft.com/office/drawing/2010/main" xmlns:ma14="http://schemas.microsoft.com/office/mac/drawingml/2011/main" val="1"/>
+                <ma14:wrappingTextBoxFlag xmlns:ma14="http://schemas.microsoft.com/office/mac/drawingml/2011/main" xmlns:a14="http://schemas.microsoft.com/office/drawing/2010/main" xmlns:m="http://schemas.openxmlformats.org/officeDocument/2006/math" xmlns="" val="1"/>
               </a:ext>
             </a:extLst>
           </p:spPr>
@@ -4257,7 +4257,7 @@
             </a:effectLst>
             <a:extLst>
               <a:ext uri="{C572A759-6A51-4108-AA02-DFA0A04FC94B}">
-                <ma14:wrappingTextBoxFlag xmlns="" xmlns:m="http://schemas.openxmlformats.org/officeDocument/2006/math" xmlns:a14="http://schemas.microsoft.com/office/drawing/2010/main" xmlns:ma14="http://schemas.microsoft.com/office/mac/drawingml/2011/main" val="1"/>
+                <ma14:wrappingTextBoxFlag xmlns:ma14="http://schemas.microsoft.com/office/mac/drawingml/2011/main" xmlns:a14="http://schemas.microsoft.com/office/drawing/2010/main" xmlns:m="http://schemas.openxmlformats.org/officeDocument/2006/math" xmlns="" val="1"/>
               </a:ext>
             </a:extLst>
           </p:spPr>
@@ -4322,7 +4322,7 @@
             </a:effectLst>
             <a:extLst>
               <a:ext uri="{C572A759-6A51-4108-AA02-DFA0A04FC94B}">
-                <ma14:wrappingTextBoxFlag xmlns="" xmlns:m="http://schemas.openxmlformats.org/officeDocument/2006/math" xmlns:a14="http://schemas.microsoft.com/office/drawing/2010/main" xmlns:ma14="http://schemas.microsoft.com/office/mac/drawingml/2011/main" val="1"/>
+                <ma14:wrappingTextBoxFlag xmlns:ma14="http://schemas.microsoft.com/office/mac/drawingml/2011/main" xmlns:a14="http://schemas.microsoft.com/office/drawing/2010/main" xmlns:m="http://schemas.openxmlformats.org/officeDocument/2006/math" xmlns="" val="1"/>
               </a:ext>
             </a:extLst>
           </p:spPr>
@@ -4387,7 +4387,7 @@
             </a:effectLst>
             <a:extLst>
               <a:ext uri="{C572A759-6A51-4108-AA02-DFA0A04FC94B}">
-                <ma14:wrappingTextBoxFlag xmlns="" xmlns:m="http://schemas.openxmlformats.org/officeDocument/2006/math" xmlns:a14="http://schemas.microsoft.com/office/drawing/2010/main" xmlns:ma14="http://schemas.microsoft.com/office/mac/drawingml/2011/main" val="1"/>
+                <ma14:wrappingTextBoxFlag xmlns:ma14="http://schemas.microsoft.com/office/mac/drawingml/2011/main" xmlns:a14="http://schemas.microsoft.com/office/drawing/2010/main" xmlns:m="http://schemas.openxmlformats.org/officeDocument/2006/math" xmlns="" val="1"/>
               </a:ext>
             </a:extLst>
           </p:spPr>
@@ -4431,7 +4431,7 @@
         </p:nvSpPr>
         <p:spPr>
           <a:xfrm>
-            <a:off x="7530814" y="4579805"/>
+            <a:off x="7501919" y="4257305"/>
             <a:ext cx="262228" cy="0"/>
           </a:xfrm>
           <a:prstGeom prst="line">
@@ -4485,7 +4485,7 @@
         </p:nvSpPr>
         <p:spPr>
           <a:xfrm>
-            <a:off x="12250324" y="4456618"/>
+            <a:off x="12221429" y="4134118"/>
             <a:ext cx="262228" cy="0"/>
           </a:xfrm>
           <a:prstGeom prst="line">
@@ -4539,7 +4539,7 @@
         </p:nvSpPr>
         <p:spPr>
           <a:xfrm>
-            <a:off x="13722645" y="4487573"/>
+            <a:off x="13693750" y="4165073"/>
             <a:ext cx="262228" cy="0"/>
           </a:xfrm>
           <a:prstGeom prst="line">
@@ -4593,7 +4593,7 @@
         </p:nvSpPr>
         <p:spPr>
           <a:xfrm>
-            <a:off x="15479180" y="4465576"/>
+            <a:off x="15450285" y="4143076"/>
             <a:ext cx="262228" cy="0"/>
           </a:xfrm>
           <a:prstGeom prst="line">
@@ -4647,7 +4647,7 @@
         </p:nvSpPr>
         <p:spPr>
           <a:xfrm>
-            <a:off x="15794532" y="3152105"/>
+            <a:off x="15765637" y="2829605"/>
             <a:ext cx="1329522" cy="2880000"/>
           </a:xfrm>
           <a:prstGeom prst="roundRect">
@@ -4674,7 +4674,7 @@
           </a:effectLst>
           <a:extLst>
             <a:ext uri="{C572A759-6A51-4108-AA02-DFA0A04FC94B}">
-              <ma14:wrappingTextBoxFlag xmlns="" xmlns:m="http://schemas.openxmlformats.org/officeDocument/2006/math" xmlns:a14="http://schemas.microsoft.com/office/drawing/2010/main" xmlns:ma14="http://schemas.microsoft.com/office/mac/drawingml/2011/main" val="1"/>
+              <ma14:wrappingTextBoxFlag xmlns:ma14="http://schemas.microsoft.com/office/mac/drawingml/2011/main" xmlns:a14="http://schemas.microsoft.com/office/drawing/2010/main" xmlns:m="http://schemas.openxmlformats.org/officeDocument/2006/math" xmlns="" val="1"/>
             </a:ext>
           </a:extLst>
         </p:spPr>
@@ -4711,7 +4711,7 @@
         </p:nvSpPr>
         <p:spPr>
           <a:xfrm>
-            <a:off x="15910348" y="3750792"/>
+            <a:off x="15881453" y="3428292"/>
             <a:ext cx="1123384" cy="238458"/>
           </a:xfrm>
           <a:prstGeom prst="roundRect">
@@ -4733,7 +4733,7 @@
           </a:effectLst>
           <a:extLst>
             <a:ext uri="{C572A759-6A51-4108-AA02-DFA0A04FC94B}">
-              <ma14:wrappingTextBoxFlag xmlns="" xmlns:m="http://schemas.openxmlformats.org/officeDocument/2006/math" xmlns:a14="http://schemas.microsoft.com/office/drawing/2010/main" xmlns:ma14="http://schemas.microsoft.com/office/mac/drawingml/2011/main" val="1"/>
+              <ma14:wrappingTextBoxFlag xmlns:ma14="http://schemas.microsoft.com/office/mac/drawingml/2011/main" xmlns:a14="http://schemas.microsoft.com/office/drawing/2010/main" xmlns:m="http://schemas.openxmlformats.org/officeDocument/2006/math" xmlns="" val="1"/>
             </a:ext>
           </a:extLst>
         </p:spPr>
@@ -4776,7 +4776,7 @@
         </p:nvSpPr>
         <p:spPr>
           <a:xfrm>
-            <a:off x="15911236" y="4242461"/>
+            <a:off x="15882341" y="3919961"/>
             <a:ext cx="1123384" cy="238460"/>
           </a:xfrm>
           <a:prstGeom prst="roundRect">
@@ -4798,7 +4798,7 @@
           </a:effectLst>
           <a:extLst>
             <a:ext uri="{C572A759-6A51-4108-AA02-DFA0A04FC94B}">
-              <ma14:wrappingTextBoxFlag xmlns="" xmlns:m="http://schemas.openxmlformats.org/officeDocument/2006/math" xmlns:a14="http://schemas.microsoft.com/office/drawing/2010/main" xmlns:ma14="http://schemas.microsoft.com/office/mac/drawingml/2011/main" val="1"/>
+              <ma14:wrappingTextBoxFlag xmlns:ma14="http://schemas.microsoft.com/office/mac/drawingml/2011/main" xmlns:a14="http://schemas.microsoft.com/office/drawing/2010/main" xmlns:m="http://schemas.openxmlformats.org/officeDocument/2006/math" xmlns="" val="1"/>
             </a:ext>
           </a:extLst>
         </p:spPr>
@@ -4841,7 +4841,7 @@
         </p:nvSpPr>
         <p:spPr>
           <a:xfrm>
-            <a:off x="15912124" y="4734131"/>
+            <a:off x="15883229" y="4411631"/>
             <a:ext cx="1123384" cy="238460"/>
           </a:xfrm>
           <a:prstGeom prst="roundRect">
@@ -4863,7 +4863,7 @@
           </a:effectLst>
           <a:extLst>
             <a:ext uri="{C572A759-6A51-4108-AA02-DFA0A04FC94B}">
-              <ma14:wrappingTextBoxFlag xmlns="" xmlns:m="http://schemas.openxmlformats.org/officeDocument/2006/math" xmlns:a14="http://schemas.microsoft.com/office/drawing/2010/main" xmlns:ma14="http://schemas.microsoft.com/office/mac/drawingml/2011/main" val="1"/>
+              <ma14:wrappingTextBoxFlag xmlns:ma14="http://schemas.microsoft.com/office/mac/drawingml/2011/main" xmlns:a14="http://schemas.microsoft.com/office/drawing/2010/main" xmlns:m="http://schemas.openxmlformats.org/officeDocument/2006/math" xmlns="" val="1"/>
             </a:ext>
           </a:extLst>
         </p:spPr>
@@ -4906,7 +4906,7 @@
         </p:nvSpPr>
         <p:spPr>
           <a:xfrm>
-            <a:off x="15913012" y="5225801"/>
+            <a:off x="15884117" y="4903301"/>
             <a:ext cx="1123384" cy="238460"/>
           </a:xfrm>
           <a:prstGeom prst="roundRect">
@@ -4928,7 +4928,7 @@
           </a:effectLst>
           <a:extLst>
             <a:ext uri="{C572A759-6A51-4108-AA02-DFA0A04FC94B}">
-              <ma14:wrappingTextBoxFlag xmlns="" xmlns:m="http://schemas.openxmlformats.org/officeDocument/2006/math" xmlns:a14="http://schemas.microsoft.com/office/drawing/2010/main" xmlns:ma14="http://schemas.microsoft.com/office/mac/drawingml/2011/main" val="1"/>
+              <ma14:wrappingTextBoxFlag xmlns:ma14="http://schemas.microsoft.com/office/mac/drawingml/2011/main" xmlns:a14="http://schemas.microsoft.com/office/drawing/2010/main" xmlns:m="http://schemas.openxmlformats.org/officeDocument/2006/math" xmlns="" val="1"/>
             </a:ext>
           </a:extLst>
         </p:spPr>
@@ -4971,8 +4971,8 @@
         </p:nvSpPr>
         <p:spPr>
           <a:xfrm flipV="1">
-            <a:off x="11331474" y="7397496"/>
-            <a:ext cx="481361" cy="266747"/>
+            <a:off x="11508142" y="7074995"/>
+            <a:ext cx="275798" cy="624548"/>
           </a:xfrm>
           <a:prstGeom prst="line">
             <a:avLst/>
@@ -5032,7 +5032,7 @@
         <p:grpSpPr>
           <a:xfrm>
             <a:off x="10845648" y="1489304"/>
-            <a:ext cx="1404748" cy="836454"/>
+            <a:ext cx="1475836" cy="600079"/>
             <a:chOff x="10366955" y="1999531"/>
             <a:chExt cx="2044730" cy="791036"/>
           </a:xfrm>
@@ -5059,7 +5059,7 @@
             <a:effectLst/>
             <a:extLst>
               <a:ext uri="{C572A759-6A51-4108-AA02-DFA0A04FC94B}">
-                <ma14:wrappingTextBoxFlag xmlns="" xmlns:m="http://schemas.openxmlformats.org/officeDocument/2006/math" xmlns:a14="http://schemas.microsoft.com/office/drawing/2010/main" xmlns:ma14="http://schemas.microsoft.com/office/mac/drawingml/2011/main" val="1"/>
+                <ma14:wrappingTextBoxFlag xmlns:ma14="http://schemas.microsoft.com/office/mac/drawingml/2011/main" xmlns:a14="http://schemas.microsoft.com/office/drawing/2010/main" xmlns:m="http://schemas.openxmlformats.org/officeDocument/2006/math" xmlns="" val="1"/>
               </a:ext>
             </a:extLst>
           </p:spPr>
@@ -5160,8 +5160,8 @@
         </p:nvGrpSpPr>
         <p:grpSpPr>
           <a:xfrm>
-            <a:off x="4355068" y="1476218"/>
-            <a:ext cx="3433400" cy="890813"/>
+            <a:off x="4676930" y="1476219"/>
+            <a:ext cx="3111537" cy="639350"/>
             <a:chOff x="4355068" y="1476218"/>
             <a:chExt cx="3433400" cy="890813"/>
           </a:xfrm>
@@ -5188,7 +5188,7 @@
             <a:effectLst/>
             <a:extLst>
               <a:ext uri="{C572A759-6A51-4108-AA02-DFA0A04FC94B}">
-                <ma14:wrappingTextBoxFlag xmlns="" xmlns:m="http://schemas.openxmlformats.org/officeDocument/2006/math" xmlns:a14="http://schemas.microsoft.com/office/drawing/2010/main" xmlns:ma14="http://schemas.microsoft.com/office/mac/drawingml/2011/main" val="1"/>
+                <ma14:wrappingTextBoxFlag xmlns:ma14="http://schemas.microsoft.com/office/mac/drawingml/2011/main" xmlns:a14="http://schemas.microsoft.com/office/drawing/2010/main" xmlns:m="http://schemas.openxmlformats.org/officeDocument/2006/math" xmlns="" val="1"/>
               </a:ext>
             </a:extLst>
           </p:spPr>
@@ -5239,7 +5239,7 @@
             </a:ln>
             <a:extLst>
               <a:ext uri="{C572A759-6A51-4108-AA02-DFA0A04FC94B}">
-                <ma14:wrappingTextBoxFlag xmlns="" xmlns:m="http://schemas.openxmlformats.org/officeDocument/2006/math" xmlns:a14="http://schemas.microsoft.com/office/drawing/2010/main" xmlns:ma14="http://schemas.microsoft.com/office/mac/drawingml/2011/main" val="1"/>
+                <ma14:wrappingTextBoxFlag xmlns:ma14="http://schemas.microsoft.com/office/mac/drawingml/2011/main" xmlns:a14="http://schemas.microsoft.com/office/drawing/2010/main" xmlns:m="http://schemas.openxmlformats.org/officeDocument/2006/math" xmlns="" val="1"/>
               </a:ext>
             </a:extLst>
           </p:spPr>
@@ -5395,7 +5395,7 @@
         </p:nvGrpSpPr>
         <p:grpSpPr>
           <a:xfrm>
-            <a:off x="11929839" y="6400231"/>
+            <a:off x="11900944" y="6077731"/>
             <a:ext cx="4165666" cy="912659"/>
             <a:chOff x="11242638" y="6397973"/>
             <a:chExt cx="4165666" cy="912659"/>
@@ -5433,7 +5433,7 @@
             </a:effectLst>
             <a:extLst>
               <a:ext uri="{C572A759-6A51-4108-AA02-DFA0A04FC94B}">
-                <ma14:wrappingTextBoxFlag xmlns="" xmlns:m="http://schemas.openxmlformats.org/officeDocument/2006/math" xmlns:a14="http://schemas.microsoft.com/office/drawing/2010/main" xmlns:ma14="http://schemas.microsoft.com/office/mac/drawingml/2011/main" val="1"/>
+                <ma14:wrappingTextBoxFlag xmlns:ma14="http://schemas.microsoft.com/office/mac/drawingml/2011/main" xmlns:a14="http://schemas.microsoft.com/office/drawing/2010/main" xmlns:m="http://schemas.openxmlformats.org/officeDocument/2006/math" xmlns="" val="1"/>
               </a:ext>
             </a:extLst>
           </p:spPr>
@@ -5503,7 +5503,7 @@
             </a:effectLst>
             <a:extLst>
               <a:ext uri="{C572A759-6A51-4108-AA02-DFA0A04FC94B}">
-                <ma14:wrappingTextBoxFlag xmlns="" xmlns:m="http://schemas.openxmlformats.org/officeDocument/2006/math" xmlns:a14="http://schemas.microsoft.com/office/drawing/2010/main" xmlns:ma14="http://schemas.microsoft.com/office/mac/drawingml/2011/main" val="1"/>
+                <ma14:wrappingTextBoxFlag xmlns:ma14="http://schemas.microsoft.com/office/mac/drawingml/2011/main" xmlns:a14="http://schemas.microsoft.com/office/drawing/2010/main" xmlns:m="http://schemas.openxmlformats.org/officeDocument/2006/math" xmlns="" val="1"/>
               </a:ext>
             </a:extLst>
           </p:spPr>
@@ -5554,7 +5554,7 @@
         </p:nvGrpSpPr>
         <p:grpSpPr>
           <a:xfrm>
-            <a:off x="8722425" y="6618205"/>
+            <a:off x="8693530" y="6295705"/>
             <a:ext cx="2635772" cy="527582"/>
             <a:chOff x="8606867" y="6592416"/>
             <a:chExt cx="2635772" cy="527582"/>
@@ -5646,7 +5646,7 @@
             </a:ln>
             <a:extLst>
               <a:ext uri="{C572A759-6A51-4108-AA02-DFA0A04FC94B}">
-                <ma14:wrappingTextBoxFlag xmlns="" xmlns:m="http://schemas.openxmlformats.org/officeDocument/2006/math" xmlns:a14="http://schemas.microsoft.com/office/drawing/2010/main" xmlns:ma14="http://schemas.microsoft.com/office/mac/drawingml/2011/main" val="1"/>
+                <ma14:wrappingTextBoxFlag xmlns:ma14="http://schemas.microsoft.com/office/mac/drawingml/2011/main" xmlns:a14="http://schemas.microsoft.com/office/drawing/2010/main" xmlns:m="http://schemas.openxmlformats.org/officeDocument/2006/math" xmlns="" val="1"/>
               </a:ext>
             </a:extLst>
           </p:spPr>
@@ -5736,7 +5736,7 @@
             </a:effectLst>
             <a:extLst>
               <a:ext uri="{C572A759-6A51-4108-AA02-DFA0A04FC94B}">
-                <ma14:wrappingTextBoxFlag xmlns="" xmlns:m="http://schemas.openxmlformats.org/officeDocument/2006/math" xmlns:a14="http://schemas.microsoft.com/office/drawing/2010/main" xmlns:ma14="http://schemas.microsoft.com/office/mac/drawingml/2011/main" val="1"/>
+                <ma14:wrappingTextBoxFlag xmlns:ma14="http://schemas.microsoft.com/office/mac/drawingml/2011/main" xmlns:a14="http://schemas.microsoft.com/office/drawing/2010/main" xmlns:m="http://schemas.openxmlformats.org/officeDocument/2006/math" xmlns="" val="1"/>
               </a:ext>
             </a:extLst>
           </p:spPr>
@@ -5830,7 +5830,7 @@
                 </a:effectLst>
                 <a:extLst>
                   <a:ext uri="{C572A759-6A51-4108-AA02-DFA0A04FC94B}">
-                    <ma14:wrappingTextBoxFlag xmlns="" xmlns:m="http://schemas.openxmlformats.org/officeDocument/2006/math" xmlns:a14="http://schemas.microsoft.com/office/drawing/2010/main" xmlns:ma14="http://schemas.microsoft.com/office/mac/drawingml/2011/main" val="1"/>
+                    <ma14:wrappingTextBoxFlag xmlns:ma14="http://schemas.microsoft.com/office/mac/drawingml/2011/main" xmlns:a14="http://schemas.microsoft.com/office/drawing/2010/main" xmlns:m="http://schemas.openxmlformats.org/officeDocument/2006/math" xmlns="" val="1"/>
                   </a:ext>
                 </a:extLst>
               </p:spPr>
@@ -5897,7 +5897,7 @@
                 </a:effectLst>
                 <a:extLst>
                   <a:ext uri="{C572A759-6A51-4108-AA02-DFA0A04FC94B}">
-                    <ma14:wrappingTextBoxFlag xmlns="" xmlns:m="http://schemas.openxmlformats.org/officeDocument/2006/math" xmlns:a14="http://schemas.microsoft.com/office/drawing/2010/main" xmlns:ma14="http://schemas.microsoft.com/office/mac/drawingml/2011/main" val="1"/>
+                    <ma14:wrappingTextBoxFlag xmlns:ma14="http://schemas.microsoft.com/office/mac/drawingml/2011/main" xmlns:a14="http://schemas.microsoft.com/office/drawing/2010/main" xmlns:m="http://schemas.openxmlformats.org/officeDocument/2006/math" xmlns="" val="1"/>
                   </a:ext>
                 </a:extLst>
               </p:spPr>
@@ -5982,7 +5982,7 @@
                 </a:effectLst>
                 <a:extLst>
                   <a:ext uri="{C572A759-6A51-4108-AA02-DFA0A04FC94B}">
-                    <ma14:wrappingTextBoxFlag xmlns="" xmlns:m="http://schemas.openxmlformats.org/officeDocument/2006/math" xmlns:a14="http://schemas.microsoft.com/office/drawing/2010/main" xmlns:ma14="http://schemas.microsoft.com/office/mac/drawingml/2011/main" val="1"/>
+                    <ma14:wrappingTextBoxFlag xmlns:ma14="http://schemas.microsoft.com/office/mac/drawingml/2011/main" xmlns:a14="http://schemas.microsoft.com/office/drawing/2010/main" xmlns:m="http://schemas.openxmlformats.org/officeDocument/2006/math" xmlns="" val="1"/>
                   </a:ext>
                 </a:extLst>
               </p:spPr>
@@ -6049,7 +6049,7 @@
                 </a:effectLst>
                 <a:extLst>
                   <a:ext uri="{C572A759-6A51-4108-AA02-DFA0A04FC94B}">
-                    <ma14:wrappingTextBoxFlag xmlns="" xmlns:m="http://schemas.openxmlformats.org/officeDocument/2006/math" xmlns:a14="http://schemas.microsoft.com/office/drawing/2010/main" xmlns:ma14="http://schemas.microsoft.com/office/mac/drawingml/2011/main" val="1"/>
+                    <ma14:wrappingTextBoxFlag xmlns:ma14="http://schemas.microsoft.com/office/mac/drawingml/2011/main" xmlns:a14="http://schemas.microsoft.com/office/drawing/2010/main" xmlns:m="http://schemas.openxmlformats.org/officeDocument/2006/math" xmlns="" val="1"/>
                   </a:ext>
                 </a:extLst>
               </p:spPr>
@@ -6138,7 +6138,7 @@
                 </a:effectLst>
                 <a:extLst>
                   <a:ext uri="{C572A759-6A51-4108-AA02-DFA0A04FC94B}">
-                    <ma14:wrappingTextBoxFlag xmlns="" xmlns:m="http://schemas.openxmlformats.org/officeDocument/2006/math" xmlns:a14="http://schemas.microsoft.com/office/drawing/2010/main" xmlns:ma14="http://schemas.microsoft.com/office/mac/drawingml/2011/main" val="1"/>
+                    <ma14:wrappingTextBoxFlag xmlns:ma14="http://schemas.microsoft.com/office/mac/drawingml/2011/main" xmlns:a14="http://schemas.microsoft.com/office/drawing/2010/main" xmlns:m="http://schemas.openxmlformats.org/officeDocument/2006/math" xmlns="" val="1"/>
                   </a:ext>
                 </a:extLst>
               </p:spPr>
@@ -6205,7 +6205,7 @@
                 </a:effectLst>
                 <a:extLst>
                   <a:ext uri="{C572A759-6A51-4108-AA02-DFA0A04FC94B}">
-                    <ma14:wrappingTextBoxFlag xmlns="" xmlns:m="http://schemas.openxmlformats.org/officeDocument/2006/math" xmlns:a14="http://schemas.microsoft.com/office/drawing/2010/main" xmlns:ma14="http://schemas.microsoft.com/office/mac/drawingml/2011/main" val="1"/>
+                    <ma14:wrappingTextBoxFlag xmlns:ma14="http://schemas.microsoft.com/office/mac/drawingml/2011/main" xmlns:a14="http://schemas.microsoft.com/office/drawing/2010/main" xmlns:m="http://schemas.openxmlformats.org/officeDocument/2006/math" xmlns="" val="1"/>
                   </a:ext>
                 </a:extLst>
               </p:spPr>
@@ -6294,7 +6294,7 @@
                 </a:effectLst>
                 <a:extLst>
                   <a:ext uri="{C572A759-6A51-4108-AA02-DFA0A04FC94B}">
-                    <ma14:wrappingTextBoxFlag xmlns="" xmlns:m="http://schemas.openxmlformats.org/officeDocument/2006/math" xmlns:a14="http://schemas.microsoft.com/office/drawing/2010/main" xmlns:ma14="http://schemas.microsoft.com/office/mac/drawingml/2011/main" val="1"/>
+                    <ma14:wrappingTextBoxFlag xmlns:ma14="http://schemas.microsoft.com/office/mac/drawingml/2011/main" xmlns:a14="http://schemas.microsoft.com/office/drawing/2010/main" xmlns:m="http://schemas.openxmlformats.org/officeDocument/2006/math" xmlns="" val="1"/>
                   </a:ext>
                 </a:extLst>
               </p:spPr>
@@ -6361,7 +6361,7 @@
                 </a:effectLst>
                 <a:extLst>
                   <a:ext uri="{C572A759-6A51-4108-AA02-DFA0A04FC94B}">
-                    <ma14:wrappingTextBoxFlag xmlns="" xmlns:m="http://schemas.openxmlformats.org/officeDocument/2006/math" xmlns:a14="http://schemas.microsoft.com/office/drawing/2010/main" xmlns:ma14="http://schemas.microsoft.com/office/mac/drawingml/2011/main" val="1"/>
+                    <ma14:wrappingTextBoxFlag xmlns:ma14="http://schemas.microsoft.com/office/mac/drawingml/2011/main" xmlns:a14="http://schemas.microsoft.com/office/drawing/2010/main" xmlns:m="http://schemas.openxmlformats.org/officeDocument/2006/math" xmlns="" val="1"/>
                   </a:ext>
                 </a:extLst>
               </p:spPr>
@@ -6452,7 +6452,7 @@
                 </a:effectLst>
                 <a:extLst>
                   <a:ext uri="{C572A759-6A51-4108-AA02-DFA0A04FC94B}">
-                    <ma14:wrappingTextBoxFlag xmlns="" xmlns:m="http://schemas.openxmlformats.org/officeDocument/2006/math" xmlns:a14="http://schemas.microsoft.com/office/drawing/2010/main" xmlns:ma14="http://schemas.microsoft.com/office/mac/drawingml/2011/main" val="1"/>
+                    <ma14:wrappingTextBoxFlag xmlns:ma14="http://schemas.microsoft.com/office/mac/drawingml/2011/main" xmlns:a14="http://schemas.microsoft.com/office/drawing/2010/main" xmlns:m="http://schemas.openxmlformats.org/officeDocument/2006/math" xmlns="" val="1"/>
                   </a:ext>
                 </a:extLst>
               </p:spPr>
@@ -6542,7 +6542,7 @@
                 </a:effectLst>
                 <a:extLst>
                   <a:ext uri="{C572A759-6A51-4108-AA02-DFA0A04FC94B}">
-                    <ma14:wrappingTextBoxFlag xmlns="" xmlns:m="http://schemas.openxmlformats.org/officeDocument/2006/math" xmlns:a14="http://schemas.microsoft.com/office/drawing/2010/main" xmlns:ma14="http://schemas.microsoft.com/office/mac/drawingml/2011/main" val="1"/>
+                    <ma14:wrappingTextBoxFlag xmlns:ma14="http://schemas.microsoft.com/office/mac/drawingml/2011/main" xmlns:a14="http://schemas.microsoft.com/office/drawing/2010/main" xmlns:m="http://schemas.openxmlformats.org/officeDocument/2006/math" xmlns="" val="1"/>
                   </a:ext>
                 </a:extLst>
               </p:spPr>
@@ -6653,7 +6653,7 @@
               </a:effectLst>
               <a:extLst>
                 <a:ext uri="{C572A759-6A51-4108-AA02-DFA0A04FC94B}">
-                  <ma14:wrappingTextBoxFlag xmlns="" xmlns:m="http://schemas.openxmlformats.org/officeDocument/2006/math" xmlns:a14="http://schemas.microsoft.com/office/drawing/2010/main" xmlns:ma14="http://schemas.microsoft.com/office/mac/drawingml/2011/main" val="1"/>
+                  <ma14:wrappingTextBoxFlag xmlns:ma14="http://schemas.microsoft.com/office/mac/drawingml/2011/main" xmlns:a14="http://schemas.microsoft.com/office/drawing/2010/main" xmlns:m="http://schemas.openxmlformats.org/officeDocument/2006/math" xmlns="" val="1"/>
                 </a:ext>
               </a:extLst>
             </p:spPr>
@@ -6739,7 +6739,7 @@
               </a:effectLst>
               <a:extLst>
                 <a:ext uri="{C572A759-6A51-4108-AA02-DFA0A04FC94B}">
-                  <ma14:wrappingTextBoxFlag xmlns="" xmlns:m="http://schemas.openxmlformats.org/officeDocument/2006/math" xmlns:a14="http://schemas.microsoft.com/office/drawing/2010/main" xmlns:ma14="http://schemas.microsoft.com/office/mac/drawingml/2011/main" val="1"/>
+                  <ma14:wrappingTextBoxFlag xmlns:ma14="http://schemas.microsoft.com/office/mac/drawingml/2011/main" xmlns:a14="http://schemas.microsoft.com/office/drawing/2010/main" xmlns:m="http://schemas.openxmlformats.org/officeDocument/2006/math" xmlns="" val="1"/>
                 </a:ext>
               </a:extLst>
             </p:spPr>
@@ -6803,7 +6803,7 @@
               </a:effectLst>
               <a:extLst>
                 <a:ext uri="{C572A759-6A51-4108-AA02-DFA0A04FC94B}">
-                  <ma14:wrappingTextBoxFlag xmlns="" xmlns:m="http://schemas.openxmlformats.org/officeDocument/2006/math" xmlns:a14="http://schemas.microsoft.com/office/drawing/2010/main" xmlns:ma14="http://schemas.microsoft.com/office/mac/drawingml/2011/main" val="1"/>
+                  <ma14:wrappingTextBoxFlag xmlns:ma14="http://schemas.microsoft.com/office/mac/drawingml/2011/main" xmlns:a14="http://schemas.microsoft.com/office/drawing/2010/main" xmlns:m="http://schemas.openxmlformats.org/officeDocument/2006/math" xmlns="" val="1"/>
                 </a:ext>
               </a:extLst>
             </p:spPr>
@@ -6877,7 +6877,7 @@
               </a:effectLst>
               <a:extLst>
                 <a:ext uri="{C572A759-6A51-4108-AA02-DFA0A04FC94B}">
-                  <ma14:wrappingTextBoxFlag xmlns="" xmlns:m="http://schemas.openxmlformats.org/officeDocument/2006/math" xmlns:a14="http://schemas.microsoft.com/office/drawing/2010/main" xmlns:ma14="http://schemas.microsoft.com/office/mac/drawingml/2011/main" val="1"/>
+                  <ma14:wrappingTextBoxFlag xmlns:ma14="http://schemas.microsoft.com/office/mac/drawingml/2011/main" xmlns:a14="http://schemas.microsoft.com/office/drawing/2010/main" xmlns:m="http://schemas.openxmlformats.org/officeDocument/2006/math" xmlns="" val="1"/>
                 </a:ext>
               </a:extLst>
             </p:spPr>
@@ -6972,7 +6972,7 @@
               </a:effectLst>
               <a:extLst>
                 <a:ext uri="{C572A759-6A51-4108-AA02-DFA0A04FC94B}">
-                  <ma14:wrappingTextBoxFlag xmlns="" xmlns:m="http://schemas.openxmlformats.org/officeDocument/2006/math" xmlns:a14="http://schemas.microsoft.com/office/drawing/2010/main" xmlns:ma14="http://schemas.microsoft.com/office/mac/drawingml/2011/main" val="1"/>
+                  <ma14:wrappingTextBoxFlag xmlns:ma14="http://schemas.microsoft.com/office/mac/drawingml/2011/main" xmlns:a14="http://schemas.microsoft.com/office/drawing/2010/main" xmlns:m="http://schemas.openxmlformats.org/officeDocument/2006/math" xmlns="" val="1"/>
                 </a:ext>
               </a:extLst>
             </p:spPr>
@@ -7086,7 +7086,7 @@
               </a:effectLst>
               <a:extLst>
                 <a:ext uri="{C572A759-6A51-4108-AA02-DFA0A04FC94B}">
-                  <ma14:wrappingTextBoxFlag xmlns="" xmlns:m="http://schemas.openxmlformats.org/officeDocument/2006/math" xmlns:a14="http://schemas.microsoft.com/office/drawing/2010/main" xmlns:ma14="http://schemas.microsoft.com/office/mac/drawingml/2011/main" val="1"/>
+                  <ma14:wrappingTextBoxFlag xmlns:ma14="http://schemas.microsoft.com/office/mac/drawingml/2011/main" xmlns:a14="http://schemas.microsoft.com/office/drawing/2010/main" xmlns:m="http://schemas.openxmlformats.org/officeDocument/2006/math" xmlns="" val="1"/>
                 </a:ext>
               </a:extLst>
             </p:spPr>
@@ -7160,7 +7160,7 @@
               </a:effectLst>
               <a:extLst>
                 <a:ext uri="{C572A759-6A51-4108-AA02-DFA0A04FC94B}">
-                  <ma14:wrappingTextBoxFlag xmlns="" xmlns:m="http://schemas.openxmlformats.org/officeDocument/2006/math" xmlns:a14="http://schemas.microsoft.com/office/drawing/2010/main" xmlns:ma14="http://schemas.microsoft.com/office/mac/drawingml/2011/main" val="1"/>
+                  <ma14:wrappingTextBoxFlag xmlns:ma14="http://schemas.microsoft.com/office/mac/drawingml/2011/main" xmlns:a14="http://schemas.microsoft.com/office/drawing/2010/main" xmlns:m="http://schemas.openxmlformats.org/officeDocument/2006/math" xmlns="" val="1"/>
                 </a:ext>
               </a:extLst>
             </p:spPr>
@@ -7234,7 +7234,7 @@
               </a:effectLst>
               <a:extLst>
                 <a:ext uri="{C572A759-6A51-4108-AA02-DFA0A04FC94B}">
-                  <ma14:wrappingTextBoxFlag xmlns="" xmlns:m="http://schemas.openxmlformats.org/officeDocument/2006/math" xmlns:a14="http://schemas.microsoft.com/office/drawing/2010/main" xmlns:ma14="http://schemas.microsoft.com/office/mac/drawingml/2011/main" val="1"/>
+                  <ma14:wrappingTextBoxFlag xmlns:ma14="http://schemas.microsoft.com/office/mac/drawingml/2011/main" xmlns:a14="http://schemas.microsoft.com/office/drawing/2010/main" xmlns:m="http://schemas.openxmlformats.org/officeDocument/2006/math" xmlns="" val="1"/>
                 </a:ext>
               </a:extLst>
             </p:spPr>
@@ -7286,7 +7286,7 @@
         </p:nvGrpSpPr>
         <p:grpSpPr>
           <a:xfrm>
-            <a:off x="7802259" y="3152105"/>
+            <a:off x="7773364" y="2829605"/>
             <a:ext cx="1337088" cy="2880000"/>
             <a:chOff x="6947921" y="3112063"/>
             <a:chExt cx="1337088" cy="2880000"/>
@@ -7327,7 +7327,7 @@
             </a:effectLst>
             <a:extLst>
               <a:ext uri="{C572A759-6A51-4108-AA02-DFA0A04FC94B}">
-                <ma14:wrappingTextBoxFlag xmlns="" xmlns:m="http://schemas.openxmlformats.org/officeDocument/2006/math" xmlns:a14="http://schemas.microsoft.com/office/drawing/2010/main" xmlns:ma14="http://schemas.microsoft.com/office/mac/drawingml/2011/main" val="1"/>
+                <ma14:wrappingTextBoxFlag xmlns:ma14="http://schemas.microsoft.com/office/mac/drawingml/2011/main" xmlns:a14="http://schemas.microsoft.com/office/drawing/2010/main" xmlns:m="http://schemas.openxmlformats.org/officeDocument/2006/math" xmlns="" val="1"/>
               </a:ext>
             </a:extLst>
           </p:spPr>
@@ -7385,7 +7385,7 @@
             </a:effectLst>
             <a:extLst>
               <a:ext uri="{C572A759-6A51-4108-AA02-DFA0A04FC94B}">
-                <ma14:wrappingTextBoxFlag xmlns="" xmlns:m="http://schemas.openxmlformats.org/officeDocument/2006/math" xmlns:a14="http://schemas.microsoft.com/office/drawing/2010/main" xmlns:ma14="http://schemas.microsoft.com/office/mac/drawingml/2011/main" val="1"/>
+                <ma14:wrappingTextBoxFlag xmlns:ma14="http://schemas.microsoft.com/office/mac/drawingml/2011/main" xmlns:a14="http://schemas.microsoft.com/office/drawing/2010/main" xmlns:m="http://schemas.openxmlformats.org/officeDocument/2006/math" xmlns="" val="1"/>
               </a:ext>
             </a:extLst>
           </p:spPr>
@@ -7455,7 +7455,7 @@
             </a:effectLst>
             <a:extLst>
               <a:ext uri="{C572A759-6A51-4108-AA02-DFA0A04FC94B}">
-                <ma14:wrappingTextBoxFlag xmlns="" xmlns:m="http://schemas.openxmlformats.org/officeDocument/2006/math" xmlns:a14="http://schemas.microsoft.com/office/drawing/2010/main" xmlns:ma14="http://schemas.microsoft.com/office/mac/drawingml/2011/main" val="1"/>
+                <ma14:wrappingTextBoxFlag xmlns:ma14="http://schemas.microsoft.com/office/mac/drawingml/2011/main" xmlns:a14="http://schemas.microsoft.com/office/drawing/2010/main" xmlns:m="http://schemas.openxmlformats.org/officeDocument/2006/math" xmlns="" val="1"/>
               </a:ext>
             </a:extLst>
           </p:spPr>
@@ -7525,7 +7525,7 @@
             </a:effectLst>
             <a:extLst>
               <a:ext uri="{C572A759-6A51-4108-AA02-DFA0A04FC94B}">
-                <ma14:wrappingTextBoxFlag xmlns="" xmlns:m="http://schemas.openxmlformats.org/officeDocument/2006/math" xmlns:a14="http://schemas.microsoft.com/office/drawing/2010/main" xmlns:ma14="http://schemas.microsoft.com/office/mac/drawingml/2011/main" val="1"/>
+                <ma14:wrappingTextBoxFlag xmlns:ma14="http://schemas.microsoft.com/office/mac/drawingml/2011/main" xmlns:a14="http://schemas.microsoft.com/office/drawing/2010/main" xmlns:m="http://schemas.openxmlformats.org/officeDocument/2006/math" xmlns="" val="1"/>
               </a:ext>
             </a:extLst>
           </p:spPr>
@@ -7595,7 +7595,7 @@
             </a:effectLst>
             <a:extLst>
               <a:ext uri="{C572A759-6A51-4108-AA02-DFA0A04FC94B}">
-                <ma14:wrappingTextBoxFlag xmlns="" xmlns:m="http://schemas.openxmlformats.org/officeDocument/2006/math" xmlns:a14="http://schemas.microsoft.com/office/drawing/2010/main" xmlns:ma14="http://schemas.microsoft.com/office/mac/drawingml/2011/main" val="1"/>
+                <ma14:wrappingTextBoxFlag xmlns:ma14="http://schemas.microsoft.com/office/mac/drawingml/2011/main" xmlns:a14="http://schemas.microsoft.com/office/drawing/2010/main" xmlns:m="http://schemas.openxmlformats.org/officeDocument/2006/math" xmlns="" val="1"/>
               </a:ext>
             </a:extLst>
           </p:spPr>
@@ -7800,7 +7800,7 @@
         </p:nvSpPr>
         <p:spPr>
           <a:xfrm>
-            <a:off x="10845648" y="2530717"/>
+            <a:off x="10816753" y="2208217"/>
             <a:ext cx="4523115" cy="417378"/>
           </a:xfrm>
           <a:prstGeom prst="roundRect">
@@ -7822,7 +7822,7 @@
           </a:effectLst>
           <a:extLst>
             <a:ext uri="{C572A759-6A51-4108-AA02-DFA0A04FC94B}">
-              <ma14:wrappingTextBoxFlag xmlns="" xmlns:m="http://schemas.openxmlformats.org/officeDocument/2006/math" xmlns:a14="http://schemas.microsoft.com/office/drawing/2010/main" xmlns:ma14="http://schemas.microsoft.com/office/mac/drawingml/2011/main" val="1"/>
+              <ma14:wrappingTextBoxFlag xmlns:ma14="http://schemas.microsoft.com/office/mac/drawingml/2011/main" xmlns:a14="http://schemas.microsoft.com/office/drawing/2010/main" xmlns:m="http://schemas.openxmlformats.org/officeDocument/2006/math" xmlns="" val="1"/>
             </a:ext>
           </a:extLst>
         </p:spPr>
@@ -7868,7 +7868,7 @@
         </p:nvGrpSpPr>
         <p:grpSpPr>
           <a:xfrm>
-            <a:off x="8606867" y="3591862"/>
+            <a:off x="8577972" y="3269362"/>
             <a:ext cx="2641572" cy="2094654"/>
             <a:chOff x="7841020" y="3626173"/>
             <a:chExt cx="2641572" cy="2094654"/>
@@ -7913,7 +7913,7 @@
               </a:ln>
               <a:extLst>
                 <a:ext uri="{C572A759-6A51-4108-AA02-DFA0A04FC94B}">
-                  <ma14:wrappingTextBoxFlag xmlns="" xmlns:m="http://schemas.openxmlformats.org/officeDocument/2006/math" xmlns:a14="http://schemas.microsoft.com/office/drawing/2010/main" xmlns:ma14="http://schemas.microsoft.com/office/mac/drawingml/2011/main" val="1"/>
+                  <ma14:wrappingTextBoxFlag xmlns:ma14="http://schemas.microsoft.com/office/mac/drawingml/2011/main" xmlns:a14="http://schemas.microsoft.com/office/drawing/2010/main" xmlns:m="http://schemas.openxmlformats.org/officeDocument/2006/math" xmlns="" val="1"/>
                 </a:ext>
               </a:extLst>
             </p:spPr>
@@ -8043,7 +8043,7 @@
               </a:ln>
               <a:extLst>
                 <a:ext uri="{C572A759-6A51-4108-AA02-DFA0A04FC94B}">
-                  <ma14:wrappingTextBoxFlag xmlns="" xmlns:m="http://schemas.openxmlformats.org/officeDocument/2006/math" xmlns:a14="http://schemas.microsoft.com/office/drawing/2010/main" xmlns:ma14="http://schemas.microsoft.com/office/mac/drawingml/2011/main" val="1"/>
+                  <ma14:wrappingTextBoxFlag xmlns:ma14="http://schemas.microsoft.com/office/mac/drawingml/2011/main" xmlns:a14="http://schemas.microsoft.com/office/drawing/2010/main" xmlns:m="http://schemas.openxmlformats.org/officeDocument/2006/math" xmlns="" val="1"/>
                 </a:ext>
               </a:extLst>
             </p:spPr>
@@ -8156,7 +8156,7 @@
         </p:nvGrpSpPr>
         <p:grpSpPr>
           <a:xfrm>
-            <a:off x="10851299" y="3132668"/>
+            <a:off x="10822404" y="2810168"/>
             <a:ext cx="1337088" cy="2880000"/>
             <a:chOff x="6947921" y="3112063"/>
             <a:chExt cx="1337088" cy="2880000"/>
@@ -8203,7 +8203,7 @@
             </a:effectLst>
             <a:extLst>
               <a:ext uri="{C572A759-6A51-4108-AA02-DFA0A04FC94B}">
-                <ma14:wrappingTextBoxFlag xmlns="" xmlns:m="http://schemas.openxmlformats.org/officeDocument/2006/math" xmlns:a14="http://schemas.microsoft.com/office/drawing/2010/main" xmlns:ma14="http://schemas.microsoft.com/office/mac/drawingml/2011/main" val="1"/>
+                <ma14:wrappingTextBoxFlag xmlns:ma14="http://schemas.microsoft.com/office/mac/drawingml/2011/main" xmlns:a14="http://schemas.microsoft.com/office/drawing/2010/main" xmlns:m="http://schemas.openxmlformats.org/officeDocument/2006/math" xmlns="" val="1"/>
               </a:ext>
             </a:extLst>
           </p:spPr>
@@ -8267,7 +8267,7 @@
             </a:effectLst>
             <a:extLst>
               <a:ext uri="{C572A759-6A51-4108-AA02-DFA0A04FC94B}">
-                <ma14:wrappingTextBoxFlag xmlns="" xmlns:m="http://schemas.openxmlformats.org/officeDocument/2006/math" xmlns:a14="http://schemas.microsoft.com/office/drawing/2010/main" xmlns:ma14="http://schemas.microsoft.com/office/mac/drawingml/2011/main" val="1"/>
+                <ma14:wrappingTextBoxFlag xmlns:ma14="http://schemas.microsoft.com/office/mac/drawingml/2011/main" xmlns:a14="http://schemas.microsoft.com/office/drawing/2010/main" xmlns:m="http://schemas.openxmlformats.org/officeDocument/2006/math" xmlns="" val="1"/>
               </a:ext>
             </a:extLst>
           </p:spPr>
@@ -8337,7 +8337,7 @@
             </a:effectLst>
             <a:extLst>
               <a:ext uri="{C572A759-6A51-4108-AA02-DFA0A04FC94B}">
-                <ma14:wrappingTextBoxFlag xmlns="" xmlns:m="http://schemas.openxmlformats.org/officeDocument/2006/math" xmlns:a14="http://schemas.microsoft.com/office/drawing/2010/main" xmlns:ma14="http://schemas.microsoft.com/office/mac/drawingml/2011/main" val="1"/>
+                <ma14:wrappingTextBoxFlag xmlns:ma14="http://schemas.microsoft.com/office/mac/drawingml/2011/main" xmlns:a14="http://schemas.microsoft.com/office/drawing/2010/main" xmlns:m="http://schemas.openxmlformats.org/officeDocument/2006/math" xmlns="" val="1"/>
               </a:ext>
             </a:extLst>
           </p:spPr>
@@ -8407,7 +8407,7 @@
             </a:effectLst>
             <a:extLst>
               <a:ext uri="{C572A759-6A51-4108-AA02-DFA0A04FC94B}">
-                <ma14:wrappingTextBoxFlag xmlns="" xmlns:m="http://schemas.openxmlformats.org/officeDocument/2006/math" xmlns:a14="http://schemas.microsoft.com/office/drawing/2010/main" xmlns:ma14="http://schemas.microsoft.com/office/mac/drawingml/2011/main" val="1"/>
+                <ma14:wrappingTextBoxFlag xmlns:ma14="http://schemas.microsoft.com/office/mac/drawingml/2011/main" xmlns:a14="http://schemas.microsoft.com/office/drawing/2010/main" xmlns:m="http://schemas.openxmlformats.org/officeDocument/2006/math" xmlns="" val="1"/>
               </a:ext>
             </a:extLst>
           </p:spPr>
@@ -8477,7 +8477,7 @@
             </a:effectLst>
             <a:extLst>
               <a:ext uri="{C572A759-6A51-4108-AA02-DFA0A04FC94B}">
-                <ma14:wrappingTextBoxFlag xmlns="" xmlns:m="http://schemas.openxmlformats.org/officeDocument/2006/math" xmlns:a14="http://schemas.microsoft.com/office/drawing/2010/main" xmlns:ma14="http://schemas.microsoft.com/office/mac/drawingml/2011/main" val="1"/>
+                <ma14:wrappingTextBoxFlag xmlns:ma14="http://schemas.microsoft.com/office/mac/drawingml/2011/main" xmlns:a14="http://schemas.microsoft.com/office/drawing/2010/main" xmlns:m="http://schemas.openxmlformats.org/officeDocument/2006/math" xmlns="" val="1"/>
               </a:ext>
             </a:extLst>
           </p:spPr>
@@ -8524,7 +8524,7 @@
         </p:nvGrpSpPr>
         <p:grpSpPr>
           <a:xfrm>
-            <a:off x="2244700" y="6358956"/>
+            <a:off x="2215805" y="6036456"/>
             <a:ext cx="6120000" cy="912659"/>
             <a:chOff x="11242638" y="6397973"/>
             <a:chExt cx="4072836" cy="912659"/>
@@ -8568,7 +8568,7 @@
             </a:effectLst>
             <a:extLst>
               <a:ext uri="{C572A759-6A51-4108-AA02-DFA0A04FC94B}">
-                <ma14:wrappingTextBoxFlag xmlns="" xmlns:m="http://schemas.openxmlformats.org/officeDocument/2006/math" xmlns:a14="http://schemas.microsoft.com/office/drawing/2010/main" xmlns:ma14="http://schemas.microsoft.com/office/mac/drawingml/2011/main" val="1"/>
+                <ma14:wrappingTextBoxFlag xmlns:ma14="http://schemas.microsoft.com/office/mac/drawingml/2011/main" xmlns:a14="http://schemas.microsoft.com/office/drawing/2010/main" xmlns:m="http://schemas.openxmlformats.org/officeDocument/2006/math" xmlns="" val="1"/>
               </a:ext>
             </a:extLst>
           </p:spPr>
@@ -8638,7 +8638,7 @@
             </a:effectLst>
             <a:extLst>
               <a:ext uri="{C572A759-6A51-4108-AA02-DFA0A04FC94B}">
-                <ma14:wrappingTextBoxFlag xmlns="" xmlns:m="http://schemas.openxmlformats.org/officeDocument/2006/math" xmlns:a14="http://schemas.microsoft.com/office/drawing/2010/main" xmlns:ma14="http://schemas.microsoft.com/office/mac/drawingml/2011/main" val="1"/>
+                <ma14:wrappingTextBoxFlag xmlns:ma14="http://schemas.microsoft.com/office/mac/drawingml/2011/main" xmlns:a14="http://schemas.microsoft.com/office/drawing/2010/main" xmlns:m="http://schemas.openxmlformats.org/officeDocument/2006/math" xmlns="" val="1"/>
               </a:ext>
             </a:extLst>
           </p:spPr>
@@ -8689,7 +8689,7 @@
         </p:nvGrpSpPr>
         <p:grpSpPr>
           <a:xfrm>
-            <a:off x="4859701" y="3181428"/>
+            <a:off x="4830806" y="2858928"/>
             <a:ext cx="1255462" cy="2880000"/>
             <a:chOff x="4740680" y="3181428"/>
             <a:chExt cx="1255462" cy="2880000"/>
@@ -8736,7 +8736,7 @@
             </a:effectLst>
             <a:extLst>
               <a:ext uri="{C572A759-6A51-4108-AA02-DFA0A04FC94B}">
-                <ma14:wrappingTextBoxFlag xmlns="" xmlns:m="http://schemas.openxmlformats.org/officeDocument/2006/math" xmlns:a14="http://schemas.microsoft.com/office/drawing/2010/main" xmlns:ma14="http://schemas.microsoft.com/office/mac/drawingml/2011/main" val="1"/>
+                <ma14:wrappingTextBoxFlag xmlns:ma14="http://schemas.microsoft.com/office/mac/drawingml/2011/main" xmlns:a14="http://schemas.microsoft.com/office/drawing/2010/main" xmlns:m="http://schemas.openxmlformats.org/officeDocument/2006/math" xmlns="" val="1"/>
               </a:ext>
             </a:extLst>
           </p:spPr>
@@ -8792,7 +8792,7 @@
             </a:effectLst>
             <a:extLst>
               <a:ext uri="{C572A759-6A51-4108-AA02-DFA0A04FC94B}">
-                <ma14:wrappingTextBoxFlag xmlns="" xmlns:m="http://schemas.openxmlformats.org/officeDocument/2006/math" xmlns:a14="http://schemas.microsoft.com/office/drawing/2010/main" xmlns:ma14="http://schemas.microsoft.com/office/mac/drawingml/2011/main" val="1"/>
+                <ma14:wrappingTextBoxFlag xmlns:ma14="http://schemas.microsoft.com/office/mac/drawingml/2011/main" xmlns:a14="http://schemas.microsoft.com/office/drawing/2010/main" xmlns:m="http://schemas.openxmlformats.org/officeDocument/2006/math" xmlns="" val="1"/>
               </a:ext>
             </a:extLst>
           </p:spPr>
@@ -8848,7 +8848,7 @@
             </a:effectLst>
             <a:extLst>
               <a:ext uri="{C572A759-6A51-4108-AA02-DFA0A04FC94B}">
-                <ma14:wrappingTextBoxFlag xmlns="" xmlns:m="http://schemas.openxmlformats.org/officeDocument/2006/math" xmlns:a14="http://schemas.microsoft.com/office/drawing/2010/main" xmlns:ma14="http://schemas.microsoft.com/office/mac/drawingml/2011/main" val="1"/>
+                <ma14:wrappingTextBoxFlag xmlns:ma14="http://schemas.microsoft.com/office/mac/drawingml/2011/main" xmlns:a14="http://schemas.microsoft.com/office/drawing/2010/main" xmlns:m="http://schemas.openxmlformats.org/officeDocument/2006/math" xmlns="" val="1"/>
               </a:ext>
             </a:extLst>
           </p:spPr>
@@ -8917,7 +8917,7 @@
             </a:effectLst>
             <a:extLst>
               <a:ext uri="{C572A759-6A51-4108-AA02-DFA0A04FC94B}">
-                <ma14:wrappingTextBoxFlag xmlns="" xmlns:m="http://schemas.openxmlformats.org/officeDocument/2006/math" xmlns:a14="http://schemas.microsoft.com/office/drawing/2010/main" xmlns:ma14="http://schemas.microsoft.com/office/mac/drawingml/2011/main" val="1"/>
+                <ma14:wrappingTextBoxFlag xmlns:ma14="http://schemas.microsoft.com/office/mac/drawingml/2011/main" xmlns:a14="http://schemas.microsoft.com/office/drawing/2010/main" xmlns:m="http://schemas.openxmlformats.org/officeDocument/2006/math" xmlns="" val="1"/>
               </a:ext>
             </a:extLst>
           </p:spPr>
@@ -8969,7 +8969,7 @@
         </p:nvGrpSpPr>
         <p:grpSpPr>
           <a:xfrm>
-            <a:off x="3302490" y="3139805"/>
+            <a:off x="3273595" y="2817305"/>
             <a:ext cx="1255462" cy="2880000"/>
             <a:chOff x="2383951" y="3132668"/>
             <a:chExt cx="1255462" cy="2880000"/>
@@ -9016,7 +9016,7 @@
             </a:effectLst>
             <a:extLst>
               <a:ext uri="{C572A759-6A51-4108-AA02-DFA0A04FC94B}">
-                <ma14:wrappingTextBoxFlag xmlns="" xmlns:m="http://schemas.openxmlformats.org/officeDocument/2006/math" xmlns:a14="http://schemas.microsoft.com/office/drawing/2010/main" xmlns:ma14="http://schemas.microsoft.com/office/mac/drawingml/2011/main" val="1"/>
+                <ma14:wrappingTextBoxFlag xmlns:ma14="http://schemas.microsoft.com/office/mac/drawingml/2011/main" xmlns:a14="http://schemas.microsoft.com/office/drawing/2010/main" xmlns:m="http://schemas.openxmlformats.org/officeDocument/2006/math" xmlns="" val="1"/>
               </a:ext>
             </a:extLst>
           </p:spPr>
@@ -9078,7 +9078,7 @@
             </a:effectLst>
             <a:extLst>
               <a:ext uri="{C572A759-6A51-4108-AA02-DFA0A04FC94B}">
-                <ma14:wrappingTextBoxFlag xmlns="" xmlns:m="http://schemas.openxmlformats.org/officeDocument/2006/math" xmlns:a14="http://schemas.microsoft.com/office/drawing/2010/main" xmlns:ma14="http://schemas.microsoft.com/office/mac/drawingml/2011/main" val="1"/>
+                <ma14:wrappingTextBoxFlag xmlns:ma14="http://schemas.microsoft.com/office/mac/drawingml/2011/main" xmlns:a14="http://schemas.microsoft.com/office/drawing/2010/main" xmlns:m="http://schemas.openxmlformats.org/officeDocument/2006/math" xmlns="" val="1"/>
               </a:ext>
             </a:extLst>
           </p:spPr>
@@ -9125,7 +9125,7 @@
         </p:nvSpPr>
         <p:spPr>
           <a:xfrm>
-            <a:off x="4597473" y="4579805"/>
+            <a:off x="4568578" y="4257305"/>
             <a:ext cx="262228" cy="0"/>
           </a:xfrm>
           <a:prstGeom prst="line">
@@ -9185,7 +9185,7 @@
         </p:nvSpPr>
         <p:spPr>
           <a:xfrm>
-            <a:off x="3040262" y="4594131"/>
+            <a:off x="3011367" y="4271631"/>
             <a:ext cx="262228" cy="0"/>
           </a:xfrm>
           <a:prstGeom prst="line">
@@ -9245,7 +9245,7 @@
         </p:nvGrpSpPr>
         <p:grpSpPr>
           <a:xfrm>
-            <a:off x="12553106" y="3144441"/>
+            <a:off x="12524211" y="2821941"/>
             <a:ext cx="1083600" cy="2880000"/>
             <a:chOff x="6416912" y="3174922"/>
             <a:chExt cx="1083600" cy="2880000"/>
@@ -9292,7 +9292,7 @@
             </a:effectLst>
             <a:extLst>
               <a:ext uri="{C572A759-6A51-4108-AA02-DFA0A04FC94B}">
-                <ma14:wrappingTextBoxFlag xmlns="" xmlns:m="http://schemas.openxmlformats.org/officeDocument/2006/math" xmlns:a14="http://schemas.microsoft.com/office/drawing/2010/main" xmlns:ma14="http://schemas.microsoft.com/office/mac/drawingml/2011/main" val="1"/>
+                <ma14:wrappingTextBoxFlag xmlns:ma14="http://schemas.microsoft.com/office/mac/drawingml/2011/main" xmlns:a14="http://schemas.microsoft.com/office/drawing/2010/main" xmlns:m="http://schemas.openxmlformats.org/officeDocument/2006/math" xmlns="" val="1"/>
               </a:ext>
             </a:extLst>
           </p:spPr>
@@ -9371,7 +9371,7 @@
               </a:effectLst>
               <a:extLst>
                 <a:ext uri="{C572A759-6A51-4108-AA02-DFA0A04FC94B}">
-                  <ma14:wrappingTextBoxFlag xmlns="" xmlns:m="http://schemas.openxmlformats.org/officeDocument/2006/math" xmlns:a14="http://schemas.microsoft.com/office/drawing/2010/main" xmlns:ma14="http://schemas.microsoft.com/office/mac/drawingml/2011/main" val="1"/>
+                  <ma14:wrappingTextBoxFlag xmlns:ma14="http://schemas.microsoft.com/office/mac/drawingml/2011/main" xmlns:a14="http://schemas.microsoft.com/office/drawing/2010/main" xmlns:m="http://schemas.openxmlformats.org/officeDocument/2006/math" xmlns="" val="1"/>
                 </a:ext>
               </a:extLst>
             </p:spPr>
@@ -9444,7 +9444,7 @@
               </a:effectLst>
               <a:extLst>
                 <a:ext uri="{C572A759-6A51-4108-AA02-DFA0A04FC94B}">
-                  <ma14:wrappingTextBoxFlag xmlns="" xmlns:m="http://schemas.openxmlformats.org/officeDocument/2006/math" xmlns:a14="http://schemas.microsoft.com/office/drawing/2010/main" xmlns:ma14="http://schemas.microsoft.com/office/mac/drawingml/2011/main" val="1"/>
+                  <ma14:wrappingTextBoxFlag xmlns:ma14="http://schemas.microsoft.com/office/mac/drawingml/2011/main" xmlns:a14="http://schemas.microsoft.com/office/drawing/2010/main" xmlns:m="http://schemas.openxmlformats.org/officeDocument/2006/math" xmlns="" val="1"/>
                 </a:ext>
               </a:extLst>
             </p:spPr>
@@ -9515,7 +9515,7 @@
               </a:effectLst>
               <a:extLst>
                 <a:ext uri="{C572A759-6A51-4108-AA02-DFA0A04FC94B}">
-                  <ma14:wrappingTextBoxFlag xmlns="" xmlns:m="http://schemas.openxmlformats.org/officeDocument/2006/math" xmlns:a14="http://schemas.microsoft.com/office/drawing/2010/main" xmlns:ma14="http://schemas.microsoft.com/office/mac/drawingml/2011/main" val="1"/>
+                  <ma14:wrappingTextBoxFlag xmlns:ma14="http://schemas.microsoft.com/office/mac/drawingml/2011/main" xmlns:a14="http://schemas.microsoft.com/office/drawing/2010/main" xmlns:m="http://schemas.openxmlformats.org/officeDocument/2006/math" xmlns="" val="1"/>
                 </a:ext>
               </a:extLst>
             </p:spPr>
@@ -9555,7 +9555,7 @@
         </p:nvSpPr>
         <p:spPr>
           <a:xfrm>
-            <a:off x="14088968" y="3135963"/>
+            <a:off x="14060073" y="2813463"/>
             <a:ext cx="1337088" cy="2880000"/>
           </a:xfrm>
           <a:prstGeom prst="roundRect">
@@ -9582,7 +9582,7 @@
           </a:effectLst>
           <a:extLst>
             <a:ext uri="{C572A759-6A51-4108-AA02-DFA0A04FC94B}">
-              <ma14:wrappingTextBoxFlag xmlns="" xmlns:m="http://schemas.openxmlformats.org/officeDocument/2006/math" xmlns:a14="http://schemas.microsoft.com/office/drawing/2010/main" xmlns:ma14="http://schemas.microsoft.com/office/mac/drawingml/2011/main" val="1"/>
+              <ma14:wrappingTextBoxFlag xmlns:ma14="http://schemas.microsoft.com/office/mac/drawingml/2011/main" xmlns:a14="http://schemas.microsoft.com/office/drawing/2010/main" xmlns:m="http://schemas.openxmlformats.org/officeDocument/2006/math" xmlns="" val="1"/>
             </a:ext>
           </a:extLst>
         </p:spPr>
@@ -9622,7 +9622,7 @@
         </p:nvSpPr>
         <p:spPr>
           <a:xfrm>
-            <a:off x="14145980" y="3651694"/>
+            <a:off x="14117085" y="3329194"/>
             <a:ext cx="1219802" cy="384067"/>
           </a:xfrm>
           <a:prstGeom prst="roundRect">
@@ -9646,7 +9646,7 @@
           </a:effectLst>
           <a:extLst>
             <a:ext uri="{C572A759-6A51-4108-AA02-DFA0A04FC94B}">
-              <ma14:wrappingTextBoxFlag xmlns="" xmlns:m="http://schemas.openxmlformats.org/officeDocument/2006/math" xmlns:a14="http://schemas.microsoft.com/office/drawing/2010/main" xmlns:ma14="http://schemas.microsoft.com/office/mac/drawingml/2011/main" val="1"/>
+              <ma14:wrappingTextBoxFlag xmlns:ma14="http://schemas.microsoft.com/office/mac/drawingml/2011/main" xmlns:a14="http://schemas.microsoft.com/office/drawing/2010/main" xmlns:m="http://schemas.openxmlformats.org/officeDocument/2006/math" xmlns="" val="1"/>
             </a:ext>
           </a:extLst>
         </p:spPr>
@@ -9692,7 +9692,7 @@
         </p:nvSpPr>
         <p:spPr>
           <a:xfrm>
-            <a:off x="14145980" y="4249256"/>
+            <a:off x="14117085" y="3926756"/>
             <a:ext cx="1219802" cy="384067"/>
           </a:xfrm>
           <a:prstGeom prst="roundRect">
@@ -9716,7 +9716,7 @@
           </a:effectLst>
           <a:extLst>
             <a:ext uri="{C572A759-6A51-4108-AA02-DFA0A04FC94B}">
-              <ma14:wrappingTextBoxFlag xmlns="" xmlns:m="http://schemas.openxmlformats.org/officeDocument/2006/math" xmlns:a14="http://schemas.microsoft.com/office/drawing/2010/main" xmlns:ma14="http://schemas.microsoft.com/office/mac/drawingml/2011/main" val="1"/>
+              <ma14:wrappingTextBoxFlag xmlns:ma14="http://schemas.microsoft.com/office/mac/drawingml/2011/main" xmlns:a14="http://schemas.microsoft.com/office/drawing/2010/main" xmlns:m="http://schemas.openxmlformats.org/officeDocument/2006/math" xmlns="" val="1"/>
             </a:ext>
           </a:extLst>
         </p:spPr>
@@ -9762,7 +9762,7 @@
         </p:nvSpPr>
         <p:spPr>
           <a:xfrm>
-            <a:off x="14145980" y="5444379"/>
+            <a:off x="14117085" y="5121879"/>
             <a:ext cx="1219802" cy="384067"/>
           </a:xfrm>
           <a:prstGeom prst="roundRect">
@@ -9786,7 +9786,7 @@
           </a:effectLst>
           <a:extLst>
             <a:ext uri="{C572A759-6A51-4108-AA02-DFA0A04FC94B}">
-              <ma14:wrappingTextBoxFlag xmlns="" xmlns:m="http://schemas.openxmlformats.org/officeDocument/2006/math" xmlns:a14="http://schemas.microsoft.com/office/drawing/2010/main" xmlns:ma14="http://schemas.microsoft.com/office/mac/drawingml/2011/main" val="1"/>
+              <ma14:wrappingTextBoxFlag xmlns:ma14="http://schemas.microsoft.com/office/mac/drawingml/2011/main" xmlns:a14="http://schemas.microsoft.com/office/drawing/2010/main" xmlns:m="http://schemas.openxmlformats.org/officeDocument/2006/math" xmlns="" val="1"/>
             </a:ext>
           </a:extLst>
         </p:spPr>
@@ -9832,7 +9832,7 @@
         </p:nvSpPr>
         <p:spPr>
           <a:xfrm>
-            <a:off x="14145980" y="4846818"/>
+            <a:off x="14117085" y="4524318"/>
             <a:ext cx="1219802" cy="384067"/>
           </a:xfrm>
           <a:prstGeom prst="roundRect">
@@ -9856,7 +9856,7 @@
           </a:effectLst>
           <a:extLst>
             <a:ext uri="{C572A759-6A51-4108-AA02-DFA0A04FC94B}">
-              <ma14:wrappingTextBoxFlag xmlns="" xmlns:m="http://schemas.openxmlformats.org/officeDocument/2006/math" xmlns:a14="http://schemas.microsoft.com/office/drawing/2010/main" xmlns:ma14="http://schemas.microsoft.com/office/mac/drawingml/2011/main" val="1"/>
+              <ma14:wrappingTextBoxFlag xmlns:ma14="http://schemas.microsoft.com/office/mac/drawingml/2011/main" xmlns:a14="http://schemas.microsoft.com/office/drawing/2010/main" xmlns:m="http://schemas.openxmlformats.org/officeDocument/2006/math" xmlns="" val="1"/>
             </a:ext>
           </a:extLst>
         </p:spPr>
@@ -9997,7 +9997,7 @@
           </a:effectLst>
           <a:extLst>
             <a:ext uri="{C572A759-6A51-4108-AA02-DFA0A04FC94B}">
-              <ma14:wrappingTextBoxFlag xmlns="" xmlns:m="http://schemas.openxmlformats.org/officeDocument/2006/math" xmlns:a14="http://schemas.microsoft.com/office/drawing/2010/main" xmlns:ma14="http://schemas.microsoft.com/office/mac/drawingml/2011/main" val="1"/>
+              <ma14:wrappingTextBoxFlag xmlns:ma14="http://schemas.microsoft.com/office/mac/drawingml/2011/main" xmlns:a14="http://schemas.microsoft.com/office/drawing/2010/main" xmlns:m="http://schemas.openxmlformats.org/officeDocument/2006/math" xmlns="" val="1"/>
             </a:ext>
           </a:extLst>
         </p:spPr>
@@ -10067,7 +10067,7 @@
           </a:effectLst>
           <a:extLst>
             <a:ext uri="{C572A759-6A51-4108-AA02-DFA0A04FC94B}">
-              <ma14:wrappingTextBoxFlag xmlns="" xmlns:m="http://schemas.openxmlformats.org/officeDocument/2006/math" xmlns:a14="http://schemas.microsoft.com/office/drawing/2010/main" xmlns:ma14="http://schemas.microsoft.com/office/mac/drawingml/2011/main" val="1"/>
+              <ma14:wrappingTextBoxFlag xmlns:ma14="http://schemas.microsoft.com/office/mac/drawingml/2011/main" xmlns:a14="http://schemas.microsoft.com/office/drawing/2010/main" xmlns:m="http://schemas.openxmlformats.org/officeDocument/2006/math" xmlns="" val="1"/>
             </a:ext>
           </a:extLst>
         </p:spPr>
@@ -10120,7 +10120,7 @@
           </a:effectLst>
           <a:extLst>
             <a:ext uri="{C572A759-6A51-4108-AA02-DFA0A04FC94B}">
-              <ma14:wrappingTextBoxFlag xmlns="" xmlns:m="http://schemas.openxmlformats.org/officeDocument/2006/math" xmlns:a14="http://schemas.microsoft.com/office/drawing/2010/main" xmlns:ma14="http://schemas.microsoft.com/office/mac/drawingml/2011/main" val="1"/>
+              <ma14:wrappingTextBoxFlag xmlns:ma14="http://schemas.microsoft.com/office/mac/drawingml/2011/main" xmlns:a14="http://schemas.microsoft.com/office/drawing/2010/main" xmlns:m="http://schemas.openxmlformats.org/officeDocument/2006/math" xmlns="" val="1"/>
             </a:ext>
           </a:extLst>
         </p:spPr>
@@ -10176,7 +10176,7 @@
           </a:effectLst>
           <a:extLst>
             <a:ext uri="{C572A759-6A51-4108-AA02-DFA0A04FC94B}">
-              <ma14:wrappingTextBoxFlag xmlns="" xmlns:m="http://schemas.openxmlformats.org/officeDocument/2006/math" xmlns:a14="http://schemas.microsoft.com/office/drawing/2010/main" xmlns:ma14="http://schemas.microsoft.com/office/mac/drawingml/2011/main" val="1"/>
+              <ma14:wrappingTextBoxFlag xmlns:ma14="http://schemas.microsoft.com/office/mac/drawingml/2011/main" xmlns:a14="http://schemas.microsoft.com/office/drawing/2010/main" xmlns:m="http://schemas.openxmlformats.org/officeDocument/2006/math" xmlns="" val="1"/>
             </a:ext>
           </a:extLst>
         </p:spPr>
@@ -10246,7 +10246,7 @@
           </a:effectLst>
           <a:extLst>
             <a:ext uri="{C572A759-6A51-4108-AA02-DFA0A04FC94B}">
-              <ma14:wrappingTextBoxFlag xmlns="" xmlns:m="http://schemas.openxmlformats.org/officeDocument/2006/math" xmlns:a14="http://schemas.microsoft.com/office/drawing/2010/main" xmlns:ma14="http://schemas.microsoft.com/office/mac/drawingml/2011/main" val="1"/>
+              <ma14:wrappingTextBoxFlag xmlns:ma14="http://schemas.microsoft.com/office/mac/drawingml/2011/main" xmlns:a14="http://schemas.microsoft.com/office/drawing/2010/main" xmlns:m="http://schemas.openxmlformats.org/officeDocument/2006/math" xmlns="" val="1"/>
             </a:ext>
           </a:extLst>
         </p:spPr>
@@ -10299,7 +10299,7 @@
           </a:effectLst>
           <a:extLst>
             <a:ext uri="{C572A759-6A51-4108-AA02-DFA0A04FC94B}">
-              <ma14:wrappingTextBoxFlag xmlns="" xmlns:m="http://schemas.openxmlformats.org/officeDocument/2006/math" xmlns:a14="http://schemas.microsoft.com/office/drawing/2010/main" xmlns:ma14="http://schemas.microsoft.com/office/mac/drawingml/2011/main" val="1"/>
+              <ma14:wrappingTextBoxFlag xmlns:ma14="http://schemas.microsoft.com/office/mac/drawingml/2011/main" xmlns:a14="http://schemas.microsoft.com/office/drawing/2010/main" xmlns:m="http://schemas.openxmlformats.org/officeDocument/2006/math" xmlns="" val="1"/>
             </a:ext>
           </a:extLst>
         </p:spPr>
@@ -10366,7 +10366,7 @@
           </a:effectLst>
           <a:extLst>
             <a:ext uri="{C572A759-6A51-4108-AA02-DFA0A04FC94B}">
-              <ma14:wrappingTextBoxFlag xmlns="" xmlns:m="http://schemas.openxmlformats.org/officeDocument/2006/math" xmlns:a14="http://schemas.microsoft.com/office/drawing/2010/main" xmlns:ma14="http://schemas.microsoft.com/office/mac/drawingml/2011/main" val="1"/>
+              <ma14:wrappingTextBoxFlag xmlns:ma14="http://schemas.microsoft.com/office/mac/drawingml/2011/main" xmlns:a14="http://schemas.microsoft.com/office/drawing/2010/main" xmlns:m="http://schemas.openxmlformats.org/officeDocument/2006/math" xmlns="" val="1"/>
             </a:ext>
           </a:extLst>
         </p:spPr>
@@ -10431,7 +10431,7 @@
           </a:effectLst>
           <a:extLst>
             <a:ext uri="{C572A759-6A51-4108-AA02-DFA0A04FC94B}">
-              <ma14:wrappingTextBoxFlag xmlns="" xmlns:m="http://schemas.openxmlformats.org/officeDocument/2006/math" xmlns:a14="http://schemas.microsoft.com/office/drawing/2010/main" xmlns:ma14="http://schemas.microsoft.com/office/mac/drawingml/2011/main" val="1"/>
+              <ma14:wrappingTextBoxFlag xmlns:ma14="http://schemas.microsoft.com/office/mac/drawingml/2011/main" xmlns:a14="http://schemas.microsoft.com/office/drawing/2010/main" xmlns:m="http://schemas.openxmlformats.org/officeDocument/2006/math" xmlns="" val="1"/>
             </a:ext>
           </a:extLst>
         </p:spPr>
@@ -10490,7 +10490,7 @@
           </a:effectLst>
           <a:extLst>
             <a:ext uri="{C572A759-6A51-4108-AA02-DFA0A04FC94B}">
-              <ma14:wrappingTextBoxFlag xmlns="" xmlns:m="http://schemas.openxmlformats.org/officeDocument/2006/math" xmlns:a14="http://schemas.microsoft.com/office/drawing/2010/main" xmlns:ma14="http://schemas.microsoft.com/office/mac/drawingml/2011/main" val="1"/>
+              <ma14:wrappingTextBoxFlag xmlns:ma14="http://schemas.microsoft.com/office/mac/drawingml/2011/main" xmlns:a14="http://schemas.microsoft.com/office/drawing/2010/main" xmlns:m="http://schemas.openxmlformats.org/officeDocument/2006/math" xmlns="" val="1"/>
             </a:ext>
           </a:extLst>
         </p:spPr>
@@ -10541,7 +10541,7 @@
           </a:effectLst>
           <a:extLst>
             <a:ext uri="{C572A759-6A51-4108-AA02-DFA0A04FC94B}">
-              <ma14:wrappingTextBoxFlag xmlns="" xmlns:m="http://schemas.openxmlformats.org/officeDocument/2006/math" xmlns:a14="http://schemas.microsoft.com/office/drawing/2010/main" xmlns:ma14="http://schemas.microsoft.com/office/mac/drawingml/2011/main" val="1"/>
+              <ma14:wrappingTextBoxFlag xmlns:ma14="http://schemas.microsoft.com/office/mac/drawingml/2011/main" xmlns:a14="http://schemas.microsoft.com/office/drawing/2010/main" xmlns:m="http://schemas.openxmlformats.org/officeDocument/2006/math" xmlns="" val="1"/>
             </a:ext>
           </a:extLst>
         </p:spPr>
@@ -10597,7 +10597,7 @@
           </a:effectLst>
           <a:extLst>
             <a:ext uri="{C572A759-6A51-4108-AA02-DFA0A04FC94B}">
-              <ma14:wrappingTextBoxFlag xmlns="" xmlns:m="http://schemas.openxmlformats.org/officeDocument/2006/math" xmlns:a14="http://schemas.microsoft.com/office/drawing/2010/main" xmlns:ma14="http://schemas.microsoft.com/office/mac/drawingml/2011/main" val="1"/>
+              <ma14:wrappingTextBoxFlag xmlns:ma14="http://schemas.microsoft.com/office/mac/drawingml/2011/main" xmlns:a14="http://schemas.microsoft.com/office/drawing/2010/main" xmlns:m="http://schemas.openxmlformats.org/officeDocument/2006/math" xmlns="" val="1"/>
             </a:ext>
           </a:extLst>
         </p:spPr>
@@ -10666,7 +10666,7 @@
           </a:effectLst>
           <a:extLst>
             <a:ext uri="{C572A759-6A51-4108-AA02-DFA0A04FC94B}">
-              <ma14:wrappingTextBoxFlag xmlns="" xmlns:m="http://schemas.openxmlformats.org/officeDocument/2006/math" xmlns:a14="http://schemas.microsoft.com/office/drawing/2010/main" xmlns:ma14="http://schemas.microsoft.com/office/mac/drawingml/2011/main" val="1"/>
+              <ma14:wrappingTextBoxFlag xmlns:ma14="http://schemas.microsoft.com/office/mac/drawingml/2011/main" xmlns:a14="http://schemas.microsoft.com/office/drawing/2010/main" xmlns:m="http://schemas.openxmlformats.org/officeDocument/2006/math" xmlns="" val="1"/>
             </a:ext>
           </a:extLst>
         </p:spPr>
@@ -10733,7 +10733,7 @@
           </a:effectLst>
           <a:extLst>
             <a:ext uri="{C572A759-6A51-4108-AA02-DFA0A04FC94B}">
-              <ma14:wrappingTextBoxFlag xmlns="" xmlns:m="http://schemas.openxmlformats.org/officeDocument/2006/math" xmlns:a14="http://schemas.microsoft.com/office/drawing/2010/main" xmlns:ma14="http://schemas.microsoft.com/office/mac/drawingml/2011/main" val="1"/>
+              <ma14:wrappingTextBoxFlag xmlns:ma14="http://schemas.microsoft.com/office/mac/drawingml/2011/main" xmlns:a14="http://schemas.microsoft.com/office/drawing/2010/main" xmlns:m="http://schemas.openxmlformats.org/officeDocument/2006/math" xmlns="" val="1"/>
             </a:ext>
           </a:extLst>
         </p:spPr>
@@ -10787,7 +10787,7 @@
           </a:effectLst>
           <a:extLst>
             <a:ext uri="{C572A759-6A51-4108-AA02-DFA0A04FC94B}">
-              <ma14:wrappingTextBoxFlag xmlns="" xmlns:m="http://schemas.openxmlformats.org/officeDocument/2006/math" xmlns:a14="http://schemas.microsoft.com/office/drawing/2010/main" xmlns:ma14="http://schemas.microsoft.com/office/mac/drawingml/2011/main" val="1"/>
+              <ma14:wrappingTextBoxFlag xmlns:ma14="http://schemas.microsoft.com/office/mac/drawingml/2011/main" xmlns:a14="http://schemas.microsoft.com/office/drawing/2010/main" xmlns:m="http://schemas.openxmlformats.org/officeDocument/2006/math" xmlns="" val="1"/>
             </a:ext>
           </a:extLst>
         </p:spPr>
@@ -10849,7 +10849,7 @@
           </a:effectLst>
           <a:extLst>
             <a:ext uri="{C572A759-6A51-4108-AA02-DFA0A04FC94B}">
-              <ma14:wrappingTextBoxFlag xmlns="" xmlns:m="http://schemas.openxmlformats.org/officeDocument/2006/math" xmlns:a14="http://schemas.microsoft.com/office/drawing/2010/main" xmlns:ma14="http://schemas.microsoft.com/office/mac/drawingml/2011/main" val="1"/>
+              <ma14:wrappingTextBoxFlag xmlns:ma14="http://schemas.microsoft.com/office/mac/drawingml/2011/main" xmlns:a14="http://schemas.microsoft.com/office/drawing/2010/main" xmlns:m="http://schemas.openxmlformats.org/officeDocument/2006/math" xmlns="" val="1"/>
             </a:ext>
           </a:extLst>
         </p:spPr>
@@ -10903,7 +10903,7 @@
           </a:effectLst>
           <a:extLst>
             <a:ext uri="{C572A759-6A51-4108-AA02-DFA0A04FC94B}">
-              <ma14:wrappingTextBoxFlag xmlns="" xmlns:m="http://schemas.openxmlformats.org/officeDocument/2006/math" xmlns:a14="http://schemas.microsoft.com/office/drawing/2010/main" xmlns:ma14="http://schemas.microsoft.com/office/mac/drawingml/2011/main" val="1"/>
+              <ma14:wrappingTextBoxFlag xmlns:ma14="http://schemas.microsoft.com/office/mac/drawingml/2011/main" xmlns:a14="http://schemas.microsoft.com/office/drawing/2010/main" xmlns:m="http://schemas.openxmlformats.org/officeDocument/2006/math" xmlns="" val="1"/>
             </a:ext>
           </a:extLst>
         </p:spPr>
@@ -10957,7 +10957,7 @@
           </a:effectLst>
           <a:extLst>
             <a:ext uri="{C572A759-6A51-4108-AA02-DFA0A04FC94B}">
-              <ma14:wrappingTextBoxFlag xmlns="" xmlns:m="http://schemas.openxmlformats.org/officeDocument/2006/math" xmlns:a14="http://schemas.microsoft.com/office/drawing/2010/main" xmlns:ma14="http://schemas.microsoft.com/office/mac/drawingml/2011/main" val="1"/>
+              <ma14:wrappingTextBoxFlag xmlns:ma14="http://schemas.microsoft.com/office/mac/drawingml/2011/main" xmlns:a14="http://schemas.microsoft.com/office/drawing/2010/main" xmlns:m="http://schemas.openxmlformats.org/officeDocument/2006/math" xmlns="" val="1"/>
             </a:ext>
           </a:extLst>
         </p:spPr>
@@ -11021,7 +11021,7 @@
           </a:effectLst>
           <a:extLst>
             <a:ext uri="{C572A759-6A51-4108-AA02-DFA0A04FC94B}">
-              <ma14:wrappingTextBoxFlag xmlns="" xmlns:m="http://schemas.openxmlformats.org/officeDocument/2006/math" xmlns:a14="http://schemas.microsoft.com/office/drawing/2010/main" xmlns:ma14="http://schemas.microsoft.com/office/mac/drawingml/2011/main" val="1"/>
+              <ma14:wrappingTextBoxFlag xmlns:ma14="http://schemas.microsoft.com/office/mac/drawingml/2011/main" xmlns:a14="http://schemas.microsoft.com/office/drawing/2010/main" xmlns:m="http://schemas.openxmlformats.org/officeDocument/2006/math" xmlns="" val="1"/>
             </a:ext>
           </a:extLst>
         </p:spPr>
@@ -11197,7 +11197,7 @@
           </a:effectLst>
           <a:extLst>
             <a:ext uri="{C572A759-6A51-4108-AA02-DFA0A04FC94B}">
-              <ma14:wrappingTextBoxFlag xmlns="" xmlns:m="http://schemas.openxmlformats.org/officeDocument/2006/math" xmlns:a14="http://schemas.microsoft.com/office/drawing/2010/main" xmlns:ma14="http://schemas.microsoft.com/office/mac/drawingml/2011/main" val="1"/>
+              <ma14:wrappingTextBoxFlag xmlns:ma14="http://schemas.microsoft.com/office/mac/drawingml/2011/main" xmlns:a14="http://schemas.microsoft.com/office/drawing/2010/main" xmlns:m="http://schemas.openxmlformats.org/officeDocument/2006/math" xmlns="" val="1"/>
             </a:ext>
           </a:extLst>
         </p:spPr>
@@ -11264,7 +11264,7 @@
           </a:effectLst>
           <a:extLst>
             <a:ext uri="{C572A759-6A51-4108-AA02-DFA0A04FC94B}">
-              <ma14:wrappingTextBoxFlag xmlns="" xmlns:m="http://schemas.openxmlformats.org/officeDocument/2006/math" xmlns:a14="http://schemas.microsoft.com/office/drawing/2010/main" xmlns:ma14="http://schemas.microsoft.com/office/mac/drawingml/2011/main" val="1"/>
+              <ma14:wrappingTextBoxFlag xmlns:ma14="http://schemas.microsoft.com/office/mac/drawingml/2011/main" xmlns:a14="http://schemas.microsoft.com/office/drawing/2010/main" xmlns:m="http://schemas.openxmlformats.org/officeDocument/2006/math" xmlns="" val="1"/>
             </a:ext>
           </a:extLst>
         </p:spPr>
@@ -11318,7 +11318,7 @@
           </a:effectLst>
           <a:extLst>
             <a:ext uri="{C572A759-6A51-4108-AA02-DFA0A04FC94B}">
-              <ma14:wrappingTextBoxFlag xmlns="" xmlns:m="http://schemas.openxmlformats.org/officeDocument/2006/math" xmlns:a14="http://schemas.microsoft.com/office/drawing/2010/main" xmlns:ma14="http://schemas.microsoft.com/office/mac/drawingml/2011/main" val="1"/>
+              <ma14:wrappingTextBoxFlag xmlns:ma14="http://schemas.microsoft.com/office/mac/drawingml/2011/main" xmlns:a14="http://schemas.microsoft.com/office/drawing/2010/main" xmlns:m="http://schemas.openxmlformats.org/officeDocument/2006/math" xmlns="" val="1"/>
             </a:ext>
           </a:extLst>
         </p:spPr>
@@ -11385,7 +11385,7 @@
           </a:effectLst>
           <a:extLst>
             <a:ext uri="{C572A759-6A51-4108-AA02-DFA0A04FC94B}">
-              <ma14:wrappingTextBoxFlag xmlns="" xmlns:m="http://schemas.openxmlformats.org/officeDocument/2006/math" xmlns:a14="http://schemas.microsoft.com/office/drawing/2010/main" xmlns:ma14="http://schemas.microsoft.com/office/mac/drawingml/2011/main" val="1"/>
+              <ma14:wrappingTextBoxFlag xmlns:ma14="http://schemas.microsoft.com/office/mac/drawingml/2011/main" xmlns:a14="http://schemas.microsoft.com/office/drawing/2010/main" xmlns:m="http://schemas.openxmlformats.org/officeDocument/2006/math" xmlns="" val="1"/>
             </a:ext>
           </a:extLst>
         </p:spPr>
@@ -11449,7 +11449,7 @@
           </a:effectLst>
           <a:extLst>
             <a:ext uri="{C572A759-6A51-4108-AA02-DFA0A04FC94B}">
-              <ma14:wrappingTextBoxFlag xmlns="" xmlns:m="http://schemas.openxmlformats.org/officeDocument/2006/math" xmlns:a14="http://schemas.microsoft.com/office/drawing/2010/main" xmlns:ma14="http://schemas.microsoft.com/office/mac/drawingml/2011/main" val="1"/>
+              <ma14:wrappingTextBoxFlag xmlns:ma14="http://schemas.microsoft.com/office/mac/drawingml/2011/main" xmlns:a14="http://schemas.microsoft.com/office/drawing/2010/main" xmlns:m="http://schemas.openxmlformats.org/officeDocument/2006/math" xmlns="" val="1"/>
             </a:ext>
           </a:extLst>
         </p:spPr>
@@ -11516,7 +11516,7 @@
           </a:effectLst>
           <a:extLst>
             <a:ext uri="{C572A759-6A51-4108-AA02-DFA0A04FC94B}">
-              <ma14:wrappingTextBoxFlag xmlns="" xmlns:m="http://schemas.openxmlformats.org/officeDocument/2006/math" xmlns:a14="http://schemas.microsoft.com/office/drawing/2010/main" xmlns:ma14="http://schemas.microsoft.com/office/mac/drawingml/2011/main" val="1"/>
+              <ma14:wrappingTextBoxFlag xmlns:ma14="http://schemas.microsoft.com/office/mac/drawingml/2011/main" xmlns:a14="http://schemas.microsoft.com/office/drawing/2010/main" xmlns:m="http://schemas.openxmlformats.org/officeDocument/2006/math" xmlns="" val="1"/>
             </a:ext>
           </a:extLst>
         </p:spPr>
@@ -11584,7 +11584,7 @@
           </a:effectLst>
           <a:extLst>
             <a:ext uri="{C572A759-6A51-4108-AA02-DFA0A04FC94B}">
-              <ma14:wrappingTextBoxFlag xmlns="" xmlns:m="http://schemas.openxmlformats.org/officeDocument/2006/math" xmlns:a14="http://schemas.microsoft.com/office/drawing/2010/main" xmlns:ma14="http://schemas.microsoft.com/office/mac/drawingml/2011/main" val="1"/>
+              <ma14:wrappingTextBoxFlag xmlns:ma14="http://schemas.microsoft.com/office/mac/drawingml/2011/main" xmlns:a14="http://schemas.microsoft.com/office/drawing/2010/main" xmlns:m="http://schemas.openxmlformats.org/officeDocument/2006/math" xmlns="" val="1"/>
             </a:ext>
           </a:extLst>
         </p:spPr>
@@ -11651,7 +11651,7 @@
           </a:effectLst>
           <a:extLst>
             <a:ext uri="{C572A759-6A51-4108-AA02-DFA0A04FC94B}">
-              <ma14:wrappingTextBoxFlag xmlns="" xmlns:m="http://schemas.openxmlformats.org/officeDocument/2006/math" xmlns:a14="http://schemas.microsoft.com/office/drawing/2010/main" xmlns:ma14="http://schemas.microsoft.com/office/mac/drawingml/2011/main" val="1"/>
+              <ma14:wrappingTextBoxFlag xmlns:ma14="http://schemas.microsoft.com/office/mac/drawingml/2011/main" xmlns:a14="http://schemas.microsoft.com/office/drawing/2010/main" xmlns:m="http://schemas.openxmlformats.org/officeDocument/2006/math" xmlns="" val="1"/>
             </a:ext>
           </a:extLst>
         </p:spPr>
@@ -11719,7 +11719,7 @@
           </a:effectLst>
           <a:extLst>
             <a:ext uri="{C572A759-6A51-4108-AA02-DFA0A04FC94B}">
-              <ma14:wrappingTextBoxFlag xmlns="" xmlns:m="http://schemas.openxmlformats.org/officeDocument/2006/math" xmlns:a14="http://schemas.microsoft.com/office/drawing/2010/main" xmlns:ma14="http://schemas.microsoft.com/office/mac/drawingml/2011/main" val="1"/>
+              <ma14:wrappingTextBoxFlag xmlns:ma14="http://schemas.microsoft.com/office/mac/drawingml/2011/main" xmlns:a14="http://schemas.microsoft.com/office/drawing/2010/main" xmlns:m="http://schemas.openxmlformats.org/officeDocument/2006/math" xmlns="" val="1"/>
             </a:ext>
           </a:extLst>
         </p:spPr>
@@ -11786,7 +11786,7 @@
           </a:effectLst>
           <a:extLst>
             <a:ext uri="{C572A759-6A51-4108-AA02-DFA0A04FC94B}">
-              <ma14:wrappingTextBoxFlag xmlns="" xmlns:m="http://schemas.openxmlformats.org/officeDocument/2006/math" xmlns:a14="http://schemas.microsoft.com/office/drawing/2010/main" xmlns:ma14="http://schemas.microsoft.com/office/mac/drawingml/2011/main" val="1"/>
+              <ma14:wrappingTextBoxFlag xmlns:ma14="http://schemas.microsoft.com/office/mac/drawingml/2011/main" xmlns:a14="http://schemas.microsoft.com/office/drawing/2010/main" xmlns:m="http://schemas.openxmlformats.org/officeDocument/2006/math" xmlns="" val="1"/>
             </a:ext>
           </a:extLst>
         </p:spPr>
@@ -11850,7 +11850,7 @@
           </a:effectLst>
           <a:extLst>
             <a:ext uri="{C572A759-6A51-4108-AA02-DFA0A04FC94B}">
-              <ma14:wrappingTextBoxFlag xmlns="" xmlns:m="http://schemas.openxmlformats.org/officeDocument/2006/math" xmlns:a14="http://schemas.microsoft.com/office/drawing/2010/main" xmlns:ma14="http://schemas.microsoft.com/office/mac/drawingml/2011/main" val="1"/>
+              <ma14:wrappingTextBoxFlag xmlns:ma14="http://schemas.microsoft.com/office/mac/drawingml/2011/main" xmlns:a14="http://schemas.microsoft.com/office/drawing/2010/main" xmlns:m="http://schemas.openxmlformats.org/officeDocument/2006/math" xmlns="" val="1"/>
             </a:ext>
           </a:extLst>
         </p:spPr>
@@ -11904,7 +11904,7 @@
           </a:effectLst>
           <a:extLst>
             <a:ext uri="{C572A759-6A51-4108-AA02-DFA0A04FC94B}">
-              <ma14:wrappingTextBoxFlag xmlns="" xmlns:m="http://schemas.openxmlformats.org/officeDocument/2006/math" xmlns:a14="http://schemas.microsoft.com/office/drawing/2010/main" xmlns:ma14="http://schemas.microsoft.com/office/mac/drawingml/2011/main" val="1"/>
+              <ma14:wrappingTextBoxFlag xmlns:ma14="http://schemas.microsoft.com/office/mac/drawingml/2011/main" xmlns:a14="http://schemas.microsoft.com/office/drawing/2010/main" xmlns:m="http://schemas.openxmlformats.org/officeDocument/2006/math" xmlns="" val="1"/>
             </a:ext>
           </a:extLst>
         </p:spPr>
@@ -11968,7 +11968,7 @@
           </a:effectLst>
           <a:extLst>
             <a:ext uri="{C572A759-6A51-4108-AA02-DFA0A04FC94B}">
-              <ma14:wrappingTextBoxFlag xmlns="" xmlns:m="http://schemas.openxmlformats.org/officeDocument/2006/math" xmlns:a14="http://schemas.microsoft.com/office/drawing/2010/main" xmlns:ma14="http://schemas.microsoft.com/office/mac/drawingml/2011/main" val="1"/>
+              <ma14:wrappingTextBoxFlag xmlns:ma14="http://schemas.microsoft.com/office/mac/drawingml/2011/main" xmlns:a14="http://schemas.microsoft.com/office/drawing/2010/main" xmlns:m="http://schemas.openxmlformats.org/officeDocument/2006/math" xmlns="" val="1"/>
             </a:ext>
           </a:extLst>
         </p:spPr>
@@ -12023,7 +12023,7 @@
           </a:ln>
           <a:extLst>
             <a:ext uri="{C572A759-6A51-4108-AA02-DFA0A04FC94B}">
-              <ma14:wrappingTextBoxFlag xmlns="" xmlns:m="http://schemas.openxmlformats.org/officeDocument/2006/math" xmlns:a14="http://schemas.microsoft.com/office/drawing/2010/main" xmlns:ma14="http://schemas.microsoft.com/office/mac/drawingml/2011/main" val="1"/>
+              <ma14:wrappingTextBoxFlag xmlns:ma14="http://schemas.microsoft.com/office/mac/drawingml/2011/main" xmlns:a14="http://schemas.microsoft.com/office/drawing/2010/main" xmlns:m="http://schemas.openxmlformats.org/officeDocument/2006/math" xmlns="" val="1"/>
             </a:ext>
           </a:extLst>
         </p:spPr>
@@ -12072,7 +12072,7 @@
           </a:ln>
           <a:extLst>
             <a:ext uri="{C572A759-6A51-4108-AA02-DFA0A04FC94B}">
-              <ma14:wrappingTextBoxFlag xmlns="" xmlns:m="http://schemas.openxmlformats.org/officeDocument/2006/math" xmlns:a14="http://schemas.microsoft.com/office/drawing/2010/main" xmlns:ma14="http://schemas.microsoft.com/office/mac/drawingml/2011/main" val="1"/>
+              <ma14:wrappingTextBoxFlag xmlns:ma14="http://schemas.microsoft.com/office/mac/drawingml/2011/main" xmlns:a14="http://schemas.microsoft.com/office/drawing/2010/main" xmlns:m="http://schemas.openxmlformats.org/officeDocument/2006/math" xmlns="" val="1"/>
             </a:ext>
           </a:extLst>
         </p:spPr>
@@ -12185,7 +12185,7 @@
           <a:effectLst/>
           <a:extLst>
             <a:ext uri="{C572A759-6A51-4108-AA02-DFA0A04FC94B}">
-              <ma14:wrappingTextBoxFlag xmlns="" xmlns:m="http://schemas.openxmlformats.org/officeDocument/2006/math" xmlns:a14="http://schemas.microsoft.com/office/drawing/2010/main" xmlns:ma14="http://schemas.microsoft.com/office/mac/drawingml/2011/main" val="1"/>
+              <ma14:wrappingTextBoxFlag xmlns:ma14="http://schemas.microsoft.com/office/mac/drawingml/2011/main" xmlns:a14="http://schemas.microsoft.com/office/drawing/2010/main" xmlns:m="http://schemas.openxmlformats.org/officeDocument/2006/math" xmlns="" val="1"/>
             </a:ext>
           </a:extLst>
         </p:spPr>
@@ -12239,7 +12239,7 @@
           <a:effectLst/>
           <a:extLst>
             <a:ext uri="{C572A759-6A51-4108-AA02-DFA0A04FC94B}">
-              <ma14:wrappingTextBoxFlag xmlns="" xmlns:m="http://schemas.openxmlformats.org/officeDocument/2006/math" xmlns:a14="http://schemas.microsoft.com/office/drawing/2010/main" xmlns:ma14="http://schemas.microsoft.com/office/mac/drawingml/2011/main" val="1"/>
+              <ma14:wrappingTextBoxFlag xmlns:ma14="http://schemas.microsoft.com/office/mac/drawingml/2011/main" xmlns:a14="http://schemas.microsoft.com/office/drawing/2010/main" xmlns:m="http://schemas.openxmlformats.org/officeDocument/2006/math" xmlns="" val="1"/>
             </a:ext>
           </a:extLst>
         </p:spPr>
@@ -12290,7 +12290,7 @@
           </a:ln>
           <a:extLst>
             <a:ext uri="{C572A759-6A51-4108-AA02-DFA0A04FC94B}">
-              <ma14:wrappingTextBoxFlag xmlns="" xmlns:m="http://schemas.openxmlformats.org/officeDocument/2006/math" xmlns:a14="http://schemas.microsoft.com/office/drawing/2010/main" xmlns:ma14="http://schemas.microsoft.com/office/mac/drawingml/2011/main" val="1"/>
+              <ma14:wrappingTextBoxFlag xmlns:ma14="http://schemas.microsoft.com/office/mac/drawingml/2011/main" xmlns:a14="http://schemas.microsoft.com/office/drawing/2010/main" xmlns:m="http://schemas.openxmlformats.org/officeDocument/2006/math" xmlns="" val="1"/>
             </a:ext>
           </a:extLst>
         </p:spPr>
@@ -12465,7 +12465,7 @@
           </a:effectLst>
           <a:extLst>
             <a:ext uri="{C572A759-6A51-4108-AA02-DFA0A04FC94B}">
-              <ma14:wrappingTextBoxFlag xmlns="" xmlns:m="http://schemas.openxmlformats.org/officeDocument/2006/math" xmlns:a14="http://schemas.microsoft.com/office/drawing/2010/main" xmlns:ma14="http://schemas.microsoft.com/office/mac/drawingml/2011/main" val="1"/>
+              <ma14:wrappingTextBoxFlag xmlns:ma14="http://schemas.microsoft.com/office/mac/drawingml/2011/main" xmlns:a14="http://schemas.microsoft.com/office/drawing/2010/main" xmlns:m="http://schemas.openxmlformats.org/officeDocument/2006/math" xmlns="" val="1"/>
             </a:ext>
           </a:extLst>
         </p:spPr>
@@ -12524,7 +12524,7 @@
           </a:effectLst>
           <a:extLst>
             <a:ext uri="{C572A759-6A51-4108-AA02-DFA0A04FC94B}">
-              <ma14:wrappingTextBoxFlag xmlns="" xmlns:m="http://schemas.openxmlformats.org/officeDocument/2006/math" xmlns:a14="http://schemas.microsoft.com/office/drawing/2010/main" xmlns:ma14="http://schemas.microsoft.com/office/mac/drawingml/2011/main" val="1"/>
+              <ma14:wrappingTextBoxFlag xmlns:ma14="http://schemas.microsoft.com/office/mac/drawingml/2011/main" xmlns:a14="http://schemas.microsoft.com/office/drawing/2010/main" xmlns:m="http://schemas.openxmlformats.org/officeDocument/2006/math" xmlns="" val="1"/>
             </a:ext>
           </a:extLst>
         </p:spPr>
@@ -12589,7 +12589,7 @@
           </a:effectLst>
           <a:extLst>
             <a:ext uri="{C572A759-6A51-4108-AA02-DFA0A04FC94B}">
-              <ma14:wrappingTextBoxFlag xmlns="" xmlns:m="http://schemas.openxmlformats.org/officeDocument/2006/math" xmlns:a14="http://schemas.microsoft.com/office/drawing/2010/main" xmlns:ma14="http://schemas.microsoft.com/office/mac/drawingml/2011/main" val="1"/>
+              <ma14:wrappingTextBoxFlag xmlns:ma14="http://schemas.microsoft.com/office/mac/drawingml/2011/main" xmlns:a14="http://schemas.microsoft.com/office/drawing/2010/main" xmlns:m="http://schemas.openxmlformats.org/officeDocument/2006/math" xmlns="" val="1"/>
             </a:ext>
           </a:extLst>
         </p:spPr>
@@ -12654,7 +12654,7 @@
           </a:effectLst>
           <a:extLst>
             <a:ext uri="{C572A759-6A51-4108-AA02-DFA0A04FC94B}">
-              <ma14:wrappingTextBoxFlag xmlns="" xmlns:m="http://schemas.openxmlformats.org/officeDocument/2006/math" xmlns:a14="http://schemas.microsoft.com/office/drawing/2010/main" xmlns:ma14="http://schemas.microsoft.com/office/mac/drawingml/2011/main" val="1"/>
+              <ma14:wrappingTextBoxFlag xmlns:ma14="http://schemas.microsoft.com/office/mac/drawingml/2011/main" xmlns:a14="http://schemas.microsoft.com/office/drawing/2010/main" xmlns:m="http://schemas.openxmlformats.org/officeDocument/2006/math" xmlns="" val="1"/>
             </a:ext>
           </a:extLst>
         </p:spPr>
@@ -12719,7 +12719,7 @@
           </a:effectLst>
           <a:extLst>
             <a:ext uri="{C572A759-6A51-4108-AA02-DFA0A04FC94B}">
-              <ma14:wrappingTextBoxFlag xmlns="" xmlns:m="http://schemas.openxmlformats.org/officeDocument/2006/math" xmlns:a14="http://schemas.microsoft.com/office/drawing/2010/main" xmlns:ma14="http://schemas.microsoft.com/office/mac/drawingml/2011/main" val="1"/>
+              <ma14:wrappingTextBoxFlag xmlns:ma14="http://schemas.microsoft.com/office/mac/drawingml/2011/main" xmlns:a14="http://schemas.microsoft.com/office/drawing/2010/main" xmlns:m="http://schemas.openxmlformats.org/officeDocument/2006/math" xmlns="" val="1"/>
             </a:ext>
           </a:extLst>
         </p:spPr>
@@ -12838,7 +12838,7 @@
           </a:effectLst>
           <a:extLst>
             <a:ext uri="{C572A759-6A51-4108-AA02-DFA0A04FC94B}">
-              <ma14:wrappingTextBoxFlag xmlns="" xmlns:m="http://schemas.openxmlformats.org/officeDocument/2006/math" xmlns:a14="http://schemas.microsoft.com/office/drawing/2010/main" xmlns:ma14="http://schemas.microsoft.com/office/mac/drawingml/2011/main" val="1"/>
+              <ma14:wrappingTextBoxFlag xmlns:ma14="http://schemas.microsoft.com/office/mac/drawingml/2011/main" xmlns:a14="http://schemas.microsoft.com/office/drawing/2010/main" xmlns:m="http://schemas.openxmlformats.org/officeDocument/2006/math" xmlns="" val="1"/>
             </a:ext>
           </a:extLst>
         </p:spPr>
@@ -12902,7 +12902,7 @@
           </a:effectLst>
           <a:extLst>
             <a:ext uri="{C572A759-6A51-4108-AA02-DFA0A04FC94B}">
-              <ma14:wrappingTextBoxFlag xmlns="" xmlns:m="http://schemas.openxmlformats.org/officeDocument/2006/math" xmlns:a14="http://schemas.microsoft.com/office/drawing/2010/main" xmlns:ma14="http://schemas.microsoft.com/office/mac/drawingml/2011/main" val="1"/>
+              <ma14:wrappingTextBoxFlag xmlns:ma14="http://schemas.microsoft.com/office/mac/drawingml/2011/main" xmlns:a14="http://schemas.microsoft.com/office/drawing/2010/main" xmlns:m="http://schemas.openxmlformats.org/officeDocument/2006/math" xmlns="" val="1"/>
             </a:ext>
           </a:extLst>
         </p:spPr>
@@ -12969,7 +12969,7 @@
           </a:effectLst>
           <a:extLst>
             <a:ext uri="{C572A759-6A51-4108-AA02-DFA0A04FC94B}">
-              <ma14:wrappingTextBoxFlag xmlns="" xmlns:m="http://schemas.openxmlformats.org/officeDocument/2006/math" xmlns:a14="http://schemas.microsoft.com/office/drawing/2010/main" xmlns:ma14="http://schemas.microsoft.com/office/mac/drawingml/2011/main" val="1"/>
+              <ma14:wrappingTextBoxFlag xmlns:ma14="http://schemas.microsoft.com/office/mac/drawingml/2011/main" xmlns:a14="http://schemas.microsoft.com/office/drawing/2010/main" xmlns:m="http://schemas.openxmlformats.org/officeDocument/2006/math" xmlns="" val="1"/>
             </a:ext>
           </a:extLst>
         </p:spPr>
@@ -13022,7 +13022,7 @@
           </a:effectLst>
           <a:extLst>
             <a:ext uri="{C572A759-6A51-4108-AA02-DFA0A04FC94B}">
-              <ma14:wrappingTextBoxFlag xmlns="" xmlns:m="http://schemas.openxmlformats.org/officeDocument/2006/math" xmlns:a14="http://schemas.microsoft.com/office/drawing/2010/main" xmlns:ma14="http://schemas.microsoft.com/office/mac/drawingml/2011/main" val="1"/>
+              <ma14:wrappingTextBoxFlag xmlns:ma14="http://schemas.microsoft.com/office/mac/drawingml/2011/main" xmlns:a14="http://schemas.microsoft.com/office/drawing/2010/main" xmlns:m="http://schemas.openxmlformats.org/officeDocument/2006/math" xmlns="" val="1"/>
             </a:ext>
           </a:extLst>
         </p:spPr>
@@ -13078,7 +13078,7 @@
           </a:effectLst>
           <a:extLst>
             <a:ext uri="{C572A759-6A51-4108-AA02-DFA0A04FC94B}">
-              <ma14:wrappingTextBoxFlag xmlns="" xmlns:m="http://schemas.openxmlformats.org/officeDocument/2006/math" xmlns:a14="http://schemas.microsoft.com/office/drawing/2010/main" xmlns:ma14="http://schemas.microsoft.com/office/mac/drawingml/2011/main" val="1"/>
+              <ma14:wrappingTextBoxFlag xmlns:ma14="http://schemas.microsoft.com/office/mac/drawingml/2011/main" xmlns:a14="http://schemas.microsoft.com/office/drawing/2010/main" xmlns:m="http://schemas.openxmlformats.org/officeDocument/2006/math" xmlns="" val="1"/>
             </a:ext>
           </a:extLst>
         </p:spPr>
@@ -13194,7 +13194,7 @@
           </a:effectLst>
           <a:extLst>
             <a:ext uri="{C572A759-6A51-4108-AA02-DFA0A04FC94B}">
-              <ma14:wrappingTextBoxFlag xmlns="" xmlns:m="http://schemas.openxmlformats.org/officeDocument/2006/math" xmlns:a14="http://schemas.microsoft.com/office/drawing/2010/main" xmlns:ma14="http://schemas.microsoft.com/office/mac/drawingml/2011/main" val="1"/>
+              <ma14:wrappingTextBoxFlag xmlns:ma14="http://schemas.microsoft.com/office/mac/drawingml/2011/main" xmlns:a14="http://schemas.microsoft.com/office/drawing/2010/main" xmlns:m="http://schemas.openxmlformats.org/officeDocument/2006/math" xmlns="" val="1"/>
             </a:ext>
           </a:extLst>
         </p:spPr>
@@ -13247,7 +13247,7 @@
           </a:effectLst>
           <a:extLst>
             <a:ext uri="{C572A759-6A51-4108-AA02-DFA0A04FC94B}">
-              <ma14:wrappingTextBoxFlag xmlns="" xmlns:m="http://schemas.openxmlformats.org/officeDocument/2006/math" xmlns:a14="http://schemas.microsoft.com/office/drawing/2010/main" xmlns:ma14="http://schemas.microsoft.com/office/mac/drawingml/2011/main" val="1"/>
+              <ma14:wrappingTextBoxFlag xmlns:ma14="http://schemas.microsoft.com/office/mac/drawingml/2011/main" xmlns:a14="http://schemas.microsoft.com/office/drawing/2010/main" xmlns:m="http://schemas.openxmlformats.org/officeDocument/2006/math" xmlns="" val="1"/>
             </a:ext>
           </a:extLst>
         </p:spPr>
@@ -13314,7 +13314,7 @@
           </a:effectLst>
           <a:extLst>
             <a:ext uri="{C572A759-6A51-4108-AA02-DFA0A04FC94B}">
-              <ma14:wrappingTextBoxFlag xmlns="" xmlns:m="http://schemas.openxmlformats.org/officeDocument/2006/math" xmlns:a14="http://schemas.microsoft.com/office/drawing/2010/main" xmlns:ma14="http://schemas.microsoft.com/office/mac/drawingml/2011/main" val="1"/>
+              <ma14:wrappingTextBoxFlag xmlns:ma14="http://schemas.microsoft.com/office/mac/drawingml/2011/main" xmlns:a14="http://schemas.microsoft.com/office/drawing/2010/main" xmlns:m="http://schemas.openxmlformats.org/officeDocument/2006/math" xmlns="" val="1"/>
             </a:ext>
           </a:extLst>
         </p:spPr>
@@ -13379,7 +13379,7 @@
           </a:effectLst>
           <a:extLst>
             <a:ext uri="{C572A759-6A51-4108-AA02-DFA0A04FC94B}">
-              <ma14:wrappingTextBoxFlag xmlns="" xmlns:m="http://schemas.openxmlformats.org/officeDocument/2006/math" xmlns:a14="http://schemas.microsoft.com/office/drawing/2010/main" xmlns:ma14="http://schemas.microsoft.com/office/mac/drawingml/2011/main" val="1"/>
+              <ma14:wrappingTextBoxFlag xmlns:ma14="http://schemas.microsoft.com/office/mac/drawingml/2011/main" xmlns:a14="http://schemas.microsoft.com/office/drawing/2010/main" xmlns:m="http://schemas.openxmlformats.org/officeDocument/2006/math" xmlns="" val="1"/>
             </a:ext>
           </a:extLst>
         </p:spPr>
@@ -13546,7 +13546,7 @@
           </a:effectLst>
           <a:extLst>
             <a:ext uri="{C572A759-6A51-4108-AA02-DFA0A04FC94B}">
-              <ma14:wrappingTextBoxFlag xmlns="" xmlns:m="http://schemas.openxmlformats.org/officeDocument/2006/math" xmlns:a14="http://schemas.microsoft.com/office/drawing/2010/main" xmlns:ma14="http://schemas.microsoft.com/office/mac/drawingml/2011/main" val="1"/>
+              <ma14:wrappingTextBoxFlag xmlns:ma14="http://schemas.microsoft.com/office/mac/drawingml/2011/main" xmlns:a14="http://schemas.microsoft.com/office/drawing/2010/main" xmlns:m="http://schemas.openxmlformats.org/officeDocument/2006/math" xmlns="" val="1"/>
             </a:ext>
           </a:extLst>
         </p:spPr>
@@ -13599,7 +13599,7 @@
           </a:effectLst>
           <a:extLst>
             <a:ext uri="{C572A759-6A51-4108-AA02-DFA0A04FC94B}">
-              <ma14:wrappingTextBoxFlag xmlns="" xmlns:m="http://schemas.openxmlformats.org/officeDocument/2006/math" xmlns:a14="http://schemas.microsoft.com/office/drawing/2010/main" xmlns:ma14="http://schemas.microsoft.com/office/mac/drawingml/2011/main" val="1"/>
+              <ma14:wrappingTextBoxFlag xmlns:ma14="http://schemas.microsoft.com/office/mac/drawingml/2011/main" xmlns:a14="http://schemas.microsoft.com/office/drawing/2010/main" xmlns:m="http://schemas.openxmlformats.org/officeDocument/2006/math" xmlns="" val="1"/>
             </a:ext>
           </a:extLst>
         </p:spPr>
@@ -13663,7 +13663,7 @@
           </a:effectLst>
           <a:extLst>
             <a:ext uri="{C572A759-6A51-4108-AA02-DFA0A04FC94B}">
-              <ma14:wrappingTextBoxFlag xmlns="" xmlns:m="http://schemas.openxmlformats.org/officeDocument/2006/math" xmlns:a14="http://schemas.microsoft.com/office/drawing/2010/main" xmlns:ma14="http://schemas.microsoft.com/office/mac/drawingml/2011/main" val="1"/>
+              <ma14:wrappingTextBoxFlag xmlns:ma14="http://schemas.microsoft.com/office/mac/drawingml/2011/main" xmlns:a14="http://schemas.microsoft.com/office/drawing/2010/main" xmlns:m="http://schemas.openxmlformats.org/officeDocument/2006/math" xmlns="" val="1"/>
             </a:ext>
           </a:extLst>
         </p:spPr>
@@ -13784,7 +13784,7 @@
           </a:effectLst>
           <a:extLst>
             <a:ext uri="{C572A759-6A51-4108-AA02-DFA0A04FC94B}">
-              <ma14:wrappingTextBoxFlag xmlns="" xmlns:m="http://schemas.openxmlformats.org/officeDocument/2006/math" xmlns:a14="http://schemas.microsoft.com/office/drawing/2010/main" xmlns:ma14="http://schemas.microsoft.com/office/mac/drawingml/2011/main" val="1"/>
+              <ma14:wrappingTextBoxFlag xmlns:ma14="http://schemas.microsoft.com/office/mac/drawingml/2011/main" xmlns:a14="http://schemas.microsoft.com/office/drawing/2010/main" xmlns:m="http://schemas.openxmlformats.org/officeDocument/2006/math" xmlns="" val="1"/>
             </a:ext>
           </a:extLst>
         </p:spPr>
@@ -13843,7 +13843,7 @@
           </a:effectLst>
           <a:extLst>
             <a:ext uri="{C572A759-6A51-4108-AA02-DFA0A04FC94B}">
-              <ma14:wrappingTextBoxFlag xmlns="" xmlns:m="http://schemas.openxmlformats.org/officeDocument/2006/math" xmlns:a14="http://schemas.microsoft.com/office/drawing/2010/main" xmlns:ma14="http://schemas.microsoft.com/office/mac/drawingml/2011/main" val="1"/>
+              <ma14:wrappingTextBoxFlag xmlns:ma14="http://schemas.microsoft.com/office/mac/drawingml/2011/main" xmlns:a14="http://schemas.microsoft.com/office/drawing/2010/main" xmlns:m="http://schemas.openxmlformats.org/officeDocument/2006/math" xmlns="" val="1"/>
             </a:ext>
           </a:extLst>
         </p:spPr>
@@ -13908,7 +13908,7 @@
           </a:effectLst>
           <a:extLst>
             <a:ext uri="{C572A759-6A51-4108-AA02-DFA0A04FC94B}">
-              <ma14:wrappingTextBoxFlag xmlns="" xmlns:m="http://schemas.openxmlformats.org/officeDocument/2006/math" xmlns:a14="http://schemas.microsoft.com/office/drawing/2010/main" xmlns:ma14="http://schemas.microsoft.com/office/mac/drawingml/2011/main" val="1"/>
+              <ma14:wrappingTextBoxFlag xmlns:ma14="http://schemas.microsoft.com/office/mac/drawingml/2011/main" xmlns:a14="http://schemas.microsoft.com/office/drawing/2010/main" xmlns:m="http://schemas.openxmlformats.org/officeDocument/2006/math" xmlns="" val="1"/>
             </a:ext>
           </a:extLst>
         </p:spPr>
@@ -13973,7 +13973,7 @@
           </a:effectLst>
           <a:extLst>
             <a:ext uri="{C572A759-6A51-4108-AA02-DFA0A04FC94B}">
-              <ma14:wrappingTextBoxFlag xmlns="" xmlns:m="http://schemas.openxmlformats.org/officeDocument/2006/math" xmlns:a14="http://schemas.microsoft.com/office/drawing/2010/main" xmlns:ma14="http://schemas.microsoft.com/office/mac/drawingml/2011/main" val="1"/>
+              <ma14:wrappingTextBoxFlag xmlns:ma14="http://schemas.microsoft.com/office/mac/drawingml/2011/main" xmlns:a14="http://schemas.microsoft.com/office/drawing/2010/main" xmlns:m="http://schemas.openxmlformats.org/officeDocument/2006/math" xmlns="" val="1"/>
             </a:ext>
           </a:extLst>
         </p:spPr>
@@ -14038,7 +14038,7 @@
           </a:effectLst>
           <a:extLst>
             <a:ext uri="{C572A759-6A51-4108-AA02-DFA0A04FC94B}">
-              <ma14:wrappingTextBoxFlag xmlns="" xmlns:m="http://schemas.openxmlformats.org/officeDocument/2006/math" xmlns:a14="http://schemas.microsoft.com/office/drawing/2010/main" xmlns:ma14="http://schemas.microsoft.com/office/mac/drawingml/2011/main" val="1"/>
+              <ma14:wrappingTextBoxFlag xmlns:ma14="http://schemas.microsoft.com/office/mac/drawingml/2011/main" xmlns:a14="http://schemas.microsoft.com/office/drawing/2010/main" xmlns:m="http://schemas.openxmlformats.org/officeDocument/2006/math" xmlns="" val="1"/>
             </a:ext>
           </a:extLst>
         </p:spPr>

--- a/resource/dubbo-go-arch.pptx
+++ b/resource/dubbo-go-arch.pptx
@@ -9089,7 +9089,7 @@
             <a:lstStyle/>
             <a:p>
               <a:r>
-                <a:rPr lang="en-US" altLang="zh-CN" sz="1500" b="0" dirty="0" err="1">
+                <a:rPr lang="en-US" altLang="zh-CN" sz="1500" b="0" dirty="0">
                   <a:solidFill>
                     <a:sysClr val="windowText" lastClr="000000"/>
                   </a:solidFill>
@@ -9097,7 +9097,29 @@
                   <a:ea typeface="微软雅黑" panose="020B0503020204020204" pitchFamily="34" charset="-122"/>
                   <a:cs typeface="Helvetica Light"/>
                 </a:rPr>
-                <a:t>conditionalrouter</a:t>
+                <a:t>Condition</a:t>
+              </a:r>
+              <a:r>
+                <a:rPr lang="zh-CN" altLang="en-US" sz="1500" b="0">
+                  <a:solidFill>
+                    <a:sysClr val="windowText" lastClr="000000"/>
+                  </a:solidFill>
+                  <a:latin typeface="微软雅黑" panose="020B0503020204020204" pitchFamily="34" charset="-122"/>
+                  <a:ea typeface="微软雅黑" panose="020B0503020204020204" pitchFamily="34" charset="-122"/>
+                  <a:cs typeface="Helvetica Light"/>
+                </a:rPr>
+                <a:t> </a:t>
+              </a:r>
+              <a:r>
+                <a:rPr lang="en-US" altLang="zh-CN" sz="1500" b="0">
+                  <a:solidFill>
+                    <a:sysClr val="windowText" lastClr="000000"/>
+                  </a:solidFill>
+                  <a:latin typeface="微软雅黑" panose="020B0503020204020204" pitchFamily="34" charset="-122"/>
+                  <a:ea typeface="微软雅黑" panose="020B0503020204020204" pitchFamily="34" charset="-122"/>
+                  <a:cs typeface="Helvetica Light"/>
+                </a:rPr>
+                <a:t>router</a:t>
               </a:r>
               <a:endParaRPr sz="1500" b="0" dirty="0">
                 <a:solidFill>

--- a/resource/dubbo-go-arch.pptx
+++ b/resource/dubbo-go-arch.pptx
@@ -5,11 +5,12 @@
     <p:sldMasterId id="2147483648" r:id="rId1"/>
   </p:sldMasterIdLst>
   <p:notesMasterIdLst>
-    <p:notesMasterId r:id="rId4"/>
+    <p:notesMasterId r:id="rId5"/>
   </p:notesMasterIdLst>
   <p:sldIdLst>
     <p:sldId id="258" r:id="rId2"/>
-    <p:sldId id="257" r:id="rId3"/>
+    <p:sldId id="259" r:id="rId3"/>
+    <p:sldId id="260" r:id="rId4"/>
   </p:sldIdLst>
   <p:sldSz cx="17340263" cy="9753600"/>
   <p:notesSz cx="6858000" cy="9144000"/>
@@ -2131,6 +2132,87 @@
       </p:grpSpPr>
       <p:sp>
         <p:nvSpPr>
+          <p:cNvPr id="5" name="矩形 4">
+            <a:extLst>
+              <a:ext uri="{FF2B5EF4-FFF2-40B4-BE49-F238E27FC236}">
+                <a16:creationId xmlns:a16="http://schemas.microsoft.com/office/drawing/2014/main" id="{30427585-9D32-4752-9BC2-B5BC6C0D7D25}"/>
+              </a:ext>
+            </a:extLst>
+          </p:cNvPr>
+          <p:cNvSpPr/>
+          <p:nvPr userDrawn="1"/>
+        </p:nvSpPr>
+        <p:spPr>
+          <a:xfrm>
+            <a:off x="0" y="0"/>
+            <a:ext cx="17340263" cy="9753600"/>
+          </a:xfrm>
+          <a:prstGeom prst="rect">
+            <a:avLst/>
+          </a:prstGeom>
+          <a:solidFill>
+            <a:srgbClr val="17222F"/>
+          </a:solidFill>
+          <a:ln w="12700" cap="flat">
+            <a:noFill/>
+            <a:miter lim="400000"/>
+          </a:ln>
+          <a:effectLst/>
+          <a:sp3d/>
+        </p:spPr>
+        <p:style>
+          <a:lnRef idx="0">
+            <a:scrgbClr r="0" g="0" b="0"/>
+          </a:lnRef>
+          <a:fillRef idx="0">
+            <a:scrgbClr r="0" g="0" b="0"/>
+          </a:fillRef>
+          <a:effectRef idx="0">
+            <a:scrgbClr r="0" g="0" b="0"/>
+          </a:effectRef>
+          <a:fontRef idx="none"/>
+        </p:style>
+        <p:txBody>
+          <a:bodyPr rot="0" spcFirstLastPara="1" vertOverflow="overflow" horzOverflow="overflow" vert="horz" wrap="square" lIns="50800" tIns="50800" rIns="50800" bIns="50800" numCol="1" spcCol="38100" rtlCol="0" anchor="ctr">
+            <a:spAutoFit/>
+          </a:bodyPr>
+          <a:lstStyle/>
+          <a:p>
+            <a:pPr marL="0" marR="0" indent="0" algn="ctr" defTabSz="584200" rtl="0" fontAlgn="auto" latinLnBrk="0" hangingPunct="0">
+              <a:lnSpc>
+                <a:spcPct val="100000"/>
+              </a:lnSpc>
+              <a:spcBef>
+                <a:spcPts val="0"/>
+              </a:spcBef>
+              <a:spcAft>
+                <a:spcPts val="0"/>
+              </a:spcAft>
+              <a:buClrTx/>
+              <a:buSzTx/>
+              <a:buFontTx/>
+              <a:buNone/>
+              <a:tabLst/>
+            </a:pPr>
+            <a:endParaRPr kumimoji="0" lang="zh-CN" altLang="en-US" sz="2200" b="0" i="0" u="none" strike="noStrike" cap="none" spc="0" normalizeH="0" baseline="0">
+              <a:ln>
+                <a:noFill/>
+              </a:ln>
+              <a:solidFill>
+                <a:srgbClr val="FFFFFF"/>
+              </a:solidFill>
+              <a:effectLst/>
+              <a:uFillTx/>
+              <a:latin typeface="+mn-lt"/>
+              <a:ea typeface="+mn-ea"/>
+              <a:cs typeface="+mn-cs"/>
+              <a:sym typeface="Helvetica Neue Medium"/>
+            </a:endParaRPr>
+          </a:p>
+        </p:txBody>
+      </p:sp>
+      <p:sp>
+        <p:nvSpPr>
           <p:cNvPr id="2" name="Title Text"/>
           <p:cNvSpPr txBox="1">
             <a:spLocks noGrp="1"/>
@@ -3402,17 +3484,6 @@
               <a:lstStyle/>
               <a:p>
                 <a:r>
-                  <a:rPr sz="1500" b="0" dirty="0" err="1">
-                    <a:solidFill>
-                      <a:sysClr val="windowText" lastClr="000000"/>
-                    </a:solidFill>
-                    <a:latin typeface="微软雅黑" panose="020B0503020204020204" pitchFamily="34" charset="-122"/>
-                    <a:ea typeface="微软雅黑" panose="020B0503020204020204" pitchFamily="34" charset="-122"/>
-                    <a:cs typeface="Helvetica Light"/>
-                  </a:rPr>
-                  <a:t>tps</a:t>
-                </a:r>
-                <a:r>
                   <a:rPr sz="1500" b="0" dirty="0">
                     <a:solidFill>
                       <a:sysClr val="windowText" lastClr="000000"/>
@@ -3421,7 +3492,7 @@
                     <a:ea typeface="微软雅黑" panose="020B0503020204020204" pitchFamily="34" charset="-122"/>
                     <a:cs typeface="Helvetica Light"/>
                   </a:rPr>
-                  <a:t> limit</a:t>
+                  <a:t>tps limit</a:t>
                 </a:r>
               </a:p>
             </p:txBody>
@@ -3653,7 +3724,7 @@
             <a:lstStyle/>
             <a:p>
               <a:r>
-                <a:rPr sz="1500" b="0" dirty="0" err="1">
+                <a:rPr sz="1500" b="0" dirty="0">
                   <a:solidFill>
                     <a:sysClr val="windowText" lastClr="000000"/>
                   </a:solidFill>
@@ -3663,14 +3734,6 @@
                 </a:rPr>
                 <a:t>failfast</a:t>
               </a:r>
-              <a:endParaRPr sz="1500" b="0" dirty="0">
-                <a:solidFill>
-                  <a:sysClr val="windowText" lastClr="000000"/>
-                </a:solidFill>
-                <a:latin typeface="微软雅黑" panose="020B0503020204020204" pitchFamily="34" charset="-122"/>
-                <a:ea typeface="微软雅黑" panose="020B0503020204020204" pitchFamily="34" charset="-122"/>
-                <a:cs typeface="Helvetica Light"/>
-              </a:endParaRPr>
             </a:p>
           </p:txBody>
         </p:sp>
@@ -6228,16 +6291,12 @@
                 </a:lstStyle>
                 <a:p>
                   <a:r>
-                    <a:rPr dirty="0" err="1">
+                    <a:rPr dirty="0">
                       <a:latin typeface="微软雅黑" panose="020B0503020204020204" pitchFamily="34" charset="-122"/>
                       <a:ea typeface="微软雅黑" panose="020B0503020204020204" pitchFamily="34" charset="-122"/>
                     </a:rPr>
                     <a:t>nacos</a:t>
                   </a:r>
-                  <a:endParaRPr dirty="0">
-                    <a:latin typeface="微软雅黑" panose="020B0503020204020204" pitchFamily="34" charset="-122"/>
-                    <a:ea typeface="微软雅黑" panose="020B0503020204020204" pitchFamily="34" charset="-122"/>
-                  </a:endParaRPr>
                 </a:p>
               </p:txBody>
             </p:sp>
@@ -6900,7 +6959,7 @@
               </a:lstStyle>
               <a:p>
                 <a:r>
-                  <a:rPr lang="en-US" dirty="0" err="1">
+                  <a:rPr lang="en-US" dirty="0">
                     <a:latin typeface="微软雅黑" panose="020B0503020204020204" pitchFamily="34" charset="-122"/>
                     <a:ea typeface="微软雅黑" panose="020B0503020204020204" pitchFamily="34" charset="-122"/>
                   </a:rPr>
@@ -7109,7 +7168,7 @@
               </a:lstStyle>
               <a:p>
                 <a:r>
-                  <a:rPr lang="en-US" dirty="0" err="1">
+                  <a:rPr lang="en-US" dirty="0">
                     <a:latin typeface="微软雅黑" panose="020B0503020204020204" pitchFamily="34" charset="-122"/>
                     <a:ea typeface="微软雅黑" panose="020B0503020204020204" pitchFamily="34" charset="-122"/>
                   </a:rPr>
@@ -7396,7 +7455,7 @@
             <a:lstStyle/>
             <a:p>
               <a:r>
-                <a:rPr lang="en-US" altLang="zh-CN" sz="1500" b="0" dirty="0" err="1">
+                <a:rPr lang="en-US" altLang="zh-CN" sz="1500" b="0" dirty="0">
                   <a:solidFill>
                     <a:sysClr val="windowText" lastClr="000000"/>
                   </a:solidFill>
@@ -7536,7 +7595,7 @@
             <a:lstStyle/>
             <a:p>
               <a:r>
-                <a:rPr lang="en-US" altLang="zh-CN" sz="1500" b="0" dirty="0" err="1">
+                <a:rPr lang="en-US" altLang="zh-CN" sz="1500" b="0" dirty="0">
                   <a:solidFill>
                     <a:sysClr val="windowText" lastClr="000000"/>
                   </a:solidFill>
@@ -7606,7 +7665,7 @@
             <a:lstStyle/>
             <a:p>
               <a:r>
-                <a:rPr lang="en-US" altLang="zh-CN" sz="1500" b="0" dirty="0" err="1">
+                <a:rPr lang="en-US" altLang="zh-CN" sz="1500" b="0" dirty="0">
                   <a:solidFill>
                     <a:sysClr val="windowText" lastClr="000000"/>
                   </a:solidFill>
@@ -8278,7 +8337,7 @@
             <a:lstStyle/>
             <a:p>
               <a:r>
-                <a:rPr lang="en-US" altLang="zh-CN" sz="1500" b="0" dirty="0" err="1">
+                <a:rPr lang="en-US" altLang="zh-CN" sz="1500" b="0" dirty="0">
                   <a:solidFill>
                     <a:sysClr val="windowText" lastClr="000000"/>
                   </a:solidFill>
@@ -8418,7 +8477,7 @@
             <a:lstStyle/>
             <a:p>
               <a:r>
-                <a:rPr lang="en-US" altLang="zh-CN" sz="1500" b="0" dirty="0" err="1">
+                <a:rPr lang="en-US" altLang="zh-CN" sz="1500" b="0" dirty="0">
                   <a:solidFill>
                     <a:sysClr val="windowText" lastClr="000000"/>
                   </a:solidFill>
@@ -8488,7 +8547,7 @@
             <a:lstStyle/>
             <a:p>
               <a:r>
-                <a:rPr lang="en-US" altLang="zh-CN" sz="1500" b="0" dirty="0" err="1">
+                <a:rPr lang="en-US" altLang="zh-CN" sz="1500" b="0" dirty="0">
                   <a:solidFill>
                     <a:sysClr val="windowText" lastClr="000000"/>
                   </a:solidFill>
@@ -9100,7 +9159,7 @@
                 <a:t>Condition</a:t>
               </a:r>
               <a:r>
-                <a:rPr lang="zh-CN" altLang="en-US" sz="1500" b="0">
+                <a:rPr lang="zh-CN" altLang="en-US" sz="1500" b="0" dirty="0">
                   <a:solidFill>
                     <a:sysClr val="windowText" lastClr="000000"/>
                   </a:solidFill>
@@ -9111,7 +9170,7 @@
                 <a:t> </a:t>
               </a:r>
               <a:r>
-                <a:rPr lang="en-US" altLang="zh-CN" sz="1500" b="0">
+                <a:rPr lang="en-US" altLang="zh-CN" sz="1500" b="0" dirty="0">
                   <a:solidFill>
                     <a:sysClr val="windowText" lastClr="000000"/>
                   </a:solidFill>
@@ -9477,17 +9536,6 @@
               <a:lstStyle/>
               <a:p>
                 <a:r>
-                  <a:rPr sz="1500" b="0" dirty="0" err="1">
-                    <a:solidFill>
-                      <a:sysClr val="windowText" lastClr="000000"/>
-                    </a:solidFill>
-                    <a:latin typeface="微软雅黑" panose="020B0503020204020204" pitchFamily="34" charset="-122"/>
-                    <a:ea typeface="微软雅黑" panose="020B0503020204020204" pitchFamily="34" charset="-122"/>
-                    <a:cs typeface="Helvetica Light"/>
-                  </a:rPr>
-                  <a:t>tps</a:t>
-                </a:r>
-                <a:r>
                   <a:rPr sz="1500" b="0" dirty="0">
                     <a:solidFill>
                       <a:sysClr val="windowText" lastClr="000000"/>
@@ -9496,7 +9544,7 @@
                     <a:ea typeface="微软雅黑" panose="020B0503020204020204" pitchFamily="34" charset="-122"/>
                     <a:cs typeface="Helvetica Light"/>
                   </a:rPr>
-                  <a:t> limit</a:t>
+                  <a:t>tps limit</a:t>
                 </a:r>
               </a:p>
             </p:txBody>
@@ -9679,7 +9727,7 @@
           <a:lstStyle/>
           <a:p>
             <a:r>
-              <a:rPr lang="en-US" altLang="zh-CN" sz="1500" b="0" dirty="0" err="1">
+              <a:rPr lang="en-US" altLang="zh-CN" sz="1500" b="0" dirty="0">
                 <a:solidFill>
                   <a:sysClr val="windowText" lastClr="000000"/>
                 </a:solidFill>
@@ -9819,7 +9867,7 @@
           <a:lstStyle/>
           <a:p>
             <a:r>
-              <a:rPr lang="en-US" altLang="zh-CN" sz="1500" b="0" dirty="0" err="1">
+              <a:rPr lang="en-US" altLang="zh-CN" sz="1500" b="0" dirty="0">
                 <a:solidFill>
                   <a:sysClr val="windowText" lastClr="000000"/>
                 </a:solidFill>
@@ -9889,7 +9937,7 @@
           <a:lstStyle/>
           <a:p>
             <a:r>
-              <a:rPr lang="en-US" altLang="zh-CN" sz="1500" b="0" dirty="0" err="1">
+              <a:rPr lang="en-US" altLang="zh-CN" sz="1500" b="0" dirty="0">
                 <a:solidFill>
                   <a:sysClr val="windowText" lastClr="000000"/>
                 </a:solidFill>
@@ -9927,6 +9975,14 @@
 <file path=ppt/slides/slide2.xml><?xml version="1.0" encoding="utf-8"?>
 <p:sld xmlns:a="http://schemas.openxmlformats.org/drawingml/2006/main" xmlns:r="http://schemas.openxmlformats.org/officeDocument/2006/relationships" xmlns:p="http://schemas.openxmlformats.org/presentationml/2006/main">
   <p:cSld>
+    <p:bg>
+      <p:bgPr>
+        <a:solidFill>
+          <a:srgbClr val="17222F"/>
+        </a:solidFill>
+        <a:effectLst/>
+      </p:bgPr>
+    </p:bg>
     <p:spTree>
       <p:nvGrpSpPr>
         <p:cNvPr id="1" name=""/>
@@ -9943,1338 +9999,34 @@
       </p:grpSpPr>
       <p:sp>
         <p:nvSpPr>
-          <p:cNvPr id="119" name="Line"/>
+          <p:cNvPr id="5" name="Registries">
+            <a:extLst>
+              <a:ext uri="{FF2B5EF4-FFF2-40B4-BE49-F238E27FC236}">
+                <a16:creationId xmlns:a16="http://schemas.microsoft.com/office/drawing/2014/main" id="{BD8D5C48-D307-452B-AB04-0AF17F11BFA8}"/>
+              </a:ext>
+            </a:extLst>
+          </p:cNvPr>
           <p:cNvSpPr/>
           <p:nvPr/>
         </p:nvSpPr>
         <p:spPr>
           <a:xfrm>
-            <a:off x="5487757" y="5252446"/>
-            <a:ext cx="547245" cy="1"/>
-          </a:xfrm>
-          <a:prstGeom prst="line">
-            <a:avLst/>
-          </a:prstGeom>
-          <a:noFill/>
-          <a:ln w="25400" cap="flat">
-            <a:solidFill>
-              <a:srgbClr val="000000"/>
-            </a:solidFill>
-            <a:prstDash val="solid"/>
-            <a:miter lim="400000"/>
-            <a:tailEnd type="triangle" w="med" len="med"/>
-          </a:ln>
-          <a:effectLst/>
-        </p:spPr>
-        <p:txBody>
-          <a:bodyPr wrap="square" lIns="50800" tIns="50800" rIns="50800" bIns="50800" numCol="1" anchor="ctr">
-            <a:noAutofit/>
-          </a:bodyPr>
-          <a:lstStyle/>
-          <a:p>
-            <a:pPr>
-              <a:defRPr b="0">
-                <a:latin typeface="Helvetica Light"/>
-                <a:ea typeface="Helvetica Light"/>
-                <a:cs typeface="Helvetica Light"/>
-                <a:sym typeface="Helvetica Light"/>
-              </a:defRPr>
-            </a:pPr>
-            <a:endParaRPr>
-              <a:latin typeface="微软雅黑" panose="020B0503020204020204" pitchFamily="34" charset="-122"/>
-              <a:ea typeface="微软雅黑" panose="020B0503020204020204" pitchFamily="34" charset="-122"/>
-            </a:endParaRPr>
-          </a:p>
-        </p:txBody>
-      </p:sp>
-      <p:sp>
-        <p:nvSpPr>
-          <p:cNvPr id="120" name="Consumer"/>
-          <p:cNvSpPr/>
-          <p:nvPr/>
-        </p:nvSpPr>
-        <p:spPr>
-          <a:xfrm>
-            <a:off x="349857" y="3058005"/>
-            <a:ext cx="8359143" cy="4040035"/>
-          </a:xfrm>
-          <a:prstGeom prst="roundRect">
-            <a:avLst>
-              <a:gd name="adj" fmla="val 5322"/>
-            </a:avLst>
-          </a:prstGeom>
-          <a:solidFill>
-            <a:srgbClr val="DAE3F3"/>
-          </a:solidFill>
-          <a:ln w="12700" cap="flat">
-            <a:noFill/>
-            <a:miter lim="400000"/>
-          </a:ln>
-          <a:effectLst>
-            <a:outerShdw blurRad="38100" dist="25400" dir="5400000" rotWithShape="0">
-              <a:srgbClr val="000000">
-                <a:alpha val="50000"/>
-              </a:srgbClr>
-            </a:outerShdw>
-          </a:effectLst>
-          <a:extLst>
-            <a:ext uri="{C572A759-6A51-4108-AA02-DFA0A04FC94B}">
-              <ma14:wrappingTextBoxFlag xmlns:ma14="http://schemas.microsoft.com/office/mac/drawingml/2011/main" xmlns:a14="http://schemas.microsoft.com/office/drawing/2010/main" xmlns:m="http://schemas.openxmlformats.org/officeDocument/2006/math" xmlns="" val="1"/>
-            </a:ext>
-          </a:extLst>
-        </p:spPr>
-        <p:txBody>
-          <a:bodyPr wrap="square" lIns="50800" tIns="50800" rIns="50800" bIns="50800" numCol="1" anchor="t">
-            <a:noAutofit/>
-          </a:bodyPr>
-          <a:lstStyle>
-            <a:lvl1pPr algn="l">
-              <a:defRPr b="0">
-                <a:solidFill>
-                  <a:srgbClr val="FFFFFF"/>
-                </a:solidFill>
-                <a:latin typeface="Helvetica Light"/>
-                <a:ea typeface="Helvetica Light"/>
-                <a:cs typeface="Helvetica Light"/>
-                <a:sym typeface="Helvetica Light"/>
-              </a:defRPr>
-            </a:lvl1pPr>
-          </a:lstStyle>
-          <a:p>
-            <a:r>
-              <a:rPr b="1" dirty="0">
-                <a:solidFill>
-                  <a:schemeClr val="tx1"/>
-                </a:solidFill>
-                <a:latin typeface="微软雅黑" panose="020B0503020204020204" pitchFamily="34" charset="-122"/>
-                <a:ea typeface="微软雅黑" panose="020B0503020204020204" pitchFamily="34" charset="-122"/>
-              </a:rPr>
-              <a:t>Consumer</a:t>
-            </a:r>
-          </a:p>
-        </p:txBody>
-      </p:sp>
-      <p:sp>
-        <p:nvSpPr>
-          <p:cNvPr id="121" name="codec"/>
-          <p:cNvSpPr/>
-          <p:nvPr/>
-        </p:nvSpPr>
-        <p:spPr>
-          <a:xfrm>
-            <a:off x="6884752" y="3826677"/>
-            <a:ext cx="1463426" cy="2526435"/>
-          </a:xfrm>
-          <a:prstGeom prst="roundRect">
-            <a:avLst>
-              <a:gd name="adj" fmla="val 6344"/>
-            </a:avLst>
-          </a:prstGeom>
-          <a:solidFill>
-            <a:schemeClr val="bg1">
-              <a:lumMod val="75000"/>
-            </a:schemeClr>
-          </a:solidFill>
-          <a:ln w="12700" cap="flat">
-            <a:noFill/>
-            <a:prstDash val="solid"/>
-            <a:miter lim="400000"/>
-          </a:ln>
-          <a:effectLst>
-            <a:outerShdw blurRad="50800" dist="38100" dir="5400000" algn="t" rotWithShape="0">
-              <a:prstClr val="black">
-                <a:alpha val="40000"/>
-              </a:prstClr>
-            </a:outerShdw>
-          </a:effectLst>
-          <a:extLst>
-            <a:ext uri="{C572A759-6A51-4108-AA02-DFA0A04FC94B}">
-              <ma14:wrappingTextBoxFlag xmlns:ma14="http://schemas.microsoft.com/office/mac/drawingml/2011/main" xmlns:a14="http://schemas.microsoft.com/office/drawing/2010/main" xmlns:m="http://schemas.openxmlformats.org/officeDocument/2006/math" xmlns="" val="1"/>
-            </a:ext>
-          </a:extLst>
-        </p:spPr>
-        <p:txBody>
-          <a:bodyPr wrap="square" lIns="50800" tIns="50800" rIns="50800" bIns="50800" numCol="1" anchor="t">
-            <a:noAutofit/>
-          </a:bodyPr>
-          <a:lstStyle/>
-          <a:p>
-            <a:r>
-              <a:rPr sz="1700" b="0" dirty="0">
-                <a:latin typeface="微软雅黑" panose="020B0503020204020204" pitchFamily="34" charset="-122"/>
-                <a:ea typeface="微软雅黑" panose="020B0503020204020204" pitchFamily="34" charset="-122"/>
-                <a:cs typeface="Helvetica Light"/>
-              </a:rPr>
-              <a:t>codec</a:t>
-            </a:r>
-          </a:p>
-        </p:txBody>
-      </p:sp>
-      <p:sp>
-        <p:nvSpPr>
-          <p:cNvPr id="122" name="hessian2"/>
-          <p:cNvSpPr/>
-          <p:nvPr/>
-        </p:nvSpPr>
-        <p:spPr>
-          <a:xfrm>
-            <a:off x="6957555" y="5356531"/>
-            <a:ext cx="1335057" cy="751093"/>
-          </a:xfrm>
-          <a:prstGeom prst="roundRect">
-            <a:avLst>
-              <a:gd name="adj" fmla="val 9229"/>
-            </a:avLst>
-          </a:prstGeom>
-          <a:solidFill>
-            <a:schemeClr val="accent4"/>
-          </a:solidFill>
-          <a:ln w="12700" cap="flat">
-            <a:noFill/>
-            <a:miter lim="400000"/>
-          </a:ln>
-          <a:effectLst>
-            <a:outerShdw blurRad="38100" dist="25400" dir="5400000" rotWithShape="0">
-              <a:srgbClr val="000000">
-                <a:alpha val="50000"/>
-              </a:srgbClr>
-            </a:outerShdw>
-          </a:effectLst>
-          <a:extLst>
-            <a:ext uri="{C572A759-6A51-4108-AA02-DFA0A04FC94B}">
-              <ma14:wrappingTextBoxFlag xmlns:ma14="http://schemas.microsoft.com/office/mac/drawingml/2011/main" xmlns:a14="http://schemas.microsoft.com/office/drawing/2010/main" xmlns:m="http://schemas.openxmlformats.org/officeDocument/2006/math" xmlns="" val="1"/>
-            </a:ext>
-          </a:extLst>
-        </p:spPr>
-        <p:txBody>
-          <a:bodyPr wrap="square" lIns="50800" tIns="50800" rIns="50800" bIns="50800" numCol="1" anchor="ctr">
-            <a:noAutofit/>
-          </a:bodyPr>
-          <a:lstStyle/>
-          <a:p>
-            <a:r>
-              <a:rPr sz="1500" b="0">
-                <a:solidFill>
-                  <a:sysClr val="windowText" lastClr="000000"/>
-                </a:solidFill>
-                <a:latin typeface="微软雅黑" panose="020B0503020204020204" pitchFamily="34" charset="-122"/>
-                <a:ea typeface="微软雅黑" panose="020B0503020204020204" pitchFamily="34" charset="-122"/>
-                <a:cs typeface="Helvetica Light"/>
-              </a:rPr>
-              <a:t>hessian2</a:t>
-            </a:r>
-          </a:p>
-        </p:txBody>
-      </p:sp>
-      <p:sp>
-        <p:nvSpPr>
-          <p:cNvPr id="123" name="jsonrpc 2.0"/>
-          <p:cNvSpPr/>
-          <p:nvPr/>
-        </p:nvSpPr>
-        <p:spPr>
-          <a:xfrm>
-            <a:off x="6948871" y="4345691"/>
-            <a:ext cx="1335057" cy="751965"/>
-          </a:xfrm>
-          <a:prstGeom prst="roundRect">
-            <a:avLst>
-              <a:gd name="adj" fmla="val 9824"/>
-            </a:avLst>
-          </a:prstGeom>
-          <a:solidFill>
-            <a:schemeClr val="accent4"/>
-          </a:solidFill>
-          <a:ln w="12700" cap="flat">
-            <a:noFill/>
-            <a:miter lim="400000"/>
-          </a:ln>
-          <a:effectLst>
-            <a:outerShdw blurRad="38100" dist="25400" dir="5400000" rotWithShape="0">
-              <a:srgbClr val="000000">
-                <a:alpha val="50000"/>
-              </a:srgbClr>
-            </a:outerShdw>
-          </a:effectLst>
-          <a:extLst>
-            <a:ext uri="{C572A759-6A51-4108-AA02-DFA0A04FC94B}">
-              <ma14:wrappingTextBoxFlag xmlns:ma14="http://schemas.microsoft.com/office/mac/drawingml/2011/main" xmlns:a14="http://schemas.microsoft.com/office/drawing/2010/main" xmlns:m="http://schemas.openxmlformats.org/officeDocument/2006/math" xmlns="" val="1"/>
-            </a:ext>
-          </a:extLst>
-        </p:spPr>
-        <p:txBody>
-          <a:bodyPr wrap="square" lIns="50800" tIns="50800" rIns="50800" bIns="50800" numCol="1" anchor="ctr">
-            <a:noAutofit/>
-          </a:bodyPr>
-          <a:lstStyle/>
-          <a:p>
-            <a:r>
-              <a:rPr sz="1500" b="0" dirty="0" err="1">
-                <a:solidFill>
-                  <a:sysClr val="windowText" lastClr="000000"/>
-                </a:solidFill>
-                <a:latin typeface="微软雅黑" panose="020B0503020204020204" pitchFamily="34" charset="-122"/>
-                <a:ea typeface="微软雅黑" panose="020B0503020204020204" pitchFamily="34" charset="-122"/>
-                <a:cs typeface="Helvetica Light"/>
-              </a:rPr>
-              <a:t>jsonrpc</a:t>
-            </a:r>
-            <a:r>
-              <a:rPr sz="1500" b="0" dirty="0">
-                <a:solidFill>
-                  <a:sysClr val="windowText" lastClr="000000"/>
-                </a:solidFill>
-                <a:latin typeface="微软雅黑" panose="020B0503020204020204" pitchFamily="34" charset="-122"/>
-                <a:ea typeface="微软雅黑" panose="020B0503020204020204" pitchFamily="34" charset="-122"/>
-                <a:cs typeface="Helvetica Light"/>
-              </a:rPr>
-              <a:t> 2.0</a:t>
-            </a:r>
-          </a:p>
-        </p:txBody>
-      </p:sp>
-      <p:sp>
-        <p:nvSpPr>
-          <p:cNvPr id="125" name="filter"/>
-          <p:cNvSpPr/>
-          <p:nvPr/>
-        </p:nvSpPr>
-        <p:spPr>
-          <a:xfrm>
-            <a:off x="5440290" y="3818156"/>
-            <a:ext cx="1186872" cy="2534956"/>
-          </a:xfrm>
-          <a:prstGeom prst="roundRect">
-            <a:avLst>
-              <a:gd name="adj" fmla="val 5299"/>
-            </a:avLst>
-          </a:prstGeom>
-          <a:solidFill>
-            <a:schemeClr val="bg1">
-              <a:lumMod val="75000"/>
-            </a:schemeClr>
-          </a:solidFill>
-          <a:ln w="12700" cap="flat">
-            <a:noFill/>
-            <a:prstDash val="solid"/>
-            <a:miter lim="400000"/>
-          </a:ln>
-          <a:effectLst>
-            <a:outerShdw blurRad="50800" dist="38100" dir="5400000" algn="t" rotWithShape="0">
-              <a:prstClr val="black">
-                <a:alpha val="40000"/>
-              </a:prstClr>
-            </a:outerShdw>
-          </a:effectLst>
-          <a:extLst>
-            <a:ext uri="{C572A759-6A51-4108-AA02-DFA0A04FC94B}">
-              <ma14:wrappingTextBoxFlag xmlns:ma14="http://schemas.microsoft.com/office/mac/drawingml/2011/main" xmlns:a14="http://schemas.microsoft.com/office/drawing/2010/main" xmlns:m="http://schemas.openxmlformats.org/officeDocument/2006/math" xmlns="" val="1"/>
-            </a:ext>
-          </a:extLst>
-        </p:spPr>
-        <p:txBody>
-          <a:bodyPr wrap="square" lIns="50800" tIns="50800" rIns="50800" bIns="50800" numCol="1" anchor="t">
-            <a:noAutofit/>
-          </a:bodyPr>
-          <a:lstStyle/>
-          <a:p>
-            <a:r>
-              <a:rPr sz="1700" b="0" dirty="0">
-                <a:latin typeface="微软雅黑" panose="020B0503020204020204" pitchFamily="34" charset="-122"/>
-                <a:ea typeface="微软雅黑" panose="020B0503020204020204" pitchFamily="34" charset="-122"/>
-                <a:cs typeface="Helvetica Light"/>
-              </a:rPr>
-              <a:t>filter</a:t>
-            </a:r>
-          </a:p>
-        </p:txBody>
-      </p:sp>
-      <p:sp>
-        <p:nvSpPr>
-          <p:cNvPr id="126" name="generic…"/>
-          <p:cNvSpPr/>
-          <p:nvPr/>
-        </p:nvSpPr>
-        <p:spPr>
-          <a:xfrm>
-            <a:off x="5522797" y="4968297"/>
-            <a:ext cx="1035149" cy="496988"/>
-          </a:xfrm>
-          <a:prstGeom prst="roundRect">
-            <a:avLst>
-              <a:gd name="adj" fmla="val 11868"/>
-            </a:avLst>
-          </a:prstGeom>
-          <a:solidFill>
-            <a:schemeClr val="accent4"/>
-          </a:solidFill>
-          <a:ln w="12700" cap="flat">
-            <a:noFill/>
-            <a:miter lim="400000"/>
-          </a:ln>
-          <a:effectLst>
-            <a:outerShdw blurRad="38100" dist="25400" dir="5400000" rotWithShape="0">
-              <a:srgbClr val="000000">
-                <a:alpha val="50000"/>
-              </a:srgbClr>
-            </a:outerShdw>
-          </a:effectLst>
-          <a:extLst>
-            <a:ext uri="{C572A759-6A51-4108-AA02-DFA0A04FC94B}">
-              <ma14:wrappingTextBoxFlag xmlns:ma14="http://schemas.microsoft.com/office/mac/drawingml/2011/main" xmlns:a14="http://schemas.microsoft.com/office/drawing/2010/main" xmlns:m="http://schemas.openxmlformats.org/officeDocument/2006/math" xmlns="" val="1"/>
-            </a:ext>
-          </a:extLst>
-        </p:spPr>
-        <p:txBody>
-          <a:bodyPr wrap="square" lIns="50800" tIns="50800" rIns="50800" bIns="50800" numCol="1" anchor="ctr">
-            <a:noAutofit/>
-          </a:bodyPr>
-          <a:lstStyle/>
-          <a:p>
-            <a:r>
-              <a:rPr sz="1500" b="0" dirty="0">
-                <a:solidFill>
-                  <a:sysClr val="windowText" lastClr="000000"/>
-                </a:solidFill>
-                <a:latin typeface="微软雅黑" panose="020B0503020204020204" pitchFamily="34" charset="-122"/>
-                <a:ea typeface="微软雅黑" panose="020B0503020204020204" pitchFamily="34" charset="-122"/>
-                <a:cs typeface="Helvetica Light"/>
-              </a:rPr>
-              <a:t>generic</a:t>
-            </a:r>
-          </a:p>
-          <a:p>
-            <a:r>
-              <a:rPr sz="1500" b="0" dirty="0">
-                <a:solidFill>
-                  <a:sysClr val="windowText" lastClr="000000"/>
-                </a:solidFill>
-                <a:latin typeface="微软雅黑" panose="020B0503020204020204" pitchFamily="34" charset="-122"/>
-                <a:ea typeface="微软雅黑" panose="020B0503020204020204" pitchFamily="34" charset="-122"/>
-                <a:cs typeface="Helvetica Light"/>
-              </a:rPr>
-              <a:t>invoke</a:t>
-            </a:r>
-          </a:p>
-        </p:txBody>
-      </p:sp>
-      <p:sp>
-        <p:nvSpPr>
-          <p:cNvPr id="127" name="tps limit"/>
-          <p:cNvSpPr/>
-          <p:nvPr/>
-        </p:nvSpPr>
-        <p:spPr>
-          <a:xfrm>
-            <a:off x="5515620" y="4343182"/>
-            <a:ext cx="1035149" cy="278268"/>
-          </a:xfrm>
-          <a:prstGeom prst="roundRect">
-            <a:avLst/>
-          </a:prstGeom>
-          <a:solidFill>
-            <a:schemeClr val="accent4"/>
-          </a:solidFill>
-          <a:ln w="12700" cap="flat">
-            <a:noFill/>
-            <a:miter lim="400000"/>
-          </a:ln>
-          <a:effectLst>
-            <a:outerShdw blurRad="38100" dist="25400" dir="5400000" rotWithShape="0">
-              <a:srgbClr val="000000">
-                <a:alpha val="50000"/>
-              </a:srgbClr>
-            </a:outerShdw>
-          </a:effectLst>
-          <a:extLst>
-            <a:ext uri="{C572A759-6A51-4108-AA02-DFA0A04FC94B}">
-              <ma14:wrappingTextBoxFlag xmlns:ma14="http://schemas.microsoft.com/office/mac/drawingml/2011/main" xmlns:a14="http://schemas.microsoft.com/office/drawing/2010/main" xmlns:m="http://schemas.openxmlformats.org/officeDocument/2006/math" xmlns="" val="1"/>
-            </a:ext>
-          </a:extLst>
-        </p:spPr>
-        <p:txBody>
-          <a:bodyPr wrap="square" lIns="50800" tIns="50800" rIns="50800" bIns="50800" numCol="1" anchor="ctr">
-            <a:noAutofit/>
-          </a:bodyPr>
-          <a:lstStyle/>
-          <a:p>
-            <a:r>
-              <a:rPr sz="1500" b="0" dirty="0" err="1">
-                <a:solidFill>
-                  <a:sysClr val="windowText" lastClr="000000"/>
-                </a:solidFill>
-                <a:latin typeface="微软雅黑" panose="020B0503020204020204" pitchFamily="34" charset="-122"/>
-                <a:ea typeface="微软雅黑" panose="020B0503020204020204" pitchFamily="34" charset="-122"/>
-                <a:cs typeface="Helvetica Light"/>
-              </a:rPr>
-              <a:t>tps</a:t>
-            </a:r>
-            <a:r>
-              <a:rPr sz="1500" b="0" dirty="0">
-                <a:solidFill>
-                  <a:sysClr val="windowText" lastClr="000000"/>
-                </a:solidFill>
-                <a:latin typeface="微软雅黑" panose="020B0503020204020204" pitchFamily="34" charset="-122"/>
-                <a:ea typeface="微软雅黑" panose="020B0503020204020204" pitchFamily="34" charset="-122"/>
-                <a:cs typeface="Helvetica Light"/>
-              </a:rPr>
-              <a:t> limit</a:t>
-            </a:r>
-          </a:p>
-        </p:txBody>
-      </p:sp>
-      <p:sp>
-        <p:nvSpPr>
-          <p:cNvPr id="128" name="…"/>
-          <p:cNvSpPr/>
-          <p:nvPr/>
-        </p:nvSpPr>
-        <p:spPr>
-          <a:xfrm>
-            <a:off x="5515620" y="5812131"/>
-            <a:ext cx="1035149" cy="295494"/>
-          </a:xfrm>
-          <a:prstGeom prst="roundRect">
-            <a:avLst/>
-          </a:prstGeom>
-          <a:solidFill>
-            <a:schemeClr val="accent4"/>
-          </a:solidFill>
-          <a:ln w="12700" cap="flat">
-            <a:noFill/>
-            <a:miter lim="400000"/>
-          </a:ln>
-          <a:effectLst>
-            <a:outerShdw blurRad="38100" dist="25400" dir="5400000" rotWithShape="0">
-              <a:srgbClr val="000000">
-                <a:alpha val="50000"/>
-              </a:srgbClr>
-            </a:outerShdw>
-          </a:effectLst>
-          <a:extLst>
-            <a:ext uri="{C572A759-6A51-4108-AA02-DFA0A04FC94B}">
-              <ma14:wrappingTextBoxFlag xmlns:ma14="http://schemas.microsoft.com/office/mac/drawingml/2011/main" xmlns:a14="http://schemas.microsoft.com/office/drawing/2010/main" xmlns:m="http://schemas.openxmlformats.org/officeDocument/2006/math" xmlns="" val="1"/>
-            </a:ext>
-          </a:extLst>
-        </p:spPr>
-        <p:txBody>
-          <a:bodyPr wrap="square" lIns="50800" tIns="50800" rIns="50800" bIns="50800" numCol="1" anchor="ctr">
-            <a:noAutofit/>
-          </a:bodyPr>
-          <a:lstStyle/>
-          <a:p>
-            <a:r>
-              <a:rPr sz="1500" b="0" dirty="0">
-                <a:solidFill>
-                  <a:sysClr val="windowText" lastClr="000000"/>
-                </a:solidFill>
-                <a:latin typeface="微软雅黑" panose="020B0503020204020204" pitchFamily="34" charset="-122"/>
-                <a:ea typeface="微软雅黑" panose="020B0503020204020204" pitchFamily="34" charset="-122"/>
-                <a:cs typeface="Helvetica Light"/>
-              </a:rPr>
-              <a:t>…</a:t>
-            </a:r>
-          </a:p>
-        </p:txBody>
-      </p:sp>
-      <p:sp>
-        <p:nvSpPr>
-          <p:cNvPr id="130" name="cluster &amp; load balance"/>
-          <p:cNvSpPr/>
-          <p:nvPr/>
-        </p:nvSpPr>
-        <p:spPr>
-          <a:xfrm>
-            <a:off x="2335544" y="3826678"/>
-            <a:ext cx="2862435" cy="2526434"/>
-          </a:xfrm>
-          <a:prstGeom prst="roundRect">
-            <a:avLst>
-              <a:gd name="adj" fmla="val 3763"/>
-            </a:avLst>
-          </a:prstGeom>
-          <a:solidFill>
-            <a:schemeClr val="bg1">
-              <a:lumMod val="75000"/>
-            </a:schemeClr>
-          </a:solidFill>
-          <a:ln w="12700" cap="flat">
-            <a:noFill/>
-            <a:prstDash val="solid"/>
-            <a:miter lim="400000"/>
-          </a:ln>
-          <a:effectLst>
-            <a:outerShdw blurRad="50800" dist="38100" dir="5400000" algn="t" rotWithShape="0">
-              <a:prstClr val="black">
-                <a:alpha val="40000"/>
-              </a:prstClr>
-            </a:outerShdw>
-          </a:effectLst>
-          <a:extLst>
-            <a:ext uri="{C572A759-6A51-4108-AA02-DFA0A04FC94B}">
-              <ma14:wrappingTextBoxFlag xmlns:ma14="http://schemas.microsoft.com/office/mac/drawingml/2011/main" xmlns:a14="http://schemas.microsoft.com/office/drawing/2010/main" xmlns:m="http://schemas.openxmlformats.org/officeDocument/2006/math" xmlns="" val="1"/>
-            </a:ext>
-          </a:extLst>
-        </p:spPr>
-        <p:txBody>
-          <a:bodyPr wrap="square" lIns="50800" tIns="50800" rIns="50800" bIns="50800" numCol="1" anchor="t">
-            <a:noAutofit/>
-          </a:bodyPr>
-          <a:lstStyle/>
-          <a:p>
-            <a:r>
-              <a:rPr sz="1700" b="0" dirty="0">
-                <a:latin typeface="微软雅黑" panose="020B0503020204020204" pitchFamily="34" charset="-122"/>
-                <a:ea typeface="微软雅黑" panose="020B0503020204020204" pitchFamily="34" charset="-122"/>
-                <a:cs typeface="Helvetica Light"/>
-              </a:rPr>
-              <a:t>cluster &amp; load balance</a:t>
-            </a:r>
-          </a:p>
-        </p:txBody>
-      </p:sp>
-      <p:sp>
-        <p:nvSpPr>
-          <p:cNvPr id="131" name="random"/>
-          <p:cNvSpPr/>
-          <p:nvPr/>
-        </p:nvSpPr>
-        <p:spPr>
-          <a:xfrm>
-            <a:off x="3860648" y="4345650"/>
-            <a:ext cx="1211306" cy="275800"/>
-          </a:xfrm>
-          <a:prstGeom prst="roundRect">
-            <a:avLst/>
-          </a:prstGeom>
-          <a:solidFill>
-            <a:schemeClr val="accent4"/>
-          </a:solidFill>
-          <a:ln w="12700" cap="flat">
-            <a:noFill/>
-            <a:miter lim="400000"/>
-          </a:ln>
-          <a:effectLst>
-            <a:outerShdw blurRad="38100" dist="25400" dir="5400000" rotWithShape="0">
-              <a:srgbClr val="000000">
-                <a:alpha val="50000"/>
-              </a:srgbClr>
-            </a:outerShdw>
-          </a:effectLst>
-          <a:extLst>
-            <a:ext uri="{C572A759-6A51-4108-AA02-DFA0A04FC94B}">
-              <ma14:wrappingTextBoxFlag xmlns:ma14="http://schemas.microsoft.com/office/mac/drawingml/2011/main" xmlns:a14="http://schemas.microsoft.com/office/drawing/2010/main" xmlns:m="http://schemas.openxmlformats.org/officeDocument/2006/math" xmlns="" val="1"/>
-            </a:ext>
-          </a:extLst>
-        </p:spPr>
-        <p:txBody>
-          <a:bodyPr wrap="square" lIns="50800" tIns="50800" rIns="50800" bIns="50800" numCol="1" anchor="ctr">
-            <a:noAutofit/>
-          </a:bodyPr>
-          <a:lstStyle/>
-          <a:p>
-            <a:r>
-              <a:rPr sz="1500" b="0">
-                <a:solidFill>
-                  <a:sysClr val="windowText" lastClr="000000"/>
-                </a:solidFill>
-                <a:latin typeface="微软雅黑" panose="020B0503020204020204" pitchFamily="34" charset="-122"/>
-                <a:ea typeface="微软雅黑" panose="020B0503020204020204" pitchFamily="34" charset="-122"/>
-                <a:cs typeface="Helvetica Light"/>
-              </a:rPr>
-              <a:t>random</a:t>
-            </a:r>
-          </a:p>
-        </p:txBody>
-      </p:sp>
-      <p:sp>
-        <p:nvSpPr>
-          <p:cNvPr id="132" name="round…"/>
-          <p:cNvSpPr/>
-          <p:nvPr/>
-        </p:nvSpPr>
-        <p:spPr>
-          <a:xfrm>
-            <a:off x="3860648" y="4833613"/>
-            <a:ext cx="1211306" cy="496606"/>
-          </a:xfrm>
-          <a:prstGeom prst="roundRect">
-            <a:avLst>
-              <a:gd name="adj" fmla="val 10262"/>
-            </a:avLst>
-          </a:prstGeom>
-          <a:solidFill>
-            <a:schemeClr val="accent4"/>
-          </a:solidFill>
-          <a:ln w="12700" cap="flat">
-            <a:noFill/>
-            <a:miter lim="400000"/>
-          </a:ln>
-          <a:effectLst>
-            <a:outerShdw blurRad="38100" dist="25400" dir="5400000" rotWithShape="0">
-              <a:srgbClr val="000000">
-                <a:alpha val="50000"/>
-              </a:srgbClr>
-            </a:outerShdw>
-          </a:effectLst>
-          <a:extLst>
-            <a:ext uri="{C572A759-6A51-4108-AA02-DFA0A04FC94B}">
-              <ma14:wrappingTextBoxFlag xmlns:ma14="http://schemas.microsoft.com/office/mac/drawingml/2011/main" xmlns:a14="http://schemas.microsoft.com/office/drawing/2010/main" xmlns:m="http://schemas.openxmlformats.org/officeDocument/2006/math" xmlns="" val="1"/>
-            </a:ext>
-          </a:extLst>
-        </p:spPr>
-        <p:txBody>
-          <a:bodyPr wrap="square" lIns="50800" tIns="50800" rIns="50800" bIns="50800" numCol="1" anchor="ctr">
-            <a:noAutofit/>
-          </a:bodyPr>
-          <a:lstStyle/>
-          <a:p>
-            <a:r>
-              <a:rPr sz="1500" b="0">
-                <a:solidFill>
-                  <a:sysClr val="windowText" lastClr="000000"/>
-                </a:solidFill>
-                <a:latin typeface="微软雅黑" panose="020B0503020204020204" pitchFamily="34" charset="-122"/>
-                <a:ea typeface="微软雅黑" panose="020B0503020204020204" pitchFamily="34" charset="-122"/>
-                <a:cs typeface="Helvetica Light"/>
-              </a:rPr>
-              <a:t>round</a:t>
-            </a:r>
-          </a:p>
-          <a:p>
-            <a:r>
-              <a:rPr sz="1500" b="0">
-                <a:solidFill>
-                  <a:sysClr val="windowText" lastClr="000000"/>
-                </a:solidFill>
-                <a:latin typeface="微软雅黑" panose="020B0503020204020204" pitchFamily="34" charset="-122"/>
-                <a:ea typeface="微软雅黑" panose="020B0503020204020204" pitchFamily="34" charset="-122"/>
-                <a:cs typeface="Helvetica Light"/>
-              </a:rPr>
-              <a:t> robin</a:t>
-            </a:r>
-          </a:p>
-        </p:txBody>
-      </p:sp>
-      <p:sp>
-        <p:nvSpPr>
-          <p:cNvPr id="133" name="least…"/>
-          <p:cNvSpPr/>
-          <p:nvPr/>
-        </p:nvSpPr>
-        <p:spPr>
-          <a:xfrm>
-            <a:off x="3864023" y="5542381"/>
-            <a:ext cx="1211306" cy="568095"/>
-          </a:xfrm>
-          <a:prstGeom prst="roundRect">
-            <a:avLst>
-              <a:gd name="adj" fmla="val 11068"/>
-            </a:avLst>
-          </a:prstGeom>
-          <a:solidFill>
-            <a:schemeClr val="accent4"/>
-          </a:solidFill>
-          <a:ln w="12700" cap="flat">
-            <a:noFill/>
-            <a:miter lim="400000"/>
-          </a:ln>
-          <a:effectLst>
-            <a:outerShdw blurRad="38100" dist="25400" dir="5400000" rotWithShape="0">
-              <a:srgbClr val="000000">
-                <a:alpha val="50000"/>
-              </a:srgbClr>
-            </a:outerShdw>
-          </a:effectLst>
-          <a:extLst>
-            <a:ext uri="{C572A759-6A51-4108-AA02-DFA0A04FC94B}">
-              <ma14:wrappingTextBoxFlag xmlns:ma14="http://schemas.microsoft.com/office/mac/drawingml/2011/main" xmlns:a14="http://schemas.microsoft.com/office/drawing/2010/main" xmlns:m="http://schemas.openxmlformats.org/officeDocument/2006/math" xmlns="" val="1"/>
-            </a:ext>
-          </a:extLst>
-        </p:spPr>
-        <p:txBody>
-          <a:bodyPr wrap="square" lIns="50800" tIns="50800" rIns="50800" bIns="50800" numCol="1" anchor="ctr">
-            <a:noAutofit/>
-          </a:bodyPr>
-          <a:lstStyle/>
-          <a:p>
-            <a:r>
-              <a:rPr sz="1500" b="0">
-                <a:solidFill>
-                  <a:sysClr val="windowText" lastClr="000000"/>
-                </a:solidFill>
-                <a:latin typeface="微软雅黑" panose="020B0503020204020204" pitchFamily="34" charset="-122"/>
-                <a:ea typeface="微软雅黑" panose="020B0503020204020204" pitchFamily="34" charset="-122"/>
-                <a:cs typeface="Helvetica Light"/>
-              </a:rPr>
-              <a:t>least</a:t>
-            </a:r>
-          </a:p>
-          <a:p>
-            <a:r>
-              <a:rPr sz="1500" b="0">
-                <a:solidFill>
-                  <a:sysClr val="windowText" lastClr="000000"/>
-                </a:solidFill>
-                <a:latin typeface="微软雅黑" panose="020B0503020204020204" pitchFamily="34" charset="-122"/>
-                <a:ea typeface="微软雅黑" panose="020B0503020204020204" pitchFamily="34" charset="-122"/>
-                <a:cs typeface="Helvetica Light"/>
-              </a:rPr>
-              <a:t>active</a:t>
-            </a:r>
-          </a:p>
-        </p:txBody>
-      </p:sp>
-      <p:sp>
-        <p:nvSpPr>
-          <p:cNvPr id="134" name="failover"/>
-          <p:cNvSpPr/>
-          <p:nvPr/>
-        </p:nvSpPr>
-        <p:spPr>
-          <a:xfrm>
-            <a:off x="2449022" y="4346174"/>
-            <a:ext cx="1211307" cy="286440"/>
-          </a:xfrm>
-          <a:prstGeom prst="roundRect">
-            <a:avLst/>
-          </a:prstGeom>
-          <a:solidFill>
-            <a:schemeClr val="accent4"/>
-          </a:solidFill>
-          <a:ln w="12700" cap="flat">
-            <a:noFill/>
-            <a:miter lim="400000"/>
-          </a:ln>
-          <a:effectLst>
-            <a:outerShdw blurRad="38100" dist="25400" dir="5400000" rotWithShape="0">
-              <a:srgbClr val="000000">
-                <a:alpha val="50000"/>
-              </a:srgbClr>
-            </a:outerShdw>
-          </a:effectLst>
-          <a:extLst>
-            <a:ext uri="{C572A759-6A51-4108-AA02-DFA0A04FC94B}">
-              <ma14:wrappingTextBoxFlag xmlns:ma14="http://schemas.microsoft.com/office/mac/drawingml/2011/main" xmlns:a14="http://schemas.microsoft.com/office/drawing/2010/main" xmlns:m="http://schemas.openxmlformats.org/officeDocument/2006/math" xmlns="" val="1"/>
-            </a:ext>
-          </a:extLst>
-        </p:spPr>
-        <p:txBody>
-          <a:bodyPr wrap="square" lIns="50800" tIns="50800" rIns="50800" bIns="50800" numCol="1" anchor="ctr">
-            <a:noAutofit/>
-          </a:bodyPr>
-          <a:lstStyle/>
-          <a:p>
-            <a:r>
-              <a:rPr sz="1500" b="0">
-                <a:solidFill>
-                  <a:sysClr val="windowText" lastClr="000000"/>
-                </a:solidFill>
-                <a:latin typeface="微软雅黑" panose="020B0503020204020204" pitchFamily="34" charset="-122"/>
-                <a:ea typeface="微软雅黑" panose="020B0503020204020204" pitchFamily="34" charset="-122"/>
-                <a:cs typeface="Helvetica Light"/>
-              </a:rPr>
-              <a:t>failover</a:t>
-            </a:r>
-          </a:p>
-        </p:txBody>
-      </p:sp>
-      <p:sp>
-        <p:nvSpPr>
-          <p:cNvPr id="135" name="failfast"/>
-          <p:cNvSpPr/>
-          <p:nvPr/>
-        </p:nvSpPr>
-        <p:spPr>
-          <a:xfrm>
-            <a:off x="2442223" y="4834111"/>
-            <a:ext cx="1211307" cy="290173"/>
-          </a:xfrm>
-          <a:prstGeom prst="roundRect">
-            <a:avLst/>
-          </a:prstGeom>
-          <a:solidFill>
-            <a:schemeClr val="accent4"/>
-          </a:solidFill>
-          <a:ln w="12700" cap="flat">
-            <a:noFill/>
-            <a:miter lim="400000"/>
-          </a:ln>
-          <a:effectLst>
-            <a:outerShdw blurRad="38100" dist="25400" dir="5400000" rotWithShape="0">
-              <a:srgbClr val="000000">
-                <a:alpha val="50000"/>
-              </a:srgbClr>
-            </a:outerShdw>
-          </a:effectLst>
-          <a:extLst>
-            <a:ext uri="{C572A759-6A51-4108-AA02-DFA0A04FC94B}">
-              <ma14:wrappingTextBoxFlag xmlns:ma14="http://schemas.microsoft.com/office/mac/drawingml/2011/main" xmlns:a14="http://schemas.microsoft.com/office/drawing/2010/main" xmlns:m="http://schemas.openxmlformats.org/officeDocument/2006/math" xmlns="" val="1"/>
-            </a:ext>
-          </a:extLst>
-        </p:spPr>
-        <p:txBody>
-          <a:bodyPr wrap="square" lIns="50800" tIns="50800" rIns="50800" bIns="50800" numCol="1" anchor="ctr">
-            <a:noAutofit/>
-          </a:bodyPr>
-          <a:lstStyle/>
-          <a:p>
-            <a:r>
-              <a:rPr sz="1500" b="0" dirty="0" err="1">
-                <a:solidFill>
-                  <a:sysClr val="windowText" lastClr="000000"/>
-                </a:solidFill>
-                <a:latin typeface="微软雅黑" panose="020B0503020204020204" pitchFamily="34" charset="-122"/>
-                <a:ea typeface="微软雅黑" panose="020B0503020204020204" pitchFamily="34" charset="-122"/>
-                <a:cs typeface="Helvetica Light"/>
-              </a:rPr>
-              <a:t>failfast</a:t>
-            </a:r>
-            <a:endParaRPr sz="1500" b="0" dirty="0">
-              <a:solidFill>
-                <a:sysClr val="windowText" lastClr="000000"/>
-              </a:solidFill>
-              <a:latin typeface="微软雅黑" panose="020B0503020204020204" pitchFamily="34" charset="-122"/>
-              <a:ea typeface="微软雅黑" panose="020B0503020204020204" pitchFamily="34" charset="-122"/>
-              <a:cs typeface="Helvetica Light"/>
-            </a:endParaRPr>
-          </a:p>
-        </p:txBody>
-      </p:sp>
-      <p:sp>
-        <p:nvSpPr>
-          <p:cNvPr id="136" name="failsafe"/>
-          <p:cNvSpPr/>
-          <p:nvPr/>
-        </p:nvSpPr>
-        <p:spPr>
-          <a:xfrm>
-            <a:off x="2449022" y="5328478"/>
-            <a:ext cx="1211307" cy="287476"/>
-          </a:xfrm>
-          <a:prstGeom prst="roundRect">
-            <a:avLst/>
-          </a:prstGeom>
-          <a:solidFill>
-            <a:schemeClr val="accent4"/>
-          </a:solidFill>
-          <a:ln w="12700" cap="flat">
-            <a:noFill/>
-            <a:miter lim="400000"/>
-          </a:ln>
-          <a:effectLst>
-            <a:outerShdw blurRad="38100" dist="25400" dir="5400000" rotWithShape="0">
-              <a:srgbClr val="000000">
-                <a:alpha val="50000"/>
-              </a:srgbClr>
-            </a:outerShdw>
-          </a:effectLst>
-          <a:extLst>
-            <a:ext uri="{C572A759-6A51-4108-AA02-DFA0A04FC94B}">
-              <ma14:wrappingTextBoxFlag xmlns:ma14="http://schemas.microsoft.com/office/mac/drawingml/2011/main" xmlns:a14="http://schemas.microsoft.com/office/drawing/2010/main" xmlns:m="http://schemas.openxmlformats.org/officeDocument/2006/math" xmlns="" val="1"/>
-            </a:ext>
-          </a:extLst>
-        </p:spPr>
-        <p:txBody>
-          <a:bodyPr wrap="square" lIns="50800" tIns="50800" rIns="50800" bIns="50800" numCol="1" anchor="ctr">
-            <a:noAutofit/>
-          </a:bodyPr>
-          <a:lstStyle/>
-          <a:p>
-            <a:r>
-              <a:rPr sz="1500" b="0" dirty="0">
-                <a:solidFill>
-                  <a:sysClr val="windowText" lastClr="000000"/>
-                </a:solidFill>
-                <a:latin typeface="微软雅黑" panose="020B0503020204020204" pitchFamily="34" charset="-122"/>
-                <a:ea typeface="微软雅黑" panose="020B0503020204020204" pitchFamily="34" charset="-122"/>
-                <a:cs typeface="Helvetica Light"/>
-              </a:rPr>
-              <a:t>failsafe</a:t>
-            </a:r>
-          </a:p>
-        </p:txBody>
-      </p:sp>
-      <p:sp>
-        <p:nvSpPr>
-          <p:cNvPr id="137" name="…"/>
-          <p:cNvSpPr/>
-          <p:nvPr/>
-        </p:nvSpPr>
-        <p:spPr>
-          <a:xfrm>
-            <a:off x="2449022" y="5817389"/>
-            <a:ext cx="1211307" cy="290235"/>
-          </a:xfrm>
-          <a:prstGeom prst="roundRect">
-            <a:avLst/>
-          </a:prstGeom>
-          <a:solidFill>
-            <a:schemeClr val="accent4"/>
-          </a:solidFill>
-          <a:ln w="12700" cap="flat">
-            <a:noFill/>
-            <a:miter lim="400000"/>
-          </a:ln>
-          <a:effectLst>
-            <a:outerShdw blurRad="38100" dist="25400" dir="5400000" rotWithShape="0">
-              <a:srgbClr val="000000">
-                <a:alpha val="50000"/>
-              </a:srgbClr>
-            </a:outerShdw>
-          </a:effectLst>
-          <a:extLst>
-            <a:ext uri="{C572A759-6A51-4108-AA02-DFA0A04FC94B}">
-              <ma14:wrappingTextBoxFlag xmlns:ma14="http://schemas.microsoft.com/office/mac/drawingml/2011/main" xmlns:a14="http://schemas.microsoft.com/office/drawing/2010/main" xmlns:m="http://schemas.openxmlformats.org/officeDocument/2006/math" xmlns="" val="1"/>
-            </a:ext>
-          </a:extLst>
-        </p:spPr>
-        <p:txBody>
-          <a:bodyPr wrap="square" lIns="50800" tIns="50800" rIns="50800" bIns="50800" numCol="1" anchor="ctr">
-            <a:noAutofit/>
-          </a:bodyPr>
-          <a:lstStyle/>
-          <a:p>
-            <a:r>
-              <a:rPr sz="1500" b="0">
-                <a:solidFill>
-                  <a:sysClr val="windowText" lastClr="000000"/>
-                </a:solidFill>
-                <a:latin typeface="微软雅黑" panose="020B0503020204020204" pitchFamily="34" charset="-122"/>
-                <a:ea typeface="微软雅黑" panose="020B0503020204020204" pitchFamily="34" charset="-122"/>
-                <a:cs typeface="Helvetica Light"/>
-              </a:rPr>
-              <a:t>…</a:t>
-            </a:r>
-          </a:p>
-        </p:txBody>
-      </p:sp>
-      <p:sp>
-        <p:nvSpPr>
-          <p:cNvPr id="139" name="Registry"/>
-          <p:cNvSpPr/>
-          <p:nvPr/>
-        </p:nvSpPr>
-        <p:spPr>
-          <a:xfrm>
-            <a:off x="3276650" y="3191563"/>
-            <a:ext cx="2505556" cy="508001"/>
-          </a:xfrm>
-          <a:prstGeom prst="roundRect">
-            <a:avLst/>
-          </a:prstGeom>
-          <a:solidFill>
-            <a:srgbClr val="F39019"/>
-          </a:solidFill>
-          <a:ln w="12700" cap="flat">
-            <a:noFill/>
-            <a:miter lim="400000"/>
-          </a:ln>
-          <a:effectLst>
-            <a:outerShdw blurRad="38100" dist="25400" dir="5400000" rotWithShape="0">
-              <a:srgbClr val="000000">
-                <a:alpha val="50000"/>
-              </a:srgbClr>
-            </a:outerShdw>
-          </a:effectLst>
-          <a:extLst>
-            <a:ext uri="{C572A759-6A51-4108-AA02-DFA0A04FC94B}">
-              <ma14:wrappingTextBoxFlag xmlns:ma14="http://schemas.microsoft.com/office/mac/drawingml/2011/main" xmlns:a14="http://schemas.microsoft.com/office/drawing/2010/main" xmlns:m="http://schemas.openxmlformats.org/officeDocument/2006/math" xmlns="" val="1"/>
-            </a:ext>
-          </a:extLst>
-        </p:spPr>
-        <p:txBody>
-          <a:bodyPr wrap="square" lIns="50800" tIns="50800" rIns="50800" bIns="50800" numCol="1" anchor="ctr">
-            <a:noAutofit/>
-          </a:bodyPr>
-          <a:lstStyle>
-            <a:lvl1pPr>
-              <a:defRPr sz="1900" b="0">
-                <a:solidFill>
-                  <a:srgbClr val="FFFFFF"/>
-                </a:solidFill>
-                <a:latin typeface="Helvetica Light"/>
-                <a:ea typeface="Helvetica Light"/>
-                <a:cs typeface="Helvetica Light"/>
-                <a:sym typeface="Helvetica Light"/>
-              </a:defRPr>
-            </a:lvl1pPr>
-          </a:lstStyle>
-          <a:p>
-            <a:r>
-              <a:rPr>
-                <a:latin typeface="微软雅黑" panose="020B0503020204020204" pitchFamily="34" charset="-122"/>
-                <a:ea typeface="微软雅黑" panose="020B0503020204020204" pitchFamily="34" charset="-122"/>
-              </a:rPr>
-              <a:t>Registry</a:t>
-            </a:r>
-          </a:p>
-        </p:txBody>
-      </p:sp>
-      <p:sp>
-        <p:nvSpPr>
-          <p:cNvPr id="140" name="Config"/>
-          <p:cNvSpPr/>
-          <p:nvPr/>
-        </p:nvSpPr>
-        <p:spPr>
-          <a:xfrm>
-            <a:off x="2249795" y="6470384"/>
-            <a:ext cx="4559266" cy="508001"/>
-          </a:xfrm>
-          <a:prstGeom prst="roundRect">
-            <a:avLst/>
-          </a:prstGeom>
-          <a:solidFill>
-            <a:schemeClr val="bg2">
-              <a:lumMod val="50000"/>
-            </a:schemeClr>
-          </a:solidFill>
-          <a:ln w="12700" cap="flat">
-            <a:noFill/>
-            <a:miter lim="400000"/>
-          </a:ln>
-          <a:effectLst>
-            <a:outerShdw blurRad="38100" dist="25400" dir="5400000" rotWithShape="0">
-              <a:srgbClr val="000000">
-                <a:alpha val="50000"/>
-              </a:srgbClr>
-            </a:outerShdw>
-          </a:effectLst>
-          <a:extLst>
-            <a:ext uri="{C572A759-6A51-4108-AA02-DFA0A04FC94B}">
-              <ma14:wrappingTextBoxFlag xmlns:ma14="http://schemas.microsoft.com/office/mac/drawingml/2011/main" xmlns:a14="http://schemas.microsoft.com/office/drawing/2010/main" xmlns:m="http://schemas.openxmlformats.org/officeDocument/2006/math" xmlns="" val="1"/>
-            </a:ext>
-          </a:extLst>
-        </p:spPr>
-        <p:txBody>
-          <a:bodyPr wrap="square" lIns="50800" tIns="50800" rIns="50800" bIns="50800" numCol="1" anchor="ctr">
-            <a:noAutofit/>
-          </a:bodyPr>
-          <a:lstStyle>
-            <a:lvl1pPr>
-              <a:defRPr sz="1900" b="0">
-                <a:solidFill>
-                  <a:srgbClr val="FFFFFF"/>
-                </a:solidFill>
-                <a:latin typeface="Helvetica Light"/>
-                <a:ea typeface="Helvetica Light"/>
-                <a:cs typeface="Helvetica Light"/>
-                <a:sym typeface="Helvetica Light"/>
-              </a:defRPr>
-            </a:lvl1pPr>
-          </a:lstStyle>
-          <a:p>
-            <a:r>
-              <a:rPr>
-                <a:latin typeface="微软雅黑" panose="020B0503020204020204" pitchFamily="34" charset="-122"/>
-                <a:ea typeface="微软雅黑" panose="020B0503020204020204" pitchFamily="34" charset="-122"/>
-              </a:rPr>
-              <a:t>Config</a:t>
-            </a:r>
-          </a:p>
-        </p:txBody>
-      </p:sp>
-      <p:sp>
-        <p:nvSpPr>
-          <p:cNvPr id="142" name="Line"/>
-          <p:cNvSpPr/>
-          <p:nvPr/>
-        </p:nvSpPr>
-        <p:spPr>
-          <a:xfrm>
-            <a:off x="5178634" y="5097656"/>
-            <a:ext cx="287005" cy="0"/>
-          </a:xfrm>
-          <a:prstGeom prst="line">
-            <a:avLst/>
-          </a:prstGeom>
-          <a:ln w="38100">
-            <a:solidFill>
-              <a:schemeClr val="bg2">
-                <a:lumMod val="50000"/>
-              </a:schemeClr>
-            </a:solidFill>
-            <a:tailEnd type="triangle" w="med" len="med"/>
-          </a:ln>
-        </p:spPr>
-        <p:style>
-          <a:lnRef idx="1">
-            <a:schemeClr val="accent1"/>
-          </a:lnRef>
-          <a:fillRef idx="0">
-            <a:schemeClr val="accent1"/>
-          </a:fillRef>
-          <a:effectRef idx="0">
-            <a:schemeClr val="accent1"/>
-          </a:effectRef>
-          <a:fontRef idx="minor">
-            <a:schemeClr val="tx1"/>
-          </a:fontRef>
-        </p:style>
-        <p:txBody>
-          <a:bodyPr wrap="square" lIns="50800" tIns="50800" rIns="50800" bIns="50800" numCol="1" anchor="ctr">
-            <a:noAutofit/>
-          </a:bodyPr>
-          <a:lstStyle/>
-          <a:p>
-            <a:endParaRPr b="0">
-              <a:solidFill>
-                <a:schemeClr val="tx1"/>
-              </a:solidFill>
-              <a:latin typeface="微软雅黑" panose="020B0503020204020204" pitchFamily="34" charset="-122"/>
-              <a:ea typeface="微软雅黑" panose="020B0503020204020204" pitchFamily="34" charset="-122"/>
-              <a:cs typeface="Helvetica Light"/>
-            </a:endParaRPr>
-          </a:p>
-        </p:txBody>
-      </p:sp>
-      <p:sp>
-        <p:nvSpPr>
-          <p:cNvPr id="144" name="Line"/>
-          <p:cNvSpPr/>
-          <p:nvPr/>
-        </p:nvSpPr>
-        <p:spPr>
-          <a:xfrm>
-            <a:off x="2075578" y="5097656"/>
-            <a:ext cx="266816" cy="1"/>
-          </a:xfrm>
-          <a:prstGeom prst="line">
-            <a:avLst/>
-          </a:prstGeom>
-          <a:ln w="38100">
-            <a:solidFill>
-              <a:schemeClr val="bg2">
-                <a:lumMod val="50000"/>
-              </a:schemeClr>
-            </a:solidFill>
-            <a:tailEnd type="triangle" w="med" len="med"/>
-          </a:ln>
-        </p:spPr>
-        <p:style>
-          <a:lnRef idx="1">
-            <a:schemeClr val="accent1"/>
-          </a:lnRef>
-          <a:fillRef idx="0">
-            <a:schemeClr val="accent1"/>
-          </a:fillRef>
-          <a:effectRef idx="0">
-            <a:schemeClr val="accent1"/>
-          </a:effectRef>
-          <a:fontRef idx="minor">
-            <a:schemeClr val="tx1"/>
-          </a:fontRef>
-        </p:style>
-        <p:txBody>
-          <a:bodyPr wrap="square" lIns="50800" tIns="50800" rIns="50800" bIns="50800" numCol="1" anchor="ctr">
-            <a:noAutofit/>
-          </a:bodyPr>
-          <a:lstStyle/>
-          <a:p>
-            <a:pPr>
-              <a:defRPr b="0">
-                <a:latin typeface="Helvetica Light"/>
-                <a:ea typeface="Helvetica Light"/>
-                <a:cs typeface="Helvetica Light"/>
-                <a:sym typeface="Helvetica Light"/>
-              </a:defRPr>
-            </a:pPr>
-            <a:endParaRPr>
-              <a:latin typeface="微软雅黑" panose="020B0503020204020204" pitchFamily="34" charset="-122"/>
-              <a:ea typeface="微软雅黑" panose="020B0503020204020204" pitchFamily="34" charset="-122"/>
-            </a:endParaRPr>
-          </a:p>
-        </p:txBody>
-      </p:sp>
-      <p:sp>
-        <p:nvSpPr>
-          <p:cNvPr id="146" name="Provider"/>
-          <p:cNvSpPr/>
-          <p:nvPr/>
-        </p:nvSpPr>
-        <p:spPr>
-          <a:xfrm>
-            <a:off x="9578333" y="3033577"/>
-            <a:ext cx="7469264" cy="4064001"/>
-          </a:xfrm>
-          <a:prstGeom prst="roundRect">
-            <a:avLst>
-              <a:gd name="adj" fmla="val 4145"/>
-            </a:avLst>
-          </a:prstGeom>
-          <a:solidFill>
-            <a:srgbClr val="DAE3F3"/>
-          </a:solidFill>
-          <a:ln w="12700" cap="flat">
-            <a:noFill/>
-            <a:miter lim="400000"/>
-          </a:ln>
-          <a:effectLst>
-            <a:outerShdw blurRad="38100" dist="25400" dir="5400000" rotWithShape="0">
-              <a:srgbClr val="000000">
-                <a:alpha val="50000"/>
-              </a:srgbClr>
-            </a:outerShdw>
-          </a:effectLst>
-          <a:extLst>
-            <a:ext uri="{C572A759-6A51-4108-AA02-DFA0A04FC94B}">
-              <ma14:wrappingTextBoxFlag xmlns:ma14="http://schemas.microsoft.com/office/mac/drawingml/2011/main" xmlns:a14="http://schemas.microsoft.com/office/drawing/2010/main" xmlns:m="http://schemas.openxmlformats.org/officeDocument/2006/math" xmlns="" val="1"/>
-            </a:ext>
-          </a:extLst>
-        </p:spPr>
-        <p:txBody>
-          <a:bodyPr wrap="square" lIns="50800" tIns="50800" rIns="50800" bIns="50800" numCol="1" anchor="t">
-            <a:noAutofit/>
-          </a:bodyPr>
-          <a:lstStyle>
-            <a:lvl1pPr algn="r">
-              <a:defRPr b="0">
-                <a:solidFill>
-                  <a:srgbClr val="FFFFFF"/>
-                </a:solidFill>
-                <a:latin typeface="Helvetica Light"/>
-                <a:ea typeface="Helvetica Light"/>
-                <a:cs typeface="Helvetica Light"/>
-                <a:sym typeface="Helvetica Light"/>
-              </a:defRPr>
-            </a:lvl1pPr>
-          </a:lstStyle>
-          <a:p>
-            <a:r>
-              <a:rPr b="1" dirty="0">
-                <a:solidFill>
-                  <a:schemeClr val="tx1"/>
-                </a:solidFill>
-                <a:latin typeface="微软雅黑" panose="020B0503020204020204" pitchFamily="34" charset="-122"/>
-                <a:ea typeface="微软雅黑" panose="020B0503020204020204" pitchFamily="34" charset="-122"/>
-              </a:rPr>
-              <a:t>Provider</a:t>
-            </a:r>
-          </a:p>
-        </p:txBody>
-      </p:sp>
-      <p:sp>
-        <p:nvSpPr>
-          <p:cNvPr id="170" name="Registries"/>
-          <p:cNvSpPr/>
-          <p:nvPr/>
-        </p:nvSpPr>
-        <p:spPr>
-          <a:xfrm>
-            <a:off x="4685378" y="337695"/>
-            <a:ext cx="7422393" cy="1644934"/>
+            <a:off x="3154714" y="1838348"/>
+            <a:ext cx="11331307" cy="940948"/>
           </a:xfrm>
           <a:prstGeom prst="roundRect">
             <a:avLst>
               <a:gd name="adj" fmla="val 7483"/>
             </a:avLst>
           </a:prstGeom>
-          <a:solidFill>
-            <a:srgbClr val="DAE3F3"/>
-          </a:solidFill>
+          <a:noFill/>
           <a:ln w="12700" cap="flat">
-            <a:noFill/>
+            <a:solidFill>
+              <a:schemeClr val="tx2">
+                <a:lumMod val="75000"/>
+              </a:schemeClr>
+            </a:solidFill>
+            <a:prstDash val="dashDot"/>
             <a:miter lim="400000"/>
           </a:ln>
           <a:effectLst>
@@ -11310,92 +10062,32 @@
       </p:sp>
       <p:sp>
         <p:nvSpPr>
-          <p:cNvPr id="171" name="Registry1"/>
+          <p:cNvPr id="7" name="zk">
+            <a:extLst>
+              <a:ext uri="{FF2B5EF4-FFF2-40B4-BE49-F238E27FC236}">
+                <a16:creationId xmlns:a16="http://schemas.microsoft.com/office/drawing/2014/main" id="{956CD0A6-FEC4-480F-A1BE-1C9BDD5FDDEF}"/>
+              </a:ext>
+            </a:extLst>
+          </p:cNvPr>
           <p:cNvSpPr/>
           <p:nvPr/>
         </p:nvSpPr>
         <p:spPr>
           <a:xfrm>
-            <a:off x="4929388" y="802505"/>
-            <a:ext cx="1458325" cy="1000506"/>
-          </a:xfrm>
-          <a:prstGeom prst="roundRect">
-            <a:avLst>
-              <a:gd name="adj" fmla="val 10309"/>
-            </a:avLst>
-          </a:prstGeom>
-          <a:solidFill>
-            <a:srgbClr val="BFBFBF"/>
-          </a:solidFill>
-          <a:ln w="12700" cap="flat">
-            <a:noFill/>
-            <a:miter lim="400000"/>
-          </a:ln>
-          <a:effectLst>
-            <a:outerShdw blurRad="38100" dist="25400" dir="5400000" rotWithShape="0">
-              <a:srgbClr val="000000">
-                <a:alpha val="50000"/>
-              </a:srgbClr>
-            </a:outerShdw>
-          </a:effectLst>
-          <a:extLst>
-            <a:ext uri="{C572A759-6A51-4108-AA02-DFA0A04FC94B}">
-              <ma14:wrappingTextBoxFlag xmlns:ma14="http://schemas.microsoft.com/office/mac/drawingml/2011/main" xmlns:a14="http://schemas.microsoft.com/office/drawing/2010/main" xmlns:m="http://schemas.openxmlformats.org/officeDocument/2006/math" xmlns="" val="1"/>
-            </a:ext>
-          </a:extLst>
-        </p:spPr>
-        <p:txBody>
-          <a:bodyPr wrap="square" lIns="50800" tIns="50800" rIns="50800" bIns="50800" numCol="1" anchor="t">
-            <a:noAutofit/>
-          </a:bodyPr>
-          <a:lstStyle>
-            <a:lvl1pPr>
-              <a:defRPr sz="1700" b="0">
-                <a:solidFill>
-                  <a:srgbClr val="FFFFFF"/>
-                </a:solidFill>
-                <a:latin typeface="Helvetica Light"/>
-                <a:ea typeface="Helvetica Light"/>
-                <a:cs typeface="Helvetica Light"/>
-                <a:sym typeface="Helvetica Light"/>
-              </a:defRPr>
-            </a:lvl1pPr>
-          </a:lstStyle>
-          <a:p>
-            <a:r>
-              <a:rPr>
-                <a:solidFill>
-                  <a:schemeClr val="tx1"/>
-                </a:solidFill>
-                <a:latin typeface="微软雅黑" panose="020B0503020204020204" pitchFamily="34" charset="-122"/>
-                <a:ea typeface="微软雅黑" panose="020B0503020204020204" pitchFamily="34" charset="-122"/>
-              </a:rPr>
-              <a:t>Registry1</a:t>
-            </a:r>
-          </a:p>
-        </p:txBody>
-      </p:sp>
-      <p:sp>
-        <p:nvSpPr>
-          <p:cNvPr id="172" name="zk"/>
-          <p:cNvSpPr/>
-          <p:nvPr/>
-        </p:nvSpPr>
-        <p:spPr>
-          <a:xfrm>
-            <a:off x="5080738" y="1223925"/>
+            <a:off x="4592337" y="2085203"/>
             <a:ext cx="1169204" cy="442356"/>
           </a:xfrm>
           <a:prstGeom prst="roundRect">
             <a:avLst/>
           </a:prstGeom>
-          <a:solidFill>
-            <a:schemeClr val="accent2">
-              <a:lumMod val="75000"/>
-            </a:schemeClr>
-          </a:solidFill>
-          <a:ln w="12700" cap="flat">
-            <a:noFill/>
+          <a:noFill/>
+          <a:ln w="19050" cap="flat">
+            <a:solidFill>
+              <a:schemeClr val="tx2">
+                <a:lumMod val="60000"/>
+                <a:lumOff val="40000"/>
+              </a:schemeClr>
+            </a:solidFill>
             <a:miter lim="400000"/>
           </a:ln>
           <a:effectLst>
@@ -11430,103 +10122,47 @@
           </a:lstStyle>
           <a:p>
             <a:r>
-              <a:rPr>
+              <a:rPr lang="en-US" altLang="zh-CN" dirty="0">
                 <a:latin typeface="微软雅黑" panose="020B0503020204020204" pitchFamily="34" charset="-122"/>
                 <a:ea typeface="微软雅黑" panose="020B0503020204020204" pitchFamily="34" charset="-122"/>
               </a:rPr>
-              <a:t>zk</a:t>
+              <a:t>ZK</a:t>
             </a:r>
+            <a:endParaRPr dirty="0">
+              <a:latin typeface="微软雅黑" panose="020B0503020204020204" pitchFamily="34" charset="-122"/>
+              <a:ea typeface="微软雅黑" panose="020B0503020204020204" pitchFamily="34" charset="-122"/>
+            </a:endParaRPr>
           </a:p>
         </p:txBody>
       </p:sp>
       <p:sp>
         <p:nvSpPr>
-          <p:cNvPr id="174" name="Registry2"/>
+          <p:cNvPr id="17" name="zk">
+            <a:extLst>
+              <a:ext uri="{FF2B5EF4-FFF2-40B4-BE49-F238E27FC236}">
+                <a16:creationId xmlns:a16="http://schemas.microsoft.com/office/drawing/2014/main" id="{86AD9F54-5C19-480F-ACFB-8F07D44C5FED}"/>
+              </a:ext>
+            </a:extLst>
+          </p:cNvPr>
           <p:cNvSpPr/>
           <p:nvPr/>
         </p:nvSpPr>
         <p:spPr>
           <a:xfrm>
-            <a:off x="6741911" y="802505"/>
-            <a:ext cx="1458324" cy="1000506"/>
-          </a:xfrm>
-          <a:prstGeom prst="roundRect">
-            <a:avLst>
-              <a:gd name="adj" fmla="val 11104"/>
-            </a:avLst>
-          </a:prstGeom>
-          <a:solidFill>
-            <a:srgbClr val="BFBFBF"/>
-          </a:solidFill>
-          <a:ln w="12700" cap="flat">
-            <a:noFill/>
-            <a:miter lim="400000"/>
-          </a:ln>
-          <a:effectLst>
-            <a:outerShdw blurRad="38100" dist="25400" dir="5400000" rotWithShape="0">
-              <a:srgbClr val="000000">
-                <a:alpha val="50000"/>
-              </a:srgbClr>
-            </a:outerShdw>
-          </a:effectLst>
-          <a:extLst>
-            <a:ext uri="{C572A759-6A51-4108-AA02-DFA0A04FC94B}">
-              <ma14:wrappingTextBoxFlag xmlns:ma14="http://schemas.microsoft.com/office/mac/drawingml/2011/main" xmlns:a14="http://schemas.microsoft.com/office/drawing/2010/main" xmlns:m="http://schemas.openxmlformats.org/officeDocument/2006/math" xmlns="" val="1"/>
-            </a:ext>
-          </a:extLst>
-        </p:spPr>
-        <p:txBody>
-          <a:bodyPr wrap="square" lIns="50800" tIns="50800" rIns="50800" bIns="50800" numCol="1" anchor="t">
-            <a:noAutofit/>
-          </a:bodyPr>
-          <a:lstStyle>
-            <a:lvl1pPr>
-              <a:defRPr sz="1700" b="0">
-                <a:solidFill>
-                  <a:srgbClr val="FFFFFF"/>
-                </a:solidFill>
-                <a:latin typeface="Helvetica Light"/>
-                <a:ea typeface="Helvetica Light"/>
-                <a:cs typeface="Helvetica Light"/>
-                <a:sym typeface="Helvetica Light"/>
-              </a:defRPr>
-            </a:lvl1pPr>
-          </a:lstStyle>
-          <a:p>
-            <a:r>
-              <a:rPr dirty="0">
-                <a:solidFill>
-                  <a:schemeClr val="tx1"/>
-                </a:solidFill>
-                <a:latin typeface="微软雅黑" panose="020B0503020204020204" pitchFamily="34" charset="-122"/>
-                <a:ea typeface="微软雅黑" panose="020B0503020204020204" pitchFamily="34" charset="-122"/>
-              </a:rPr>
-              <a:t>Registry2</a:t>
-            </a:r>
-          </a:p>
-        </p:txBody>
-      </p:sp>
-      <p:sp>
-        <p:nvSpPr>
-          <p:cNvPr id="175" name="etcd"/>
-          <p:cNvSpPr/>
-          <p:nvPr/>
-        </p:nvSpPr>
-        <p:spPr>
-          <a:xfrm>
-            <a:off x="6893261" y="1223925"/>
-            <a:ext cx="1169203" cy="442356"/>
+            <a:off x="10081152" y="2085203"/>
+            <a:ext cx="1169204" cy="442356"/>
           </a:xfrm>
           <a:prstGeom prst="roundRect">
             <a:avLst/>
           </a:prstGeom>
-          <a:solidFill>
-            <a:schemeClr val="accent2">
-              <a:lumMod val="75000"/>
-            </a:schemeClr>
-          </a:solidFill>
-          <a:ln w="12700" cap="flat">
-            <a:noFill/>
+          <a:noFill/>
+          <a:ln w="19050" cap="flat">
+            <a:solidFill>
+              <a:schemeClr val="tx2">
+                <a:lumMod val="60000"/>
+                <a:lumOff val="40000"/>
+              </a:schemeClr>
+            </a:solidFill>
             <a:miter lim="400000"/>
           </a:ln>
           <a:effectLst>
@@ -11561,11 +10197,11 @@
           </a:lstStyle>
           <a:p>
             <a:r>
-              <a:rPr dirty="0" err="1">
+              <a:rPr lang="en-US" dirty="0">
                 <a:latin typeface="微软雅黑" panose="020B0503020204020204" pitchFamily="34" charset="-122"/>
                 <a:ea typeface="微软雅黑" panose="020B0503020204020204" pitchFamily="34" charset="-122"/>
               </a:rPr>
-              <a:t>etcd</a:t>
+              <a:t>consul</a:t>
             </a:r>
             <a:endParaRPr dirty="0">
               <a:latin typeface="微软雅黑" panose="020B0503020204020204" pitchFamily="34" charset="-122"/>
@@ -11576,92 +10212,32 @@
       </p:sp>
       <p:sp>
         <p:nvSpPr>
-          <p:cNvPr id="177" name="Registry3"/>
+          <p:cNvPr id="18" name="zk">
+            <a:extLst>
+              <a:ext uri="{FF2B5EF4-FFF2-40B4-BE49-F238E27FC236}">
+                <a16:creationId xmlns:a16="http://schemas.microsoft.com/office/drawing/2014/main" id="{EC70E444-3799-4BBE-AF63-1F4357F2C2CA}"/>
+              </a:ext>
+            </a:extLst>
+          </p:cNvPr>
           <p:cNvSpPr/>
           <p:nvPr/>
         </p:nvSpPr>
         <p:spPr>
           <a:xfrm>
-            <a:off x="8554434" y="802505"/>
-            <a:ext cx="1458324" cy="1000506"/>
-          </a:xfrm>
-          <a:prstGeom prst="roundRect">
-            <a:avLst>
-              <a:gd name="adj" fmla="val 9514"/>
-            </a:avLst>
-          </a:prstGeom>
-          <a:solidFill>
-            <a:srgbClr val="BFBFBF"/>
-          </a:solidFill>
-          <a:ln w="12700" cap="flat">
-            <a:noFill/>
-            <a:miter lim="400000"/>
-          </a:ln>
-          <a:effectLst>
-            <a:outerShdw blurRad="38100" dist="25400" dir="5400000" rotWithShape="0">
-              <a:srgbClr val="000000">
-                <a:alpha val="50000"/>
-              </a:srgbClr>
-            </a:outerShdw>
-          </a:effectLst>
-          <a:extLst>
-            <a:ext uri="{C572A759-6A51-4108-AA02-DFA0A04FC94B}">
-              <ma14:wrappingTextBoxFlag xmlns:ma14="http://schemas.microsoft.com/office/mac/drawingml/2011/main" xmlns:a14="http://schemas.microsoft.com/office/drawing/2010/main" xmlns:m="http://schemas.openxmlformats.org/officeDocument/2006/math" xmlns="" val="1"/>
-            </a:ext>
-          </a:extLst>
-        </p:spPr>
-        <p:txBody>
-          <a:bodyPr wrap="square" lIns="50800" tIns="50800" rIns="50800" bIns="50800" numCol="1" anchor="t">
-            <a:noAutofit/>
-          </a:bodyPr>
-          <a:lstStyle>
-            <a:lvl1pPr>
-              <a:defRPr sz="1700" b="0">
-                <a:solidFill>
-                  <a:srgbClr val="FFFFFF"/>
-                </a:solidFill>
-                <a:latin typeface="Helvetica Light"/>
-                <a:ea typeface="Helvetica Light"/>
-                <a:cs typeface="Helvetica Light"/>
-                <a:sym typeface="Helvetica Light"/>
-              </a:defRPr>
-            </a:lvl1pPr>
-          </a:lstStyle>
-          <a:p>
-            <a:r>
-              <a:rPr dirty="0">
-                <a:solidFill>
-                  <a:schemeClr val="tx1"/>
-                </a:solidFill>
-                <a:latin typeface="微软雅黑" panose="020B0503020204020204" pitchFamily="34" charset="-122"/>
-                <a:ea typeface="微软雅黑" panose="020B0503020204020204" pitchFamily="34" charset="-122"/>
-              </a:rPr>
-              <a:t>Registry3</a:t>
-            </a:r>
-          </a:p>
-        </p:txBody>
-      </p:sp>
-      <p:sp>
-        <p:nvSpPr>
-          <p:cNvPr id="178" name="nacos"/>
-          <p:cNvSpPr/>
-          <p:nvPr/>
-        </p:nvSpPr>
-        <p:spPr>
-          <a:xfrm>
-            <a:off x="8705784" y="1223925"/>
-            <a:ext cx="1169203" cy="442356"/>
+            <a:off x="8251547" y="2085203"/>
+            <a:ext cx="1169204" cy="442356"/>
           </a:xfrm>
           <a:prstGeom prst="roundRect">
             <a:avLst/>
           </a:prstGeom>
-          <a:solidFill>
-            <a:schemeClr val="accent2">
-              <a:lumMod val="75000"/>
-            </a:schemeClr>
-          </a:solidFill>
-          <a:ln w="12700" cap="flat">
-            <a:noFill/>
+          <a:noFill/>
+          <a:ln w="19050" cap="flat">
+            <a:solidFill>
+              <a:schemeClr val="tx2">
+                <a:lumMod val="60000"/>
+                <a:lumOff val="40000"/>
+              </a:schemeClr>
+            </a:solidFill>
             <a:miter lim="400000"/>
           </a:ln>
           <a:effectLst>
@@ -11696,7 +10272,7 @@
           </a:lstStyle>
           <a:p>
             <a:r>
-              <a:rPr dirty="0" err="1">
+              <a:rPr lang="en-US" dirty="0">
                 <a:latin typeface="微软雅黑" panose="020B0503020204020204" pitchFamily="34" charset="-122"/>
                 <a:ea typeface="微软雅黑" panose="020B0503020204020204" pitchFamily="34" charset="-122"/>
               </a:rPr>
@@ -11711,92 +10287,32 @@
       </p:sp>
       <p:sp>
         <p:nvSpPr>
-          <p:cNvPr id="180" name="Registry4"/>
+          <p:cNvPr id="19" name="zk">
+            <a:extLst>
+              <a:ext uri="{FF2B5EF4-FFF2-40B4-BE49-F238E27FC236}">
+                <a16:creationId xmlns:a16="http://schemas.microsoft.com/office/drawing/2014/main" id="{EFC4C370-BC9C-4DBD-9B64-F6E6E30422AE}"/>
+              </a:ext>
+            </a:extLst>
+          </p:cNvPr>
           <p:cNvSpPr/>
           <p:nvPr/>
         </p:nvSpPr>
         <p:spPr>
           <a:xfrm>
-            <a:off x="10366956" y="802505"/>
-            <a:ext cx="1458325" cy="1000506"/>
-          </a:xfrm>
-          <a:prstGeom prst="roundRect">
-            <a:avLst>
-              <a:gd name="adj" fmla="val 9514"/>
-            </a:avLst>
-          </a:prstGeom>
-          <a:solidFill>
-            <a:srgbClr val="BFBFBF"/>
-          </a:solidFill>
-          <a:ln w="12700" cap="flat">
-            <a:noFill/>
-            <a:miter lim="400000"/>
-          </a:ln>
-          <a:effectLst>
-            <a:outerShdw blurRad="38100" dist="25400" dir="5400000" rotWithShape="0">
-              <a:srgbClr val="000000">
-                <a:alpha val="50000"/>
-              </a:srgbClr>
-            </a:outerShdw>
-          </a:effectLst>
-          <a:extLst>
-            <a:ext uri="{C572A759-6A51-4108-AA02-DFA0A04FC94B}">
-              <ma14:wrappingTextBoxFlag xmlns:ma14="http://schemas.microsoft.com/office/mac/drawingml/2011/main" xmlns:a14="http://schemas.microsoft.com/office/drawing/2010/main" xmlns:m="http://schemas.openxmlformats.org/officeDocument/2006/math" xmlns="" val="1"/>
-            </a:ext>
-          </a:extLst>
-        </p:spPr>
-        <p:txBody>
-          <a:bodyPr wrap="square" lIns="50800" tIns="50800" rIns="50800" bIns="50800" numCol="1" anchor="t">
-            <a:noAutofit/>
-          </a:bodyPr>
-          <a:lstStyle>
-            <a:lvl1pPr>
-              <a:defRPr sz="1700" b="0">
-                <a:solidFill>
-                  <a:srgbClr val="FFFFFF"/>
-                </a:solidFill>
-                <a:latin typeface="Helvetica Light"/>
-                <a:ea typeface="Helvetica Light"/>
-                <a:cs typeface="Helvetica Light"/>
-                <a:sym typeface="Helvetica Light"/>
-              </a:defRPr>
-            </a:lvl1pPr>
-          </a:lstStyle>
-          <a:p>
-            <a:r>
-              <a:rPr>
-                <a:solidFill>
-                  <a:schemeClr val="tx1"/>
-                </a:solidFill>
-                <a:latin typeface="微软雅黑" panose="020B0503020204020204" pitchFamily="34" charset="-122"/>
-                <a:ea typeface="微软雅黑" panose="020B0503020204020204" pitchFamily="34" charset="-122"/>
-              </a:rPr>
-              <a:t>Registry4</a:t>
-            </a:r>
-          </a:p>
-        </p:txBody>
-      </p:sp>
-      <p:sp>
-        <p:nvSpPr>
-          <p:cNvPr id="181" name="consul"/>
-          <p:cNvSpPr/>
-          <p:nvPr/>
-        </p:nvSpPr>
-        <p:spPr>
-          <a:xfrm>
-            <a:off x="10518306" y="1223925"/>
+            <a:off x="6421942" y="2085203"/>
             <a:ext cx="1169204" cy="442356"/>
           </a:xfrm>
           <a:prstGeom prst="roundRect">
             <a:avLst/>
           </a:prstGeom>
-          <a:solidFill>
-            <a:schemeClr val="accent2">
-              <a:lumMod val="75000"/>
-            </a:schemeClr>
-          </a:solidFill>
-          <a:ln w="12700" cap="flat">
-            <a:noFill/>
+          <a:noFill/>
+          <a:ln w="19050" cap="flat">
+            <a:solidFill>
+              <a:schemeClr val="tx2">
+                <a:lumMod val="60000"/>
+                <a:lumOff val="40000"/>
+              </a:schemeClr>
+            </a:solidFill>
             <a:miter lim="400000"/>
           </a:ln>
           <a:effectLst>
@@ -11831,36 +10347,49 @@
           </a:lstStyle>
           <a:p>
             <a:r>
-              <a:rPr dirty="0">
+              <a:rPr lang="en-US" altLang="zh-CN" dirty="0">
                 <a:latin typeface="微软雅黑" panose="020B0503020204020204" pitchFamily="34" charset="-122"/>
                 <a:ea typeface="微软雅黑" panose="020B0503020204020204" pitchFamily="34" charset="-122"/>
               </a:rPr>
-              <a:t>consul</a:t>
+              <a:t>etcd</a:t>
             </a:r>
+            <a:endParaRPr dirty="0">
+              <a:latin typeface="微软雅黑" panose="020B0503020204020204" pitchFamily="34" charset="-122"/>
+              <a:ea typeface="微软雅黑" panose="020B0503020204020204" pitchFamily="34" charset="-122"/>
+            </a:endParaRPr>
           </a:p>
         </p:txBody>
       </p:sp>
       <p:sp>
         <p:nvSpPr>
-          <p:cNvPr id="184" name="Config center"/>
+          <p:cNvPr id="20" name="Registries">
+            <a:extLst>
+              <a:ext uri="{FF2B5EF4-FFF2-40B4-BE49-F238E27FC236}">
+                <a16:creationId xmlns:a16="http://schemas.microsoft.com/office/drawing/2014/main" id="{9D0FEC0B-B783-4711-A7C9-A42C73F4A52A}"/>
+              </a:ext>
+            </a:extLst>
+          </p:cNvPr>
           <p:cNvSpPr/>
           <p:nvPr/>
         </p:nvSpPr>
         <p:spPr>
           <a:xfrm>
-            <a:off x="6614271" y="7884223"/>
-            <a:ext cx="3592339" cy="1547722"/>
+            <a:off x="3154714" y="6779311"/>
+            <a:ext cx="11331307" cy="940948"/>
           </a:xfrm>
           <a:prstGeom prst="roundRect">
             <a:avLst>
-              <a:gd name="adj" fmla="val 8447"/>
+              <a:gd name="adj" fmla="val 7483"/>
             </a:avLst>
           </a:prstGeom>
-          <a:solidFill>
-            <a:srgbClr val="DAE3F3"/>
-          </a:solidFill>
+          <a:noFill/>
           <a:ln w="12700" cap="flat">
-            <a:noFill/>
+            <a:solidFill>
+              <a:schemeClr val="tx2">
+                <a:lumMod val="75000"/>
+              </a:schemeClr>
+            </a:solidFill>
+            <a:prstDash val="dashDot"/>
             <a:miter lim="400000"/>
           </a:ln>
           <a:effectLst>
@@ -11882,39 +10411,45 @@
           </a:bodyPr>
           <a:lstStyle/>
           <a:p>
-            <a:pPr algn="l"/>
+            <a:pPr algn="r"/>
             <a:endParaRPr dirty="0">
               <a:solidFill>
                 <a:schemeClr val="tx1"/>
               </a:solidFill>
               <a:latin typeface="微软雅黑" panose="020B0503020204020204" pitchFamily="34" charset="-122"/>
               <a:ea typeface="微软雅黑" panose="020B0503020204020204" pitchFamily="34" charset="-122"/>
-              <a:cs typeface="Helvetica Light"/>
             </a:endParaRPr>
           </a:p>
         </p:txBody>
       </p:sp>
       <p:sp>
         <p:nvSpPr>
-          <p:cNvPr id="185" name="Apollo"/>
+          <p:cNvPr id="22" name="zk">
+            <a:extLst>
+              <a:ext uri="{FF2B5EF4-FFF2-40B4-BE49-F238E27FC236}">
+                <a16:creationId xmlns:a16="http://schemas.microsoft.com/office/drawing/2014/main" id="{8ADFB8E2-B14D-4106-939A-1D54D0D64136}"/>
+              </a:ext>
+            </a:extLst>
+          </p:cNvPr>
           <p:cNvSpPr/>
           <p:nvPr/>
         </p:nvSpPr>
         <p:spPr>
           <a:xfrm>
-            <a:off x="7016419" y="8192147"/>
-            <a:ext cx="1270001" cy="574046"/>
+            <a:off x="6146851" y="7026166"/>
+            <a:ext cx="1169204" cy="442356"/>
           </a:xfrm>
           <a:prstGeom prst="roundRect">
             <a:avLst/>
           </a:prstGeom>
-          <a:solidFill>
-            <a:schemeClr val="accent2">
-              <a:lumMod val="75000"/>
-            </a:schemeClr>
-          </a:solidFill>
-          <a:ln w="12700" cap="flat">
-            <a:noFill/>
+          <a:noFill/>
+          <a:ln w="19050" cap="flat">
+            <a:solidFill>
+              <a:schemeClr val="tx2">
+                <a:lumMod val="60000"/>
+                <a:lumOff val="40000"/>
+              </a:schemeClr>
+            </a:solidFill>
             <a:miter lim="400000"/>
           </a:ln>
           <a:effectLst>
@@ -11949,36 +10484,47 @@
           </a:lstStyle>
           <a:p>
             <a:r>
-              <a:rPr>
+              <a:rPr lang="en-US" altLang="zh-CN" dirty="0">
                 <a:latin typeface="微软雅黑" panose="020B0503020204020204" pitchFamily="34" charset="-122"/>
                 <a:ea typeface="微软雅黑" panose="020B0503020204020204" pitchFamily="34" charset="-122"/>
               </a:rPr>
-              <a:t>Apollo</a:t>
+              <a:t>ZK</a:t>
             </a:r>
+            <a:endParaRPr dirty="0">
+              <a:latin typeface="微软雅黑" panose="020B0503020204020204" pitchFamily="34" charset="-122"/>
+              <a:ea typeface="微软雅黑" panose="020B0503020204020204" pitchFamily="34" charset="-122"/>
+            </a:endParaRPr>
           </a:p>
         </p:txBody>
       </p:sp>
       <p:sp>
         <p:nvSpPr>
-          <p:cNvPr id="186" name="zk"/>
+          <p:cNvPr id="25" name="zk">
+            <a:extLst>
+              <a:ext uri="{FF2B5EF4-FFF2-40B4-BE49-F238E27FC236}">
+                <a16:creationId xmlns:a16="http://schemas.microsoft.com/office/drawing/2014/main" id="{1E652752-74F1-4163-8CD9-ED5EDE803748}"/>
+              </a:ext>
+            </a:extLst>
+          </p:cNvPr>
           <p:cNvSpPr/>
           <p:nvPr/>
         </p:nvSpPr>
         <p:spPr>
           <a:xfrm>
-            <a:off x="8574602" y="8192147"/>
-            <a:ext cx="1270001" cy="574046"/>
+            <a:off x="7994752" y="7026166"/>
+            <a:ext cx="1169204" cy="442356"/>
           </a:xfrm>
           <a:prstGeom prst="roundRect">
             <a:avLst/>
           </a:prstGeom>
-          <a:solidFill>
-            <a:schemeClr val="accent2">
-              <a:lumMod val="75000"/>
-            </a:schemeClr>
-          </a:solidFill>
-          <a:ln w="12700" cap="flat">
-            <a:noFill/>
+          <a:noFill/>
+          <a:ln w="19050" cap="flat">
+            <a:solidFill>
+              <a:schemeClr val="tx2">
+                <a:lumMod val="60000"/>
+                <a:lumOff val="40000"/>
+              </a:schemeClr>
+            </a:solidFill>
             <a:miter lim="400000"/>
           </a:ln>
           <a:effectLst>
@@ -12013,11 +10559,11 @@
           </a:lstStyle>
           <a:p>
             <a:r>
-              <a:rPr dirty="0" err="1">
+              <a:rPr lang="en-US" altLang="zh-CN" dirty="0">
                 <a:latin typeface="微软雅黑" panose="020B0503020204020204" pitchFamily="34" charset="-122"/>
                 <a:ea typeface="微软雅黑" panose="020B0503020204020204" pitchFamily="34" charset="-122"/>
               </a:rPr>
-              <a:t>zk</a:t>
+              <a:t>Apollo</a:t>
             </a:r>
             <a:endParaRPr dirty="0">
               <a:latin typeface="微软雅黑" panose="020B0503020204020204" pitchFamily="34" charset="-122"/>
@@ -12028,173 +10574,20 @@
       </p:sp>
       <p:sp>
         <p:nvSpPr>
-          <p:cNvPr id="188" name="http"/>
+          <p:cNvPr id="4" name="文本框 3">
+            <a:extLst>
+              <a:ext uri="{FF2B5EF4-FFF2-40B4-BE49-F238E27FC236}">
+                <a16:creationId xmlns:a16="http://schemas.microsoft.com/office/drawing/2014/main" id="{997F345F-B087-4C83-8214-435DE04813E1}"/>
+              </a:ext>
+            </a:extLst>
+          </p:cNvPr>
           <p:cNvSpPr txBox="1"/>
           <p:nvPr/>
         </p:nvSpPr>
         <p:spPr>
           <a:xfrm>
-            <a:off x="7716616" y="4170427"/>
-            <a:ext cx="2882061" cy="508001"/>
-          </a:xfrm>
-          <a:prstGeom prst="rect">
-            <a:avLst/>
-          </a:prstGeom>
-          <a:ln w="12700">
-            <a:miter lim="400000"/>
-          </a:ln>
-          <a:extLst>
-            <a:ext uri="{C572A759-6A51-4108-AA02-DFA0A04FC94B}">
-              <ma14:wrappingTextBoxFlag xmlns:ma14="http://schemas.microsoft.com/office/mac/drawingml/2011/main" xmlns:a14="http://schemas.microsoft.com/office/drawing/2010/main" xmlns:m="http://schemas.openxmlformats.org/officeDocument/2006/math" xmlns="" val="1"/>
-            </a:ext>
-          </a:extLst>
-        </p:spPr>
-        <p:txBody>
-          <a:bodyPr lIns="50800" tIns="50800" rIns="50800" bIns="50800" anchor="ctr"/>
-          <a:lstStyle>
-            <a:lvl1pPr>
-              <a:defRPr sz="2800" b="0">
-                <a:latin typeface="Helvetica Light"/>
-                <a:ea typeface="Helvetica Light"/>
-                <a:cs typeface="Helvetica Light"/>
-                <a:sym typeface="Helvetica Light"/>
-              </a:defRPr>
-            </a:lvl1pPr>
-          </a:lstStyle>
-          <a:p>
-            <a:r>
-              <a:rPr sz="1800" b="1" dirty="0">
-                <a:solidFill>
-                  <a:srgbClr val="6C6969"/>
-                </a:solidFill>
-                <a:latin typeface="微软雅黑" panose="020B0503020204020204" pitchFamily="34" charset="-122"/>
-                <a:ea typeface="微软雅黑" panose="020B0503020204020204" pitchFamily="34" charset="-122"/>
-              </a:rPr>
-              <a:t>http</a:t>
-            </a:r>
-          </a:p>
-        </p:txBody>
-      </p:sp>
-      <p:sp>
-        <p:nvSpPr>
-          <p:cNvPr id="189" name="tcp"/>
-          <p:cNvSpPr txBox="1"/>
-          <p:nvPr/>
-        </p:nvSpPr>
-        <p:spPr>
-          <a:xfrm>
-            <a:off x="8758955" y="5520730"/>
-            <a:ext cx="787572" cy="513406"/>
-          </a:xfrm>
-          <a:prstGeom prst="rect">
-            <a:avLst/>
-          </a:prstGeom>
-          <a:ln w="12700">
-            <a:miter lim="400000"/>
-          </a:ln>
-          <a:extLst>
-            <a:ext uri="{C572A759-6A51-4108-AA02-DFA0A04FC94B}">
-              <ma14:wrappingTextBoxFlag xmlns:ma14="http://schemas.microsoft.com/office/mac/drawingml/2011/main" xmlns:a14="http://schemas.microsoft.com/office/drawing/2010/main" xmlns:m="http://schemas.openxmlformats.org/officeDocument/2006/math" xmlns="" val="1"/>
-            </a:ext>
-          </a:extLst>
-        </p:spPr>
-        <p:txBody>
-          <a:bodyPr lIns="50800" tIns="50800" rIns="50800" bIns="50800" anchor="ctr"/>
-          <a:lstStyle>
-            <a:lvl1pPr>
-              <a:defRPr sz="2800" b="0">
-                <a:latin typeface="Helvetica Light"/>
-                <a:ea typeface="Helvetica Light"/>
-                <a:cs typeface="Helvetica Light"/>
-                <a:sym typeface="Helvetica Light"/>
-              </a:defRPr>
-            </a:lvl1pPr>
-          </a:lstStyle>
-          <a:p>
-            <a:r>
-              <a:rPr sz="1800" b="1" dirty="0" err="1">
-                <a:solidFill>
-                  <a:srgbClr val="6C6969"/>
-                </a:solidFill>
-                <a:latin typeface="微软雅黑" panose="020B0503020204020204" pitchFamily="34" charset="-122"/>
-                <a:ea typeface="微软雅黑" panose="020B0503020204020204" pitchFamily="34" charset="-122"/>
-              </a:rPr>
-              <a:t>tcp</a:t>
-            </a:r>
-            <a:endParaRPr sz="1800" b="1" dirty="0">
-              <a:solidFill>
-                <a:srgbClr val="6C6969"/>
-              </a:solidFill>
-              <a:latin typeface="微软雅黑" panose="020B0503020204020204" pitchFamily="34" charset="-122"/>
-              <a:ea typeface="微软雅黑" panose="020B0503020204020204" pitchFamily="34" charset="-122"/>
-            </a:endParaRPr>
-          </a:p>
-        </p:txBody>
-      </p:sp>
-      <p:sp>
-        <p:nvSpPr>
-          <p:cNvPr id="190" name="Line"/>
-          <p:cNvSpPr/>
-          <p:nvPr/>
-        </p:nvSpPr>
-        <p:spPr>
-          <a:xfrm flipH="1" flipV="1">
-            <a:off x="5087819" y="7247500"/>
-            <a:ext cx="1413642" cy="927727"/>
-          </a:xfrm>
-          <a:prstGeom prst="line">
-            <a:avLst/>
-          </a:prstGeom>
-          <a:ln w="38100">
-            <a:solidFill>
-              <a:schemeClr val="bg2">
-                <a:lumMod val="50000"/>
-              </a:schemeClr>
-            </a:solidFill>
-            <a:tailEnd type="triangle" w="med" len="med"/>
-          </a:ln>
-        </p:spPr>
-        <p:style>
-          <a:lnRef idx="1">
-            <a:schemeClr val="accent1"/>
-          </a:lnRef>
-          <a:fillRef idx="0">
-            <a:schemeClr val="accent1"/>
-          </a:fillRef>
-          <a:effectRef idx="0">
-            <a:schemeClr val="accent1"/>
-          </a:effectRef>
-          <a:fontRef idx="minor">
-            <a:schemeClr val="tx1"/>
-          </a:fontRef>
-        </p:style>
-        <p:txBody>
-          <a:bodyPr wrap="square" lIns="50800" tIns="50800" rIns="50800" bIns="50800" numCol="1" anchor="ctr">
-            <a:noAutofit/>
-          </a:bodyPr>
-          <a:lstStyle/>
-          <a:p>
-            <a:endParaRPr b="0">
-              <a:solidFill>
-                <a:schemeClr val="tx1"/>
-              </a:solidFill>
-              <a:latin typeface="微软雅黑" panose="020B0503020204020204" pitchFamily="34" charset="-122"/>
-              <a:ea typeface="微软雅黑" panose="020B0503020204020204" pitchFamily="34" charset="-122"/>
-              <a:cs typeface="Helvetica Light"/>
-            </a:endParaRPr>
-          </a:p>
-        </p:txBody>
-      </p:sp>
-      <p:sp>
-        <p:nvSpPr>
-          <p:cNvPr id="193" name="Register"/>
-          <p:cNvSpPr txBox="1"/>
-          <p:nvPr/>
-        </p:nvSpPr>
-        <p:spPr>
-          <a:xfrm>
-            <a:off x="11352881" y="2251858"/>
-            <a:ext cx="1064394" cy="379591"/>
+            <a:off x="1263734" y="2439557"/>
+            <a:ext cx="716543" cy="287258"/>
           </a:xfrm>
           <a:prstGeom prst="rect">
             <a:avLst/>
@@ -12205,50 +10598,192 @@
             <a:miter lim="400000"/>
           </a:ln>
           <a:effectLst/>
-          <a:extLst>
-            <a:ext uri="{C572A759-6A51-4108-AA02-DFA0A04FC94B}">
-              <ma14:wrappingTextBoxFlag xmlns:ma14="http://schemas.microsoft.com/office/mac/drawingml/2011/main" xmlns:a14="http://schemas.microsoft.com/office/drawing/2010/main" xmlns:m="http://schemas.openxmlformats.org/officeDocument/2006/math" xmlns="" val="1"/>
-            </a:ext>
-          </a:extLst>
+          <a:sp3d/>
         </p:spPr>
+        <p:style>
+          <a:lnRef idx="0">
+            <a:scrgbClr r="0" g="0" b="0"/>
+          </a:lnRef>
+          <a:fillRef idx="0">
+            <a:scrgbClr r="0" g="0" b="0"/>
+          </a:fillRef>
+          <a:effectRef idx="0">
+            <a:scrgbClr r="0" g="0" b="0"/>
+          </a:effectRef>
+          <a:fontRef idx="none"/>
+        </p:style>
         <p:txBody>
-          <a:bodyPr wrap="none" lIns="50800" tIns="50800" rIns="50800" bIns="50800" numCol="1" anchor="ctr">
+          <a:bodyPr rot="0" spcFirstLastPara="1" vertOverflow="overflow" horzOverflow="overflow" vert="horz" wrap="none" lIns="50800" tIns="50800" rIns="50800" bIns="50800" numCol="1" spcCol="38100" rtlCol="0" anchor="ctr">
             <a:spAutoFit/>
           </a:bodyPr>
-          <a:lstStyle>
-            <a:lvl1pPr>
-              <a:defRPr sz="1300" b="0">
-                <a:latin typeface="Helvetica Light"/>
-                <a:ea typeface="Helvetica Light"/>
-                <a:cs typeface="Helvetica Light"/>
-                <a:sym typeface="Helvetica Light"/>
-              </a:defRPr>
-            </a:lvl1pPr>
-          </a:lstStyle>
+          <a:lstStyle/>
           <a:p>
+            <a:pPr marL="0" marR="0" indent="0" algn="ctr" defTabSz="584200" rtl="0" fontAlgn="auto" latinLnBrk="0" hangingPunct="0">
+              <a:lnSpc>
+                <a:spcPct val="100000"/>
+              </a:lnSpc>
+              <a:spcBef>
+                <a:spcPts val="0"/>
+              </a:spcBef>
+              <a:spcAft>
+                <a:spcPts val="0"/>
+              </a:spcAft>
+              <a:buClrTx/>
+              <a:buSzTx/>
+              <a:buFontTx/>
+              <a:buNone/>
+              <a:tabLst/>
+            </a:pPr>
             <a:r>
-              <a:rPr sz="1800" b="1" dirty="0">
+              <a:rPr kumimoji="0" lang="en-US" altLang="zh-CN" sz="1200" b="1" i="0" u="none" strike="noStrike" cap="none" spc="0" normalizeH="0" baseline="0" dirty="0">
+                <a:ln>
+                  <a:noFill/>
+                </a:ln>
                 <a:solidFill>
-                  <a:srgbClr val="6C6969"/>
+                  <a:schemeClr val="bg2">
+                    <a:lumMod val="75000"/>
+                  </a:schemeClr>
                 </a:solidFill>
-                <a:latin typeface="微软雅黑" panose="020B0503020204020204" pitchFamily="34" charset="-122"/>
-                <a:ea typeface="微软雅黑" panose="020B0503020204020204" pitchFamily="34" charset="-122"/>
+                <a:effectLst/>
+                <a:uFillTx/>
+                <a:latin typeface="Helvetica Neue"/>
+                <a:ea typeface="Helvetica Neue"/>
+                <a:cs typeface="Helvetica Neue"/>
+                <a:sym typeface="Helvetica Neue"/>
               </a:rPr>
               <a:t>Register</a:t>
             </a:r>
+            <a:endParaRPr kumimoji="0" lang="zh-CN" altLang="en-US" sz="1200" b="1" i="0" u="none" strike="noStrike" cap="none" spc="0" normalizeH="0" baseline="0" dirty="0">
+              <a:ln>
+                <a:noFill/>
+              </a:ln>
+              <a:solidFill>
+                <a:schemeClr val="bg2">
+                  <a:lumMod val="75000"/>
+                </a:schemeClr>
+              </a:solidFill>
+              <a:effectLst/>
+              <a:uFillTx/>
+              <a:latin typeface="Helvetica Neue"/>
+              <a:ea typeface="Helvetica Neue"/>
+              <a:cs typeface="Helvetica Neue"/>
+              <a:sym typeface="Helvetica Neue"/>
+            </a:endParaRPr>
           </a:p>
         </p:txBody>
       </p:sp>
+      <p:cxnSp>
+        <p:nvCxnSpPr>
+          <p:cNvPr id="29" name="直接连接符 28">
+            <a:extLst>
+              <a:ext uri="{FF2B5EF4-FFF2-40B4-BE49-F238E27FC236}">
+                <a16:creationId xmlns:a16="http://schemas.microsoft.com/office/drawing/2014/main" id="{9E874F04-73AF-4EDB-A269-2F89644B742A}"/>
+              </a:ext>
+            </a:extLst>
+          </p:cNvPr>
+          <p:cNvCxnSpPr>
+            <a:cxnSpLocks/>
+          </p:cNvCxnSpPr>
+          <p:nvPr/>
+        </p:nvCxnSpPr>
+        <p:spPr>
+          <a:xfrm>
+            <a:off x="1954629" y="2237876"/>
+            <a:ext cx="1332346" cy="0"/>
+          </a:xfrm>
+          <a:prstGeom prst="line">
+            <a:avLst/>
+          </a:prstGeom>
+          <a:noFill/>
+          <a:ln w="25400" cap="flat">
+            <a:solidFill>
+              <a:schemeClr val="bg2">
+                <a:lumMod val="50000"/>
+              </a:schemeClr>
+            </a:solidFill>
+            <a:prstDash val="solid"/>
+            <a:miter lim="400000"/>
+          </a:ln>
+          <a:effectLst/>
+          <a:sp3d/>
+        </p:spPr>
+        <p:style>
+          <a:lnRef idx="0">
+            <a:scrgbClr r="0" g="0" b="0"/>
+          </a:lnRef>
+          <a:fillRef idx="0">
+            <a:scrgbClr r="0" g="0" b="0"/>
+          </a:fillRef>
+          <a:effectRef idx="0">
+            <a:scrgbClr r="0" g="0" b="0"/>
+          </a:effectRef>
+          <a:fontRef idx="none"/>
+        </p:style>
+      </p:cxnSp>
+      <p:cxnSp>
+        <p:nvCxnSpPr>
+          <p:cNvPr id="33" name="直接连接符 32">
+            <a:extLst>
+              <a:ext uri="{FF2B5EF4-FFF2-40B4-BE49-F238E27FC236}">
+                <a16:creationId xmlns:a16="http://schemas.microsoft.com/office/drawing/2014/main" id="{BE68A85C-57DB-4A21-9A44-A468A6A7ACD7}"/>
+              </a:ext>
+            </a:extLst>
+          </p:cNvPr>
+          <p:cNvCxnSpPr>
+            <a:cxnSpLocks/>
+          </p:cNvCxnSpPr>
+          <p:nvPr/>
+        </p:nvCxnSpPr>
+        <p:spPr>
+          <a:xfrm>
+            <a:off x="13845123" y="7239922"/>
+            <a:ext cx="1393690" cy="11107"/>
+          </a:xfrm>
+          <a:prstGeom prst="line">
+            <a:avLst/>
+          </a:prstGeom>
+          <a:noFill/>
+          <a:ln w="25400" cap="flat">
+            <a:solidFill>
+              <a:schemeClr val="bg2">
+                <a:lumMod val="50000"/>
+              </a:schemeClr>
+            </a:solidFill>
+            <a:prstDash val="solid"/>
+            <a:miter lim="400000"/>
+          </a:ln>
+          <a:effectLst/>
+          <a:sp3d/>
+        </p:spPr>
+        <p:style>
+          <a:lnRef idx="0">
+            <a:scrgbClr r="0" g="0" b="0"/>
+          </a:lnRef>
+          <a:fillRef idx="0">
+            <a:scrgbClr r="0" g="0" b="0"/>
+          </a:fillRef>
+          <a:effectRef idx="0">
+            <a:scrgbClr r="0" g="0" b="0"/>
+          </a:effectRef>
+          <a:fontRef idx="none"/>
+        </p:style>
+      </p:cxnSp>
       <p:sp>
         <p:nvSpPr>
-          <p:cNvPr id="196" name="Subscribe"/>
+          <p:cNvPr id="34" name="文本框 33">
+            <a:extLst>
+              <a:ext uri="{FF2B5EF4-FFF2-40B4-BE49-F238E27FC236}">
+                <a16:creationId xmlns:a16="http://schemas.microsoft.com/office/drawing/2014/main" id="{1DCB615F-D753-4832-90E0-567A31E6E4FD}"/>
+              </a:ext>
+            </a:extLst>
+          </p:cNvPr>
           <p:cNvSpPr txBox="1"/>
           <p:nvPr/>
         </p:nvSpPr>
         <p:spPr>
           <a:xfrm>
-            <a:off x="3938622" y="2251858"/>
-            <a:ext cx="1232710" cy="379591"/>
+            <a:off x="5689365" y="305180"/>
+            <a:ext cx="4334521" cy="1025922"/>
           </a:xfrm>
           <a:prstGeom prst="rect">
             <a:avLst/>
@@ -12259,230 +10794,295 @@
             <a:miter lim="400000"/>
           </a:ln>
           <a:effectLst/>
-          <a:extLst>
-            <a:ext uri="{C572A759-6A51-4108-AA02-DFA0A04FC94B}">
-              <ma14:wrappingTextBoxFlag xmlns:ma14="http://schemas.microsoft.com/office/mac/drawingml/2011/main" xmlns:a14="http://schemas.microsoft.com/office/drawing/2010/main" xmlns:m="http://schemas.openxmlformats.org/officeDocument/2006/math" xmlns="" val="1"/>
-            </a:ext>
-          </a:extLst>
+          <a:sp3d/>
         </p:spPr>
+        <p:style>
+          <a:lnRef idx="0">
+            <a:scrgbClr r="0" g="0" b="0"/>
+          </a:lnRef>
+          <a:fillRef idx="0">
+            <a:scrgbClr r="0" g="0" b="0"/>
+          </a:fillRef>
+          <a:effectRef idx="0">
+            <a:scrgbClr r="0" g="0" b="0"/>
+          </a:effectRef>
+          <a:fontRef idx="none"/>
+        </p:style>
         <p:txBody>
-          <a:bodyPr wrap="none" lIns="50800" tIns="50800" rIns="50800" bIns="50800" numCol="1" anchor="ctr">
+          <a:bodyPr rot="0" spcFirstLastPara="1" vertOverflow="overflow" horzOverflow="overflow" vert="horz" wrap="none" lIns="50800" tIns="50800" rIns="50800" bIns="50800" numCol="1" spcCol="38100" rtlCol="0" anchor="ctr">
             <a:spAutoFit/>
           </a:bodyPr>
-          <a:lstStyle>
-            <a:lvl1pPr>
-              <a:defRPr sz="1300" b="0">
-                <a:latin typeface="Helvetica Light"/>
-                <a:ea typeface="Helvetica Light"/>
-                <a:cs typeface="Helvetica Light"/>
-                <a:sym typeface="Helvetica Light"/>
-              </a:defRPr>
-            </a:lvl1pPr>
-          </a:lstStyle>
+          <a:lstStyle/>
           <a:p>
+            <a:pPr marL="0" marR="0" indent="0" algn="ctr" defTabSz="584200" rtl="0" fontAlgn="auto" latinLnBrk="0" hangingPunct="0">
+              <a:lnSpc>
+                <a:spcPct val="100000"/>
+              </a:lnSpc>
+              <a:spcBef>
+                <a:spcPts val="0"/>
+              </a:spcBef>
+              <a:spcAft>
+                <a:spcPts val="0"/>
+              </a:spcAft>
+              <a:buClrTx/>
+              <a:buSzTx/>
+              <a:buFontTx/>
+              <a:buNone/>
+              <a:tabLst/>
+            </a:pPr>
             <a:r>
-              <a:rPr sz="1800" b="1" dirty="0">
+              <a:rPr kumimoji="0" lang="en-US" altLang="zh-CN" sz="6000" b="1" i="0" u="none" strike="noStrike" cap="none" spc="0" normalizeH="0" baseline="0" dirty="0">
+                <a:ln>
+                  <a:noFill/>
+                </a:ln>
                 <a:solidFill>
-                  <a:srgbClr val="6C6969"/>
+                  <a:schemeClr val="bg1"/>
                 </a:solidFill>
-                <a:latin typeface="微软雅黑" panose="020B0503020204020204" pitchFamily="34" charset="-122"/>
-                <a:ea typeface="微软雅黑" panose="020B0503020204020204" pitchFamily="34" charset="-122"/>
+                <a:effectLst/>
+                <a:uFillTx/>
+                <a:latin typeface="Helvetica Neue"/>
+                <a:ea typeface="Helvetica Neue"/>
+                <a:cs typeface="Helvetica Neue"/>
+                <a:sym typeface="Helvetica Neue"/>
               </a:rPr>
-              <a:t>Subscribe</a:t>
+              <a:t>DUBBO GO</a:t>
             </a:r>
+            <a:endParaRPr kumimoji="0" lang="zh-CN" altLang="en-US" sz="6000" b="1" i="0" u="none" strike="noStrike" cap="none" spc="0" normalizeH="0" baseline="0" dirty="0">
+              <a:ln>
+                <a:noFill/>
+              </a:ln>
+              <a:solidFill>
+                <a:schemeClr val="bg1"/>
+              </a:solidFill>
+              <a:effectLst/>
+              <a:uFillTx/>
+              <a:latin typeface="Helvetica Neue"/>
+              <a:ea typeface="Helvetica Neue"/>
+              <a:cs typeface="Helvetica Neue"/>
+              <a:sym typeface="Helvetica Neue"/>
+            </a:endParaRPr>
           </a:p>
         </p:txBody>
       </p:sp>
+      <p:cxnSp>
+        <p:nvCxnSpPr>
+          <p:cNvPr id="35" name="直接连接符 34">
+            <a:extLst>
+              <a:ext uri="{FF2B5EF4-FFF2-40B4-BE49-F238E27FC236}">
+                <a16:creationId xmlns:a16="http://schemas.microsoft.com/office/drawing/2014/main" id="{FEA50468-909A-4F1C-AB9E-C828C5FEF0B7}"/>
+              </a:ext>
+            </a:extLst>
+          </p:cNvPr>
+          <p:cNvCxnSpPr>
+            <a:cxnSpLocks/>
+          </p:cNvCxnSpPr>
+          <p:nvPr/>
+        </p:nvCxnSpPr>
+        <p:spPr>
+          <a:xfrm>
+            <a:off x="7758486" y="1471475"/>
+            <a:ext cx="1751097" cy="0"/>
+          </a:xfrm>
+          <a:prstGeom prst="line">
+            <a:avLst/>
+          </a:prstGeom>
+          <a:noFill/>
+          <a:ln w="57150" cap="flat">
+            <a:solidFill>
+              <a:schemeClr val="bg1"/>
+            </a:solidFill>
+            <a:prstDash val="solid"/>
+            <a:miter lim="400000"/>
+          </a:ln>
+          <a:effectLst/>
+          <a:sp3d/>
+        </p:spPr>
+        <p:style>
+          <a:lnRef idx="0">
+            <a:scrgbClr r="0" g="0" b="0"/>
+          </a:lnRef>
+          <a:fillRef idx="0">
+            <a:scrgbClr r="0" g="0" b="0"/>
+          </a:fillRef>
+          <a:effectRef idx="0">
+            <a:scrgbClr r="0" g="0" b="0"/>
+          </a:effectRef>
+          <a:fontRef idx="none"/>
+        </p:style>
+      </p:cxnSp>
+      <p:pic>
+        <p:nvPicPr>
+          <p:cNvPr id="37" name="图片 36">
+            <a:extLst>
+              <a:ext uri="{FF2B5EF4-FFF2-40B4-BE49-F238E27FC236}">
+                <a16:creationId xmlns:a16="http://schemas.microsoft.com/office/drawing/2014/main" id="{B921F98D-1FEE-49C5-A521-DD9D5FEFC6D2}"/>
+              </a:ext>
+            </a:extLst>
+          </p:cNvPr>
+          <p:cNvPicPr>
+            <a:picLocks noChangeAspect="1"/>
+          </p:cNvPicPr>
+          <p:nvPr/>
+        </p:nvPicPr>
+        <p:blipFill>
+          <a:blip r:embed="rId2">
+            <a:extLst>
+              <a:ext uri="{28A0092B-C50C-407E-A947-70E740481C1C}">
+                <a14:useLocalDpi xmlns:a14="http://schemas.microsoft.com/office/drawing/2010/main" val="0"/>
+              </a:ext>
+            </a:extLst>
+          </a:blip>
+          <a:stretch>
+            <a:fillRect/>
+          </a:stretch>
+        </p:blipFill>
+        <p:spPr>
+          <a:xfrm>
+            <a:off x="15462032" y="7011322"/>
+            <a:ext cx="457200" cy="457200"/>
+          </a:xfrm>
+          <a:prstGeom prst="rect">
+            <a:avLst/>
+          </a:prstGeom>
+        </p:spPr>
+      </p:pic>
       <p:sp>
         <p:nvSpPr>
-          <p:cNvPr id="199" name="Notify"/>
+          <p:cNvPr id="38" name="文本框 37">
+            <a:extLst>
+              <a:ext uri="{FF2B5EF4-FFF2-40B4-BE49-F238E27FC236}">
+                <a16:creationId xmlns:a16="http://schemas.microsoft.com/office/drawing/2014/main" id="{CE474D09-5994-4636-BE77-C7C2BE522AE4}"/>
+              </a:ext>
+            </a:extLst>
+          </p:cNvPr>
           <p:cNvSpPr txBox="1"/>
           <p:nvPr/>
         </p:nvSpPr>
         <p:spPr>
           <a:xfrm>
-            <a:off x="6530445" y="2251858"/>
-            <a:ext cx="841577" cy="379591"/>
+            <a:off x="15129205" y="7468522"/>
+            <a:ext cx="1120500" cy="287258"/>
           </a:xfrm>
           <a:prstGeom prst="rect">
             <a:avLst/>
           </a:prstGeom>
-          <a:ln w="12700">
+          <a:noFill/>
+          <a:ln w="12700" cap="flat">
+            <a:noFill/>
             <a:miter lim="400000"/>
           </a:ln>
-          <a:extLst>
-            <a:ext uri="{C572A759-6A51-4108-AA02-DFA0A04FC94B}">
-              <ma14:wrappingTextBoxFlag xmlns:ma14="http://schemas.microsoft.com/office/mac/drawingml/2011/main" xmlns:a14="http://schemas.microsoft.com/office/drawing/2010/main" xmlns:m="http://schemas.openxmlformats.org/officeDocument/2006/math" xmlns="" val="1"/>
-            </a:ext>
-          </a:extLst>
-        </p:spPr>
-        <p:txBody>
-          <a:bodyPr wrap="none" lIns="50800" tIns="50800" rIns="50800" bIns="50800" anchor="ctr">
-            <a:spAutoFit/>
-          </a:bodyPr>
-          <a:lstStyle>
-            <a:lvl1pPr>
-              <a:defRPr sz="1300" b="0">
-                <a:latin typeface="Helvetica Light"/>
-                <a:ea typeface="Helvetica Light"/>
-                <a:cs typeface="Helvetica Light"/>
-                <a:sym typeface="Helvetica Light"/>
-              </a:defRPr>
-            </a:lvl1pPr>
-          </a:lstStyle>
-          <a:p>
-            <a:r>
-              <a:rPr sz="1800" b="1" dirty="0">
-                <a:solidFill>
-                  <a:srgbClr val="6C6969"/>
-                </a:solidFill>
-                <a:latin typeface="微软雅黑" panose="020B0503020204020204" pitchFamily="34" charset="-122"/>
-                <a:ea typeface="微软雅黑" panose="020B0503020204020204" pitchFamily="34" charset="-122"/>
-              </a:rPr>
-              <a:t>Notify</a:t>
-            </a:r>
-          </a:p>
-        </p:txBody>
-      </p:sp>
-      <p:sp>
-        <p:nvSpPr>
-          <p:cNvPr id="204" name="Line"/>
-          <p:cNvSpPr/>
-          <p:nvPr/>
-        </p:nvSpPr>
-        <p:spPr>
-          <a:xfrm>
-            <a:off x="8769234" y="4727058"/>
-            <a:ext cx="760076" cy="1"/>
-          </a:xfrm>
-          <a:prstGeom prst="line">
-            <a:avLst/>
-          </a:prstGeom>
-          <a:ln w="38100">
-            <a:solidFill>
-              <a:schemeClr val="bg2">
-                <a:lumMod val="50000"/>
-              </a:schemeClr>
-            </a:solidFill>
-            <a:tailEnd type="triangle" w="med" len="med"/>
-          </a:ln>
+          <a:effectLst/>
+          <a:sp3d/>
         </p:spPr>
         <p:style>
-          <a:lnRef idx="1">
-            <a:schemeClr val="accent1"/>
+          <a:lnRef idx="0">
+            <a:scrgbClr r="0" g="0" b="0"/>
           </a:lnRef>
           <a:fillRef idx="0">
-            <a:schemeClr val="accent1"/>
+            <a:scrgbClr r="0" g="0" b="0"/>
           </a:fillRef>
           <a:effectRef idx="0">
-            <a:schemeClr val="accent1"/>
+            <a:scrgbClr r="0" g="0" b="0"/>
           </a:effectRef>
-          <a:fontRef idx="minor">
-            <a:schemeClr val="tx1"/>
-          </a:fontRef>
+          <a:fontRef idx="none"/>
         </p:style>
         <p:txBody>
-          <a:bodyPr wrap="square" lIns="50800" tIns="50800" rIns="50800" bIns="50800" numCol="1" anchor="ctr">
-            <a:noAutofit/>
+          <a:bodyPr rot="0" spcFirstLastPara="1" vertOverflow="overflow" horzOverflow="overflow" vert="horz" wrap="none" lIns="50800" tIns="50800" rIns="50800" bIns="50800" numCol="1" spcCol="38100" rtlCol="0" anchor="ctr">
+            <a:spAutoFit/>
           </a:bodyPr>
           <a:lstStyle/>
           <a:p>
-            <a:endParaRPr b="0">
+            <a:pPr marL="0" marR="0" indent="0" algn="ctr" defTabSz="584200" rtl="0" fontAlgn="auto" latinLnBrk="0" hangingPunct="0">
+              <a:lnSpc>
+                <a:spcPct val="100000"/>
+              </a:lnSpc>
+              <a:spcBef>
+                <a:spcPts val="0"/>
+              </a:spcBef>
+              <a:spcAft>
+                <a:spcPts val="0"/>
+              </a:spcAft>
+              <a:buClrTx/>
+              <a:buSzTx/>
+              <a:buFontTx/>
+              <a:buNone/>
+              <a:tabLst/>
+            </a:pPr>
+            <a:r>
+              <a:rPr kumimoji="0" lang="en-US" altLang="zh-CN" sz="1200" b="1" i="0" u="none" strike="noStrike" cap="none" spc="0" normalizeH="0" baseline="0" dirty="0">
+                <a:ln>
+                  <a:noFill/>
+                </a:ln>
+                <a:solidFill>
+                  <a:schemeClr val="bg2">
+                    <a:lumMod val="75000"/>
+                  </a:schemeClr>
+                </a:solidFill>
+                <a:effectLst/>
+                <a:uFillTx/>
+                <a:latin typeface="Helvetica Neue"/>
+                <a:ea typeface="Helvetica Neue"/>
+                <a:cs typeface="Helvetica Neue"/>
+                <a:sym typeface="Helvetica Neue"/>
+              </a:rPr>
+              <a:t>Config Center</a:t>
+            </a:r>
+            <a:endParaRPr kumimoji="0" lang="zh-CN" altLang="en-US" sz="1200" b="1" i="0" u="none" strike="noStrike" cap="none" spc="0" normalizeH="0" baseline="0" dirty="0">
+              <a:ln>
+                <a:noFill/>
+              </a:ln>
               <a:solidFill>
-                <a:schemeClr val="tx1"/>
+                <a:schemeClr val="bg2">
+                  <a:lumMod val="75000"/>
+                </a:schemeClr>
               </a:solidFill>
-              <a:latin typeface="微软雅黑" panose="020B0503020204020204" pitchFamily="34" charset="-122"/>
-              <a:ea typeface="微软雅黑" panose="020B0503020204020204" pitchFamily="34" charset="-122"/>
-              <a:cs typeface="Helvetica Light"/>
+              <a:effectLst/>
+              <a:uFillTx/>
+              <a:latin typeface="Helvetica Neue"/>
+              <a:ea typeface="Helvetica Neue"/>
+              <a:cs typeface="Helvetica Neue"/>
+              <a:sym typeface="Helvetica Neue"/>
             </a:endParaRPr>
           </a:p>
         </p:txBody>
       </p:sp>
       <p:sp>
         <p:nvSpPr>
-          <p:cNvPr id="205" name="Line"/>
+          <p:cNvPr id="40" name="Registries">
+            <a:extLst>
+              <a:ext uri="{FF2B5EF4-FFF2-40B4-BE49-F238E27FC236}">
+                <a16:creationId xmlns:a16="http://schemas.microsoft.com/office/drawing/2014/main" id="{27D063E6-8E4B-4424-BFAB-73D5B4572034}"/>
+              </a:ext>
+            </a:extLst>
+          </p:cNvPr>
           <p:cNvSpPr/>
           <p:nvPr/>
         </p:nvSpPr>
         <p:spPr>
           <a:xfrm>
-            <a:off x="8774687" y="5575198"/>
-            <a:ext cx="762973" cy="1"/>
-          </a:xfrm>
-          <a:prstGeom prst="line">
-            <a:avLst/>
-          </a:prstGeom>
-          <a:ln w="38100">
-            <a:solidFill>
-              <a:schemeClr val="bg2">
-                <a:lumMod val="50000"/>
-              </a:schemeClr>
-            </a:solidFill>
-            <a:tailEnd type="triangle" w="med" len="med"/>
-          </a:ln>
-        </p:spPr>
-        <p:style>
-          <a:lnRef idx="1">
-            <a:schemeClr val="accent1"/>
-          </a:lnRef>
-          <a:fillRef idx="0">
-            <a:schemeClr val="accent1"/>
-          </a:fillRef>
-          <a:effectRef idx="0">
-            <a:schemeClr val="accent1"/>
-          </a:effectRef>
-          <a:fontRef idx="minor">
-            <a:schemeClr val="tx1"/>
-          </a:fontRef>
-        </p:style>
-        <p:txBody>
-          <a:bodyPr wrap="square" lIns="50800" tIns="50800" rIns="50800" bIns="50800" numCol="1" anchor="ctr">
-            <a:noAutofit/>
-          </a:bodyPr>
-          <a:lstStyle/>
-          <a:p>
-            <a:endParaRPr b="0">
-              <a:solidFill>
-                <a:schemeClr val="tx1"/>
-              </a:solidFill>
-              <a:latin typeface="微软雅黑" panose="020B0503020204020204" pitchFamily="34" charset="-122"/>
-              <a:ea typeface="微软雅黑" panose="020B0503020204020204" pitchFamily="34" charset="-122"/>
-              <a:cs typeface="Helvetica Light"/>
-            </a:endParaRPr>
-          </a:p>
-        </p:txBody>
-      </p:sp>
-      <p:sp>
-        <p:nvSpPr>
-          <p:cNvPr id="206" name="proxy"/>
-          <p:cNvSpPr/>
-          <p:nvPr/>
-        </p:nvSpPr>
-        <p:spPr>
-          <a:xfrm>
-            <a:off x="653511" y="3826679"/>
-            <a:ext cx="1455144" cy="2526433"/>
+            <a:off x="3154714" y="8060036"/>
+            <a:ext cx="11331307" cy="940948"/>
           </a:xfrm>
           <a:prstGeom prst="roundRect">
             <a:avLst>
-              <a:gd name="adj" fmla="val 6831"/>
+              <a:gd name="adj" fmla="val 7483"/>
             </a:avLst>
           </a:prstGeom>
-          <a:solidFill>
-            <a:schemeClr val="bg1">
-              <a:lumMod val="75000"/>
-            </a:schemeClr>
-          </a:solidFill>
+          <a:noFill/>
           <a:ln w="12700" cap="flat">
-            <a:noFill/>
-            <a:prstDash val="solid"/>
+            <a:solidFill>
+              <a:schemeClr val="tx2">
+                <a:lumMod val="75000"/>
+              </a:schemeClr>
+            </a:solidFill>
+            <a:prstDash val="dashDot"/>
             <a:miter lim="400000"/>
           </a:ln>
           <a:effectLst>
-            <a:outerShdw blurRad="50800" dist="38100" dir="5400000" algn="t" rotWithShape="0">
-              <a:prstClr val="black">
-                <a:alpha val="40000"/>
-              </a:prstClr>
+            <a:outerShdw blurRad="38100" dist="25400" dir="5400000" rotWithShape="0">
+              <a:srgbClr val="000000">
+                <a:alpha val="50000"/>
+              </a:srgbClr>
             </a:outerShdw>
           </a:effectLst>
           <a:extLst>
@@ -12495,46 +11095,47 @@
           <a:bodyPr wrap="square" lIns="50800" tIns="50800" rIns="50800" bIns="50800" numCol="1" anchor="t">
             <a:noAutofit/>
           </a:bodyPr>
-          <a:lstStyle>
-            <a:lvl1pPr>
-              <a:defRPr sz="1700" b="0">
-                <a:latin typeface="Helvetica Light"/>
-                <a:ea typeface="Helvetica Light"/>
-                <a:cs typeface="Helvetica Light"/>
-                <a:sym typeface="Helvetica Light"/>
-              </a:defRPr>
-            </a:lvl1pPr>
-          </a:lstStyle>
+          <a:lstStyle/>
           <a:p>
-            <a:r>
-              <a:rPr dirty="0">
-                <a:latin typeface="微软雅黑" panose="020B0503020204020204" pitchFamily="34" charset="-122"/>
-                <a:ea typeface="微软雅黑" panose="020B0503020204020204" pitchFamily="34" charset="-122"/>
-              </a:rPr>
-              <a:t>proxy</a:t>
-            </a:r>
+            <a:pPr algn="r"/>
+            <a:endParaRPr dirty="0">
+              <a:solidFill>
+                <a:schemeClr val="tx1"/>
+              </a:solidFill>
+              <a:latin typeface="微软雅黑" panose="020B0503020204020204" pitchFamily="34" charset="-122"/>
+              <a:ea typeface="微软雅黑" panose="020B0503020204020204" pitchFamily="34" charset="-122"/>
+            </a:endParaRPr>
           </a:p>
         </p:txBody>
       </p:sp>
       <p:sp>
         <p:nvSpPr>
-          <p:cNvPr id="207" name="interface1"/>
+          <p:cNvPr id="41" name="zk">
+            <a:extLst>
+              <a:ext uri="{FF2B5EF4-FFF2-40B4-BE49-F238E27FC236}">
+                <a16:creationId xmlns:a16="http://schemas.microsoft.com/office/drawing/2014/main" id="{1D19FFD4-5002-475C-A4D9-8CC1F1120AF3}"/>
+              </a:ext>
+            </a:extLst>
+          </p:cNvPr>
           <p:cNvSpPr/>
           <p:nvPr/>
         </p:nvSpPr>
         <p:spPr>
           <a:xfrm>
-            <a:off x="766835" y="4342380"/>
-            <a:ext cx="1229527" cy="290234"/>
+            <a:off x="7049226" y="8306891"/>
+            <a:ext cx="1169204" cy="442356"/>
           </a:xfrm>
           <a:prstGeom prst="roundRect">
             <a:avLst/>
           </a:prstGeom>
-          <a:solidFill>
-            <a:schemeClr val="accent4"/>
-          </a:solidFill>
-          <a:ln w="12700" cap="flat">
-            <a:noFill/>
+          <a:noFill/>
+          <a:ln w="19050" cap="flat">
+            <a:solidFill>
+              <a:schemeClr val="tx2">
+                <a:lumMod val="60000"/>
+                <a:lumOff val="40000"/>
+              </a:schemeClr>
+            </a:solidFill>
             <a:miter lim="400000"/>
           </a:ln>
           <a:effectLst>
@@ -12556,7 +11157,7 @@
           </a:bodyPr>
           <a:lstStyle>
             <a:lvl1pPr>
-              <a:defRPr sz="1500" b="0">
+              <a:defRPr b="0">
                 <a:solidFill>
                   <a:srgbClr val="FFFFFF"/>
                 </a:solidFill>
@@ -12569,37 +11170,47 @@
           </a:lstStyle>
           <a:p>
             <a:r>
-              <a:rPr dirty="0">
-                <a:solidFill>
-                  <a:sysClr val="windowText" lastClr="000000"/>
-                </a:solidFill>
+              <a:rPr lang="en-US" altLang="zh-CN" dirty="0">
                 <a:latin typeface="微软雅黑" panose="020B0503020204020204" pitchFamily="34" charset="-122"/>
                 <a:ea typeface="微软雅黑" panose="020B0503020204020204" pitchFamily="34" charset="-122"/>
               </a:rPr>
-              <a:t>interface1</a:t>
+              <a:t>Zipkin</a:t>
             </a:r>
+            <a:endParaRPr dirty="0">
+              <a:latin typeface="微软雅黑" panose="020B0503020204020204" pitchFamily="34" charset="-122"/>
+              <a:ea typeface="微软雅黑" panose="020B0503020204020204" pitchFamily="34" charset="-122"/>
+            </a:endParaRPr>
           </a:p>
         </p:txBody>
       </p:sp>
       <p:sp>
         <p:nvSpPr>
-          <p:cNvPr id="208" name="interface2"/>
+          <p:cNvPr id="42" name="zk">
+            <a:extLst>
+              <a:ext uri="{FF2B5EF4-FFF2-40B4-BE49-F238E27FC236}">
+                <a16:creationId xmlns:a16="http://schemas.microsoft.com/office/drawing/2014/main" id="{180A33ED-2978-4BA3-8B56-516F8B3135A4}"/>
+              </a:ext>
+            </a:extLst>
+          </p:cNvPr>
           <p:cNvSpPr/>
           <p:nvPr/>
         </p:nvSpPr>
         <p:spPr>
           <a:xfrm>
-            <a:off x="767723" y="4834049"/>
-            <a:ext cx="1229527" cy="290235"/>
+            <a:off x="8902353" y="8306891"/>
+            <a:ext cx="1169204" cy="442356"/>
           </a:xfrm>
           <a:prstGeom prst="roundRect">
             <a:avLst/>
           </a:prstGeom>
-          <a:solidFill>
-            <a:schemeClr val="accent4"/>
-          </a:solidFill>
-          <a:ln w="12700" cap="flat">
-            <a:noFill/>
+          <a:noFill/>
+          <a:ln w="19050" cap="flat">
+            <a:solidFill>
+              <a:schemeClr val="tx2">
+                <a:lumMod val="60000"/>
+                <a:lumOff val="40000"/>
+              </a:schemeClr>
+            </a:solidFill>
             <a:miter lim="400000"/>
           </a:ln>
           <a:effectLst>
@@ -12621,7 +11232,7 @@
           </a:bodyPr>
           <a:lstStyle>
             <a:lvl1pPr>
-              <a:defRPr sz="1500" b="0">
+              <a:defRPr b="0">
                 <a:solidFill>
                   <a:srgbClr val="FFFFFF"/>
                 </a:solidFill>
@@ -12634,37 +11245,200 @@
           </a:lstStyle>
           <a:p>
             <a:r>
-              <a:rPr dirty="0">
-                <a:solidFill>
-                  <a:sysClr val="windowText" lastClr="000000"/>
-                </a:solidFill>
+              <a:rPr lang="en-US" altLang="zh-CN" dirty="0">
                 <a:latin typeface="微软雅黑" panose="020B0503020204020204" pitchFamily="34" charset="-122"/>
                 <a:ea typeface="微软雅黑" panose="020B0503020204020204" pitchFamily="34" charset="-122"/>
               </a:rPr>
-              <a:t>interface2</a:t>
+              <a:t>Jaeger</a:t>
             </a:r>
+            <a:endParaRPr dirty="0">
+              <a:latin typeface="微软雅黑" panose="020B0503020204020204" pitchFamily="34" charset="-122"/>
+              <a:ea typeface="微软雅黑" panose="020B0503020204020204" pitchFamily="34" charset="-122"/>
+            </a:endParaRPr>
+          </a:p>
+        </p:txBody>
+      </p:sp>
+      <p:cxnSp>
+        <p:nvCxnSpPr>
+          <p:cNvPr id="43" name="直接连接符 42">
+            <a:extLst>
+              <a:ext uri="{FF2B5EF4-FFF2-40B4-BE49-F238E27FC236}">
+                <a16:creationId xmlns:a16="http://schemas.microsoft.com/office/drawing/2014/main" id="{F54ED2F8-05A4-4EE8-9127-0F1E72E1F3DD}"/>
+              </a:ext>
+            </a:extLst>
+          </p:cNvPr>
+          <p:cNvCxnSpPr>
+            <a:cxnSpLocks/>
+          </p:cNvCxnSpPr>
+          <p:nvPr/>
+        </p:nvCxnSpPr>
+        <p:spPr>
+          <a:xfrm>
+            <a:off x="1855243" y="8484201"/>
+            <a:ext cx="1627461" cy="0"/>
+          </a:xfrm>
+          <a:prstGeom prst="line">
+            <a:avLst/>
+          </a:prstGeom>
+          <a:noFill/>
+          <a:ln w="25400" cap="flat">
+            <a:solidFill>
+              <a:schemeClr val="bg2">
+                <a:lumMod val="50000"/>
+              </a:schemeClr>
+            </a:solidFill>
+            <a:prstDash val="solid"/>
+            <a:miter lim="400000"/>
+          </a:ln>
+          <a:effectLst/>
+          <a:sp3d/>
+        </p:spPr>
+        <p:style>
+          <a:lnRef idx="0">
+            <a:scrgbClr r="0" g="0" b="0"/>
+          </a:lnRef>
+          <a:fillRef idx="0">
+            <a:scrgbClr r="0" g="0" b="0"/>
+          </a:fillRef>
+          <a:effectRef idx="0">
+            <a:scrgbClr r="0" g="0" b="0"/>
+          </a:effectRef>
+          <a:fontRef idx="none"/>
+        </p:style>
+      </p:cxnSp>
+      <p:sp>
+        <p:nvSpPr>
+          <p:cNvPr id="45" name="文本框 44">
+            <a:extLst>
+              <a:ext uri="{FF2B5EF4-FFF2-40B4-BE49-F238E27FC236}">
+                <a16:creationId xmlns:a16="http://schemas.microsoft.com/office/drawing/2014/main" id="{8A4FA1A6-0624-49CA-ACF7-E24D8A1C0FAB}"/>
+              </a:ext>
+            </a:extLst>
+          </p:cNvPr>
+          <p:cNvSpPr txBox="1"/>
+          <p:nvPr/>
+        </p:nvSpPr>
+        <p:spPr>
+          <a:xfrm>
+            <a:off x="1225262" y="8713726"/>
+            <a:ext cx="668453" cy="287258"/>
+          </a:xfrm>
+          <a:prstGeom prst="rect">
+            <a:avLst/>
+          </a:prstGeom>
+          <a:noFill/>
+          <a:ln w="12700" cap="flat">
+            <a:noFill/>
+            <a:miter lim="400000"/>
+          </a:ln>
+          <a:effectLst/>
+          <a:sp3d/>
+        </p:spPr>
+        <p:style>
+          <a:lnRef idx="0">
+            <a:scrgbClr r="0" g="0" b="0"/>
+          </a:lnRef>
+          <a:fillRef idx="0">
+            <a:scrgbClr r="0" g="0" b="0"/>
+          </a:fillRef>
+          <a:effectRef idx="0">
+            <a:scrgbClr r="0" g="0" b="0"/>
+          </a:effectRef>
+          <a:fontRef idx="none"/>
+        </p:style>
+        <p:txBody>
+          <a:bodyPr rot="0" spcFirstLastPara="1" vertOverflow="overflow" horzOverflow="overflow" vert="horz" wrap="none" lIns="50800" tIns="50800" rIns="50800" bIns="50800" numCol="1" spcCol="38100" rtlCol="0" anchor="ctr">
+            <a:spAutoFit/>
+          </a:bodyPr>
+          <a:lstStyle/>
+          <a:p>
+            <a:pPr marL="0" marR="0" indent="0" algn="ctr" defTabSz="584200" rtl="0" fontAlgn="auto" latinLnBrk="0" hangingPunct="0">
+              <a:lnSpc>
+                <a:spcPct val="100000"/>
+              </a:lnSpc>
+              <a:spcBef>
+                <a:spcPts val="0"/>
+              </a:spcBef>
+              <a:spcAft>
+                <a:spcPts val="0"/>
+              </a:spcAft>
+              <a:buClrTx/>
+              <a:buSzTx/>
+              <a:buFontTx/>
+              <a:buNone/>
+              <a:tabLst/>
+            </a:pPr>
+            <a:r>
+              <a:rPr kumimoji="0" lang="en-US" altLang="zh-CN" sz="1200" b="1" i="0" u="none" strike="noStrike" cap="none" spc="0" normalizeH="0" baseline="0" dirty="0">
+                <a:ln>
+                  <a:noFill/>
+                </a:ln>
+                <a:solidFill>
+                  <a:schemeClr val="bg2">
+                    <a:lumMod val="75000"/>
+                  </a:schemeClr>
+                </a:solidFill>
+                <a:effectLst/>
+                <a:uFillTx/>
+                <a:latin typeface="Helvetica Neue"/>
+                <a:ea typeface="Helvetica Neue"/>
+                <a:cs typeface="Helvetica Neue"/>
+                <a:sym typeface="Helvetica Neue"/>
+              </a:rPr>
+              <a:t>Monitor</a:t>
+            </a:r>
+            <a:endParaRPr kumimoji="0" lang="zh-CN" altLang="en-US" sz="1200" b="1" i="0" u="none" strike="noStrike" cap="none" spc="0" normalizeH="0" baseline="0" dirty="0">
+              <a:ln>
+                <a:noFill/>
+              </a:ln>
+              <a:solidFill>
+                <a:schemeClr val="bg2">
+                  <a:lumMod val="75000"/>
+                </a:schemeClr>
+              </a:solidFill>
+              <a:effectLst/>
+              <a:uFillTx/>
+              <a:latin typeface="Helvetica Neue"/>
+              <a:ea typeface="Helvetica Neue"/>
+              <a:cs typeface="Helvetica Neue"/>
+              <a:sym typeface="Helvetica Neue"/>
+            </a:endParaRPr>
           </a:p>
         </p:txBody>
       </p:sp>
       <p:sp>
         <p:nvSpPr>
-          <p:cNvPr id="209" name="interface3"/>
+          <p:cNvPr id="46" name="zk">
+            <a:extLst>
+              <a:ext uri="{FF2B5EF4-FFF2-40B4-BE49-F238E27FC236}">
+                <a16:creationId xmlns:a16="http://schemas.microsoft.com/office/drawing/2014/main" id="{B86DAF7C-2D3A-4558-AA9B-AECB3A940BD0}"/>
+              </a:ext>
+            </a:extLst>
+          </p:cNvPr>
           <p:cNvSpPr/>
           <p:nvPr/>
         </p:nvSpPr>
         <p:spPr>
           <a:xfrm>
-            <a:off x="768611" y="5325719"/>
-            <a:ext cx="1229527" cy="290235"/>
+            <a:off x="9842654" y="7011322"/>
+            <a:ext cx="1169204" cy="442356"/>
           </a:xfrm>
           <a:prstGeom prst="roundRect">
             <a:avLst/>
           </a:prstGeom>
           <a:solidFill>
-            <a:schemeClr val="accent4"/>
+            <a:schemeClr val="tx1">
+              <a:lumMod val="50000"/>
+              <a:lumOff val="50000"/>
+            </a:schemeClr>
           </a:solidFill>
-          <a:ln w="12700" cap="flat">
-            <a:noFill/>
+          <a:ln w="19050" cap="flat">
+            <a:solidFill>
+              <a:schemeClr val="tx2">
+                <a:lumMod val="60000"/>
+                <a:lumOff val="40000"/>
+              </a:schemeClr>
+            </a:solidFill>
             <a:miter lim="400000"/>
           </a:ln>
           <a:effectLst>
@@ -12686,7 +11460,7 @@
           </a:bodyPr>
           <a:lstStyle>
             <a:lvl1pPr>
-              <a:defRPr sz="1500" b="0">
+              <a:defRPr b="0">
                 <a:solidFill>
                   <a:srgbClr val="FFFFFF"/>
                 </a:solidFill>
@@ -12699,37 +11473,150 @@
           </a:lstStyle>
           <a:p>
             <a:r>
-              <a:rPr dirty="0">
-                <a:solidFill>
-                  <a:sysClr val="windowText" lastClr="000000"/>
-                </a:solidFill>
+              <a:rPr lang="en-US" altLang="zh-CN" dirty="0">
                 <a:latin typeface="微软雅黑" panose="020B0503020204020204" pitchFamily="34" charset="-122"/>
                 <a:ea typeface="微软雅黑" panose="020B0503020204020204" pitchFamily="34" charset="-122"/>
               </a:rPr>
-              <a:t>interface3</a:t>
+              <a:t>Nacos</a:t>
             </a:r>
+            <a:endParaRPr dirty="0">
+              <a:latin typeface="微软雅黑" panose="020B0503020204020204" pitchFamily="34" charset="-122"/>
+              <a:ea typeface="微软雅黑" panose="020B0503020204020204" pitchFamily="34" charset="-122"/>
+            </a:endParaRPr>
+          </a:p>
+        </p:txBody>
+      </p:sp>
+      <p:pic>
+        <p:nvPicPr>
+          <p:cNvPr id="48" name="图片 47">
+            <a:extLst>
+              <a:ext uri="{FF2B5EF4-FFF2-40B4-BE49-F238E27FC236}">
+                <a16:creationId xmlns:a16="http://schemas.microsoft.com/office/drawing/2014/main" id="{B7AB5FAE-D7A7-4751-8875-268341F5FEC1}"/>
+              </a:ext>
+            </a:extLst>
+          </p:cNvPr>
+          <p:cNvPicPr>
+            <a:picLocks noChangeAspect="1"/>
+          </p:cNvPicPr>
+          <p:nvPr/>
+        </p:nvPicPr>
+        <p:blipFill>
+          <a:blip r:embed="rId3">
+            <a:extLst>
+              <a:ext uri="{28A0092B-C50C-407E-A947-70E740481C1C}">
+                <a14:useLocalDpi xmlns:a14="http://schemas.microsoft.com/office/drawing/2010/main" val="0"/>
+              </a:ext>
+            </a:extLst>
+          </a:blip>
+          <a:stretch>
+            <a:fillRect/>
+          </a:stretch>
+        </p:blipFill>
+        <p:spPr>
+          <a:xfrm>
+            <a:off x="1330888" y="8238709"/>
+            <a:ext cx="457200" cy="457200"/>
+          </a:xfrm>
+          <a:prstGeom prst="rect">
+            <a:avLst/>
+          </a:prstGeom>
+        </p:spPr>
+      </p:pic>
+      <p:sp>
+        <p:nvSpPr>
+          <p:cNvPr id="53" name="Registries">
+            <a:extLst>
+              <a:ext uri="{FF2B5EF4-FFF2-40B4-BE49-F238E27FC236}">
+                <a16:creationId xmlns:a16="http://schemas.microsoft.com/office/drawing/2014/main" id="{F6248ACB-834E-41A0-879D-EDCA7698C744}"/>
+              </a:ext>
+            </a:extLst>
+          </p:cNvPr>
+          <p:cNvSpPr/>
+          <p:nvPr/>
+        </p:nvSpPr>
+        <p:spPr>
+          <a:xfrm>
+            <a:off x="3154714" y="3119073"/>
+            <a:ext cx="2415909" cy="1002476"/>
+          </a:xfrm>
+          <a:prstGeom prst="roundRect">
+            <a:avLst>
+              <a:gd name="adj" fmla="val 7483"/>
+            </a:avLst>
+          </a:prstGeom>
+          <a:noFill/>
+          <a:ln w="12700" cap="flat">
+            <a:solidFill>
+              <a:schemeClr val="tx2">
+                <a:lumMod val="75000"/>
+              </a:schemeClr>
+            </a:solidFill>
+            <a:prstDash val="dashDot"/>
+            <a:miter lim="400000"/>
+          </a:ln>
+          <a:effectLst>
+            <a:outerShdw blurRad="38100" dist="25400" dir="5400000" rotWithShape="0">
+              <a:srgbClr val="000000">
+                <a:alpha val="50000"/>
+              </a:srgbClr>
+            </a:outerShdw>
+          </a:effectLst>
+          <a:extLst>
+            <a:ext uri="{C572A759-6A51-4108-AA02-DFA0A04FC94B}">
+              <ma14:wrappingTextBoxFlag xmlns:ma14="http://schemas.microsoft.com/office/mac/drawingml/2011/main" xmlns:a14="http://schemas.microsoft.com/office/drawing/2010/main" xmlns:m="http://schemas.openxmlformats.org/officeDocument/2006/math" xmlns="" val="1"/>
+            </a:ext>
+          </a:extLst>
+        </p:spPr>
+        <p:txBody>
+          <a:bodyPr wrap="square" lIns="50800" tIns="50800" rIns="50800" bIns="50800" numCol="1" anchor="t">
+            <a:noAutofit/>
+          </a:bodyPr>
+          <a:lstStyle/>
+          <a:p>
+            <a:pPr algn="r"/>
+            <a:endParaRPr dirty="0">
+              <a:solidFill>
+                <a:schemeClr val="tx1"/>
+              </a:solidFill>
+              <a:latin typeface="微软雅黑" panose="020B0503020204020204" pitchFamily="34" charset="-122"/>
+              <a:ea typeface="微软雅黑" panose="020B0503020204020204" pitchFamily="34" charset="-122"/>
+              <a:cs typeface="Helvetica Light"/>
+            </a:endParaRPr>
           </a:p>
         </p:txBody>
       </p:sp>
       <p:sp>
         <p:nvSpPr>
-          <p:cNvPr id="210" name="…"/>
+          <p:cNvPr id="54" name="zk">
+            <a:extLst>
+              <a:ext uri="{FF2B5EF4-FFF2-40B4-BE49-F238E27FC236}">
+                <a16:creationId xmlns:a16="http://schemas.microsoft.com/office/drawing/2014/main" id="{7849D694-D25D-40E2-BFAA-479B3360F759}"/>
+              </a:ext>
+            </a:extLst>
+          </p:cNvPr>
           <p:cNvSpPr/>
           <p:nvPr/>
         </p:nvSpPr>
         <p:spPr>
           <a:xfrm>
-            <a:off x="769499" y="5817389"/>
-            <a:ext cx="1229527" cy="290235"/>
+            <a:off x="3482704" y="3238533"/>
+            <a:ext cx="890337" cy="313529"/>
           </a:xfrm>
           <a:prstGeom prst="roundRect">
             <a:avLst/>
           </a:prstGeom>
           <a:solidFill>
-            <a:schemeClr val="accent4"/>
+            <a:schemeClr val="tx2">
+              <a:lumMod val="75000"/>
+            </a:schemeClr>
           </a:solidFill>
-          <a:ln w="12700" cap="flat">
-            <a:noFill/>
+          <a:ln w="19050" cap="flat">
+            <a:solidFill>
+              <a:schemeClr val="tx2">
+                <a:lumMod val="60000"/>
+                <a:lumOff val="40000"/>
+              </a:schemeClr>
+            </a:solidFill>
             <a:miter lim="400000"/>
           </a:ln>
           <a:effectLst>
@@ -12751,7 +11638,7 @@
           </a:bodyPr>
           <a:lstStyle>
             <a:lvl1pPr>
-              <a:defRPr sz="1500" b="0">
+              <a:defRPr b="0">
                 <a:solidFill>
                   <a:srgbClr val="FFFFFF"/>
                 </a:solidFill>
@@ -12764,91 +11651,57 @@
           </a:lstStyle>
           <a:p>
             <a:r>
-              <a:rPr>
+              <a:rPr lang="en-US" altLang="zh-CN" sz="1200" dirty="0">
                 <a:solidFill>
-                  <a:sysClr val="windowText" lastClr="000000"/>
+                  <a:schemeClr val="bg1"/>
                 </a:solidFill>
                 <a:latin typeface="微软雅黑" panose="020B0503020204020204" pitchFamily="34" charset="-122"/>
                 <a:ea typeface="微软雅黑" panose="020B0503020204020204" pitchFamily="34" charset="-122"/>
               </a:rPr>
-              <a:t>…</a:t>
+              <a:t>failover</a:t>
             </a:r>
-          </a:p>
-        </p:txBody>
-      </p:sp>
-      <p:sp>
-        <p:nvSpPr>
-          <p:cNvPr id="95" name="Line"/>
-          <p:cNvSpPr/>
-          <p:nvPr/>
-        </p:nvSpPr>
-        <p:spPr>
-          <a:xfrm>
-            <a:off x="6601632" y="5032976"/>
-            <a:ext cx="287005" cy="0"/>
-          </a:xfrm>
-          <a:prstGeom prst="line">
-            <a:avLst/>
-          </a:prstGeom>
-          <a:ln w="38100">
-            <a:solidFill>
-              <a:schemeClr val="bg2">
-                <a:lumMod val="50000"/>
-              </a:schemeClr>
-            </a:solidFill>
-            <a:tailEnd type="triangle" w="med" len="med"/>
-          </a:ln>
-        </p:spPr>
-        <p:style>
-          <a:lnRef idx="1">
-            <a:schemeClr val="accent1"/>
-          </a:lnRef>
-          <a:fillRef idx="0">
-            <a:schemeClr val="accent1"/>
-          </a:fillRef>
-          <a:effectRef idx="0">
-            <a:schemeClr val="accent1"/>
-          </a:effectRef>
-          <a:fontRef idx="minor">
-            <a:schemeClr val="tx1"/>
-          </a:fontRef>
-        </p:style>
-        <p:txBody>
-          <a:bodyPr wrap="square" lIns="50800" tIns="50800" rIns="50800" bIns="50800" numCol="1" anchor="ctr">
-            <a:noAutofit/>
-          </a:bodyPr>
-          <a:lstStyle/>
-          <a:p>
-            <a:endParaRPr b="0">
+            <a:endParaRPr sz="1200" dirty="0">
               <a:solidFill>
-                <a:schemeClr val="tx1"/>
+                <a:schemeClr val="bg1"/>
               </a:solidFill>
               <a:latin typeface="微软雅黑" panose="020B0503020204020204" pitchFamily="34" charset="-122"/>
               <a:ea typeface="微软雅黑" panose="020B0503020204020204" pitchFamily="34" charset="-122"/>
-              <a:cs typeface="Helvetica Light"/>
             </a:endParaRPr>
           </a:p>
         </p:txBody>
       </p:sp>
       <p:sp>
         <p:nvSpPr>
-          <p:cNvPr id="97" name="Registry"/>
+          <p:cNvPr id="57" name="zk">
+            <a:extLst>
+              <a:ext uri="{FF2B5EF4-FFF2-40B4-BE49-F238E27FC236}">
+                <a16:creationId xmlns:a16="http://schemas.microsoft.com/office/drawing/2014/main" id="{90A6C4C4-1FA7-4B99-A7AE-6FDC02E0D89A}"/>
+              </a:ext>
+            </a:extLst>
+          </p:cNvPr>
           <p:cNvSpPr/>
           <p:nvPr/>
         </p:nvSpPr>
         <p:spPr>
           <a:xfrm>
-            <a:off x="12060187" y="3156718"/>
-            <a:ext cx="2505556" cy="508001"/>
+            <a:off x="3485038" y="3681428"/>
+            <a:ext cx="890337" cy="313529"/>
           </a:xfrm>
           <a:prstGeom prst="roundRect">
             <a:avLst/>
           </a:prstGeom>
           <a:solidFill>
-            <a:srgbClr val="F39019"/>
+            <a:schemeClr val="tx2">
+              <a:lumMod val="75000"/>
+            </a:schemeClr>
           </a:solidFill>
-          <a:ln w="12700" cap="flat">
-            <a:noFill/>
+          <a:ln w="19050" cap="flat">
+            <a:solidFill>
+              <a:schemeClr val="tx2">
+                <a:lumMod val="60000"/>
+                <a:lumOff val="40000"/>
+              </a:schemeClr>
+            </a:solidFill>
             <a:miter lim="400000"/>
           </a:ln>
           <a:effectLst>
@@ -12870,7 +11723,7 @@
           </a:bodyPr>
           <a:lstStyle>
             <a:lvl1pPr>
-              <a:defRPr sz="1900" b="0">
+              <a:defRPr b="0">
                 <a:solidFill>
                   <a:srgbClr val="FFFFFF"/>
                 </a:solidFill>
@@ -12883,36 +11736,57 @@
           </a:lstStyle>
           <a:p>
             <a:r>
-              <a:rPr>
+              <a:rPr lang="en-US" altLang="zh-CN" sz="1200" dirty="0">
+                <a:solidFill>
+                  <a:schemeClr val="bg1"/>
+                </a:solidFill>
                 <a:latin typeface="微软雅黑" panose="020B0503020204020204" pitchFamily="34" charset="-122"/>
                 <a:ea typeface="微软雅黑" panose="020B0503020204020204" pitchFamily="34" charset="-122"/>
               </a:rPr>
-              <a:t>Registry</a:t>
+              <a:t>failfast</a:t>
             </a:r>
+            <a:endParaRPr sz="1200" dirty="0">
+              <a:solidFill>
+                <a:schemeClr val="bg1"/>
+              </a:solidFill>
+              <a:latin typeface="微软雅黑" panose="020B0503020204020204" pitchFamily="34" charset="-122"/>
+              <a:ea typeface="微软雅黑" panose="020B0503020204020204" pitchFamily="34" charset="-122"/>
+            </a:endParaRPr>
           </a:p>
         </p:txBody>
       </p:sp>
       <p:sp>
         <p:nvSpPr>
-          <p:cNvPr id="98" name="Config"/>
+          <p:cNvPr id="58" name="zk">
+            <a:extLst>
+              <a:ext uri="{FF2B5EF4-FFF2-40B4-BE49-F238E27FC236}">
+                <a16:creationId xmlns:a16="http://schemas.microsoft.com/office/drawing/2014/main" id="{32A68E58-CF1F-4A77-BE15-A9FD93CE179F}"/>
+              </a:ext>
+            </a:extLst>
+          </p:cNvPr>
           <p:cNvSpPr/>
           <p:nvPr/>
         </p:nvSpPr>
         <p:spPr>
           <a:xfrm>
-            <a:off x="11033332" y="6470384"/>
-            <a:ext cx="4559266" cy="508001"/>
+            <a:off x="4484557" y="3238533"/>
+            <a:ext cx="890337" cy="313529"/>
           </a:xfrm>
           <a:prstGeom prst="roundRect">
             <a:avLst/>
           </a:prstGeom>
           <a:solidFill>
-            <a:schemeClr val="bg2">
-              <a:lumMod val="50000"/>
+            <a:schemeClr val="tx2">
+              <a:lumMod val="75000"/>
             </a:schemeClr>
           </a:solidFill>
-          <a:ln w="12700" cap="flat">
-            <a:noFill/>
+          <a:ln w="19050" cap="flat">
+            <a:solidFill>
+              <a:schemeClr val="tx2">
+                <a:lumMod val="60000"/>
+                <a:lumOff val="40000"/>
+              </a:schemeClr>
+            </a:solidFill>
             <a:miter lim="400000"/>
           </a:ln>
           <a:effectLst>
@@ -12934,7 +11808,7 @@
           </a:bodyPr>
           <a:lstStyle>
             <a:lvl1pPr>
-              <a:defRPr sz="1900" b="0">
+              <a:defRPr b="0">
                 <a:solidFill>
                   <a:srgbClr val="FFFFFF"/>
                 </a:solidFill>
@@ -12947,234 +11821,19 @@
           </a:lstStyle>
           <a:p>
             <a:r>
-              <a:rPr>
+              <a:rPr lang="en-US" altLang="zh-CN" sz="1200" dirty="0">
+                <a:solidFill>
+                  <a:schemeClr val="bg1"/>
+                </a:solidFill>
                 <a:latin typeface="微软雅黑" panose="020B0503020204020204" pitchFamily="34" charset="-122"/>
                 <a:ea typeface="微软雅黑" panose="020B0503020204020204" pitchFamily="34" charset="-122"/>
               </a:rPr>
-              <a:t>Config</a:t>
+              <a:t>failsave</a:t>
             </a:r>
-          </a:p>
-        </p:txBody>
-      </p:sp>
-      <p:sp>
-        <p:nvSpPr>
-          <p:cNvPr id="99" name="codec"/>
-          <p:cNvSpPr/>
-          <p:nvPr/>
-        </p:nvSpPr>
-        <p:spPr>
-          <a:xfrm>
-            <a:off x="10078990" y="3826173"/>
-            <a:ext cx="1463426" cy="2526435"/>
-          </a:xfrm>
-          <a:prstGeom prst="roundRect">
-            <a:avLst>
-              <a:gd name="adj" fmla="val 6344"/>
-            </a:avLst>
-          </a:prstGeom>
-          <a:solidFill>
-            <a:schemeClr val="bg1">
-              <a:lumMod val="75000"/>
-            </a:schemeClr>
-          </a:solidFill>
-          <a:ln w="12700" cap="flat">
-            <a:noFill/>
-            <a:prstDash val="solid"/>
-            <a:miter lim="400000"/>
-          </a:ln>
-          <a:effectLst>
-            <a:outerShdw blurRad="50800" dist="38100" dir="5400000" algn="t" rotWithShape="0">
-              <a:prstClr val="black">
-                <a:alpha val="40000"/>
-              </a:prstClr>
-            </a:outerShdw>
-          </a:effectLst>
-          <a:extLst>
-            <a:ext uri="{C572A759-6A51-4108-AA02-DFA0A04FC94B}">
-              <ma14:wrappingTextBoxFlag xmlns:ma14="http://schemas.microsoft.com/office/mac/drawingml/2011/main" xmlns:a14="http://schemas.microsoft.com/office/drawing/2010/main" xmlns:m="http://schemas.openxmlformats.org/officeDocument/2006/math" xmlns="" val="1"/>
-            </a:ext>
-          </a:extLst>
-        </p:spPr>
-        <p:txBody>
-          <a:bodyPr wrap="square" lIns="50800" tIns="50800" rIns="50800" bIns="50800" numCol="1" anchor="t">
-            <a:noAutofit/>
-          </a:bodyPr>
-          <a:lstStyle/>
-          <a:p>
-            <a:r>
-              <a:rPr sz="1700" b="0" dirty="0">
-                <a:latin typeface="微软雅黑" panose="020B0503020204020204" pitchFamily="34" charset="-122"/>
-                <a:ea typeface="微软雅黑" panose="020B0503020204020204" pitchFamily="34" charset="-122"/>
-                <a:cs typeface="Helvetica Light"/>
-              </a:rPr>
-              <a:t>codec</a:t>
-            </a:r>
-          </a:p>
-        </p:txBody>
-      </p:sp>
-      <p:sp>
-        <p:nvSpPr>
-          <p:cNvPr id="100" name="hessian2"/>
-          <p:cNvSpPr/>
-          <p:nvPr/>
-        </p:nvSpPr>
-        <p:spPr>
-          <a:xfrm>
-            <a:off x="10151793" y="5356027"/>
-            <a:ext cx="1335057" cy="751093"/>
-          </a:xfrm>
-          <a:prstGeom prst="roundRect">
-            <a:avLst>
-              <a:gd name="adj" fmla="val 9229"/>
-            </a:avLst>
-          </a:prstGeom>
-          <a:solidFill>
-            <a:schemeClr val="accent4"/>
-          </a:solidFill>
-          <a:ln w="12700" cap="flat">
-            <a:noFill/>
-            <a:miter lim="400000"/>
-          </a:ln>
-          <a:effectLst>
-            <a:outerShdw blurRad="38100" dist="25400" dir="5400000" rotWithShape="0">
-              <a:srgbClr val="000000">
-                <a:alpha val="50000"/>
-              </a:srgbClr>
-            </a:outerShdw>
-          </a:effectLst>
-          <a:extLst>
-            <a:ext uri="{C572A759-6A51-4108-AA02-DFA0A04FC94B}">
-              <ma14:wrappingTextBoxFlag xmlns:ma14="http://schemas.microsoft.com/office/mac/drawingml/2011/main" xmlns:a14="http://schemas.microsoft.com/office/drawing/2010/main" xmlns:m="http://schemas.openxmlformats.org/officeDocument/2006/math" xmlns="" val="1"/>
-            </a:ext>
-          </a:extLst>
-        </p:spPr>
-        <p:txBody>
-          <a:bodyPr wrap="square" lIns="50800" tIns="50800" rIns="50800" bIns="50800" numCol="1" anchor="ctr">
-            <a:noAutofit/>
-          </a:bodyPr>
-          <a:lstStyle/>
-          <a:p>
-            <a:r>
-              <a:rPr sz="1500" b="0">
-                <a:solidFill>
-                  <a:sysClr val="windowText" lastClr="000000"/>
-                </a:solidFill>
-                <a:latin typeface="微软雅黑" panose="020B0503020204020204" pitchFamily="34" charset="-122"/>
-                <a:ea typeface="微软雅黑" panose="020B0503020204020204" pitchFamily="34" charset="-122"/>
-                <a:cs typeface="Helvetica Light"/>
-              </a:rPr>
-              <a:t>hessian2</a:t>
-            </a:r>
-          </a:p>
-        </p:txBody>
-      </p:sp>
-      <p:sp>
-        <p:nvSpPr>
-          <p:cNvPr id="101" name="jsonrpc 2.0"/>
-          <p:cNvSpPr/>
-          <p:nvPr/>
-        </p:nvSpPr>
-        <p:spPr>
-          <a:xfrm>
-            <a:off x="10143109" y="4345187"/>
-            <a:ext cx="1335057" cy="751965"/>
-          </a:xfrm>
-          <a:prstGeom prst="roundRect">
-            <a:avLst>
-              <a:gd name="adj" fmla="val 9824"/>
-            </a:avLst>
-          </a:prstGeom>
-          <a:solidFill>
-            <a:schemeClr val="accent4"/>
-          </a:solidFill>
-          <a:ln w="12700" cap="flat">
-            <a:noFill/>
-            <a:miter lim="400000"/>
-          </a:ln>
-          <a:effectLst>
-            <a:outerShdw blurRad="38100" dist="25400" dir="5400000" rotWithShape="0">
-              <a:srgbClr val="000000">
-                <a:alpha val="50000"/>
-              </a:srgbClr>
-            </a:outerShdw>
-          </a:effectLst>
-          <a:extLst>
-            <a:ext uri="{C572A759-6A51-4108-AA02-DFA0A04FC94B}">
-              <ma14:wrappingTextBoxFlag xmlns:ma14="http://schemas.microsoft.com/office/mac/drawingml/2011/main" xmlns:a14="http://schemas.microsoft.com/office/drawing/2010/main" xmlns:m="http://schemas.openxmlformats.org/officeDocument/2006/math" xmlns="" val="1"/>
-            </a:ext>
-          </a:extLst>
-        </p:spPr>
-        <p:txBody>
-          <a:bodyPr wrap="square" lIns="50800" tIns="50800" rIns="50800" bIns="50800" numCol="1" anchor="ctr">
-            <a:noAutofit/>
-          </a:bodyPr>
-          <a:lstStyle/>
-          <a:p>
-            <a:r>
-              <a:rPr sz="1500" b="0" dirty="0" err="1">
-                <a:solidFill>
-                  <a:sysClr val="windowText" lastClr="000000"/>
-                </a:solidFill>
-                <a:latin typeface="微软雅黑" panose="020B0503020204020204" pitchFamily="34" charset="-122"/>
-                <a:ea typeface="微软雅黑" panose="020B0503020204020204" pitchFamily="34" charset="-122"/>
-                <a:cs typeface="Helvetica Light"/>
-              </a:rPr>
-              <a:t>jsonrpc</a:t>
-            </a:r>
-            <a:r>
-              <a:rPr sz="1500" b="0" dirty="0">
-                <a:solidFill>
-                  <a:sysClr val="windowText" lastClr="000000"/>
-                </a:solidFill>
-                <a:latin typeface="微软雅黑" panose="020B0503020204020204" pitchFamily="34" charset="-122"/>
-                <a:ea typeface="微软雅黑" panose="020B0503020204020204" pitchFamily="34" charset="-122"/>
-                <a:cs typeface="Helvetica Light"/>
-              </a:rPr>
-              <a:t> 2.0</a:t>
-            </a:r>
-          </a:p>
-        </p:txBody>
-      </p:sp>
-      <p:sp>
-        <p:nvSpPr>
-          <p:cNvPr id="102" name="Line"/>
-          <p:cNvSpPr/>
-          <p:nvPr/>
-        </p:nvSpPr>
-        <p:spPr>
-          <a:xfrm>
-            <a:off x="11888063" y="5263964"/>
-            <a:ext cx="547245" cy="1"/>
-          </a:xfrm>
-          <a:prstGeom prst="line">
-            <a:avLst/>
-          </a:prstGeom>
-          <a:noFill/>
-          <a:ln w="25400" cap="flat">
-            <a:solidFill>
-              <a:srgbClr val="000000"/>
-            </a:solidFill>
-            <a:prstDash val="solid"/>
-            <a:miter lim="400000"/>
-            <a:tailEnd type="triangle" w="med" len="med"/>
-          </a:ln>
-          <a:effectLst/>
-        </p:spPr>
-        <p:txBody>
-          <a:bodyPr wrap="square" lIns="50800" tIns="50800" rIns="50800" bIns="50800" numCol="1" anchor="ctr">
-            <a:noAutofit/>
-          </a:bodyPr>
-          <a:lstStyle/>
-          <a:p>
-            <a:pPr>
-              <a:defRPr b="0">
-                <a:latin typeface="Helvetica Light"/>
-                <a:ea typeface="Helvetica Light"/>
-                <a:cs typeface="Helvetica Light"/>
-                <a:sym typeface="Helvetica Light"/>
-              </a:defRPr>
-            </a:pPr>
-            <a:endParaRPr>
+            <a:endParaRPr sz="1200" dirty="0">
+              <a:solidFill>
+                <a:schemeClr val="bg1"/>
+              </a:solidFill>
               <a:latin typeface="微软雅黑" panose="020B0503020204020204" pitchFamily="34" charset="-122"/>
               <a:ea typeface="微软雅黑" panose="020B0503020204020204" pitchFamily="34" charset="-122"/>
             </a:endParaRPr>
@@ -13183,677 +11842,32 @@
       </p:sp>
       <p:sp>
         <p:nvSpPr>
-          <p:cNvPr id="103" name="filter"/>
+          <p:cNvPr id="59" name="zk">
+            <a:extLst>
+              <a:ext uri="{FF2B5EF4-FFF2-40B4-BE49-F238E27FC236}">
+                <a16:creationId xmlns:a16="http://schemas.microsoft.com/office/drawing/2014/main" id="{5D583CE7-1F1F-4866-B65B-0522367E0F34}"/>
+              </a:ext>
+            </a:extLst>
+          </p:cNvPr>
           <p:cNvSpPr/>
           <p:nvPr/>
         </p:nvSpPr>
         <p:spPr>
           <a:xfrm>
-            <a:off x="11840596" y="3829674"/>
-            <a:ext cx="1186872" cy="2534956"/>
-          </a:xfrm>
-          <a:prstGeom prst="roundRect">
-            <a:avLst>
-              <a:gd name="adj" fmla="val 5299"/>
-            </a:avLst>
-          </a:prstGeom>
-          <a:solidFill>
-            <a:schemeClr val="bg1">
-              <a:lumMod val="75000"/>
-            </a:schemeClr>
-          </a:solidFill>
-          <a:ln w="12700" cap="flat">
-            <a:noFill/>
-            <a:prstDash val="solid"/>
-            <a:miter lim="400000"/>
-          </a:ln>
-          <a:effectLst>
-            <a:outerShdw blurRad="50800" dist="38100" dir="5400000" algn="t" rotWithShape="0">
-              <a:prstClr val="black">
-                <a:alpha val="40000"/>
-              </a:prstClr>
-            </a:outerShdw>
-          </a:effectLst>
-          <a:extLst>
-            <a:ext uri="{C572A759-6A51-4108-AA02-DFA0A04FC94B}">
-              <ma14:wrappingTextBoxFlag xmlns:ma14="http://schemas.microsoft.com/office/mac/drawingml/2011/main" xmlns:a14="http://schemas.microsoft.com/office/drawing/2010/main" xmlns:m="http://schemas.openxmlformats.org/officeDocument/2006/math" xmlns="" val="1"/>
-            </a:ext>
-          </a:extLst>
-        </p:spPr>
-        <p:txBody>
-          <a:bodyPr wrap="square" lIns="50800" tIns="50800" rIns="50800" bIns="50800" numCol="1" anchor="t">
-            <a:noAutofit/>
-          </a:bodyPr>
-          <a:lstStyle/>
-          <a:p>
-            <a:r>
-              <a:rPr sz="1700" b="0" dirty="0">
-                <a:latin typeface="微软雅黑" panose="020B0503020204020204" pitchFamily="34" charset="-122"/>
-                <a:ea typeface="微软雅黑" panose="020B0503020204020204" pitchFamily="34" charset="-122"/>
-                <a:cs typeface="Helvetica Light"/>
-              </a:rPr>
-              <a:t>filter</a:t>
-            </a:r>
-          </a:p>
-        </p:txBody>
-      </p:sp>
-      <p:sp>
-        <p:nvSpPr>
-          <p:cNvPr id="104" name="generic…"/>
-          <p:cNvSpPr/>
-          <p:nvPr/>
-        </p:nvSpPr>
-        <p:spPr>
-          <a:xfrm>
-            <a:off x="11923103" y="4979815"/>
-            <a:ext cx="1035149" cy="496988"/>
-          </a:xfrm>
-          <a:prstGeom prst="roundRect">
-            <a:avLst>
-              <a:gd name="adj" fmla="val 11868"/>
-            </a:avLst>
-          </a:prstGeom>
-          <a:solidFill>
-            <a:schemeClr val="accent4"/>
-          </a:solidFill>
-          <a:ln w="12700" cap="flat">
-            <a:noFill/>
-            <a:miter lim="400000"/>
-          </a:ln>
-          <a:effectLst>
-            <a:outerShdw blurRad="38100" dist="25400" dir="5400000" rotWithShape="0">
-              <a:srgbClr val="000000">
-                <a:alpha val="50000"/>
-              </a:srgbClr>
-            </a:outerShdw>
-          </a:effectLst>
-          <a:extLst>
-            <a:ext uri="{C572A759-6A51-4108-AA02-DFA0A04FC94B}">
-              <ma14:wrappingTextBoxFlag xmlns:ma14="http://schemas.microsoft.com/office/mac/drawingml/2011/main" xmlns:a14="http://schemas.microsoft.com/office/drawing/2010/main" xmlns:m="http://schemas.openxmlformats.org/officeDocument/2006/math" xmlns="" val="1"/>
-            </a:ext>
-          </a:extLst>
-        </p:spPr>
-        <p:txBody>
-          <a:bodyPr wrap="square" lIns="50800" tIns="50800" rIns="50800" bIns="50800" numCol="1" anchor="ctr">
-            <a:noAutofit/>
-          </a:bodyPr>
-          <a:lstStyle/>
-          <a:p>
-            <a:r>
-              <a:rPr sz="1500" b="0" dirty="0">
-                <a:solidFill>
-                  <a:sysClr val="windowText" lastClr="000000"/>
-                </a:solidFill>
-                <a:latin typeface="微软雅黑" panose="020B0503020204020204" pitchFamily="34" charset="-122"/>
-                <a:ea typeface="微软雅黑" panose="020B0503020204020204" pitchFamily="34" charset="-122"/>
-                <a:cs typeface="Helvetica Light"/>
-              </a:rPr>
-              <a:t>generic</a:t>
-            </a:r>
-          </a:p>
-          <a:p>
-            <a:r>
-              <a:rPr sz="1500" b="0" dirty="0">
-                <a:solidFill>
-                  <a:sysClr val="windowText" lastClr="000000"/>
-                </a:solidFill>
-                <a:latin typeface="微软雅黑" panose="020B0503020204020204" pitchFamily="34" charset="-122"/>
-                <a:ea typeface="微软雅黑" panose="020B0503020204020204" pitchFamily="34" charset="-122"/>
-                <a:cs typeface="Helvetica Light"/>
-              </a:rPr>
-              <a:t>invoke</a:t>
-            </a:r>
-          </a:p>
-        </p:txBody>
-      </p:sp>
-      <p:sp>
-        <p:nvSpPr>
-          <p:cNvPr id="105" name="tps limit"/>
-          <p:cNvSpPr/>
-          <p:nvPr/>
-        </p:nvSpPr>
-        <p:spPr>
-          <a:xfrm>
-            <a:off x="11915926" y="4354700"/>
-            <a:ext cx="1035149" cy="278268"/>
+            <a:off x="4484557" y="3681427"/>
+            <a:ext cx="890337" cy="313529"/>
           </a:xfrm>
           <a:prstGeom prst="roundRect">
             <a:avLst/>
           </a:prstGeom>
-          <a:solidFill>
-            <a:schemeClr val="accent4"/>
-          </a:solidFill>
-          <a:ln w="12700" cap="flat">
-            <a:noFill/>
-            <a:miter lim="400000"/>
-          </a:ln>
-          <a:effectLst>
-            <a:outerShdw blurRad="38100" dist="25400" dir="5400000" rotWithShape="0">
-              <a:srgbClr val="000000">
-                <a:alpha val="50000"/>
-              </a:srgbClr>
-            </a:outerShdw>
-          </a:effectLst>
-          <a:extLst>
-            <a:ext uri="{C572A759-6A51-4108-AA02-DFA0A04FC94B}">
-              <ma14:wrappingTextBoxFlag xmlns:ma14="http://schemas.microsoft.com/office/mac/drawingml/2011/main" xmlns:a14="http://schemas.microsoft.com/office/drawing/2010/main" xmlns:m="http://schemas.openxmlformats.org/officeDocument/2006/math" xmlns="" val="1"/>
-            </a:ext>
-          </a:extLst>
-        </p:spPr>
-        <p:txBody>
-          <a:bodyPr wrap="square" lIns="50800" tIns="50800" rIns="50800" bIns="50800" numCol="1" anchor="ctr">
-            <a:noAutofit/>
-          </a:bodyPr>
-          <a:lstStyle/>
-          <a:p>
-            <a:r>
-              <a:rPr sz="1500" b="0" dirty="0" err="1">
-                <a:solidFill>
-                  <a:sysClr val="windowText" lastClr="000000"/>
-                </a:solidFill>
-                <a:latin typeface="微软雅黑" panose="020B0503020204020204" pitchFamily="34" charset="-122"/>
-                <a:ea typeface="微软雅黑" panose="020B0503020204020204" pitchFamily="34" charset="-122"/>
-                <a:cs typeface="Helvetica Light"/>
-              </a:rPr>
-              <a:t>tps</a:t>
-            </a:r>
-            <a:r>
-              <a:rPr sz="1500" b="0" dirty="0">
-                <a:solidFill>
-                  <a:sysClr val="windowText" lastClr="000000"/>
-                </a:solidFill>
-                <a:latin typeface="微软雅黑" panose="020B0503020204020204" pitchFamily="34" charset="-122"/>
-                <a:ea typeface="微软雅黑" panose="020B0503020204020204" pitchFamily="34" charset="-122"/>
-                <a:cs typeface="Helvetica Light"/>
-              </a:rPr>
-              <a:t> limit</a:t>
-            </a:r>
-          </a:p>
-        </p:txBody>
-      </p:sp>
-      <p:sp>
-        <p:nvSpPr>
-          <p:cNvPr id="106" name="…"/>
-          <p:cNvSpPr/>
-          <p:nvPr/>
-        </p:nvSpPr>
-        <p:spPr>
-          <a:xfrm>
-            <a:off x="11915926" y="5823649"/>
-            <a:ext cx="1035149" cy="295494"/>
-          </a:xfrm>
-          <a:prstGeom prst="roundRect">
-            <a:avLst/>
-          </a:prstGeom>
-          <a:solidFill>
-            <a:schemeClr val="accent4"/>
-          </a:solidFill>
-          <a:ln w="12700" cap="flat">
-            <a:noFill/>
-            <a:miter lim="400000"/>
-          </a:ln>
-          <a:effectLst>
-            <a:outerShdw blurRad="38100" dist="25400" dir="5400000" rotWithShape="0">
-              <a:srgbClr val="000000">
-                <a:alpha val="50000"/>
-              </a:srgbClr>
-            </a:outerShdw>
-          </a:effectLst>
-          <a:extLst>
-            <a:ext uri="{C572A759-6A51-4108-AA02-DFA0A04FC94B}">
-              <ma14:wrappingTextBoxFlag xmlns:ma14="http://schemas.microsoft.com/office/mac/drawingml/2011/main" xmlns:a14="http://schemas.microsoft.com/office/drawing/2010/main" xmlns:m="http://schemas.openxmlformats.org/officeDocument/2006/math" xmlns="" val="1"/>
-            </a:ext>
-          </a:extLst>
-        </p:spPr>
-        <p:txBody>
-          <a:bodyPr wrap="square" lIns="50800" tIns="50800" rIns="50800" bIns="50800" numCol="1" anchor="ctr">
-            <a:noAutofit/>
-          </a:bodyPr>
-          <a:lstStyle/>
-          <a:p>
-            <a:r>
-              <a:rPr sz="1500" b="0" dirty="0">
-                <a:solidFill>
-                  <a:sysClr val="windowText" lastClr="000000"/>
-                </a:solidFill>
-                <a:latin typeface="微软雅黑" panose="020B0503020204020204" pitchFamily="34" charset="-122"/>
-                <a:ea typeface="微软雅黑" panose="020B0503020204020204" pitchFamily="34" charset="-122"/>
-                <a:cs typeface="Helvetica Light"/>
-              </a:rPr>
-              <a:t>…</a:t>
-            </a:r>
-          </a:p>
-        </p:txBody>
-      </p:sp>
-      <p:sp>
-        <p:nvSpPr>
-          <p:cNvPr id="107" name="Line"/>
-          <p:cNvSpPr/>
-          <p:nvPr/>
-        </p:nvSpPr>
-        <p:spPr>
-          <a:xfrm>
-            <a:off x="11542416" y="5066197"/>
-            <a:ext cx="287005" cy="0"/>
-          </a:xfrm>
-          <a:prstGeom prst="line">
-            <a:avLst/>
-          </a:prstGeom>
-          <a:ln w="38100">
+          <a:noFill/>
+          <a:ln w="19050" cap="flat">
             <a:solidFill>
-              <a:schemeClr val="bg2">
-                <a:lumMod val="50000"/>
+              <a:schemeClr val="tx2">
+                <a:lumMod val="60000"/>
+                <a:lumOff val="40000"/>
               </a:schemeClr>
             </a:solidFill>
-            <a:tailEnd type="triangle" w="med" len="med"/>
-          </a:ln>
-        </p:spPr>
-        <p:style>
-          <a:lnRef idx="1">
-            <a:schemeClr val="accent1"/>
-          </a:lnRef>
-          <a:fillRef idx="0">
-            <a:schemeClr val="accent1"/>
-          </a:fillRef>
-          <a:effectRef idx="0">
-            <a:schemeClr val="accent1"/>
-          </a:effectRef>
-          <a:fontRef idx="minor">
-            <a:schemeClr val="tx1"/>
-          </a:fontRef>
-        </p:style>
-        <p:txBody>
-          <a:bodyPr wrap="square" lIns="50800" tIns="50800" rIns="50800" bIns="50800" numCol="1" anchor="ctr">
-            <a:noAutofit/>
-          </a:bodyPr>
-          <a:lstStyle/>
-          <a:p>
-            <a:endParaRPr b="0">
-              <a:solidFill>
-                <a:schemeClr val="tx1"/>
-              </a:solidFill>
-              <a:latin typeface="微软雅黑" panose="020B0503020204020204" pitchFamily="34" charset="-122"/>
-              <a:ea typeface="微软雅黑" panose="020B0503020204020204" pitchFamily="34" charset="-122"/>
-              <a:cs typeface="Helvetica Light"/>
-            </a:endParaRPr>
-          </a:p>
-        </p:txBody>
-      </p:sp>
-      <p:sp>
-        <p:nvSpPr>
-          <p:cNvPr id="108" name="Line"/>
-          <p:cNvSpPr/>
-          <p:nvPr/>
-        </p:nvSpPr>
-        <p:spPr>
-          <a:xfrm>
-            <a:off x="13014737" y="5097152"/>
-            <a:ext cx="287005" cy="0"/>
-          </a:xfrm>
-          <a:prstGeom prst="line">
-            <a:avLst/>
-          </a:prstGeom>
-          <a:ln w="38100">
-            <a:solidFill>
-              <a:schemeClr val="bg2">
-                <a:lumMod val="50000"/>
-              </a:schemeClr>
-            </a:solidFill>
-            <a:tailEnd type="triangle" w="med" len="med"/>
-          </a:ln>
-        </p:spPr>
-        <p:style>
-          <a:lnRef idx="1">
-            <a:schemeClr val="accent1"/>
-          </a:lnRef>
-          <a:fillRef idx="0">
-            <a:schemeClr val="accent1"/>
-          </a:fillRef>
-          <a:effectRef idx="0">
-            <a:schemeClr val="accent1"/>
-          </a:effectRef>
-          <a:fontRef idx="minor">
-            <a:schemeClr val="tx1"/>
-          </a:fontRef>
-        </p:style>
-        <p:txBody>
-          <a:bodyPr wrap="square" lIns="50800" tIns="50800" rIns="50800" bIns="50800" numCol="1" anchor="ctr">
-            <a:noAutofit/>
-          </a:bodyPr>
-          <a:lstStyle/>
-          <a:p>
-            <a:endParaRPr b="0">
-              <a:solidFill>
-                <a:schemeClr val="tx1"/>
-              </a:solidFill>
-              <a:latin typeface="微软雅黑" panose="020B0503020204020204" pitchFamily="34" charset="-122"/>
-              <a:ea typeface="微软雅黑" panose="020B0503020204020204" pitchFamily="34" charset="-122"/>
-              <a:cs typeface="Helvetica Light"/>
-            </a:endParaRPr>
-          </a:p>
-        </p:txBody>
-      </p:sp>
-      <p:sp>
-        <p:nvSpPr>
-          <p:cNvPr id="109" name="codec"/>
-          <p:cNvSpPr/>
-          <p:nvPr/>
-        </p:nvSpPr>
-        <p:spPr>
-          <a:xfrm>
-            <a:off x="13299898" y="3835131"/>
-            <a:ext cx="1463426" cy="2526435"/>
-          </a:xfrm>
-          <a:prstGeom prst="roundRect">
-            <a:avLst>
-              <a:gd name="adj" fmla="val 6344"/>
-            </a:avLst>
-          </a:prstGeom>
-          <a:solidFill>
-            <a:schemeClr val="bg1">
-              <a:lumMod val="75000"/>
-            </a:schemeClr>
-          </a:solidFill>
-          <a:ln w="12700" cap="flat">
-            <a:noFill/>
-            <a:prstDash val="solid"/>
-            <a:miter lim="400000"/>
-          </a:ln>
-          <a:effectLst>
-            <a:outerShdw blurRad="50800" dist="38100" dir="5400000" algn="t" rotWithShape="0">
-              <a:prstClr val="black">
-                <a:alpha val="40000"/>
-              </a:prstClr>
-            </a:outerShdw>
-          </a:effectLst>
-          <a:extLst>
-            <a:ext uri="{C572A759-6A51-4108-AA02-DFA0A04FC94B}">
-              <ma14:wrappingTextBoxFlag xmlns:ma14="http://schemas.microsoft.com/office/mac/drawingml/2011/main" xmlns:a14="http://schemas.microsoft.com/office/drawing/2010/main" xmlns:m="http://schemas.openxmlformats.org/officeDocument/2006/math" xmlns="" val="1"/>
-            </a:ext>
-          </a:extLst>
-        </p:spPr>
-        <p:txBody>
-          <a:bodyPr wrap="square" lIns="50800" tIns="50800" rIns="50800" bIns="50800" numCol="1" anchor="t">
-            <a:noAutofit/>
-          </a:bodyPr>
-          <a:lstStyle/>
-          <a:p>
-            <a:r>
-              <a:rPr lang="en-US" sz="1700" b="0" dirty="0">
-                <a:latin typeface="微软雅黑" panose="020B0503020204020204" pitchFamily="34" charset="-122"/>
-                <a:ea typeface="微软雅黑" panose="020B0503020204020204" pitchFamily="34" charset="-122"/>
-                <a:cs typeface="Helvetica Light"/>
-              </a:rPr>
-              <a:t>invoker</a:t>
-            </a:r>
-          </a:p>
-        </p:txBody>
-      </p:sp>
-      <p:sp>
-        <p:nvSpPr>
-          <p:cNvPr id="110" name="hessian2"/>
-          <p:cNvSpPr/>
-          <p:nvPr/>
-        </p:nvSpPr>
-        <p:spPr>
-          <a:xfrm>
-            <a:off x="13372701" y="5364985"/>
-            <a:ext cx="1335057" cy="751093"/>
-          </a:xfrm>
-          <a:prstGeom prst="roundRect">
-            <a:avLst>
-              <a:gd name="adj" fmla="val 9229"/>
-            </a:avLst>
-          </a:prstGeom>
-          <a:solidFill>
-            <a:schemeClr val="accent4"/>
-          </a:solidFill>
-          <a:ln w="12700" cap="flat">
-            <a:noFill/>
-            <a:miter lim="400000"/>
-          </a:ln>
-          <a:effectLst>
-            <a:outerShdw blurRad="38100" dist="25400" dir="5400000" rotWithShape="0">
-              <a:srgbClr val="000000">
-                <a:alpha val="50000"/>
-              </a:srgbClr>
-            </a:outerShdw>
-          </a:effectLst>
-          <a:extLst>
-            <a:ext uri="{C572A759-6A51-4108-AA02-DFA0A04FC94B}">
-              <ma14:wrappingTextBoxFlag xmlns:ma14="http://schemas.microsoft.com/office/mac/drawingml/2011/main" xmlns:a14="http://schemas.microsoft.com/office/drawing/2010/main" xmlns:m="http://schemas.openxmlformats.org/officeDocument/2006/math" xmlns="" val="1"/>
-            </a:ext>
-          </a:extLst>
-        </p:spPr>
-        <p:txBody>
-          <a:bodyPr wrap="square" lIns="50800" tIns="50800" rIns="50800" bIns="50800" numCol="1" anchor="ctr">
-            <a:noAutofit/>
-          </a:bodyPr>
-          <a:lstStyle/>
-          <a:p>
-            <a:r>
-              <a:rPr lang="en-US" sz="1500" b="0" dirty="0" err="1">
-                <a:solidFill>
-                  <a:sysClr val="windowText" lastClr="000000"/>
-                </a:solidFill>
-                <a:latin typeface="微软雅黑" panose="020B0503020204020204" pitchFamily="34" charset="-122"/>
-                <a:ea typeface="微软雅黑" panose="020B0503020204020204" pitchFamily="34" charset="-122"/>
-                <a:cs typeface="Helvetica Light"/>
-              </a:rPr>
-              <a:t>jsonrpc</a:t>
-            </a:r>
-            <a:endParaRPr lang="en-US" sz="1500" b="0" dirty="0">
-              <a:solidFill>
-                <a:sysClr val="windowText" lastClr="000000"/>
-              </a:solidFill>
-              <a:latin typeface="微软雅黑" panose="020B0503020204020204" pitchFamily="34" charset="-122"/>
-              <a:ea typeface="微软雅黑" panose="020B0503020204020204" pitchFamily="34" charset="-122"/>
-              <a:cs typeface="Helvetica Light"/>
-            </a:endParaRPr>
-          </a:p>
-        </p:txBody>
-      </p:sp>
-      <p:sp>
-        <p:nvSpPr>
-          <p:cNvPr id="111" name="jsonrpc 2.0"/>
-          <p:cNvSpPr/>
-          <p:nvPr/>
-        </p:nvSpPr>
-        <p:spPr>
-          <a:xfrm>
-            <a:off x="13364017" y="4354145"/>
-            <a:ext cx="1335057" cy="751965"/>
-          </a:xfrm>
-          <a:prstGeom prst="roundRect">
-            <a:avLst>
-              <a:gd name="adj" fmla="val 9824"/>
-            </a:avLst>
-          </a:prstGeom>
-          <a:solidFill>
-            <a:schemeClr val="accent4"/>
-          </a:solidFill>
-          <a:ln w="12700" cap="flat">
-            <a:noFill/>
-            <a:miter lim="400000"/>
-          </a:ln>
-          <a:effectLst>
-            <a:outerShdw blurRad="38100" dist="25400" dir="5400000" rotWithShape="0">
-              <a:srgbClr val="000000">
-                <a:alpha val="50000"/>
-              </a:srgbClr>
-            </a:outerShdw>
-          </a:effectLst>
-          <a:extLst>
-            <a:ext uri="{C572A759-6A51-4108-AA02-DFA0A04FC94B}">
-              <ma14:wrappingTextBoxFlag xmlns:ma14="http://schemas.microsoft.com/office/mac/drawingml/2011/main" xmlns:a14="http://schemas.microsoft.com/office/drawing/2010/main" xmlns:m="http://schemas.openxmlformats.org/officeDocument/2006/math" xmlns="" val="1"/>
-            </a:ext>
-          </a:extLst>
-        </p:spPr>
-        <p:txBody>
-          <a:bodyPr wrap="square" lIns="50800" tIns="50800" rIns="50800" bIns="50800" numCol="1" anchor="ctr">
-            <a:noAutofit/>
-          </a:bodyPr>
-          <a:lstStyle/>
-          <a:p>
-            <a:r>
-              <a:rPr lang="en-US" sz="1500" b="0" dirty="0" err="1">
-                <a:solidFill>
-                  <a:sysClr val="windowText" lastClr="000000"/>
-                </a:solidFill>
-                <a:latin typeface="微软雅黑" panose="020B0503020204020204" pitchFamily="34" charset="-122"/>
-                <a:ea typeface="微软雅黑" panose="020B0503020204020204" pitchFamily="34" charset="-122"/>
-                <a:cs typeface="Helvetica Light"/>
-              </a:rPr>
-              <a:t>dubbo</a:t>
-            </a:r>
-            <a:endParaRPr lang="en-US" sz="1500" b="0" dirty="0">
-              <a:solidFill>
-                <a:sysClr val="windowText" lastClr="000000"/>
-              </a:solidFill>
-              <a:latin typeface="微软雅黑" panose="020B0503020204020204" pitchFamily="34" charset="-122"/>
-              <a:ea typeface="微软雅黑" panose="020B0503020204020204" pitchFamily="34" charset="-122"/>
-              <a:cs typeface="Helvetica Light"/>
-            </a:endParaRPr>
-          </a:p>
-        </p:txBody>
-      </p:sp>
-      <p:sp>
-        <p:nvSpPr>
-          <p:cNvPr id="112" name="Line"/>
-          <p:cNvSpPr/>
-          <p:nvPr/>
-        </p:nvSpPr>
-        <p:spPr>
-          <a:xfrm>
-            <a:off x="14771272" y="5075155"/>
-            <a:ext cx="287005" cy="0"/>
-          </a:xfrm>
-          <a:prstGeom prst="line">
-            <a:avLst/>
-          </a:prstGeom>
-          <a:ln w="38100">
-            <a:solidFill>
-              <a:schemeClr val="bg2">
-                <a:lumMod val="50000"/>
-              </a:schemeClr>
-            </a:solidFill>
-            <a:tailEnd type="triangle" w="med" len="med"/>
-          </a:ln>
-        </p:spPr>
-        <p:style>
-          <a:lnRef idx="1">
-            <a:schemeClr val="accent1"/>
-          </a:lnRef>
-          <a:fillRef idx="0">
-            <a:schemeClr val="accent1"/>
-          </a:fillRef>
-          <a:effectRef idx="0">
-            <a:schemeClr val="accent1"/>
-          </a:effectRef>
-          <a:fontRef idx="minor">
-            <a:schemeClr val="tx1"/>
-          </a:fontRef>
-        </p:style>
-        <p:txBody>
-          <a:bodyPr wrap="square" lIns="50800" tIns="50800" rIns="50800" bIns="50800" numCol="1" anchor="ctr">
-            <a:noAutofit/>
-          </a:bodyPr>
-          <a:lstStyle/>
-          <a:p>
-            <a:endParaRPr b="0">
-              <a:solidFill>
-                <a:schemeClr val="tx1"/>
-              </a:solidFill>
-              <a:latin typeface="微软雅黑" panose="020B0503020204020204" pitchFamily="34" charset="-122"/>
-              <a:ea typeface="微软雅黑" panose="020B0503020204020204" pitchFamily="34" charset="-122"/>
-              <a:cs typeface="Helvetica Light"/>
-            </a:endParaRPr>
-          </a:p>
-        </p:txBody>
-      </p:sp>
-      <p:sp>
-        <p:nvSpPr>
-          <p:cNvPr id="113" name="proxy"/>
-          <p:cNvSpPr/>
-          <p:nvPr/>
-        </p:nvSpPr>
-        <p:spPr>
-          <a:xfrm>
-            <a:off x="15048433" y="3818782"/>
-            <a:ext cx="1455144" cy="2526433"/>
-          </a:xfrm>
-          <a:prstGeom prst="roundRect">
-            <a:avLst>
-              <a:gd name="adj" fmla="val 6831"/>
-            </a:avLst>
-          </a:prstGeom>
-          <a:solidFill>
-            <a:schemeClr val="bg1">
-              <a:lumMod val="75000"/>
-            </a:schemeClr>
-          </a:solidFill>
-          <a:ln w="12700" cap="flat">
-            <a:noFill/>
-            <a:prstDash val="solid"/>
-            <a:miter lim="400000"/>
-          </a:ln>
-          <a:effectLst>
-            <a:outerShdw blurRad="50800" dist="38100" dir="5400000" algn="t" rotWithShape="0">
-              <a:prstClr val="black">
-                <a:alpha val="40000"/>
-              </a:prstClr>
-            </a:outerShdw>
-          </a:effectLst>
-          <a:extLst>
-            <a:ext uri="{C572A759-6A51-4108-AA02-DFA0A04FC94B}">
-              <ma14:wrappingTextBoxFlag xmlns:ma14="http://schemas.microsoft.com/office/mac/drawingml/2011/main" xmlns:a14="http://schemas.microsoft.com/office/drawing/2010/main" xmlns:m="http://schemas.openxmlformats.org/officeDocument/2006/math" xmlns="" val="1"/>
-            </a:ext>
-          </a:extLst>
-        </p:spPr>
-        <p:txBody>
-          <a:bodyPr wrap="square" lIns="50800" tIns="50800" rIns="50800" bIns="50800" numCol="1" anchor="t">
-            <a:noAutofit/>
-          </a:bodyPr>
-          <a:lstStyle>
-            <a:lvl1pPr>
-              <a:defRPr sz="1700" b="0">
-                <a:latin typeface="Helvetica Light"/>
-                <a:ea typeface="Helvetica Light"/>
-                <a:cs typeface="Helvetica Light"/>
-                <a:sym typeface="Helvetica Light"/>
-              </a:defRPr>
-            </a:lvl1pPr>
-          </a:lstStyle>
-          <a:p>
-            <a:r>
-              <a:rPr dirty="0">
-                <a:latin typeface="微软雅黑" panose="020B0503020204020204" pitchFamily="34" charset="-122"/>
-                <a:ea typeface="微软雅黑" panose="020B0503020204020204" pitchFamily="34" charset="-122"/>
-              </a:rPr>
-              <a:t>proxy</a:t>
-            </a:r>
-          </a:p>
-        </p:txBody>
-      </p:sp>
-      <p:sp>
-        <p:nvSpPr>
-          <p:cNvPr id="114" name="interface1"/>
-          <p:cNvSpPr/>
-          <p:nvPr/>
-        </p:nvSpPr>
-        <p:spPr>
-          <a:xfrm>
-            <a:off x="15161757" y="4334483"/>
-            <a:ext cx="1229527" cy="290234"/>
-          </a:xfrm>
-          <a:prstGeom prst="roundRect">
-            <a:avLst/>
-          </a:prstGeom>
-          <a:solidFill>
-            <a:schemeClr val="accent4"/>
-          </a:solidFill>
-          <a:ln w="12700" cap="flat">
-            <a:noFill/>
             <a:miter lim="400000"/>
           </a:ln>
           <a:effectLst>
@@ -13875,7 +11889,7 @@
           </a:bodyPr>
           <a:lstStyle>
             <a:lvl1pPr>
-              <a:defRPr sz="1500" b="0">
+              <a:defRPr b="0">
                 <a:solidFill>
                   <a:srgbClr val="FFFFFF"/>
                 </a:solidFill>
@@ -13888,37 +11902,53 @@
           </a:lstStyle>
           <a:p>
             <a:r>
-              <a:rPr lang="en-US" dirty="0">
+              <a:rPr lang="en-US" altLang="zh-CN" sz="1200">
                 <a:solidFill>
-                  <a:sysClr val="windowText" lastClr="000000"/>
+                  <a:schemeClr val="bg1"/>
                 </a:solidFill>
                 <a:latin typeface="微软雅黑" panose="020B0503020204020204" pitchFamily="34" charset="-122"/>
                 <a:ea typeface="微软雅黑" panose="020B0503020204020204" pitchFamily="34" charset="-122"/>
               </a:rPr>
-              <a:t>service1</a:t>
+              <a:t>…</a:t>
             </a:r>
+            <a:endParaRPr sz="1200" dirty="0">
+              <a:solidFill>
+                <a:schemeClr val="bg1"/>
+              </a:solidFill>
+              <a:latin typeface="微软雅黑" panose="020B0503020204020204" pitchFamily="34" charset="-122"/>
+              <a:ea typeface="微软雅黑" panose="020B0503020204020204" pitchFamily="34" charset="-122"/>
+            </a:endParaRPr>
           </a:p>
         </p:txBody>
       </p:sp>
       <p:sp>
         <p:nvSpPr>
-          <p:cNvPr id="115" name="interface2"/>
+          <p:cNvPr id="61" name="zk">
+            <a:extLst>
+              <a:ext uri="{FF2B5EF4-FFF2-40B4-BE49-F238E27FC236}">
+                <a16:creationId xmlns:a16="http://schemas.microsoft.com/office/drawing/2014/main" id="{E78EAEEC-2A26-4BDB-8FA1-C74F8019C5E3}"/>
+              </a:ext>
+            </a:extLst>
+          </p:cNvPr>
           <p:cNvSpPr/>
           <p:nvPr/>
         </p:nvSpPr>
         <p:spPr>
           <a:xfrm>
-            <a:off x="15162645" y="4826152"/>
-            <a:ext cx="1229527" cy="290235"/>
+            <a:off x="11910757" y="2085203"/>
+            <a:ext cx="1169204" cy="442356"/>
           </a:xfrm>
           <a:prstGeom prst="roundRect">
             <a:avLst/>
           </a:prstGeom>
-          <a:solidFill>
-            <a:schemeClr val="accent4"/>
-          </a:solidFill>
-          <a:ln w="12700" cap="flat">
-            <a:noFill/>
+          <a:noFill/>
+          <a:ln w="19050" cap="flat">
+            <a:solidFill>
+              <a:schemeClr val="tx2">
+                <a:lumMod val="60000"/>
+                <a:lumOff val="40000"/>
+              </a:schemeClr>
+            </a:solidFill>
             <a:miter lim="400000"/>
           </a:ln>
           <a:effectLst>
@@ -13940,7 +11970,7 @@
           </a:bodyPr>
           <a:lstStyle>
             <a:lvl1pPr>
-              <a:defRPr sz="1500" b="0">
+              <a:defRPr b="0">
                 <a:solidFill>
                   <a:srgbClr val="FFFFFF"/>
                 </a:solidFill>
@@ -13954,36 +11984,113 @@
           <a:p>
             <a:r>
               <a:rPr lang="en-US" dirty="0">
-                <a:solidFill>
-                  <a:sysClr val="windowText" lastClr="000000"/>
-                </a:solidFill>
                 <a:latin typeface="微软雅黑" panose="020B0503020204020204" pitchFamily="34" charset="-122"/>
                 <a:ea typeface="微软雅黑" panose="020B0503020204020204" pitchFamily="34" charset="-122"/>
               </a:rPr>
-              <a:t>service2</a:t>
+              <a:t>k8s</a:t>
             </a:r>
+            <a:endParaRPr dirty="0">
+              <a:latin typeface="微软雅黑" panose="020B0503020204020204" pitchFamily="34" charset="-122"/>
+              <a:ea typeface="微软雅黑" panose="020B0503020204020204" pitchFamily="34" charset="-122"/>
+            </a:endParaRPr>
           </a:p>
         </p:txBody>
       </p:sp>
       <p:sp>
         <p:nvSpPr>
-          <p:cNvPr id="116" name="interface3"/>
+          <p:cNvPr id="62" name="Registries">
+            <a:extLst>
+              <a:ext uri="{FF2B5EF4-FFF2-40B4-BE49-F238E27FC236}">
+                <a16:creationId xmlns:a16="http://schemas.microsoft.com/office/drawing/2014/main" id="{97FDC4B7-D2C2-41A6-AE6D-6A4FABF98A68}"/>
+              </a:ext>
+            </a:extLst>
+          </p:cNvPr>
           <p:cNvSpPr/>
           <p:nvPr/>
         </p:nvSpPr>
         <p:spPr>
           <a:xfrm>
-            <a:off x="15163533" y="5317822"/>
-            <a:ext cx="1229527" cy="290235"/>
+            <a:off x="12070112" y="3119073"/>
+            <a:ext cx="2415909" cy="1002476"/>
+          </a:xfrm>
+          <a:prstGeom prst="roundRect">
+            <a:avLst>
+              <a:gd name="adj" fmla="val 7483"/>
+            </a:avLst>
+          </a:prstGeom>
+          <a:noFill/>
+          <a:ln w="12700" cap="flat">
+            <a:solidFill>
+              <a:schemeClr val="tx2">
+                <a:lumMod val="75000"/>
+              </a:schemeClr>
+            </a:solidFill>
+            <a:prstDash val="dashDot"/>
+            <a:miter lim="400000"/>
+          </a:ln>
+          <a:effectLst>
+            <a:outerShdw blurRad="38100" dist="25400" dir="5400000" rotWithShape="0">
+              <a:srgbClr val="000000">
+                <a:alpha val="50000"/>
+              </a:srgbClr>
+            </a:outerShdw>
+          </a:effectLst>
+          <a:extLst>
+            <a:ext uri="{C572A759-6A51-4108-AA02-DFA0A04FC94B}">
+              <ma14:wrappingTextBoxFlag xmlns:ma14="http://schemas.microsoft.com/office/mac/drawingml/2011/main" xmlns:a14="http://schemas.microsoft.com/office/drawing/2010/main" xmlns:m="http://schemas.openxmlformats.org/officeDocument/2006/math" xmlns="" val="1"/>
+            </a:ext>
+          </a:extLst>
+        </p:spPr>
+        <p:txBody>
+          <a:bodyPr wrap="square" lIns="50800" tIns="50800" rIns="50800" bIns="50800" numCol="1" anchor="t">
+            <a:noAutofit/>
+          </a:bodyPr>
+          <a:lstStyle/>
+          <a:p>
+            <a:pPr algn="r"/>
+            <a:endParaRPr dirty="0">
+              <a:solidFill>
+                <a:schemeClr val="tx1"/>
+              </a:solidFill>
+              <a:latin typeface="微软雅黑" panose="020B0503020204020204" pitchFamily="34" charset="-122"/>
+              <a:ea typeface="微软雅黑" panose="020B0503020204020204" pitchFamily="34" charset="-122"/>
+              <a:cs typeface="Helvetica Light"/>
+            </a:endParaRPr>
+          </a:p>
+        </p:txBody>
+      </p:sp>
+      <p:sp>
+        <p:nvSpPr>
+          <p:cNvPr id="63" name="zk">
+            <a:extLst>
+              <a:ext uri="{FF2B5EF4-FFF2-40B4-BE49-F238E27FC236}">
+                <a16:creationId xmlns:a16="http://schemas.microsoft.com/office/drawing/2014/main" id="{850ACBF0-7642-4ECE-B73E-BEBF61254751}"/>
+              </a:ext>
+            </a:extLst>
+          </p:cNvPr>
+          <p:cNvSpPr/>
+          <p:nvPr/>
+        </p:nvSpPr>
+        <p:spPr>
+          <a:xfrm>
+            <a:off x="12398102" y="3238533"/>
+            <a:ext cx="890337" cy="313529"/>
           </a:xfrm>
           <a:prstGeom prst="roundRect">
             <a:avLst/>
           </a:prstGeom>
           <a:solidFill>
-            <a:schemeClr val="accent4"/>
+            <a:schemeClr val="tx2">
+              <a:lumMod val="75000"/>
+            </a:schemeClr>
           </a:solidFill>
-          <a:ln w="12700" cap="flat">
-            <a:noFill/>
+          <a:ln w="19050" cap="flat">
+            <a:solidFill>
+              <a:schemeClr val="tx2">
+                <a:lumMod val="60000"/>
+                <a:lumOff val="40000"/>
+              </a:schemeClr>
+            </a:solidFill>
             <a:miter lim="400000"/>
           </a:ln>
           <a:effectLst>
@@ -14005,7 +12112,7 @@
           </a:bodyPr>
           <a:lstStyle>
             <a:lvl1pPr>
-              <a:defRPr sz="1500" b="0">
+              <a:defRPr b="0">
                 <a:solidFill>
                   <a:srgbClr val="FFFFFF"/>
                 </a:solidFill>
@@ -14018,37 +12125,57 @@
           </a:lstStyle>
           <a:p>
             <a:r>
-              <a:rPr lang="en-US" dirty="0">
+              <a:rPr lang="en-US" altLang="zh-CN" sz="1200" dirty="0">
                 <a:solidFill>
-                  <a:sysClr val="windowText" lastClr="000000"/>
+                  <a:schemeClr val="bg1"/>
                 </a:solidFill>
                 <a:latin typeface="微软雅黑" panose="020B0503020204020204" pitchFamily="34" charset="-122"/>
                 <a:ea typeface="微软雅黑" panose="020B0503020204020204" pitchFamily="34" charset="-122"/>
               </a:rPr>
-              <a:t>service3</a:t>
+              <a:t>random</a:t>
             </a:r>
+            <a:endParaRPr sz="1200" dirty="0">
+              <a:solidFill>
+                <a:schemeClr val="bg1"/>
+              </a:solidFill>
+              <a:latin typeface="微软雅黑" panose="020B0503020204020204" pitchFamily="34" charset="-122"/>
+              <a:ea typeface="微软雅黑" panose="020B0503020204020204" pitchFamily="34" charset="-122"/>
+            </a:endParaRPr>
           </a:p>
         </p:txBody>
       </p:sp>
       <p:sp>
         <p:nvSpPr>
-          <p:cNvPr id="117" name="…"/>
+          <p:cNvPr id="64" name="zk">
+            <a:extLst>
+              <a:ext uri="{FF2B5EF4-FFF2-40B4-BE49-F238E27FC236}">
+                <a16:creationId xmlns:a16="http://schemas.microsoft.com/office/drawing/2014/main" id="{88A45023-7E5E-4A44-84E5-0734D97EB906}"/>
+              </a:ext>
+            </a:extLst>
+          </p:cNvPr>
           <p:cNvSpPr/>
           <p:nvPr/>
         </p:nvSpPr>
         <p:spPr>
           <a:xfrm>
-            <a:off x="15164421" y="5809492"/>
-            <a:ext cx="1229527" cy="290235"/>
+            <a:off x="12400436" y="3681428"/>
+            <a:ext cx="1889856" cy="313529"/>
           </a:xfrm>
           <a:prstGeom prst="roundRect">
             <a:avLst/>
           </a:prstGeom>
           <a:solidFill>
-            <a:schemeClr val="accent4"/>
+            <a:schemeClr val="tx2">
+              <a:lumMod val="75000"/>
+            </a:schemeClr>
           </a:solidFill>
-          <a:ln w="12700" cap="flat">
-            <a:noFill/>
+          <a:ln w="19050" cap="flat">
+            <a:solidFill>
+              <a:schemeClr val="tx2">
+                <a:lumMod val="60000"/>
+                <a:lumOff val="40000"/>
+              </a:schemeClr>
+            </a:solidFill>
             <a:miter lim="400000"/>
           </a:ln>
           <a:effectLst>
@@ -14070,7 +12197,103 @@
           </a:bodyPr>
           <a:lstStyle>
             <a:lvl1pPr>
-              <a:defRPr sz="1500" b="0">
+              <a:defRPr b="0">
+                <a:solidFill>
+                  <a:srgbClr val="FFFFFF"/>
+                </a:solidFill>
+                <a:latin typeface="Helvetica Light"/>
+                <a:ea typeface="Helvetica Light"/>
+                <a:cs typeface="Helvetica Light"/>
+                <a:sym typeface="Helvetica Light"/>
+              </a:defRPr>
+            </a:lvl1pPr>
+          </a:lstStyle>
+          <a:p>
+            <a:endParaRPr lang="en-US" altLang="zh-CN" sz="1200" dirty="0">
+              <a:solidFill>
+                <a:schemeClr val="bg1"/>
+              </a:solidFill>
+              <a:latin typeface="微软雅黑" panose="020B0503020204020204" pitchFamily="34" charset="-122"/>
+              <a:ea typeface="微软雅黑" panose="020B0503020204020204" pitchFamily="34" charset="-122"/>
+            </a:endParaRPr>
+          </a:p>
+          <a:p>
+            <a:r>
+              <a:rPr lang="en-US" altLang="zh-CN" sz="1200" dirty="0">
+                <a:solidFill>
+                  <a:schemeClr val="bg1"/>
+                </a:solidFill>
+                <a:latin typeface="微软雅黑" panose="020B0503020204020204" pitchFamily="34" charset="-122"/>
+                <a:ea typeface="微软雅黑" panose="020B0503020204020204" pitchFamily="34" charset="-122"/>
+              </a:rPr>
+              <a:t>Least active</a:t>
+            </a:r>
+          </a:p>
+          <a:p>
+            <a:endParaRPr sz="1200" dirty="0">
+              <a:solidFill>
+                <a:schemeClr val="bg1"/>
+              </a:solidFill>
+              <a:latin typeface="微软雅黑" panose="020B0503020204020204" pitchFamily="34" charset="-122"/>
+              <a:ea typeface="微软雅黑" panose="020B0503020204020204" pitchFamily="34" charset="-122"/>
+            </a:endParaRPr>
+          </a:p>
+        </p:txBody>
+      </p:sp>
+      <p:sp>
+        <p:nvSpPr>
+          <p:cNvPr id="65" name="zk">
+            <a:extLst>
+              <a:ext uri="{FF2B5EF4-FFF2-40B4-BE49-F238E27FC236}">
+                <a16:creationId xmlns:a16="http://schemas.microsoft.com/office/drawing/2014/main" id="{F7BCAF3E-4274-4904-B38D-D96BA4373393}"/>
+              </a:ext>
+            </a:extLst>
+          </p:cNvPr>
+          <p:cNvSpPr/>
+          <p:nvPr/>
+        </p:nvSpPr>
+        <p:spPr>
+          <a:xfrm>
+            <a:off x="13399955" y="3238533"/>
+            <a:ext cx="890337" cy="313529"/>
+          </a:xfrm>
+          <a:prstGeom prst="roundRect">
+            <a:avLst/>
+          </a:prstGeom>
+          <a:solidFill>
+            <a:schemeClr val="tx2">
+              <a:lumMod val="75000"/>
+            </a:schemeClr>
+          </a:solidFill>
+          <a:ln w="19050" cap="flat">
+            <a:solidFill>
+              <a:schemeClr val="tx2">
+                <a:lumMod val="60000"/>
+                <a:lumOff val="40000"/>
+              </a:schemeClr>
+            </a:solidFill>
+            <a:miter lim="400000"/>
+          </a:ln>
+          <a:effectLst>
+            <a:outerShdw blurRad="38100" dist="25400" dir="5400000" rotWithShape="0">
+              <a:srgbClr val="000000">
+                <a:alpha val="50000"/>
+              </a:srgbClr>
+            </a:outerShdw>
+          </a:effectLst>
+          <a:extLst>
+            <a:ext uri="{C572A759-6A51-4108-AA02-DFA0A04FC94B}">
+              <ma14:wrappingTextBoxFlag xmlns:ma14="http://schemas.microsoft.com/office/mac/drawingml/2011/main" xmlns:a14="http://schemas.microsoft.com/office/drawing/2010/main" xmlns:m="http://schemas.openxmlformats.org/officeDocument/2006/math" xmlns="" val="1"/>
+            </a:ext>
+          </a:extLst>
+        </p:spPr>
+        <p:txBody>
+          <a:bodyPr wrap="square" lIns="50800" tIns="50800" rIns="50800" bIns="50800" numCol="1" anchor="ctr">
+            <a:noAutofit/>
+          </a:bodyPr>
+          <a:lstStyle>
+            <a:lvl1pPr>
+              <a:defRPr b="0">
                 <a:solidFill>
                   <a:srgbClr val="FFFFFF"/>
                 </a:solidFill>
@@ -14083,109 +12306,446 @@
           </a:lstStyle>
           <a:p>
             <a:r>
-              <a:rPr>
+              <a:rPr lang="en-US" altLang="zh-CN" sz="1200" dirty="0">
                 <a:solidFill>
-                  <a:sysClr val="windowText" lastClr="000000"/>
+                  <a:schemeClr val="bg1"/>
                 </a:solidFill>
                 <a:latin typeface="微软雅黑" panose="020B0503020204020204" pitchFamily="34" charset="-122"/>
                 <a:ea typeface="微软雅黑" panose="020B0503020204020204" pitchFamily="34" charset="-122"/>
               </a:rPr>
-              <a:t>…</a:t>
+              <a:t>RR</a:t>
             </a:r>
+            <a:endParaRPr sz="1200" dirty="0">
+              <a:solidFill>
+                <a:schemeClr val="bg1"/>
+              </a:solidFill>
+              <a:latin typeface="微软雅黑" panose="020B0503020204020204" pitchFamily="34" charset="-122"/>
+              <a:ea typeface="微软雅黑" panose="020B0503020204020204" pitchFamily="34" charset="-122"/>
+            </a:endParaRPr>
+          </a:p>
+        </p:txBody>
+      </p:sp>
+      <p:cxnSp>
+        <p:nvCxnSpPr>
+          <p:cNvPr id="67" name="直接连接符 66">
+            <a:extLst>
+              <a:ext uri="{FF2B5EF4-FFF2-40B4-BE49-F238E27FC236}">
+                <a16:creationId xmlns:a16="http://schemas.microsoft.com/office/drawing/2014/main" id="{24685EC5-6D66-4D29-87EF-C778C1963760}"/>
+              </a:ext>
+            </a:extLst>
+          </p:cNvPr>
+          <p:cNvCxnSpPr>
+            <a:cxnSpLocks/>
+          </p:cNvCxnSpPr>
+          <p:nvPr/>
+        </p:nvCxnSpPr>
+        <p:spPr>
+          <a:xfrm>
+            <a:off x="14374516" y="3769891"/>
+            <a:ext cx="864297" cy="0"/>
+          </a:xfrm>
+          <a:prstGeom prst="line">
+            <a:avLst/>
+          </a:prstGeom>
+          <a:noFill/>
+          <a:ln w="25400" cap="flat">
+            <a:solidFill>
+              <a:schemeClr val="bg2">
+                <a:lumMod val="50000"/>
+              </a:schemeClr>
+            </a:solidFill>
+            <a:prstDash val="solid"/>
+            <a:miter lim="400000"/>
+          </a:ln>
+          <a:effectLst/>
+          <a:sp3d/>
+        </p:spPr>
+        <p:style>
+          <a:lnRef idx="0">
+            <a:scrgbClr r="0" g="0" b="0"/>
+          </a:lnRef>
+          <a:fillRef idx="0">
+            <a:scrgbClr r="0" g="0" b="0"/>
+          </a:fillRef>
+          <a:effectRef idx="0">
+            <a:scrgbClr r="0" g="0" b="0"/>
+          </a:effectRef>
+          <a:fontRef idx="none"/>
+        </p:style>
+      </p:cxnSp>
+      <p:sp>
+        <p:nvSpPr>
+          <p:cNvPr id="69" name="文本框 68">
+            <a:extLst>
+              <a:ext uri="{FF2B5EF4-FFF2-40B4-BE49-F238E27FC236}">
+                <a16:creationId xmlns:a16="http://schemas.microsoft.com/office/drawing/2014/main" id="{704D2E22-6FC0-4787-8CAA-7552BADC00DF}"/>
+              </a:ext>
+            </a:extLst>
+          </p:cNvPr>
+          <p:cNvSpPr txBox="1"/>
+          <p:nvPr/>
+        </p:nvSpPr>
+        <p:spPr>
+          <a:xfrm>
+            <a:off x="15121412" y="3947490"/>
+            <a:ext cx="1136084" cy="287258"/>
+          </a:xfrm>
+          <a:prstGeom prst="rect">
+            <a:avLst/>
+          </a:prstGeom>
+          <a:noFill/>
+          <a:ln w="12700" cap="flat">
+            <a:noFill/>
+            <a:miter lim="400000"/>
+          </a:ln>
+          <a:effectLst/>
+          <a:sp3d/>
+        </p:spPr>
+        <p:style>
+          <a:lnRef idx="0">
+            <a:scrgbClr r="0" g="0" b="0"/>
+          </a:lnRef>
+          <a:fillRef idx="0">
+            <a:scrgbClr r="0" g="0" b="0"/>
+          </a:fillRef>
+          <a:effectRef idx="0">
+            <a:scrgbClr r="0" g="0" b="0"/>
+          </a:effectRef>
+          <a:fontRef idx="none"/>
+        </p:style>
+        <p:txBody>
+          <a:bodyPr rot="0" spcFirstLastPara="1" vertOverflow="overflow" horzOverflow="overflow" vert="horz" wrap="square" lIns="50800" tIns="50800" rIns="50800" bIns="50800" numCol="1" spcCol="38100" rtlCol="0" anchor="ctr">
+            <a:spAutoFit/>
+          </a:bodyPr>
+          <a:lstStyle/>
+          <a:p>
+            <a:pPr marL="0" marR="0" indent="0" algn="ctr" defTabSz="584200" rtl="0" fontAlgn="auto" latinLnBrk="0" hangingPunct="0">
+              <a:lnSpc>
+                <a:spcPct val="100000"/>
+              </a:lnSpc>
+              <a:spcBef>
+                <a:spcPts val="0"/>
+              </a:spcBef>
+              <a:spcAft>
+                <a:spcPts val="0"/>
+              </a:spcAft>
+              <a:buClrTx/>
+              <a:buSzTx/>
+              <a:buFontTx/>
+              <a:buNone/>
+              <a:tabLst/>
+            </a:pPr>
+            <a:r>
+              <a:rPr kumimoji="0" lang="en-US" altLang="zh-CN" sz="1200" b="1" i="0" u="none" strike="noStrike" cap="none" spc="0" normalizeH="0" baseline="0" dirty="0">
+                <a:ln>
+                  <a:noFill/>
+                </a:ln>
+                <a:solidFill>
+                  <a:schemeClr val="bg2">
+                    <a:lumMod val="75000"/>
+                  </a:schemeClr>
+                </a:solidFill>
+                <a:effectLst/>
+                <a:uFillTx/>
+                <a:latin typeface="Helvetica Neue"/>
+                <a:ea typeface="Helvetica Neue"/>
+                <a:cs typeface="Helvetica Neue"/>
+                <a:sym typeface="Helvetica Neue"/>
+              </a:rPr>
+              <a:t>Load Balance</a:t>
+            </a:r>
+            <a:endParaRPr kumimoji="0" lang="zh-CN" altLang="en-US" sz="1200" b="1" i="0" u="none" strike="noStrike" cap="none" spc="0" normalizeH="0" baseline="0" dirty="0">
+              <a:ln>
+                <a:noFill/>
+              </a:ln>
+              <a:solidFill>
+                <a:schemeClr val="bg2">
+                  <a:lumMod val="75000"/>
+                </a:schemeClr>
+              </a:solidFill>
+              <a:effectLst/>
+              <a:uFillTx/>
+              <a:latin typeface="Helvetica Neue"/>
+              <a:ea typeface="Helvetica Neue"/>
+              <a:cs typeface="Helvetica Neue"/>
+              <a:sym typeface="Helvetica Neue"/>
+            </a:endParaRPr>
           </a:p>
         </p:txBody>
       </p:sp>
       <p:sp>
         <p:nvSpPr>
-          <p:cNvPr id="3" name="矩形 2"/>
+          <p:cNvPr id="72" name="文本框 71">
+            <a:extLst>
+              <a:ext uri="{FF2B5EF4-FFF2-40B4-BE49-F238E27FC236}">
+                <a16:creationId xmlns:a16="http://schemas.microsoft.com/office/drawing/2014/main" id="{9AFBBCA4-3672-42F3-BB05-4A1AA53A63DF}"/>
+              </a:ext>
+            </a:extLst>
+          </p:cNvPr>
+          <p:cNvSpPr txBox="1"/>
+          <p:nvPr/>
+        </p:nvSpPr>
+        <p:spPr>
+          <a:xfrm>
+            <a:off x="1263734" y="3822160"/>
+            <a:ext cx="716543" cy="287258"/>
+          </a:xfrm>
+          <a:prstGeom prst="rect">
+            <a:avLst/>
+          </a:prstGeom>
+          <a:noFill/>
+          <a:ln w="12700" cap="flat">
+            <a:noFill/>
+            <a:miter lim="400000"/>
+          </a:ln>
+          <a:effectLst/>
+          <a:sp3d/>
+        </p:spPr>
+        <p:style>
+          <a:lnRef idx="0">
+            <a:scrgbClr r="0" g="0" b="0"/>
+          </a:lnRef>
+          <a:fillRef idx="0">
+            <a:scrgbClr r="0" g="0" b="0"/>
+          </a:fillRef>
+          <a:effectRef idx="0">
+            <a:scrgbClr r="0" g="0" b="0"/>
+          </a:effectRef>
+          <a:fontRef idx="none"/>
+        </p:style>
+        <p:txBody>
+          <a:bodyPr rot="0" spcFirstLastPara="1" vertOverflow="overflow" horzOverflow="overflow" vert="horz" wrap="square" lIns="50800" tIns="50800" rIns="50800" bIns="50800" numCol="1" spcCol="38100" rtlCol="0" anchor="ctr">
+            <a:spAutoFit/>
+          </a:bodyPr>
+          <a:lstStyle/>
+          <a:p>
+            <a:pPr marL="0" marR="0" indent="0" algn="ctr" defTabSz="584200" rtl="0" fontAlgn="auto" latinLnBrk="0" hangingPunct="0">
+              <a:lnSpc>
+                <a:spcPct val="100000"/>
+              </a:lnSpc>
+              <a:spcBef>
+                <a:spcPts val="0"/>
+              </a:spcBef>
+              <a:spcAft>
+                <a:spcPts val="0"/>
+              </a:spcAft>
+              <a:buClrTx/>
+              <a:buSzTx/>
+              <a:buFontTx/>
+              <a:buNone/>
+              <a:tabLst/>
+            </a:pPr>
+            <a:r>
+              <a:rPr kumimoji="0" lang="en-US" altLang="zh-CN" sz="1200" b="1" i="0" u="none" strike="noStrike" cap="none" spc="0" normalizeH="0" baseline="0" dirty="0">
+                <a:ln>
+                  <a:noFill/>
+                </a:ln>
+                <a:solidFill>
+                  <a:schemeClr val="bg2">
+                    <a:lumMod val="75000"/>
+                  </a:schemeClr>
+                </a:solidFill>
+                <a:effectLst/>
+                <a:uFillTx/>
+                <a:latin typeface="Helvetica Neue"/>
+                <a:ea typeface="Helvetica Neue"/>
+                <a:cs typeface="Helvetica Neue"/>
+                <a:sym typeface="Helvetica Neue"/>
+              </a:rPr>
+              <a:t>Cluster</a:t>
+            </a:r>
+            <a:endParaRPr kumimoji="0" lang="zh-CN" altLang="en-US" sz="1200" b="1" i="0" u="none" strike="noStrike" cap="none" spc="0" normalizeH="0" baseline="0" dirty="0">
+              <a:ln>
+                <a:noFill/>
+              </a:ln>
+              <a:solidFill>
+                <a:schemeClr val="bg2">
+                  <a:lumMod val="75000"/>
+                </a:schemeClr>
+              </a:solidFill>
+              <a:effectLst/>
+              <a:uFillTx/>
+              <a:latin typeface="Helvetica Neue"/>
+              <a:ea typeface="Helvetica Neue"/>
+              <a:cs typeface="Helvetica Neue"/>
+              <a:sym typeface="Helvetica Neue"/>
+            </a:endParaRPr>
+          </a:p>
+        </p:txBody>
+      </p:sp>
+      <p:cxnSp>
+        <p:nvCxnSpPr>
+          <p:cNvPr id="73" name="直接连接符 72">
+            <a:extLst>
+              <a:ext uri="{FF2B5EF4-FFF2-40B4-BE49-F238E27FC236}">
+                <a16:creationId xmlns:a16="http://schemas.microsoft.com/office/drawing/2014/main" id="{08701EBA-4AB6-455D-806B-A53FD39FD252}"/>
+              </a:ext>
+            </a:extLst>
+          </p:cNvPr>
+          <p:cNvCxnSpPr>
+            <a:cxnSpLocks/>
+          </p:cNvCxnSpPr>
+          <p:nvPr/>
+        </p:nvCxnSpPr>
+        <p:spPr>
+          <a:xfrm>
+            <a:off x="1954629" y="3620479"/>
+            <a:ext cx="1332346" cy="0"/>
+          </a:xfrm>
+          <a:prstGeom prst="line">
+            <a:avLst/>
+          </a:prstGeom>
+          <a:noFill/>
+          <a:ln w="25400" cap="flat">
+            <a:solidFill>
+              <a:schemeClr val="bg2">
+                <a:lumMod val="50000"/>
+              </a:schemeClr>
+            </a:solidFill>
+            <a:prstDash val="solid"/>
+            <a:miter lim="400000"/>
+          </a:ln>
+          <a:effectLst/>
+          <a:sp3d/>
+        </p:spPr>
+        <p:style>
+          <a:lnRef idx="0">
+            <a:scrgbClr r="0" g="0" b="0"/>
+          </a:lnRef>
+          <a:fillRef idx="0">
+            <a:scrgbClr r="0" g="0" b="0"/>
+          </a:fillRef>
+          <a:effectRef idx="0">
+            <a:scrgbClr r="0" g="0" b="0"/>
+          </a:effectRef>
+          <a:fontRef idx="none"/>
+        </p:style>
+      </p:cxnSp>
+      <p:pic>
+        <p:nvPicPr>
+          <p:cNvPr id="78" name="图片 77">
+            <a:extLst>
+              <a:ext uri="{FF2B5EF4-FFF2-40B4-BE49-F238E27FC236}">
+                <a16:creationId xmlns:a16="http://schemas.microsoft.com/office/drawing/2014/main" id="{D7075099-3737-49E5-8773-C11B45484A33}"/>
+              </a:ext>
+            </a:extLst>
+          </p:cNvPr>
+          <p:cNvPicPr>
+            <a:picLocks noChangeAspect="1"/>
+          </p:cNvPicPr>
+          <p:nvPr/>
+        </p:nvPicPr>
+        <p:blipFill>
+          <a:blip r:embed="rId4">
+            <a:extLst>
+              <a:ext uri="{28A0092B-C50C-407E-A947-70E740481C1C}">
+                <a14:useLocalDpi xmlns:a14="http://schemas.microsoft.com/office/drawing/2010/main" val="0"/>
+              </a:ext>
+            </a:extLst>
+          </a:blip>
+          <a:stretch>
+            <a:fillRect/>
+          </a:stretch>
+        </p:blipFill>
+        <p:spPr>
+          <a:xfrm>
+            <a:off x="1431898" y="2009276"/>
+            <a:ext cx="457200" cy="457200"/>
+          </a:xfrm>
+          <a:prstGeom prst="rect">
+            <a:avLst/>
+          </a:prstGeom>
+        </p:spPr>
+      </p:pic>
+      <p:pic>
+        <p:nvPicPr>
+          <p:cNvPr id="80" name="图片 79">
+            <a:extLst>
+              <a:ext uri="{FF2B5EF4-FFF2-40B4-BE49-F238E27FC236}">
+                <a16:creationId xmlns:a16="http://schemas.microsoft.com/office/drawing/2014/main" id="{190CAFB3-2286-42D1-BE9A-2659B9CE629E}"/>
+              </a:ext>
+            </a:extLst>
+          </p:cNvPr>
+          <p:cNvPicPr>
+            <a:picLocks noChangeAspect="1"/>
+          </p:cNvPicPr>
+          <p:nvPr/>
+        </p:nvPicPr>
+        <p:blipFill>
+          <a:blip r:embed="rId5">
+            <a:extLst>
+              <a:ext uri="{28A0092B-C50C-407E-A947-70E740481C1C}">
+                <a14:useLocalDpi xmlns:a14="http://schemas.microsoft.com/office/drawing/2010/main" val="0"/>
+              </a:ext>
+            </a:extLst>
+          </a:blip>
+          <a:stretch>
+            <a:fillRect/>
+          </a:stretch>
+        </p:blipFill>
+        <p:spPr>
+          <a:xfrm>
+            <a:off x="1393405" y="3366585"/>
+            <a:ext cx="457200" cy="457200"/>
+          </a:xfrm>
+          <a:prstGeom prst="rect">
+            <a:avLst/>
+          </a:prstGeom>
+        </p:spPr>
+      </p:pic>
+      <p:sp>
+        <p:nvSpPr>
+          <p:cNvPr id="84" name="Registries">
+            <a:extLst>
+              <a:ext uri="{FF2B5EF4-FFF2-40B4-BE49-F238E27FC236}">
+                <a16:creationId xmlns:a16="http://schemas.microsoft.com/office/drawing/2014/main" id="{E299AAE0-63EB-4816-8DE2-4F37C6190153}"/>
+              </a:ext>
+            </a:extLst>
+          </p:cNvPr>
           <p:cNvSpPr/>
           <p:nvPr/>
         </p:nvSpPr>
         <p:spPr>
           <a:xfrm>
-            <a:off x="7270544" y="8910005"/>
-            <a:ext cx="2279791" cy="461665"/>
+            <a:off x="7281381" y="3116650"/>
+            <a:ext cx="2631704" cy="3212663"/>
           </a:xfrm>
-          <a:prstGeom prst="rect">
-            <a:avLst/>
+          <a:prstGeom prst="roundRect">
+            <a:avLst>
+              <a:gd name="adj" fmla="val 7483"/>
+            </a:avLst>
           </a:prstGeom>
+          <a:noFill/>
+          <a:ln w="12700" cap="flat">
+            <a:solidFill>
+              <a:schemeClr val="tx2">
+                <a:lumMod val="75000"/>
+              </a:schemeClr>
+            </a:solidFill>
+            <a:prstDash val="dashDot"/>
+            <a:miter lim="400000"/>
+          </a:ln>
+          <a:effectLst>
+            <a:outerShdw blurRad="38100" dist="25400" dir="5400000" rotWithShape="0">
+              <a:srgbClr val="000000">
+                <a:alpha val="50000"/>
+              </a:srgbClr>
+            </a:outerShdw>
+          </a:effectLst>
+          <a:extLst>
+            <a:ext uri="{C572A759-6A51-4108-AA02-DFA0A04FC94B}">
+              <ma14:wrappingTextBoxFlag xmlns:ma14="http://schemas.microsoft.com/office/mac/drawingml/2011/main" xmlns:a14="http://schemas.microsoft.com/office/drawing/2010/main" xmlns:m="http://schemas.openxmlformats.org/officeDocument/2006/math" xmlns="" val="1"/>
+            </a:ext>
+          </a:extLst>
         </p:spPr>
         <p:txBody>
-          <a:bodyPr wrap="none">
-            <a:spAutoFit/>
-          </a:bodyPr>
-          <a:lstStyle/>
-          <a:p>
-            <a:pPr algn="l"/>
-            <a:r>
-              <a:rPr lang="en-US" altLang="zh-CN" dirty="0" err="1">
-                <a:solidFill>
-                  <a:schemeClr val="tx1"/>
-                </a:solidFill>
-                <a:latin typeface="微软雅黑" panose="020B0503020204020204" pitchFamily="34" charset="-122"/>
-                <a:ea typeface="微软雅黑" panose="020B0503020204020204" pitchFamily="34" charset="-122"/>
-                <a:cs typeface="Helvetica Light"/>
-              </a:rPr>
-              <a:t>Config</a:t>
-            </a:r>
-            <a:r>
-              <a:rPr lang="en-US" altLang="zh-CN" dirty="0">
-                <a:solidFill>
-                  <a:schemeClr val="tx1"/>
-                </a:solidFill>
-                <a:latin typeface="微软雅黑" panose="020B0503020204020204" pitchFamily="34" charset="-122"/>
-                <a:ea typeface="微软雅黑" panose="020B0503020204020204" pitchFamily="34" charset="-122"/>
-                <a:cs typeface="Helvetica Light"/>
-              </a:rPr>
-              <a:t> center</a:t>
-            </a:r>
-          </a:p>
-        </p:txBody>
-      </p:sp>
-      <p:sp>
-        <p:nvSpPr>
-          <p:cNvPr id="212" name="Line"/>
-          <p:cNvSpPr/>
-          <p:nvPr/>
-        </p:nvSpPr>
-        <p:spPr>
-          <a:xfrm flipV="1">
-            <a:off x="10272276" y="7247500"/>
-            <a:ext cx="1413642" cy="927727"/>
-          </a:xfrm>
-          <a:prstGeom prst="line">
-            <a:avLst/>
-          </a:prstGeom>
-          <a:ln w="38100">
-            <a:solidFill>
-              <a:schemeClr val="bg2">
-                <a:lumMod val="50000"/>
-              </a:schemeClr>
-            </a:solidFill>
-            <a:tailEnd type="triangle" w="med" len="med"/>
-          </a:ln>
-        </p:spPr>
-        <p:style>
-          <a:lnRef idx="1">
-            <a:schemeClr val="accent1"/>
-          </a:lnRef>
-          <a:fillRef idx="0">
-            <a:schemeClr val="accent1"/>
-          </a:fillRef>
-          <a:effectRef idx="0">
-            <a:schemeClr val="accent1"/>
-          </a:effectRef>
-          <a:fontRef idx="minor">
-            <a:schemeClr val="tx1"/>
-          </a:fontRef>
-        </p:style>
-        <p:txBody>
-          <a:bodyPr wrap="square" lIns="50800" tIns="50800" rIns="50800" bIns="50800" numCol="1" anchor="ctr">
+          <a:bodyPr wrap="square" lIns="50800" tIns="50800" rIns="50800" bIns="50800" numCol="1" anchor="t">
             <a:noAutofit/>
           </a:bodyPr>
           <a:lstStyle/>
           <a:p>
-            <a:endParaRPr b="0">
+            <a:pPr algn="r"/>
+            <a:endParaRPr dirty="0">
               <a:solidFill>
                 <a:schemeClr val="tx1"/>
               </a:solidFill>
@@ -14198,48 +12758,312 @@
       </p:sp>
       <p:sp>
         <p:nvSpPr>
-          <p:cNvPr id="213" name="Line"/>
+          <p:cNvPr id="85" name="zk">
+            <a:extLst>
+              <a:ext uri="{FF2B5EF4-FFF2-40B4-BE49-F238E27FC236}">
+                <a16:creationId xmlns:a16="http://schemas.microsoft.com/office/drawing/2014/main" id="{981EC1B7-A885-4685-B82A-A671B6714A49}"/>
+              </a:ext>
+            </a:extLst>
+          </p:cNvPr>
           <p:cNvSpPr/>
           <p:nvPr/>
         </p:nvSpPr>
         <p:spPr>
-          <a:xfrm flipH="1" flipV="1">
-            <a:off x="10326511" y="2046236"/>
-            <a:ext cx="1413642" cy="927727"/>
+          <a:xfrm>
+            <a:off x="7936819" y="3603108"/>
+            <a:ext cx="1401454" cy="313529"/>
           </a:xfrm>
-          <a:prstGeom prst="line">
+          <a:prstGeom prst="roundRect">
             <a:avLst/>
           </a:prstGeom>
-          <a:ln w="38100">
+          <a:solidFill>
+            <a:schemeClr val="tx2">
+              <a:lumMod val="75000"/>
+            </a:schemeClr>
+          </a:solidFill>
+          <a:ln w="19050" cap="flat">
             <a:solidFill>
-              <a:schemeClr val="bg2">
-                <a:lumMod val="50000"/>
+              <a:schemeClr val="tx2">
+                <a:lumMod val="60000"/>
+                <a:lumOff val="40000"/>
               </a:schemeClr>
             </a:solidFill>
-            <a:tailEnd type="triangle" w="med" len="med"/>
+            <a:miter lim="400000"/>
           </a:ln>
+          <a:effectLst>
+            <a:outerShdw blurRad="38100" dist="25400" dir="5400000" rotWithShape="0">
+              <a:srgbClr val="000000">
+                <a:alpha val="50000"/>
+              </a:srgbClr>
+            </a:outerShdw>
+          </a:effectLst>
+          <a:extLst>
+            <a:ext uri="{C572A759-6A51-4108-AA02-DFA0A04FC94B}">
+              <ma14:wrappingTextBoxFlag xmlns:ma14="http://schemas.microsoft.com/office/mac/drawingml/2011/main" xmlns:a14="http://schemas.microsoft.com/office/drawing/2010/main" xmlns:m="http://schemas.openxmlformats.org/officeDocument/2006/math" xmlns="" val="1"/>
+            </a:ext>
+          </a:extLst>
         </p:spPr>
-        <p:style>
-          <a:lnRef idx="1">
-            <a:schemeClr val="accent1"/>
-          </a:lnRef>
-          <a:fillRef idx="0">
-            <a:schemeClr val="accent1"/>
-          </a:fillRef>
-          <a:effectRef idx="0">
-            <a:schemeClr val="accent1"/>
-          </a:effectRef>
-          <a:fontRef idx="minor">
-            <a:schemeClr val="tx1"/>
-          </a:fontRef>
-        </p:style>
         <p:txBody>
           <a:bodyPr wrap="square" lIns="50800" tIns="50800" rIns="50800" bIns="50800" numCol="1" anchor="ctr">
             <a:noAutofit/>
           </a:bodyPr>
+          <a:lstStyle>
+            <a:lvl1pPr>
+              <a:defRPr b="0">
+                <a:solidFill>
+                  <a:srgbClr val="FFFFFF"/>
+                </a:solidFill>
+                <a:latin typeface="Helvetica Light"/>
+                <a:ea typeface="Helvetica Light"/>
+                <a:cs typeface="Helvetica Light"/>
+                <a:sym typeface="Helvetica Light"/>
+              </a:defRPr>
+            </a:lvl1pPr>
+          </a:lstStyle>
+          <a:p>
+            <a:r>
+              <a:rPr lang="en-US" altLang="zh-CN" sz="1200" dirty="0">
+                <a:solidFill>
+                  <a:schemeClr val="bg1"/>
+                </a:solidFill>
+                <a:latin typeface="微软雅黑" panose="020B0503020204020204" pitchFamily="34" charset="-122"/>
+                <a:ea typeface="微软雅黑" panose="020B0503020204020204" pitchFamily="34" charset="-122"/>
+              </a:rPr>
+              <a:t>tps limit</a:t>
+            </a:r>
+          </a:p>
+        </p:txBody>
+      </p:sp>
+      <p:sp>
+        <p:nvSpPr>
+          <p:cNvPr id="86" name="zk">
+            <a:extLst>
+              <a:ext uri="{FF2B5EF4-FFF2-40B4-BE49-F238E27FC236}">
+                <a16:creationId xmlns:a16="http://schemas.microsoft.com/office/drawing/2014/main" id="{1E109DC0-72E7-499B-B13B-CDA421714EDA}"/>
+              </a:ext>
+            </a:extLst>
+          </p:cNvPr>
+          <p:cNvSpPr/>
+          <p:nvPr/>
+        </p:nvSpPr>
+        <p:spPr>
+          <a:xfrm>
+            <a:off x="7936819" y="4253991"/>
+            <a:ext cx="1401454" cy="313529"/>
+          </a:xfrm>
+          <a:prstGeom prst="roundRect">
+            <a:avLst/>
+          </a:prstGeom>
+          <a:solidFill>
+            <a:schemeClr val="tx2">
+              <a:lumMod val="75000"/>
+            </a:schemeClr>
+          </a:solidFill>
+          <a:ln w="19050" cap="flat">
+            <a:solidFill>
+              <a:schemeClr val="tx2">
+                <a:lumMod val="60000"/>
+                <a:lumOff val="40000"/>
+              </a:schemeClr>
+            </a:solidFill>
+            <a:miter lim="400000"/>
+          </a:ln>
+          <a:effectLst>
+            <a:outerShdw blurRad="38100" dist="25400" dir="5400000" rotWithShape="0">
+              <a:srgbClr val="000000">
+                <a:alpha val="50000"/>
+              </a:srgbClr>
+            </a:outerShdw>
+          </a:effectLst>
+          <a:extLst>
+            <a:ext uri="{C572A759-6A51-4108-AA02-DFA0A04FC94B}">
+              <ma14:wrappingTextBoxFlag xmlns:ma14="http://schemas.microsoft.com/office/mac/drawingml/2011/main" xmlns:a14="http://schemas.microsoft.com/office/drawing/2010/main" xmlns:m="http://schemas.openxmlformats.org/officeDocument/2006/math" xmlns="" val="1"/>
+            </a:ext>
+          </a:extLst>
+        </p:spPr>
+        <p:txBody>
+          <a:bodyPr wrap="square" lIns="50800" tIns="50800" rIns="50800" bIns="50800" numCol="1" anchor="ctr">
+            <a:noAutofit/>
+          </a:bodyPr>
+          <a:lstStyle>
+            <a:lvl1pPr>
+              <a:defRPr b="0">
+                <a:solidFill>
+                  <a:srgbClr val="FFFFFF"/>
+                </a:solidFill>
+                <a:latin typeface="Helvetica Light"/>
+                <a:ea typeface="Helvetica Light"/>
+                <a:cs typeface="Helvetica Light"/>
+                <a:sym typeface="Helvetica Light"/>
+              </a:defRPr>
+            </a:lvl1pPr>
+          </a:lstStyle>
+          <a:p>
+            <a:endParaRPr lang="en-US" altLang="zh-CN" sz="1200" dirty="0">
+              <a:solidFill>
+                <a:schemeClr val="bg1"/>
+              </a:solidFill>
+              <a:latin typeface="微软雅黑" panose="020B0503020204020204" pitchFamily="34" charset="-122"/>
+              <a:ea typeface="微软雅黑" panose="020B0503020204020204" pitchFamily="34" charset="-122"/>
+            </a:endParaRPr>
+          </a:p>
+          <a:p>
+            <a:r>
+              <a:rPr lang="en-US" altLang="zh-CN" sz="1200" dirty="0">
+                <a:solidFill>
+                  <a:schemeClr val="bg1"/>
+                </a:solidFill>
+                <a:latin typeface="微软雅黑" panose="020B0503020204020204" pitchFamily="34" charset="-122"/>
+                <a:ea typeface="微软雅黑" panose="020B0503020204020204" pitchFamily="34" charset="-122"/>
+              </a:rPr>
+              <a:t>generic invoke</a:t>
+            </a:r>
+          </a:p>
+          <a:p>
+            <a:endParaRPr lang="zh-CN" altLang="en-US" sz="1200" dirty="0">
+              <a:solidFill>
+                <a:schemeClr val="bg1"/>
+              </a:solidFill>
+              <a:latin typeface="微软雅黑" panose="020B0503020204020204" pitchFamily="34" charset="-122"/>
+              <a:ea typeface="微软雅黑" panose="020B0503020204020204" pitchFamily="34" charset="-122"/>
+            </a:endParaRPr>
+          </a:p>
+        </p:txBody>
+      </p:sp>
+      <p:sp>
+        <p:nvSpPr>
+          <p:cNvPr id="87" name="zk">
+            <a:extLst>
+              <a:ext uri="{FF2B5EF4-FFF2-40B4-BE49-F238E27FC236}">
+                <a16:creationId xmlns:a16="http://schemas.microsoft.com/office/drawing/2014/main" id="{F9571B82-8FB9-49EE-9157-E27291B836C0}"/>
+              </a:ext>
+            </a:extLst>
+          </p:cNvPr>
+          <p:cNvSpPr/>
+          <p:nvPr/>
+        </p:nvSpPr>
+        <p:spPr>
+          <a:xfrm>
+            <a:off x="7936819" y="5468682"/>
+            <a:ext cx="1401454" cy="313529"/>
+          </a:xfrm>
+          <a:prstGeom prst="roundRect">
+            <a:avLst/>
+          </a:prstGeom>
+          <a:noFill/>
+          <a:ln w="19050" cap="flat">
+            <a:solidFill>
+              <a:schemeClr val="tx2">
+                <a:lumMod val="60000"/>
+                <a:lumOff val="40000"/>
+              </a:schemeClr>
+            </a:solidFill>
+            <a:miter lim="400000"/>
+          </a:ln>
+          <a:effectLst>
+            <a:outerShdw blurRad="38100" dist="25400" dir="5400000" rotWithShape="0">
+              <a:srgbClr val="000000">
+                <a:alpha val="50000"/>
+              </a:srgbClr>
+            </a:outerShdw>
+          </a:effectLst>
+          <a:extLst>
+            <a:ext uri="{C572A759-6A51-4108-AA02-DFA0A04FC94B}">
+              <ma14:wrappingTextBoxFlag xmlns:ma14="http://schemas.microsoft.com/office/mac/drawingml/2011/main" xmlns:a14="http://schemas.microsoft.com/office/drawing/2010/main" xmlns:m="http://schemas.openxmlformats.org/officeDocument/2006/math" xmlns="" val="1"/>
+            </a:ext>
+          </a:extLst>
+        </p:spPr>
+        <p:txBody>
+          <a:bodyPr wrap="square" lIns="50800" tIns="50800" rIns="50800" bIns="50800" numCol="1" anchor="ctr">
+            <a:noAutofit/>
+          </a:bodyPr>
+          <a:lstStyle>
+            <a:lvl1pPr>
+              <a:defRPr b="0">
+                <a:solidFill>
+                  <a:srgbClr val="FFFFFF"/>
+                </a:solidFill>
+                <a:latin typeface="Helvetica Light"/>
+                <a:ea typeface="Helvetica Light"/>
+                <a:cs typeface="Helvetica Light"/>
+                <a:sym typeface="Helvetica Light"/>
+              </a:defRPr>
+            </a:lvl1pPr>
+          </a:lstStyle>
+          <a:p>
+            <a:r>
+              <a:rPr lang="en-US" altLang="zh-CN" sz="1200" dirty="0">
+                <a:solidFill>
+                  <a:schemeClr val="bg1"/>
+                </a:solidFill>
+                <a:latin typeface="微软雅黑" panose="020B0503020204020204" pitchFamily="34" charset="-122"/>
+                <a:ea typeface="微软雅黑" panose="020B0503020204020204" pitchFamily="34" charset="-122"/>
+              </a:rPr>
+              <a:t>…</a:t>
+            </a:r>
+            <a:endParaRPr sz="1200" dirty="0">
+              <a:solidFill>
+                <a:schemeClr val="bg1"/>
+              </a:solidFill>
+              <a:latin typeface="微软雅黑" panose="020B0503020204020204" pitchFamily="34" charset="-122"/>
+              <a:ea typeface="微软雅黑" panose="020B0503020204020204" pitchFamily="34" charset="-122"/>
+            </a:endParaRPr>
+          </a:p>
+        </p:txBody>
+      </p:sp>
+      <p:sp>
+        <p:nvSpPr>
+          <p:cNvPr id="88" name="Registries">
+            <a:extLst>
+              <a:ext uri="{FF2B5EF4-FFF2-40B4-BE49-F238E27FC236}">
+                <a16:creationId xmlns:a16="http://schemas.microsoft.com/office/drawing/2014/main" id="{CC95B9AB-41F0-492A-88BC-C43AA34D7F2E}"/>
+              </a:ext>
+            </a:extLst>
+          </p:cNvPr>
+          <p:cNvSpPr/>
+          <p:nvPr/>
+        </p:nvSpPr>
+        <p:spPr>
+          <a:xfrm>
+            <a:off x="10251350" y="3119240"/>
+            <a:ext cx="1728478" cy="3212664"/>
+          </a:xfrm>
+          <a:prstGeom prst="roundRect">
+            <a:avLst>
+              <a:gd name="adj" fmla="val 7483"/>
+            </a:avLst>
+          </a:prstGeom>
+          <a:noFill/>
+          <a:ln w="12700" cap="flat">
+            <a:solidFill>
+              <a:schemeClr val="tx2">
+                <a:lumMod val="75000"/>
+              </a:schemeClr>
+            </a:solidFill>
+            <a:prstDash val="dashDot"/>
+            <a:miter lim="400000"/>
+          </a:ln>
+          <a:effectLst>
+            <a:outerShdw blurRad="38100" dist="25400" dir="5400000" rotWithShape="0">
+              <a:srgbClr val="000000">
+                <a:alpha val="50000"/>
+              </a:srgbClr>
+            </a:outerShdw>
+          </a:effectLst>
+          <a:extLst>
+            <a:ext uri="{C572A759-6A51-4108-AA02-DFA0A04FC94B}">
+              <ma14:wrappingTextBoxFlag xmlns:ma14="http://schemas.microsoft.com/office/mac/drawingml/2011/main" xmlns:a14="http://schemas.microsoft.com/office/drawing/2010/main" xmlns:m="http://schemas.openxmlformats.org/officeDocument/2006/math" xmlns="" val="1"/>
+            </a:ext>
+          </a:extLst>
+        </p:spPr>
+        <p:txBody>
+          <a:bodyPr wrap="square" lIns="50800" tIns="50800" rIns="50800" bIns="50800" numCol="1" anchor="t">
+            <a:noAutofit/>
+          </a:bodyPr>
           <a:lstStyle/>
           <a:p>
-            <a:endParaRPr b="0">
+            <a:pPr algn="r"/>
+            <a:endParaRPr dirty="0">
               <a:solidFill>
                 <a:schemeClr val="tx1"/>
               </a:solidFill>
@@ -14252,48 +13076,712 @@
       </p:sp>
       <p:sp>
         <p:nvSpPr>
-          <p:cNvPr id="214" name="Line"/>
+          <p:cNvPr id="89" name="zk">
+            <a:extLst>
+              <a:ext uri="{FF2B5EF4-FFF2-40B4-BE49-F238E27FC236}">
+                <a16:creationId xmlns:a16="http://schemas.microsoft.com/office/drawing/2014/main" id="{D9F08055-02E3-4A59-B222-027EB2E72F90}"/>
+              </a:ext>
+            </a:extLst>
+          </p:cNvPr>
           <p:cNvSpPr/>
           <p:nvPr/>
         </p:nvSpPr>
         <p:spPr>
-          <a:xfrm flipV="1">
-            <a:off x="4707322" y="2025305"/>
-            <a:ext cx="1413642" cy="927727"/>
+          <a:xfrm>
+            <a:off x="10637816" y="3373521"/>
+            <a:ext cx="890337" cy="313529"/>
           </a:xfrm>
-          <a:prstGeom prst="line">
+          <a:prstGeom prst="roundRect">
             <a:avLst/>
           </a:prstGeom>
-          <a:ln w="38100">
+          <a:solidFill>
+            <a:schemeClr val="tx2">
+              <a:lumMod val="75000"/>
+            </a:schemeClr>
+          </a:solidFill>
+          <a:ln w="19050" cap="flat">
+            <a:solidFill>
+              <a:schemeClr val="tx2">
+                <a:lumMod val="60000"/>
+                <a:lumOff val="40000"/>
+              </a:schemeClr>
+            </a:solidFill>
+            <a:miter lim="400000"/>
+          </a:ln>
+          <a:effectLst>
+            <a:outerShdw blurRad="38100" dist="25400" dir="5400000" rotWithShape="0">
+              <a:srgbClr val="000000">
+                <a:alpha val="50000"/>
+              </a:srgbClr>
+            </a:outerShdw>
+          </a:effectLst>
+          <a:extLst>
+            <a:ext uri="{C572A759-6A51-4108-AA02-DFA0A04FC94B}">
+              <ma14:wrappingTextBoxFlag xmlns:ma14="http://schemas.microsoft.com/office/mac/drawingml/2011/main" xmlns:a14="http://schemas.microsoft.com/office/drawing/2010/main" xmlns:m="http://schemas.openxmlformats.org/officeDocument/2006/math" xmlns="" val="1"/>
+            </a:ext>
+          </a:extLst>
+        </p:spPr>
+        <p:txBody>
+          <a:bodyPr wrap="square" lIns="50800" tIns="50800" rIns="50800" bIns="50800" numCol="1" anchor="ctr">
+            <a:noAutofit/>
+          </a:bodyPr>
+          <a:lstStyle>
+            <a:lvl1pPr>
+              <a:defRPr b="0">
+                <a:solidFill>
+                  <a:srgbClr val="FFFFFF"/>
+                </a:solidFill>
+                <a:latin typeface="Helvetica Light"/>
+                <a:ea typeface="Helvetica Light"/>
+                <a:cs typeface="Helvetica Light"/>
+                <a:sym typeface="Helvetica Light"/>
+              </a:defRPr>
+            </a:lvl1pPr>
+          </a:lstStyle>
+          <a:p>
+            <a:r>
+              <a:rPr lang="en-US" altLang="zh-CN" sz="1200" dirty="0">
+                <a:solidFill>
+                  <a:schemeClr val="bg1"/>
+                </a:solidFill>
+                <a:latin typeface="微软雅黑" panose="020B0503020204020204" pitchFamily="34" charset="-122"/>
+                <a:ea typeface="微软雅黑" panose="020B0503020204020204" pitchFamily="34" charset="-122"/>
+              </a:rPr>
+              <a:t>grpc</a:t>
+            </a:r>
+            <a:endParaRPr sz="1200" dirty="0">
+              <a:solidFill>
+                <a:schemeClr val="bg1"/>
+              </a:solidFill>
+              <a:latin typeface="微软雅黑" panose="020B0503020204020204" pitchFamily="34" charset="-122"/>
+              <a:ea typeface="微软雅黑" panose="020B0503020204020204" pitchFamily="34" charset="-122"/>
+            </a:endParaRPr>
+          </a:p>
+        </p:txBody>
+      </p:sp>
+      <p:sp>
+        <p:nvSpPr>
+          <p:cNvPr id="90" name="zk">
+            <a:extLst>
+              <a:ext uri="{FF2B5EF4-FFF2-40B4-BE49-F238E27FC236}">
+                <a16:creationId xmlns:a16="http://schemas.microsoft.com/office/drawing/2014/main" id="{AD35A852-06AF-4480-96DA-8E4098C81A73}"/>
+              </a:ext>
+            </a:extLst>
+          </p:cNvPr>
+          <p:cNvSpPr/>
+          <p:nvPr/>
+        </p:nvSpPr>
+        <p:spPr>
+          <a:xfrm>
+            <a:off x="10637816" y="3888851"/>
+            <a:ext cx="890337" cy="313529"/>
+          </a:xfrm>
+          <a:prstGeom prst="roundRect">
+            <a:avLst/>
+          </a:prstGeom>
+          <a:solidFill>
+            <a:schemeClr val="tx2">
+              <a:lumMod val="75000"/>
+            </a:schemeClr>
+          </a:solidFill>
+          <a:ln w="19050" cap="flat">
+            <a:solidFill>
+              <a:schemeClr val="tx2">
+                <a:lumMod val="60000"/>
+                <a:lumOff val="40000"/>
+              </a:schemeClr>
+            </a:solidFill>
+            <a:miter lim="400000"/>
+          </a:ln>
+          <a:effectLst>
+            <a:outerShdw blurRad="38100" dist="25400" dir="5400000" rotWithShape="0">
+              <a:srgbClr val="000000">
+                <a:alpha val="50000"/>
+              </a:srgbClr>
+            </a:outerShdw>
+          </a:effectLst>
+          <a:extLst>
+            <a:ext uri="{C572A759-6A51-4108-AA02-DFA0A04FC94B}">
+              <ma14:wrappingTextBoxFlag xmlns:ma14="http://schemas.microsoft.com/office/mac/drawingml/2011/main" xmlns:a14="http://schemas.microsoft.com/office/drawing/2010/main" xmlns:m="http://schemas.openxmlformats.org/officeDocument/2006/math" xmlns="" val="1"/>
+            </a:ext>
+          </a:extLst>
+        </p:spPr>
+        <p:txBody>
+          <a:bodyPr wrap="square" lIns="50800" tIns="50800" rIns="50800" bIns="50800" numCol="1" anchor="ctr">
+            <a:noAutofit/>
+          </a:bodyPr>
+          <a:lstStyle>
+            <a:lvl1pPr>
+              <a:defRPr b="0">
+                <a:solidFill>
+                  <a:srgbClr val="FFFFFF"/>
+                </a:solidFill>
+                <a:latin typeface="Helvetica Light"/>
+                <a:ea typeface="Helvetica Light"/>
+                <a:cs typeface="Helvetica Light"/>
+                <a:sym typeface="Helvetica Light"/>
+              </a:defRPr>
+            </a:lvl1pPr>
+          </a:lstStyle>
+          <a:p>
+            <a:r>
+              <a:rPr lang="en-US" altLang="zh-CN" sz="1200" dirty="0">
+                <a:solidFill>
+                  <a:schemeClr val="bg1"/>
+                </a:solidFill>
+                <a:latin typeface="微软雅黑" panose="020B0503020204020204" pitchFamily="34" charset="-122"/>
+                <a:ea typeface="微软雅黑" panose="020B0503020204020204" pitchFamily="34" charset="-122"/>
+              </a:rPr>
+              <a:t>jsonrpc</a:t>
+            </a:r>
+            <a:endParaRPr sz="1200" dirty="0">
+              <a:solidFill>
+                <a:schemeClr val="bg1"/>
+              </a:solidFill>
+              <a:latin typeface="微软雅黑" panose="020B0503020204020204" pitchFamily="34" charset="-122"/>
+              <a:ea typeface="微软雅黑" panose="020B0503020204020204" pitchFamily="34" charset="-122"/>
+            </a:endParaRPr>
+          </a:p>
+        </p:txBody>
+      </p:sp>
+      <p:sp>
+        <p:nvSpPr>
+          <p:cNvPr id="91" name="zk">
+            <a:extLst>
+              <a:ext uri="{FF2B5EF4-FFF2-40B4-BE49-F238E27FC236}">
+                <a16:creationId xmlns:a16="http://schemas.microsoft.com/office/drawing/2014/main" id="{2EB3FE8D-BC2A-431A-B2BC-A782B7C1B7D1}"/>
+              </a:ext>
+            </a:extLst>
+          </p:cNvPr>
+          <p:cNvSpPr/>
+          <p:nvPr/>
+        </p:nvSpPr>
+        <p:spPr>
+          <a:xfrm>
+            <a:off x="10637816" y="4404181"/>
+            <a:ext cx="890337" cy="313529"/>
+          </a:xfrm>
+          <a:prstGeom prst="roundRect">
+            <a:avLst/>
+          </a:prstGeom>
+          <a:solidFill>
+            <a:schemeClr val="tx2">
+              <a:lumMod val="75000"/>
+            </a:schemeClr>
+          </a:solidFill>
+          <a:ln w="19050" cap="flat">
+            <a:solidFill>
+              <a:schemeClr val="tx2">
+                <a:lumMod val="60000"/>
+                <a:lumOff val="40000"/>
+              </a:schemeClr>
+            </a:solidFill>
+            <a:miter lim="400000"/>
+          </a:ln>
+          <a:effectLst>
+            <a:outerShdw blurRad="38100" dist="25400" dir="5400000" rotWithShape="0">
+              <a:srgbClr val="000000">
+                <a:alpha val="50000"/>
+              </a:srgbClr>
+            </a:outerShdw>
+          </a:effectLst>
+          <a:extLst>
+            <a:ext uri="{C572A759-6A51-4108-AA02-DFA0A04FC94B}">
+              <ma14:wrappingTextBoxFlag xmlns:ma14="http://schemas.microsoft.com/office/mac/drawingml/2011/main" xmlns:a14="http://schemas.microsoft.com/office/drawing/2010/main" xmlns:m="http://schemas.openxmlformats.org/officeDocument/2006/math" xmlns="" val="1"/>
+            </a:ext>
+          </a:extLst>
+        </p:spPr>
+        <p:txBody>
+          <a:bodyPr wrap="square" lIns="50800" tIns="50800" rIns="50800" bIns="50800" numCol="1" anchor="ctr">
+            <a:noAutofit/>
+          </a:bodyPr>
+          <a:lstStyle>
+            <a:lvl1pPr>
+              <a:defRPr b="0">
+                <a:solidFill>
+                  <a:srgbClr val="FFFFFF"/>
+                </a:solidFill>
+                <a:latin typeface="Helvetica Light"/>
+                <a:ea typeface="Helvetica Light"/>
+                <a:cs typeface="Helvetica Light"/>
+                <a:sym typeface="Helvetica Light"/>
+              </a:defRPr>
+            </a:lvl1pPr>
+          </a:lstStyle>
+          <a:p>
+            <a:r>
+              <a:rPr lang="en-US" altLang="zh-CN" sz="1200" dirty="0">
+                <a:solidFill>
+                  <a:schemeClr val="bg1"/>
+                </a:solidFill>
+                <a:latin typeface="微软雅黑" panose="020B0503020204020204" pitchFamily="34" charset="-122"/>
+                <a:ea typeface="微软雅黑" panose="020B0503020204020204" pitchFamily="34" charset="-122"/>
+              </a:rPr>
+              <a:t>rest</a:t>
+            </a:r>
+            <a:endParaRPr sz="1200" dirty="0">
+              <a:solidFill>
+                <a:schemeClr val="bg1"/>
+              </a:solidFill>
+              <a:latin typeface="微软雅黑" panose="020B0503020204020204" pitchFamily="34" charset="-122"/>
+              <a:ea typeface="微软雅黑" panose="020B0503020204020204" pitchFamily="34" charset="-122"/>
+            </a:endParaRPr>
+          </a:p>
+        </p:txBody>
+      </p:sp>
+      <p:sp>
+        <p:nvSpPr>
+          <p:cNvPr id="92" name="zk">
+            <a:extLst>
+              <a:ext uri="{FF2B5EF4-FFF2-40B4-BE49-F238E27FC236}">
+                <a16:creationId xmlns:a16="http://schemas.microsoft.com/office/drawing/2014/main" id="{CDC45883-1BF9-4246-B559-D2CE7255E158}"/>
+              </a:ext>
+            </a:extLst>
+          </p:cNvPr>
+          <p:cNvSpPr/>
+          <p:nvPr/>
+        </p:nvSpPr>
+        <p:spPr>
+          <a:xfrm>
+            <a:off x="10637816" y="4919510"/>
+            <a:ext cx="890337" cy="313529"/>
+          </a:xfrm>
+          <a:prstGeom prst="roundRect">
+            <a:avLst/>
+          </a:prstGeom>
+          <a:solidFill>
+            <a:schemeClr val="tx2">
+              <a:lumMod val="75000"/>
+            </a:schemeClr>
+          </a:solidFill>
+          <a:ln w="19050" cap="flat">
+            <a:solidFill>
+              <a:schemeClr val="tx2">
+                <a:lumMod val="60000"/>
+                <a:lumOff val="40000"/>
+              </a:schemeClr>
+            </a:solidFill>
+            <a:miter lim="400000"/>
+          </a:ln>
+          <a:effectLst>
+            <a:outerShdw blurRad="38100" dist="25400" dir="5400000" rotWithShape="0">
+              <a:srgbClr val="000000">
+                <a:alpha val="50000"/>
+              </a:srgbClr>
+            </a:outerShdw>
+          </a:effectLst>
+          <a:extLst>
+            <a:ext uri="{C572A759-6A51-4108-AA02-DFA0A04FC94B}">
+              <ma14:wrappingTextBoxFlag xmlns:ma14="http://schemas.microsoft.com/office/mac/drawingml/2011/main" xmlns:a14="http://schemas.microsoft.com/office/drawing/2010/main" xmlns:m="http://schemas.openxmlformats.org/officeDocument/2006/math" xmlns="" val="1"/>
+            </a:ext>
+          </a:extLst>
+        </p:spPr>
+        <p:txBody>
+          <a:bodyPr wrap="square" lIns="50800" tIns="50800" rIns="50800" bIns="50800" numCol="1" anchor="ctr">
+            <a:noAutofit/>
+          </a:bodyPr>
+          <a:lstStyle>
+            <a:lvl1pPr>
+              <a:defRPr b="0">
+                <a:solidFill>
+                  <a:srgbClr val="FFFFFF"/>
+                </a:solidFill>
+                <a:latin typeface="Helvetica Light"/>
+                <a:ea typeface="Helvetica Light"/>
+                <a:cs typeface="Helvetica Light"/>
+                <a:sym typeface="Helvetica Light"/>
+              </a:defRPr>
+            </a:lvl1pPr>
+          </a:lstStyle>
+          <a:p>
+            <a:r>
+              <a:rPr lang="en-US" altLang="zh-CN" sz="1200" dirty="0">
+                <a:solidFill>
+                  <a:schemeClr val="bg1"/>
+                </a:solidFill>
+                <a:latin typeface="微软雅黑" panose="020B0503020204020204" pitchFamily="34" charset="-122"/>
+                <a:ea typeface="微软雅黑" panose="020B0503020204020204" pitchFamily="34" charset="-122"/>
+              </a:rPr>
+              <a:t>dubbo</a:t>
+            </a:r>
+            <a:endParaRPr sz="1200" dirty="0">
+              <a:solidFill>
+                <a:schemeClr val="bg1"/>
+              </a:solidFill>
+              <a:latin typeface="微软雅黑" panose="020B0503020204020204" pitchFamily="34" charset="-122"/>
+              <a:ea typeface="微软雅黑" panose="020B0503020204020204" pitchFamily="34" charset="-122"/>
+            </a:endParaRPr>
+          </a:p>
+        </p:txBody>
+      </p:sp>
+      <p:cxnSp>
+        <p:nvCxnSpPr>
+          <p:cNvPr id="94" name="连接符: 肘形 93">
+            <a:extLst>
+              <a:ext uri="{FF2B5EF4-FFF2-40B4-BE49-F238E27FC236}">
+                <a16:creationId xmlns:a16="http://schemas.microsoft.com/office/drawing/2014/main" id="{3CA465CC-B393-4885-9A2A-F107A2B06493}"/>
+              </a:ext>
+            </a:extLst>
+          </p:cNvPr>
+          <p:cNvCxnSpPr>
+            <a:cxnSpLocks/>
+          </p:cNvCxnSpPr>
+          <p:nvPr/>
+        </p:nvCxnSpPr>
+        <p:spPr>
+          <a:xfrm rot="5400000" flipH="1" flipV="1">
+            <a:off x="13053468" y="990935"/>
+            <a:ext cx="182257" cy="4123225"/>
+          </a:xfrm>
+          <a:prstGeom prst="bentConnector2">
+            <a:avLst/>
+          </a:prstGeom>
+          <a:noFill/>
+          <a:ln w="25400" cap="flat">
             <a:solidFill>
               <a:schemeClr val="bg2">
                 <a:lumMod val="50000"/>
               </a:schemeClr>
             </a:solidFill>
-            <a:tailEnd type="triangle" w="med" len="med"/>
+            <a:prstDash val="solid"/>
+            <a:miter lim="400000"/>
           </a:ln>
+          <a:effectLst/>
+          <a:sp3d/>
         </p:spPr>
         <p:style>
-          <a:lnRef idx="1">
-            <a:schemeClr val="accent1"/>
+          <a:lnRef idx="0">
+            <a:scrgbClr r="0" g="0" b="0"/>
           </a:lnRef>
           <a:fillRef idx="0">
-            <a:schemeClr val="accent1"/>
+            <a:scrgbClr r="0" g="0" b="0"/>
           </a:fillRef>
           <a:effectRef idx="0">
-            <a:schemeClr val="accent1"/>
+            <a:scrgbClr r="0" g="0" b="0"/>
           </a:effectRef>
-          <a:fontRef idx="minor">
-            <a:schemeClr val="tx1"/>
-          </a:fontRef>
+          <a:fontRef idx="none"/>
         </p:style>
+      </p:cxnSp>
+      <p:pic>
+        <p:nvPicPr>
+          <p:cNvPr id="99" name="图片 98">
+            <a:extLst>
+              <a:ext uri="{FF2B5EF4-FFF2-40B4-BE49-F238E27FC236}">
+                <a16:creationId xmlns:a16="http://schemas.microsoft.com/office/drawing/2014/main" id="{06EB40BC-CEE1-44F3-BB77-4D4B03E3C2E2}"/>
+              </a:ext>
+            </a:extLst>
+          </p:cNvPr>
+          <p:cNvPicPr>
+            <a:picLocks noChangeAspect="1"/>
+          </p:cNvPicPr>
+          <p:nvPr/>
+        </p:nvPicPr>
+        <p:blipFill>
+          <a:blip r:embed="rId6">
+            <a:extLst>
+              <a:ext uri="{28A0092B-C50C-407E-A947-70E740481C1C}">
+                <a14:useLocalDpi xmlns:a14="http://schemas.microsoft.com/office/drawing/2010/main" val="0"/>
+              </a:ext>
+            </a:extLst>
+          </a:blip>
+          <a:stretch>
+            <a:fillRect/>
+          </a:stretch>
+        </p:blipFill>
+        <p:spPr>
+          <a:xfrm>
+            <a:off x="15462032" y="2466476"/>
+            <a:ext cx="457200" cy="457200"/>
+          </a:xfrm>
+          <a:prstGeom prst="rect">
+            <a:avLst/>
+          </a:prstGeom>
+        </p:spPr>
+      </p:pic>
+      <p:sp>
+        <p:nvSpPr>
+          <p:cNvPr id="100" name="文本框 99">
+            <a:extLst>
+              <a:ext uri="{FF2B5EF4-FFF2-40B4-BE49-F238E27FC236}">
+                <a16:creationId xmlns:a16="http://schemas.microsoft.com/office/drawing/2014/main" id="{820ED12D-B911-484C-BE7F-2B7A0BB64B82}"/>
+              </a:ext>
+            </a:extLst>
+          </p:cNvPr>
+          <p:cNvSpPr txBox="1"/>
+          <p:nvPr/>
+        </p:nvSpPr>
+        <p:spPr>
+          <a:xfrm>
+            <a:off x="15121412" y="2923676"/>
+            <a:ext cx="1136084" cy="287258"/>
+          </a:xfrm>
+          <a:prstGeom prst="rect">
+            <a:avLst/>
+          </a:prstGeom>
+          <a:noFill/>
+          <a:ln w="12700" cap="flat">
+            <a:noFill/>
+            <a:miter lim="400000"/>
+          </a:ln>
+          <a:effectLst/>
+          <a:sp3d/>
+        </p:spPr>
+        <p:style>
+          <a:lnRef idx="0">
+            <a:scrgbClr r="0" g="0" b="0"/>
+          </a:lnRef>
+          <a:fillRef idx="0">
+            <a:scrgbClr r="0" g="0" b="0"/>
+          </a:fillRef>
+          <a:effectRef idx="0">
+            <a:scrgbClr r="0" g="0" b="0"/>
+          </a:effectRef>
+          <a:fontRef idx="none"/>
+        </p:style>
+        <p:txBody>
+          <a:bodyPr rot="0" spcFirstLastPara="1" vertOverflow="overflow" horzOverflow="overflow" vert="horz" wrap="square" lIns="50800" tIns="50800" rIns="50800" bIns="50800" numCol="1" spcCol="38100" rtlCol="0" anchor="ctr">
+            <a:spAutoFit/>
+          </a:bodyPr>
+          <a:lstStyle/>
+          <a:p>
+            <a:pPr marL="0" marR="0" indent="0" algn="ctr" defTabSz="584200" rtl="0" fontAlgn="auto" latinLnBrk="0" hangingPunct="0">
+              <a:lnSpc>
+                <a:spcPct val="100000"/>
+              </a:lnSpc>
+              <a:spcBef>
+                <a:spcPts val="0"/>
+              </a:spcBef>
+              <a:spcAft>
+                <a:spcPts val="0"/>
+              </a:spcAft>
+              <a:buClrTx/>
+              <a:buSzTx/>
+              <a:buFontTx/>
+              <a:buNone/>
+              <a:tabLst/>
+            </a:pPr>
+            <a:r>
+              <a:rPr kumimoji="0" lang="en-US" altLang="zh-CN" sz="1200" b="1" i="0" u="none" strike="noStrike" cap="none" spc="0" normalizeH="0" baseline="0" dirty="0">
+                <a:ln>
+                  <a:noFill/>
+                </a:ln>
+                <a:solidFill>
+                  <a:schemeClr val="bg2">
+                    <a:lumMod val="75000"/>
+                  </a:schemeClr>
+                </a:solidFill>
+                <a:effectLst/>
+                <a:uFillTx/>
+                <a:latin typeface="Helvetica Neue"/>
+                <a:ea typeface="Helvetica Neue"/>
+                <a:cs typeface="Helvetica Neue"/>
+                <a:sym typeface="Helvetica Neue"/>
+              </a:rPr>
+              <a:t>protocol</a:t>
+            </a:r>
+            <a:endParaRPr kumimoji="0" lang="zh-CN" altLang="en-US" sz="1200" b="1" i="0" u="none" strike="noStrike" cap="none" spc="0" normalizeH="0" baseline="0" dirty="0">
+              <a:ln>
+                <a:noFill/>
+              </a:ln>
+              <a:solidFill>
+                <a:schemeClr val="bg2">
+                  <a:lumMod val="75000"/>
+                </a:schemeClr>
+              </a:solidFill>
+              <a:effectLst/>
+              <a:uFillTx/>
+              <a:latin typeface="Helvetica Neue"/>
+              <a:ea typeface="Helvetica Neue"/>
+              <a:cs typeface="Helvetica Neue"/>
+              <a:sym typeface="Helvetica Neue"/>
+            </a:endParaRPr>
+          </a:p>
+        </p:txBody>
+      </p:sp>
+      <p:cxnSp>
+        <p:nvCxnSpPr>
+          <p:cNvPr id="108" name="连接符: 肘形 107">
+            <a:extLst>
+              <a:ext uri="{FF2B5EF4-FFF2-40B4-BE49-F238E27FC236}">
+                <a16:creationId xmlns:a16="http://schemas.microsoft.com/office/drawing/2014/main" id="{88F502C1-1048-4044-A5B1-6180161BFA49}"/>
+              </a:ext>
+            </a:extLst>
+          </p:cNvPr>
+          <p:cNvCxnSpPr>
+            <a:cxnSpLocks/>
+          </p:cNvCxnSpPr>
+          <p:nvPr/>
+        </p:nvCxnSpPr>
+        <p:spPr>
+          <a:xfrm rot="10800000" flipV="1">
+            <a:off x="1889099" y="4079830"/>
+            <a:ext cx="4496109" cy="534717"/>
+          </a:xfrm>
+          <a:prstGeom prst="bentConnector3">
+            <a:avLst>
+              <a:gd name="adj1" fmla="val -41"/>
+            </a:avLst>
+          </a:prstGeom>
+          <a:noFill/>
+          <a:ln w="25400" cap="flat">
+            <a:solidFill>
+              <a:schemeClr val="bg2">
+                <a:lumMod val="50000"/>
+              </a:schemeClr>
+            </a:solidFill>
+            <a:prstDash val="solid"/>
+            <a:miter lim="400000"/>
+          </a:ln>
+          <a:effectLst/>
+          <a:sp3d/>
+        </p:spPr>
+        <p:style>
+          <a:lnRef idx="0">
+            <a:scrgbClr r="0" g="0" b="0"/>
+          </a:lnRef>
+          <a:fillRef idx="0">
+            <a:scrgbClr r="0" g="0" b="0"/>
+          </a:fillRef>
+          <a:effectRef idx="0">
+            <a:scrgbClr r="0" g="0" b="0"/>
+          </a:effectRef>
+          <a:fontRef idx="none"/>
+        </p:style>
+      </p:cxnSp>
+      <p:sp>
+        <p:nvSpPr>
+          <p:cNvPr id="117" name="zk">
+            <a:extLst>
+              <a:ext uri="{FF2B5EF4-FFF2-40B4-BE49-F238E27FC236}">
+                <a16:creationId xmlns:a16="http://schemas.microsoft.com/office/drawing/2014/main" id="{8DC51586-BC76-4973-B160-FD1D36E6257D}"/>
+              </a:ext>
+            </a:extLst>
+          </p:cNvPr>
+          <p:cNvSpPr/>
+          <p:nvPr/>
+        </p:nvSpPr>
+        <p:spPr>
+          <a:xfrm>
+            <a:off x="10639720" y="5422752"/>
+            <a:ext cx="890337" cy="313529"/>
+          </a:xfrm>
+          <a:prstGeom prst="roundRect">
+            <a:avLst/>
+          </a:prstGeom>
+          <a:noFill/>
+          <a:ln w="19050" cap="flat">
+            <a:solidFill>
+              <a:schemeClr val="tx2">
+                <a:lumMod val="60000"/>
+                <a:lumOff val="40000"/>
+              </a:schemeClr>
+            </a:solidFill>
+            <a:miter lim="400000"/>
+          </a:ln>
+          <a:effectLst>
+            <a:outerShdw blurRad="38100" dist="25400" dir="5400000" rotWithShape="0">
+              <a:srgbClr val="000000">
+                <a:alpha val="50000"/>
+              </a:srgbClr>
+            </a:outerShdw>
+          </a:effectLst>
+          <a:extLst>
+            <a:ext uri="{C572A759-6A51-4108-AA02-DFA0A04FC94B}">
+              <ma14:wrappingTextBoxFlag xmlns:ma14="http://schemas.microsoft.com/office/mac/drawingml/2011/main" xmlns:a14="http://schemas.microsoft.com/office/drawing/2010/main" xmlns:m="http://schemas.openxmlformats.org/officeDocument/2006/math" xmlns="" val="1"/>
+            </a:ext>
+          </a:extLst>
+        </p:spPr>
         <p:txBody>
           <a:bodyPr wrap="square" lIns="50800" tIns="50800" rIns="50800" bIns="50800" numCol="1" anchor="ctr">
             <a:noAutofit/>
           </a:bodyPr>
+          <a:lstStyle>
+            <a:lvl1pPr>
+              <a:defRPr b="0">
+                <a:solidFill>
+                  <a:srgbClr val="FFFFFF"/>
+                </a:solidFill>
+                <a:latin typeface="Helvetica Light"/>
+                <a:ea typeface="Helvetica Light"/>
+                <a:cs typeface="Helvetica Light"/>
+                <a:sym typeface="Helvetica Light"/>
+              </a:defRPr>
+            </a:lvl1pPr>
+          </a:lstStyle>
+          <a:p>
+            <a:r>
+              <a:rPr lang="en-US" altLang="zh-CN" sz="1200" dirty="0">
+                <a:solidFill>
+                  <a:schemeClr val="bg1"/>
+                </a:solidFill>
+                <a:latin typeface="微软雅黑" panose="020B0503020204020204" pitchFamily="34" charset="-122"/>
+                <a:ea typeface="微软雅黑" panose="020B0503020204020204" pitchFamily="34" charset="-122"/>
+              </a:rPr>
+              <a:t>…</a:t>
+            </a:r>
+            <a:endParaRPr sz="1200" dirty="0">
+              <a:solidFill>
+                <a:schemeClr val="bg1"/>
+              </a:solidFill>
+              <a:latin typeface="微软雅黑" panose="020B0503020204020204" pitchFamily="34" charset="-122"/>
+              <a:ea typeface="微软雅黑" panose="020B0503020204020204" pitchFamily="34" charset="-122"/>
+            </a:endParaRPr>
+          </a:p>
+        </p:txBody>
+      </p:sp>
+      <p:sp>
+        <p:nvSpPr>
+          <p:cNvPr id="118" name="Registries">
+            <a:extLst>
+              <a:ext uri="{FF2B5EF4-FFF2-40B4-BE49-F238E27FC236}">
+                <a16:creationId xmlns:a16="http://schemas.microsoft.com/office/drawing/2014/main" id="{5F9C7DFD-A3F7-48EB-A7DB-E76DBF9D1282}"/>
+              </a:ext>
+            </a:extLst>
+          </p:cNvPr>
+          <p:cNvSpPr/>
+          <p:nvPr/>
+        </p:nvSpPr>
+        <p:spPr>
+          <a:xfrm>
+            <a:off x="5753190" y="3119241"/>
+            <a:ext cx="1272127" cy="1002476"/>
+          </a:xfrm>
+          <a:prstGeom prst="roundRect">
+            <a:avLst>
+              <a:gd name="adj" fmla="val 7483"/>
+            </a:avLst>
+          </a:prstGeom>
+          <a:noFill/>
+          <a:ln w="12700" cap="flat">
+            <a:solidFill>
+              <a:schemeClr val="tx2">
+                <a:lumMod val="75000"/>
+              </a:schemeClr>
+            </a:solidFill>
+            <a:prstDash val="dashDot"/>
+            <a:miter lim="400000"/>
+          </a:ln>
+          <a:effectLst>
+            <a:outerShdw blurRad="38100" dist="25400" dir="5400000" rotWithShape="0">
+              <a:srgbClr val="000000">
+                <a:alpha val="50000"/>
+              </a:srgbClr>
+            </a:outerShdw>
+          </a:effectLst>
+          <a:extLst>
+            <a:ext uri="{C572A759-6A51-4108-AA02-DFA0A04FC94B}">
+              <ma14:wrappingTextBoxFlag xmlns:ma14="http://schemas.microsoft.com/office/mac/drawingml/2011/main" xmlns:a14="http://schemas.microsoft.com/office/drawing/2010/main" xmlns:m="http://schemas.openxmlformats.org/officeDocument/2006/math" xmlns="" val="1"/>
+            </a:ext>
+          </a:extLst>
+        </p:spPr>
+        <p:txBody>
+          <a:bodyPr wrap="square" lIns="50800" tIns="50800" rIns="50800" bIns="50800" numCol="1" anchor="t">
+            <a:noAutofit/>
+          </a:bodyPr>
           <a:lstStyle/>
           <a:p>
-            <a:endParaRPr b="0">
+            <a:pPr algn="r"/>
+            <a:endParaRPr dirty="0">
               <a:solidFill>
                 <a:schemeClr val="tx1"/>
               </a:solidFill>
@@ -14306,49 +13794,471 @@
       </p:sp>
       <p:sp>
         <p:nvSpPr>
-          <p:cNvPr id="215" name="Line"/>
+          <p:cNvPr id="121" name="zk">
+            <a:extLst>
+              <a:ext uri="{FF2B5EF4-FFF2-40B4-BE49-F238E27FC236}">
+                <a16:creationId xmlns:a16="http://schemas.microsoft.com/office/drawing/2014/main" id="{A95ED082-B194-40FD-9731-8A1A6A544D8A}"/>
+              </a:ext>
+            </a:extLst>
+          </p:cNvPr>
           <p:cNvSpPr/>
           <p:nvPr/>
         </p:nvSpPr>
         <p:spPr>
-          <a:xfrm flipV="1">
-            <a:off x="5332851" y="2019792"/>
-            <a:ext cx="1413642" cy="927727"/>
+          <a:xfrm>
+            <a:off x="5939251" y="3238701"/>
+            <a:ext cx="890337" cy="313529"/>
           </a:xfrm>
-          <a:prstGeom prst="line">
+          <a:prstGeom prst="roundRect">
             <a:avLst/>
           </a:prstGeom>
-          <a:ln w="38100">
+          <a:solidFill>
+            <a:schemeClr val="tx2">
+              <a:lumMod val="75000"/>
+            </a:schemeClr>
+          </a:solidFill>
+          <a:ln w="19050" cap="flat">
+            <a:solidFill>
+              <a:schemeClr val="tx2">
+                <a:lumMod val="60000"/>
+                <a:lumOff val="40000"/>
+              </a:schemeClr>
+            </a:solidFill>
+            <a:miter lim="400000"/>
+          </a:ln>
+          <a:effectLst>
+            <a:outerShdw blurRad="38100" dist="25400" dir="5400000" rotWithShape="0">
+              <a:srgbClr val="000000">
+                <a:alpha val="50000"/>
+              </a:srgbClr>
+            </a:outerShdw>
+          </a:effectLst>
+          <a:extLst>
+            <a:ext uri="{C572A759-6A51-4108-AA02-DFA0A04FC94B}">
+              <ma14:wrappingTextBoxFlag xmlns:ma14="http://schemas.microsoft.com/office/mac/drawingml/2011/main" xmlns:a14="http://schemas.microsoft.com/office/drawing/2010/main" xmlns:m="http://schemas.openxmlformats.org/officeDocument/2006/math" xmlns="" val="1"/>
+            </a:ext>
+          </a:extLst>
+        </p:spPr>
+        <p:txBody>
+          <a:bodyPr wrap="square" lIns="50800" tIns="50800" rIns="50800" bIns="50800" numCol="1" anchor="ctr">
+            <a:noAutofit/>
+          </a:bodyPr>
+          <a:lstStyle>
+            <a:lvl1pPr>
+              <a:defRPr b="0">
+                <a:solidFill>
+                  <a:srgbClr val="FFFFFF"/>
+                </a:solidFill>
+                <a:latin typeface="Helvetica Light"/>
+                <a:ea typeface="Helvetica Light"/>
+                <a:cs typeface="Helvetica Light"/>
+                <a:sym typeface="Helvetica Light"/>
+              </a:defRPr>
+            </a:lvl1pPr>
+          </a:lstStyle>
+          <a:p>
+            <a:r>
+              <a:rPr lang="en-US" altLang="zh-CN" sz="1200" dirty="0">
+                <a:solidFill>
+                  <a:schemeClr val="bg1"/>
+                </a:solidFill>
+                <a:latin typeface="微软雅黑" panose="020B0503020204020204" pitchFamily="34" charset="-122"/>
+                <a:ea typeface="微软雅黑" panose="020B0503020204020204" pitchFamily="34" charset="-122"/>
+              </a:rPr>
+              <a:t>condition</a:t>
+            </a:r>
+            <a:endParaRPr sz="1200" dirty="0">
+              <a:solidFill>
+                <a:schemeClr val="bg1"/>
+              </a:solidFill>
+              <a:latin typeface="微软雅黑" panose="020B0503020204020204" pitchFamily="34" charset="-122"/>
+              <a:ea typeface="微软雅黑" panose="020B0503020204020204" pitchFamily="34" charset="-122"/>
+            </a:endParaRPr>
+          </a:p>
+        </p:txBody>
+      </p:sp>
+      <p:sp>
+        <p:nvSpPr>
+          <p:cNvPr id="122" name="zk">
+            <a:extLst>
+              <a:ext uri="{FF2B5EF4-FFF2-40B4-BE49-F238E27FC236}">
+                <a16:creationId xmlns:a16="http://schemas.microsoft.com/office/drawing/2014/main" id="{C4BC27BD-EC07-417A-B43A-F54E784EB6C8}"/>
+              </a:ext>
+            </a:extLst>
+          </p:cNvPr>
+          <p:cNvSpPr/>
+          <p:nvPr/>
+        </p:nvSpPr>
+        <p:spPr>
+          <a:xfrm>
+            <a:off x="5939251" y="3681595"/>
+            <a:ext cx="890337" cy="313529"/>
+          </a:xfrm>
+          <a:prstGeom prst="roundRect">
+            <a:avLst/>
+          </a:prstGeom>
+          <a:noFill/>
+          <a:ln w="19050" cap="flat">
+            <a:solidFill>
+              <a:schemeClr val="tx2">
+                <a:lumMod val="60000"/>
+                <a:lumOff val="40000"/>
+              </a:schemeClr>
+            </a:solidFill>
+            <a:miter lim="400000"/>
+          </a:ln>
+          <a:effectLst>
+            <a:outerShdw blurRad="38100" dist="25400" dir="5400000" rotWithShape="0">
+              <a:srgbClr val="000000">
+                <a:alpha val="50000"/>
+              </a:srgbClr>
+            </a:outerShdw>
+          </a:effectLst>
+          <a:extLst>
+            <a:ext uri="{C572A759-6A51-4108-AA02-DFA0A04FC94B}">
+              <ma14:wrappingTextBoxFlag xmlns:ma14="http://schemas.microsoft.com/office/mac/drawingml/2011/main" xmlns:a14="http://schemas.microsoft.com/office/drawing/2010/main" xmlns:m="http://schemas.openxmlformats.org/officeDocument/2006/math" xmlns="" val="1"/>
+            </a:ext>
+          </a:extLst>
+        </p:spPr>
+        <p:txBody>
+          <a:bodyPr wrap="square" lIns="50800" tIns="50800" rIns="50800" bIns="50800" numCol="1" anchor="ctr">
+            <a:noAutofit/>
+          </a:bodyPr>
+          <a:lstStyle>
+            <a:lvl1pPr>
+              <a:defRPr b="0">
+                <a:solidFill>
+                  <a:srgbClr val="FFFFFF"/>
+                </a:solidFill>
+                <a:latin typeface="Helvetica Light"/>
+                <a:ea typeface="Helvetica Light"/>
+                <a:cs typeface="Helvetica Light"/>
+                <a:sym typeface="Helvetica Light"/>
+              </a:defRPr>
+            </a:lvl1pPr>
+          </a:lstStyle>
+          <a:p>
+            <a:r>
+              <a:rPr lang="en-US" altLang="zh-CN" sz="1200">
+                <a:solidFill>
+                  <a:schemeClr val="bg1"/>
+                </a:solidFill>
+                <a:latin typeface="微软雅黑" panose="020B0503020204020204" pitchFamily="34" charset="-122"/>
+                <a:ea typeface="微软雅黑" panose="020B0503020204020204" pitchFamily="34" charset="-122"/>
+              </a:rPr>
+              <a:t>…</a:t>
+            </a:r>
+            <a:endParaRPr sz="1200" dirty="0">
+              <a:solidFill>
+                <a:schemeClr val="bg1"/>
+              </a:solidFill>
+              <a:latin typeface="微软雅黑" panose="020B0503020204020204" pitchFamily="34" charset="-122"/>
+              <a:ea typeface="微软雅黑" panose="020B0503020204020204" pitchFamily="34" charset="-122"/>
+            </a:endParaRPr>
+          </a:p>
+        </p:txBody>
+      </p:sp>
+      <p:sp>
+        <p:nvSpPr>
+          <p:cNvPr id="127" name="文本框 126">
+            <a:extLst>
+              <a:ext uri="{FF2B5EF4-FFF2-40B4-BE49-F238E27FC236}">
+                <a16:creationId xmlns:a16="http://schemas.microsoft.com/office/drawing/2014/main" id="{832FF039-2318-42E6-BC1B-200686B97D64}"/>
+              </a:ext>
+            </a:extLst>
+          </p:cNvPr>
+          <p:cNvSpPr txBox="1"/>
+          <p:nvPr/>
+        </p:nvSpPr>
+        <p:spPr>
+          <a:xfrm>
+            <a:off x="1296913" y="4769223"/>
+            <a:ext cx="597921" cy="287258"/>
+          </a:xfrm>
+          <a:prstGeom prst="rect">
+            <a:avLst/>
+          </a:prstGeom>
+          <a:noFill/>
+          <a:ln w="12700" cap="flat">
+            <a:noFill/>
+            <a:miter lim="400000"/>
+          </a:ln>
+          <a:effectLst/>
+          <a:sp3d/>
+        </p:spPr>
+        <p:style>
+          <a:lnRef idx="0">
+            <a:scrgbClr r="0" g="0" b="0"/>
+          </a:lnRef>
+          <a:fillRef idx="0">
+            <a:scrgbClr r="0" g="0" b="0"/>
+          </a:fillRef>
+          <a:effectRef idx="0">
+            <a:scrgbClr r="0" g="0" b="0"/>
+          </a:effectRef>
+          <a:fontRef idx="none"/>
+        </p:style>
+        <p:txBody>
+          <a:bodyPr rot="0" spcFirstLastPara="1" vertOverflow="overflow" horzOverflow="overflow" vert="horz" wrap="none" lIns="50800" tIns="50800" rIns="50800" bIns="50800" numCol="1" spcCol="38100" rtlCol="0" anchor="ctr">
+            <a:spAutoFit/>
+          </a:bodyPr>
+          <a:lstStyle/>
+          <a:p>
+            <a:pPr marL="0" marR="0" indent="0" algn="ctr" defTabSz="584200" rtl="0" fontAlgn="auto" latinLnBrk="0" hangingPunct="0">
+              <a:lnSpc>
+                <a:spcPct val="100000"/>
+              </a:lnSpc>
+              <a:spcBef>
+                <a:spcPts val="0"/>
+              </a:spcBef>
+              <a:spcAft>
+                <a:spcPts val="0"/>
+              </a:spcAft>
+              <a:buClrTx/>
+              <a:buSzTx/>
+              <a:buFontTx/>
+              <a:buNone/>
+              <a:tabLst/>
+            </a:pPr>
+            <a:r>
+              <a:rPr kumimoji="0" lang="en-US" altLang="zh-CN" sz="1200" b="1" i="0" u="none" strike="noStrike" cap="none" spc="0" normalizeH="0" baseline="0" dirty="0">
+                <a:ln>
+                  <a:noFill/>
+                </a:ln>
+                <a:solidFill>
+                  <a:schemeClr val="bg2">
+                    <a:lumMod val="75000"/>
+                  </a:schemeClr>
+                </a:solidFill>
+                <a:effectLst/>
+                <a:uFillTx/>
+                <a:latin typeface="Helvetica Neue"/>
+                <a:ea typeface="Helvetica Neue"/>
+                <a:cs typeface="Helvetica Neue"/>
+                <a:sym typeface="Helvetica Neue"/>
+              </a:rPr>
+              <a:t>Router</a:t>
+            </a:r>
+            <a:endParaRPr kumimoji="0" lang="zh-CN" altLang="en-US" sz="1200" b="1" i="0" u="none" strike="noStrike" cap="none" spc="0" normalizeH="0" baseline="0" dirty="0">
+              <a:ln>
+                <a:noFill/>
+              </a:ln>
+              <a:solidFill>
+                <a:schemeClr val="bg2">
+                  <a:lumMod val="75000"/>
+                </a:schemeClr>
+              </a:solidFill>
+              <a:effectLst/>
+              <a:uFillTx/>
+              <a:latin typeface="Helvetica Neue"/>
+              <a:ea typeface="Helvetica Neue"/>
+              <a:cs typeface="Helvetica Neue"/>
+              <a:sym typeface="Helvetica Neue"/>
+            </a:endParaRPr>
+          </a:p>
+        </p:txBody>
+      </p:sp>
+      <p:cxnSp>
+        <p:nvCxnSpPr>
+          <p:cNvPr id="133" name="连接符: 肘形 132">
+            <a:extLst>
+              <a:ext uri="{FF2B5EF4-FFF2-40B4-BE49-F238E27FC236}">
+                <a16:creationId xmlns:a16="http://schemas.microsoft.com/office/drawing/2014/main" id="{B5C7E96B-663D-4C95-8E1F-916858A4DE3F}"/>
+              </a:ext>
+            </a:extLst>
+          </p:cNvPr>
+          <p:cNvCxnSpPr>
+            <a:cxnSpLocks/>
+          </p:cNvCxnSpPr>
+          <p:nvPr/>
+        </p:nvCxnSpPr>
+        <p:spPr>
+          <a:xfrm rot="5400000">
+            <a:off x="5095023" y="3020836"/>
+            <a:ext cx="387464" cy="6616956"/>
+          </a:xfrm>
+          <a:prstGeom prst="bentConnector2">
+            <a:avLst/>
+          </a:prstGeom>
+          <a:noFill/>
+          <a:ln w="25400" cap="flat">
             <a:solidFill>
               <a:schemeClr val="bg2">
                 <a:lumMod val="50000"/>
               </a:schemeClr>
             </a:solidFill>
-            <a:headEnd type="triangle" w="med" len="med"/>
-            <a:tailEnd type="none" w="med" len="med"/>
+            <a:prstDash val="solid"/>
+            <a:miter lim="400000"/>
           </a:ln>
+          <a:effectLst/>
+          <a:sp3d/>
         </p:spPr>
         <p:style>
-          <a:lnRef idx="1">
-            <a:schemeClr val="accent1"/>
+          <a:lnRef idx="0">
+            <a:scrgbClr r="0" g="0" b="0"/>
           </a:lnRef>
           <a:fillRef idx="0">
-            <a:schemeClr val="accent1"/>
+            <a:scrgbClr r="0" g="0" b="0"/>
           </a:fillRef>
           <a:effectRef idx="0">
-            <a:schemeClr val="accent1"/>
+            <a:scrgbClr r="0" g="0" b="0"/>
           </a:effectRef>
-          <a:fontRef idx="minor">
-            <a:schemeClr val="tx1"/>
-          </a:fontRef>
+          <a:fontRef idx="none"/>
+        </p:style>
+      </p:cxnSp>
+      <p:sp>
+        <p:nvSpPr>
+          <p:cNvPr id="134" name="文本框 133">
+            <a:extLst>
+              <a:ext uri="{FF2B5EF4-FFF2-40B4-BE49-F238E27FC236}">
+                <a16:creationId xmlns:a16="http://schemas.microsoft.com/office/drawing/2014/main" id="{C0C43D76-75CC-4756-8A94-D6EBD029F177}"/>
+              </a:ext>
+            </a:extLst>
+          </p:cNvPr>
+          <p:cNvSpPr txBox="1"/>
+          <p:nvPr/>
+        </p:nvSpPr>
+        <p:spPr>
+          <a:xfrm>
+            <a:off x="1302127" y="6686304"/>
+            <a:ext cx="479298" cy="287258"/>
+          </a:xfrm>
+          <a:prstGeom prst="rect">
+            <a:avLst/>
+          </a:prstGeom>
+          <a:noFill/>
+          <a:ln w="12700" cap="flat">
+            <a:noFill/>
+            <a:miter lim="400000"/>
+          </a:ln>
+          <a:effectLst/>
+          <a:sp3d/>
+        </p:spPr>
+        <p:style>
+          <a:lnRef idx="0">
+            <a:scrgbClr r="0" g="0" b="0"/>
+          </a:lnRef>
+          <a:fillRef idx="0">
+            <a:scrgbClr r="0" g="0" b="0"/>
+          </a:fillRef>
+          <a:effectRef idx="0">
+            <a:scrgbClr r="0" g="0" b="0"/>
+          </a:effectRef>
+          <a:fontRef idx="none"/>
         </p:style>
         <p:txBody>
-          <a:bodyPr wrap="square" lIns="50800" tIns="50800" rIns="50800" bIns="50800" numCol="1" anchor="ctr">
+          <a:bodyPr rot="0" spcFirstLastPara="1" vertOverflow="overflow" horzOverflow="overflow" vert="horz" wrap="none" lIns="50800" tIns="50800" rIns="50800" bIns="50800" numCol="1" spcCol="38100" rtlCol="0" anchor="ctr">
+            <a:spAutoFit/>
+          </a:bodyPr>
+          <a:lstStyle/>
+          <a:p>
+            <a:pPr marL="0" marR="0" indent="0" algn="ctr" defTabSz="584200" rtl="0" fontAlgn="auto" latinLnBrk="0" hangingPunct="0">
+              <a:lnSpc>
+                <a:spcPct val="100000"/>
+              </a:lnSpc>
+              <a:spcBef>
+                <a:spcPts val="0"/>
+              </a:spcBef>
+              <a:spcAft>
+                <a:spcPts val="0"/>
+              </a:spcAft>
+              <a:buClrTx/>
+              <a:buSzTx/>
+              <a:buFontTx/>
+              <a:buNone/>
+              <a:tabLst/>
+            </a:pPr>
+            <a:r>
+              <a:rPr kumimoji="0" lang="en-US" altLang="zh-CN" sz="1200" b="1" i="0" u="none" strike="noStrike" cap="none" spc="0" normalizeH="0" baseline="0" dirty="0">
+                <a:ln>
+                  <a:noFill/>
+                </a:ln>
+                <a:solidFill>
+                  <a:schemeClr val="bg2">
+                    <a:lumMod val="75000"/>
+                  </a:schemeClr>
+                </a:solidFill>
+                <a:effectLst/>
+                <a:uFillTx/>
+                <a:latin typeface="Helvetica Neue"/>
+                <a:ea typeface="Helvetica Neue"/>
+                <a:cs typeface="Helvetica Neue"/>
+                <a:sym typeface="Helvetica Neue"/>
+              </a:rPr>
+              <a:t>Filter</a:t>
+            </a:r>
+            <a:endParaRPr kumimoji="0" lang="zh-CN" altLang="en-US" sz="1200" b="1" i="0" u="none" strike="noStrike" cap="none" spc="0" normalizeH="0" baseline="0" dirty="0">
+              <a:ln>
+                <a:noFill/>
+              </a:ln>
+              <a:solidFill>
+                <a:schemeClr val="bg2">
+                  <a:lumMod val="75000"/>
+                </a:schemeClr>
+              </a:solidFill>
+              <a:effectLst/>
+              <a:uFillTx/>
+              <a:latin typeface="Helvetica Neue"/>
+              <a:ea typeface="Helvetica Neue"/>
+              <a:cs typeface="Helvetica Neue"/>
+              <a:sym typeface="Helvetica Neue"/>
+            </a:endParaRPr>
+          </a:p>
+        </p:txBody>
+      </p:sp>
+      <p:sp>
+        <p:nvSpPr>
+          <p:cNvPr id="136" name="Registries">
+            <a:extLst>
+              <a:ext uri="{FF2B5EF4-FFF2-40B4-BE49-F238E27FC236}">
+                <a16:creationId xmlns:a16="http://schemas.microsoft.com/office/drawing/2014/main" id="{45732B1A-14B6-4059-8C31-F51DF282A444}"/>
+              </a:ext>
+            </a:extLst>
+          </p:cNvPr>
+          <p:cNvSpPr/>
+          <p:nvPr/>
+        </p:nvSpPr>
+        <p:spPr>
+          <a:xfrm>
+            <a:off x="3154715" y="4908106"/>
+            <a:ext cx="2415908" cy="1421202"/>
+          </a:xfrm>
+          <a:prstGeom prst="roundRect">
+            <a:avLst>
+              <a:gd name="adj" fmla="val 7483"/>
+            </a:avLst>
+          </a:prstGeom>
+          <a:noFill/>
+          <a:ln w="12700" cap="flat">
+            <a:solidFill>
+              <a:schemeClr val="tx2">
+                <a:lumMod val="75000"/>
+              </a:schemeClr>
+            </a:solidFill>
+            <a:prstDash val="dashDot"/>
+            <a:miter lim="400000"/>
+          </a:ln>
+          <a:effectLst>
+            <a:outerShdw blurRad="38100" dist="25400" dir="5400000" rotWithShape="0">
+              <a:srgbClr val="000000">
+                <a:alpha val="50000"/>
+              </a:srgbClr>
+            </a:outerShdw>
+          </a:effectLst>
+          <a:extLst>
+            <a:ext uri="{C572A759-6A51-4108-AA02-DFA0A04FC94B}">
+              <ma14:wrappingTextBoxFlag xmlns:ma14="http://schemas.microsoft.com/office/mac/drawingml/2011/main" xmlns:a14="http://schemas.microsoft.com/office/drawing/2010/main" xmlns:m="http://schemas.openxmlformats.org/officeDocument/2006/math" xmlns="" val="1"/>
+            </a:ext>
+          </a:extLst>
+        </p:spPr>
+        <p:txBody>
+          <a:bodyPr wrap="square" lIns="50800" tIns="50800" rIns="50800" bIns="50800" numCol="1" anchor="t">
             <a:noAutofit/>
           </a:bodyPr>
           <a:lstStyle/>
           <a:p>
-            <a:endParaRPr b="0">
+            <a:pPr algn="r"/>
+            <a:endParaRPr dirty="0">
               <a:solidFill>
                 <a:schemeClr val="tx1"/>
               </a:solidFill>
@@ -14361,44 +14271,1785 @@
       </p:sp>
       <p:sp>
         <p:nvSpPr>
-          <p:cNvPr id="5" name="矩形 4"/>
+          <p:cNvPr id="141" name="zk">
+            <a:extLst>
+              <a:ext uri="{FF2B5EF4-FFF2-40B4-BE49-F238E27FC236}">
+                <a16:creationId xmlns:a16="http://schemas.microsoft.com/office/drawing/2014/main" id="{E8B3E0D3-2DFB-4552-81DC-A993545C36A9}"/>
+              </a:ext>
+            </a:extLst>
+          </p:cNvPr>
           <p:cNvSpPr/>
           <p:nvPr/>
         </p:nvSpPr>
         <p:spPr>
           <a:xfrm>
-            <a:off x="7542014" y="304816"/>
-            <a:ext cx="1709121" cy="461665"/>
+            <a:off x="3368707" y="5138725"/>
+            <a:ext cx="890337" cy="313529"/>
+          </a:xfrm>
+          <a:prstGeom prst="roundRect">
+            <a:avLst/>
+          </a:prstGeom>
+          <a:solidFill>
+            <a:schemeClr val="tx2">
+              <a:lumMod val="75000"/>
+            </a:schemeClr>
+          </a:solidFill>
+          <a:ln w="19050" cap="flat">
+            <a:solidFill>
+              <a:schemeClr val="tx2">
+                <a:lumMod val="60000"/>
+                <a:lumOff val="40000"/>
+              </a:schemeClr>
+            </a:solidFill>
+            <a:miter lim="400000"/>
+          </a:ln>
+          <a:effectLst>
+            <a:outerShdw blurRad="38100" dist="25400" dir="5400000" rotWithShape="0">
+              <a:srgbClr val="000000">
+                <a:alpha val="50000"/>
+              </a:srgbClr>
+            </a:outerShdw>
+          </a:effectLst>
+          <a:extLst>
+            <a:ext uri="{C572A759-6A51-4108-AA02-DFA0A04FC94B}">
+              <ma14:wrappingTextBoxFlag xmlns:ma14="http://schemas.microsoft.com/office/mac/drawingml/2011/main" xmlns:a14="http://schemas.microsoft.com/office/drawing/2010/main" xmlns:m="http://schemas.openxmlformats.org/officeDocument/2006/math" xmlns="" val="1"/>
+            </a:ext>
+          </a:extLst>
+        </p:spPr>
+        <p:txBody>
+          <a:bodyPr wrap="square" lIns="50800" tIns="50800" rIns="50800" bIns="50800" numCol="1" anchor="ctr">
+            <a:noAutofit/>
+          </a:bodyPr>
+          <a:lstStyle>
+            <a:lvl1pPr>
+              <a:defRPr b="0">
+                <a:solidFill>
+                  <a:srgbClr val="FFFFFF"/>
+                </a:solidFill>
+                <a:latin typeface="Helvetica Light"/>
+                <a:ea typeface="Helvetica Light"/>
+                <a:cs typeface="Helvetica Light"/>
+                <a:sym typeface="Helvetica Light"/>
+              </a:defRPr>
+            </a:lvl1pPr>
+          </a:lstStyle>
+          <a:p>
+            <a:r>
+              <a:rPr lang="en-US" altLang="zh-CN" sz="1200" dirty="0">
+                <a:solidFill>
+                  <a:schemeClr val="bg1"/>
+                </a:solidFill>
+                <a:latin typeface="微软雅黑" panose="020B0503020204020204" pitchFamily="34" charset="-122"/>
+                <a:ea typeface="微软雅黑" panose="020B0503020204020204" pitchFamily="34" charset="-122"/>
+              </a:rPr>
+              <a:t>grpc</a:t>
+            </a:r>
+            <a:endParaRPr sz="1200" dirty="0">
+              <a:solidFill>
+                <a:schemeClr val="bg1"/>
+              </a:solidFill>
+              <a:latin typeface="微软雅黑" panose="020B0503020204020204" pitchFamily="34" charset="-122"/>
+              <a:ea typeface="微软雅黑" panose="020B0503020204020204" pitchFamily="34" charset="-122"/>
+            </a:endParaRPr>
+          </a:p>
+        </p:txBody>
+      </p:sp>
+      <p:sp>
+        <p:nvSpPr>
+          <p:cNvPr id="142" name="zk">
+            <a:extLst>
+              <a:ext uri="{FF2B5EF4-FFF2-40B4-BE49-F238E27FC236}">
+                <a16:creationId xmlns:a16="http://schemas.microsoft.com/office/drawing/2014/main" id="{BC57CDB6-79B3-4A35-92B2-6F5E0BC98601}"/>
+              </a:ext>
+            </a:extLst>
+          </p:cNvPr>
+          <p:cNvSpPr/>
+          <p:nvPr/>
+        </p:nvSpPr>
+        <p:spPr>
+          <a:xfrm>
+            <a:off x="3368707" y="5774374"/>
+            <a:ext cx="890337" cy="313529"/>
+          </a:xfrm>
+          <a:prstGeom prst="roundRect">
+            <a:avLst/>
+          </a:prstGeom>
+          <a:solidFill>
+            <a:schemeClr val="tx2">
+              <a:lumMod val="75000"/>
+            </a:schemeClr>
+          </a:solidFill>
+          <a:ln w="19050" cap="flat">
+            <a:solidFill>
+              <a:schemeClr val="tx2">
+                <a:lumMod val="60000"/>
+                <a:lumOff val="40000"/>
+              </a:schemeClr>
+            </a:solidFill>
+            <a:miter lim="400000"/>
+          </a:ln>
+          <a:effectLst>
+            <a:outerShdw blurRad="38100" dist="25400" dir="5400000" rotWithShape="0">
+              <a:srgbClr val="000000">
+                <a:alpha val="50000"/>
+              </a:srgbClr>
+            </a:outerShdw>
+          </a:effectLst>
+          <a:extLst>
+            <a:ext uri="{C572A759-6A51-4108-AA02-DFA0A04FC94B}">
+              <ma14:wrappingTextBoxFlag xmlns:ma14="http://schemas.microsoft.com/office/mac/drawingml/2011/main" xmlns:a14="http://schemas.microsoft.com/office/drawing/2010/main" xmlns:m="http://schemas.openxmlformats.org/officeDocument/2006/math" xmlns="" val="1"/>
+            </a:ext>
+          </a:extLst>
+        </p:spPr>
+        <p:txBody>
+          <a:bodyPr wrap="square" lIns="50800" tIns="50800" rIns="50800" bIns="50800" numCol="1" anchor="ctr">
+            <a:noAutofit/>
+          </a:bodyPr>
+          <a:lstStyle>
+            <a:lvl1pPr>
+              <a:defRPr b="0">
+                <a:solidFill>
+                  <a:srgbClr val="FFFFFF"/>
+                </a:solidFill>
+                <a:latin typeface="Helvetica Light"/>
+                <a:ea typeface="Helvetica Light"/>
+                <a:cs typeface="Helvetica Light"/>
+                <a:sym typeface="Helvetica Light"/>
+              </a:defRPr>
+            </a:lvl1pPr>
+          </a:lstStyle>
+          <a:p>
+            <a:r>
+              <a:rPr lang="en-US" altLang="zh-CN" sz="1200" dirty="0">
+                <a:solidFill>
+                  <a:schemeClr val="bg1"/>
+                </a:solidFill>
+                <a:latin typeface="微软雅黑" panose="020B0503020204020204" pitchFamily="34" charset="-122"/>
+                <a:ea typeface="微软雅黑" panose="020B0503020204020204" pitchFamily="34" charset="-122"/>
+              </a:rPr>
+              <a:t>jsonrpc</a:t>
+            </a:r>
+            <a:endParaRPr sz="1200" dirty="0">
+              <a:solidFill>
+                <a:schemeClr val="bg1"/>
+              </a:solidFill>
+              <a:latin typeface="微软雅黑" panose="020B0503020204020204" pitchFamily="34" charset="-122"/>
+              <a:ea typeface="微软雅黑" panose="020B0503020204020204" pitchFamily="34" charset="-122"/>
+            </a:endParaRPr>
+          </a:p>
+        </p:txBody>
+      </p:sp>
+      <p:sp>
+        <p:nvSpPr>
+          <p:cNvPr id="143" name="zk">
+            <a:extLst>
+              <a:ext uri="{FF2B5EF4-FFF2-40B4-BE49-F238E27FC236}">
+                <a16:creationId xmlns:a16="http://schemas.microsoft.com/office/drawing/2014/main" id="{653F4DC5-13E3-4B0C-92F5-A16ED237DE2E}"/>
+              </a:ext>
+            </a:extLst>
+          </p:cNvPr>
+          <p:cNvSpPr/>
+          <p:nvPr/>
+        </p:nvSpPr>
+        <p:spPr>
+          <a:xfrm>
+            <a:off x="4486679" y="5138725"/>
+            <a:ext cx="890337" cy="313529"/>
+          </a:xfrm>
+          <a:prstGeom prst="roundRect">
+            <a:avLst/>
+          </a:prstGeom>
+          <a:solidFill>
+            <a:schemeClr val="tx2">
+              <a:lumMod val="75000"/>
+            </a:schemeClr>
+          </a:solidFill>
+          <a:ln w="19050" cap="flat">
+            <a:solidFill>
+              <a:schemeClr val="tx2">
+                <a:lumMod val="60000"/>
+                <a:lumOff val="40000"/>
+              </a:schemeClr>
+            </a:solidFill>
+            <a:miter lim="400000"/>
+          </a:ln>
+          <a:effectLst>
+            <a:outerShdw blurRad="38100" dist="25400" dir="5400000" rotWithShape="0">
+              <a:srgbClr val="000000">
+                <a:alpha val="50000"/>
+              </a:srgbClr>
+            </a:outerShdw>
+          </a:effectLst>
+          <a:extLst>
+            <a:ext uri="{C572A759-6A51-4108-AA02-DFA0A04FC94B}">
+              <ma14:wrappingTextBoxFlag xmlns:ma14="http://schemas.microsoft.com/office/mac/drawingml/2011/main" xmlns:a14="http://schemas.microsoft.com/office/drawing/2010/main" xmlns:m="http://schemas.openxmlformats.org/officeDocument/2006/math" xmlns="" val="1"/>
+            </a:ext>
+          </a:extLst>
+        </p:spPr>
+        <p:txBody>
+          <a:bodyPr wrap="square" lIns="50800" tIns="50800" rIns="50800" bIns="50800" numCol="1" anchor="ctr">
+            <a:noAutofit/>
+          </a:bodyPr>
+          <a:lstStyle>
+            <a:lvl1pPr>
+              <a:defRPr b="0">
+                <a:solidFill>
+                  <a:srgbClr val="FFFFFF"/>
+                </a:solidFill>
+                <a:latin typeface="Helvetica Light"/>
+                <a:ea typeface="Helvetica Light"/>
+                <a:cs typeface="Helvetica Light"/>
+                <a:sym typeface="Helvetica Light"/>
+              </a:defRPr>
+            </a:lvl1pPr>
+          </a:lstStyle>
+          <a:p>
+            <a:r>
+              <a:rPr lang="en-US" altLang="zh-CN" sz="1200" dirty="0">
+                <a:solidFill>
+                  <a:schemeClr val="bg1"/>
+                </a:solidFill>
+                <a:latin typeface="微软雅黑" panose="020B0503020204020204" pitchFamily="34" charset="-122"/>
+                <a:ea typeface="微软雅黑" panose="020B0503020204020204" pitchFamily="34" charset="-122"/>
+              </a:rPr>
+              <a:t>rest</a:t>
+            </a:r>
+            <a:endParaRPr sz="1200" dirty="0">
+              <a:solidFill>
+                <a:schemeClr val="bg1"/>
+              </a:solidFill>
+              <a:latin typeface="微软雅黑" panose="020B0503020204020204" pitchFamily="34" charset="-122"/>
+              <a:ea typeface="微软雅黑" panose="020B0503020204020204" pitchFamily="34" charset="-122"/>
+            </a:endParaRPr>
+          </a:p>
+        </p:txBody>
+      </p:sp>
+      <p:sp>
+        <p:nvSpPr>
+          <p:cNvPr id="144" name="zk">
+            <a:extLst>
+              <a:ext uri="{FF2B5EF4-FFF2-40B4-BE49-F238E27FC236}">
+                <a16:creationId xmlns:a16="http://schemas.microsoft.com/office/drawing/2014/main" id="{04CF36FD-E4B0-4072-8960-2E7FC11FDF4B}"/>
+              </a:ext>
+            </a:extLst>
+          </p:cNvPr>
+          <p:cNvSpPr/>
+          <p:nvPr/>
+        </p:nvSpPr>
+        <p:spPr>
+          <a:xfrm>
+            <a:off x="4486679" y="5774374"/>
+            <a:ext cx="890337" cy="313529"/>
+          </a:xfrm>
+          <a:prstGeom prst="roundRect">
+            <a:avLst/>
+          </a:prstGeom>
+          <a:solidFill>
+            <a:schemeClr val="tx2">
+              <a:lumMod val="75000"/>
+            </a:schemeClr>
+          </a:solidFill>
+          <a:ln w="19050" cap="flat">
+            <a:solidFill>
+              <a:schemeClr val="tx2">
+                <a:lumMod val="60000"/>
+                <a:lumOff val="40000"/>
+              </a:schemeClr>
+            </a:solidFill>
+            <a:miter lim="400000"/>
+          </a:ln>
+          <a:effectLst>
+            <a:outerShdw blurRad="38100" dist="25400" dir="5400000" rotWithShape="0">
+              <a:srgbClr val="000000">
+                <a:alpha val="50000"/>
+              </a:srgbClr>
+            </a:outerShdw>
+          </a:effectLst>
+          <a:extLst>
+            <a:ext uri="{C572A759-6A51-4108-AA02-DFA0A04FC94B}">
+              <ma14:wrappingTextBoxFlag xmlns:ma14="http://schemas.microsoft.com/office/mac/drawingml/2011/main" xmlns:a14="http://schemas.microsoft.com/office/drawing/2010/main" xmlns:m="http://schemas.openxmlformats.org/officeDocument/2006/math" xmlns="" val="1"/>
+            </a:ext>
+          </a:extLst>
+        </p:spPr>
+        <p:txBody>
+          <a:bodyPr wrap="square" lIns="50800" tIns="50800" rIns="50800" bIns="50800" numCol="1" anchor="ctr">
+            <a:noAutofit/>
+          </a:bodyPr>
+          <a:lstStyle>
+            <a:lvl1pPr>
+              <a:defRPr b="0">
+                <a:solidFill>
+                  <a:srgbClr val="FFFFFF"/>
+                </a:solidFill>
+                <a:latin typeface="Helvetica Light"/>
+                <a:ea typeface="Helvetica Light"/>
+                <a:cs typeface="Helvetica Light"/>
+                <a:sym typeface="Helvetica Light"/>
+              </a:defRPr>
+            </a:lvl1pPr>
+          </a:lstStyle>
+          <a:p>
+            <a:r>
+              <a:rPr lang="en-US" altLang="zh-CN" sz="1200" dirty="0">
+                <a:solidFill>
+                  <a:schemeClr val="bg1"/>
+                </a:solidFill>
+                <a:latin typeface="微软雅黑" panose="020B0503020204020204" pitchFamily="34" charset="-122"/>
+                <a:ea typeface="微软雅黑" panose="020B0503020204020204" pitchFamily="34" charset="-122"/>
+              </a:rPr>
+              <a:t>dubbo</a:t>
+            </a:r>
+            <a:endParaRPr sz="1200" dirty="0">
+              <a:solidFill>
+                <a:schemeClr val="bg1"/>
+              </a:solidFill>
+              <a:latin typeface="微软雅黑" panose="020B0503020204020204" pitchFamily="34" charset="-122"/>
+              <a:ea typeface="微软雅黑" panose="020B0503020204020204" pitchFamily="34" charset="-122"/>
+            </a:endParaRPr>
+          </a:p>
+        </p:txBody>
+      </p:sp>
+      <p:sp>
+        <p:nvSpPr>
+          <p:cNvPr id="146" name="文本框 145">
+            <a:extLst>
+              <a:ext uri="{FF2B5EF4-FFF2-40B4-BE49-F238E27FC236}">
+                <a16:creationId xmlns:a16="http://schemas.microsoft.com/office/drawing/2014/main" id="{BB8BAF7B-7FDE-4B29-9450-686CF2D6DF48}"/>
+              </a:ext>
+            </a:extLst>
+          </p:cNvPr>
+          <p:cNvSpPr txBox="1"/>
+          <p:nvPr/>
+        </p:nvSpPr>
+        <p:spPr>
+          <a:xfrm>
+            <a:off x="1269231" y="5828628"/>
+            <a:ext cx="716543" cy="287258"/>
+          </a:xfrm>
+          <a:prstGeom prst="rect">
+            <a:avLst/>
+          </a:prstGeom>
+          <a:noFill/>
+          <a:ln w="12700" cap="flat">
+            <a:noFill/>
+            <a:miter lim="400000"/>
+          </a:ln>
+          <a:effectLst/>
+          <a:sp3d/>
+        </p:spPr>
+        <p:style>
+          <a:lnRef idx="0">
+            <a:scrgbClr r="0" g="0" b="0"/>
+          </a:lnRef>
+          <a:fillRef idx="0">
+            <a:scrgbClr r="0" g="0" b="0"/>
+          </a:fillRef>
+          <a:effectRef idx="0">
+            <a:scrgbClr r="0" g="0" b="0"/>
+          </a:effectRef>
+          <a:fontRef idx="none"/>
+        </p:style>
+        <p:txBody>
+          <a:bodyPr rot="0" spcFirstLastPara="1" vertOverflow="overflow" horzOverflow="overflow" vert="horz" wrap="square" lIns="50800" tIns="50800" rIns="50800" bIns="50800" numCol="1" spcCol="38100" rtlCol="0" anchor="ctr">
+            <a:spAutoFit/>
+          </a:bodyPr>
+          <a:lstStyle/>
+          <a:p>
+            <a:pPr marL="0" marR="0" indent="0" algn="ctr" defTabSz="584200" rtl="0" fontAlgn="auto" latinLnBrk="0" hangingPunct="0">
+              <a:lnSpc>
+                <a:spcPct val="100000"/>
+              </a:lnSpc>
+              <a:spcBef>
+                <a:spcPts val="0"/>
+              </a:spcBef>
+              <a:spcAft>
+                <a:spcPts val="0"/>
+              </a:spcAft>
+              <a:buClrTx/>
+              <a:buSzTx/>
+              <a:buFontTx/>
+              <a:buNone/>
+              <a:tabLst/>
+            </a:pPr>
+            <a:r>
+              <a:rPr kumimoji="0" lang="en-US" altLang="zh-CN" sz="1200" b="1" i="0" u="none" strike="noStrike" cap="none" spc="0" normalizeH="0" baseline="0" dirty="0">
+                <a:ln>
+                  <a:noFill/>
+                </a:ln>
+                <a:solidFill>
+                  <a:schemeClr val="bg2">
+                    <a:lumMod val="75000"/>
+                  </a:schemeClr>
+                </a:solidFill>
+                <a:effectLst/>
+                <a:uFillTx/>
+                <a:latin typeface="Helvetica Neue"/>
+                <a:ea typeface="Helvetica Neue"/>
+                <a:cs typeface="Helvetica Neue"/>
+                <a:sym typeface="Helvetica Neue"/>
+              </a:rPr>
+              <a:t>Invoker</a:t>
+            </a:r>
+            <a:endParaRPr kumimoji="0" lang="zh-CN" altLang="en-US" sz="1200" b="1" i="0" u="none" strike="noStrike" cap="none" spc="0" normalizeH="0" baseline="0" dirty="0">
+              <a:ln>
+                <a:noFill/>
+              </a:ln>
+              <a:solidFill>
+                <a:schemeClr val="bg2">
+                  <a:lumMod val="75000"/>
+                </a:schemeClr>
+              </a:solidFill>
+              <a:effectLst/>
+              <a:uFillTx/>
+              <a:latin typeface="Helvetica Neue"/>
+              <a:ea typeface="Helvetica Neue"/>
+              <a:cs typeface="Helvetica Neue"/>
+              <a:sym typeface="Helvetica Neue"/>
+            </a:endParaRPr>
+          </a:p>
+        </p:txBody>
+      </p:sp>
+      <p:cxnSp>
+        <p:nvCxnSpPr>
+          <p:cNvPr id="147" name="直接连接符 146">
+            <a:extLst>
+              <a:ext uri="{FF2B5EF4-FFF2-40B4-BE49-F238E27FC236}">
+                <a16:creationId xmlns:a16="http://schemas.microsoft.com/office/drawing/2014/main" id="{DB132553-3355-4F53-A6CF-EBCB4CC8C2D5}"/>
+              </a:ext>
+            </a:extLst>
+          </p:cNvPr>
+          <p:cNvCxnSpPr>
+            <a:cxnSpLocks/>
+          </p:cNvCxnSpPr>
+          <p:nvPr/>
+        </p:nvCxnSpPr>
+        <p:spPr>
+          <a:xfrm>
+            <a:off x="1960126" y="5626947"/>
+            <a:ext cx="1332346" cy="0"/>
+          </a:xfrm>
+          <a:prstGeom prst="line">
+            <a:avLst/>
+          </a:prstGeom>
+          <a:noFill/>
+          <a:ln w="25400" cap="flat">
+            <a:solidFill>
+              <a:schemeClr val="bg2">
+                <a:lumMod val="50000"/>
+              </a:schemeClr>
+            </a:solidFill>
+            <a:prstDash val="solid"/>
+            <a:miter lim="400000"/>
+          </a:ln>
+          <a:effectLst/>
+          <a:sp3d/>
+        </p:spPr>
+        <p:style>
+          <a:lnRef idx="0">
+            <a:scrgbClr r="0" g="0" b="0"/>
+          </a:lnRef>
+          <a:fillRef idx="0">
+            <a:scrgbClr r="0" g="0" b="0"/>
+          </a:fillRef>
+          <a:effectRef idx="0">
+            <a:scrgbClr r="0" g="0" b="0"/>
+          </a:effectRef>
+          <a:fontRef idx="none"/>
+        </p:style>
+      </p:cxnSp>
+      <p:sp>
+        <p:nvSpPr>
+          <p:cNvPr id="150" name="Registries">
+            <a:extLst>
+              <a:ext uri="{FF2B5EF4-FFF2-40B4-BE49-F238E27FC236}">
+                <a16:creationId xmlns:a16="http://schemas.microsoft.com/office/drawing/2014/main" id="{F57741CD-4975-4278-A2D7-719405B6D470}"/>
+              </a:ext>
+            </a:extLst>
+          </p:cNvPr>
+          <p:cNvSpPr/>
+          <p:nvPr/>
+        </p:nvSpPr>
+        <p:spPr>
+          <a:xfrm>
+            <a:off x="12086678" y="4455568"/>
+            <a:ext cx="2415908" cy="1873741"/>
+          </a:xfrm>
+          <a:prstGeom prst="roundRect">
+            <a:avLst>
+              <a:gd name="adj" fmla="val 7483"/>
+            </a:avLst>
+          </a:prstGeom>
+          <a:noFill/>
+          <a:ln w="12700" cap="flat">
+            <a:solidFill>
+              <a:schemeClr val="tx2">
+                <a:lumMod val="75000"/>
+              </a:schemeClr>
+            </a:solidFill>
+            <a:prstDash val="dashDot"/>
+            <a:miter lim="400000"/>
+          </a:ln>
+          <a:effectLst>
+            <a:outerShdw blurRad="38100" dist="25400" dir="5400000" rotWithShape="0">
+              <a:srgbClr val="000000">
+                <a:alpha val="50000"/>
+              </a:srgbClr>
+            </a:outerShdw>
+          </a:effectLst>
+          <a:extLst>
+            <a:ext uri="{C572A759-6A51-4108-AA02-DFA0A04FC94B}">
+              <ma14:wrappingTextBoxFlag xmlns:ma14="http://schemas.microsoft.com/office/mac/drawingml/2011/main" xmlns:a14="http://schemas.microsoft.com/office/drawing/2010/main" xmlns:m="http://schemas.openxmlformats.org/officeDocument/2006/math" xmlns="" val="1"/>
+            </a:ext>
+          </a:extLst>
+        </p:spPr>
+        <p:txBody>
+          <a:bodyPr wrap="square" lIns="50800" tIns="50800" rIns="50800" bIns="50800" numCol="1" anchor="t">
+            <a:noAutofit/>
+          </a:bodyPr>
+          <a:lstStyle/>
+          <a:p>
+            <a:pPr algn="r"/>
+            <a:endParaRPr dirty="0">
+              <a:solidFill>
+                <a:schemeClr val="tx1"/>
+              </a:solidFill>
+              <a:latin typeface="微软雅黑" panose="020B0503020204020204" pitchFamily="34" charset="-122"/>
+              <a:ea typeface="微软雅黑" panose="020B0503020204020204" pitchFamily="34" charset="-122"/>
+              <a:cs typeface="Helvetica Light"/>
+            </a:endParaRPr>
+          </a:p>
+        </p:txBody>
+      </p:sp>
+      <p:sp>
+        <p:nvSpPr>
+          <p:cNvPr id="151" name="zk">
+            <a:extLst>
+              <a:ext uri="{FF2B5EF4-FFF2-40B4-BE49-F238E27FC236}">
+                <a16:creationId xmlns:a16="http://schemas.microsoft.com/office/drawing/2014/main" id="{ED62604C-8A99-40BF-9F0D-D3390D54DAD6}"/>
+              </a:ext>
+            </a:extLst>
+          </p:cNvPr>
+          <p:cNvSpPr/>
+          <p:nvPr/>
+        </p:nvSpPr>
+        <p:spPr>
+          <a:xfrm>
+            <a:off x="12242197" y="4742952"/>
+            <a:ext cx="890337" cy="313529"/>
+          </a:xfrm>
+          <a:prstGeom prst="roundRect">
+            <a:avLst/>
+          </a:prstGeom>
+          <a:solidFill>
+            <a:schemeClr val="tx2">
+              <a:lumMod val="75000"/>
+            </a:schemeClr>
+          </a:solidFill>
+          <a:ln w="19050" cap="flat">
+            <a:solidFill>
+              <a:schemeClr val="tx2">
+                <a:lumMod val="60000"/>
+                <a:lumOff val="40000"/>
+              </a:schemeClr>
+            </a:solidFill>
+            <a:miter lim="400000"/>
+          </a:ln>
+          <a:effectLst>
+            <a:outerShdw blurRad="38100" dist="25400" dir="5400000" rotWithShape="0">
+              <a:srgbClr val="000000">
+                <a:alpha val="50000"/>
+              </a:srgbClr>
+            </a:outerShdw>
+          </a:effectLst>
+          <a:extLst>
+            <a:ext uri="{C572A759-6A51-4108-AA02-DFA0A04FC94B}">
+              <ma14:wrappingTextBoxFlag xmlns:ma14="http://schemas.microsoft.com/office/mac/drawingml/2011/main" xmlns:a14="http://schemas.microsoft.com/office/drawing/2010/main" xmlns:m="http://schemas.openxmlformats.org/officeDocument/2006/math" xmlns="" val="1"/>
+            </a:ext>
+          </a:extLst>
+        </p:spPr>
+        <p:txBody>
+          <a:bodyPr wrap="square" lIns="50800" tIns="50800" rIns="50800" bIns="50800" numCol="1" anchor="ctr">
+            <a:noAutofit/>
+          </a:bodyPr>
+          <a:lstStyle>
+            <a:lvl1pPr>
+              <a:defRPr b="0">
+                <a:solidFill>
+                  <a:srgbClr val="FFFFFF"/>
+                </a:solidFill>
+                <a:latin typeface="Helvetica Light"/>
+                <a:ea typeface="Helvetica Light"/>
+                <a:cs typeface="Helvetica Light"/>
+                <a:sym typeface="Helvetica Light"/>
+              </a:defRPr>
+            </a:lvl1pPr>
+          </a:lstStyle>
+          <a:p>
+            <a:r>
+              <a:rPr lang="en-US" sz="1200" dirty="0">
+                <a:solidFill>
+                  <a:schemeClr val="bg1"/>
+                </a:solidFill>
+                <a:latin typeface="微软雅黑" panose="020B0503020204020204" pitchFamily="34" charset="-122"/>
+                <a:ea typeface="微软雅黑" panose="020B0503020204020204" pitchFamily="34" charset="-122"/>
+              </a:rPr>
+              <a:t>interface1</a:t>
+            </a:r>
+            <a:endParaRPr sz="1200" dirty="0">
+              <a:solidFill>
+                <a:schemeClr val="bg1"/>
+              </a:solidFill>
+              <a:latin typeface="微软雅黑" panose="020B0503020204020204" pitchFamily="34" charset="-122"/>
+              <a:ea typeface="微软雅黑" panose="020B0503020204020204" pitchFamily="34" charset="-122"/>
+            </a:endParaRPr>
+          </a:p>
+        </p:txBody>
+      </p:sp>
+      <p:cxnSp>
+        <p:nvCxnSpPr>
+          <p:cNvPr id="154" name="直接连接符 153">
+            <a:extLst>
+              <a:ext uri="{FF2B5EF4-FFF2-40B4-BE49-F238E27FC236}">
+                <a16:creationId xmlns:a16="http://schemas.microsoft.com/office/drawing/2014/main" id="{315DE9C7-E189-46D5-9F57-BEE67F4996E1}"/>
+              </a:ext>
+            </a:extLst>
+          </p:cNvPr>
+          <p:cNvCxnSpPr>
+            <a:cxnSpLocks/>
+          </p:cNvCxnSpPr>
+          <p:nvPr/>
+        </p:nvCxnSpPr>
+        <p:spPr>
+          <a:xfrm>
+            <a:off x="14316237" y="5333014"/>
+            <a:ext cx="864297" cy="0"/>
+          </a:xfrm>
+          <a:prstGeom prst="line">
+            <a:avLst/>
+          </a:prstGeom>
+          <a:noFill/>
+          <a:ln w="25400" cap="flat">
+            <a:solidFill>
+              <a:schemeClr val="bg2">
+                <a:lumMod val="50000"/>
+              </a:schemeClr>
+            </a:solidFill>
+            <a:prstDash val="solid"/>
+            <a:miter lim="400000"/>
+          </a:ln>
+          <a:effectLst/>
+          <a:sp3d/>
+        </p:spPr>
+        <p:style>
+          <a:lnRef idx="0">
+            <a:scrgbClr r="0" g="0" b="0"/>
+          </a:lnRef>
+          <a:fillRef idx="0">
+            <a:scrgbClr r="0" g="0" b="0"/>
+          </a:fillRef>
+          <a:effectRef idx="0">
+            <a:scrgbClr r="0" g="0" b="0"/>
+          </a:effectRef>
+          <a:fontRef idx="none"/>
+        </p:style>
+      </p:cxnSp>
+      <p:sp>
+        <p:nvSpPr>
+          <p:cNvPr id="162" name="文本框 161">
+            <a:extLst>
+              <a:ext uri="{FF2B5EF4-FFF2-40B4-BE49-F238E27FC236}">
+                <a16:creationId xmlns:a16="http://schemas.microsoft.com/office/drawing/2014/main" id="{AA2E1F7D-BACC-4198-9D63-5CD33C0A8277}"/>
+              </a:ext>
+            </a:extLst>
+          </p:cNvPr>
+          <p:cNvSpPr txBox="1"/>
+          <p:nvPr/>
+        </p:nvSpPr>
+        <p:spPr>
+          <a:xfrm>
+            <a:off x="15029304" y="5435887"/>
+            <a:ext cx="1136084" cy="287258"/>
+          </a:xfrm>
+          <a:prstGeom prst="rect">
+            <a:avLst/>
+          </a:prstGeom>
+          <a:noFill/>
+          <a:ln w="12700" cap="flat">
+            <a:noFill/>
+            <a:miter lim="400000"/>
+          </a:ln>
+          <a:effectLst/>
+          <a:sp3d/>
+        </p:spPr>
+        <p:style>
+          <a:lnRef idx="0">
+            <a:scrgbClr r="0" g="0" b="0"/>
+          </a:lnRef>
+          <a:fillRef idx="0">
+            <a:scrgbClr r="0" g="0" b="0"/>
+          </a:fillRef>
+          <a:effectRef idx="0">
+            <a:scrgbClr r="0" g="0" b="0"/>
+          </a:effectRef>
+          <a:fontRef idx="none"/>
+        </p:style>
+        <p:txBody>
+          <a:bodyPr rot="0" spcFirstLastPara="1" vertOverflow="overflow" horzOverflow="overflow" vert="horz" wrap="square" lIns="50800" tIns="50800" rIns="50800" bIns="50800" numCol="1" spcCol="38100" rtlCol="0" anchor="ctr">
+            <a:spAutoFit/>
+          </a:bodyPr>
+          <a:lstStyle/>
+          <a:p>
+            <a:pPr marL="0" marR="0" indent="0" algn="ctr" defTabSz="584200" rtl="0" fontAlgn="auto" latinLnBrk="0" hangingPunct="0">
+              <a:lnSpc>
+                <a:spcPct val="100000"/>
+              </a:lnSpc>
+              <a:spcBef>
+                <a:spcPts val="0"/>
+              </a:spcBef>
+              <a:spcAft>
+                <a:spcPts val="0"/>
+              </a:spcAft>
+              <a:buClrTx/>
+              <a:buSzTx/>
+              <a:buFontTx/>
+              <a:buNone/>
+              <a:tabLst/>
+            </a:pPr>
+            <a:r>
+              <a:rPr kumimoji="0" lang="en-US" altLang="zh-CN" sz="1200" b="1" i="0" u="none" strike="noStrike" cap="none" spc="0" normalizeH="0" baseline="0" dirty="0">
+                <a:ln>
+                  <a:noFill/>
+                </a:ln>
+                <a:solidFill>
+                  <a:schemeClr val="bg2">
+                    <a:lumMod val="75000"/>
+                  </a:schemeClr>
+                </a:solidFill>
+                <a:effectLst/>
+                <a:uFillTx/>
+                <a:latin typeface="Helvetica Neue"/>
+                <a:ea typeface="Helvetica Neue"/>
+                <a:cs typeface="Helvetica Neue"/>
+                <a:sym typeface="Helvetica Neue"/>
+              </a:rPr>
+              <a:t>Proxy</a:t>
+            </a:r>
+            <a:endParaRPr kumimoji="0" lang="zh-CN" altLang="en-US" sz="1200" b="1" i="0" u="none" strike="noStrike" cap="none" spc="0" normalizeH="0" baseline="0" dirty="0">
+              <a:ln>
+                <a:noFill/>
+              </a:ln>
+              <a:solidFill>
+                <a:schemeClr val="bg2">
+                  <a:lumMod val="75000"/>
+                </a:schemeClr>
+              </a:solidFill>
+              <a:effectLst/>
+              <a:uFillTx/>
+              <a:latin typeface="Helvetica Neue"/>
+              <a:ea typeface="Helvetica Neue"/>
+              <a:cs typeface="Helvetica Neue"/>
+              <a:sym typeface="Helvetica Neue"/>
+            </a:endParaRPr>
+          </a:p>
+        </p:txBody>
+      </p:sp>
+      <p:sp>
+        <p:nvSpPr>
+          <p:cNvPr id="163" name="zk">
+            <a:extLst>
+              <a:ext uri="{FF2B5EF4-FFF2-40B4-BE49-F238E27FC236}">
+                <a16:creationId xmlns:a16="http://schemas.microsoft.com/office/drawing/2014/main" id="{AF486828-30CA-434F-966A-DA24C2C8B15A}"/>
+              </a:ext>
+            </a:extLst>
+          </p:cNvPr>
+          <p:cNvSpPr/>
+          <p:nvPr/>
+        </p:nvSpPr>
+        <p:spPr>
+          <a:xfrm>
+            <a:off x="12242197" y="5210731"/>
+            <a:ext cx="890337" cy="313529"/>
+          </a:xfrm>
+          <a:prstGeom prst="roundRect">
+            <a:avLst/>
+          </a:prstGeom>
+          <a:solidFill>
+            <a:schemeClr val="tx2">
+              <a:lumMod val="75000"/>
+            </a:schemeClr>
+          </a:solidFill>
+          <a:ln w="19050" cap="flat">
+            <a:solidFill>
+              <a:schemeClr val="tx2">
+                <a:lumMod val="60000"/>
+                <a:lumOff val="40000"/>
+              </a:schemeClr>
+            </a:solidFill>
+            <a:miter lim="400000"/>
+          </a:ln>
+          <a:effectLst>
+            <a:outerShdw blurRad="38100" dist="25400" dir="5400000" rotWithShape="0">
+              <a:srgbClr val="000000">
+                <a:alpha val="50000"/>
+              </a:srgbClr>
+            </a:outerShdw>
+          </a:effectLst>
+          <a:extLst>
+            <a:ext uri="{C572A759-6A51-4108-AA02-DFA0A04FC94B}">
+              <ma14:wrappingTextBoxFlag xmlns:ma14="http://schemas.microsoft.com/office/mac/drawingml/2011/main" xmlns:a14="http://schemas.microsoft.com/office/drawing/2010/main" xmlns:m="http://schemas.openxmlformats.org/officeDocument/2006/math" xmlns="" val="1"/>
+            </a:ext>
+          </a:extLst>
+        </p:spPr>
+        <p:txBody>
+          <a:bodyPr wrap="square" lIns="50800" tIns="50800" rIns="50800" bIns="50800" numCol="1" anchor="ctr">
+            <a:noAutofit/>
+          </a:bodyPr>
+          <a:lstStyle>
+            <a:lvl1pPr>
+              <a:defRPr b="0">
+                <a:solidFill>
+                  <a:srgbClr val="FFFFFF"/>
+                </a:solidFill>
+                <a:latin typeface="Helvetica Light"/>
+                <a:ea typeface="Helvetica Light"/>
+                <a:cs typeface="Helvetica Light"/>
+                <a:sym typeface="Helvetica Light"/>
+              </a:defRPr>
+            </a:lvl1pPr>
+          </a:lstStyle>
+          <a:p>
+            <a:r>
+              <a:rPr lang="en-US" sz="1200" dirty="0">
+                <a:solidFill>
+                  <a:schemeClr val="bg1"/>
+                </a:solidFill>
+                <a:latin typeface="微软雅黑" panose="020B0503020204020204" pitchFamily="34" charset="-122"/>
+                <a:ea typeface="微软雅黑" panose="020B0503020204020204" pitchFamily="34" charset="-122"/>
+              </a:rPr>
+              <a:t>interface2</a:t>
+            </a:r>
+            <a:endParaRPr sz="1200" dirty="0">
+              <a:solidFill>
+                <a:schemeClr val="bg1"/>
+              </a:solidFill>
+              <a:latin typeface="微软雅黑" panose="020B0503020204020204" pitchFamily="34" charset="-122"/>
+              <a:ea typeface="微软雅黑" panose="020B0503020204020204" pitchFamily="34" charset="-122"/>
+            </a:endParaRPr>
+          </a:p>
+        </p:txBody>
+      </p:sp>
+      <p:sp>
+        <p:nvSpPr>
+          <p:cNvPr id="164" name="zk">
+            <a:extLst>
+              <a:ext uri="{FF2B5EF4-FFF2-40B4-BE49-F238E27FC236}">
+                <a16:creationId xmlns:a16="http://schemas.microsoft.com/office/drawing/2014/main" id="{AD4E9F90-015C-4A40-953A-BB946E44EDA1}"/>
+              </a:ext>
+            </a:extLst>
+          </p:cNvPr>
+          <p:cNvSpPr/>
+          <p:nvPr/>
+        </p:nvSpPr>
+        <p:spPr>
+          <a:xfrm>
+            <a:off x="12242197" y="5663257"/>
+            <a:ext cx="890337" cy="313529"/>
+          </a:xfrm>
+          <a:prstGeom prst="roundRect">
+            <a:avLst/>
+          </a:prstGeom>
+          <a:noFill/>
+          <a:ln w="19050" cap="flat">
+            <a:solidFill>
+              <a:schemeClr val="tx2">
+                <a:lumMod val="60000"/>
+                <a:lumOff val="40000"/>
+              </a:schemeClr>
+            </a:solidFill>
+            <a:miter lim="400000"/>
+          </a:ln>
+          <a:effectLst>
+            <a:outerShdw blurRad="38100" dist="25400" dir="5400000" rotWithShape="0">
+              <a:srgbClr val="000000">
+                <a:alpha val="50000"/>
+              </a:srgbClr>
+            </a:outerShdw>
+          </a:effectLst>
+          <a:extLst>
+            <a:ext uri="{C572A759-6A51-4108-AA02-DFA0A04FC94B}">
+              <ma14:wrappingTextBoxFlag xmlns:ma14="http://schemas.microsoft.com/office/mac/drawingml/2011/main" xmlns:a14="http://schemas.microsoft.com/office/drawing/2010/main" xmlns:m="http://schemas.openxmlformats.org/officeDocument/2006/math" xmlns="" val="1"/>
+            </a:ext>
+          </a:extLst>
+        </p:spPr>
+        <p:txBody>
+          <a:bodyPr wrap="square" lIns="50800" tIns="50800" rIns="50800" bIns="50800" numCol="1" anchor="ctr">
+            <a:noAutofit/>
+          </a:bodyPr>
+          <a:lstStyle>
+            <a:lvl1pPr>
+              <a:defRPr b="0">
+                <a:solidFill>
+                  <a:srgbClr val="FFFFFF"/>
+                </a:solidFill>
+                <a:latin typeface="Helvetica Light"/>
+                <a:ea typeface="Helvetica Light"/>
+                <a:cs typeface="Helvetica Light"/>
+                <a:sym typeface="Helvetica Light"/>
+              </a:defRPr>
+            </a:lvl1pPr>
+          </a:lstStyle>
+          <a:p>
+            <a:r>
+              <a:rPr lang="en-US" sz="1200" dirty="0">
+                <a:solidFill>
+                  <a:schemeClr val="bg1"/>
+                </a:solidFill>
+                <a:latin typeface="微软雅黑" panose="020B0503020204020204" pitchFamily="34" charset="-122"/>
+                <a:ea typeface="微软雅黑" panose="020B0503020204020204" pitchFamily="34" charset="-122"/>
+              </a:rPr>
+              <a:t>…</a:t>
+            </a:r>
+            <a:endParaRPr sz="1200" dirty="0">
+              <a:solidFill>
+                <a:schemeClr val="bg1"/>
+              </a:solidFill>
+              <a:latin typeface="微软雅黑" panose="020B0503020204020204" pitchFamily="34" charset="-122"/>
+              <a:ea typeface="微软雅黑" panose="020B0503020204020204" pitchFamily="34" charset="-122"/>
+            </a:endParaRPr>
+          </a:p>
+        </p:txBody>
+      </p:sp>
+      <p:sp>
+        <p:nvSpPr>
+          <p:cNvPr id="165" name="zk">
+            <a:extLst>
+              <a:ext uri="{FF2B5EF4-FFF2-40B4-BE49-F238E27FC236}">
+                <a16:creationId xmlns:a16="http://schemas.microsoft.com/office/drawing/2014/main" id="{71566939-962E-43E1-8DD9-8FA47259F816}"/>
+              </a:ext>
+            </a:extLst>
+          </p:cNvPr>
+          <p:cNvSpPr/>
+          <p:nvPr/>
+        </p:nvSpPr>
+        <p:spPr>
+          <a:xfrm>
+            <a:off x="13294986" y="4728963"/>
+            <a:ext cx="890337" cy="313529"/>
+          </a:xfrm>
+          <a:prstGeom prst="roundRect">
+            <a:avLst/>
+          </a:prstGeom>
+          <a:solidFill>
+            <a:schemeClr val="tx2">
+              <a:lumMod val="75000"/>
+            </a:schemeClr>
+          </a:solidFill>
+          <a:ln w="19050" cap="flat">
+            <a:solidFill>
+              <a:schemeClr val="tx2">
+                <a:lumMod val="60000"/>
+                <a:lumOff val="40000"/>
+              </a:schemeClr>
+            </a:solidFill>
+            <a:miter lim="400000"/>
+          </a:ln>
+          <a:effectLst>
+            <a:outerShdw blurRad="38100" dist="25400" dir="5400000" rotWithShape="0">
+              <a:srgbClr val="000000">
+                <a:alpha val="50000"/>
+              </a:srgbClr>
+            </a:outerShdw>
+          </a:effectLst>
+          <a:extLst>
+            <a:ext uri="{C572A759-6A51-4108-AA02-DFA0A04FC94B}">
+              <ma14:wrappingTextBoxFlag xmlns:ma14="http://schemas.microsoft.com/office/mac/drawingml/2011/main" xmlns:a14="http://schemas.microsoft.com/office/drawing/2010/main" xmlns:m="http://schemas.openxmlformats.org/officeDocument/2006/math" xmlns="" val="1"/>
+            </a:ext>
+          </a:extLst>
+        </p:spPr>
+        <p:txBody>
+          <a:bodyPr wrap="square" lIns="50800" tIns="50800" rIns="50800" bIns="50800" numCol="1" anchor="ctr">
+            <a:noAutofit/>
+          </a:bodyPr>
+          <a:lstStyle>
+            <a:lvl1pPr>
+              <a:defRPr b="0">
+                <a:solidFill>
+                  <a:srgbClr val="FFFFFF"/>
+                </a:solidFill>
+                <a:latin typeface="Helvetica Light"/>
+                <a:ea typeface="Helvetica Light"/>
+                <a:cs typeface="Helvetica Light"/>
+                <a:sym typeface="Helvetica Light"/>
+              </a:defRPr>
+            </a:lvl1pPr>
+          </a:lstStyle>
+          <a:p>
+            <a:r>
+              <a:rPr lang="en-US" sz="1200" dirty="0">
+                <a:solidFill>
+                  <a:schemeClr val="bg1"/>
+                </a:solidFill>
+                <a:latin typeface="微软雅黑" panose="020B0503020204020204" pitchFamily="34" charset="-122"/>
+                <a:ea typeface="微软雅黑" panose="020B0503020204020204" pitchFamily="34" charset="-122"/>
+              </a:rPr>
+              <a:t>service`1</a:t>
+            </a:r>
+            <a:endParaRPr sz="1200" dirty="0">
+              <a:solidFill>
+                <a:schemeClr val="bg1"/>
+              </a:solidFill>
+              <a:latin typeface="微软雅黑" panose="020B0503020204020204" pitchFamily="34" charset="-122"/>
+              <a:ea typeface="微软雅黑" panose="020B0503020204020204" pitchFamily="34" charset="-122"/>
+            </a:endParaRPr>
+          </a:p>
+        </p:txBody>
+      </p:sp>
+      <p:sp>
+        <p:nvSpPr>
+          <p:cNvPr id="166" name="zk">
+            <a:extLst>
+              <a:ext uri="{FF2B5EF4-FFF2-40B4-BE49-F238E27FC236}">
+                <a16:creationId xmlns:a16="http://schemas.microsoft.com/office/drawing/2014/main" id="{5542E580-5AC7-40B5-AF85-DEEEDDE6F7E5}"/>
+              </a:ext>
+            </a:extLst>
+          </p:cNvPr>
+          <p:cNvSpPr/>
+          <p:nvPr/>
+        </p:nvSpPr>
+        <p:spPr>
+          <a:xfrm>
+            <a:off x="13294986" y="5196742"/>
+            <a:ext cx="890337" cy="313529"/>
+          </a:xfrm>
+          <a:prstGeom prst="roundRect">
+            <a:avLst/>
+          </a:prstGeom>
+          <a:solidFill>
+            <a:schemeClr val="tx2">
+              <a:lumMod val="75000"/>
+            </a:schemeClr>
+          </a:solidFill>
+          <a:ln w="19050" cap="flat">
+            <a:solidFill>
+              <a:schemeClr val="tx2">
+                <a:lumMod val="60000"/>
+                <a:lumOff val="40000"/>
+              </a:schemeClr>
+            </a:solidFill>
+            <a:miter lim="400000"/>
+          </a:ln>
+          <a:effectLst>
+            <a:outerShdw blurRad="38100" dist="25400" dir="5400000" rotWithShape="0">
+              <a:srgbClr val="000000">
+                <a:alpha val="50000"/>
+              </a:srgbClr>
+            </a:outerShdw>
+          </a:effectLst>
+          <a:extLst>
+            <a:ext uri="{C572A759-6A51-4108-AA02-DFA0A04FC94B}">
+              <ma14:wrappingTextBoxFlag xmlns:ma14="http://schemas.microsoft.com/office/mac/drawingml/2011/main" xmlns:a14="http://schemas.microsoft.com/office/drawing/2010/main" xmlns:m="http://schemas.openxmlformats.org/officeDocument/2006/math" xmlns="" val="1"/>
+            </a:ext>
+          </a:extLst>
+        </p:spPr>
+        <p:txBody>
+          <a:bodyPr wrap="square" lIns="50800" tIns="50800" rIns="50800" bIns="50800" numCol="1" anchor="ctr">
+            <a:noAutofit/>
+          </a:bodyPr>
+          <a:lstStyle>
+            <a:lvl1pPr>
+              <a:defRPr b="0">
+                <a:solidFill>
+                  <a:srgbClr val="FFFFFF"/>
+                </a:solidFill>
+                <a:latin typeface="Helvetica Light"/>
+                <a:ea typeface="Helvetica Light"/>
+                <a:cs typeface="Helvetica Light"/>
+                <a:sym typeface="Helvetica Light"/>
+              </a:defRPr>
+            </a:lvl1pPr>
+          </a:lstStyle>
+          <a:p>
+            <a:r>
+              <a:rPr lang="en-US" sz="1200" dirty="0">
+                <a:solidFill>
+                  <a:schemeClr val="bg1"/>
+                </a:solidFill>
+                <a:latin typeface="微软雅黑" panose="020B0503020204020204" pitchFamily="34" charset="-122"/>
+                <a:ea typeface="微软雅黑" panose="020B0503020204020204" pitchFamily="34" charset="-122"/>
+              </a:rPr>
+              <a:t>service2</a:t>
+            </a:r>
+            <a:endParaRPr sz="1200" dirty="0">
+              <a:solidFill>
+                <a:schemeClr val="bg1"/>
+              </a:solidFill>
+              <a:latin typeface="微软雅黑" panose="020B0503020204020204" pitchFamily="34" charset="-122"/>
+              <a:ea typeface="微软雅黑" panose="020B0503020204020204" pitchFamily="34" charset="-122"/>
+            </a:endParaRPr>
+          </a:p>
+        </p:txBody>
+      </p:sp>
+      <p:sp>
+        <p:nvSpPr>
+          <p:cNvPr id="167" name="zk">
+            <a:extLst>
+              <a:ext uri="{FF2B5EF4-FFF2-40B4-BE49-F238E27FC236}">
+                <a16:creationId xmlns:a16="http://schemas.microsoft.com/office/drawing/2014/main" id="{F386B0CD-92B8-4CB3-BDD8-49C77528718C}"/>
+              </a:ext>
+            </a:extLst>
+          </p:cNvPr>
+          <p:cNvSpPr/>
+          <p:nvPr/>
+        </p:nvSpPr>
+        <p:spPr>
+          <a:xfrm>
+            <a:off x="13294986" y="5649268"/>
+            <a:ext cx="890337" cy="313529"/>
+          </a:xfrm>
+          <a:prstGeom prst="roundRect">
+            <a:avLst/>
+          </a:prstGeom>
+          <a:noFill/>
+          <a:ln w="19050" cap="flat">
+            <a:solidFill>
+              <a:schemeClr val="tx2">
+                <a:lumMod val="60000"/>
+                <a:lumOff val="40000"/>
+              </a:schemeClr>
+            </a:solidFill>
+            <a:miter lim="400000"/>
+          </a:ln>
+          <a:effectLst>
+            <a:outerShdw blurRad="38100" dist="25400" dir="5400000" rotWithShape="0">
+              <a:srgbClr val="000000">
+                <a:alpha val="50000"/>
+              </a:srgbClr>
+            </a:outerShdw>
+          </a:effectLst>
+          <a:extLst>
+            <a:ext uri="{C572A759-6A51-4108-AA02-DFA0A04FC94B}">
+              <ma14:wrappingTextBoxFlag xmlns:ma14="http://schemas.microsoft.com/office/mac/drawingml/2011/main" xmlns:a14="http://schemas.microsoft.com/office/drawing/2010/main" xmlns:m="http://schemas.openxmlformats.org/officeDocument/2006/math" xmlns="" val="1"/>
+            </a:ext>
+          </a:extLst>
+        </p:spPr>
+        <p:txBody>
+          <a:bodyPr wrap="square" lIns="50800" tIns="50800" rIns="50800" bIns="50800" numCol="1" anchor="ctr">
+            <a:noAutofit/>
+          </a:bodyPr>
+          <a:lstStyle>
+            <a:lvl1pPr>
+              <a:defRPr b="0">
+                <a:solidFill>
+                  <a:srgbClr val="FFFFFF"/>
+                </a:solidFill>
+                <a:latin typeface="Helvetica Light"/>
+                <a:ea typeface="Helvetica Light"/>
+                <a:cs typeface="Helvetica Light"/>
+                <a:sym typeface="Helvetica Light"/>
+              </a:defRPr>
+            </a:lvl1pPr>
+          </a:lstStyle>
+          <a:p>
+            <a:r>
+              <a:rPr lang="en-US" sz="1200" dirty="0">
+                <a:solidFill>
+                  <a:schemeClr val="bg1"/>
+                </a:solidFill>
+                <a:latin typeface="微软雅黑" panose="020B0503020204020204" pitchFamily="34" charset="-122"/>
+                <a:ea typeface="微软雅黑" panose="020B0503020204020204" pitchFamily="34" charset="-122"/>
+              </a:rPr>
+              <a:t>…</a:t>
+            </a:r>
+            <a:endParaRPr sz="1200" dirty="0">
+              <a:solidFill>
+                <a:schemeClr val="bg1"/>
+              </a:solidFill>
+              <a:latin typeface="微软雅黑" panose="020B0503020204020204" pitchFamily="34" charset="-122"/>
+              <a:ea typeface="微软雅黑" panose="020B0503020204020204" pitchFamily="34" charset="-122"/>
+            </a:endParaRPr>
+          </a:p>
+        </p:txBody>
+      </p:sp>
+      <p:sp>
+        <p:nvSpPr>
+          <p:cNvPr id="168" name="Registries">
+            <a:extLst>
+              <a:ext uri="{FF2B5EF4-FFF2-40B4-BE49-F238E27FC236}">
+                <a16:creationId xmlns:a16="http://schemas.microsoft.com/office/drawing/2014/main" id="{4A49FB8D-B287-4463-B9C5-DF28F00809B7}"/>
+              </a:ext>
+            </a:extLst>
+          </p:cNvPr>
+          <p:cNvSpPr/>
+          <p:nvPr/>
+        </p:nvSpPr>
+        <p:spPr>
+          <a:xfrm>
+            <a:off x="5761697" y="4881266"/>
+            <a:ext cx="1272127" cy="1448042"/>
+          </a:xfrm>
+          <a:prstGeom prst="roundRect">
+            <a:avLst>
+              <a:gd name="adj" fmla="val 7483"/>
+            </a:avLst>
+          </a:prstGeom>
+          <a:noFill/>
+          <a:ln w="12700" cap="flat">
+            <a:solidFill>
+              <a:schemeClr val="tx2">
+                <a:lumMod val="75000"/>
+              </a:schemeClr>
+            </a:solidFill>
+            <a:prstDash val="dashDot"/>
+            <a:miter lim="400000"/>
+          </a:ln>
+          <a:effectLst>
+            <a:outerShdw blurRad="38100" dist="25400" dir="5400000" rotWithShape="0">
+              <a:srgbClr val="000000">
+                <a:alpha val="50000"/>
+              </a:srgbClr>
+            </a:outerShdw>
+          </a:effectLst>
+          <a:extLst>
+            <a:ext uri="{C572A759-6A51-4108-AA02-DFA0A04FC94B}">
+              <ma14:wrappingTextBoxFlag xmlns:ma14="http://schemas.microsoft.com/office/mac/drawingml/2011/main" xmlns:a14="http://schemas.microsoft.com/office/drawing/2010/main" xmlns:m="http://schemas.openxmlformats.org/officeDocument/2006/math" xmlns="" val="1"/>
+            </a:ext>
+          </a:extLst>
+        </p:spPr>
+        <p:txBody>
+          <a:bodyPr wrap="square" lIns="50800" tIns="50800" rIns="50800" bIns="50800" numCol="1" anchor="t">
+            <a:noAutofit/>
+          </a:bodyPr>
+          <a:lstStyle/>
+          <a:p>
+            <a:pPr algn="r"/>
+            <a:endParaRPr dirty="0">
+              <a:solidFill>
+                <a:schemeClr val="tx1"/>
+              </a:solidFill>
+              <a:latin typeface="微软雅黑" panose="020B0503020204020204" pitchFamily="34" charset="-122"/>
+              <a:ea typeface="微软雅黑" panose="020B0503020204020204" pitchFamily="34" charset="-122"/>
+              <a:cs typeface="Helvetica Light"/>
+            </a:endParaRPr>
+          </a:p>
+        </p:txBody>
+      </p:sp>
+      <p:sp>
+        <p:nvSpPr>
+          <p:cNvPr id="169" name="zk">
+            <a:extLst>
+              <a:ext uri="{FF2B5EF4-FFF2-40B4-BE49-F238E27FC236}">
+                <a16:creationId xmlns:a16="http://schemas.microsoft.com/office/drawing/2014/main" id="{9BBBCD00-356B-4ABD-A14B-A3EC06BAEFE8}"/>
+              </a:ext>
+            </a:extLst>
+          </p:cNvPr>
+          <p:cNvSpPr/>
+          <p:nvPr/>
+        </p:nvSpPr>
+        <p:spPr>
+          <a:xfrm>
+            <a:off x="5912244" y="5139985"/>
+            <a:ext cx="890337" cy="313529"/>
+          </a:xfrm>
+          <a:prstGeom prst="roundRect">
+            <a:avLst/>
+          </a:prstGeom>
+          <a:solidFill>
+            <a:schemeClr val="accent3">
+              <a:lumMod val="75000"/>
+            </a:schemeClr>
+          </a:solidFill>
+          <a:ln w="19050" cap="flat">
+            <a:solidFill>
+              <a:schemeClr val="tx2">
+                <a:lumMod val="60000"/>
+                <a:lumOff val="40000"/>
+              </a:schemeClr>
+            </a:solidFill>
+            <a:miter lim="400000"/>
+          </a:ln>
+          <a:effectLst>
+            <a:outerShdw blurRad="38100" dist="25400" dir="5400000" rotWithShape="0">
+              <a:srgbClr val="000000">
+                <a:alpha val="50000"/>
+              </a:srgbClr>
+            </a:outerShdw>
+          </a:effectLst>
+          <a:extLst>
+            <a:ext uri="{C572A759-6A51-4108-AA02-DFA0A04FC94B}">
+              <ma14:wrappingTextBoxFlag xmlns:ma14="http://schemas.microsoft.com/office/mac/drawingml/2011/main" xmlns:a14="http://schemas.microsoft.com/office/drawing/2010/main" xmlns:m="http://schemas.openxmlformats.org/officeDocument/2006/math" xmlns="" val="1"/>
+            </a:ext>
+          </a:extLst>
+        </p:spPr>
+        <p:txBody>
+          <a:bodyPr wrap="square" lIns="50800" tIns="50800" rIns="50800" bIns="50800" numCol="1" anchor="ctr">
+            <a:noAutofit/>
+          </a:bodyPr>
+          <a:lstStyle>
+            <a:lvl1pPr>
+              <a:defRPr b="0">
+                <a:solidFill>
+                  <a:srgbClr val="FFFFFF"/>
+                </a:solidFill>
+                <a:latin typeface="Helvetica Light"/>
+                <a:ea typeface="Helvetica Light"/>
+                <a:cs typeface="Helvetica Light"/>
+                <a:sym typeface="Helvetica Light"/>
+              </a:defRPr>
+            </a:lvl1pPr>
+          </a:lstStyle>
+          <a:p>
+            <a:r>
+              <a:rPr lang="en-US" altLang="zh-CN" sz="1200" dirty="0">
+                <a:solidFill>
+                  <a:schemeClr val="bg1"/>
+                </a:solidFill>
+                <a:latin typeface="微软雅黑" panose="020B0503020204020204" pitchFamily="34" charset="-122"/>
+                <a:ea typeface="微软雅黑" panose="020B0503020204020204" pitchFamily="34" charset="-122"/>
+              </a:rPr>
+              <a:t>tracing</a:t>
+            </a:r>
+            <a:endParaRPr sz="1200" dirty="0">
+              <a:solidFill>
+                <a:schemeClr val="bg1"/>
+              </a:solidFill>
+              <a:latin typeface="微软雅黑" panose="020B0503020204020204" pitchFamily="34" charset="-122"/>
+              <a:ea typeface="微软雅黑" panose="020B0503020204020204" pitchFamily="34" charset="-122"/>
+            </a:endParaRPr>
+          </a:p>
+        </p:txBody>
+      </p:sp>
+      <p:sp>
+        <p:nvSpPr>
+          <p:cNvPr id="171" name="zk">
+            <a:extLst>
+              <a:ext uri="{FF2B5EF4-FFF2-40B4-BE49-F238E27FC236}">
+                <a16:creationId xmlns:a16="http://schemas.microsoft.com/office/drawing/2014/main" id="{917E3F0A-831D-429E-B39C-66F3BDFF9E54}"/>
+              </a:ext>
+            </a:extLst>
+          </p:cNvPr>
+          <p:cNvSpPr/>
+          <p:nvPr/>
+        </p:nvSpPr>
+        <p:spPr>
+          <a:xfrm>
+            <a:off x="5909769" y="5785078"/>
+            <a:ext cx="890337" cy="313529"/>
+          </a:xfrm>
+          <a:prstGeom prst="roundRect">
+            <a:avLst/>
+          </a:prstGeom>
+          <a:solidFill>
+            <a:schemeClr val="accent3">
+              <a:lumMod val="75000"/>
+            </a:schemeClr>
+          </a:solidFill>
+          <a:ln w="19050" cap="flat">
+            <a:solidFill>
+              <a:schemeClr val="tx2">
+                <a:lumMod val="60000"/>
+                <a:lumOff val="40000"/>
+              </a:schemeClr>
+            </a:solidFill>
+            <a:miter lim="400000"/>
+          </a:ln>
+          <a:effectLst>
+            <a:outerShdw blurRad="38100" dist="25400" dir="5400000" rotWithShape="0">
+              <a:srgbClr val="000000">
+                <a:alpha val="50000"/>
+              </a:srgbClr>
+            </a:outerShdw>
+          </a:effectLst>
+          <a:extLst>
+            <a:ext uri="{C572A759-6A51-4108-AA02-DFA0A04FC94B}">
+              <ma14:wrappingTextBoxFlag xmlns:ma14="http://schemas.microsoft.com/office/mac/drawingml/2011/main" xmlns:a14="http://schemas.microsoft.com/office/drawing/2010/main" xmlns:m="http://schemas.openxmlformats.org/officeDocument/2006/math" xmlns="" val="1"/>
+            </a:ext>
+          </a:extLst>
+        </p:spPr>
+        <p:txBody>
+          <a:bodyPr wrap="square" lIns="50800" tIns="50800" rIns="50800" bIns="50800" numCol="1" anchor="ctr">
+            <a:noAutofit/>
+          </a:bodyPr>
+          <a:lstStyle>
+            <a:lvl1pPr>
+              <a:defRPr b="0">
+                <a:solidFill>
+                  <a:srgbClr val="FFFFFF"/>
+                </a:solidFill>
+                <a:latin typeface="Helvetica Light"/>
+                <a:ea typeface="Helvetica Light"/>
+                <a:cs typeface="Helvetica Light"/>
+                <a:sym typeface="Helvetica Light"/>
+              </a:defRPr>
+            </a:lvl1pPr>
+          </a:lstStyle>
+          <a:p>
+            <a:r>
+              <a:rPr lang="en-US" altLang="zh-CN" sz="1200" dirty="0">
+                <a:solidFill>
+                  <a:schemeClr val="bg1"/>
+                </a:solidFill>
+                <a:latin typeface="微软雅黑" panose="020B0503020204020204" pitchFamily="34" charset="-122"/>
+                <a:ea typeface="微软雅黑" panose="020B0503020204020204" pitchFamily="34" charset="-122"/>
+              </a:rPr>
+              <a:t>config</a:t>
+            </a:r>
+            <a:endParaRPr sz="1200" dirty="0">
+              <a:solidFill>
+                <a:schemeClr val="bg1"/>
+              </a:solidFill>
+              <a:latin typeface="微软雅黑" panose="020B0503020204020204" pitchFamily="34" charset="-122"/>
+              <a:ea typeface="微软雅黑" panose="020B0503020204020204" pitchFamily="34" charset="-122"/>
+            </a:endParaRPr>
+          </a:p>
+        </p:txBody>
+      </p:sp>
+      <p:pic>
+        <p:nvPicPr>
+          <p:cNvPr id="173" name="图片 172">
+            <a:extLst>
+              <a:ext uri="{FF2B5EF4-FFF2-40B4-BE49-F238E27FC236}">
+                <a16:creationId xmlns:a16="http://schemas.microsoft.com/office/drawing/2014/main" id="{1EC46F80-3B96-4179-BDF0-03EC0514687F}"/>
+              </a:ext>
+            </a:extLst>
+          </p:cNvPr>
+          <p:cNvPicPr>
+            <a:picLocks noChangeAspect="1"/>
+          </p:cNvPicPr>
+          <p:nvPr/>
+        </p:nvPicPr>
+        <p:blipFill>
+          <a:blip r:embed="rId7">
+            <a:extLst>
+              <a:ext uri="{28A0092B-C50C-407E-A947-70E740481C1C}">
+                <a14:useLocalDpi xmlns:a14="http://schemas.microsoft.com/office/drawing/2010/main" val="0"/>
+              </a:ext>
+            </a:extLst>
+          </a:blip>
+          <a:stretch>
+            <a:fillRect/>
+          </a:stretch>
+        </p:blipFill>
+        <p:spPr>
+          <a:xfrm>
+            <a:off x="1393177" y="4335111"/>
+            <a:ext cx="457200" cy="457200"/>
           </a:xfrm>
           <a:prstGeom prst="rect">
             <a:avLst/>
           </a:prstGeom>
         </p:spPr>
+      </p:pic>
+      <p:pic>
+        <p:nvPicPr>
+          <p:cNvPr id="175" name="图片 174">
+            <a:extLst>
+              <a:ext uri="{FF2B5EF4-FFF2-40B4-BE49-F238E27FC236}">
+                <a16:creationId xmlns:a16="http://schemas.microsoft.com/office/drawing/2014/main" id="{F37FEB17-CEFE-41B6-8E67-D43F72E6A893}"/>
+              </a:ext>
+            </a:extLst>
+          </p:cNvPr>
+          <p:cNvPicPr>
+            <a:picLocks noChangeAspect="1"/>
+          </p:cNvPicPr>
+          <p:nvPr/>
+        </p:nvPicPr>
+        <p:blipFill>
+          <a:blip r:embed="rId8">
+            <a:extLst>
+              <a:ext uri="{28A0092B-C50C-407E-A947-70E740481C1C}">
+                <a14:useLocalDpi xmlns:a14="http://schemas.microsoft.com/office/drawing/2010/main" val="0"/>
+              </a:ext>
+            </a:extLst>
+          </a:blip>
+          <a:stretch>
+            <a:fillRect/>
+          </a:stretch>
+        </p:blipFill>
+        <p:spPr>
+          <a:xfrm>
+            <a:off x="1355341" y="5392438"/>
+            <a:ext cx="457200" cy="457200"/>
+          </a:xfrm>
+          <a:prstGeom prst="rect">
+            <a:avLst/>
+          </a:prstGeom>
+        </p:spPr>
+      </p:pic>
+      <p:pic>
+        <p:nvPicPr>
+          <p:cNvPr id="177" name="图片 176">
+            <a:extLst>
+              <a:ext uri="{FF2B5EF4-FFF2-40B4-BE49-F238E27FC236}">
+                <a16:creationId xmlns:a16="http://schemas.microsoft.com/office/drawing/2014/main" id="{4CF4D14D-A1D6-4343-BD8B-53BF6BB9C916}"/>
+              </a:ext>
+            </a:extLst>
+          </p:cNvPr>
+          <p:cNvPicPr>
+            <a:picLocks noChangeAspect="1"/>
+          </p:cNvPicPr>
+          <p:nvPr/>
+        </p:nvPicPr>
+        <p:blipFill>
+          <a:blip r:embed="rId9">
+            <a:extLst>
+              <a:ext uri="{28A0092B-C50C-407E-A947-70E740481C1C}">
+                <a14:useLocalDpi xmlns:a14="http://schemas.microsoft.com/office/drawing/2010/main" val="0"/>
+              </a:ext>
+            </a:extLst>
+          </a:blip>
+          <a:stretch>
+            <a:fillRect/>
+          </a:stretch>
+        </p:blipFill>
+        <p:spPr>
+          <a:xfrm>
+            <a:off x="1340792" y="6232241"/>
+            <a:ext cx="485775" cy="457200"/>
+          </a:xfrm>
+          <a:prstGeom prst="rect">
+            <a:avLst/>
+          </a:prstGeom>
+        </p:spPr>
+      </p:pic>
+      <p:pic>
+        <p:nvPicPr>
+          <p:cNvPr id="179" name="图片 178">
+            <a:extLst>
+              <a:ext uri="{FF2B5EF4-FFF2-40B4-BE49-F238E27FC236}">
+                <a16:creationId xmlns:a16="http://schemas.microsoft.com/office/drawing/2014/main" id="{41E59772-6F42-4CE8-8F80-AC195F813996}"/>
+              </a:ext>
+            </a:extLst>
+          </p:cNvPr>
+          <p:cNvPicPr>
+            <a:picLocks noChangeAspect="1"/>
+          </p:cNvPicPr>
+          <p:nvPr/>
+        </p:nvPicPr>
+        <p:blipFill>
+          <a:blip r:embed="rId10">
+            <a:extLst>
+              <a:ext uri="{28A0092B-C50C-407E-A947-70E740481C1C}">
+                <a14:useLocalDpi xmlns:a14="http://schemas.microsoft.com/office/drawing/2010/main" val="0"/>
+              </a:ext>
+            </a:extLst>
+          </a:blip>
+          <a:stretch>
+            <a:fillRect/>
+          </a:stretch>
+        </p:blipFill>
+        <p:spPr>
+          <a:xfrm>
+            <a:off x="15368746" y="5082490"/>
+            <a:ext cx="457200" cy="457200"/>
+          </a:xfrm>
+          <a:prstGeom prst="rect">
+            <a:avLst/>
+          </a:prstGeom>
+        </p:spPr>
+      </p:pic>
+      <p:pic>
+        <p:nvPicPr>
+          <p:cNvPr id="181" name="图片 180">
+            <a:extLst>
+              <a:ext uri="{FF2B5EF4-FFF2-40B4-BE49-F238E27FC236}">
+                <a16:creationId xmlns:a16="http://schemas.microsoft.com/office/drawing/2014/main" id="{821EA0DB-42A6-47FA-BDCC-8F44857A55CC}"/>
+              </a:ext>
+            </a:extLst>
+          </p:cNvPr>
+          <p:cNvPicPr>
+            <a:picLocks noChangeAspect="1"/>
+          </p:cNvPicPr>
+          <p:nvPr/>
+        </p:nvPicPr>
+        <p:blipFill>
+          <a:blip r:embed="rId11">
+            <a:extLst>
+              <a:ext uri="{28A0092B-C50C-407E-A947-70E740481C1C}">
+                <a14:useLocalDpi xmlns:a14="http://schemas.microsoft.com/office/drawing/2010/main" val="0"/>
+              </a:ext>
+            </a:extLst>
+          </a:blip>
+          <a:stretch>
+            <a:fillRect/>
+          </a:stretch>
+        </p:blipFill>
+        <p:spPr>
+          <a:xfrm>
+            <a:off x="15451141" y="3541291"/>
+            <a:ext cx="457200" cy="457200"/>
+          </a:xfrm>
+          <a:prstGeom prst="rect">
+            <a:avLst/>
+          </a:prstGeom>
+        </p:spPr>
+      </p:pic>
+      <p:sp>
+        <p:nvSpPr>
+          <p:cNvPr id="183" name="zk">
+            <a:extLst>
+              <a:ext uri="{FF2B5EF4-FFF2-40B4-BE49-F238E27FC236}">
+                <a16:creationId xmlns:a16="http://schemas.microsoft.com/office/drawing/2014/main" id="{EA419FB8-B465-4109-9480-9DC79993EA6C}"/>
+              </a:ext>
+            </a:extLst>
+          </p:cNvPr>
+          <p:cNvSpPr/>
+          <p:nvPr/>
+        </p:nvSpPr>
+        <p:spPr>
+          <a:xfrm>
+            <a:off x="7937357" y="4864511"/>
+            <a:ext cx="1330407" cy="385077"/>
+          </a:xfrm>
+          <a:prstGeom prst="roundRect">
+            <a:avLst/>
+          </a:prstGeom>
+          <a:solidFill>
+            <a:schemeClr val="tx2">
+              <a:lumMod val="75000"/>
+            </a:schemeClr>
+          </a:solidFill>
+          <a:ln w="19050" cap="flat">
+            <a:solidFill>
+              <a:schemeClr val="tx2">
+                <a:lumMod val="60000"/>
+                <a:lumOff val="40000"/>
+              </a:schemeClr>
+            </a:solidFill>
+            <a:miter lim="400000"/>
+          </a:ln>
+          <a:effectLst>
+            <a:outerShdw blurRad="38100" dist="25400" dir="5400000" rotWithShape="0">
+              <a:srgbClr val="000000">
+                <a:alpha val="50000"/>
+              </a:srgbClr>
+            </a:outerShdw>
+          </a:effectLst>
+          <a:extLst>
+            <a:ext uri="{C572A759-6A51-4108-AA02-DFA0A04FC94B}">
+              <ma14:wrappingTextBoxFlag xmlns:ma14="http://schemas.microsoft.com/office/mac/drawingml/2011/main" xmlns:a14="http://schemas.microsoft.com/office/drawing/2010/main" xmlns:m="http://schemas.openxmlformats.org/officeDocument/2006/math" xmlns="" val="1"/>
+            </a:ext>
+          </a:extLst>
+        </p:spPr>
         <p:txBody>
-          <a:bodyPr wrap="none">
-            <a:spAutoFit/>
+          <a:bodyPr wrap="square" lIns="50800" tIns="50800" rIns="50800" bIns="50800" numCol="1" anchor="ctr">
+            <a:noAutofit/>
           </a:bodyPr>
-          <a:lstStyle/>
+          <a:lstStyle>
+            <a:lvl1pPr>
+              <a:defRPr b="0">
+                <a:solidFill>
+                  <a:srgbClr val="FFFFFF"/>
+                </a:solidFill>
+                <a:latin typeface="Helvetica Light"/>
+                <a:ea typeface="Helvetica Light"/>
+                <a:cs typeface="Helvetica Light"/>
+                <a:sym typeface="Helvetica Light"/>
+              </a:defRPr>
+            </a:lvl1pPr>
+          </a:lstStyle>
           <a:p>
-            <a:pPr algn="r"/>
+            <a:endParaRPr lang="en-US" altLang="zh-CN" sz="1200" dirty="0">
+              <a:solidFill>
+                <a:schemeClr val="bg1"/>
+              </a:solidFill>
+              <a:latin typeface="微软雅黑" panose="020B0503020204020204" pitchFamily="34" charset="-122"/>
+              <a:ea typeface="微软雅黑" panose="020B0503020204020204" pitchFamily="34" charset="-122"/>
+            </a:endParaRPr>
+          </a:p>
+          <a:p>
             <a:r>
-              <a:rPr lang="en-US" altLang="zh-CN" dirty="0">
+              <a:rPr lang="en-US" altLang="zh-CN" sz="1200" dirty="0">
                 <a:solidFill>
-                  <a:schemeClr val="tx1"/>
+                  <a:schemeClr val="bg1"/>
                 </a:solidFill>
                 <a:latin typeface="微软雅黑" panose="020B0503020204020204" pitchFamily="34" charset="-122"/>
                 <a:ea typeface="微软雅黑" panose="020B0503020204020204" pitchFamily="34" charset="-122"/>
-                <a:cs typeface="Helvetica Light"/>
               </a:rPr>
-              <a:t>Registries</a:t>
+              <a:t> healthy instance first</a:t>
             </a:r>
+          </a:p>
+          <a:p>
+            <a:endParaRPr lang="zh-CN" altLang="en-US" sz="1200" dirty="0">
+              <a:solidFill>
+                <a:schemeClr val="bg1"/>
+              </a:solidFill>
+              <a:latin typeface="微软雅黑" panose="020B0503020204020204" pitchFamily="34" charset="-122"/>
+              <a:ea typeface="微软雅黑" panose="020B0503020204020204" pitchFamily="34" charset="-122"/>
+            </a:endParaRPr>
           </a:p>
         </p:txBody>
       </p:sp>
     </p:spTree>
     <p:extLst>
       <p:ext uri="{BB962C8B-B14F-4D97-AF65-F5344CB8AC3E}">
-        <p14:creationId xmlns:p14="http://schemas.microsoft.com/office/powerpoint/2010/main" val="4032763171"/>
+        <p14:creationId xmlns:p14="http://schemas.microsoft.com/office/powerpoint/2010/main" val="1788131802"/>
+      </p:ext>
+    </p:extLst>
+  </p:cSld>
+  <p:clrMapOvr>
+    <a:masterClrMapping/>
+  </p:clrMapOvr>
+  <p:transition spd="med"/>
+</p:sld>
+</file>
+
+<file path=ppt/slides/slide3.xml><?xml version="1.0" encoding="utf-8"?>
+<p:sld xmlns:a="http://schemas.openxmlformats.org/drawingml/2006/main" xmlns:r="http://schemas.openxmlformats.org/officeDocument/2006/relationships" xmlns:p="http://schemas.openxmlformats.org/presentationml/2006/main">
+  <p:cSld>
+    <p:spTree>
+      <p:nvGrpSpPr>
+        <p:cNvPr id="1" name=""/>
+        <p:cNvGrpSpPr/>
+        <p:nvPr/>
+      </p:nvGrpSpPr>
+      <p:grpSpPr>
+        <a:xfrm>
+          <a:off x="0" y="0"/>
+          <a:ext cx="0" cy="0"/>
+          <a:chOff x="0" y="0"/>
+          <a:chExt cx="0" cy="0"/>
+        </a:xfrm>
+      </p:grpSpPr>
+      <p:pic>
+        <p:nvPicPr>
+          <p:cNvPr id="2" name="图片 1">
+            <a:extLst>
+              <a:ext uri="{FF2B5EF4-FFF2-40B4-BE49-F238E27FC236}">
+                <a16:creationId xmlns:a16="http://schemas.microsoft.com/office/drawing/2014/main" id="{E854BB59-30F0-4A1A-A5D9-0A0CA23F52B6}"/>
+              </a:ext>
+            </a:extLst>
+          </p:cNvPr>
+          <p:cNvPicPr>
+            <a:picLocks noChangeAspect="1"/>
+          </p:cNvPicPr>
+          <p:nvPr/>
+        </p:nvPicPr>
+        <p:blipFill>
+          <a:blip r:embed="rId2">
+            <a:extLst>
+              <a:ext uri="{28A0092B-C50C-407E-A947-70E740481C1C}">
+                <a14:useLocalDpi xmlns:a14="http://schemas.microsoft.com/office/drawing/2010/main" val="0"/>
+              </a:ext>
+            </a:extLst>
+          </a:blip>
+          <a:stretch>
+            <a:fillRect/>
+          </a:stretch>
+        </p:blipFill>
+        <p:spPr>
+          <a:xfrm>
+            <a:off x="971259" y="147206"/>
+            <a:ext cx="15072304" cy="9175436"/>
+          </a:xfrm>
+          <a:prstGeom prst="rect">
+            <a:avLst/>
+          </a:prstGeom>
+        </p:spPr>
+      </p:pic>
+    </p:spTree>
+    <p:extLst>
+      <p:ext uri="{BB962C8B-B14F-4D97-AF65-F5344CB8AC3E}">
+        <p14:creationId xmlns:p14="http://schemas.microsoft.com/office/powerpoint/2010/main" val="2170458296"/>
       </p:ext>
     </p:extLst>
   </p:cSld>

--- a/resource/dubbo-go-arch.pptx
+++ b/resource/dubbo-go-arch.pptx
@@ -5,12 +5,11 @@
     <p:sldMasterId id="2147483648" r:id="rId1"/>
   </p:sldMasterIdLst>
   <p:notesMasterIdLst>
-    <p:notesMasterId r:id="rId5"/>
+    <p:notesMasterId r:id="rId4"/>
   </p:notesMasterIdLst>
   <p:sldIdLst>
     <p:sldId id="258" r:id="rId2"/>
     <p:sldId id="259" r:id="rId3"/>
-    <p:sldId id="260" r:id="rId4"/>
   </p:sldIdLst>
   <p:sldSz cx="17340263" cy="9753600"/>
   <p:notesSz cx="6858000" cy="9144000"/>
@@ -2234,7 +2233,7 @@
           </a:ln>
           <a:extLst>
             <a:ext uri="{C572A759-6A51-4108-AA02-DFA0A04FC94B}">
-              <ma14:wrappingTextBoxFlag xmlns:ma14="http://schemas.microsoft.com/office/mac/drawingml/2011/main" xmlns:a14="http://schemas.microsoft.com/office/drawing/2010/main" xmlns:m="http://schemas.openxmlformats.org/officeDocument/2006/math" xmlns="" val="1"/>
+              <ma14:wrappingTextBoxFlag xmlns="" xmlns:m="http://schemas.openxmlformats.org/officeDocument/2006/math" xmlns:a14="http://schemas.microsoft.com/office/drawing/2010/main" xmlns:ma14="http://schemas.microsoft.com/office/mac/drawingml/2011/main" val="1"/>
             </a:ext>
           </a:extLst>
         </p:spPr>
@@ -2273,7 +2272,7 @@
           </a:ln>
           <a:extLst>
             <a:ext uri="{C572A759-6A51-4108-AA02-DFA0A04FC94B}">
-              <ma14:wrappingTextBoxFlag xmlns:ma14="http://schemas.microsoft.com/office/mac/drawingml/2011/main" xmlns:a14="http://schemas.microsoft.com/office/drawing/2010/main" xmlns:m="http://schemas.openxmlformats.org/officeDocument/2006/math" xmlns="" val="1"/>
+              <ma14:wrappingTextBoxFlag xmlns="" xmlns:m="http://schemas.openxmlformats.org/officeDocument/2006/math" xmlns:a14="http://schemas.microsoft.com/office/drawing/2010/main" xmlns:ma14="http://schemas.microsoft.com/office/mac/drawingml/2011/main" val="1"/>
             </a:ext>
           </a:extLst>
         </p:spPr>
@@ -3143,7 +3142,7 @@
           </a:effectLst>
           <a:extLst>
             <a:ext uri="{C572A759-6A51-4108-AA02-DFA0A04FC94B}">
-              <ma14:wrappingTextBoxFlag xmlns:ma14="http://schemas.microsoft.com/office/mac/drawingml/2011/main" xmlns:a14="http://schemas.microsoft.com/office/drawing/2010/main" xmlns:m="http://schemas.openxmlformats.org/officeDocument/2006/math" xmlns="" val="1"/>
+              <ma14:wrappingTextBoxFlag xmlns="" xmlns:m="http://schemas.openxmlformats.org/officeDocument/2006/math" xmlns:a14="http://schemas.microsoft.com/office/drawing/2010/main" xmlns:ma14="http://schemas.microsoft.com/office/mac/drawingml/2011/main" val="1"/>
             </a:ext>
           </a:extLst>
         </p:spPr>
@@ -3243,7 +3242,7 @@
           </a:effectLst>
           <a:extLst>
             <a:ext uri="{C572A759-6A51-4108-AA02-DFA0A04FC94B}">
-              <ma14:wrappingTextBoxFlag xmlns:ma14="http://schemas.microsoft.com/office/mac/drawingml/2011/main" xmlns:a14="http://schemas.microsoft.com/office/drawing/2010/main" xmlns:m="http://schemas.openxmlformats.org/officeDocument/2006/math" xmlns="" val="1"/>
+              <ma14:wrappingTextBoxFlag xmlns="" xmlns:m="http://schemas.openxmlformats.org/officeDocument/2006/math" xmlns:a14="http://schemas.microsoft.com/office/drawing/2010/main" xmlns:ma14="http://schemas.microsoft.com/office/mac/drawingml/2011/main" val="1"/>
             </a:ext>
           </a:extLst>
         </p:spPr>
@@ -3333,7 +3332,7 @@
             </a:effectLst>
             <a:extLst>
               <a:ext uri="{C572A759-6A51-4108-AA02-DFA0A04FC94B}">
-                <ma14:wrappingTextBoxFlag xmlns:ma14="http://schemas.microsoft.com/office/mac/drawingml/2011/main" xmlns:a14="http://schemas.microsoft.com/office/drawing/2010/main" xmlns:m="http://schemas.openxmlformats.org/officeDocument/2006/math" xmlns="" val="1"/>
+                <ma14:wrappingTextBoxFlag xmlns="" xmlns:m="http://schemas.openxmlformats.org/officeDocument/2006/math" xmlns:a14="http://schemas.microsoft.com/office/drawing/2010/main" xmlns:ma14="http://schemas.microsoft.com/office/mac/drawingml/2011/main" val="1"/>
               </a:ext>
             </a:extLst>
           </p:spPr>
@@ -3406,7 +3405,7 @@
               </a:effectLst>
               <a:extLst>
                 <a:ext uri="{C572A759-6A51-4108-AA02-DFA0A04FC94B}">
-                  <ma14:wrappingTextBoxFlag xmlns:ma14="http://schemas.microsoft.com/office/mac/drawingml/2011/main" xmlns:a14="http://schemas.microsoft.com/office/drawing/2010/main" xmlns:m="http://schemas.openxmlformats.org/officeDocument/2006/math" xmlns="" val="1"/>
+                  <ma14:wrappingTextBoxFlag xmlns="" xmlns:m="http://schemas.openxmlformats.org/officeDocument/2006/math" xmlns:a14="http://schemas.microsoft.com/office/drawing/2010/main" xmlns:ma14="http://schemas.microsoft.com/office/mac/drawingml/2011/main" val="1"/>
                 </a:ext>
               </a:extLst>
             </p:spPr>
@@ -3473,7 +3472,7 @@
               </a:effectLst>
               <a:extLst>
                 <a:ext uri="{C572A759-6A51-4108-AA02-DFA0A04FC94B}">
-                  <ma14:wrappingTextBoxFlag xmlns:ma14="http://schemas.microsoft.com/office/mac/drawingml/2011/main" xmlns:a14="http://schemas.microsoft.com/office/drawing/2010/main" xmlns:m="http://schemas.openxmlformats.org/officeDocument/2006/math" xmlns="" val="1"/>
+                  <ma14:wrappingTextBoxFlag xmlns="" xmlns:m="http://schemas.openxmlformats.org/officeDocument/2006/math" xmlns:a14="http://schemas.microsoft.com/office/drawing/2010/main" xmlns:ma14="http://schemas.microsoft.com/office/mac/drawingml/2011/main" val="1"/>
                 </a:ext>
               </a:extLst>
             </p:spPr>
@@ -3527,7 +3526,7 @@
               </a:effectLst>
               <a:extLst>
                 <a:ext uri="{C572A759-6A51-4108-AA02-DFA0A04FC94B}">
-                  <ma14:wrappingTextBoxFlag xmlns:ma14="http://schemas.microsoft.com/office/mac/drawingml/2011/main" xmlns:a14="http://schemas.microsoft.com/office/drawing/2010/main" xmlns:m="http://schemas.openxmlformats.org/officeDocument/2006/math" xmlns="" val="1"/>
+                  <ma14:wrappingTextBoxFlag xmlns="" xmlns:m="http://schemas.openxmlformats.org/officeDocument/2006/math" xmlns:a14="http://schemas.microsoft.com/office/drawing/2010/main" xmlns:ma14="http://schemas.microsoft.com/office/mac/drawingml/2011/main" val="1"/>
                 </a:ext>
               </a:extLst>
             </p:spPr>
@@ -3608,7 +3607,7 @@
             </a:effectLst>
             <a:extLst>
               <a:ext uri="{C572A759-6A51-4108-AA02-DFA0A04FC94B}">
-                <ma14:wrappingTextBoxFlag xmlns:ma14="http://schemas.microsoft.com/office/mac/drawingml/2011/main" xmlns:a14="http://schemas.microsoft.com/office/drawing/2010/main" xmlns:m="http://schemas.openxmlformats.org/officeDocument/2006/math" xmlns="" val="1"/>
+                <ma14:wrappingTextBoxFlag xmlns="" xmlns:m="http://schemas.openxmlformats.org/officeDocument/2006/math" xmlns:a14="http://schemas.microsoft.com/office/drawing/2010/main" xmlns:ma14="http://schemas.microsoft.com/office/mac/drawingml/2011/main" val="1"/>
               </a:ext>
             </a:extLst>
           </p:spPr>
@@ -3659,7 +3658,7 @@
             </a:effectLst>
             <a:extLst>
               <a:ext uri="{C572A759-6A51-4108-AA02-DFA0A04FC94B}">
-                <ma14:wrappingTextBoxFlag xmlns:ma14="http://schemas.microsoft.com/office/mac/drawingml/2011/main" xmlns:a14="http://schemas.microsoft.com/office/drawing/2010/main" xmlns:m="http://schemas.openxmlformats.org/officeDocument/2006/math" xmlns="" val="1"/>
+                <ma14:wrappingTextBoxFlag xmlns="" xmlns:m="http://schemas.openxmlformats.org/officeDocument/2006/math" xmlns:a14="http://schemas.microsoft.com/office/drawing/2010/main" xmlns:ma14="http://schemas.microsoft.com/office/mac/drawingml/2011/main" val="1"/>
               </a:ext>
             </a:extLst>
           </p:spPr>
@@ -3713,7 +3712,7 @@
             </a:effectLst>
             <a:extLst>
               <a:ext uri="{C572A759-6A51-4108-AA02-DFA0A04FC94B}">
-                <ma14:wrappingTextBoxFlag xmlns:ma14="http://schemas.microsoft.com/office/mac/drawingml/2011/main" xmlns:a14="http://schemas.microsoft.com/office/drawing/2010/main" xmlns:m="http://schemas.openxmlformats.org/officeDocument/2006/math" xmlns="" val="1"/>
+                <ma14:wrappingTextBoxFlag xmlns="" xmlns:m="http://schemas.openxmlformats.org/officeDocument/2006/math" xmlns:a14="http://schemas.microsoft.com/office/drawing/2010/main" xmlns:ma14="http://schemas.microsoft.com/office/mac/drawingml/2011/main" val="1"/>
               </a:ext>
             </a:extLst>
           </p:spPr>
@@ -3767,7 +3766,7 @@
             </a:effectLst>
             <a:extLst>
               <a:ext uri="{C572A759-6A51-4108-AA02-DFA0A04FC94B}">
-                <ma14:wrappingTextBoxFlag xmlns:ma14="http://schemas.microsoft.com/office/mac/drawingml/2011/main" xmlns:a14="http://schemas.microsoft.com/office/drawing/2010/main" xmlns:m="http://schemas.openxmlformats.org/officeDocument/2006/math" xmlns="" val="1"/>
+                <ma14:wrappingTextBoxFlag xmlns="" xmlns:m="http://schemas.openxmlformats.org/officeDocument/2006/math" xmlns:a14="http://schemas.microsoft.com/office/drawing/2010/main" xmlns:ma14="http://schemas.microsoft.com/office/mac/drawingml/2011/main" val="1"/>
               </a:ext>
             </a:extLst>
           </p:spPr>
@@ -3821,7 +3820,7 @@
             </a:effectLst>
             <a:extLst>
               <a:ext uri="{C572A759-6A51-4108-AA02-DFA0A04FC94B}">
-                <ma14:wrappingTextBoxFlag xmlns:ma14="http://schemas.microsoft.com/office/mac/drawingml/2011/main" xmlns:a14="http://schemas.microsoft.com/office/drawing/2010/main" xmlns:m="http://schemas.openxmlformats.org/officeDocument/2006/math" xmlns="" val="1"/>
+                <ma14:wrappingTextBoxFlag xmlns="" xmlns:m="http://schemas.openxmlformats.org/officeDocument/2006/math" xmlns:a14="http://schemas.microsoft.com/office/drawing/2010/main" xmlns:ma14="http://schemas.microsoft.com/office/mac/drawingml/2011/main" val="1"/>
               </a:ext>
             </a:extLst>
           </p:spPr>
@@ -3876,7 +3875,7 @@
           </a:effectLst>
           <a:extLst>
             <a:ext uri="{C572A759-6A51-4108-AA02-DFA0A04FC94B}">
-              <ma14:wrappingTextBoxFlag xmlns:ma14="http://schemas.microsoft.com/office/mac/drawingml/2011/main" xmlns:a14="http://schemas.microsoft.com/office/drawing/2010/main" xmlns:m="http://schemas.openxmlformats.org/officeDocument/2006/math" xmlns="" val="1"/>
+              <ma14:wrappingTextBoxFlag xmlns="" xmlns:m="http://schemas.openxmlformats.org/officeDocument/2006/math" xmlns:a14="http://schemas.microsoft.com/office/drawing/2010/main" xmlns:ma14="http://schemas.microsoft.com/office/mac/drawingml/2011/main" val="1"/>
             </a:ext>
           </a:extLst>
         </p:spPr>
@@ -4052,7 +4051,7 @@
           </a:effectLst>
           <a:extLst>
             <a:ext uri="{C572A759-6A51-4108-AA02-DFA0A04FC94B}">
-              <ma14:wrappingTextBoxFlag xmlns:ma14="http://schemas.microsoft.com/office/mac/drawingml/2011/main" xmlns:a14="http://schemas.microsoft.com/office/drawing/2010/main" xmlns:m="http://schemas.openxmlformats.org/officeDocument/2006/math" xmlns="" val="1"/>
+              <ma14:wrappingTextBoxFlag xmlns="" xmlns:m="http://schemas.openxmlformats.org/officeDocument/2006/math" xmlns:a14="http://schemas.microsoft.com/office/drawing/2010/main" xmlns:ma14="http://schemas.microsoft.com/office/mac/drawingml/2011/main" val="1"/>
             </a:ext>
           </a:extLst>
         </p:spPr>
@@ -4176,7 +4175,7 @@
           </a:effectLst>
           <a:extLst>
             <a:ext uri="{C572A759-6A51-4108-AA02-DFA0A04FC94B}">
-              <ma14:wrappingTextBoxFlag xmlns:ma14="http://schemas.microsoft.com/office/mac/drawingml/2011/main" xmlns:a14="http://schemas.microsoft.com/office/drawing/2010/main" xmlns:m="http://schemas.openxmlformats.org/officeDocument/2006/math" xmlns="" val="1"/>
+              <ma14:wrappingTextBoxFlag xmlns="" xmlns:m="http://schemas.openxmlformats.org/officeDocument/2006/math" xmlns:a14="http://schemas.microsoft.com/office/drawing/2010/main" xmlns:ma14="http://schemas.microsoft.com/office/mac/drawingml/2011/main" val="1"/>
             </a:ext>
           </a:extLst>
         </p:spPr>
@@ -4255,7 +4254,7 @@
             </a:effectLst>
             <a:extLst>
               <a:ext uri="{C572A759-6A51-4108-AA02-DFA0A04FC94B}">
-                <ma14:wrappingTextBoxFlag xmlns:ma14="http://schemas.microsoft.com/office/mac/drawingml/2011/main" xmlns:a14="http://schemas.microsoft.com/office/drawing/2010/main" xmlns:m="http://schemas.openxmlformats.org/officeDocument/2006/math" xmlns="" val="1"/>
+                <ma14:wrappingTextBoxFlag xmlns="" xmlns:m="http://schemas.openxmlformats.org/officeDocument/2006/math" xmlns:a14="http://schemas.microsoft.com/office/drawing/2010/main" xmlns:ma14="http://schemas.microsoft.com/office/mac/drawingml/2011/main" val="1"/>
               </a:ext>
             </a:extLst>
           </p:spPr>
@@ -4320,7 +4319,7 @@
             </a:effectLst>
             <a:extLst>
               <a:ext uri="{C572A759-6A51-4108-AA02-DFA0A04FC94B}">
-                <ma14:wrappingTextBoxFlag xmlns:ma14="http://schemas.microsoft.com/office/mac/drawingml/2011/main" xmlns:a14="http://schemas.microsoft.com/office/drawing/2010/main" xmlns:m="http://schemas.openxmlformats.org/officeDocument/2006/math" xmlns="" val="1"/>
+                <ma14:wrappingTextBoxFlag xmlns="" xmlns:m="http://schemas.openxmlformats.org/officeDocument/2006/math" xmlns:a14="http://schemas.microsoft.com/office/drawing/2010/main" xmlns:ma14="http://schemas.microsoft.com/office/mac/drawingml/2011/main" val="1"/>
               </a:ext>
             </a:extLst>
           </p:spPr>
@@ -4385,7 +4384,7 @@
             </a:effectLst>
             <a:extLst>
               <a:ext uri="{C572A759-6A51-4108-AA02-DFA0A04FC94B}">
-                <ma14:wrappingTextBoxFlag xmlns:ma14="http://schemas.microsoft.com/office/mac/drawingml/2011/main" xmlns:a14="http://schemas.microsoft.com/office/drawing/2010/main" xmlns:m="http://schemas.openxmlformats.org/officeDocument/2006/math" xmlns="" val="1"/>
+                <ma14:wrappingTextBoxFlag xmlns="" xmlns:m="http://schemas.openxmlformats.org/officeDocument/2006/math" xmlns:a14="http://schemas.microsoft.com/office/drawing/2010/main" xmlns:ma14="http://schemas.microsoft.com/office/mac/drawingml/2011/main" val="1"/>
               </a:ext>
             </a:extLst>
           </p:spPr>
@@ -4450,7 +4449,7 @@
             </a:effectLst>
             <a:extLst>
               <a:ext uri="{C572A759-6A51-4108-AA02-DFA0A04FC94B}">
-                <ma14:wrappingTextBoxFlag xmlns:ma14="http://schemas.microsoft.com/office/mac/drawingml/2011/main" xmlns:a14="http://schemas.microsoft.com/office/drawing/2010/main" xmlns:m="http://schemas.openxmlformats.org/officeDocument/2006/math" xmlns="" val="1"/>
+                <ma14:wrappingTextBoxFlag xmlns="" xmlns:m="http://schemas.openxmlformats.org/officeDocument/2006/math" xmlns:a14="http://schemas.microsoft.com/office/drawing/2010/main" xmlns:ma14="http://schemas.microsoft.com/office/mac/drawingml/2011/main" val="1"/>
               </a:ext>
             </a:extLst>
           </p:spPr>
@@ -4737,7 +4736,7 @@
           </a:effectLst>
           <a:extLst>
             <a:ext uri="{C572A759-6A51-4108-AA02-DFA0A04FC94B}">
-              <ma14:wrappingTextBoxFlag xmlns:ma14="http://schemas.microsoft.com/office/mac/drawingml/2011/main" xmlns:a14="http://schemas.microsoft.com/office/drawing/2010/main" xmlns:m="http://schemas.openxmlformats.org/officeDocument/2006/math" xmlns="" val="1"/>
+              <ma14:wrappingTextBoxFlag xmlns="" xmlns:m="http://schemas.openxmlformats.org/officeDocument/2006/math" xmlns:a14="http://schemas.microsoft.com/office/drawing/2010/main" xmlns:ma14="http://schemas.microsoft.com/office/mac/drawingml/2011/main" val="1"/>
             </a:ext>
           </a:extLst>
         </p:spPr>
@@ -4796,7 +4795,7 @@
           </a:effectLst>
           <a:extLst>
             <a:ext uri="{C572A759-6A51-4108-AA02-DFA0A04FC94B}">
-              <ma14:wrappingTextBoxFlag xmlns:ma14="http://schemas.microsoft.com/office/mac/drawingml/2011/main" xmlns:a14="http://schemas.microsoft.com/office/drawing/2010/main" xmlns:m="http://schemas.openxmlformats.org/officeDocument/2006/math" xmlns="" val="1"/>
+              <ma14:wrappingTextBoxFlag xmlns="" xmlns:m="http://schemas.openxmlformats.org/officeDocument/2006/math" xmlns:a14="http://schemas.microsoft.com/office/drawing/2010/main" xmlns:ma14="http://schemas.microsoft.com/office/mac/drawingml/2011/main" val="1"/>
             </a:ext>
           </a:extLst>
         </p:spPr>
@@ -4861,7 +4860,7 @@
           </a:effectLst>
           <a:extLst>
             <a:ext uri="{C572A759-6A51-4108-AA02-DFA0A04FC94B}">
-              <ma14:wrappingTextBoxFlag xmlns:ma14="http://schemas.microsoft.com/office/mac/drawingml/2011/main" xmlns:a14="http://schemas.microsoft.com/office/drawing/2010/main" xmlns:m="http://schemas.openxmlformats.org/officeDocument/2006/math" xmlns="" val="1"/>
+              <ma14:wrappingTextBoxFlag xmlns="" xmlns:m="http://schemas.openxmlformats.org/officeDocument/2006/math" xmlns:a14="http://schemas.microsoft.com/office/drawing/2010/main" xmlns:ma14="http://schemas.microsoft.com/office/mac/drawingml/2011/main" val="1"/>
             </a:ext>
           </a:extLst>
         </p:spPr>
@@ -4926,7 +4925,7 @@
           </a:effectLst>
           <a:extLst>
             <a:ext uri="{C572A759-6A51-4108-AA02-DFA0A04FC94B}">
-              <ma14:wrappingTextBoxFlag xmlns:ma14="http://schemas.microsoft.com/office/mac/drawingml/2011/main" xmlns:a14="http://schemas.microsoft.com/office/drawing/2010/main" xmlns:m="http://schemas.openxmlformats.org/officeDocument/2006/math" xmlns="" val="1"/>
+              <ma14:wrappingTextBoxFlag xmlns="" xmlns:m="http://schemas.openxmlformats.org/officeDocument/2006/math" xmlns:a14="http://schemas.microsoft.com/office/drawing/2010/main" xmlns:ma14="http://schemas.microsoft.com/office/mac/drawingml/2011/main" val="1"/>
             </a:ext>
           </a:extLst>
         </p:spPr>
@@ -4991,7 +4990,7 @@
           </a:effectLst>
           <a:extLst>
             <a:ext uri="{C572A759-6A51-4108-AA02-DFA0A04FC94B}">
-              <ma14:wrappingTextBoxFlag xmlns:ma14="http://schemas.microsoft.com/office/mac/drawingml/2011/main" xmlns:a14="http://schemas.microsoft.com/office/drawing/2010/main" xmlns:m="http://schemas.openxmlformats.org/officeDocument/2006/math" xmlns="" val="1"/>
+              <ma14:wrappingTextBoxFlag xmlns="" xmlns:m="http://schemas.openxmlformats.org/officeDocument/2006/math" xmlns:a14="http://schemas.microsoft.com/office/drawing/2010/main" xmlns:ma14="http://schemas.microsoft.com/office/mac/drawingml/2011/main" val="1"/>
             </a:ext>
           </a:extLst>
         </p:spPr>
@@ -5122,7 +5121,7 @@
             <a:effectLst/>
             <a:extLst>
               <a:ext uri="{C572A759-6A51-4108-AA02-DFA0A04FC94B}">
-                <ma14:wrappingTextBoxFlag xmlns:ma14="http://schemas.microsoft.com/office/mac/drawingml/2011/main" xmlns:a14="http://schemas.microsoft.com/office/drawing/2010/main" xmlns:m="http://schemas.openxmlformats.org/officeDocument/2006/math" xmlns="" val="1"/>
+                <ma14:wrappingTextBoxFlag xmlns="" xmlns:m="http://schemas.openxmlformats.org/officeDocument/2006/math" xmlns:a14="http://schemas.microsoft.com/office/drawing/2010/main" xmlns:ma14="http://schemas.microsoft.com/office/mac/drawingml/2011/main" val="1"/>
               </a:ext>
             </a:extLst>
           </p:spPr>
@@ -5251,7 +5250,7 @@
             <a:effectLst/>
             <a:extLst>
               <a:ext uri="{C572A759-6A51-4108-AA02-DFA0A04FC94B}">
-                <ma14:wrappingTextBoxFlag xmlns:ma14="http://schemas.microsoft.com/office/mac/drawingml/2011/main" xmlns:a14="http://schemas.microsoft.com/office/drawing/2010/main" xmlns:m="http://schemas.openxmlformats.org/officeDocument/2006/math" xmlns="" val="1"/>
+                <ma14:wrappingTextBoxFlag xmlns="" xmlns:m="http://schemas.openxmlformats.org/officeDocument/2006/math" xmlns:a14="http://schemas.microsoft.com/office/drawing/2010/main" xmlns:ma14="http://schemas.microsoft.com/office/mac/drawingml/2011/main" val="1"/>
               </a:ext>
             </a:extLst>
           </p:spPr>
@@ -5302,7 +5301,7 @@
             </a:ln>
             <a:extLst>
               <a:ext uri="{C572A759-6A51-4108-AA02-DFA0A04FC94B}">
-                <ma14:wrappingTextBoxFlag xmlns:ma14="http://schemas.microsoft.com/office/mac/drawingml/2011/main" xmlns:a14="http://schemas.microsoft.com/office/drawing/2010/main" xmlns:m="http://schemas.openxmlformats.org/officeDocument/2006/math" xmlns="" val="1"/>
+                <ma14:wrappingTextBoxFlag xmlns="" xmlns:m="http://schemas.openxmlformats.org/officeDocument/2006/math" xmlns:a14="http://schemas.microsoft.com/office/drawing/2010/main" xmlns:ma14="http://schemas.microsoft.com/office/mac/drawingml/2011/main" val="1"/>
               </a:ext>
             </a:extLst>
           </p:spPr>
@@ -5496,7 +5495,7 @@
             </a:effectLst>
             <a:extLst>
               <a:ext uri="{C572A759-6A51-4108-AA02-DFA0A04FC94B}">
-                <ma14:wrappingTextBoxFlag xmlns:ma14="http://schemas.microsoft.com/office/mac/drawingml/2011/main" xmlns:a14="http://schemas.microsoft.com/office/drawing/2010/main" xmlns:m="http://schemas.openxmlformats.org/officeDocument/2006/math" xmlns="" val="1"/>
+                <ma14:wrappingTextBoxFlag xmlns="" xmlns:m="http://schemas.openxmlformats.org/officeDocument/2006/math" xmlns:a14="http://schemas.microsoft.com/office/drawing/2010/main" xmlns:ma14="http://schemas.microsoft.com/office/mac/drawingml/2011/main" val="1"/>
               </a:ext>
             </a:extLst>
           </p:spPr>
@@ -5566,7 +5565,7 @@
             </a:effectLst>
             <a:extLst>
               <a:ext uri="{C572A759-6A51-4108-AA02-DFA0A04FC94B}">
-                <ma14:wrappingTextBoxFlag xmlns:ma14="http://schemas.microsoft.com/office/mac/drawingml/2011/main" xmlns:a14="http://schemas.microsoft.com/office/drawing/2010/main" xmlns:m="http://schemas.openxmlformats.org/officeDocument/2006/math" xmlns="" val="1"/>
+                <ma14:wrappingTextBoxFlag xmlns="" xmlns:m="http://schemas.openxmlformats.org/officeDocument/2006/math" xmlns:a14="http://schemas.microsoft.com/office/drawing/2010/main" xmlns:ma14="http://schemas.microsoft.com/office/mac/drawingml/2011/main" val="1"/>
               </a:ext>
             </a:extLst>
           </p:spPr>
@@ -5709,7 +5708,7 @@
             </a:ln>
             <a:extLst>
               <a:ext uri="{C572A759-6A51-4108-AA02-DFA0A04FC94B}">
-                <ma14:wrappingTextBoxFlag xmlns:ma14="http://schemas.microsoft.com/office/mac/drawingml/2011/main" xmlns:a14="http://schemas.microsoft.com/office/drawing/2010/main" xmlns:m="http://schemas.openxmlformats.org/officeDocument/2006/math" xmlns="" val="1"/>
+                <ma14:wrappingTextBoxFlag xmlns="" xmlns:m="http://schemas.openxmlformats.org/officeDocument/2006/math" xmlns:a14="http://schemas.microsoft.com/office/drawing/2010/main" xmlns:ma14="http://schemas.microsoft.com/office/mac/drawingml/2011/main" val="1"/>
               </a:ext>
             </a:extLst>
           </p:spPr>
@@ -5799,7 +5798,7 @@
             </a:effectLst>
             <a:extLst>
               <a:ext uri="{C572A759-6A51-4108-AA02-DFA0A04FC94B}">
-                <ma14:wrappingTextBoxFlag xmlns:ma14="http://schemas.microsoft.com/office/mac/drawingml/2011/main" xmlns:a14="http://schemas.microsoft.com/office/drawing/2010/main" xmlns:m="http://schemas.openxmlformats.org/officeDocument/2006/math" xmlns="" val="1"/>
+                <ma14:wrappingTextBoxFlag xmlns="" xmlns:m="http://schemas.openxmlformats.org/officeDocument/2006/math" xmlns:a14="http://schemas.microsoft.com/office/drawing/2010/main" xmlns:ma14="http://schemas.microsoft.com/office/mac/drawingml/2011/main" val="1"/>
               </a:ext>
             </a:extLst>
           </p:spPr>
@@ -5893,7 +5892,7 @@
                 </a:effectLst>
                 <a:extLst>
                   <a:ext uri="{C572A759-6A51-4108-AA02-DFA0A04FC94B}">
-                    <ma14:wrappingTextBoxFlag xmlns:ma14="http://schemas.microsoft.com/office/mac/drawingml/2011/main" xmlns:a14="http://schemas.microsoft.com/office/drawing/2010/main" xmlns:m="http://schemas.openxmlformats.org/officeDocument/2006/math" xmlns="" val="1"/>
+                    <ma14:wrappingTextBoxFlag xmlns="" xmlns:m="http://schemas.openxmlformats.org/officeDocument/2006/math" xmlns:a14="http://schemas.microsoft.com/office/drawing/2010/main" xmlns:ma14="http://schemas.microsoft.com/office/mac/drawingml/2011/main" val="1"/>
                   </a:ext>
                 </a:extLst>
               </p:spPr>
@@ -5960,7 +5959,7 @@
                 </a:effectLst>
                 <a:extLst>
                   <a:ext uri="{C572A759-6A51-4108-AA02-DFA0A04FC94B}">
-                    <ma14:wrappingTextBoxFlag xmlns:ma14="http://schemas.microsoft.com/office/mac/drawingml/2011/main" xmlns:a14="http://schemas.microsoft.com/office/drawing/2010/main" xmlns:m="http://schemas.openxmlformats.org/officeDocument/2006/math" xmlns="" val="1"/>
+                    <ma14:wrappingTextBoxFlag xmlns="" xmlns:m="http://schemas.openxmlformats.org/officeDocument/2006/math" xmlns:a14="http://schemas.microsoft.com/office/drawing/2010/main" xmlns:ma14="http://schemas.microsoft.com/office/mac/drawingml/2011/main" val="1"/>
                   </a:ext>
                 </a:extLst>
               </p:spPr>
@@ -6045,7 +6044,7 @@
                 </a:effectLst>
                 <a:extLst>
                   <a:ext uri="{C572A759-6A51-4108-AA02-DFA0A04FC94B}">
-                    <ma14:wrappingTextBoxFlag xmlns:ma14="http://schemas.microsoft.com/office/mac/drawingml/2011/main" xmlns:a14="http://schemas.microsoft.com/office/drawing/2010/main" xmlns:m="http://schemas.openxmlformats.org/officeDocument/2006/math" xmlns="" val="1"/>
+                    <ma14:wrappingTextBoxFlag xmlns="" xmlns:m="http://schemas.openxmlformats.org/officeDocument/2006/math" xmlns:a14="http://schemas.microsoft.com/office/drawing/2010/main" xmlns:ma14="http://schemas.microsoft.com/office/mac/drawingml/2011/main" val="1"/>
                   </a:ext>
                 </a:extLst>
               </p:spPr>
@@ -6112,7 +6111,7 @@
                 </a:effectLst>
                 <a:extLst>
                   <a:ext uri="{C572A759-6A51-4108-AA02-DFA0A04FC94B}">
-                    <ma14:wrappingTextBoxFlag xmlns:ma14="http://schemas.microsoft.com/office/mac/drawingml/2011/main" xmlns:a14="http://schemas.microsoft.com/office/drawing/2010/main" xmlns:m="http://schemas.openxmlformats.org/officeDocument/2006/math" xmlns="" val="1"/>
+                    <ma14:wrappingTextBoxFlag xmlns="" xmlns:m="http://schemas.openxmlformats.org/officeDocument/2006/math" xmlns:a14="http://schemas.microsoft.com/office/drawing/2010/main" xmlns:ma14="http://schemas.microsoft.com/office/mac/drawingml/2011/main" val="1"/>
                   </a:ext>
                 </a:extLst>
               </p:spPr>
@@ -6201,7 +6200,7 @@
                 </a:effectLst>
                 <a:extLst>
                   <a:ext uri="{C572A759-6A51-4108-AA02-DFA0A04FC94B}">
-                    <ma14:wrappingTextBoxFlag xmlns:ma14="http://schemas.microsoft.com/office/mac/drawingml/2011/main" xmlns:a14="http://schemas.microsoft.com/office/drawing/2010/main" xmlns:m="http://schemas.openxmlformats.org/officeDocument/2006/math" xmlns="" val="1"/>
+                    <ma14:wrappingTextBoxFlag xmlns="" xmlns:m="http://schemas.openxmlformats.org/officeDocument/2006/math" xmlns:a14="http://schemas.microsoft.com/office/drawing/2010/main" xmlns:ma14="http://schemas.microsoft.com/office/mac/drawingml/2011/main" val="1"/>
                   </a:ext>
                 </a:extLst>
               </p:spPr>
@@ -6268,7 +6267,7 @@
                 </a:effectLst>
                 <a:extLst>
                   <a:ext uri="{C572A759-6A51-4108-AA02-DFA0A04FC94B}">
-                    <ma14:wrappingTextBoxFlag xmlns:ma14="http://schemas.microsoft.com/office/mac/drawingml/2011/main" xmlns:a14="http://schemas.microsoft.com/office/drawing/2010/main" xmlns:m="http://schemas.openxmlformats.org/officeDocument/2006/math" xmlns="" val="1"/>
+                    <ma14:wrappingTextBoxFlag xmlns="" xmlns:m="http://schemas.openxmlformats.org/officeDocument/2006/math" xmlns:a14="http://schemas.microsoft.com/office/drawing/2010/main" xmlns:ma14="http://schemas.microsoft.com/office/mac/drawingml/2011/main" val="1"/>
                   </a:ext>
                 </a:extLst>
               </p:spPr>
@@ -6353,7 +6352,7 @@
                 </a:effectLst>
                 <a:extLst>
                   <a:ext uri="{C572A759-6A51-4108-AA02-DFA0A04FC94B}">
-                    <ma14:wrappingTextBoxFlag xmlns:ma14="http://schemas.microsoft.com/office/mac/drawingml/2011/main" xmlns:a14="http://schemas.microsoft.com/office/drawing/2010/main" xmlns:m="http://schemas.openxmlformats.org/officeDocument/2006/math" xmlns="" val="1"/>
+                    <ma14:wrappingTextBoxFlag xmlns="" xmlns:m="http://schemas.openxmlformats.org/officeDocument/2006/math" xmlns:a14="http://schemas.microsoft.com/office/drawing/2010/main" xmlns:ma14="http://schemas.microsoft.com/office/mac/drawingml/2011/main" val="1"/>
                   </a:ext>
                 </a:extLst>
               </p:spPr>
@@ -6420,7 +6419,7 @@
                 </a:effectLst>
                 <a:extLst>
                   <a:ext uri="{C572A759-6A51-4108-AA02-DFA0A04FC94B}">
-                    <ma14:wrappingTextBoxFlag xmlns:ma14="http://schemas.microsoft.com/office/mac/drawingml/2011/main" xmlns:a14="http://schemas.microsoft.com/office/drawing/2010/main" xmlns:m="http://schemas.openxmlformats.org/officeDocument/2006/math" xmlns="" val="1"/>
+                    <ma14:wrappingTextBoxFlag xmlns="" xmlns:m="http://schemas.openxmlformats.org/officeDocument/2006/math" xmlns:a14="http://schemas.microsoft.com/office/drawing/2010/main" xmlns:ma14="http://schemas.microsoft.com/office/mac/drawingml/2011/main" val="1"/>
                   </a:ext>
                 </a:extLst>
               </p:spPr>
@@ -6511,7 +6510,7 @@
                 </a:effectLst>
                 <a:extLst>
                   <a:ext uri="{C572A759-6A51-4108-AA02-DFA0A04FC94B}">
-                    <ma14:wrappingTextBoxFlag xmlns:ma14="http://schemas.microsoft.com/office/mac/drawingml/2011/main" xmlns:a14="http://schemas.microsoft.com/office/drawing/2010/main" xmlns:m="http://schemas.openxmlformats.org/officeDocument/2006/math" xmlns="" val="1"/>
+                    <ma14:wrappingTextBoxFlag xmlns="" xmlns:m="http://schemas.openxmlformats.org/officeDocument/2006/math" xmlns:a14="http://schemas.microsoft.com/office/drawing/2010/main" xmlns:ma14="http://schemas.microsoft.com/office/mac/drawingml/2011/main" val="1"/>
                   </a:ext>
                 </a:extLst>
               </p:spPr>
@@ -6601,7 +6600,7 @@
                 </a:effectLst>
                 <a:extLst>
                   <a:ext uri="{C572A759-6A51-4108-AA02-DFA0A04FC94B}">
-                    <ma14:wrappingTextBoxFlag xmlns:ma14="http://schemas.microsoft.com/office/mac/drawingml/2011/main" xmlns:a14="http://schemas.microsoft.com/office/drawing/2010/main" xmlns:m="http://schemas.openxmlformats.org/officeDocument/2006/math" xmlns="" val="1"/>
+                    <ma14:wrappingTextBoxFlag xmlns="" xmlns:m="http://schemas.openxmlformats.org/officeDocument/2006/math" xmlns:a14="http://schemas.microsoft.com/office/drawing/2010/main" xmlns:ma14="http://schemas.microsoft.com/office/mac/drawingml/2011/main" val="1"/>
                   </a:ext>
                 </a:extLst>
               </p:spPr>
@@ -6712,7 +6711,7 @@
               </a:effectLst>
               <a:extLst>
                 <a:ext uri="{C572A759-6A51-4108-AA02-DFA0A04FC94B}">
-                  <ma14:wrappingTextBoxFlag xmlns:ma14="http://schemas.microsoft.com/office/mac/drawingml/2011/main" xmlns:a14="http://schemas.microsoft.com/office/drawing/2010/main" xmlns:m="http://schemas.openxmlformats.org/officeDocument/2006/math" xmlns="" val="1"/>
+                  <ma14:wrappingTextBoxFlag xmlns="" xmlns:m="http://schemas.openxmlformats.org/officeDocument/2006/math" xmlns:a14="http://schemas.microsoft.com/office/drawing/2010/main" xmlns:ma14="http://schemas.microsoft.com/office/mac/drawingml/2011/main" val="1"/>
                 </a:ext>
               </a:extLst>
             </p:spPr>
@@ -6798,7 +6797,7 @@
               </a:effectLst>
               <a:extLst>
                 <a:ext uri="{C572A759-6A51-4108-AA02-DFA0A04FC94B}">
-                  <ma14:wrappingTextBoxFlag xmlns:ma14="http://schemas.microsoft.com/office/mac/drawingml/2011/main" xmlns:a14="http://schemas.microsoft.com/office/drawing/2010/main" xmlns:m="http://schemas.openxmlformats.org/officeDocument/2006/math" xmlns="" val="1"/>
+                  <ma14:wrappingTextBoxFlag xmlns="" xmlns:m="http://schemas.openxmlformats.org/officeDocument/2006/math" xmlns:a14="http://schemas.microsoft.com/office/drawing/2010/main" xmlns:ma14="http://schemas.microsoft.com/office/mac/drawingml/2011/main" val="1"/>
                 </a:ext>
               </a:extLst>
             </p:spPr>
@@ -6862,7 +6861,7 @@
               </a:effectLst>
               <a:extLst>
                 <a:ext uri="{C572A759-6A51-4108-AA02-DFA0A04FC94B}">
-                  <ma14:wrappingTextBoxFlag xmlns:ma14="http://schemas.microsoft.com/office/mac/drawingml/2011/main" xmlns:a14="http://schemas.microsoft.com/office/drawing/2010/main" xmlns:m="http://schemas.openxmlformats.org/officeDocument/2006/math" xmlns="" val="1"/>
+                  <ma14:wrappingTextBoxFlag xmlns="" xmlns:m="http://schemas.openxmlformats.org/officeDocument/2006/math" xmlns:a14="http://schemas.microsoft.com/office/drawing/2010/main" xmlns:ma14="http://schemas.microsoft.com/office/mac/drawingml/2011/main" val="1"/>
                 </a:ext>
               </a:extLst>
             </p:spPr>
@@ -6936,7 +6935,7 @@
               </a:effectLst>
               <a:extLst>
                 <a:ext uri="{C572A759-6A51-4108-AA02-DFA0A04FC94B}">
-                  <ma14:wrappingTextBoxFlag xmlns:ma14="http://schemas.microsoft.com/office/mac/drawingml/2011/main" xmlns:a14="http://schemas.microsoft.com/office/drawing/2010/main" xmlns:m="http://schemas.openxmlformats.org/officeDocument/2006/math" xmlns="" val="1"/>
+                  <ma14:wrappingTextBoxFlag xmlns="" xmlns:m="http://schemas.openxmlformats.org/officeDocument/2006/math" xmlns:a14="http://schemas.microsoft.com/office/drawing/2010/main" xmlns:ma14="http://schemas.microsoft.com/office/mac/drawingml/2011/main" val="1"/>
                 </a:ext>
               </a:extLst>
             </p:spPr>
@@ -7031,7 +7030,7 @@
               </a:effectLst>
               <a:extLst>
                 <a:ext uri="{C572A759-6A51-4108-AA02-DFA0A04FC94B}">
-                  <ma14:wrappingTextBoxFlag xmlns:ma14="http://schemas.microsoft.com/office/mac/drawingml/2011/main" xmlns:a14="http://schemas.microsoft.com/office/drawing/2010/main" xmlns:m="http://schemas.openxmlformats.org/officeDocument/2006/math" xmlns="" val="1"/>
+                  <ma14:wrappingTextBoxFlag xmlns="" xmlns:m="http://schemas.openxmlformats.org/officeDocument/2006/math" xmlns:a14="http://schemas.microsoft.com/office/drawing/2010/main" xmlns:ma14="http://schemas.microsoft.com/office/mac/drawingml/2011/main" val="1"/>
                 </a:ext>
               </a:extLst>
             </p:spPr>
@@ -7145,7 +7144,7 @@
               </a:effectLst>
               <a:extLst>
                 <a:ext uri="{C572A759-6A51-4108-AA02-DFA0A04FC94B}">
-                  <ma14:wrappingTextBoxFlag xmlns:ma14="http://schemas.microsoft.com/office/mac/drawingml/2011/main" xmlns:a14="http://schemas.microsoft.com/office/drawing/2010/main" xmlns:m="http://schemas.openxmlformats.org/officeDocument/2006/math" xmlns="" val="1"/>
+                  <ma14:wrappingTextBoxFlag xmlns="" xmlns:m="http://schemas.openxmlformats.org/officeDocument/2006/math" xmlns:a14="http://schemas.microsoft.com/office/drawing/2010/main" xmlns:ma14="http://schemas.microsoft.com/office/mac/drawingml/2011/main" val="1"/>
                 </a:ext>
               </a:extLst>
             </p:spPr>
@@ -7219,7 +7218,7 @@
               </a:effectLst>
               <a:extLst>
                 <a:ext uri="{C572A759-6A51-4108-AA02-DFA0A04FC94B}">
-                  <ma14:wrappingTextBoxFlag xmlns:ma14="http://schemas.microsoft.com/office/mac/drawingml/2011/main" xmlns:a14="http://schemas.microsoft.com/office/drawing/2010/main" xmlns:m="http://schemas.openxmlformats.org/officeDocument/2006/math" xmlns="" val="1"/>
+                  <ma14:wrappingTextBoxFlag xmlns="" xmlns:m="http://schemas.openxmlformats.org/officeDocument/2006/math" xmlns:a14="http://schemas.microsoft.com/office/drawing/2010/main" xmlns:ma14="http://schemas.microsoft.com/office/mac/drawingml/2011/main" val="1"/>
                 </a:ext>
               </a:extLst>
             </p:spPr>
@@ -7293,7 +7292,7 @@
               </a:effectLst>
               <a:extLst>
                 <a:ext uri="{C572A759-6A51-4108-AA02-DFA0A04FC94B}">
-                  <ma14:wrappingTextBoxFlag xmlns:ma14="http://schemas.microsoft.com/office/mac/drawingml/2011/main" xmlns:a14="http://schemas.microsoft.com/office/drawing/2010/main" xmlns:m="http://schemas.openxmlformats.org/officeDocument/2006/math" xmlns="" val="1"/>
+                  <ma14:wrappingTextBoxFlag xmlns="" xmlns:m="http://schemas.openxmlformats.org/officeDocument/2006/math" xmlns:a14="http://schemas.microsoft.com/office/drawing/2010/main" xmlns:ma14="http://schemas.microsoft.com/office/mac/drawingml/2011/main" val="1"/>
                 </a:ext>
               </a:extLst>
             </p:spPr>
@@ -7386,7 +7385,7 @@
             </a:effectLst>
             <a:extLst>
               <a:ext uri="{C572A759-6A51-4108-AA02-DFA0A04FC94B}">
-                <ma14:wrappingTextBoxFlag xmlns:ma14="http://schemas.microsoft.com/office/mac/drawingml/2011/main" xmlns:a14="http://schemas.microsoft.com/office/drawing/2010/main" xmlns:m="http://schemas.openxmlformats.org/officeDocument/2006/math" xmlns="" val="1"/>
+                <ma14:wrappingTextBoxFlag xmlns="" xmlns:m="http://schemas.openxmlformats.org/officeDocument/2006/math" xmlns:a14="http://schemas.microsoft.com/office/drawing/2010/main" xmlns:ma14="http://schemas.microsoft.com/office/mac/drawingml/2011/main" val="1"/>
               </a:ext>
             </a:extLst>
           </p:spPr>
@@ -7444,7 +7443,7 @@
             </a:effectLst>
             <a:extLst>
               <a:ext uri="{C572A759-6A51-4108-AA02-DFA0A04FC94B}">
-                <ma14:wrappingTextBoxFlag xmlns:ma14="http://schemas.microsoft.com/office/mac/drawingml/2011/main" xmlns:a14="http://schemas.microsoft.com/office/drawing/2010/main" xmlns:m="http://schemas.openxmlformats.org/officeDocument/2006/math" xmlns="" val="1"/>
+                <ma14:wrappingTextBoxFlag xmlns="" xmlns:m="http://schemas.openxmlformats.org/officeDocument/2006/math" xmlns:a14="http://schemas.microsoft.com/office/drawing/2010/main" xmlns:ma14="http://schemas.microsoft.com/office/mac/drawingml/2011/main" val="1"/>
               </a:ext>
             </a:extLst>
           </p:spPr>
@@ -7514,7 +7513,7 @@
             </a:effectLst>
             <a:extLst>
               <a:ext uri="{C572A759-6A51-4108-AA02-DFA0A04FC94B}">
-                <ma14:wrappingTextBoxFlag xmlns:ma14="http://schemas.microsoft.com/office/mac/drawingml/2011/main" xmlns:a14="http://schemas.microsoft.com/office/drawing/2010/main" xmlns:m="http://schemas.openxmlformats.org/officeDocument/2006/math" xmlns="" val="1"/>
+                <ma14:wrappingTextBoxFlag xmlns="" xmlns:m="http://schemas.openxmlformats.org/officeDocument/2006/math" xmlns:a14="http://schemas.microsoft.com/office/drawing/2010/main" xmlns:ma14="http://schemas.microsoft.com/office/mac/drawingml/2011/main" val="1"/>
               </a:ext>
             </a:extLst>
           </p:spPr>
@@ -7584,7 +7583,7 @@
             </a:effectLst>
             <a:extLst>
               <a:ext uri="{C572A759-6A51-4108-AA02-DFA0A04FC94B}">
-                <ma14:wrappingTextBoxFlag xmlns:ma14="http://schemas.microsoft.com/office/mac/drawingml/2011/main" xmlns:a14="http://schemas.microsoft.com/office/drawing/2010/main" xmlns:m="http://schemas.openxmlformats.org/officeDocument/2006/math" xmlns="" val="1"/>
+                <ma14:wrappingTextBoxFlag xmlns="" xmlns:m="http://schemas.openxmlformats.org/officeDocument/2006/math" xmlns:a14="http://schemas.microsoft.com/office/drawing/2010/main" xmlns:ma14="http://schemas.microsoft.com/office/mac/drawingml/2011/main" val="1"/>
               </a:ext>
             </a:extLst>
           </p:spPr>
@@ -7654,7 +7653,7 @@
             </a:effectLst>
             <a:extLst>
               <a:ext uri="{C572A759-6A51-4108-AA02-DFA0A04FC94B}">
-                <ma14:wrappingTextBoxFlag xmlns:ma14="http://schemas.microsoft.com/office/mac/drawingml/2011/main" xmlns:a14="http://schemas.microsoft.com/office/drawing/2010/main" xmlns:m="http://schemas.openxmlformats.org/officeDocument/2006/math" xmlns="" val="1"/>
+                <ma14:wrappingTextBoxFlag xmlns="" xmlns:m="http://schemas.openxmlformats.org/officeDocument/2006/math" xmlns:a14="http://schemas.microsoft.com/office/drawing/2010/main" xmlns:ma14="http://schemas.microsoft.com/office/mac/drawingml/2011/main" val="1"/>
               </a:ext>
             </a:extLst>
           </p:spPr>
@@ -7881,7 +7880,7 @@
           </a:effectLst>
           <a:extLst>
             <a:ext uri="{C572A759-6A51-4108-AA02-DFA0A04FC94B}">
-              <ma14:wrappingTextBoxFlag xmlns:ma14="http://schemas.microsoft.com/office/mac/drawingml/2011/main" xmlns:a14="http://schemas.microsoft.com/office/drawing/2010/main" xmlns:m="http://schemas.openxmlformats.org/officeDocument/2006/math" xmlns="" val="1"/>
+              <ma14:wrappingTextBoxFlag xmlns="" xmlns:m="http://schemas.openxmlformats.org/officeDocument/2006/math" xmlns:a14="http://schemas.microsoft.com/office/drawing/2010/main" xmlns:ma14="http://schemas.microsoft.com/office/mac/drawingml/2011/main" val="1"/>
             </a:ext>
           </a:extLst>
         </p:spPr>
@@ -7972,7 +7971,7 @@
               </a:ln>
               <a:extLst>
                 <a:ext uri="{C572A759-6A51-4108-AA02-DFA0A04FC94B}">
-                  <ma14:wrappingTextBoxFlag xmlns:ma14="http://schemas.microsoft.com/office/mac/drawingml/2011/main" xmlns:a14="http://schemas.microsoft.com/office/drawing/2010/main" xmlns:m="http://schemas.openxmlformats.org/officeDocument/2006/math" xmlns="" val="1"/>
+                  <ma14:wrappingTextBoxFlag xmlns="" xmlns:m="http://schemas.openxmlformats.org/officeDocument/2006/math" xmlns:a14="http://schemas.microsoft.com/office/drawing/2010/main" xmlns:ma14="http://schemas.microsoft.com/office/mac/drawingml/2011/main" val="1"/>
                 </a:ext>
               </a:extLst>
             </p:spPr>
@@ -8102,7 +8101,7 @@
               </a:ln>
               <a:extLst>
                 <a:ext uri="{C572A759-6A51-4108-AA02-DFA0A04FC94B}">
-                  <ma14:wrappingTextBoxFlag xmlns:ma14="http://schemas.microsoft.com/office/mac/drawingml/2011/main" xmlns:a14="http://schemas.microsoft.com/office/drawing/2010/main" xmlns:m="http://schemas.openxmlformats.org/officeDocument/2006/math" xmlns="" val="1"/>
+                  <ma14:wrappingTextBoxFlag xmlns="" xmlns:m="http://schemas.openxmlformats.org/officeDocument/2006/math" xmlns:a14="http://schemas.microsoft.com/office/drawing/2010/main" xmlns:ma14="http://schemas.microsoft.com/office/mac/drawingml/2011/main" val="1"/>
                 </a:ext>
               </a:extLst>
             </p:spPr>
@@ -8262,7 +8261,7 @@
             </a:effectLst>
             <a:extLst>
               <a:ext uri="{C572A759-6A51-4108-AA02-DFA0A04FC94B}">
-                <ma14:wrappingTextBoxFlag xmlns:ma14="http://schemas.microsoft.com/office/mac/drawingml/2011/main" xmlns:a14="http://schemas.microsoft.com/office/drawing/2010/main" xmlns:m="http://schemas.openxmlformats.org/officeDocument/2006/math" xmlns="" val="1"/>
+                <ma14:wrappingTextBoxFlag xmlns="" xmlns:m="http://schemas.openxmlformats.org/officeDocument/2006/math" xmlns:a14="http://schemas.microsoft.com/office/drawing/2010/main" xmlns:ma14="http://schemas.microsoft.com/office/mac/drawingml/2011/main" val="1"/>
               </a:ext>
             </a:extLst>
           </p:spPr>
@@ -8326,7 +8325,7 @@
             </a:effectLst>
             <a:extLst>
               <a:ext uri="{C572A759-6A51-4108-AA02-DFA0A04FC94B}">
-                <ma14:wrappingTextBoxFlag xmlns:ma14="http://schemas.microsoft.com/office/mac/drawingml/2011/main" xmlns:a14="http://schemas.microsoft.com/office/drawing/2010/main" xmlns:m="http://schemas.openxmlformats.org/officeDocument/2006/math" xmlns="" val="1"/>
+                <ma14:wrappingTextBoxFlag xmlns="" xmlns:m="http://schemas.openxmlformats.org/officeDocument/2006/math" xmlns:a14="http://schemas.microsoft.com/office/drawing/2010/main" xmlns:ma14="http://schemas.microsoft.com/office/mac/drawingml/2011/main" val="1"/>
               </a:ext>
             </a:extLst>
           </p:spPr>
@@ -8396,7 +8395,7 @@
             </a:effectLst>
             <a:extLst>
               <a:ext uri="{C572A759-6A51-4108-AA02-DFA0A04FC94B}">
-                <ma14:wrappingTextBoxFlag xmlns:ma14="http://schemas.microsoft.com/office/mac/drawingml/2011/main" xmlns:a14="http://schemas.microsoft.com/office/drawing/2010/main" xmlns:m="http://schemas.openxmlformats.org/officeDocument/2006/math" xmlns="" val="1"/>
+                <ma14:wrappingTextBoxFlag xmlns="" xmlns:m="http://schemas.openxmlformats.org/officeDocument/2006/math" xmlns:a14="http://schemas.microsoft.com/office/drawing/2010/main" xmlns:ma14="http://schemas.microsoft.com/office/mac/drawingml/2011/main" val="1"/>
               </a:ext>
             </a:extLst>
           </p:spPr>
@@ -8466,7 +8465,7 @@
             </a:effectLst>
             <a:extLst>
               <a:ext uri="{C572A759-6A51-4108-AA02-DFA0A04FC94B}">
-                <ma14:wrappingTextBoxFlag xmlns:ma14="http://schemas.microsoft.com/office/mac/drawingml/2011/main" xmlns:a14="http://schemas.microsoft.com/office/drawing/2010/main" xmlns:m="http://schemas.openxmlformats.org/officeDocument/2006/math" xmlns="" val="1"/>
+                <ma14:wrappingTextBoxFlag xmlns="" xmlns:m="http://schemas.openxmlformats.org/officeDocument/2006/math" xmlns:a14="http://schemas.microsoft.com/office/drawing/2010/main" xmlns:ma14="http://schemas.microsoft.com/office/mac/drawingml/2011/main" val="1"/>
               </a:ext>
             </a:extLst>
           </p:spPr>
@@ -8536,7 +8535,7 @@
             </a:effectLst>
             <a:extLst>
               <a:ext uri="{C572A759-6A51-4108-AA02-DFA0A04FC94B}">
-                <ma14:wrappingTextBoxFlag xmlns:ma14="http://schemas.microsoft.com/office/mac/drawingml/2011/main" xmlns:a14="http://schemas.microsoft.com/office/drawing/2010/main" xmlns:m="http://schemas.openxmlformats.org/officeDocument/2006/math" xmlns="" val="1"/>
+                <ma14:wrappingTextBoxFlag xmlns="" xmlns:m="http://schemas.openxmlformats.org/officeDocument/2006/math" xmlns:a14="http://schemas.microsoft.com/office/drawing/2010/main" xmlns:ma14="http://schemas.microsoft.com/office/mac/drawingml/2011/main" val="1"/>
               </a:ext>
             </a:extLst>
           </p:spPr>
@@ -8627,7 +8626,7 @@
             </a:effectLst>
             <a:extLst>
               <a:ext uri="{C572A759-6A51-4108-AA02-DFA0A04FC94B}">
-                <ma14:wrappingTextBoxFlag xmlns:ma14="http://schemas.microsoft.com/office/mac/drawingml/2011/main" xmlns:a14="http://schemas.microsoft.com/office/drawing/2010/main" xmlns:m="http://schemas.openxmlformats.org/officeDocument/2006/math" xmlns="" val="1"/>
+                <ma14:wrappingTextBoxFlag xmlns="" xmlns:m="http://schemas.openxmlformats.org/officeDocument/2006/math" xmlns:a14="http://schemas.microsoft.com/office/drawing/2010/main" xmlns:ma14="http://schemas.microsoft.com/office/mac/drawingml/2011/main" val="1"/>
               </a:ext>
             </a:extLst>
           </p:spPr>
@@ -8697,7 +8696,7 @@
             </a:effectLst>
             <a:extLst>
               <a:ext uri="{C572A759-6A51-4108-AA02-DFA0A04FC94B}">
-                <ma14:wrappingTextBoxFlag xmlns:ma14="http://schemas.microsoft.com/office/mac/drawingml/2011/main" xmlns:a14="http://schemas.microsoft.com/office/drawing/2010/main" xmlns:m="http://schemas.openxmlformats.org/officeDocument/2006/math" xmlns="" val="1"/>
+                <ma14:wrappingTextBoxFlag xmlns="" xmlns:m="http://schemas.openxmlformats.org/officeDocument/2006/math" xmlns:a14="http://schemas.microsoft.com/office/drawing/2010/main" xmlns:ma14="http://schemas.microsoft.com/office/mac/drawingml/2011/main" val="1"/>
               </a:ext>
             </a:extLst>
           </p:spPr>
@@ -8795,7 +8794,7 @@
             </a:effectLst>
             <a:extLst>
               <a:ext uri="{C572A759-6A51-4108-AA02-DFA0A04FC94B}">
-                <ma14:wrappingTextBoxFlag xmlns:ma14="http://schemas.microsoft.com/office/mac/drawingml/2011/main" xmlns:a14="http://schemas.microsoft.com/office/drawing/2010/main" xmlns:m="http://schemas.openxmlformats.org/officeDocument/2006/math" xmlns="" val="1"/>
+                <ma14:wrappingTextBoxFlag xmlns="" xmlns:m="http://schemas.openxmlformats.org/officeDocument/2006/math" xmlns:a14="http://schemas.microsoft.com/office/drawing/2010/main" xmlns:ma14="http://schemas.microsoft.com/office/mac/drawingml/2011/main" val="1"/>
               </a:ext>
             </a:extLst>
           </p:spPr>
@@ -8851,7 +8850,7 @@
             </a:effectLst>
             <a:extLst>
               <a:ext uri="{C572A759-6A51-4108-AA02-DFA0A04FC94B}">
-                <ma14:wrappingTextBoxFlag xmlns:ma14="http://schemas.microsoft.com/office/mac/drawingml/2011/main" xmlns:a14="http://schemas.microsoft.com/office/drawing/2010/main" xmlns:m="http://schemas.openxmlformats.org/officeDocument/2006/math" xmlns="" val="1"/>
+                <ma14:wrappingTextBoxFlag xmlns="" xmlns:m="http://schemas.openxmlformats.org/officeDocument/2006/math" xmlns:a14="http://schemas.microsoft.com/office/drawing/2010/main" xmlns:ma14="http://schemas.microsoft.com/office/mac/drawingml/2011/main" val="1"/>
               </a:ext>
             </a:extLst>
           </p:spPr>
@@ -8907,7 +8906,7 @@
             </a:effectLst>
             <a:extLst>
               <a:ext uri="{C572A759-6A51-4108-AA02-DFA0A04FC94B}">
-                <ma14:wrappingTextBoxFlag xmlns:ma14="http://schemas.microsoft.com/office/mac/drawingml/2011/main" xmlns:a14="http://schemas.microsoft.com/office/drawing/2010/main" xmlns:m="http://schemas.openxmlformats.org/officeDocument/2006/math" xmlns="" val="1"/>
+                <ma14:wrappingTextBoxFlag xmlns="" xmlns:m="http://schemas.openxmlformats.org/officeDocument/2006/math" xmlns:a14="http://schemas.microsoft.com/office/drawing/2010/main" xmlns:ma14="http://schemas.microsoft.com/office/mac/drawingml/2011/main" val="1"/>
               </a:ext>
             </a:extLst>
           </p:spPr>
@@ -8976,7 +8975,7 @@
             </a:effectLst>
             <a:extLst>
               <a:ext uri="{C572A759-6A51-4108-AA02-DFA0A04FC94B}">
-                <ma14:wrappingTextBoxFlag xmlns:ma14="http://schemas.microsoft.com/office/mac/drawingml/2011/main" xmlns:a14="http://schemas.microsoft.com/office/drawing/2010/main" xmlns:m="http://schemas.openxmlformats.org/officeDocument/2006/math" xmlns="" val="1"/>
+                <ma14:wrappingTextBoxFlag xmlns="" xmlns:m="http://schemas.openxmlformats.org/officeDocument/2006/math" xmlns:a14="http://schemas.microsoft.com/office/drawing/2010/main" xmlns:ma14="http://schemas.microsoft.com/office/mac/drawingml/2011/main" val="1"/>
               </a:ext>
             </a:extLst>
           </p:spPr>
@@ -9075,7 +9074,7 @@
             </a:effectLst>
             <a:extLst>
               <a:ext uri="{C572A759-6A51-4108-AA02-DFA0A04FC94B}">
-                <ma14:wrappingTextBoxFlag xmlns:ma14="http://schemas.microsoft.com/office/mac/drawingml/2011/main" xmlns:a14="http://schemas.microsoft.com/office/drawing/2010/main" xmlns:m="http://schemas.openxmlformats.org/officeDocument/2006/math" xmlns="" val="1"/>
+                <ma14:wrappingTextBoxFlag xmlns="" xmlns:m="http://schemas.openxmlformats.org/officeDocument/2006/math" xmlns:a14="http://schemas.microsoft.com/office/drawing/2010/main" xmlns:ma14="http://schemas.microsoft.com/office/mac/drawingml/2011/main" val="1"/>
               </a:ext>
             </a:extLst>
           </p:spPr>
@@ -9137,7 +9136,7 @@
             </a:effectLst>
             <a:extLst>
               <a:ext uri="{C572A759-6A51-4108-AA02-DFA0A04FC94B}">
-                <ma14:wrappingTextBoxFlag xmlns:ma14="http://schemas.microsoft.com/office/mac/drawingml/2011/main" xmlns:a14="http://schemas.microsoft.com/office/drawing/2010/main" xmlns:m="http://schemas.openxmlformats.org/officeDocument/2006/math" xmlns="" val="1"/>
+                <ma14:wrappingTextBoxFlag xmlns="" xmlns:m="http://schemas.openxmlformats.org/officeDocument/2006/math" xmlns:a14="http://schemas.microsoft.com/office/drawing/2010/main" xmlns:ma14="http://schemas.microsoft.com/office/mac/drawingml/2011/main" val="1"/>
               </a:ext>
             </a:extLst>
           </p:spPr>
@@ -9373,7 +9372,7 @@
             </a:effectLst>
             <a:extLst>
               <a:ext uri="{C572A759-6A51-4108-AA02-DFA0A04FC94B}">
-                <ma14:wrappingTextBoxFlag xmlns:ma14="http://schemas.microsoft.com/office/mac/drawingml/2011/main" xmlns:a14="http://schemas.microsoft.com/office/drawing/2010/main" xmlns:m="http://schemas.openxmlformats.org/officeDocument/2006/math" xmlns="" val="1"/>
+                <ma14:wrappingTextBoxFlag xmlns="" xmlns:m="http://schemas.openxmlformats.org/officeDocument/2006/math" xmlns:a14="http://schemas.microsoft.com/office/drawing/2010/main" xmlns:ma14="http://schemas.microsoft.com/office/mac/drawingml/2011/main" val="1"/>
               </a:ext>
             </a:extLst>
           </p:spPr>
@@ -9452,7 +9451,7 @@
               </a:effectLst>
               <a:extLst>
                 <a:ext uri="{C572A759-6A51-4108-AA02-DFA0A04FC94B}">
-                  <ma14:wrappingTextBoxFlag xmlns:ma14="http://schemas.microsoft.com/office/mac/drawingml/2011/main" xmlns:a14="http://schemas.microsoft.com/office/drawing/2010/main" xmlns:m="http://schemas.openxmlformats.org/officeDocument/2006/math" xmlns="" val="1"/>
+                  <ma14:wrappingTextBoxFlag xmlns="" xmlns:m="http://schemas.openxmlformats.org/officeDocument/2006/math" xmlns:a14="http://schemas.microsoft.com/office/drawing/2010/main" xmlns:ma14="http://schemas.microsoft.com/office/mac/drawingml/2011/main" val="1"/>
                 </a:ext>
               </a:extLst>
             </p:spPr>
@@ -9525,7 +9524,7 @@
               </a:effectLst>
               <a:extLst>
                 <a:ext uri="{C572A759-6A51-4108-AA02-DFA0A04FC94B}">
-                  <ma14:wrappingTextBoxFlag xmlns:ma14="http://schemas.microsoft.com/office/mac/drawingml/2011/main" xmlns:a14="http://schemas.microsoft.com/office/drawing/2010/main" xmlns:m="http://schemas.openxmlformats.org/officeDocument/2006/math" xmlns="" val="1"/>
+                  <ma14:wrappingTextBoxFlag xmlns="" xmlns:m="http://schemas.openxmlformats.org/officeDocument/2006/math" xmlns:a14="http://schemas.microsoft.com/office/drawing/2010/main" xmlns:ma14="http://schemas.microsoft.com/office/mac/drawingml/2011/main" val="1"/>
                 </a:ext>
               </a:extLst>
             </p:spPr>
@@ -9585,7 +9584,7 @@
               </a:effectLst>
               <a:extLst>
                 <a:ext uri="{C572A759-6A51-4108-AA02-DFA0A04FC94B}">
-                  <ma14:wrappingTextBoxFlag xmlns:ma14="http://schemas.microsoft.com/office/mac/drawingml/2011/main" xmlns:a14="http://schemas.microsoft.com/office/drawing/2010/main" xmlns:m="http://schemas.openxmlformats.org/officeDocument/2006/math" xmlns="" val="1"/>
+                  <ma14:wrappingTextBoxFlag xmlns="" xmlns:m="http://schemas.openxmlformats.org/officeDocument/2006/math" xmlns:a14="http://schemas.microsoft.com/office/drawing/2010/main" xmlns:ma14="http://schemas.microsoft.com/office/mac/drawingml/2011/main" val="1"/>
                 </a:ext>
               </a:extLst>
             </p:spPr>
@@ -9652,7 +9651,7 @@
           </a:effectLst>
           <a:extLst>
             <a:ext uri="{C572A759-6A51-4108-AA02-DFA0A04FC94B}">
-              <ma14:wrappingTextBoxFlag xmlns:ma14="http://schemas.microsoft.com/office/mac/drawingml/2011/main" xmlns:a14="http://schemas.microsoft.com/office/drawing/2010/main" xmlns:m="http://schemas.openxmlformats.org/officeDocument/2006/math" xmlns="" val="1"/>
+              <ma14:wrappingTextBoxFlag xmlns="" xmlns:m="http://schemas.openxmlformats.org/officeDocument/2006/math" xmlns:a14="http://schemas.microsoft.com/office/drawing/2010/main" xmlns:ma14="http://schemas.microsoft.com/office/mac/drawingml/2011/main" val="1"/>
             </a:ext>
           </a:extLst>
         </p:spPr>
@@ -9716,7 +9715,7 @@
           </a:effectLst>
           <a:extLst>
             <a:ext uri="{C572A759-6A51-4108-AA02-DFA0A04FC94B}">
-              <ma14:wrappingTextBoxFlag xmlns:ma14="http://schemas.microsoft.com/office/mac/drawingml/2011/main" xmlns:a14="http://schemas.microsoft.com/office/drawing/2010/main" xmlns:m="http://schemas.openxmlformats.org/officeDocument/2006/math" xmlns="" val="1"/>
+              <ma14:wrappingTextBoxFlag xmlns="" xmlns:m="http://schemas.openxmlformats.org/officeDocument/2006/math" xmlns:a14="http://schemas.microsoft.com/office/drawing/2010/main" xmlns:ma14="http://schemas.microsoft.com/office/mac/drawingml/2011/main" val="1"/>
             </a:ext>
           </a:extLst>
         </p:spPr>
@@ -9786,7 +9785,7 @@
           </a:effectLst>
           <a:extLst>
             <a:ext uri="{C572A759-6A51-4108-AA02-DFA0A04FC94B}">
-              <ma14:wrappingTextBoxFlag xmlns:ma14="http://schemas.microsoft.com/office/mac/drawingml/2011/main" xmlns:a14="http://schemas.microsoft.com/office/drawing/2010/main" xmlns:m="http://schemas.openxmlformats.org/officeDocument/2006/math" xmlns="" val="1"/>
+              <ma14:wrappingTextBoxFlag xmlns="" xmlns:m="http://schemas.openxmlformats.org/officeDocument/2006/math" xmlns:a14="http://schemas.microsoft.com/office/drawing/2010/main" xmlns:ma14="http://schemas.microsoft.com/office/mac/drawingml/2011/main" val="1"/>
             </a:ext>
           </a:extLst>
         </p:spPr>
@@ -9856,7 +9855,7 @@
           </a:effectLst>
           <a:extLst>
             <a:ext uri="{C572A759-6A51-4108-AA02-DFA0A04FC94B}">
-              <ma14:wrappingTextBoxFlag xmlns:ma14="http://schemas.microsoft.com/office/mac/drawingml/2011/main" xmlns:a14="http://schemas.microsoft.com/office/drawing/2010/main" xmlns:m="http://schemas.openxmlformats.org/officeDocument/2006/math" xmlns="" val="1"/>
+              <ma14:wrappingTextBoxFlag xmlns="" xmlns:m="http://schemas.openxmlformats.org/officeDocument/2006/math" xmlns:a14="http://schemas.microsoft.com/office/drawing/2010/main" xmlns:ma14="http://schemas.microsoft.com/office/mac/drawingml/2011/main" val="1"/>
             </a:ext>
           </a:extLst>
         </p:spPr>
@@ -9926,7 +9925,7 @@
           </a:effectLst>
           <a:extLst>
             <a:ext uri="{C572A759-6A51-4108-AA02-DFA0A04FC94B}">
-              <ma14:wrappingTextBoxFlag xmlns:ma14="http://schemas.microsoft.com/office/mac/drawingml/2011/main" xmlns:a14="http://schemas.microsoft.com/office/drawing/2010/main" xmlns:m="http://schemas.openxmlformats.org/officeDocument/2006/math" xmlns="" val="1"/>
+              <ma14:wrappingTextBoxFlag xmlns="" xmlns:m="http://schemas.openxmlformats.org/officeDocument/2006/math" xmlns:a14="http://schemas.microsoft.com/office/drawing/2010/main" xmlns:ma14="http://schemas.microsoft.com/office/mac/drawingml/2011/main" val="1"/>
             </a:ext>
           </a:extLst>
         </p:spPr>
@@ -10038,7 +10037,7 @@
           </a:effectLst>
           <a:extLst>
             <a:ext uri="{C572A759-6A51-4108-AA02-DFA0A04FC94B}">
-              <ma14:wrappingTextBoxFlag xmlns:ma14="http://schemas.microsoft.com/office/mac/drawingml/2011/main" xmlns:a14="http://schemas.microsoft.com/office/drawing/2010/main" xmlns:m="http://schemas.openxmlformats.org/officeDocument/2006/math" xmlns="" val="1"/>
+              <ma14:wrappingTextBoxFlag xmlns="" xmlns:m="http://schemas.openxmlformats.org/officeDocument/2006/math" xmlns:a14="http://schemas.microsoft.com/office/drawing/2010/main" xmlns:ma14="http://schemas.microsoft.com/office/mac/drawingml/2011/main" val="1"/>
             </a:ext>
           </a:extLst>
         </p:spPr>
@@ -10099,7 +10098,7 @@
           </a:effectLst>
           <a:extLst>
             <a:ext uri="{C572A759-6A51-4108-AA02-DFA0A04FC94B}">
-              <ma14:wrappingTextBoxFlag xmlns:ma14="http://schemas.microsoft.com/office/mac/drawingml/2011/main" xmlns:a14="http://schemas.microsoft.com/office/drawing/2010/main" xmlns:m="http://schemas.openxmlformats.org/officeDocument/2006/math" xmlns="" val="1"/>
+              <ma14:wrappingTextBoxFlag xmlns="" xmlns:m="http://schemas.openxmlformats.org/officeDocument/2006/math" xmlns:a14="http://schemas.microsoft.com/office/drawing/2010/main" xmlns:ma14="http://schemas.microsoft.com/office/mac/drawingml/2011/main" val="1"/>
             </a:ext>
           </a:extLst>
         </p:spPr>
@@ -10174,7 +10173,7 @@
           </a:effectLst>
           <a:extLst>
             <a:ext uri="{C572A759-6A51-4108-AA02-DFA0A04FC94B}">
-              <ma14:wrappingTextBoxFlag xmlns:ma14="http://schemas.microsoft.com/office/mac/drawingml/2011/main" xmlns:a14="http://schemas.microsoft.com/office/drawing/2010/main" xmlns:m="http://schemas.openxmlformats.org/officeDocument/2006/math" xmlns="" val="1"/>
+              <ma14:wrappingTextBoxFlag xmlns="" xmlns:m="http://schemas.openxmlformats.org/officeDocument/2006/math" xmlns:a14="http://schemas.microsoft.com/office/drawing/2010/main" xmlns:ma14="http://schemas.microsoft.com/office/mac/drawingml/2011/main" val="1"/>
             </a:ext>
           </a:extLst>
         </p:spPr>
@@ -10249,7 +10248,7 @@
           </a:effectLst>
           <a:extLst>
             <a:ext uri="{C572A759-6A51-4108-AA02-DFA0A04FC94B}">
-              <ma14:wrappingTextBoxFlag xmlns:ma14="http://schemas.microsoft.com/office/mac/drawingml/2011/main" xmlns:a14="http://schemas.microsoft.com/office/drawing/2010/main" xmlns:m="http://schemas.openxmlformats.org/officeDocument/2006/math" xmlns="" val="1"/>
+              <ma14:wrappingTextBoxFlag xmlns="" xmlns:m="http://schemas.openxmlformats.org/officeDocument/2006/math" xmlns:a14="http://schemas.microsoft.com/office/drawing/2010/main" xmlns:ma14="http://schemas.microsoft.com/office/mac/drawingml/2011/main" val="1"/>
             </a:ext>
           </a:extLst>
         </p:spPr>
@@ -10324,7 +10323,7 @@
           </a:effectLst>
           <a:extLst>
             <a:ext uri="{C572A759-6A51-4108-AA02-DFA0A04FC94B}">
-              <ma14:wrappingTextBoxFlag xmlns:ma14="http://schemas.microsoft.com/office/mac/drawingml/2011/main" xmlns:a14="http://schemas.microsoft.com/office/drawing/2010/main" xmlns:m="http://schemas.openxmlformats.org/officeDocument/2006/math" xmlns="" val="1"/>
+              <ma14:wrappingTextBoxFlag xmlns="" xmlns:m="http://schemas.openxmlformats.org/officeDocument/2006/math" xmlns:a14="http://schemas.microsoft.com/office/drawing/2010/main" xmlns:ma14="http://schemas.microsoft.com/office/mac/drawingml/2011/main" val="1"/>
             </a:ext>
           </a:extLst>
         </p:spPr>
@@ -10401,7 +10400,7 @@
           </a:effectLst>
           <a:extLst>
             <a:ext uri="{C572A759-6A51-4108-AA02-DFA0A04FC94B}">
-              <ma14:wrappingTextBoxFlag xmlns:ma14="http://schemas.microsoft.com/office/mac/drawingml/2011/main" xmlns:a14="http://schemas.microsoft.com/office/drawing/2010/main" xmlns:m="http://schemas.openxmlformats.org/officeDocument/2006/math" xmlns="" val="1"/>
+              <ma14:wrappingTextBoxFlag xmlns="" xmlns:m="http://schemas.openxmlformats.org/officeDocument/2006/math" xmlns:a14="http://schemas.microsoft.com/office/drawing/2010/main" xmlns:ma14="http://schemas.microsoft.com/office/mac/drawingml/2011/main" val="1"/>
             </a:ext>
           </a:extLst>
         </p:spPr>
@@ -10461,7 +10460,7 @@
           </a:effectLst>
           <a:extLst>
             <a:ext uri="{C572A759-6A51-4108-AA02-DFA0A04FC94B}">
-              <ma14:wrappingTextBoxFlag xmlns:ma14="http://schemas.microsoft.com/office/mac/drawingml/2011/main" xmlns:a14="http://schemas.microsoft.com/office/drawing/2010/main" xmlns:m="http://schemas.openxmlformats.org/officeDocument/2006/math" xmlns="" val="1"/>
+              <ma14:wrappingTextBoxFlag xmlns="" xmlns:m="http://schemas.openxmlformats.org/officeDocument/2006/math" xmlns:a14="http://schemas.microsoft.com/office/drawing/2010/main" xmlns:ma14="http://schemas.microsoft.com/office/mac/drawingml/2011/main" val="1"/>
             </a:ext>
           </a:extLst>
         </p:spPr>
@@ -10536,7 +10535,7 @@
           </a:effectLst>
           <a:extLst>
             <a:ext uri="{C572A759-6A51-4108-AA02-DFA0A04FC94B}">
-              <ma14:wrappingTextBoxFlag xmlns:ma14="http://schemas.microsoft.com/office/mac/drawingml/2011/main" xmlns:a14="http://schemas.microsoft.com/office/drawing/2010/main" xmlns:m="http://schemas.openxmlformats.org/officeDocument/2006/math" xmlns="" val="1"/>
+              <ma14:wrappingTextBoxFlag xmlns="" xmlns:m="http://schemas.openxmlformats.org/officeDocument/2006/math" xmlns:a14="http://schemas.microsoft.com/office/drawing/2010/main" xmlns:ma14="http://schemas.microsoft.com/office/mac/drawingml/2011/main" val="1"/>
             </a:ext>
           </a:extLst>
         </p:spPr>
@@ -11087,7 +11086,7 @@
           </a:effectLst>
           <a:extLst>
             <a:ext uri="{C572A759-6A51-4108-AA02-DFA0A04FC94B}">
-              <ma14:wrappingTextBoxFlag xmlns:ma14="http://schemas.microsoft.com/office/mac/drawingml/2011/main" xmlns:a14="http://schemas.microsoft.com/office/drawing/2010/main" xmlns:m="http://schemas.openxmlformats.org/officeDocument/2006/math" xmlns="" val="1"/>
+              <ma14:wrappingTextBoxFlag xmlns="" xmlns:m="http://schemas.openxmlformats.org/officeDocument/2006/math" xmlns:a14="http://schemas.microsoft.com/office/drawing/2010/main" xmlns:ma14="http://schemas.microsoft.com/office/mac/drawingml/2011/main" val="1"/>
             </a:ext>
           </a:extLst>
         </p:spPr>
@@ -11147,7 +11146,7 @@
           </a:effectLst>
           <a:extLst>
             <a:ext uri="{C572A759-6A51-4108-AA02-DFA0A04FC94B}">
-              <ma14:wrappingTextBoxFlag xmlns:ma14="http://schemas.microsoft.com/office/mac/drawingml/2011/main" xmlns:a14="http://schemas.microsoft.com/office/drawing/2010/main" xmlns:m="http://schemas.openxmlformats.org/officeDocument/2006/math" xmlns="" val="1"/>
+              <ma14:wrappingTextBoxFlag xmlns="" xmlns:m="http://schemas.openxmlformats.org/officeDocument/2006/math" xmlns:a14="http://schemas.microsoft.com/office/drawing/2010/main" xmlns:ma14="http://schemas.microsoft.com/office/mac/drawingml/2011/main" val="1"/>
             </a:ext>
           </a:extLst>
         </p:spPr>
@@ -11222,7 +11221,7 @@
           </a:effectLst>
           <a:extLst>
             <a:ext uri="{C572A759-6A51-4108-AA02-DFA0A04FC94B}">
-              <ma14:wrappingTextBoxFlag xmlns:ma14="http://schemas.microsoft.com/office/mac/drawingml/2011/main" xmlns:a14="http://schemas.microsoft.com/office/drawing/2010/main" xmlns:m="http://schemas.openxmlformats.org/officeDocument/2006/math" xmlns="" val="1"/>
+              <ma14:wrappingTextBoxFlag xmlns="" xmlns:m="http://schemas.openxmlformats.org/officeDocument/2006/math" xmlns:a14="http://schemas.microsoft.com/office/drawing/2010/main" xmlns:ma14="http://schemas.microsoft.com/office/mac/drawingml/2011/main" val="1"/>
             </a:ext>
           </a:extLst>
         </p:spPr>
@@ -11450,7 +11449,7 @@
           </a:effectLst>
           <a:extLst>
             <a:ext uri="{C572A759-6A51-4108-AA02-DFA0A04FC94B}">
-              <ma14:wrappingTextBoxFlag xmlns:ma14="http://schemas.microsoft.com/office/mac/drawingml/2011/main" xmlns:a14="http://schemas.microsoft.com/office/drawing/2010/main" xmlns:m="http://schemas.openxmlformats.org/officeDocument/2006/math" xmlns="" val="1"/>
+              <ma14:wrappingTextBoxFlag xmlns="" xmlns:m="http://schemas.openxmlformats.org/officeDocument/2006/math" xmlns:a14="http://schemas.microsoft.com/office/drawing/2010/main" xmlns:ma14="http://schemas.microsoft.com/office/mac/drawingml/2011/main" val="1"/>
             </a:ext>
           </a:extLst>
         </p:spPr>
@@ -11563,7 +11562,7 @@
           </a:effectLst>
           <a:extLst>
             <a:ext uri="{C572A759-6A51-4108-AA02-DFA0A04FC94B}">
-              <ma14:wrappingTextBoxFlag xmlns:ma14="http://schemas.microsoft.com/office/mac/drawingml/2011/main" xmlns:a14="http://schemas.microsoft.com/office/drawing/2010/main" xmlns:m="http://schemas.openxmlformats.org/officeDocument/2006/math" xmlns="" val="1"/>
+              <ma14:wrappingTextBoxFlag xmlns="" xmlns:m="http://schemas.openxmlformats.org/officeDocument/2006/math" xmlns:a14="http://schemas.microsoft.com/office/drawing/2010/main" xmlns:ma14="http://schemas.microsoft.com/office/mac/drawingml/2011/main" val="1"/>
             </a:ext>
           </a:extLst>
         </p:spPr>
@@ -11628,7 +11627,7 @@
           </a:effectLst>
           <a:extLst>
             <a:ext uri="{C572A759-6A51-4108-AA02-DFA0A04FC94B}">
-              <ma14:wrappingTextBoxFlag xmlns:ma14="http://schemas.microsoft.com/office/mac/drawingml/2011/main" xmlns:a14="http://schemas.microsoft.com/office/drawing/2010/main" xmlns:m="http://schemas.openxmlformats.org/officeDocument/2006/math" xmlns="" val="1"/>
+              <ma14:wrappingTextBoxFlag xmlns="" xmlns:m="http://schemas.openxmlformats.org/officeDocument/2006/math" xmlns:a14="http://schemas.microsoft.com/office/drawing/2010/main" xmlns:ma14="http://schemas.microsoft.com/office/mac/drawingml/2011/main" val="1"/>
             </a:ext>
           </a:extLst>
         </p:spPr>
@@ -11713,7 +11712,7 @@
           </a:effectLst>
           <a:extLst>
             <a:ext uri="{C572A759-6A51-4108-AA02-DFA0A04FC94B}">
-              <ma14:wrappingTextBoxFlag xmlns:ma14="http://schemas.microsoft.com/office/mac/drawingml/2011/main" xmlns:a14="http://schemas.microsoft.com/office/drawing/2010/main" xmlns:m="http://schemas.openxmlformats.org/officeDocument/2006/math" xmlns="" val="1"/>
+              <ma14:wrappingTextBoxFlag xmlns="" xmlns:m="http://schemas.openxmlformats.org/officeDocument/2006/math" xmlns:a14="http://schemas.microsoft.com/office/drawing/2010/main" xmlns:ma14="http://schemas.microsoft.com/office/mac/drawingml/2011/main" val="1"/>
             </a:ext>
           </a:extLst>
         </p:spPr>
@@ -11798,7 +11797,7 @@
           </a:effectLst>
           <a:extLst>
             <a:ext uri="{C572A759-6A51-4108-AA02-DFA0A04FC94B}">
-              <ma14:wrappingTextBoxFlag xmlns:ma14="http://schemas.microsoft.com/office/mac/drawingml/2011/main" xmlns:a14="http://schemas.microsoft.com/office/drawing/2010/main" xmlns:m="http://schemas.openxmlformats.org/officeDocument/2006/math" xmlns="" val="1"/>
+              <ma14:wrappingTextBoxFlag xmlns="" xmlns:m="http://schemas.openxmlformats.org/officeDocument/2006/math" xmlns:a14="http://schemas.microsoft.com/office/drawing/2010/main" xmlns:ma14="http://schemas.microsoft.com/office/mac/drawingml/2011/main" val="1"/>
             </a:ext>
           </a:extLst>
         </p:spPr>
@@ -11879,7 +11878,7 @@
           </a:effectLst>
           <a:extLst>
             <a:ext uri="{C572A759-6A51-4108-AA02-DFA0A04FC94B}">
-              <ma14:wrappingTextBoxFlag xmlns:ma14="http://schemas.microsoft.com/office/mac/drawingml/2011/main" xmlns:a14="http://schemas.microsoft.com/office/drawing/2010/main" xmlns:m="http://schemas.openxmlformats.org/officeDocument/2006/math" xmlns="" val="1"/>
+              <ma14:wrappingTextBoxFlag xmlns="" xmlns:m="http://schemas.openxmlformats.org/officeDocument/2006/math" xmlns:a14="http://schemas.microsoft.com/office/drawing/2010/main" xmlns:ma14="http://schemas.microsoft.com/office/mac/drawingml/2011/main" val="1"/>
             </a:ext>
           </a:extLst>
         </p:spPr>
@@ -11960,7 +11959,7 @@
           </a:effectLst>
           <a:extLst>
             <a:ext uri="{C572A759-6A51-4108-AA02-DFA0A04FC94B}">
-              <ma14:wrappingTextBoxFlag xmlns:ma14="http://schemas.microsoft.com/office/mac/drawingml/2011/main" xmlns:a14="http://schemas.microsoft.com/office/drawing/2010/main" xmlns:m="http://schemas.openxmlformats.org/officeDocument/2006/math" xmlns="" val="1"/>
+              <ma14:wrappingTextBoxFlag xmlns="" xmlns:m="http://schemas.openxmlformats.org/officeDocument/2006/math" xmlns:a14="http://schemas.microsoft.com/office/drawing/2010/main" xmlns:ma14="http://schemas.microsoft.com/office/mac/drawingml/2011/main" val="1"/>
             </a:ext>
           </a:extLst>
         </p:spPr>
@@ -12037,7 +12036,7 @@
           </a:effectLst>
           <a:extLst>
             <a:ext uri="{C572A759-6A51-4108-AA02-DFA0A04FC94B}">
-              <ma14:wrappingTextBoxFlag xmlns:ma14="http://schemas.microsoft.com/office/mac/drawingml/2011/main" xmlns:a14="http://schemas.microsoft.com/office/drawing/2010/main" xmlns:m="http://schemas.openxmlformats.org/officeDocument/2006/math" xmlns="" val="1"/>
+              <ma14:wrappingTextBoxFlag xmlns="" xmlns:m="http://schemas.openxmlformats.org/officeDocument/2006/math" xmlns:a14="http://schemas.microsoft.com/office/drawing/2010/main" xmlns:ma14="http://schemas.microsoft.com/office/mac/drawingml/2011/main" val="1"/>
             </a:ext>
           </a:extLst>
         </p:spPr>
@@ -12102,7 +12101,7 @@
           </a:effectLst>
           <a:extLst>
             <a:ext uri="{C572A759-6A51-4108-AA02-DFA0A04FC94B}">
-              <ma14:wrappingTextBoxFlag xmlns:ma14="http://schemas.microsoft.com/office/mac/drawingml/2011/main" xmlns:a14="http://schemas.microsoft.com/office/drawing/2010/main" xmlns:m="http://schemas.openxmlformats.org/officeDocument/2006/math" xmlns="" val="1"/>
+              <ma14:wrappingTextBoxFlag xmlns="" xmlns:m="http://schemas.openxmlformats.org/officeDocument/2006/math" xmlns:a14="http://schemas.microsoft.com/office/drawing/2010/main" xmlns:ma14="http://schemas.microsoft.com/office/mac/drawingml/2011/main" val="1"/>
             </a:ext>
           </a:extLst>
         </p:spPr>
@@ -12187,7 +12186,7 @@
           </a:effectLst>
           <a:extLst>
             <a:ext uri="{C572A759-6A51-4108-AA02-DFA0A04FC94B}">
-              <ma14:wrappingTextBoxFlag xmlns:ma14="http://schemas.microsoft.com/office/mac/drawingml/2011/main" xmlns:a14="http://schemas.microsoft.com/office/drawing/2010/main" xmlns:m="http://schemas.openxmlformats.org/officeDocument/2006/math" xmlns="" val="1"/>
+              <ma14:wrappingTextBoxFlag xmlns="" xmlns:m="http://schemas.openxmlformats.org/officeDocument/2006/math" xmlns:a14="http://schemas.microsoft.com/office/drawing/2010/main" xmlns:ma14="http://schemas.microsoft.com/office/mac/drawingml/2011/main" val="1"/>
             </a:ext>
           </a:extLst>
         </p:spPr>
@@ -12283,7 +12282,7 @@
           </a:effectLst>
           <a:extLst>
             <a:ext uri="{C572A759-6A51-4108-AA02-DFA0A04FC94B}">
-              <ma14:wrappingTextBoxFlag xmlns:ma14="http://schemas.microsoft.com/office/mac/drawingml/2011/main" xmlns:a14="http://schemas.microsoft.com/office/drawing/2010/main" xmlns:m="http://schemas.openxmlformats.org/officeDocument/2006/math" xmlns="" val="1"/>
+              <ma14:wrappingTextBoxFlag xmlns="" xmlns:m="http://schemas.openxmlformats.org/officeDocument/2006/math" xmlns:a14="http://schemas.microsoft.com/office/drawing/2010/main" xmlns:ma14="http://schemas.microsoft.com/office/mac/drawingml/2011/main" val="1"/>
             </a:ext>
           </a:extLst>
         </p:spPr>
@@ -12734,7 +12733,7 @@
           </a:effectLst>
           <a:extLst>
             <a:ext uri="{C572A759-6A51-4108-AA02-DFA0A04FC94B}">
-              <ma14:wrappingTextBoxFlag xmlns:ma14="http://schemas.microsoft.com/office/mac/drawingml/2011/main" xmlns:a14="http://schemas.microsoft.com/office/drawing/2010/main" xmlns:m="http://schemas.openxmlformats.org/officeDocument/2006/math" xmlns="" val="1"/>
+              <ma14:wrappingTextBoxFlag xmlns="" xmlns:m="http://schemas.openxmlformats.org/officeDocument/2006/math" xmlns:a14="http://schemas.microsoft.com/office/drawing/2010/main" xmlns:ma14="http://schemas.microsoft.com/office/mac/drawingml/2011/main" val="1"/>
             </a:ext>
           </a:extLst>
         </p:spPr>
@@ -12799,7 +12798,7 @@
           </a:effectLst>
           <a:extLst>
             <a:ext uri="{C572A759-6A51-4108-AA02-DFA0A04FC94B}">
-              <ma14:wrappingTextBoxFlag xmlns:ma14="http://schemas.microsoft.com/office/mac/drawingml/2011/main" xmlns:a14="http://schemas.microsoft.com/office/drawing/2010/main" xmlns:m="http://schemas.openxmlformats.org/officeDocument/2006/math" xmlns="" val="1"/>
+              <ma14:wrappingTextBoxFlag xmlns="" xmlns:m="http://schemas.openxmlformats.org/officeDocument/2006/math" xmlns:a14="http://schemas.microsoft.com/office/drawing/2010/main" xmlns:ma14="http://schemas.microsoft.com/office/mac/drawingml/2011/main" val="1"/>
             </a:ext>
           </a:extLst>
         </p:spPr>
@@ -12877,7 +12876,7 @@
           </a:effectLst>
           <a:extLst>
             <a:ext uri="{C572A759-6A51-4108-AA02-DFA0A04FC94B}">
-              <ma14:wrappingTextBoxFlag xmlns:ma14="http://schemas.microsoft.com/office/mac/drawingml/2011/main" xmlns:a14="http://schemas.microsoft.com/office/drawing/2010/main" xmlns:m="http://schemas.openxmlformats.org/officeDocument/2006/math" xmlns="" val="1"/>
+              <ma14:wrappingTextBoxFlag xmlns="" xmlns:m="http://schemas.openxmlformats.org/officeDocument/2006/math" xmlns:a14="http://schemas.microsoft.com/office/drawing/2010/main" xmlns:ma14="http://schemas.microsoft.com/office/mac/drawingml/2011/main" val="1"/>
             </a:ext>
           </a:extLst>
         </p:spPr>
@@ -12969,7 +12968,7 @@
           </a:effectLst>
           <a:extLst>
             <a:ext uri="{C572A759-6A51-4108-AA02-DFA0A04FC94B}">
-              <ma14:wrappingTextBoxFlag xmlns:ma14="http://schemas.microsoft.com/office/mac/drawingml/2011/main" xmlns:a14="http://schemas.microsoft.com/office/drawing/2010/main" xmlns:m="http://schemas.openxmlformats.org/officeDocument/2006/math" xmlns="" val="1"/>
+              <ma14:wrappingTextBoxFlag xmlns="" xmlns:m="http://schemas.openxmlformats.org/officeDocument/2006/math" xmlns:a14="http://schemas.microsoft.com/office/drawing/2010/main" xmlns:ma14="http://schemas.microsoft.com/office/mac/drawingml/2011/main" val="1"/>
             </a:ext>
           </a:extLst>
         </p:spPr>
@@ -13052,7 +13051,7 @@
           </a:effectLst>
           <a:extLst>
             <a:ext uri="{C572A759-6A51-4108-AA02-DFA0A04FC94B}">
-              <ma14:wrappingTextBoxFlag xmlns:ma14="http://schemas.microsoft.com/office/mac/drawingml/2011/main" xmlns:a14="http://schemas.microsoft.com/office/drawing/2010/main" xmlns:m="http://schemas.openxmlformats.org/officeDocument/2006/math" xmlns="" val="1"/>
+              <ma14:wrappingTextBoxFlag xmlns="" xmlns:m="http://schemas.openxmlformats.org/officeDocument/2006/math" xmlns:a14="http://schemas.microsoft.com/office/drawing/2010/main" xmlns:ma14="http://schemas.microsoft.com/office/mac/drawingml/2011/main" val="1"/>
             </a:ext>
           </a:extLst>
         </p:spPr>
@@ -13117,7 +13116,7 @@
           </a:effectLst>
           <a:extLst>
             <a:ext uri="{C572A759-6A51-4108-AA02-DFA0A04FC94B}">
-              <ma14:wrappingTextBoxFlag xmlns:ma14="http://schemas.microsoft.com/office/mac/drawingml/2011/main" xmlns:a14="http://schemas.microsoft.com/office/drawing/2010/main" xmlns:m="http://schemas.openxmlformats.org/officeDocument/2006/math" xmlns="" val="1"/>
+              <ma14:wrappingTextBoxFlag xmlns="" xmlns:m="http://schemas.openxmlformats.org/officeDocument/2006/math" xmlns:a14="http://schemas.microsoft.com/office/drawing/2010/main" xmlns:ma14="http://schemas.microsoft.com/office/mac/drawingml/2011/main" val="1"/>
             </a:ext>
           </a:extLst>
         </p:spPr>
@@ -13202,7 +13201,7 @@
           </a:effectLst>
           <a:extLst>
             <a:ext uri="{C572A759-6A51-4108-AA02-DFA0A04FC94B}">
-              <ma14:wrappingTextBoxFlag xmlns:ma14="http://schemas.microsoft.com/office/mac/drawingml/2011/main" xmlns:a14="http://schemas.microsoft.com/office/drawing/2010/main" xmlns:m="http://schemas.openxmlformats.org/officeDocument/2006/math" xmlns="" val="1"/>
+              <ma14:wrappingTextBoxFlag xmlns="" xmlns:m="http://schemas.openxmlformats.org/officeDocument/2006/math" xmlns:a14="http://schemas.microsoft.com/office/drawing/2010/main" xmlns:ma14="http://schemas.microsoft.com/office/mac/drawingml/2011/main" val="1"/>
             </a:ext>
           </a:extLst>
         </p:spPr>
@@ -13287,7 +13286,7 @@
           </a:effectLst>
           <a:extLst>
             <a:ext uri="{C572A759-6A51-4108-AA02-DFA0A04FC94B}">
-              <ma14:wrappingTextBoxFlag xmlns:ma14="http://schemas.microsoft.com/office/mac/drawingml/2011/main" xmlns:a14="http://schemas.microsoft.com/office/drawing/2010/main" xmlns:m="http://schemas.openxmlformats.org/officeDocument/2006/math" xmlns="" val="1"/>
+              <ma14:wrappingTextBoxFlag xmlns="" xmlns:m="http://schemas.openxmlformats.org/officeDocument/2006/math" xmlns:a14="http://schemas.microsoft.com/office/drawing/2010/main" xmlns:ma14="http://schemas.microsoft.com/office/mac/drawingml/2011/main" val="1"/>
             </a:ext>
           </a:extLst>
         </p:spPr>
@@ -13372,7 +13371,7 @@
           </a:effectLst>
           <a:extLst>
             <a:ext uri="{C572A759-6A51-4108-AA02-DFA0A04FC94B}">
-              <ma14:wrappingTextBoxFlag xmlns:ma14="http://schemas.microsoft.com/office/mac/drawingml/2011/main" xmlns:a14="http://schemas.microsoft.com/office/drawing/2010/main" xmlns:m="http://schemas.openxmlformats.org/officeDocument/2006/math" xmlns="" val="1"/>
+              <ma14:wrappingTextBoxFlag xmlns="" xmlns:m="http://schemas.openxmlformats.org/officeDocument/2006/math" xmlns:a14="http://schemas.microsoft.com/office/drawing/2010/main" xmlns:ma14="http://schemas.microsoft.com/office/mac/drawingml/2011/main" val="1"/>
             </a:ext>
           </a:extLst>
         </p:spPr>
@@ -13687,7 +13686,7 @@
           </a:effectLst>
           <a:extLst>
             <a:ext uri="{C572A759-6A51-4108-AA02-DFA0A04FC94B}">
-              <ma14:wrappingTextBoxFlag xmlns:ma14="http://schemas.microsoft.com/office/mac/drawingml/2011/main" xmlns:a14="http://schemas.microsoft.com/office/drawing/2010/main" xmlns:m="http://schemas.openxmlformats.org/officeDocument/2006/math" xmlns="" val="1"/>
+              <ma14:wrappingTextBoxFlag xmlns="" xmlns:m="http://schemas.openxmlformats.org/officeDocument/2006/math" xmlns:a14="http://schemas.microsoft.com/office/drawing/2010/main" xmlns:ma14="http://schemas.microsoft.com/office/mac/drawingml/2011/main" val="1"/>
             </a:ext>
           </a:extLst>
         </p:spPr>
@@ -13770,7 +13769,7 @@
           </a:effectLst>
           <a:extLst>
             <a:ext uri="{C572A759-6A51-4108-AA02-DFA0A04FC94B}">
-              <ma14:wrappingTextBoxFlag xmlns:ma14="http://schemas.microsoft.com/office/mac/drawingml/2011/main" xmlns:a14="http://schemas.microsoft.com/office/drawing/2010/main" xmlns:m="http://schemas.openxmlformats.org/officeDocument/2006/math" xmlns="" val="1"/>
+              <ma14:wrappingTextBoxFlag xmlns="" xmlns:m="http://schemas.openxmlformats.org/officeDocument/2006/math" xmlns:a14="http://schemas.microsoft.com/office/drawing/2010/main" xmlns:ma14="http://schemas.microsoft.com/office/mac/drawingml/2011/main" val="1"/>
             </a:ext>
           </a:extLst>
         </p:spPr>
@@ -13835,7 +13834,7 @@
           </a:effectLst>
           <a:extLst>
             <a:ext uri="{C572A759-6A51-4108-AA02-DFA0A04FC94B}">
-              <ma14:wrappingTextBoxFlag xmlns:ma14="http://schemas.microsoft.com/office/mac/drawingml/2011/main" xmlns:a14="http://schemas.microsoft.com/office/drawing/2010/main" xmlns:m="http://schemas.openxmlformats.org/officeDocument/2006/math" xmlns="" val="1"/>
+              <ma14:wrappingTextBoxFlag xmlns="" xmlns:m="http://schemas.openxmlformats.org/officeDocument/2006/math" xmlns:a14="http://schemas.microsoft.com/office/drawing/2010/main" xmlns:ma14="http://schemas.microsoft.com/office/mac/drawingml/2011/main" val="1"/>
             </a:ext>
           </a:extLst>
         </p:spPr>
@@ -13916,7 +13915,7 @@
           </a:effectLst>
           <a:extLst>
             <a:ext uri="{C572A759-6A51-4108-AA02-DFA0A04FC94B}">
-              <ma14:wrappingTextBoxFlag xmlns:ma14="http://schemas.microsoft.com/office/mac/drawingml/2011/main" xmlns:a14="http://schemas.microsoft.com/office/drawing/2010/main" xmlns:m="http://schemas.openxmlformats.org/officeDocument/2006/math" xmlns="" val="1"/>
+              <ma14:wrappingTextBoxFlag xmlns="" xmlns:m="http://schemas.openxmlformats.org/officeDocument/2006/math" xmlns:a14="http://schemas.microsoft.com/office/drawing/2010/main" xmlns:ma14="http://schemas.microsoft.com/office/mac/drawingml/2011/main" val="1"/>
             </a:ext>
           </a:extLst>
         </p:spPr>
@@ -14247,7 +14246,7 @@
           </a:effectLst>
           <a:extLst>
             <a:ext uri="{C572A759-6A51-4108-AA02-DFA0A04FC94B}">
-              <ma14:wrappingTextBoxFlag xmlns:ma14="http://schemas.microsoft.com/office/mac/drawingml/2011/main" xmlns:a14="http://schemas.microsoft.com/office/drawing/2010/main" xmlns:m="http://schemas.openxmlformats.org/officeDocument/2006/math" xmlns="" val="1"/>
+              <ma14:wrappingTextBoxFlag xmlns="" xmlns:m="http://schemas.openxmlformats.org/officeDocument/2006/math" xmlns:a14="http://schemas.microsoft.com/office/drawing/2010/main" xmlns:ma14="http://schemas.microsoft.com/office/mac/drawingml/2011/main" val="1"/>
             </a:ext>
           </a:extLst>
         </p:spPr>
@@ -14312,7 +14311,7 @@
           </a:effectLst>
           <a:extLst>
             <a:ext uri="{C572A759-6A51-4108-AA02-DFA0A04FC94B}">
-              <ma14:wrappingTextBoxFlag xmlns:ma14="http://schemas.microsoft.com/office/mac/drawingml/2011/main" xmlns:a14="http://schemas.microsoft.com/office/drawing/2010/main" xmlns:m="http://schemas.openxmlformats.org/officeDocument/2006/math" xmlns="" val="1"/>
+              <ma14:wrappingTextBoxFlag xmlns="" xmlns:m="http://schemas.openxmlformats.org/officeDocument/2006/math" xmlns:a14="http://schemas.microsoft.com/office/drawing/2010/main" xmlns:ma14="http://schemas.microsoft.com/office/mac/drawingml/2011/main" val="1"/>
             </a:ext>
           </a:extLst>
         </p:spPr>
@@ -14397,7 +14396,7 @@
           </a:effectLst>
           <a:extLst>
             <a:ext uri="{C572A759-6A51-4108-AA02-DFA0A04FC94B}">
-              <ma14:wrappingTextBoxFlag xmlns:ma14="http://schemas.microsoft.com/office/mac/drawingml/2011/main" xmlns:a14="http://schemas.microsoft.com/office/drawing/2010/main" xmlns:m="http://schemas.openxmlformats.org/officeDocument/2006/math" xmlns="" val="1"/>
+              <ma14:wrappingTextBoxFlag xmlns="" xmlns:m="http://schemas.openxmlformats.org/officeDocument/2006/math" xmlns:a14="http://schemas.microsoft.com/office/drawing/2010/main" xmlns:ma14="http://schemas.microsoft.com/office/mac/drawingml/2011/main" val="1"/>
             </a:ext>
           </a:extLst>
         </p:spPr>
@@ -14482,7 +14481,7 @@
           </a:effectLst>
           <a:extLst>
             <a:ext uri="{C572A759-6A51-4108-AA02-DFA0A04FC94B}">
-              <ma14:wrappingTextBoxFlag xmlns:ma14="http://schemas.microsoft.com/office/mac/drawingml/2011/main" xmlns:a14="http://schemas.microsoft.com/office/drawing/2010/main" xmlns:m="http://schemas.openxmlformats.org/officeDocument/2006/math" xmlns="" val="1"/>
+              <ma14:wrappingTextBoxFlag xmlns="" xmlns:m="http://schemas.openxmlformats.org/officeDocument/2006/math" xmlns:a14="http://schemas.microsoft.com/office/drawing/2010/main" xmlns:ma14="http://schemas.microsoft.com/office/mac/drawingml/2011/main" val="1"/>
             </a:ext>
           </a:extLst>
         </p:spPr>
@@ -14567,7 +14566,7 @@
           </a:effectLst>
           <a:extLst>
             <a:ext uri="{C572A759-6A51-4108-AA02-DFA0A04FC94B}">
-              <ma14:wrappingTextBoxFlag xmlns:ma14="http://schemas.microsoft.com/office/mac/drawingml/2011/main" xmlns:a14="http://schemas.microsoft.com/office/drawing/2010/main" xmlns:m="http://schemas.openxmlformats.org/officeDocument/2006/math" xmlns="" val="1"/>
+              <ma14:wrappingTextBoxFlag xmlns="" xmlns:m="http://schemas.openxmlformats.org/officeDocument/2006/math" xmlns:a14="http://schemas.microsoft.com/office/drawing/2010/main" xmlns:ma14="http://schemas.microsoft.com/office/mac/drawingml/2011/main" val="1"/>
             </a:ext>
           </a:extLst>
         </p:spPr>
@@ -14798,7 +14797,7 @@
           </a:effectLst>
           <a:extLst>
             <a:ext uri="{C572A759-6A51-4108-AA02-DFA0A04FC94B}">
-              <ma14:wrappingTextBoxFlag xmlns:ma14="http://schemas.microsoft.com/office/mac/drawingml/2011/main" xmlns:a14="http://schemas.microsoft.com/office/drawing/2010/main" xmlns:m="http://schemas.openxmlformats.org/officeDocument/2006/math" xmlns="" val="1"/>
+              <ma14:wrappingTextBoxFlag xmlns="" xmlns:m="http://schemas.openxmlformats.org/officeDocument/2006/math" xmlns:a14="http://schemas.microsoft.com/office/drawing/2010/main" xmlns:ma14="http://schemas.microsoft.com/office/mac/drawingml/2011/main" val="1"/>
             </a:ext>
           </a:extLst>
         </p:spPr>
@@ -14863,7 +14862,7 @@
           </a:effectLst>
           <a:extLst>
             <a:ext uri="{C572A759-6A51-4108-AA02-DFA0A04FC94B}">
-              <ma14:wrappingTextBoxFlag xmlns:ma14="http://schemas.microsoft.com/office/mac/drawingml/2011/main" xmlns:a14="http://schemas.microsoft.com/office/drawing/2010/main" xmlns:m="http://schemas.openxmlformats.org/officeDocument/2006/math" xmlns="" val="1"/>
+              <ma14:wrappingTextBoxFlag xmlns="" xmlns:m="http://schemas.openxmlformats.org/officeDocument/2006/math" xmlns:a14="http://schemas.microsoft.com/office/drawing/2010/main" xmlns:ma14="http://schemas.microsoft.com/office/mac/drawingml/2011/main" val="1"/>
             </a:ext>
           </a:extLst>
         </p:spPr>
@@ -15096,7 +15095,7 @@
           </a:effectLst>
           <a:extLst>
             <a:ext uri="{C572A759-6A51-4108-AA02-DFA0A04FC94B}">
-              <ma14:wrappingTextBoxFlag xmlns:ma14="http://schemas.microsoft.com/office/mac/drawingml/2011/main" xmlns:a14="http://schemas.microsoft.com/office/drawing/2010/main" xmlns:m="http://schemas.openxmlformats.org/officeDocument/2006/math" xmlns="" val="1"/>
+              <ma14:wrappingTextBoxFlag xmlns="" xmlns:m="http://schemas.openxmlformats.org/officeDocument/2006/math" xmlns:a14="http://schemas.microsoft.com/office/drawing/2010/main" xmlns:ma14="http://schemas.microsoft.com/office/mac/drawingml/2011/main" val="1"/>
             </a:ext>
           </a:extLst>
         </p:spPr>
@@ -15177,7 +15176,7 @@
           </a:effectLst>
           <a:extLst>
             <a:ext uri="{C572A759-6A51-4108-AA02-DFA0A04FC94B}">
-              <ma14:wrappingTextBoxFlag xmlns:ma14="http://schemas.microsoft.com/office/mac/drawingml/2011/main" xmlns:a14="http://schemas.microsoft.com/office/drawing/2010/main" xmlns:m="http://schemas.openxmlformats.org/officeDocument/2006/math" xmlns="" val="1"/>
+              <ma14:wrappingTextBoxFlag xmlns="" xmlns:m="http://schemas.openxmlformats.org/officeDocument/2006/math" xmlns:a14="http://schemas.microsoft.com/office/drawing/2010/main" xmlns:ma14="http://schemas.microsoft.com/office/mac/drawingml/2011/main" val="1"/>
             </a:ext>
           </a:extLst>
         </p:spPr>
@@ -15262,7 +15261,7 @@
           </a:effectLst>
           <a:extLst>
             <a:ext uri="{C572A759-6A51-4108-AA02-DFA0A04FC94B}">
-              <ma14:wrappingTextBoxFlag xmlns:ma14="http://schemas.microsoft.com/office/mac/drawingml/2011/main" xmlns:a14="http://schemas.microsoft.com/office/drawing/2010/main" xmlns:m="http://schemas.openxmlformats.org/officeDocument/2006/math" xmlns="" val="1"/>
+              <ma14:wrappingTextBoxFlag xmlns="" xmlns:m="http://schemas.openxmlformats.org/officeDocument/2006/math" xmlns:a14="http://schemas.microsoft.com/office/drawing/2010/main" xmlns:ma14="http://schemas.microsoft.com/office/mac/drawingml/2011/main" val="1"/>
             </a:ext>
           </a:extLst>
         </p:spPr>
@@ -15347,7 +15346,7 @@
           </a:effectLst>
           <a:extLst>
             <a:ext uri="{C572A759-6A51-4108-AA02-DFA0A04FC94B}">
-              <ma14:wrappingTextBoxFlag xmlns:ma14="http://schemas.microsoft.com/office/mac/drawingml/2011/main" xmlns:a14="http://schemas.microsoft.com/office/drawing/2010/main" xmlns:m="http://schemas.openxmlformats.org/officeDocument/2006/math" xmlns="" val="1"/>
+              <ma14:wrappingTextBoxFlag xmlns="" xmlns:m="http://schemas.openxmlformats.org/officeDocument/2006/math" xmlns:a14="http://schemas.microsoft.com/office/drawing/2010/main" xmlns:ma14="http://schemas.microsoft.com/office/mac/drawingml/2011/main" val="1"/>
             </a:ext>
           </a:extLst>
         </p:spPr>
@@ -15428,7 +15427,7 @@
           </a:effectLst>
           <a:extLst>
             <a:ext uri="{C572A759-6A51-4108-AA02-DFA0A04FC94B}">
-              <ma14:wrappingTextBoxFlag xmlns:ma14="http://schemas.microsoft.com/office/mac/drawingml/2011/main" xmlns:a14="http://schemas.microsoft.com/office/drawing/2010/main" xmlns:m="http://schemas.openxmlformats.org/officeDocument/2006/math" xmlns="" val="1"/>
+              <ma14:wrappingTextBoxFlag xmlns="" xmlns:m="http://schemas.openxmlformats.org/officeDocument/2006/math" xmlns:a14="http://schemas.microsoft.com/office/drawing/2010/main" xmlns:ma14="http://schemas.microsoft.com/office/mac/drawingml/2011/main" val="1"/>
             </a:ext>
           </a:extLst>
         </p:spPr>
@@ -15511,7 +15510,7 @@
           </a:effectLst>
           <a:extLst>
             <a:ext uri="{C572A759-6A51-4108-AA02-DFA0A04FC94B}">
-              <ma14:wrappingTextBoxFlag xmlns:ma14="http://schemas.microsoft.com/office/mac/drawingml/2011/main" xmlns:a14="http://schemas.microsoft.com/office/drawing/2010/main" xmlns:m="http://schemas.openxmlformats.org/officeDocument/2006/math" xmlns="" val="1"/>
+              <ma14:wrappingTextBoxFlag xmlns="" xmlns:m="http://schemas.openxmlformats.org/officeDocument/2006/math" xmlns:a14="http://schemas.microsoft.com/office/drawing/2010/main" xmlns:ma14="http://schemas.microsoft.com/office/mac/drawingml/2011/main" val="1"/>
             </a:ext>
           </a:extLst>
         </p:spPr>
@@ -15576,7 +15575,7 @@
           </a:effectLst>
           <a:extLst>
             <a:ext uri="{C572A759-6A51-4108-AA02-DFA0A04FC94B}">
-              <ma14:wrappingTextBoxFlag xmlns:ma14="http://schemas.microsoft.com/office/mac/drawingml/2011/main" xmlns:a14="http://schemas.microsoft.com/office/drawing/2010/main" xmlns:m="http://schemas.openxmlformats.org/officeDocument/2006/math" xmlns="" val="1"/>
+              <ma14:wrappingTextBoxFlag xmlns="" xmlns:m="http://schemas.openxmlformats.org/officeDocument/2006/math" xmlns:a14="http://schemas.microsoft.com/office/drawing/2010/main" xmlns:ma14="http://schemas.microsoft.com/office/mac/drawingml/2011/main" val="1"/>
             </a:ext>
           </a:extLst>
         </p:spPr>
@@ -15661,7 +15660,7 @@
           </a:effectLst>
           <a:extLst>
             <a:ext uri="{C572A759-6A51-4108-AA02-DFA0A04FC94B}">
-              <ma14:wrappingTextBoxFlag xmlns:ma14="http://schemas.microsoft.com/office/mac/drawingml/2011/main" xmlns:a14="http://schemas.microsoft.com/office/drawing/2010/main" xmlns:m="http://schemas.openxmlformats.org/officeDocument/2006/math" xmlns="" val="1"/>
+              <ma14:wrappingTextBoxFlag xmlns="" xmlns:m="http://schemas.openxmlformats.org/officeDocument/2006/math" xmlns:a14="http://schemas.microsoft.com/office/drawing/2010/main" xmlns:ma14="http://schemas.microsoft.com/office/mac/drawingml/2011/main" val="1"/>
             </a:ext>
           </a:extLst>
         </p:spPr>
@@ -15926,7 +15925,7 @@
           </a:effectLst>
           <a:extLst>
             <a:ext uri="{C572A759-6A51-4108-AA02-DFA0A04FC94B}">
-              <ma14:wrappingTextBoxFlag xmlns:ma14="http://schemas.microsoft.com/office/mac/drawingml/2011/main" xmlns:a14="http://schemas.microsoft.com/office/drawing/2010/main" xmlns:m="http://schemas.openxmlformats.org/officeDocument/2006/math" xmlns="" val="1"/>
+              <ma14:wrappingTextBoxFlag xmlns="" xmlns:m="http://schemas.openxmlformats.org/officeDocument/2006/math" xmlns:a14="http://schemas.microsoft.com/office/drawing/2010/main" xmlns:ma14="http://schemas.microsoft.com/office/mac/drawingml/2011/main" val="1"/>
             </a:ext>
           </a:extLst>
         </p:spPr>
@@ -15983,73 +15982,6 @@
     <p:extLst>
       <p:ext uri="{BB962C8B-B14F-4D97-AF65-F5344CB8AC3E}">
         <p14:creationId xmlns:p14="http://schemas.microsoft.com/office/powerpoint/2010/main" val="1788131802"/>
-      </p:ext>
-    </p:extLst>
-  </p:cSld>
-  <p:clrMapOvr>
-    <a:masterClrMapping/>
-  </p:clrMapOvr>
-  <p:transition spd="med"/>
-</p:sld>
-</file>
-
-<file path=ppt/slides/slide3.xml><?xml version="1.0" encoding="utf-8"?>
-<p:sld xmlns:a="http://schemas.openxmlformats.org/drawingml/2006/main" xmlns:r="http://schemas.openxmlformats.org/officeDocument/2006/relationships" xmlns:p="http://schemas.openxmlformats.org/presentationml/2006/main">
-  <p:cSld>
-    <p:spTree>
-      <p:nvGrpSpPr>
-        <p:cNvPr id="1" name=""/>
-        <p:cNvGrpSpPr/>
-        <p:nvPr/>
-      </p:nvGrpSpPr>
-      <p:grpSpPr>
-        <a:xfrm>
-          <a:off x="0" y="0"/>
-          <a:ext cx="0" cy="0"/>
-          <a:chOff x="0" y="0"/>
-          <a:chExt cx="0" cy="0"/>
-        </a:xfrm>
-      </p:grpSpPr>
-      <p:pic>
-        <p:nvPicPr>
-          <p:cNvPr id="2" name="图片 1">
-            <a:extLst>
-              <a:ext uri="{FF2B5EF4-FFF2-40B4-BE49-F238E27FC236}">
-                <a16:creationId xmlns:a16="http://schemas.microsoft.com/office/drawing/2014/main" id="{E854BB59-30F0-4A1A-A5D9-0A0CA23F52B6}"/>
-              </a:ext>
-            </a:extLst>
-          </p:cNvPr>
-          <p:cNvPicPr>
-            <a:picLocks noChangeAspect="1"/>
-          </p:cNvPicPr>
-          <p:nvPr/>
-        </p:nvPicPr>
-        <p:blipFill>
-          <a:blip r:embed="rId2">
-            <a:extLst>
-              <a:ext uri="{28A0092B-C50C-407E-A947-70E740481C1C}">
-                <a14:useLocalDpi xmlns:a14="http://schemas.microsoft.com/office/drawing/2010/main" val="0"/>
-              </a:ext>
-            </a:extLst>
-          </a:blip>
-          <a:stretch>
-            <a:fillRect/>
-          </a:stretch>
-        </p:blipFill>
-        <p:spPr>
-          <a:xfrm>
-            <a:off x="971259" y="147206"/>
-            <a:ext cx="15072304" cy="9175436"/>
-          </a:xfrm>
-          <a:prstGeom prst="rect">
-            <a:avLst/>
-          </a:prstGeom>
-        </p:spPr>
-      </p:pic>
-    </p:spTree>
-    <p:extLst>
-      <p:ext uri="{BB962C8B-B14F-4D97-AF65-F5344CB8AC3E}">
-        <p14:creationId xmlns:p14="http://schemas.microsoft.com/office/powerpoint/2010/main" val="2170458296"/>
       </p:ext>
     </p:extLst>
   </p:cSld>

--- a/resource/dubbo-go-arch.pptx
+++ b/resource/dubbo-go-arch.pptx
@@ -2233,7 +2233,7 @@
           </a:ln>
           <a:extLst>
             <a:ext uri="{C572A759-6A51-4108-AA02-DFA0A04FC94B}">
-              <ma14:wrappingTextBoxFlag xmlns="" xmlns:m="http://schemas.openxmlformats.org/officeDocument/2006/math" xmlns:a14="http://schemas.microsoft.com/office/drawing/2010/main" xmlns:ma14="http://schemas.microsoft.com/office/mac/drawingml/2011/main" val="1"/>
+              <ma14:wrappingTextBoxFlag xmlns:ma14="http://schemas.microsoft.com/office/mac/drawingml/2011/main" xmlns:a14="http://schemas.microsoft.com/office/drawing/2010/main" xmlns:m="http://schemas.openxmlformats.org/officeDocument/2006/math" xmlns="" val="1"/>
             </a:ext>
           </a:extLst>
         </p:spPr>
@@ -2272,7 +2272,7 @@
           </a:ln>
           <a:extLst>
             <a:ext uri="{C572A759-6A51-4108-AA02-DFA0A04FC94B}">
-              <ma14:wrappingTextBoxFlag xmlns="" xmlns:m="http://schemas.openxmlformats.org/officeDocument/2006/math" xmlns:a14="http://schemas.microsoft.com/office/drawing/2010/main" xmlns:ma14="http://schemas.microsoft.com/office/mac/drawingml/2011/main" val="1"/>
+              <ma14:wrappingTextBoxFlag xmlns:ma14="http://schemas.microsoft.com/office/mac/drawingml/2011/main" xmlns:a14="http://schemas.microsoft.com/office/drawing/2010/main" xmlns:m="http://schemas.openxmlformats.org/officeDocument/2006/math" xmlns="" val="1"/>
             </a:ext>
           </a:extLst>
         </p:spPr>
@@ -3088,8 +3088,21 @@
 </file>
 
 <file path=ppt/slides/slide1.xml><?xml version="1.0" encoding="utf-8"?>
-<p:sld xmlns:a="http://schemas.openxmlformats.org/drawingml/2006/main" xmlns:r="http://schemas.openxmlformats.org/officeDocument/2006/relationships" xmlns:p="http://schemas.openxmlformats.org/presentationml/2006/main">
+<p:sld xmlns:a="http://schemas.openxmlformats.org/drawingml/2006/main" xmlns:r="http://schemas.openxmlformats.org/officeDocument/2006/relationships" xmlns:p="http://schemas.openxmlformats.org/presentationml/2006/main" showMasterSp="0">
   <p:cSld>
+    <p:bg>
+      <p:bgPr>
+        <a:pattFill prst="pct5">
+          <a:fgClr>
+            <a:srgbClr val="FFFFFF"/>
+          </a:fgClr>
+          <a:bgClr>
+            <a:schemeClr val="bg1"/>
+          </a:bgClr>
+        </a:pattFill>
+        <a:effectLst/>
+      </p:bgPr>
+    </p:bg>
     <p:spTree>
       <p:nvGrpSpPr>
         <p:cNvPr id="1" name=""/>
@@ -3142,7 +3155,7 @@
           </a:effectLst>
           <a:extLst>
             <a:ext uri="{C572A759-6A51-4108-AA02-DFA0A04FC94B}">
-              <ma14:wrappingTextBoxFlag xmlns="" xmlns:m="http://schemas.openxmlformats.org/officeDocument/2006/math" xmlns:a14="http://schemas.microsoft.com/office/drawing/2010/main" xmlns:ma14="http://schemas.microsoft.com/office/mac/drawingml/2011/main" val="1"/>
+              <ma14:wrappingTextBoxFlag xmlns:ma14="http://schemas.microsoft.com/office/mac/drawingml/2011/main" xmlns:a14="http://schemas.microsoft.com/office/drawing/2010/main" xmlns:m="http://schemas.openxmlformats.org/officeDocument/2006/math" xmlns="" val="1"/>
             </a:ext>
           </a:extLst>
         </p:spPr>
@@ -3242,7 +3255,7 @@
           </a:effectLst>
           <a:extLst>
             <a:ext uri="{C572A759-6A51-4108-AA02-DFA0A04FC94B}">
-              <ma14:wrappingTextBoxFlag xmlns="" xmlns:m="http://schemas.openxmlformats.org/officeDocument/2006/math" xmlns:a14="http://schemas.microsoft.com/office/drawing/2010/main" xmlns:ma14="http://schemas.microsoft.com/office/mac/drawingml/2011/main" val="1"/>
+              <ma14:wrappingTextBoxFlag xmlns:ma14="http://schemas.microsoft.com/office/mac/drawingml/2011/main" xmlns:a14="http://schemas.microsoft.com/office/drawing/2010/main" xmlns:m="http://schemas.openxmlformats.org/officeDocument/2006/math" xmlns="" val="1"/>
             </a:ext>
           </a:extLst>
         </p:spPr>
@@ -3277,281 +3290,239 @@
           </a:p>
         </p:txBody>
       </p:sp>
-      <p:grpSp>
-        <p:nvGrpSpPr>
-          <p:cNvPr id="32" name="Group 31">
-            <a:extLst>
-              <a:ext uri="{FF2B5EF4-FFF2-40B4-BE49-F238E27FC236}">
-                <a16:creationId xmlns:a16="http://schemas.microsoft.com/office/drawing/2014/main" id="{72DE8F5F-525F-3A43-B149-4CFD6BD22A22}"/>
-              </a:ext>
-            </a:extLst>
-          </p:cNvPr>
-          <p:cNvGrpSpPr/>
+      <p:sp>
+        <p:nvSpPr>
+          <p:cNvPr id="125" name="filter"/>
+          <p:cNvSpPr/>
           <p:nvPr/>
-        </p:nvGrpSpPr>
-        <p:grpSpPr>
+        </p:nvSpPr>
+        <p:spPr>
           <a:xfrm>
             <a:off x="6388017" y="2852422"/>
             <a:ext cx="1083600" cy="2880000"/>
-            <a:chOff x="6416912" y="3174922"/>
-            <a:chExt cx="1083600" cy="2880000"/>
           </a:xfrm>
-        </p:grpSpPr>
-        <p:sp>
-          <p:nvSpPr>
-            <p:cNvPr id="125" name="filter"/>
-            <p:cNvSpPr/>
-            <p:nvPr/>
-          </p:nvSpPr>
-          <p:spPr>
-            <a:xfrm>
-              <a:off x="6416912" y="3174922"/>
-              <a:ext cx="1083600" cy="2880000"/>
-            </a:xfrm>
-            <a:prstGeom prst="roundRect">
-              <a:avLst>
-                <a:gd name="adj" fmla="val 5299"/>
-              </a:avLst>
-            </a:prstGeom>
-            <a:solidFill>
-              <a:schemeClr val="bg1">
-                <a:lumMod val="75000"/>
-              </a:schemeClr>
-            </a:solidFill>
-            <a:ln w="12700" cap="flat">
-              <a:noFill/>
-              <a:prstDash val="solid"/>
-              <a:miter lim="400000"/>
-            </a:ln>
-            <a:effectLst>
-              <a:outerShdw blurRad="50800" dist="38100" dir="5400000" algn="t" rotWithShape="0">
-                <a:prstClr val="black">
-                  <a:alpha val="40000"/>
-                </a:prstClr>
-              </a:outerShdw>
-            </a:effectLst>
-            <a:extLst>
-              <a:ext uri="{C572A759-6A51-4108-AA02-DFA0A04FC94B}">
-                <ma14:wrappingTextBoxFlag xmlns="" xmlns:m="http://schemas.openxmlformats.org/officeDocument/2006/math" xmlns:a14="http://schemas.microsoft.com/office/drawing/2010/main" xmlns:ma14="http://schemas.microsoft.com/office/mac/drawingml/2011/main" val="1"/>
-              </a:ext>
-            </a:extLst>
-          </p:spPr>
-          <p:txBody>
-            <a:bodyPr wrap="square" lIns="50800" tIns="50800" rIns="50800" bIns="50800" numCol="1" anchor="t">
-              <a:noAutofit/>
-            </a:bodyPr>
-            <a:lstStyle/>
-            <a:p>
-              <a:r>
-                <a:rPr sz="1700" b="0" dirty="0">
-                  <a:latin typeface="微软雅黑" panose="020B0503020204020204" pitchFamily="34" charset="-122"/>
-                  <a:ea typeface="微软雅黑" panose="020B0503020204020204" pitchFamily="34" charset="-122"/>
-                  <a:cs typeface="Helvetica Light"/>
-                </a:rPr>
-                <a:t>filter</a:t>
-              </a:r>
-            </a:p>
-          </p:txBody>
-        </p:sp>
-        <p:grpSp>
-          <p:nvGrpSpPr>
-            <p:cNvPr id="26" name="Group 25">
-              <a:extLst>
-                <a:ext uri="{FF2B5EF4-FFF2-40B4-BE49-F238E27FC236}">
-                  <a16:creationId xmlns:a16="http://schemas.microsoft.com/office/drawing/2014/main" id="{81C10D66-1047-9B43-937B-37F23F0FA1CA}"/>
-                </a:ext>
-              </a:extLst>
-            </p:cNvPr>
-            <p:cNvGrpSpPr/>
-            <p:nvPr/>
-          </p:nvGrpSpPr>
-          <p:grpSpPr>
-            <a:xfrm>
-              <a:off x="6444818" y="3716035"/>
-              <a:ext cx="952963" cy="1713266"/>
-              <a:chOff x="6430181" y="3498659"/>
-              <a:chExt cx="952963" cy="1713266"/>
-            </a:xfrm>
-          </p:grpSpPr>
-          <p:sp>
-            <p:nvSpPr>
-              <p:cNvPr id="126" name="generic…"/>
-              <p:cNvSpPr/>
-              <p:nvPr/>
-            </p:nvSpPr>
-            <p:spPr>
-              <a:xfrm>
-                <a:off x="6437358" y="4144051"/>
-                <a:ext cx="945786" cy="408330"/>
-              </a:xfrm>
-              <a:prstGeom prst="roundRect">
-                <a:avLst>
-                  <a:gd name="adj" fmla="val 11868"/>
-                </a:avLst>
-              </a:prstGeom>
-              <a:solidFill>
-                <a:schemeClr val="accent4"/>
-              </a:solidFill>
-              <a:ln w="12700" cap="flat">
-                <a:noFill/>
-                <a:miter lim="400000"/>
-              </a:ln>
-              <a:effectLst>
-                <a:outerShdw blurRad="38100" dist="25400" dir="5400000" rotWithShape="0">
-                  <a:srgbClr val="000000">
-                    <a:alpha val="50000"/>
-                  </a:srgbClr>
-                </a:outerShdw>
-              </a:effectLst>
-              <a:extLst>
-                <a:ext uri="{C572A759-6A51-4108-AA02-DFA0A04FC94B}">
-                  <ma14:wrappingTextBoxFlag xmlns="" xmlns:m="http://schemas.openxmlformats.org/officeDocument/2006/math" xmlns:a14="http://schemas.microsoft.com/office/drawing/2010/main" xmlns:ma14="http://schemas.microsoft.com/office/mac/drawingml/2011/main" val="1"/>
-                </a:ext>
-              </a:extLst>
-            </p:spPr>
-            <p:txBody>
-              <a:bodyPr wrap="square" lIns="50800" tIns="50800" rIns="50800" bIns="50800" numCol="1" anchor="ctr">
-                <a:noAutofit/>
-              </a:bodyPr>
-              <a:lstStyle/>
-              <a:p>
-                <a:r>
-                  <a:rPr sz="1500" b="0" dirty="0">
-                    <a:solidFill>
-                      <a:sysClr val="windowText" lastClr="000000"/>
-                    </a:solidFill>
-                    <a:latin typeface="微软雅黑" panose="020B0503020204020204" pitchFamily="34" charset="-122"/>
-                    <a:ea typeface="微软雅黑" panose="020B0503020204020204" pitchFamily="34" charset="-122"/>
-                    <a:cs typeface="Helvetica Light"/>
-                  </a:rPr>
-                  <a:t>generic</a:t>
-                </a:r>
-              </a:p>
-              <a:p>
-                <a:r>
-                  <a:rPr sz="1500" b="0" dirty="0">
-                    <a:solidFill>
-                      <a:sysClr val="windowText" lastClr="000000"/>
-                    </a:solidFill>
-                    <a:latin typeface="微软雅黑" panose="020B0503020204020204" pitchFamily="34" charset="-122"/>
-                    <a:ea typeface="微软雅黑" panose="020B0503020204020204" pitchFamily="34" charset="-122"/>
-                    <a:cs typeface="Helvetica Light"/>
-                  </a:rPr>
-                  <a:t>invoke</a:t>
-                </a:r>
-              </a:p>
-            </p:txBody>
-          </p:sp>
-          <p:sp>
-            <p:nvSpPr>
-              <p:cNvPr id="127" name="tps limit"/>
-              <p:cNvSpPr/>
-              <p:nvPr/>
-            </p:nvSpPr>
-            <p:spPr>
-              <a:xfrm>
-                <a:off x="6430181" y="3498659"/>
-                <a:ext cx="945786" cy="228628"/>
-              </a:xfrm>
-              <a:prstGeom prst="roundRect">
-                <a:avLst/>
-              </a:prstGeom>
-              <a:solidFill>
-                <a:schemeClr val="accent4"/>
-              </a:solidFill>
-              <a:ln w="12700" cap="flat">
-                <a:noFill/>
-                <a:miter lim="400000"/>
-              </a:ln>
-              <a:effectLst>
-                <a:outerShdw blurRad="38100" dist="25400" dir="5400000" rotWithShape="0">
-                  <a:srgbClr val="000000">
-                    <a:alpha val="50000"/>
-                  </a:srgbClr>
-                </a:outerShdw>
-              </a:effectLst>
-              <a:extLst>
-                <a:ext uri="{C572A759-6A51-4108-AA02-DFA0A04FC94B}">
-                  <ma14:wrappingTextBoxFlag xmlns="" xmlns:m="http://schemas.openxmlformats.org/officeDocument/2006/math" xmlns:a14="http://schemas.microsoft.com/office/drawing/2010/main" xmlns:ma14="http://schemas.microsoft.com/office/mac/drawingml/2011/main" val="1"/>
-                </a:ext>
-              </a:extLst>
-            </p:spPr>
-            <p:txBody>
-              <a:bodyPr wrap="square" lIns="50800" tIns="50800" rIns="50800" bIns="50800" numCol="1" anchor="ctr">
-                <a:noAutofit/>
-              </a:bodyPr>
-              <a:lstStyle/>
-              <a:p>
-                <a:r>
-                  <a:rPr sz="1500" b="0" dirty="0">
-                    <a:solidFill>
-                      <a:sysClr val="windowText" lastClr="000000"/>
-                    </a:solidFill>
-                    <a:latin typeface="微软雅黑" panose="020B0503020204020204" pitchFamily="34" charset="-122"/>
-                    <a:ea typeface="微软雅黑" panose="020B0503020204020204" pitchFamily="34" charset="-122"/>
-                    <a:cs typeface="Helvetica Light"/>
-                  </a:rPr>
-                  <a:t>tps limit</a:t>
-                </a:r>
-              </a:p>
-            </p:txBody>
-          </p:sp>
-          <p:sp>
-            <p:nvSpPr>
-              <p:cNvPr id="128" name="…"/>
-              <p:cNvSpPr/>
-              <p:nvPr/>
-            </p:nvSpPr>
-            <p:spPr>
-              <a:xfrm>
-                <a:off x="6430181" y="4969145"/>
-                <a:ext cx="945786" cy="242780"/>
-              </a:xfrm>
-              <a:prstGeom prst="roundRect">
-                <a:avLst/>
-              </a:prstGeom>
-              <a:solidFill>
-                <a:schemeClr val="accent4"/>
-              </a:solidFill>
-              <a:ln w="12700" cap="flat">
-                <a:noFill/>
-                <a:miter lim="400000"/>
-              </a:ln>
-              <a:effectLst>
-                <a:outerShdw blurRad="38100" dist="25400" dir="5400000" rotWithShape="0">
-                  <a:srgbClr val="000000">
-                    <a:alpha val="50000"/>
-                  </a:srgbClr>
-                </a:outerShdw>
-              </a:effectLst>
-              <a:extLst>
-                <a:ext uri="{C572A759-6A51-4108-AA02-DFA0A04FC94B}">
-                  <ma14:wrappingTextBoxFlag xmlns="" xmlns:m="http://schemas.openxmlformats.org/officeDocument/2006/math" xmlns:a14="http://schemas.microsoft.com/office/drawing/2010/main" xmlns:ma14="http://schemas.microsoft.com/office/mac/drawingml/2011/main" val="1"/>
-                </a:ext>
-              </a:extLst>
-            </p:spPr>
-            <p:txBody>
-              <a:bodyPr wrap="square" lIns="50800" tIns="50800" rIns="50800" bIns="50800" numCol="1" anchor="ctr">
-                <a:noAutofit/>
-              </a:bodyPr>
-              <a:lstStyle/>
-              <a:p>
-                <a:r>
-                  <a:rPr sz="1500" b="0" dirty="0">
-                    <a:solidFill>
-                      <a:sysClr val="windowText" lastClr="000000"/>
-                    </a:solidFill>
-                    <a:latin typeface="微软雅黑" panose="020B0503020204020204" pitchFamily="34" charset="-122"/>
-                    <a:ea typeface="微软雅黑" panose="020B0503020204020204" pitchFamily="34" charset="-122"/>
-                    <a:cs typeface="Helvetica Light"/>
-                  </a:rPr>
-                  <a:t>…</a:t>
-                </a:r>
-              </a:p>
-            </p:txBody>
-          </p:sp>
-        </p:grpSp>
-      </p:grpSp>
+          <a:prstGeom prst="roundRect">
+            <a:avLst>
+              <a:gd name="adj" fmla="val 5299"/>
+            </a:avLst>
+          </a:prstGeom>
+          <a:solidFill>
+            <a:schemeClr val="bg1">
+              <a:lumMod val="75000"/>
+            </a:schemeClr>
+          </a:solidFill>
+          <a:ln w="12700" cap="flat">
+            <a:noFill/>
+            <a:prstDash val="solid"/>
+            <a:miter lim="400000"/>
+          </a:ln>
+          <a:effectLst>
+            <a:outerShdw blurRad="50800" dist="38100" dir="5400000" algn="t" rotWithShape="0">
+              <a:prstClr val="black">
+                <a:alpha val="40000"/>
+              </a:prstClr>
+            </a:outerShdw>
+          </a:effectLst>
+          <a:extLst>
+            <a:ext uri="{C572A759-6A51-4108-AA02-DFA0A04FC94B}">
+              <ma14:wrappingTextBoxFlag xmlns:ma14="http://schemas.microsoft.com/office/mac/drawingml/2011/main" xmlns:a14="http://schemas.microsoft.com/office/drawing/2010/main" xmlns:m="http://schemas.openxmlformats.org/officeDocument/2006/math" xmlns="" val="1"/>
+            </a:ext>
+          </a:extLst>
+        </p:spPr>
+        <p:txBody>
+          <a:bodyPr wrap="square" lIns="50800" tIns="50800" rIns="50800" bIns="50800" numCol="1" anchor="t">
+            <a:noAutofit/>
+          </a:bodyPr>
+          <a:lstStyle/>
+          <a:p>
+            <a:r>
+              <a:rPr sz="1700" b="0" dirty="0">
+                <a:latin typeface="微软雅黑" panose="020B0503020204020204" pitchFamily="34" charset="-122"/>
+                <a:ea typeface="微软雅黑" panose="020B0503020204020204" pitchFamily="34" charset="-122"/>
+                <a:cs typeface="Helvetica Light"/>
+              </a:rPr>
+              <a:t>filter</a:t>
+            </a:r>
+          </a:p>
+        </p:txBody>
+      </p:sp>
+      <p:sp>
+        <p:nvSpPr>
+          <p:cNvPr id="126" name="generic…"/>
+          <p:cNvSpPr/>
+          <p:nvPr/>
+        </p:nvSpPr>
+        <p:spPr>
+          <a:xfrm>
+            <a:off x="6460797" y="4039511"/>
+            <a:ext cx="945786" cy="507307"/>
+          </a:xfrm>
+          <a:prstGeom prst="roundRect">
+            <a:avLst>
+              <a:gd name="adj" fmla="val 11868"/>
+            </a:avLst>
+          </a:prstGeom>
+          <a:solidFill>
+            <a:schemeClr val="accent4"/>
+          </a:solidFill>
+          <a:ln w="12700" cap="flat">
+            <a:noFill/>
+            <a:miter lim="400000"/>
+          </a:ln>
+          <a:effectLst>
+            <a:outerShdw blurRad="38100" dist="25400" dir="5400000" rotWithShape="0">
+              <a:srgbClr val="000000">
+                <a:alpha val="50000"/>
+              </a:srgbClr>
+            </a:outerShdw>
+          </a:effectLst>
+          <a:extLst>
+            <a:ext uri="{C572A759-6A51-4108-AA02-DFA0A04FC94B}">
+              <ma14:wrappingTextBoxFlag xmlns:ma14="http://schemas.microsoft.com/office/mac/drawingml/2011/main" xmlns:a14="http://schemas.microsoft.com/office/drawing/2010/main" xmlns:m="http://schemas.openxmlformats.org/officeDocument/2006/math" xmlns="" val="1"/>
+            </a:ext>
+          </a:extLst>
+        </p:spPr>
+        <p:txBody>
+          <a:bodyPr wrap="square" lIns="50800" tIns="50800" rIns="50800" bIns="50800" numCol="1" anchor="ctr">
+            <a:noAutofit/>
+          </a:bodyPr>
+          <a:lstStyle/>
+          <a:p>
+            <a:r>
+              <a:rPr sz="1500" b="0" dirty="0">
+                <a:solidFill>
+                  <a:sysClr val="windowText" lastClr="000000"/>
+                </a:solidFill>
+                <a:latin typeface="微软雅黑" panose="020B0503020204020204" pitchFamily="34" charset="-122"/>
+                <a:ea typeface="微软雅黑" panose="020B0503020204020204" pitchFamily="34" charset="-122"/>
+                <a:cs typeface="Helvetica Light"/>
+              </a:rPr>
+              <a:t>generic</a:t>
+            </a:r>
+          </a:p>
+          <a:p>
+            <a:r>
+              <a:rPr sz="1500" b="0" dirty="0">
+                <a:solidFill>
+                  <a:sysClr val="windowText" lastClr="000000"/>
+                </a:solidFill>
+                <a:latin typeface="微软雅黑" panose="020B0503020204020204" pitchFamily="34" charset="-122"/>
+                <a:ea typeface="微软雅黑" panose="020B0503020204020204" pitchFamily="34" charset="-122"/>
+                <a:cs typeface="Helvetica Light"/>
+              </a:rPr>
+              <a:t>invoke</a:t>
+            </a:r>
+          </a:p>
+        </p:txBody>
+      </p:sp>
+      <p:sp>
+        <p:nvSpPr>
+          <p:cNvPr id="127" name="tps limit"/>
+          <p:cNvSpPr/>
+          <p:nvPr/>
+        </p:nvSpPr>
+        <p:spPr>
+          <a:xfrm>
+            <a:off x="6460797" y="3334513"/>
+            <a:ext cx="945786" cy="284046"/>
+          </a:xfrm>
+          <a:prstGeom prst="roundRect">
+            <a:avLst/>
+          </a:prstGeom>
+          <a:solidFill>
+            <a:schemeClr val="accent4"/>
+          </a:solidFill>
+          <a:ln w="12700" cap="flat">
+            <a:noFill/>
+            <a:miter lim="400000"/>
+          </a:ln>
+          <a:effectLst>
+            <a:outerShdw blurRad="38100" dist="25400" dir="5400000" rotWithShape="0">
+              <a:srgbClr val="000000">
+                <a:alpha val="50000"/>
+              </a:srgbClr>
+            </a:outerShdw>
+          </a:effectLst>
+          <a:extLst>
+            <a:ext uri="{C572A759-6A51-4108-AA02-DFA0A04FC94B}">
+              <ma14:wrappingTextBoxFlag xmlns:ma14="http://schemas.microsoft.com/office/mac/drawingml/2011/main" xmlns:a14="http://schemas.microsoft.com/office/drawing/2010/main" xmlns:m="http://schemas.openxmlformats.org/officeDocument/2006/math" xmlns="" val="1"/>
+            </a:ext>
+          </a:extLst>
+        </p:spPr>
+        <p:txBody>
+          <a:bodyPr wrap="square" lIns="50800" tIns="50800" rIns="50800" bIns="50800" numCol="1" anchor="ctr">
+            <a:noAutofit/>
+          </a:bodyPr>
+          <a:lstStyle/>
+          <a:p>
+            <a:r>
+              <a:rPr sz="1500" b="0" dirty="0">
+                <a:solidFill>
+                  <a:sysClr val="windowText" lastClr="000000"/>
+                </a:solidFill>
+                <a:latin typeface="微软雅黑" panose="020B0503020204020204" pitchFamily="34" charset="-122"/>
+                <a:ea typeface="微软雅黑" panose="020B0503020204020204" pitchFamily="34" charset="-122"/>
+                <a:cs typeface="Helvetica Light"/>
+              </a:rPr>
+              <a:t>tps limit</a:t>
+            </a:r>
+          </a:p>
+        </p:txBody>
+      </p:sp>
+      <p:sp>
+        <p:nvSpPr>
+          <p:cNvPr id="128" name="…"/>
+          <p:cNvSpPr/>
+          <p:nvPr/>
+        </p:nvSpPr>
+        <p:spPr>
+          <a:xfrm>
+            <a:off x="6460797" y="4967769"/>
+            <a:ext cx="945786" cy="301629"/>
+          </a:xfrm>
+          <a:prstGeom prst="roundRect">
+            <a:avLst/>
+          </a:prstGeom>
+          <a:solidFill>
+            <a:schemeClr val="accent4"/>
+          </a:solidFill>
+          <a:ln w="12700" cap="flat">
+            <a:noFill/>
+            <a:miter lim="400000"/>
+          </a:ln>
+          <a:effectLst>
+            <a:outerShdw blurRad="38100" dist="25400" dir="5400000" rotWithShape="0">
+              <a:srgbClr val="000000">
+                <a:alpha val="50000"/>
+              </a:srgbClr>
+            </a:outerShdw>
+          </a:effectLst>
+          <a:extLst>
+            <a:ext uri="{C572A759-6A51-4108-AA02-DFA0A04FC94B}">
+              <ma14:wrappingTextBoxFlag xmlns:ma14="http://schemas.microsoft.com/office/mac/drawingml/2011/main" xmlns:a14="http://schemas.microsoft.com/office/drawing/2010/main" xmlns:m="http://schemas.openxmlformats.org/officeDocument/2006/math" xmlns="" val="1"/>
+            </a:ext>
+          </a:extLst>
+        </p:spPr>
+        <p:txBody>
+          <a:bodyPr wrap="square" lIns="50800" tIns="50800" rIns="50800" bIns="50800" numCol="1" anchor="ctr">
+            <a:noAutofit/>
+          </a:bodyPr>
+          <a:lstStyle/>
+          <a:p>
+            <a:r>
+              <a:rPr sz="1500" b="0" dirty="0">
+                <a:solidFill>
+                  <a:sysClr val="windowText" lastClr="000000"/>
+                </a:solidFill>
+                <a:latin typeface="微软雅黑" panose="020B0503020204020204" pitchFamily="34" charset="-122"/>
+                <a:ea typeface="微软雅黑" panose="020B0503020204020204" pitchFamily="34" charset="-122"/>
+                <a:cs typeface="Helvetica Light"/>
+              </a:rPr>
+              <a:t>…</a:t>
+            </a:r>
+          </a:p>
+        </p:txBody>
+      </p:sp>
       <p:grpSp>
         <p:nvGrpSpPr>
           <p:cNvPr id="29" name="Group 28">
@@ -3607,7 +3578,7 @@
             </a:effectLst>
             <a:extLst>
               <a:ext uri="{C572A759-6A51-4108-AA02-DFA0A04FC94B}">
-                <ma14:wrappingTextBoxFlag xmlns="" xmlns:m="http://schemas.openxmlformats.org/officeDocument/2006/math" xmlns:a14="http://schemas.microsoft.com/office/drawing/2010/main" xmlns:ma14="http://schemas.microsoft.com/office/mac/drawingml/2011/main" val="1"/>
+                <ma14:wrappingTextBoxFlag xmlns:ma14="http://schemas.microsoft.com/office/mac/drawingml/2011/main" xmlns:a14="http://schemas.microsoft.com/office/drawing/2010/main" xmlns:m="http://schemas.openxmlformats.org/officeDocument/2006/math" xmlns="" val="1"/>
               </a:ext>
             </a:extLst>
           </p:spPr>
@@ -3658,7 +3629,7 @@
             </a:effectLst>
             <a:extLst>
               <a:ext uri="{C572A759-6A51-4108-AA02-DFA0A04FC94B}">
-                <ma14:wrappingTextBoxFlag xmlns="" xmlns:m="http://schemas.openxmlformats.org/officeDocument/2006/math" xmlns:a14="http://schemas.microsoft.com/office/drawing/2010/main" xmlns:ma14="http://schemas.microsoft.com/office/mac/drawingml/2011/main" val="1"/>
+                <ma14:wrappingTextBoxFlag xmlns:ma14="http://schemas.microsoft.com/office/mac/drawingml/2011/main" xmlns:a14="http://schemas.microsoft.com/office/drawing/2010/main" xmlns:m="http://schemas.openxmlformats.org/officeDocument/2006/math" xmlns="" val="1"/>
               </a:ext>
             </a:extLst>
           </p:spPr>
@@ -3712,7 +3683,7 @@
             </a:effectLst>
             <a:extLst>
               <a:ext uri="{C572A759-6A51-4108-AA02-DFA0A04FC94B}">
-                <ma14:wrappingTextBoxFlag xmlns="" xmlns:m="http://schemas.openxmlformats.org/officeDocument/2006/math" xmlns:a14="http://schemas.microsoft.com/office/drawing/2010/main" xmlns:ma14="http://schemas.microsoft.com/office/mac/drawingml/2011/main" val="1"/>
+                <ma14:wrappingTextBoxFlag xmlns:ma14="http://schemas.microsoft.com/office/mac/drawingml/2011/main" xmlns:a14="http://schemas.microsoft.com/office/drawing/2010/main" xmlns:m="http://schemas.openxmlformats.org/officeDocument/2006/math" xmlns="" val="1"/>
               </a:ext>
             </a:extLst>
           </p:spPr>
@@ -3766,7 +3737,7 @@
             </a:effectLst>
             <a:extLst>
               <a:ext uri="{C572A759-6A51-4108-AA02-DFA0A04FC94B}">
-                <ma14:wrappingTextBoxFlag xmlns="" xmlns:m="http://schemas.openxmlformats.org/officeDocument/2006/math" xmlns:a14="http://schemas.microsoft.com/office/drawing/2010/main" xmlns:ma14="http://schemas.microsoft.com/office/mac/drawingml/2011/main" val="1"/>
+                <ma14:wrappingTextBoxFlag xmlns:ma14="http://schemas.microsoft.com/office/mac/drawingml/2011/main" xmlns:a14="http://schemas.microsoft.com/office/drawing/2010/main" xmlns:m="http://schemas.openxmlformats.org/officeDocument/2006/math" xmlns="" val="1"/>
               </a:ext>
             </a:extLst>
           </p:spPr>
@@ -3820,7 +3791,7 @@
             </a:effectLst>
             <a:extLst>
               <a:ext uri="{C572A759-6A51-4108-AA02-DFA0A04FC94B}">
-                <ma14:wrappingTextBoxFlag xmlns="" xmlns:m="http://schemas.openxmlformats.org/officeDocument/2006/math" xmlns:a14="http://schemas.microsoft.com/office/drawing/2010/main" xmlns:ma14="http://schemas.microsoft.com/office/mac/drawingml/2011/main" val="1"/>
+                <ma14:wrappingTextBoxFlag xmlns:ma14="http://schemas.microsoft.com/office/mac/drawingml/2011/main" xmlns:a14="http://schemas.microsoft.com/office/drawing/2010/main" xmlns:m="http://schemas.openxmlformats.org/officeDocument/2006/math" xmlns="" val="1"/>
               </a:ext>
             </a:extLst>
           </p:spPr>
@@ -3875,7 +3846,7 @@
           </a:effectLst>
           <a:extLst>
             <a:ext uri="{C572A759-6A51-4108-AA02-DFA0A04FC94B}">
-              <ma14:wrappingTextBoxFlag xmlns="" xmlns:m="http://schemas.openxmlformats.org/officeDocument/2006/math" xmlns:a14="http://schemas.microsoft.com/office/drawing/2010/main" xmlns:ma14="http://schemas.microsoft.com/office/mac/drawingml/2011/main" val="1"/>
+              <ma14:wrappingTextBoxFlag xmlns:ma14="http://schemas.microsoft.com/office/mac/drawingml/2011/main" xmlns:a14="http://schemas.microsoft.com/office/drawing/2010/main" xmlns:m="http://schemas.openxmlformats.org/officeDocument/2006/math" xmlns="" val="1"/>
             </a:ext>
           </a:extLst>
         </p:spPr>
@@ -4051,7 +4022,7 @@
           </a:effectLst>
           <a:extLst>
             <a:ext uri="{C572A759-6A51-4108-AA02-DFA0A04FC94B}">
-              <ma14:wrappingTextBoxFlag xmlns="" xmlns:m="http://schemas.openxmlformats.org/officeDocument/2006/math" xmlns:a14="http://schemas.microsoft.com/office/drawing/2010/main" xmlns:ma14="http://schemas.microsoft.com/office/mac/drawingml/2011/main" val="1"/>
+              <ma14:wrappingTextBoxFlag xmlns:ma14="http://schemas.microsoft.com/office/mac/drawingml/2011/main" xmlns:a14="http://schemas.microsoft.com/office/drawing/2010/main" xmlns:m="http://schemas.openxmlformats.org/officeDocument/2006/math" xmlns="" val="1"/>
             </a:ext>
           </a:extLst>
         </p:spPr>
@@ -4175,7 +4146,7 @@
           </a:effectLst>
           <a:extLst>
             <a:ext uri="{C572A759-6A51-4108-AA02-DFA0A04FC94B}">
-              <ma14:wrappingTextBoxFlag xmlns="" xmlns:m="http://schemas.openxmlformats.org/officeDocument/2006/math" xmlns:a14="http://schemas.microsoft.com/office/drawing/2010/main" xmlns:ma14="http://schemas.microsoft.com/office/mac/drawingml/2011/main" val="1"/>
+              <ma14:wrappingTextBoxFlag xmlns:ma14="http://schemas.microsoft.com/office/mac/drawingml/2011/main" xmlns:a14="http://schemas.microsoft.com/office/drawing/2010/main" xmlns:m="http://schemas.openxmlformats.org/officeDocument/2006/math" xmlns="" val="1"/>
             </a:ext>
           </a:extLst>
         </p:spPr>
@@ -4254,7 +4225,7 @@
             </a:effectLst>
             <a:extLst>
               <a:ext uri="{C572A759-6A51-4108-AA02-DFA0A04FC94B}">
-                <ma14:wrappingTextBoxFlag xmlns="" xmlns:m="http://schemas.openxmlformats.org/officeDocument/2006/math" xmlns:a14="http://schemas.microsoft.com/office/drawing/2010/main" xmlns:ma14="http://schemas.microsoft.com/office/mac/drawingml/2011/main" val="1"/>
+                <ma14:wrappingTextBoxFlag xmlns:ma14="http://schemas.microsoft.com/office/mac/drawingml/2011/main" xmlns:a14="http://schemas.microsoft.com/office/drawing/2010/main" xmlns:m="http://schemas.openxmlformats.org/officeDocument/2006/math" xmlns="" val="1"/>
               </a:ext>
             </a:extLst>
           </p:spPr>
@@ -4319,7 +4290,7 @@
             </a:effectLst>
             <a:extLst>
               <a:ext uri="{C572A759-6A51-4108-AA02-DFA0A04FC94B}">
-                <ma14:wrappingTextBoxFlag xmlns="" xmlns:m="http://schemas.openxmlformats.org/officeDocument/2006/math" xmlns:a14="http://schemas.microsoft.com/office/drawing/2010/main" xmlns:ma14="http://schemas.microsoft.com/office/mac/drawingml/2011/main" val="1"/>
+                <ma14:wrappingTextBoxFlag xmlns:ma14="http://schemas.microsoft.com/office/mac/drawingml/2011/main" xmlns:a14="http://schemas.microsoft.com/office/drawing/2010/main" xmlns:m="http://schemas.openxmlformats.org/officeDocument/2006/math" xmlns="" val="1"/>
               </a:ext>
             </a:extLst>
           </p:spPr>
@@ -4384,7 +4355,7 @@
             </a:effectLst>
             <a:extLst>
               <a:ext uri="{C572A759-6A51-4108-AA02-DFA0A04FC94B}">
-                <ma14:wrappingTextBoxFlag xmlns="" xmlns:m="http://schemas.openxmlformats.org/officeDocument/2006/math" xmlns:a14="http://schemas.microsoft.com/office/drawing/2010/main" xmlns:ma14="http://schemas.microsoft.com/office/mac/drawingml/2011/main" val="1"/>
+                <ma14:wrappingTextBoxFlag xmlns:ma14="http://schemas.microsoft.com/office/mac/drawingml/2011/main" xmlns:a14="http://schemas.microsoft.com/office/drawing/2010/main" xmlns:m="http://schemas.openxmlformats.org/officeDocument/2006/math" xmlns="" val="1"/>
               </a:ext>
             </a:extLst>
           </p:spPr>
@@ -4449,7 +4420,7 @@
             </a:effectLst>
             <a:extLst>
               <a:ext uri="{C572A759-6A51-4108-AA02-DFA0A04FC94B}">
-                <ma14:wrappingTextBoxFlag xmlns="" xmlns:m="http://schemas.openxmlformats.org/officeDocument/2006/math" xmlns:a14="http://schemas.microsoft.com/office/drawing/2010/main" xmlns:ma14="http://schemas.microsoft.com/office/mac/drawingml/2011/main" val="1"/>
+                <ma14:wrappingTextBoxFlag xmlns:ma14="http://schemas.microsoft.com/office/mac/drawingml/2011/main" xmlns:a14="http://schemas.microsoft.com/office/drawing/2010/main" xmlns:m="http://schemas.openxmlformats.org/officeDocument/2006/math" xmlns="" val="1"/>
               </a:ext>
             </a:extLst>
           </p:spPr>
@@ -4736,7 +4707,7 @@
           </a:effectLst>
           <a:extLst>
             <a:ext uri="{C572A759-6A51-4108-AA02-DFA0A04FC94B}">
-              <ma14:wrappingTextBoxFlag xmlns="" xmlns:m="http://schemas.openxmlformats.org/officeDocument/2006/math" xmlns:a14="http://schemas.microsoft.com/office/drawing/2010/main" xmlns:ma14="http://schemas.microsoft.com/office/mac/drawingml/2011/main" val="1"/>
+              <ma14:wrappingTextBoxFlag xmlns:ma14="http://schemas.microsoft.com/office/mac/drawingml/2011/main" xmlns:a14="http://schemas.microsoft.com/office/drawing/2010/main" xmlns:m="http://schemas.openxmlformats.org/officeDocument/2006/math" xmlns="" val="1"/>
             </a:ext>
           </a:extLst>
         </p:spPr>
@@ -4795,7 +4766,7 @@
           </a:effectLst>
           <a:extLst>
             <a:ext uri="{C572A759-6A51-4108-AA02-DFA0A04FC94B}">
-              <ma14:wrappingTextBoxFlag xmlns="" xmlns:m="http://schemas.openxmlformats.org/officeDocument/2006/math" xmlns:a14="http://schemas.microsoft.com/office/drawing/2010/main" xmlns:ma14="http://schemas.microsoft.com/office/mac/drawingml/2011/main" val="1"/>
+              <ma14:wrappingTextBoxFlag xmlns:ma14="http://schemas.microsoft.com/office/mac/drawingml/2011/main" xmlns:a14="http://schemas.microsoft.com/office/drawing/2010/main" xmlns:m="http://schemas.openxmlformats.org/officeDocument/2006/math" xmlns="" val="1"/>
             </a:ext>
           </a:extLst>
         </p:spPr>
@@ -4860,7 +4831,7 @@
           </a:effectLst>
           <a:extLst>
             <a:ext uri="{C572A759-6A51-4108-AA02-DFA0A04FC94B}">
-              <ma14:wrappingTextBoxFlag xmlns="" xmlns:m="http://schemas.openxmlformats.org/officeDocument/2006/math" xmlns:a14="http://schemas.microsoft.com/office/drawing/2010/main" xmlns:ma14="http://schemas.microsoft.com/office/mac/drawingml/2011/main" val="1"/>
+              <ma14:wrappingTextBoxFlag xmlns:ma14="http://schemas.microsoft.com/office/mac/drawingml/2011/main" xmlns:a14="http://schemas.microsoft.com/office/drawing/2010/main" xmlns:m="http://schemas.openxmlformats.org/officeDocument/2006/math" xmlns="" val="1"/>
             </a:ext>
           </a:extLst>
         </p:spPr>
@@ -4925,7 +4896,7 @@
           </a:effectLst>
           <a:extLst>
             <a:ext uri="{C572A759-6A51-4108-AA02-DFA0A04FC94B}">
-              <ma14:wrappingTextBoxFlag xmlns="" xmlns:m="http://schemas.openxmlformats.org/officeDocument/2006/math" xmlns:a14="http://schemas.microsoft.com/office/drawing/2010/main" xmlns:ma14="http://schemas.microsoft.com/office/mac/drawingml/2011/main" val="1"/>
+              <ma14:wrappingTextBoxFlag xmlns:ma14="http://schemas.microsoft.com/office/mac/drawingml/2011/main" xmlns:a14="http://schemas.microsoft.com/office/drawing/2010/main" xmlns:m="http://schemas.openxmlformats.org/officeDocument/2006/math" xmlns="" val="1"/>
             </a:ext>
           </a:extLst>
         </p:spPr>
@@ -4990,7 +4961,7 @@
           </a:effectLst>
           <a:extLst>
             <a:ext uri="{C572A759-6A51-4108-AA02-DFA0A04FC94B}">
-              <ma14:wrappingTextBoxFlag xmlns="" xmlns:m="http://schemas.openxmlformats.org/officeDocument/2006/math" xmlns:a14="http://schemas.microsoft.com/office/drawing/2010/main" xmlns:ma14="http://schemas.microsoft.com/office/mac/drawingml/2011/main" val="1"/>
+              <ma14:wrappingTextBoxFlag xmlns:ma14="http://schemas.microsoft.com/office/mac/drawingml/2011/main" xmlns:a14="http://schemas.microsoft.com/office/drawing/2010/main" xmlns:m="http://schemas.openxmlformats.org/officeDocument/2006/math" xmlns="" val="1"/>
             </a:ext>
           </a:extLst>
         </p:spPr>
@@ -5121,7 +5092,7 @@
             <a:effectLst/>
             <a:extLst>
               <a:ext uri="{C572A759-6A51-4108-AA02-DFA0A04FC94B}">
-                <ma14:wrappingTextBoxFlag xmlns="" xmlns:m="http://schemas.openxmlformats.org/officeDocument/2006/math" xmlns:a14="http://schemas.microsoft.com/office/drawing/2010/main" xmlns:ma14="http://schemas.microsoft.com/office/mac/drawingml/2011/main" val="1"/>
+                <ma14:wrappingTextBoxFlag xmlns:ma14="http://schemas.microsoft.com/office/mac/drawingml/2011/main" xmlns:a14="http://schemas.microsoft.com/office/drawing/2010/main" xmlns:m="http://schemas.openxmlformats.org/officeDocument/2006/math" xmlns="" val="1"/>
               </a:ext>
             </a:extLst>
           </p:spPr>
@@ -5250,7 +5221,7 @@
             <a:effectLst/>
             <a:extLst>
               <a:ext uri="{C572A759-6A51-4108-AA02-DFA0A04FC94B}">
-                <ma14:wrappingTextBoxFlag xmlns="" xmlns:m="http://schemas.openxmlformats.org/officeDocument/2006/math" xmlns:a14="http://schemas.microsoft.com/office/drawing/2010/main" xmlns:ma14="http://schemas.microsoft.com/office/mac/drawingml/2011/main" val="1"/>
+                <ma14:wrappingTextBoxFlag xmlns:ma14="http://schemas.microsoft.com/office/mac/drawingml/2011/main" xmlns:a14="http://schemas.microsoft.com/office/drawing/2010/main" xmlns:m="http://schemas.openxmlformats.org/officeDocument/2006/math" xmlns="" val="1"/>
               </a:ext>
             </a:extLst>
           </p:spPr>
@@ -5301,7 +5272,7 @@
             </a:ln>
             <a:extLst>
               <a:ext uri="{C572A759-6A51-4108-AA02-DFA0A04FC94B}">
-                <ma14:wrappingTextBoxFlag xmlns="" xmlns:m="http://schemas.openxmlformats.org/officeDocument/2006/math" xmlns:a14="http://schemas.microsoft.com/office/drawing/2010/main" xmlns:ma14="http://schemas.microsoft.com/office/mac/drawingml/2011/main" val="1"/>
+                <ma14:wrappingTextBoxFlag xmlns:ma14="http://schemas.microsoft.com/office/mac/drawingml/2011/main" xmlns:a14="http://schemas.microsoft.com/office/drawing/2010/main" xmlns:m="http://schemas.openxmlformats.org/officeDocument/2006/math" xmlns="" val="1"/>
               </a:ext>
             </a:extLst>
           </p:spPr>
@@ -5495,7 +5466,7 @@
             </a:effectLst>
             <a:extLst>
               <a:ext uri="{C572A759-6A51-4108-AA02-DFA0A04FC94B}">
-                <ma14:wrappingTextBoxFlag xmlns="" xmlns:m="http://schemas.openxmlformats.org/officeDocument/2006/math" xmlns:a14="http://schemas.microsoft.com/office/drawing/2010/main" xmlns:ma14="http://schemas.microsoft.com/office/mac/drawingml/2011/main" val="1"/>
+                <ma14:wrappingTextBoxFlag xmlns:ma14="http://schemas.microsoft.com/office/mac/drawingml/2011/main" xmlns:a14="http://schemas.microsoft.com/office/drawing/2010/main" xmlns:m="http://schemas.openxmlformats.org/officeDocument/2006/math" xmlns="" val="1"/>
               </a:ext>
             </a:extLst>
           </p:spPr>
@@ -5565,7 +5536,7 @@
             </a:effectLst>
             <a:extLst>
               <a:ext uri="{C572A759-6A51-4108-AA02-DFA0A04FC94B}">
-                <ma14:wrappingTextBoxFlag xmlns="" xmlns:m="http://schemas.openxmlformats.org/officeDocument/2006/math" xmlns:a14="http://schemas.microsoft.com/office/drawing/2010/main" xmlns:ma14="http://schemas.microsoft.com/office/mac/drawingml/2011/main" val="1"/>
+                <ma14:wrappingTextBoxFlag xmlns:ma14="http://schemas.microsoft.com/office/mac/drawingml/2011/main" xmlns:a14="http://schemas.microsoft.com/office/drawing/2010/main" xmlns:m="http://schemas.openxmlformats.org/officeDocument/2006/math" xmlns="" val="1"/>
               </a:ext>
             </a:extLst>
           </p:spPr>
@@ -5602,150 +5573,129 @@
           </p:txBody>
         </p:sp>
       </p:grpSp>
-      <p:grpSp>
-        <p:nvGrpSpPr>
-          <p:cNvPr id="33" name="Group 32">
+      <p:sp>
+        <p:nvSpPr>
+          <p:cNvPr id="83" name="Line">
             <a:extLst>
               <a:ext uri="{FF2B5EF4-FFF2-40B4-BE49-F238E27FC236}">
-                <a16:creationId xmlns:a16="http://schemas.microsoft.com/office/drawing/2014/main" id="{A511ECD1-D00E-6246-B9E4-E82EEB2F1515}"/>
+                <a16:creationId xmlns:a16="http://schemas.microsoft.com/office/drawing/2014/main" id="{3077DAEC-1021-4FDD-9040-DB33A2ACA9D4}"/>
               </a:ext>
             </a:extLst>
           </p:cNvPr>
-          <p:cNvGrpSpPr/>
+          <p:cNvSpPr/>
           <p:nvPr/>
-        </p:nvGrpSpPr>
-        <p:grpSpPr>
-          <a:xfrm>
-            <a:off x="8693530" y="6295705"/>
-            <a:ext cx="2635772" cy="527582"/>
-            <a:chOff x="8606867" y="6592416"/>
-            <a:chExt cx="2635772" cy="527582"/>
+        </p:nvSpPr>
+        <p:spPr>
+          <a:xfrm flipV="1">
+            <a:off x="8693529" y="6788727"/>
+            <a:ext cx="2653343" cy="1799"/>
           </a:xfrm>
-        </p:grpSpPr>
-        <p:sp>
-          <p:nvSpPr>
-            <p:cNvPr id="83" name="Line">
-              <a:extLst>
-                <a:ext uri="{FF2B5EF4-FFF2-40B4-BE49-F238E27FC236}">
-                  <a16:creationId xmlns:a16="http://schemas.microsoft.com/office/drawing/2014/main" id="{3077DAEC-1021-4FDD-9040-DB33A2ACA9D4}"/>
-                </a:ext>
-              </a:extLst>
-            </p:cNvPr>
-            <p:cNvSpPr/>
-            <p:nvPr/>
-          </p:nvSpPr>
-          <p:spPr>
-            <a:xfrm>
-              <a:off x="8606867" y="7087237"/>
-              <a:ext cx="2635772" cy="32761"/>
-            </a:xfrm>
-            <a:prstGeom prst="line">
-              <a:avLst/>
-            </a:prstGeom>
-            <a:ln w="38100">
+          <a:prstGeom prst="line">
+            <a:avLst/>
+          </a:prstGeom>
+          <a:ln w="38100">
+            <a:solidFill>
+              <a:schemeClr val="bg2">
+                <a:lumMod val="50000"/>
+              </a:schemeClr>
+            </a:solidFill>
+            <a:prstDash val="sysDash"/>
+            <a:tailEnd type="triangle" w="med" len="med"/>
+          </a:ln>
+        </p:spPr>
+        <p:style>
+          <a:lnRef idx="1">
+            <a:schemeClr val="accent1"/>
+          </a:lnRef>
+          <a:fillRef idx="0">
+            <a:schemeClr val="accent1"/>
+          </a:fillRef>
+          <a:effectRef idx="0">
+            <a:schemeClr val="accent1"/>
+          </a:effectRef>
+          <a:fontRef idx="minor">
+            <a:schemeClr val="tx1"/>
+          </a:fontRef>
+        </p:style>
+        <p:txBody>
+          <a:bodyPr wrap="square" lIns="50800" tIns="50800" rIns="50800" bIns="50800" numCol="1" anchor="ctr">
+            <a:noAutofit/>
+          </a:bodyPr>
+          <a:lstStyle/>
+          <a:p>
+            <a:endParaRPr b="0" dirty="0">
               <a:solidFill>
-                <a:schemeClr val="bg2">
-                  <a:lumMod val="50000"/>
-                </a:schemeClr>
+                <a:schemeClr val="tx1"/>
               </a:solidFill>
-              <a:prstDash val="sysDash"/>
-              <a:tailEnd type="triangle" w="med" len="med"/>
-            </a:ln>
-          </p:spPr>
-          <p:style>
-            <a:lnRef idx="1">
-              <a:schemeClr val="accent1"/>
-            </a:lnRef>
-            <a:fillRef idx="0">
-              <a:schemeClr val="accent1"/>
-            </a:fillRef>
-            <a:effectRef idx="0">
-              <a:schemeClr val="accent1"/>
-            </a:effectRef>
-            <a:fontRef idx="minor">
-              <a:schemeClr val="tx1"/>
-            </a:fontRef>
-          </p:style>
-          <p:txBody>
-            <a:bodyPr wrap="square" lIns="50800" tIns="50800" rIns="50800" bIns="50800" numCol="1" anchor="ctr">
-              <a:noAutofit/>
-            </a:bodyPr>
-            <a:lstStyle/>
-            <a:p>
-              <a:endParaRPr b="0" dirty="0">
-                <a:solidFill>
-                  <a:schemeClr val="tx1"/>
-                </a:solidFill>
-                <a:latin typeface="微软雅黑" panose="020B0503020204020204" pitchFamily="34" charset="-122"/>
-                <a:ea typeface="微软雅黑" panose="020B0503020204020204" pitchFamily="34" charset="-122"/>
-                <a:cs typeface="Helvetica Light"/>
-              </a:endParaRPr>
-            </a:p>
-          </p:txBody>
-        </p:sp>
-        <p:sp>
-          <p:nvSpPr>
-            <p:cNvPr id="84" name="tcp">
-              <a:extLst>
-                <a:ext uri="{FF2B5EF4-FFF2-40B4-BE49-F238E27FC236}">
-                  <a16:creationId xmlns:a16="http://schemas.microsoft.com/office/drawing/2014/main" id="{607CC97C-3C18-4338-880D-69C597A9A55C}"/>
-                </a:ext>
-              </a:extLst>
-            </p:cNvPr>
-            <p:cNvSpPr txBox="1"/>
-            <p:nvPr/>
-          </p:nvSpPr>
-          <p:spPr>
-            <a:xfrm>
-              <a:off x="9204079" y="6592416"/>
-              <a:ext cx="1327599" cy="421818"/>
-            </a:xfrm>
-            <a:prstGeom prst="rect">
-              <a:avLst/>
-            </a:prstGeom>
-            <a:ln w="12700">
-              <a:miter lim="400000"/>
-            </a:ln>
+              <a:latin typeface="微软雅黑" panose="020B0503020204020204" pitchFamily="34" charset="-122"/>
+              <a:ea typeface="微软雅黑" panose="020B0503020204020204" pitchFamily="34" charset="-122"/>
+              <a:cs typeface="Helvetica Light"/>
+            </a:endParaRPr>
+          </a:p>
+        </p:txBody>
+      </p:sp>
+      <p:sp>
+        <p:nvSpPr>
+          <p:cNvPr id="84" name="tcp">
             <a:extLst>
-              <a:ext uri="{C572A759-6A51-4108-AA02-DFA0A04FC94B}">
-                <ma14:wrappingTextBoxFlag xmlns="" xmlns:m="http://schemas.openxmlformats.org/officeDocument/2006/math" xmlns:a14="http://schemas.microsoft.com/office/drawing/2010/main" xmlns:ma14="http://schemas.microsoft.com/office/mac/drawingml/2011/main" val="1"/>
+              <a:ext uri="{FF2B5EF4-FFF2-40B4-BE49-F238E27FC236}">
+                <a16:creationId xmlns:a16="http://schemas.microsoft.com/office/drawing/2014/main" id="{607CC97C-3C18-4338-880D-69C597A9A55C}"/>
               </a:ext>
             </a:extLst>
-          </p:spPr>
-          <p:txBody>
-            <a:bodyPr lIns="50800" tIns="50800" rIns="50800" bIns="50800" anchor="ctr"/>
-            <a:lstStyle>
-              <a:lvl1pPr>
-                <a:defRPr sz="2800" b="0">
-                  <a:latin typeface="Helvetica Light"/>
-                  <a:ea typeface="Helvetica Light"/>
-                  <a:cs typeface="Helvetica Light"/>
-                  <a:sym typeface="Helvetica Light"/>
-                </a:defRPr>
-              </a:lvl1pPr>
-            </a:lstStyle>
-            <a:p>
-              <a:r>
-                <a:rPr lang="en-US" sz="1800" b="1" dirty="0">
-                  <a:solidFill>
-                    <a:srgbClr val="6C6969"/>
-                  </a:solidFill>
-                  <a:latin typeface="微软雅黑" panose="020B0503020204020204" pitchFamily="34" charset="-122"/>
-                  <a:ea typeface="微软雅黑" panose="020B0503020204020204" pitchFamily="34" charset="-122"/>
-                </a:rPr>
-                <a:t>chain</a:t>
-              </a:r>
-              <a:endParaRPr sz="1800" b="1" dirty="0">
+          </p:cNvPr>
+          <p:cNvSpPr txBox="1"/>
+          <p:nvPr/>
+        </p:nvSpPr>
+        <p:spPr>
+          <a:xfrm>
+            <a:off x="9290742" y="6295705"/>
+            <a:ext cx="1327599" cy="421818"/>
+          </a:xfrm>
+          <a:prstGeom prst="rect">
+            <a:avLst/>
+          </a:prstGeom>
+          <a:ln w="12700">
+            <a:miter lim="400000"/>
+          </a:ln>
+          <a:extLst>
+            <a:ext uri="{C572A759-6A51-4108-AA02-DFA0A04FC94B}">
+              <ma14:wrappingTextBoxFlag xmlns:ma14="http://schemas.microsoft.com/office/mac/drawingml/2011/main" xmlns:a14="http://schemas.microsoft.com/office/drawing/2010/main" xmlns:m="http://schemas.openxmlformats.org/officeDocument/2006/math" xmlns="" val="1"/>
+            </a:ext>
+          </a:extLst>
+        </p:spPr>
+        <p:txBody>
+          <a:bodyPr lIns="50800" tIns="50800" rIns="50800" bIns="50800" anchor="ctr"/>
+          <a:lstStyle>
+            <a:lvl1pPr>
+              <a:defRPr sz="2800" b="0">
+                <a:latin typeface="Helvetica Light"/>
+                <a:ea typeface="Helvetica Light"/>
+                <a:cs typeface="Helvetica Light"/>
+                <a:sym typeface="Helvetica Light"/>
+              </a:defRPr>
+            </a:lvl1pPr>
+          </a:lstStyle>
+          <a:p>
+            <a:r>
+              <a:rPr lang="en-US" sz="1800" b="1" dirty="0">
                 <a:solidFill>
                   <a:srgbClr val="6C6969"/>
                 </a:solidFill>
                 <a:latin typeface="微软雅黑" panose="020B0503020204020204" pitchFamily="34" charset="-122"/>
                 <a:ea typeface="微软雅黑" panose="020B0503020204020204" pitchFamily="34" charset="-122"/>
-              </a:endParaRPr>
-            </a:p>
-          </p:txBody>
-        </p:sp>
-      </p:grpSp>
+              </a:rPr>
+              <a:t>chain</a:t>
+            </a:r>
+            <a:endParaRPr sz="1800" b="1" dirty="0">
+              <a:solidFill>
+                <a:srgbClr val="6C6969"/>
+              </a:solidFill>
+              <a:latin typeface="微软雅黑" panose="020B0503020204020204" pitchFamily="34" charset="-122"/>
+              <a:ea typeface="微软雅黑" panose="020B0503020204020204" pitchFamily="34" charset="-122"/>
+            </a:endParaRPr>
+          </a:p>
+        </p:txBody>
+      </p:sp>
       <p:grpSp>
         <p:nvGrpSpPr>
           <p:cNvPr id="17" name="Group 16">
@@ -5798,7 +5748,7 @@
             </a:effectLst>
             <a:extLst>
               <a:ext uri="{C572A759-6A51-4108-AA02-DFA0A04FC94B}">
-                <ma14:wrappingTextBoxFlag xmlns="" xmlns:m="http://schemas.openxmlformats.org/officeDocument/2006/math" xmlns:a14="http://schemas.microsoft.com/office/drawing/2010/main" xmlns:ma14="http://schemas.microsoft.com/office/mac/drawingml/2011/main" val="1"/>
+                <ma14:wrappingTextBoxFlag xmlns:ma14="http://schemas.microsoft.com/office/mac/drawingml/2011/main" xmlns:a14="http://schemas.microsoft.com/office/drawing/2010/main" xmlns:m="http://schemas.openxmlformats.org/officeDocument/2006/math" xmlns="" val="1"/>
               </a:ext>
             </a:extLst>
           </p:spPr>
@@ -5892,7 +5842,7 @@
                 </a:effectLst>
                 <a:extLst>
                   <a:ext uri="{C572A759-6A51-4108-AA02-DFA0A04FC94B}">
-                    <ma14:wrappingTextBoxFlag xmlns="" xmlns:m="http://schemas.openxmlformats.org/officeDocument/2006/math" xmlns:a14="http://schemas.microsoft.com/office/drawing/2010/main" xmlns:ma14="http://schemas.microsoft.com/office/mac/drawingml/2011/main" val="1"/>
+                    <ma14:wrappingTextBoxFlag xmlns:ma14="http://schemas.microsoft.com/office/mac/drawingml/2011/main" xmlns:a14="http://schemas.microsoft.com/office/drawing/2010/main" xmlns:m="http://schemas.openxmlformats.org/officeDocument/2006/math" xmlns="" val="1"/>
                   </a:ext>
                 </a:extLst>
               </p:spPr>
@@ -5959,7 +5909,7 @@
                 </a:effectLst>
                 <a:extLst>
                   <a:ext uri="{C572A759-6A51-4108-AA02-DFA0A04FC94B}">
-                    <ma14:wrappingTextBoxFlag xmlns="" xmlns:m="http://schemas.openxmlformats.org/officeDocument/2006/math" xmlns:a14="http://schemas.microsoft.com/office/drawing/2010/main" xmlns:ma14="http://schemas.microsoft.com/office/mac/drawingml/2011/main" val="1"/>
+                    <ma14:wrappingTextBoxFlag xmlns:ma14="http://schemas.microsoft.com/office/mac/drawingml/2011/main" xmlns:a14="http://schemas.microsoft.com/office/drawing/2010/main" xmlns:m="http://schemas.openxmlformats.org/officeDocument/2006/math" xmlns="" val="1"/>
                   </a:ext>
                 </a:extLst>
               </p:spPr>
@@ -6044,7 +5994,7 @@
                 </a:effectLst>
                 <a:extLst>
                   <a:ext uri="{C572A759-6A51-4108-AA02-DFA0A04FC94B}">
-                    <ma14:wrappingTextBoxFlag xmlns="" xmlns:m="http://schemas.openxmlformats.org/officeDocument/2006/math" xmlns:a14="http://schemas.microsoft.com/office/drawing/2010/main" xmlns:ma14="http://schemas.microsoft.com/office/mac/drawingml/2011/main" val="1"/>
+                    <ma14:wrappingTextBoxFlag xmlns:ma14="http://schemas.microsoft.com/office/mac/drawingml/2011/main" xmlns:a14="http://schemas.microsoft.com/office/drawing/2010/main" xmlns:m="http://schemas.openxmlformats.org/officeDocument/2006/math" xmlns="" val="1"/>
                   </a:ext>
                 </a:extLst>
               </p:spPr>
@@ -6111,7 +6061,7 @@
                 </a:effectLst>
                 <a:extLst>
                   <a:ext uri="{C572A759-6A51-4108-AA02-DFA0A04FC94B}">
-                    <ma14:wrappingTextBoxFlag xmlns="" xmlns:m="http://schemas.openxmlformats.org/officeDocument/2006/math" xmlns:a14="http://schemas.microsoft.com/office/drawing/2010/main" xmlns:ma14="http://schemas.microsoft.com/office/mac/drawingml/2011/main" val="1"/>
+                    <ma14:wrappingTextBoxFlag xmlns:ma14="http://schemas.microsoft.com/office/mac/drawingml/2011/main" xmlns:a14="http://schemas.microsoft.com/office/drawing/2010/main" xmlns:m="http://schemas.openxmlformats.org/officeDocument/2006/math" xmlns="" val="1"/>
                   </a:ext>
                 </a:extLst>
               </p:spPr>
@@ -6200,7 +6150,7 @@
                 </a:effectLst>
                 <a:extLst>
                   <a:ext uri="{C572A759-6A51-4108-AA02-DFA0A04FC94B}">
-                    <ma14:wrappingTextBoxFlag xmlns="" xmlns:m="http://schemas.openxmlformats.org/officeDocument/2006/math" xmlns:a14="http://schemas.microsoft.com/office/drawing/2010/main" xmlns:ma14="http://schemas.microsoft.com/office/mac/drawingml/2011/main" val="1"/>
+                    <ma14:wrappingTextBoxFlag xmlns:ma14="http://schemas.microsoft.com/office/mac/drawingml/2011/main" xmlns:a14="http://schemas.microsoft.com/office/drawing/2010/main" xmlns:m="http://schemas.openxmlformats.org/officeDocument/2006/math" xmlns="" val="1"/>
                   </a:ext>
                 </a:extLst>
               </p:spPr>
@@ -6267,7 +6217,7 @@
                 </a:effectLst>
                 <a:extLst>
                   <a:ext uri="{C572A759-6A51-4108-AA02-DFA0A04FC94B}">
-                    <ma14:wrappingTextBoxFlag xmlns="" xmlns:m="http://schemas.openxmlformats.org/officeDocument/2006/math" xmlns:a14="http://schemas.microsoft.com/office/drawing/2010/main" xmlns:ma14="http://schemas.microsoft.com/office/mac/drawingml/2011/main" val="1"/>
+                    <ma14:wrappingTextBoxFlag xmlns:ma14="http://schemas.microsoft.com/office/mac/drawingml/2011/main" xmlns:a14="http://schemas.microsoft.com/office/drawing/2010/main" xmlns:m="http://schemas.openxmlformats.org/officeDocument/2006/math" xmlns="" val="1"/>
                   </a:ext>
                 </a:extLst>
               </p:spPr>
@@ -6352,7 +6302,7 @@
                 </a:effectLst>
                 <a:extLst>
                   <a:ext uri="{C572A759-6A51-4108-AA02-DFA0A04FC94B}">
-                    <ma14:wrappingTextBoxFlag xmlns="" xmlns:m="http://schemas.openxmlformats.org/officeDocument/2006/math" xmlns:a14="http://schemas.microsoft.com/office/drawing/2010/main" xmlns:ma14="http://schemas.microsoft.com/office/mac/drawingml/2011/main" val="1"/>
+                    <ma14:wrappingTextBoxFlag xmlns:ma14="http://schemas.microsoft.com/office/mac/drawingml/2011/main" xmlns:a14="http://schemas.microsoft.com/office/drawing/2010/main" xmlns:m="http://schemas.openxmlformats.org/officeDocument/2006/math" xmlns="" val="1"/>
                   </a:ext>
                 </a:extLst>
               </p:spPr>
@@ -6419,7 +6369,7 @@
                 </a:effectLst>
                 <a:extLst>
                   <a:ext uri="{C572A759-6A51-4108-AA02-DFA0A04FC94B}">
-                    <ma14:wrappingTextBoxFlag xmlns="" xmlns:m="http://schemas.openxmlformats.org/officeDocument/2006/math" xmlns:a14="http://schemas.microsoft.com/office/drawing/2010/main" xmlns:ma14="http://schemas.microsoft.com/office/mac/drawingml/2011/main" val="1"/>
+                    <ma14:wrappingTextBoxFlag xmlns:ma14="http://schemas.microsoft.com/office/mac/drawingml/2011/main" xmlns:a14="http://schemas.microsoft.com/office/drawing/2010/main" xmlns:m="http://schemas.openxmlformats.org/officeDocument/2006/math" xmlns="" val="1"/>
                   </a:ext>
                 </a:extLst>
               </p:spPr>
@@ -6510,7 +6460,7 @@
                 </a:effectLst>
                 <a:extLst>
                   <a:ext uri="{C572A759-6A51-4108-AA02-DFA0A04FC94B}">
-                    <ma14:wrappingTextBoxFlag xmlns="" xmlns:m="http://schemas.openxmlformats.org/officeDocument/2006/math" xmlns:a14="http://schemas.microsoft.com/office/drawing/2010/main" xmlns:ma14="http://schemas.microsoft.com/office/mac/drawingml/2011/main" val="1"/>
+                    <ma14:wrappingTextBoxFlag xmlns:ma14="http://schemas.microsoft.com/office/mac/drawingml/2011/main" xmlns:a14="http://schemas.microsoft.com/office/drawing/2010/main" xmlns:m="http://schemas.openxmlformats.org/officeDocument/2006/math" xmlns="" val="1"/>
                   </a:ext>
                 </a:extLst>
               </p:spPr>
@@ -6600,7 +6550,7 @@
                 </a:effectLst>
                 <a:extLst>
                   <a:ext uri="{C572A759-6A51-4108-AA02-DFA0A04FC94B}">
-                    <ma14:wrappingTextBoxFlag xmlns="" xmlns:m="http://schemas.openxmlformats.org/officeDocument/2006/math" xmlns:a14="http://schemas.microsoft.com/office/drawing/2010/main" xmlns:ma14="http://schemas.microsoft.com/office/mac/drawingml/2011/main" val="1"/>
+                    <ma14:wrappingTextBoxFlag xmlns:ma14="http://schemas.microsoft.com/office/mac/drawingml/2011/main" xmlns:a14="http://schemas.microsoft.com/office/drawing/2010/main" xmlns:m="http://schemas.openxmlformats.org/officeDocument/2006/math" xmlns="" val="1"/>
                   </a:ext>
                 </a:extLst>
               </p:spPr>
@@ -6711,7 +6661,7 @@
               </a:effectLst>
               <a:extLst>
                 <a:ext uri="{C572A759-6A51-4108-AA02-DFA0A04FC94B}">
-                  <ma14:wrappingTextBoxFlag xmlns="" xmlns:m="http://schemas.openxmlformats.org/officeDocument/2006/math" xmlns:a14="http://schemas.microsoft.com/office/drawing/2010/main" xmlns:ma14="http://schemas.microsoft.com/office/mac/drawingml/2011/main" val="1"/>
+                  <ma14:wrappingTextBoxFlag xmlns:ma14="http://schemas.microsoft.com/office/mac/drawingml/2011/main" xmlns:a14="http://schemas.microsoft.com/office/drawing/2010/main" xmlns:m="http://schemas.openxmlformats.org/officeDocument/2006/math" xmlns="" val="1"/>
                 </a:ext>
               </a:extLst>
             </p:spPr>
@@ -6797,7 +6747,7 @@
               </a:effectLst>
               <a:extLst>
                 <a:ext uri="{C572A759-6A51-4108-AA02-DFA0A04FC94B}">
-                  <ma14:wrappingTextBoxFlag xmlns="" xmlns:m="http://schemas.openxmlformats.org/officeDocument/2006/math" xmlns:a14="http://schemas.microsoft.com/office/drawing/2010/main" xmlns:ma14="http://schemas.microsoft.com/office/mac/drawingml/2011/main" val="1"/>
+                  <ma14:wrappingTextBoxFlag xmlns:ma14="http://schemas.microsoft.com/office/mac/drawingml/2011/main" xmlns:a14="http://schemas.microsoft.com/office/drawing/2010/main" xmlns:m="http://schemas.openxmlformats.org/officeDocument/2006/math" xmlns="" val="1"/>
                 </a:ext>
               </a:extLst>
             </p:spPr>
@@ -6861,7 +6811,7 @@
               </a:effectLst>
               <a:extLst>
                 <a:ext uri="{C572A759-6A51-4108-AA02-DFA0A04FC94B}">
-                  <ma14:wrappingTextBoxFlag xmlns="" xmlns:m="http://schemas.openxmlformats.org/officeDocument/2006/math" xmlns:a14="http://schemas.microsoft.com/office/drawing/2010/main" xmlns:ma14="http://schemas.microsoft.com/office/mac/drawingml/2011/main" val="1"/>
+                  <ma14:wrappingTextBoxFlag xmlns:ma14="http://schemas.microsoft.com/office/mac/drawingml/2011/main" xmlns:a14="http://schemas.microsoft.com/office/drawing/2010/main" xmlns:m="http://schemas.openxmlformats.org/officeDocument/2006/math" xmlns="" val="1"/>
                 </a:ext>
               </a:extLst>
             </p:spPr>
@@ -6935,7 +6885,7 @@
               </a:effectLst>
               <a:extLst>
                 <a:ext uri="{C572A759-6A51-4108-AA02-DFA0A04FC94B}">
-                  <ma14:wrappingTextBoxFlag xmlns="" xmlns:m="http://schemas.openxmlformats.org/officeDocument/2006/math" xmlns:a14="http://schemas.microsoft.com/office/drawing/2010/main" xmlns:ma14="http://schemas.microsoft.com/office/mac/drawingml/2011/main" val="1"/>
+                  <ma14:wrappingTextBoxFlag xmlns:ma14="http://schemas.microsoft.com/office/mac/drawingml/2011/main" xmlns:a14="http://schemas.microsoft.com/office/drawing/2010/main" xmlns:m="http://schemas.openxmlformats.org/officeDocument/2006/math" xmlns="" val="1"/>
                 </a:ext>
               </a:extLst>
             </p:spPr>
@@ -7030,7 +6980,7 @@
               </a:effectLst>
               <a:extLst>
                 <a:ext uri="{C572A759-6A51-4108-AA02-DFA0A04FC94B}">
-                  <ma14:wrappingTextBoxFlag xmlns="" xmlns:m="http://schemas.openxmlformats.org/officeDocument/2006/math" xmlns:a14="http://schemas.microsoft.com/office/drawing/2010/main" xmlns:ma14="http://schemas.microsoft.com/office/mac/drawingml/2011/main" val="1"/>
+                  <ma14:wrappingTextBoxFlag xmlns:ma14="http://schemas.microsoft.com/office/mac/drawingml/2011/main" xmlns:a14="http://schemas.microsoft.com/office/drawing/2010/main" xmlns:m="http://schemas.openxmlformats.org/officeDocument/2006/math" xmlns="" val="1"/>
                 </a:ext>
               </a:extLst>
             </p:spPr>
@@ -7060,18 +7010,7 @@
                     <a:ea typeface="微软雅黑" panose="020B0503020204020204" pitchFamily="34" charset="-122"/>
                     <a:cs typeface="Helvetica Light"/>
                   </a:rPr>
-                  <a:t>(</a:t>
-                </a:r>
-                <a:r>
-                  <a:rPr lang="en-US" altLang="zh-CN" dirty="0" err="1">
-                    <a:solidFill>
-                      <a:schemeClr val="tx1"/>
-                    </a:solidFill>
-                    <a:latin typeface="微软雅黑" panose="020B0503020204020204" pitchFamily="34" charset="-122"/>
-                    <a:ea typeface="微软雅黑" panose="020B0503020204020204" pitchFamily="34" charset="-122"/>
-                    <a:cs typeface="Helvetica Light"/>
-                  </a:rPr>
-                  <a:t>opentracing</a:t>
+                  <a:t>(opentracing</a:t>
                 </a:r>
                 <a:r>
                   <a:rPr lang="zh-CN" altLang="en-US" dirty="0">
@@ -7144,7 +7083,7 @@
               </a:effectLst>
               <a:extLst>
                 <a:ext uri="{C572A759-6A51-4108-AA02-DFA0A04FC94B}">
-                  <ma14:wrappingTextBoxFlag xmlns="" xmlns:m="http://schemas.openxmlformats.org/officeDocument/2006/math" xmlns:a14="http://schemas.microsoft.com/office/drawing/2010/main" xmlns:ma14="http://schemas.microsoft.com/office/mac/drawingml/2011/main" val="1"/>
+                  <ma14:wrappingTextBoxFlag xmlns:ma14="http://schemas.microsoft.com/office/mac/drawingml/2011/main" xmlns:a14="http://schemas.microsoft.com/office/drawing/2010/main" xmlns:m="http://schemas.openxmlformats.org/officeDocument/2006/math" xmlns="" val="1"/>
                 </a:ext>
               </a:extLst>
             </p:spPr>
@@ -7218,7 +7157,7 @@
               </a:effectLst>
               <a:extLst>
                 <a:ext uri="{C572A759-6A51-4108-AA02-DFA0A04FC94B}">
-                  <ma14:wrappingTextBoxFlag xmlns="" xmlns:m="http://schemas.openxmlformats.org/officeDocument/2006/math" xmlns:a14="http://schemas.microsoft.com/office/drawing/2010/main" xmlns:ma14="http://schemas.microsoft.com/office/mac/drawingml/2011/main" val="1"/>
+                  <ma14:wrappingTextBoxFlag xmlns:ma14="http://schemas.microsoft.com/office/mac/drawingml/2011/main" xmlns:a14="http://schemas.microsoft.com/office/drawing/2010/main" xmlns:m="http://schemas.openxmlformats.org/officeDocument/2006/math" xmlns="" val="1"/>
                 </a:ext>
               </a:extLst>
             </p:spPr>
@@ -7292,7 +7231,7 @@
               </a:effectLst>
               <a:extLst>
                 <a:ext uri="{C572A759-6A51-4108-AA02-DFA0A04FC94B}">
-                  <ma14:wrappingTextBoxFlag xmlns="" xmlns:m="http://schemas.openxmlformats.org/officeDocument/2006/math" xmlns:a14="http://schemas.microsoft.com/office/drawing/2010/main" xmlns:ma14="http://schemas.microsoft.com/office/mac/drawingml/2011/main" val="1"/>
+                  <ma14:wrappingTextBoxFlag xmlns:ma14="http://schemas.microsoft.com/office/mac/drawingml/2011/main" xmlns:a14="http://schemas.microsoft.com/office/drawing/2010/main" xmlns:m="http://schemas.openxmlformats.org/officeDocument/2006/math" xmlns="" val="1"/>
                 </a:ext>
               </a:extLst>
             </p:spPr>
@@ -7385,7 +7324,7 @@
             </a:effectLst>
             <a:extLst>
               <a:ext uri="{C572A759-6A51-4108-AA02-DFA0A04FC94B}">
-                <ma14:wrappingTextBoxFlag xmlns="" xmlns:m="http://schemas.openxmlformats.org/officeDocument/2006/math" xmlns:a14="http://schemas.microsoft.com/office/drawing/2010/main" xmlns:ma14="http://schemas.microsoft.com/office/mac/drawingml/2011/main" val="1"/>
+                <ma14:wrappingTextBoxFlag xmlns:ma14="http://schemas.microsoft.com/office/mac/drawingml/2011/main" xmlns:a14="http://schemas.microsoft.com/office/drawing/2010/main" xmlns:m="http://schemas.openxmlformats.org/officeDocument/2006/math" xmlns="" val="1"/>
               </a:ext>
             </a:extLst>
           </p:spPr>
@@ -7443,7 +7382,7 @@
             </a:effectLst>
             <a:extLst>
               <a:ext uri="{C572A759-6A51-4108-AA02-DFA0A04FC94B}">
-                <ma14:wrappingTextBoxFlag xmlns="" xmlns:m="http://schemas.openxmlformats.org/officeDocument/2006/math" xmlns:a14="http://schemas.microsoft.com/office/drawing/2010/main" xmlns:ma14="http://schemas.microsoft.com/office/mac/drawingml/2011/main" val="1"/>
+                <ma14:wrappingTextBoxFlag xmlns:ma14="http://schemas.microsoft.com/office/mac/drawingml/2011/main" xmlns:a14="http://schemas.microsoft.com/office/drawing/2010/main" xmlns:m="http://schemas.openxmlformats.org/officeDocument/2006/math" xmlns="" val="1"/>
               </a:ext>
             </a:extLst>
           </p:spPr>
@@ -7513,7 +7452,7 @@
             </a:effectLst>
             <a:extLst>
               <a:ext uri="{C572A759-6A51-4108-AA02-DFA0A04FC94B}">
-                <ma14:wrappingTextBoxFlag xmlns="" xmlns:m="http://schemas.openxmlformats.org/officeDocument/2006/math" xmlns:a14="http://schemas.microsoft.com/office/drawing/2010/main" xmlns:ma14="http://schemas.microsoft.com/office/mac/drawingml/2011/main" val="1"/>
+                <ma14:wrappingTextBoxFlag xmlns:ma14="http://schemas.microsoft.com/office/mac/drawingml/2011/main" xmlns:a14="http://schemas.microsoft.com/office/drawing/2010/main" xmlns:m="http://schemas.openxmlformats.org/officeDocument/2006/math" xmlns="" val="1"/>
               </a:ext>
             </a:extLst>
           </p:spPr>
@@ -7583,7 +7522,7 @@
             </a:effectLst>
             <a:extLst>
               <a:ext uri="{C572A759-6A51-4108-AA02-DFA0A04FC94B}">
-                <ma14:wrappingTextBoxFlag xmlns="" xmlns:m="http://schemas.openxmlformats.org/officeDocument/2006/math" xmlns:a14="http://schemas.microsoft.com/office/drawing/2010/main" xmlns:ma14="http://schemas.microsoft.com/office/mac/drawingml/2011/main" val="1"/>
+                <ma14:wrappingTextBoxFlag xmlns:ma14="http://schemas.microsoft.com/office/mac/drawingml/2011/main" xmlns:a14="http://schemas.microsoft.com/office/drawing/2010/main" xmlns:m="http://schemas.openxmlformats.org/officeDocument/2006/math" xmlns="" val="1"/>
               </a:ext>
             </a:extLst>
           </p:spPr>
@@ -7653,7 +7592,7 @@
             </a:effectLst>
             <a:extLst>
               <a:ext uri="{C572A759-6A51-4108-AA02-DFA0A04FC94B}">
-                <ma14:wrappingTextBoxFlag xmlns="" xmlns:m="http://schemas.openxmlformats.org/officeDocument/2006/math" xmlns:a14="http://schemas.microsoft.com/office/drawing/2010/main" xmlns:ma14="http://schemas.microsoft.com/office/mac/drawingml/2011/main" val="1"/>
+                <ma14:wrappingTextBoxFlag xmlns:ma14="http://schemas.microsoft.com/office/mac/drawingml/2011/main" xmlns:a14="http://schemas.microsoft.com/office/drawing/2010/main" xmlns:m="http://schemas.openxmlformats.org/officeDocument/2006/math" xmlns="" val="1"/>
               </a:ext>
             </a:extLst>
           </p:spPr>
@@ -7880,7 +7819,7 @@
           </a:effectLst>
           <a:extLst>
             <a:ext uri="{C572A759-6A51-4108-AA02-DFA0A04FC94B}">
-              <ma14:wrappingTextBoxFlag xmlns="" xmlns:m="http://schemas.openxmlformats.org/officeDocument/2006/math" xmlns:a14="http://schemas.microsoft.com/office/drawing/2010/main" xmlns:ma14="http://schemas.microsoft.com/office/mac/drawingml/2011/main" val="1"/>
+              <ma14:wrappingTextBoxFlag xmlns:ma14="http://schemas.microsoft.com/office/mac/drawingml/2011/main" xmlns:a14="http://schemas.microsoft.com/office/drawing/2010/main" xmlns:m="http://schemas.openxmlformats.org/officeDocument/2006/math" xmlns="" val="1"/>
             </a:ext>
           </a:extLst>
         </p:spPr>
@@ -7912,294 +7851,177 @@
           </a:p>
         </p:txBody>
       </p:sp>
-      <p:grpSp>
-        <p:nvGrpSpPr>
-          <p:cNvPr id="23" name="Group 22">
+      <p:sp>
+        <p:nvSpPr>
+          <p:cNvPr id="188" name="http"/>
+          <p:cNvSpPr txBox="1"/>
+          <p:nvPr/>
+        </p:nvSpPr>
+        <p:spPr>
+          <a:xfrm>
+            <a:off x="8577972" y="3269362"/>
+            <a:ext cx="2633254" cy="417378"/>
+          </a:xfrm>
+          <a:prstGeom prst="rect">
+            <a:avLst/>
+          </a:prstGeom>
+          <a:ln w="12700">
+            <a:miter lim="400000"/>
+          </a:ln>
+          <a:extLst>
+            <a:ext uri="{C572A759-6A51-4108-AA02-DFA0A04FC94B}">
+              <ma14:wrappingTextBoxFlag xmlns:ma14="http://schemas.microsoft.com/office/mac/drawingml/2011/main" xmlns:a14="http://schemas.microsoft.com/office/drawing/2010/main" xmlns:m="http://schemas.openxmlformats.org/officeDocument/2006/math" xmlns="" val="1"/>
+            </a:ext>
+          </a:extLst>
+        </p:spPr>
+        <p:txBody>
+          <a:bodyPr lIns="50800" tIns="50800" rIns="50800" bIns="50800" anchor="ctr"/>
+          <a:lstStyle>
+            <a:lvl1pPr>
+              <a:defRPr sz="2800" b="0">
+                <a:latin typeface="Helvetica Light"/>
+                <a:ea typeface="Helvetica Light"/>
+                <a:cs typeface="Helvetica Light"/>
+                <a:sym typeface="Helvetica Light"/>
+              </a:defRPr>
+            </a:lvl1pPr>
+          </a:lstStyle>
+          <a:p>
+            <a:r>
+              <a:rPr sz="1800" b="1" dirty="0">
+                <a:solidFill>
+                  <a:srgbClr val="6C6969"/>
+                </a:solidFill>
+                <a:latin typeface="微软雅黑" panose="020B0503020204020204" pitchFamily="34" charset="-122"/>
+                <a:ea typeface="微软雅黑" panose="020B0503020204020204" pitchFamily="34" charset="-122"/>
+              </a:rPr>
+              <a:t>http</a:t>
+            </a:r>
+          </a:p>
+        </p:txBody>
+      </p:sp>
+      <p:sp>
+        <p:nvSpPr>
+          <p:cNvPr id="153" name="http">
             <a:extLst>
               <a:ext uri="{FF2B5EF4-FFF2-40B4-BE49-F238E27FC236}">
-                <a16:creationId xmlns:a16="http://schemas.microsoft.com/office/drawing/2014/main" id="{35AA70E8-E69C-0643-88BE-0CBBA209AA87}"/>
+                <a16:creationId xmlns:a16="http://schemas.microsoft.com/office/drawing/2014/main" id="{78FE8375-9D23-C24E-8A3A-D2D86C4DF751}"/>
               </a:ext>
             </a:extLst>
           </p:cNvPr>
-          <p:cNvGrpSpPr/>
+          <p:cNvSpPr txBox="1"/>
           <p:nvPr/>
-        </p:nvGrpSpPr>
-        <p:grpSpPr>
+        </p:nvSpPr>
+        <p:spPr>
           <a:xfrm>
-            <a:off x="8577972" y="3269362"/>
-            <a:ext cx="2641572" cy="2094654"/>
-            <a:chOff x="7841020" y="3626173"/>
-            <a:chExt cx="2641572" cy="2094654"/>
+            <a:off x="8586290" y="4844255"/>
+            <a:ext cx="2633254" cy="417378"/>
           </a:xfrm>
-        </p:grpSpPr>
-        <p:grpSp>
-          <p:nvGrpSpPr>
-            <p:cNvPr id="20" name="Group 19">
-              <a:extLst>
-                <a:ext uri="{FF2B5EF4-FFF2-40B4-BE49-F238E27FC236}">
-                  <a16:creationId xmlns:a16="http://schemas.microsoft.com/office/drawing/2014/main" id="{D46ACC89-7C4C-B145-8E8A-8A3EDA33559D}"/>
-                </a:ext>
-              </a:extLst>
-            </p:cNvPr>
-            <p:cNvGrpSpPr/>
-            <p:nvPr/>
-          </p:nvGrpSpPr>
-          <p:grpSpPr>
-            <a:xfrm>
-              <a:off x="7841020" y="3626173"/>
-              <a:ext cx="2633254" cy="519761"/>
-              <a:chOff x="7841020" y="3626173"/>
-              <a:chExt cx="2633254" cy="519761"/>
-            </a:xfrm>
-          </p:grpSpPr>
-          <p:sp>
-            <p:nvSpPr>
-              <p:cNvPr id="188" name="http"/>
-              <p:cNvSpPr txBox="1"/>
-              <p:nvPr/>
-            </p:nvSpPr>
-            <p:spPr>
-              <a:xfrm>
-                <a:off x="7841020" y="3626173"/>
-                <a:ext cx="2633254" cy="417378"/>
-              </a:xfrm>
-              <a:prstGeom prst="rect">
-                <a:avLst/>
-              </a:prstGeom>
-              <a:ln w="12700">
-                <a:miter lim="400000"/>
-              </a:ln>
-              <a:extLst>
-                <a:ext uri="{C572A759-6A51-4108-AA02-DFA0A04FC94B}">
-                  <ma14:wrappingTextBoxFlag xmlns="" xmlns:m="http://schemas.openxmlformats.org/officeDocument/2006/math" xmlns:a14="http://schemas.microsoft.com/office/drawing/2010/main" xmlns:ma14="http://schemas.microsoft.com/office/mac/drawingml/2011/main" val="1"/>
-                </a:ext>
-              </a:extLst>
-            </p:spPr>
-            <p:txBody>
-              <a:bodyPr lIns="50800" tIns="50800" rIns="50800" bIns="50800" anchor="ctr"/>
-              <a:lstStyle>
-                <a:lvl1pPr>
-                  <a:defRPr sz="2800" b="0">
-                    <a:latin typeface="Helvetica Light"/>
-                    <a:ea typeface="Helvetica Light"/>
-                    <a:cs typeface="Helvetica Light"/>
-                    <a:sym typeface="Helvetica Light"/>
-                  </a:defRPr>
-                </a:lvl1pPr>
-              </a:lstStyle>
-              <a:p>
-                <a:r>
-                  <a:rPr sz="1800" b="1" dirty="0">
-                    <a:solidFill>
-                      <a:srgbClr val="6C6969"/>
-                    </a:solidFill>
-                    <a:latin typeface="微软雅黑" panose="020B0503020204020204" pitchFamily="34" charset="-122"/>
-                    <a:ea typeface="微软雅黑" panose="020B0503020204020204" pitchFamily="34" charset="-122"/>
-                  </a:rPr>
-                  <a:t>http</a:t>
-                </a:r>
-              </a:p>
-            </p:txBody>
-          </p:sp>
-          <p:sp>
-            <p:nvSpPr>
-              <p:cNvPr id="204" name="Line"/>
-              <p:cNvSpPr/>
-              <p:nvPr/>
-            </p:nvSpPr>
-            <p:spPr>
-              <a:xfrm>
-                <a:off x="8547312" y="4118799"/>
-                <a:ext cx="1353430" cy="27135"/>
-              </a:xfrm>
-              <a:prstGeom prst="line">
-                <a:avLst/>
-              </a:prstGeom>
-              <a:ln w="38100">
+          <a:prstGeom prst="rect">
+            <a:avLst/>
+          </a:prstGeom>
+          <a:ln w="12700">
+            <a:miter lim="400000"/>
+          </a:ln>
+          <a:extLst>
+            <a:ext uri="{C572A759-6A51-4108-AA02-DFA0A04FC94B}">
+              <ma14:wrappingTextBoxFlag xmlns:ma14="http://schemas.microsoft.com/office/mac/drawingml/2011/main" xmlns:a14="http://schemas.microsoft.com/office/drawing/2010/main" xmlns:m="http://schemas.openxmlformats.org/officeDocument/2006/math" xmlns="" val="1"/>
+            </a:ext>
+          </a:extLst>
+        </p:spPr>
+        <p:txBody>
+          <a:bodyPr lIns="50800" tIns="50800" rIns="50800" bIns="50800" anchor="ctr"/>
+          <a:lstStyle>
+            <a:lvl1pPr>
+              <a:defRPr sz="2800" b="0">
+                <a:latin typeface="Helvetica Light"/>
+                <a:ea typeface="Helvetica Light"/>
+                <a:cs typeface="Helvetica Light"/>
+                <a:sym typeface="Helvetica Light"/>
+              </a:defRPr>
+            </a:lvl1pPr>
+          </a:lstStyle>
+          <a:p>
+            <a:r>
+              <a:rPr lang="en-US" altLang="zh-CN" sz="1800" b="1" dirty="0">
                 <a:solidFill>
-                  <a:schemeClr val="bg2">
-                    <a:lumMod val="50000"/>
-                  </a:schemeClr>
+                  <a:srgbClr val="6C6969"/>
                 </a:solidFill>
-                <a:tailEnd type="triangle" w="med" len="med"/>
-              </a:ln>
-            </p:spPr>
-            <p:style>
-              <a:lnRef idx="1">
-                <a:schemeClr val="accent1"/>
-              </a:lnRef>
-              <a:fillRef idx="0">
-                <a:schemeClr val="accent1"/>
-              </a:fillRef>
-              <a:effectRef idx="0">
-                <a:schemeClr val="accent1"/>
-              </a:effectRef>
-              <a:fontRef idx="minor">
+                <a:latin typeface="微软雅黑" panose="020B0503020204020204" pitchFamily="34" charset="-122"/>
+                <a:ea typeface="微软雅黑" panose="020B0503020204020204" pitchFamily="34" charset="-122"/>
+              </a:rPr>
+              <a:t>tcp</a:t>
+            </a:r>
+            <a:endParaRPr sz="1800" b="1" dirty="0">
+              <a:solidFill>
+                <a:srgbClr val="6C6969"/>
+              </a:solidFill>
+              <a:latin typeface="微软雅黑" panose="020B0503020204020204" pitchFamily="34" charset="-122"/>
+              <a:ea typeface="微软雅黑" panose="020B0503020204020204" pitchFamily="34" charset="-122"/>
+            </a:endParaRPr>
+          </a:p>
+        </p:txBody>
+      </p:sp>
+      <p:sp>
+        <p:nvSpPr>
+          <p:cNvPr id="154" name="Line">
+            <a:extLst>
+              <a:ext uri="{FF2B5EF4-FFF2-40B4-BE49-F238E27FC236}">
+                <a16:creationId xmlns:a16="http://schemas.microsoft.com/office/drawing/2014/main" id="{7CD7CDA5-AFBB-3F4C-883D-778914E6934D}"/>
+              </a:ext>
+            </a:extLst>
+          </p:cNvPr>
+          <p:cNvSpPr/>
+          <p:nvPr/>
+        </p:nvSpPr>
+        <p:spPr>
+          <a:xfrm>
+            <a:off x="9292582" y="5336882"/>
+            <a:ext cx="1325759" cy="0"/>
+          </a:xfrm>
+          <a:prstGeom prst="line">
+            <a:avLst/>
+          </a:prstGeom>
+          <a:ln w="38100">
+            <a:solidFill>
+              <a:schemeClr val="bg2">
+                <a:lumMod val="50000"/>
+              </a:schemeClr>
+            </a:solidFill>
+            <a:tailEnd type="triangle" w="med" len="med"/>
+          </a:ln>
+        </p:spPr>
+        <p:style>
+          <a:lnRef idx="1">
+            <a:schemeClr val="accent1"/>
+          </a:lnRef>
+          <a:fillRef idx="0">
+            <a:schemeClr val="accent1"/>
+          </a:fillRef>
+          <a:effectRef idx="0">
+            <a:schemeClr val="accent1"/>
+          </a:effectRef>
+          <a:fontRef idx="minor">
+            <a:schemeClr val="tx1"/>
+          </a:fontRef>
+        </p:style>
+        <p:txBody>
+          <a:bodyPr wrap="square" lIns="50800" tIns="50800" rIns="50800" bIns="50800" numCol="1" anchor="ctr">
+            <a:noAutofit/>
+          </a:bodyPr>
+          <a:lstStyle/>
+          <a:p>
+            <a:endParaRPr b="0">
+              <a:solidFill>
                 <a:schemeClr val="tx1"/>
-              </a:fontRef>
-            </p:style>
-            <p:txBody>
-              <a:bodyPr wrap="square" lIns="50800" tIns="50800" rIns="50800" bIns="50800" numCol="1" anchor="ctr">
-                <a:noAutofit/>
-              </a:bodyPr>
-              <a:lstStyle/>
-              <a:p>
-                <a:endParaRPr b="0">
-                  <a:solidFill>
-                    <a:schemeClr val="tx1"/>
-                  </a:solidFill>
-                  <a:latin typeface="微软雅黑" panose="020B0503020204020204" pitchFamily="34" charset="-122"/>
-                  <a:ea typeface="微软雅黑" panose="020B0503020204020204" pitchFamily="34" charset="-122"/>
-                  <a:cs typeface="Helvetica Light"/>
-                </a:endParaRPr>
-              </a:p>
-            </p:txBody>
-          </p:sp>
-        </p:grpSp>
-        <p:grpSp>
-          <p:nvGrpSpPr>
-            <p:cNvPr id="152" name="Group 151">
-              <a:extLst>
-                <a:ext uri="{FF2B5EF4-FFF2-40B4-BE49-F238E27FC236}">
-                  <a16:creationId xmlns:a16="http://schemas.microsoft.com/office/drawing/2014/main" id="{4275FB0C-1C26-E743-82A2-D88B9DC788A1}"/>
-                </a:ext>
-              </a:extLst>
-            </p:cNvPr>
-            <p:cNvGrpSpPr/>
-            <p:nvPr/>
-          </p:nvGrpSpPr>
-          <p:grpSpPr>
-            <a:xfrm>
-              <a:off x="7849338" y="5201066"/>
-              <a:ext cx="2633254" cy="519761"/>
-              <a:chOff x="7841020" y="3626173"/>
-              <a:chExt cx="2633254" cy="519761"/>
-            </a:xfrm>
-          </p:grpSpPr>
-          <p:sp>
-            <p:nvSpPr>
-              <p:cNvPr id="153" name="http">
-                <a:extLst>
-                  <a:ext uri="{FF2B5EF4-FFF2-40B4-BE49-F238E27FC236}">
-                    <a16:creationId xmlns:a16="http://schemas.microsoft.com/office/drawing/2014/main" id="{78FE8375-9D23-C24E-8A3A-D2D86C4DF751}"/>
-                  </a:ext>
-                </a:extLst>
-              </p:cNvPr>
-              <p:cNvSpPr txBox="1"/>
-              <p:nvPr/>
-            </p:nvSpPr>
-            <p:spPr>
-              <a:xfrm>
-                <a:off x="7841020" y="3626173"/>
-                <a:ext cx="2633254" cy="417378"/>
-              </a:xfrm>
-              <a:prstGeom prst="rect">
-                <a:avLst/>
-              </a:prstGeom>
-              <a:ln w="12700">
-                <a:miter lim="400000"/>
-              </a:ln>
-              <a:extLst>
-                <a:ext uri="{C572A759-6A51-4108-AA02-DFA0A04FC94B}">
-                  <ma14:wrappingTextBoxFlag xmlns="" xmlns:m="http://schemas.openxmlformats.org/officeDocument/2006/math" xmlns:a14="http://schemas.microsoft.com/office/drawing/2010/main" xmlns:ma14="http://schemas.microsoft.com/office/mac/drawingml/2011/main" val="1"/>
-                </a:ext>
-              </a:extLst>
-            </p:spPr>
-            <p:txBody>
-              <a:bodyPr lIns="50800" tIns="50800" rIns="50800" bIns="50800" anchor="ctr"/>
-              <a:lstStyle>
-                <a:lvl1pPr>
-                  <a:defRPr sz="2800" b="0">
-                    <a:latin typeface="Helvetica Light"/>
-                    <a:ea typeface="Helvetica Light"/>
-                    <a:cs typeface="Helvetica Light"/>
-                    <a:sym typeface="Helvetica Light"/>
-                  </a:defRPr>
-                </a:lvl1pPr>
-              </a:lstStyle>
-              <a:p>
-                <a:r>
-                  <a:rPr lang="en-US" altLang="zh-CN" sz="1800" b="1" dirty="0" err="1">
-                    <a:solidFill>
-                      <a:srgbClr val="6C6969"/>
-                    </a:solidFill>
-                    <a:latin typeface="微软雅黑" panose="020B0503020204020204" pitchFamily="34" charset="-122"/>
-                    <a:ea typeface="微软雅黑" panose="020B0503020204020204" pitchFamily="34" charset="-122"/>
-                  </a:rPr>
-                  <a:t>tcp</a:t>
-                </a:r>
-                <a:endParaRPr sz="1800" b="1" dirty="0">
-                  <a:solidFill>
-                    <a:srgbClr val="6C6969"/>
-                  </a:solidFill>
-                  <a:latin typeface="微软雅黑" panose="020B0503020204020204" pitchFamily="34" charset="-122"/>
-                  <a:ea typeface="微软雅黑" panose="020B0503020204020204" pitchFamily="34" charset="-122"/>
-                </a:endParaRPr>
-              </a:p>
-            </p:txBody>
-          </p:sp>
-          <p:sp>
-            <p:nvSpPr>
-              <p:cNvPr id="154" name="Line">
-                <a:extLst>
-                  <a:ext uri="{FF2B5EF4-FFF2-40B4-BE49-F238E27FC236}">
-                    <a16:creationId xmlns:a16="http://schemas.microsoft.com/office/drawing/2014/main" id="{7CD7CDA5-AFBB-3F4C-883D-778914E6934D}"/>
-                  </a:ext>
-                </a:extLst>
-              </p:cNvPr>
-              <p:cNvSpPr/>
-              <p:nvPr/>
-            </p:nvSpPr>
-            <p:spPr>
-              <a:xfrm>
-                <a:off x="8547312" y="4118799"/>
-                <a:ext cx="1353430" cy="27135"/>
-              </a:xfrm>
-              <a:prstGeom prst="line">
-                <a:avLst/>
-              </a:prstGeom>
-              <a:ln w="38100">
-                <a:solidFill>
-                  <a:schemeClr val="bg2">
-                    <a:lumMod val="50000"/>
-                  </a:schemeClr>
-                </a:solidFill>
-                <a:tailEnd type="triangle" w="med" len="med"/>
-              </a:ln>
-            </p:spPr>
-            <p:style>
-              <a:lnRef idx="1">
-                <a:schemeClr val="accent1"/>
-              </a:lnRef>
-              <a:fillRef idx="0">
-                <a:schemeClr val="accent1"/>
-              </a:fillRef>
-              <a:effectRef idx="0">
-                <a:schemeClr val="accent1"/>
-              </a:effectRef>
-              <a:fontRef idx="minor">
-                <a:schemeClr val="tx1"/>
-              </a:fontRef>
-            </p:style>
-            <p:txBody>
-              <a:bodyPr wrap="square" lIns="50800" tIns="50800" rIns="50800" bIns="50800" numCol="1" anchor="ctr">
-                <a:noAutofit/>
-              </a:bodyPr>
-              <a:lstStyle/>
-              <a:p>
-                <a:endParaRPr b="0">
-                  <a:solidFill>
-                    <a:schemeClr val="tx1"/>
-                  </a:solidFill>
-                  <a:latin typeface="微软雅黑" panose="020B0503020204020204" pitchFamily="34" charset="-122"/>
-                  <a:ea typeface="微软雅黑" panose="020B0503020204020204" pitchFamily="34" charset="-122"/>
-                  <a:cs typeface="Helvetica Light"/>
-                </a:endParaRPr>
-              </a:p>
-            </p:txBody>
-          </p:sp>
-        </p:grpSp>
-      </p:grpSp>
+              </a:solidFill>
+              <a:latin typeface="微软雅黑" panose="020B0503020204020204" pitchFamily="34" charset="-122"/>
+              <a:ea typeface="微软雅黑" panose="020B0503020204020204" pitchFamily="34" charset="-122"/>
+              <a:cs typeface="Helvetica Light"/>
+            </a:endParaRPr>
+          </a:p>
+        </p:txBody>
+      </p:sp>
       <p:grpSp>
         <p:nvGrpSpPr>
           <p:cNvPr id="155" name="Group 154">
@@ -8261,7 +8083,7 @@
             </a:effectLst>
             <a:extLst>
               <a:ext uri="{C572A759-6A51-4108-AA02-DFA0A04FC94B}">
-                <ma14:wrappingTextBoxFlag xmlns="" xmlns:m="http://schemas.openxmlformats.org/officeDocument/2006/math" xmlns:a14="http://schemas.microsoft.com/office/drawing/2010/main" xmlns:ma14="http://schemas.microsoft.com/office/mac/drawingml/2011/main" val="1"/>
+                <ma14:wrappingTextBoxFlag xmlns:ma14="http://schemas.microsoft.com/office/mac/drawingml/2011/main" xmlns:a14="http://schemas.microsoft.com/office/drawing/2010/main" xmlns:m="http://schemas.openxmlformats.org/officeDocument/2006/math" xmlns="" val="1"/>
               </a:ext>
             </a:extLst>
           </p:spPr>
@@ -8325,7 +8147,7 @@
             </a:effectLst>
             <a:extLst>
               <a:ext uri="{C572A759-6A51-4108-AA02-DFA0A04FC94B}">
-                <ma14:wrappingTextBoxFlag xmlns="" xmlns:m="http://schemas.openxmlformats.org/officeDocument/2006/math" xmlns:a14="http://schemas.microsoft.com/office/drawing/2010/main" xmlns:ma14="http://schemas.microsoft.com/office/mac/drawingml/2011/main" val="1"/>
+                <ma14:wrappingTextBoxFlag xmlns:ma14="http://schemas.microsoft.com/office/mac/drawingml/2011/main" xmlns:a14="http://schemas.microsoft.com/office/drawing/2010/main" xmlns:m="http://schemas.openxmlformats.org/officeDocument/2006/math" xmlns="" val="1"/>
               </a:ext>
             </a:extLst>
           </p:spPr>
@@ -8395,7 +8217,7 @@
             </a:effectLst>
             <a:extLst>
               <a:ext uri="{C572A759-6A51-4108-AA02-DFA0A04FC94B}">
-                <ma14:wrappingTextBoxFlag xmlns="" xmlns:m="http://schemas.openxmlformats.org/officeDocument/2006/math" xmlns:a14="http://schemas.microsoft.com/office/drawing/2010/main" xmlns:ma14="http://schemas.microsoft.com/office/mac/drawingml/2011/main" val="1"/>
+                <ma14:wrappingTextBoxFlag xmlns:ma14="http://schemas.microsoft.com/office/mac/drawingml/2011/main" xmlns:a14="http://schemas.microsoft.com/office/drawing/2010/main" xmlns:m="http://schemas.openxmlformats.org/officeDocument/2006/math" xmlns="" val="1"/>
               </a:ext>
             </a:extLst>
           </p:spPr>
@@ -8465,7 +8287,7 @@
             </a:effectLst>
             <a:extLst>
               <a:ext uri="{C572A759-6A51-4108-AA02-DFA0A04FC94B}">
-                <ma14:wrappingTextBoxFlag xmlns="" xmlns:m="http://schemas.openxmlformats.org/officeDocument/2006/math" xmlns:a14="http://schemas.microsoft.com/office/drawing/2010/main" xmlns:ma14="http://schemas.microsoft.com/office/mac/drawingml/2011/main" val="1"/>
+                <ma14:wrappingTextBoxFlag xmlns:ma14="http://schemas.microsoft.com/office/mac/drawingml/2011/main" xmlns:a14="http://schemas.microsoft.com/office/drawing/2010/main" xmlns:m="http://schemas.openxmlformats.org/officeDocument/2006/math" xmlns="" val="1"/>
               </a:ext>
             </a:extLst>
           </p:spPr>
@@ -8535,7 +8357,7 @@
             </a:effectLst>
             <a:extLst>
               <a:ext uri="{C572A759-6A51-4108-AA02-DFA0A04FC94B}">
-                <ma14:wrappingTextBoxFlag xmlns="" xmlns:m="http://schemas.openxmlformats.org/officeDocument/2006/math" xmlns:a14="http://schemas.microsoft.com/office/drawing/2010/main" xmlns:ma14="http://schemas.microsoft.com/office/mac/drawingml/2011/main" val="1"/>
+                <ma14:wrappingTextBoxFlag xmlns:ma14="http://schemas.microsoft.com/office/mac/drawingml/2011/main" xmlns:a14="http://schemas.microsoft.com/office/drawing/2010/main" xmlns:m="http://schemas.openxmlformats.org/officeDocument/2006/math" xmlns="" val="1"/>
               </a:ext>
             </a:extLst>
           </p:spPr>
@@ -8626,7 +8448,7 @@
             </a:effectLst>
             <a:extLst>
               <a:ext uri="{C572A759-6A51-4108-AA02-DFA0A04FC94B}">
-                <ma14:wrappingTextBoxFlag xmlns="" xmlns:m="http://schemas.openxmlformats.org/officeDocument/2006/math" xmlns:a14="http://schemas.microsoft.com/office/drawing/2010/main" xmlns:ma14="http://schemas.microsoft.com/office/mac/drawingml/2011/main" val="1"/>
+                <ma14:wrappingTextBoxFlag xmlns:ma14="http://schemas.microsoft.com/office/mac/drawingml/2011/main" xmlns:a14="http://schemas.microsoft.com/office/drawing/2010/main" xmlns:m="http://schemas.openxmlformats.org/officeDocument/2006/math" xmlns="" val="1"/>
               </a:ext>
             </a:extLst>
           </p:spPr>
@@ -8696,7 +8518,7 @@
             </a:effectLst>
             <a:extLst>
               <a:ext uri="{C572A759-6A51-4108-AA02-DFA0A04FC94B}">
-                <ma14:wrappingTextBoxFlag xmlns="" xmlns:m="http://schemas.openxmlformats.org/officeDocument/2006/math" xmlns:a14="http://schemas.microsoft.com/office/drawing/2010/main" xmlns:ma14="http://schemas.microsoft.com/office/mac/drawingml/2011/main" val="1"/>
+                <ma14:wrappingTextBoxFlag xmlns:ma14="http://schemas.microsoft.com/office/mac/drawingml/2011/main" xmlns:a14="http://schemas.microsoft.com/office/drawing/2010/main" xmlns:m="http://schemas.openxmlformats.org/officeDocument/2006/math" xmlns="" val="1"/>
               </a:ext>
             </a:extLst>
           </p:spPr>
@@ -8794,7 +8616,7 @@
             </a:effectLst>
             <a:extLst>
               <a:ext uri="{C572A759-6A51-4108-AA02-DFA0A04FC94B}">
-                <ma14:wrappingTextBoxFlag xmlns="" xmlns:m="http://schemas.openxmlformats.org/officeDocument/2006/math" xmlns:a14="http://schemas.microsoft.com/office/drawing/2010/main" xmlns:ma14="http://schemas.microsoft.com/office/mac/drawingml/2011/main" val="1"/>
+                <ma14:wrappingTextBoxFlag xmlns:ma14="http://schemas.microsoft.com/office/mac/drawingml/2011/main" xmlns:a14="http://schemas.microsoft.com/office/drawing/2010/main" xmlns:m="http://schemas.openxmlformats.org/officeDocument/2006/math" xmlns="" val="1"/>
               </a:ext>
             </a:extLst>
           </p:spPr>
@@ -8850,7 +8672,7 @@
             </a:effectLst>
             <a:extLst>
               <a:ext uri="{C572A759-6A51-4108-AA02-DFA0A04FC94B}">
-                <ma14:wrappingTextBoxFlag xmlns="" xmlns:m="http://schemas.openxmlformats.org/officeDocument/2006/math" xmlns:a14="http://schemas.microsoft.com/office/drawing/2010/main" xmlns:ma14="http://schemas.microsoft.com/office/mac/drawingml/2011/main" val="1"/>
+                <ma14:wrappingTextBoxFlag xmlns:ma14="http://schemas.microsoft.com/office/mac/drawingml/2011/main" xmlns:a14="http://schemas.microsoft.com/office/drawing/2010/main" xmlns:m="http://schemas.openxmlformats.org/officeDocument/2006/math" xmlns="" val="1"/>
               </a:ext>
             </a:extLst>
           </p:spPr>
@@ -8906,7 +8728,7 @@
             </a:effectLst>
             <a:extLst>
               <a:ext uri="{C572A759-6A51-4108-AA02-DFA0A04FC94B}">
-                <ma14:wrappingTextBoxFlag xmlns="" xmlns:m="http://schemas.openxmlformats.org/officeDocument/2006/math" xmlns:a14="http://schemas.microsoft.com/office/drawing/2010/main" xmlns:ma14="http://schemas.microsoft.com/office/mac/drawingml/2011/main" val="1"/>
+                <ma14:wrappingTextBoxFlag xmlns:ma14="http://schemas.microsoft.com/office/mac/drawingml/2011/main" xmlns:a14="http://schemas.microsoft.com/office/drawing/2010/main" xmlns:m="http://schemas.openxmlformats.org/officeDocument/2006/math" xmlns="" val="1"/>
               </a:ext>
             </a:extLst>
           </p:spPr>
@@ -8975,7 +8797,7 @@
             </a:effectLst>
             <a:extLst>
               <a:ext uri="{C572A759-6A51-4108-AA02-DFA0A04FC94B}">
-                <ma14:wrappingTextBoxFlag xmlns="" xmlns:m="http://schemas.openxmlformats.org/officeDocument/2006/math" xmlns:a14="http://schemas.microsoft.com/office/drawing/2010/main" xmlns:ma14="http://schemas.microsoft.com/office/mac/drawingml/2011/main" val="1"/>
+                <ma14:wrappingTextBoxFlag xmlns:ma14="http://schemas.microsoft.com/office/mac/drawingml/2011/main" xmlns:a14="http://schemas.microsoft.com/office/drawing/2010/main" xmlns:m="http://schemas.openxmlformats.org/officeDocument/2006/math" xmlns="" val="1"/>
               </a:ext>
             </a:extLst>
           </p:spPr>
@@ -9013,184 +8835,163 @@
           </p:txBody>
         </p:sp>
       </p:grpSp>
-      <p:grpSp>
-        <p:nvGrpSpPr>
-          <p:cNvPr id="166" name="Group 165">
+      <p:sp>
+        <p:nvSpPr>
+          <p:cNvPr id="167" name="cluster &amp; load balance">
             <a:extLst>
               <a:ext uri="{FF2B5EF4-FFF2-40B4-BE49-F238E27FC236}">
-                <a16:creationId xmlns:a16="http://schemas.microsoft.com/office/drawing/2014/main" id="{FDE47C66-BB18-F84F-9A1B-B0795C8F6B25}"/>
+                <a16:creationId xmlns:a16="http://schemas.microsoft.com/office/drawing/2014/main" id="{02566AE0-DBB1-CB4A-AF41-3033717F74BF}"/>
               </a:ext>
             </a:extLst>
           </p:cNvPr>
-          <p:cNvGrpSpPr/>
+          <p:cNvSpPr/>
           <p:nvPr/>
-        </p:nvGrpSpPr>
-        <p:grpSpPr>
+        </p:nvSpPr>
+        <p:spPr>
           <a:xfrm>
-            <a:off x="3273595" y="2817305"/>
+            <a:off x="3286765" y="2804631"/>
             <a:ext cx="1255462" cy="2880000"/>
-            <a:chOff x="2383951" y="3132668"/>
-            <a:chExt cx="1255462" cy="2880000"/>
           </a:xfrm>
-        </p:grpSpPr>
-        <p:sp>
-          <p:nvSpPr>
-            <p:cNvPr id="167" name="cluster &amp; load balance">
-              <a:extLst>
-                <a:ext uri="{FF2B5EF4-FFF2-40B4-BE49-F238E27FC236}">
-                  <a16:creationId xmlns:a16="http://schemas.microsoft.com/office/drawing/2014/main" id="{02566AE0-DBB1-CB4A-AF41-3033717F74BF}"/>
-                </a:ext>
-              </a:extLst>
-            </p:cNvPr>
-            <p:cNvSpPr/>
-            <p:nvPr/>
-          </p:nvSpPr>
-          <p:spPr>
-            <a:xfrm>
-              <a:off x="2383951" y="3132668"/>
-              <a:ext cx="1255462" cy="2880000"/>
-            </a:xfrm>
-            <a:prstGeom prst="roundRect">
-              <a:avLst>
-                <a:gd name="adj" fmla="val 3763"/>
-              </a:avLst>
-            </a:prstGeom>
-            <a:solidFill>
-              <a:schemeClr val="bg1">
-                <a:lumMod val="75000"/>
-              </a:schemeClr>
-            </a:solidFill>
-            <a:ln w="12700" cap="flat">
-              <a:noFill/>
-              <a:prstDash val="solid"/>
-              <a:miter lim="400000"/>
-            </a:ln>
-            <a:effectLst>
-              <a:outerShdw blurRad="50800" dist="38100" dir="5400000" algn="t" rotWithShape="0">
-                <a:prstClr val="black">
-                  <a:alpha val="40000"/>
-                </a:prstClr>
-              </a:outerShdw>
-            </a:effectLst>
-            <a:extLst>
-              <a:ext uri="{C572A759-6A51-4108-AA02-DFA0A04FC94B}">
-                <ma14:wrappingTextBoxFlag xmlns="" xmlns:m="http://schemas.openxmlformats.org/officeDocument/2006/math" xmlns:a14="http://schemas.microsoft.com/office/drawing/2010/main" xmlns:ma14="http://schemas.microsoft.com/office/mac/drawingml/2011/main" val="1"/>
-              </a:ext>
-            </a:extLst>
-          </p:spPr>
-          <p:txBody>
-            <a:bodyPr wrap="square" lIns="50800" tIns="50800" rIns="50800" bIns="50800" numCol="1" anchor="t">
-              <a:noAutofit/>
-            </a:bodyPr>
-            <a:lstStyle/>
-            <a:p>
-              <a:r>
-                <a:rPr lang="en-US" altLang="zh-CN" sz="1700" b="0" dirty="0">
-                  <a:latin typeface="微软雅黑" panose="020B0503020204020204" pitchFamily="34" charset="-122"/>
-                  <a:ea typeface="微软雅黑" panose="020B0503020204020204" pitchFamily="34" charset="-122"/>
-                  <a:cs typeface="Helvetica Light"/>
-                </a:rPr>
-                <a:t>Router</a:t>
-              </a:r>
-              <a:endParaRPr sz="1700" b="0" dirty="0">
+          <a:prstGeom prst="roundRect">
+            <a:avLst>
+              <a:gd name="adj" fmla="val 3763"/>
+            </a:avLst>
+          </a:prstGeom>
+          <a:solidFill>
+            <a:schemeClr val="bg1">
+              <a:lumMod val="75000"/>
+            </a:schemeClr>
+          </a:solidFill>
+          <a:ln w="12700" cap="flat">
+            <a:noFill/>
+            <a:prstDash val="solid"/>
+            <a:miter lim="400000"/>
+          </a:ln>
+          <a:effectLst>
+            <a:outerShdw blurRad="50800" dist="38100" dir="5400000" algn="t" rotWithShape="0">
+              <a:prstClr val="black">
+                <a:alpha val="40000"/>
+              </a:prstClr>
+            </a:outerShdw>
+          </a:effectLst>
+          <a:extLst>
+            <a:ext uri="{C572A759-6A51-4108-AA02-DFA0A04FC94B}">
+              <ma14:wrappingTextBoxFlag xmlns:ma14="http://schemas.microsoft.com/office/mac/drawingml/2011/main" xmlns:a14="http://schemas.microsoft.com/office/drawing/2010/main" xmlns:m="http://schemas.openxmlformats.org/officeDocument/2006/math" xmlns="" val="1"/>
+            </a:ext>
+          </a:extLst>
+        </p:spPr>
+        <p:txBody>
+          <a:bodyPr wrap="square" lIns="50800" tIns="50800" rIns="50800" bIns="50800" numCol="1" anchor="t">
+            <a:noAutofit/>
+          </a:bodyPr>
+          <a:lstStyle/>
+          <a:p>
+            <a:r>
+              <a:rPr lang="en-US" altLang="zh-CN" sz="1700" b="0" dirty="0">
                 <a:latin typeface="微软雅黑" panose="020B0503020204020204" pitchFamily="34" charset="-122"/>
                 <a:ea typeface="微软雅黑" panose="020B0503020204020204" pitchFamily="34" charset="-122"/>
                 <a:cs typeface="Helvetica Light"/>
-              </a:endParaRPr>
-            </a:p>
-          </p:txBody>
-        </p:sp>
-        <p:sp>
-          <p:nvSpPr>
-            <p:cNvPr id="169" name="failfast">
-              <a:extLst>
-                <a:ext uri="{FF2B5EF4-FFF2-40B4-BE49-F238E27FC236}">
-                  <a16:creationId xmlns:a16="http://schemas.microsoft.com/office/drawing/2014/main" id="{1862D8CC-B8A7-514C-84EF-EE4C76D950EE}"/>
-                </a:ext>
-              </a:extLst>
-            </p:cNvPr>
-            <p:cNvSpPr/>
-            <p:nvPr/>
-          </p:nvSpPr>
-          <p:spPr>
-            <a:xfrm>
-              <a:off x="2396021" y="4247899"/>
-              <a:ext cx="1230475" cy="624473"/>
-            </a:xfrm>
-            <a:prstGeom prst="roundRect">
-              <a:avLst/>
-            </a:prstGeom>
-            <a:solidFill>
-              <a:schemeClr val="accent4"/>
-            </a:solidFill>
-            <a:ln w="12700" cap="flat">
-              <a:noFill/>
-              <a:miter lim="400000"/>
-            </a:ln>
-            <a:effectLst>
-              <a:outerShdw blurRad="38100" dist="25400" dir="5400000" rotWithShape="0">
-                <a:srgbClr val="000000">
-                  <a:alpha val="50000"/>
-                </a:srgbClr>
-              </a:outerShdw>
-            </a:effectLst>
+              </a:rPr>
+              <a:t>Router</a:t>
+            </a:r>
+            <a:endParaRPr sz="1700" b="0" dirty="0">
+              <a:latin typeface="微软雅黑" panose="020B0503020204020204" pitchFamily="34" charset="-122"/>
+              <a:ea typeface="微软雅黑" panose="020B0503020204020204" pitchFamily="34" charset="-122"/>
+              <a:cs typeface="Helvetica Light"/>
+            </a:endParaRPr>
+          </a:p>
+        </p:txBody>
+      </p:sp>
+      <p:sp>
+        <p:nvSpPr>
+          <p:cNvPr id="169" name="failfast">
             <a:extLst>
-              <a:ext uri="{C572A759-6A51-4108-AA02-DFA0A04FC94B}">
-                <ma14:wrappingTextBoxFlag xmlns="" xmlns:m="http://schemas.openxmlformats.org/officeDocument/2006/math" xmlns:a14="http://schemas.microsoft.com/office/drawing/2010/main" xmlns:ma14="http://schemas.microsoft.com/office/mac/drawingml/2011/main" val="1"/>
+              <a:ext uri="{FF2B5EF4-FFF2-40B4-BE49-F238E27FC236}">
+                <a16:creationId xmlns:a16="http://schemas.microsoft.com/office/drawing/2014/main" id="{1862D8CC-B8A7-514C-84EF-EE4C76D950EE}"/>
               </a:ext>
             </a:extLst>
-          </p:spPr>
-          <p:txBody>
-            <a:bodyPr wrap="square" lIns="50800" tIns="50800" rIns="50800" bIns="50800" numCol="1" anchor="ctr">
-              <a:noAutofit/>
-            </a:bodyPr>
-            <a:lstStyle/>
-            <a:p>
-              <a:r>
-                <a:rPr lang="en-US" altLang="zh-CN" sz="1500" b="0" dirty="0">
-                  <a:solidFill>
-                    <a:sysClr val="windowText" lastClr="000000"/>
-                  </a:solidFill>
-                  <a:latin typeface="微软雅黑" panose="020B0503020204020204" pitchFamily="34" charset="-122"/>
-                  <a:ea typeface="微软雅黑" panose="020B0503020204020204" pitchFamily="34" charset="-122"/>
-                  <a:cs typeface="Helvetica Light"/>
-                </a:rPr>
-                <a:t>Condition</a:t>
-              </a:r>
-              <a:r>
-                <a:rPr lang="zh-CN" altLang="en-US" sz="1500" b="0" dirty="0">
-                  <a:solidFill>
-                    <a:sysClr val="windowText" lastClr="000000"/>
-                  </a:solidFill>
-                  <a:latin typeface="微软雅黑" panose="020B0503020204020204" pitchFamily="34" charset="-122"/>
-                  <a:ea typeface="微软雅黑" panose="020B0503020204020204" pitchFamily="34" charset="-122"/>
-                  <a:cs typeface="Helvetica Light"/>
-                </a:rPr>
-                <a:t> </a:t>
-              </a:r>
-              <a:r>
-                <a:rPr lang="en-US" altLang="zh-CN" sz="1500" b="0" dirty="0">
-                  <a:solidFill>
-                    <a:sysClr val="windowText" lastClr="000000"/>
-                  </a:solidFill>
-                  <a:latin typeface="微软雅黑" panose="020B0503020204020204" pitchFamily="34" charset="-122"/>
-                  <a:ea typeface="微软雅黑" panose="020B0503020204020204" pitchFamily="34" charset="-122"/>
-                  <a:cs typeface="Helvetica Light"/>
-                </a:rPr>
-                <a:t>router</a:t>
-              </a:r>
-              <a:endParaRPr sz="1500" b="0" dirty="0">
+          </p:cNvPr>
+          <p:cNvSpPr/>
+          <p:nvPr/>
+        </p:nvSpPr>
+        <p:spPr>
+          <a:xfrm>
+            <a:off x="3380476" y="3533948"/>
+            <a:ext cx="1068459" cy="624473"/>
+          </a:xfrm>
+          <a:prstGeom prst="roundRect">
+            <a:avLst/>
+          </a:prstGeom>
+          <a:solidFill>
+            <a:schemeClr val="accent4"/>
+          </a:solidFill>
+          <a:ln w="12700" cap="flat">
+            <a:noFill/>
+            <a:miter lim="400000"/>
+          </a:ln>
+          <a:effectLst>
+            <a:outerShdw blurRad="38100" dist="25400" dir="5400000" rotWithShape="0">
+              <a:srgbClr val="000000">
+                <a:alpha val="50000"/>
+              </a:srgbClr>
+            </a:outerShdw>
+          </a:effectLst>
+          <a:extLst>
+            <a:ext uri="{C572A759-6A51-4108-AA02-DFA0A04FC94B}">
+              <ma14:wrappingTextBoxFlag xmlns:ma14="http://schemas.microsoft.com/office/mac/drawingml/2011/main" xmlns:a14="http://schemas.microsoft.com/office/drawing/2010/main" xmlns:m="http://schemas.openxmlformats.org/officeDocument/2006/math" xmlns="" val="1"/>
+            </a:ext>
+          </a:extLst>
+        </p:spPr>
+        <p:txBody>
+          <a:bodyPr wrap="square" lIns="50800" tIns="50800" rIns="50800" bIns="50800" numCol="1" anchor="ctr">
+            <a:noAutofit/>
+          </a:bodyPr>
+          <a:lstStyle/>
+          <a:p>
+            <a:r>
+              <a:rPr lang="en-US" altLang="zh-CN" sz="1500" b="0" dirty="0">
                 <a:solidFill>
                   <a:sysClr val="windowText" lastClr="000000"/>
                 </a:solidFill>
                 <a:latin typeface="微软雅黑" panose="020B0503020204020204" pitchFamily="34" charset="-122"/>
                 <a:ea typeface="微软雅黑" panose="020B0503020204020204" pitchFamily="34" charset="-122"/>
                 <a:cs typeface="Helvetica Light"/>
-              </a:endParaRPr>
-            </a:p>
-          </p:txBody>
-        </p:sp>
-      </p:grpSp>
+              </a:rPr>
+              <a:t>Condition</a:t>
+            </a:r>
+            <a:r>
+              <a:rPr lang="zh-CN" altLang="en-US" sz="1500" b="0" dirty="0">
+                <a:solidFill>
+                  <a:sysClr val="windowText" lastClr="000000"/>
+                </a:solidFill>
+                <a:latin typeface="微软雅黑" panose="020B0503020204020204" pitchFamily="34" charset="-122"/>
+                <a:ea typeface="微软雅黑" panose="020B0503020204020204" pitchFamily="34" charset="-122"/>
+                <a:cs typeface="Helvetica Light"/>
+              </a:rPr>
+              <a:t> </a:t>
+            </a:r>
+            <a:r>
+              <a:rPr lang="en-US" altLang="zh-CN" sz="1500" b="0" dirty="0">
+                <a:solidFill>
+                  <a:sysClr val="windowText" lastClr="000000"/>
+                </a:solidFill>
+                <a:latin typeface="微软雅黑" panose="020B0503020204020204" pitchFamily="34" charset="-122"/>
+                <a:ea typeface="微软雅黑" panose="020B0503020204020204" pitchFamily="34" charset="-122"/>
+                <a:cs typeface="Helvetica Light"/>
+              </a:rPr>
+              <a:t>router</a:t>
+            </a:r>
+            <a:endParaRPr sz="1500" b="0" dirty="0">
+              <a:solidFill>
+                <a:sysClr val="windowText" lastClr="000000"/>
+              </a:solidFill>
+              <a:latin typeface="微软雅黑" panose="020B0503020204020204" pitchFamily="34" charset="-122"/>
+              <a:ea typeface="微软雅黑" panose="020B0503020204020204" pitchFamily="34" charset="-122"/>
+              <a:cs typeface="Helvetica Light"/>
+            </a:endParaRPr>
+          </a:p>
+        </p:txBody>
+      </p:sp>
       <p:sp>
         <p:nvSpPr>
           <p:cNvPr id="179" name="Line">
@@ -9372,7 +9173,7 @@
             </a:effectLst>
             <a:extLst>
               <a:ext uri="{C572A759-6A51-4108-AA02-DFA0A04FC94B}">
-                <ma14:wrappingTextBoxFlag xmlns="" xmlns:m="http://schemas.openxmlformats.org/officeDocument/2006/math" xmlns:a14="http://schemas.microsoft.com/office/drawing/2010/main" xmlns:ma14="http://schemas.microsoft.com/office/mac/drawingml/2011/main" val="1"/>
+                <ma14:wrappingTextBoxFlag xmlns:ma14="http://schemas.microsoft.com/office/mac/drawingml/2011/main" xmlns:a14="http://schemas.microsoft.com/office/drawing/2010/main" xmlns:m="http://schemas.openxmlformats.org/officeDocument/2006/math" xmlns="" val="1"/>
               </a:ext>
             </a:extLst>
           </p:spPr>
@@ -9451,7 +9252,7 @@
               </a:effectLst>
               <a:extLst>
                 <a:ext uri="{C572A759-6A51-4108-AA02-DFA0A04FC94B}">
-                  <ma14:wrappingTextBoxFlag xmlns="" xmlns:m="http://schemas.openxmlformats.org/officeDocument/2006/math" xmlns:a14="http://schemas.microsoft.com/office/drawing/2010/main" xmlns:ma14="http://schemas.microsoft.com/office/mac/drawingml/2011/main" val="1"/>
+                  <ma14:wrappingTextBoxFlag xmlns:ma14="http://schemas.microsoft.com/office/mac/drawingml/2011/main" xmlns:a14="http://schemas.microsoft.com/office/drawing/2010/main" xmlns:m="http://schemas.openxmlformats.org/officeDocument/2006/math" xmlns="" val="1"/>
                 </a:ext>
               </a:extLst>
             </p:spPr>
@@ -9524,7 +9325,7 @@
               </a:effectLst>
               <a:extLst>
                 <a:ext uri="{C572A759-6A51-4108-AA02-DFA0A04FC94B}">
-                  <ma14:wrappingTextBoxFlag xmlns="" xmlns:m="http://schemas.openxmlformats.org/officeDocument/2006/math" xmlns:a14="http://schemas.microsoft.com/office/drawing/2010/main" xmlns:ma14="http://schemas.microsoft.com/office/mac/drawingml/2011/main" val="1"/>
+                  <ma14:wrappingTextBoxFlag xmlns:ma14="http://schemas.microsoft.com/office/mac/drawingml/2011/main" xmlns:a14="http://schemas.microsoft.com/office/drawing/2010/main" xmlns:m="http://schemas.openxmlformats.org/officeDocument/2006/math" xmlns="" val="1"/>
                 </a:ext>
               </a:extLst>
             </p:spPr>
@@ -9584,7 +9385,7 @@
               </a:effectLst>
               <a:extLst>
                 <a:ext uri="{C572A759-6A51-4108-AA02-DFA0A04FC94B}">
-                  <ma14:wrappingTextBoxFlag xmlns="" xmlns:m="http://schemas.openxmlformats.org/officeDocument/2006/math" xmlns:a14="http://schemas.microsoft.com/office/drawing/2010/main" xmlns:ma14="http://schemas.microsoft.com/office/mac/drawingml/2011/main" val="1"/>
+                  <ma14:wrappingTextBoxFlag xmlns:ma14="http://schemas.microsoft.com/office/mac/drawingml/2011/main" xmlns:a14="http://schemas.microsoft.com/office/drawing/2010/main" xmlns:m="http://schemas.openxmlformats.org/officeDocument/2006/math" xmlns="" val="1"/>
                 </a:ext>
               </a:extLst>
             </p:spPr>
@@ -9651,7 +9452,7 @@
           </a:effectLst>
           <a:extLst>
             <a:ext uri="{C572A759-6A51-4108-AA02-DFA0A04FC94B}">
-              <ma14:wrappingTextBoxFlag xmlns="" xmlns:m="http://schemas.openxmlformats.org/officeDocument/2006/math" xmlns:a14="http://schemas.microsoft.com/office/drawing/2010/main" xmlns:ma14="http://schemas.microsoft.com/office/mac/drawingml/2011/main" val="1"/>
+              <ma14:wrappingTextBoxFlag xmlns:ma14="http://schemas.microsoft.com/office/mac/drawingml/2011/main" xmlns:a14="http://schemas.microsoft.com/office/drawing/2010/main" xmlns:m="http://schemas.openxmlformats.org/officeDocument/2006/math" xmlns="" val="1"/>
             </a:ext>
           </a:extLst>
         </p:spPr>
@@ -9715,7 +9516,7 @@
           </a:effectLst>
           <a:extLst>
             <a:ext uri="{C572A759-6A51-4108-AA02-DFA0A04FC94B}">
-              <ma14:wrappingTextBoxFlag xmlns="" xmlns:m="http://schemas.openxmlformats.org/officeDocument/2006/math" xmlns:a14="http://schemas.microsoft.com/office/drawing/2010/main" xmlns:ma14="http://schemas.microsoft.com/office/mac/drawingml/2011/main" val="1"/>
+              <ma14:wrappingTextBoxFlag xmlns:ma14="http://schemas.microsoft.com/office/mac/drawingml/2011/main" xmlns:a14="http://schemas.microsoft.com/office/drawing/2010/main" xmlns:m="http://schemas.openxmlformats.org/officeDocument/2006/math" xmlns="" val="1"/>
             </a:ext>
           </a:extLst>
         </p:spPr>
@@ -9785,7 +9586,7 @@
           </a:effectLst>
           <a:extLst>
             <a:ext uri="{C572A759-6A51-4108-AA02-DFA0A04FC94B}">
-              <ma14:wrappingTextBoxFlag xmlns="" xmlns:m="http://schemas.openxmlformats.org/officeDocument/2006/math" xmlns:a14="http://schemas.microsoft.com/office/drawing/2010/main" xmlns:ma14="http://schemas.microsoft.com/office/mac/drawingml/2011/main" val="1"/>
+              <ma14:wrappingTextBoxFlag xmlns:ma14="http://schemas.microsoft.com/office/mac/drawingml/2011/main" xmlns:a14="http://schemas.microsoft.com/office/drawing/2010/main" xmlns:m="http://schemas.openxmlformats.org/officeDocument/2006/math" xmlns="" val="1"/>
             </a:ext>
           </a:extLst>
         </p:spPr>
@@ -9855,7 +9656,7 @@
           </a:effectLst>
           <a:extLst>
             <a:ext uri="{C572A759-6A51-4108-AA02-DFA0A04FC94B}">
-              <ma14:wrappingTextBoxFlag xmlns="" xmlns:m="http://schemas.openxmlformats.org/officeDocument/2006/math" xmlns:a14="http://schemas.microsoft.com/office/drawing/2010/main" xmlns:ma14="http://schemas.microsoft.com/office/mac/drawingml/2011/main" val="1"/>
+              <ma14:wrappingTextBoxFlag xmlns:ma14="http://schemas.microsoft.com/office/mac/drawingml/2011/main" xmlns:a14="http://schemas.microsoft.com/office/drawing/2010/main" xmlns:m="http://schemas.openxmlformats.org/officeDocument/2006/math" xmlns="" val="1"/>
             </a:ext>
           </a:extLst>
         </p:spPr>
@@ -9925,7 +9726,7 @@
           </a:effectLst>
           <a:extLst>
             <a:ext uri="{C572A759-6A51-4108-AA02-DFA0A04FC94B}">
-              <ma14:wrappingTextBoxFlag xmlns="" xmlns:m="http://schemas.openxmlformats.org/officeDocument/2006/math" xmlns:a14="http://schemas.microsoft.com/office/drawing/2010/main" xmlns:ma14="http://schemas.microsoft.com/office/mac/drawingml/2011/main" val="1"/>
+              <ma14:wrappingTextBoxFlag xmlns:ma14="http://schemas.microsoft.com/office/mac/drawingml/2011/main" xmlns:a14="http://schemas.microsoft.com/office/drawing/2010/main" xmlns:m="http://schemas.openxmlformats.org/officeDocument/2006/math" xmlns="" val="1"/>
             </a:ext>
           </a:extLst>
         </p:spPr>
@@ -9949,6 +9750,233 @@
             <a:endParaRPr sz="1500" b="0" dirty="0">
               <a:solidFill>
                 <a:sysClr val="windowText" lastClr="000000"/>
+              </a:solidFill>
+              <a:latin typeface="微软雅黑" panose="020B0503020204020204" pitchFamily="34" charset="-122"/>
+              <a:ea typeface="微软雅黑" panose="020B0503020204020204" pitchFamily="34" charset="-122"/>
+              <a:cs typeface="Helvetica Light"/>
+            </a:endParaRPr>
+          </a:p>
+        </p:txBody>
+      </p:sp>
+      <p:sp>
+        <p:nvSpPr>
+          <p:cNvPr id="141" name="generic…">
+            <a:extLst>
+              <a:ext uri="{FF2B5EF4-FFF2-40B4-BE49-F238E27FC236}">
+                <a16:creationId xmlns:a16="http://schemas.microsoft.com/office/drawing/2014/main" id="{2CE078D3-4204-4A28-B88D-96AA59125FD3}"/>
+              </a:ext>
+            </a:extLst>
+          </p:cNvPr>
+          <p:cNvSpPr/>
+          <p:nvPr/>
+        </p:nvSpPr>
+        <p:spPr>
+          <a:xfrm>
+            <a:off x="3380477" y="4355824"/>
+            <a:ext cx="1068458" cy="507307"/>
+          </a:xfrm>
+          <a:prstGeom prst="roundRect">
+            <a:avLst>
+              <a:gd name="adj" fmla="val 11868"/>
+            </a:avLst>
+          </a:prstGeom>
+          <a:solidFill>
+            <a:schemeClr val="accent4"/>
+          </a:solidFill>
+          <a:ln w="12700" cap="flat">
+            <a:noFill/>
+            <a:miter lim="400000"/>
+          </a:ln>
+          <a:effectLst>
+            <a:outerShdw blurRad="38100" dist="25400" dir="5400000" rotWithShape="0">
+              <a:srgbClr val="000000">
+                <a:alpha val="50000"/>
+              </a:srgbClr>
+            </a:outerShdw>
+          </a:effectLst>
+          <a:extLst>
+            <a:ext uri="{C572A759-6A51-4108-AA02-DFA0A04FC94B}">
+              <ma14:wrappingTextBoxFlag xmlns:ma14="http://schemas.microsoft.com/office/mac/drawingml/2011/main" xmlns:a14="http://schemas.microsoft.com/office/drawing/2010/main" xmlns:m="http://schemas.openxmlformats.org/officeDocument/2006/math" xmlns="" val="1"/>
+            </a:ext>
+          </a:extLst>
+        </p:spPr>
+        <p:txBody>
+          <a:bodyPr wrap="square" lIns="50800" tIns="50800" rIns="50800" bIns="50800" numCol="1" anchor="ctr">
+            <a:noAutofit/>
+          </a:bodyPr>
+          <a:lstStyle/>
+          <a:p>
+            <a:r>
+              <a:rPr lang="en-US" sz="1500" b="0" dirty="0">
+                <a:solidFill>
+                  <a:sysClr val="windowText" lastClr="000000"/>
+                </a:solidFill>
+                <a:latin typeface="微软雅黑" panose="020B0503020204020204" pitchFamily="34" charset="-122"/>
+                <a:ea typeface="微软雅黑" panose="020B0503020204020204" pitchFamily="34" charset="-122"/>
+                <a:cs typeface="Helvetica Light"/>
+              </a:rPr>
+              <a:t>Hlty </a:t>
+            </a:r>
+            <a:r>
+              <a:rPr lang="en-US" altLang="zh-CN" sz="1500" b="0" dirty="0">
+                <a:solidFill>
+                  <a:sysClr val="windowText" lastClr="000000"/>
+                </a:solidFill>
+                <a:latin typeface="微软雅黑" panose="020B0503020204020204" pitchFamily="34" charset="-122"/>
+                <a:ea typeface="微软雅黑" panose="020B0503020204020204" pitchFamily="34" charset="-122"/>
+                <a:cs typeface="Helvetica Light"/>
+              </a:rPr>
+              <a:t>i</a:t>
+            </a:r>
+            <a:r>
+              <a:rPr lang="en-US" sz="1500" b="0" dirty="0">
+                <a:solidFill>
+                  <a:sysClr val="windowText" lastClr="000000"/>
+                </a:solidFill>
+                <a:latin typeface="微软雅黑" panose="020B0503020204020204" pitchFamily="34" charset="-122"/>
+                <a:ea typeface="微软雅黑" panose="020B0503020204020204" pitchFamily="34" charset="-122"/>
+                <a:cs typeface="Helvetica Light"/>
+              </a:rPr>
+              <a:t>nst</a:t>
+            </a:r>
+            <a:endParaRPr sz="1500" b="0" dirty="0">
+              <a:solidFill>
+                <a:sysClr val="windowText" lastClr="000000"/>
+              </a:solidFill>
+              <a:latin typeface="微软雅黑" panose="020B0503020204020204" pitchFamily="34" charset="-122"/>
+              <a:ea typeface="微软雅黑" panose="020B0503020204020204" pitchFamily="34" charset="-122"/>
+              <a:cs typeface="Helvetica Light"/>
+            </a:endParaRPr>
+          </a:p>
+        </p:txBody>
+      </p:sp>
+      <p:sp>
+        <p:nvSpPr>
+          <p:cNvPr id="8" name="文本框 7">
+            <a:extLst>
+              <a:ext uri="{FF2B5EF4-FFF2-40B4-BE49-F238E27FC236}">
+                <a16:creationId xmlns:a16="http://schemas.microsoft.com/office/drawing/2014/main" id="{0B6AD05B-A7BE-48C2-A1F9-6E9305F5E149}"/>
+              </a:ext>
+            </a:extLst>
+          </p:cNvPr>
+          <p:cNvSpPr txBox="1"/>
+          <p:nvPr/>
+        </p:nvSpPr>
+        <p:spPr>
+          <a:xfrm>
+            <a:off x="537805" y="214653"/>
+            <a:ext cx="3215960" cy="318036"/>
+          </a:xfrm>
+          <a:prstGeom prst="rect">
+            <a:avLst/>
+          </a:prstGeom>
+          <a:noFill/>
+          <a:ln w="12700" cap="flat">
+            <a:noFill/>
+            <a:miter lim="400000"/>
+          </a:ln>
+          <a:effectLst/>
+          <a:sp3d/>
+        </p:spPr>
+        <p:style>
+          <a:lnRef idx="0">
+            <a:scrgbClr r="0" g="0" b="0"/>
+          </a:lnRef>
+          <a:fillRef idx="0">
+            <a:scrgbClr r="0" g="0" b="0"/>
+          </a:fillRef>
+          <a:effectRef idx="0">
+            <a:scrgbClr r="0" g="0" b="0"/>
+          </a:effectRef>
+          <a:fontRef idx="none"/>
+        </p:style>
+        <p:txBody>
+          <a:bodyPr rot="0" spcFirstLastPara="1" vertOverflow="overflow" horzOverflow="overflow" vert="horz" wrap="square" lIns="50800" tIns="50800" rIns="50800" bIns="50800" numCol="1" spcCol="38100" rtlCol="0" anchor="ctr">
+            <a:spAutoFit/>
+          </a:bodyPr>
+          <a:lstStyle/>
+          <a:p>
+            <a:r>
+              <a:rPr lang="en-US" altLang="zh-CN" sz="1400" b="0" dirty="0">
+                <a:solidFill>
+                  <a:sysClr val="windowText" lastClr="000000"/>
+                </a:solidFill>
+                <a:latin typeface="Verdana" panose="020B0604030504040204" pitchFamily="34" charset="0"/>
+                <a:ea typeface="Verdana" panose="020B0604030504040204" pitchFamily="34" charset="0"/>
+                <a:cs typeface="Helvetica Light"/>
+              </a:rPr>
+              <a:t>Hlty Inst -&gt; </a:t>
+            </a:r>
+            <a:r>
+              <a:rPr lang="en-US" altLang="zh-CN" sz="1400" b="0" dirty="0">
+                <a:latin typeface="Verdana" panose="020B0604030504040204" pitchFamily="34" charset="0"/>
+                <a:ea typeface="Verdana" panose="020B0604030504040204" pitchFamily="34" charset="0"/>
+              </a:rPr>
+              <a:t>Healthy instance first</a:t>
+            </a:r>
+            <a:endParaRPr lang="en-US" altLang="zh-CN" sz="1400" b="0" dirty="0">
+              <a:solidFill>
+                <a:sysClr val="windowText" lastClr="000000"/>
+              </a:solidFill>
+              <a:latin typeface="Verdana" panose="020B0604030504040204" pitchFamily="34" charset="0"/>
+              <a:ea typeface="Verdana" panose="020B0604030504040204" pitchFamily="34" charset="0"/>
+              <a:cs typeface="Helvetica Light"/>
+            </a:endParaRPr>
+          </a:p>
+        </p:txBody>
+      </p:sp>
+      <p:sp>
+        <p:nvSpPr>
+          <p:cNvPr id="143" name="Line">
+            <a:extLst>
+              <a:ext uri="{FF2B5EF4-FFF2-40B4-BE49-F238E27FC236}">
+                <a16:creationId xmlns:a16="http://schemas.microsoft.com/office/drawing/2014/main" id="{48A095E0-95B4-4AC7-BB2D-841E76A8D587}"/>
+              </a:ext>
+            </a:extLst>
+          </p:cNvPr>
+          <p:cNvSpPr/>
+          <p:nvPr/>
+        </p:nvSpPr>
+        <p:spPr>
+          <a:xfrm>
+            <a:off x="9306432" y="3743612"/>
+            <a:ext cx="1325759" cy="0"/>
+          </a:xfrm>
+          <a:prstGeom prst="line">
+            <a:avLst/>
+          </a:prstGeom>
+          <a:ln w="38100">
+            <a:solidFill>
+              <a:schemeClr val="bg2">
+                <a:lumMod val="50000"/>
+              </a:schemeClr>
+            </a:solidFill>
+            <a:tailEnd type="triangle" w="med" len="med"/>
+          </a:ln>
+        </p:spPr>
+        <p:style>
+          <a:lnRef idx="1">
+            <a:schemeClr val="accent1"/>
+          </a:lnRef>
+          <a:fillRef idx="0">
+            <a:schemeClr val="accent1"/>
+          </a:fillRef>
+          <a:effectRef idx="0">
+            <a:schemeClr val="accent1"/>
+          </a:effectRef>
+          <a:fontRef idx="minor">
+            <a:schemeClr val="tx1"/>
+          </a:fontRef>
+        </p:style>
+        <p:txBody>
+          <a:bodyPr wrap="square" lIns="50800" tIns="50800" rIns="50800" bIns="50800" numCol="1" anchor="ctr">
+            <a:noAutofit/>
+          </a:bodyPr>
+          <a:lstStyle/>
+          <a:p>
+            <a:endParaRPr b="0">
+              <a:solidFill>
+                <a:schemeClr val="tx1"/>
               </a:solidFill>
               <a:latin typeface="微软雅黑" panose="020B0503020204020204" pitchFamily="34" charset="-122"/>
               <a:ea typeface="微软雅黑" panose="020B0503020204020204" pitchFamily="34" charset="-122"/>
@@ -10037,7 +10065,7 @@
           </a:effectLst>
           <a:extLst>
             <a:ext uri="{C572A759-6A51-4108-AA02-DFA0A04FC94B}">
-              <ma14:wrappingTextBoxFlag xmlns="" xmlns:m="http://schemas.openxmlformats.org/officeDocument/2006/math" xmlns:a14="http://schemas.microsoft.com/office/drawing/2010/main" xmlns:ma14="http://schemas.microsoft.com/office/mac/drawingml/2011/main" val="1"/>
+              <ma14:wrappingTextBoxFlag xmlns:ma14="http://schemas.microsoft.com/office/mac/drawingml/2011/main" xmlns:a14="http://schemas.microsoft.com/office/drawing/2010/main" xmlns:m="http://schemas.openxmlformats.org/officeDocument/2006/math" xmlns="" val="1"/>
             </a:ext>
           </a:extLst>
         </p:spPr>
@@ -10098,7 +10126,7 @@
           </a:effectLst>
           <a:extLst>
             <a:ext uri="{C572A759-6A51-4108-AA02-DFA0A04FC94B}">
-              <ma14:wrappingTextBoxFlag xmlns="" xmlns:m="http://schemas.openxmlformats.org/officeDocument/2006/math" xmlns:a14="http://schemas.microsoft.com/office/drawing/2010/main" xmlns:ma14="http://schemas.microsoft.com/office/mac/drawingml/2011/main" val="1"/>
+              <ma14:wrappingTextBoxFlag xmlns:ma14="http://schemas.microsoft.com/office/mac/drawingml/2011/main" xmlns:a14="http://schemas.microsoft.com/office/drawing/2010/main" xmlns:m="http://schemas.openxmlformats.org/officeDocument/2006/math" xmlns="" val="1"/>
             </a:ext>
           </a:extLst>
         </p:spPr>
@@ -10173,7 +10201,7 @@
           </a:effectLst>
           <a:extLst>
             <a:ext uri="{C572A759-6A51-4108-AA02-DFA0A04FC94B}">
-              <ma14:wrappingTextBoxFlag xmlns="" xmlns:m="http://schemas.openxmlformats.org/officeDocument/2006/math" xmlns:a14="http://schemas.microsoft.com/office/drawing/2010/main" xmlns:ma14="http://schemas.microsoft.com/office/mac/drawingml/2011/main" val="1"/>
+              <ma14:wrappingTextBoxFlag xmlns:ma14="http://schemas.microsoft.com/office/mac/drawingml/2011/main" xmlns:a14="http://schemas.microsoft.com/office/drawing/2010/main" xmlns:m="http://schemas.openxmlformats.org/officeDocument/2006/math" xmlns="" val="1"/>
             </a:ext>
           </a:extLst>
         </p:spPr>
@@ -10248,7 +10276,7 @@
           </a:effectLst>
           <a:extLst>
             <a:ext uri="{C572A759-6A51-4108-AA02-DFA0A04FC94B}">
-              <ma14:wrappingTextBoxFlag xmlns="" xmlns:m="http://schemas.openxmlformats.org/officeDocument/2006/math" xmlns:a14="http://schemas.microsoft.com/office/drawing/2010/main" xmlns:ma14="http://schemas.microsoft.com/office/mac/drawingml/2011/main" val="1"/>
+              <ma14:wrappingTextBoxFlag xmlns:ma14="http://schemas.microsoft.com/office/mac/drawingml/2011/main" xmlns:a14="http://schemas.microsoft.com/office/drawing/2010/main" xmlns:m="http://schemas.openxmlformats.org/officeDocument/2006/math" xmlns="" val="1"/>
             </a:ext>
           </a:extLst>
         </p:spPr>
@@ -10323,7 +10351,7 @@
           </a:effectLst>
           <a:extLst>
             <a:ext uri="{C572A759-6A51-4108-AA02-DFA0A04FC94B}">
-              <ma14:wrappingTextBoxFlag xmlns="" xmlns:m="http://schemas.openxmlformats.org/officeDocument/2006/math" xmlns:a14="http://schemas.microsoft.com/office/drawing/2010/main" xmlns:ma14="http://schemas.microsoft.com/office/mac/drawingml/2011/main" val="1"/>
+              <ma14:wrappingTextBoxFlag xmlns:ma14="http://schemas.microsoft.com/office/mac/drawingml/2011/main" xmlns:a14="http://schemas.microsoft.com/office/drawing/2010/main" xmlns:m="http://schemas.openxmlformats.org/officeDocument/2006/math" xmlns="" val="1"/>
             </a:ext>
           </a:extLst>
         </p:spPr>
@@ -10400,7 +10428,7 @@
           </a:effectLst>
           <a:extLst>
             <a:ext uri="{C572A759-6A51-4108-AA02-DFA0A04FC94B}">
-              <ma14:wrappingTextBoxFlag xmlns="" xmlns:m="http://schemas.openxmlformats.org/officeDocument/2006/math" xmlns:a14="http://schemas.microsoft.com/office/drawing/2010/main" xmlns:ma14="http://schemas.microsoft.com/office/mac/drawingml/2011/main" val="1"/>
+              <ma14:wrappingTextBoxFlag xmlns:ma14="http://schemas.microsoft.com/office/mac/drawingml/2011/main" xmlns:a14="http://schemas.microsoft.com/office/drawing/2010/main" xmlns:m="http://schemas.openxmlformats.org/officeDocument/2006/math" xmlns="" val="1"/>
             </a:ext>
           </a:extLst>
         </p:spPr>
@@ -10460,7 +10488,7 @@
           </a:effectLst>
           <a:extLst>
             <a:ext uri="{C572A759-6A51-4108-AA02-DFA0A04FC94B}">
-              <ma14:wrappingTextBoxFlag xmlns="" xmlns:m="http://schemas.openxmlformats.org/officeDocument/2006/math" xmlns:a14="http://schemas.microsoft.com/office/drawing/2010/main" xmlns:ma14="http://schemas.microsoft.com/office/mac/drawingml/2011/main" val="1"/>
+              <ma14:wrappingTextBoxFlag xmlns:ma14="http://schemas.microsoft.com/office/mac/drawingml/2011/main" xmlns:a14="http://schemas.microsoft.com/office/drawing/2010/main" xmlns:m="http://schemas.openxmlformats.org/officeDocument/2006/math" xmlns="" val="1"/>
             </a:ext>
           </a:extLst>
         </p:spPr>
@@ -10535,7 +10563,7 @@
           </a:effectLst>
           <a:extLst>
             <a:ext uri="{C572A759-6A51-4108-AA02-DFA0A04FC94B}">
-              <ma14:wrappingTextBoxFlag xmlns="" xmlns:m="http://schemas.openxmlformats.org/officeDocument/2006/math" xmlns:a14="http://schemas.microsoft.com/office/drawing/2010/main" xmlns:ma14="http://schemas.microsoft.com/office/mac/drawingml/2011/main" val="1"/>
+              <ma14:wrappingTextBoxFlag xmlns:ma14="http://schemas.microsoft.com/office/mac/drawingml/2011/main" xmlns:a14="http://schemas.microsoft.com/office/drawing/2010/main" xmlns:m="http://schemas.openxmlformats.org/officeDocument/2006/math" xmlns="" val="1"/>
             </a:ext>
           </a:extLst>
         </p:spPr>
@@ -11086,7 +11114,7 @@
           </a:effectLst>
           <a:extLst>
             <a:ext uri="{C572A759-6A51-4108-AA02-DFA0A04FC94B}">
-              <ma14:wrappingTextBoxFlag xmlns="" xmlns:m="http://schemas.openxmlformats.org/officeDocument/2006/math" xmlns:a14="http://schemas.microsoft.com/office/drawing/2010/main" xmlns:ma14="http://schemas.microsoft.com/office/mac/drawingml/2011/main" val="1"/>
+              <ma14:wrappingTextBoxFlag xmlns:ma14="http://schemas.microsoft.com/office/mac/drawingml/2011/main" xmlns:a14="http://schemas.microsoft.com/office/drawing/2010/main" xmlns:m="http://schemas.openxmlformats.org/officeDocument/2006/math" xmlns="" val="1"/>
             </a:ext>
           </a:extLst>
         </p:spPr>
@@ -11146,7 +11174,7 @@
           </a:effectLst>
           <a:extLst>
             <a:ext uri="{C572A759-6A51-4108-AA02-DFA0A04FC94B}">
-              <ma14:wrappingTextBoxFlag xmlns="" xmlns:m="http://schemas.openxmlformats.org/officeDocument/2006/math" xmlns:a14="http://schemas.microsoft.com/office/drawing/2010/main" xmlns:ma14="http://schemas.microsoft.com/office/mac/drawingml/2011/main" val="1"/>
+              <ma14:wrappingTextBoxFlag xmlns:ma14="http://schemas.microsoft.com/office/mac/drawingml/2011/main" xmlns:a14="http://schemas.microsoft.com/office/drawing/2010/main" xmlns:m="http://schemas.openxmlformats.org/officeDocument/2006/math" xmlns="" val="1"/>
             </a:ext>
           </a:extLst>
         </p:spPr>
@@ -11221,7 +11249,7 @@
           </a:effectLst>
           <a:extLst>
             <a:ext uri="{C572A759-6A51-4108-AA02-DFA0A04FC94B}">
-              <ma14:wrappingTextBoxFlag xmlns="" xmlns:m="http://schemas.openxmlformats.org/officeDocument/2006/math" xmlns:a14="http://schemas.microsoft.com/office/drawing/2010/main" xmlns:ma14="http://schemas.microsoft.com/office/mac/drawingml/2011/main" val="1"/>
+              <ma14:wrappingTextBoxFlag xmlns:ma14="http://schemas.microsoft.com/office/mac/drawingml/2011/main" xmlns:a14="http://schemas.microsoft.com/office/drawing/2010/main" xmlns:m="http://schemas.openxmlformats.org/officeDocument/2006/math" xmlns="" val="1"/>
             </a:ext>
           </a:extLst>
         </p:spPr>
@@ -11449,7 +11477,7 @@
           </a:effectLst>
           <a:extLst>
             <a:ext uri="{C572A759-6A51-4108-AA02-DFA0A04FC94B}">
-              <ma14:wrappingTextBoxFlag xmlns="" xmlns:m="http://schemas.openxmlformats.org/officeDocument/2006/math" xmlns:a14="http://schemas.microsoft.com/office/drawing/2010/main" xmlns:ma14="http://schemas.microsoft.com/office/mac/drawingml/2011/main" val="1"/>
+              <ma14:wrappingTextBoxFlag xmlns:ma14="http://schemas.microsoft.com/office/mac/drawingml/2011/main" xmlns:a14="http://schemas.microsoft.com/office/drawing/2010/main" xmlns:m="http://schemas.openxmlformats.org/officeDocument/2006/math" xmlns="" val="1"/>
             </a:ext>
           </a:extLst>
         </p:spPr>
@@ -11562,7 +11590,7 @@
           </a:effectLst>
           <a:extLst>
             <a:ext uri="{C572A759-6A51-4108-AA02-DFA0A04FC94B}">
-              <ma14:wrappingTextBoxFlag xmlns="" xmlns:m="http://schemas.openxmlformats.org/officeDocument/2006/math" xmlns:a14="http://schemas.microsoft.com/office/drawing/2010/main" xmlns:ma14="http://schemas.microsoft.com/office/mac/drawingml/2011/main" val="1"/>
+              <ma14:wrappingTextBoxFlag xmlns:ma14="http://schemas.microsoft.com/office/mac/drawingml/2011/main" xmlns:a14="http://schemas.microsoft.com/office/drawing/2010/main" xmlns:m="http://schemas.openxmlformats.org/officeDocument/2006/math" xmlns="" val="1"/>
             </a:ext>
           </a:extLst>
         </p:spPr>
@@ -11627,7 +11655,7 @@
           </a:effectLst>
           <a:extLst>
             <a:ext uri="{C572A759-6A51-4108-AA02-DFA0A04FC94B}">
-              <ma14:wrappingTextBoxFlag xmlns="" xmlns:m="http://schemas.openxmlformats.org/officeDocument/2006/math" xmlns:a14="http://schemas.microsoft.com/office/drawing/2010/main" xmlns:ma14="http://schemas.microsoft.com/office/mac/drawingml/2011/main" val="1"/>
+              <ma14:wrappingTextBoxFlag xmlns:ma14="http://schemas.microsoft.com/office/mac/drawingml/2011/main" xmlns:a14="http://schemas.microsoft.com/office/drawing/2010/main" xmlns:m="http://schemas.openxmlformats.org/officeDocument/2006/math" xmlns="" val="1"/>
             </a:ext>
           </a:extLst>
         </p:spPr>
@@ -11712,7 +11740,7 @@
           </a:effectLst>
           <a:extLst>
             <a:ext uri="{C572A759-6A51-4108-AA02-DFA0A04FC94B}">
-              <ma14:wrappingTextBoxFlag xmlns="" xmlns:m="http://schemas.openxmlformats.org/officeDocument/2006/math" xmlns:a14="http://schemas.microsoft.com/office/drawing/2010/main" xmlns:ma14="http://schemas.microsoft.com/office/mac/drawingml/2011/main" val="1"/>
+              <ma14:wrappingTextBoxFlag xmlns:ma14="http://schemas.microsoft.com/office/mac/drawingml/2011/main" xmlns:a14="http://schemas.microsoft.com/office/drawing/2010/main" xmlns:m="http://schemas.openxmlformats.org/officeDocument/2006/math" xmlns="" val="1"/>
             </a:ext>
           </a:extLst>
         </p:spPr>
@@ -11797,7 +11825,7 @@
           </a:effectLst>
           <a:extLst>
             <a:ext uri="{C572A759-6A51-4108-AA02-DFA0A04FC94B}">
-              <ma14:wrappingTextBoxFlag xmlns="" xmlns:m="http://schemas.openxmlformats.org/officeDocument/2006/math" xmlns:a14="http://schemas.microsoft.com/office/drawing/2010/main" xmlns:ma14="http://schemas.microsoft.com/office/mac/drawingml/2011/main" val="1"/>
+              <ma14:wrappingTextBoxFlag xmlns:ma14="http://schemas.microsoft.com/office/mac/drawingml/2011/main" xmlns:a14="http://schemas.microsoft.com/office/drawing/2010/main" xmlns:m="http://schemas.openxmlformats.org/officeDocument/2006/math" xmlns="" val="1"/>
             </a:ext>
           </a:extLst>
         </p:spPr>
@@ -11878,7 +11906,7 @@
           </a:effectLst>
           <a:extLst>
             <a:ext uri="{C572A759-6A51-4108-AA02-DFA0A04FC94B}">
-              <ma14:wrappingTextBoxFlag xmlns="" xmlns:m="http://schemas.openxmlformats.org/officeDocument/2006/math" xmlns:a14="http://schemas.microsoft.com/office/drawing/2010/main" xmlns:ma14="http://schemas.microsoft.com/office/mac/drawingml/2011/main" val="1"/>
+              <ma14:wrappingTextBoxFlag xmlns:ma14="http://schemas.microsoft.com/office/mac/drawingml/2011/main" xmlns:a14="http://schemas.microsoft.com/office/drawing/2010/main" xmlns:m="http://schemas.openxmlformats.org/officeDocument/2006/math" xmlns="" val="1"/>
             </a:ext>
           </a:extLst>
         </p:spPr>
@@ -11959,7 +11987,7 @@
           </a:effectLst>
           <a:extLst>
             <a:ext uri="{C572A759-6A51-4108-AA02-DFA0A04FC94B}">
-              <ma14:wrappingTextBoxFlag xmlns="" xmlns:m="http://schemas.openxmlformats.org/officeDocument/2006/math" xmlns:a14="http://schemas.microsoft.com/office/drawing/2010/main" xmlns:ma14="http://schemas.microsoft.com/office/mac/drawingml/2011/main" val="1"/>
+              <ma14:wrappingTextBoxFlag xmlns:ma14="http://schemas.microsoft.com/office/mac/drawingml/2011/main" xmlns:a14="http://schemas.microsoft.com/office/drawing/2010/main" xmlns:m="http://schemas.openxmlformats.org/officeDocument/2006/math" xmlns="" val="1"/>
             </a:ext>
           </a:extLst>
         </p:spPr>
@@ -12036,7 +12064,7 @@
           </a:effectLst>
           <a:extLst>
             <a:ext uri="{C572A759-6A51-4108-AA02-DFA0A04FC94B}">
-              <ma14:wrappingTextBoxFlag xmlns="" xmlns:m="http://schemas.openxmlformats.org/officeDocument/2006/math" xmlns:a14="http://schemas.microsoft.com/office/drawing/2010/main" xmlns:ma14="http://schemas.microsoft.com/office/mac/drawingml/2011/main" val="1"/>
+              <ma14:wrappingTextBoxFlag xmlns:ma14="http://schemas.microsoft.com/office/mac/drawingml/2011/main" xmlns:a14="http://schemas.microsoft.com/office/drawing/2010/main" xmlns:m="http://schemas.openxmlformats.org/officeDocument/2006/math" xmlns="" val="1"/>
             </a:ext>
           </a:extLst>
         </p:spPr>
@@ -12101,7 +12129,7 @@
           </a:effectLst>
           <a:extLst>
             <a:ext uri="{C572A759-6A51-4108-AA02-DFA0A04FC94B}">
-              <ma14:wrappingTextBoxFlag xmlns="" xmlns:m="http://schemas.openxmlformats.org/officeDocument/2006/math" xmlns:a14="http://schemas.microsoft.com/office/drawing/2010/main" xmlns:ma14="http://schemas.microsoft.com/office/mac/drawingml/2011/main" val="1"/>
+              <ma14:wrappingTextBoxFlag xmlns:ma14="http://schemas.microsoft.com/office/mac/drawingml/2011/main" xmlns:a14="http://schemas.microsoft.com/office/drawing/2010/main" xmlns:m="http://schemas.openxmlformats.org/officeDocument/2006/math" xmlns="" val="1"/>
             </a:ext>
           </a:extLst>
         </p:spPr>
@@ -12186,7 +12214,7 @@
           </a:effectLst>
           <a:extLst>
             <a:ext uri="{C572A759-6A51-4108-AA02-DFA0A04FC94B}">
-              <ma14:wrappingTextBoxFlag xmlns="" xmlns:m="http://schemas.openxmlformats.org/officeDocument/2006/math" xmlns:a14="http://schemas.microsoft.com/office/drawing/2010/main" xmlns:ma14="http://schemas.microsoft.com/office/mac/drawingml/2011/main" val="1"/>
+              <ma14:wrappingTextBoxFlag xmlns:ma14="http://schemas.microsoft.com/office/mac/drawingml/2011/main" xmlns:a14="http://schemas.microsoft.com/office/drawing/2010/main" xmlns:m="http://schemas.openxmlformats.org/officeDocument/2006/math" xmlns="" val="1"/>
             </a:ext>
           </a:extLst>
         </p:spPr>
@@ -12282,7 +12310,7 @@
           </a:effectLst>
           <a:extLst>
             <a:ext uri="{C572A759-6A51-4108-AA02-DFA0A04FC94B}">
-              <ma14:wrappingTextBoxFlag xmlns="" xmlns:m="http://schemas.openxmlformats.org/officeDocument/2006/math" xmlns:a14="http://schemas.microsoft.com/office/drawing/2010/main" xmlns:ma14="http://schemas.microsoft.com/office/mac/drawingml/2011/main" val="1"/>
+              <ma14:wrappingTextBoxFlag xmlns:ma14="http://schemas.microsoft.com/office/mac/drawingml/2011/main" xmlns:a14="http://schemas.microsoft.com/office/drawing/2010/main" xmlns:m="http://schemas.openxmlformats.org/officeDocument/2006/math" xmlns="" val="1"/>
             </a:ext>
           </a:extLst>
         </p:spPr>
@@ -12733,7 +12761,7 @@
           </a:effectLst>
           <a:extLst>
             <a:ext uri="{C572A759-6A51-4108-AA02-DFA0A04FC94B}">
-              <ma14:wrappingTextBoxFlag xmlns="" xmlns:m="http://schemas.openxmlformats.org/officeDocument/2006/math" xmlns:a14="http://schemas.microsoft.com/office/drawing/2010/main" xmlns:ma14="http://schemas.microsoft.com/office/mac/drawingml/2011/main" val="1"/>
+              <ma14:wrappingTextBoxFlag xmlns:ma14="http://schemas.microsoft.com/office/mac/drawingml/2011/main" xmlns:a14="http://schemas.microsoft.com/office/drawing/2010/main" xmlns:m="http://schemas.openxmlformats.org/officeDocument/2006/math" xmlns="" val="1"/>
             </a:ext>
           </a:extLst>
         </p:spPr>
@@ -12798,7 +12826,7 @@
           </a:effectLst>
           <a:extLst>
             <a:ext uri="{C572A759-6A51-4108-AA02-DFA0A04FC94B}">
-              <ma14:wrappingTextBoxFlag xmlns="" xmlns:m="http://schemas.openxmlformats.org/officeDocument/2006/math" xmlns:a14="http://schemas.microsoft.com/office/drawing/2010/main" xmlns:ma14="http://schemas.microsoft.com/office/mac/drawingml/2011/main" val="1"/>
+              <ma14:wrappingTextBoxFlag xmlns:ma14="http://schemas.microsoft.com/office/mac/drawingml/2011/main" xmlns:a14="http://schemas.microsoft.com/office/drawing/2010/main" xmlns:m="http://schemas.openxmlformats.org/officeDocument/2006/math" xmlns="" val="1"/>
             </a:ext>
           </a:extLst>
         </p:spPr>
@@ -12876,7 +12904,7 @@
           </a:effectLst>
           <a:extLst>
             <a:ext uri="{C572A759-6A51-4108-AA02-DFA0A04FC94B}">
-              <ma14:wrappingTextBoxFlag xmlns="" xmlns:m="http://schemas.openxmlformats.org/officeDocument/2006/math" xmlns:a14="http://schemas.microsoft.com/office/drawing/2010/main" xmlns:ma14="http://schemas.microsoft.com/office/mac/drawingml/2011/main" val="1"/>
+              <ma14:wrappingTextBoxFlag xmlns:ma14="http://schemas.microsoft.com/office/mac/drawingml/2011/main" xmlns:a14="http://schemas.microsoft.com/office/drawing/2010/main" xmlns:m="http://schemas.openxmlformats.org/officeDocument/2006/math" xmlns="" val="1"/>
             </a:ext>
           </a:extLst>
         </p:spPr>
@@ -12968,7 +12996,7 @@
           </a:effectLst>
           <a:extLst>
             <a:ext uri="{C572A759-6A51-4108-AA02-DFA0A04FC94B}">
-              <ma14:wrappingTextBoxFlag xmlns="" xmlns:m="http://schemas.openxmlformats.org/officeDocument/2006/math" xmlns:a14="http://schemas.microsoft.com/office/drawing/2010/main" xmlns:ma14="http://schemas.microsoft.com/office/mac/drawingml/2011/main" val="1"/>
+              <ma14:wrappingTextBoxFlag xmlns:ma14="http://schemas.microsoft.com/office/mac/drawingml/2011/main" xmlns:a14="http://schemas.microsoft.com/office/drawing/2010/main" xmlns:m="http://schemas.openxmlformats.org/officeDocument/2006/math" xmlns="" val="1"/>
             </a:ext>
           </a:extLst>
         </p:spPr>
@@ -13051,7 +13079,7 @@
           </a:effectLst>
           <a:extLst>
             <a:ext uri="{C572A759-6A51-4108-AA02-DFA0A04FC94B}">
-              <ma14:wrappingTextBoxFlag xmlns="" xmlns:m="http://schemas.openxmlformats.org/officeDocument/2006/math" xmlns:a14="http://schemas.microsoft.com/office/drawing/2010/main" xmlns:ma14="http://schemas.microsoft.com/office/mac/drawingml/2011/main" val="1"/>
+              <ma14:wrappingTextBoxFlag xmlns:ma14="http://schemas.microsoft.com/office/mac/drawingml/2011/main" xmlns:a14="http://schemas.microsoft.com/office/drawing/2010/main" xmlns:m="http://schemas.openxmlformats.org/officeDocument/2006/math" xmlns="" val="1"/>
             </a:ext>
           </a:extLst>
         </p:spPr>
@@ -13116,7 +13144,7 @@
           </a:effectLst>
           <a:extLst>
             <a:ext uri="{C572A759-6A51-4108-AA02-DFA0A04FC94B}">
-              <ma14:wrappingTextBoxFlag xmlns="" xmlns:m="http://schemas.openxmlformats.org/officeDocument/2006/math" xmlns:a14="http://schemas.microsoft.com/office/drawing/2010/main" xmlns:ma14="http://schemas.microsoft.com/office/mac/drawingml/2011/main" val="1"/>
+              <ma14:wrappingTextBoxFlag xmlns:ma14="http://schemas.microsoft.com/office/mac/drawingml/2011/main" xmlns:a14="http://schemas.microsoft.com/office/drawing/2010/main" xmlns:m="http://schemas.openxmlformats.org/officeDocument/2006/math" xmlns="" val="1"/>
             </a:ext>
           </a:extLst>
         </p:spPr>
@@ -13201,7 +13229,7 @@
           </a:effectLst>
           <a:extLst>
             <a:ext uri="{C572A759-6A51-4108-AA02-DFA0A04FC94B}">
-              <ma14:wrappingTextBoxFlag xmlns="" xmlns:m="http://schemas.openxmlformats.org/officeDocument/2006/math" xmlns:a14="http://schemas.microsoft.com/office/drawing/2010/main" xmlns:ma14="http://schemas.microsoft.com/office/mac/drawingml/2011/main" val="1"/>
+              <ma14:wrappingTextBoxFlag xmlns:ma14="http://schemas.microsoft.com/office/mac/drawingml/2011/main" xmlns:a14="http://schemas.microsoft.com/office/drawing/2010/main" xmlns:m="http://schemas.openxmlformats.org/officeDocument/2006/math" xmlns="" val="1"/>
             </a:ext>
           </a:extLst>
         </p:spPr>
@@ -13286,7 +13314,7 @@
           </a:effectLst>
           <a:extLst>
             <a:ext uri="{C572A759-6A51-4108-AA02-DFA0A04FC94B}">
-              <ma14:wrappingTextBoxFlag xmlns="" xmlns:m="http://schemas.openxmlformats.org/officeDocument/2006/math" xmlns:a14="http://schemas.microsoft.com/office/drawing/2010/main" xmlns:ma14="http://schemas.microsoft.com/office/mac/drawingml/2011/main" val="1"/>
+              <ma14:wrappingTextBoxFlag xmlns:ma14="http://schemas.microsoft.com/office/mac/drawingml/2011/main" xmlns:a14="http://schemas.microsoft.com/office/drawing/2010/main" xmlns:m="http://schemas.openxmlformats.org/officeDocument/2006/math" xmlns="" val="1"/>
             </a:ext>
           </a:extLst>
         </p:spPr>
@@ -13371,7 +13399,7 @@
           </a:effectLst>
           <a:extLst>
             <a:ext uri="{C572A759-6A51-4108-AA02-DFA0A04FC94B}">
-              <ma14:wrappingTextBoxFlag xmlns="" xmlns:m="http://schemas.openxmlformats.org/officeDocument/2006/math" xmlns:a14="http://schemas.microsoft.com/office/drawing/2010/main" xmlns:ma14="http://schemas.microsoft.com/office/mac/drawingml/2011/main" val="1"/>
+              <ma14:wrappingTextBoxFlag xmlns:ma14="http://schemas.microsoft.com/office/mac/drawingml/2011/main" xmlns:a14="http://schemas.microsoft.com/office/drawing/2010/main" xmlns:m="http://schemas.openxmlformats.org/officeDocument/2006/math" xmlns="" val="1"/>
             </a:ext>
           </a:extLst>
         </p:spPr>
@@ -13686,7 +13714,7 @@
           </a:effectLst>
           <a:extLst>
             <a:ext uri="{C572A759-6A51-4108-AA02-DFA0A04FC94B}">
-              <ma14:wrappingTextBoxFlag xmlns="" xmlns:m="http://schemas.openxmlformats.org/officeDocument/2006/math" xmlns:a14="http://schemas.microsoft.com/office/drawing/2010/main" xmlns:ma14="http://schemas.microsoft.com/office/mac/drawingml/2011/main" val="1"/>
+              <ma14:wrappingTextBoxFlag xmlns:ma14="http://schemas.microsoft.com/office/mac/drawingml/2011/main" xmlns:a14="http://schemas.microsoft.com/office/drawing/2010/main" xmlns:m="http://schemas.openxmlformats.org/officeDocument/2006/math" xmlns="" val="1"/>
             </a:ext>
           </a:extLst>
         </p:spPr>
@@ -13769,7 +13797,7 @@
           </a:effectLst>
           <a:extLst>
             <a:ext uri="{C572A759-6A51-4108-AA02-DFA0A04FC94B}">
-              <ma14:wrappingTextBoxFlag xmlns="" xmlns:m="http://schemas.openxmlformats.org/officeDocument/2006/math" xmlns:a14="http://schemas.microsoft.com/office/drawing/2010/main" xmlns:ma14="http://schemas.microsoft.com/office/mac/drawingml/2011/main" val="1"/>
+              <ma14:wrappingTextBoxFlag xmlns:ma14="http://schemas.microsoft.com/office/mac/drawingml/2011/main" xmlns:a14="http://schemas.microsoft.com/office/drawing/2010/main" xmlns:m="http://schemas.openxmlformats.org/officeDocument/2006/math" xmlns="" val="1"/>
             </a:ext>
           </a:extLst>
         </p:spPr>
@@ -13834,7 +13862,7 @@
           </a:effectLst>
           <a:extLst>
             <a:ext uri="{C572A759-6A51-4108-AA02-DFA0A04FC94B}">
-              <ma14:wrappingTextBoxFlag xmlns="" xmlns:m="http://schemas.openxmlformats.org/officeDocument/2006/math" xmlns:a14="http://schemas.microsoft.com/office/drawing/2010/main" xmlns:ma14="http://schemas.microsoft.com/office/mac/drawingml/2011/main" val="1"/>
+              <ma14:wrappingTextBoxFlag xmlns:ma14="http://schemas.microsoft.com/office/mac/drawingml/2011/main" xmlns:a14="http://schemas.microsoft.com/office/drawing/2010/main" xmlns:m="http://schemas.openxmlformats.org/officeDocument/2006/math" xmlns="" val="1"/>
             </a:ext>
           </a:extLst>
         </p:spPr>
@@ -13915,7 +13943,7 @@
           </a:effectLst>
           <a:extLst>
             <a:ext uri="{C572A759-6A51-4108-AA02-DFA0A04FC94B}">
-              <ma14:wrappingTextBoxFlag xmlns="" xmlns:m="http://schemas.openxmlformats.org/officeDocument/2006/math" xmlns:a14="http://schemas.microsoft.com/office/drawing/2010/main" xmlns:ma14="http://schemas.microsoft.com/office/mac/drawingml/2011/main" val="1"/>
+              <ma14:wrappingTextBoxFlag xmlns:ma14="http://schemas.microsoft.com/office/mac/drawingml/2011/main" xmlns:a14="http://schemas.microsoft.com/office/drawing/2010/main" xmlns:m="http://schemas.openxmlformats.org/officeDocument/2006/math" xmlns="" val="1"/>
             </a:ext>
           </a:extLst>
         </p:spPr>
@@ -14246,7 +14274,7 @@
           </a:effectLst>
           <a:extLst>
             <a:ext uri="{C572A759-6A51-4108-AA02-DFA0A04FC94B}">
-              <ma14:wrappingTextBoxFlag xmlns="" xmlns:m="http://schemas.openxmlformats.org/officeDocument/2006/math" xmlns:a14="http://schemas.microsoft.com/office/drawing/2010/main" xmlns:ma14="http://schemas.microsoft.com/office/mac/drawingml/2011/main" val="1"/>
+              <ma14:wrappingTextBoxFlag xmlns:ma14="http://schemas.microsoft.com/office/mac/drawingml/2011/main" xmlns:a14="http://schemas.microsoft.com/office/drawing/2010/main" xmlns:m="http://schemas.openxmlformats.org/officeDocument/2006/math" xmlns="" val="1"/>
             </a:ext>
           </a:extLst>
         </p:spPr>
@@ -14311,7 +14339,7 @@
           </a:effectLst>
           <a:extLst>
             <a:ext uri="{C572A759-6A51-4108-AA02-DFA0A04FC94B}">
-              <ma14:wrappingTextBoxFlag xmlns="" xmlns:m="http://schemas.openxmlformats.org/officeDocument/2006/math" xmlns:a14="http://schemas.microsoft.com/office/drawing/2010/main" xmlns:ma14="http://schemas.microsoft.com/office/mac/drawingml/2011/main" val="1"/>
+              <ma14:wrappingTextBoxFlag xmlns:ma14="http://schemas.microsoft.com/office/mac/drawingml/2011/main" xmlns:a14="http://schemas.microsoft.com/office/drawing/2010/main" xmlns:m="http://schemas.openxmlformats.org/officeDocument/2006/math" xmlns="" val="1"/>
             </a:ext>
           </a:extLst>
         </p:spPr>
@@ -14396,7 +14424,7 @@
           </a:effectLst>
           <a:extLst>
             <a:ext uri="{C572A759-6A51-4108-AA02-DFA0A04FC94B}">
-              <ma14:wrappingTextBoxFlag xmlns="" xmlns:m="http://schemas.openxmlformats.org/officeDocument/2006/math" xmlns:a14="http://schemas.microsoft.com/office/drawing/2010/main" xmlns:ma14="http://schemas.microsoft.com/office/mac/drawingml/2011/main" val="1"/>
+              <ma14:wrappingTextBoxFlag xmlns:ma14="http://schemas.microsoft.com/office/mac/drawingml/2011/main" xmlns:a14="http://schemas.microsoft.com/office/drawing/2010/main" xmlns:m="http://schemas.openxmlformats.org/officeDocument/2006/math" xmlns="" val="1"/>
             </a:ext>
           </a:extLst>
         </p:spPr>
@@ -14481,7 +14509,7 @@
           </a:effectLst>
           <a:extLst>
             <a:ext uri="{C572A759-6A51-4108-AA02-DFA0A04FC94B}">
-              <ma14:wrappingTextBoxFlag xmlns="" xmlns:m="http://schemas.openxmlformats.org/officeDocument/2006/math" xmlns:a14="http://schemas.microsoft.com/office/drawing/2010/main" xmlns:ma14="http://schemas.microsoft.com/office/mac/drawingml/2011/main" val="1"/>
+              <ma14:wrappingTextBoxFlag xmlns:ma14="http://schemas.microsoft.com/office/mac/drawingml/2011/main" xmlns:a14="http://schemas.microsoft.com/office/drawing/2010/main" xmlns:m="http://schemas.openxmlformats.org/officeDocument/2006/math" xmlns="" val="1"/>
             </a:ext>
           </a:extLst>
         </p:spPr>
@@ -14566,7 +14594,7 @@
           </a:effectLst>
           <a:extLst>
             <a:ext uri="{C572A759-6A51-4108-AA02-DFA0A04FC94B}">
-              <ma14:wrappingTextBoxFlag xmlns="" xmlns:m="http://schemas.openxmlformats.org/officeDocument/2006/math" xmlns:a14="http://schemas.microsoft.com/office/drawing/2010/main" xmlns:ma14="http://schemas.microsoft.com/office/mac/drawingml/2011/main" val="1"/>
+              <ma14:wrappingTextBoxFlag xmlns:ma14="http://schemas.microsoft.com/office/mac/drawingml/2011/main" xmlns:a14="http://schemas.microsoft.com/office/drawing/2010/main" xmlns:m="http://schemas.openxmlformats.org/officeDocument/2006/math" xmlns="" val="1"/>
             </a:ext>
           </a:extLst>
         </p:spPr>
@@ -14797,7 +14825,7 @@
           </a:effectLst>
           <a:extLst>
             <a:ext uri="{C572A759-6A51-4108-AA02-DFA0A04FC94B}">
-              <ma14:wrappingTextBoxFlag xmlns="" xmlns:m="http://schemas.openxmlformats.org/officeDocument/2006/math" xmlns:a14="http://schemas.microsoft.com/office/drawing/2010/main" xmlns:ma14="http://schemas.microsoft.com/office/mac/drawingml/2011/main" val="1"/>
+              <ma14:wrappingTextBoxFlag xmlns:ma14="http://schemas.microsoft.com/office/mac/drawingml/2011/main" xmlns:a14="http://schemas.microsoft.com/office/drawing/2010/main" xmlns:m="http://schemas.openxmlformats.org/officeDocument/2006/math" xmlns="" val="1"/>
             </a:ext>
           </a:extLst>
         </p:spPr>
@@ -14862,7 +14890,7 @@
           </a:effectLst>
           <a:extLst>
             <a:ext uri="{C572A759-6A51-4108-AA02-DFA0A04FC94B}">
-              <ma14:wrappingTextBoxFlag xmlns="" xmlns:m="http://schemas.openxmlformats.org/officeDocument/2006/math" xmlns:a14="http://schemas.microsoft.com/office/drawing/2010/main" xmlns:ma14="http://schemas.microsoft.com/office/mac/drawingml/2011/main" val="1"/>
+              <ma14:wrappingTextBoxFlag xmlns:ma14="http://schemas.microsoft.com/office/mac/drawingml/2011/main" xmlns:a14="http://schemas.microsoft.com/office/drawing/2010/main" xmlns:m="http://schemas.openxmlformats.org/officeDocument/2006/math" xmlns="" val="1"/>
             </a:ext>
           </a:extLst>
         </p:spPr>
@@ -15095,7 +15123,7 @@
           </a:effectLst>
           <a:extLst>
             <a:ext uri="{C572A759-6A51-4108-AA02-DFA0A04FC94B}">
-              <ma14:wrappingTextBoxFlag xmlns="" xmlns:m="http://schemas.openxmlformats.org/officeDocument/2006/math" xmlns:a14="http://schemas.microsoft.com/office/drawing/2010/main" xmlns:ma14="http://schemas.microsoft.com/office/mac/drawingml/2011/main" val="1"/>
+              <ma14:wrappingTextBoxFlag xmlns:ma14="http://schemas.microsoft.com/office/mac/drawingml/2011/main" xmlns:a14="http://schemas.microsoft.com/office/drawing/2010/main" xmlns:m="http://schemas.openxmlformats.org/officeDocument/2006/math" xmlns="" val="1"/>
             </a:ext>
           </a:extLst>
         </p:spPr>
@@ -15176,7 +15204,7 @@
           </a:effectLst>
           <a:extLst>
             <a:ext uri="{C572A759-6A51-4108-AA02-DFA0A04FC94B}">
-              <ma14:wrappingTextBoxFlag xmlns="" xmlns:m="http://schemas.openxmlformats.org/officeDocument/2006/math" xmlns:a14="http://schemas.microsoft.com/office/drawing/2010/main" xmlns:ma14="http://schemas.microsoft.com/office/mac/drawingml/2011/main" val="1"/>
+              <ma14:wrappingTextBoxFlag xmlns:ma14="http://schemas.microsoft.com/office/mac/drawingml/2011/main" xmlns:a14="http://schemas.microsoft.com/office/drawing/2010/main" xmlns:m="http://schemas.openxmlformats.org/officeDocument/2006/math" xmlns="" val="1"/>
             </a:ext>
           </a:extLst>
         </p:spPr>
@@ -15261,7 +15289,7 @@
           </a:effectLst>
           <a:extLst>
             <a:ext uri="{C572A759-6A51-4108-AA02-DFA0A04FC94B}">
-              <ma14:wrappingTextBoxFlag xmlns="" xmlns:m="http://schemas.openxmlformats.org/officeDocument/2006/math" xmlns:a14="http://schemas.microsoft.com/office/drawing/2010/main" xmlns:ma14="http://schemas.microsoft.com/office/mac/drawingml/2011/main" val="1"/>
+              <ma14:wrappingTextBoxFlag xmlns:ma14="http://schemas.microsoft.com/office/mac/drawingml/2011/main" xmlns:a14="http://schemas.microsoft.com/office/drawing/2010/main" xmlns:m="http://schemas.openxmlformats.org/officeDocument/2006/math" xmlns="" val="1"/>
             </a:ext>
           </a:extLst>
         </p:spPr>
@@ -15346,7 +15374,7 @@
           </a:effectLst>
           <a:extLst>
             <a:ext uri="{C572A759-6A51-4108-AA02-DFA0A04FC94B}">
-              <ma14:wrappingTextBoxFlag xmlns="" xmlns:m="http://schemas.openxmlformats.org/officeDocument/2006/math" xmlns:a14="http://schemas.microsoft.com/office/drawing/2010/main" xmlns:ma14="http://schemas.microsoft.com/office/mac/drawingml/2011/main" val="1"/>
+              <ma14:wrappingTextBoxFlag xmlns:ma14="http://schemas.microsoft.com/office/mac/drawingml/2011/main" xmlns:a14="http://schemas.microsoft.com/office/drawing/2010/main" xmlns:m="http://schemas.openxmlformats.org/officeDocument/2006/math" xmlns="" val="1"/>
             </a:ext>
           </a:extLst>
         </p:spPr>
@@ -15427,7 +15455,7 @@
           </a:effectLst>
           <a:extLst>
             <a:ext uri="{C572A759-6A51-4108-AA02-DFA0A04FC94B}">
-              <ma14:wrappingTextBoxFlag xmlns="" xmlns:m="http://schemas.openxmlformats.org/officeDocument/2006/math" xmlns:a14="http://schemas.microsoft.com/office/drawing/2010/main" xmlns:ma14="http://schemas.microsoft.com/office/mac/drawingml/2011/main" val="1"/>
+              <ma14:wrappingTextBoxFlag xmlns:ma14="http://schemas.microsoft.com/office/mac/drawingml/2011/main" xmlns:a14="http://schemas.microsoft.com/office/drawing/2010/main" xmlns:m="http://schemas.openxmlformats.org/officeDocument/2006/math" xmlns="" val="1"/>
             </a:ext>
           </a:extLst>
         </p:spPr>
@@ -15510,7 +15538,7 @@
           </a:effectLst>
           <a:extLst>
             <a:ext uri="{C572A759-6A51-4108-AA02-DFA0A04FC94B}">
-              <ma14:wrappingTextBoxFlag xmlns="" xmlns:m="http://schemas.openxmlformats.org/officeDocument/2006/math" xmlns:a14="http://schemas.microsoft.com/office/drawing/2010/main" xmlns:ma14="http://schemas.microsoft.com/office/mac/drawingml/2011/main" val="1"/>
+              <ma14:wrappingTextBoxFlag xmlns:ma14="http://schemas.microsoft.com/office/mac/drawingml/2011/main" xmlns:a14="http://schemas.microsoft.com/office/drawing/2010/main" xmlns:m="http://schemas.openxmlformats.org/officeDocument/2006/math" xmlns="" val="1"/>
             </a:ext>
           </a:extLst>
         </p:spPr>
@@ -15575,7 +15603,7 @@
           </a:effectLst>
           <a:extLst>
             <a:ext uri="{C572A759-6A51-4108-AA02-DFA0A04FC94B}">
-              <ma14:wrappingTextBoxFlag xmlns="" xmlns:m="http://schemas.openxmlformats.org/officeDocument/2006/math" xmlns:a14="http://schemas.microsoft.com/office/drawing/2010/main" xmlns:ma14="http://schemas.microsoft.com/office/mac/drawingml/2011/main" val="1"/>
+              <ma14:wrappingTextBoxFlag xmlns:ma14="http://schemas.microsoft.com/office/mac/drawingml/2011/main" xmlns:a14="http://schemas.microsoft.com/office/drawing/2010/main" xmlns:m="http://schemas.openxmlformats.org/officeDocument/2006/math" xmlns="" val="1"/>
             </a:ext>
           </a:extLst>
         </p:spPr>
@@ -15660,7 +15688,7 @@
           </a:effectLst>
           <a:extLst>
             <a:ext uri="{C572A759-6A51-4108-AA02-DFA0A04FC94B}">
-              <ma14:wrappingTextBoxFlag xmlns="" xmlns:m="http://schemas.openxmlformats.org/officeDocument/2006/math" xmlns:a14="http://schemas.microsoft.com/office/drawing/2010/main" xmlns:ma14="http://schemas.microsoft.com/office/mac/drawingml/2011/main" val="1"/>
+              <ma14:wrappingTextBoxFlag xmlns:ma14="http://schemas.microsoft.com/office/mac/drawingml/2011/main" xmlns:a14="http://schemas.microsoft.com/office/drawing/2010/main" xmlns:m="http://schemas.openxmlformats.org/officeDocument/2006/math" xmlns="" val="1"/>
             </a:ext>
           </a:extLst>
         </p:spPr>
@@ -15925,7 +15953,7 @@
           </a:effectLst>
           <a:extLst>
             <a:ext uri="{C572A759-6A51-4108-AA02-DFA0A04FC94B}">
-              <ma14:wrappingTextBoxFlag xmlns="" xmlns:m="http://schemas.openxmlformats.org/officeDocument/2006/math" xmlns:a14="http://schemas.microsoft.com/office/drawing/2010/main" xmlns:ma14="http://schemas.microsoft.com/office/mac/drawingml/2011/main" val="1"/>
+              <ma14:wrappingTextBoxFlag xmlns:ma14="http://schemas.microsoft.com/office/mac/drawingml/2011/main" xmlns:a14="http://schemas.microsoft.com/office/drawing/2010/main" xmlns:m="http://schemas.openxmlformats.org/officeDocument/2006/math" xmlns="" val="1"/>
             </a:ext>
           </a:extLst>
         </p:spPr>

--- a/resource/dubbo-go-arch.pptx
+++ b/resource/dubbo-go-arch.pptx
@@ -2233,7 +2233,7 @@
           </a:ln>
           <a:extLst>
             <a:ext uri="{C572A759-6A51-4108-AA02-DFA0A04FC94B}">
-              <ma14:wrappingTextBoxFlag xmlns:ma14="http://schemas.microsoft.com/office/mac/drawingml/2011/main" xmlns:a14="http://schemas.microsoft.com/office/drawing/2010/main" xmlns:m="http://schemas.openxmlformats.org/officeDocument/2006/math" xmlns="" val="1"/>
+              <ma14:wrappingTextBoxFlag xmlns="" xmlns:m="http://schemas.openxmlformats.org/officeDocument/2006/math" xmlns:a14="http://schemas.microsoft.com/office/drawing/2010/main" xmlns:ma14="http://schemas.microsoft.com/office/mac/drawingml/2011/main" val="1"/>
             </a:ext>
           </a:extLst>
         </p:spPr>
@@ -2272,7 +2272,7 @@
           </a:ln>
           <a:extLst>
             <a:ext uri="{C572A759-6A51-4108-AA02-DFA0A04FC94B}">
-              <ma14:wrappingTextBoxFlag xmlns:ma14="http://schemas.microsoft.com/office/mac/drawingml/2011/main" xmlns:a14="http://schemas.microsoft.com/office/drawing/2010/main" xmlns:m="http://schemas.openxmlformats.org/officeDocument/2006/math" xmlns="" val="1"/>
+              <ma14:wrappingTextBoxFlag xmlns="" xmlns:m="http://schemas.openxmlformats.org/officeDocument/2006/math" xmlns:a14="http://schemas.microsoft.com/office/drawing/2010/main" xmlns:ma14="http://schemas.microsoft.com/office/mac/drawingml/2011/main" val="1"/>
             </a:ext>
           </a:extLst>
         </p:spPr>
@@ -3155,7 +3155,7 @@
           </a:effectLst>
           <a:extLst>
             <a:ext uri="{C572A759-6A51-4108-AA02-DFA0A04FC94B}">
-              <ma14:wrappingTextBoxFlag xmlns:ma14="http://schemas.microsoft.com/office/mac/drawingml/2011/main" xmlns:a14="http://schemas.microsoft.com/office/drawing/2010/main" xmlns:m="http://schemas.openxmlformats.org/officeDocument/2006/math" xmlns="" val="1"/>
+              <ma14:wrappingTextBoxFlag xmlns="" xmlns:m="http://schemas.openxmlformats.org/officeDocument/2006/math" xmlns:a14="http://schemas.microsoft.com/office/drawing/2010/main" xmlns:ma14="http://schemas.microsoft.com/office/mac/drawingml/2011/main" val="1"/>
             </a:ext>
           </a:extLst>
         </p:spPr>
@@ -3255,7 +3255,7 @@
           </a:effectLst>
           <a:extLst>
             <a:ext uri="{C572A759-6A51-4108-AA02-DFA0A04FC94B}">
-              <ma14:wrappingTextBoxFlag xmlns:ma14="http://schemas.microsoft.com/office/mac/drawingml/2011/main" xmlns:a14="http://schemas.microsoft.com/office/drawing/2010/main" xmlns:m="http://schemas.openxmlformats.org/officeDocument/2006/math" xmlns="" val="1"/>
+              <ma14:wrappingTextBoxFlag xmlns="" xmlns:m="http://schemas.openxmlformats.org/officeDocument/2006/math" xmlns:a14="http://schemas.microsoft.com/office/drawing/2010/main" xmlns:ma14="http://schemas.microsoft.com/office/mac/drawingml/2011/main" val="1"/>
             </a:ext>
           </a:extLst>
         </p:spPr>
@@ -3325,7 +3325,7 @@
           </a:effectLst>
           <a:extLst>
             <a:ext uri="{C572A759-6A51-4108-AA02-DFA0A04FC94B}">
-              <ma14:wrappingTextBoxFlag xmlns:ma14="http://schemas.microsoft.com/office/mac/drawingml/2011/main" xmlns:a14="http://schemas.microsoft.com/office/drawing/2010/main" xmlns:m="http://schemas.openxmlformats.org/officeDocument/2006/math" xmlns="" val="1"/>
+              <ma14:wrappingTextBoxFlag xmlns="" xmlns:m="http://schemas.openxmlformats.org/officeDocument/2006/math" xmlns:a14="http://schemas.microsoft.com/office/drawing/2010/main" xmlns:ma14="http://schemas.microsoft.com/office/mac/drawingml/2011/main" val="1"/>
             </a:ext>
           </a:extLst>
         </p:spPr>
@@ -3378,7 +3378,7 @@
           </a:effectLst>
           <a:extLst>
             <a:ext uri="{C572A759-6A51-4108-AA02-DFA0A04FC94B}">
-              <ma14:wrappingTextBoxFlag xmlns:ma14="http://schemas.microsoft.com/office/mac/drawingml/2011/main" xmlns:a14="http://schemas.microsoft.com/office/drawing/2010/main" xmlns:m="http://schemas.openxmlformats.org/officeDocument/2006/math" xmlns="" val="1"/>
+              <ma14:wrappingTextBoxFlag xmlns="" xmlns:m="http://schemas.openxmlformats.org/officeDocument/2006/math" xmlns:a14="http://schemas.microsoft.com/office/drawing/2010/main" xmlns:ma14="http://schemas.microsoft.com/office/mac/drawingml/2011/main" val="1"/>
             </a:ext>
           </a:extLst>
         </p:spPr>
@@ -3445,7 +3445,7 @@
           </a:effectLst>
           <a:extLst>
             <a:ext uri="{C572A759-6A51-4108-AA02-DFA0A04FC94B}">
-              <ma14:wrappingTextBoxFlag xmlns:ma14="http://schemas.microsoft.com/office/mac/drawingml/2011/main" xmlns:a14="http://schemas.microsoft.com/office/drawing/2010/main" xmlns:m="http://schemas.openxmlformats.org/officeDocument/2006/math" xmlns="" val="1"/>
+              <ma14:wrappingTextBoxFlag xmlns="" xmlns:m="http://schemas.openxmlformats.org/officeDocument/2006/math" xmlns:a14="http://schemas.microsoft.com/office/drawing/2010/main" xmlns:ma14="http://schemas.microsoft.com/office/mac/drawingml/2011/main" val="1"/>
             </a:ext>
           </a:extLst>
         </p:spPr>
@@ -3499,7 +3499,7 @@
           </a:effectLst>
           <a:extLst>
             <a:ext uri="{C572A759-6A51-4108-AA02-DFA0A04FC94B}">
-              <ma14:wrappingTextBoxFlag xmlns:ma14="http://schemas.microsoft.com/office/mac/drawingml/2011/main" xmlns:a14="http://schemas.microsoft.com/office/drawing/2010/main" xmlns:m="http://schemas.openxmlformats.org/officeDocument/2006/math" xmlns="" val="1"/>
+              <ma14:wrappingTextBoxFlag xmlns="" xmlns:m="http://schemas.openxmlformats.org/officeDocument/2006/math" xmlns:a14="http://schemas.microsoft.com/office/drawing/2010/main" xmlns:ma14="http://schemas.microsoft.com/office/mac/drawingml/2011/main" val="1"/>
             </a:ext>
           </a:extLst>
         </p:spPr>
@@ -3578,7 +3578,7 @@
             </a:effectLst>
             <a:extLst>
               <a:ext uri="{C572A759-6A51-4108-AA02-DFA0A04FC94B}">
-                <ma14:wrappingTextBoxFlag xmlns:ma14="http://schemas.microsoft.com/office/mac/drawingml/2011/main" xmlns:a14="http://schemas.microsoft.com/office/drawing/2010/main" xmlns:m="http://schemas.openxmlformats.org/officeDocument/2006/math" xmlns="" val="1"/>
+                <ma14:wrappingTextBoxFlag xmlns="" xmlns:m="http://schemas.openxmlformats.org/officeDocument/2006/math" xmlns:a14="http://schemas.microsoft.com/office/drawing/2010/main" xmlns:ma14="http://schemas.microsoft.com/office/mac/drawingml/2011/main" val="1"/>
               </a:ext>
             </a:extLst>
           </p:spPr>
@@ -3629,7 +3629,7 @@
             </a:effectLst>
             <a:extLst>
               <a:ext uri="{C572A759-6A51-4108-AA02-DFA0A04FC94B}">
-                <ma14:wrappingTextBoxFlag xmlns:ma14="http://schemas.microsoft.com/office/mac/drawingml/2011/main" xmlns:a14="http://schemas.microsoft.com/office/drawing/2010/main" xmlns:m="http://schemas.openxmlformats.org/officeDocument/2006/math" xmlns="" val="1"/>
+                <ma14:wrappingTextBoxFlag xmlns="" xmlns:m="http://schemas.openxmlformats.org/officeDocument/2006/math" xmlns:a14="http://schemas.microsoft.com/office/drawing/2010/main" xmlns:ma14="http://schemas.microsoft.com/office/mac/drawingml/2011/main" val="1"/>
               </a:ext>
             </a:extLst>
           </p:spPr>
@@ -3683,7 +3683,7 @@
             </a:effectLst>
             <a:extLst>
               <a:ext uri="{C572A759-6A51-4108-AA02-DFA0A04FC94B}">
-                <ma14:wrappingTextBoxFlag xmlns:ma14="http://schemas.microsoft.com/office/mac/drawingml/2011/main" xmlns:a14="http://schemas.microsoft.com/office/drawing/2010/main" xmlns:m="http://schemas.openxmlformats.org/officeDocument/2006/math" xmlns="" val="1"/>
+                <ma14:wrappingTextBoxFlag xmlns="" xmlns:m="http://schemas.openxmlformats.org/officeDocument/2006/math" xmlns:a14="http://schemas.microsoft.com/office/drawing/2010/main" xmlns:ma14="http://schemas.microsoft.com/office/mac/drawingml/2011/main" val="1"/>
               </a:ext>
             </a:extLst>
           </p:spPr>
@@ -3737,7 +3737,7 @@
             </a:effectLst>
             <a:extLst>
               <a:ext uri="{C572A759-6A51-4108-AA02-DFA0A04FC94B}">
-                <ma14:wrappingTextBoxFlag xmlns:ma14="http://schemas.microsoft.com/office/mac/drawingml/2011/main" xmlns:a14="http://schemas.microsoft.com/office/drawing/2010/main" xmlns:m="http://schemas.openxmlformats.org/officeDocument/2006/math" xmlns="" val="1"/>
+                <ma14:wrappingTextBoxFlag xmlns="" xmlns:m="http://schemas.openxmlformats.org/officeDocument/2006/math" xmlns:a14="http://schemas.microsoft.com/office/drawing/2010/main" xmlns:ma14="http://schemas.microsoft.com/office/mac/drawingml/2011/main" val="1"/>
               </a:ext>
             </a:extLst>
           </p:spPr>
@@ -3791,7 +3791,7 @@
             </a:effectLst>
             <a:extLst>
               <a:ext uri="{C572A759-6A51-4108-AA02-DFA0A04FC94B}">
-                <ma14:wrappingTextBoxFlag xmlns:ma14="http://schemas.microsoft.com/office/mac/drawingml/2011/main" xmlns:a14="http://schemas.microsoft.com/office/drawing/2010/main" xmlns:m="http://schemas.openxmlformats.org/officeDocument/2006/math" xmlns="" val="1"/>
+                <ma14:wrappingTextBoxFlag xmlns="" xmlns:m="http://schemas.openxmlformats.org/officeDocument/2006/math" xmlns:a14="http://schemas.microsoft.com/office/drawing/2010/main" xmlns:ma14="http://schemas.microsoft.com/office/mac/drawingml/2011/main" val="1"/>
               </a:ext>
             </a:extLst>
           </p:spPr>
@@ -3846,7 +3846,7 @@
           </a:effectLst>
           <a:extLst>
             <a:ext uri="{C572A759-6A51-4108-AA02-DFA0A04FC94B}">
-              <ma14:wrappingTextBoxFlag xmlns:ma14="http://schemas.microsoft.com/office/mac/drawingml/2011/main" xmlns:a14="http://schemas.microsoft.com/office/drawing/2010/main" xmlns:m="http://schemas.openxmlformats.org/officeDocument/2006/math" xmlns="" val="1"/>
+              <ma14:wrappingTextBoxFlag xmlns="" xmlns:m="http://schemas.openxmlformats.org/officeDocument/2006/math" xmlns:a14="http://schemas.microsoft.com/office/drawing/2010/main" xmlns:ma14="http://schemas.microsoft.com/office/mac/drawingml/2011/main" val="1"/>
             </a:ext>
           </a:extLst>
         </p:spPr>
@@ -4022,7 +4022,7 @@
           </a:effectLst>
           <a:extLst>
             <a:ext uri="{C572A759-6A51-4108-AA02-DFA0A04FC94B}">
-              <ma14:wrappingTextBoxFlag xmlns:ma14="http://schemas.microsoft.com/office/mac/drawingml/2011/main" xmlns:a14="http://schemas.microsoft.com/office/drawing/2010/main" xmlns:m="http://schemas.openxmlformats.org/officeDocument/2006/math" xmlns="" val="1"/>
+              <ma14:wrappingTextBoxFlag xmlns="" xmlns:m="http://schemas.openxmlformats.org/officeDocument/2006/math" xmlns:a14="http://schemas.microsoft.com/office/drawing/2010/main" xmlns:ma14="http://schemas.microsoft.com/office/mac/drawingml/2011/main" val="1"/>
             </a:ext>
           </a:extLst>
         </p:spPr>
@@ -4146,7 +4146,7 @@
           </a:effectLst>
           <a:extLst>
             <a:ext uri="{C572A759-6A51-4108-AA02-DFA0A04FC94B}">
-              <ma14:wrappingTextBoxFlag xmlns:ma14="http://schemas.microsoft.com/office/mac/drawingml/2011/main" xmlns:a14="http://schemas.microsoft.com/office/drawing/2010/main" xmlns:m="http://schemas.openxmlformats.org/officeDocument/2006/math" xmlns="" val="1"/>
+              <ma14:wrappingTextBoxFlag xmlns="" xmlns:m="http://schemas.openxmlformats.org/officeDocument/2006/math" xmlns:a14="http://schemas.microsoft.com/office/drawing/2010/main" xmlns:ma14="http://schemas.microsoft.com/office/mac/drawingml/2011/main" val="1"/>
             </a:ext>
           </a:extLst>
         </p:spPr>
@@ -4225,7 +4225,7 @@
             </a:effectLst>
             <a:extLst>
               <a:ext uri="{C572A759-6A51-4108-AA02-DFA0A04FC94B}">
-                <ma14:wrappingTextBoxFlag xmlns:ma14="http://schemas.microsoft.com/office/mac/drawingml/2011/main" xmlns:a14="http://schemas.microsoft.com/office/drawing/2010/main" xmlns:m="http://schemas.openxmlformats.org/officeDocument/2006/math" xmlns="" val="1"/>
+                <ma14:wrappingTextBoxFlag xmlns="" xmlns:m="http://schemas.openxmlformats.org/officeDocument/2006/math" xmlns:a14="http://schemas.microsoft.com/office/drawing/2010/main" xmlns:ma14="http://schemas.microsoft.com/office/mac/drawingml/2011/main" val="1"/>
               </a:ext>
             </a:extLst>
           </p:spPr>
@@ -4290,7 +4290,7 @@
             </a:effectLst>
             <a:extLst>
               <a:ext uri="{C572A759-6A51-4108-AA02-DFA0A04FC94B}">
-                <ma14:wrappingTextBoxFlag xmlns:ma14="http://schemas.microsoft.com/office/mac/drawingml/2011/main" xmlns:a14="http://schemas.microsoft.com/office/drawing/2010/main" xmlns:m="http://schemas.openxmlformats.org/officeDocument/2006/math" xmlns="" val="1"/>
+                <ma14:wrappingTextBoxFlag xmlns="" xmlns:m="http://schemas.openxmlformats.org/officeDocument/2006/math" xmlns:a14="http://schemas.microsoft.com/office/drawing/2010/main" xmlns:ma14="http://schemas.microsoft.com/office/mac/drawingml/2011/main" val="1"/>
               </a:ext>
             </a:extLst>
           </p:spPr>
@@ -4355,7 +4355,7 @@
             </a:effectLst>
             <a:extLst>
               <a:ext uri="{C572A759-6A51-4108-AA02-DFA0A04FC94B}">
-                <ma14:wrappingTextBoxFlag xmlns:ma14="http://schemas.microsoft.com/office/mac/drawingml/2011/main" xmlns:a14="http://schemas.microsoft.com/office/drawing/2010/main" xmlns:m="http://schemas.openxmlformats.org/officeDocument/2006/math" xmlns="" val="1"/>
+                <ma14:wrappingTextBoxFlag xmlns="" xmlns:m="http://schemas.openxmlformats.org/officeDocument/2006/math" xmlns:a14="http://schemas.microsoft.com/office/drawing/2010/main" xmlns:ma14="http://schemas.microsoft.com/office/mac/drawingml/2011/main" val="1"/>
               </a:ext>
             </a:extLst>
           </p:spPr>
@@ -4420,7 +4420,7 @@
             </a:effectLst>
             <a:extLst>
               <a:ext uri="{C572A759-6A51-4108-AA02-DFA0A04FC94B}">
-                <ma14:wrappingTextBoxFlag xmlns:ma14="http://schemas.microsoft.com/office/mac/drawingml/2011/main" xmlns:a14="http://schemas.microsoft.com/office/drawing/2010/main" xmlns:m="http://schemas.openxmlformats.org/officeDocument/2006/math" xmlns="" val="1"/>
+                <ma14:wrappingTextBoxFlag xmlns="" xmlns:m="http://schemas.openxmlformats.org/officeDocument/2006/math" xmlns:a14="http://schemas.microsoft.com/office/drawing/2010/main" xmlns:ma14="http://schemas.microsoft.com/office/mac/drawingml/2011/main" val="1"/>
               </a:ext>
             </a:extLst>
           </p:spPr>
@@ -4707,7 +4707,7 @@
           </a:effectLst>
           <a:extLst>
             <a:ext uri="{C572A759-6A51-4108-AA02-DFA0A04FC94B}">
-              <ma14:wrappingTextBoxFlag xmlns:ma14="http://schemas.microsoft.com/office/mac/drawingml/2011/main" xmlns:a14="http://schemas.microsoft.com/office/drawing/2010/main" xmlns:m="http://schemas.openxmlformats.org/officeDocument/2006/math" xmlns="" val="1"/>
+              <ma14:wrappingTextBoxFlag xmlns="" xmlns:m="http://schemas.openxmlformats.org/officeDocument/2006/math" xmlns:a14="http://schemas.microsoft.com/office/drawing/2010/main" xmlns:ma14="http://schemas.microsoft.com/office/mac/drawingml/2011/main" val="1"/>
             </a:ext>
           </a:extLst>
         </p:spPr>
@@ -4766,7 +4766,7 @@
           </a:effectLst>
           <a:extLst>
             <a:ext uri="{C572A759-6A51-4108-AA02-DFA0A04FC94B}">
-              <ma14:wrappingTextBoxFlag xmlns:ma14="http://schemas.microsoft.com/office/mac/drawingml/2011/main" xmlns:a14="http://schemas.microsoft.com/office/drawing/2010/main" xmlns:m="http://schemas.openxmlformats.org/officeDocument/2006/math" xmlns="" val="1"/>
+              <ma14:wrappingTextBoxFlag xmlns="" xmlns:m="http://schemas.openxmlformats.org/officeDocument/2006/math" xmlns:a14="http://schemas.microsoft.com/office/drawing/2010/main" xmlns:ma14="http://schemas.microsoft.com/office/mac/drawingml/2011/main" val="1"/>
             </a:ext>
           </a:extLst>
         </p:spPr>
@@ -4831,7 +4831,7 @@
           </a:effectLst>
           <a:extLst>
             <a:ext uri="{C572A759-6A51-4108-AA02-DFA0A04FC94B}">
-              <ma14:wrappingTextBoxFlag xmlns:ma14="http://schemas.microsoft.com/office/mac/drawingml/2011/main" xmlns:a14="http://schemas.microsoft.com/office/drawing/2010/main" xmlns:m="http://schemas.openxmlformats.org/officeDocument/2006/math" xmlns="" val="1"/>
+              <ma14:wrappingTextBoxFlag xmlns="" xmlns:m="http://schemas.openxmlformats.org/officeDocument/2006/math" xmlns:a14="http://schemas.microsoft.com/office/drawing/2010/main" xmlns:ma14="http://schemas.microsoft.com/office/mac/drawingml/2011/main" val="1"/>
             </a:ext>
           </a:extLst>
         </p:spPr>
@@ -4896,7 +4896,7 @@
           </a:effectLst>
           <a:extLst>
             <a:ext uri="{C572A759-6A51-4108-AA02-DFA0A04FC94B}">
-              <ma14:wrappingTextBoxFlag xmlns:ma14="http://schemas.microsoft.com/office/mac/drawingml/2011/main" xmlns:a14="http://schemas.microsoft.com/office/drawing/2010/main" xmlns:m="http://schemas.openxmlformats.org/officeDocument/2006/math" xmlns="" val="1"/>
+              <ma14:wrappingTextBoxFlag xmlns="" xmlns:m="http://schemas.openxmlformats.org/officeDocument/2006/math" xmlns:a14="http://schemas.microsoft.com/office/drawing/2010/main" xmlns:ma14="http://schemas.microsoft.com/office/mac/drawingml/2011/main" val="1"/>
             </a:ext>
           </a:extLst>
         </p:spPr>
@@ -4961,7 +4961,7 @@
           </a:effectLst>
           <a:extLst>
             <a:ext uri="{C572A759-6A51-4108-AA02-DFA0A04FC94B}">
-              <ma14:wrappingTextBoxFlag xmlns:ma14="http://schemas.microsoft.com/office/mac/drawingml/2011/main" xmlns:a14="http://schemas.microsoft.com/office/drawing/2010/main" xmlns:m="http://schemas.openxmlformats.org/officeDocument/2006/math" xmlns="" val="1"/>
+              <ma14:wrappingTextBoxFlag xmlns="" xmlns:m="http://schemas.openxmlformats.org/officeDocument/2006/math" xmlns:a14="http://schemas.microsoft.com/office/drawing/2010/main" xmlns:ma14="http://schemas.microsoft.com/office/mac/drawingml/2011/main" val="1"/>
             </a:ext>
           </a:extLst>
         </p:spPr>
@@ -5092,7 +5092,7 @@
             <a:effectLst/>
             <a:extLst>
               <a:ext uri="{C572A759-6A51-4108-AA02-DFA0A04FC94B}">
-                <ma14:wrappingTextBoxFlag xmlns:ma14="http://schemas.microsoft.com/office/mac/drawingml/2011/main" xmlns:a14="http://schemas.microsoft.com/office/drawing/2010/main" xmlns:m="http://schemas.openxmlformats.org/officeDocument/2006/math" xmlns="" val="1"/>
+                <ma14:wrappingTextBoxFlag xmlns="" xmlns:m="http://schemas.openxmlformats.org/officeDocument/2006/math" xmlns:a14="http://schemas.microsoft.com/office/drawing/2010/main" xmlns:ma14="http://schemas.microsoft.com/office/mac/drawingml/2011/main" val="1"/>
               </a:ext>
             </a:extLst>
           </p:spPr>
@@ -5221,7 +5221,7 @@
             <a:effectLst/>
             <a:extLst>
               <a:ext uri="{C572A759-6A51-4108-AA02-DFA0A04FC94B}">
-                <ma14:wrappingTextBoxFlag xmlns:ma14="http://schemas.microsoft.com/office/mac/drawingml/2011/main" xmlns:a14="http://schemas.microsoft.com/office/drawing/2010/main" xmlns:m="http://schemas.openxmlformats.org/officeDocument/2006/math" xmlns="" val="1"/>
+                <ma14:wrappingTextBoxFlag xmlns="" xmlns:m="http://schemas.openxmlformats.org/officeDocument/2006/math" xmlns:a14="http://schemas.microsoft.com/office/drawing/2010/main" xmlns:ma14="http://schemas.microsoft.com/office/mac/drawingml/2011/main" val="1"/>
               </a:ext>
             </a:extLst>
           </p:spPr>
@@ -5272,7 +5272,7 @@
             </a:ln>
             <a:extLst>
               <a:ext uri="{C572A759-6A51-4108-AA02-DFA0A04FC94B}">
-                <ma14:wrappingTextBoxFlag xmlns:ma14="http://schemas.microsoft.com/office/mac/drawingml/2011/main" xmlns:a14="http://schemas.microsoft.com/office/drawing/2010/main" xmlns:m="http://schemas.openxmlformats.org/officeDocument/2006/math" xmlns="" val="1"/>
+                <ma14:wrappingTextBoxFlag xmlns="" xmlns:m="http://schemas.openxmlformats.org/officeDocument/2006/math" xmlns:a14="http://schemas.microsoft.com/office/drawing/2010/main" xmlns:ma14="http://schemas.microsoft.com/office/mac/drawingml/2011/main" val="1"/>
               </a:ext>
             </a:extLst>
           </p:spPr>
@@ -5466,7 +5466,7 @@
             </a:effectLst>
             <a:extLst>
               <a:ext uri="{C572A759-6A51-4108-AA02-DFA0A04FC94B}">
-                <ma14:wrappingTextBoxFlag xmlns:ma14="http://schemas.microsoft.com/office/mac/drawingml/2011/main" xmlns:a14="http://schemas.microsoft.com/office/drawing/2010/main" xmlns:m="http://schemas.openxmlformats.org/officeDocument/2006/math" xmlns="" val="1"/>
+                <ma14:wrappingTextBoxFlag xmlns="" xmlns:m="http://schemas.openxmlformats.org/officeDocument/2006/math" xmlns:a14="http://schemas.microsoft.com/office/drawing/2010/main" xmlns:ma14="http://schemas.microsoft.com/office/mac/drawingml/2011/main" val="1"/>
               </a:ext>
             </a:extLst>
           </p:spPr>
@@ -5536,7 +5536,7 @@
             </a:effectLst>
             <a:extLst>
               <a:ext uri="{C572A759-6A51-4108-AA02-DFA0A04FC94B}">
-                <ma14:wrappingTextBoxFlag xmlns:ma14="http://schemas.microsoft.com/office/mac/drawingml/2011/main" xmlns:a14="http://schemas.microsoft.com/office/drawing/2010/main" xmlns:m="http://schemas.openxmlformats.org/officeDocument/2006/math" xmlns="" val="1"/>
+                <ma14:wrappingTextBoxFlag xmlns="" xmlns:m="http://schemas.openxmlformats.org/officeDocument/2006/math" xmlns:a14="http://schemas.microsoft.com/office/drawing/2010/main" xmlns:ma14="http://schemas.microsoft.com/office/mac/drawingml/2011/main" val="1"/>
               </a:ext>
             </a:extLst>
           </p:spPr>
@@ -5659,7 +5659,7 @@
           </a:ln>
           <a:extLst>
             <a:ext uri="{C572A759-6A51-4108-AA02-DFA0A04FC94B}">
-              <ma14:wrappingTextBoxFlag xmlns:ma14="http://schemas.microsoft.com/office/mac/drawingml/2011/main" xmlns:a14="http://schemas.microsoft.com/office/drawing/2010/main" xmlns:m="http://schemas.openxmlformats.org/officeDocument/2006/math" xmlns="" val="1"/>
+              <ma14:wrappingTextBoxFlag xmlns="" xmlns:m="http://schemas.openxmlformats.org/officeDocument/2006/math" xmlns:a14="http://schemas.microsoft.com/office/drawing/2010/main" xmlns:ma14="http://schemas.microsoft.com/office/mac/drawingml/2011/main" val="1"/>
             </a:ext>
           </a:extLst>
         </p:spPr>
@@ -5748,7 +5748,7 @@
             </a:effectLst>
             <a:extLst>
               <a:ext uri="{C572A759-6A51-4108-AA02-DFA0A04FC94B}">
-                <ma14:wrappingTextBoxFlag xmlns:ma14="http://schemas.microsoft.com/office/mac/drawingml/2011/main" xmlns:a14="http://schemas.microsoft.com/office/drawing/2010/main" xmlns:m="http://schemas.openxmlformats.org/officeDocument/2006/math" xmlns="" val="1"/>
+                <ma14:wrappingTextBoxFlag xmlns="" xmlns:m="http://schemas.openxmlformats.org/officeDocument/2006/math" xmlns:a14="http://schemas.microsoft.com/office/drawing/2010/main" xmlns:ma14="http://schemas.microsoft.com/office/mac/drawingml/2011/main" val="1"/>
               </a:ext>
             </a:extLst>
           </p:spPr>
@@ -5842,7 +5842,7 @@
                 </a:effectLst>
                 <a:extLst>
                   <a:ext uri="{C572A759-6A51-4108-AA02-DFA0A04FC94B}">
-                    <ma14:wrappingTextBoxFlag xmlns:ma14="http://schemas.microsoft.com/office/mac/drawingml/2011/main" xmlns:a14="http://schemas.microsoft.com/office/drawing/2010/main" xmlns:m="http://schemas.openxmlformats.org/officeDocument/2006/math" xmlns="" val="1"/>
+                    <ma14:wrappingTextBoxFlag xmlns="" xmlns:m="http://schemas.openxmlformats.org/officeDocument/2006/math" xmlns:a14="http://schemas.microsoft.com/office/drawing/2010/main" xmlns:ma14="http://schemas.microsoft.com/office/mac/drawingml/2011/main" val="1"/>
                   </a:ext>
                 </a:extLst>
               </p:spPr>
@@ -5909,7 +5909,7 @@
                 </a:effectLst>
                 <a:extLst>
                   <a:ext uri="{C572A759-6A51-4108-AA02-DFA0A04FC94B}">
-                    <ma14:wrappingTextBoxFlag xmlns:ma14="http://schemas.microsoft.com/office/mac/drawingml/2011/main" xmlns:a14="http://schemas.microsoft.com/office/drawing/2010/main" xmlns:m="http://schemas.openxmlformats.org/officeDocument/2006/math" xmlns="" val="1"/>
+                    <ma14:wrappingTextBoxFlag xmlns="" xmlns:m="http://schemas.openxmlformats.org/officeDocument/2006/math" xmlns:a14="http://schemas.microsoft.com/office/drawing/2010/main" xmlns:ma14="http://schemas.microsoft.com/office/mac/drawingml/2011/main" val="1"/>
                   </a:ext>
                 </a:extLst>
               </p:spPr>
@@ -5994,7 +5994,7 @@
                 </a:effectLst>
                 <a:extLst>
                   <a:ext uri="{C572A759-6A51-4108-AA02-DFA0A04FC94B}">
-                    <ma14:wrappingTextBoxFlag xmlns:ma14="http://schemas.microsoft.com/office/mac/drawingml/2011/main" xmlns:a14="http://schemas.microsoft.com/office/drawing/2010/main" xmlns:m="http://schemas.openxmlformats.org/officeDocument/2006/math" xmlns="" val="1"/>
+                    <ma14:wrappingTextBoxFlag xmlns="" xmlns:m="http://schemas.openxmlformats.org/officeDocument/2006/math" xmlns:a14="http://schemas.microsoft.com/office/drawing/2010/main" xmlns:ma14="http://schemas.microsoft.com/office/mac/drawingml/2011/main" val="1"/>
                   </a:ext>
                 </a:extLst>
               </p:spPr>
@@ -6061,7 +6061,7 @@
                 </a:effectLst>
                 <a:extLst>
                   <a:ext uri="{C572A759-6A51-4108-AA02-DFA0A04FC94B}">
-                    <ma14:wrappingTextBoxFlag xmlns:ma14="http://schemas.microsoft.com/office/mac/drawingml/2011/main" xmlns:a14="http://schemas.microsoft.com/office/drawing/2010/main" xmlns:m="http://schemas.openxmlformats.org/officeDocument/2006/math" xmlns="" val="1"/>
+                    <ma14:wrappingTextBoxFlag xmlns="" xmlns:m="http://schemas.openxmlformats.org/officeDocument/2006/math" xmlns:a14="http://schemas.microsoft.com/office/drawing/2010/main" xmlns:ma14="http://schemas.microsoft.com/office/mac/drawingml/2011/main" val="1"/>
                   </a:ext>
                 </a:extLst>
               </p:spPr>
@@ -6150,7 +6150,7 @@
                 </a:effectLst>
                 <a:extLst>
                   <a:ext uri="{C572A759-6A51-4108-AA02-DFA0A04FC94B}">
-                    <ma14:wrappingTextBoxFlag xmlns:ma14="http://schemas.microsoft.com/office/mac/drawingml/2011/main" xmlns:a14="http://schemas.microsoft.com/office/drawing/2010/main" xmlns:m="http://schemas.openxmlformats.org/officeDocument/2006/math" xmlns="" val="1"/>
+                    <ma14:wrappingTextBoxFlag xmlns="" xmlns:m="http://schemas.openxmlformats.org/officeDocument/2006/math" xmlns:a14="http://schemas.microsoft.com/office/drawing/2010/main" xmlns:ma14="http://schemas.microsoft.com/office/mac/drawingml/2011/main" val="1"/>
                   </a:ext>
                 </a:extLst>
               </p:spPr>
@@ -6217,7 +6217,7 @@
                 </a:effectLst>
                 <a:extLst>
                   <a:ext uri="{C572A759-6A51-4108-AA02-DFA0A04FC94B}">
-                    <ma14:wrappingTextBoxFlag xmlns:ma14="http://schemas.microsoft.com/office/mac/drawingml/2011/main" xmlns:a14="http://schemas.microsoft.com/office/drawing/2010/main" xmlns:m="http://schemas.openxmlformats.org/officeDocument/2006/math" xmlns="" val="1"/>
+                    <ma14:wrappingTextBoxFlag xmlns="" xmlns:m="http://schemas.openxmlformats.org/officeDocument/2006/math" xmlns:a14="http://schemas.microsoft.com/office/drawing/2010/main" xmlns:ma14="http://schemas.microsoft.com/office/mac/drawingml/2011/main" val="1"/>
                   </a:ext>
                 </a:extLst>
               </p:spPr>
@@ -6302,7 +6302,7 @@
                 </a:effectLst>
                 <a:extLst>
                   <a:ext uri="{C572A759-6A51-4108-AA02-DFA0A04FC94B}">
-                    <ma14:wrappingTextBoxFlag xmlns:ma14="http://schemas.microsoft.com/office/mac/drawingml/2011/main" xmlns:a14="http://schemas.microsoft.com/office/drawing/2010/main" xmlns:m="http://schemas.openxmlformats.org/officeDocument/2006/math" xmlns="" val="1"/>
+                    <ma14:wrappingTextBoxFlag xmlns="" xmlns:m="http://schemas.openxmlformats.org/officeDocument/2006/math" xmlns:a14="http://schemas.microsoft.com/office/drawing/2010/main" xmlns:ma14="http://schemas.microsoft.com/office/mac/drawingml/2011/main" val="1"/>
                   </a:ext>
                 </a:extLst>
               </p:spPr>
@@ -6369,7 +6369,7 @@
                 </a:effectLst>
                 <a:extLst>
                   <a:ext uri="{C572A759-6A51-4108-AA02-DFA0A04FC94B}">
-                    <ma14:wrappingTextBoxFlag xmlns:ma14="http://schemas.microsoft.com/office/mac/drawingml/2011/main" xmlns:a14="http://schemas.microsoft.com/office/drawing/2010/main" xmlns:m="http://schemas.openxmlformats.org/officeDocument/2006/math" xmlns="" val="1"/>
+                    <ma14:wrappingTextBoxFlag xmlns="" xmlns:m="http://schemas.openxmlformats.org/officeDocument/2006/math" xmlns:a14="http://schemas.microsoft.com/office/drawing/2010/main" xmlns:ma14="http://schemas.microsoft.com/office/mac/drawingml/2011/main" val="1"/>
                   </a:ext>
                 </a:extLst>
               </p:spPr>
@@ -6460,7 +6460,7 @@
                 </a:effectLst>
                 <a:extLst>
                   <a:ext uri="{C572A759-6A51-4108-AA02-DFA0A04FC94B}">
-                    <ma14:wrappingTextBoxFlag xmlns:ma14="http://schemas.microsoft.com/office/mac/drawingml/2011/main" xmlns:a14="http://schemas.microsoft.com/office/drawing/2010/main" xmlns:m="http://schemas.openxmlformats.org/officeDocument/2006/math" xmlns="" val="1"/>
+                    <ma14:wrappingTextBoxFlag xmlns="" xmlns:m="http://schemas.openxmlformats.org/officeDocument/2006/math" xmlns:a14="http://schemas.microsoft.com/office/drawing/2010/main" xmlns:ma14="http://schemas.microsoft.com/office/mac/drawingml/2011/main" val="1"/>
                   </a:ext>
                 </a:extLst>
               </p:spPr>
@@ -6550,7 +6550,7 @@
                 </a:effectLst>
                 <a:extLst>
                   <a:ext uri="{C572A759-6A51-4108-AA02-DFA0A04FC94B}">
-                    <ma14:wrappingTextBoxFlag xmlns:ma14="http://schemas.microsoft.com/office/mac/drawingml/2011/main" xmlns:a14="http://schemas.microsoft.com/office/drawing/2010/main" xmlns:m="http://schemas.openxmlformats.org/officeDocument/2006/math" xmlns="" val="1"/>
+                    <ma14:wrappingTextBoxFlag xmlns="" xmlns:m="http://schemas.openxmlformats.org/officeDocument/2006/math" xmlns:a14="http://schemas.microsoft.com/office/drawing/2010/main" xmlns:ma14="http://schemas.microsoft.com/office/mac/drawingml/2011/main" val="1"/>
                   </a:ext>
                 </a:extLst>
               </p:spPr>
@@ -6661,7 +6661,7 @@
               </a:effectLst>
               <a:extLst>
                 <a:ext uri="{C572A759-6A51-4108-AA02-DFA0A04FC94B}">
-                  <ma14:wrappingTextBoxFlag xmlns:ma14="http://schemas.microsoft.com/office/mac/drawingml/2011/main" xmlns:a14="http://schemas.microsoft.com/office/drawing/2010/main" xmlns:m="http://schemas.openxmlformats.org/officeDocument/2006/math" xmlns="" val="1"/>
+                  <ma14:wrappingTextBoxFlag xmlns="" xmlns:m="http://schemas.openxmlformats.org/officeDocument/2006/math" xmlns:a14="http://schemas.microsoft.com/office/drawing/2010/main" xmlns:ma14="http://schemas.microsoft.com/office/mac/drawingml/2011/main" val="1"/>
                 </a:ext>
               </a:extLst>
             </p:spPr>
@@ -6747,7 +6747,7 @@
               </a:effectLst>
               <a:extLst>
                 <a:ext uri="{C572A759-6A51-4108-AA02-DFA0A04FC94B}">
-                  <ma14:wrappingTextBoxFlag xmlns:ma14="http://schemas.microsoft.com/office/mac/drawingml/2011/main" xmlns:a14="http://schemas.microsoft.com/office/drawing/2010/main" xmlns:m="http://schemas.openxmlformats.org/officeDocument/2006/math" xmlns="" val="1"/>
+                  <ma14:wrappingTextBoxFlag xmlns="" xmlns:m="http://schemas.openxmlformats.org/officeDocument/2006/math" xmlns:a14="http://schemas.microsoft.com/office/drawing/2010/main" xmlns:ma14="http://schemas.microsoft.com/office/mac/drawingml/2011/main" val="1"/>
                 </a:ext>
               </a:extLst>
             </p:spPr>
@@ -6811,7 +6811,7 @@
               </a:effectLst>
               <a:extLst>
                 <a:ext uri="{C572A759-6A51-4108-AA02-DFA0A04FC94B}">
-                  <ma14:wrappingTextBoxFlag xmlns:ma14="http://schemas.microsoft.com/office/mac/drawingml/2011/main" xmlns:a14="http://schemas.microsoft.com/office/drawing/2010/main" xmlns:m="http://schemas.openxmlformats.org/officeDocument/2006/math" xmlns="" val="1"/>
+                  <ma14:wrappingTextBoxFlag xmlns="" xmlns:m="http://schemas.openxmlformats.org/officeDocument/2006/math" xmlns:a14="http://schemas.microsoft.com/office/drawing/2010/main" xmlns:ma14="http://schemas.microsoft.com/office/mac/drawingml/2011/main" val="1"/>
                 </a:ext>
               </a:extLst>
             </p:spPr>
@@ -6885,7 +6885,7 @@
               </a:effectLst>
               <a:extLst>
                 <a:ext uri="{C572A759-6A51-4108-AA02-DFA0A04FC94B}">
-                  <ma14:wrappingTextBoxFlag xmlns:ma14="http://schemas.microsoft.com/office/mac/drawingml/2011/main" xmlns:a14="http://schemas.microsoft.com/office/drawing/2010/main" xmlns:m="http://schemas.openxmlformats.org/officeDocument/2006/math" xmlns="" val="1"/>
+                  <ma14:wrappingTextBoxFlag xmlns="" xmlns:m="http://schemas.openxmlformats.org/officeDocument/2006/math" xmlns:a14="http://schemas.microsoft.com/office/drawing/2010/main" xmlns:ma14="http://schemas.microsoft.com/office/mac/drawingml/2011/main" val="1"/>
                 </a:ext>
               </a:extLst>
             </p:spPr>
@@ -6980,7 +6980,7 @@
               </a:effectLst>
               <a:extLst>
                 <a:ext uri="{C572A759-6A51-4108-AA02-DFA0A04FC94B}">
-                  <ma14:wrappingTextBoxFlag xmlns:ma14="http://schemas.microsoft.com/office/mac/drawingml/2011/main" xmlns:a14="http://schemas.microsoft.com/office/drawing/2010/main" xmlns:m="http://schemas.openxmlformats.org/officeDocument/2006/math" xmlns="" val="1"/>
+                  <ma14:wrappingTextBoxFlag xmlns="" xmlns:m="http://schemas.openxmlformats.org/officeDocument/2006/math" xmlns:a14="http://schemas.microsoft.com/office/drawing/2010/main" xmlns:ma14="http://schemas.microsoft.com/office/mac/drawingml/2011/main" val="1"/>
                 </a:ext>
               </a:extLst>
             </p:spPr>
@@ -7083,7 +7083,7 @@
               </a:effectLst>
               <a:extLst>
                 <a:ext uri="{C572A759-6A51-4108-AA02-DFA0A04FC94B}">
-                  <ma14:wrappingTextBoxFlag xmlns:ma14="http://schemas.microsoft.com/office/mac/drawingml/2011/main" xmlns:a14="http://schemas.microsoft.com/office/drawing/2010/main" xmlns:m="http://schemas.openxmlformats.org/officeDocument/2006/math" xmlns="" val="1"/>
+                  <ma14:wrappingTextBoxFlag xmlns="" xmlns:m="http://schemas.openxmlformats.org/officeDocument/2006/math" xmlns:a14="http://schemas.microsoft.com/office/drawing/2010/main" xmlns:ma14="http://schemas.microsoft.com/office/mac/drawingml/2011/main" val="1"/>
                 </a:ext>
               </a:extLst>
             </p:spPr>
@@ -7157,7 +7157,7 @@
               </a:effectLst>
               <a:extLst>
                 <a:ext uri="{C572A759-6A51-4108-AA02-DFA0A04FC94B}">
-                  <ma14:wrappingTextBoxFlag xmlns:ma14="http://schemas.microsoft.com/office/mac/drawingml/2011/main" xmlns:a14="http://schemas.microsoft.com/office/drawing/2010/main" xmlns:m="http://schemas.openxmlformats.org/officeDocument/2006/math" xmlns="" val="1"/>
+                  <ma14:wrappingTextBoxFlag xmlns="" xmlns:m="http://schemas.openxmlformats.org/officeDocument/2006/math" xmlns:a14="http://schemas.microsoft.com/office/drawing/2010/main" xmlns:ma14="http://schemas.microsoft.com/office/mac/drawingml/2011/main" val="1"/>
                 </a:ext>
               </a:extLst>
             </p:spPr>
@@ -7231,7 +7231,7 @@
               </a:effectLst>
               <a:extLst>
                 <a:ext uri="{C572A759-6A51-4108-AA02-DFA0A04FC94B}">
-                  <ma14:wrappingTextBoxFlag xmlns:ma14="http://schemas.microsoft.com/office/mac/drawingml/2011/main" xmlns:a14="http://schemas.microsoft.com/office/drawing/2010/main" xmlns:m="http://schemas.openxmlformats.org/officeDocument/2006/math" xmlns="" val="1"/>
+                  <ma14:wrappingTextBoxFlag xmlns="" xmlns:m="http://schemas.openxmlformats.org/officeDocument/2006/math" xmlns:a14="http://schemas.microsoft.com/office/drawing/2010/main" xmlns:ma14="http://schemas.microsoft.com/office/mac/drawingml/2011/main" val="1"/>
                 </a:ext>
               </a:extLst>
             </p:spPr>
@@ -7324,7 +7324,7 @@
             </a:effectLst>
             <a:extLst>
               <a:ext uri="{C572A759-6A51-4108-AA02-DFA0A04FC94B}">
-                <ma14:wrappingTextBoxFlag xmlns:ma14="http://schemas.microsoft.com/office/mac/drawingml/2011/main" xmlns:a14="http://schemas.microsoft.com/office/drawing/2010/main" xmlns:m="http://schemas.openxmlformats.org/officeDocument/2006/math" xmlns="" val="1"/>
+                <ma14:wrappingTextBoxFlag xmlns="" xmlns:m="http://schemas.openxmlformats.org/officeDocument/2006/math" xmlns:a14="http://schemas.microsoft.com/office/drawing/2010/main" xmlns:ma14="http://schemas.microsoft.com/office/mac/drawingml/2011/main" val="1"/>
               </a:ext>
             </a:extLst>
           </p:spPr>
@@ -7382,7 +7382,7 @@
             </a:effectLst>
             <a:extLst>
               <a:ext uri="{C572A759-6A51-4108-AA02-DFA0A04FC94B}">
-                <ma14:wrappingTextBoxFlag xmlns:ma14="http://schemas.microsoft.com/office/mac/drawingml/2011/main" xmlns:a14="http://schemas.microsoft.com/office/drawing/2010/main" xmlns:m="http://schemas.openxmlformats.org/officeDocument/2006/math" xmlns="" val="1"/>
+                <ma14:wrappingTextBoxFlag xmlns="" xmlns:m="http://schemas.openxmlformats.org/officeDocument/2006/math" xmlns:a14="http://schemas.microsoft.com/office/drawing/2010/main" xmlns:ma14="http://schemas.microsoft.com/office/mac/drawingml/2011/main" val="1"/>
               </a:ext>
             </a:extLst>
           </p:spPr>
@@ -7452,7 +7452,7 @@
             </a:effectLst>
             <a:extLst>
               <a:ext uri="{C572A759-6A51-4108-AA02-DFA0A04FC94B}">
-                <ma14:wrappingTextBoxFlag xmlns:ma14="http://schemas.microsoft.com/office/mac/drawingml/2011/main" xmlns:a14="http://schemas.microsoft.com/office/drawing/2010/main" xmlns:m="http://schemas.openxmlformats.org/officeDocument/2006/math" xmlns="" val="1"/>
+                <ma14:wrappingTextBoxFlag xmlns="" xmlns:m="http://schemas.openxmlformats.org/officeDocument/2006/math" xmlns:a14="http://schemas.microsoft.com/office/drawing/2010/main" xmlns:ma14="http://schemas.microsoft.com/office/mac/drawingml/2011/main" val="1"/>
               </a:ext>
             </a:extLst>
           </p:spPr>
@@ -7522,7 +7522,7 @@
             </a:effectLst>
             <a:extLst>
               <a:ext uri="{C572A759-6A51-4108-AA02-DFA0A04FC94B}">
-                <ma14:wrappingTextBoxFlag xmlns:ma14="http://schemas.microsoft.com/office/mac/drawingml/2011/main" xmlns:a14="http://schemas.microsoft.com/office/drawing/2010/main" xmlns:m="http://schemas.openxmlformats.org/officeDocument/2006/math" xmlns="" val="1"/>
+                <ma14:wrappingTextBoxFlag xmlns="" xmlns:m="http://schemas.openxmlformats.org/officeDocument/2006/math" xmlns:a14="http://schemas.microsoft.com/office/drawing/2010/main" xmlns:ma14="http://schemas.microsoft.com/office/mac/drawingml/2011/main" val="1"/>
               </a:ext>
             </a:extLst>
           </p:spPr>
@@ -7592,7 +7592,7 @@
             </a:effectLst>
             <a:extLst>
               <a:ext uri="{C572A759-6A51-4108-AA02-DFA0A04FC94B}">
-                <ma14:wrappingTextBoxFlag xmlns:ma14="http://schemas.microsoft.com/office/mac/drawingml/2011/main" xmlns:a14="http://schemas.microsoft.com/office/drawing/2010/main" xmlns:m="http://schemas.openxmlformats.org/officeDocument/2006/math" xmlns="" val="1"/>
+                <ma14:wrappingTextBoxFlag xmlns="" xmlns:m="http://schemas.openxmlformats.org/officeDocument/2006/math" xmlns:a14="http://schemas.microsoft.com/office/drawing/2010/main" xmlns:ma14="http://schemas.microsoft.com/office/mac/drawingml/2011/main" val="1"/>
               </a:ext>
             </a:extLst>
           </p:spPr>
@@ -7819,7 +7819,7 @@
           </a:effectLst>
           <a:extLst>
             <a:ext uri="{C572A759-6A51-4108-AA02-DFA0A04FC94B}">
-              <ma14:wrappingTextBoxFlag xmlns:ma14="http://schemas.microsoft.com/office/mac/drawingml/2011/main" xmlns:a14="http://schemas.microsoft.com/office/drawing/2010/main" xmlns:m="http://schemas.openxmlformats.org/officeDocument/2006/math" xmlns="" val="1"/>
+              <ma14:wrappingTextBoxFlag xmlns="" xmlns:m="http://schemas.openxmlformats.org/officeDocument/2006/math" xmlns:a14="http://schemas.microsoft.com/office/drawing/2010/main" xmlns:ma14="http://schemas.microsoft.com/office/mac/drawingml/2011/main" val="1"/>
             </a:ext>
           </a:extLst>
         </p:spPr>
@@ -7870,7 +7870,7 @@
           </a:ln>
           <a:extLst>
             <a:ext uri="{C572A759-6A51-4108-AA02-DFA0A04FC94B}">
-              <ma14:wrappingTextBoxFlag xmlns:ma14="http://schemas.microsoft.com/office/mac/drawingml/2011/main" xmlns:a14="http://schemas.microsoft.com/office/drawing/2010/main" xmlns:m="http://schemas.openxmlformats.org/officeDocument/2006/math" xmlns="" val="1"/>
+              <ma14:wrappingTextBoxFlag xmlns="" xmlns:m="http://schemas.openxmlformats.org/officeDocument/2006/math" xmlns:a14="http://schemas.microsoft.com/office/drawing/2010/main" xmlns:ma14="http://schemas.microsoft.com/office/mac/drawingml/2011/main" val="1"/>
             </a:ext>
           </a:extLst>
         </p:spPr>
@@ -7925,7 +7925,7 @@
           </a:ln>
           <a:extLst>
             <a:ext uri="{C572A759-6A51-4108-AA02-DFA0A04FC94B}">
-              <ma14:wrappingTextBoxFlag xmlns:ma14="http://schemas.microsoft.com/office/mac/drawingml/2011/main" xmlns:a14="http://schemas.microsoft.com/office/drawing/2010/main" xmlns:m="http://schemas.openxmlformats.org/officeDocument/2006/math" xmlns="" val="1"/>
+              <ma14:wrappingTextBoxFlag xmlns="" xmlns:m="http://schemas.openxmlformats.org/officeDocument/2006/math" xmlns:a14="http://schemas.microsoft.com/office/drawing/2010/main" xmlns:ma14="http://schemas.microsoft.com/office/mac/drawingml/2011/main" val="1"/>
             </a:ext>
           </a:extLst>
         </p:spPr>
@@ -8083,7 +8083,7 @@
             </a:effectLst>
             <a:extLst>
               <a:ext uri="{C572A759-6A51-4108-AA02-DFA0A04FC94B}">
-                <ma14:wrappingTextBoxFlag xmlns:ma14="http://schemas.microsoft.com/office/mac/drawingml/2011/main" xmlns:a14="http://schemas.microsoft.com/office/drawing/2010/main" xmlns:m="http://schemas.openxmlformats.org/officeDocument/2006/math" xmlns="" val="1"/>
+                <ma14:wrappingTextBoxFlag xmlns="" xmlns:m="http://schemas.openxmlformats.org/officeDocument/2006/math" xmlns:a14="http://schemas.microsoft.com/office/drawing/2010/main" xmlns:ma14="http://schemas.microsoft.com/office/mac/drawingml/2011/main" val="1"/>
               </a:ext>
             </a:extLst>
           </p:spPr>
@@ -8147,7 +8147,7 @@
             </a:effectLst>
             <a:extLst>
               <a:ext uri="{C572A759-6A51-4108-AA02-DFA0A04FC94B}">
-                <ma14:wrappingTextBoxFlag xmlns:ma14="http://schemas.microsoft.com/office/mac/drawingml/2011/main" xmlns:a14="http://schemas.microsoft.com/office/drawing/2010/main" xmlns:m="http://schemas.openxmlformats.org/officeDocument/2006/math" xmlns="" val="1"/>
+                <ma14:wrappingTextBoxFlag xmlns="" xmlns:m="http://schemas.openxmlformats.org/officeDocument/2006/math" xmlns:a14="http://schemas.microsoft.com/office/drawing/2010/main" xmlns:ma14="http://schemas.microsoft.com/office/mac/drawingml/2011/main" val="1"/>
               </a:ext>
             </a:extLst>
           </p:spPr>
@@ -8217,7 +8217,7 @@
             </a:effectLst>
             <a:extLst>
               <a:ext uri="{C572A759-6A51-4108-AA02-DFA0A04FC94B}">
-                <ma14:wrappingTextBoxFlag xmlns:ma14="http://schemas.microsoft.com/office/mac/drawingml/2011/main" xmlns:a14="http://schemas.microsoft.com/office/drawing/2010/main" xmlns:m="http://schemas.openxmlformats.org/officeDocument/2006/math" xmlns="" val="1"/>
+                <ma14:wrappingTextBoxFlag xmlns="" xmlns:m="http://schemas.openxmlformats.org/officeDocument/2006/math" xmlns:a14="http://schemas.microsoft.com/office/drawing/2010/main" xmlns:ma14="http://schemas.microsoft.com/office/mac/drawingml/2011/main" val="1"/>
               </a:ext>
             </a:extLst>
           </p:spPr>
@@ -8287,7 +8287,7 @@
             </a:effectLst>
             <a:extLst>
               <a:ext uri="{C572A759-6A51-4108-AA02-DFA0A04FC94B}">
-                <ma14:wrappingTextBoxFlag xmlns:ma14="http://schemas.microsoft.com/office/mac/drawingml/2011/main" xmlns:a14="http://schemas.microsoft.com/office/drawing/2010/main" xmlns:m="http://schemas.openxmlformats.org/officeDocument/2006/math" xmlns="" val="1"/>
+                <ma14:wrappingTextBoxFlag xmlns="" xmlns:m="http://schemas.openxmlformats.org/officeDocument/2006/math" xmlns:a14="http://schemas.microsoft.com/office/drawing/2010/main" xmlns:ma14="http://schemas.microsoft.com/office/mac/drawingml/2011/main" val="1"/>
               </a:ext>
             </a:extLst>
           </p:spPr>
@@ -8357,7 +8357,7 @@
             </a:effectLst>
             <a:extLst>
               <a:ext uri="{C572A759-6A51-4108-AA02-DFA0A04FC94B}">
-                <ma14:wrappingTextBoxFlag xmlns:ma14="http://schemas.microsoft.com/office/mac/drawingml/2011/main" xmlns:a14="http://schemas.microsoft.com/office/drawing/2010/main" xmlns:m="http://schemas.openxmlformats.org/officeDocument/2006/math" xmlns="" val="1"/>
+                <ma14:wrappingTextBoxFlag xmlns="" xmlns:m="http://schemas.openxmlformats.org/officeDocument/2006/math" xmlns:a14="http://schemas.microsoft.com/office/drawing/2010/main" xmlns:ma14="http://schemas.microsoft.com/office/mac/drawingml/2011/main" val="1"/>
               </a:ext>
             </a:extLst>
           </p:spPr>
@@ -8448,7 +8448,7 @@
             </a:effectLst>
             <a:extLst>
               <a:ext uri="{C572A759-6A51-4108-AA02-DFA0A04FC94B}">
-                <ma14:wrappingTextBoxFlag xmlns:ma14="http://schemas.microsoft.com/office/mac/drawingml/2011/main" xmlns:a14="http://schemas.microsoft.com/office/drawing/2010/main" xmlns:m="http://schemas.openxmlformats.org/officeDocument/2006/math" xmlns="" val="1"/>
+                <ma14:wrappingTextBoxFlag xmlns="" xmlns:m="http://schemas.openxmlformats.org/officeDocument/2006/math" xmlns:a14="http://schemas.microsoft.com/office/drawing/2010/main" xmlns:ma14="http://schemas.microsoft.com/office/mac/drawingml/2011/main" val="1"/>
               </a:ext>
             </a:extLst>
           </p:spPr>
@@ -8518,7 +8518,7 @@
             </a:effectLst>
             <a:extLst>
               <a:ext uri="{C572A759-6A51-4108-AA02-DFA0A04FC94B}">
-                <ma14:wrappingTextBoxFlag xmlns:ma14="http://schemas.microsoft.com/office/mac/drawingml/2011/main" xmlns:a14="http://schemas.microsoft.com/office/drawing/2010/main" xmlns:m="http://schemas.openxmlformats.org/officeDocument/2006/math" xmlns="" val="1"/>
+                <ma14:wrappingTextBoxFlag xmlns="" xmlns:m="http://schemas.openxmlformats.org/officeDocument/2006/math" xmlns:a14="http://schemas.microsoft.com/office/drawing/2010/main" xmlns:ma14="http://schemas.microsoft.com/office/mac/drawingml/2011/main" val="1"/>
               </a:ext>
             </a:extLst>
           </p:spPr>
@@ -8616,7 +8616,7 @@
             </a:effectLst>
             <a:extLst>
               <a:ext uri="{C572A759-6A51-4108-AA02-DFA0A04FC94B}">
-                <ma14:wrappingTextBoxFlag xmlns:ma14="http://schemas.microsoft.com/office/mac/drawingml/2011/main" xmlns:a14="http://schemas.microsoft.com/office/drawing/2010/main" xmlns:m="http://schemas.openxmlformats.org/officeDocument/2006/math" xmlns="" val="1"/>
+                <ma14:wrappingTextBoxFlag xmlns="" xmlns:m="http://schemas.openxmlformats.org/officeDocument/2006/math" xmlns:a14="http://schemas.microsoft.com/office/drawing/2010/main" xmlns:ma14="http://schemas.microsoft.com/office/mac/drawingml/2011/main" val="1"/>
               </a:ext>
             </a:extLst>
           </p:spPr>
@@ -8672,7 +8672,7 @@
             </a:effectLst>
             <a:extLst>
               <a:ext uri="{C572A759-6A51-4108-AA02-DFA0A04FC94B}">
-                <ma14:wrappingTextBoxFlag xmlns:ma14="http://schemas.microsoft.com/office/mac/drawingml/2011/main" xmlns:a14="http://schemas.microsoft.com/office/drawing/2010/main" xmlns:m="http://schemas.openxmlformats.org/officeDocument/2006/math" xmlns="" val="1"/>
+                <ma14:wrappingTextBoxFlag xmlns="" xmlns:m="http://schemas.openxmlformats.org/officeDocument/2006/math" xmlns:a14="http://schemas.microsoft.com/office/drawing/2010/main" xmlns:ma14="http://schemas.microsoft.com/office/mac/drawingml/2011/main" val="1"/>
               </a:ext>
             </a:extLst>
           </p:spPr>
@@ -8728,7 +8728,7 @@
             </a:effectLst>
             <a:extLst>
               <a:ext uri="{C572A759-6A51-4108-AA02-DFA0A04FC94B}">
-                <ma14:wrappingTextBoxFlag xmlns:ma14="http://schemas.microsoft.com/office/mac/drawingml/2011/main" xmlns:a14="http://schemas.microsoft.com/office/drawing/2010/main" xmlns:m="http://schemas.openxmlformats.org/officeDocument/2006/math" xmlns="" val="1"/>
+                <ma14:wrappingTextBoxFlag xmlns="" xmlns:m="http://schemas.openxmlformats.org/officeDocument/2006/math" xmlns:a14="http://schemas.microsoft.com/office/drawing/2010/main" xmlns:ma14="http://schemas.microsoft.com/office/mac/drawingml/2011/main" val="1"/>
               </a:ext>
             </a:extLst>
           </p:spPr>
@@ -8797,7 +8797,7 @@
             </a:effectLst>
             <a:extLst>
               <a:ext uri="{C572A759-6A51-4108-AA02-DFA0A04FC94B}">
-                <ma14:wrappingTextBoxFlag xmlns:ma14="http://schemas.microsoft.com/office/mac/drawingml/2011/main" xmlns:a14="http://schemas.microsoft.com/office/drawing/2010/main" xmlns:m="http://schemas.openxmlformats.org/officeDocument/2006/math" xmlns="" val="1"/>
+                <ma14:wrappingTextBoxFlag xmlns="" xmlns:m="http://schemas.openxmlformats.org/officeDocument/2006/math" xmlns:a14="http://schemas.microsoft.com/office/drawing/2010/main" xmlns:ma14="http://schemas.microsoft.com/office/mac/drawingml/2011/main" val="1"/>
               </a:ext>
             </a:extLst>
           </p:spPr>
@@ -8876,7 +8876,7 @@
           </a:effectLst>
           <a:extLst>
             <a:ext uri="{C572A759-6A51-4108-AA02-DFA0A04FC94B}">
-              <ma14:wrappingTextBoxFlag xmlns:ma14="http://schemas.microsoft.com/office/mac/drawingml/2011/main" xmlns:a14="http://schemas.microsoft.com/office/drawing/2010/main" xmlns:m="http://schemas.openxmlformats.org/officeDocument/2006/math" xmlns="" val="1"/>
+              <ma14:wrappingTextBoxFlag xmlns="" xmlns:m="http://schemas.openxmlformats.org/officeDocument/2006/math" xmlns:a14="http://schemas.microsoft.com/office/drawing/2010/main" xmlns:ma14="http://schemas.microsoft.com/office/mac/drawingml/2011/main" val="1"/>
             </a:ext>
           </a:extLst>
         </p:spPr>
@@ -8938,7 +8938,7 @@
           </a:effectLst>
           <a:extLst>
             <a:ext uri="{C572A759-6A51-4108-AA02-DFA0A04FC94B}">
-              <ma14:wrappingTextBoxFlag xmlns:ma14="http://schemas.microsoft.com/office/mac/drawingml/2011/main" xmlns:a14="http://schemas.microsoft.com/office/drawing/2010/main" xmlns:m="http://schemas.openxmlformats.org/officeDocument/2006/math" xmlns="" val="1"/>
+              <ma14:wrappingTextBoxFlag xmlns="" xmlns:m="http://schemas.openxmlformats.org/officeDocument/2006/math" xmlns:a14="http://schemas.microsoft.com/office/drawing/2010/main" xmlns:ma14="http://schemas.microsoft.com/office/mac/drawingml/2011/main" val="1"/>
             </a:ext>
           </a:extLst>
         </p:spPr>
@@ -9173,7 +9173,7 @@
             </a:effectLst>
             <a:extLst>
               <a:ext uri="{C572A759-6A51-4108-AA02-DFA0A04FC94B}">
-                <ma14:wrappingTextBoxFlag xmlns:ma14="http://schemas.microsoft.com/office/mac/drawingml/2011/main" xmlns:a14="http://schemas.microsoft.com/office/drawing/2010/main" xmlns:m="http://schemas.openxmlformats.org/officeDocument/2006/math" xmlns="" val="1"/>
+                <ma14:wrappingTextBoxFlag xmlns="" xmlns:m="http://schemas.openxmlformats.org/officeDocument/2006/math" xmlns:a14="http://schemas.microsoft.com/office/drawing/2010/main" xmlns:ma14="http://schemas.microsoft.com/office/mac/drawingml/2011/main" val="1"/>
               </a:ext>
             </a:extLst>
           </p:spPr>
@@ -9252,7 +9252,7 @@
               </a:effectLst>
               <a:extLst>
                 <a:ext uri="{C572A759-6A51-4108-AA02-DFA0A04FC94B}">
-                  <ma14:wrappingTextBoxFlag xmlns:ma14="http://schemas.microsoft.com/office/mac/drawingml/2011/main" xmlns:a14="http://schemas.microsoft.com/office/drawing/2010/main" xmlns:m="http://schemas.openxmlformats.org/officeDocument/2006/math" xmlns="" val="1"/>
+                  <ma14:wrappingTextBoxFlag xmlns="" xmlns:m="http://schemas.openxmlformats.org/officeDocument/2006/math" xmlns:a14="http://schemas.microsoft.com/office/drawing/2010/main" xmlns:ma14="http://schemas.microsoft.com/office/mac/drawingml/2011/main" val="1"/>
                 </a:ext>
               </a:extLst>
             </p:spPr>
@@ -9325,7 +9325,7 @@
               </a:effectLst>
               <a:extLst>
                 <a:ext uri="{C572A759-6A51-4108-AA02-DFA0A04FC94B}">
-                  <ma14:wrappingTextBoxFlag xmlns:ma14="http://schemas.microsoft.com/office/mac/drawingml/2011/main" xmlns:a14="http://schemas.microsoft.com/office/drawing/2010/main" xmlns:m="http://schemas.openxmlformats.org/officeDocument/2006/math" xmlns="" val="1"/>
+                  <ma14:wrappingTextBoxFlag xmlns="" xmlns:m="http://schemas.openxmlformats.org/officeDocument/2006/math" xmlns:a14="http://schemas.microsoft.com/office/drawing/2010/main" xmlns:ma14="http://schemas.microsoft.com/office/mac/drawingml/2011/main" val="1"/>
                 </a:ext>
               </a:extLst>
             </p:spPr>
@@ -9385,7 +9385,7 @@
               </a:effectLst>
               <a:extLst>
                 <a:ext uri="{C572A759-6A51-4108-AA02-DFA0A04FC94B}">
-                  <ma14:wrappingTextBoxFlag xmlns:ma14="http://schemas.microsoft.com/office/mac/drawingml/2011/main" xmlns:a14="http://schemas.microsoft.com/office/drawing/2010/main" xmlns:m="http://schemas.openxmlformats.org/officeDocument/2006/math" xmlns="" val="1"/>
+                  <ma14:wrappingTextBoxFlag xmlns="" xmlns:m="http://schemas.openxmlformats.org/officeDocument/2006/math" xmlns:a14="http://schemas.microsoft.com/office/drawing/2010/main" xmlns:ma14="http://schemas.microsoft.com/office/mac/drawingml/2011/main" val="1"/>
                 </a:ext>
               </a:extLst>
             </p:spPr>
@@ -9452,7 +9452,7 @@
           </a:effectLst>
           <a:extLst>
             <a:ext uri="{C572A759-6A51-4108-AA02-DFA0A04FC94B}">
-              <ma14:wrappingTextBoxFlag xmlns:ma14="http://schemas.microsoft.com/office/mac/drawingml/2011/main" xmlns:a14="http://schemas.microsoft.com/office/drawing/2010/main" xmlns:m="http://schemas.openxmlformats.org/officeDocument/2006/math" xmlns="" val="1"/>
+              <ma14:wrappingTextBoxFlag xmlns="" xmlns:m="http://schemas.openxmlformats.org/officeDocument/2006/math" xmlns:a14="http://schemas.microsoft.com/office/drawing/2010/main" xmlns:ma14="http://schemas.microsoft.com/office/mac/drawingml/2011/main" val="1"/>
             </a:ext>
           </a:extLst>
         </p:spPr>
@@ -9516,7 +9516,7 @@
           </a:effectLst>
           <a:extLst>
             <a:ext uri="{C572A759-6A51-4108-AA02-DFA0A04FC94B}">
-              <ma14:wrappingTextBoxFlag xmlns:ma14="http://schemas.microsoft.com/office/mac/drawingml/2011/main" xmlns:a14="http://schemas.microsoft.com/office/drawing/2010/main" xmlns:m="http://schemas.openxmlformats.org/officeDocument/2006/math" xmlns="" val="1"/>
+              <ma14:wrappingTextBoxFlag xmlns="" xmlns:m="http://schemas.openxmlformats.org/officeDocument/2006/math" xmlns:a14="http://schemas.microsoft.com/office/drawing/2010/main" xmlns:ma14="http://schemas.microsoft.com/office/mac/drawingml/2011/main" val="1"/>
             </a:ext>
           </a:extLst>
         </p:spPr>
@@ -9586,7 +9586,7 @@
           </a:effectLst>
           <a:extLst>
             <a:ext uri="{C572A759-6A51-4108-AA02-DFA0A04FC94B}">
-              <ma14:wrappingTextBoxFlag xmlns:ma14="http://schemas.microsoft.com/office/mac/drawingml/2011/main" xmlns:a14="http://schemas.microsoft.com/office/drawing/2010/main" xmlns:m="http://schemas.openxmlformats.org/officeDocument/2006/math" xmlns="" val="1"/>
+              <ma14:wrappingTextBoxFlag xmlns="" xmlns:m="http://schemas.openxmlformats.org/officeDocument/2006/math" xmlns:a14="http://schemas.microsoft.com/office/drawing/2010/main" xmlns:ma14="http://schemas.microsoft.com/office/mac/drawingml/2011/main" val="1"/>
             </a:ext>
           </a:extLst>
         </p:spPr>
@@ -9656,7 +9656,7 @@
           </a:effectLst>
           <a:extLst>
             <a:ext uri="{C572A759-6A51-4108-AA02-DFA0A04FC94B}">
-              <ma14:wrappingTextBoxFlag xmlns:ma14="http://schemas.microsoft.com/office/mac/drawingml/2011/main" xmlns:a14="http://schemas.microsoft.com/office/drawing/2010/main" xmlns:m="http://schemas.openxmlformats.org/officeDocument/2006/math" xmlns="" val="1"/>
+              <ma14:wrappingTextBoxFlag xmlns="" xmlns:m="http://schemas.openxmlformats.org/officeDocument/2006/math" xmlns:a14="http://schemas.microsoft.com/office/drawing/2010/main" xmlns:ma14="http://schemas.microsoft.com/office/mac/drawingml/2011/main" val="1"/>
             </a:ext>
           </a:extLst>
         </p:spPr>
@@ -9726,7 +9726,7 @@
           </a:effectLst>
           <a:extLst>
             <a:ext uri="{C572A759-6A51-4108-AA02-DFA0A04FC94B}">
-              <ma14:wrappingTextBoxFlag xmlns:ma14="http://schemas.microsoft.com/office/mac/drawingml/2011/main" xmlns:a14="http://schemas.microsoft.com/office/drawing/2010/main" xmlns:m="http://schemas.openxmlformats.org/officeDocument/2006/math" xmlns="" val="1"/>
+              <ma14:wrappingTextBoxFlag xmlns="" xmlns:m="http://schemas.openxmlformats.org/officeDocument/2006/math" xmlns:a14="http://schemas.microsoft.com/office/drawing/2010/main" xmlns:ma14="http://schemas.microsoft.com/office/mac/drawingml/2011/main" val="1"/>
             </a:ext>
           </a:extLst>
         </p:spPr>
@@ -9796,7 +9796,7 @@
           </a:effectLst>
           <a:extLst>
             <a:ext uri="{C572A759-6A51-4108-AA02-DFA0A04FC94B}">
-              <ma14:wrappingTextBoxFlag xmlns:ma14="http://schemas.microsoft.com/office/mac/drawingml/2011/main" xmlns:a14="http://schemas.microsoft.com/office/drawing/2010/main" xmlns:m="http://schemas.openxmlformats.org/officeDocument/2006/math" xmlns="" val="1"/>
+              <ma14:wrappingTextBoxFlag xmlns="" xmlns:m="http://schemas.openxmlformats.org/officeDocument/2006/math" xmlns:a14="http://schemas.microsoft.com/office/drawing/2010/main" xmlns:ma14="http://schemas.microsoft.com/office/mac/drawingml/2011/main" val="1"/>
             </a:ext>
           </a:extLst>
         </p:spPr>
@@ -10065,7 +10065,7 @@
           </a:effectLst>
           <a:extLst>
             <a:ext uri="{C572A759-6A51-4108-AA02-DFA0A04FC94B}">
-              <ma14:wrappingTextBoxFlag xmlns:ma14="http://schemas.microsoft.com/office/mac/drawingml/2011/main" xmlns:a14="http://schemas.microsoft.com/office/drawing/2010/main" xmlns:m="http://schemas.openxmlformats.org/officeDocument/2006/math" xmlns="" val="1"/>
+              <ma14:wrappingTextBoxFlag xmlns="" xmlns:m="http://schemas.openxmlformats.org/officeDocument/2006/math" xmlns:a14="http://schemas.microsoft.com/office/drawing/2010/main" xmlns:ma14="http://schemas.microsoft.com/office/mac/drawingml/2011/main" val="1"/>
             </a:ext>
           </a:extLst>
         </p:spPr>
@@ -10126,7 +10126,7 @@
           </a:effectLst>
           <a:extLst>
             <a:ext uri="{C572A759-6A51-4108-AA02-DFA0A04FC94B}">
-              <ma14:wrappingTextBoxFlag xmlns:ma14="http://schemas.microsoft.com/office/mac/drawingml/2011/main" xmlns:a14="http://schemas.microsoft.com/office/drawing/2010/main" xmlns:m="http://schemas.openxmlformats.org/officeDocument/2006/math" xmlns="" val="1"/>
+              <ma14:wrappingTextBoxFlag xmlns="" xmlns:m="http://schemas.openxmlformats.org/officeDocument/2006/math" xmlns:a14="http://schemas.microsoft.com/office/drawing/2010/main" xmlns:ma14="http://schemas.microsoft.com/office/mac/drawingml/2011/main" val="1"/>
             </a:ext>
           </a:extLst>
         </p:spPr>
@@ -10201,7 +10201,7 @@
           </a:effectLst>
           <a:extLst>
             <a:ext uri="{C572A759-6A51-4108-AA02-DFA0A04FC94B}">
-              <ma14:wrappingTextBoxFlag xmlns:ma14="http://schemas.microsoft.com/office/mac/drawingml/2011/main" xmlns:a14="http://schemas.microsoft.com/office/drawing/2010/main" xmlns:m="http://schemas.openxmlformats.org/officeDocument/2006/math" xmlns="" val="1"/>
+              <ma14:wrappingTextBoxFlag xmlns="" xmlns:m="http://schemas.openxmlformats.org/officeDocument/2006/math" xmlns:a14="http://schemas.microsoft.com/office/drawing/2010/main" xmlns:ma14="http://schemas.microsoft.com/office/mac/drawingml/2011/main" val="1"/>
             </a:ext>
           </a:extLst>
         </p:spPr>
@@ -10276,7 +10276,7 @@
           </a:effectLst>
           <a:extLst>
             <a:ext uri="{C572A759-6A51-4108-AA02-DFA0A04FC94B}">
-              <ma14:wrappingTextBoxFlag xmlns:ma14="http://schemas.microsoft.com/office/mac/drawingml/2011/main" xmlns:a14="http://schemas.microsoft.com/office/drawing/2010/main" xmlns:m="http://schemas.openxmlformats.org/officeDocument/2006/math" xmlns="" val="1"/>
+              <ma14:wrappingTextBoxFlag xmlns="" xmlns:m="http://schemas.openxmlformats.org/officeDocument/2006/math" xmlns:a14="http://schemas.microsoft.com/office/drawing/2010/main" xmlns:ma14="http://schemas.microsoft.com/office/mac/drawingml/2011/main" val="1"/>
             </a:ext>
           </a:extLst>
         </p:spPr>
@@ -10351,7 +10351,7 @@
           </a:effectLst>
           <a:extLst>
             <a:ext uri="{C572A759-6A51-4108-AA02-DFA0A04FC94B}">
-              <ma14:wrappingTextBoxFlag xmlns:ma14="http://schemas.microsoft.com/office/mac/drawingml/2011/main" xmlns:a14="http://schemas.microsoft.com/office/drawing/2010/main" xmlns:m="http://schemas.openxmlformats.org/officeDocument/2006/math" xmlns="" val="1"/>
+              <ma14:wrappingTextBoxFlag xmlns="" xmlns:m="http://schemas.openxmlformats.org/officeDocument/2006/math" xmlns:a14="http://schemas.microsoft.com/office/drawing/2010/main" xmlns:ma14="http://schemas.microsoft.com/office/mac/drawingml/2011/main" val="1"/>
             </a:ext>
           </a:extLst>
         </p:spPr>
@@ -10428,7 +10428,7 @@
           </a:effectLst>
           <a:extLst>
             <a:ext uri="{C572A759-6A51-4108-AA02-DFA0A04FC94B}">
-              <ma14:wrappingTextBoxFlag xmlns:ma14="http://schemas.microsoft.com/office/mac/drawingml/2011/main" xmlns:a14="http://schemas.microsoft.com/office/drawing/2010/main" xmlns:m="http://schemas.openxmlformats.org/officeDocument/2006/math" xmlns="" val="1"/>
+              <ma14:wrappingTextBoxFlag xmlns="" xmlns:m="http://schemas.openxmlformats.org/officeDocument/2006/math" xmlns:a14="http://schemas.microsoft.com/office/drawing/2010/main" xmlns:ma14="http://schemas.microsoft.com/office/mac/drawingml/2011/main" val="1"/>
             </a:ext>
           </a:extLst>
         </p:spPr>
@@ -10488,7 +10488,7 @@
           </a:effectLst>
           <a:extLst>
             <a:ext uri="{C572A759-6A51-4108-AA02-DFA0A04FC94B}">
-              <ma14:wrappingTextBoxFlag xmlns:ma14="http://schemas.microsoft.com/office/mac/drawingml/2011/main" xmlns:a14="http://schemas.microsoft.com/office/drawing/2010/main" xmlns:m="http://schemas.openxmlformats.org/officeDocument/2006/math" xmlns="" val="1"/>
+              <ma14:wrappingTextBoxFlag xmlns="" xmlns:m="http://schemas.openxmlformats.org/officeDocument/2006/math" xmlns:a14="http://schemas.microsoft.com/office/drawing/2010/main" xmlns:ma14="http://schemas.microsoft.com/office/mac/drawingml/2011/main" val="1"/>
             </a:ext>
           </a:extLst>
         </p:spPr>
@@ -10563,7 +10563,7 @@
           </a:effectLst>
           <a:extLst>
             <a:ext uri="{C572A759-6A51-4108-AA02-DFA0A04FC94B}">
-              <ma14:wrappingTextBoxFlag xmlns:ma14="http://schemas.microsoft.com/office/mac/drawingml/2011/main" xmlns:a14="http://schemas.microsoft.com/office/drawing/2010/main" xmlns:m="http://schemas.openxmlformats.org/officeDocument/2006/math" xmlns="" val="1"/>
+              <ma14:wrappingTextBoxFlag xmlns="" xmlns:m="http://schemas.openxmlformats.org/officeDocument/2006/math" xmlns:a14="http://schemas.microsoft.com/office/drawing/2010/main" xmlns:ma14="http://schemas.microsoft.com/office/mac/drawingml/2011/main" val="1"/>
             </a:ext>
           </a:extLst>
         </p:spPr>
@@ -11114,7 +11114,7 @@
           </a:effectLst>
           <a:extLst>
             <a:ext uri="{C572A759-6A51-4108-AA02-DFA0A04FC94B}">
-              <ma14:wrappingTextBoxFlag xmlns:ma14="http://schemas.microsoft.com/office/mac/drawingml/2011/main" xmlns:a14="http://schemas.microsoft.com/office/drawing/2010/main" xmlns:m="http://schemas.openxmlformats.org/officeDocument/2006/math" xmlns="" val="1"/>
+              <ma14:wrappingTextBoxFlag xmlns="" xmlns:m="http://schemas.openxmlformats.org/officeDocument/2006/math" xmlns:a14="http://schemas.microsoft.com/office/drawing/2010/main" xmlns:ma14="http://schemas.microsoft.com/office/mac/drawingml/2011/main" val="1"/>
             </a:ext>
           </a:extLst>
         </p:spPr>
@@ -11174,7 +11174,7 @@
           </a:effectLst>
           <a:extLst>
             <a:ext uri="{C572A759-6A51-4108-AA02-DFA0A04FC94B}">
-              <ma14:wrappingTextBoxFlag xmlns:ma14="http://schemas.microsoft.com/office/mac/drawingml/2011/main" xmlns:a14="http://schemas.microsoft.com/office/drawing/2010/main" xmlns:m="http://schemas.openxmlformats.org/officeDocument/2006/math" xmlns="" val="1"/>
+              <ma14:wrappingTextBoxFlag xmlns="" xmlns:m="http://schemas.openxmlformats.org/officeDocument/2006/math" xmlns:a14="http://schemas.microsoft.com/office/drawing/2010/main" xmlns:ma14="http://schemas.microsoft.com/office/mac/drawingml/2011/main" val="1"/>
             </a:ext>
           </a:extLst>
         </p:spPr>
@@ -11249,7 +11249,7 @@
           </a:effectLst>
           <a:extLst>
             <a:ext uri="{C572A759-6A51-4108-AA02-DFA0A04FC94B}">
-              <ma14:wrappingTextBoxFlag xmlns:ma14="http://schemas.microsoft.com/office/mac/drawingml/2011/main" xmlns:a14="http://schemas.microsoft.com/office/drawing/2010/main" xmlns:m="http://schemas.openxmlformats.org/officeDocument/2006/math" xmlns="" val="1"/>
+              <ma14:wrappingTextBoxFlag xmlns="" xmlns:m="http://schemas.openxmlformats.org/officeDocument/2006/math" xmlns:a14="http://schemas.microsoft.com/office/drawing/2010/main" xmlns:ma14="http://schemas.microsoft.com/office/mac/drawingml/2011/main" val="1"/>
             </a:ext>
           </a:extLst>
         </p:spPr>
@@ -11477,7 +11477,7 @@
           </a:effectLst>
           <a:extLst>
             <a:ext uri="{C572A759-6A51-4108-AA02-DFA0A04FC94B}">
-              <ma14:wrappingTextBoxFlag xmlns:ma14="http://schemas.microsoft.com/office/mac/drawingml/2011/main" xmlns:a14="http://schemas.microsoft.com/office/drawing/2010/main" xmlns:m="http://schemas.openxmlformats.org/officeDocument/2006/math" xmlns="" val="1"/>
+              <ma14:wrappingTextBoxFlag xmlns="" xmlns:m="http://schemas.openxmlformats.org/officeDocument/2006/math" xmlns:a14="http://schemas.microsoft.com/office/drawing/2010/main" xmlns:ma14="http://schemas.microsoft.com/office/mac/drawingml/2011/main" val="1"/>
             </a:ext>
           </a:extLst>
         </p:spPr>
@@ -11590,7 +11590,7 @@
           </a:effectLst>
           <a:extLst>
             <a:ext uri="{C572A759-6A51-4108-AA02-DFA0A04FC94B}">
-              <ma14:wrappingTextBoxFlag xmlns:ma14="http://schemas.microsoft.com/office/mac/drawingml/2011/main" xmlns:a14="http://schemas.microsoft.com/office/drawing/2010/main" xmlns:m="http://schemas.openxmlformats.org/officeDocument/2006/math" xmlns="" val="1"/>
+              <ma14:wrappingTextBoxFlag xmlns="" xmlns:m="http://schemas.openxmlformats.org/officeDocument/2006/math" xmlns:a14="http://schemas.microsoft.com/office/drawing/2010/main" xmlns:ma14="http://schemas.microsoft.com/office/mac/drawingml/2011/main" val="1"/>
             </a:ext>
           </a:extLst>
         </p:spPr>
@@ -11655,7 +11655,7 @@
           </a:effectLst>
           <a:extLst>
             <a:ext uri="{C572A759-6A51-4108-AA02-DFA0A04FC94B}">
-              <ma14:wrappingTextBoxFlag xmlns:ma14="http://schemas.microsoft.com/office/mac/drawingml/2011/main" xmlns:a14="http://schemas.microsoft.com/office/drawing/2010/main" xmlns:m="http://schemas.openxmlformats.org/officeDocument/2006/math" xmlns="" val="1"/>
+              <ma14:wrappingTextBoxFlag xmlns="" xmlns:m="http://schemas.openxmlformats.org/officeDocument/2006/math" xmlns:a14="http://schemas.microsoft.com/office/drawing/2010/main" xmlns:ma14="http://schemas.microsoft.com/office/mac/drawingml/2011/main" val="1"/>
             </a:ext>
           </a:extLst>
         </p:spPr>
@@ -11740,7 +11740,7 @@
           </a:effectLst>
           <a:extLst>
             <a:ext uri="{C572A759-6A51-4108-AA02-DFA0A04FC94B}">
-              <ma14:wrappingTextBoxFlag xmlns:ma14="http://schemas.microsoft.com/office/mac/drawingml/2011/main" xmlns:a14="http://schemas.microsoft.com/office/drawing/2010/main" xmlns:m="http://schemas.openxmlformats.org/officeDocument/2006/math" xmlns="" val="1"/>
+              <ma14:wrappingTextBoxFlag xmlns="" xmlns:m="http://schemas.openxmlformats.org/officeDocument/2006/math" xmlns:a14="http://schemas.microsoft.com/office/drawing/2010/main" xmlns:ma14="http://schemas.microsoft.com/office/mac/drawingml/2011/main" val="1"/>
             </a:ext>
           </a:extLst>
         </p:spPr>
@@ -11825,7 +11825,7 @@
           </a:effectLst>
           <a:extLst>
             <a:ext uri="{C572A759-6A51-4108-AA02-DFA0A04FC94B}">
-              <ma14:wrappingTextBoxFlag xmlns:ma14="http://schemas.microsoft.com/office/mac/drawingml/2011/main" xmlns:a14="http://schemas.microsoft.com/office/drawing/2010/main" xmlns:m="http://schemas.openxmlformats.org/officeDocument/2006/math" xmlns="" val="1"/>
+              <ma14:wrappingTextBoxFlag xmlns="" xmlns:m="http://schemas.openxmlformats.org/officeDocument/2006/math" xmlns:a14="http://schemas.microsoft.com/office/drawing/2010/main" xmlns:ma14="http://schemas.microsoft.com/office/mac/drawingml/2011/main" val="1"/>
             </a:ext>
           </a:extLst>
         </p:spPr>
@@ -11906,7 +11906,7 @@
           </a:effectLst>
           <a:extLst>
             <a:ext uri="{C572A759-6A51-4108-AA02-DFA0A04FC94B}">
-              <ma14:wrappingTextBoxFlag xmlns:ma14="http://schemas.microsoft.com/office/mac/drawingml/2011/main" xmlns:a14="http://schemas.microsoft.com/office/drawing/2010/main" xmlns:m="http://schemas.openxmlformats.org/officeDocument/2006/math" xmlns="" val="1"/>
+              <ma14:wrappingTextBoxFlag xmlns="" xmlns:m="http://schemas.openxmlformats.org/officeDocument/2006/math" xmlns:a14="http://schemas.microsoft.com/office/drawing/2010/main" xmlns:ma14="http://schemas.microsoft.com/office/mac/drawingml/2011/main" val="1"/>
             </a:ext>
           </a:extLst>
         </p:spPr>
@@ -11987,7 +11987,7 @@
           </a:effectLst>
           <a:extLst>
             <a:ext uri="{C572A759-6A51-4108-AA02-DFA0A04FC94B}">
-              <ma14:wrappingTextBoxFlag xmlns:ma14="http://schemas.microsoft.com/office/mac/drawingml/2011/main" xmlns:a14="http://schemas.microsoft.com/office/drawing/2010/main" xmlns:m="http://schemas.openxmlformats.org/officeDocument/2006/math" xmlns="" val="1"/>
+              <ma14:wrappingTextBoxFlag xmlns="" xmlns:m="http://schemas.openxmlformats.org/officeDocument/2006/math" xmlns:a14="http://schemas.microsoft.com/office/drawing/2010/main" xmlns:ma14="http://schemas.microsoft.com/office/mac/drawingml/2011/main" val="1"/>
             </a:ext>
           </a:extLst>
         </p:spPr>
@@ -12064,7 +12064,7 @@
           </a:effectLst>
           <a:extLst>
             <a:ext uri="{C572A759-6A51-4108-AA02-DFA0A04FC94B}">
-              <ma14:wrappingTextBoxFlag xmlns:ma14="http://schemas.microsoft.com/office/mac/drawingml/2011/main" xmlns:a14="http://schemas.microsoft.com/office/drawing/2010/main" xmlns:m="http://schemas.openxmlformats.org/officeDocument/2006/math" xmlns="" val="1"/>
+              <ma14:wrappingTextBoxFlag xmlns="" xmlns:m="http://schemas.openxmlformats.org/officeDocument/2006/math" xmlns:a14="http://schemas.microsoft.com/office/drawing/2010/main" xmlns:ma14="http://schemas.microsoft.com/office/mac/drawingml/2011/main" val="1"/>
             </a:ext>
           </a:extLst>
         </p:spPr>
@@ -12129,7 +12129,7 @@
           </a:effectLst>
           <a:extLst>
             <a:ext uri="{C572A759-6A51-4108-AA02-DFA0A04FC94B}">
-              <ma14:wrappingTextBoxFlag xmlns:ma14="http://schemas.microsoft.com/office/mac/drawingml/2011/main" xmlns:a14="http://schemas.microsoft.com/office/drawing/2010/main" xmlns:m="http://schemas.openxmlformats.org/officeDocument/2006/math" xmlns="" val="1"/>
+              <ma14:wrappingTextBoxFlag xmlns="" xmlns:m="http://schemas.openxmlformats.org/officeDocument/2006/math" xmlns:a14="http://schemas.microsoft.com/office/drawing/2010/main" xmlns:ma14="http://schemas.microsoft.com/office/mac/drawingml/2011/main" val="1"/>
             </a:ext>
           </a:extLst>
         </p:spPr>
@@ -12214,7 +12214,7 @@
           </a:effectLst>
           <a:extLst>
             <a:ext uri="{C572A759-6A51-4108-AA02-DFA0A04FC94B}">
-              <ma14:wrappingTextBoxFlag xmlns:ma14="http://schemas.microsoft.com/office/mac/drawingml/2011/main" xmlns:a14="http://schemas.microsoft.com/office/drawing/2010/main" xmlns:m="http://schemas.openxmlformats.org/officeDocument/2006/math" xmlns="" val="1"/>
+              <ma14:wrappingTextBoxFlag xmlns="" xmlns:m="http://schemas.openxmlformats.org/officeDocument/2006/math" xmlns:a14="http://schemas.microsoft.com/office/drawing/2010/main" xmlns:ma14="http://schemas.microsoft.com/office/mac/drawingml/2011/main" val="1"/>
             </a:ext>
           </a:extLst>
         </p:spPr>
@@ -12310,7 +12310,7 @@
           </a:effectLst>
           <a:extLst>
             <a:ext uri="{C572A759-6A51-4108-AA02-DFA0A04FC94B}">
-              <ma14:wrappingTextBoxFlag xmlns:ma14="http://schemas.microsoft.com/office/mac/drawingml/2011/main" xmlns:a14="http://schemas.microsoft.com/office/drawing/2010/main" xmlns:m="http://schemas.openxmlformats.org/officeDocument/2006/math" xmlns="" val="1"/>
+              <ma14:wrappingTextBoxFlag xmlns="" xmlns:m="http://schemas.openxmlformats.org/officeDocument/2006/math" xmlns:a14="http://schemas.microsoft.com/office/drawing/2010/main" xmlns:ma14="http://schemas.microsoft.com/office/mac/drawingml/2011/main" val="1"/>
             </a:ext>
           </a:extLst>
         </p:spPr>
@@ -12761,7 +12761,7 @@
           </a:effectLst>
           <a:extLst>
             <a:ext uri="{C572A759-6A51-4108-AA02-DFA0A04FC94B}">
-              <ma14:wrappingTextBoxFlag xmlns:ma14="http://schemas.microsoft.com/office/mac/drawingml/2011/main" xmlns:a14="http://schemas.microsoft.com/office/drawing/2010/main" xmlns:m="http://schemas.openxmlformats.org/officeDocument/2006/math" xmlns="" val="1"/>
+              <ma14:wrappingTextBoxFlag xmlns="" xmlns:m="http://schemas.openxmlformats.org/officeDocument/2006/math" xmlns:a14="http://schemas.microsoft.com/office/drawing/2010/main" xmlns:ma14="http://schemas.microsoft.com/office/mac/drawingml/2011/main" val="1"/>
             </a:ext>
           </a:extLst>
         </p:spPr>
@@ -12826,7 +12826,7 @@
           </a:effectLst>
           <a:extLst>
             <a:ext uri="{C572A759-6A51-4108-AA02-DFA0A04FC94B}">
-              <ma14:wrappingTextBoxFlag xmlns:ma14="http://schemas.microsoft.com/office/mac/drawingml/2011/main" xmlns:a14="http://schemas.microsoft.com/office/drawing/2010/main" xmlns:m="http://schemas.openxmlformats.org/officeDocument/2006/math" xmlns="" val="1"/>
+              <ma14:wrappingTextBoxFlag xmlns="" xmlns:m="http://schemas.openxmlformats.org/officeDocument/2006/math" xmlns:a14="http://schemas.microsoft.com/office/drawing/2010/main" xmlns:ma14="http://schemas.microsoft.com/office/mac/drawingml/2011/main" val="1"/>
             </a:ext>
           </a:extLst>
         </p:spPr>
@@ -12875,7 +12875,7 @@
         </p:nvSpPr>
         <p:spPr>
           <a:xfrm>
-            <a:off x="7936819" y="4253991"/>
+            <a:off x="7936819" y="4535895"/>
             <a:ext cx="1401454" cy="313529"/>
           </a:xfrm>
           <a:prstGeom prst="roundRect">
@@ -12904,7 +12904,7 @@
           </a:effectLst>
           <a:extLst>
             <a:ext uri="{C572A759-6A51-4108-AA02-DFA0A04FC94B}">
-              <ma14:wrappingTextBoxFlag xmlns:ma14="http://schemas.microsoft.com/office/mac/drawingml/2011/main" xmlns:a14="http://schemas.microsoft.com/office/drawing/2010/main" xmlns:m="http://schemas.openxmlformats.org/officeDocument/2006/math" xmlns="" val="1"/>
+              <ma14:wrappingTextBoxFlag xmlns="" xmlns:m="http://schemas.openxmlformats.org/officeDocument/2006/math" xmlns:a14="http://schemas.microsoft.com/office/drawing/2010/main" xmlns:ma14="http://schemas.microsoft.com/office/mac/drawingml/2011/main" val="1"/>
             </a:ext>
           </a:extLst>
         </p:spPr>
@@ -12996,7 +12996,7 @@
           </a:effectLst>
           <a:extLst>
             <a:ext uri="{C572A759-6A51-4108-AA02-DFA0A04FC94B}">
-              <ma14:wrappingTextBoxFlag xmlns:ma14="http://schemas.microsoft.com/office/mac/drawingml/2011/main" xmlns:a14="http://schemas.microsoft.com/office/drawing/2010/main" xmlns:m="http://schemas.openxmlformats.org/officeDocument/2006/math" xmlns="" val="1"/>
+              <ma14:wrappingTextBoxFlag xmlns="" xmlns:m="http://schemas.openxmlformats.org/officeDocument/2006/math" xmlns:a14="http://schemas.microsoft.com/office/drawing/2010/main" xmlns:ma14="http://schemas.microsoft.com/office/mac/drawingml/2011/main" val="1"/>
             </a:ext>
           </a:extLst>
         </p:spPr>
@@ -13079,7 +13079,7 @@
           </a:effectLst>
           <a:extLst>
             <a:ext uri="{C572A759-6A51-4108-AA02-DFA0A04FC94B}">
-              <ma14:wrappingTextBoxFlag xmlns:ma14="http://schemas.microsoft.com/office/mac/drawingml/2011/main" xmlns:a14="http://schemas.microsoft.com/office/drawing/2010/main" xmlns:m="http://schemas.openxmlformats.org/officeDocument/2006/math" xmlns="" val="1"/>
+              <ma14:wrappingTextBoxFlag xmlns="" xmlns:m="http://schemas.openxmlformats.org/officeDocument/2006/math" xmlns:a14="http://schemas.microsoft.com/office/drawing/2010/main" xmlns:ma14="http://schemas.microsoft.com/office/mac/drawingml/2011/main" val="1"/>
             </a:ext>
           </a:extLst>
         </p:spPr>
@@ -13144,7 +13144,7 @@
           </a:effectLst>
           <a:extLst>
             <a:ext uri="{C572A759-6A51-4108-AA02-DFA0A04FC94B}">
-              <ma14:wrappingTextBoxFlag xmlns:ma14="http://schemas.microsoft.com/office/mac/drawingml/2011/main" xmlns:a14="http://schemas.microsoft.com/office/drawing/2010/main" xmlns:m="http://schemas.openxmlformats.org/officeDocument/2006/math" xmlns="" val="1"/>
+              <ma14:wrappingTextBoxFlag xmlns="" xmlns:m="http://schemas.openxmlformats.org/officeDocument/2006/math" xmlns:a14="http://schemas.microsoft.com/office/drawing/2010/main" xmlns:ma14="http://schemas.microsoft.com/office/mac/drawingml/2011/main" val="1"/>
             </a:ext>
           </a:extLst>
         </p:spPr>
@@ -13229,7 +13229,7 @@
           </a:effectLst>
           <a:extLst>
             <a:ext uri="{C572A759-6A51-4108-AA02-DFA0A04FC94B}">
-              <ma14:wrappingTextBoxFlag xmlns:ma14="http://schemas.microsoft.com/office/mac/drawingml/2011/main" xmlns:a14="http://schemas.microsoft.com/office/drawing/2010/main" xmlns:m="http://schemas.openxmlformats.org/officeDocument/2006/math" xmlns="" val="1"/>
+              <ma14:wrappingTextBoxFlag xmlns="" xmlns:m="http://schemas.openxmlformats.org/officeDocument/2006/math" xmlns:a14="http://schemas.microsoft.com/office/drawing/2010/main" xmlns:ma14="http://schemas.microsoft.com/office/mac/drawingml/2011/main" val="1"/>
             </a:ext>
           </a:extLst>
         </p:spPr>
@@ -13314,7 +13314,7 @@
           </a:effectLst>
           <a:extLst>
             <a:ext uri="{C572A759-6A51-4108-AA02-DFA0A04FC94B}">
-              <ma14:wrappingTextBoxFlag xmlns:ma14="http://schemas.microsoft.com/office/mac/drawingml/2011/main" xmlns:a14="http://schemas.microsoft.com/office/drawing/2010/main" xmlns:m="http://schemas.openxmlformats.org/officeDocument/2006/math" xmlns="" val="1"/>
+              <ma14:wrappingTextBoxFlag xmlns="" xmlns:m="http://schemas.openxmlformats.org/officeDocument/2006/math" xmlns:a14="http://schemas.microsoft.com/office/drawing/2010/main" xmlns:ma14="http://schemas.microsoft.com/office/mac/drawingml/2011/main" val="1"/>
             </a:ext>
           </a:extLst>
         </p:spPr>
@@ -13399,7 +13399,7 @@
           </a:effectLst>
           <a:extLst>
             <a:ext uri="{C572A759-6A51-4108-AA02-DFA0A04FC94B}">
-              <ma14:wrappingTextBoxFlag xmlns:ma14="http://schemas.microsoft.com/office/mac/drawingml/2011/main" xmlns:a14="http://schemas.microsoft.com/office/drawing/2010/main" xmlns:m="http://schemas.openxmlformats.org/officeDocument/2006/math" xmlns="" val="1"/>
+              <ma14:wrappingTextBoxFlag xmlns="" xmlns:m="http://schemas.openxmlformats.org/officeDocument/2006/math" xmlns:a14="http://schemas.microsoft.com/office/drawing/2010/main" xmlns:ma14="http://schemas.microsoft.com/office/mac/drawingml/2011/main" val="1"/>
             </a:ext>
           </a:extLst>
         </p:spPr>
@@ -13636,18 +13636,17 @@
           </p:cNvPr>
           <p:cNvCxnSpPr>
             <a:cxnSpLocks/>
+            <a:stCxn id="118" idx="2"/>
           </p:cNvCxnSpPr>
           <p:nvPr/>
         </p:nvCxnSpPr>
         <p:spPr>
-          <a:xfrm rot="10800000" flipV="1">
-            <a:off x="1889099" y="4079830"/>
-            <a:ext cx="4496109" cy="534717"/>
+          <a:xfrm rot="5400000">
+            <a:off x="4059687" y="2284980"/>
+            <a:ext cx="158980" cy="4500154"/>
           </a:xfrm>
-          <a:prstGeom prst="bentConnector3">
-            <a:avLst>
-              <a:gd name="adj1" fmla="val -41"/>
-            </a:avLst>
+          <a:prstGeom prst="bentConnector2">
+            <a:avLst/>
           </a:prstGeom>
           <a:noFill/>
           <a:ln w="25400" cap="flat">
@@ -13714,7 +13713,7 @@
           </a:effectLst>
           <a:extLst>
             <a:ext uri="{C572A759-6A51-4108-AA02-DFA0A04FC94B}">
-              <ma14:wrappingTextBoxFlag xmlns:ma14="http://schemas.microsoft.com/office/mac/drawingml/2011/main" xmlns:a14="http://schemas.microsoft.com/office/drawing/2010/main" xmlns:m="http://schemas.openxmlformats.org/officeDocument/2006/math" xmlns="" val="1"/>
+              <ma14:wrappingTextBoxFlag xmlns="" xmlns:m="http://schemas.openxmlformats.org/officeDocument/2006/math" xmlns:a14="http://schemas.microsoft.com/office/drawing/2010/main" xmlns:ma14="http://schemas.microsoft.com/office/mac/drawingml/2011/main" val="1"/>
             </a:ext>
           </a:extLst>
         </p:spPr>
@@ -13770,8 +13769,8 @@
         </p:nvSpPr>
         <p:spPr>
           <a:xfrm>
-            <a:off x="5753190" y="3119241"/>
-            <a:ext cx="1272127" cy="1002476"/>
+            <a:off x="5753190" y="3119240"/>
+            <a:ext cx="1272127" cy="1336327"/>
           </a:xfrm>
           <a:prstGeom prst="roundRect">
             <a:avLst>
@@ -13797,7 +13796,7 @@
           </a:effectLst>
           <a:extLst>
             <a:ext uri="{C572A759-6A51-4108-AA02-DFA0A04FC94B}">
-              <ma14:wrappingTextBoxFlag xmlns:ma14="http://schemas.microsoft.com/office/mac/drawingml/2011/main" xmlns:a14="http://schemas.microsoft.com/office/drawing/2010/main" xmlns:m="http://schemas.openxmlformats.org/officeDocument/2006/math" xmlns="" val="1"/>
+              <ma14:wrappingTextBoxFlag xmlns="" xmlns:m="http://schemas.openxmlformats.org/officeDocument/2006/math" xmlns:a14="http://schemas.microsoft.com/office/drawing/2010/main" xmlns:ma14="http://schemas.microsoft.com/office/mac/drawingml/2011/main" val="1"/>
             </a:ext>
           </a:extLst>
         </p:spPr>
@@ -13862,7 +13861,7 @@
           </a:effectLst>
           <a:extLst>
             <a:ext uri="{C572A759-6A51-4108-AA02-DFA0A04FC94B}">
-              <ma14:wrappingTextBoxFlag xmlns:ma14="http://schemas.microsoft.com/office/mac/drawingml/2011/main" xmlns:a14="http://schemas.microsoft.com/office/drawing/2010/main" xmlns:m="http://schemas.openxmlformats.org/officeDocument/2006/math" xmlns="" val="1"/>
+              <ma14:wrappingTextBoxFlag xmlns="" xmlns:m="http://schemas.openxmlformats.org/officeDocument/2006/math" xmlns:a14="http://schemas.microsoft.com/office/drawing/2010/main" xmlns:ma14="http://schemas.microsoft.com/office/mac/drawingml/2011/main" val="1"/>
             </a:ext>
           </a:extLst>
         </p:spPr>
@@ -13918,7 +13917,7 @@
         </p:nvSpPr>
         <p:spPr>
           <a:xfrm>
-            <a:off x="5939251" y="3681595"/>
+            <a:off x="5939251" y="4101233"/>
             <a:ext cx="890337" cy="313529"/>
           </a:xfrm>
           <a:prstGeom prst="roundRect">
@@ -13943,7 +13942,7 @@
           </a:effectLst>
           <a:extLst>
             <a:ext uri="{C572A759-6A51-4108-AA02-DFA0A04FC94B}">
-              <ma14:wrappingTextBoxFlag xmlns:ma14="http://schemas.microsoft.com/office/mac/drawingml/2011/main" xmlns:a14="http://schemas.microsoft.com/office/drawing/2010/main" xmlns:m="http://schemas.openxmlformats.org/officeDocument/2006/math" xmlns="" val="1"/>
+              <ma14:wrappingTextBoxFlag xmlns="" xmlns:m="http://schemas.openxmlformats.org/officeDocument/2006/math" xmlns:a14="http://schemas.microsoft.com/office/drawing/2010/main" xmlns:ma14="http://schemas.microsoft.com/office/mac/drawingml/2011/main" val="1"/>
             </a:ext>
           </a:extLst>
         </p:spPr>
@@ -14274,7 +14273,7 @@
           </a:effectLst>
           <a:extLst>
             <a:ext uri="{C572A759-6A51-4108-AA02-DFA0A04FC94B}">
-              <ma14:wrappingTextBoxFlag xmlns:ma14="http://schemas.microsoft.com/office/mac/drawingml/2011/main" xmlns:a14="http://schemas.microsoft.com/office/drawing/2010/main" xmlns:m="http://schemas.openxmlformats.org/officeDocument/2006/math" xmlns="" val="1"/>
+              <ma14:wrappingTextBoxFlag xmlns="" xmlns:m="http://schemas.openxmlformats.org/officeDocument/2006/math" xmlns:a14="http://schemas.microsoft.com/office/drawing/2010/main" xmlns:ma14="http://schemas.microsoft.com/office/mac/drawingml/2011/main" val="1"/>
             </a:ext>
           </a:extLst>
         </p:spPr>
@@ -14339,7 +14338,7 @@
           </a:effectLst>
           <a:extLst>
             <a:ext uri="{C572A759-6A51-4108-AA02-DFA0A04FC94B}">
-              <ma14:wrappingTextBoxFlag xmlns:ma14="http://schemas.microsoft.com/office/mac/drawingml/2011/main" xmlns:a14="http://schemas.microsoft.com/office/drawing/2010/main" xmlns:m="http://schemas.openxmlformats.org/officeDocument/2006/math" xmlns="" val="1"/>
+              <ma14:wrappingTextBoxFlag xmlns="" xmlns:m="http://schemas.openxmlformats.org/officeDocument/2006/math" xmlns:a14="http://schemas.microsoft.com/office/drawing/2010/main" xmlns:ma14="http://schemas.microsoft.com/office/mac/drawingml/2011/main" val="1"/>
             </a:ext>
           </a:extLst>
         </p:spPr>
@@ -14424,7 +14423,7 @@
           </a:effectLst>
           <a:extLst>
             <a:ext uri="{C572A759-6A51-4108-AA02-DFA0A04FC94B}">
-              <ma14:wrappingTextBoxFlag xmlns:ma14="http://schemas.microsoft.com/office/mac/drawingml/2011/main" xmlns:a14="http://schemas.microsoft.com/office/drawing/2010/main" xmlns:m="http://schemas.openxmlformats.org/officeDocument/2006/math" xmlns="" val="1"/>
+              <ma14:wrappingTextBoxFlag xmlns="" xmlns:m="http://schemas.openxmlformats.org/officeDocument/2006/math" xmlns:a14="http://schemas.microsoft.com/office/drawing/2010/main" xmlns:ma14="http://schemas.microsoft.com/office/mac/drawingml/2011/main" val="1"/>
             </a:ext>
           </a:extLst>
         </p:spPr>
@@ -14509,7 +14508,7 @@
           </a:effectLst>
           <a:extLst>
             <a:ext uri="{C572A759-6A51-4108-AA02-DFA0A04FC94B}">
-              <ma14:wrappingTextBoxFlag xmlns:ma14="http://schemas.microsoft.com/office/mac/drawingml/2011/main" xmlns:a14="http://schemas.microsoft.com/office/drawing/2010/main" xmlns:m="http://schemas.openxmlformats.org/officeDocument/2006/math" xmlns="" val="1"/>
+              <ma14:wrappingTextBoxFlag xmlns="" xmlns:m="http://schemas.openxmlformats.org/officeDocument/2006/math" xmlns:a14="http://schemas.microsoft.com/office/drawing/2010/main" xmlns:ma14="http://schemas.microsoft.com/office/mac/drawingml/2011/main" val="1"/>
             </a:ext>
           </a:extLst>
         </p:spPr>
@@ -14594,7 +14593,7 @@
           </a:effectLst>
           <a:extLst>
             <a:ext uri="{C572A759-6A51-4108-AA02-DFA0A04FC94B}">
-              <ma14:wrappingTextBoxFlag xmlns:ma14="http://schemas.microsoft.com/office/mac/drawingml/2011/main" xmlns:a14="http://schemas.microsoft.com/office/drawing/2010/main" xmlns:m="http://schemas.openxmlformats.org/officeDocument/2006/math" xmlns="" val="1"/>
+              <ma14:wrappingTextBoxFlag xmlns="" xmlns:m="http://schemas.openxmlformats.org/officeDocument/2006/math" xmlns:a14="http://schemas.microsoft.com/office/drawing/2010/main" xmlns:ma14="http://schemas.microsoft.com/office/mac/drawingml/2011/main" val="1"/>
             </a:ext>
           </a:extLst>
         </p:spPr>
@@ -14825,7 +14824,7 @@
           </a:effectLst>
           <a:extLst>
             <a:ext uri="{C572A759-6A51-4108-AA02-DFA0A04FC94B}">
-              <ma14:wrappingTextBoxFlag xmlns:ma14="http://schemas.microsoft.com/office/mac/drawingml/2011/main" xmlns:a14="http://schemas.microsoft.com/office/drawing/2010/main" xmlns:m="http://schemas.openxmlformats.org/officeDocument/2006/math" xmlns="" val="1"/>
+              <ma14:wrappingTextBoxFlag xmlns="" xmlns:m="http://schemas.openxmlformats.org/officeDocument/2006/math" xmlns:a14="http://schemas.microsoft.com/office/drawing/2010/main" xmlns:ma14="http://schemas.microsoft.com/office/mac/drawingml/2011/main" val="1"/>
             </a:ext>
           </a:extLst>
         </p:spPr>
@@ -14890,7 +14889,7 @@
           </a:effectLst>
           <a:extLst>
             <a:ext uri="{C572A759-6A51-4108-AA02-DFA0A04FC94B}">
-              <ma14:wrappingTextBoxFlag xmlns:ma14="http://schemas.microsoft.com/office/mac/drawingml/2011/main" xmlns:a14="http://schemas.microsoft.com/office/drawing/2010/main" xmlns:m="http://schemas.openxmlformats.org/officeDocument/2006/math" xmlns="" val="1"/>
+              <ma14:wrappingTextBoxFlag xmlns="" xmlns:m="http://schemas.openxmlformats.org/officeDocument/2006/math" xmlns:a14="http://schemas.microsoft.com/office/drawing/2010/main" xmlns:ma14="http://schemas.microsoft.com/office/mac/drawingml/2011/main" val="1"/>
             </a:ext>
           </a:extLst>
         </p:spPr>
@@ -15123,7 +15122,7 @@
           </a:effectLst>
           <a:extLst>
             <a:ext uri="{C572A759-6A51-4108-AA02-DFA0A04FC94B}">
-              <ma14:wrappingTextBoxFlag xmlns:ma14="http://schemas.microsoft.com/office/mac/drawingml/2011/main" xmlns:a14="http://schemas.microsoft.com/office/drawing/2010/main" xmlns:m="http://schemas.openxmlformats.org/officeDocument/2006/math" xmlns="" val="1"/>
+              <ma14:wrappingTextBoxFlag xmlns="" xmlns:m="http://schemas.openxmlformats.org/officeDocument/2006/math" xmlns:a14="http://schemas.microsoft.com/office/drawing/2010/main" xmlns:ma14="http://schemas.microsoft.com/office/mac/drawingml/2011/main" val="1"/>
             </a:ext>
           </a:extLst>
         </p:spPr>
@@ -15204,7 +15203,7 @@
           </a:effectLst>
           <a:extLst>
             <a:ext uri="{C572A759-6A51-4108-AA02-DFA0A04FC94B}">
-              <ma14:wrappingTextBoxFlag xmlns:ma14="http://schemas.microsoft.com/office/mac/drawingml/2011/main" xmlns:a14="http://schemas.microsoft.com/office/drawing/2010/main" xmlns:m="http://schemas.openxmlformats.org/officeDocument/2006/math" xmlns="" val="1"/>
+              <ma14:wrappingTextBoxFlag xmlns="" xmlns:m="http://schemas.openxmlformats.org/officeDocument/2006/math" xmlns:a14="http://schemas.microsoft.com/office/drawing/2010/main" xmlns:ma14="http://schemas.microsoft.com/office/mac/drawingml/2011/main" val="1"/>
             </a:ext>
           </a:extLst>
         </p:spPr>
@@ -15289,7 +15288,7 @@
           </a:effectLst>
           <a:extLst>
             <a:ext uri="{C572A759-6A51-4108-AA02-DFA0A04FC94B}">
-              <ma14:wrappingTextBoxFlag xmlns:ma14="http://schemas.microsoft.com/office/mac/drawingml/2011/main" xmlns:a14="http://schemas.microsoft.com/office/drawing/2010/main" xmlns:m="http://schemas.openxmlformats.org/officeDocument/2006/math" xmlns="" val="1"/>
+              <ma14:wrappingTextBoxFlag xmlns="" xmlns:m="http://schemas.openxmlformats.org/officeDocument/2006/math" xmlns:a14="http://schemas.microsoft.com/office/drawing/2010/main" xmlns:ma14="http://schemas.microsoft.com/office/mac/drawingml/2011/main" val="1"/>
             </a:ext>
           </a:extLst>
         </p:spPr>
@@ -15374,7 +15373,7 @@
           </a:effectLst>
           <a:extLst>
             <a:ext uri="{C572A759-6A51-4108-AA02-DFA0A04FC94B}">
-              <ma14:wrappingTextBoxFlag xmlns:ma14="http://schemas.microsoft.com/office/mac/drawingml/2011/main" xmlns:a14="http://schemas.microsoft.com/office/drawing/2010/main" xmlns:m="http://schemas.openxmlformats.org/officeDocument/2006/math" xmlns="" val="1"/>
+              <ma14:wrappingTextBoxFlag xmlns="" xmlns:m="http://schemas.openxmlformats.org/officeDocument/2006/math" xmlns:a14="http://schemas.microsoft.com/office/drawing/2010/main" xmlns:ma14="http://schemas.microsoft.com/office/mac/drawingml/2011/main" val="1"/>
             </a:ext>
           </a:extLst>
         </p:spPr>
@@ -15455,7 +15454,7 @@
           </a:effectLst>
           <a:extLst>
             <a:ext uri="{C572A759-6A51-4108-AA02-DFA0A04FC94B}">
-              <ma14:wrappingTextBoxFlag xmlns:ma14="http://schemas.microsoft.com/office/mac/drawingml/2011/main" xmlns:a14="http://schemas.microsoft.com/office/drawing/2010/main" xmlns:m="http://schemas.openxmlformats.org/officeDocument/2006/math" xmlns="" val="1"/>
+              <ma14:wrappingTextBoxFlag xmlns="" xmlns:m="http://schemas.openxmlformats.org/officeDocument/2006/math" xmlns:a14="http://schemas.microsoft.com/office/drawing/2010/main" xmlns:ma14="http://schemas.microsoft.com/office/mac/drawingml/2011/main" val="1"/>
             </a:ext>
           </a:extLst>
         </p:spPr>
@@ -15538,7 +15537,7 @@
           </a:effectLst>
           <a:extLst>
             <a:ext uri="{C572A759-6A51-4108-AA02-DFA0A04FC94B}">
-              <ma14:wrappingTextBoxFlag xmlns:ma14="http://schemas.microsoft.com/office/mac/drawingml/2011/main" xmlns:a14="http://schemas.microsoft.com/office/drawing/2010/main" xmlns:m="http://schemas.openxmlformats.org/officeDocument/2006/math" xmlns="" val="1"/>
+              <ma14:wrappingTextBoxFlag xmlns="" xmlns:m="http://schemas.openxmlformats.org/officeDocument/2006/math" xmlns:a14="http://schemas.microsoft.com/office/drawing/2010/main" xmlns:ma14="http://schemas.microsoft.com/office/mac/drawingml/2011/main" val="1"/>
             </a:ext>
           </a:extLst>
         </p:spPr>
@@ -15603,7 +15602,7 @@
           </a:effectLst>
           <a:extLst>
             <a:ext uri="{C572A759-6A51-4108-AA02-DFA0A04FC94B}">
-              <ma14:wrappingTextBoxFlag xmlns:ma14="http://schemas.microsoft.com/office/mac/drawingml/2011/main" xmlns:a14="http://schemas.microsoft.com/office/drawing/2010/main" xmlns:m="http://schemas.openxmlformats.org/officeDocument/2006/math" xmlns="" val="1"/>
+              <ma14:wrappingTextBoxFlag xmlns="" xmlns:m="http://schemas.openxmlformats.org/officeDocument/2006/math" xmlns:a14="http://schemas.microsoft.com/office/drawing/2010/main" xmlns:ma14="http://schemas.microsoft.com/office/mac/drawingml/2011/main" val="1"/>
             </a:ext>
           </a:extLst>
         </p:spPr>
@@ -15688,7 +15687,7 @@
           </a:effectLst>
           <a:extLst>
             <a:ext uri="{C572A759-6A51-4108-AA02-DFA0A04FC94B}">
-              <ma14:wrappingTextBoxFlag xmlns:ma14="http://schemas.microsoft.com/office/mac/drawingml/2011/main" xmlns:a14="http://schemas.microsoft.com/office/drawing/2010/main" xmlns:m="http://schemas.openxmlformats.org/officeDocument/2006/math" xmlns="" val="1"/>
+              <ma14:wrappingTextBoxFlag xmlns="" xmlns:m="http://schemas.openxmlformats.org/officeDocument/2006/math" xmlns:a14="http://schemas.microsoft.com/office/drawing/2010/main" xmlns:ma14="http://schemas.microsoft.com/office/mac/drawingml/2011/main" val="1"/>
             </a:ext>
           </a:extLst>
         </p:spPr>
@@ -15924,8 +15923,8 @@
         </p:nvSpPr>
         <p:spPr>
           <a:xfrm>
-            <a:off x="7937357" y="4864511"/>
-            <a:ext cx="1330407" cy="385077"/>
+            <a:off x="5939251" y="3671691"/>
+            <a:ext cx="890337" cy="314049"/>
           </a:xfrm>
           <a:prstGeom prst="roundRect">
             <a:avLst/>
@@ -15953,7 +15952,7 @@
           </a:effectLst>
           <a:extLst>
             <a:ext uri="{C572A759-6A51-4108-AA02-DFA0A04FC94B}">
-              <ma14:wrappingTextBoxFlag xmlns:ma14="http://schemas.microsoft.com/office/mac/drawingml/2011/main" xmlns:a14="http://schemas.microsoft.com/office/drawing/2010/main" xmlns:m="http://schemas.openxmlformats.org/officeDocument/2006/math" xmlns="" val="1"/>
+              <ma14:wrappingTextBoxFlag xmlns="" xmlns:m="http://schemas.openxmlformats.org/officeDocument/2006/math" xmlns:a14="http://schemas.microsoft.com/office/drawing/2010/main" xmlns:ma14="http://schemas.microsoft.com/office/mac/drawingml/2011/main" val="1"/>
             </a:ext>
           </a:extLst>
         </p:spPr>
@@ -15992,7 +15991,7 @@
                 <a:latin typeface="微软雅黑" panose="020B0503020204020204" pitchFamily="34" charset="-122"/>
                 <a:ea typeface="微软雅黑" panose="020B0503020204020204" pitchFamily="34" charset="-122"/>
               </a:rPr>
-              <a:t> healthy instance first</a:t>
+              <a:t> hlty inst</a:t>
             </a:r>
           </a:p>
           <a:p>
@@ -16002,6 +16001,84 @@
               </a:solidFill>
               <a:latin typeface="微软雅黑" panose="020B0503020204020204" pitchFamily="34" charset="-122"/>
               <a:ea typeface="微软雅黑" panose="020B0503020204020204" pitchFamily="34" charset="-122"/>
+            </a:endParaRPr>
+          </a:p>
+        </p:txBody>
+      </p:sp>
+      <p:sp>
+        <p:nvSpPr>
+          <p:cNvPr id="93" name="文本框 92">
+            <a:extLst>
+              <a:ext uri="{FF2B5EF4-FFF2-40B4-BE49-F238E27FC236}">
+                <a16:creationId xmlns:a16="http://schemas.microsoft.com/office/drawing/2014/main" id="{879010A7-FBAD-4F7B-8E94-292A23735C61}"/>
+              </a:ext>
+            </a:extLst>
+          </p:cNvPr>
+          <p:cNvSpPr txBox="1"/>
+          <p:nvPr/>
+        </p:nvSpPr>
+        <p:spPr>
+          <a:xfrm>
+            <a:off x="3154714" y="9262583"/>
+            <a:ext cx="3215960" cy="318036"/>
+          </a:xfrm>
+          <a:prstGeom prst="rect">
+            <a:avLst/>
+          </a:prstGeom>
+          <a:noFill/>
+          <a:ln w="12700" cap="flat">
+            <a:noFill/>
+            <a:miter lim="400000"/>
+          </a:ln>
+          <a:effectLst/>
+          <a:sp3d/>
+        </p:spPr>
+        <p:style>
+          <a:lnRef idx="0">
+            <a:scrgbClr r="0" g="0" b="0"/>
+          </a:lnRef>
+          <a:fillRef idx="0">
+            <a:scrgbClr r="0" g="0" b="0"/>
+          </a:fillRef>
+          <a:effectRef idx="0">
+            <a:scrgbClr r="0" g="0" b="0"/>
+          </a:effectRef>
+          <a:fontRef idx="none"/>
+        </p:style>
+        <p:txBody>
+          <a:bodyPr rot="0" spcFirstLastPara="1" vertOverflow="overflow" horzOverflow="overflow" vert="horz" wrap="square" lIns="50800" tIns="50800" rIns="50800" bIns="50800" numCol="1" spcCol="38100" rtlCol="0" anchor="ctr">
+            <a:spAutoFit/>
+          </a:bodyPr>
+          <a:lstStyle/>
+          <a:p>
+            <a:r>
+              <a:rPr lang="en-US" altLang="zh-CN" sz="1400" b="0" dirty="0">
+                <a:solidFill>
+                  <a:schemeClr val="bg1"/>
+                </a:solidFill>
+                <a:latin typeface="Verdana" panose="020B0604030504040204" pitchFamily="34" charset="0"/>
+                <a:ea typeface="Verdana" panose="020B0604030504040204" pitchFamily="34" charset="0"/>
+                <a:cs typeface="Helvetica Light"/>
+              </a:rPr>
+              <a:t>Hlty Inst -&gt; </a:t>
+            </a:r>
+            <a:r>
+              <a:rPr lang="en-US" altLang="zh-CN" sz="1400" b="0" dirty="0">
+                <a:solidFill>
+                  <a:schemeClr val="bg1"/>
+                </a:solidFill>
+                <a:latin typeface="Verdana" panose="020B0604030504040204" pitchFamily="34" charset="0"/>
+                <a:ea typeface="Verdana" panose="020B0604030504040204" pitchFamily="34" charset="0"/>
+              </a:rPr>
+              <a:t>Healthy instance first</a:t>
+            </a:r>
+            <a:endParaRPr lang="en-US" altLang="zh-CN" sz="1400" b="0" dirty="0">
+              <a:solidFill>
+                <a:schemeClr val="bg1"/>
+              </a:solidFill>
+              <a:latin typeface="Verdana" panose="020B0604030504040204" pitchFamily="34" charset="0"/>
+              <a:ea typeface="Verdana" panose="020B0604030504040204" pitchFamily="34" charset="0"/>
+              <a:cs typeface="Helvetica Light"/>
             </a:endParaRPr>
           </a:p>
         </p:txBody>

--- a/resource/dubbo-go-arch.pptx
+++ b/resource/dubbo-go-arch.pptx
@@ -2233,7 +2233,7 @@
           </a:ln>
           <a:extLst>
             <a:ext uri="{C572A759-6A51-4108-AA02-DFA0A04FC94B}">
-              <ma14:wrappingTextBoxFlag xmlns="" xmlns:m="http://schemas.openxmlformats.org/officeDocument/2006/math" xmlns:a14="http://schemas.microsoft.com/office/drawing/2010/main" xmlns:ma14="http://schemas.microsoft.com/office/mac/drawingml/2011/main" val="1"/>
+              <ma14:wrappingTextBoxFlag xmlns:ma14="http://schemas.microsoft.com/office/mac/drawingml/2011/main" xmlns:a14="http://schemas.microsoft.com/office/drawing/2010/main" xmlns:m="http://schemas.openxmlformats.org/officeDocument/2006/math" xmlns="" val="1"/>
             </a:ext>
           </a:extLst>
         </p:spPr>
@@ -2272,7 +2272,7 @@
           </a:ln>
           <a:extLst>
             <a:ext uri="{C572A759-6A51-4108-AA02-DFA0A04FC94B}">
-              <ma14:wrappingTextBoxFlag xmlns="" xmlns:m="http://schemas.openxmlformats.org/officeDocument/2006/math" xmlns:a14="http://schemas.microsoft.com/office/drawing/2010/main" xmlns:ma14="http://schemas.microsoft.com/office/mac/drawingml/2011/main" val="1"/>
+              <ma14:wrappingTextBoxFlag xmlns:ma14="http://schemas.microsoft.com/office/mac/drawingml/2011/main" xmlns:a14="http://schemas.microsoft.com/office/drawing/2010/main" xmlns:m="http://schemas.openxmlformats.org/officeDocument/2006/math" xmlns="" val="1"/>
             </a:ext>
           </a:extLst>
         </p:spPr>
@@ -3155,7 +3155,7 @@
           </a:effectLst>
           <a:extLst>
             <a:ext uri="{C572A759-6A51-4108-AA02-DFA0A04FC94B}">
-              <ma14:wrappingTextBoxFlag xmlns="" xmlns:m="http://schemas.openxmlformats.org/officeDocument/2006/math" xmlns:a14="http://schemas.microsoft.com/office/drawing/2010/main" xmlns:ma14="http://schemas.microsoft.com/office/mac/drawingml/2011/main" val="1"/>
+              <ma14:wrappingTextBoxFlag xmlns:ma14="http://schemas.microsoft.com/office/mac/drawingml/2011/main" xmlns:a14="http://schemas.microsoft.com/office/drawing/2010/main" xmlns:m="http://schemas.openxmlformats.org/officeDocument/2006/math" xmlns="" val="1"/>
             </a:ext>
           </a:extLst>
         </p:spPr>
@@ -3255,7 +3255,7 @@
           </a:effectLst>
           <a:extLst>
             <a:ext uri="{C572A759-6A51-4108-AA02-DFA0A04FC94B}">
-              <ma14:wrappingTextBoxFlag xmlns="" xmlns:m="http://schemas.openxmlformats.org/officeDocument/2006/math" xmlns:a14="http://schemas.microsoft.com/office/drawing/2010/main" xmlns:ma14="http://schemas.microsoft.com/office/mac/drawingml/2011/main" val="1"/>
+              <ma14:wrappingTextBoxFlag xmlns:ma14="http://schemas.microsoft.com/office/mac/drawingml/2011/main" xmlns:a14="http://schemas.microsoft.com/office/drawing/2010/main" xmlns:m="http://schemas.openxmlformats.org/officeDocument/2006/math" xmlns="" val="1"/>
             </a:ext>
           </a:extLst>
         </p:spPr>
@@ -3298,7 +3298,7 @@
         </p:nvSpPr>
         <p:spPr>
           <a:xfrm>
-            <a:off x="6388017" y="2852422"/>
+            <a:off x="6388017" y="2858928"/>
             <a:ext cx="1083600" cy="2880000"/>
           </a:xfrm>
           <a:prstGeom prst="roundRect">
@@ -3325,7 +3325,7 @@
           </a:effectLst>
           <a:extLst>
             <a:ext uri="{C572A759-6A51-4108-AA02-DFA0A04FC94B}">
-              <ma14:wrappingTextBoxFlag xmlns="" xmlns:m="http://schemas.openxmlformats.org/officeDocument/2006/math" xmlns:a14="http://schemas.microsoft.com/office/drawing/2010/main" xmlns:ma14="http://schemas.microsoft.com/office/mac/drawingml/2011/main" val="1"/>
+              <ma14:wrappingTextBoxFlag xmlns:ma14="http://schemas.microsoft.com/office/mac/drawingml/2011/main" xmlns:a14="http://schemas.microsoft.com/office/drawing/2010/main" xmlns:m="http://schemas.openxmlformats.org/officeDocument/2006/math" xmlns="" val="1"/>
             </a:ext>
           </a:extLst>
         </p:spPr>
@@ -3354,8 +3354,8 @@
         </p:nvSpPr>
         <p:spPr>
           <a:xfrm>
-            <a:off x="6460797" y="4039511"/>
-            <a:ext cx="945786" cy="507307"/>
+            <a:off x="6458800" y="4117026"/>
+            <a:ext cx="946869" cy="381745"/>
           </a:xfrm>
           <a:prstGeom prst="roundRect">
             <a:avLst>
@@ -3378,7 +3378,7 @@
           </a:effectLst>
           <a:extLst>
             <a:ext uri="{C572A759-6A51-4108-AA02-DFA0A04FC94B}">
-              <ma14:wrappingTextBoxFlag xmlns="" xmlns:m="http://schemas.openxmlformats.org/officeDocument/2006/math" xmlns:a14="http://schemas.microsoft.com/office/drawing/2010/main" xmlns:ma14="http://schemas.microsoft.com/office/mac/drawingml/2011/main" val="1"/>
+              <ma14:wrappingTextBoxFlag xmlns:ma14="http://schemas.microsoft.com/office/mac/drawingml/2011/main" xmlns:a14="http://schemas.microsoft.com/office/drawing/2010/main" xmlns:m="http://schemas.openxmlformats.org/officeDocument/2006/math" xmlns="" val="1"/>
             </a:ext>
           </a:extLst>
         </p:spPr>
@@ -3400,19 +3400,6 @@
               <a:t>generic</a:t>
             </a:r>
           </a:p>
-          <a:p>
-            <a:r>
-              <a:rPr sz="1500" b="0" dirty="0">
-                <a:solidFill>
-                  <a:sysClr val="windowText" lastClr="000000"/>
-                </a:solidFill>
-                <a:latin typeface="微软雅黑" panose="020B0503020204020204" pitchFamily="34" charset="-122"/>
-                <a:ea typeface="微软雅黑" panose="020B0503020204020204" pitchFamily="34" charset="-122"/>
-                <a:cs typeface="Helvetica Light"/>
-              </a:rPr>
-              <a:t>invoke</a:t>
-            </a:r>
-          </a:p>
         </p:txBody>
       </p:sp>
       <p:sp>
@@ -3423,8 +3410,8 @@
         </p:nvSpPr>
         <p:spPr>
           <a:xfrm>
-            <a:off x="6460797" y="3334513"/>
-            <a:ext cx="945786" cy="284046"/>
+            <a:off x="6483463" y="3395488"/>
+            <a:ext cx="948427" cy="456919"/>
           </a:xfrm>
           <a:prstGeom prst="roundRect">
             <a:avLst/>
@@ -3445,7 +3432,7 @@
           </a:effectLst>
           <a:extLst>
             <a:ext uri="{C572A759-6A51-4108-AA02-DFA0A04FC94B}">
-              <ma14:wrappingTextBoxFlag xmlns="" xmlns:m="http://schemas.openxmlformats.org/officeDocument/2006/math" xmlns:a14="http://schemas.microsoft.com/office/drawing/2010/main" xmlns:ma14="http://schemas.microsoft.com/office/mac/drawingml/2011/main" val="1"/>
+              <ma14:wrappingTextBoxFlag xmlns:ma14="http://schemas.microsoft.com/office/mac/drawingml/2011/main" xmlns:a14="http://schemas.microsoft.com/office/drawing/2010/main" xmlns:m="http://schemas.openxmlformats.org/officeDocument/2006/math" xmlns="" val="1"/>
             </a:ext>
           </a:extLst>
         </p:spPr>
@@ -3477,8 +3464,8 @@
         </p:nvSpPr>
         <p:spPr>
           <a:xfrm>
-            <a:off x="6460797" y="4967769"/>
-            <a:ext cx="945786" cy="301629"/>
+            <a:off x="6483463" y="4763389"/>
+            <a:ext cx="946869" cy="387129"/>
           </a:xfrm>
           <a:prstGeom prst="roundRect">
             <a:avLst/>
@@ -3499,7 +3486,7 @@
           </a:effectLst>
           <a:extLst>
             <a:ext uri="{C572A759-6A51-4108-AA02-DFA0A04FC94B}">
-              <ma14:wrappingTextBoxFlag xmlns="" xmlns:m="http://schemas.openxmlformats.org/officeDocument/2006/math" xmlns:a14="http://schemas.microsoft.com/office/drawing/2010/main" xmlns:ma14="http://schemas.microsoft.com/office/mac/drawingml/2011/main" val="1"/>
+              <ma14:wrappingTextBoxFlag xmlns:ma14="http://schemas.microsoft.com/office/mac/drawingml/2011/main" xmlns:a14="http://schemas.microsoft.com/office/drawing/2010/main" xmlns:m="http://schemas.openxmlformats.org/officeDocument/2006/math" xmlns="" val="1"/>
             </a:ext>
           </a:extLst>
         </p:spPr>
@@ -3523,299 +3510,278 @@
           </a:p>
         </p:txBody>
       </p:sp>
-      <p:grpSp>
-        <p:nvGrpSpPr>
-          <p:cNvPr id="29" name="Group 28">
-            <a:extLst>
-              <a:ext uri="{FF2B5EF4-FFF2-40B4-BE49-F238E27FC236}">
-                <a16:creationId xmlns:a16="http://schemas.microsoft.com/office/drawing/2014/main" id="{48CB6756-5EC8-4F44-9AF8-64A281A75E6C}"/>
-              </a:ext>
-            </a:extLst>
-          </p:cNvPr>
-          <p:cNvGrpSpPr/>
+      <p:sp>
+        <p:nvSpPr>
+          <p:cNvPr id="130" name="cluster &amp; load balance"/>
+          <p:cNvSpPr/>
           <p:nvPr/>
-        </p:nvGrpSpPr>
-        <p:grpSpPr>
+        </p:nvSpPr>
+        <p:spPr>
           <a:xfrm>
-            <a:off x="1716384" y="2810168"/>
+            <a:off x="1716384" y="2858928"/>
             <a:ext cx="1255462" cy="2880000"/>
-            <a:chOff x="2383951" y="3132668"/>
-            <a:chExt cx="1255462" cy="2880000"/>
-          </a:xfrm>
-        </p:grpSpPr>
-        <p:sp>
-          <p:nvSpPr>
-            <p:cNvPr id="130" name="cluster &amp; load balance"/>
-            <p:cNvSpPr/>
-            <p:nvPr/>
-          </p:nvSpPr>
-          <p:spPr>
-            <a:xfrm>
-              <a:off x="2383951" y="3132668"/>
-              <a:ext cx="1255462" cy="2880000"/>
-            </a:xfrm>
-            <a:prstGeom prst="roundRect">
-              <a:avLst>
-                <a:gd name="adj" fmla="val 3763"/>
-              </a:avLst>
-            </a:prstGeom>
-            <a:solidFill>
-              <a:schemeClr val="bg1">
-                <a:lumMod val="75000"/>
-              </a:schemeClr>
-            </a:solidFill>
-            <a:ln w="12700" cap="flat">
-              <a:noFill/>
-              <a:prstDash val="solid"/>
-              <a:miter lim="400000"/>
-            </a:ln>
-            <a:effectLst>
-              <a:outerShdw blurRad="50800" dist="38100" dir="5400000" algn="t" rotWithShape="0">
-                <a:prstClr val="black">
-                  <a:alpha val="40000"/>
-                </a:prstClr>
-              </a:outerShdw>
-            </a:effectLst>
-            <a:extLst>
-              <a:ext uri="{C572A759-6A51-4108-AA02-DFA0A04FC94B}">
-                <ma14:wrappingTextBoxFlag xmlns="" xmlns:m="http://schemas.openxmlformats.org/officeDocument/2006/math" xmlns:a14="http://schemas.microsoft.com/office/drawing/2010/main" xmlns:ma14="http://schemas.microsoft.com/office/mac/drawingml/2011/main" val="1"/>
-              </a:ext>
-            </a:extLst>
-          </p:spPr>
-          <p:txBody>
-            <a:bodyPr wrap="square" lIns="50800" tIns="50800" rIns="50800" bIns="50800" numCol="1" anchor="t">
-              <a:noAutofit/>
-            </a:bodyPr>
-            <a:lstStyle/>
-            <a:p>
-              <a:r>
-                <a:rPr sz="1700" b="0" dirty="0">
-                  <a:latin typeface="微软雅黑" panose="020B0503020204020204" pitchFamily="34" charset="-122"/>
-                  <a:ea typeface="微软雅黑" panose="020B0503020204020204" pitchFamily="34" charset="-122"/>
-                  <a:cs typeface="Helvetica Light"/>
-                </a:rPr>
-                <a:t>cluster</a:t>
-              </a:r>
-            </a:p>
-          </p:txBody>
-        </p:sp>
-        <p:sp>
-          <p:nvSpPr>
-            <p:cNvPr id="134" name="failover"/>
-            <p:cNvSpPr/>
-            <p:nvPr/>
-          </p:nvSpPr>
-          <p:spPr>
-            <a:xfrm>
-              <a:off x="2470449" y="3782157"/>
-              <a:ext cx="1106736" cy="237600"/>
-            </a:xfrm>
-            <a:prstGeom prst="roundRect">
-              <a:avLst/>
-            </a:prstGeom>
-            <a:solidFill>
-              <a:schemeClr val="accent4"/>
-            </a:solidFill>
-            <a:ln w="12700" cap="flat">
-              <a:noFill/>
-              <a:miter lim="400000"/>
-            </a:ln>
-            <a:effectLst>
-              <a:outerShdw blurRad="38100" dist="25400" dir="5400000" rotWithShape="0">
-                <a:srgbClr val="000000">
-                  <a:alpha val="50000"/>
-                </a:srgbClr>
-              </a:outerShdw>
-            </a:effectLst>
-            <a:extLst>
-              <a:ext uri="{C572A759-6A51-4108-AA02-DFA0A04FC94B}">
-                <ma14:wrappingTextBoxFlag xmlns="" xmlns:m="http://schemas.openxmlformats.org/officeDocument/2006/math" xmlns:a14="http://schemas.microsoft.com/office/drawing/2010/main" xmlns:ma14="http://schemas.microsoft.com/office/mac/drawingml/2011/main" val="1"/>
-              </a:ext>
-            </a:extLst>
-          </p:spPr>
-          <p:txBody>
-            <a:bodyPr wrap="square" lIns="50800" tIns="50800" rIns="50800" bIns="50800" numCol="1" anchor="ctr">
-              <a:noAutofit/>
-            </a:bodyPr>
-            <a:lstStyle/>
-            <a:p>
-              <a:r>
-                <a:rPr sz="1500" b="0" dirty="0">
-                  <a:solidFill>
-                    <a:sysClr val="windowText" lastClr="000000"/>
-                  </a:solidFill>
-                  <a:latin typeface="微软雅黑" panose="020B0503020204020204" pitchFamily="34" charset="-122"/>
-                  <a:ea typeface="微软雅黑" panose="020B0503020204020204" pitchFamily="34" charset="-122"/>
-                  <a:cs typeface="Helvetica Light"/>
-                </a:rPr>
-                <a:t>failover</a:t>
-              </a:r>
-            </a:p>
-          </p:txBody>
-        </p:sp>
-        <p:sp>
-          <p:nvSpPr>
-            <p:cNvPr id="135" name="failfast"/>
-            <p:cNvSpPr/>
-            <p:nvPr/>
-          </p:nvSpPr>
-          <p:spPr>
-            <a:xfrm>
-              <a:off x="2470449" y="4293218"/>
-              <a:ext cx="1106736" cy="238410"/>
-            </a:xfrm>
-            <a:prstGeom prst="roundRect">
-              <a:avLst/>
-            </a:prstGeom>
-            <a:solidFill>
-              <a:schemeClr val="accent4"/>
-            </a:solidFill>
-            <a:ln w="12700" cap="flat">
-              <a:noFill/>
-              <a:miter lim="400000"/>
-            </a:ln>
-            <a:effectLst>
-              <a:outerShdw blurRad="38100" dist="25400" dir="5400000" rotWithShape="0">
-                <a:srgbClr val="000000">
-                  <a:alpha val="50000"/>
-                </a:srgbClr>
-              </a:outerShdw>
-            </a:effectLst>
-            <a:extLst>
-              <a:ext uri="{C572A759-6A51-4108-AA02-DFA0A04FC94B}">
-                <ma14:wrappingTextBoxFlag xmlns="" xmlns:m="http://schemas.openxmlformats.org/officeDocument/2006/math" xmlns:a14="http://schemas.microsoft.com/office/drawing/2010/main" xmlns:ma14="http://schemas.microsoft.com/office/mac/drawingml/2011/main" val="1"/>
-              </a:ext>
-            </a:extLst>
-          </p:spPr>
-          <p:txBody>
-            <a:bodyPr wrap="square" lIns="50800" tIns="50800" rIns="50800" bIns="50800" numCol="1" anchor="ctr">
-              <a:noAutofit/>
-            </a:bodyPr>
-            <a:lstStyle/>
-            <a:p>
-              <a:r>
-                <a:rPr sz="1500" b="0" dirty="0">
-                  <a:solidFill>
-                    <a:sysClr val="windowText" lastClr="000000"/>
-                  </a:solidFill>
-                  <a:latin typeface="微软雅黑" panose="020B0503020204020204" pitchFamily="34" charset="-122"/>
-                  <a:ea typeface="微软雅黑" panose="020B0503020204020204" pitchFamily="34" charset="-122"/>
-                  <a:cs typeface="Helvetica Light"/>
-                </a:rPr>
-                <a:t>failfast</a:t>
-              </a:r>
-            </a:p>
-          </p:txBody>
-        </p:sp>
-        <p:sp>
-          <p:nvSpPr>
-            <p:cNvPr id="136" name="failsafe"/>
-            <p:cNvSpPr/>
-            <p:nvPr/>
-          </p:nvSpPr>
-          <p:spPr>
-            <a:xfrm>
-              <a:off x="2470449" y="4805089"/>
-              <a:ext cx="1106736" cy="236192"/>
-            </a:xfrm>
-            <a:prstGeom prst="roundRect">
-              <a:avLst/>
-            </a:prstGeom>
-            <a:solidFill>
-              <a:schemeClr val="accent4"/>
-            </a:solidFill>
-            <a:ln w="12700" cap="flat">
-              <a:noFill/>
-              <a:miter lim="400000"/>
-            </a:ln>
-            <a:effectLst>
-              <a:outerShdw blurRad="38100" dist="25400" dir="5400000" rotWithShape="0">
-                <a:srgbClr val="000000">
-                  <a:alpha val="50000"/>
-                </a:srgbClr>
-              </a:outerShdw>
-            </a:effectLst>
-            <a:extLst>
-              <a:ext uri="{C572A759-6A51-4108-AA02-DFA0A04FC94B}">
-                <ma14:wrappingTextBoxFlag xmlns="" xmlns:m="http://schemas.openxmlformats.org/officeDocument/2006/math" xmlns:a14="http://schemas.microsoft.com/office/drawing/2010/main" xmlns:ma14="http://schemas.microsoft.com/office/mac/drawingml/2011/main" val="1"/>
-              </a:ext>
-            </a:extLst>
-          </p:spPr>
-          <p:txBody>
-            <a:bodyPr wrap="square" lIns="50800" tIns="50800" rIns="50800" bIns="50800" numCol="1" anchor="ctr">
-              <a:noAutofit/>
-            </a:bodyPr>
-            <a:lstStyle/>
-            <a:p>
-              <a:r>
-                <a:rPr sz="1500" b="0" dirty="0">
-                  <a:solidFill>
-                    <a:sysClr val="windowText" lastClr="000000"/>
-                  </a:solidFill>
-                  <a:latin typeface="微软雅黑" panose="020B0503020204020204" pitchFamily="34" charset="-122"/>
-                  <a:ea typeface="微软雅黑" panose="020B0503020204020204" pitchFamily="34" charset="-122"/>
-                  <a:cs typeface="Helvetica Light"/>
-                </a:rPr>
-                <a:t>failsafe</a:t>
-              </a:r>
-            </a:p>
-          </p:txBody>
-        </p:sp>
-        <p:sp>
-          <p:nvSpPr>
-            <p:cNvPr id="137" name="…"/>
-            <p:cNvSpPr/>
-            <p:nvPr/>
-          </p:nvSpPr>
-          <p:spPr>
-            <a:xfrm>
-              <a:off x="2470449" y="5314742"/>
-              <a:ext cx="1106736" cy="238460"/>
-            </a:xfrm>
-            <a:prstGeom prst="roundRect">
-              <a:avLst/>
-            </a:prstGeom>
-            <a:solidFill>
-              <a:schemeClr val="accent4"/>
-            </a:solidFill>
-            <a:ln w="12700" cap="flat">
-              <a:noFill/>
-              <a:miter lim="400000"/>
-            </a:ln>
-            <a:effectLst>
-              <a:outerShdw blurRad="38100" dist="25400" dir="5400000" rotWithShape="0">
-                <a:srgbClr val="000000">
-                  <a:alpha val="50000"/>
-                </a:srgbClr>
-              </a:outerShdw>
-            </a:effectLst>
-            <a:extLst>
-              <a:ext uri="{C572A759-6A51-4108-AA02-DFA0A04FC94B}">
-                <ma14:wrappingTextBoxFlag xmlns="" xmlns:m="http://schemas.openxmlformats.org/officeDocument/2006/math" xmlns:a14="http://schemas.microsoft.com/office/drawing/2010/main" xmlns:ma14="http://schemas.microsoft.com/office/mac/drawingml/2011/main" val="1"/>
-              </a:ext>
-            </a:extLst>
-          </p:spPr>
-          <p:txBody>
-            <a:bodyPr wrap="square" lIns="50800" tIns="50800" rIns="50800" bIns="50800" numCol="1" anchor="ctr">
-              <a:noAutofit/>
-            </a:bodyPr>
-            <a:lstStyle/>
-            <a:p>
-              <a:r>
-                <a:rPr sz="1500" b="0">
-                  <a:solidFill>
-                    <a:sysClr val="windowText" lastClr="000000"/>
-                  </a:solidFill>
-                  <a:latin typeface="微软雅黑" panose="020B0503020204020204" pitchFamily="34" charset="-122"/>
-                  <a:ea typeface="微软雅黑" panose="020B0503020204020204" pitchFamily="34" charset="-122"/>
-                  <a:cs typeface="Helvetica Light"/>
-                </a:rPr>
-                <a:t>…</a:t>
-              </a:r>
-            </a:p>
-          </p:txBody>
-        </p:sp>
-      </p:grpSp>
+          </a:xfrm>
+          <a:prstGeom prst="roundRect">
+            <a:avLst>
+              <a:gd name="adj" fmla="val 3763"/>
+            </a:avLst>
+          </a:prstGeom>
+          <a:solidFill>
+            <a:schemeClr val="bg1">
+              <a:lumMod val="75000"/>
+            </a:schemeClr>
+          </a:solidFill>
+          <a:ln w="12700" cap="flat">
+            <a:noFill/>
+            <a:prstDash val="solid"/>
+            <a:miter lim="400000"/>
+          </a:ln>
+          <a:effectLst>
+            <a:outerShdw blurRad="50800" dist="38100" dir="5400000" algn="t" rotWithShape="0">
+              <a:prstClr val="black">
+                <a:alpha val="40000"/>
+              </a:prstClr>
+            </a:outerShdw>
+          </a:effectLst>
+          <a:extLst>
+            <a:ext uri="{C572A759-6A51-4108-AA02-DFA0A04FC94B}">
+              <ma14:wrappingTextBoxFlag xmlns:ma14="http://schemas.microsoft.com/office/mac/drawingml/2011/main" xmlns:a14="http://schemas.microsoft.com/office/drawing/2010/main" xmlns:m="http://schemas.openxmlformats.org/officeDocument/2006/math" xmlns="" val="1"/>
+            </a:ext>
+          </a:extLst>
+        </p:spPr>
+        <p:txBody>
+          <a:bodyPr wrap="square" lIns="50800" tIns="50800" rIns="50800" bIns="50800" numCol="1" anchor="t">
+            <a:noAutofit/>
+          </a:bodyPr>
+          <a:lstStyle/>
+          <a:p>
+            <a:r>
+              <a:rPr sz="1700" b="0" dirty="0">
+                <a:latin typeface="微软雅黑" panose="020B0503020204020204" pitchFamily="34" charset="-122"/>
+                <a:ea typeface="微软雅黑" panose="020B0503020204020204" pitchFamily="34" charset="-122"/>
+                <a:cs typeface="Helvetica Light"/>
+              </a:rPr>
+              <a:t>cluster</a:t>
+            </a:r>
+          </a:p>
+        </p:txBody>
+      </p:sp>
+      <p:sp>
+        <p:nvSpPr>
+          <p:cNvPr id="134" name="failover"/>
+          <p:cNvSpPr/>
+          <p:nvPr/>
+        </p:nvSpPr>
+        <p:spPr>
+          <a:xfrm>
+            <a:off x="1802882" y="3459657"/>
+            <a:ext cx="1106736" cy="237600"/>
+          </a:xfrm>
+          <a:prstGeom prst="roundRect">
+            <a:avLst/>
+          </a:prstGeom>
+          <a:solidFill>
+            <a:schemeClr val="accent4"/>
+          </a:solidFill>
+          <a:ln w="12700" cap="flat">
+            <a:noFill/>
+            <a:miter lim="400000"/>
+          </a:ln>
+          <a:effectLst>
+            <a:outerShdw blurRad="38100" dist="25400" dir="5400000" rotWithShape="0">
+              <a:srgbClr val="000000">
+                <a:alpha val="50000"/>
+              </a:srgbClr>
+            </a:outerShdw>
+          </a:effectLst>
+          <a:extLst>
+            <a:ext uri="{C572A759-6A51-4108-AA02-DFA0A04FC94B}">
+              <ma14:wrappingTextBoxFlag xmlns:ma14="http://schemas.microsoft.com/office/mac/drawingml/2011/main" xmlns:a14="http://schemas.microsoft.com/office/drawing/2010/main" xmlns:m="http://schemas.openxmlformats.org/officeDocument/2006/math" xmlns="" val="1"/>
+            </a:ext>
+          </a:extLst>
+        </p:spPr>
+        <p:txBody>
+          <a:bodyPr wrap="square" lIns="50800" tIns="50800" rIns="50800" bIns="50800" numCol="1" anchor="ctr">
+            <a:noAutofit/>
+          </a:bodyPr>
+          <a:lstStyle/>
+          <a:p>
+            <a:r>
+              <a:rPr sz="1500" b="0" dirty="0">
+                <a:solidFill>
+                  <a:sysClr val="windowText" lastClr="000000"/>
+                </a:solidFill>
+                <a:latin typeface="微软雅黑" panose="020B0503020204020204" pitchFamily="34" charset="-122"/>
+                <a:ea typeface="微软雅黑" panose="020B0503020204020204" pitchFamily="34" charset="-122"/>
+                <a:cs typeface="Helvetica Light"/>
+              </a:rPr>
+              <a:t>failover</a:t>
+            </a:r>
+          </a:p>
+        </p:txBody>
+      </p:sp>
+      <p:sp>
+        <p:nvSpPr>
+          <p:cNvPr id="135" name="failfast"/>
+          <p:cNvSpPr/>
+          <p:nvPr/>
+        </p:nvSpPr>
+        <p:spPr>
+          <a:xfrm>
+            <a:off x="1802882" y="3951325"/>
+            <a:ext cx="1106736" cy="238410"/>
+          </a:xfrm>
+          <a:prstGeom prst="roundRect">
+            <a:avLst/>
+          </a:prstGeom>
+          <a:solidFill>
+            <a:schemeClr val="accent4"/>
+          </a:solidFill>
+          <a:ln w="12700" cap="flat">
+            <a:noFill/>
+            <a:miter lim="400000"/>
+          </a:ln>
+          <a:effectLst>
+            <a:outerShdw blurRad="38100" dist="25400" dir="5400000" rotWithShape="0">
+              <a:srgbClr val="000000">
+                <a:alpha val="50000"/>
+              </a:srgbClr>
+            </a:outerShdw>
+          </a:effectLst>
+          <a:extLst>
+            <a:ext uri="{C572A759-6A51-4108-AA02-DFA0A04FC94B}">
+              <ma14:wrappingTextBoxFlag xmlns:ma14="http://schemas.microsoft.com/office/mac/drawingml/2011/main" xmlns:a14="http://schemas.microsoft.com/office/drawing/2010/main" xmlns:m="http://schemas.openxmlformats.org/officeDocument/2006/math" xmlns="" val="1"/>
+            </a:ext>
+          </a:extLst>
+        </p:spPr>
+        <p:txBody>
+          <a:bodyPr wrap="square" lIns="50800" tIns="50800" rIns="50800" bIns="50800" numCol="1" anchor="ctr">
+            <a:noAutofit/>
+          </a:bodyPr>
+          <a:lstStyle/>
+          <a:p>
+            <a:r>
+              <a:rPr sz="1500" b="0" dirty="0">
+                <a:solidFill>
+                  <a:sysClr val="windowText" lastClr="000000"/>
+                </a:solidFill>
+                <a:latin typeface="微软雅黑" panose="020B0503020204020204" pitchFamily="34" charset="-122"/>
+                <a:ea typeface="微软雅黑" panose="020B0503020204020204" pitchFamily="34" charset="-122"/>
+                <a:cs typeface="Helvetica Light"/>
+              </a:rPr>
+              <a:t>failfast</a:t>
+            </a:r>
+          </a:p>
+        </p:txBody>
+      </p:sp>
+      <p:sp>
+        <p:nvSpPr>
+          <p:cNvPr id="136" name="failsafe"/>
+          <p:cNvSpPr/>
+          <p:nvPr/>
+        </p:nvSpPr>
+        <p:spPr>
+          <a:xfrm>
+            <a:off x="1802882" y="4442995"/>
+            <a:ext cx="1106736" cy="236192"/>
+          </a:xfrm>
+          <a:prstGeom prst="roundRect">
+            <a:avLst/>
+          </a:prstGeom>
+          <a:solidFill>
+            <a:schemeClr val="accent4"/>
+          </a:solidFill>
+          <a:ln w="12700" cap="flat">
+            <a:noFill/>
+            <a:miter lim="400000"/>
+          </a:ln>
+          <a:effectLst>
+            <a:outerShdw blurRad="38100" dist="25400" dir="5400000" rotWithShape="0">
+              <a:srgbClr val="000000">
+                <a:alpha val="50000"/>
+              </a:srgbClr>
+            </a:outerShdw>
+          </a:effectLst>
+          <a:extLst>
+            <a:ext uri="{C572A759-6A51-4108-AA02-DFA0A04FC94B}">
+              <ma14:wrappingTextBoxFlag xmlns:ma14="http://schemas.microsoft.com/office/mac/drawingml/2011/main" xmlns:a14="http://schemas.microsoft.com/office/drawing/2010/main" xmlns:m="http://schemas.openxmlformats.org/officeDocument/2006/math" xmlns="" val="1"/>
+            </a:ext>
+          </a:extLst>
+        </p:spPr>
+        <p:txBody>
+          <a:bodyPr wrap="square" lIns="50800" tIns="50800" rIns="50800" bIns="50800" numCol="1" anchor="ctr">
+            <a:noAutofit/>
+          </a:bodyPr>
+          <a:lstStyle/>
+          <a:p>
+            <a:r>
+              <a:rPr sz="1500" b="0" dirty="0">
+                <a:solidFill>
+                  <a:sysClr val="windowText" lastClr="000000"/>
+                </a:solidFill>
+                <a:latin typeface="微软雅黑" panose="020B0503020204020204" pitchFamily="34" charset="-122"/>
+                <a:ea typeface="微软雅黑" panose="020B0503020204020204" pitchFamily="34" charset="-122"/>
+                <a:cs typeface="Helvetica Light"/>
+              </a:rPr>
+              <a:t>failsafe</a:t>
+            </a:r>
+          </a:p>
+        </p:txBody>
+      </p:sp>
+      <p:sp>
+        <p:nvSpPr>
+          <p:cNvPr id="137" name="…"/>
+          <p:cNvSpPr/>
+          <p:nvPr/>
+        </p:nvSpPr>
+        <p:spPr>
+          <a:xfrm>
+            <a:off x="1802882" y="4934666"/>
+            <a:ext cx="1106736" cy="238460"/>
+          </a:xfrm>
+          <a:prstGeom prst="roundRect">
+            <a:avLst/>
+          </a:prstGeom>
+          <a:solidFill>
+            <a:schemeClr val="accent4"/>
+          </a:solidFill>
+          <a:ln w="12700" cap="flat">
+            <a:noFill/>
+            <a:miter lim="400000"/>
+          </a:ln>
+          <a:effectLst>
+            <a:outerShdw blurRad="38100" dist="25400" dir="5400000" rotWithShape="0">
+              <a:srgbClr val="000000">
+                <a:alpha val="50000"/>
+              </a:srgbClr>
+            </a:outerShdw>
+          </a:effectLst>
+          <a:extLst>
+            <a:ext uri="{C572A759-6A51-4108-AA02-DFA0A04FC94B}">
+              <ma14:wrappingTextBoxFlag xmlns:ma14="http://schemas.microsoft.com/office/mac/drawingml/2011/main" xmlns:a14="http://schemas.microsoft.com/office/drawing/2010/main" xmlns:m="http://schemas.openxmlformats.org/officeDocument/2006/math" xmlns="" val="1"/>
+            </a:ext>
+          </a:extLst>
+        </p:spPr>
+        <p:txBody>
+          <a:bodyPr wrap="square" lIns="50800" tIns="50800" rIns="50800" bIns="50800" numCol="1" anchor="ctr">
+            <a:noAutofit/>
+          </a:bodyPr>
+          <a:lstStyle/>
+          <a:p>
+            <a:r>
+              <a:rPr sz="1500" b="0" dirty="0">
+                <a:solidFill>
+                  <a:sysClr val="windowText" lastClr="000000"/>
+                </a:solidFill>
+                <a:latin typeface="微软雅黑" panose="020B0503020204020204" pitchFamily="34" charset="-122"/>
+                <a:ea typeface="微软雅黑" panose="020B0503020204020204" pitchFamily="34" charset="-122"/>
+                <a:cs typeface="Helvetica Light"/>
+              </a:rPr>
+              <a:t>…</a:t>
+            </a:r>
+          </a:p>
+        </p:txBody>
+      </p:sp>
       <p:sp>
         <p:nvSpPr>
           <p:cNvPr id="139" name="Registry"/>
@@ -3846,7 +3812,7 @@
           </a:effectLst>
           <a:extLst>
             <a:ext uri="{C572A759-6A51-4108-AA02-DFA0A04FC94B}">
-              <ma14:wrappingTextBoxFlag xmlns="" xmlns:m="http://schemas.openxmlformats.org/officeDocument/2006/math" xmlns:a14="http://schemas.microsoft.com/office/drawing/2010/main" xmlns:ma14="http://schemas.microsoft.com/office/mac/drawingml/2011/main" val="1"/>
+              <ma14:wrappingTextBoxFlag xmlns:ma14="http://schemas.microsoft.com/office/mac/drawingml/2011/main" xmlns:a14="http://schemas.microsoft.com/office/drawing/2010/main" xmlns:m="http://schemas.openxmlformats.org/officeDocument/2006/math" xmlns="" val="1"/>
             </a:ext>
           </a:extLst>
         </p:spPr>
@@ -4022,7 +3988,7 @@
           </a:effectLst>
           <a:extLst>
             <a:ext uri="{C572A759-6A51-4108-AA02-DFA0A04FC94B}">
-              <ma14:wrappingTextBoxFlag xmlns="" xmlns:m="http://schemas.openxmlformats.org/officeDocument/2006/math" xmlns:a14="http://schemas.microsoft.com/office/drawing/2010/main" xmlns:ma14="http://schemas.microsoft.com/office/mac/drawingml/2011/main" val="1"/>
+              <ma14:wrappingTextBoxFlag xmlns:ma14="http://schemas.microsoft.com/office/mac/drawingml/2011/main" xmlns:a14="http://schemas.microsoft.com/office/drawing/2010/main" xmlns:m="http://schemas.openxmlformats.org/officeDocument/2006/math" xmlns="" val="1"/>
             </a:ext>
           </a:extLst>
         </p:spPr>
@@ -4119,7 +4085,7 @@
         </p:nvSpPr>
         <p:spPr>
           <a:xfrm>
-            <a:off x="85113" y="2810168"/>
+            <a:off x="85113" y="2858928"/>
             <a:ext cx="1329522" cy="2880000"/>
           </a:xfrm>
           <a:prstGeom prst="roundRect">
@@ -4146,7 +4112,7 @@
           </a:effectLst>
           <a:extLst>
             <a:ext uri="{C572A759-6A51-4108-AA02-DFA0A04FC94B}">
-              <ma14:wrappingTextBoxFlag xmlns="" xmlns:m="http://schemas.openxmlformats.org/officeDocument/2006/math" xmlns:a14="http://schemas.microsoft.com/office/drawing/2010/main" xmlns:ma14="http://schemas.microsoft.com/office/mac/drawingml/2011/main" val="1"/>
+              <ma14:wrappingTextBoxFlag xmlns:ma14="http://schemas.microsoft.com/office/mac/drawingml/2011/main" xmlns:a14="http://schemas.microsoft.com/office/drawing/2010/main" xmlns:m="http://schemas.openxmlformats.org/officeDocument/2006/math" xmlns="" val="1"/>
             </a:ext>
           </a:extLst>
         </p:spPr>
@@ -4175,287 +4141,266 @@
           </a:p>
         </p:txBody>
       </p:sp>
-      <p:grpSp>
-        <p:nvGrpSpPr>
-          <p:cNvPr id="31" name="Group 30">
-            <a:extLst>
-              <a:ext uri="{FF2B5EF4-FFF2-40B4-BE49-F238E27FC236}">
-                <a16:creationId xmlns:a16="http://schemas.microsoft.com/office/drawing/2014/main" id="{99B72108-C06A-4C4C-BD08-534AE990F7D9}"/>
-              </a:ext>
-            </a:extLst>
-          </p:cNvPr>
-          <p:cNvGrpSpPr/>
+      <p:sp>
+        <p:nvSpPr>
+          <p:cNvPr id="207" name="interface1"/>
+          <p:cNvSpPr/>
           <p:nvPr/>
-        </p:nvGrpSpPr>
-        <p:grpSpPr>
+        </p:nvSpPr>
+        <p:spPr>
           <a:xfrm>
             <a:off x="192258" y="3459657"/>
-            <a:ext cx="1126048" cy="1713469"/>
-            <a:chOff x="819907" y="3778702"/>
-            <a:chExt cx="1126048" cy="1713469"/>
-          </a:xfrm>
-        </p:grpSpPr>
-        <p:sp>
-          <p:nvSpPr>
-            <p:cNvPr id="207" name="interface1"/>
-            <p:cNvSpPr/>
-            <p:nvPr/>
-          </p:nvSpPr>
-          <p:spPr>
-            <a:xfrm>
-              <a:off x="819907" y="3778702"/>
-              <a:ext cx="1123384" cy="238458"/>
-            </a:xfrm>
-            <a:prstGeom prst="roundRect">
-              <a:avLst/>
-            </a:prstGeom>
-            <a:solidFill>
-              <a:schemeClr val="accent4"/>
-            </a:solidFill>
-            <a:ln w="12700" cap="flat">
-              <a:noFill/>
-              <a:miter lim="400000"/>
-            </a:ln>
-            <a:effectLst>
-              <a:outerShdw blurRad="38100" dist="25400" dir="5400000" rotWithShape="0">
-                <a:srgbClr val="000000">
-                  <a:alpha val="50000"/>
-                </a:srgbClr>
-              </a:outerShdw>
-            </a:effectLst>
-            <a:extLst>
-              <a:ext uri="{C572A759-6A51-4108-AA02-DFA0A04FC94B}">
-                <ma14:wrappingTextBoxFlag xmlns="" xmlns:m="http://schemas.openxmlformats.org/officeDocument/2006/math" xmlns:a14="http://schemas.microsoft.com/office/drawing/2010/main" xmlns:ma14="http://schemas.microsoft.com/office/mac/drawingml/2011/main" val="1"/>
-              </a:ext>
-            </a:extLst>
-          </p:spPr>
-          <p:txBody>
-            <a:bodyPr wrap="square" lIns="50800" tIns="50800" rIns="50800" bIns="50800" numCol="1" anchor="ctr">
-              <a:noAutofit/>
-            </a:bodyPr>
-            <a:lstStyle>
-              <a:lvl1pPr>
-                <a:defRPr sz="1500" b="0">
-                  <a:solidFill>
-                    <a:srgbClr val="FFFFFF"/>
-                  </a:solidFill>
-                  <a:latin typeface="Helvetica Light"/>
-                  <a:ea typeface="Helvetica Light"/>
-                  <a:cs typeface="Helvetica Light"/>
-                  <a:sym typeface="Helvetica Light"/>
-                </a:defRPr>
-              </a:lvl1pPr>
-            </a:lstStyle>
-            <a:p>
-              <a:r>
-                <a:rPr dirty="0">
-                  <a:solidFill>
-                    <a:sysClr val="windowText" lastClr="000000"/>
-                  </a:solidFill>
-                  <a:latin typeface="微软雅黑" panose="020B0503020204020204" pitchFamily="34" charset="-122"/>
-                  <a:ea typeface="微软雅黑" panose="020B0503020204020204" pitchFamily="34" charset="-122"/>
-                </a:rPr>
-                <a:t>interface1</a:t>
-              </a:r>
-            </a:p>
-          </p:txBody>
-        </p:sp>
-        <p:sp>
-          <p:nvSpPr>
-            <p:cNvPr id="208" name="interface2"/>
-            <p:cNvSpPr/>
-            <p:nvPr/>
-          </p:nvSpPr>
-          <p:spPr>
-            <a:xfrm>
-              <a:off x="820795" y="4270371"/>
-              <a:ext cx="1123384" cy="238460"/>
-            </a:xfrm>
-            <a:prstGeom prst="roundRect">
-              <a:avLst/>
-            </a:prstGeom>
-            <a:solidFill>
-              <a:schemeClr val="accent4"/>
-            </a:solidFill>
-            <a:ln w="12700" cap="flat">
-              <a:noFill/>
-              <a:miter lim="400000"/>
-            </a:ln>
-            <a:effectLst>
-              <a:outerShdw blurRad="38100" dist="25400" dir="5400000" rotWithShape="0">
-                <a:srgbClr val="000000">
-                  <a:alpha val="50000"/>
-                </a:srgbClr>
-              </a:outerShdw>
-            </a:effectLst>
-            <a:extLst>
-              <a:ext uri="{C572A759-6A51-4108-AA02-DFA0A04FC94B}">
-                <ma14:wrappingTextBoxFlag xmlns="" xmlns:m="http://schemas.openxmlformats.org/officeDocument/2006/math" xmlns:a14="http://schemas.microsoft.com/office/drawing/2010/main" xmlns:ma14="http://schemas.microsoft.com/office/mac/drawingml/2011/main" val="1"/>
-              </a:ext>
-            </a:extLst>
-          </p:spPr>
-          <p:txBody>
-            <a:bodyPr wrap="square" lIns="50800" tIns="50800" rIns="50800" bIns="50800" numCol="1" anchor="ctr">
-              <a:noAutofit/>
-            </a:bodyPr>
-            <a:lstStyle>
-              <a:lvl1pPr>
-                <a:defRPr sz="1500" b="0">
-                  <a:solidFill>
-                    <a:srgbClr val="FFFFFF"/>
-                  </a:solidFill>
-                  <a:latin typeface="Helvetica Light"/>
-                  <a:ea typeface="Helvetica Light"/>
-                  <a:cs typeface="Helvetica Light"/>
-                  <a:sym typeface="Helvetica Light"/>
-                </a:defRPr>
-              </a:lvl1pPr>
-            </a:lstStyle>
-            <a:p>
-              <a:r>
-                <a:rPr dirty="0">
-                  <a:solidFill>
-                    <a:sysClr val="windowText" lastClr="000000"/>
-                  </a:solidFill>
-                  <a:latin typeface="微软雅黑" panose="020B0503020204020204" pitchFamily="34" charset="-122"/>
-                  <a:ea typeface="微软雅黑" panose="020B0503020204020204" pitchFamily="34" charset="-122"/>
-                </a:rPr>
-                <a:t>interface2</a:t>
-              </a:r>
-            </a:p>
-          </p:txBody>
-        </p:sp>
-        <p:sp>
-          <p:nvSpPr>
-            <p:cNvPr id="209" name="interface3"/>
-            <p:cNvSpPr/>
-            <p:nvPr/>
-          </p:nvSpPr>
-          <p:spPr>
-            <a:xfrm>
-              <a:off x="821683" y="4762041"/>
-              <a:ext cx="1123384" cy="238460"/>
-            </a:xfrm>
-            <a:prstGeom prst="roundRect">
-              <a:avLst/>
-            </a:prstGeom>
-            <a:solidFill>
-              <a:schemeClr val="accent4"/>
-            </a:solidFill>
-            <a:ln w="12700" cap="flat">
-              <a:noFill/>
-              <a:miter lim="400000"/>
-            </a:ln>
-            <a:effectLst>
-              <a:outerShdw blurRad="38100" dist="25400" dir="5400000" rotWithShape="0">
-                <a:srgbClr val="000000">
-                  <a:alpha val="50000"/>
-                </a:srgbClr>
-              </a:outerShdw>
-            </a:effectLst>
-            <a:extLst>
-              <a:ext uri="{C572A759-6A51-4108-AA02-DFA0A04FC94B}">
-                <ma14:wrappingTextBoxFlag xmlns="" xmlns:m="http://schemas.openxmlformats.org/officeDocument/2006/math" xmlns:a14="http://schemas.microsoft.com/office/drawing/2010/main" xmlns:ma14="http://schemas.microsoft.com/office/mac/drawingml/2011/main" val="1"/>
-              </a:ext>
-            </a:extLst>
-          </p:spPr>
-          <p:txBody>
-            <a:bodyPr wrap="square" lIns="50800" tIns="50800" rIns="50800" bIns="50800" numCol="1" anchor="ctr">
-              <a:noAutofit/>
-            </a:bodyPr>
-            <a:lstStyle>
-              <a:lvl1pPr>
-                <a:defRPr sz="1500" b="0">
-                  <a:solidFill>
-                    <a:srgbClr val="FFFFFF"/>
-                  </a:solidFill>
-                  <a:latin typeface="Helvetica Light"/>
-                  <a:ea typeface="Helvetica Light"/>
-                  <a:cs typeface="Helvetica Light"/>
-                  <a:sym typeface="Helvetica Light"/>
-                </a:defRPr>
-              </a:lvl1pPr>
-            </a:lstStyle>
-            <a:p>
-              <a:r>
-                <a:rPr dirty="0">
-                  <a:solidFill>
-                    <a:sysClr val="windowText" lastClr="000000"/>
-                  </a:solidFill>
-                  <a:latin typeface="微软雅黑" panose="020B0503020204020204" pitchFamily="34" charset="-122"/>
-                  <a:ea typeface="微软雅黑" panose="020B0503020204020204" pitchFamily="34" charset="-122"/>
-                </a:rPr>
-                <a:t>interface3</a:t>
-              </a:r>
-            </a:p>
-          </p:txBody>
-        </p:sp>
-        <p:sp>
-          <p:nvSpPr>
-            <p:cNvPr id="210" name="…"/>
-            <p:cNvSpPr/>
-            <p:nvPr/>
-          </p:nvSpPr>
-          <p:spPr>
-            <a:xfrm>
-              <a:off x="822571" y="5253711"/>
-              <a:ext cx="1123384" cy="238460"/>
-            </a:xfrm>
-            <a:prstGeom prst="roundRect">
-              <a:avLst/>
-            </a:prstGeom>
-            <a:solidFill>
-              <a:schemeClr val="accent4"/>
-            </a:solidFill>
-            <a:ln w="12700" cap="flat">
-              <a:noFill/>
-              <a:miter lim="400000"/>
-            </a:ln>
-            <a:effectLst>
-              <a:outerShdw blurRad="38100" dist="25400" dir="5400000" rotWithShape="0">
-                <a:srgbClr val="000000">
-                  <a:alpha val="50000"/>
-                </a:srgbClr>
-              </a:outerShdw>
-            </a:effectLst>
-            <a:extLst>
-              <a:ext uri="{C572A759-6A51-4108-AA02-DFA0A04FC94B}">
-                <ma14:wrappingTextBoxFlag xmlns="" xmlns:m="http://schemas.openxmlformats.org/officeDocument/2006/math" xmlns:a14="http://schemas.microsoft.com/office/drawing/2010/main" xmlns:ma14="http://schemas.microsoft.com/office/mac/drawingml/2011/main" val="1"/>
-              </a:ext>
-            </a:extLst>
-          </p:spPr>
-          <p:txBody>
-            <a:bodyPr wrap="square" lIns="50800" tIns="50800" rIns="50800" bIns="50800" numCol="1" anchor="ctr">
-              <a:noAutofit/>
-            </a:bodyPr>
-            <a:lstStyle>
-              <a:lvl1pPr>
-                <a:defRPr sz="1500" b="0">
-                  <a:solidFill>
-                    <a:srgbClr val="FFFFFF"/>
-                  </a:solidFill>
-                  <a:latin typeface="Helvetica Light"/>
-                  <a:ea typeface="Helvetica Light"/>
-                  <a:cs typeface="Helvetica Light"/>
-                  <a:sym typeface="Helvetica Light"/>
-                </a:defRPr>
-              </a:lvl1pPr>
-            </a:lstStyle>
-            <a:p>
-              <a:r>
-                <a:rPr>
-                  <a:solidFill>
-                    <a:sysClr val="windowText" lastClr="000000"/>
-                  </a:solidFill>
-                  <a:latin typeface="微软雅黑" panose="020B0503020204020204" pitchFamily="34" charset="-122"/>
-                  <a:ea typeface="微软雅黑" panose="020B0503020204020204" pitchFamily="34" charset="-122"/>
-                </a:rPr>
-                <a:t>…</a:t>
-              </a:r>
-            </a:p>
-          </p:txBody>
-        </p:sp>
-      </p:grpSp>
+            <a:ext cx="1123384" cy="238458"/>
+          </a:xfrm>
+          <a:prstGeom prst="roundRect">
+            <a:avLst/>
+          </a:prstGeom>
+          <a:solidFill>
+            <a:schemeClr val="accent4"/>
+          </a:solidFill>
+          <a:ln w="12700" cap="flat">
+            <a:noFill/>
+            <a:miter lim="400000"/>
+          </a:ln>
+          <a:effectLst>
+            <a:outerShdw blurRad="38100" dist="25400" dir="5400000" rotWithShape="0">
+              <a:srgbClr val="000000">
+                <a:alpha val="50000"/>
+              </a:srgbClr>
+            </a:outerShdw>
+          </a:effectLst>
+          <a:extLst>
+            <a:ext uri="{C572A759-6A51-4108-AA02-DFA0A04FC94B}">
+              <ma14:wrappingTextBoxFlag xmlns:ma14="http://schemas.microsoft.com/office/mac/drawingml/2011/main" xmlns:a14="http://schemas.microsoft.com/office/drawing/2010/main" xmlns:m="http://schemas.openxmlformats.org/officeDocument/2006/math" xmlns="" val="1"/>
+            </a:ext>
+          </a:extLst>
+        </p:spPr>
+        <p:txBody>
+          <a:bodyPr wrap="square" lIns="50800" tIns="50800" rIns="50800" bIns="50800" numCol="1" anchor="ctr">
+            <a:noAutofit/>
+          </a:bodyPr>
+          <a:lstStyle>
+            <a:lvl1pPr>
+              <a:defRPr sz="1500" b="0">
+                <a:solidFill>
+                  <a:srgbClr val="FFFFFF"/>
+                </a:solidFill>
+                <a:latin typeface="Helvetica Light"/>
+                <a:ea typeface="Helvetica Light"/>
+                <a:cs typeface="Helvetica Light"/>
+                <a:sym typeface="Helvetica Light"/>
+              </a:defRPr>
+            </a:lvl1pPr>
+          </a:lstStyle>
+          <a:p>
+            <a:r>
+              <a:rPr dirty="0">
+                <a:solidFill>
+                  <a:sysClr val="windowText" lastClr="000000"/>
+                </a:solidFill>
+                <a:latin typeface="微软雅黑" panose="020B0503020204020204" pitchFamily="34" charset="-122"/>
+                <a:ea typeface="微软雅黑" panose="020B0503020204020204" pitchFamily="34" charset="-122"/>
+              </a:rPr>
+              <a:t>interface1</a:t>
+            </a:r>
+          </a:p>
+        </p:txBody>
+      </p:sp>
+      <p:sp>
+        <p:nvSpPr>
+          <p:cNvPr id="208" name="interface2"/>
+          <p:cNvSpPr/>
+          <p:nvPr/>
+        </p:nvSpPr>
+        <p:spPr>
+          <a:xfrm>
+            <a:off x="193146" y="3951325"/>
+            <a:ext cx="1123384" cy="238460"/>
+          </a:xfrm>
+          <a:prstGeom prst="roundRect">
+            <a:avLst/>
+          </a:prstGeom>
+          <a:solidFill>
+            <a:schemeClr val="accent4"/>
+          </a:solidFill>
+          <a:ln w="12700" cap="flat">
+            <a:noFill/>
+            <a:miter lim="400000"/>
+          </a:ln>
+          <a:effectLst>
+            <a:outerShdw blurRad="38100" dist="25400" dir="5400000" rotWithShape="0">
+              <a:srgbClr val="000000">
+                <a:alpha val="50000"/>
+              </a:srgbClr>
+            </a:outerShdw>
+          </a:effectLst>
+          <a:extLst>
+            <a:ext uri="{C572A759-6A51-4108-AA02-DFA0A04FC94B}">
+              <ma14:wrappingTextBoxFlag xmlns:ma14="http://schemas.microsoft.com/office/mac/drawingml/2011/main" xmlns:a14="http://schemas.microsoft.com/office/drawing/2010/main" xmlns:m="http://schemas.openxmlformats.org/officeDocument/2006/math" xmlns="" val="1"/>
+            </a:ext>
+          </a:extLst>
+        </p:spPr>
+        <p:txBody>
+          <a:bodyPr wrap="square" lIns="50800" tIns="50800" rIns="50800" bIns="50800" numCol="1" anchor="ctr">
+            <a:noAutofit/>
+          </a:bodyPr>
+          <a:lstStyle>
+            <a:lvl1pPr>
+              <a:defRPr sz="1500" b="0">
+                <a:solidFill>
+                  <a:srgbClr val="FFFFFF"/>
+                </a:solidFill>
+                <a:latin typeface="Helvetica Light"/>
+                <a:ea typeface="Helvetica Light"/>
+                <a:cs typeface="Helvetica Light"/>
+                <a:sym typeface="Helvetica Light"/>
+              </a:defRPr>
+            </a:lvl1pPr>
+          </a:lstStyle>
+          <a:p>
+            <a:r>
+              <a:rPr dirty="0">
+                <a:solidFill>
+                  <a:sysClr val="windowText" lastClr="000000"/>
+                </a:solidFill>
+                <a:latin typeface="微软雅黑" panose="020B0503020204020204" pitchFamily="34" charset="-122"/>
+                <a:ea typeface="微软雅黑" panose="020B0503020204020204" pitchFamily="34" charset="-122"/>
+              </a:rPr>
+              <a:t>interface2</a:t>
+            </a:r>
+          </a:p>
+        </p:txBody>
+      </p:sp>
+      <p:sp>
+        <p:nvSpPr>
+          <p:cNvPr id="209" name="interface3"/>
+          <p:cNvSpPr/>
+          <p:nvPr/>
+        </p:nvSpPr>
+        <p:spPr>
+          <a:xfrm>
+            <a:off x="194034" y="4442995"/>
+            <a:ext cx="1123384" cy="238460"/>
+          </a:xfrm>
+          <a:prstGeom prst="roundRect">
+            <a:avLst/>
+          </a:prstGeom>
+          <a:solidFill>
+            <a:schemeClr val="accent4"/>
+          </a:solidFill>
+          <a:ln w="12700" cap="flat">
+            <a:noFill/>
+            <a:miter lim="400000"/>
+          </a:ln>
+          <a:effectLst>
+            <a:outerShdw blurRad="38100" dist="25400" dir="5400000" rotWithShape="0">
+              <a:srgbClr val="000000">
+                <a:alpha val="50000"/>
+              </a:srgbClr>
+            </a:outerShdw>
+          </a:effectLst>
+          <a:extLst>
+            <a:ext uri="{C572A759-6A51-4108-AA02-DFA0A04FC94B}">
+              <ma14:wrappingTextBoxFlag xmlns:ma14="http://schemas.microsoft.com/office/mac/drawingml/2011/main" xmlns:a14="http://schemas.microsoft.com/office/drawing/2010/main" xmlns:m="http://schemas.openxmlformats.org/officeDocument/2006/math" xmlns="" val="1"/>
+            </a:ext>
+          </a:extLst>
+        </p:spPr>
+        <p:txBody>
+          <a:bodyPr wrap="square" lIns="50800" tIns="50800" rIns="50800" bIns="50800" numCol="1" anchor="ctr">
+            <a:noAutofit/>
+          </a:bodyPr>
+          <a:lstStyle>
+            <a:lvl1pPr>
+              <a:defRPr sz="1500" b="0">
+                <a:solidFill>
+                  <a:srgbClr val="FFFFFF"/>
+                </a:solidFill>
+                <a:latin typeface="Helvetica Light"/>
+                <a:ea typeface="Helvetica Light"/>
+                <a:cs typeface="Helvetica Light"/>
+                <a:sym typeface="Helvetica Light"/>
+              </a:defRPr>
+            </a:lvl1pPr>
+          </a:lstStyle>
+          <a:p>
+            <a:r>
+              <a:rPr dirty="0">
+                <a:solidFill>
+                  <a:sysClr val="windowText" lastClr="000000"/>
+                </a:solidFill>
+                <a:latin typeface="微软雅黑" panose="020B0503020204020204" pitchFamily="34" charset="-122"/>
+                <a:ea typeface="微软雅黑" panose="020B0503020204020204" pitchFamily="34" charset="-122"/>
+              </a:rPr>
+              <a:t>interface3</a:t>
+            </a:r>
+          </a:p>
+        </p:txBody>
+      </p:sp>
+      <p:sp>
+        <p:nvSpPr>
+          <p:cNvPr id="210" name="…"/>
+          <p:cNvSpPr/>
+          <p:nvPr/>
+        </p:nvSpPr>
+        <p:spPr>
+          <a:xfrm>
+            <a:off x="194922" y="4934666"/>
+            <a:ext cx="1123384" cy="238460"/>
+          </a:xfrm>
+          <a:prstGeom prst="roundRect">
+            <a:avLst/>
+          </a:prstGeom>
+          <a:solidFill>
+            <a:schemeClr val="accent4"/>
+          </a:solidFill>
+          <a:ln w="12700" cap="flat">
+            <a:noFill/>
+            <a:miter lim="400000"/>
+          </a:ln>
+          <a:effectLst>
+            <a:outerShdw blurRad="38100" dist="25400" dir="5400000" rotWithShape="0">
+              <a:srgbClr val="000000">
+                <a:alpha val="50000"/>
+              </a:srgbClr>
+            </a:outerShdw>
+          </a:effectLst>
+          <a:extLst>
+            <a:ext uri="{C572A759-6A51-4108-AA02-DFA0A04FC94B}">
+              <ma14:wrappingTextBoxFlag xmlns:ma14="http://schemas.microsoft.com/office/mac/drawingml/2011/main" xmlns:a14="http://schemas.microsoft.com/office/drawing/2010/main" xmlns:m="http://schemas.openxmlformats.org/officeDocument/2006/math" xmlns="" val="1"/>
+            </a:ext>
+          </a:extLst>
+        </p:spPr>
+        <p:txBody>
+          <a:bodyPr wrap="square" lIns="50800" tIns="50800" rIns="50800" bIns="50800" numCol="1" anchor="ctr">
+            <a:noAutofit/>
+          </a:bodyPr>
+          <a:lstStyle>
+            <a:lvl1pPr>
+              <a:defRPr sz="1500" b="0">
+                <a:solidFill>
+                  <a:srgbClr val="FFFFFF"/>
+                </a:solidFill>
+                <a:latin typeface="Helvetica Light"/>
+                <a:ea typeface="Helvetica Light"/>
+                <a:cs typeface="Helvetica Light"/>
+                <a:sym typeface="Helvetica Light"/>
+              </a:defRPr>
+            </a:lvl1pPr>
+          </a:lstStyle>
+          <a:p>
+            <a:r>
+              <a:rPr>
+                <a:solidFill>
+                  <a:sysClr val="windowText" lastClr="000000"/>
+                </a:solidFill>
+                <a:latin typeface="微软雅黑" panose="020B0503020204020204" pitchFamily="34" charset="-122"/>
+                <a:ea typeface="微软雅黑" panose="020B0503020204020204" pitchFamily="34" charset="-122"/>
+              </a:rPr>
+              <a:t>…</a:t>
+            </a:r>
+          </a:p>
+        </p:txBody>
+      </p:sp>
       <p:sp>
         <p:nvSpPr>
           <p:cNvPr id="95" name="Line"/>
@@ -4518,7 +4463,7 @@
         </p:nvSpPr>
         <p:spPr>
           <a:xfrm>
-            <a:off x="12221429" y="4134118"/>
+            <a:off x="12221429" y="4254434"/>
             <a:ext cx="262228" cy="0"/>
           </a:xfrm>
           <a:prstGeom prst="line">
@@ -4572,7 +4517,7 @@
         </p:nvSpPr>
         <p:spPr>
           <a:xfrm>
-            <a:off x="13693750" y="4165073"/>
+            <a:off x="13693750" y="4254434"/>
             <a:ext cx="262228" cy="0"/>
           </a:xfrm>
           <a:prstGeom prst="line">
@@ -4626,7 +4571,7 @@
         </p:nvSpPr>
         <p:spPr>
           <a:xfrm>
-            <a:off x="15450285" y="4143076"/>
+            <a:off x="15450285" y="4254434"/>
             <a:ext cx="262228" cy="0"/>
           </a:xfrm>
           <a:prstGeom prst="line">
@@ -4707,7 +4652,7 @@
           </a:effectLst>
           <a:extLst>
             <a:ext uri="{C572A759-6A51-4108-AA02-DFA0A04FC94B}">
-              <ma14:wrappingTextBoxFlag xmlns="" xmlns:m="http://schemas.openxmlformats.org/officeDocument/2006/math" xmlns:a14="http://schemas.microsoft.com/office/drawing/2010/main" xmlns:ma14="http://schemas.microsoft.com/office/mac/drawingml/2011/main" val="1"/>
+              <ma14:wrappingTextBoxFlag xmlns:ma14="http://schemas.microsoft.com/office/mac/drawingml/2011/main" xmlns:a14="http://schemas.microsoft.com/office/drawing/2010/main" xmlns:m="http://schemas.openxmlformats.org/officeDocument/2006/math" xmlns="" val="1"/>
             </a:ext>
           </a:extLst>
         </p:spPr>
@@ -4766,7 +4711,7 @@
           </a:effectLst>
           <a:extLst>
             <a:ext uri="{C572A759-6A51-4108-AA02-DFA0A04FC94B}">
-              <ma14:wrappingTextBoxFlag xmlns="" xmlns:m="http://schemas.openxmlformats.org/officeDocument/2006/math" xmlns:a14="http://schemas.microsoft.com/office/drawing/2010/main" xmlns:ma14="http://schemas.microsoft.com/office/mac/drawingml/2011/main" val="1"/>
+              <ma14:wrappingTextBoxFlag xmlns:ma14="http://schemas.microsoft.com/office/mac/drawingml/2011/main" xmlns:a14="http://schemas.microsoft.com/office/drawing/2010/main" xmlns:m="http://schemas.openxmlformats.org/officeDocument/2006/math" xmlns="" val="1"/>
             </a:ext>
           </a:extLst>
         </p:spPr>
@@ -4831,7 +4776,7 @@
           </a:effectLst>
           <a:extLst>
             <a:ext uri="{C572A759-6A51-4108-AA02-DFA0A04FC94B}">
-              <ma14:wrappingTextBoxFlag xmlns="" xmlns:m="http://schemas.openxmlformats.org/officeDocument/2006/math" xmlns:a14="http://schemas.microsoft.com/office/drawing/2010/main" xmlns:ma14="http://schemas.microsoft.com/office/mac/drawingml/2011/main" val="1"/>
+              <ma14:wrappingTextBoxFlag xmlns:ma14="http://schemas.microsoft.com/office/mac/drawingml/2011/main" xmlns:a14="http://schemas.microsoft.com/office/drawing/2010/main" xmlns:m="http://schemas.openxmlformats.org/officeDocument/2006/math" xmlns="" val="1"/>
             </a:ext>
           </a:extLst>
         </p:spPr>
@@ -4896,7 +4841,7 @@
           </a:effectLst>
           <a:extLst>
             <a:ext uri="{C572A759-6A51-4108-AA02-DFA0A04FC94B}">
-              <ma14:wrappingTextBoxFlag xmlns="" xmlns:m="http://schemas.openxmlformats.org/officeDocument/2006/math" xmlns:a14="http://schemas.microsoft.com/office/drawing/2010/main" xmlns:ma14="http://schemas.microsoft.com/office/mac/drawingml/2011/main" val="1"/>
+              <ma14:wrappingTextBoxFlag xmlns:ma14="http://schemas.microsoft.com/office/mac/drawingml/2011/main" xmlns:a14="http://schemas.microsoft.com/office/drawing/2010/main" xmlns:m="http://schemas.openxmlformats.org/officeDocument/2006/math" xmlns="" val="1"/>
             </a:ext>
           </a:extLst>
         </p:spPr>
@@ -4961,7 +4906,7 @@
           </a:effectLst>
           <a:extLst>
             <a:ext uri="{C572A759-6A51-4108-AA02-DFA0A04FC94B}">
-              <ma14:wrappingTextBoxFlag xmlns="" xmlns:m="http://schemas.openxmlformats.org/officeDocument/2006/math" xmlns:a14="http://schemas.microsoft.com/office/drawing/2010/main" xmlns:ma14="http://schemas.microsoft.com/office/mac/drawingml/2011/main" val="1"/>
+              <ma14:wrappingTextBoxFlag xmlns:ma14="http://schemas.microsoft.com/office/mac/drawingml/2011/main" xmlns:a14="http://schemas.microsoft.com/office/drawing/2010/main" xmlns:m="http://schemas.openxmlformats.org/officeDocument/2006/math" xmlns="" val="1"/>
             </a:ext>
           </a:extLst>
         </p:spPr>
@@ -5092,7 +5037,7 @@
             <a:effectLst/>
             <a:extLst>
               <a:ext uri="{C572A759-6A51-4108-AA02-DFA0A04FC94B}">
-                <ma14:wrappingTextBoxFlag xmlns="" xmlns:m="http://schemas.openxmlformats.org/officeDocument/2006/math" xmlns:a14="http://schemas.microsoft.com/office/drawing/2010/main" xmlns:ma14="http://schemas.microsoft.com/office/mac/drawingml/2011/main" val="1"/>
+                <ma14:wrappingTextBoxFlag xmlns:ma14="http://schemas.microsoft.com/office/mac/drawingml/2011/main" xmlns:a14="http://schemas.microsoft.com/office/drawing/2010/main" xmlns:m="http://schemas.openxmlformats.org/officeDocument/2006/math" xmlns="" val="1"/>
               </a:ext>
             </a:extLst>
           </p:spPr>
@@ -5221,7 +5166,7 @@
             <a:effectLst/>
             <a:extLst>
               <a:ext uri="{C572A759-6A51-4108-AA02-DFA0A04FC94B}">
-                <ma14:wrappingTextBoxFlag xmlns="" xmlns:m="http://schemas.openxmlformats.org/officeDocument/2006/math" xmlns:a14="http://schemas.microsoft.com/office/drawing/2010/main" xmlns:ma14="http://schemas.microsoft.com/office/mac/drawingml/2011/main" val="1"/>
+                <ma14:wrappingTextBoxFlag xmlns:ma14="http://schemas.microsoft.com/office/mac/drawingml/2011/main" xmlns:a14="http://schemas.microsoft.com/office/drawing/2010/main" xmlns:m="http://schemas.openxmlformats.org/officeDocument/2006/math" xmlns="" val="1"/>
               </a:ext>
             </a:extLst>
           </p:spPr>
@@ -5272,7 +5217,7 @@
             </a:ln>
             <a:extLst>
               <a:ext uri="{C572A759-6A51-4108-AA02-DFA0A04FC94B}">
-                <ma14:wrappingTextBoxFlag xmlns="" xmlns:m="http://schemas.openxmlformats.org/officeDocument/2006/math" xmlns:a14="http://schemas.microsoft.com/office/drawing/2010/main" xmlns:ma14="http://schemas.microsoft.com/office/mac/drawingml/2011/main" val="1"/>
+                <ma14:wrappingTextBoxFlag xmlns:ma14="http://schemas.microsoft.com/office/mac/drawingml/2011/main" xmlns:a14="http://schemas.microsoft.com/office/drawing/2010/main" xmlns:m="http://schemas.openxmlformats.org/officeDocument/2006/math" xmlns="" val="1"/>
               </a:ext>
             </a:extLst>
           </p:spPr>
@@ -5466,7 +5411,7 @@
             </a:effectLst>
             <a:extLst>
               <a:ext uri="{C572A759-6A51-4108-AA02-DFA0A04FC94B}">
-                <ma14:wrappingTextBoxFlag xmlns="" xmlns:m="http://schemas.openxmlformats.org/officeDocument/2006/math" xmlns:a14="http://schemas.microsoft.com/office/drawing/2010/main" xmlns:ma14="http://schemas.microsoft.com/office/mac/drawingml/2011/main" val="1"/>
+                <ma14:wrappingTextBoxFlag xmlns:ma14="http://schemas.microsoft.com/office/mac/drawingml/2011/main" xmlns:a14="http://schemas.microsoft.com/office/drawing/2010/main" xmlns:m="http://schemas.openxmlformats.org/officeDocument/2006/math" xmlns="" val="1"/>
               </a:ext>
             </a:extLst>
           </p:spPr>
@@ -5536,7 +5481,7 @@
             </a:effectLst>
             <a:extLst>
               <a:ext uri="{C572A759-6A51-4108-AA02-DFA0A04FC94B}">
-                <ma14:wrappingTextBoxFlag xmlns="" xmlns:m="http://schemas.openxmlformats.org/officeDocument/2006/math" xmlns:a14="http://schemas.microsoft.com/office/drawing/2010/main" xmlns:ma14="http://schemas.microsoft.com/office/mac/drawingml/2011/main" val="1"/>
+                <ma14:wrappingTextBoxFlag xmlns:ma14="http://schemas.microsoft.com/office/mac/drawingml/2011/main" xmlns:a14="http://schemas.microsoft.com/office/drawing/2010/main" xmlns:m="http://schemas.openxmlformats.org/officeDocument/2006/math" xmlns="" val="1"/>
               </a:ext>
             </a:extLst>
           </p:spPr>
@@ -5659,7 +5604,7 @@
           </a:ln>
           <a:extLst>
             <a:ext uri="{C572A759-6A51-4108-AA02-DFA0A04FC94B}">
-              <ma14:wrappingTextBoxFlag xmlns="" xmlns:m="http://schemas.openxmlformats.org/officeDocument/2006/math" xmlns:a14="http://schemas.microsoft.com/office/drawing/2010/main" xmlns:ma14="http://schemas.microsoft.com/office/mac/drawingml/2011/main" val="1"/>
+              <ma14:wrappingTextBoxFlag xmlns:ma14="http://schemas.microsoft.com/office/mac/drawingml/2011/main" xmlns:a14="http://schemas.microsoft.com/office/drawing/2010/main" xmlns:m="http://schemas.openxmlformats.org/officeDocument/2006/math" xmlns="" val="1"/>
             </a:ext>
           </a:extLst>
         </p:spPr>
@@ -5748,7 +5693,7 @@
             </a:effectLst>
             <a:extLst>
               <a:ext uri="{C572A759-6A51-4108-AA02-DFA0A04FC94B}">
-                <ma14:wrappingTextBoxFlag xmlns="" xmlns:m="http://schemas.openxmlformats.org/officeDocument/2006/math" xmlns:a14="http://schemas.microsoft.com/office/drawing/2010/main" xmlns:ma14="http://schemas.microsoft.com/office/mac/drawingml/2011/main" val="1"/>
+                <ma14:wrappingTextBoxFlag xmlns:ma14="http://schemas.microsoft.com/office/mac/drawingml/2011/main" xmlns:a14="http://schemas.microsoft.com/office/drawing/2010/main" xmlns:m="http://schemas.openxmlformats.org/officeDocument/2006/math" xmlns="" val="1"/>
               </a:ext>
             </a:extLst>
           </p:spPr>
@@ -5842,7 +5787,7 @@
                 </a:effectLst>
                 <a:extLst>
                   <a:ext uri="{C572A759-6A51-4108-AA02-DFA0A04FC94B}">
-                    <ma14:wrappingTextBoxFlag xmlns="" xmlns:m="http://schemas.openxmlformats.org/officeDocument/2006/math" xmlns:a14="http://schemas.microsoft.com/office/drawing/2010/main" xmlns:ma14="http://schemas.microsoft.com/office/mac/drawingml/2011/main" val="1"/>
+                    <ma14:wrappingTextBoxFlag xmlns:ma14="http://schemas.microsoft.com/office/mac/drawingml/2011/main" xmlns:a14="http://schemas.microsoft.com/office/drawing/2010/main" xmlns:m="http://schemas.openxmlformats.org/officeDocument/2006/math" xmlns="" val="1"/>
                   </a:ext>
                 </a:extLst>
               </p:spPr>
@@ -5909,7 +5854,7 @@
                 </a:effectLst>
                 <a:extLst>
                   <a:ext uri="{C572A759-6A51-4108-AA02-DFA0A04FC94B}">
-                    <ma14:wrappingTextBoxFlag xmlns="" xmlns:m="http://schemas.openxmlformats.org/officeDocument/2006/math" xmlns:a14="http://schemas.microsoft.com/office/drawing/2010/main" xmlns:ma14="http://schemas.microsoft.com/office/mac/drawingml/2011/main" val="1"/>
+                    <ma14:wrappingTextBoxFlag xmlns:ma14="http://schemas.microsoft.com/office/mac/drawingml/2011/main" xmlns:a14="http://schemas.microsoft.com/office/drawing/2010/main" xmlns:m="http://schemas.openxmlformats.org/officeDocument/2006/math" xmlns="" val="1"/>
                   </a:ext>
                 </a:extLst>
               </p:spPr>
@@ -5994,7 +5939,7 @@
                 </a:effectLst>
                 <a:extLst>
                   <a:ext uri="{C572A759-6A51-4108-AA02-DFA0A04FC94B}">
-                    <ma14:wrappingTextBoxFlag xmlns="" xmlns:m="http://schemas.openxmlformats.org/officeDocument/2006/math" xmlns:a14="http://schemas.microsoft.com/office/drawing/2010/main" xmlns:ma14="http://schemas.microsoft.com/office/mac/drawingml/2011/main" val="1"/>
+                    <ma14:wrappingTextBoxFlag xmlns:ma14="http://schemas.microsoft.com/office/mac/drawingml/2011/main" xmlns:a14="http://schemas.microsoft.com/office/drawing/2010/main" xmlns:m="http://schemas.openxmlformats.org/officeDocument/2006/math" xmlns="" val="1"/>
                   </a:ext>
                 </a:extLst>
               </p:spPr>
@@ -6061,7 +6006,7 @@
                 </a:effectLst>
                 <a:extLst>
                   <a:ext uri="{C572A759-6A51-4108-AA02-DFA0A04FC94B}">
-                    <ma14:wrappingTextBoxFlag xmlns="" xmlns:m="http://schemas.openxmlformats.org/officeDocument/2006/math" xmlns:a14="http://schemas.microsoft.com/office/drawing/2010/main" xmlns:ma14="http://schemas.microsoft.com/office/mac/drawingml/2011/main" val="1"/>
+                    <ma14:wrappingTextBoxFlag xmlns:ma14="http://schemas.microsoft.com/office/mac/drawingml/2011/main" xmlns:a14="http://schemas.microsoft.com/office/drawing/2010/main" xmlns:m="http://schemas.openxmlformats.org/officeDocument/2006/math" xmlns="" val="1"/>
                   </a:ext>
                 </a:extLst>
               </p:spPr>
@@ -6150,7 +6095,7 @@
                 </a:effectLst>
                 <a:extLst>
                   <a:ext uri="{C572A759-6A51-4108-AA02-DFA0A04FC94B}">
-                    <ma14:wrappingTextBoxFlag xmlns="" xmlns:m="http://schemas.openxmlformats.org/officeDocument/2006/math" xmlns:a14="http://schemas.microsoft.com/office/drawing/2010/main" xmlns:ma14="http://schemas.microsoft.com/office/mac/drawingml/2011/main" val="1"/>
+                    <ma14:wrappingTextBoxFlag xmlns:ma14="http://schemas.microsoft.com/office/mac/drawingml/2011/main" xmlns:a14="http://schemas.microsoft.com/office/drawing/2010/main" xmlns:m="http://schemas.openxmlformats.org/officeDocument/2006/math" xmlns="" val="1"/>
                   </a:ext>
                 </a:extLst>
               </p:spPr>
@@ -6217,7 +6162,7 @@
                 </a:effectLst>
                 <a:extLst>
                   <a:ext uri="{C572A759-6A51-4108-AA02-DFA0A04FC94B}">
-                    <ma14:wrappingTextBoxFlag xmlns="" xmlns:m="http://schemas.openxmlformats.org/officeDocument/2006/math" xmlns:a14="http://schemas.microsoft.com/office/drawing/2010/main" xmlns:ma14="http://schemas.microsoft.com/office/mac/drawingml/2011/main" val="1"/>
+                    <ma14:wrappingTextBoxFlag xmlns:ma14="http://schemas.microsoft.com/office/mac/drawingml/2011/main" xmlns:a14="http://schemas.microsoft.com/office/drawing/2010/main" xmlns:m="http://schemas.openxmlformats.org/officeDocument/2006/math" xmlns="" val="1"/>
                   </a:ext>
                 </a:extLst>
               </p:spPr>
@@ -6302,7 +6247,7 @@
                 </a:effectLst>
                 <a:extLst>
                   <a:ext uri="{C572A759-6A51-4108-AA02-DFA0A04FC94B}">
-                    <ma14:wrappingTextBoxFlag xmlns="" xmlns:m="http://schemas.openxmlformats.org/officeDocument/2006/math" xmlns:a14="http://schemas.microsoft.com/office/drawing/2010/main" xmlns:ma14="http://schemas.microsoft.com/office/mac/drawingml/2011/main" val="1"/>
+                    <ma14:wrappingTextBoxFlag xmlns:ma14="http://schemas.microsoft.com/office/mac/drawingml/2011/main" xmlns:a14="http://schemas.microsoft.com/office/drawing/2010/main" xmlns:m="http://schemas.openxmlformats.org/officeDocument/2006/math" xmlns="" val="1"/>
                   </a:ext>
                 </a:extLst>
               </p:spPr>
@@ -6369,7 +6314,7 @@
                 </a:effectLst>
                 <a:extLst>
                   <a:ext uri="{C572A759-6A51-4108-AA02-DFA0A04FC94B}">
-                    <ma14:wrappingTextBoxFlag xmlns="" xmlns:m="http://schemas.openxmlformats.org/officeDocument/2006/math" xmlns:a14="http://schemas.microsoft.com/office/drawing/2010/main" xmlns:ma14="http://schemas.microsoft.com/office/mac/drawingml/2011/main" val="1"/>
+                    <ma14:wrappingTextBoxFlag xmlns:ma14="http://schemas.microsoft.com/office/mac/drawingml/2011/main" xmlns:a14="http://schemas.microsoft.com/office/drawing/2010/main" xmlns:m="http://schemas.openxmlformats.org/officeDocument/2006/math" xmlns="" val="1"/>
                   </a:ext>
                 </a:extLst>
               </p:spPr>
@@ -6460,7 +6405,7 @@
                 </a:effectLst>
                 <a:extLst>
                   <a:ext uri="{C572A759-6A51-4108-AA02-DFA0A04FC94B}">
-                    <ma14:wrappingTextBoxFlag xmlns="" xmlns:m="http://schemas.openxmlformats.org/officeDocument/2006/math" xmlns:a14="http://schemas.microsoft.com/office/drawing/2010/main" xmlns:ma14="http://schemas.microsoft.com/office/mac/drawingml/2011/main" val="1"/>
+                    <ma14:wrappingTextBoxFlag xmlns:ma14="http://schemas.microsoft.com/office/mac/drawingml/2011/main" xmlns:a14="http://schemas.microsoft.com/office/drawing/2010/main" xmlns:m="http://schemas.openxmlformats.org/officeDocument/2006/math" xmlns="" val="1"/>
                   </a:ext>
                 </a:extLst>
               </p:spPr>
@@ -6550,7 +6495,7 @@
                 </a:effectLst>
                 <a:extLst>
                   <a:ext uri="{C572A759-6A51-4108-AA02-DFA0A04FC94B}">
-                    <ma14:wrappingTextBoxFlag xmlns="" xmlns:m="http://schemas.openxmlformats.org/officeDocument/2006/math" xmlns:a14="http://schemas.microsoft.com/office/drawing/2010/main" xmlns:ma14="http://schemas.microsoft.com/office/mac/drawingml/2011/main" val="1"/>
+                    <ma14:wrappingTextBoxFlag xmlns:ma14="http://schemas.microsoft.com/office/mac/drawingml/2011/main" xmlns:a14="http://schemas.microsoft.com/office/drawing/2010/main" xmlns:m="http://schemas.openxmlformats.org/officeDocument/2006/math" xmlns="" val="1"/>
                   </a:ext>
                 </a:extLst>
               </p:spPr>
@@ -6661,7 +6606,7 @@
               </a:effectLst>
               <a:extLst>
                 <a:ext uri="{C572A759-6A51-4108-AA02-DFA0A04FC94B}">
-                  <ma14:wrappingTextBoxFlag xmlns="" xmlns:m="http://schemas.openxmlformats.org/officeDocument/2006/math" xmlns:a14="http://schemas.microsoft.com/office/drawing/2010/main" xmlns:ma14="http://schemas.microsoft.com/office/mac/drawingml/2011/main" val="1"/>
+                  <ma14:wrappingTextBoxFlag xmlns:ma14="http://schemas.microsoft.com/office/mac/drawingml/2011/main" xmlns:a14="http://schemas.microsoft.com/office/drawing/2010/main" xmlns:m="http://schemas.openxmlformats.org/officeDocument/2006/math" xmlns="" val="1"/>
                 </a:ext>
               </a:extLst>
             </p:spPr>
@@ -6747,7 +6692,7 @@
               </a:effectLst>
               <a:extLst>
                 <a:ext uri="{C572A759-6A51-4108-AA02-DFA0A04FC94B}">
-                  <ma14:wrappingTextBoxFlag xmlns="" xmlns:m="http://schemas.openxmlformats.org/officeDocument/2006/math" xmlns:a14="http://schemas.microsoft.com/office/drawing/2010/main" xmlns:ma14="http://schemas.microsoft.com/office/mac/drawingml/2011/main" val="1"/>
+                  <ma14:wrappingTextBoxFlag xmlns:ma14="http://schemas.microsoft.com/office/mac/drawingml/2011/main" xmlns:a14="http://schemas.microsoft.com/office/drawing/2010/main" xmlns:m="http://schemas.openxmlformats.org/officeDocument/2006/math" xmlns="" val="1"/>
                 </a:ext>
               </a:extLst>
             </p:spPr>
@@ -6811,7 +6756,7 @@
               </a:effectLst>
               <a:extLst>
                 <a:ext uri="{C572A759-6A51-4108-AA02-DFA0A04FC94B}">
-                  <ma14:wrappingTextBoxFlag xmlns="" xmlns:m="http://schemas.openxmlformats.org/officeDocument/2006/math" xmlns:a14="http://schemas.microsoft.com/office/drawing/2010/main" xmlns:ma14="http://schemas.microsoft.com/office/mac/drawingml/2011/main" val="1"/>
+                  <ma14:wrappingTextBoxFlag xmlns:ma14="http://schemas.microsoft.com/office/mac/drawingml/2011/main" xmlns:a14="http://schemas.microsoft.com/office/drawing/2010/main" xmlns:m="http://schemas.openxmlformats.org/officeDocument/2006/math" xmlns="" val="1"/>
                 </a:ext>
               </a:extLst>
             </p:spPr>
@@ -6885,7 +6830,7 @@
               </a:effectLst>
               <a:extLst>
                 <a:ext uri="{C572A759-6A51-4108-AA02-DFA0A04FC94B}">
-                  <ma14:wrappingTextBoxFlag xmlns="" xmlns:m="http://schemas.openxmlformats.org/officeDocument/2006/math" xmlns:a14="http://schemas.microsoft.com/office/drawing/2010/main" xmlns:ma14="http://schemas.microsoft.com/office/mac/drawingml/2011/main" val="1"/>
+                  <ma14:wrappingTextBoxFlag xmlns:ma14="http://schemas.microsoft.com/office/mac/drawingml/2011/main" xmlns:a14="http://schemas.microsoft.com/office/drawing/2010/main" xmlns:m="http://schemas.openxmlformats.org/officeDocument/2006/math" xmlns="" val="1"/>
                 </a:ext>
               </a:extLst>
             </p:spPr>
@@ -6980,7 +6925,7 @@
               </a:effectLst>
               <a:extLst>
                 <a:ext uri="{C572A759-6A51-4108-AA02-DFA0A04FC94B}">
-                  <ma14:wrappingTextBoxFlag xmlns="" xmlns:m="http://schemas.openxmlformats.org/officeDocument/2006/math" xmlns:a14="http://schemas.microsoft.com/office/drawing/2010/main" xmlns:ma14="http://schemas.microsoft.com/office/mac/drawingml/2011/main" val="1"/>
+                  <ma14:wrappingTextBoxFlag xmlns:ma14="http://schemas.microsoft.com/office/mac/drawingml/2011/main" xmlns:a14="http://schemas.microsoft.com/office/drawing/2010/main" xmlns:m="http://schemas.openxmlformats.org/officeDocument/2006/math" xmlns="" val="1"/>
                 </a:ext>
               </a:extLst>
             </p:spPr>
@@ -7083,7 +7028,7 @@
               </a:effectLst>
               <a:extLst>
                 <a:ext uri="{C572A759-6A51-4108-AA02-DFA0A04FC94B}">
-                  <ma14:wrappingTextBoxFlag xmlns="" xmlns:m="http://schemas.openxmlformats.org/officeDocument/2006/math" xmlns:a14="http://schemas.microsoft.com/office/drawing/2010/main" xmlns:ma14="http://schemas.microsoft.com/office/mac/drawingml/2011/main" val="1"/>
+                  <ma14:wrappingTextBoxFlag xmlns:ma14="http://schemas.microsoft.com/office/mac/drawingml/2011/main" xmlns:a14="http://schemas.microsoft.com/office/drawing/2010/main" xmlns:m="http://schemas.openxmlformats.org/officeDocument/2006/math" xmlns="" val="1"/>
                 </a:ext>
               </a:extLst>
             </p:spPr>
@@ -7157,7 +7102,7 @@
               </a:effectLst>
               <a:extLst>
                 <a:ext uri="{C572A759-6A51-4108-AA02-DFA0A04FC94B}">
-                  <ma14:wrappingTextBoxFlag xmlns="" xmlns:m="http://schemas.openxmlformats.org/officeDocument/2006/math" xmlns:a14="http://schemas.microsoft.com/office/drawing/2010/main" xmlns:ma14="http://schemas.microsoft.com/office/mac/drawingml/2011/main" val="1"/>
+                  <ma14:wrappingTextBoxFlag xmlns:ma14="http://schemas.microsoft.com/office/mac/drawingml/2011/main" xmlns:a14="http://schemas.microsoft.com/office/drawing/2010/main" xmlns:m="http://schemas.openxmlformats.org/officeDocument/2006/math" xmlns="" val="1"/>
                 </a:ext>
               </a:extLst>
             </p:spPr>
@@ -7231,7 +7176,7 @@
               </a:effectLst>
               <a:extLst>
                 <a:ext uri="{C572A759-6A51-4108-AA02-DFA0A04FC94B}">
-                  <ma14:wrappingTextBoxFlag xmlns="" xmlns:m="http://schemas.openxmlformats.org/officeDocument/2006/math" xmlns:a14="http://schemas.microsoft.com/office/drawing/2010/main" xmlns:ma14="http://schemas.microsoft.com/office/mac/drawingml/2011/main" val="1"/>
+                  <ma14:wrappingTextBoxFlag xmlns:ma14="http://schemas.microsoft.com/office/mac/drawingml/2011/main" xmlns:a14="http://schemas.microsoft.com/office/drawing/2010/main" xmlns:m="http://schemas.openxmlformats.org/officeDocument/2006/math" xmlns="" val="1"/>
                 </a:ext>
               </a:extLst>
             </p:spPr>
@@ -7269,362 +7214,341 @@
           </p:sp>
         </p:grpSp>
       </p:grpSp>
-      <p:grpSp>
-        <p:nvGrpSpPr>
-          <p:cNvPr id="22" name="Group 21">
-            <a:extLst>
-              <a:ext uri="{FF2B5EF4-FFF2-40B4-BE49-F238E27FC236}">
-                <a16:creationId xmlns:a16="http://schemas.microsoft.com/office/drawing/2014/main" id="{95BF891D-CB7A-DC49-9A68-0159F62E938B}"/>
-              </a:ext>
-            </a:extLst>
-          </p:cNvPr>
-          <p:cNvGrpSpPr/>
+      <p:sp>
+        <p:nvSpPr>
+          <p:cNvPr id="121" name="codec"/>
+          <p:cNvSpPr/>
           <p:nvPr/>
-        </p:nvGrpSpPr>
-        <p:grpSpPr>
+        </p:nvSpPr>
+        <p:spPr>
           <a:xfrm>
-            <a:off x="7773364" y="2829605"/>
+            <a:off x="7773364" y="2858928"/>
             <a:ext cx="1337088" cy="2880000"/>
-            <a:chOff x="6947921" y="3112063"/>
-            <a:chExt cx="1337088" cy="2880000"/>
-          </a:xfrm>
-        </p:grpSpPr>
-        <p:sp>
-          <p:nvSpPr>
-            <p:cNvPr id="121" name="codec"/>
-            <p:cNvSpPr/>
-            <p:nvPr/>
-          </p:nvSpPr>
-          <p:spPr>
-            <a:xfrm>
-              <a:off x="6947921" y="3112063"/>
-              <a:ext cx="1337088" cy="2880000"/>
-            </a:xfrm>
-            <a:prstGeom prst="roundRect">
-              <a:avLst>
-                <a:gd name="adj" fmla="val 6344"/>
-              </a:avLst>
-            </a:prstGeom>
-            <a:solidFill>
-              <a:schemeClr val="bg1">
-                <a:lumMod val="75000"/>
-              </a:schemeClr>
-            </a:solidFill>
-            <a:ln w="12700" cap="flat">
-              <a:noFill/>
-              <a:prstDash val="solid"/>
-              <a:miter lim="400000"/>
-            </a:ln>
-            <a:effectLst>
-              <a:outerShdw blurRad="50800" dist="38100" dir="5400000" algn="t" rotWithShape="0">
-                <a:prstClr val="black">
-                  <a:alpha val="40000"/>
-                </a:prstClr>
-              </a:outerShdw>
-            </a:effectLst>
-            <a:extLst>
-              <a:ext uri="{C572A759-6A51-4108-AA02-DFA0A04FC94B}">
-                <ma14:wrappingTextBoxFlag xmlns="" xmlns:m="http://schemas.openxmlformats.org/officeDocument/2006/math" xmlns:a14="http://schemas.microsoft.com/office/drawing/2010/main" xmlns:ma14="http://schemas.microsoft.com/office/mac/drawingml/2011/main" val="1"/>
-              </a:ext>
-            </a:extLst>
-          </p:spPr>
-          <p:txBody>
-            <a:bodyPr wrap="square" lIns="50800" tIns="50800" rIns="50800" bIns="50800" numCol="1" anchor="t">
-              <a:noAutofit/>
-            </a:bodyPr>
-            <a:lstStyle/>
-            <a:p>
-              <a:r>
-                <a:rPr lang="en-US" altLang="zh-CN" sz="1700" b="0" dirty="0">
-                  <a:latin typeface="微软雅黑" panose="020B0503020204020204" pitchFamily="34" charset="-122"/>
-                  <a:ea typeface="微软雅黑" panose="020B0503020204020204" pitchFamily="34" charset="-122"/>
-                  <a:cs typeface="Helvetica Light"/>
-                </a:rPr>
-                <a:t>protocol</a:t>
-              </a:r>
-              <a:endParaRPr sz="1700" b="0" dirty="0">
+          </a:xfrm>
+          <a:prstGeom prst="roundRect">
+            <a:avLst>
+              <a:gd name="adj" fmla="val 6344"/>
+            </a:avLst>
+          </a:prstGeom>
+          <a:solidFill>
+            <a:schemeClr val="bg1">
+              <a:lumMod val="75000"/>
+            </a:schemeClr>
+          </a:solidFill>
+          <a:ln w="12700" cap="flat">
+            <a:noFill/>
+            <a:prstDash val="solid"/>
+            <a:miter lim="400000"/>
+          </a:ln>
+          <a:effectLst>
+            <a:outerShdw blurRad="50800" dist="38100" dir="5400000" algn="t" rotWithShape="0">
+              <a:prstClr val="black">
+                <a:alpha val="40000"/>
+              </a:prstClr>
+            </a:outerShdw>
+          </a:effectLst>
+          <a:extLst>
+            <a:ext uri="{C572A759-6A51-4108-AA02-DFA0A04FC94B}">
+              <ma14:wrappingTextBoxFlag xmlns:ma14="http://schemas.microsoft.com/office/mac/drawingml/2011/main" xmlns:a14="http://schemas.microsoft.com/office/drawing/2010/main" xmlns:m="http://schemas.openxmlformats.org/officeDocument/2006/math" xmlns="" val="1"/>
+            </a:ext>
+          </a:extLst>
+        </p:spPr>
+        <p:txBody>
+          <a:bodyPr wrap="square" lIns="50800" tIns="50800" rIns="50800" bIns="50800" numCol="1" anchor="t">
+            <a:noAutofit/>
+          </a:bodyPr>
+          <a:lstStyle/>
+          <a:p>
+            <a:r>
+              <a:rPr lang="en-US" altLang="zh-CN" sz="1700" b="0" dirty="0">
                 <a:latin typeface="微软雅黑" panose="020B0503020204020204" pitchFamily="34" charset="-122"/>
                 <a:ea typeface="微软雅黑" panose="020B0503020204020204" pitchFamily="34" charset="-122"/>
                 <a:cs typeface="Helvetica Light"/>
-              </a:endParaRPr>
-            </a:p>
-          </p:txBody>
-        </p:sp>
-        <p:sp>
-          <p:nvSpPr>
-            <p:cNvPr id="123" name="jsonrpc 2.0"/>
-            <p:cNvSpPr/>
-            <p:nvPr/>
-          </p:nvSpPr>
-          <p:spPr>
-            <a:xfrm>
-              <a:off x="6988474" y="3627794"/>
-              <a:ext cx="1219802" cy="384067"/>
-            </a:xfrm>
-            <a:prstGeom prst="roundRect">
-              <a:avLst>
-                <a:gd name="adj" fmla="val 9824"/>
-              </a:avLst>
-            </a:prstGeom>
-            <a:solidFill>
-              <a:schemeClr val="accent4"/>
-            </a:solidFill>
-            <a:ln w="12700" cap="flat">
-              <a:noFill/>
-              <a:miter lim="400000"/>
-            </a:ln>
-            <a:effectLst>
-              <a:outerShdw blurRad="38100" dist="25400" dir="5400000" rotWithShape="0">
-                <a:srgbClr val="000000">
-                  <a:alpha val="50000"/>
-                </a:srgbClr>
-              </a:outerShdw>
-            </a:effectLst>
-            <a:extLst>
-              <a:ext uri="{C572A759-6A51-4108-AA02-DFA0A04FC94B}">
-                <ma14:wrappingTextBoxFlag xmlns="" xmlns:m="http://schemas.openxmlformats.org/officeDocument/2006/math" xmlns:a14="http://schemas.microsoft.com/office/drawing/2010/main" xmlns:ma14="http://schemas.microsoft.com/office/mac/drawingml/2011/main" val="1"/>
-              </a:ext>
-            </a:extLst>
-          </p:spPr>
-          <p:txBody>
-            <a:bodyPr wrap="square" lIns="50800" tIns="50800" rIns="50800" bIns="50800" numCol="1" anchor="ctr">
-              <a:noAutofit/>
-            </a:bodyPr>
-            <a:lstStyle/>
-            <a:p>
-              <a:r>
-                <a:rPr lang="en-US" altLang="zh-CN" sz="1500" b="0" dirty="0">
-                  <a:solidFill>
-                    <a:sysClr val="windowText" lastClr="000000"/>
-                  </a:solidFill>
-                  <a:latin typeface="微软雅黑" panose="020B0503020204020204" pitchFamily="34" charset="-122"/>
-                  <a:ea typeface="微软雅黑" panose="020B0503020204020204" pitchFamily="34" charset="-122"/>
-                  <a:cs typeface="Helvetica Light"/>
-                </a:rPr>
-                <a:t>grpc</a:t>
-              </a:r>
-              <a:endParaRPr sz="1500" b="0" dirty="0">
+              </a:rPr>
+              <a:t>protocol</a:t>
+            </a:r>
+            <a:endParaRPr sz="1700" b="0" dirty="0">
+              <a:latin typeface="微软雅黑" panose="020B0503020204020204" pitchFamily="34" charset="-122"/>
+              <a:ea typeface="微软雅黑" panose="020B0503020204020204" pitchFamily="34" charset="-122"/>
+              <a:cs typeface="Helvetica Light"/>
+            </a:endParaRPr>
+          </a:p>
+        </p:txBody>
+      </p:sp>
+      <p:sp>
+        <p:nvSpPr>
+          <p:cNvPr id="123" name="jsonrpc 2.0"/>
+          <p:cNvSpPr/>
+          <p:nvPr/>
+        </p:nvSpPr>
+        <p:spPr>
+          <a:xfrm>
+            <a:off x="7813917" y="3374659"/>
+            <a:ext cx="1219802" cy="384067"/>
+          </a:xfrm>
+          <a:prstGeom prst="roundRect">
+            <a:avLst>
+              <a:gd name="adj" fmla="val 9824"/>
+            </a:avLst>
+          </a:prstGeom>
+          <a:solidFill>
+            <a:schemeClr val="accent4"/>
+          </a:solidFill>
+          <a:ln w="12700" cap="flat">
+            <a:noFill/>
+            <a:miter lim="400000"/>
+          </a:ln>
+          <a:effectLst>
+            <a:outerShdw blurRad="38100" dist="25400" dir="5400000" rotWithShape="0">
+              <a:srgbClr val="000000">
+                <a:alpha val="50000"/>
+              </a:srgbClr>
+            </a:outerShdw>
+          </a:effectLst>
+          <a:extLst>
+            <a:ext uri="{C572A759-6A51-4108-AA02-DFA0A04FC94B}">
+              <ma14:wrappingTextBoxFlag xmlns:ma14="http://schemas.microsoft.com/office/mac/drawingml/2011/main" xmlns:a14="http://schemas.microsoft.com/office/drawing/2010/main" xmlns:m="http://schemas.openxmlformats.org/officeDocument/2006/math" xmlns="" val="1"/>
+            </a:ext>
+          </a:extLst>
+        </p:spPr>
+        <p:txBody>
+          <a:bodyPr wrap="square" lIns="50800" tIns="50800" rIns="50800" bIns="50800" numCol="1" anchor="ctr">
+            <a:noAutofit/>
+          </a:bodyPr>
+          <a:lstStyle/>
+          <a:p>
+            <a:r>
+              <a:rPr lang="en-US" altLang="zh-CN" sz="1500" b="0" dirty="0">
                 <a:solidFill>
                   <a:sysClr val="windowText" lastClr="000000"/>
                 </a:solidFill>
                 <a:latin typeface="微软雅黑" panose="020B0503020204020204" pitchFamily="34" charset="-122"/>
                 <a:ea typeface="微软雅黑" panose="020B0503020204020204" pitchFamily="34" charset="-122"/>
                 <a:cs typeface="Helvetica Light"/>
-              </a:endParaRPr>
-            </a:p>
-          </p:txBody>
-        </p:sp>
-        <p:sp>
-          <p:nvSpPr>
-            <p:cNvPr id="138" name="jsonrpc 2.0">
-              <a:extLst>
-                <a:ext uri="{FF2B5EF4-FFF2-40B4-BE49-F238E27FC236}">
-                  <a16:creationId xmlns:a16="http://schemas.microsoft.com/office/drawing/2014/main" id="{BA28F6C7-3B57-8B47-AF9F-7014F5D11637}"/>
-                </a:ext>
-              </a:extLst>
-            </p:cNvPr>
-            <p:cNvSpPr/>
-            <p:nvPr/>
-          </p:nvSpPr>
-          <p:spPr>
-            <a:xfrm>
-              <a:off x="6988474" y="4095935"/>
-              <a:ext cx="1219802" cy="384067"/>
-            </a:xfrm>
-            <a:prstGeom prst="roundRect">
-              <a:avLst>
-                <a:gd name="adj" fmla="val 9824"/>
-              </a:avLst>
-            </a:prstGeom>
-            <a:solidFill>
-              <a:schemeClr val="accent4"/>
-            </a:solidFill>
-            <a:ln w="12700" cap="flat">
-              <a:noFill/>
-              <a:miter lim="400000"/>
-            </a:ln>
-            <a:effectLst>
-              <a:outerShdw blurRad="38100" dist="25400" dir="5400000" rotWithShape="0">
-                <a:srgbClr val="000000">
-                  <a:alpha val="50000"/>
-                </a:srgbClr>
-              </a:outerShdw>
-            </a:effectLst>
+              </a:rPr>
+              <a:t>grpc</a:t>
+            </a:r>
+            <a:endParaRPr sz="1500" b="0" dirty="0">
+              <a:solidFill>
+                <a:sysClr val="windowText" lastClr="000000"/>
+              </a:solidFill>
+              <a:latin typeface="微软雅黑" panose="020B0503020204020204" pitchFamily="34" charset="-122"/>
+              <a:ea typeface="微软雅黑" panose="020B0503020204020204" pitchFamily="34" charset="-122"/>
+              <a:cs typeface="Helvetica Light"/>
+            </a:endParaRPr>
+          </a:p>
+        </p:txBody>
+      </p:sp>
+      <p:sp>
+        <p:nvSpPr>
+          <p:cNvPr id="138" name="jsonrpc 2.0">
             <a:extLst>
-              <a:ext uri="{C572A759-6A51-4108-AA02-DFA0A04FC94B}">
-                <ma14:wrappingTextBoxFlag xmlns="" xmlns:m="http://schemas.openxmlformats.org/officeDocument/2006/math" xmlns:a14="http://schemas.microsoft.com/office/drawing/2010/main" xmlns:ma14="http://schemas.microsoft.com/office/mac/drawingml/2011/main" val="1"/>
+              <a:ext uri="{FF2B5EF4-FFF2-40B4-BE49-F238E27FC236}">
+                <a16:creationId xmlns:a16="http://schemas.microsoft.com/office/drawing/2014/main" id="{BA28F6C7-3B57-8B47-AF9F-7014F5D11637}"/>
               </a:ext>
             </a:extLst>
-          </p:spPr>
-          <p:txBody>
-            <a:bodyPr wrap="square" lIns="50800" tIns="50800" rIns="50800" bIns="50800" numCol="1" anchor="ctr">
-              <a:noAutofit/>
-            </a:bodyPr>
-            <a:lstStyle/>
-            <a:p>
-              <a:r>
-                <a:rPr lang="en-US" altLang="zh-CN" sz="1500" b="0" dirty="0">
-                  <a:solidFill>
-                    <a:sysClr val="windowText" lastClr="000000"/>
-                  </a:solidFill>
-                  <a:latin typeface="微软雅黑" panose="020B0503020204020204" pitchFamily="34" charset="-122"/>
-                  <a:ea typeface="微软雅黑" panose="020B0503020204020204" pitchFamily="34" charset="-122"/>
-                  <a:cs typeface="Helvetica Light"/>
-                </a:rPr>
-                <a:t>rest</a:t>
-              </a:r>
-              <a:endParaRPr sz="1500" b="0" dirty="0">
+          </p:cNvPr>
+          <p:cNvSpPr/>
+          <p:nvPr/>
+        </p:nvSpPr>
+        <p:spPr>
+          <a:xfrm>
+            <a:off x="7813917" y="3972221"/>
+            <a:ext cx="1219802" cy="384067"/>
+          </a:xfrm>
+          <a:prstGeom prst="roundRect">
+            <a:avLst>
+              <a:gd name="adj" fmla="val 9824"/>
+            </a:avLst>
+          </a:prstGeom>
+          <a:solidFill>
+            <a:schemeClr val="accent4"/>
+          </a:solidFill>
+          <a:ln w="12700" cap="flat">
+            <a:noFill/>
+            <a:miter lim="400000"/>
+          </a:ln>
+          <a:effectLst>
+            <a:outerShdw blurRad="38100" dist="25400" dir="5400000" rotWithShape="0">
+              <a:srgbClr val="000000">
+                <a:alpha val="50000"/>
+              </a:srgbClr>
+            </a:outerShdw>
+          </a:effectLst>
+          <a:extLst>
+            <a:ext uri="{C572A759-6A51-4108-AA02-DFA0A04FC94B}">
+              <ma14:wrappingTextBoxFlag xmlns:ma14="http://schemas.microsoft.com/office/mac/drawingml/2011/main" xmlns:a14="http://schemas.microsoft.com/office/drawing/2010/main" xmlns:m="http://schemas.openxmlformats.org/officeDocument/2006/math" xmlns="" val="1"/>
+            </a:ext>
+          </a:extLst>
+        </p:spPr>
+        <p:txBody>
+          <a:bodyPr wrap="square" lIns="50800" tIns="50800" rIns="50800" bIns="50800" numCol="1" anchor="ctr">
+            <a:noAutofit/>
+          </a:bodyPr>
+          <a:lstStyle/>
+          <a:p>
+            <a:r>
+              <a:rPr lang="en-US" altLang="zh-CN" sz="1500" b="0" dirty="0">
                 <a:solidFill>
                   <a:sysClr val="windowText" lastClr="000000"/>
                 </a:solidFill>
                 <a:latin typeface="微软雅黑" panose="020B0503020204020204" pitchFamily="34" charset="-122"/>
                 <a:ea typeface="微软雅黑" panose="020B0503020204020204" pitchFamily="34" charset="-122"/>
                 <a:cs typeface="Helvetica Light"/>
-              </a:endParaRPr>
-            </a:p>
-          </p:txBody>
-        </p:sp>
-        <p:sp>
-          <p:nvSpPr>
-            <p:cNvPr id="149" name="jsonrpc 2.0">
-              <a:extLst>
-                <a:ext uri="{FF2B5EF4-FFF2-40B4-BE49-F238E27FC236}">
-                  <a16:creationId xmlns:a16="http://schemas.microsoft.com/office/drawing/2014/main" id="{2264DD12-23B7-524E-84CA-DDE632044E20}"/>
-                </a:ext>
-              </a:extLst>
-            </p:cNvPr>
-            <p:cNvSpPr/>
-            <p:nvPr/>
-          </p:nvSpPr>
-          <p:spPr>
-            <a:xfrm>
-              <a:off x="6988474" y="5420479"/>
-              <a:ext cx="1219802" cy="384067"/>
-            </a:xfrm>
-            <a:prstGeom prst="roundRect">
-              <a:avLst>
-                <a:gd name="adj" fmla="val 9824"/>
-              </a:avLst>
-            </a:prstGeom>
-            <a:solidFill>
-              <a:schemeClr val="accent4"/>
-            </a:solidFill>
-            <a:ln w="12700" cap="flat">
-              <a:noFill/>
-              <a:miter lim="400000"/>
-            </a:ln>
-            <a:effectLst>
-              <a:outerShdw blurRad="38100" dist="25400" dir="5400000" rotWithShape="0">
-                <a:srgbClr val="000000">
-                  <a:alpha val="50000"/>
-                </a:srgbClr>
-              </a:outerShdw>
-            </a:effectLst>
+              </a:rPr>
+              <a:t>rest</a:t>
+            </a:r>
+            <a:endParaRPr sz="1500" b="0" dirty="0">
+              <a:solidFill>
+                <a:sysClr val="windowText" lastClr="000000"/>
+              </a:solidFill>
+              <a:latin typeface="微软雅黑" panose="020B0503020204020204" pitchFamily="34" charset="-122"/>
+              <a:ea typeface="微软雅黑" panose="020B0503020204020204" pitchFamily="34" charset="-122"/>
+              <a:cs typeface="Helvetica Light"/>
+            </a:endParaRPr>
+          </a:p>
+        </p:txBody>
+      </p:sp>
+      <p:sp>
+        <p:nvSpPr>
+          <p:cNvPr id="149" name="jsonrpc 2.0">
             <a:extLst>
-              <a:ext uri="{C572A759-6A51-4108-AA02-DFA0A04FC94B}">
-                <ma14:wrappingTextBoxFlag xmlns="" xmlns:m="http://schemas.openxmlformats.org/officeDocument/2006/math" xmlns:a14="http://schemas.microsoft.com/office/drawing/2010/main" xmlns:ma14="http://schemas.microsoft.com/office/mac/drawingml/2011/main" val="1"/>
+              <a:ext uri="{FF2B5EF4-FFF2-40B4-BE49-F238E27FC236}">
+                <a16:creationId xmlns:a16="http://schemas.microsoft.com/office/drawing/2014/main" id="{2264DD12-23B7-524E-84CA-DDE632044E20}"/>
               </a:ext>
             </a:extLst>
-          </p:spPr>
-          <p:txBody>
-            <a:bodyPr wrap="square" lIns="50800" tIns="50800" rIns="50800" bIns="50800" numCol="1" anchor="ctr">
-              <a:noAutofit/>
-            </a:bodyPr>
-            <a:lstStyle/>
-            <a:p>
-              <a:r>
-                <a:rPr lang="en-US" altLang="zh-CN" sz="1500" b="0" dirty="0">
-                  <a:solidFill>
-                    <a:sysClr val="windowText" lastClr="000000"/>
-                  </a:solidFill>
-                  <a:latin typeface="微软雅黑" panose="020B0503020204020204" pitchFamily="34" charset="-122"/>
-                  <a:ea typeface="微软雅黑" panose="020B0503020204020204" pitchFamily="34" charset="-122"/>
-                  <a:cs typeface="Helvetica Light"/>
-                </a:rPr>
-                <a:t>dubbo</a:t>
-              </a:r>
-              <a:endParaRPr sz="1500" b="0" dirty="0">
+          </p:cNvPr>
+          <p:cNvSpPr/>
+          <p:nvPr/>
+        </p:nvSpPr>
+        <p:spPr>
+          <a:xfrm>
+            <a:off x="7813917" y="5167344"/>
+            <a:ext cx="1219802" cy="384067"/>
+          </a:xfrm>
+          <a:prstGeom prst="roundRect">
+            <a:avLst>
+              <a:gd name="adj" fmla="val 9824"/>
+            </a:avLst>
+          </a:prstGeom>
+          <a:solidFill>
+            <a:schemeClr val="accent4"/>
+          </a:solidFill>
+          <a:ln w="12700" cap="flat">
+            <a:noFill/>
+            <a:miter lim="400000"/>
+          </a:ln>
+          <a:effectLst>
+            <a:outerShdw blurRad="38100" dist="25400" dir="5400000" rotWithShape="0">
+              <a:srgbClr val="000000">
+                <a:alpha val="50000"/>
+              </a:srgbClr>
+            </a:outerShdw>
+          </a:effectLst>
+          <a:extLst>
+            <a:ext uri="{C572A759-6A51-4108-AA02-DFA0A04FC94B}">
+              <ma14:wrappingTextBoxFlag xmlns:ma14="http://schemas.microsoft.com/office/mac/drawingml/2011/main" xmlns:a14="http://schemas.microsoft.com/office/drawing/2010/main" xmlns:m="http://schemas.openxmlformats.org/officeDocument/2006/math" xmlns="" val="1"/>
+            </a:ext>
+          </a:extLst>
+        </p:spPr>
+        <p:txBody>
+          <a:bodyPr wrap="square" lIns="50800" tIns="50800" rIns="50800" bIns="50800" numCol="1" anchor="ctr">
+            <a:noAutofit/>
+          </a:bodyPr>
+          <a:lstStyle/>
+          <a:p>
+            <a:r>
+              <a:rPr lang="en-US" altLang="zh-CN" sz="1500" b="0" dirty="0">
                 <a:solidFill>
                   <a:sysClr val="windowText" lastClr="000000"/>
                 </a:solidFill>
                 <a:latin typeface="微软雅黑" panose="020B0503020204020204" pitchFamily="34" charset="-122"/>
                 <a:ea typeface="微软雅黑" panose="020B0503020204020204" pitchFamily="34" charset="-122"/>
                 <a:cs typeface="Helvetica Light"/>
-              </a:endParaRPr>
-            </a:p>
-          </p:txBody>
-        </p:sp>
-        <p:sp>
-          <p:nvSpPr>
-            <p:cNvPr id="150" name="jsonrpc 2.0">
-              <a:extLst>
-                <a:ext uri="{FF2B5EF4-FFF2-40B4-BE49-F238E27FC236}">
-                  <a16:creationId xmlns:a16="http://schemas.microsoft.com/office/drawing/2014/main" id="{EAA5C557-2E2E-7B47-A609-7F1872AB65A5}"/>
-                </a:ext>
-              </a:extLst>
-            </p:cNvPr>
-            <p:cNvSpPr/>
-            <p:nvPr/>
-          </p:nvSpPr>
-          <p:spPr>
-            <a:xfrm>
-              <a:off x="6988474" y="4574880"/>
-              <a:ext cx="1219802" cy="384067"/>
-            </a:xfrm>
-            <a:prstGeom prst="roundRect">
-              <a:avLst>
-                <a:gd name="adj" fmla="val 9824"/>
-              </a:avLst>
-            </a:prstGeom>
-            <a:solidFill>
-              <a:schemeClr val="accent4"/>
-            </a:solidFill>
-            <a:ln w="12700" cap="flat">
-              <a:noFill/>
-              <a:miter lim="400000"/>
-            </a:ln>
-            <a:effectLst>
-              <a:outerShdw blurRad="38100" dist="25400" dir="5400000" rotWithShape="0">
-                <a:srgbClr val="000000">
-                  <a:alpha val="50000"/>
-                </a:srgbClr>
-              </a:outerShdw>
-            </a:effectLst>
+              </a:rPr>
+              <a:t>dubbo</a:t>
+            </a:r>
+            <a:endParaRPr sz="1500" b="0" dirty="0">
+              <a:solidFill>
+                <a:sysClr val="windowText" lastClr="000000"/>
+              </a:solidFill>
+              <a:latin typeface="微软雅黑" panose="020B0503020204020204" pitchFamily="34" charset="-122"/>
+              <a:ea typeface="微软雅黑" panose="020B0503020204020204" pitchFamily="34" charset="-122"/>
+              <a:cs typeface="Helvetica Light"/>
+            </a:endParaRPr>
+          </a:p>
+        </p:txBody>
+      </p:sp>
+      <p:sp>
+        <p:nvSpPr>
+          <p:cNvPr id="150" name="jsonrpc 2.0">
             <a:extLst>
-              <a:ext uri="{C572A759-6A51-4108-AA02-DFA0A04FC94B}">
-                <ma14:wrappingTextBoxFlag xmlns="" xmlns:m="http://schemas.openxmlformats.org/officeDocument/2006/math" xmlns:a14="http://schemas.microsoft.com/office/drawing/2010/main" xmlns:ma14="http://schemas.microsoft.com/office/mac/drawingml/2011/main" val="1"/>
+              <a:ext uri="{FF2B5EF4-FFF2-40B4-BE49-F238E27FC236}">
+                <a16:creationId xmlns:a16="http://schemas.microsoft.com/office/drawing/2014/main" id="{EAA5C557-2E2E-7B47-A609-7F1872AB65A5}"/>
               </a:ext>
             </a:extLst>
-          </p:spPr>
-          <p:txBody>
-            <a:bodyPr wrap="square" lIns="50800" tIns="50800" rIns="50800" bIns="50800" numCol="1" anchor="ctr">
-              <a:noAutofit/>
-            </a:bodyPr>
-            <a:lstStyle/>
-            <a:p>
-              <a:r>
-                <a:rPr lang="en-US" altLang="zh-CN" sz="1500" b="0" dirty="0">
-                  <a:solidFill>
-                    <a:sysClr val="windowText" lastClr="000000"/>
-                  </a:solidFill>
-                  <a:latin typeface="微软雅黑" panose="020B0503020204020204" pitchFamily="34" charset="-122"/>
-                  <a:ea typeface="微软雅黑" panose="020B0503020204020204" pitchFamily="34" charset="-122"/>
-                  <a:cs typeface="Helvetica Light"/>
-                </a:rPr>
-                <a:t>jsonrpc</a:t>
-              </a:r>
-              <a:endParaRPr sz="1500" b="0" dirty="0">
+          </p:cNvPr>
+          <p:cNvSpPr/>
+          <p:nvPr/>
+        </p:nvSpPr>
+        <p:spPr>
+          <a:xfrm>
+            <a:off x="7813917" y="4569783"/>
+            <a:ext cx="1219802" cy="384067"/>
+          </a:xfrm>
+          <a:prstGeom prst="roundRect">
+            <a:avLst>
+              <a:gd name="adj" fmla="val 9824"/>
+            </a:avLst>
+          </a:prstGeom>
+          <a:solidFill>
+            <a:schemeClr val="accent4"/>
+          </a:solidFill>
+          <a:ln w="12700" cap="flat">
+            <a:noFill/>
+            <a:miter lim="400000"/>
+          </a:ln>
+          <a:effectLst>
+            <a:outerShdw blurRad="38100" dist="25400" dir="5400000" rotWithShape="0">
+              <a:srgbClr val="000000">
+                <a:alpha val="50000"/>
+              </a:srgbClr>
+            </a:outerShdw>
+          </a:effectLst>
+          <a:extLst>
+            <a:ext uri="{C572A759-6A51-4108-AA02-DFA0A04FC94B}">
+              <ma14:wrappingTextBoxFlag xmlns:ma14="http://schemas.microsoft.com/office/mac/drawingml/2011/main" xmlns:a14="http://schemas.microsoft.com/office/drawing/2010/main" xmlns:m="http://schemas.openxmlformats.org/officeDocument/2006/math" xmlns="" val="1"/>
+            </a:ext>
+          </a:extLst>
+        </p:spPr>
+        <p:txBody>
+          <a:bodyPr wrap="square" lIns="50800" tIns="50800" rIns="50800" bIns="50800" numCol="1" anchor="ctr">
+            <a:noAutofit/>
+          </a:bodyPr>
+          <a:lstStyle/>
+          <a:p>
+            <a:r>
+              <a:rPr lang="en-US" altLang="zh-CN" sz="1500" b="0" dirty="0">
                 <a:solidFill>
                   <a:sysClr val="windowText" lastClr="000000"/>
                 </a:solidFill>
                 <a:latin typeface="微软雅黑" panose="020B0503020204020204" pitchFamily="34" charset="-122"/>
                 <a:ea typeface="微软雅黑" panose="020B0503020204020204" pitchFamily="34" charset="-122"/>
                 <a:cs typeface="Helvetica Light"/>
-              </a:endParaRPr>
-            </a:p>
-          </p:txBody>
-        </p:sp>
-      </p:grpSp>
+              </a:rPr>
+              <a:t>jsonrpc</a:t>
+            </a:r>
+            <a:endParaRPr sz="1500" b="0" dirty="0">
+              <a:solidFill>
+                <a:sysClr val="windowText" lastClr="000000"/>
+              </a:solidFill>
+              <a:latin typeface="微软雅黑" panose="020B0503020204020204" pitchFamily="34" charset="-122"/>
+              <a:ea typeface="微软雅黑" panose="020B0503020204020204" pitchFamily="34" charset="-122"/>
+              <a:cs typeface="Helvetica Light"/>
+            </a:endParaRPr>
+          </a:p>
+        </p:txBody>
+      </p:sp>
       <p:sp>
         <p:nvSpPr>
           <p:cNvPr id="13" name="TextBox 12">
@@ -7819,7 +7743,7 @@
           </a:effectLst>
           <a:extLst>
             <a:ext uri="{C572A759-6A51-4108-AA02-DFA0A04FC94B}">
-              <ma14:wrappingTextBoxFlag xmlns="" xmlns:m="http://schemas.openxmlformats.org/officeDocument/2006/math" xmlns:a14="http://schemas.microsoft.com/office/drawing/2010/main" xmlns:ma14="http://schemas.microsoft.com/office/mac/drawingml/2011/main" val="1"/>
+              <ma14:wrappingTextBoxFlag xmlns:ma14="http://schemas.microsoft.com/office/mac/drawingml/2011/main" xmlns:a14="http://schemas.microsoft.com/office/drawing/2010/main" xmlns:m="http://schemas.openxmlformats.org/officeDocument/2006/math" xmlns="" val="1"/>
             </a:ext>
           </a:extLst>
         </p:spPr>
@@ -7870,7 +7794,7 @@
           </a:ln>
           <a:extLst>
             <a:ext uri="{C572A759-6A51-4108-AA02-DFA0A04FC94B}">
-              <ma14:wrappingTextBoxFlag xmlns="" xmlns:m="http://schemas.openxmlformats.org/officeDocument/2006/math" xmlns:a14="http://schemas.microsoft.com/office/drawing/2010/main" xmlns:ma14="http://schemas.microsoft.com/office/mac/drawingml/2011/main" val="1"/>
+              <ma14:wrappingTextBoxFlag xmlns:ma14="http://schemas.microsoft.com/office/mac/drawingml/2011/main" xmlns:a14="http://schemas.microsoft.com/office/drawing/2010/main" xmlns:m="http://schemas.openxmlformats.org/officeDocument/2006/math" xmlns="" val="1"/>
             </a:ext>
           </a:extLst>
         </p:spPr>
@@ -7925,7 +7849,7 @@
           </a:ln>
           <a:extLst>
             <a:ext uri="{C572A759-6A51-4108-AA02-DFA0A04FC94B}">
-              <ma14:wrappingTextBoxFlag xmlns="" xmlns:m="http://schemas.openxmlformats.org/officeDocument/2006/math" xmlns:a14="http://schemas.microsoft.com/office/drawing/2010/main" xmlns:ma14="http://schemas.microsoft.com/office/mac/drawingml/2011/main" val="1"/>
+              <ma14:wrappingTextBoxFlag xmlns:ma14="http://schemas.microsoft.com/office/mac/drawingml/2011/main" xmlns:a14="http://schemas.microsoft.com/office/drawing/2010/main" xmlns:m="http://schemas.openxmlformats.org/officeDocument/2006/math" xmlns="" val="1"/>
             </a:ext>
           </a:extLst>
         </p:spPr>
@@ -8022,374 +7946,353 @@
           </a:p>
         </p:txBody>
       </p:sp>
-      <p:grpSp>
-        <p:nvGrpSpPr>
-          <p:cNvPr id="155" name="Group 154">
+      <p:sp>
+        <p:nvSpPr>
+          <p:cNvPr id="156" name="codec">
             <a:extLst>
               <a:ext uri="{FF2B5EF4-FFF2-40B4-BE49-F238E27FC236}">
-                <a16:creationId xmlns:a16="http://schemas.microsoft.com/office/drawing/2014/main" id="{1C234CD9-B214-8542-B2EE-597FC60C03FA}"/>
+                <a16:creationId xmlns:a16="http://schemas.microsoft.com/office/drawing/2014/main" id="{1BC941CE-E8DF-C14D-AD87-6AE1A66A0262}"/>
               </a:ext>
             </a:extLst>
           </p:cNvPr>
-          <p:cNvGrpSpPr/>
+          <p:cNvSpPr/>
           <p:nvPr/>
-        </p:nvGrpSpPr>
-        <p:grpSpPr>
+        </p:nvSpPr>
+        <p:spPr>
           <a:xfrm>
             <a:off x="10822404" y="2810168"/>
             <a:ext cx="1337088" cy="2880000"/>
-            <a:chOff x="6947921" y="3112063"/>
-            <a:chExt cx="1337088" cy="2880000"/>
-          </a:xfrm>
-        </p:grpSpPr>
-        <p:sp>
-          <p:nvSpPr>
-            <p:cNvPr id="156" name="codec">
-              <a:extLst>
-                <a:ext uri="{FF2B5EF4-FFF2-40B4-BE49-F238E27FC236}">
-                  <a16:creationId xmlns:a16="http://schemas.microsoft.com/office/drawing/2014/main" id="{1BC941CE-E8DF-C14D-AD87-6AE1A66A0262}"/>
-                </a:ext>
-              </a:extLst>
-            </p:cNvPr>
-            <p:cNvSpPr/>
-            <p:nvPr/>
-          </p:nvSpPr>
-          <p:spPr>
-            <a:xfrm>
-              <a:off x="6947921" y="3112063"/>
-              <a:ext cx="1337088" cy="2880000"/>
-            </a:xfrm>
-            <a:prstGeom prst="roundRect">
-              <a:avLst>
-                <a:gd name="adj" fmla="val 6344"/>
-              </a:avLst>
-            </a:prstGeom>
-            <a:solidFill>
-              <a:schemeClr val="bg1">
-                <a:lumMod val="75000"/>
-              </a:schemeClr>
-            </a:solidFill>
-            <a:ln w="12700" cap="flat">
-              <a:noFill/>
-              <a:prstDash val="solid"/>
-              <a:miter lim="400000"/>
-            </a:ln>
-            <a:effectLst>
-              <a:outerShdw blurRad="50800" dist="38100" dir="5400000" algn="t" rotWithShape="0">
-                <a:prstClr val="black">
-                  <a:alpha val="40000"/>
-                </a:prstClr>
-              </a:outerShdw>
-            </a:effectLst>
-            <a:extLst>
-              <a:ext uri="{C572A759-6A51-4108-AA02-DFA0A04FC94B}">
-                <ma14:wrappingTextBoxFlag xmlns="" xmlns:m="http://schemas.openxmlformats.org/officeDocument/2006/math" xmlns:a14="http://schemas.microsoft.com/office/drawing/2010/main" xmlns:ma14="http://schemas.microsoft.com/office/mac/drawingml/2011/main" val="1"/>
-              </a:ext>
-            </a:extLst>
-          </p:spPr>
-          <p:txBody>
-            <a:bodyPr wrap="square" lIns="50800" tIns="50800" rIns="50800" bIns="50800" numCol="1" anchor="t">
-              <a:noAutofit/>
-            </a:bodyPr>
-            <a:lstStyle/>
-            <a:p>
-              <a:r>
-                <a:rPr lang="en-US" altLang="zh-CN" sz="1700" b="0" dirty="0">
-                  <a:latin typeface="微软雅黑" panose="020B0503020204020204" pitchFamily="34" charset="-122"/>
-                  <a:ea typeface="微软雅黑" panose="020B0503020204020204" pitchFamily="34" charset="-122"/>
-                  <a:cs typeface="Helvetica Light"/>
-                </a:rPr>
-                <a:t>protocol</a:t>
-              </a:r>
-              <a:endParaRPr sz="1700" b="0" dirty="0">
+          </a:xfrm>
+          <a:prstGeom prst="roundRect">
+            <a:avLst>
+              <a:gd name="adj" fmla="val 6344"/>
+            </a:avLst>
+          </a:prstGeom>
+          <a:solidFill>
+            <a:schemeClr val="bg1">
+              <a:lumMod val="75000"/>
+            </a:schemeClr>
+          </a:solidFill>
+          <a:ln w="12700" cap="flat">
+            <a:noFill/>
+            <a:prstDash val="solid"/>
+            <a:miter lim="400000"/>
+          </a:ln>
+          <a:effectLst>
+            <a:outerShdw blurRad="50800" dist="38100" dir="5400000" algn="t" rotWithShape="0">
+              <a:prstClr val="black">
+                <a:alpha val="40000"/>
+              </a:prstClr>
+            </a:outerShdw>
+          </a:effectLst>
+          <a:extLst>
+            <a:ext uri="{C572A759-6A51-4108-AA02-DFA0A04FC94B}">
+              <ma14:wrappingTextBoxFlag xmlns:ma14="http://schemas.microsoft.com/office/mac/drawingml/2011/main" xmlns:a14="http://schemas.microsoft.com/office/drawing/2010/main" xmlns:m="http://schemas.openxmlformats.org/officeDocument/2006/math" xmlns="" val="1"/>
+            </a:ext>
+          </a:extLst>
+        </p:spPr>
+        <p:txBody>
+          <a:bodyPr wrap="square" lIns="50800" tIns="50800" rIns="50800" bIns="50800" numCol="1" anchor="t">
+            <a:noAutofit/>
+          </a:bodyPr>
+          <a:lstStyle/>
+          <a:p>
+            <a:r>
+              <a:rPr lang="en-US" altLang="zh-CN" sz="1700" b="0" dirty="0">
                 <a:latin typeface="微软雅黑" panose="020B0503020204020204" pitchFamily="34" charset="-122"/>
                 <a:ea typeface="微软雅黑" panose="020B0503020204020204" pitchFamily="34" charset="-122"/>
                 <a:cs typeface="Helvetica Light"/>
-              </a:endParaRPr>
-            </a:p>
-          </p:txBody>
-        </p:sp>
-        <p:sp>
-          <p:nvSpPr>
-            <p:cNvPr id="157" name="jsonrpc 2.0">
-              <a:extLst>
-                <a:ext uri="{FF2B5EF4-FFF2-40B4-BE49-F238E27FC236}">
-                  <a16:creationId xmlns:a16="http://schemas.microsoft.com/office/drawing/2014/main" id="{31729B33-CB03-A949-928E-D642F68F10A4}"/>
-                </a:ext>
-              </a:extLst>
-            </p:cNvPr>
-            <p:cNvSpPr/>
-            <p:nvPr/>
-          </p:nvSpPr>
-          <p:spPr>
-            <a:xfrm>
-              <a:off x="6988474" y="3627794"/>
-              <a:ext cx="1219802" cy="384067"/>
-            </a:xfrm>
-            <a:prstGeom prst="roundRect">
-              <a:avLst>
-                <a:gd name="adj" fmla="val 9824"/>
-              </a:avLst>
-            </a:prstGeom>
-            <a:solidFill>
-              <a:schemeClr val="accent4"/>
-            </a:solidFill>
-            <a:ln w="12700" cap="flat">
-              <a:noFill/>
-              <a:miter lim="400000"/>
-            </a:ln>
-            <a:effectLst>
-              <a:outerShdw blurRad="38100" dist="25400" dir="5400000" rotWithShape="0">
-                <a:srgbClr val="000000">
-                  <a:alpha val="50000"/>
-                </a:srgbClr>
-              </a:outerShdw>
-            </a:effectLst>
+              </a:rPr>
+              <a:t>protocol</a:t>
+            </a:r>
+            <a:endParaRPr sz="1700" b="0" dirty="0">
+              <a:latin typeface="微软雅黑" panose="020B0503020204020204" pitchFamily="34" charset="-122"/>
+              <a:ea typeface="微软雅黑" panose="020B0503020204020204" pitchFamily="34" charset="-122"/>
+              <a:cs typeface="Helvetica Light"/>
+            </a:endParaRPr>
+          </a:p>
+        </p:txBody>
+      </p:sp>
+      <p:sp>
+        <p:nvSpPr>
+          <p:cNvPr id="157" name="jsonrpc 2.0">
             <a:extLst>
-              <a:ext uri="{C572A759-6A51-4108-AA02-DFA0A04FC94B}">
-                <ma14:wrappingTextBoxFlag xmlns="" xmlns:m="http://schemas.openxmlformats.org/officeDocument/2006/math" xmlns:a14="http://schemas.microsoft.com/office/drawing/2010/main" xmlns:ma14="http://schemas.microsoft.com/office/mac/drawingml/2011/main" val="1"/>
+              <a:ext uri="{FF2B5EF4-FFF2-40B4-BE49-F238E27FC236}">
+                <a16:creationId xmlns:a16="http://schemas.microsoft.com/office/drawing/2014/main" id="{31729B33-CB03-A949-928E-D642F68F10A4}"/>
               </a:ext>
             </a:extLst>
-          </p:spPr>
-          <p:txBody>
-            <a:bodyPr wrap="square" lIns="50800" tIns="50800" rIns="50800" bIns="50800" numCol="1" anchor="ctr">
-              <a:noAutofit/>
-            </a:bodyPr>
-            <a:lstStyle/>
-            <a:p>
-              <a:r>
-                <a:rPr lang="en-US" altLang="zh-CN" sz="1500" b="0" dirty="0">
-                  <a:solidFill>
-                    <a:sysClr val="windowText" lastClr="000000"/>
-                  </a:solidFill>
-                  <a:latin typeface="微软雅黑" panose="020B0503020204020204" pitchFamily="34" charset="-122"/>
-                  <a:ea typeface="微软雅黑" panose="020B0503020204020204" pitchFamily="34" charset="-122"/>
-                  <a:cs typeface="Helvetica Light"/>
-                </a:rPr>
-                <a:t>grpc</a:t>
-              </a:r>
-              <a:endParaRPr sz="1500" b="0" dirty="0">
+          </p:cNvPr>
+          <p:cNvSpPr/>
+          <p:nvPr/>
+        </p:nvSpPr>
+        <p:spPr>
+          <a:xfrm>
+            <a:off x="10862957" y="3325899"/>
+            <a:ext cx="1219802" cy="384067"/>
+          </a:xfrm>
+          <a:prstGeom prst="roundRect">
+            <a:avLst>
+              <a:gd name="adj" fmla="val 9824"/>
+            </a:avLst>
+          </a:prstGeom>
+          <a:solidFill>
+            <a:schemeClr val="accent4"/>
+          </a:solidFill>
+          <a:ln w="12700" cap="flat">
+            <a:noFill/>
+            <a:miter lim="400000"/>
+          </a:ln>
+          <a:effectLst>
+            <a:outerShdw blurRad="38100" dist="25400" dir="5400000" rotWithShape="0">
+              <a:srgbClr val="000000">
+                <a:alpha val="50000"/>
+              </a:srgbClr>
+            </a:outerShdw>
+          </a:effectLst>
+          <a:extLst>
+            <a:ext uri="{C572A759-6A51-4108-AA02-DFA0A04FC94B}">
+              <ma14:wrappingTextBoxFlag xmlns:ma14="http://schemas.microsoft.com/office/mac/drawingml/2011/main" xmlns:a14="http://schemas.microsoft.com/office/drawing/2010/main" xmlns:m="http://schemas.openxmlformats.org/officeDocument/2006/math" xmlns="" val="1"/>
+            </a:ext>
+          </a:extLst>
+        </p:spPr>
+        <p:txBody>
+          <a:bodyPr wrap="square" lIns="50800" tIns="50800" rIns="50800" bIns="50800" numCol="1" anchor="ctr">
+            <a:noAutofit/>
+          </a:bodyPr>
+          <a:lstStyle/>
+          <a:p>
+            <a:r>
+              <a:rPr lang="en-US" altLang="zh-CN" sz="1500" b="0" dirty="0">
                 <a:solidFill>
                   <a:sysClr val="windowText" lastClr="000000"/>
                 </a:solidFill>
                 <a:latin typeface="微软雅黑" panose="020B0503020204020204" pitchFamily="34" charset="-122"/>
                 <a:ea typeface="微软雅黑" panose="020B0503020204020204" pitchFamily="34" charset="-122"/>
                 <a:cs typeface="Helvetica Light"/>
-              </a:endParaRPr>
-            </a:p>
-          </p:txBody>
-        </p:sp>
-        <p:sp>
-          <p:nvSpPr>
-            <p:cNvPr id="158" name="jsonrpc 2.0">
-              <a:extLst>
-                <a:ext uri="{FF2B5EF4-FFF2-40B4-BE49-F238E27FC236}">
-                  <a16:creationId xmlns:a16="http://schemas.microsoft.com/office/drawing/2014/main" id="{810C242C-F03E-1140-82C1-7B58537AFCC5}"/>
-                </a:ext>
-              </a:extLst>
-            </p:cNvPr>
-            <p:cNvSpPr/>
-            <p:nvPr/>
-          </p:nvSpPr>
-          <p:spPr>
-            <a:xfrm>
-              <a:off x="6988474" y="4095935"/>
-              <a:ext cx="1219802" cy="384067"/>
-            </a:xfrm>
-            <a:prstGeom prst="roundRect">
-              <a:avLst>
-                <a:gd name="adj" fmla="val 9824"/>
-              </a:avLst>
-            </a:prstGeom>
-            <a:solidFill>
-              <a:schemeClr val="accent4"/>
-            </a:solidFill>
-            <a:ln w="12700" cap="flat">
-              <a:noFill/>
-              <a:miter lim="400000"/>
-            </a:ln>
-            <a:effectLst>
-              <a:outerShdw blurRad="38100" dist="25400" dir="5400000" rotWithShape="0">
-                <a:srgbClr val="000000">
-                  <a:alpha val="50000"/>
-                </a:srgbClr>
-              </a:outerShdw>
-            </a:effectLst>
+              </a:rPr>
+              <a:t>grpc</a:t>
+            </a:r>
+            <a:endParaRPr sz="1500" b="0" dirty="0">
+              <a:solidFill>
+                <a:sysClr val="windowText" lastClr="000000"/>
+              </a:solidFill>
+              <a:latin typeface="微软雅黑" panose="020B0503020204020204" pitchFamily="34" charset="-122"/>
+              <a:ea typeface="微软雅黑" panose="020B0503020204020204" pitchFamily="34" charset="-122"/>
+              <a:cs typeface="Helvetica Light"/>
+            </a:endParaRPr>
+          </a:p>
+        </p:txBody>
+      </p:sp>
+      <p:sp>
+        <p:nvSpPr>
+          <p:cNvPr id="158" name="jsonrpc 2.0">
             <a:extLst>
-              <a:ext uri="{C572A759-6A51-4108-AA02-DFA0A04FC94B}">
-                <ma14:wrappingTextBoxFlag xmlns="" xmlns:m="http://schemas.openxmlformats.org/officeDocument/2006/math" xmlns:a14="http://schemas.microsoft.com/office/drawing/2010/main" xmlns:ma14="http://schemas.microsoft.com/office/mac/drawingml/2011/main" val="1"/>
+              <a:ext uri="{FF2B5EF4-FFF2-40B4-BE49-F238E27FC236}">
+                <a16:creationId xmlns:a16="http://schemas.microsoft.com/office/drawing/2014/main" id="{810C242C-F03E-1140-82C1-7B58537AFCC5}"/>
               </a:ext>
             </a:extLst>
-          </p:spPr>
-          <p:txBody>
-            <a:bodyPr wrap="square" lIns="50800" tIns="50800" rIns="50800" bIns="50800" numCol="1" anchor="ctr">
-              <a:noAutofit/>
-            </a:bodyPr>
-            <a:lstStyle/>
-            <a:p>
-              <a:r>
-                <a:rPr lang="en-US" altLang="zh-CN" sz="1500" b="0" dirty="0">
-                  <a:solidFill>
-                    <a:sysClr val="windowText" lastClr="000000"/>
-                  </a:solidFill>
-                  <a:latin typeface="微软雅黑" panose="020B0503020204020204" pitchFamily="34" charset="-122"/>
-                  <a:ea typeface="微软雅黑" panose="020B0503020204020204" pitchFamily="34" charset="-122"/>
-                  <a:cs typeface="Helvetica Light"/>
-                </a:rPr>
-                <a:t>rest</a:t>
-              </a:r>
-              <a:endParaRPr sz="1500" b="0" dirty="0">
+          </p:cNvPr>
+          <p:cNvSpPr/>
+          <p:nvPr/>
+        </p:nvSpPr>
+        <p:spPr>
+          <a:xfrm>
+            <a:off x="10862957" y="3923461"/>
+            <a:ext cx="1219802" cy="384067"/>
+          </a:xfrm>
+          <a:prstGeom prst="roundRect">
+            <a:avLst>
+              <a:gd name="adj" fmla="val 9824"/>
+            </a:avLst>
+          </a:prstGeom>
+          <a:solidFill>
+            <a:schemeClr val="accent4"/>
+          </a:solidFill>
+          <a:ln w="12700" cap="flat">
+            <a:noFill/>
+            <a:miter lim="400000"/>
+          </a:ln>
+          <a:effectLst>
+            <a:outerShdw blurRad="38100" dist="25400" dir="5400000" rotWithShape="0">
+              <a:srgbClr val="000000">
+                <a:alpha val="50000"/>
+              </a:srgbClr>
+            </a:outerShdw>
+          </a:effectLst>
+          <a:extLst>
+            <a:ext uri="{C572A759-6A51-4108-AA02-DFA0A04FC94B}">
+              <ma14:wrappingTextBoxFlag xmlns:ma14="http://schemas.microsoft.com/office/mac/drawingml/2011/main" xmlns:a14="http://schemas.microsoft.com/office/drawing/2010/main" xmlns:m="http://schemas.openxmlformats.org/officeDocument/2006/math" xmlns="" val="1"/>
+            </a:ext>
+          </a:extLst>
+        </p:spPr>
+        <p:txBody>
+          <a:bodyPr wrap="square" lIns="50800" tIns="50800" rIns="50800" bIns="50800" numCol="1" anchor="ctr">
+            <a:noAutofit/>
+          </a:bodyPr>
+          <a:lstStyle/>
+          <a:p>
+            <a:r>
+              <a:rPr lang="en-US" altLang="zh-CN" sz="1500" b="0" dirty="0">
                 <a:solidFill>
                   <a:sysClr val="windowText" lastClr="000000"/>
                 </a:solidFill>
                 <a:latin typeface="微软雅黑" panose="020B0503020204020204" pitchFamily="34" charset="-122"/>
                 <a:ea typeface="微软雅黑" panose="020B0503020204020204" pitchFamily="34" charset="-122"/>
                 <a:cs typeface="Helvetica Light"/>
-              </a:endParaRPr>
-            </a:p>
-          </p:txBody>
-        </p:sp>
-        <p:sp>
-          <p:nvSpPr>
-            <p:cNvPr id="159" name="jsonrpc 2.0">
-              <a:extLst>
-                <a:ext uri="{FF2B5EF4-FFF2-40B4-BE49-F238E27FC236}">
-                  <a16:creationId xmlns:a16="http://schemas.microsoft.com/office/drawing/2014/main" id="{5307773E-988C-7148-96BD-95808C19D800}"/>
-                </a:ext>
-              </a:extLst>
-            </p:cNvPr>
-            <p:cNvSpPr/>
-            <p:nvPr/>
-          </p:nvSpPr>
-          <p:spPr>
-            <a:xfrm>
-              <a:off x="6988474" y="5420479"/>
-              <a:ext cx="1219802" cy="384067"/>
-            </a:xfrm>
-            <a:prstGeom prst="roundRect">
-              <a:avLst>
-                <a:gd name="adj" fmla="val 9824"/>
-              </a:avLst>
-            </a:prstGeom>
-            <a:solidFill>
-              <a:schemeClr val="accent4"/>
-            </a:solidFill>
-            <a:ln w="12700" cap="flat">
-              <a:noFill/>
-              <a:miter lim="400000"/>
-            </a:ln>
-            <a:effectLst>
-              <a:outerShdw blurRad="38100" dist="25400" dir="5400000" rotWithShape="0">
-                <a:srgbClr val="000000">
-                  <a:alpha val="50000"/>
-                </a:srgbClr>
-              </a:outerShdw>
-            </a:effectLst>
+              </a:rPr>
+              <a:t>rest</a:t>
+            </a:r>
+            <a:endParaRPr sz="1500" b="0" dirty="0">
+              <a:solidFill>
+                <a:sysClr val="windowText" lastClr="000000"/>
+              </a:solidFill>
+              <a:latin typeface="微软雅黑" panose="020B0503020204020204" pitchFamily="34" charset="-122"/>
+              <a:ea typeface="微软雅黑" panose="020B0503020204020204" pitchFamily="34" charset="-122"/>
+              <a:cs typeface="Helvetica Light"/>
+            </a:endParaRPr>
+          </a:p>
+        </p:txBody>
+      </p:sp>
+      <p:sp>
+        <p:nvSpPr>
+          <p:cNvPr id="159" name="jsonrpc 2.0">
             <a:extLst>
-              <a:ext uri="{C572A759-6A51-4108-AA02-DFA0A04FC94B}">
-                <ma14:wrappingTextBoxFlag xmlns="" xmlns:m="http://schemas.openxmlformats.org/officeDocument/2006/math" xmlns:a14="http://schemas.microsoft.com/office/drawing/2010/main" xmlns:ma14="http://schemas.microsoft.com/office/mac/drawingml/2011/main" val="1"/>
+              <a:ext uri="{FF2B5EF4-FFF2-40B4-BE49-F238E27FC236}">
+                <a16:creationId xmlns:a16="http://schemas.microsoft.com/office/drawing/2014/main" id="{5307773E-988C-7148-96BD-95808C19D800}"/>
               </a:ext>
             </a:extLst>
-          </p:spPr>
-          <p:txBody>
-            <a:bodyPr wrap="square" lIns="50800" tIns="50800" rIns="50800" bIns="50800" numCol="1" anchor="ctr">
-              <a:noAutofit/>
-            </a:bodyPr>
-            <a:lstStyle/>
-            <a:p>
-              <a:r>
-                <a:rPr lang="en-US" altLang="zh-CN" sz="1500" b="0" dirty="0">
-                  <a:solidFill>
-                    <a:sysClr val="windowText" lastClr="000000"/>
-                  </a:solidFill>
-                  <a:latin typeface="微软雅黑" panose="020B0503020204020204" pitchFamily="34" charset="-122"/>
-                  <a:ea typeface="微软雅黑" panose="020B0503020204020204" pitchFamily="34" charset="-122"/>
-                  <a:cs typeface="Helvetica Light"/>
-                </a:rPr>
-                <a:t>dubbo</a:t>
-              </a:r>
-              <a:endParaRPr sz="1500" b="0" dirty="0">
+          </p:cNvPr>
+          <p:cNvSpPr/>
+          <p:nvPr/>
+        </p:nvSpPr>
+        <p:spPr>
+          <a:xfrm>
+            <a:off x="10862957" y="5118584"/>
+            <a:ext cx="1219802" cy="384067"/>
+          </a:xfrm>
+          <a:prstGeom prst="roundRect">
+            <a:avLst>
+              <a:gd name="adj" fmla="val 9824"/>
+            </a:avLst>
+          </a:prstGeom>
+          <a:solidFill>
+            <a:schemeClr val="accent4"/>
+          </a:solidFill>
+          <a:ln w="12700" cap="flat">
+            <a:noFill/>
+            <a:miter lim="400000"/>
+          </a:ln>
+          <a:effectLst>
+            <a:outerShdw blurRad="38100" dist="25400" dir="5400000" rotWithShape="0">
+              <a:srgbClr val="000000">
+                <a:alpha val="50000"/>
+              </a:srgbClr>
+            </a:outerShdw>
+          </a:effectLst>
+          <a:extLst>
+            <a:ext uri="{C572A759-6A51-4108-AA02-DFA0A04FC94B}">
+              <ma14:wrappingTextBoxFlag xmlns:ma14="http://schemas.microsoft.com/office/mac/drawingml/2011/main" xmlns:a14="http://schemas.microsoft.com/office/drawing/2010/main" xmlns:m="http://schemas.openxmlformats.org/officeDocument/2006/math" xmlns="" val="1"/>
+            </a:ext>
+          </a:extLst>
+        </p:spPr>
+        <p:txBody>
+          <a:bodyPr wrap="square" lIns="50800" tIns="50800" rIns="50800" bIns="50800" numCol="1" anchor="ctr">
+            <a:noAutofit/>
+          </a:bodyPr>
+          <a:lstStyle/>
+          <a:p>
+            <a:r>
+              <a:rPr lang="en-US" altLang="zh-CN" sz="1500" b="0" dirty="0">
                 <a:solidFill>
                   <a:sysClr val="windowText" lastClr="000000"/>
                 </a:solidFill>
                 <a:latin typeface="微软雅黑" panose="020B0503020204020204" pitchFamily="34" charset="-122"/>
                 <a:ea typeface="微软雅黑" panose="020B0503020204020204" pitchFamily="34" charset="-122"/>
                 <a:cs typeface="Helvetica Light"/>
-              </a:endParaRPr>
-            </a:p>
-          </p:txBody>
-        </p:sp>
-        <p:sp>
-          <p:nvSpPr>
-            <p:cNvPr id="160" name="jsonrpc 2.0">
-              <a:extLst>
-                <a:ext uri="{FF2B5EF4-FFF2-40B4-BE49-F238E27FC236}">
-                  <a16:creationId xmlns:a16="http://schemas.microsoft.com/office/drawing/2014/main" id="{71262FAD-AE26-CA4F-99D1-CE5AE48B29D3}"/>
-                </a:ext>
-              </a:extLst>
-            </p:cNvPr>
-            <p:cNvSpPr/>
-            <p:nvPr/>
-          </p:nvSpPr>
-          <p:spPr>
-            <a:xfrm>
-              <a:off x="6988474" y="4574880"/>
-              <a:ext cx="1219802" cy="384067"/>
-            </a:xfrm>
-            <a:prstGeom prst="roundRect">
-              <a:avLst>
-                <a:gd name="adj" fmla="val 9824"/>
-              </a:avLst>
-            </a:prstGeom>
-            <a:solidFill>
-              <a:schemeClr val="accent4"/>
-            </a:solidFill>
-            <a:ln w="12700" cap="flat">
-              <a:noFill/>
-              <a:miter lim="400000"/>
-            </a:ln>
-            <a:effectLst>
-              <a:outerShdw blurRad="38100" dist="25400" dir="5400000" rotWithShape="0">
-                <a:srgbClr val="000000">
-                  <a:alpha val="50000"/>
-                </a:srgbClr>
-              </a:outerShdw>
-            </a:effectLst>
+              </a:rPr>
+              <a:t>dubbo</a:t>
+            </a:r>
+            <a:endParaRPr sz="1500" b="0" dirty="0">
+              <a:solidFill>
+                <a:sysClr val="windowText" lastClr="000000"/>
+              </a:solidFill>
+              <a:latin typeface="微软雅黑" panose="020B0503020204020204" pitchFamily="34" charset="-122"/>
+              <a:ea typeface="微软雅黑" panose="020B0503020204020204" pitchFamily="34" charset="-122"/>
+              <a:cs typeface="Helvetica Light"/>
+            </a:endParaRPr>
+          </a:p>
+        </p:txBody>
+      </p:sp>
+      <p:sp>
+        <p:nvSpPr>
+          <p:cNvPr id="160" name="jsonrpc 2.0">
             <a:extLst>
-              <a:ext uri="{C572A759-6A51-4108-AA02-DFA0A04FC94B}">
-                <ma14:wrappingTextBoxFlag xmlns="" xmlns:m="http://schemas.openxmlformats.org/officeDocument/2006/math" xmlns:a14="http://schemas.microsoft.com/office/drawing/2010/main" xmlns:ma14="http://schemas.microsoft.com/office/mac/drawingml/2011/main" val="1"/>
+              <a:ext uri="{FF2B5EF4-FFF2-40B4-BE49-F238E27FC236}">
+                <a16:creationId xmlns:a16="http://schemas.microsoft.com/office/drawing/2014/main" id="{71262FAD-AE26-CA4F-99D1-CE5AE48B29D3}"/>
               </a:ext>
             </a:extLst>
-          </p:spPr>
-          <p:txBody>
-            <a:bodyPr wrap="square" lIns="50800" tIns="50800" rIns="50800" bIns="50800" numCol="1" anchor="ctr">
-              <a:noAutofit/>
-            </a:bodyPr>
-            <a:lstStyle/>
-            <a:p>
-              <a:r>
-                <a:rPr lang="en-US" altLang="zh-CN" sz="1500" b="0" dirty="0">
-                  <a:solidFill>
-                    <a:sysClr val="windowText" lastClr="000000"/>
-                  </a:solidFill>
-                  <a:latin typeface="微软雅黑" panose="020B0503020204020204" pitchFamily="34" charset="-122"/>
-                  <a:ea typeface="微软雅黑" panose="020B0503020204020204" pitchFamily="34" charset="-122"/>
-                  <a:cs typeface="Helvetica Light"/>
-                </a:rPr>
-                <a:t>jsonrpc</a:t>
-              </a:r>
-              <a:endParaRPr sz="1500" b="0" dirty="0">
+          </p:cNvPr>
+          <p:cNvSpPr/>
+          <p:nvPr/>
+        </p:nvSpPr>
+        <p:spPr>
+          <a:xfrm>
+            <a:off x="10862957" y="4521023"/>
+            <a:ext cx="1219802" cy="384067"/>
+          </a:xfrm>
+          <a:prstGeom prst="roundRect">
+            <a:avLst>
+              <a:gd name="adj" fmla="val 9824"/>
+            </a:avLst>
+          </a:prstGeom>
+          <a:solidFill>
+            <a:schemeClr val="accent4"/>
+          </a:solidFill>
+          <a:ln w="12700" cap="flat">
+            <a:noFill/>
+            <a:miter lim="400000"/>
+          </a:ln>
+          <a:effectLst>
+            <a:outerShdw blurRad="38100" dist="25400" dir="5400000" rotWithShape="0">
+              <a:srgbClr val="000000">
+                <a:alpha val="50000"/>
+              </a:srgbClr>
+            </a:outerShdw>
+          </a:effectLst>
+          <a:extLst>
+            <a:ext uri="{C572A759-6A51-4108-AA02-DFA0A04FC94B}">
+              <ma14:wrappingTextBoxFlag xmlns:ma14="http://schemas.microsoft.com/office/mac/drawingml/2011/main" xmlns:a14="http://schemas.microsoft.com/office/drawing/2010/main" xmlns:m="http://schemas.openxmlformats.org/officeDocument/2006/math" xmlns="" val="1"/>
+            </a:ext>
+          </a:extLst>
+        </p:spPr>
+        <p:txBody>
+          <a:bodyPr wrap="square" lIns="50800" tIns="50800" rIns="50800" bIns="50800" numCol="1" anchor="ctr">
+            <a:noAutofit/>
+          </a:bodyPr>
+          <a:lstStyle/>
+          <a:p>
+            <a:r>
+              <a:rPr lang="en-US" altLang="zh-CN" sz="1500" b="0" dirty="0">
                 <a:solidFill>
                   <a:sysClr val="windowText" lastClr="000000"/>
                 </a:solidFill>
                 <a:latin typeface="微软雅黑" panose="020B0503020204020204" pitchFamily="34" charset="-122"/>
                 <a:ea typeface="微软雅黑" panose="020B0503020204020204" pitchFamily="34" charset="-122"/>
                 <a:cs typeface="Helvetica Light"/>
-              </a:endParaRPr>
-            </a:p>
-          </p:txBody>
-        </p:sp>
-      </p:grpSp>
+              </a:rPr>
+              <a:t>jsonrpc</a:t>
+            </a:r>
+            <a:endParaRPr sz="1500" b="0" dirty="0">
+              <a:solidFill>
+                <a:sysClr val="windowText" lastClr="000000"/>
+              </a:solidFill>
+              <a:latin typeface="微软雅黑" panose="020B0503020204020204" pitchFamily="34" charset="-122"/>
+              <a:ea typeface="微软雅黑" panose="020B0503020204020204" pitchFamily="34" charset="-122"/>
+              <a:cs typeface="Helvetica Light"/>
+            </a:endParaRPr>
+          </a:p>
+        </p:txBody>
+      </p:sp>
       <p:grpSp>
         <p:nvGrpSpPr>
           <p:cNvPr id="161" name="Group 160">
@@ -8448,7 +8351,7 @@
             </a:effectLst>
             <a:extLst>
               <a:ext uri="{C572A759-6A51-4108-AA02-DFA0A04FC94B}">
-                <ma14:wrappingTextBoxFlag xmlns="" xmlns:m="http://schemas.openxmlformats.org/officeDocument/2006/math" xmlns:a14="http://schemas.microsoft.com/office/drawing/2010/main" xmlns:ma14="http://schemas.microsoft.com/office/mac/drawingml/2011/main" val="1"/>
+                <ma14:wrappingTextBoxFlag xmlns:ma14="http://schemas.microsoft.com/office/mac/drawingml/2011/main" xmlns:a14="http://schemas.microsoft.com/office/drawing/2010/main" xmlns:m="http://schemas.openxmlformats.org/officeDocument/2006/math" xmlns="" val="1"/>
               </a:ext>
             </a:extLst>
           </p:spPr>
@@ -8518,7 +8421,7 @@
             </a:effectLst>
             <a:extLst>
               <a:ext uri="{C572A759-6A51-4108-AA02-DFA0A04FC94B}">
-                <ma14:wrappingTextBoxFlag xmlns="" xmlns:m="http://schemas.openxmlformats.org/officeDocument/2006/math" xmlns:a14="http://schemas.microsoft.com/office/drawing/2010/main" xmlns:ma14="http://schemas.microsoft.com/office/mac/drawingml/2011/main" val="1"/>
+                <ma14:wrappingTextBoxFlag xmlns:ma14="http://schemas.microsoft.com/office/mac/drawingml/2011/main" xmlns:a14="http://schemas.microsoft.com/office/drawing/2010/main" xmlns:m="http://schemas.openxmlformats.org/officeDocument/2006/math" xmlns="" val="1"/>
               </a:ext>
             </a:extLst>
           </p:spPr>
@@ -8616,7 +8519,7 @@
             </a:effectLst>
             <a:extLst>
               <a:ext uri="{C572A759-6A51-4108-AA02-DFA0A04FC94B}">
-                <ma14:wrappingTextBoxFlag xmlns="" xmlns:m="http://schemas.openxmlformats.org/officeDocument/2006/math" xmlns:a14="http://schemas.microsoft.com/office/drawing/2010/main" xmlns:ma14="http://schemas.microsoft.com/office/mac/drawingml/2011/main" val="1"/>
+                <ma14:wrappingTextBoxFlag xmlns:ma14="http://schemas.microsoft.com/office/mac/drawingml/2011/main" xmlns:a14="http://schemas.microsoft.com/office/drawing/2010/main" xmlns:m="http://schemas.openxmlformats.org/officeDocument/2006/math" xmlns="" val="1"/>
               </a:ext>
             </a:extLst>
           </p:spPr>
@@ -8650,8 +8553,8 @@
           </p:nvSpPr>
           <p:spPr>
             <a:xfrm>
-              <a:off x="4825326" y="3739157"/>
-              <a:ext cx="1106734" cy="226600"/>
+              <a:off x="4866650" y="3739156"/>
+              <a:ext cx="1041345" cy="422299"/>
             </a:xfrm>
             <a:prstGeom prst="roundRect">
               <a:avLst/>
@@ -8672,7 +8575,7 @@
             </a:effectLst>
             <a:extLst>
               <a:ext uri="{C572A759-6A51-4108-AA02-DFA0A04FC94B}">
-                <ma14:wrappingTextBoxFlag xmlns="" xmlns:m="http://schemas.openxmlformats.org/officeDocument/2006/math" xmlns:a14="http://schemas.microsoft.com/office/drawing/2010/main" xmlns:ma14="http://schemas.microsoft.com/office/mac/drawingml/2011/main" val="1"/>
+                <ma14:wrappingTextBoxFlag xmlns:ma14="http://schemas.microsoft.com/office/mac/drawingml/2011/main" xmlns:a14="http://schemas.microsoft.com/office/drawing/2010/main" xmlns:m="http://schemas.openxmlformats.org/officeDocument/2006/math" xmlns="" val="1"/>
               </a:ext>
             </a:extLst>
           </p:spPr>
@@ -8704,8 +8607,8 @@
           </p:nvSpPr>
           <p:spPr>
             <a:xfrm>
-              <a:off x="4811071" y="4349857"/>
-              <a:ext cx="1106734" cy="408016"/>
+              <a:off x="4852395" y="4412029"/>
+              <a:ext cx="1041346" cy="402399"/>
             </a:xfrm>
             <a:prstGeom prst="roundRect">
               <a:avLst>
@@ -8728,7 +8631,7 @@
             </a:effectLst>
             <a:extLst>
               <a:ext uri="{C572A759-6A51-4108-AA02-DFA0A04FC94B}">
-                <ma14:wrappingTextBoxFlag xmlns="" xmlns:m="http://schemas.openxmlformats.org/officeDocument/2006/math" xmlns:a14="http://schemas.microsoft.com/office/drawing/2010/main" xmlns:ma14="http://schemas.microsoft.com/office/mac/drawingml/2011/main" val="1"/>
+                <ma14:wrappingTextBoxFlag xmlns:ma14="http://schemas.microsoft.com/office/mac/drawingml/2011/main" xmlns:a14="http://schemas.microsoft.com/office/drawing/2010/main" xmlns:m="http://schemas.openxmlformats.org/officeDocument/2006/math" xmlns="" val="1"/>
               </a:ext>
             </a:extLst>
           </p:spPr>
@@ -8739,7 +8642,7 @@
             <a:lstStyle/>
             <a:p>
               <a:r>
-                <a:rPr sz="1500" b="0" dirty="0">
+                <a:rPr lang="en-US" altLang="zh-CN" sz="1500" b="0" dirty="0">
                   <a:solidFill>
                     <a:sysClr val="windowText" lastClr="000000"/>
                   </a:solidFill>
@@ -8747,21 +8650,16 @@
                   <a:ea typeface="微软雅黑" panose="020B0503020204020204" pitchFamily="34" charset="-122"/>
                   <a:cs typeface="Helvetica Light"/>
                 </a:rPr>
-                <a:t>round</a:t>
+                <a:t>RR</a:t>
               </a:r>
-            </a:p>
-            <a:p>
-              <a:r>
-                <a:rPr sz="1500" b="0" dirty="0">
-                  <a:solidFill>
-                    <a:sysClr val="windowText" lastClr="000000"/>
-                  </a:solidFill>
-                  <a:latin typeface="微软雅黑" panose="020B0503020204020204" pitchFamily="34" charset="-122"/>
-                  <a:ea typeface="微软雅黑" panose="020B0503020204020204" pitchFamily="34" charset="-122"/>
-                  <a:cs typeface="Helvetica Light"/>
-                </a:rPr>
-                <a:t> robin</a:t>
-              </a:r>
+              <a:endParaRPr sz="1500" b="0" dirty="0">
+                <a:solidFill>
+                  <a:sysClr val="windowText" lastClr="000000"/>
+                </a:solidFill>
+                <a:latin typeface="微软雅黑" panose="020B0503020204020204" pitchFamily="34" charset="-122"/>
+                <a:ea typeface="微软雅黑" panose="020B0503020204020204" pitchFamily="34" charset="-122"/>
+                <a:cs typeface="Helvetica Light"/>
+              </a:endParaRPr>
             </a:p>
           </p:txBody>
         </p:sp>
@@ -8773,8 +8671,8 @@
           </p:nvSpPr>
           <p:spPr>
             <a:xfrm>
-              <a:off x="4814446" y="5065002"/>
-              <a:ext cx="1106734" cy="466752"/>
+              <a:off x="4855770" y="5065002"/>
+              <a:ext cx="1041346" cy="408016"/>
             </a:xfrm>
             <a:prstGeom prst="roundRect">
               <a:avLst>
@@ -8797,7 +8695,7 @@
             </a:effectLst>
             <a:extLst>
               <a:ext uri="{C572A759-6A51-4108-AA02-DFA0A04FC94B}">
-                <ma14:wrappingTextBoxFlag xmlns="" xmlns:m="http://schemas.openxmlformats.org/officeDocument/2006/math" xmlns:a14="http://schemas.microsoft.com/office/drawing/2010/main" xmlns:ma14="http://schemas.microsoft.com/office/mac/drawingml/2011/main" val="1"/>
+                <ma14:wrappingTextBoxFlag xmlns:ma14="http://schemas.microsoft.com/office/mac/drawingml/2011/main" xmlns:a14="http://schemas.microsoft.com/office/drawing/2010/main" xmlns:m="http://schemas.openxmlformats.org/officeDocument/2006/math" xmlns="" val="1"/>
               </a:ext>
             </a:extLst>
           </p:spPr>
@@ -8808,7 +8706,7 @@
             <a:lstStyle/>
             <a:p>
               <a:r>
-                <a:rPr sz="1500" b="0" dirty="0">
+                <a:rPr lang="en-US" sz="1500" b="0" dirty="0">
                   <a:solidFill>
                     <a:sysClr val="windowText" lastClr="000000"/>
                   </a:solidFill>
@@ -8816,21 +8714,16 @@
                   <a:ea typeface="微软雅黑" panose="020B0503020204020204" pitchFamily="34" charset="-122"/>
                   <a:cs typeface="Helvetica Light"/>
                 </a:rPr>
-                <a:t>least</a:t>
+                <a:t>Lst atv</a:t>
               </a:r>
-            </a:p>
-            <a:p>
-              <a:r>
-                <a:rPr sz="1500" b="0" dirty="0">
-                  <a:solidFill>
-                    <a:sysClr val="windowText" lastClr="000000"/>
-                  </a:solidFill>
-                  <a:latin typeface="微软雅黑" panose="020B0503020204020204" pitchFamily="34" charset="-122"/>
-                  <a:ea typeface="微软雅黑" panose="020B0503020204020204" pitchFamily="34" charset="-122"/>
-                  <a:cs typeface="Helvetica Light"/>
-                </a:rPr>
-                <a:t>active</a:t>
-              </a:r>
+              <a:endParaRPr sz="1500" b="0" dirty="0">
+                <a:solidFill>
+                  <a:sysClr val="windowText" lastClr="000000"/>
+                </a:solidFill>
+                <a:latin typeface="微软雅黑" panose="020B0503020204020204" pitchFamily="34" charset="-122"/>
+                <a:ea typeface="微软雅黑" panose="020B0503020204020204" pitchFamily="34" charset="-122"/>
+                <a:cs typeface="Helvetica Light"/>
+              </a:endParaRPr>
             </a:p>
           </p:txBody>
         </p:sp>
@@ -8849,7 +8742,7 @@
         </p:nvSpPr>
         <p:spPr>
           <a:xfrm>
-            <a:off x="3286765" y="2804631"/>
+            <a:off x="3286765" y="2858928"/>
             <a:ext cx="1255462" cy="2880000"/>
           </a:xfrm>
           <a:prstGeom prst="roundRect">
@@ -8876,7 +8769,7 @@
           </a:effectLst>
           <a:extLst>
             <a:ext uri="{C572A759-6A51-4108-AA02-DFA0A04FC94B}">
-              <ma14:wrappingTextBoxFlag xmlns="" xmlns:m="http://schemas.openxmlformats.org/officeDocument/2006/math" xmlns:a14="http://schemas.microsoft.com/office/drawing/2010/main" xmlns:ma14="http://schemas.microsoft.com/office/mac/drawingml/2011/main" val="1"/>
+              <ma14:wrappingTextBoxFlag xmlns:ma14="http://schemas.microsoft.com/office/mac/drawingml/2011/main" xmlns:a14="http://schemas.microsoft.com/office/drawing/2010/main" xmlns:m="http://schemas.openxmlformats.org/officeDocument/2006/math" xmlns="" val="1"/>
             </a:ext>
           </a:extLst>
         </p:spPr>
@@ -8916,8 +8809,8 @@
         </p:nvSpPr>
         <p:spPr>
           <a:xfrm>
-            <a:off x="3380476" y="3533948"/>
-            <a:ext cx="1068459" cy="624473"/>
+            <a:off x="3357680" y="3627217"/>
+            <a:ext cx="1091255" cy="485530"/>
           </a:xfrm>
           <a:prstGeom prst="roundRect">
             <a:avLst/>
@@ -8938,7 +8831,7 @@
           </a:effectLst>
           <a:extLst>
             <a:ext uri="{C572A759-6A51-4108-AA02-DFA0A04FC94B}">
-              <ma14:wrappingTextBoxFlag xmlns="" xmlns:m="http://schemas.openxmlformats.org/officeDocument/2006/math" xmlns:a14="http://schemas.microsoft.com/office/drawing/2010/main" xmlns:ma14="http://schemas.microsoft.com/office/mac/drawingml/2011/main" val="1"/>
+              <ma14:wrappingTextBoxFlag xmlns:ma14="http://schemas.microsoft.com/office/mac/drawingml/2011/main" xmlns:a14="http://schemas.microsoft.com/office/drawing/2010/main" xmlns:m="http://schemas.openxmlformats.org/officeDocument/2006/math" xmlns="" val="1"/>
             </a:ext>
           </a:extLst>
         </p:spPr>
@@ -8957,29 +8850,7 @@
                 <a:ea typeface="微软雅黑" panose="020B0503020204020204" pitchFamily="34" charset="-122"/>
                 <a:cs typeface="Helvetica Light"/>
               </a:rPr>
-              <a:t>Condition</a:t>
-            </a:r>
-            <a:r>
-              <a:rPr lang="zh-CN" altLang="en-US" sz="1500" b="0" dirty="0">
-                <a:solidFill>
-                  <a:sysClr val="windowText" lastClr="000000"/>
-                </a:solidFill>
-                <a:latin typeface="微软雅黑" panose="020B0503020204020204" pitchFamily="34" charset="-122"/>
-                <a:ea typeface="微软雅黑" panose="020B0503020204020204" pitchFamily="34" charset="-122"/>
-                <a:cs typeface="Helvetica Light"/>
-              </a:rPr>
-              <a:t> </a:t>
-            </a:r>
-            <a:r>
-              <a:rPr lang="en-US" altLang="zh-CN" sz="1500" b="0" dirty="0">
-                <a:solidFill>
-                  <a:sysClr val="windowText" lastClr="000000"/>
-                </a:solidFill>
-                <a:latin typeface="微软雅黑" panose="020B0503020204020204" pitchFamily="34" charset="-122"/>
-                <a:ea typeface="微软雅黑" panose="020B0503020204020204" pitchFamily="34" charset="-122"/>
-                <a:cs typeface="Helvetica Light"/>
-              </a:rPr>
-              <a:t>router</a:t>
+              <a:t>condition</a:t>
             </a:r>
             <a:endParaRPr sz="1500" b="0" dirty="0">
               <a:solidFill>
@@ -9112,311 +8983,12 @@
           </a:p>
         </p:txBody>
       </p:sp>
-      <p:grpSp>
-        <p:nvGrpSpPr>
-          <p:cNvPr id="187" name="Group 186">
+      <p:sp>
+        <p:nvSpPr>
+          <p:cNvPr id="191" name="filter">
             <a:extLst>
               <a:ext uri="{FF2B5EF4-FFF2-40B4-BE49-F238E27FC236}">
-                <a16:creationId xmlns:a16="http://schemas.microsoft.com/office/drawing/2014/main" id="{73109AFC-8CC3-A949-B16A-C0A6561C30FD}"/>
-              </a:ext>
-            </a:extLst>
-          </p:cNvPr>
-          <p:cNvGrpSpPr/>
-          <p:nvPr/>
-        </p:nvGrpSpPr>
-        <p:grpSpPr>
-          <a:xfrm>
-            <a:off x="12524211" y="2821941"/>
-            <a:ext cx="1083600" cy="2880000"/>
-            <a:chOff x="6416912" y="3174922"/>
-            <a:chExt cx="1083600" cy="2880000"/>
-          </a:xfrm>
-        </p:grpSpPr>
-        <p:sp>
-          <p:nvSpPr>
-            <p:cNvPr id="191" name="filter">
-              <a:extLst>
-                <a:ext uri="{FF2B5EF4-FFF2-40B4-BE49-F238E27FC236}">
-                  <a16:creationId xmlns:a16="http://schemas.microsoft.com/office/drawing/2014/main" id="{871C255B-59D1-1B46-8671-C3449CEC3898}"/>
-                </a:ext>
-              </a:extLst>
-            </p:cNvPr>
-            <p:cNvSpPr/>
-            <p:nvPr/>
-          </p:nvSpPr>
-          <p:spPr>
-            <a:xfrm>
-              <a:off x="6416912" y="3174922"/>
-              <a:ext cx="1083600" cy="2880000"/>
-            </a:xfrm>
-            <a:prstGeom prst="roundRect">
-              <a:avLst>
-                <a:gd name="adj" fmla="val 5299"/>
-              </a:avLst>
-            </a:prstGeom>
-            <a:solidFill>
-              <a:schemeClr val="bg1">
-                <a:lumMod val="75000"/>
-              </a:schemeClr>
-            </a:solidFill>
-            <a:ln w="12700" cap="flat">
-              <a:noFill/>
-              <a:prstDash val="solid"/>
-              <a:miter lim="400000"/>
-            </a:ln>
-            <a:effectLst>
-              <a:outerShdw blurRad="50800" dist="38100" dir="5400000" algn="t" rotWithShape="0">
-                <a:prstClr val="black">
-                  <a:alpha val="40000"/>
-                </a:prstClr>
-              </a:outerShdw>
-            </a:effectLst>
-            <a:extLst>
-              <a:ext uri="{C572A759-6A51-4108-AA02-DFA0A04FC94B}">
-                <ma14:wrappingTextBoxFlag xmlns="" xmlns:m="http://schemas.openxmlformats.org/officeDocument/2006/math" xmlns:a14="http://schemas.microsoft.com/office/drawing/2010/main" xmlns:ma14="http://schemas.microsoft.com/office/mac/drawingml/2011/main" val="1"/>
-              </a:ext>
-            </a:extLst>
-          </p:spPr>
-          <p:txBody>
-            <a:bodyPr wrap="square" lIns="50800" tIns="50800" rIns="50800" bIns="50800" numCol="1" anchor="t">
-              <a:noAutofit/>
-            </a:bodyPr>
-            <a:lstStyle/>
-            <a:p>
-              <a:r>
-                <a:rPr sz="1700" b="0" dirty="0">
-                  <a:latin typeface="微软雅黑" panose="020B0503020204020204" pitchFamily="34" charset="-122"/>
-                  <a:ea typeface="微软雅黑" panose="020B0503020204020204" pitchFamily="34" charset="-122"/>
-                  <a:cs typeface="Helvetica Light"/>
-                </a:rPr>
-                <a:t>filter</a:t>
-              </a:r>
-            </a:p>
-          </p:txBody>
-        </p:sp>
-        <p:grpSp>
-          <p:nvGrpSpPr>
-            <p:cNvPr id="192" name="Group 191">
-              <a:extLst>
-                <a:ext uri="{FF2B5EF4-FFF2-40B4-BE49-F238E27FC236}">
-                  <a16:creationId xmlns:a16="http://schemas.microsoft.com/office/drawing/2014/main" id="{48446DAE-88D7-4841-8DF8-EAA99B5B5E4C}"/>
-                </a:ext>
-              </a:extLst>
-            </p:cNvPr>
-            <p:cNvGrpSpPr/>
-            <p:nvPr/>
-          </p:nvGrpSpPr>
-          <p:grpSpPr>
-            <a:xfrm>
-              <a:off x="6444818" y="3716035"/>
-              <a:ext cx="952963" cy="1713266"/>
-              <a:chOff x="6430181" y="3498659"/>
-              <a:chExt cx="952963" cy="1713266"/>
-            </a:xfrm>
-          </p:grpSpPr>
-          <p:sp>
-            <p:nvSpPr>
-              <p:cNvPr id="194" name="generic…">
-                <a:extLst>
-                  <a:ext uri="{FF2B5EF4-FFF2-40B4-BE49-F238E27FC236}">
-                    <a16:creationId xmlns:a16="http://schemas.microsoft.com/office/drawing/2014/main" id="{9055DC67-DD6A-C64E-A93F-150F11DE9D80}"/>
-                  </a:ext>
-                </a:extLst>
-              </p:cNvPr>
-              <p:cNvSpPr/>
-              <p:nvPr/>
-            </p:nvSpPr>
-            <p:spPr>
-              <a:xfrm>
-                <a:off x="6437358" y="4144051"/>
-                <a:ext cx="945786" cy="408330"/>
-              </a:xfrm>
-              <a:prstGeom prst="roundRect">
-                <a:avLst>
-                  <a:gd name="adj" fmla="val 11868"/>
-                </a:avLst>
-              </a:prstGeom>
-              <a:solidFill>
-                <a:schemeClr val="accent4"/>
-              </a:solidFill>
-              <a:ln w="12700" cap="flat">
-                <a:noFill/>
-                <a:miter lim="400000"/>
-              </a:ln>
-              <a:effectLst>
-                <a:outerShdw blurRad="38100" dist="25400" dir="5400000" rotWithShape="0">
-                  <a:srgbClr val="000000">
-                    <a:alpha val="50000"/>
-                  </a:srgbClr>
-                </a:outerShdw>
-              </a:effectLst>
-              <a:extLst>
-                <a:ext uri="{C572A759-6A51-4108-AA02-DFA0A04FC94B}">
-                  <ma14:wrappingTextBoxFlag xmlns="" xmlns:m="http://schemas.openxmlformats.org/officeDocument/2006/math" xmlns:a14="http://schemas.microsoft.com/office/drawing/2010/main" xmlns:ma14="http://schemas.microsoft.com/office/mac/drawingml/2011/main" val="1"/>
-                </a:ext>
-              </a:extLst>
-            </p:spPr>
-            <p:txBody>
-              <a:bodyPr wrap="square" lIns="50800" tIns="50800" rIns="50800" bIns="50800" numCol="1" anchor="ctr">
-                <a:noAutofit/>
-              </a:bodyPr>
-              <a:lstStyle/>
-              <a:p>
-                <a:r>
-                  <a:rPr sz="1500" b="0" dirty="0">
-                    <a:solidFill>
-                      <a:sysClr val="windowText" lastClr="000000"/>
-                    </a:solidFill>
-                    <a:latin typeface="微软雅黑" panose="020B0503020204020204" pitchFamily="34" charset="-122"/>
-                    <a:ea typeface="微软雅黑" panose="020B0503020204020204" pitchFamily="34" charset="-122"/>
-                    <a:cs typeface="Helvetica Light"/>
-                  </a:rPr>
-                  <a:t>generic</a:t>
-                </a:r>
-              </a:p>
-              <a:p>
-                <a:r>
-                  <a:rPr sz="1500" b="0" dirty="0">
-                    <a:solidFill>
-                      <a:sysClr val="windowText" lastClr="000000"/>
-                    </a:solidFill>
-                    <a:latin typeface="微软雅黑" panose="020B0503020204020204" pitchFamily="34" charset="-122"/>
-                    <a:ea typeface="微软雅黑" panose="020B0503020204020204" pitchFamily="34" charset="-122"/>
-                    <a:cs typeface="Helvetica Light"/>
-                  </a:rPr>
-                  <a:t>invoke</a:t>
-                </a:r>
-              </a:p>
-            </p:txBody>
-          </p:sp>
-          <p:sp>
-            <p:nvSpPr>
-              <p:cNvPr id="195" name="tps limit">
-                <a:extLst>
-                  <a:ext uri="{FF2B5EF4-FFF2-40B4-BE49-F238E27FC236}">
-                    <a16:creationId xmlns:a16="http://schemas.microsoft.com/office/drawing/2014/main" id="{076A4A03-8DC7-374F-A532-F8C49C8202C1}"/>
-                  </a:ext>
-                </a:extLst>
-              </p:cNvPr>
-              <p:cNvSpPr/>
-              <p:nvPr/>
-            </p:nvSpPr>
-            <p:spPr>
-              <a:xfrm>
-                <a:off x="6430181" y="3498659"/>
-                <a:ext cx="945786" cy="228628"/>
-              </a:xfrm>
-              <a:prstGeom prst="roundRect">
-                <a:avLst/>
-              </a:prstGeom>
-              <a:solidFill>
-                <a:schemeClr val="accent4"/>
-              </a:solidFill>
-              <a:ln w="12700" cap="flat">
-                <a:noFill/>
-                <a:miter lim="400000"/>
-              </a:ln>
-              <a:effectLst>
-                <a:outerShdw blurRad="38100" dist="25400" dir="5400000" rotWithShape="0">
-                  <a:srgbClr val="000000">
-                    <a:alpha val="50000"/>
-                  </a:srgbClr>
-                </a:outerShdw>
-              </a:effectLst>
-              <a:extLst>
-                <a:ext uri="{C572A759-6A51-4108-AA02-DFA0A04FC94B}">
-                  <ma14:wrappingTextBoxFlag xmlns="" xmlns:m="http://schemas.openxmlformats.org/officeDocument/2006/math" xmlns:a14="http://schemas.microsoft.com/office/drawing/2010/main" xmlns:ma14="http://schemas.microsoft.com/office/mac/drawingml/2011/main" val="1"/>
-                </a:ext>
-              </a:extLst>
-            </p:spPr>
-            <p:txBody>
-              <a:bodyPr wrap="square" lIns="50800" tIns="50800" rIns="50800" bIns="50800" numCol="1" anchor="ctr">
-                <a:noAutofit/>
-              </a:bodyPr>
-              <a:lstStyle/>
-              <a:p>
-                <a:r>
-                  <a:rPr sz="1500" b="0" dirty="0">
-                    <a:solidFill>
-                      <a:sysClr val="windowText" lastClr="000000"/>
-                    </a:solidFill>
-                    <a:latin typeface="微软雅黑" panose="020B0503020204020204" pitchFamily="34" charset="-122"/>
-                    <a:ea typeface="微软雅黑" panose="020B0503020204020204" pitchFamily="34" charset="-122"/>
-                    <a:cs typeface="Helvetica Light"/>
-                  </a:rPr>
-                  <a:t>tps limit</a:t>
-                </a:r>
-              </a:p>
-            </p:txBody>
-          </p:sp>
-          <p:sp>
-            <p:nvSpPr>
-              <p:cNvPr id="197" name="…">
-                <a:extLst>
-                  <a:ext uri="{FF2B5EF4-FFF2-40B4-BE49-F238E27FC236}">
-                    <a16:creationId xmlns:a16="http://schemas.microsoft.com/office/drawing/2014/main" id="{7430BD6E-60D5-9C44-9B68-CE33E873D867}"/>
-                  </a:ext>
-                </a:extLst>
-              </p:cNvPr>
-              <p:cNvSpPr/>
-              <p:nvPr/>
-            </p:nvSpPr>
-            <p:spPr>
-              <a:xfrm>
-                <a:off x="6430181" y="4969145"/>
-                <a:ext cx="945786" cy="242780"/>
-              </a:xfrm>
-              <a:prstGeom prst="roundRect">
-                <a:avLst/>
-              </a:prstGeom>
-              <a:solidFill>
-                <a:schemeClr val="accent4"/>
-              </a:solidFill>
-              <a:ln w="12700" cap="flat">
-                <a:noFill/>
-                <a:miter lim="400000"/>
-              </a:ln>
-              <a:effectLst>
-                <a:outerShdw blurRad="38100" dist="25400" dir="5400000" rotWithShape="0">
-                  <a:srgbClr val="000000">
-                    <a:alpha val="50000"/>
-                  </a:srgbClr>
-                </a:outerShdw>
-              </a:effectLst>
-              <a:extLst>
-                <a:ext uri="{C572A759-6A51-4108-AA02-DFA0A04FC94B}">
-                  <ma14:wrappingTextBoxFlag xmlns="" xmlns:m="http://schemas.openxmlformats.org/officeDocument/2006/math" xmlns:a14="http://schemas.microsoft.com/office/drawing/2010/main" xmlns:ma14="http://schemas.microsoft.com/office/mac/drawingml/2011/main" val="1"/>
-                </a:ext>
-              </a:extLst>
-            </p:spPr>
-            <p:txBody>
-              <a:bodyPr wrap="square" lIns="50800" tIns="50800" rIns="50800" bIns="50800" numCol="1" anchor="ctr">
-                <a:noAutofit/>
-              </a:bodyPr>
-              <a:lstStyle/>
-              <a:p>
-                <a:r>
-                  <a:rPr sz="1500" b="0" dirty="0">
-                    <a:solidFill>
-                      <a:sysClr val="windowText" lastClr="000000"/>
-                    </a:solidFill>
-                    <a:latin typeface="微软雅黑" panose="020B0503020204020204" pitchFamily="34" charset="-122"/>
-                    <a:ea typeface="微软雅黑" panose="020B0503020204020204" pitchFamily="34" charset="-122"/>
-                    <a:cs typeface="Helvetica Light"/>
-                  </a:rPr>
-                  <a:t>…</a:t>
-                </a:r>
-              </a:p>
-            </p:txBody>
-          </p:sp>
-        </p:grpSp>
-      </p:grpSp>
-      <p:sp>
-        <p:nvSpPr>
-          <p:cNvPr id="217" name="codec">
-            <a:extLst>
-              <a:ext uri="{FF2B5EF4-FFF2-40B4-BE49-F238E27FC236}">
-                <a16:creationId xmlns:a16="http://schemas.microsoft.com/office/drawing/2014/main" id="{92FFD5A5-42F9-AD41-8F11-9EAA9787B82F}"/>
+                <a16:creationId xmlns:a16="http://schemas.microsoft.com/office/drawing/2014/main" id="{871C255B-59D1-1B46-8671-C3449CEC3898}"/>
               </a:ext>
             </a:extLst>
           </p:cNvPr>
@@ -9425,12 +8997,12 @@
         </p:nvSpPr>
         <p:spPr>
           <a:xfrm>
-            <a:off x="14060073" y="2813463"/>
-            <a:ext cx="1337088" cy="2880000"/>
+            <a:off x="12524211" y="2821941"/>
+            <a:ext cx="1083600" cy="2880000"/>
           </a:xfrm>
           <a:prstGeom prst="roundRect">
             <a:avLst>
-              <a:gd name="adj" fmla="val 6344"/>
+              <a:gd name="adj" fmla="val 5299"/>
             </a:avLst>
           </a:prstGeom>
           <a:solidFill>
@@ -9452,7 +9024,69 @@
           </a:effectLst>
           <a:extLst>
             <a:ext uri="{C572A759-6A51-4108-AA02-DFA0A04FC94B}">
-              <ma14:wrappingTextBoxFlag xmlns="" xmlns:m="http://schemas.openxmlformats.org/officeDocument/2006/math" xmlns:a14="http://schemas.microsoft.com/office/drawing/2010/main" xmlns:ma14="http://schemas.microsoft.com/office/mac/drawingml/2011/main" val="1"/>
+              <ma14:wrappingTextBoxFlag xmlns:ma14="http://schemas.microsoft.com/office/mac/drawingml/2011/main" xmlns:a14="http://schemas.microsoft.com/office/drawing/2010/main" xmlns:m="http://schemas.openxmlformats.org/officeDocument/2006/math" xmlns="" val="1"/>
+            </a:ext>
+          </a:extLst>
+        </p:spPr>
+        <p:txBody>
+          <a:bodyPr wrap="square" lIns="50800" tIns="50800" rIns="50800" bIns="50800" numCol="1" anchor="t">
+            <a:noAutofit/>
+          </a:bodyPr>
+          <a:lstStyle/>
+          <a:p>
+            <a:r>
+              <a:rPr sz="1700" b="0" dirty="0">
+                <a:latin typeface="微软雅黑" panose="020B0503020204020204" pitchFamily="34" charset="-122"/>
+                <a:ea typeface="微软雅黑" panose="020B0503020204020204" pitchFamily="34" charset="-122"/>
+                <a:cs typeface="Helvetica Light"/>
+              </a:rPr>
+              <a:t>filter</a:t>
+            </a:r>
+          </a:p>
+        </p:txBody>
+      </p:sp>
+      <p:sp>
+        <p:nvSpPr>
+          <p:cNvPr id="217" name="codec">
+            <a:extLst>
+              <a:ext uri="{FF2B5EF4-FFF2-40B4-BE49-F238E27FC236}">
+                <a16:creationId xmlns:a16="http://schemas.microsoft.com/office/drawing/2014/main" id="{92FFD5A5-42F9-AD41-8F11-9EAA9787B82F}"/>
+              </a:ext>
+            </a:extLst>
+          </p:cNvPr>
+          <p:cNvSpPr/>
+          <p:nvPr/>
+        </p:nvSpPr>
+        <p:spPr>
+          <a:xfrm>
+            <a:off x="14060073" y="2813463"/>
+            <a:ext cx="1337088" cy="2880000"/>
+          </a:xfrm>
+          <a:prstGeom prst="roundRect">
+            <a:avLst>
+              <a:gd name="adj" fmla="val 6344"/>
+            </a:avLst>
+          </a:prstGeom>
+          <a:solidFill>
+            <a:schemeClr val="bg1">
+              <a:lumMod val="75000"/>
+            </a:schemeClr>
+          </a:solidFill>
+          <a:ln w="12700" cap="flat">
+            <a:noFill/>
+            <a:prstDash val="solid"/>
+            <a:miter lim="400000"/>
+          </a:ln>
+          <a:effectLst>
+            <a:outerShdw blurRad="50800" dist="38100" dir="5400000" algn="t" rotWithShape="0">
+              <a:prstClr val="black">
+                <a:alpha val="40000"/>
+              </a:prstClr>
+            </a:outerShdw>
+          </a:effectLst>
+          <a:extLst>
+            <a:ext uri="{C572A759-6A51-4108-AA02-DFA0A04FC94B}">
+              <ma14:wrappingTextBoxFlag xmlns:ma14="http://schemas.microsoft.com/office/mac/drawingml/2011/main" xmlns:a14="http://schemas.microsoft.com/office/drawing/2010/main" xmlns:m="http://schemas.openxmlformats.org/officeDocument/2006/math" xmlns="" val="1"/>
             </a:ext>
           </a:extLst>
         </p:spPr>
@@ -9516,7 +9150,7 @@
           </a:effectLst>
           <a:extLst>
             <a:ext uri="{C572A759-6A51-4108-AA02-DFA0A04FC94B}">
-              <ma14:wrappingTextBoxFlag xmlns="" xmlns:m="http://schemas.openxmlformats.org/officeDocument/2006/math" xmlns:a14="http://schemas.microsoft.com/office/drawing/2010/main" xmlns:ma14="http://schemas.microsoft.com/office/mac/drawingml/2011/main" val="1"/>
+              <ma14:wrappingTextBoxFlag xmlns:ma14="http://schemas.microsoft.com/office/mac/drawingml/2011/main" xmlns:a14="http://schemas.microsoft.com/office/drawing/2010/main" xmlns:m="http://schemas.openxmlformats.org/officeDocument/2006/math" xmlns="" val="1"/>
             </a:ext>
           </a:extLst>
         </p:spPr>
@@ -9586,7 +9220,7 @@
           </a:effectLst>
           <a:extLst>
             <a:ext uri="{C572A759-6A51-4108-AA02-DFA0A04FC94B}">
-              <ma14:wrappingTextBoxFlag xmlns="" xmlns:m="http://schemas.openxmlformats.org/officeDocument/2006/math" xmlns:a14="http://schemas.microsoft.com/office/drawing/2010/main" xmlns:ma14="http://schemas.microsoft.com/office/mac/drawingml/2011/main" val="1"/>
+              <ma14:wrappingTextBoxFlag xmlns:ma14="http://schemas.microsoft.com/office/mac/drawingml/2011/main" xmlns:a14="http://schemas.microsoft.com/office/drawing/2010/main" xmlns:m="http://schemas.openxmlformats.org/officeDocument/2006/math" xmlns="" val="1"/>
             </a:ext>
           </a:extLst>
         </p:spPr>
@@ -9656,7 +9290,7 @@
           </a:effectLst>
           <a:extLst>
             <a:ext uri="{C572A759-6A51-4108-AA02-DFA0A04FC94B}">
-              <ma14:wrappingTextBoxFlag xmlns="" xmlns:m="http://schemas.openxmlformats.org/officeDocument/2006/math" xmlns:a14="http://schemas.microsoft.com/office/drawing/2010/main" xmlns:ma14="http://schemas.microsoft.com/office/mac/drawingml/2011/main" val="1"/>
+              <ma14:wrappingTextBoxFlag xmlns:ma14="http://schemas.microsoft.com/office/mac/drawingml/2011/main" xmlns:a14="http://schemas.microsoft.com/office/drawing/2010/main" xmlns:m="http://schemas.openxmlformats.org/officeDocument/2006/math" xmlns="" val="1"/>
             </a:ext>
           </a:extLst>
         </p:spPr>
@@ -9726,7 +9360,7 @@
           </a:effectLst>
           <a:extLst>
             <a:ext uri="{C572A759-6A51-4108-AA02-DFA0A04FC94B}">
-              <ma14:wrappingTextBoxFlag xmlns="" xmlns:m="http://schemas.openxmlformats.org/officeDocument/2006/math" xmlns:a14="http://schemas.microsoft.com/office/drawing/2010/main" xmlns:ma14="http://schemas.microsoft.com/office/mac/drawingml/2011/main" val="1"/>
+              <ma14:wrappingTextBoxFlag xmlns:ma14="http://schemas.microsoft.com/office/mac/drawingml/2011/main" xmlns:a14="http://schemas.microsoft.com/office/drawing/2010/main" xmlns:m="http://schemas.openxmlformats.org/officeDocument/2006/math" xmlns="" val="1"/>
             </a:ext>
           </a:extLst>
         </p:spPr>
@@ -9772,8 +9406,8 @@
         </p:nvSpPr>
         <p:spPr>
           <a:xfrm>
-            <a:off x="3380477" y="4355824"/>
-            <a:ext cx="1068458" cy="507307"/>
+            <a:off x="3357680" y="4355824"/>
+            <a:ext cx="1091255" cy="507307"/>
           </a:xfrm>
           <a:prstGeom prst="roundRect">
             <a:avLst>
@@ -9796,7 +9430,7 @@
           </a:effectLst>
           <a:extLst>
             <a:ext uri="{C572A759-6A51-4108-AA02-DFA0A04FC94B}">
-              <ma14:wrappingTextBoxFlag xmlns="" xmlns:m="http://schemas.openxmlformats.org/officeDocument/2006/math" xmlns:a14="http://schemas.microsoft.com/office/drawing/2010/main" xmlns:ma14="http://schemas.microsoft.com/office/mac/drawingml/2011/main" val="1"/>
+              <ma14:wrappingTextBoxFlag xmlns:ma14="http://schemas.microsoft.com/office/mac/drawingml/2011/main" xmlns:a14="http://schemas.microsoft.com/office/drawing/2010/main" xmlns:m="http://schemas.openxmlformats.org/officeDocument/2006/math" xmlns="" val="1"/>
             </a:ext>
           </a:extLst>
         </p:spPr>
@@ -9864,8 +9498,8 @@
         </p:nvSpPr>
         <p:spPr>
           <a:xfrm>
-            <a:off x="537805" y="214653"/>
-            <a:ext cx="3215960" cy="318036"/>
+            <a:off x="537805" y="528602"/>
+            <a:ext cx="3480742" cy="748923"/>
           </a:xfrm>
           <a:prstGeom prst="rect">
             <a:avLst/>
@@ -9896,6 +9530,7 @@
           </a:bodyPr>
           <a:lstStyle/>
           <a:p>
+            <a:pPr algn="l"/>
             <a:r>
               <a:rPr lang="en-US" altLang="zh-CN" sz="1400" b="0" dirty="0">
                 <a:solidFill>
@@ -9905,7 +9540,34 @@
                 <a:ea typeface="Verdana" panose="020B0604030504040204" pitchFamily="34" charset="0"/>
                 <a:cs typeface="Helvetica Light"/>
               </a:rPr>
-              <a:t>Hlty Inst -&gt; </a:t>
+              <a:t> RR 		-&gt; Round Robin</a:t>
+            </a:r>
+          </a:p>
+          <a:p>
+            <a:pPr algn="l"/>
+            <a:r>
+              <a:rPr lang="en-US" altLang="zh-CN" sz="1400" b="0" dirty="0">
+                <a:solidFill>
+                  <a:sysClr val="windowText" lastClr="000000"/>
+                </a:solidFill>
+                <a:latin typeface="Verdana" panose="020B0604030504040204" pitchFamily="34" charset="0"/>
+                <a:ea typeface="Verdana" panose="020B0604030504040204" pitchFamily="34" charset="0"/>
+                <a:cs typeface="Helvetica Light"/>
+              </a:rPr>
+              <a:t> Lst atv 	-&gt; Least Active</a:t>
+            </a:r>
+          </a:p>
+          <a:p>
+            <a:r>
+              <a:rPr lang="en-US" altLang="zh-CN" sz="1400" b="0" dirty="0">
+                <a:solidFill>
+                  <a:sysClr val="windowText" lastClr="000000"/>
+                </a:solidFill>
+                <a:latin typeface="Verdana" panose="020B0604030504040204" pitchFamily="34" charset="0"/>
+                <a:ea typeface="Verdana" panose="020B0604030504040204" pitchFamily="34" charset="0"/>
+                <a:cs typeface="Helvetica Light"/>
+              </a:rPr>
+              <a:t> Hlty Inst 	-&gt; </a:t>
             </a:r>
             <a:r>
               <a:rPr lang="en-US" altLang="zh-CN" sz="1400" b="0" dirty="0">
@@ -9914,14 +9576,6 @@
               </a:rPr>
               <a:t>Healthy instance first</a:t>
             </a:r>
-            <a:endParaRPr lang="en-US" altLang="zh-CN" sz="1400" b="0" dirty="0">
-              <a:solidFill>
-                <a:sysClr val="windowText" lastClr="000000"/>
-              </a:solidFill>
-              <a:latin typeface="Verdana" panose="020B0604030504040204" pitchFamily="34" charset="0"/>
-              <a:ea typeface="Verdana" panose="020B0604030504040204" pitchFamily="34" charset="0"/>
-              <a:cs typeface="Helvetica Light"/>
-            </a:endParaRPr>
           </a:p>
         </p:txBody>
       </p:sp>
@@ -9982,6 +9636,188 @@
               <a:ea typeface="微软雅黑" panose="020B0503020204020204" pitchFamily="34" charset="-122"/>
               <a:cs typeface="Helvetica Light"/>
             </a:endParaRPr>
+          </a:p>
+        </p:txBody>
+      </p:sp>
+      <p:sp>
+        <p:nvSpPr>
+          <p:cNvPr id="140" name="generic…">
+            <a:extLst>
+              <a:ext uri="{FF2B5EF4-FFF2-40B4-BE49-F238E27FC236}">
+                <a16:creationId xmlns:a16="http://schemas.microsoft.com/office/drawing/2014/main" id="{90718863-7046-4577-A065-69C7ACB7064D}"/>
+              </a:ext>
+            </a:extLst>
+          </p:cNvPr>
+          <p:cNvSpPr/>
+          <p:nvPr/>
+        </p:nvSpPr>
+        <p:spPr>
+          <a:xfrm>
+            <a:off x="12621126" y="4040818"/>
+            <a:ext cx="916642" cy="381745"/>
+          </a:xfrm>
+          <a:prstGeom prst="roundRect">
+            <a:avLst>
+              <a:gd name="adj" fmla="val 11868"/>
+            </a:avLst>
+          </a:prstGeom>
+          <a:solidFill>
+            <a:schemeClr val="accent4"/>
+          </a:solidFill>
+          <a:ln w="12700" cap="flat">
+            <a:noFill/>
+            <a:miter lim="400000"/>
+          </a:ln>
+          <a:effectLst>
+            <a:outerShdw blurRad="38100" dist="25400" dir="5400000" rotWithShape="0">
+              <a:srgbClr val="000000">
+                <a:alpha val="50000"/>
+              </a:srgbClr>
+            </a:outerShdw>
+          </a:effectLst>
+          <a:extLst>
+            <a:ext uri="{C572A759-6A51-4108-AA02-DFA0A04FC94B}">
+              <ma14:wrappingTextBoxFlag xmlns:ma14="http://schemas.microsoft.com/office/mac/drawingml/2011/main" xmlns:a14="http://schemas.microsoft.com/office/drawing/2010/main" xmlns:m="http://schemas.openxmlformats.org/officeDocument/2006/math" xmlns="" val="1"/>
+            </a:ext>
+          </a:extLst>
+        </p:spPr>
+        <p:txBody>
+          <a:bodyPr wrap="square" lIns="50800" tIns="50800" rIns="50800" bIns="50800" numCol="1" anchor="ctr">
+            <a:noAutofit/>
+          </a:bodyPr>
+          <a:lstStyle/>
+          <a:p>
+            <a:r>
+              <a:rPr sz="1500" b="0" dirty="0">
+                <a:solidFill>
+                  <a:sysClr val="windowText" lastClr="000000"/>
+                </a:solidFill>
+                <a:latin typeface="微软雅黑" panose="020B0503020204020204" pitchFamily="34" charset="-122"/>
+                <a:ea typeface="微软雅黑" panose="020B0503020204020204" pitchFamily="34" charset="-122"/>
+                <a:cs typeface="Helvetica Light"/>
+              </a:rPr>
+              <a:t>generic</a:t>
+            </a:r>
+          </a:p>
+        </p:txBody>
+      </p:sp>
+      <p:sp>
+        <p:nvSpPr>
+          <p:cNvPr id="145" name="tps limit">
+            <a:extLst>
+              <a:ext uri="{FF2B5EF4-FFF2-40B4-BE49-F238E27FC236}">
+                <a16:creationId xmlns:a16="http://schemas.microsoft.com/office/drawing/2014/main" id="{6152C54E-BC96-4DDB-AD41-E4E51D751F34}"/>
+              </a:ext>
+            </a:extLst>
+          </p:cNvPr>
+          <p:cNvSpPr/>
+          <p:nvPr/>
+        </p:nvSpPr>
+        <p:spPr>
+          <a:xfrm>
+            <a:off x="12615562" y="3319280"/>
+            <a:ext cx="948427" cy="456919"/>
+          </a:xfrm>
+          <a:prstGeom prst="roundRect">
+            <a:avLst/>
+          </a:prstGeom>
+          <a:solidFill>
+            <a:schemeClr val="accent4"/>
+          </a:solidFill>
+          <a:ln w="12700" cap="flat">
+            <a:noFill/>
+            <a:miter lim="400000"/>
+          </a:ln>
+          <a:effectLst>
+            <a:outerShdw blurRad="38100" dist="25400" dir="5400000" rotWithShape="0">
+              <a:srgbClr val="000000">
+                <a:alpha val="50000"/>
+              </a:srgbClr>
+            </a:outerShdw>
+          </a:effectLst>
+          <a:extLst>
+            <a:ext uri="{C572A759-6A51-4108-AA02-DFA0A04FC94B}">
+              <ma14:wrappingTextBoxFlag xmlns:ma14="http://schemas.microsoft.com/office/mac/drawingml/2011/main" xmlns:a14="http://schemas.microsoft.com/office/drawing/2010/main" xmlns:m="http://schemas.openxmlformats.org/officeDocument/2006/math" xmlns="" val="1"/>
+            </a:ext>
+          </a:extLst>
+        </p:spPr>
+        <p:txBody>
+          <a:bodyPr wrap="square" lIns="50800" tIns="50800" rIns="50800" bIns="50800" numCol="1" anchor="ctr">
+            <a:noAutofit/>
+          </a:bodyPr>
+          <a:lstStyle/>
+          <a:p>
+            <a:r>
+              <a:rPr sz="1500" b="0" dirty="0">
+                <a:solidFill>
+                  <a:sysClr val="windowText" lastClr="000000"/>
+                </a:solidFill>
+                <a:latin typeface="微软雅黑" panose="020B0503020204020204" pitchFamily="34" charset="-122"/>
+                <a:ea typeface="微软雅黑" panose="020B0503020204020204" pitchFamily="34" charset="-122"/>
+                <a:cs typeface="Helvetica Light"/>
+              </a:rPr>
+              <a:t>tps limit</a:t>
+            </a:r>
+          </a:p>
+        </p:txBody>
+      </p:sp>
+      <p:sp>
+        <p:nvSpPr>
+          <p:cNvPr id="147" name="…">
+            <a:extLst>
+              <a:ext uri="{FF2B5EF4-FFF2-40B4-BE49-F238E27FC236}">
+                <a16:creationId xmlns:a16="http://schemas.microsoft.com/office/drawing/2014/main" id="{CF11954F-683E-46B7-87E5-61BB6AF65C6D}"/>
+              </a:ext>
+            </a:extLst>
+          </p:cNvPr>
+          <p:cNvSpPr/>
+          <p:nvPr/>
+        </p:nvSpPr>
+        <p:spPr>
+          <a:xfrm>
+            <a:off x="12615562" y="4687181"/>
+            <a:ext cx="916643" cy="387129"/>
+          </a:xfrm>
+          <a:prstGeom prst="roundRect">
+            <a:avLst/>
+          </a:prstGeom>
+          <a:solidFill>
+            <a:schemeClr val="accent4"/>
+          </a:solidFill>
+          <a:ln w="12700" cap="flat">
+            <a:noFill/>
+            <a:miter lim="400000"/>
+          </a:ln>
+          <a:effectLst>
+            <a:outerShdw blurRad="38100" dist="25400" dir="5400000" rotWithShape="0">
+              <a:srgbClr val="000000">
+                <a:alpha val="50000"/>
+              </a:srgbClr>
+            </a:outerShdw>
+          </a:effectLst>
+          <a:extLst>
+            <a:ext uri="{C572A759-6A51-4108-AA02-DFA0A04FC94B}">
+              <ma14:wrappingTextBoxFlag xmlns:ma14="http://schemas.microsoft.com/office/mac/drawingml/2011/main" xmlns:a14="http://schemas.microsoft.com/office/drawing/2010/main" xmlns:m="http://schemas.openxmlformats.org/officeDocument/2006/math" xmlns="" val="1"/>
+            </a:ext>
+          </a:extLst>
+        </p:spPr>
+        <p:txBody>
+          <a:bodyPr wrap="square" lIns="50800" tIns="50800" rIns="50800" bIns="50800" numCol="1" anchor="ctr">
+            <a:noAutofit/>
+          </a:bodyPr>
+          <a:lstStyle/>
+          <a:p>
+            <a:r>
+              <a:rPr sz="1500" b="0" dirty="0">
+                <a:solidFill>
+                  <a:sysClr val="windowText" lastClr="000000"/>
+                </a:solidFill>
+                <a:latin typeface="微软雅黑" panose="020B0503020204020204" pitchFamily="34" charset="-122"/>
+                <a:ea typeface="微软雅黑" panose="020B0503020204020204" pitchFamily="34" charset="-122"/>
+                <a:cs typeface="Helvetica Light"/>
+              </a:rPr>
+              <a:t>…</a:t>
+            </a:r>
           </a:p>
         </p:txBody>
       </p:sp>
@@ -10065,7 +9901,7 @@
           </a:effectLst>
           <a:extLst>
             <a:ext uri="{C572A759-6A51-4108-AA02-DFA0A04FC94B}">
-              <ma14:wrappingTextBoxFlag xmlns="" xmlns:m="http://schemas.openxmlformats.org/officeDocument/2006/math" xmlns:a14="http://schemas.microsoft.com/office/drawing/2010/main" xmlns:ma14="http://schemas.microsoft.com/office/mac/drawingml/2011/main" val="1"/>
+              <ma14:wrappingTextBoxFlag xmlns:ma14="http://schemas.microsoft.com/office/mac/drawingml/2011/main" xmlns:a14="http://schemas.microsoft.com/office/drawing/2010/main" xmlns:m="http://schemas.openxmlformats.org/officeDocument/2006/math" xmlns="" val="1"/>
             </a:ext>
           </a:extLst>
         </p:spPr>
@@ -10126,7 +9962,7 @@
           </a:effectLst>
           <a:extLst>
             <a:ext uri="{C572A759-6A51-4108-AA02-DFA0A04FC94B}">
-              <ma14:wrappingTextBoxFlag xmlns="" xmlns:m="http://schemas.openxmlformats.org/officeDocument/2006/math" xmlns:a14="http://schemas.microsoft.com/office/drawing/2010/main" xmlns:ma14="http://schemas.microsoft.com/office/mac/drawingml/2011/main" val="1"/>
+              <ma14:wrappingTextBoxFlag xmlns:ma14="http://schemas.microsoft.com/office/mac/drawingml/2011/main" xmlns:a14="http://schemas.microsoft.com/office/drawing/2010/main" xmlns:m="http://schemas.openxmlformats.org/officeDocument/2006/math" xmlns="" val="1"/>
             </a:ext>
           </a:extLst>
         </p:spPr>
@@ -10201,7 +10037,7 @@
           </a:effectLst>
           <a:extLst>
             <a:ext uri="{C572A759-6A51-4108-AA02-DFA0A04FC94B}">
-              <ma14:wrappingTextBoxFlag xmlns="" xmlns:m="http://schemas.openxmlformats.org/officeDocument/2006/math" xmlns:a14="http://schemas.microsoft.com/office/drawing/2010/main" xmlns:ma14="http://schemas.microsoft.com/office/mac/drawingml/2011/main" val="1"/>
+              <ma14:wrappingTextBoxFlag xmlns:ma14="http://schemas.microsoft.com/office/mac/drawingml/2011/main" xmlns:a14="http://schemas.microsoft.com/office/drawing/2010/main" xmlns:m="http://schemas.openxmlformats.org/officeDocument/2006/math" xmlns="" val="1"/>
             </a:ext>
           </a:extLst>
         </p:spPr>
@@ -10276,7 +10112,7 @@
           </a:effectLst>
           <a:extLst>
             <a:ext uri="{C572A759-6A51-4108-AA02-DFA0A04FC94B}">
-              <ma14:wrappingTextBoxFlag xmlns="" xmlns:m="http://schemas.openxmlformats.org/officeDocument/2006/math" xmlns:a14="http://schemas.microsoft.com/office/drawing/2010/main" xmlns:ma14="http://schemas.microsoft.com/office/mac/drawingml/2011/main" val="1"/>
+              <ma14:wrappingTextBoxFlag xmlns:ma14="http://schemas.microsoft.com/office/mac/drawingml/2011/main" xmlns:a14="http://schemas.microsoft.com/office/drawing/2010/main" xmlns:m="http://schemas.openxmlformats.org/officeDocument/2006/math" xmlns="" val="1"/>
             </a:ext>
           </a:extLst>
         </p:spPr>
@@ -10351,7 +10187,7 @@
           </a:effectLst>
           <a:extLst>
             <a:ext uri="{C572A759-6A51-4108-AA02-DFA0A04FC94B}">
-              <ma14:wrappingTextBoxFlag xmlns="" xmlns:m="http://schemas.openxmlformats.org/officeDocument/2006/math" xmlns:a14="http://schemas.microsoft.com/office/drawing/2010/main" xmlns:ma14="http://schemas.microsoft.com/office/mac/drawingml/2011/main" val="1"/>
+              <ma14:wrappingTextBoxFlag xmlns:ma14="http://schemas.microsoft.com/office/mac/drawingml/2011/main" xmlns:a14="http://schemas.microsoft.com/office/drawing/2010/main" xmlns:m="http://schemas.openxmlformats.org/officeDocument/2006/math" xmlns="" val="1"/>
             </a:ext>
           </a:extLst>
         </p:spPr>
@@ -10428,7 +10264,7 @@
           </a:effectLst>
           <a:extLst>
             <a:ext uri="{C572A759-6A51-4108-AA02-DFA0A04FC94B}">
-              <ma14:wrappingTextBoxFlag xmlns="" xmlns:m="http://schemas.openxmlformats.org/officeDocument/2006/math" xmlns:a14="http://schemas.microsoft.com/office/drawing/2010/main" xmlns:ma14="http://schemas.microsoft.com/office/mac/drawingml/2011/main" val="1"/>
+              <ma14:wrappingTextBoxFlag xmlns:ma14="http://schemas.microsoft.com/office/mac/drawingml/2011/main" xmlns:a14="http://schemas.microsoft.com/office/drawing/2010/main" xmlns:m="http://schemas.openxmlformats.org/officeDocument/2006/math" xmlns="" val="1"/>
             </a:ext>
           </a:extLst>
         </p:spPr>
@@ -10488,7 +10324,7 @@
           </a:effectLst>
           <a:extLst>
             <a:ext uri="{C572A759-6A51-4108-AA02-DFA0A04FC94B}">
-              <ma14:wrappingTextBoxFlag xmlns="" xmlns:m="http://schemas.openxmlformats.org/officeDocument/2006/math" xmlns:a14="http://schemas.microsoft.com/office/drawing/2010/main" xmlns:ma14="http://schemas.microsoft.com/office/mac/drawingml/2011/main" val="1"/>
+              <ma14:wrappingTextBoxFlag xmlns:ma14="http://schemas.microsoft.com/office/mac/drawingml/2011/main" xmlns:a14="http://schemas.microsoft.com/office/drawing/2010/main" xmlns:m="http://schemas.openxmlformats.org/officeDocument/2006/math" xmlns="" val="1"/>
             </a:ext>
           </a:extLst>
         </p:spPr>
@@ -10563,7 +10399,7 @@
           </a:effectLst>
           <a:extLst>
             <a:ext uri="{C572A759-6A51-4108-AA02-DFA0A04FC94B}">
-              <ma14:wrappingTextBoxFlag xmlns="" xmlns:m="http://schemas.openxmlformats.org/officeDocument/2006/math" xmlns:a14="http://schemas.microsoft.com/office/drawing/2010/main" xmlns:ma14="http://schemas.microsoft.com/office/mac/drawingml/2011/main" val="1"/>
+              <ma14:wrappingTextBoxFlag xmlns:ma14="http://schemas.microsoft.com/office/mac/drawingml/2011/main" xmlns:a14="http://schemas.microsoft.com/office/drawing/2010/main" xmlns:m="http://schemas.openxmlformats.org/officeDocument/2006/math" xmlns="" val="1"/>
             </a:ext>
           </a:extLst>
         </p:spPr>
@@ -11114,7 +10950,7 @@
           </a:effectLst>
           <a:extLst>
             <a:ext uri="{C572A759-6A51-4108-AA02-DFA0A04FC94B}">
-              <ma14:wrappingTextBoxFlag xmlns="" xmlns:m="http://schemas.openxmlformats.org/officeDocument/2006/math" xmlns:a14="http://schemas.microsoft.com/office/drawing/2010/main" xmlns:ma14="http://schemas.microsoft.com/office/mac/drawingml/2011/main" val="1"/>
+              <ma14:wrappingTextBoxFlag xmlns:ma14="http://schemas.microsoft.com/office/mac/drawingml/2011/main" xmlns:a14="http://schemas.microsoft.com/office/drawing/2010/main" xmlns:m="http://schemas.openxmlformats.org/officeDocument/2006/math" xmlns="" val="1"/>
             </a:ext>
           </a:extLst>
         </p:spPr>
@@ -11174,7 +11010,7 @@
           </a:effectLst>
           <a:extLst>
             <a:ext uri="{C572A759-6A51-4108-AA02-DFA0A04FC94B}">
-              <ma14:wrappingTextBoxFlag xmlns="" xmlns:m="http://schemas.openxmlformats.org/officeDocument/2006/math" xmlns:a14="http://schemas.microsoft.com/office/drawing/2010/main" xmlns:ma14="http://schemas.microsoft.com/office/mac/drawingml/2011/main" val="1"/>
+              <ma14:wrappingTextBoxFlag xmlns:ma14="http://schemas.microsoft.com/office/mac/drawingml/2011/main" xmlns:a14="http://schemas.microsoft.com/office/drawing/2010/main" xmlns:m="http://schemas.openxmlformats.org/officeDocument/2006/math" xmlns="" val="1"/>
             </a:ext>
           </a:extLst>
         </p:spPr>
@@ -11249,7 +11085,7 @@
           </a:effectLst>
           <a:extLst>
             <a:ext uri="{C572A759-6A51-4108-AA02-DFA0A04FC94B}">
-              <ma14:wrappingTextBoxFlag xmlns="" xmlns:m="http://schemas.openxmlformats.org/officeDocument/2006/math" xmlns:a14="http://schemas.microsoft.com/office/drawing/2010/main" xmlns:ma14="http://schemas.microsoft.com/office/mac/drawingml/2011/main" val="1"/>
+              <ma14:wrappingTextBoxFlag xmlns:ma14="http://schemas.microsoft.com/office/mac/drawingml/2011/main" xmlns:a14="http://schemas.microsoft.com/office/drawing/2010/main" xmlns:m="http://schemas.openxmlformats.org/officeDocument/2006/math" xmlns="" val="1"/>
             </a:ext>
           </a:extLst>
         </p:spPr>
@@ -11477,7 +11313,7 @@
           </a:effectLst>
           <a:extLst>
             <a:ext uri="{C572A759-6A51-4108-AA02-DFA0A04FC94B}">
-              <ma14:wrappingTextBoxFlag xmlns="" xmlns:m="http://schemas.openxmlformats.org/officeDocument/2006/math" xmlns:a14="http://schemas.microsoft.com/office/drawing/2010/main" xmlns:ma14="http://schemas.microsoft.com/office/mac/drawingml/2011/main" val="1"/>
+              <ma14:wrappingTextBoxFlag xmlns:ma14="http://schemas.microsoft.com/office/mac/drawingml/2011/main" xmlns:a14="http://schemas.microsoft.com/office/drawing/2010/main" xmlns:m="http://schemas.openxmlformats.org/officeDocument/2006/math" xmlns="" val="1"/>
             </a:ext>
           </a:extLst>
         </p:spPr>
@@ -11590,7 +11426,7 @@
           </a:effectLst>
           <a:extLst>
             <a:ext uri="{C572A759-6A51-4108-AA02-DFA0A04FC94B}">
-              <ma14:wrappingTextBoxFlag xmlns="" xmlns:m="http://schemas.openxmlformats.org/officeDocument/2006/math" xmlns:a14="http://schemas.microsoft.com/office/drawing/2010/main" xmlns:ma14="http://schemas.microsoft.com/office/mac/drawingml/2011/main" val="1"/>
+              <ma14:wrappingTextBoxFlag xmlns:ma14="http://schemas.microsoft.com/office/mac/drawingml/2011/main" xmlns:a14="http://schemas.microsoft.com/office/drawing/2010/main" xmlns:m="http://schemas.openxmlformats.org/officeDocument/2006/math" xmlns="" val="1"/>
             </a:ext>
           </a:extLst>
         </p:spPr>
@@ -11655,7 +11491,7 @@
           </a:effectLst>
           <a:extLst>
             <a:ext uri="{C572A759-6A51-4108-AA02-DFA0A04FC94B}">
-              <ma14:wrappingTextBoxFlag xmlns="" xmlns:m="http://schemas.openxmlformats.org/officeDocument/2006/math" xmlns:a14="http://schemas.microsoft.com/office/drawing/2010/main" xmlns:ma14="http://schemas.microsoft.com/office/mac/drawingml/2011/main" val="1"/>
+              <ma14:wrappingTextBoxFlag xmlns:ma14="http://schemas.microsoft.com/office/mac/drawingml/2011/main" xmlns:a14="http://schemas.microsoft.com/office/drawing/2010/main" xmlns:m="http://schemas.openxmlformats.org/officeDocument/2006/math" xmlns="" val="1"/>
             </a:ext>
           </a:extLst>
         </p:spPr>
@@ -11740,7 +11576,7 @@
           </a:effectLst>
           <a:extLst>
             <a:ext uri="{C572A759-6A51-4108-AA02-DFA0A04FC94B}">
-              <ma14:wrappingTextBoxFlag xmlns="" xmlns:m="http://schemas.openxmlformats.org/officeDocument/2006/math" xmlns:a14="http://schemas.microsoft.com/office/drawing/2010/main" xmlns:ma14="http://schemas.microsoft.com/office/mac/drawingml/2011/main" val="1"/>
+              <ma14:wrappingTextBoxFlag xmlns:ma14="http://schemas.microsoft.com/office/mac/drawingml/2011/main" xmlns:a14="http://schemas.microsoft.com/office/drawing/2010/main" xmlns:m="http://schemas.openxmlformats.org/officeDocument/2006/math" xmlns="" val="1"/>
             </a:ext>
           </a:extLst>
         </p:spPr>
@@ -11825,7 +11661,7 @@
           </a:effectLst>
           <a:extLst>
             <a:ext uri="{C572A759-6A51-4108-AA02-DFA0A04FC94B}">
-              <ma14:wrappingTextBoxFlag xmlns="" xmlns:m="http://schemas.openxmlformats.org/officeDocument/2006/math" xmlns:a14="http://schemas.microsoft.com/office/drawing/2010/main" xmlns:ma14="http://schemas.microsoft.com/office/mac/drawingml/2011/main" val="1"/>
+              <ma14:wrappingTextBoxFlag xmlns:ma14="http://schemas.microsoft.com/office/mac/drawingml/2011/main" xmlns:a14="http://schemas.microsoft.com/office/drawing/2010/main" xmlns:m="http://schemas.openxmlformats.org/officeDocument/2006/math" xmlns="" val="1"/>
             </a:ext>
           </a:extLst>
         </p:spPr>
@@ -11906,7 +11742,7 @@
           </a:effectLst>
           <a:extLst>
             <a:ext uri="{C572A759-6A51-4108-AA02-DFA0A04FC94B}">
-              <ma14:wrappingTextBoxFlag xmlns="" xmlns:m="http://schemas.openxmlformats.org/officeDocument/2006/math" xmlns:a14="http://schemas.microsoft.com/office/drawing/2010/main" xmlns:ma14="http://schemas.microsoft.com/office/mac/drawingml/2011/main" val="1"/>
+              <ma14:wrappingTextBoxFlag xmlns:ma14="http://schemas.microsoft.com/office/mac/drawingml/2011/main" xmlns:a14="http://schemas.microsoft.com/office/drawing/2010/main" xmlns:m="http://schemas.openxmlformats.org/officeDocument/2006/math" xmlns="" val="1"/>
             </a:ext>
           </a:extLst>
         </p:spPr>
@@ -11987,7 +11823,7 @@
           </a:effectLst>
           <a:extLst>
             <a:ext uri="{C572A759-6A51-4108-AA02-DFA0A04FC94B}">
-              <ma14:wrappingTextBoxFlag xmlns="" xmlns:m="http://schemas.openxmlformats.org/officeDocument/2006/math" xmlns:a14="http://schemas.microsoft.com/office/drawing/2010/main" xmlns:ma14="http://schemas.microsoft.com/office/mac/drawingml/2011/main" val="1"/>
+              <ma14:wrappingTextBoxFlag xmlns:ma14="http://schemas.microsoft.com/office/mac/drawingml/2011/main" xmlns:a14="http://schemas.microsoft.com/office/drawing/2010/main" xmlns:m="http://schemas.openxmlformats.org/officeDocument/2006/math" xmlns="" val="1"/>
             </a:ext>
           </a:extLst>
         </p:spPr>
@@ -12064,7 +11900,7 @@
           </a:effectLst>
           <a:extLst>
             <a:ext uri="{C572A759-6A51-4108-AA02-DFA0A04FC94B}">
-              <ma14:wrappingTextBoxFlag xmlns="" xmlns:m="http://schemas.openxmlformats.org/officeDocument/2006/math" xmlns:a14="http://schemas.microsoft.com/office/drawing/2010/main" xmlns:ma14="http://schemas.microsoft.com/office/mac/drawingml/2011/main" val="1"/>
+              <ma14:wrappingTextBoxFlag xmlns:ma14="http://schemas.microsoft.com/office/mac/drawingml/2011/main" xmlns:a14="http://schemas.microsoft.com/office/drawing/2010/main" xmlns:m="http://schemas.openxmlformats.org/officeDocument/2006/math" xmlns="" val="1"/>
             </a:ext>
           </a:extLst>
         </p:spPr>
@@ -12129,7 +11965,7 @@
           </a:effectLst>
           <a:extLst>
             <a:ext uri="{C572A759-6A51-4108-AA02-DFA0A04FC94B}">
-              <ma14:wrappingTextBoxFlag xmlns="" xmlns:m="http://schemas.openxmlformats.org/officeDocument/2006/math" xmlns:a14="http://schemas.microsoft.com/office/drawing/2010/main" xmlns:ma14="http://schemas.microsoft.com/office/mac/drawingml/2011/main" val="1"/>
+              <ma14:wrappingTextBoxFlag xmlns:ma14="http://schemas.microsoft.com/office/mac/drawingml/2011/main" xmlns:a14="http://schemas.microsoft.com/office/drawing/2010/main" xmlns:m="http://schemas.openxmlformats.org/officeDocument/2006/math" xmlns="" val="1"/>
             </a:ext>
           </a:extLst>
         </p:spPr>
@@ -12214,7 +12050,7 @@
           </a:effectLst>
           <a:extLst>
             <a:ext uri="{C572A759-6A51-4108-AA02-DFA0A04FC94B}">
-              <ma14:wrappingTextBoxFlag xmlns="" xmlns:m="http://schemas.openxmlformats.org/officeDocument/2006/math" xmlns:a14="http://schemas.microsoft.com/office/drawing/2010/main" xmlns:ma14="http://schemas.microsoft.com/office/mac/drawingml/2011/main" val="1"/>
+              <ma14:wrappingTextBoxFlag xmlns:ma14="http://schemas.microsoft.com/office/mac/drawingml/2011/main" xmlns:a14="http://schemas.microsoft.com/office/drawing/2010/main" xmlns:m="http://schemas.openxmlformats.org/officeDocument/2006/math" xmlns="" val="1"/>
             </a:ext>
           </a:extLst>
         </p:spPr>
@@ -12310,7 +12146,7 @@
           </a:effectLst>
           <a:extLst>
             <a:ext uri="{C572A759-6A51-4108-AA02-DFA0A04FC94B}">
-              <ma14:wrappingTextBoxFlag xmlns="" xmlns:m="http://schemas.openxmlformats.org/officeDocument/2006/math" xmlns:a14="http://schemas.microsoft.com/office/drawing/2010/main" xmlns:ma14="http://schemas.microsoft.com/office/mac/drawingml/2011/main" val="1"/>
+              <ma14:wrappingTextBoxFlag xmlns:ma14="http://schemas.microsoft.com/office/mac/drawingml/2011/main" xmlns:a14="http://schemas.microsoft.com/office/drawing/2010/main" xmlns:m="http://schemas.openxmlformats.org/officeDocument/2006/math" xmlns="" val="1"/>
             </a:ext>
           </a:extLst>
         </p:spPr>
@@ -12761,7 +12597,7 @@
           </a:effectLst>
           <a:extLst>
             <a:ext uri="{C572A759-6A51-4108-AA02-DFA0A04FC94B}">
-              <ma14:wrappingTextBoxFlag xmlns="" xmlns:m="http://schemas.openxmlformats.org/officeDocument/2006/math" xmlns:a14="http://schemas.microsoft.com/office/drawing/2010/main" xmlns:ma14="http://schemas.microsoft.com/office/mac/drawingml/2011/main" val="1"/>
+              <ma14:wrappingTextBoxFlag xmlns:ma14="http://schemas.microsoft.com/office/mac/drawingml/2011/main" xmlns:a14="http://schemas.microsoft.com/office/drawing/2010/main" xmlns:m="http://schemas.openxmlformats.org/officeDocument/2006/math" xmlns="" val="1"/>
             </a:ext>
           </a:extLst>
         </p:spPr>
@@ -12826,7 +12662,7 @@
           </a:effectLst>
           <a:extLst>
             <a:ext uri="{C572A759-6A51-4108-AA02-DFA0A04FC94B}">
-              <ma14:wrappingTextBoxFlag xmlns="" xmlns:m="http://schemas.openxmlformats.org/officeDocument/2006/math" xmlns:a14="http://schemas.microsoft.com/office/drawing/2010/main" xmlns:ma14="http://schemas.microsoft.com/office/mac/drawingml/2011/main" val="1"/>
+              <ma14:wrappingTextBoxFlag xmlns:ma14="http://schemas.microsoft.com/office/mac/drawingml/2011/main" xmlns:a14="http://schemas.microsoft.com/office/drawing/2010/main" xmlns:m="http://schemas.openxmlformats.org/officeDocument/2006/math" xmlns="" val="1"/>
             </a:ext>
           </a:extLst>
         </p:spPr>
@@ -12904,7 +12740,7 @@
           </a:effectLst>
           <a:extLst>
             <a:ext uri="{C572A759-6A51-4108-AA02-DFA0A04FC94B}">
-              <ma14:wrappingTextBoxFlag xmlns="" xmlns:m="http://schemas.openxmlformats.org/officeDocument/2006/math" xmlns:a14="http://schemas.microsoft.com/office/drawing/2010/main" xmlns:ma14="http://schemas.microsoft.com/office/mac/drawingml/2011/main" val="1"/>
+              <ma14:wrappingTextBoxFlag xmlns:ma14="http://schemas.microsoft.com/office/mac/drawingml/2011/main" xmlns:a14="http://schemas.microsoft.com/office/drawing/2010/main" xmlns:m="http://schemas.openxmlformats.org/officeDocument/2006/math" xmlns="" val="1"/>
             </a:ext>
           </a:extLst>
         </p:spPr>
@@ -12996,7 +12832,7 @@
           </a:effectLst>
           <a:extLst>
             <a:ext uri="{C572A759-6A51-4108-AA02-DFA0A04FC94B}">
-              <ma14:wrappingTextBoxFlag xmlns="" xmlns:m="http://schemas.openxmlformats.org/officeDocument/2006/math" xmlns:a14="http://schemas.microsoft.com/office/drawing/2010/main" xmlns:ma14="http://schemas.microsoft.com/office/mac/drawingml/2011/main" val="1"/>
+              <ma14:wrappingTextBoxFlag xmlns:ma14="http://schemas.microsoft.com/office/mac/drawingml/2011/main" xmlns:a14="http://schemas.microsoft.com/office/drawing/2010/main" xmlns:m="http://schemas.openxmlformats.org/officeDocument/2006/math" xmlns="" val="1"/>
             </a:ext>
           </a:extLst>
         </p:spPr>
@@ -13079,7 +12915,7 @@
           </a:effectLst>
           <a:extLst>
             <a:ext uri="{C572A759-6A51-4108-AA02-DFA0A04FC94B}">
-              <ma14:wrappingTextBoxFlag xmlns="" xmlns:m="http://schemas.openxmlformats.org/officeDocument/2006/math" xmlns:a14="http://schemas.microsoft.com/office/drawing/2010/main" xmlns:ma14="http://schemas.microsoft.com/office/mac/drawingml/2011/main" val="1"/>
+              <ma14:wrappingTextBoxFlag xmlns:ma14="http://schemas.microsoft.com/office/mac/drawingml/2011/main" xmlns:a14="http://schemas.microsoft.com/office/drawing/2010/main" xmlns:m="http://schemas.openxmlformats.org/officeDocument/2006/math" xmlns="" val="1"/>
             </a:ext>
           </a:extLst>
         </p:spPr>
@@ -13144,7 +12980,7 @@
           </a:effectLst>
           <a:extLst>
             <a:ext uri="{C572A759-6A51-4108-AA02-DFA0A04FC94B}">
-              <ma14:wrappingTextBoxFlag xmlns="" xmlns:m="http://schemas.openxmlformats.org/officeDocument/2006/math" xmlns:a14="http://schemas.microsoft.com/office/drawing/2010/main" xmlns:ma14="http://schemas.microsoft.com/office/mac/drawingml/2011/main" val="1"/>
+              <ma14:wrappingTextBoxFlag xmlns:ma14="http://schemas.microsoft.com/office/mac/drawingml/2011/main" xmlns:a14="http://schemas.microsoft.com/office/drawing/2010/main" xmlns:m="http://schemas.openxmlformats.org/officeDocument/2006/math" xmlns="" val="1"/>
             </a:ext>
           </a:extLst>
         </p:spPr>
@@ -13229,7 +13065,7 @@
           </a:effectLst>
           <a:extLst>
             <a:ext uri="{C572A759-6A51-4108-AA02-DFA0A04FC94B}">
-              <ma14:wrappingTextBoxFlag xmlns="" xmlns:m="http://schemas.openxmlformats.org/officeDocument/2006/math" xmlns:a14="http://schemas.microsoft.com/office/drawing/2010/main" xmlns:ma14="http://schemas.microsoft.com/office/mac/drawingml/2011/main" val="1"/>
+              <ma14:wrappingTextBoxFlag xmlns:ma14="http://schemas.microsoft.com/office/mac/drawingml/2011/main" xmlns:a14="http://schemas.microsoft.com/office/drawing/2010/main" xmlns:m="http://schemas.openxmlformats.org/officeDocument/2006/math" xmlns="" val="1"/>
             </a:ext>
           </a:extLst>
         </p:spPr>
@@ -13314,7 +13150,7 @@
           </a:effectLst>
           <a:extLst>
             <a:ext uri="{C572A759-6A51-4108-AA02-DFA0A04FC94B}">
-              <ma14:wrappingTextBoxFlag xmlns="" xmlns:m="http://schemas.openxmlformats.org/officeDocument/2006/math" xmlns:a14="http://schemas.microsoft.com/office/drawing/2010/main" xmlns:ma14="http://schemas.microsoft.com/office/mac/drawingml/2011/main" val="1"/>
+              <ma14:wrappingTextBoxFlag xmlns:ma14="http://schemas.microsoft.com/office/mac/drawingml/2011/main" xmlns:a14="http://schemas.microsoft.com/office/drawing/2010/main" xmlns:m="http://schemas.openxmlformats.org/officeDocument/2006/math" xmlns="" val="1"/>
             </a:ext>
           </a:extLst>
         </p:spPr>
@@ -13399,7 +13235,7 @@
           </a:effectLst>
           <a:extLst>
             <a:ext uri="{C572A759-6A51-4108-AA02-DFA0A04FC94B}">
-              <ma14:wrappingTextBoxFlag xmlns="" xmlns:m="http://schemas.openxmlformats.org/officeDocument/2006/math" xmlns:a14="http://schemas.microsoft.com/office/drawing/2010/main" xmlns:ma14="http://schemas.microsoft.com/office/mac/drawingml/2011/main" val="1"/>
+              <ma14:wrappingTextBoxFlag xmlns:ma14="http://schemas.microsoft.com/office/mac/drawingml/2011/main" xmlns:a14="http://schemas.microsoft.com/office/drawing/2010/main" xmlns:m="http://schemas.openxmlformats.org/officeDocument/2006/math" xmlns="" val="1"/>
             </a:ext>
           </a:extLst>
         </p:spPr>
@@ -13713,7 +13549,7 @@
           </a:effectLst>
           <a:extLst>
             <a:ext uri="{C572A759-6A51-4108-AA02-DFA0A04FC94B}">
-              <ma14:wrappingTextBoxFlag xmlns="" xmlns:m="http://schemas.openxmlformats.org/officeDocument/2006/math" xmlns:a14="http://schemas.microsoft.com/office/drawing/2010/main" xmlns:ma14="http://schemas.microsoft.com/office/mac/drawingml/2011/main" val="1"/>
+              <ma14:wrappingTextBoxFlag xmlns:ma14="http://schemas.microsoft.com/office/mac/drawingml/2011/main" xmlns:a14="http://schemas.microsoft.com/office/drawing/2010/main" xmlns:m="http://schemas.openxmlformats.org/officeDocument/2006/math" xmlns="" val="1"/>
             </a:ext>
           </a:extLst>
         </p:spPr>
@@ -13796,7 +13632,7 @@
           </a:effectLst>
           <a:extLst>
             <a:ext uri="{C572A759-6A51-4108-AA02-DFA0A04FC94B}">
-              <ma14:wrappingTextBoxFlag xmlns="" xmlns:m="http://schemas.openxmlformats.org/officeDocument/2006/math" xmlns:a14="http://schemas.microsoft.com/office/drawing/2010/main" xmlns:ma14="http://schemas.microsoft.com/office/mac/drawingml/2011/main" val="1"/>
+              <ma14:wrappingTextBoxFlag xmlns:ma14="http://schemas.microsoft.com/office/mac/drawingml/2011/main" xmlns:a14="http://schemas.microsoft.com/office/drawing/2010/main" xmlns:m="http://schemas.openxmlformats.org/officeDocument/2006/math" xmlns="" val="1"/>
             </a:ext>
           </a:extLst>
         </p:spPr>
@@ -13861,7 +13697,7 @@
           </a:effectLst>
           <a:extLst>
             <a:ext uri="{C572A759-6A51-4108-AA02-DFA0A04FC94B}">
-              <ma14:wrappingTextBoxFlag xmlns="" xmlns:m="http://schemas.openxmlformats.org/officeDocument/2006/math" xmlns:a14="http://schemas.microsoft.com/office/drawing/2010/main" xmlns:ma14="http://schemas.microsoft.com/office/mac/drawingml/2011/main" val="1"/>
+              <ma14:wrappingTextBoxFlag xmlns:ma14="http://schemas.microsoft.com/office/mac/drawingml/2011/main" xmlns:a14="http://schemas.microsoft.com/office/drawing/2010/main" xmlns:m="http://schemas.openxmlformats.org/officeDocument/2006/math" xmlns="" val="1"/>
             </a:ext>
           </a:extLst>
         </p:spPr>
@@ -13942,7 +13778,7 @@
           </a:effectLst>
           <a:extLst>
             <a:ext uri="{C572A759-6A51-4108-AA02-DFA0A04FC94B}">
-              <ma14:wrappingTextBoxFlag xmlns="" xmlns:m="http://schemas.openxmlformats.org/officeDocument/2006/math" xmlns:a14="http://schemas.microsoft.com/office/drawing/2010/main" xmlns:ma14="http://schemas.microsoft.com/office/mac/drawingml/2011/main" val="1"/>
+              <ma14:wrappingTextBoxFlag xmlns:ma14="http://schemas.microsoft.com/office/mac/drawingml/2011/main" xmlns:a14="http://schemas.microsoft.com/office/drawing/2010/main" xmlns:m="http://schemas.openxmlformats.org/officeDocument/2006/math" xmlns="" val="1"/>
             </a:ext>
           </a:extLst>
         </p:spPr>
@@ -14273,7 +14109,7 @@
           </a:effectLst>
           <a:extLst>
             <a:ext uri="{C572A759-6A51-4108-AA02-DFA0A04FC94B}">
-              <ma14:wrappingTextBoxFlag xmlns="" xmlns:m="http://schemas.openxmlformats.org/officeDocument/2006/math" xmlns:a14="http://schemas.microsoft.com/office/drawing/2010/main" xmlns:ma14="http://schemas.microsoft.com/office/mac/drawingml/2011/main" val="1"/>
+              <ma14:wrappingTextBoxFlag xmlns:ma14="http://schemas.microsoft.com/office/mac/drawingml/2011/main" xmlns:a14="http://schemas.microsoft.com/office/drawing/2010/main" xmlns:m="http://schemas.openxmlformats.org/officeDocument/2006/math" xmlns="" val="1"/>
             </a:ext>
           </a:extLst>
         </p:spPr>
@@ -14338,7 +14174,7 @@
           </a:effectLst>
           <a:extLst>
             <a:ext uri="{C572A759-6A51-4108-AA02-DFA0A04FC94B}">
-              <ma14:wrappingTextBoxFlag xmlns="" xmlns:m="http://schemas.openxmlformats.org/officeDocument/2006/math" xmlns:a14="http://schemas.microsoft.com/office/drawing/2010/main" xmlns:ma14="http://schemas.microsoft.com/office/mac/drawingml/2011/main" val="1"/>
+              <ma14:wrappingTextBoxFlag xmlns:ma14="http://schemas.microsoft.com/office/mac/drawingml/2011/main" xmlns:a14="http://schemas.microsoft.com/office/drawing/2010/main" xmlns:m="http://schemas.openxmlformats.org/officeDocument/2006/math" xmlns="" val="1"/>
             </a:ext>
           </a:extLst>
         </p:spPr>
@@ -14423,7 +14259,7 @@
           </a:effectLst>
           <a:extLst>
             <a:ext uri="{C572A759-6A51-4108-AA02-DFA0A04FC94B}">
-              <ma14:wrappingTextBoxFlag xmlns="" xmlns:m="http://schemas.openxmlformats.org/officeDocument/2006/math" xmlns:a14="http://schemas.microsoft.com/office/drawing/2010/main" xmlns:ma14="http://schemas.microsoft.com/office/mac/drawingml/2011/main" val="1"/>
+              <ma14:wrappingTextBoxFlag xmlns:ma14="http://schemas.microsoft.com/office/mac/drawingml/2011/main" xmlns:a14="http://schemas.microsoft.com/office/drawing/2010/main" xmlns:m="http://schemas.openxmlformats.org/officeDocument/2006/math" xmlns="" val="1"/>
             </a:ext>
           </a:extLst>
         </p:spPr>
@@ -14508,7 +14344,7 @@
           </a:effectLst>
           <a:extLst>
             <a:ext uri="{C572A759-6A51-4108-AA02-DFA0A04FC94B}">
-              <ma14:wrappingTextBoxFlag xmlns="" xmlns:m="http://schemas.openxmlformats.org/officeDocument/2006/math" xmlns:a14="http://schemas.microsoft.com/office/drawing/2010/main" xmlns:ma14="http://schemas.microsoft.com/office/mac/drawingml/2011/main" val="1"/>
+              <ma14:wrappingTextBoxFlag xmlns:ma14="http://schemas.microsoft.com/office/mac/drawingml/2011/main" xmlns:a14="http://schemas.microsoft.com/office/drawing/2010/main" xmlns:m="http://schemas.openxmlformats.org/officeDocument/2006/math" xmlns="" val="1"/>
             </a:ext>
           </a:extLst>
         </p:spPr>
@@ -14593,7 +14429,7 @@
           </a:effectLst>
           <a:extLst>
             <a:ext uri="{C572A759-6A51-4108-AA02-DFA0A04FC94B}">
-              <ma14:wrappingTextBoxFlag xmlns="" xmlns:m="http://schemas.openxmlformats.org/officeDocument/2006/math" xmlns:a14="http://schemas.microsoft.com/office/drawing/2010/main" xmlns:ma14="http://schemas.microsoft.com/office/mac/drawingml/2011/main" val="1"/>
+              <ma14:wrappingTextBoxFlag xmlns:ma14="http://schemas.microsoft.com/office/mac/drawingml/2011/main" xmlns:a14="http://schemas.microsoft.com/office/drawing/2010/main" xmlns:m="http://schemas.openxmlformats.org/officeDocument/2006/math" xmlns="" val="1"/>
             </a:ext>
           </a:extLst>
         </p:spPr>
@@ -14824,7 +14660,7 @@
           </a:effectLst>
           <a:extLst>
             <a:ext uri="{C572A759-6A51-4108-AA02-DFA0A04FC94B}">
-              <ma14:wrappingTextBoxFlag xmlns="" xmlns:m="http://schemas.openxmlformats.org/officeDocument/2006/math" xmlns:a14="http://schemas.microsoft.com/office/drawing/2010/main" xmlns:ma14="http://schemas.microsoft.com/office/mac/drawingml/2011/main" val="1"/>
+              <ma14:wrappingTextBoxFlag xmlns:ma14="http://schemas.microsoft.com/office/mac/drawingml/2011/main" xmlns:a14="http://schemas.microsoft.com/office/drawing/2010/main" xmlns:m="http://schemas.openxmlformats.org/officeDocument/2006/math" xmlns="" val="1"/>
             </a:ext>
           </a:extLst>
         </p:spPr>
@@ -14889,7 +14725,7 @@
           </a:effectLst>
           <a:extLst>
             <a:ext uri="{C572A759-6A51-4108-AA02-DFA0A04FC94B}">
-              <ma14:wrappingTextBoxFlag xmlns="" xmlns:m="http://schemas.openxmlformats.org/officeDocument/2006/math" xmlns:a14="http://schemas.microsoft.com/office/drawing/2010/main" xmlns:ma14="http://schemas.microsoft.com/office/mac/drawingml/2011/main" val="1"/>
+              <ma14:wrappingTextBoxFlag xmlns:ma14="http://schemas.microsoft.com/office/mac/drawingml/2011/main" xmlns:a14="http://schemas.microsoft.com/office/drawing/2010/main" xmlns:m="http://schemas.openxmlformats.org/officeDocument/2006/math" xmlns="" val="1"/>
             </a:ext>
           </a:extLst>
         </p:spPr>
@@ -15122,7 +14958,7 @@
           </a:effectLst>
           <a:extLst>
             <a:ext uri="{C572A759-6A51-4108-AA02-DFA0A04FC94B}">
-              <ma14:wrappingTextBoxFlag xmlns="" xmlns:m="http://schemas.openxmlformats.org/officeDocument/2006/math" xmlns:a14="http://schemas.microsoft.com/office/drawing/2010/main" xmlns:ma14="http://schemas.microsoft.com/office/mac/drawingml/2011/main" val="1"/>
+              <ma14:wrappingTextBoxFlag xmlns:ma14="http://schemas.microsoft.com/office/mac/drawingml/2011/main" xmlns:a14="http://schemas.microsoft.com/office/drawing/2010/main" xmlns:m="http://schemas.openxmlformats.org/officeDocument/2006/math" xmlns="" val="1"/>
             </a:ext>
           </a:extLst>
         </p:spPr>
@@ -15203,7 +15039,7 @@
           </a:effectLst>
           <a:extLst>
             <a:ext uri="{C572A759-6A51-4108-AA02-DFA0A04FC94B}">
-              <ma14:wrappingTextBoxFlag xmlns="" xmlns:m="http://schemas.openxmlformats.org/officeDocument/2006/math" xmlns:a14="http://schemas.microsoft.com/office/drawing/2010/main" xmlns:ma14="http://schemas.microsoft.com/office/mac/drawingml/2011/main" val="1"/>
+              <ma14:wrappingTextBoxFlag xmlns:ma14="http://schemas.microsoft.com/office/mac/drawingml/2011/main" xmlns:a14="http://schemas.microsoft.com/office/drawing/2010/main" xmlns:m="http://schemas.openxmlformats.org/officeDocument/2006/math" xmlns="" val="1"/>
             </a:ext>
           </a:extLst>
         </p:spPr>
@@ -15288,7 +15124,7 @@
           </a:effectLst>
           <a:extLst>
             <a:ext uri="{C572A759-6A51-4108-AA02-DFA0A04FC94B}">
-              <ma14:wrappingTextBoxFlag xmlns="" xmlns:m="http://schemas.openxmlformats.org/officeDocument/2006/math" xmlns:a14="http://schemas.microsoft.com/office/drawing/2010/main" xmlns:ma14="http://schemas.microsoft.com/office/mac/drawingml/2011/main" val="1"/>
+              <ma14:wrappingTextBoxFlag xmlns:ma14="http://schemas.microsoft.com/office/mac/drawingml/2011/main" xmlns:a14="http://schemas.microsoft.com/office/drawing/2010/main" xmlns:m="http://schemas.openxmlformats.org/officeDocument/2006/math" xmlns="" val="1"/>
             </a:ext>
           </a:extLst>
         </p:spPr>
@@ -15373,7 +15209,7 @@
           </a:effectLst>
           <a:extLst>
             <a:ext uri="{C572A759-6A51-4108-AA02-DFA0A04FC94B}">
-              <ma14:wrappingTextBoxFlag xmlns="" xmlns:m="http://schemas.openxmlformats.org/officeDocument/2006/math" xmlns:a14="http://schemas.microsoft.com/office/drawing/2010/main" xmlns:ma14="http://schemas.microsoft.com/office/mac/drawingml/2011/main" val="1"/>
+              <ma14:wrappingTextBoxFlag xmlns:ma14="http://schemas.microsoft.com/office/mac/drawingml/2011/main" xmlns:a14="http://schemas.microsoft.com/office/drawing/2010/main" xmlns:m="http://schemas.openxmlformats.org/officeDocument/2006/math" xmlns="" val="1"/>
             </a:ext>
           </a:extLst>
         </p:spPr>
@@ -15454,7 +15290,7 @@
           </a:effectLst>
           <a:extLst>
             <a:ext uri="{C572A759-6A51-4108-AA02-DFA0A04FC94B}">
-              <ma14:wrappingTextBoxFlag xmlns="" xmlns:m="http://schemas.openxmlformats.org/officeDocument/2006/math" xmlns:a14="http://schemas.microsoft.com/office/drawing/2010/main" xmlns:ma14="http://schemas.microsoft.com/office/mac/drawingml/2011/main" val="1"/>
+              <ma14:wrappingTextBoxFlag xmlns:ma14="http://schemas.microsoft.com/office/mac/drawingml/2011/main" xmlns:a14="http://schemas.microsoft.com/office/drawing/2010/main" xmlns:m="http://schemas.openxmlformats.org/officeDocument/2006/math" xmlns="" val="1"/>
             </a:ext>
           </a:extLst>
         </p:spPr>
@@ -15537,7 +15373,7 @@
           </a:effectLst>
           <a:extLst>
             <a:ext uri="{C572A759-6A51-4108-AA02-DFA0A04FC94B}">
-              <ma14:wrappingTextBoxFlag xmlns="" xmlns:m="http://schemas.openxmlformats.org/officeDocument/2006/math" xmlns:a14="http://schemas.microsoft.com/office/drawing/2010/main" xmlns:ma14="http://schemas.microsoft.com/office/mac/drawingml/2011/main" val="1"/>
+              <ma14:wrappingTextBoxFlag xmlns:ma14="http://schemas.microsoft.com/office/mac/drawingml/2011/main" xmlns:a14="http://schemas.microsoft.com/office/drawing/2010/main" xmlns:m="http://schemas.openxmlformats.org/officeDocument/2006/math" xmlns="" val="1"/>
             </a:ext>
           </a:extLst>
         </p:spPr>
@@ -15602,7 +15438,7 @@
           </a:effectLst>
           <a:extLst>
             <a:ext uri="{C572A759-6A51-4108-AA02-DFA0A04FC94B}">
-              <ma14:wrappingTextBoxFlag xmlns="" xmlns:m="http://schemas.openxmlformats.org/officeDocument/2006/math" xmlns:a14="http://schemas.microsoft.com/office/drawing/2010/main" xmlns:ma14="http://schemas.microsoft.com/office/mac/drawingml/2011/main" val="1"/>
+              <ma14:wrappingTextBoxFlag xmlns:ma14="http://schemas.microsoft.com/office/mac/drawingml/2011/main" xmlns:a14="http://schemas.microsoft.com/office/drawing/2010/main" xmlns:m="http://schemas.openxmlformats.org/officeDocument/2006/math" xmlns="" val="1"/>
             </a:ext>
           </a:extLst>
         </p:spPr>
@@ -15687,7 +15523,7 @@
           </a:effectLst>
           <a:extLst>
             <a:ext uri="{C572A759-6A51-4108-AA02-DFA0A04FC94B}">
-              <ma14:wrappingTextBoxFlag xmlns="" xmlns:m="http://schemas.openxmlformats.org/officeDocument/2006/math" xmlns:a14="http://schemas.microsoft.com/office/drawing/2010/main" xmlns:ma14="http://schemas.microsoft.com/office/mac/drawingml/2011/main" val="1"/>
+              <ma14:wrappingTextBoxFlag xmlns:ma14="http://schemas.microsoft.com/office/mac/drawingml/2011/main" xmlns:a14="http://schemas.microsoft.com/office/drawing/2010/main" xmlns:m="http://schemas.openxmlformats.org/officeDocument/2006/math" xmlns="" val="1"/>
             </a:ext>
           </a:extLst>
         </p:spPr>
@@ -15952,7 +15788,7 @@
           </a:effectLst>
           <a:extLst>
             <a:ext uri="{C572A759-6A51-4108-AA02-DFA0A04FC94B}">
-              <ma14:wrappingTextBoxFlag xmlns="" xmlns:m="http://schemas.openxmlformats.org/officeDocument/2006/math" xmlns:a14="http://schemas.microsoft.com/office/drawing/2010/main" xmlns:ma14="http://schemas.microsoft.com/office/mac/drawingml/2011/main" val="1"/>
+              <ma14:wrappingTextBoxFlag xmlns:ma14="http://schemas.microsoft.com/office/mac/drawingml/2011/main" xmlns:a14="http://schemas.microsoft.com/office/drawing/2010/main" xmlns:m="http://schemas.openxmlformats.org/officeDocument/2006/math" xmlns="" val="1"/>
             </a:ext>
           </a:extLst>
         </p:spPr>

--- a/resource/dubbo-go-arch.pptx
+++ b/resource/dubbo-go-arch.pptx
@@ -2108,12 +2108,9 @@
 <p:sldMaster xmlns:a="http://schemas.openxmlformats.org/drawingml/2006/main" xmlns:r="http://schemas.openxmlformats.org/officeDocument/2006/relationships" xmlns:p="http://schemas.openxmlformats.org/presentationml/2006/main">
   <p:cSld>
     <p:bg>
-      <p:bgPr>
-        <a:solidFill>
-          <a:srgbClr val="FFFFFF"/>
-        </a:solidFill>
-        <a:effectLst/>
-      </p:bgPr>
+      <p:bgRef idx="1001">
+        <a:schemeClr val="bg1"/>
+      </p:bgRef>
     </p:bg>
     <p:spTree>
       <p:nvGrpSpPr>
@@ -2149,9 +2146,7 @@
           <a:prstGeom prst="rect">
             <a:avLst/>
           </a:prstGeom>
-          <a:solidFill>
-            <a:srgbClr val="17222F"/>
-          </a:solidFill>
+          <a:noFill/>
           <a:ln w="12700" cap="flat">
             <a:noFill/>
             <a:miter lim="400000"/>
@@ -2233,7 +2228,7 @@
           </a:ln>
           <a:extLst>
             <a:ext uri="{C572A759-6A51-4108-AA02-DFA0A04FC94B}">
-              <ma14:wrappingTextBoxFlag xmlns:ma14="http://schemas.microsoft.com/office/mac/drawingml/2011/main" xmlns:a14="http://schemas.microsoft.com/office/drawing/2010/main" xmlns:m="http://schemas.openxmlformats.org/officeDocument/2006/math" xmlns="" val="1"/>
+              <ma14:wrappingTextBoxFlag xmlns="" xmlns:m="http://schemas.openxmlformats.org/officeDocument/2006/math" xmlns:a14="http://schemas.microsoft.com/office/drawing/2010/main" xmlns:ma14="http://schemas.microsoft.com/office/mac/drawingml/2011/main" val="1"/>
             </a:ext>
           </a:extLst>
         </p:spPr>
@@ -2272,7 +2267,7 @@
           </a:ln>
           <a:extLst>
             <a:ext uri="{C572A759-6A51-4108-AA02-DFA0A04FC94B}">
-              <ma14:wrappingTextBoxFlag xmlns:ma14="http://schemas.microsoft.com/office/mac/drawingml/2011/main" xmlns:a14="http://schemas.microsoft.com/office/drawing/2010/main" xmlns:m="http://schemas.openxmlformats.org/officeDocument/2006/math" xmlns="" val="1"/>
+              <ma14:wrappingTextBoxFlag xmlns="" xmlns:m="http://schemas.openxmlformats.org/officeDocument/2006/math" xmlns:a14="http://schemas.microsoft.com/office/drawing/2010/main" xmlns:ma14="http://schemas.microsoft.com/office/mac/drawingml/2011/main" val="1"/>
             </a:ext>
           </a:extLst>
         </p:spPr>
@@ -3155,7 +3150,7 @@
           </a:effectLst>
           <a:extLst>
             <a:ext uri="{C572A759-6A51-4108-AA02-DFA0A04FC94B}">
-              <ma14:wrappingTextBoxFlag xmlns:ma14="http://schemas.microsoft.com/office/mac/drawingml/2011/main" xmlns:a14="http://schemas.microsoft.com/office/drawing/2010/main" xmlns:m="http://schemas.openxmlformats.org/officeDocument/2006/math" xmlns="" val="1"/>
+              <ma14:wrappingTextBoxFlag xmlns="" xmlns:m="http://schemas.openxmlformats.org/officeDocument/2006/math" xmlns:a14="http://schemas.microsoft.com/office/drawing/2010/main" xmlns:ma14="http://schemas.microsoft.com/office/mac/drawingml/2011/main" val="1"/>
             </a:ext>
           </a:extLst>
         </p:spPr>
@@ -3255,7 +3250,7 @@
           </a:effectLst>
           <a:extLst>
             <a:ext uri="{C572A759-6A51-4108-AA02-DFA0A04FC94B}">
-              <ma14:wrappingTextBoxFlag xmlns:ma14="http://schemas.microsoft.com/office/mac/drawingml/2011/main" xmlns:a14="http://schemas.microsoft.com/office/drawing/2010/main" xmlns:m="http://schemas.openxmlformats.org/officeDocument/2006/math" xmlns="" val="1"/>
+              <ma14:wrappingTextBoxFlag xmlns="" xmlns:m="http://schemas.openxmlformats.org/officeDocument/2006/math" xmlns:a14="http://schemas.microsoft.com/office/drawing/2010/main" xmlns:ma14="http://schemas.microsoft.com/office/mac/drawingml/2011/main" val="1"/>
             </a:ext>
           </a:extLst>
         </p:spPr>
@@ -3325,7 +3320,7 @@
           </a:effectLst>
           <a:extLst>
             <a:ext uri="{C572A759-6A51-4108-AA02-DFA0A04FC94B}">
-              <ma14:wrappingTextBoxFlag xmlns:ma14="http://schemas.microsoft.com/office/mac/drawingml/2011/main" xmlns:a14="http://schemas.microsoft.com/office/drawing/2010/main" xmlns:m="http://schemas.openxmlformats.org/officeDocument/2006/math" xmlns="" val="1"/>
+              <ma14:wrappingTextBoxFlag xmlns="" xmlns:m="http://schemas.openxmlformats.org/officeDocument/2006/math" xmlns:a14="http://schemas.microsoft.com/office/drawing/2010/main" xmlns:ma14="http://schemas.microsoft.com/office/mac/drawingml/2011/main" val="1"/>
             </a:ext>
           </a:extLst>
         </p:spPr>
@@ -3378,7 +3373,7 @@
           </a:effectLst>
           <a:extLst>
             <a:ext uri="{C572A759-6A51-4108-AA02-DFA0A04FC94B}">
-              <ma14:wrappingTextBoxFlag xmlns:ma14="http://schemas.microsoft.com/office/mac/drawingml/2011/main" xmlns:a14="http://schemas.microsoft.com/office/drawing/2010/main" xmlns:m="http://schemas.openxmlformats.org/officeDocument/2006/math" xmlns="" val="1"/>
+              <ma14:wrappingTextBoxFlag xmlns="" xmlns:m="http://schemas.openxmlformats.org/officeDocument/2006/math" xmlns:a14="http://schemas.microsoft.com/office/drawing/2010/main" xmlns:ma14="http://schemas.microsoft.com/office/mac/drawingml/2011/main" val="1"/>
             </a:ext>
           </a:extLst>
         </p:spPr>
@@ -3432,7 +3427,7 @@
           </a:effectLst>
           <a:extLst>
             <a:ext uri="{C572A759-6A51-4108-AA02-DFA0A04FC94B}">
-              <ma14:wrappingTextBoxFlag xmlns:ma14="http://schemas.microsoft.com/office/mac/drawingml/2011/main" xmlns:a14="http://schemas.microsoft.com/office/drawing/2010/main" xmlns:m="http://schemas.openxmlformats.org/officeDocument/2006/math" xmlns="" val="1"/>
+              <ma14:wrappingTextBoxFlag xmlns="" xmlns:m="http://schemas.openxmlformats.org/officeDocument/2006/math" xmlns:a14="http://schemas.microsoft.com/office/drawing/2010/main" xmlns:ma14="http://schemas.microsoft.com/office/mac/drawingml/2011/main" val="1"/>
             </a:ext>
           </a:extLst>
         </p:spPr>
@@ -3486,7 +3481,7 @@
           </a:effectLst>
           <a:extLst>
             <a:ext uri="{C572A759-6A51-4108-AA02-DFA0A04FC94B}">
-              <ma14:wrappingTextBoxFlag xmlns:ma14="http://schemas.microsoft.com/office/mac/drawingml/2011/main" xmlns:a14="http://schemas.microsoft.com/office/drawing/2010/main" xmlns:m="http://schemas.openxmlformats.org/officeDocument/2006/math" xmlns="" val="1"/>
+              <ma14:wrappingTextBoxFlag xmlns="" xmlns:m="http://schemas.openxmlformats.org/officeDocument/2006/math" xmlns:a14="http://schemas.microsoft.com/office/drawing/2010/main" xmlns:ma14="http://schemas.microsoft.com/office/mac/drawingml/2011/main" val="1"/>
             </a:ext>
           </a:extLst>
         </p:spPr>
@@ -3545,7 +3540,7 @@
           </a:effectLst>
           <a:extLst>
             <a:ext uri="{C572A759-6A51-4108-AA02-DFA0A04FC94B}">
-              <ma14:wrappingTextBoxFlag xmlns:ma14="http://schemas.microsoft.com/office/mac/drawingml/2011/main" xmlns:a14="http://schemas.microsoft.com/office/drawing/2010/main" xmlns:m="http://schemas.openxmlformats.org/officeDocument/2006/math" xmlns="" val="1"/>
+              <ma14:wrappingTextBoxFlag xmlns="" xmlns:m="http://schemas.openxmlformats.org/officeDocument/2006/math" xmlns:a14="http://schemas.microsoft.com/office/drawing/2010/main" xmlns:ma14="http://schemas.microsoft.com/office/mac/drawingml/2011/main" val="1"/>
             </a:ext>
           </a:extLst>
         </p:spPr>
@@ -3596,7 +3591,7 @@
           </a:effectLst>
           <a:extLst>
             <a:ext uri="{C572A759-6A51-4108-AA02-DFA0A04FC94B}">
-              <ma14:wrappingTextBoxFlag xmlns:ma14="http://schemas.microsoft.com/office/mac/drawingml/2011/main" xmlns:a14="http://schemas.microsoft.com/office/drawing/2010/main" xmlns:m="http://schemas.openxmlformats.org/officeDocument/2006/math" xmlns="" val="1"/>
+              <ma14:wrappingTextBoxFlag xmlns="" xmlns:m="http://schemas.openxmlformats.org/officeDocument/2006/math" xmlns:a14="http://schemas.microsoft.com/office/drawing/2010/main" xmlns:ma14="http://schemas.microsoft.com/office/mac/drawingml/2011/main" val="1"/>
             </a:ext>
           </a:extLst>
         </p:spPr>
@@ -3650,7 +3645,7 @@
           </a:effectLst>
           <a:extLst>
             <a:ext uri="{C572A759-6A51-4108-AA02-DFA0A04FC94B}">
-              <ma14:wrappingTextBoxFlag xmlns:ma14="http://schemas.microsoft.com/office/mac/drawingml/2011/main" xmlns:a14="http://schemas.microsoft.com/office/drawing/2010/main" xmlns:m="http://schemas.openxmlformats.org/officeDocument/2006/math" xmlns="" val="1"/>
+              <ma14:wrappingTextBoxFlag xmlns="" xmlns:m="http://schemas.openxmlformats.org/officeDocument/2006/math" xmlns:a14="http://schemas.microsoft.com/office/drawing/2010/main" xmlns:ma14="http://schemas.microsoft.com/office/mac/drawingml/2011/main" val="1"/>
             </a:ext>
           </a:extLst>
         </p:spPr>
@@ -3704,7 +3699,7 @@
           </a:effectLst>
           <a:extLst>
             <a:ext uri="{C572A759-6A51-4108-AA02-DFA0A04FC94B}">
-              <ma14:wrappingTextBoxFlag xmlns:ma14="http://schemas.microsoft.com/office/mac/drawingml/2011/main" xmlns:a14="http://schemas.microsoft.com/office/drawing/2010/main" xmlns:m="http://schemas.openxmlformats.org/officeDocument/2006/math" xmlns="" val="1"/>
+              <ma14:wrappingTextBoxFlag xmlns="" xmlns:m="http://schemas.openxmlformats.org/officeDocument/2006/math" xmlns:a14="http://schemas.microsoft.com/office/drawing/2010/main" xmlns:ma14="http://schemas.microsoft.com/office/mac/drawingml/2011/main" val="1"/>
             </a:ext>
           </a:extLst>
         </p:spPr>
@@ -3758,7 +3753,7 @@
           </a:effectLst>
           <a:extLst>
             <a:ext uri="{C572A759-6A51-4108-AA02-DFA0A04FC94B}">
-              <ma14:wrappingTextBoxFlag xmlns:ma14="http://schemas.microsoft.com/office/mac/drawingml/2011/main" xmlns:a14="http://schemas.microsoft.com/office/drawing/2010/main" xmlns:m="http://schemas.openxmlformats.org/officeDocument/2006/math" xmlns="" val="1"/>
+              <ma14:wrappingTextBoxFlag xmlns="" xmlns:m="http://schemas.openxmlformats.org/officeDocument/2006/math" xmlns:a14="http://schemas.microsoft.com/office/drawing/2010/main" xmlns:ma14="http://schemas.microsoft.com/office/mac/drawingml/2011/main" val="1"/>
             </a:ext>
           </a:extLst>
         </p:spPr>
@@ -3812,7 +3807,7 @@
           </a:effectLst>
           <a:extLst>
             <a:ext uri="{C572A759-6A51-4108-AA02-DFA0A04FC94B}">
-              <ma14:wrappingTextBoxFlag xmlns:ma14="http://schemas.microsoft.com/office/mac/drawingml/2011/main" xmlns:a14="http://schemas.microsoft.com/office/drawing/2010/main" xmlns:m="http://schemas.openxmlformats.org/officeDocument/2006/math" xmlns="" val="1"/>
+              <ma14:wrappingTextBoxFlag xmlns="" xmlns:m="http://schemas.openxmlformats.org/officeDocument/2006/math" xmlns:a14="http://schemas.microsoft.com/office/drawing/2010/main" xmlns:ma14="http://schemas.microsoft.com/office/mac/drawingml/2011/main" val="1"/>
             </a:ext>
           </a:extLst>
         </p:spPr>
@@ -3988,7 +3983,7 @@
           </a:effectLst>
           <a:extLst>
             <a:ext uri="{C572A759-6A51-4108-AA02-DFA0A04FC94B}">
-              <ma14:wrappingTextBoxFlag xmlns:ma14="http://schemas.microsoft.com/office/mac/drawingml/2011/main" xmlns:a14="http://schemas.microsoft.com/office/drawing/2010/main" xmlns:m="http://schemas.openxmlformats.org/officeDocument/2006/math" xmlns="" val="1"/>
+              <ma14:wrappingTextBoxFlag xmlns="" xmlns:m="http://schemas.openxmlformats.org/officeDocument/2006/math" xmlns:a14="http://schemas.microsoft.com/office/drawing/2010/main" xmlns:ma14="http://schemas.microsoft.com/office/mac/drawingml/2011/main" val="1"/>
             </a:ext>
           </a:extLst>
         </p:spPr>
@@ -4112,7 +4107,7 @@
           </a:effectLst>
           <a:extLst>
             <a:ext uri="{C572A759-6A51-4108-AA02-DFA0A04FC94B}">
-              <ma14:wrappingTextBoxFlag xmlns:ma14="http://schemas.microsoft.com/office/mac/drawingml/2011/main" xmlns:a14="http://schemas.microsoft.com/office/drawing/2010/main" xmlns:m="http://schemas.openxmlformats.org/officeDocument/2006/math" xmlns="" val="1"/>
+              <ma14:wrappingTextBoxFlag xmlns="" xmlns:m="http://schemas.openxmlformats.org/officeDocument/2006/math" xmlns:a14="http://schemas.microsoft.com/office/drawing/2010/main" xmlns:ma14="http://schemas.microsoft.com/office/mac/drawingml/2011/main" val="1"/>
             </a:ext>
           </a:extLst>
         </p:spPr>
@@ -4171,7 +4166,7 @@
           </a:effectLst>
           <a:extLst>
             <a:ext uri="{C572A759-6A51-4108-AA02-DFA0A04FC94B}">
-              <ma14:wrappingTextBoxFlag xmlns:ma14="http://schemas.microsoft.com/office/mac/drawingml/2011/main" xmlns:a14="http://schemas.microsoft.com/office/drawing/2010/main" xmlns:m="http://schemas.openxmlformats.org/officeDocument/2006/math" xmlns="" val="1"/>
+              <ma14:wrappingTextBoxFlag xmlns="" xmlns:m="http://schemas.openxmlformats.org/officeDocument/2006/math" xmlns:a14="http://schemas.microsoft.com/office/drawing/2010/main" xmlns:ma14="http://schemas.microsoft.com/office/mac/drawingml/2011/main" val="1"/>
             </a:ext>
           </a:extLst>
         </p:spPr>
@@ -4236,7 +4231,7 @@
           </a:effectLst>
           <a:extLst>
             <a:ext uri="{C572A759-6A51-4108-AA02-DFA0A04FC94B}">
-              <ma14:wrappingTextBoxFlag xmlns:ma14="http://schemas.microsoft.com/office/mac/drawingml/2011/main" xmlns:a14="http://schemas.microsoft.com/office/drawing/2010/main" xmlns:m="http://schemas.openxmlformats.org/officeDocument/2006/math" xmlns="" val="1"/>
+              <ma14:wrappingTextBoxFlag xmlns="" xmlns:m="http://schemas.openxmlformats.org/officeDocument/2006/math" xmlns:a14="http://schemas.microsoft.com/office/drawing/2010/main" xmlns:ma14="http://schemas.microsoft.com/office/mac/drawingml/2011/main" val="1"/>
             </a:ext>
           </a:extLst>
         </p:spPr>
@@ -4301,7 +4296,7 @@
           </a:effectLst>
           <a:extLst>
             <a:ext uri="{C572A759-6A51-4108-AA02-DFA0A04FC94B}">
-              <ma14:wrappingTextBoxFlag xmlns:ma14="http://schemas.microsoft.com/office/mac/drawingml/2011/main" xmlns:a14="http://schemas.microsoft.com/office/drawing/2010/main" xmlns:m="http://schemas.openxmlformats.org/officeDocument/2006/math" xmlns="" val="1"/>
+              <ma14:wrappingTextBoxFlag xmlns="" xmlns:m="http://schemas.openxmlformats.org/officeDocument/2006/math" xmlns:a14="http://schemas.microsoft.com/office/drawing/2010/main" xmlns:ma14="http://schemas.microsoft.com/office/mac/drawingml/2011/main" val="1"/>
             </a:ext>
           </a:extLst>
         </p:spPr>
@@ -4366,7 +4361,7 @@
           </a:effectLst>
           <a:extLst>
             <a:ext uri="{C572A759-6A51-4108-AA02-DFA0A04FC94B}">
-              <ma14:wrappingTextBoxFlag xmlns:ma14="http://schemas.microsoft.com/office/mac/drawingml/2011/main" xmlns:a14="http://schemas.microsoft.com/office/drawing/2010/main" xmlns:m="http://schemas.openxmlformats.org/officeDocument/2006/math" xmlns="" val="1"/>
+              <ma14:wrappingTextBoxFlag xmlns="" xmlns:m="http://schemas.openxmlformats.org/officeDocument/2006/math" xmlns:a14="http://schemas.microsoft.com/office/drawing/2010/main" xmlns:ma14="http://schemas.microsoft.com/office/mac/drawingml/2011/main" val="1"/>
             </a:ext>
           </a:extLst>
         </p:spPr>
@@ -4652,7 +4647,7 @@
           </a:effectLst>
           <a:extLst>
             <a:ext uri="{C572A759-6A51-4108-AA02-DFA0A04FC94B}">
-              <ma14:wrappingTextBoxFlag xmlns:ma14="http://schemas.microsoft.com/office/mac/drawingml/2011/main" xmlns:a14="http://schemas.microsoft.com/office/drawing/2010/main" xmlns:m="http://schemas.openxmlformats.org/officeDocument/2006/math" xmlns="" val="1"/>
+              <ma14:wrappingTextBoxFlag xmlns="" xmlns:m="http://schemas.openxmlformats.org/officeDocument/2006/math" xmlns:a14="http://schemas.microsoft.com/office/drawing/2010/main" xmlns:ma14="http://schemas.microsoft.com/office/mac/drawingml/2011/main" val="1"/>
             </a:ext>
           </a:extLst>
         </p:spPr>
@@ -4711,7 +4706,7 @@
           </a:effectLst>
           <a:extLst>
             <a:ext uri="{C572A759-6A51-4108-AA02-DFA0A04FC94B}">
-              <ma14:wrappingTextBoxFlag xmlns:ma14="http://schemas.microsoft.com/office/mac/drawingml/2011/main" xmlns:a14="http://schemas.microsoft.com/office/drawing/2010/main" xmlns:m="http://schemas.openxmlformats.org/officeDocument/2006/math" xmlns="" val="1"/>
+              <ma14:wrappingTextBoxFlag xmlns="" xmlns:m="http://schemas.openxmlformats.org/officeDocument/2006/math" xmlns:a14="http://schemas.microsoft.com/office/drawing/2010/main" xmlns:ma14="http://schemas.microsoft.com/office/mac/drawingml/2011/main" val="1"/>
             </a:ext>
           </a:extLst>
         </p:spPr>
@@ -4776,7 +4771,7 @@
           </a:effectLst>
           <a:extLst>
             <a:ext uri="{C572A759-6A51-4108-AA02-DFA0A04FC94B}">
-              <ma14:wrappingTextBoxFlag xmlns:ma14="http://schemas.microsoft.com/office/mac/drawingml/2011/main" xmlns:a14="http://schemas.microsoft.com/office/drawing/2010/main" xmlns:m="http://schemas.openxmlformats.org/officeDocument/2006/math" xmlns="" val="1"/>
+              <ma14:wrappingTextBoxFlag xmlns="" xmlns:m="http://schemas.openxmlformats.org/officeDocument/2006/math" xmlns:a14="http://schemas.microsoft.com/office/drawing/2010/main" xmlns:ma14="http://schemas.microsoft.com/office/mac/drawingml/2011/main" val="1"/>
             </a:ext>
           </a:extLst>
         </p:spPr>
@@ -4841,7 +4836,7 @@
           </a:effectLst>
           <a:extLst>
             <a:ext uri="{C572A759-6A51-4108-AA02-DFA0A04FC94B}">
-              <ma14:wrappingTextBoxFlag xmlns:ma14="http://schemas.microsoft.com/office/mac/drawingml/2011/main" xmlns:a14="http://schemas.microsoft.com/office/drawing/2010/main" xmlns:m="http://schemas.openxmlformats.org/officeDocument/2006/math" xmlns="" val="1"/>
+              <ma14:wrappingTextBoxFlag xmlns="" xmlns:m="http://schemas.openxmlformats.org/officeDocument/2006/math" xmlns:a14="http://schemas.microsoft.com/office/drawing/2010/main" xmlns:ma14="http://schemas.microsoft.com/office/mac/drawingml/2011/main" val="1"/>
             </a:ext>
           </a:extLst>
         </p:spPr>
@@ -4906,7 +4901,7 @@
           </a:effectLst>
           <a:extLst>
             <a:ext uri="{C572A759-6A51-4108-AA02-DFA0A04FC94B}">
-              <ma14:wrappingTextBoxFlag xmlns:ma14="http://schemas.microsoft.com/office/mac/drawingml/2011/main" xmlns:a14="http://schemas.microsoft.com/office/drawing/2010/main" xmlns:m="http://schemas.openxmlformats.org/officeDocument/2006/math" xmlns="" val="1"/>
+              <ma14:wrappingTextBoxFlag xmlns="" xmlns:m="http://schemas.openxmlformats.org/officeDocument/2006/math" xmlns:a14="http://schemas.microsoft.com/office/drawing/2010/main" xmlns:ma14="http://schemas.microsoft.com/office/mac/drawingml/2011/main" val="1"/>
             </a:ext>
           </a:extLst>
         </p:spPr>
@@ -5037,7 +5032,7 @@
             <a:effectLst/>
             <a:extLst>
               <a:ext uri="{C572A759-6A51-4108-AA02-DFA0A04FC94B}">
-                <ma14:wrappingTextBoxFlag xmlns:ma14="http://schemas.microsoft.com/office/mac/drawingml/2011/main" xmlns:a14="http://schemas.microsoft.com/office/drawing/2010/main" xmlns:m="http://schemas.openxmlformats.org/officeDocument/2006/math" xmlns="" val="1"/>
+                <ma14:wrappingTextBoxFlag xmlns="" xmlns:m="http://schemas.openxmlformats.org/officeDocument/2006/math" xmlns:a14="http://schemas.microsoft.com/office/drawing/2010/main" xmlns:ma14="http://schemas.microsoft.com/office/mac/drawingml/2011/main" val="1"/>
               </a:ext>
             </a:extLst>
           </p:spPr>
@@ -5166,7 +5161,7 @@
             <a:effectLst/>
             <a:extLst>
               <a:ext uri="{C572A759-6A51-4108-AA02-DFA0A04FC94B}">
-                <ma14:wrappingTextBoxFlag xmlns:ma14="http://schemas.microsoft.com/office/mac/drawingml/2011/main" xmlns:a14="http://schemas.microsoft.com/office/drawing/2010/main" xmlns:m="http://schemas.openxmlformats.org/officeDocument/2006/math" xmlns="" val="1"/>
+                <ma14:wrappingTextBoxFlag xmlns="" xmlns:m="http://schemas.openxmlformats.org/officeDocument/2006/math" xmlns:a14="http://schemas.microsoft.com/office/drawing/2010/main" xmlns:ma14="http://schemas.microsoft.com/office/mac/drawingml/2011/main" val="1"/>
               </a:ext>
             </a:extLst>
           </p:spPr>
@@ -5217,7 +5212,7 @@
             </a:ln>
             <a:extLst>
               <a:ext uri="{C572A759-6A51-4108-AA02-DFA0A04FC94B}">
-                <ma14:wrappingTextBoxFlag xmlns:ma14="http://schemas.microsoft.com/office/mac/drawingml/2011/main" xmlns:a14="http://schemas.microsoft.com/office/drawing/2010/main" xmlns:m="http://schemas.openxmlformats.org/officeDocument/2006/math" xmlns="" val="1"/>
+                <ma14:wrappingTextBoxFlag xmlns="" xmlns:m="http://schemas.openxmlformats.org/officeDocument/2006/math" xmlns:a14="http://schemas.microsoft.com/office/drawing/2010/main" xmlns:ma14="http://schemas.microsoft.com/office/mac/drawingml/2011/main" val="1"/>
               </a:ext>
             </a:extLst>
           </p:spPr>
@@ -5411,7 +5406,7 @@
             </a:effectLst>
             <a:extLst>
               <a:ext uri="{C572A759-6A51-4108-AA02-DFA0A04FC94B}">
-                <ma14:wrappingTextBoxFlag xmlns:ma14="http://schemas.microsoft.com/office/mac/drawingml/2011/main" xmlns:a14="http://schemas.microsoft.com/office/drawing/2010/main" xmlns:m="http://schemas.openxmlformats.org/officeDocument/2006/math" xmlns="" val="1"/>
+                <ma14:wrappingTextBoxFlag xmlns="" xmlns:m="http://schemas.openxmlformats.org/officeDocument/2006/math" xmlns:a14="http://schemas.microsoft.com/office/drawing/2010/main" xmlns:ma14="http://schemas.microsoft.com/office/mac/drawingml/2011/main" val="1"/>
               </a:ext>
             </a:extLst>
           </p:spPr>
@@ -5481,7 +5476,7 @@
             </a:effectLst>
             <a:extLst>
               <a:ext uri="{C572A759-6A51-4108-AA02-DFA0A04FC94B}">
-                <ma14:wrappingTextBoxFlag xmlns:ma14="http://schemas.microsoft.com/office/mac/drawingml/2011/main" xmlns:a14="http://schemas.microsoft.com/office/drawing/2010/main" xmlns:m="http://schemas.openxmlformats.org/officeDocument/2006/math" xmlns="" val="1"/>
+                <ma14:wrappingTextBoxFlag xmlns="" xmlns:m="http://schemas.openxmlformats.org/officeDocument/2006/math" xmlns:a14="http://schemas.microsoft.com/office/drawing/2010/main" xmlns:ma14="http://schemas.microsoft.com/office/mac/drawingml/2011/main" val="1"/>
               </a:ext>
             </a:extLst>
           </p:spPr>
@@ -5604,7 +5599,7 @@
           </a:ln>
           <a:extLst>
             <a:ext uri="{C572A759-6A51-4108-AA02-DFA0A04FC94B}">
-              <ma14:wrappingTextBoxFlag xmlns:ma14="http://schemas.microsoft.com/office/mac/drawingml/2011/main" xmlns:a14="http://schemas.microsoft.com/office/drawing/2010/main" xmlns:m="http://schemas.openxmlformats.org/officeDocument/2006/math" xmlns="" val="1"/>
+              <ma14:wrappingTextBoxFlag xmlns="" xmlns:m="http://schemas.openxmlformats.org/officeDocument/2006/math" xmlns:a14="http://schemas.microsoft.com/office/drawing/2010/main" xmlns:ma14="http://schemas.microsoft.com/office/mac/drawingml/2011/main" val="1"/>
             </a:ext>
           </a:extLst>
         </p:spPr>
@@ -5693,7 +5688,7 @@
             </a:effectLst>
             <a:extLst>
               <a:ext uri="{C572A759-6A51-4108-AA02-DFA0A04FC94B}">
-                <ma14:wrappingTextBoxFlag xmlns:ma14="http://schemas.microsoft.com/office/mac/drawingml/2011/main" xmlns:a14="http://schemas.microsoft.com/office/drawing/2010/main" xmlns:m="http://schemas.openxmlformats.org/officeDocument/2006/math" xmlns="" val="1"/>
+                <ma14:wrappingTextBoxFlag xmlns="" xmlns:m="http://schemas.openxmlformats.org/officeDocument/2006/math" xmlns:a14="http://schemas.microsoft.com/office/drawing/2010/main" xmlns:ma14="http://schemas.microsoft.com/office/mac/drawingml/2011/main" val="1"/>
               </a:ext>
             </a:extLst>
           </p:spPr>
@@ -5787,7 +5782,7 @@
                 </a:effectLst>
                 <a:extLst>
                   <a:ext uri="{C572A759-6A51-4108-AA02-DFA0A04FC94B}">
-                    <ma14:wrappingTextBoxFlag xmlns:ma14="http://schemas.microsoft.com/office/mac/drawingml/2011/main" xmlns:a14="http://schemas.microsoft.com/office/drawing/2010/main" xmlns:m="http://schemas.openxmlformats.org/officeDocument/2006/math" xmlns="" val="1"/>
+                    <ma14:wrappingTextBoxFlag xmlns="" xmlns:m="http://schemas.openxmlformats.org/officeDocument/2006/math" xmlns:a14="http://schemas.microsoft.com/office/drawing/2010/main" xmlns:ma14="http://schemas.microsoft.com/office/mac/drawingml/2011/main" val="1"/>
                   </a:ext>
                 </a:extLst>
               </p:spPr>
@@ -5854,7 +5849,7 @@
                 </a:effectLst>
                 <a:extLst>
                   <a:ext uri="{C572A759-6A51-4108-AA02-DFA0A04FC94B}">
-                    <ma14:wrappingTextBoxFlag xmlns:ma14="http://schemas.microsoft.com/office/mac/drawingml/2011/main" xmlns:a14="http://schemas.microsoft.com/office/drawing/2010/main" xmlns:m="http://schemas.openxmlformats.org/officeDocument/2006/math" xmlns="" val="1"/>
+                    <ma14:wrappingTextBoxFlag xmlns="" xmlns:m="http://schemas.openxmlformats.org/officeDocument/2006/math" xmlns:a14="http://schemas.microsoft.com/office/drawing/2010/main" xmlns:ma14="http://schemas.microsoft.com/office/mac/drawingml/2011/main" val="1"/>
                   </a:ext>
                 </a:extLst>
               </p:spPr>
@@ -5939,7 +5934,7 @@
                 </a:effectLst>
                 <a:extLst>
                   <a:ext uri="{C572A759-6A51-4108-AA02-DFA0A04FC94B}">
-                    <ma14:wrappingTextBoxFlag xmlns:ma14="http://schemas.microsoft.com/office/mac/drawingml/2011/main" xmlns:a14="http://schemas.microsoft.com/office/drawing/2010/main" xmlns:m="http://schemas.openxmlformats.org/officeDocument/2006/math" xmlns="" val="1"/>
+                    <ma14:wrappingTextBoxFlag xmlns="" xmlns:m="http://schemas.openxmlformats.org/officeDocument/2006/math" xmlns:a14="http://schemas.microsoft.com/office/drawing/2010/main" xmlns:ma14="http://schemas.microsoft.com/office/mac/drawingml/2011/main" val="1"/>
                   </a:ext>
                 </a:extLst>
               </p:spPr>
@@ -6006,7 +6001,7 @@
                 </a:effectLst>
                 <a:extLst>
                   <a:ext uri="{C572A759-6A51-4108-AA02-DFA0A04FC94B}">
-                    <ma14:wrappingTextBoxFlag xmlns:ma14="http://schemas.microsoft.com/office/mac/drawingml/2011/main" xmlns:a14="http://schemas.microsoft.com/office/drawing/2010/main" xmlns:m="http://schemas.openxmlformats.org/officeDocument/2006/math" xmlns="" val="1"/>
+                    <ma14:wrappingTextBoxFlag xmlns="" xmlns:m="http://schemas.openxmlformats.org/officeDocument/2006/math" xmlns:a14="http://schemas.microsoft.com/office/drawing/2010/main" xmlns:ma14="http://schemas.microsoft.com/office/mac/drawingml/2011/main" val="1"/>
                   </a:ext>
                 </a:extLst>
               </p:spPr>
@@ -6095,7 +6090,7 @@
                 </a:effectLst>
                 <a:extLst>
                   <a:ext uri="{C572A759-6A51-4108-AA02-DFA0A04FC94B}">
-                    <ma14:wrappingTextBoxFlag xmlns:ma14="http://schemas.microsoft.com/office/mac/drawingml/2011/main" xmlns:a14="http://schemas.microsoft.com/office/drawing/2010/main" xmlns:m="http://schemas.openxmlformats.org/officeDocument/2006/math" xmlns="" val="1"/>
+                    <ma14:wrappingTextBoxFlag xmlns="" xmlns:m="http://schemas.openxmlformats.org/officeDocument/2006/math" xmlns:a14="http://schemas.microsoft.com/office/drawing/2010/main" xmlns:ma14="http://schemas.microsoft.com/office/mac/drawingml/2011/main" val="1"/>
                   </a:ext>
                 </a:extLst>
               </p:spPr>
@@ -6162,7 +6157,7 @@
                 </a:effectLst>
                 <a:extLst>
                   <a:ext uri="{C572A759-6A51-4108-AA02-DFA0A04FC94B}">
-                    <ma14:wrappingTextBoxFlag xmlns:ma14="http://schemas.microsoft.com/office/mac/drawingml/2011/main" xmlns:a14="http://schemas.microsoft.com/office/drawing/2010/main" xmlns:m="http://schemas.openxmlformats.org/officeDocument/2006/math" xmlns="" val="1"/>
+                    <ma14:wrappingTextBoxFlag xmlns="" xmlns:m="http://schemas.openxmlformats.org/officeDocument/2006/math" xmlns:a14="http://schemas.microsoft.com/office/drawing/2010/main" xmlns:ma14="http://schemas.microsoft.com/office/mac/drawingml/2011/main" val="1"/>
                   </a:ext>
                 </a:extLst>
               </p:spPr>
@@ -6247,7 +6242,7 @@
                 </a:effectLst>
                 <a:extLst>
                   <a:ext uri="{C572A759-6A51-4108-AA02-DFA0A04FC94B}">
-                    <ma14:wrappingTextBoxFlag xmlns:ma14="http://schemas.microsoft.com/office/mac/drawingml/2011/main" xmlns:a14="http://schemas.microsoft.com/office/drawing/2010/main" xmlns:m="http://schemas.openxmlformats.org/officeDocument/2006/math" xmlns="" val="1"/>
+                    <ma14:wrappingTextBoxFlag xmlns="" xmlns:m="http://schemas.openxmlformats.org/officeDocument/2006/math" xmlns:a14="http://schemas.microsoft.com/office/drawing/2010/main" xmlns:ma14="http://schemas.microsoft.com/office/mac/drawingml/2011/main" val="1"/>
                   </a:ext>
                 </a:extLst>
               </p:spPr>
@@ -6314,7 +6309,7 @@
                 </a:effectLst>
                 <a:extLst>
                   <a:ext uri="{C572A759-6A51-4108-AA02-DFA0A04FC94B}">
-                    <ma14:wrappingTextBoxFlag xmlns:ma14="http://schemas.microsoft.com/office/mac/drawingml/2011/main" xmlns:a14="http://schemas.microsoft.com/office/drawing/2010/main" xmlns:m="http://schemas.openxmlformats.org/officeDocument/2006/math" xmlns="" val="1"/>
+                    <ma14:wrappingTextBoxFlag xmlns="" xmlns:m="http://schemas.openxmlformats.org/officeDocument/2006/math" xmlns:a14="http://schemas.microsoft.com/office/drawing/2010/main" xmlns:ma14="http://schemas.microsoft.com/office/mac/drawingml/2011/main" val="1"/>
                   </a:ext>
                 </a:extLst>
               </p:spPr>
@@ -6405,7 +6400,7 @@
                 </a:effectLst>
                 <a:extLst>
                   <a:ext uri="{C572A759-6A51-4108-AA02-DFA0A04FC94B}">
-                    <ma14:wrappingTextBoxFlag xmlns:ma14="http://schemas.microsoft.com/office/mac/drawingml/2011/main" xmlns:a14="http://schemas.microsoft.com/office/drawing/2010/main" xmlns:m="http://schemas.openxmlformats.org/officeDocument/2006/math" xmlns="" val="1"/>
+                    <ma14:wrappingTextBoxFlag xmlns="" xmlns:m="http://schemas.openxmlformats.org/officeDocument/2006/math" xmlns:a14="http://schemas.microsoft.com/office/drawing/2010/main" xmlns:ma14="http://schemas.microsoft.com/office/mac/drawingml/2011/main" val="1"/>
                   </a:ext>
                 </a:extLst>
               </p:spPr>
@@ -6495,7 +6490,7 @@
                 </a:effectLst>
                 <a:extLst>
                   <a:ext uri="{C572A759-6A51-4108-AA02-DFA0A04FC94B}">
-                    <ma14:wrappingTextBoxFlag xmlns:ma14="http://schemas.microsoft.com/office/mac/drawingml/2011/main" xmlns:a14="http://schemas.microsoft.com/office/drawing/2010/main" xmlns:m="http://schemas.openxmlformats.org/officeDocument/2006/math" xmlns="" val="1"/>
+                    <ma14:wrappingTextBoxFlag xmlns="" xmlns:m="http://schemas.openxmlformats.org/officeDocument/2006/math" xmlns:a14="http://schemas.microsoft.com/office/drawing/2010/main" xmlns:ma14="http://schemas.microsoft.com/office/mac/drawingml/2011/main" val="1"/>
                   </a:ext>
                 </a:extLst>
               </p:spPr>
@@ -6606,7 +6601,7 @@
               </a:effectLst>
               <a:extLst>
                 <a:ext uri="{C572A759-6A51-4108-AA02-DFA0A04FC94B}">
-                  <ma14:wrappingTextBoxFlag xmlns:ma14="http://schemas.microsoft.com/office/mac/drawingml/2011/main" xmlns:a14="http://schemas.microsoft.com/office/drawing/2010/main" xmlns:m="http://schemas.openxmlformats.org/officeDocument/2006/math" xmlns="" val="1"/>
+                  <ma14:wrappingTextBoxFlag xmlns="" xmlns:m="http://schemas.openxmlformats.org/officeDocument/2006/math" xmlns:a14="http://schemas.microsoft.com/office/drawing/2010/main" xmlns:ma14="http://schemas.microsoft.com/office/mac/drawingml/2011/main" val="1"/>
                 </a:ext>
               </a:extLst>
             </p:spPr>
@@ -6692,7 +6687,7 @@
               </a:effectLst>
               <a:extLst>
                 <a:ext uri="{C572A759-6A51-4108-AA02-DFA0A04FC94B}">
-                  <ma14:wrappingTextBoxFlag xmlns:ma14="http://schemas.microsoft.com/office/mac/drawingml/2011/main" xmlns:a14="http://schemas.microsoft.com/office/drawing/2010/main" xmlns:m="http://schemas.openxmlformats.org/officeDocument/2006/math" xmlns="" val="1"/>
+                  <ma14:wrappingTextBoxFlag xmlns="" xmlns:m="http://schemas.openxmlformats.org/officeDocument/2006/math" xmlns:a14="http://schemas.microsoft.com/office/drawing/2010/main" xmlns:ma14="http://schemas.microsoft.com/office/mac/drawingml/2011/main" val="1"/>
                 </a:ext>
               </a:extLst>
             </p:spPr>
@@ -6756,7 +6751,7 @@
               </a:effectLst>
               <a:extLst>
                 <a:ext uri="{C572A759-6A51-4108-AA02-DFA0A04FC94B}">
-                  <ma14:wrappingTextBoxFlag xmlns:ma14="http://schemas.microsoft.com/office/mac/drawingml/2011/main" xmlns:a14="http://schemas.microsoft.com/office/drawing/2010/main" xmlns:m="http://schemas.openxmlformats.org/officeDocument/2006/math" xmlns="" val="1"/>
+                  <ma14:wrappingTextBoxFlag xmlns="" xmlns:m="http://schemas.openxmlformats.org/officeDocument/2006/math" xmlns:a14="http://schemas.microsoft.com/office/drawing/2010/main" xmlns:ma14="http://schemas.microsoft.com/office/mac/drawingml/2011/main" val="1"/>
                 </a:ext>
               </a:extLst>
             </p:spPr>
@@ -6830,7 +6825,7 @@
               </a:effectLst>
               <a:extLst>
                 <a:ext uri="{C572A759-6A51-4108-AA02-DFA0A04FC94B}">
-                  <ma14:wrappingTextBoxFlag xmlns:ma14="http://schemas.microsoft.com/office/mac/drawingml/2011/main" xmlns:a14="http://schemas.microsoft.com/office/drawing/2010/main" xmlns:m="http://schemas.openxmlformats.org/officeDocument/2006/math" xmlns="" val="1"/>
+                  <ma14:wrappingTextBoxFlag xmlns="" xmlns:m="http://schemas.openxmlformats.org/officeDocument/2006/math" xmlns:a14="http://schemas.microsoft.com/office/drawing/2010/main" xmlns:ma14="http://schemas.microsoft.com/office/mac/drawingml/2011/main" val="1"/>
                 </a:ext>
               </a:extLst>
             </p:spPr>
@@ -6925,7 +6920,7 @@
               </a:effectLst>
               <a:extLst>
                 <a:ext uri="{C572A759-6A51-4108-AA02-DFA0A04FC94B}">
-                  <ma14:wrappingTextBoxFlag xmlns:ma14="http://schemas.microsoft.com/office/mac/drawingml/2011/main" xmlns:a14="http://schemas.microsoft.com/office/drawing/2010/main" xmlns:m="http://schemas.openxmlformats.org/officeDocument/2006/math" xmlns="" val="1"/>
+                  <ma14:wrappingTextBoxFlag xmlns="" xmlns:m="http://schemas.openxmlformats.org/officeDocument/2006/math" xmlns:a14="http://schemas.microsoft.com/office/drawing/2010/main" xmlns:ma14="http://schemas.microsoft.com/office/mac/drawingml/2011/main" val="1"/>
                 </a:ext>
               </a:extLst>
             </p:spPr>
@@ -7028,7 +7023,7 @@
               </a:effectLst>
               <a:extLst>
                 <a:ext uri="{C572A759-6A51-4108-AA02-DFA0A04FC94B}">
-                  <ma14:wrappingTextBoxFlag xmlns:ma14="http://schemas.microsoft.com/office/mac/drawingml/2011/main" xmlns:a14="http://schemas.microsoft.com/office/drawing/2010/main" xmlns:m="http://schemas.openxmlformats.org/officeDocument/2006/math" xmlns="" val="1"/>
+                  <ma14:wrappingTextBoxFlag xmlns="" xmlns:m="http://schemas.openxmlformats.org/officeDocument/2006/math" xmlns:a14="http://schemas.microsoft.com/office/drawing/2010/main" xmlns:ma14="http://schemas.microsoft.com/office/mac/drawingml/2011/main" val="1"/>
                 </a:ext>
               </a:extLst>
             </p:spPr>
@@ -7102,7 +7097,7 @@
               </a:effectLst>
               <a:extLst>
                 <a:ext uri="{C572A759-6A51-4108-AA02-DFA0A04FC94B}">
-                  <ma14:wrappingTextBoxFlag xmlns:ma14="http://schemas.microsoft.com/office/mac/drawingml/2011/main" xmlns:a14="http://schemas.microsoft.com/office/drawing/2010/main" xmlns:m="http://schemas.openxmlformats.org/officeDocument/2006/math" xmlns="" val="1"/>
+                  <ma14:wrappingTextBoxFlag xmlns="" xmlns:m="http://schemas.openxmlformats.org/officeDocument/2006/math" xmlns:a14="http://schemas.microsoft.com/office/drawing/2010/main" xmlns:ma14="http://schemas.microsoft.com/office/mac/drawingml/2011/main" val="1"/>
                 </a:ext>
               </a:extLst>
             </p:spPr>
@@ -7176,7 +7171,7 @@
               </a:effectLst>
               <a:extLst>
                 <a:ext uri="{C572A759-6A51-4108-AA02-DFA0A04FC94B}">
-                  <ma14:wrappingTextBoxFlag xmlns:ma14="http://schemas.microsoft.com/office/mac/drawingml/2011/main" xmlns:a14="http://schemas.microsoft.com/office/drawing/2010/main" xmlns:m="http://schemas.openxmlformats.org/officeDocument/2006/math" xmlns="" val="1"/>
+                  <ma14:wrappingTextBoxFlag xmlns="" xmlns:m="http://schemas.openxmlformats.org/officeDocument/2006/math" xmlns:a14="http://schemas.microsoft.com/office/drawing/2010/main" xmlns:ma14="http://schemas.microsoft.com/office/mac/drawingml/2011/main" val="1"/>
                 </a:ext>
               </a:extLst>
             </p:spPr>
@@ -7249,7 +7244,7 @@
           </a:effectLst>
           <a:extLst>
             <a:ext uri="{C572A759-6A51-4108-AA02-DFA0A04FC94B}">
-              <ma14:wrappingTextBoxFlag xmlns:ma14="http://schemas.microsoft.com/office/mac/drawingml/2011/main" xmlns:a14="http://schemas.microsoft.com/office/drawing/2010/main" xmlns:m="http://schemas.openxmlformats.org/officeDocument/2006/math" xmlns="" val="1"/>
+              <ma14:wrappingTextBoxFlag xmlns="" xmlns:m="http://schemas.openxmlformats.org/officeDocument/2006/math" xmlns:a14="http://schemas.microsoft.com/office/drawing/2010/main" xmlns:ma14="http://schemas.microsoft.com/office/mac/drawingml/2011/main" val="1"/>
             </a:ext>
           </a:extLst>
         </p:spPr>
@@ -7307,7 +7302,7 @@
           </a:effectLst>
           <a:extLst>
             <a:ext uri="{C572A759-6A51-4108-AA02-DFA0A04FC94B}">
-              <ma14:wrappingTextBoxFlag xmlns:ma14="http://schemas.microsoft.com/office/mac/drawingml/2011/main" xmlns:a14="http://schemas.microsoft.com/office/drawing/2010/main" xmlns:m="http://schemas.openxmlformats.org/officeDocument/2006/math" xmlns="" val="1"/>
+              <ma14:wrappingTextBoxFlag xmlns="" xmlns:m="http://schemas.openxmlformats.org/officeDocument/2006/math" xmlns:a14="http://schemas.microsoft.com/office/drawing/2010/main" xmlns:ma14="http://schemas.microsoft.com/office/mac/drawingml/2011/main" val="1"/>
             </a:ext>
           </a:extLst>
         </p:spPr>
@@ -7377,7 +7372,7 @@
           </a:effectLst>
           <a:extLst>
             <a:ext uri="{C572A759-6A51-4108-AA02-DFA0A04FC94B}">
-              <ma14:wrappingTextBoxFlag xmlns:ma14="http://schemas.microsoft.com/office/mac/drawingml/2011/main" xmlns:a14="http://schemas.microsoft.com/office/drawing/2010/main" xmlns:m="http://schemas.openxmlformats.org/officeDocument/2006/math" xmlns="" val="1"/>
+              <ma14:wrappingTextBoxFlag xmlns="" xmlns:m="http://schemas.openxmlformats.org/officeDocument/2006/math" xmlns:a14="http://schemas.microsoft.com/office/drawing/2010/main" xmlns:ma14="http://schemas.microsoft.com/office/mac/drawingml/2011/main" val="1"/>
             </a:ext>
           </a:extLst>
         </p:spPr>
@@ -7447,7 +7442,7 @@
           </a:effectLst>
           <a:extLst>
             <a:ext uri="{C572A759-6A51-4108-AA02-DFA0A04FC94B}">
-              <ma14:wrappingTextBoxFlag xmlns:ma14="http://schemas.microsoft.com/office/mac/drawingml/2011/main" xmlns:a14="http://schemas.microsoft.com/office/drawing/2010/main" xmlns:m="http://schemas.openxmlformats.org/officeDocument/2006/math" xmlns="" val="1"/>
+              <ma14:wrappingTextBoxFlag xmlns="" xmlns:m="http://schemas.openxmlformats.org/officeDocument/2006/math" xmlns:a14="http://schemas.microsoft.com/office/drawing/2010/main" xmlns:ma14="http://schemas.microsoft.com/office/mac/drawingml/2011/main" val="1"/>
             </a:ext>
           </a:extLst>
         </p:spPr>
@@ -7517,7 +7512,7 @@
           </a:effectLst>
           <a:extLst>
             <a:ext uri="{C572A759-6A51-4108-AA02-DFA0A04FC94B}">
-              <ma14:wrappingTextBoxFlag xmlns:ma14="http://schemas.microsoft.com/office/mac/drawingml/2011/main" xmlns:a14="http://schemas.microsoft.com/office/drawing/2010/main" xmlns:m="http://schemas.openxmlformats.org/officeDocument/2006/math" xmlns="" val="1"/>
+              <ma14:wrappingTextBoxFlag xmlns="" xmlns:m="http://schemas.openxmlformats.org/officeDocument/2006/math" xmlns:a14="http://schemas.microsoft.com/office/drawing/2010/main" xmlns:ma14="http://schemas.microsoft.com/office/mac/drawingml/2011/main" val="1"/>
             </a:ext>
           </a:extLst>
         </p:spPr>
@@ -7743,7 +7738,7 @@
           </a:effectLst>
           <a:extLst>
             <a:ext uri="{C572A759-6A51-4108-AA02-DFA0A04FC94B}">
-              <ma14:wrappingTextBoxFlag xmlns:ma14="http://schemas.microsoft.com/office/mac/drawingml/2011/main" xmlns:a14="http://schemas.microsoft.com/office/drawing/2010/main" xmlns:m="http://schemas.openxmlformats.org/officeDocument/2006/math" xmlns="" val="1"/>
+              <ma14:wrappingTextBoxFlag xmlns="" xmlns:m="http://schemas.openxmlformats.org/officeDocument/2006/math" xmlns:a14="http://schemas.microsoft.com/office/drawing/2010/main" xmlns:ma14="http://schemas.microsoft.com/office/mac/drawingml/2011/main" val="1"/>
             </a:ext>
           </a:extLst>
         </p:spPr>
@@ -7794,7 +7789,7 @@
           </a:ln>
           <a:extLst>
             <a:ext uri="{C572A759-6A51-4108-AA02-DFA0A04FC94B}">
-              <ma14:wrappingTextBoxFlag xmlns:ma14="http://schemas.microsoft.com/office/mac/drawingml/2011/main" xmlns:a14="http://schemas.microsoft.com/office/drawing/2010/main" xmlns:m="http://schemas.openxmlformats.org/officeDocument/2006/math" xmlns="" val="1"/>
+              <ma14:wrappingTextBoxFlag xmlns="" xmlns:m="http://schemas.openxmlformats.org/officeDocument/2006/math" xmlns:a14="http://schemas.microsoft.com/office/drawing/2010/main" xmlns:ma14="http://schemas.microsoft.com/office/mac/drawingml/2011/main" val="1"/>
             </a:ext>
           </a:extLst>
         </p:spPr>
@@ -7849,7 +7844,7 @@
           </a:ln>
           <a:extLst>
             <a:ext uri="{C572A759-6A51-4108-AA02-DFA0A04FC94B}">
-              <ma14:wrappingTextBoxFlag xmlns:ma14="http://schemas.microsoft.com/office/mac/drawingml/2011/main" xmlns:a14="http://schemas.microsoft.com/office/drawing/2010/main" xmlns:m="http://schemas.openxmlformats.org/officeDocument/2006/math" xmlns="" val="1"/>
+              <ma14:wrappingTextBoxFlag xmlns="" xmlns:m="http://schemas.openxmlformats.org/officeDocument/2006/math" xmlns:a14="http://schemas.microsoft.com/office/drawing/2010/main" xmlns:ma14="http://schemas.microsoft.com/office/mac/drawingml/2011/main" val="1"/>
             </a:ext>
           </a:extLst>
         </p:spPr>
@@ -7987,7 +7982,7 @@
           </a:effectLst>
           <a:extLst>
             <a:ext uri="{C572A759-6A51-4108-AA02-DFA0A04FC94B}">
-              <ma14:wrappingTextBoxFlag xmlns:ma14="http://schemas.microsoft.com/office/mac/drawingml/2011/main" xmlns:a14="http://schemas.microsoft.com/office/drawing/2010/main" xmlns:m="http://schemas.openxmlformats.org/officeDocument/2006/math" xmlns="" val="1"/>
+              <ma14:wrappingTextBoxFlag xmlns="" xmlns:m="http://schemas.openxmlformats.org/officeDocument/2006/math" xmlns:a14="http://schemas.microsoft.com/office/drawing/2010/main" xmlns:ma14="http://schemas.microsoft.com/office/mac/drawingml/2011/main" val="1"/>
             </a:ext>
           </a:extLst>
         </p:spPr>
@@ -8051,7 +8046,7 @@
           </a:effectLst>
           <a:extLst>
             <a:ext uri="{C572A759-6A51-4108-AA02-DFA0A04FC94B}">
-              <ma14:wrappingTextBoxFlag xmlns:ma14="http://schemas.microsoft.com/office/mac/drawingml/2011/main" xmlns:a14="http://schemas.microsoft.com/office/drawing/2010/main" xmlns:m="http://schemas.openxmlformats.org/officeDocument/2006/math" xmlns="" val="1"/>
+              <ma14:wrappingTextBoxFlag xmlns="" xmlns:m="http://schemas.openxmlformats.org/officeDocument/2006/math" xmlns:a14="http://schemas.microsoft.com/office/drawing/2010/main" xmlns:ma14="http://schemas.microsoft.com/office/mac/drawingml/2011/main" val="1"/>
             </a:ext>
           </a:extLst>
         </p:spPr>
@@ -8121,7 +8116,7 @@
           </a:effectLst>
           <a:extLst>
             <a:ext uri="{C572A759-6A51-4108-AA02-DFA0A04FC94B}">
-              <ma14:wrappingTextBoxFlag xmlns:ma14="http://schemas.microsoft.com/office/mac/drawingml/2011/main" xmlns:a14="http://schemas.microsoft.com/office/drawing/2010/main" xmlns:m="http://schemas.openxmlformats.org/officeDocument/2006/math" xmlns="" val="1"/>
+              <ma14:wrappingTextBoxFlag xmlns="" xmlns:m="http://schemas.openxmlformats.org/officeDocument/2006/math" xmlns:a14="http://schemas.microsoft.com/office/drawing/2010/main" xmlns:ma14="http://schemas.microsoft.com/office/mac/drawingml/2011/main" val="1"/>
             </a:ext>
           </a:extLst>
         </p:spPr>
@@ -8191,7 +8186,7 @@
           </a:effectLst>
           <a:extLst>
             <a:ext uri="{C572A759-6A51-4108-AA02-DFA0A04FC94B}">
-              <ma14:wrappingTextBoxFlag xmlns:ma14="http://schemas.microsoft.com/office/mac/drawingml/2011/main" xmlns:a14="http://schemas.microsoft.com/office/drawing/2010/main" xmlns:m="http://schemas.openxmlformats.org/officeDocument/2006/math" xmlns="" val="1"/>
+              <ma14:wrappingTextBoxFlag xmlns="" xmlns:m="http://schemas.openxmlformats.org/officeDocument/2006/math" xmlns:a14="http://schemas.microsoft.com/office/drawing/2010/main" xmlns:ma14="http://schemas.microsoft.com/office/mac/drawingml/2011/main" val="1"/>
             </a:ext>
           </a:extLst>
         </p:spPr>
@@ -8261,7 +8256,7 @@
           </a:effectLst>
           <a:extLst>
             <a:ext uri="{C572A759-6A51-4108-AA02-DFA0A04FC94B}">
-              <ma14:wrappingTextBoxFlag xmlns:ma14="http://schemas.microsoft.com/office/mac/drawingml/2011/main" xmlns:a14="http://schemas.microsoft.com/office/drawing/2010/main" xmlns:m="http://schemas.openxmlformats.org/officeDocument/2006/math" xmlns="" val="1"/>
+              <ma14:wrappingTextBoxFlag xmlns="" xmlns:m="http://schemas.openxmlformats.org/officeDocument/2006/math" xmlns:a14="http://schemas.microsoft.com/office/drawing/2010/main" xmlns:ma14="http://schemas.microsoft.com/office/mac/drawingml/2011/main" val="1"/>
             </a:ext>
           </a:extLst>
         </p:spPr>
@@ -8351,7 +8346,7 @@
             </a:effectLst>
             <a:extLst>
               <a:ext uri="{C572A759-6A51-4108-AA02-DFA0A04FC94B}">
-                <ma14:wrappingTextBoxFlag xmlns:ma14="http://schemas.microsoft.com/office/mac/drawingml/2011/main" xmlns:a14="http://schemas.microsoft.com/office/drawing/2010/main" xmlns:m="http://schemas.openxmlformats.org/officeDocument/2006/math" xmlns="" val="1"/>
+                <ma14:wrappingTextBoxFlag xmlns="" xmlns:m="http://schemas.openxmlformats.org/officeDocument/2006/math" xmlns:a14="http://schemas.microsoft.com/office/drawing/2010/main" xmlns:ma14="http://schemas.microsoft.com/office/mac/drawingml/2011/main" val="1"/>
               </a:ext>
             </a:extLst>
           </p:spPr>
@@ -8421,7 +8416,7 @@
             </a:effectLst>
             <a:extLst>
               <a:ext uri="{C572A759-6A51-4108-AA02-DFA0A04FC94B}">
-                <ma14:wrappingTextBoxFlag xmlns:ma14="http://schemas.microsoft.com/office/mac/drawingml/2011/main" xmlns:a14="http://schemas.microsoft.com/office/drawing/2010/main" xmlns:m="http://schemas.openxmlformats.org/officeDocument/2006/math" xmlns="" val="1"/>
+                <ma14:wrappingTextBoxFlag xmlns="" xmlns:m="http://schemas.openxmlformats.org/officeDocument/2006/math" xmlns:a14="http://schemas.microsoft.com/office/drawing/2010/main" xmlns:ma14="http://schemas.microsoft.com/office/mac/drawingml/2011/main" val="1"/>
               </a:ext>
             </a:extLst>
           </p:spPr>
@@ -8519,7 +8514,7 @@
             </a:effectLst>
             <a:extLst>
               <a:ext uri="{C572A759-6A51-4108-AA02-DFA0A04FC94B}">
-                <ma14:wrappingTextBoxFlag xmlns:ma14="http://schemas.microsoft.com/office/mac/drawingml/2011/main" xmlns:a14="http://schemas.microsoft.com/office/drawing/2010/main" xmlns:m="http://schemas.openxmlformats.org/officeDocument/2006/math" xmlns="" val="1"/>
+                <ma14:wrappingTextBoxFlag xmlns="" xmlns:m="http://schemas.openxmlformats.org/officeDocument/2006/math" xmlns:a14="http://schemas.microsoft.com/office/drawing/2010/main" xmlns:ma14="http://schemas.microsoft.com/office/mac/drawingml/2011/main" val="1"/>
               </a:ext>
             </a:extLst>
           </p:spPr>
@@ -8575,7 +8570,7 @@
             </a:effectLst>
             <a:extLst>
               <a:ext uri="{C572A759-6A51-4108-AA02-DFA0A04FC94B}">
-                <ma14:wrappingTextBoxFlag xmlns:ma14="http://schemas.microsoft.com/office/mac/drawingml/2011/main" xmlns:a14="http://schemas.microsoft.com/office/drawing/2010/main" xmlns:m="http://schemas.openxmlformats.org/officeDocument/2006/math" xmlns="" val="1"/>
+                <ma14:wrappingTextBoxFlag xmlns="" xmlns:m="http://schemas.openxmlformats.org/officeDocument/2006/math" xmlns:a14="http://schemas.microsoft.com/office/drawing/2010/main" xmlns:ma14="http://schemas.microsoft.com/office/mac/drawingml/2011/main" val="1"/>
               </a:ext>
             </a:extLst>
           </p:spPr>
@@ -8631,7 +8626,7 @@
             </a:effectLst>
             <a:extLst>
               <a:ext uri="{C572A759-6A51-4108-AA02-DFA0A04FC94B}">
-                <ma14:wrappingTextBoxFlag xmlns:ma14="http://schemas.microsoft.com/office/mac/drawingml/2011/main" xmlns:a14="http://schemas.microsoft.com/office/drawing/2010/main" xmlns:m="http://schemas.openxmlformats.org/officeDocument/2006/math" xmlns="" val="1"/>
+                <ma14:wrappingTextBoxFlag xmlns="" xmlns:m="http://schemas.openxmlformats.org/officeDocument/2006/math" xmlns:a14="http://schemas.microsoft.com/office/drawing/2010/main" xmlns:ma14="http://schemas.microsoft.com/office/mac/drawingml/2011/main" val="1"/>
               </a:ext>
             </a:extLst>
           </p:spPr>
@@ -8695,7 +8690,7 @@
             </a:effectLst>
             <a:extLst>
               <a:ext uri="{C572A759-6A51-4108-AA02-DFA0A04FC94B}">
-                <ma14:wrappingTextBoxFlag xmlns:ma14="http://schemas.microsoft.com/office/mac/drawingml/2011/main" xmlns:a14="http://schemas.microsoft.com/office/drawing/2010/main" xmlns:m="http://schemas.openxmlformats.org/officeDocument/2006/math" xmlns="" val="1"/>
+                <ma14:wrappingTextBoxFlag xmlns="" xmlns:m="http://schemas.openxmlformats.org/officeDocument/2006/math" xmlns:a14="http://schemas.microsoft.com/office/drawing/2010/main" xmlns:ma14="http://schemas.microsoft.com/office/mac/drawingml/2011/main" val="1"/>
               </a:ext>
             </a:extLst>
           </p:spPr>
@@ -8769,7 +8764,7 @@
           </a:effectLst>
           <a:extLst>
             <a:ext uri="{C572A759-6A51-4108-AA02-DFA0A04FC94B}">
-              <ma14:wrappingTextBoxFlag xmlns:ma14="http://schemas.microsoft.com/office/mac/drawingml/2011/main" xmlns:a14="http://schemas.microsoft.com/office/drawing/2010/main" xmlns:m="http://schemas.openxmlformats.org/officeDocument/2006/math" xmlns="" val="1"/>
+              <ma14:wrappingTextBoxFlag xmlns="" xmlns:m="http://schemas.openxmlformats.org/officeDocument/2006/math" xmlns:a14="http://schemas.microsoft.com/office/drawing/2010/main" xmlns:ma14="http://schemas.microsoft.com/office/mac/drawingml/2011/main" val="1"/>
             </a:ext>
           </a:extLst>
         </p:spPr>
@@ -8831,7 +8826,7 @@
           </a:effectLst>
           <a:extLst>
             <a:ext uri="{C572A759-6A51-4108-AA02-DFA0A04FC94B}">
-              <ma14:wrappingTextBoxFlag xmlns:ma14="http://schemas.microsoft.com/office/mac/drawingml/2011/main" xmlns:a14="http://schemas.microsoft.com/office/drawing/2010/main" xmlns:m="http://schemas.openxmlformats.org/officeDocument/2006/math" xmlns="" val="1"/>
+              <ma14:wrappingTextBoxFlag xmlns="" xmlns:m="http://schemas.openxmlformats.org/officeDocument/2006/math" xmlns:a14="http://schemas.microsoft.com/office/drawing/2010/main" xmlns:ma14="http://schemas.microsoft.com/office/mac/drawingml/2011/main" val="1"/>
             </a:ext>
           </a:extLst>
         </p:spPr>
@@ -9024,7 +9019,7 @@
           </a:effectLst>
           <a:extLst>
             <a:ext uri="{C572A759-6A51-4108-AA02-DFA0A04FC94B}">
-              <ma14:wrappingTextBoxFlag xmlns:ma14="http://schemas.microsoft.com/office/mac/drawingml/2011/main" xmlns:a14="http://schemas.microsoft.com/office/drawing/2010/main" xmlns:m="http://schemas.openxmlformats.org/officeDocument/2006/math" xmlns="" val="1"/>
+              <ma14:wrappingTextBoxFlag xmlns="" xmlns:m="http://schemas.openxmlformats.org/officeDocument/2006/math" xmlns:a14="http://schemas.microsoft.com/office/drawing/2010/main" xmlns:ma14="http://schemas.microsoft.com/office/mac/drawingml/2011/main" val="1"/>
             </a:ext>
           </a:extLst>
         </p:spPr>
@@ -9086,7 +9081,7 @@
           </a:effectLst>
           <a:extLst>
             <a:ext uri="{C572A759-6A51-4108-AA02-DFA0A04FC94B}">
-              <ma14:wrappingTextBoxFlag xmlns:ma14="http://schemas.microsoft.com/office/mac/drawingml/2011/main" xmlns:a14="http://schemas.microsoft.com/office/drawing/2010/main" xmlns:m="http://schemas.openxmlformats.org/officeDocument/2006/math" xmlns="" val="1"/>
+              <ma14:wrappingTextBoxFlag xmlns="" xmlns:m="http://schemas.openxmlformats.org/officeDocument/2006/math" xmlns:a14="http://schemas.microsoft.com/office/drawing/2010/main" xmlns:ma14="http://schemas.microsoft.com/office/mac/drawingml/2011/main" val="1"/>
             </a:ext>
           </a:extLst>
         </p:spPr>
@@ -9150,7 +9145,7 @@
           </a:effectLst>
           <a:extLst>
             <a:ext uri="{C572A759-6A51-4108-AA02-DFA0A04FC94B}">
-              <ma14:wrappingTextBoxFlag xmlns:ma14="http://schemas.microsoft.com/office/mac/drawingml/2011/main" xmlns:a14="http://schemas.microsoft.com/office/drawing/2010/main" xmlns:m="http://schemas.openxmlformats.org/officeDocument/2006/math" xmlns="" val="1"/>
+              <ma14:wrappingTextBoxFlag xmlns="" xmlns:m="http://schemas.openxmlformats.org/officeDocument/2006/math" xmlns:a14="http://schemas.microsoft.com/office/drawing/2010/main" xmlns:ma14="http://schemas.microsoft.com/office/mac/drawingml/2011/main" val="1"/>
             </a:ext>
           </a:extLst>
         </p:spPr>
@@ -9220,7 +9215,7 @@
           </a:effectLst>
           <a:extLst>
             <a:ext uri="{C572A759-6A51-4108-AA02-DFA0A04FC94B}">
-              <ma14:wrappingTextBoxFlag xmlns:ma14="http://schemas.microsoft.com/office/mac/drawingml/2011/main" xmlns:a14="http://schemas.microsoft.com/office/drawing/2010/main" xmlns:m="http://schemas.openxmlformats.org/officeDocument/2006/math" xmlns="" val="1"/>
+              <ma14:wrappingTextBoxFlag xmlns="" xmlns:m="http://schemas.openxmlformats.org/officeDocument/2006/math" xmlns:a14="http://schemas.microsoft.com/office/drawing/2010/main" xmlns:ma14="http://schemas.microsoft.com/office/mac/drawingml/2011/main" val="1"/>
             </a:ext>
           </a:extLst>
         </p:spPr>
@@ -9290,7 +9285,7 @@
           </a:effectLst>
           <a:extLst>
             <a:ext uri="{C572A759-6A51-4108-AA02-DFA0A04FC94B}">
-              <ma14:wrappingTextBoxFlag xmlns:ma14="http://schemas.microsoft.com/office/mac/drawingml/2011/main" xmlns:a14="http://schemas.microsoft.com/office/drawing/2010/main" xmlns:m="http://schemas.openxmlformats.org/officeDocument/2006/math" xmlns="" val="1"/>
+              <ma14:wrappingTextBoxFlag xmlns="" xmlns:m="http://schemas.openxmlformats.org/officeDocument/2006/math" xmlns:a14="http://schemas.microsoft.com/office/drawing/2010/main" xmlns:ma14="http://schemas.microsoft.com/office/mac/drawingml/2011/main" val="1"/>
             </a:ext>
           </a:extLst>
         </p:spPr>
@@ -9360,7 +9355,7 @@
           </a:effectLst>
           <a:extLst>
             <a:ext uri="{C572A759-6A51-4108-AA02-DFA0A04FC94B}">
-              <ma14:wrappingTextBoxFlag xmlns:ma14="http://schemas.microsoft.com/office/mac/drawingml/2011/main" xmlns:a14="http://schemas.microsoft.com/office/drawing/2010/main" xmlns:m="http://schemas.openxmlformats.org/officeDocument/2006/math" xmlns="" val="1"/>
+              <ma14:wrappingTextBoxFlag xmlns="" xmlns:m="http://schemas.openxmlformats.org/officeDocument/2006/math" xmlns:a14="http://schemas.microsoft.com/office/drawing/2010/main" xmlns:ma14="http://schemas.microsoft.com/office/mac/drawingml/2011/main" val="1"/>
             </a:ext>
           </a:extLst>
         </p:spPr>
@@ -9430,7 +9425,7 @@
           </a:effectLst>
           <a:extLst>
             <a:ext uri="{C572A759-6A51-4108-AA02-DFA0A04FC94B}">
-              <ma14:wrappingTextBoxFlag xmlns:ma14="http://schemas.microsoft.com/office/mac/drawingml/2011/main" xmlns:a14="http://schemas.microsoft.com/office/drawing/2010/main" xmlns:m="http://schemas.openxmlformats.org/officeDocument/2006/math" xmlns="" val="1"/>
+              <ma14:wrappingTextBoxFlag xmlns="" xmlns:m="http://schemas.openxmlformats.org/officeDocument/2006/math" xmlns:a14="http://schemas.microsoft.com/office/drawing/2010/main" xmlns:ma14="http://schemas.microsoft.com/office/mac/drawingml/2011/main" val="1"/>
             </a:ext>
           </a:extLst>
         </p:spPr>
@@ -9677,7 +9672,7 @@
           </a:effectLst>
           <a:extLst>
             <a:ext uri="{C572A759-6A51-4108-AA02-DFA0A04FC94B}">
-              <ma14:wrappingTextBoxFlag xmlns:ma14="http://schemas.microsoft.com/office/mac/drawingml/2011/main" xmlns:a14="http://schemas.microsoft.com/office/drawing/2010/main" xmlns:m="http://schemas.openxmlformats.org/officeDocument/2006/math" xmlns="" val="1"/>
+              <ma14:wrappingTextBoxFlag xmlns="" xmlns:m="http://schemas.openxmlformats.org/officeDocument/2006/math" xmlns:a14="http://schemas.microsoft.com/office/drawing/2010/main" xmlns:ma14="http://schemas.microsoft.com/office/mac/drawingml/2011/main" val="1"/>
             </a:ext>
           </a:extLst>
         </p:spPr>
@@ -9737,7 +9732,7 @@
           </a:effectLst>
           <a:extLst>
             <a:ext uri="{C572A759-6A51-4108-AA02-DFA0A04FC94B}">
-              <ma14:wrappingTextBoxFlag xmlns:ma14="http://schemas.microsoft.com/office/mac/drawingml/2011/main" xmlns:a14="http://schemas.microsoft.com/office/drawing/2010/main" xmlns:m="http://schemas.openxmlformats.org/officeDocument/2006/math" xmlns="" val="1"/>
+              <ma14:wrappingTextBoxFlag xmlns="" xmlns:m="http://schemas.openxmlformats.org/officeDocument/2006/math" xmlns:a14="http://schemas.microsoft.com/office/drawing/2010/main" xmlns:ma14="http://schemas.microsoft.com/office/mac/drawingml/2011/main" val="1"/>
             </a:ext>
           </a:extLst>
         </p:spPr>
@@ -9797,7 +9792,7 @@
           </a:effectLst>
           <a:extLst>
             <a:ext uri="{C572A759-6A51-4108-AA02-DFA0A04FC94B}">
-              <ma14:wrappingTextBoxFlag xmlns:ma14="http://schemas.microsoft.com/office/mac/drawingml/2011/main" xmlns:a14="http://schemas.microsoft.com/office/drawing/2010/main" xmlns:m="http://schemas.openxmlformats.org/officeDocument/2006/math" xmlns="" val="1"/>
+              <ma14:wrappingTextBoxFlag xmlns="" xmlns:m="http://schemas.openxmlformats.org/officeDocument/2006/math" xmlns:a14="http://schemas.microsoft.com/office/drawing/2010/main" xmlns:ma14="http://schemas.microsoft.com/office/mac/drawingml/2011/main" val="1"/>
             </a:ext>
           </a:extLst>
         </p:spPr>
@@ -9841,7 +9836,7 @@
     <p:bg>
       <p:bgPr>
         <a:solidFill>
-          <a:srgbClr val="17222F"/>
+          <a:srgbClr val="7F7F7F"/>
         </a:solidFill>
         <a:effectLst/>
       </p:bgPr>
@@ -9901,7 +9896,7 @@
           </a:effectLst>
           <a:extLst>
             <a:ext uri="{C572A759-6A51-4108-AA02-DFA0A04FC94B}">
-              <ma14:wrappingTextBoxFlag xmlns:ma14="http://schemas.microsoft.com/office/mac/drawingml/2011/main" xmlns:a14="http://schemas.microsoft.com/office/drawing/2010/main" xmlns:m="http://schemas.openxmlformats.org/officeDocument/2006/math" xmlns="" val="1"/>
+              <ma14:wrappingTextBoxFlag xmlns="" xmlns:m="http://schemas.openxmlformats.org/officeDocument/2006/math" xmlns:a14="http://schemas.microsoft.com/office/drawing/2010/main" xmlns:ma14="http://schemas.microsoft.com/office/mac/drawingml/2011/main" val="1"/>
             </a:ext>
           </a:extLst>
         </p:spPr>
@@ -9962,7 +9957,7 @@
           </a:effectLst>
           <a:extLst>
             <a:ext uri="{C572A759-6A51-4108-AA02-DFA0A04FC94B}">
-              <ma14:wrappingTextBoxFlag xmlns:ma14="http://schemas.microsoft.com/office/mac/drawingml/2011/main" xmlns:a14="http://schemas.microsoft.com/office/drawing/2010/main" xmlns:m="http://schemas.openxmlformats.org/officeDocument/2006/math" xmlns="" val="1"/>
+              <ma14:wrappingTextBoxFlag xmlns="" xmlns:m="http://schemas.openxmlformats.org/officeDocument/2006/math" xmlns:a14="http://schemas.microsoft.com/office/drawing/2010/main" xmlns:ma14="http://schemas.microsoft.com/office/mac/drawingml/2011/main" val="1"/>
             </a:ext>
           </a:extLst>
         </p:spPr>
@@ -10037,7 +10032,7 @@
           </a:effectLst>
           <a:extLst>
             <a:ext uri="{C572A759-6A51-4108-AA02-DFA0A04FC94B}">
-              <ma14:wrappingTextBoxFlag xmlns:ma14="http://schemas.microsoft.com/office/mac/drawingml/2011/main" xmlns:a14="http://schemas.microsoft.com/office/drawing/2010/main" xmlns:m="http://schemas.openxmlformats.org/officeDocument/2006/math" xmlns="" val="1"/>
+              <ma14:wrappingTextBoxFlag xmlns="" xmlns:m="http://schemas.openxmlformats.org/officeDocument/2006/math" xmlns:a14="http://schemas.microsoft.com/office/drawing/2010/main" xmlns:ma14="http://schemas.microsoft.com/office/mac/drawingml/2011/main" val="1"/>
             </a:ext>
           </a:extLst>
         </p:spPr>
@@ -10112,7 +10107,7 @@
           </a:effectLst>
           <a:extLst>
             <a:ext uri="{C572A759-6A51-4108-AA02-DFA0A04FC94B}">
-              <ma14:wrappingTextBoxFlag xmlns:ma14="http://schemas.microsoft.com/office/mac/drawingml/2011/main" xmlns:a14="http://schemas.microsoft.com/office/drawing/2010/main" xmlns:m="http://schemas.openxmlformats.org/officeDocument/2006/math" xmlns="" val="1"/>
+              <ma14:wrappingTextBoxFlag xmlns="" xmlns:m="http://schemas.openxmlformats.org/officeDocument/2006/math" xmlns:a14="http://schemas.microsoft.com/office/drawing/2010/main" xmlns:ma14="http://schemas.microsoft.com/office/mac/drawingml/2011/main" val="1"/>
             </a:ext>
           </a:extLst>
         </p:spPr>
@@ -10187,7 +10182,7 @@
           </a:effectLst>
           <a:extLst>
             <a:ext uri="{C572A759-6A51-4108-AA02-DFA0A04FC94B}">
-              <ma14:wrappingTextBoxFlag xmlns:ma14="http://schemas.microsoft.com/office/mac/drawingml/2011/main" xmlns:a14="http://schemas.microsoft.com/office/drawing/2010/main" xmlns:m="http://schemas.openxmlformats.org/officeDocument/2006/math" xmlns="" val="1"/>
+              <ma14:wrappingTextBoxFlag xmlns="" xmlns:m="http://schemas.openxmlformats.org/officeDocument/2006/math" xmlns:a14="http://schemas.microsoft.com/office/drawing/2010/main" xmlns:ma14="http://schemas.microsoft.com/office/mac/drawingml/2011/main" val="1"/>
             </a:ext>
           </a:extLst>
         </p:spPr>
@@ -10264,7 +10259,7 @@
           </a:effectLst>
           <a:extLst>
             <a:ext uri="{C572A759-6A51-4108-AA02-DFA0A04FC94B}">
-              <ma14:wrappingTextBoxFlag xmlns:ma14="http://schemas.microsoft.com/office/mac/drawingml/2011/main" xmlns:a14="http://schemas.microsoft.com/office/drawing/2010/main" xmlns:m="http://schemas.openxmlformats.org/officeDocument/2006/math" xmlns="" val="1"/>
+              <ma14:wrappingTextBoxFlag xmlns="" xmlns:m="http://schemas.openxmlformats.org/officeDocument/2006/math" xmlns:a14="http://schemas.microsoft.com/office/drawing/2010/main" xmlns:ma14="http://schemas.microsoft.com/office/mac/drawingml/2011/main" val="1"/>
             </a:ext>
           </a:extLst>
         </p:spPr>
@@ -10324,7 +10319,7 @@
           </a:effectLst>
           <a:extLst>
             <a:ext uri="{C572A759-6A51-4108-AA02-DFA0A04FC94B}">
-              <ma14:wrappingTextBoxFlag xmlns:ma14="http://schemas.microsoft.com/office/mac/drawingml/2011/main" xmlns:a14="http://schemas.microsoft.com/office/drawing/2010/main" xmlns:m="http://schemas.openxmlformats.org/officeDocument/2006/math" xmlns="" val="1"/>
+              <ma14:wrappingTextBoxFlag xmlns="" xmlns:m="http://schemas.openxmlformats.org/officeDocument/2006/math" xmlns:a14="http://schemas.microsoft.com/office/drawing/2010/main" xmlns:ma14="http://schemas.microsoft.com/office/mac/drawingml/2011/main" val="1"/>
             </a:ext>
           </a:extLst>
         </p:spPr>
@@ -10399,7 +10394,7 @@
           </a:effectLst>
           <a:extLst>
             <a:ext uri="{C572A759-6A51-4108-AA02-DFA0A04FC94B}">
-              <ma14:wrappingTextBoxFlag xmlns:ma14="http://schemas.microsoft.com/office/mac/drawingml/2011/main" xmlns:a14="http://schemas.microsoft.com/office/drawing/2010/main" xmlns:m="http://schemas.openxmlformats.org/officeDocument/2006/math" xmlns="" val="1"/>
+              <ma14:wrappingTextBoxFlag xmlns="" xmlns:m="http://schemas.openxmlformats.org/officeDocument/2006/math" xmlns:a14="http://schemas.microsoft.com/office/drawing/2010/main" xmlns:ma14="http://schemas.microsoft.com/office/mac/drawingml/2011/main" val="1"/>
             </a:ext>
           </a:extLst>
         </p:spPr>
@@ -10950,7 +10945,7 @@
           </a:effectLst>
           <a:extLst>
             <a:ext uri="{C572A759-6A51-4108-AA02-DFA0A04FC94B}">
-              <ma14:wrappingTextBoxFlag xmlns:ma14="http://schemas.microsoft.com/office/mac/drawingml/2011/main" xmlns:a14="http://schemas.microsoft.com/office/drawing/2010/main" xmlns:m="http://schemas.openxmlformats.org/officeDocument/2006/math" xmlns="" val="1"/>
+              <ma14:wrappingTextBoxFlag xmlns="" xmlns:m="http://schemas.openxmlformats.org/officeDocument/2006/math" xmlns:a14="http://schemas.microsoft.com/office/drawing/2010/main" xmlns:ma14="http://schemas.microsoft.com/office/mac/drawingml/2011/main" val="1"/>
             </a:ext>
           </a:extLst>
         </p:spPr>
@@ -11010,7 +11005,7 @@
           </a:effectLst>
           <a:extLst>
             <a:ext uri="{C572A759-6A51-4108-AA02-DFA0A04FC94B}">
-              <ma14:wrappingTextBoxFlag xmlns:ma14="http://schemas.microsoft.com/office/mac/drawingml/2011/main" xmlns:a14="http://schemas.microsoft.com/office/drawing/2010/main" xmlns:m="http://schemas.openxmlformats.org/officeDocument/2006/math" xmlns="" val="1"/>
+              <ma14:wrappingTextBoxFlag xmlns="" xmlns:m="http://schemas.openxmlformats.org/officeDocument/2006/math" xmlns:a14="http://schemas.microsoft.com/office/drawing/2010/main" xmlns:ma14="http://schemas.microsoft.com/office/mac/drawingml/2011/main" val="1"/>
             </a:ext>
           </a:extLst>
         </p:spPr>
@@ -11085,7 +11080,7 @@
           </a:effectLst>
           <a:extLst>
             <a:ext uri="{C572A759-6A51-4108-AA02-DFA0A04FC94B}">
-              <ma14:wrappingTextBoxFlag xmlns:ma14="http://schemas.microsoft.com/office/mac/drawingml/2011/main" xmlns:a14="http://schemas.microsoft.com/office/drawing/2010/main" xmlns:m="http://schemas.openxmlformats.org/officeDocument/2006/math" xmlns="" val="1"/>
+              <ma14:wrappingTextBoxFlag xmlns="" xmlns:m="http://schemas.openxmlformats.org/officeDocument/2006/math" xmlns:a14="http://schemas.microsoft.com/office/drawing/2010/main" xmlns:ma14="http://schemas.microsoft.com/office/mac/drawingml/2011/main" val="1"/>
             </a:ext>
           </a:extLst>
         </p:spPr>
@@ -11313,7 +11308,7 @@
           </a:effectLst>
           <a:extLst>
             <a:ext uri="{C572A759-6A51-4108-AA02-DFA0A04FC94B}">
-              <ma14:wrappingTextBoxFlag xmlns:ma14="http://schemas.microsoft.com/office/mac/drawingml/2011/main" xmlns:a14="http://schemas.microsoft.com/office/drawing/2010/main" xmlns:m="http://schemas.openxmlformats.org/officeDocument/2006/math" xmlns="" val="1"/>
+              <ma14:wrappingTextBoxFlag xmlns="" xmlns:m="http://schemas.openxmlformats.org/officeDocument/2006/math" xmlns:a14="http://schemas.microsoft.com/office/drawing/2010/main" xmlns:ma14="http://schemas.microsoft.com/office/mac/drawingml/2011/main" val="1"/>
             </a:ext>
           </a:extLst>
         </p:spPr>
@@ -11426,7 +11421,7 @@
           </a:effectLst>
           <a:extLst>
             <a:ext uri="{C572A759-6A51-4108-AA02-DFA0A04FC94B}">
-              <ma14:wrappingTextBoxFlag xmlns:ma14="http://schemas.microsoft.com/office/mac/drawingml/2011/main" xmlns:a14="http://schemas.microsoft.com/office/drawing/2010/main" xmlns:m="http://schemas.openxmlformats.org/officeDocument/2006/math" xmlns="" val="1"/>
+              <ma14:wrappingTextBoxFlag xmlns="" xmlns:m="http://schemas.openxmlformats.org/officeDocument/2006/math" xmlns:a14="http://schemas.microsoft.com/office/drawing/2010/main" xmlns:ma14="http://schemas.microsoft.com/office/mac/drawingml/2011/main" val="1"/>
             </a:ext>
           </a:extLst>
         </p:spPr>
@@ -11491,7 +11486,7 @@
           </a:effectLst>
           <a:extLst>
             <a:ext uri="{C572A759-6A51-4108-AA02-DFA0A04FC94B}">
-              <ma14:wrappingTextBoxFlag xmlns:ma14="http://schemas.microsoft.com/office/mac/drawingml/2011/main" xmlns:a14="http://schemas.microsoft.com/office/drawing/2010/main" xmlns:m="http://schemas.openxmlformats.org/officeDocument/2006/math" xmlns="" val="1"/>
+              <ma14:wrappingTextBoxFlag xmlns="" xmlns:m="http://schemas.openxmlformats.org/officeDocument/2006/math" xmlns:a14="http://schemas.microsoft.com/office/drawing/2010/main" xmlns:ma14="http://schemas.microsoft.com/office/mac/drawingml/2011/main" val="1"/>
             </a:ext>
           </a:extLst>
         </p:spPr>
@@ -11576,7 +11571,7 @@
           </a:effectLst>
           <a:extLst>
             <a:ext uri="{C572A759-6A51-4108-AA02-DFA0A04FC94B}">
-              <ma14:wrappingTextBoxFlag xmlns:ma14="http://schemas.microsoft.com/office/mac/drawingml/2011/main" xmlns:a14="http://schemas.microsoft.com/office/drawing/2010/main" xmlns:m="http://schemas.openxmlformats.org/officeDocument/2006/math" xmlns="" val="1"/>
+              <ma14:wrappingTextBoxFlag xmlns="" xmlns:m="http://schemas.openxmlformats.org/officeDocument/2006/math" xmlns:a14="http://schemas.microsoft.com/office/drawing/2010/main" xmlns:ma14="http://schemas.microsoft.com/office/mac/drawingml/2011/main" val="1"/>
             </a:ext>
           </a:extLst>
         </p:spPr>
@@ -11661,7 +11656,7 @@
           </a:effectLst>
           <a:extLst>
             <a:ext uri="{C572A759-6A51-4108-AA02-DFA0A04FC94B}">
-              <ma14:wrappingTextBoxFlag xmlns:ma14="http://schemas.microsoft.com/office/mac/drawingml/2011/main" xmlns:a14="http://schemas.microsoft.com/office/drawing/2010/main" xmlns:m="http://schemas.openxmlformats.org/officeDocument/2006/math" xmlns="" val="1"/>
+              <ma14:wrappingTextBoxFlag xmlns="" xmlns:m="http://schemas.openxmlformats.org/officeDocument/2006/math" xmlns:a14="http://schemas.microsoft.com/office/drawing/2010/main" xmlns:ma14="http://schemas.microsoft.com/office/mac/drawingml/2011/main" val="1"/>
             </a:ext>
           </a:extLst>
         </p:spPr>
@@ -11742,7 +11737,7 @@
           </a:effectLst>
           <a:extLst>
             <a:ext uri="{C572A759-6A51-4108-AA02-DFA0A04FC94B}">
-              <ma14:wrappingTextBoxFlag xmlns:ma14="http://schemas.microsoft.com/office/mac/drawingml/2011/main" xmlns:a14="http://schemas.microsoft.com/office/drawing/2010/main" xmlns:m="http://schemas.openxmlformats.org/officeDocument/2006/math" xmlns="" val="1"/>
+              <ma14:wrappingTextBoxFlag xmlns="" xmlns:m="http://schemas.openxmlformats.org/officeDocument/2006/math" xmlns:a14="http://schemas.microsoft.com/office/drawing/2010/main" xmlns:ma14="http://schemas.microsoft.com/office/mac/drawingml/2011/main" val="1"/>
             </a:ext>
           </a:extLst>
         </p:spPr>
@@ -11823,7 +11818,7 @@
           </a:effectLst>
           <a:extLst>
             <a:ext uri="{C572A759-6A51-4108-AA02-DFA0A04FC94B}">
-              <ma14:wrappingTextBoxFlag xmlns:ma14="http://schemas.microsoft.com/office/mac/drawingml/2011/main" xmlns:a14="http://schemas.microsoft.com/office/drawing/2010/main" xmlns:m="http://schemas.openxmlformats.org/officeDocument/2006/math" xmlns="" val="1"/>
+              <ma14:wrappingTextBoxFlag xmlns="" xmlns:m="http://schemas.openxmlformats.org/officeDocument/2006/math" xmlns:a14="http://schemas.microsoft.com/office/drawing/2010/main" xmlns:ma14="http://schemas.microsoft.com/office/mac/drawingml/2011/main" val="1"/>
             </a:ext>
           </a:extLst>
         </p:spPr>
@@ -11900,7 +11895,7 @@
           </a:effectLst>
           <a:extLst>
             <a:ext uri="{C572A759-6A51-4108-AA02-DFA0A04FC94B}">
-              <ma14:wrappingTextBoxFlag xmlns:ma14="http://schemas.microsoft.com/office/mac/drawingml/2011/main" xmlns:a14="http://schemas.microsoft.com/office/drawing/2010/main" xmlns:m="http://schemas.openxmlformats.org/officeDocument/2006/math" xmlns="" val="1"/>
+              <ma14:wrappingTextBoxFlag xmlns="" xmlns:m="http://schemas.openxmlformats.org/officeDocument/2006/math" xmlns:a14="http://schemas.microsoft.com/office/drawing/2010/main" xmlns:ma14="http://schemas.microsoft.com/office/mac/drawingml/2011/main" val="1"/>
             </a:ext>
           </a:extLst>
         </p:spPr>
@@ -11965,7 +11960,7 @@
           </a:effectLst>
           <a:extLst>
             <a:ext uri="{C572A759-6A51-4108-AA02-DFA0A04FC94B}">
-              <ma14:wrappingTextBoxFlag xmlns:ma14="http://schemas.microsoft.com/office/mac/drawingml/2011/main" xmlns:a14="http://schemas.microsoft.com/office/drawing/2010/main" xmlns:m="http://schemas.openxmlformats.org/officeDocument/2006/math" xmlns="" val="1"/>
+              <ma14:wrappingTextBoxFlag xmlns="" xmlns:m="http://schemas.openxmlformats.org/officeDocument/2006/math" xmlns:a14="http://schemas.microsoft.com/office/drawing/2010/main" xmlns:ma14="http://schemas.microsoft.com/office/mac/drawingml/2011/main" val="1"/>
             </a:ext>
           </a:extLst>
         </p:spPr>
@@ -12050,7 +12045,7 @@
           </a:effectLst>
           <a:extLst>
             <a:ext uri="{C572A759-6A51-4108-AA02-DFA0A04FC94B}">
-              <ma14:wrappingTextBoxFlag xmlns:ma14="http://schemas.microsoft.com/office/mac/drawingml/2011/main" xmlns:a14="http://schemas.microsoft.com/office/drawing/2010/main" xmlns:m="http://schemas.openxmlformats.org/officeDocument/2006/math" xmlns="" val="1"/>
+              <ma14:wrappingTextBoxFlag xmlns="" xmlns:m="http://schemas.openxmlformats.org/officeDocument/2006/math" xmlns:a14="http://schemas.microsoft.com/office/drawing/2010/main" xmlns:ma14="http://schemas.microsoft.com/office/mac/drawingml/2011/main" val="1"/>
             </a:ext>
           </a:extLst>
         </p:spPr>
@@ -12146,7 +12141,7 @@
           </a:effectLst>
           <a:extLst>
             <a:ext uri="{C572A759-6A51-4108-AA02-DFA0A04FC94B}">
-              <ma14:wrappingTextBoxFlag xmlns:ma14="http://schemas.microsoft.com/office/mac/drawingml/2011/main" xmlns:a14="http://schemas.microsoft.com/office/drawing/2010/main" xmlns:m="http://schemas.openxmlformats.org/officeDocument/2006/math" xmlns="" val="1"/>
+              <ma14:wrappingTextBoxFlag xmlns="" xmlns:m="http://schemas.openxmlformats.org/officeDocument/2006/math" xmlns:a14="http://schemas.microsoft.com/office/drawing/2010/main" xmlns:ma14="http://schemas.microsoft.com/office/mac/drawingml/2011/main" val="1"/>
             </a:ext>
           </a:extLst>
         </p:spPr>
@@ -12597,7 +12592,7 @@
           </a:effectLst>
           <a:extLst>
             <a:ext uri="{C572A759-6A51-4108-AA02-DFA0A04FC94B}">
-              <ma14:wrappingTextBoxFlag xmlns:ma14="http://schemas.microsoft.com/office/mac/drawingml/2011/main" xmlns:a14="http://schemas.microsoft.com/office/drawing/2010/main" xmlns:m="http://schemas.openxmlformats.org/officeDocument/2006/math" xmlns="" val="1"/>
+              <ma14:wrappingTextBoxFlag xmlns="" xmlns:m="http://schemas.openxmlformats.org/officeDocument/2006/math" xmlns:a14="http://schemas.microsoft.com/office/drawing/2010/main" xmlns:ma14="http://schemas.microsoft.com/office/mac/drawingml/2011/main" val="1"/>
             </a:ext>
           </a:extLst>
         </p:spPr>
@@ -12662,7 +12657,7 @@
           </a:effectLst>
           <a:extLst>
             <a:ext uri="{C572A759-6A51-4108-AA02-DFA0A04FC94B}">
-              <ma14:wrappingTextBoxFlag xmlns:ma14="http://schemas.microsoft.com/office/mac/drawingml/2011/main" xmlns:a14="http://schemas.microsoft.com/office/drawing/2010/main" xmlns:m="http://schemas.openxmlformats.org/officeDocument/2006/math" xmlns="" val="1"/>
+              <ma14:wrappingTextBoxFlag xmlns="" xmlns:m="http://schemas.openxmlformats.org/officeDocument/2006/math" xmlns:a14="http://schemas.microsoft.com/office/drawing/2010/main" xmlns:ma14="http://schemas.microsoft.com/office/mac/drawingml/2011/main" val="1"/>
             </a:ext>
           </a:extLst>
         </p:spPr>
@@ -12740,7 +12735,7 @@
           </a:effectLst>
           <a:extLst>
             <a:ext uri="{C572A759-6A51-4108-AA02-DFA0A04FC94B}">
-              <ma14:wrappingTextBoxFlag xmlns:ma14="http://schemas.microsoft.com/office/mac/drawingml/2011/main" xmlns:a14="http://schemas.microsoft.com/office/drawing/2010/main" xmlns:m="http://schemas.openxmlformats.org/officeDocument/2006/math" xmlns="" val="1"/>
+              <ma14:wrappingTextBoxFlag xmlns="" xmlns:m="http://schemas.openxmlformats.org/officeDocument/2006/math" xmlns:a14="http://schemas.microsoft.com/office/drawing/2010/main" xmlns:ma14="http://schemas.microsoft.com/office/mac/drawingml/2011/main" val="1"/>
             </a:ext>
           </a:extLst>
         </p:spPr>
@@ -12832,7 +12827,7 @@
           </a:effectLst>
           <a:extLst>
             <a:ext uri="{C572A759-6A51-4108-AA02-DFA0A04FC94B}">
-              <ma14:wrappingTextBoxFlag xmlns:ma14="http://schemas.microsoft.com/office/mac/drawingml/2011/main" xmlns:a14="http://schemas.microsoft.com/office/drawing/2010/main" xmlns:m="http://schemas.openxmlformats.org/officeDocument/2006/math" xmlns="" val="1"/>
+              <ma14:wrappingTextBoxFlag xmlns="" xmlns:m="http://schemas.openxmlformats.org/officeDocument/2006/math" xmlns:a14="http://schemas.microsoft.com/office/drawing/2010/main" xmlns:ma14="http://schemas.microsoft.com/office/mac/drawingml/2011/main" val="1"/>
             </a:ext>
           </a:extLst>
         </p:spPr>
@@ -12915,7 +12910,7 @@
           </a:effectLst>
           <a:extLst>
             <a:ext uri="{C572A759-6A51-4108-AA02-DFA0A04FC94B}">
-              <ma14:wrappingTextBoxFlag xmlns:ma14="http://schemas.microsoft.com/office/mac/drawingml/2011/main" xmlns:a14="http://schemas.microsoft.com/office/drawing/2010/main" xmlns:m="http://schemas.openxmlformats.org/officeDocument/2006/math" xmlns="" val="1"/>
+              <ma14:wrappingTextBoxFlag xmlns="" xmlns:m="http://schemas.openxmlformats.org/officeDocument/2006/math" xmlns:a14="http://schemas.microsoft.com/office/drawing/2010/main" xmlns:ma14="http://schemas.microsoft.com/office/mac/drawingml/2011/main" val="1"/>
             </a:ext>
           </a:extLst>
         </p:spPr>
@@ -12980,7 +12975,7 @@
           </a:effectLst>
           <a:extLst>
             <a:ext uri="{C572A759-6A51-4108-AA02-DFA0A04FC94B}">
-              <ma14:wrappingTextBoxFlag xmlns:ma14="http://schemas.microsoft.com/office/mac/drawingml/2011/main" xmlns:a14="http://schemas.microsoft.com/office/drawing/2010/main" xmlns:m="http://schemas.openxmlformats.org/officeDocument/2006/math" xmlns="" val="1"/>
+              <ma14:wrappingTextBoxFlag xmlns="" xmlns:m="http://schemas.openxmlformats.org/officeDocument/2006/math" xmlns:a14="http://schemas.microsoft.com/office/drawing/2010/main" xmlns:ma14="http://schemas.microsoft.com/office/mac/drawingml/2011/main" val="1"/>
             </a:ext>
           </a:extLst>
         </p:spPr>
@@ -13065,7 +13060,7 @@
           </a:effectLst>
           <a:extLst>
             <a:ext uri="{C572A759-6A51-4108-AA02-DFA0A04FC94B}">
-              <ma14:wrappingTextBoxFlag xmlns:ma14="http://schemas.microsoft.com/office/mac/drawingml/2011/main" xmlns:a14="http://schemas.microsoft.com/office/drawing/2010/main" xmlns:m="http://schemas.openxmlformats.org/officeDocument/2006/math" xmlns="" val="1"/>
+              <ma14:wrappingTextBoxFlag xmlns="" xmlns:m="http://schemas.openxmlformats.org/officeDocument/2006/math" xmlns:a14="http://schemas.microsoft.com/office/drawing/2010/main" xmlns:ma14="http://schemas.microsoft.com/office/mac/drawingml/2011/main" val="1"/>
             </a:ext>
           </a:extLst>
         </p:spPr>
@@ -13150,7 +13145,7 @@
           </a:effectLst>
           <a:extLst>
             <a:ext uri="{C572A759-6A51-4108-AA02-DFA0A04FC94B}">
-              <ma14:wrappingTextBoxFlag xmlns:ma14="http://schemas.microsoft.com/office/mac/drawingml/2011/main" xmlns:a14="http://schemas.microsoft.com/office/drawing/2010/main" xmlns:m="http://schemas.openxmlformats.org/officeDocument/2006/math" xmlns="" val="1"/>
+              <ma14:wrappingTextBoxFlag xmlns="" xmlns:m="http://schemas.openxmlformats.org/officeDocument/2006/math" xmlns:a14="http://schemas.microsoft.com/office/drawing/2010/main" xmlns:ma14="http://schemas.microsoft.com/office/mac/drawingml/2011/main" val="1"/>
             </a:ext>
           </a:extLst>
         </p:spPr>
@@ -13235,7 +13230,7 @@
           </a:effectLst>
           <a:extLst>
             <a:ext uri="{C572A759-6A51-4108-AA02-DFA0A04FC94B}">
-              <ma14:wrappingTextBoxFlag xmlns:ma14="http://schemas.microsoft.com/office/mac/drawingml/2011/main" xmlns:a14="http://schemas.microsoft.com/office/drawing/2010/main" xmlns:m="http://schemas.openxmlformats.org/officeDocument/2006/math" xmlns="" val="1"/>
+              <ma14:wrappingTextBoxFlag xmlns="" xmlns:m="http://schemas.openxmlformats.org/officeDocument/2006/math" xmlns:a14="http://schemas.microsoft.com/office/drawing/2010/main" xmlns:ma14="http://schemas.microsoft.com/office/mac/drawingml/2011/main" val="1"/>
             </a:ext>
           </a:extLst>
         </p:spPr>
@@ -13549,7 +13544,7 @@
           </a:effectLst>
           <a:extLst>
             <a:ext uri="{C572A759-6A51-4108-AA02-DFA0A04FC94B}">
-              <ma14:wrappingTextBoxFlag xmlns:ma14="http://schemas.microsoft.com/office/mac/drawingml/2011/main" xmlns:a14="http://schemas.microsoft.com/office/drawing/2010/main" xmlns:m="http://schemas.openxmlformats.org/officeDocument/2006/math" xmlns="" val="1"/>
+              <ma14:wrappingTextBoxFlag xmlns="" xmlns:m="http://schemas.openxmlformats.org/officeDocument/2006/math" xmlns:a14="http://schemas.microsoft.com/office/drawing/2010/main" xmlns:ma14="http://schemas.microsoft.com/office/mac/drawingml/2011/main" val="1"/>
             </a:ext>
           </a:extLst>
         </p:spPr>
@@ -13632,7 +13627,7 @@
           </a:effectLst>
           <a:extLst>
             <a:ext uri="{C572A759-6A51-4108-AA02-DFA0A04FC94B}">
-              <ma14:wrappingTextBoxFlag xmlns:ma14="http://schemas.microsoft.com/office/mac/drawingml/2011/main" xmlns:a14="http://schemas.microsoft.com/office/drawing/2010/main" xmlns:m="http://schemas.openxmlformats.org/officeDocument/2006/math" xmlns="" val="1"/>
+              <ma14:wrappingTextBoxFlag xmlns="" xmlns:m="http://schemas.openxmlformats.org/officeDocument/2006/math" xmlns:a14="http://schemas.microsoft.com/office/drawing/2010/main" xmlns:ma14="http://schemas.microsoft.com/office/mac/drawingml/2011/main" val="1"/>
             </a:ext>
           </a:extLst>
         </p:spPr>
@@ -13697,7 +13692,7 @@
           </a:effectLst>
           <a:extLst>
             <a:ext uri="{C572A759-6A51-4108-AA02-DFA0A04FC94B}">
-              <ma14:wrappingTextBoxFlag xmlns:ma14="http://schemas.microsoft.com/office/mac/drawingml/2011/main" xmlns:a14="http://schemas.microsoft.com/office/drawing/2010/main" xmlns:m="http://schemas.openxmlformats.org/officeDocument/2006/math" xmlns="" val="1"/>
+              <ma14:wrappingTextBoxFlag xmlns="" xmlns:m="http://schemas.openxmlformats.org/officeDocument/2006/math" xmlns:a14="http://schemas.microsoft.com/office/drawing/2010/main" xmlns:ma14="http://schemas.microsoft.com/office/mac/drawingml/2011/main" val="1"/>
             </a:ext>
           </a:extLst>
         </p:spPr>
@@ -13778,7 +13773,7 @@
           </a:effectLst>
           <a:extLst>
             <a:ext uri="{C572A759-6A51-4108-AA02-DFA0A04FC94B}">
-              <ma14:wrappingTextBoxFlag xmlns:ma14="http://schemas.microsoft.com/office/mac/drawingml/2011/main" xmlns:a14="http://schemas.microsoft.com/office/drawing/2010/main" xmlns:m="http://schemas.openxmlformats.org/officeDocument/2006/math" xmlns="" val="1"/>
+              <ma14:wrappingTextBoxFlag xmlns="" xmlns:m="http://schemas.openxmlformats.org/officeDocument/2006/math" xmlns:a14="http://schemas.microsoft.com/office/drawing/2010/main" xmlns:ma14="http://schemas.microsoft.com/office/mac/drawingml/2011/main" val="1"/>
             </a:ext>
           </a:extLst>
         </p:spPr>
@@ -14109,7 +14104,7 @@
           </a:effectLst>
           <a:extLst>
             <a:ext uri="{C572A759-6A51-4108-AA02-DFA0A04FC94B}">
-              <ma14:wrappingTextBoxFlag xmlns:ma14="http://schemas.microsoft.com/office/mac/drawingml/2011/main" xmlns:a14="http://schemas.microsoft.com/office/drawing/2010/main" xmlns:m="http://schemas.openxmlformats.org/officeDocument/2006/math" xmlns="" val="1"/>
+              <ma14:wrappingTextBoxFlag xmlns="" xmlns:m="http://schemas.openxmlformats.org/officeDocument/2006/math" xmlns:a14="http://schemas.microsoft.com/office/drawing/2010/main" xmlns:ma14="http://schemas.microsoft.com/office/mac/drawingml/2011/main" val="1"/>
             </a:ext>
           </a:extLst>
         </p:spPr>
@@ -14174,7 +14169,7 @@
           </a:effectLst>
           <a:extLst>
             <a:ext uri="{C572A759-6A51-4108-AA02-DFA0A04FC94B}">
-              <ma14:wrappingTextBoxFlag xmlns:ma14="http://schemas.microsoft.com/office/mac/drawingml/2011/main" xmlns:a14="http://schemas.microsoft.com/office/drawing/2010/main" xmlns:m="http://schemas.openxmlformats.org/officeDocument/2006/math" xmlns="" val="1"/>
+              <ma14:wrappingTextBoxFlag xmlns="" xmlns:m="http://schemas.openxmlformats.org/officeDocument/2006/math" xmlns:a14="http://schemas.microsoft.com/office/drawing/2010/main" xmlns:ma14="http://schemas.microsoft.com/office/mac/drawingml/2011/main" val="1"/>
             </a:ext>
           </a:extLst>
         </p:spPr>
@@ -14259,7 +14254,7 @@
           </a:effectLst>
           <a:extLst>
             <a:ext uri="{C572A759-6A51-4108-AA02-DFA0A04FC94B}">
-              <ma14:wrappingTextBoxFlag xmlns:ma14="http://schemas.microsoft.com/office/mac/drawingml/2011/main" xmlns:a14="http://schemas.microsoft.com/office/drawing/2010/main" xmlns:m="http://schemas.openxmlformats.org/officeDocument/2006/math" xmlns="" val="1"/>
+              <ma14:wrappingTextBoxFlag xmlns="" xmlns:m="http://schemas.openxmlformats.org/officeDocument/2006/math" xmlns:a14="http://schemas.microsoft.com/office/drawing/2010/main" xmlns:ma14="http://schemas.microsoft.com/office/mac/drawingml/2011/main" val="1"/>
             </a:ext>
           </a:extLst>
         </p:spPr>
@@ -14344,7 +14339,7 @@
           </a:effectLst>
           <a:extLst>
             <a:ext uri="{C572A759-6A51-4108-AA02-DFA0A04FC94B}">
-              <ma14:wrappingTextBoxFlag xmlns:ma14="http://schemas.microsoft.com/office/mac/drawingml/2011/main" xmlns:a14="http://schemas.microsoft.com/office/drawing/2010/main" xmlns:m="http://schemas.openxmlformats.org/officeDocument/2006/math" xmlns="" val="1"/>
+              <ma14:wrappingTextBoxFlag xmlns="" xmlns:m="http://schemas.openxmlformats.org/officeDocument/2006/math" xmlns:a14="http://schemas.microsoft.com/office/drawing/2010/main" xmlns:ma14="http://schemas.microsoft.com/office/mac/drawingml/2011/main" val="1"/>
             </a:ext>
           </a:extLst>
         </p:spPr>
@@ -14429,7 +14424,7 @@
           </a:effectLst>
           <a:extLst>
             <a:ext uri="{C572A759-6A51-4108-AA02-DFA0A04FC94B}">
-              <ma14:wrappingTextBoxFlag xmlns:ma14="http://schemas.microsoft.com/office/mac/drawingml/2011/main" xmlns:a14="http://schemas.microsoft.com/office/drawing/2010/main" xmlns:m="http://schemas.openxmlformats.org/officeDocument/2006/math" xmlns="" val="1"/>
+              <ma14:wrappingTextBoxFlag xmlns="" xmlns:m="http://schemas.openxmlformats.org/officeDocument/2006/math" xmlns:a14="http://schemas.microsoft.com/office/drawing/2010/main" xmlns:ma14="http://schemas.microsoft.com/office/mac/drawingml/2011/main" val="1"/>
             </a:ext>
           </a:extLst>
         </p:spPr>
@@ -14660,7 +14655,7 @@
           </a:effectLst>
           <a:extLst>
             <a:ext uri="{C572A759-6A51-4108-AA02-DFA0A04FC94B}">
-              <ma14:wrappingTextBoxFlag xmlns:ma14="http://schemas.microsoft.com/office/mac/drawingml/2011/main" xmlns:a14="http://schemas.microsoft.com/office/drawing/2010/main" xmlns:m="http://schemas.openxmlformats.org/officeDocument/2006/math" xmlns="" val="1"/>
+              <ma14:wrappingTextBoxFlag xmlns="" xmlns:m="http://schemas.openxmlformats.org/officeDocument/2006/math" xmlns:a14="http://schemas.microsoft.com/office/drawing/2010/main" xmlns:ma14="http://schemas.microsoft.com/office/mac/drawingml/2011/main" val="1"/>
             </a:ext>
           </a:extLst>
         </p:spPr>
@@ -14725,7 +14720,7 @@
           </a:effectLst>
           <a:extLst>
             <a:ext uri="{C572A759-6A51-4108-AA02-DFA0A04FC94B}">
-              <ma14:wrappingTextBoxFlag xmlns:ma14="http://schemas.microsoft.com/office/mac/drawingml/2011/main" xmlns:a14="http://schemas.microsoft.com/office/drawing/2010/main" xmlns:m="http://schemas.openxmlformats.org/officeDocument/2006/math" xmlns="" val="1"/>
+              <ma14:wrappingTextBoxFlag xmlns="" xmlns:m="http://schemas.openxmlformats.org/officeDocument/2006/math" xmlns:a14="http://schemas.microsoft.com/office/drawing/2010/main" xmlns:ma14="http://schemas.microsoft.com/office/mac/drawingml/2011/main" val="1"/>
             </a:ext>
           </a:extLst>
         </p:spPr>
@@ -14958,7 +14953,7 @@
           </a:effectLst>
           <a:extLst>
             <a:ext uri="{C572A759-6A51-4108-AA02-DFA0A04FC94B}">
-              <ma14:wrappingTextBoxFlag xmlns:ma14="http://schemas.microsoft.com/office/mac/drawingml/2011/main" xmlns:a14="http://schemas.microsoft.com/office/drawing/2010/main" xmlns:m="http://schemas.openxmlformats.org/officeDocument/2006/math" xmlns="" val="1"/>
+              <ma14:wrappingTextBoxFlag xmlns="" xmlns:m="http://schemas.openxmlformats.org/officeDocument/2006/math" xmlns:a14="http://schemas.microsoft.com/office/drawing/2010/main" xmlns:ma14="http://schemas.microsoft.com/office/mac/drawingml/2011/main" val="1"/>
             </a:ext>
           </a:extLst>
         </p:spPr>
@@ -15039,7 +15034,7 @@
           </a:effectLst>
           <a:extLst>
             <a:ext uri="{C572A759-6A51-4108-AA02-DFA0A04FC94B}">
-              <ma14:wrappingTextBoxFlag xmlns:ma14="http://schemas.microsoft.com/office/mac/drawingml/2011/main" xmlns:a14="http://schemas.microsoft.com/office/drawing/2010/main" xmlns:m="http://schemas.openxmlformats.org/officeDocument/2006/math" xmlns="" val="1"/>
+              <ma14:wrappingTextBoxFlag xmlns="" xmlns:m="http://schemas.openxmlformats.org/officeDocument/2006/math" xmlns:a14="http://schemas.microsoft.com/office/drawing/2010/main" xmlns:ma14="http://schemas.microsoft.com/office/mac/drawingml/2011/main" val="1"/>
             </a:ext>
           </a:extLst>
         </p:spPr>
@@ -15124,7 +15119,7 @@
           </a:effectLst>
           <a:extLst>
             <a:ext uri="{C572A759-6A51-4108-AA02-DFA0A04FC94B}">
-              <ma14:wrappingTextBoxFlag xmlns:ma14="http://schemas.microsoft.com/office/mac/drawingml/2011/main" xmlns:a14="http://schemas.microsoft.com/office/drawing/2010/main" xmlns:m="http://schemas.openxmlformats.org/officeDocument/2006/math" xmlns="" val="1"/>
+              <ma14:wrappingTextBoxFlag xmlns="" xmlns:m="http://schemas.openxmlformats.org/officeDocument/2006/math" xmlns:a14="http://schemas.microsoft.com/office/drawing/2010/main" xmlns:ma14="http://schemas.microsoft.com/office/mac/drawingml/2011/main" val="1"/>
             </a:ext>
           </a:extLst>
         </p:spPr>
@@ -15209,7 +15204,7 @@
           </a:effectLst>
           <a:extLst>
             <a:ext uri="{C572A759-6A51-4108-AA02-DFA0A04FC94B}">
-              <ma14:wrappingTextBoxFlag xmlns:ma14="http://schemas.microsoft.com/office/mac/drawingml/2011/main" xmlns:a14="http://schemas.microsoft.com/office/drawing/2010/main" xmlns:m="http://schemas.openxmlformats.org/officeDocument/2006/math" xmlns="" val="1"/>
+              <ma14:wrappingTextBoxFlag xmlns="" xmlns:m="http://schemas.openxmlformats.org/officeDocument/2006/math" xmlns:a14="http://schemas.microsoft.com/office/drawing/2010/main" xmlns:ma14="http://schemas.microsoft.com/office/mac/drawingml/2011/main" val="1"/>
             </a:ext>
           </a:extLst>
         </p:spPr>
@@ -15290,7 +15285,7 @@
           </a:effectLst>
           <a:extLst>
             <a:ext uri="{C572A759-6A51-4108-AA02-DFA0A04FC94B}">
-              <ma14:wrappingTextBoxFlag xmlns:ma14="http://schemas.microsoft.com/office/mac/drawingml/2011/main" xmlns:a14="http://schemas.microsoft.com/office/drawing/2010/main" xmlns:m="http://schemas.openxmlformats.org/officeDocument/2006/math" xmlns="" val="1"/>
+              <ma14:wrappingTextBoxFlag xmlns="" xmlns:m="http://schemas.openxmlformats.org/officeDocument/2006/math" xmlns:a14="http://schemas.microsoft.com/office/drawing/2010/main" xmlns:ma14="http://schemas.microsoft.com/office/mac/drawingml/2011/main" val="1"/>
             </a:ext>
           </a:extLst>
         </p:spPr>
@@ -15373,7 +15368,7 @@
           </a:effectLst>
           <a:extLst>
             <a:ext uri="{C572A759-6A51-4108-AA02-DFA0A04FC94B}">
-              <ma14:wrappingTextBoxFlag xmlns:ma14="http://schemas.microsoft.com/office/mac/drawingml/2011/main" xmlns:a14="http://schemas.microsoft.com/office/drawing/2010/main" xmlns:m="http://schemas.openxmlformats.org/officeDocument/2006/math" xmlns="" val="1"/>
+              <ma14:wrappingTextBoxFlag xmlns="" xmlns:m="http://schemas.openxmlformats.org/officeDocument/2006/math" xmlns:a14="http://schemas.microsoft.com/office/drawing/2010/main" xmlns:ma14="http://schemas.microsoft.com/office/mac/drawingml/2011/main" val="1"/>
             </a:ext>
           </a:extLst>
         </p:spPr>
@@ -15438,7 +15433,7 @@
           </a:effectLst>
           <a:extLst>
             <a:ext uri="{C572A759-6A51-4108-AA02-DFA0A04FC94B}">
-              <ma14:wrappingTextBoxFlag xmlns:ma14="http://schemas.microsoft.com/office/mac/drawingml/2011/main" xmlns:a14="http://schemas.microsoft.com/office/drawing/2010/main" xmlns:m="http://schemas.openxmlformats.org/officeDocument/2006/math" xmlns="" val="1"/>
+              <ma14:wrappingTextBoxFlag xmlns="" xmlns:m="http://schemas.openxmlformats.org/officeDocument/2006/math" xmlns:a14="http://schemas.microsoft.com/office/drawing/2010/main" xmlns:ma14="http://schemas.microsoft.com/office/mac/drawingml/2011/main" val="1"/>
             </a:ext>
           </a:extLst>
         </p:spPr>
@@ -15523,7 +15518,7 @@
           </a:effectLst>
           <a:extLst>
             <a:ext uri="{C572A759-6A51-4108-AA02-DFA0A04FC94B}">
-              <ma14:wrappingTextBoxFlag xmlns:ma14="http://schemas.microsoft.com/office/mac/drawingml/2011/main" xmlns:a14="http://schemas.microsoft.com/office/drawing/2010/main" xmlns:m="http://schemas.openxmlformats.org/officeDocument/2006/math" xmlns="" val="1"/>
+              <ma14:wrappingTextBoxFlag xmlns="" xmlns:m="http://schemas.openxmlformats.org/officeDocument/2006/math" xmlns:a14="http://schemas.microsoft.com/office/drawing/2010/main" xmlns:ma14="http://schemas.microsoft.com/office/mac/drawingml/2011/main" val="1"/>
             </a:ext>
           </a:extLst>
         </p:spPr>
@@ -15788,7 +15783,7 @@
           </a:effectLst>
           <a:extLst>
             <a:ext uri="{C572A759-6A51-4108-AA02-DFA0A04FC94B}">
-              <ma14:wrappingTextBoxFlag xmlns:ma14="http://schemas.microsoft.com/office/mac/drawingml/2011/main" xmlns:a14="http://schemas.microsoft.com/office/drawing/2010/main" xmlns:m="http://schemas.openxmlformats.org/officeDocument/2006/math" xmlns="" val="1"/>
+              <ma14:wrappingTextBoxFlag xmlns="" xmlns:m="http://schemas.openxmlformats.org/officeDocument/2006/math" xmlns:a14="http://schemas.microsoft.com/office/drawing/2010/main" xmlns:ma14="http://schemas.microsoft.com/office/mac/drawingml/2011/main" val="1"/>
             </a:ext>
           </a:extLst>
         </p:spPr>

--- a/resource/dubbo-go-arch.pptx
+++ b/resource/dubbo-go-arch.pptx
@@ -2228,7 +2228,7 @@
           </a:ln>
           <a:extLst>
             <a:ext uri="{C572A759-6A51-4108-AA02-DFA0A04FC94B}">
-              <ma14:wrappingTextBoxFlag xmlns="" xmlns:m="http://schemas.openxmlformats.org/officeDocument/2006/math" xmlns:a14="http://schemas.microsoft.com/office/drawing/2010/main" xmlns:ma14="http://schemas.microsoft.com/office/mac/drawingml/2011/main" val="1"/>
+              <ma14:wrappingTextBoxFlag xmlns:ma14="http://schemas.microsoft.com/office/mac/drawingml/2011/main" xmlns:a14="http://schemas.microsoft.com/office/drawing/2010/main" xmlns:m="http://schemas.openxmlformats.org/officeDocument/2006/math" xmlns="" val="1"/>
             </a:ext>
           </a:extLst>
         </p:spPr>
@@ -2267,7 +2267,7 @@
           </a:ln>
           <a:extLst>
             <a:ext uri="{C572A759-6A51-4108-AA02-DFA0A04FC94B}">
-              <ma14:wrappingTextBoxFlag xmlns="" xmlns:m="http://schemas.openxmlformats.org/officeDocument/2006/math" xmlns:a14="http://schemas.microsoft.com/office/drawing/2010/main" xmlns:ma14="http://schemas.microsoft.com/office/mac/drawingml/2011/main" val="1"/>
+              <ma14:wrappingTextBoxFlag xmlns:ma14="http://schemas.microsoft.com/office/mac/drawingml/2011/main" xmlns:a14="http://schemas.microsoft.com/office/drawing/2010/main" xmlns:m="http://schemas.openxmlformats.org/officeDocument/2006/math" xmlns="" val="1"/>
             </a:ext>
           </a:extLst>
         </p:spPr>
@@ -3150,7 +3150,7 @@
           </a:effectLst>
           <a:extLst>
             <a:ext uri="{C572A759-6A51-4108-AA02-DFA0A04FC94B}">
-              <ma14:wrappingTextBoxFlag xmlns="" xmlns:m="http://schemas.openxmlformats.org/officeDocument/2006/math" xmlns:a14="http://schemas.microsoft.com/office/drawing/2010/main" xmlns:ma14="http://schemas.microsoft.com/office/mac/drawingml/2011/main" val="1"/>
+              <ma14:wrappingTextBoxFlag xmlns:ma14="http://schemas.microsoft.com/office/mac/drawingml/2011/main" xmlns:a14="http://schemas.microsoft.com/office/drawing/2010/main" xmlns:m="http://schemas.openxmlformats.org/officeDocument/2006/math" xmlns="" val="1"/>
             </a:ext>
           </a:extLst>
         </p:spPr>
@@ -3250,7 +3250,7 @@
           </a:effectLst>
           <a:extLst>
             <a:ext uri="{C572A759-6A51-4108-AA02-DFA0A04FC94B}">
-              <ma14:wrappingTextBoxFlag xmlns="" xmlns:m="http://schemas.openxmlformats.org/officeDocument/2006/math" xmlns:a14="http://schemas.microsoft.com/office/drawing/2010/main" xmlns:ma14="http://schemas.microsoft.com/office/mac/drawingml/2011/main" val="1"/>
+              <ma14:wrappingTextBoxFlag xmlns:ma14="http://schemas.microsoft.com/office/mac/drawingml/2011/main" xmlns:a14="http://schemas.microsoft.com/office/drawing/2010/main" xmlns:m="http://schemas.openxmlformats.org/officeDocument/2006/math" xmlns="" val="1"/>
             </a:ext>
           </a:extLst>
         </p:spPr>
@@ -3320,7 +3320,7 @@
           </a:effectLst>
           <a:extLst>
             <a:ext uri="{C572A759-6A51-4108-AA02-DFA0A04FC94B}">
-              <ma14:wrappingTextBoxFlag xmlns="" xmlns:m="http://schemas.openxmlformats.org/officeDocument/2006/math" xmlns:a14="http://schemas.microsoft.com/office/drawing/2010/main" xmlns:ma14="http://schemas.microsoft.com/office/mac/drawingml/2011/main" val="1"/>
+              <ma14:wrappingTextBoxFlag xmlns:ma14="http://schemas.microsoft.com/office/mac/drawingml/2011/main" xmlns:a14="http://schemas.microsoft.com/office/drawing/2010/main" xmlns:m="http://schemas.openxmlformats.org/officeDocument/2006/math" xmlns="" val="1"/>
             </a:ext>
           </a:extLst>
         </p:spPr>
@@ -3373,7 +3373,7 @@
           </a:effectLst>
           <a:extLst>
             <a:ext uri="{C572A759-6A51-4108-AA02-DFA0A04FC94B}">
-              <ma14:wrappingTextBoxFlag xmlns="" xmlns:m="http://schemas.openxmlformats.org/officeDocument/2006/math" xmlns:a14="http://schemas.microsoft.com/office/drawing/2010/main" xmlns:ma14="http://schemas.microsoft.com/office/mac/drawingml/2011/main" val="1"/>
+              <ma14:wrappingTextBoxFlag xmlns:ma14="http://schemas.microsoft.com/office/mac/drawingml/2011/main" xmlns:a14="http://schemas.microsoft.com/office/drawing/2010/main" xmlns:m="http://schemas.openxmlformats.org/officeDocument/2006/math" xmlns="" val="1"/>
             </a:ext>
           </a:extLst>
         </p:spPr>
@@ -3427,7 +3427,7 @@
           </a:effectLst>
           <a:extLst>
             <a:ext uri="{C572A759-6A51-4108-AA02-DFA0A04FC94B}">
-              <ma14:wrappingTextBoxFlag xmlns="" xmlns:m="http://schemas.openxmlformats.org/officeDocument/2006/math" xmlns:a14="http://schemas.microsoft.com/office/drawing/2010/main" xmlns:ma14="http://schemas.microsoft.com/office/mac/drawingml/2011/main" val="1"/>
+              <ma14:wrappingTextBoxFlag xmlns:ma14="http://schemas.microsoft.com/office/mac/drawingml/2011/main" xmlns:a14="http://schemas.microsoft.com/office/drawing/2010/main" xmlns:m="http://schemas.openxmlformats.org/officeDocument/2006/math" xmlns="" val="1"/>
             </a:ext>
           </a:extLst>
         </p:spPr>
@@ -3481,7 +3481,7 @@
           </a:effectLst>
           <a:extLst>
             <a:ext uri="{C572A759-6A51-4108-AA02-DFA0A04FC94B}">
-              <ma14:wrappingTextBoxFlag xmlns="" xmlns:m="http://schemas.openxmlformats.org/officeDocument/2006/math" xmlns:a14="http://schemas.microsoft.com/office/drawing/2010/main" xmlns:ma14="http://schemas.microsoft.com/office/mac/drawingml/2011/main" val="1"/>
+              <ma14:wrappingTextBoxFlag xmlns:ma14="http://schemas.microsoft.com/office/mac/drawingml/2011/main" xmlns:a14="http://schemas.microsoft.com/office/drawing/2010/main" xmlns:m="http://schemas.openxmlformats.org/officeDocument/2006/math" xmlns="" val="1"/>
             </a:ext>
           </a:extLst>
         </p:spPr>
@@ -3540,7 +3540,7 @@
           </a:effectLst>
           <a:extLst>
             <a:ext uri="{C572A759-6A51-4108-AA02-DFA0A04FC94B}">
-              <ma14:wrappingTextBoxFlag xmlns="" xmlns:m="http://schemas.openxmlformats.org/officeDocument/2006/math" xmlns:a14="http://schemas.microsoft.com/office/drawing/2010/main" xmlns:ma14="http://schemas.microsoft.com/office/mac/drawingml/2011/main" val="1"/>
+              <ma14:wrappingTextBoxFlag xmlns:ma14="http://schemas.microsoft.com/office/mac/drawingml/2011/main" xmlns:a14="http://schemas.microsoft.com/office/drawing/2010/main" xmlns:m="http://schemas.openxmlformats.org/officeDocument/2006/math" xmlns="" val="1"/>
             </a:ext>
           </a:extLst>
         </p:spPr>
@@ -3591,7 +3591,7 @@
           </a:effectLst>
           <a:extLst>
             <a:ext uri="{C572A759-6A51-4108-AA02-DFA0A04FC94B}">
-              <ma14:wrappingTextBoxFlag xmlns="" xmlns:m="http://schemas.openxmlformats.org/officeDocument/2006/math" xmlns:a14="http://schemas.microsoft.com/office/drawing/2010/main" xmlns:ma14="http://schemas.microsoft.com/office/mac/drawingml/2011/main" val="1"/>
+              <ma14:wrappingTextBoxFlag xmlns:ma14="http://schemas.microsoft.com/office/mac/drawingml/2011/main" xmlns:a14="http://schemas.microsoft.com/office/drawing/2010/main" xmlns:m="http://schemas.openxmlformats.org/officeDocument/2006/math" xmlns="" val="1"/>
             </a:ext>
           </a:extLst>
         </p:spPr>
@@ -3645,7 +3645,7 @@
           </a:effectLst>
           <a:extLst>
             <a:ext uri="{C572A759-6A51-4108-AA02-DFA0A04FC94B}">
-              <ma14:wrappingTextBoxFlag xmlns="" xmlns:m="http://schemas.openxmlformats.org/officeDocument/2006/math" xmlns:a14="http://schemas.microsoft.com/office/drawing/2010/main" xmlns:ma14="http://schemas.microsoft.com/office/mac/drawingml/2011/main" val="1"/>
+              <ma14:wrappingTextBoxFlag xmlns:ma14="http://schemas.microsoft.com/office/mac/drawingml/2011/main" xmlns:a14="http://schemas.microsoft.com/office/drawing/2010/main" xmlns:m="http://schemas.openxmlformats.org/officeDocument/2006/math" xmlns="" val="1"/>
             </a:ext>
           </a:extLst>
         </p:spPr>
@@ -3699,7 +3699,7 @@
           </a:effectLst>
           <a:extLst>
             <a:ext uri="{C572A759-6A51-4108-AA02-DFA0A04FC94B}">
-              <ma14:wrappingTextBoxFlag xmlns="" xmlns:m="http://schemas.openxmlformats.org/officeDocument/2006/math" xmlns:a14="http://schemas.microsoft.com/office/drawing/2010/main" xmlns:ma14="http://schemas.microsoft.com/office/mac/drawingml/2011/main" val="1"/>
+              <ma14:wrappingTextBoxFlag xmlns:ma14="http://schemas.microsoft.com/office/mac/drawingml/2011/main" xmlns:a14="http://schemas.microsoft.com/office/drawing/2010/main" xmlns:m="http://schemas.openxmlformats.org/officeDocument/2006/math" xmlns="" val="1"/>
             </a:ext>
           </a:extLst>
         </p:spPr>
@@ -3753,7 +3753,7 @@
           </a:effectLst>
           <a:extLst>
             <a:ext uri="{C572A759-6A51-4108-AA02-DFA0A04FC94B}">
-              <ma14:wrappingTextBoxFlag xmlns="" xmlns:m="http://schemas.openxmlformats.org/officeDocument/2006/math" xmlns:a14="http://schemas.microsoft.com/office/drawing/2010/main" xmlns:ma14="http://schemas.microsoft.com/office/mac/drawingml/2011/main" val="1"/>
+              <ma14:wrappingTextBoxFlag xmlns:ma14="http://schemas.microsoft.com/office/mac/drawingml/2011/main" xmlns:a14="http://schemas.microsoft.com/office/drawing/2010/main" xmlns:m="http://schemas.openxmlformats.org/officeDocument/2006/math" xmlns="" val="1"/>
             </a:ext>
           </a:extLst>
         </p:spPr>
@@ -3807,7 +3807,7 @@
           </a:effectLst>
           <a:extLst>
             <a:ext uri="{C572A759-6A51-4108-AA02-DFA0A04FC94B}">
-              <ma14:wrappingTextBoxFlag xmlns="" xmlns:m="http://schemas.openxmlformats.org/officeDocument/2006/math" xmlns:a14="http://schemas.microsoft.com/office/drawing/2010/main" xmlns:ma14="http://schemas.microsoft.com/office/mac/drawingml/2011/main" val="1"/>
+              <ma14:wrappingTextBoxFlag xmlns:ma14="http://schemas.microsoft.com/office/mac/drawingml/2011/main" xmlns:a14="http://schemas.microsoft.com/office/drawing/2010/main" xmlns:m="http://schemas.openxmlformats.org/officeDocument/2006/math" xmlns="" val="1"/>
             </a:ext>
           </a:extLst>
         </p:spPr>
@@ -3983,7 +3983,7 @@
           </a:effectLst>
           <a:extLst>
             <a:ext uri="{C572A759-6A51-4108-AA02-DFA0A04FC94B}">
-              <ma14:wrappingTextBoxFlag xmlns="" xmlns:m="http://schemas.openxmlformats.org/officeDocument/2006/math" xmlns:a14="http://schemas.microsoft.com/office/drawing/2010/main" xmlns:ma14="http://schemas.microsoft.com/office/mac/drawingml/2011/main" val="1"/>
+              <ma14:wrappingTextBoxFlag xmlns:ma14="http://schemas.microsoft.com/office/mac/drawingml/2011/main" xmlns:a14="http://schemas.microsoft.com/office/drawing/2010/main" xmlns:m="http://schemas.openxmlformats.org/officeDocument/2006/math" xmlns="" val="1"/>
             </a:ext>
           </a:extLst>
         </p:spPr>
@@ -4107,7 +4107,7 @@
           </a:effectLst>
           <a:extLst>
             <a:ext uri="{C572A759-6A51-4108-AA02-DFA0A04FC94B}">
-              <ma14:wrappingTextBoxFlag xmlns="" xmlns:m="http://schemas.openxmlformats.org/officeDocument/2006/math" xmlns:a14="http://schemas.microsoft.com/office/drawing/2010/main" xmlns:ma14="http://schemas.microsoft.com/office/mac/drawingml/2011/main" val="1"/>
+              <ma14:wrappingTextBoxFlag xmlns:ma14="http://schemas.microsoft.com/office/mac/drawingml/2011/main" xmlns:a14="http://schemas.microsoft.com/office/drawing/2010/main" xmlns:m="http://schemas.openxmlformats.org/officeDocument/2006/math" xmlns="" val="1"/>
             </a:ext>
           </a:extLst>
         </p:spPr>
@@ -4166,7 +4166,7 @@
           </a:effectLst>
           <a:extLst>
             <a:ext uri="{C572A759-6A51-4108-AA02-DFA0A04FC94B}">
-              <ma14:wrappingTextBoxFlag xmlns="" xmlns:m="http://schemas.openxmlformats.org/officeDocument/2006/math" xmlns:a14="http://schemas.microsoft.com/office/drawing/2010/main" xmlns:ma14="http://schemas.microsoft.com/office/mac/drawingml/2011/main" val="1"/>
+              <ma14:wrappingTextBoxFlag xmlns:ma14="http://schemas.microsoft.com/office/mac/drawingml/2011/main" xmlns:a14="http://schemas.microsoft.com/office/drawing/2010/main" xmlns:m="http://schemas.openxmlformats.org/officeDocument/2006/math" xmlns="" val="1"/>
             </a:ext>
           </a:extLst>
         </p:spPr>
@@ -4231,7 +4231,7 @@
           </a:effectLst>
           <a:extLst>
             <a:ext uri="{C572A759-6A51-4108-AA02-DFA0A04FC94B}">
-              <ma14:wrappingTextBoxFlag xmlns="" xmlns:m="http://schemas.openxmlformats.org/officeDocument/2006/math" xmlns:a14="http://schemas.microsoft.com/office/drawing/2010/main" xmlns:ma14="http://schemas.microsoft.com/office/mac/drawingml/2011/main" val="1"/>
+              <ma14:wrappingTextBoxFlag xmlns:ma14="http://schemas.microsoft.com/office/mac/drawingml/2011/main" xmlns:a14="http://schemas.microsoft.com/office/drawing/2010/main" xmlns:m="http://schemas.openxmlformats.org/officeDocument/2006/math" xmlns="" val="1"/>
             </a:ext>
           </a:extLst>
         </p:spPr>
@@ -4296,7 +4296,7 @@
           </a:effectLst>
           <a:extLst>
             <a:ext uri="{C572A759-6A51-4108-AA02-DFA0A04FC94B}">
-              <ma14:wrappingTextBoxFlag xmlns="" xmlns:m="http://schemas.openxmlformats.org/officeDocument/2006/math" xmlns:a14="http://schemas.microsoft.com/office/drawing/2010/main" xmlns:ma14="http://schemas.microsoft.com/office/mac/drawingml/2011/main" val="1"/>
+              <ma14:wrappingTextBoxFlag xmlns:ma14="http://schemas.microsoft.com/office/mac/drawingml/2011/main" xmlns:a14="http://schemas.microsoft.com/office/drawing/2010/main" xmlns:m="http://schemas.openxmlformats.org/officeDocument/2006/math" xmlns="" val="1"/>
             </a:ext>
           </a:extLst>
         </p:spPr>
@@ -4361,7 +4361,7 @@
           </a:effectLst>
           <a:extLst>
             <a:ext uri="{C572A759-6A51-4108-AA02-DFA0A04FC94B}">
-              <ma14:wrappingTextBoxFlag xmlns="" xmlns:m="http://schemas.openxmlformats.org/officeDocument/2006/math" xmlns:a14="http://schemas.microsoft.com/office/drawing/2010/main" xmlns:ma14="http://schemas.microsoft.com/office/mac/drawingml/2011/main" val="1"/>
+              <ma14:wrappingTextBoxFlag xmlns:ma14="http://schemas.microsoft.com/office/mac/drawingml/2011/main" xmlns:a14="http://schemas.microsoft.com/office/drawing/2010/main" xmlns:m="http://schemas.openxmlformats.org/officeDocument/2006/math" xmlns="" val="1"/>
             </a:ext>
           </a:extLst>
         </p:spPr>
@@ -4647,7 +4647,7 @@
           </a:effectLst>
           <a:extLst>
             <a:ext uri="{C572A759-6A51-4108-AA02-DFA0A04FC94B}">
-              <ma14:wrappingTextBoxFlag xmlns="" xmlns:m="http://schemas.openxmlformats.org/officeDocument/2006/math" xmlns:a14="http://schemas.microsoft.com/office/drawing/2010/main" xmlns:ma14="http://schemas.microsoft.com/office/mac/drawingml/2011/main" val="1"/>
+              <ma14:wrappingTextBoxFlag xmlns:ma14="http://schemas.microsoft.com/office/mac/drawingml/2011/main" xmlns:a14="http://schemas.microsoft.com/office/drawing/2010/main" xmlns:m="http://schemas.openxmlformats.org/officeDocument/2006/math" xmlns="" val="1"/>
             </a:ext>
           </a:extLst>
         </p:spPr>
@@ -4706,7 +4706,7 @@
           </a:effectLst>
           <a:extLst>
             <a:ext uri="{C572A759-6A51-4108-AA02-DFA0A04FC94B}">
-              <ma14:wrappingTextBoxFlag xmlns="" xmlns:m="http://schemas.openxmlformats.org/officeDocument/2006/math" xmlns:a14="http://schemas.microsoft.com/office/drawing/2010/main" xmlns:ma14="http://schemas.microsoft.com/office/mac/drawingml/2011/main" val="1"/>
+              <ma14:wrappingTextBoxFlag xmlns:ma14="http://schemas.microsoft.com/office/mac/drawingml/2011/main" xmlns:a14="http://schemas.microsoft.com/office/drawing/2010/main" xmlns:m="http://schemas.openxmlformats.org/officeDocument/2006/math" xmlns="" val="1"/>
             </a:ext>
           </a:extLst>
         </p:spPr>
@@ -4771,7 +4771,7 @@
           </a:effectLst>
           <a:extLst>
             <a:ext uri="{C572A759-6A51-4108-AA02-DFA0A04FC94B}">
-              <ma14:wrappingTextBoxFlag xmlns="" xmlns:m="http://schemas.openxmlformats.org/officeDocument/2006/math" xmlns:a14="http://schemas.microsoft.com/office/drawing/2010/main" xmlns:ma14="http://schemas.microsoft.com/office/mac/drawingml/2011/main" val="1"/>
+              <ma14:wrappingTextBoxFlag xmlns:ma14="http://schemas.microsoft.com/office/mac/drawingml/2011/main" xmlns:a14="http://schemas.microsoft.com/office/drawing/2010/main" xmlns:m="http://schemas.openxmlformats.org/officeDocument/2006/math" xmlns="" val="1"/>
             </a:ext>
           </a:extLst>
         </p:spPr>
@@ -4836,7 +4836,7 @@
           </a:effectLst>
           <a:extLst>
             <a:ext uri="{C572A759-6A51-4108-AA02-DFA0A04FC94B}">
-              <ma14:wrappingTextBoxFlag xmlns="" xmlns:m="http://schemas.openxmlformats.org/officeDocument/2006/math" xmlns:a14="http://schemas.microsoft.com/office/drawing/2010/main" xmlns:ma14="http://schemas.microsoft.com/office/mac/drawingml/2011/main" val="1"/>
+              <ma14:wrappingTextBoxFlag xmlns:ma14="http://schemas.microsoft.com/office/mac/drawingml/2011/main" xmlns:a14="http://schemas.microsoft.com/office/drawing/2010/main" xmlns:m="http://schemas.openxmlformats.org/officeDocument/2006/math" xmlns="" val="1"/>
             </a:ext>
           </a:extLst>
         </p:spPr>
@@ -4901,7 +4901,7 @@
           </a:effectLst>
           <a:extLst>
             <a:ext uri="{C572A759-6A51-4108-AA02-DFA0A04FC94B}">
-              <ma14:wrappingTextBoxFlag xmlns="" xmlns:m="http://schemas.openxmlformats.org/officeDocument/2006/math" xmlns:a14="http://schemas.microsoft.com/office/drawing/2010/main" xmlns:ma14="http://schemas.microsoft.com/office/mac/drawingml/2011/main" val="1"/>
+              <ma14:wrappingTextBoxFlag xmlns:ma14="http://schemas.microsoft.com/office/mac/drawingml/2011/main" xmlns:a14="http://schemas.microsoft.com/office/drawing/2010/main" xmlns:m="http://schemas.openxmlformats.org/officeDocument/2006/math" xmlns="" val="1"/>
             </a:ext>
           </a:extLst>
         </p:spPr>
@@ -5032,7 +5032,7 @@
             <a:effectLst/>
             <a:extLst>
               <a:ext uri="{C572A759-6A51-4108-AA02-DFA0A04FC94B}">
-                <ma14:wrappingTextBoxFlag xmlns="" xmlns:m="http://schemas.openxmlformats.org/officeDocument/2006/math" xmlns:a14="http://schemas.microsoft.com/office/drawing/2010/main" xmlns:ma14="http://schemas.microsoft.com/office/mac/drawingml/2011/main" val="1"/>
+                <ma14:wrappingTextBoxFlag xmlns:ma14="http://schemas.microsoft.com/office/mac/drawingml/2011/main" xmlns:a14="http://schemas.microsoft.com/office/drawing/2010/main" xmlns:m="http://schemas.openxmlformats.org/officeDocument/2006/math" xmlns="" val="1"/>
               </a:ext>
             </a:extLst>
           </p:spPr>
@@ -5161,7 +5161,7 @@
             <a:effectLst/>
             <a:extLst>
               <a:ext uri="{C572A759-6A51-4108-AA02-DFA0A04FC94B}">
-                <ma14:wrappingTextBoxFlag xmlns="" xmlns:m="http://schemas.openxmlformats.org/officeDocument/2006/math" xmlns:a14="http://schemas.microsoft.com/office/drawing/2010/main" xmlns:ma14="http://schemas.microsoft.com/office/mac/drawingml/2011/main" val="1"/>
+                <ma14:wrappingTextBoxFlag xmlns:ma14="http://schemas.microsoft.com/office/mac/drawingml/2011/main" xmlns:a14="http://schemas.microsoft.com/office/drawing/2010/main" xmlns:m="http://schemas.openxmlformats.org/officeDocument/2006/math" xmlns="" val="1"/>
               </a:ext>
             </a:extLst>
           </p:spPr>
@@ -5212,7 +5212,7 @@
             </a:ln>
             <a:extLst>
               <a:ext uri="{C572A759-6A51-4108-AA02-DFA0A04FC94B}">
-                <ma14:wrappingTextBoxFlag xmlns="" xmlns:m="http://schemas.openxmlformats.org/officeDocument/2006/math" xmlns:a14="http://schemas.microsoft.com/office/drawing/2010/main" xmlns:ma14="http://schemas.microsoft.com/office/mac/drawingml/2011/main" val="1"/>
+                <ma14:wrappingTextBoxFlag xmlns:ma14="http://schemas.microsoft.com/office/mac/drawingml/2011/main" xmlns:a14="http://schemas.microsoft.com/office/drawing/2010/main" xmlns:m="http://schemas.openxmlformats.org/officeDocument/2006/math" xmlns="" val="1"/>
               </a:ext>
             </a:extLst>
           </p:spPr>
@@ -5406,7 +5406,7 @@
             </a:effectLst>
             <a:extLst>
               <a:ext uri="{C572A759-6A51-4108-AA02-DFA0A04FC94B}">
-                <ma14:wrappingTextBoxFlag xmlns="" xmlns:m="http://schemas.openxmlformats.org/officeDocument/2006/math" xmlns:a14="http://schemas.microsoft.com/office/drawing/2010/main" xmlns:ma14="http://schemas.microsoft.com/office/mac/drawingml/2011/main" val="1"/>
+                <ma14:wrappingTextBoxFlag xmlns:ma14="http://schemas.microsoft.com/office/mac/drawingml/2011/main" xmlns:a14="http://schemas.microsoft.com/office/drawing/2010/main" xmlns:m="http://schemas.openxmlformats.org/officeDocument/2006/math" xmlns="" val="1"/>
               </a:ext>
             </a:extLst>
           </p:spPr>
@@ -5476,7 +5476,7 @@
             </a:effectLst>
             <a:extLst>
               <a:ext uri="{C572A759-6A51-4108-AA02-DFA0A04FC94B}">
-                <ma14:wrappingTextBoxFlag xmlns="" xmlns:m="http://schemas.openxmlformats.org/officeDocument/2006/math" xmlns:a14="http://schemas.microsoft.com/office/drawing/2010/main" xmlns:ma14="http://schemas.microsoft.com/office/mac/drawingml/2011/main" val="1"/>
+                <ma14:wrappingTextBoxFlag xmlns:ma14="http://schemas.microsoft.com/office/mac/drawingml/2011/main" xmlns:a14="http://schemas.microsoft.com/office/drawing/2010/main" xmlns:m="http://schemas.openxmlformats.org/officeDocument/2006/math" xmlns="" val="1"/>
               </a:ext>
             </a:extLst>
           </p:spPr>
@@ -5599,7 +5599,7 @@
           </a:ln>
           <a:extLst>
             <a:ext uri="{C572A759-6A51-4108-AA02-DFA0A04FC94B}">
-              <ma14:wrappingTextBoxFlag xmlns="" xmlns:m="http://schemas.openxmlformats.org/officeDocument/2006/math" xmlns:a14="http://schemas.microsoft.com/office/drawing/2010/main" xmlns:ma14="http://schemas.microsoft.com/office/mac/drawingml/2011/main" val="1"/>
+              <ma14:wrappingTextBoxFlag xmlns:ma14="http://schemas.microsoft.com/office/mac/drawingml/2011/main" xmlns:a14="http://schemas.microsoft.com/office/drawing/2010/main" xmlns:m="http://schemas.openxmlformats.org/officeDocument/2006/math" xmlns="" val="1"/>
             </a:ext>
           </a:extLst>
         </p:spPr>
@@ -5688,7 +5688,7 @@
             </a:effectLst>
             <a:extLst>
               <a:ext uri="{C572A759-6A51-4108-AA02-DFA0A04FC94B}">
-                <ma14:wrappingTextBoxFlag xmlns="" xmlns:m="http://schemas.openxmlformats.org/officeDocument/2006/math" xmlns:a14="http://schemas.microsoft.com/office/drawing/2010/main" xmlns:ma14="http://schemas.microsoft.com/office/mac/drawingml/2011/main" val="1"/>
+                <ma14:wrappingTextBoxFlag xmlns:ma14="http://schemas.microsoft.com/office/mac/drawingml/2011/main" xmlns:a14="http://schemas.microsoft.com/office/drawing/2010/main" xmlns:m="http://schemas.openxmlformats.org/officeDocument/2006/math" xmlns="" val="1"/>
               </a:ext>
             </a:extLst>
           </p:spPr>
@@ -5782,7 +5782,7 @@
                 </a:effectLst>
                 <a:extLst>
                   <a:ext uri="{C572A759-6A51-4108-AA02-DFA0A04FC94B}">
-                    <ma14:wrappingTextBoxFlag xmlns="" xmlns:m="http://schemas.openxmlformats.org/officeDocument/2006/math" xmlns:a14="http://schemas.microsoft.com/office/drawing/2010/main" xmlns:ma14="http://schemas.microsoft.com/office/mac/drawingml/2011/main" val="1"/>
+                    <ma14:wrappingTextBoxFlag xmlns:ma14="http://schemas.microsoft.com/office/mac/drawingml/2011/main" xmlns:a14="http://schemas.microsoft.com/office/drawing/2010/main" xmlns:m="http://schemas.openxmlformats.org/officeDocument/2006/math" xmlns="" val="1"/>
                   </a:ext>
                 </a:extLst>
               </p:spPr>
@@ -5849,7 +5849,7 @@
                 </a:effectLst>
                 <a:extLst>
                   <a:ext uri="{C572A759-6A51-4108-AA02-DFA0A04FC94B}">
-                    <ma14:wrappingTextBoxFlag xmlns="" xmlns:m="http://schemas.openxmlformats.org/officeDocument/2006/math" xmlns:a14="http://schemas.microsoft.com/office/drawing/2010/main" xmlns:ma14="http://schemas.microsoft.com/office/mac/drawingml/2011/main" val="1"/>
+                    <ma14:wrappingTextBoxFlag xmlns:ma14="http://schemas.microsoft.com/office/mac/drawingml/2011/main" xmlns:a14="http://schemas.microsoft.com/office/drawing/2010/main" xmlns:m="http://schemas.openxmlformats.org/officeDocument/2006/math" xmlns="" val="1"/>
                   </a:ext>
                 </a:extLst>
               </p:spPr>
@@ -5934,7 +5934,7 @@
                 </a:effectLst>
                 <a:extLst>
                   <a:ext uri="{C572A759-6A51-4108-AA02-DFA0A04FC94B}">
-                    <ma14:wrappingTextBoxFlag xmlns="" xmlns:m="http://schemas.openxmlformats.org/officeDocument/2006/math" xmlns:a14="http://schemas.microsoft.com/office/drawing/2010/main" xmlns:ma14="http://schemas.microsoft.com/office/mac/drawingml/2011/main" val="1"/>
+                    <ma14:wrappingTextBoxFlag xmlns:ma14="http://schemas.microsoft.com/office/mac/drawingml/2011/main" xmlns:a14="http://schemas.microsoft.com/office/drawing/2010/main" xmlns:m="http://schemas.openxmlformats.org/officeDocument/2006/math" xmlns="" val="1"/>
                   </a:ext>
                 </a:extLst>
               </p:spPr>
@@ -6001,7 +6001,7 @@
                 </a:effectLst>
                 <a:extLst>
                   <a:ext uri="{C572A759-6A51-4108-AA02-DFA0A04FC94B}">
-                    <ma14:wrappingTextBoxFlag xmlns="" xmlns:m="http://schemas.openxmlformats.org/officeDocument/2006/math" xmlns:a14="http://schemas.microsoft.com/office/drawing/2010/main" xmlns:ma14="http://schemas.microsoft.com/office/mac/drawingml/2011/main" val="1"/>
+                    <ma14:wrappingTextBoxFlag xmlns:ma14="http://schemas.microsoft.com/office/mac/drawingml/2011/main" xmlns:a14="http://schemas.microsoft.com/office/drawing/2010/main" xmlns:m="http://schemas.openxmlformats.org/officeDocument/2006/math" xmlns="" val="1"/>
                   </a:ext>
                 </a:extLst>
               </p:spPr>
@@ -6090,7 +6090,7 @@
                 </a:effectLst>
                 <a:extLst>
                   <a:ext uri="{C572A759-6A51-4108-AA02-DFA0A04FC94B}">
-                    <ma14:wrappingTextBoxFlag xmlns="" xmlns:m="http://schemas.openxmlformats.org/officeDocument/2006/math" xmlns:a14="http://schemas.microsoft.com/office/drawing/2010/main" xmlns:ma14="http://schemas.microsoft.com/office/mac/drawingml/2011/main" val="1"/>
+                    <ma14:wrappingTextBoxFlag xmlns:ma14="http://schemas.microsoft.com/office/mac/drawingml/2011/main" xmlns:a14="http://schemas.microsoft.com/office/drawing/2010/main" xmlns:m="http://schemas.openxmlformats.org/officeDocument/2006/math" xmlns="" val="1"/>
                   </a:ext>
                 </a:extLst>
               </p:spPr>
@@ -6157,7 +6157,7 @@
                 </a:effectLst>
                 <a:extLst>
                   <a:ext uri="{C572A759-6A51-4108-AA02-DFA0A04FC94B}">
-                    <ma14:wrappingTextBoxFlag xmlns="" xmlns:m="http://schemas.openxmlformats.org/officeDocument/2006/math" xmlns:a14="http://schemas.microsoft.com/office/drawing/2010/main" xmlns:ma14="http://schemas.microsoft.com/office/mac/drawingml/2011/main" val="1"/>
+                    <ma14:wrappingTextBoxFlag xmlns:ma14="http://schemas.microsoft.com/office/mac/drawingml/2011/main" xmlns:a14="http://schemas.microsoft.com/office/drawing/2010/main" xmlns:m="http://schemas.openxmlformats.org/officeDocument/2006/math" xmlns="" val="1"/>
                   </a:ext>
                 </a:extLst>
               </p:spPr>
@@ -6242,7 +6242,7 @@
                 </a:effectLst>
                 <a:extLst>
                   <a:ext uri="{C572A759-6A51-4108-AA02-DFA0A04FC94B}">
-                    <ma14:wrappingTextBoxFlag xmlns="" xmlns:m="http://schemas.openxmlformats.org/officeDocument/2006/math" xmlns:a14="http://schemas.microsoft.com/office/drawing/2010/main" xmlns:ma14="http://schemas.microsoft.com/office/mac/drawingml/2011/main" val="1"/>
+                    <ma14:wrappingTextBoxFlag xmlns:ma14="http://schemas.microsoft.com/office/mac/drawingml/2011/main" xmlns:a14="http://schemas.microsoft.com/office/drawing/2010/main" xmlns:m="http://schemas.openxmlformats.org/officeDocument/2006/math" xmlns="" val="1"/>
                   </a:ext>
                 </a:extLst>
               </p:spPr>
@@ -6309,7 +6309,7 @@
                 </a:effectLst>
                 <a:extLst>
                   <a:ext uri="{C572A759-6A51-4108-AA02-DFA0A04FC94B}">
-                    <ma14:wrappingTextBoxFlag xmlns="" xmlns:m="http://schemas.openxmlformats.org/officeDocument/2006/math" xmlns:a14="http://schemas.microsoft.com/office/drawing/2010/main" xmlns:ma14="http://schemas.microsoft.com/office/mac/drawingml/2011/main" val="1"/>
+                    <ma14:wrappingTextBoxFlag xmlns:ma14="http://schemas.microsoft.com/office/mac/drawingml/2011/main" xmlns:a14="http://schemas.microsoft.com/office/drawing/2010/main" xmlns:m="http://schemas.openxmlformats.org/officeDocument/2006/math" xmlns="" val="1"/>
                   </a:ext>
                 </a:extLst>
               </p:spPr>
@@ -6400,7 +6400,7 @@
                 </a:effectLst>
                 <a:extLst>
                   <a:ext uri="{C572A759-6A51-4108-AA02-DFA0A04FC94B}">
-                    <ma14:wrappingTextBoxFlag xmlns="" xmlns:m="http://schemas.openxmlformats.org/officeDocument/2006/math" xmlns:a14="http://schemas.microsoft.com/office/drawing/2010/main" xmlns:ma14="http://schemas.microsoft.com/office/mac/drawingml/2011/main" val="1"/>
+                    <ma14:wrappingTextBoxFlag xmlns:ma14="http://schemas.microsoft.com/office/mac/drawingml/2011/main" xmlns:a14="http://schemas.microsoft.com/office/drawing/2010/main" xmlns:m="http://schemas.openxmlformats.org/officeDocument/2006/math" xmlns="" val="1"/>
                   </a:ext>
                 </a:extLst>
               </p:spPr>
@@ -6490,7 +6490,7 @@
                 </a:effectLst>
                 <a:extLst>
                   <a:ext uri="{C572A759-6A51-4108-AA02-DFA0A04FC94B}">
-                    <ma14:wrappingTextBoxFlag xmlns="" xmlns:m="http://schemas.openxmlformats.org/officeDocument/2006/math" xmlns:a14="http://schemas.microsoft.com/office/drawing/2010/main" xmlns:ma14="http://schemas.microsoft.com/office/mac/drawingml/2011/main" val="1"/>
+                    <ma14:wrappingTextBoxFlag xmlns:ma14="http://schemas.microsoft.com/office/mac/drawingml/2011/main" xmlns:a14="http://schemas.microsoft.com/office/drawing/2010/main" xmlns:m="http://schemas.openxmlformats.org/officeDocument/2006/math" xmlns="" val="1"/>
                   </a:ext>
                 </a:extLst>
               </p:spPr>
@@ -6601,7 +6601,7 @@
               </a:effectLst>
               <a:extLst>
                 <a:ext uri="{C572A759-6A51-4108-AA02-DFA0A04FC94B}">
-                  <ma14:wrappingTextBoxFlag xmlns="" xmlns:m="http://schemas.openxmlformats.org/officeDocument/2006/math" xmlns:a14="http://schemas.microsoft.com/office/drawing/2010/main" xmlns:ma14="http://schemas.microsoft.com/office/mac/drawingml/2011/main" val="1"/>
+                  <ma14:wrappingTextBoxFlag xmlns:ma14="http://schemas.microsoft.com/office/mac/drawingml/2011/main" xmlns:a14="http://schemas.microsoft.com/office/drawing/2010/main" xmlns:m="http://schemas.openxmlformats.org/officeDocument/2006/math" xmlns="" val="1"/>
                 </a:ext>
               </a:extLst>
             </p:spPr>
@@ -6687,7 +6687,7 @@
               </a:effectLst>
               <a:extLst>
                 <a:ext uri="{C572A759-6A51-4108-AA02-DFA0A04FC94B}">
-                  <ma14:wrappingTextBoxFlag xmlns="" xmlns:m="http://schemas.openxmlformats.org/officeDocument/2006/math" xmlns:a14="http://schemas.microsoft.com/office/drawing/2010/main" xmlns:ma14="http://schemas.microsoft.com/office/mac/drawingml/2011/main" val="1"/>
+                  <ma14:wrappingTextBoxFlag xmlns:ma14="http://schemas.microsoft.com/office/mac/drawingml/2011/main" xmlns:a14="http://schemas.microsoft.com/office/drawing/2010/main" xmlns:m="http://schemas.openxmlformats.org/officeDocument/2006/math" xmlns="" val="1"/>
                 </a:ext>
               </a:extLst>
             </p:spPr>
@@ -6751,7 +6751,7 @@
               </a:effectLst>
               <a:extLst>
                 <a:ext uri="{C572A759-6A51-4108-AA02-DFA0A04FC94B}">
-                  <ma14:wrappingTextBoxFlag xmlns="" xmlns:m="http://schemas.openxmlformats.org/officeDocument/2006/math" xmlns:a14="http://schemas.microsoft.com/office/drawing/2010/main" xmlns:ma14="http://schemas.microsoft.com/office/mac/drawingml/2011/main" val="1"/>
+                  <ma14:wrappingTextBoxFlag xmlns:ma14="http://schemas.microsoft.com/office/mac/drawingml/2011/main" xmlns:a14="http://schemas.microsoft.com/office/drawing/2010/main" xmlns:m="http://schemas.openxmlformats.org/officeDocument/2006/math" xmlns="" val="1"/>
                 </a:ext>
               </a:extLst>
             </p:spPr>
@@ -6825,7 +6825,7 @@
               </a:effectLst>
               <a:extLst>
                 <a:ext uri="{C572A759-6A51-4108-AA02-DFA0A04FC94B}">
-                  <ma14:wrappingTextBoxFlag xmlns="" xmlns:m="http://schemas.openxmlformats.org/officeDocument/2006/math" xmlns:a14="http://schemas.microsoft.com/office/drawing/2010/main" xmlns:ma14="http://schemas.microsoft.com/office/mac/drawingml/2011/main" val="1"/>
+                  <ma14:wrappingTextBoxFlag xmlns:ma14="http://schemas.microsoft.com/office/mac/drawingml/2011/main" xmlns:a14="http://schemas.microsoft.com/office/drawing/2010/main" xmlns:m="http://schemas.openxmlformats.org/officeDocument/2006/math" xmlns="" val="1"/>
                 </a:ext>
               </a:extLst>
             </p:spPr>
@@ -6920,7 +6920,7 @@
               </a:effectLst>
               <a:extLst>
                 <a:ext uri="{C572A759-6A51-4108-AA02-DFA0A04FC94B}">
-                  <ma14:wrappingTextBoxFlag xmlns="" xmlns:m="http://schemas.openxmlformats.org/officeDocument/2006/math" xmlns:a14="http://schemas.microsoft.com/office/drawing/2010/main" xmlns:ma14="http://schemas.microsoft.com/office/mac/drawingml/2011/main" val="1"/>
+                  <ma14:wrappingTextBoxFlag xmlns:ma14="http://schemas.microsoft.com/office/mac/drawingml/2011/main" xmlns:a14="http://schemas.microsoft.com/office/drawing/2010/main" xmlns:m="http://schemas.openxmlformats.org/officeDocument/2006/math" xmlns="" val="1"/>
                 </a:ext>
               </a:extLst>
             </p:spPr>
@@ -7023,7 +7023,7 @@
               </a:effectLst>
               <a:extLst>
                 <a:ext uri="{C572A759-6A51-4108-AA02-DFA0A04FC94B}">
-                  <ma14:wrappingTextBoxFlag xmlns="" xmlns:m="http://schemas.openxmlformats.org/officeDocument/2006/math" xmlns:a14="http://schemas.microsoft.com/office/drawing/2010/main" xmlns:ma14="http://schemas.microsoft.com/office/mac/drawingml/2011/main" val="1"/>
+                  <ma14:wrappingTextBoxFlag xmlns:ma14="http://schemas.microsoft.com/office/mac/drawingml/2011/main" xmlns:a14="http://schemas.microsoft.com/office/drawing/2010/main" xmlns:m="http://schemas.openxmlformats.org/officeDocument/2006/math" xmlns="" val="1"/>
                 </a:ext>
               </a:extLst>
             </p:spPr>
@@ -7097,7 +7097,7 @@
               </a:effectLst>
               <a:extLst>
                 <a:ext uri="{C572A759-6A51-4108-AA02-DFA0A04FC94B}">
-                  <ma14:wrappingTextBoxFlag xmlns="" xmlns:m="http://schemas.openxmlformats.org/officeDocument/2006/math" xmlns:a14="http://schemas.microsoft.com/office/drawing/2010/main" xmlns:ma14="http://schemas.microsoft.com/office/mac/drawingml/2011/main" val="1"/>
+                  <ma14:wrappingTextBoxFlag xmlns:ma14="http://schemas.microsoft.com/office/mac/drawingml/2011/main" xmlns:a14="http://schemas.microsoft.com/office/drawing/2010/main" xmlns:m="http://schemas.openxmlformats.org/officeDocument/2006/math" xmlns="" val="1"/>
                 </a:ext>
               </a:extLst>
             </p:spPr>
@@ -7171,7 +7171,7 @@
               </a:effectLst>
               <a:extLst>
                 <a:ext uri="{C572A759-6A51-4108-AA02-DFA0A04FC94B}">
-                  <ma14:wrappingTextBoxFlag xmlns="" xmlns:m="http://schemas.openxmlformats.org/officeDocument/2006/math" xmlns:a14="http://schemas.microsoft.com/office/drawing/2010/main" xmlns:ma14="http://schemas.microsoft.com/office/mac/drawingml/2011/main" val="1"/>
+                  <ma14:wrappingTextBoxFlag xmlns:ma14="http://schemas.microsoft.com/office/mac/drawingml/2011/main" xmlns:a14="http://schemas.microsoft.com/office/drawing/2010/main" xmlns:m="http://schemas.openxmlformats.org/officeDocument/2006/math" xmlns="" val="1"/>
                 </a:ext>
               </a:extLst>
             </p:spPr>
@@ -7244,7 +7244,7 @@
           </a:effectLst>
           <a:extLst>
             <a:ext uri="{C572A759-6A51-4108-AA02-DFA0A04FC94B}">
-              <ma14:wrappingTextBoxFlag xmlns="" xmlns:m="http://schemas.openxmlformats.org/officeDocument/2006/math" xmlns:a14="http://schemas.microsoft.com/office/drawing/2010/main" xmlns:ma14="http://schemas.microsoft.com/office/mac/drawingml/2011/main" val="1"/>
+              <ma14:wrappingTextBoxFlag xmlns:ma14="http://schemas.microsoft.com/office/mac/drawingml/2011/main" xmlns:a14="http://schemas.microsoft.com/office/drawing/2010/main" xmlns:m="http://schemas.openxmlformats.org/officeDocument/2006/math" xmlns="" val="1"/>
             </a:ext>
           </a:extLst>
         </p:spPr>
@@ -7302,7 +7302,7 @@
           </a:effectLst>
           <a:extLst>
             <a:ext uri="{C572A759-6A51-4108-AA02-DFA0A04FC94B}">
-              <ma14:wrappingTextBoxFlag xmlns="" xmlns:m="http://schemas.openxmlformats.org/officeDocument/2006/math" xmlns:a14="http://schemas.microsoft.com/office/drawing/2010/main" xmlns:ma14="http://schemas.microsoft.com/office/mac/drawingml/2011/main" val="1"/>
+              <ma14:wrappingTextBoxFlag xmlns:ma14="http://schemas.microsoft.com/office/mac/drawingml/2011/main" xmlns:a14="http://schemas.microsoft.com/office/drawing/2010/main" xmlns:m="http://schemas.openxmlformats.org/officeDocument/2006/math" xmlns="" val="1"/>
             </a:ext>
           </a:extLst>
         </p:spPr>
@@ -7372,7 +7372,7 @@
           </a:effectLst>
           <a:extLst>
             <a:ext uri="{C572A759-6A51-4108-AA02-DFA0A04FC94B}">
-              <ma14:wrappingTextBoxFlag xmlns="" xmlns:m="http://schemas.openxmlformats.org/officeDocument/2006/math" xmlns:a14="http://schemas.microsoft.com/office/drawing/2010/main" xmlns:ma14="http://schemas.microsoft.com/office/mac/drawingml/2011/main" val="1"/>
+              <ma14:wrappingTextBoxFlag xmlns:ma14="http://schemas.microsoft.com/office/mac/drawingml/2011/main" xmlns:a14="http://schemas.microsoft.com/office/drawing/2010/main" xmlns:m="http://schemas.openxmlformats.org/officeDocument/2006/math" xmlns="" val="1"/>
             </a:ext>
           </a:extLst>
         </p:spPr>
@@ -7442,7 +7442,7 @@
           </a:effectLst>
           <a:extLst>
             <a:ext uri="{C572A759-6A51-4108-AA02-DFA0A04FC94B}">
-              <ma14:wrappingTextBoxFlag xmlns="" xmlns:m="http://schemas.openxmlformats.org/officeDocument/2006/math" xmlns:a14="http://schemas.microsoft.com/office/drawing/2010/main" xmlns:ma14="http://schemas.microsoft.com/office/mac/drawingml/2011/main" val="1"/>
+              <ma14:wrappingTextBoxFlag xmlns:ma14="http://schemas.microsoft.com/office/mac/drawingml/2011/main" xmlns:a14="http://schemas.microsoft.com/office/drawing/2010/main" xmlns:m="http://schemas.openxmlformats.org/officeDocument/2006/math" xmlns="" val="1"/>
             </a:ext>
           </a:extLst>
         </p:spPr>
@@ -7512,7 +7512,7 @@
           </a:effectLst>
           <a:extLst>
             <a:ext uri="{C572A759-6A51-4108-AA02-DFA0A04FC94B}">
-              <ma14:wrappingTextBoxFlag xmlns="" xmlns:m="http://schemas.openxmlformats.org/officeDocument/2006/math" xmlns:a14="http://schemas.microsoft.com/office/drawing/2010/main" xmlns:ma14="http://schemas.microsoft.com/office/mac/drawingml/2011/main" val="1"/>
+              <ma14:wrappingTextBoxFlag xmlns:ma14="http://schemas.microsoft.com/office/mac/drawingml/2011/main" xmlns:a14="http://schemas.microsoft.com/office/drawing/2010/main" xmlns:m="http://schemas.openxmlformats.org/officeDocument/2006/math" xmlns="" val="1"/>
             </a:ext>
           </a:extLst>
         </p:spPr>
@@ -7738,7 +7738,7 @@
           </a:effectLst>
           <a:extLst>
             <a:ext uri="{C572A759-6A51-4108-AA02-DFA0A04FC94B}">
-              <ma14:wrappingTextBoxFlag xmlns="" xmlns:m="http://schemas.openxmlformats.org/officeDocument/2006/math" xmlns:a14="http://schemas.microsoft.com/office/drawing/2010/main" xmlns:ma14="http://schemas.microsoft.com/office/mac/drawingml/2011/main" val="1"/>
+              <ma14:wrappingTextBoxFlag xmlns:ma14="http://schemas.microsoft.com/office/mac/drawingml/2011/main" xmlns:a14="http://schemas.microsoft.com/office/drawing/2010/main" xmlns:m="http://schemas.openxmlformats.org/officeDocument/2006/math" xmlns="" val="1"/>
             </a:ext>
           </a:extLst>
         </p:spPr>
@@ -7789,7 +7789,7 @@
           </a:ln>
           <a:extLst>
             <a:ext uri="{C572A759-6A51-4108-AA02-DFA0A04FC94B}">
-              <ma14:wrappingTextBoxFlag xmlns="" xmlns:m="http://schemas.openxmlformats.org/officeDocument/2006/math" xmlns:a14="http://schemas.microsoft.com/office/drawing/2010/main" xmlns:ma14="http://schemas.microsoft.com/office/mac/drawingml/2011/main" val="1"/>
+              <ma14:wrappingTextBoxFlag xmlns:ma14="http://schemas.microsoft.com/office/mac/drawingml/2011/main" xmlns:a14="http://schemas.microsoft.com/office/drawing/2010/main" xmlns:m="http://schemas.openxmlformats.org/officeDocument/2006/math" xmlns="" val="1"/>
             </a:ext>
           </a:extLst>
         </p:spPr>
@@ -7844,7 +7844,7 @@
           </a:ln>
           <a:extLst>
             <a:ext uri="{C572A759-6A51-4108-AA02-DFA0A04FC94B}">
-              <ma14:wrappingTextBoxFlag xmlns="" xmlns:m="http://schemas.openxmlformats.org/officeDocument/2006/math" xmlns:a14="http://schemas.microsoft.com/office/drawing/2010/main" xmlns:ma14="http://schemas.microsoft.com/office/mac/drawingml/2011/main" val="1"/>
+              <ma14:wrappingTextBoxFlag xmlns:ma14="http://schemas.microsoft.com/office/mac/drawingml/2011/main" xmlns:a14="http://schemas.microsoft.com/office/drawing/2010/main" xmlns:m="http://schemas.openxmlformats.org/officeDocument/2006/math" xmlns="" val="1"/>
             </a:ext>
           </a:extLst>
         </p:spPr>
@@ -7982,7 +7982,7 @@
           </a:effectLst>
           <a:extLst>
             <a:ext uri="{C572A759-6A51-4108-AA02-DFA0A04FC94B}">
-              <ma14:wrappingTextBoxFlag xmlns="" xmlns:m="http://schemas.openxmlformats.org/officeDocument/2006/math" xmlns:a14="http://schemas.microsoft.com/office/drawing/2010/main" xmlns:ma14="http://schemas.microsoft.com/office/mac/drawingml/2011/main" val="1"/>
+              <ma14:wrappingTextBoxFlag xmlns:ma14="http://schemas.microsoft.com/office/mac/drawingml/2011/main" xmlns:a14="http://schemas.microsoft.com/office/drawing/2010/main" xmlns:m="http://schemas.openxmlformats.org/officeDocument/2006/math" xmlns="" val="1"/>
             </a:ext>
           </a:extLst>
         </p:spPr>
@@ -8046,7 +8046,7 @@
           </a:effectLst>
           <a:extLst>
             <a:ext uri="{C572A759-6A51-4108-AA02-DFA0A04FC94B}">
-              <ma14:wrappingTextBoxFlag xmlns="" xmlns:m="http://schemas.openxmlformats.org/officeDocument/2006/math" xmlns:a14="http://schemas.microsoft.com/office/drawing/2010/main" xmlns:ma14="http://schemas.microsoft.com/office/mac/drawingml/2011/main" val="1"/>
+              <ma14:wrappingTextBoxFlag xmlns:ma14="http://schemas.microsoft.com/office/mac/drawingml/2011/main" xmlns:a14="http://schemas.microsoft.com/office/drawing/2010/main" xmlns:m="http://schemas.openxmlformats.org/officeDocument/2006/math" xmlns="" val="1"/>
             </a:ext>
           </a:extLst>
         </p:spPr>
@@ -8116,7 +8116,7 @@
           </a:effectLst>
           <a:extLst>
             <a:ext uri="{C572A759-6A51-4108-AA02-DFA0A04FC94B}">
-              <ma14:wrappingTextBoxFlag xmlns="" xmlns:m="http://schemas.openxmlformats.org/officeDocument/2006/math" xmlns:a14="http://schemas.microsoft.com/office/drawing/2010/main" xmlns:ma14="http://schemas.microsoft.com/office/mac/drawingml/2011/main" val="1"/>
+              <ma14:wrappingTextBoxFlag xmlns:ma14="http://schemas.microsoft.com/office/mac/drawingml/2011/main" xmlns:a14="http://schemas.microsoft.com/office/drawing/2010/main" xmlns:m="http://schemas.openxmlformats.org/officeDocument/2006/math" xmlns="" val="1"/>
             </a:ext>
           </a:extLst>
         </p:spPr>
@@ -8186,7 +8186,7 @@
           </a:effectLst>
           <a:extLst>
             <a:ext uri="{C572A759-6A51-4108-AA02-DFA0A04FC94B}">
-              <ma14:wrappingTextBoxFlag xmlns="" xmlns:m="http://schemas.openxmlformats.org/officeDocument/2006/math" xmlns:a14="http://schemas.microsoft.com/office/drawing/2010/main" xmlns:ma14="http://schemas.microsoft.com/office/mac/drawingml/2011/main" val="1"/>
+              <ma14:wrappingTextBoxFlag xmlns:ma14="http://schemas.microsoft.com/office/mac/drawingml/2011/main" xmlns:a14="http://schemas.microsoft.com/office/drawing/2010/main" xmlns:m="http://schemas.openxmlformats.org/officeDocument/2006/math" xmlns="" val="1"/>
             </a:ext>
           </a:extLst>
         </p:spPr>
@@ -8256,7 +8256,7 @@
           </a:effectLst>
           <a:extLst>
             <a:ext uri="{C572A759-6A51-4108-AA02-DFA0A04FC94B}">
-              <ma14:wrappingTextBoxFlag xmlns="" xmlns:m="http://schemas.openxmlformats.org/officeDocument/2006/math" xmlns:a14="http://schemas.microsoft.com/office/drawing/2010/main" xmlns:ma14="http://schemas.microsoft.com/office/mac/drawingml/2011/main" val="1"/>
+              <ma14:wrappingTextBoxFlag xmlns:ma14="http://schemas.microsoft.com/office/mac/drawingml/2011/main" xmlns:a14="http://schemas.microsoft.com/office/drawing/2010/main" xmlns:m="http://schemas.openxmlformats.org/officeDocument/2006/math" xmlns="" val="1"/>
             </a:ext>
           </a:extLst>
         </p:spPr>
@@ -8346,7 +8346,7 @@
             </a:effectLst>
             <a:extLst>
               <a:ext uri="{C572A759-6A51-4108-AA02-DFA0A04FC94B}">
-                <ma14:wrappingTextBoxFlag xmlns="" xmlns:m="http://schemas.openxmlformats.org/officeDocument/2006/math" xmlns:a14="http://schemas.microsoft.com/office/drawing/2010/main" xmlns:ma14="http://schemas.microsoft.com/office/mac/drawingml/2011/main" val="1"/>
+                <ma14:wrappingTextBoxFlag xmlns:ma14="http://schemas.microsoft.com/office/mac/drawingml/2011/main" xmlns:a14="http://schemas.microsoft.com/office/drawing/2010/main" xmlns:m="http://schemas.openxmlformats.org/officeDocument/2006/math" xmlns="" val="1"/>
               </a:ext>
             </a:extLst>
           </p:spPr>
@@ -8416,7 +8416,7 @@
             </a:effectLst>
             <a:extLst>
               <a:ext uri="{C572A759-6A51-4108-AA02-DFA0A04FC94B}">
-                <ma14:wrappingTextBoxFlag xmlns="" xmlns:m="http://schemas.openxmlformats.org/officeDocument/2006/math" xmlns:a14="http://schemas.microsoft.com/office/drawing/2010/main" xmlns:ma14="http://schemas.microsoft.com/office/mac/drawingml/2011/main" val="1"/>
+                <ma14:wrappingTextBoxFlag xmlns:ma14="http://schemas.microsoft.com/office/mac/drawingml/2011/main" xmlns:a14="http://schemas.microsoft.com/office/drawing/2010/main" xmlns:m="http://schemas.openxmlformats.org/officeDocument/2006/math" xmlns="" val="1"/>
               </a:ext>
             </a:extLst>
           </p:spPr>
@@ -8514,7 +8514,7 @@
             </a:effectLst>
             <a:extLst>
               <a:ext uri="{C572A759-6A51-4108-AA02-DFA0A04FC94B}">
-                <ma14:wrappingTextBoxFlag xmlns="" xmlns:m="http://schemas.openxmlformats.org/officeDocument/2006/math" xmlns:a14="http://schemas.microsoft.com/office/drawing/2010/main" xmlns:ma14="http://schemas.microsoft.com/office/mac/drawingml/2011/main" val="1"/>
+                <ma14:wrappingTextBoxFlag xmlns:ma14="http://schemas.microsoft.com/office/mac/drawingml/2011/main" xmlns:a14="http://schemas.microsoft.com/office/drawing/2010/main" xmlns:m="http://schemas.openxmlformats.org/officeDocument/2006/math" xmlns="" val="1"/>
               </a:ext>
             </a:extLst>
           </p:spPr>
@@ -8570,7 +8570,7 @@
             </a:effectLst>
             <a:extLst>
               <a:ext uri="{C572A759-6A51-4108-AA02-DFA0A04FC94B}">
-                <ma14:wrappingTextBoxFlag xmlns="" xmlns:m="http://schemas.openxmlformats.org/officeDocument/2006/math" xmlns:a14="http://schemas.microsoft.com/office/drawing/2010/main" xmlns:ma14="http://schemas.microsoft.com/office/mac/drawingml/2011/main" val="1"/>
+                <ma14:wrappingTextBoxFlag xmlns:ma14="http://schemas.microsoft.com/office/mac/drawingml/2011/main" xmlns:a14="http://schemas.microsoft.com/office/drawing/2010/main" xmlns:m="http://schemas.openxmlformats.org/officeDocument/2006/math" xmlns="" val="1"/>
               </a:ext>
             </a:extLst>
           </p:spPr>
@@ -8626,7 +8626,7 @@
             </a:effectLst>
             <a:extLst>
               <a:ext uri="{C572A759-6A51-4108-AA02-DFA0A04FC94B}">
-                <ma14:wrappingTextBoxFlag xmlns="" xmlns:m="http://schemas.openxmlformats.org/officeDocument/2006/math" xmlns:a14="http://schemas.microsoft.com/office/drawing/2010/main" xmlns:ma14="http://schemas.microsoft.com/office/mac/drawingml/2011/main" val="1"/>
+                <ma14:wrappingTextBoxFlag xmlns:ma14="http://schemas.microsoft.com/office/mac/drawingml/2011/main" xmlns:a14="http://schemas.microsoft.com/office/drawing/2010/main" xmlns:m="http://schemas.openxmlformats.org/officeDocument/2006/math" xmlns="" val="1"/>
               </a:ext>
             </a:extLst>
           </p:spPr>
@@ -8690,7 +8690,7 @@
             </a:effectLst>
             <a:extLst>
               <a:ext uri="{C572A759-6A51-4108-AA02-DFA0A04FC94B}">
-                <ma14:wrappingTextBoxFlag xmlns="" xmlns:m="http://schemas.openxmlformats.org/officeDocument/2006/math" xmlns:a14="http://schemas.microsoft.com/office/drawing/2010/main" xmlns:ma14="http://schemas.microsoft.com/office/mac/drawingml/2011/main" val="1"/>
+                <ma14:wrappingTextBoxFlag xmlns:ma14="http://schemas.microsoft.com/office/mac/drawingml/2011/main" xmlns:a14="http://schemas.microsoft.com/office/drawing/2010/main" xmlns:m="http://schemas.openxmlformats.org/officeDocument/2006/math" xmlns="" val="1"/>
               </a:ext>
             </a:extLst>
           </p:spPr>
@@ -8764,7 +8764,7 @@
           </a:effectLst>
           <a:extLst>
             <a:ext uri="{C572A759-6A51-4108-AA02-DFA0A04FC94B}">
-              <ma14:wrappingTextBoxFlag xmlns="" xmlns:m="http://schemas.openxmlformats.org/officeDocument/2006/math" xmlns:a14="http://schemas.microsoft.com/office/drawing/2010/main" xmlns:ma14="http://schemas.microsoft.com/office/mac/drawingml/2011/main" val="1"/>
+              <ma14:wrappingTextBoxFlag xmlns:ma14="http://schemas.microsoft.com/office/mac/drawingml/2011/main" xmlns:a14="http://schemas.microsoft.com/office/drawing/2010/main" xmlns:m="http://schemas.openxmlformats.org/officeDocument/2006/math" xmlns="" val="1"/>
             </a:ext>
           </a:extLst>
         </p:spPr>
@@ -8826,7 +8826,7 @@
           </a:effectLst>
           <a:extLst>
             <a:ext uri="{C572A759-6A51-4108-AA02-DFA0A04FC94B}">
-              <ma14:wrappingTextBoxFlag xmlns="" xmlns:m="http://schemas.openxmlformats.org/officeDocument/2006/math" xmlns:a14="http://schemas.microsoft.com/office/drawing/2010/main" xmlns:ma14="http://schemas.microsoft.com/office/mac/drawingml/2011/main" val="1"/>
+              <ma14:wrappingTextBoxFlag xmlns:ma14="http://schemas.microsoft.com/office/mac/drawingml/2011/main" xmlns:a14="http://schemas.microsoft.com/office/drawing/2010/main" xmlns:m="http://schemas.openxmlformats.org/officeDocument/2006/math" xmlns="" val="1"/>
             </a:ext>
           </a:extLst>
         </p:spPr>
@@ -9019,7 +9019,7 @@
           </a:effectLst>
           <a:extLst>
             <a:ext uri="{C572A759-6A51-4108-AA02-DFA0A04FC94B}">
-              <ma14:wrappingTextBoxFlag xmlns="" xmlns:m="http://schemas.openxmlformats.org/officeDocument/2006/math" xmlns:a14="http://schemas.microsoft.com/office/drawing/2010/main" xmlns:ma14="http://schemas.microsoft.com/office/mac/drawingml/2011/main" val="1"/>
+              <ma14:wrappingTextBoxFlag xmlns:ma14="http://schemas.microsoft.com/office/mac/drawingml/2011/main" xmlns:a14="http://schemas.microsoft.com/office/drawing/2010/main" xmlns:m="http://schemas.openxmlformats.org/officeDocument/2006/math" xmlns="" val="1"/>
             </a:ext>
           </a:extLst>
         </p:spPr>
@@ -9081,7 +9081,7 @@
           </a:effectLst>
           <a:extLst>
             <a:ext uri="{C572A759-6A51-4108-AA02-DFA0A04FC94B}">
-              <ma14:wrappingTextBoxFlag xmlns="" xmlns:m="http://schemas.openxmlformats.org/officeDocument/2006/math" xmlns:a14="http://schemas.microsoft.com/office/drawing/2010/main" xmlns:ma14="http://schemas.microsoft.com/office/mac/drawingml/2011/main" val="1"/>
+              <ma14:wrappingTextBoxFlag xmlns:ma14="http://schemas.microsoft.com/office/mac/drawingml/2011/main" xmlns:a14="http://schemas.microsoft.com/office/drawing/2010/main" xmlns:m="http://schemas.openxmlformats.org/officeDocument/2006/math" xmlns="" val="1"/>
             </a:ext>
           </a:extLst>
         </p:spPr>
@@ -9145,7 +9145,7 @@
           </a:effectLst>
           <a:extLst>
             <a:ext uri="{C572A759-6A51-4108-AA02-DFA0A04FC94B}">
-              <ma14:wrappingTextBoxFlag xmlns="" xmlns:m="http://schemas.openxmlformats.org/officeDocument/2006/math" xmlns:a14="http://schemas.microsoft.com/office/drawing/2010/main" xmlns:ma14="http://schemas.microsoft.com/office/mac/drawingml/2011/main" val="1"/>
+              <ma14:wrappingTextBoxFlag xmlns:ma14="http://schemas.microsoft.com/office/mac/drawingml/2011/main" xmlns:a14="http://schemas.microsoft.com/office/drawing/2010/main" xmlns:m="http://schemas.openxmlformats.org/officeDocument/2006/math" xmlns="" val="1"/>
             </a:ext>
           </a:extLst>
         </p:spPr>
@@ -9215,7 +9215,7 @@
           </a:effectLst>
           <a:extLst>
             <a:ext uri="{C572A759-6A51-4108-AA02-DFA0A04FC94B}">
-              <ma14:wrappingTextBoxFlag xmlns="" xmlns:m="http://schemas.openxmlformats.org/officeDocument/2006/math" xmlns:a14="http://schemas.microsoft.com/office/drawing/2010/main" xmlns:ma14="http://schemas.microsoft.com/office/mac/drawingml/2011/main" val="1"/>
+              <ma14:wrappingTextBoxFlag xmlns:ma14="http://schemas.microsoft.com/office/mac/drawingml/2011/main" xmlns:a14="http://schemas.microsoft.com/office/drawing/2010/main" xmlns:m="http://schemas.openxmlformats.org/officeDocument/2006/math" xmlns="" val="1"/>
             </a:ext>
           </a:extLst>
         </p:spPr>
@@ -9285,7 +9285,7 @@
           </a:effectLst>
           <a:extLst>
             <a:ext uri="{C572A759-6A51-4108-AA02-DFA0A04FC94B}">
-              <ma14:wrappingTextBoxFlag xmlns="" xmlns:m="http://schemas.openxmlformats.org/officeDocument/2006/math" xmlns:a14="http://schemas.microsoft.com/office/drawing/2010/main" xmlns:ma14="http://schemas.microsoft.com/office/mac/drawingml/2011/main" val="1"/>
+              <ma14:wrappingTextBoxFlag xmlns:ma14="http://schemas.microsoft.com/office/mac/drawingml/2011/main" xmlns:a14="http://schemas.microsoft.com/office/drawing/2010/main" xmlns:m="http://schemas.openxmlformats.org/officeDocument/2006/math" xmlns="" val="1"/>
             </a:ext>
           </a:extLst>
         </p:spPr>
@@ -9355,7 +9355,7 @@
           </a:effectLst>
           <a:extLst>
             <a:ext uri="{C572A759-6A51-4108-AA02-DFA0A04FC94B}">
-              <ma14:wrappingTextBoxFlag xmlns="" xmlns:m="http://schemas.openxmlformats.org/officeDocument/2006/math" xmlns:a14="http://schemas.microsoft.com/office/drawing/2010/main" xmlns:ma14="http://schemas.microsoft.com/office/mac/drawingml/2011/main" val="1"/>
+              <ma14:wrappingTextBoxFlag xmlns:ma14="http://schemas.microsoft.com/office/mac/drawingml/2011/main" xmlns:a14="http://schemas.microsoft.com/office/drawing/2010/main" xmlns:m="http://schemas.openxmlformats.org/officeDocument/2006/math" xmlns="" val="1"/>
             </a:ext>
           </a:extLst>
         </p:spPr>
@@ -9425,7 +9425,7 @@
           </a:effectLst>
           <a:extLst>
             <a:ext uri="{C572A759-6A51-4108-AA02-DFA0A04FC94B}">
-              <ma14:wrappingTextBoxFlag xmlns="" xmlns:m="http://schemas.openxmlformats.org/officeDocument/2006/math" xmlns:a14="http://schemas.microsoft.com/office/drawing/2010/main" xmlns:ma14="http://schemas.microsoft.com/office/mac/drawingml/2011/main" val="1"/>
+              <ma14:wrappingTextBoxFlag xmlns:ma14="http://schemas.microsoft.com/office/mac/drawingml/2011/main" xmlns:a14="http://schemas.microsoft.com/office/drawing/2010/main" xmlns:m="http://schemas.openxmlformats.org/officeDocument/2006/math" xmlns="" val="1"/>
             </a:ext>
           </a:extLst>
         </p:spPr>
@@ -9672,7 +9672,7 @@
           </a:effectLst>
           <a:extLst>
             <a:ext uri="{C572A759-6A51-4108-AA02-DFA0A04FC94B}">
-              <ma14:wrappingTextBoxFlag xmlns="" xmlns:m="http://schemas.openxmlformats.org/officeDocument/2006/math" xmlns:a14="http://schemas.microsoft.com/office/drawing/2010/main" xmlns:ma14="http://schemas.microsoft.com/office/mac/drawingml/2011/main" val="1"/>
+              <ma14:wrappingTextBoxFlag xmlns:ma14="http://schemas.microsoft.com/office/mac/drawingml/2011/main" xmlns:a14="http://schemas.microsoft.com/office/drawing/2010/main" xmlns:m="http://schemas.openxmlformats.org/officeDocument/2006/math" xmlns="" val="1"/>
             </a:ext>
           </a:extLst>
         </p:spPr>
@@ -9732,7 +9732,7 @@
           </a:effectLst>
           <a:extLst>
             <a:ext uri="{C572A759-6A51-4108-AA02-DFA0A04FC94B}">
-              <ma14:wrappingTextBoxFlag xmlns="" xmlns:m="http://schemas.openxmlformats.org/officeDocument/2006/math" xmlns:a14="http://schemas.microsoft.com/office/drawing/2010/main" xmlns:ma14="http://schemas.microsoft.com/office/mac/drawingml/2011/main" val="1"/>
+              <ma14:wrappingTextBoxFlag xmlns:ma14="http://schemas.microsoft.com/office/mac/drawingml/2011/main" xmlns:a14="http://schemas.microsoft.com/office/drawing/2010/main" xmlns:m="http://schemas.openxmlformats.org/officeDocument/2006/math" xmlns="" val="1"/>
             </a:ext>
           </a:extLst>
         </p:spPr>
@@ -9792,7 +9792,7 @@
           </a:effectLst>
           <a:extLst>
             <a:ext uri="{C572A759-6A51-4108-AA02-DFA0A04FC94B}">
-              <ma14:wrappingTextBoxFlag xmlns="" xmlns:m="http://schemas.openxmlformats.org/officeDocument/2006/math" xmlns:a14="http://schemas.microsoft.com/office/drawing/2010/main" xmlns:ma14="http://schemas.microsoft.com/office/mac/drawingml/2011/main" val="1"/>
+              <ma14:wrappingTextBoxFlag xmlns:ma14="http://schemas.microsoft.com/office/mac/drawingml/2011/main" xmlns:a14="http://schemas.microsoft.com/office/drawing/2010/main" xmlns:m="http://schemas.openxmlformats.org/officeDocument/2006/math" xmlns="" val="1"/>
             </a:ext>
           </a:extLst>
         </p:spPr>
@@ -9836,7 +9836,7 @@
     <p:bg>
       <p:bgPr>
         <a:solidFill>
-          <a:srgbClr val="7F7F7F"/>
+          <a:srgbClr val="17242F"/>
         </a:solidFill>
         <a:effectLst/>
       </p:bgPr>
@@ -9896,7 +9896,7 @@
           </a:effectLst>
           <a:extLst>
             <a:ext uri="{C572A759-6A51-4108-AA02-DFA0A04FC94B}">
-              <ma14:wrappingTextBoxFlag xmlns="" xmlns:m="http://schemas.openxmlformats.org/officeDocument/2006/math" xmlns:a14="http://schemas.microsoft.com/office/drawing/2010/main" xmlns:ma14="http://schemas.microsoft.com/office/mac/drawingml/2011/main" val="1"/>
+              <ma14:wrappingTextBoxFlag xmlns:ma14="http://schemas.microsoft.com/office/mac/drawingml/2011/main" xmlns:a14="http://schemas.microsoft.com/office/drawing/2010/main" xmlns:m="http://schemas.openxmlformats.org/officeDocument/2006/math" xmlns="" val="1"/>
             </a:ext>
           </a:extLst>
         </p:spPr>
@@ -9957,7 +9957,7 @@
           </a:effectLst>
           <a:extLst>
             <a:ext uri="{C572A759-6A51-4108-AA02-DFA0A04FC94B}">
-              <ma14:wrappingTextBoxFlag xmlns="" xmlns:m="http://schemas.openxmlformats.org/officeDocument/2006/math" xmlns:a14="http://schemas.microsoft.com/office/drawing/2010/main" xmlns:ma14="http://schemas.microsoft.com/office/mac/drawingml/2011/main" val="1"/>
+              <ma14:wrappingTextBoxFlag xmlns:ma14="http://schemas.microsoft.com/office/mac/drawingml/2011/main" xmlns:a14="http://schemas.microsoft.com/office/drawing/2010/main" xmlns:m="http://schemas.openxmlformats.org/officeDocument/2006/math" xmlns="" val="1"/>
             </a:ext>
           </a:extLst>
         </p:spPr>
@@ -10032,7 +10032,7 @@
           </a:effectLst>
           <a:extLst>
             <a:ext uri="{C572A759-6A51-4108-AA02-DFA0A04FC94B}">
-              <ma14:wrappingTextBoxFlag xmlns="" xmlns:m="http://schemas.openxmlformats.org/officeDocument/2006/math" xmlns:a14="http://schemas.microsoft.com/office/drawing/2010/main" xmlns:ma14="http://schemas.microsoft.com/office/mac/drawingml/2011/main" val="1"/>
+              <ma14:wrappingTextBoxFlag xmlns:ma14="http://schemas.microsoft.com/office/mac/drawingml/2011/main" xmlns:a14="http://schemas.microsoft.com/office/drawing/2010/main" xmlns:m="http://schemas.openxmlformats.org/officeDocument/2006/math" xmlns="" val="1"/>
             </a:ext>
           </a:extLst>
         </p:spPr>
@@ -10083,6 +10083,83 @@
         <p:spPr>
           <a:xfrm>
             <a:off x="8251547" y="2085203"/>
+            <a:ext cx="1169204" cy="442356"/>
+          </a:xfrm>
+          <a:prstGeom prst="roundRect">
+            <a:avLst/>
+          </a:prstGeom>
+          <a:solidFill>
+            <a:srgbClr val="175154"/>
+          </a:solidFill>
+          <a:ln w="19050" cap="flat">
+            <a:solidFill>
+              <a:schemeClr val="tx2">
+                <a:lumMod val="60000"/>
+                <a:lumOff val="40000"/>
+              </a:schemeClr>
+            </a:solidFill>
+            <a:miter lim="400000"/>
+          </a:ln>
+          <a:effectLst>
+            <a:outerShdw blurRad="38100" dist="25400" dir="5400000" rotWithShape="0">
+              <a:srgbClr val="000000">
+                <a:alpha val="50000"/>
+              </a:srgbClr>
+            </a:outerShdw>
+          </a:effectLst>
+          <a:extLst>
+            <a:ext uri="{C572A759-6A51-4108-AA02-DFA0A04FC94B}">
+              <ma14:wrappingTextBoxFlag xmlns:ma14="http://schemas.microsoft.com/office/mac/drawingml/2011/main" xmlns:a14="http://schemas.microsoft.com/office/drawing/2010/main" xmlns:m="http://schemas.openxmlformats.org/officeDocument/2006/math" xmlns="" val="1"/>
+            </a:ext>
+          </a:extLst>
+        </p:spPr>
+        <p:txBody>
+          <a:bodyPr wrap="square" lIns="50800" tIns="50800" rIns="50800" bIns="50800" numCol="1" anchor="ctr">
+            <a:noAutofit/>
+          </a:bodyPr>
+          <a:lstStyle>
+            <a:lvl1pPr>
+              <a:defRPr b="0">
+                <a:solidFill>
+                  <a:srgbClr val="FFFFFF"/>
+                </a:solidFill>
+                <a:latin typeface="Helvetica Light"/>
+                <a:ea typeface="Helvetica Light"/>
+                <a:cs typeface="Helvetica Light"/>
+                <a:sym typeface="Helvetica Light"/>
+              </a:defRPr>
+            </a:lvl1pPr>
+          </a:lstStyle>
+          <a:p>
+            <a:r>
+              <a:rPr lang="en-US" dirty="0">
+                <a:latin typeface="微软雅黑" panose="020B0503020204020204" pitchFamily="34" charset="-122"/>
+                <a:ea typeface="微软雅黑" panose="020B0503020204020204" pitchFamily="34" charset="-122"/>
+              </a:rPr>
+              <a:t>nacos</a:t>
+            </a:r>
+            <a:endParaRPr dirty="0">
+              <a:latin typeface="微软雅黑" panose="020B0503020204020204" pitchFamily="34" charset="-122"/>
+              <a:ea typeface="微软雅黑" panose="020B0503020204020204" pitchFamily="34" charset="-122"/>
+            </a:endParaRPr>
+          </a:p>
+        </p:txBody>
+      </p:sp>
+      <p:sp>
+        <p:nvSpPr>
+          <p:cNvPr id="19" name="zk">
+            <a:extLst>
+              <a:ext uri="{FF2B5EF4-FFF2-40B4-BE49-F238E27FC236}">
+                <a16:creationId xmlns:a16="http://schemas.microsoft.com/office/drawing/2014/main" id="{EFC4C370-BC9C-4DBD-9B64-F6E6E30422AE}"/>
+              </a:ext>
+            </a:extLst>
+          </p:cNvPr>
+          <p:cNvSpPr/>
+          <p:nvPr/>
+        </p:nvSpPr>
+        <p:spPr>
+          <a:xfrm>
+            <a:off x="6421942" y="2085203"/>
             <a:ext cx="1169204" cy="442356"/>
           </a:xfrm>
           <a:prstGeom prst="roundRect">
@@ -10107,7 +10184,7 @@
           </a:effectLst>
           <a:extLst>
             <a:ext uri="{C572A759-6A51-4108-AA02-DFA0A04FC94B}">
-              <ma14:wrappingTextBoxFlag xmlns="" xmlns:m="http://schemas.openxmlformats.org/officeDocument/2006/math" xmlns:a14="http://schemas.microsoft.com/office/drawing/2010/main" xmlns:ma14="http://schemas.microsoft.com/office/mac/drawingml/2011/main" val="1"/>
+              <ma14:wrappingTextBoxFlag xmlns:ma14="http://schemas.microsoft.com/office/mac/drawingml/2011/main" xmlns:a14="http://schemas.microsoft.com/office/drawing/2010/main" xmlns:m="http://schemas.openxmlformats.org/officeDocument/2006/math" xmlns="" val="1"/>
             </a:ext>
           </a:extLst>
         </p:spPr>
@@ -10130,11 +10207,11 @@
           </a:lstStyle>
           <a:p>
             <a:r>
-              <a:rPr lang="en-US" dirty="0">
+              <a:rPr lang="en-US" altLang="zh-CN" dirty="0">
                 <a:latin typeface="微软雅黑" panose="020B0503020204020204" pitchFamily="34" charset="-122"/>
                 <a:ea typeface="微软雅黑" panose="020B0503020204020204" pitchFamily="34" charset="-122"/>
               </a:rPr>
-              <a:t>nacos</a:t>
+              <a:t>etcd</a:t>
             </a:r>
             <a:endParaRPr dirty="0">
               <a:latin typeface="微软雅黑" panose="020B0503020204020204" pitchFamily="34" charset="-122"/>
@@ -10145,10 +10222,10 @@
       </p:sp>
       <p:sp>
         <p:nvSpPr>
-          <p:cNvPr id="19" name="zk">
+          <p:cNvPr id="20" name="Registries">
             <a:extLst>
               <a:ext uri="{FF2B5EF4-FFF2-40B4-BE49-F238E27FC236}">
-                <a16:creationId xmlns:a16="http://schemas.microsoft.com/office/drawing/2014/main" id="{EFC4C370-BC9C-4DBD-9B64-F6E6E30422AE}"/>
+                <a16:creationId xmlns:a16="http://schemas.microsoft.com/office/drawing/2014/main" id="{9D0FEC0B-B783-4711-A7C9-A42C73F4A52A}"/>
               </a:ext>
             </a:extLst>
           </p:cNvPr>
@@ -10157,7 +10234,69 @@
         </p:nvSpPr>
         <p:spPr>
           <a:xfrm>
-            <a:off x="6421942" y="2085203"/>
+            <a:off x="3154714" y="6779311"/>
+            <a:ext cx="11331307" cy="940948"/>
+          </a:xfrm>
+          <a:prstGeom prst="roundRect">
+            <a:avLst>
+              <a:gd name="adj" fmla="val 7483"/>
+            </a:avLst>
+          </a:prstGeom>
+          <a:noFill/>
+          <a:ln w="12700" cap="flat">
+            <a:solidFill>
+              <a:schemeClr val="tx2">
+                <a:lumMod val="75000"/>
+              </a:schemeClr>
+            </a:solidFill>
+            <a:prstDash val="dashDot"/>
+            <a:miter lim="400000"/>
+          </a:ln>
+          <a:effectLst>
+            <a:outerShdw blurRad="38100" dist="25400" dir="5400000" rotWithShape="0">
+              <a:srgbClr val="000000">
+                <a:alpha val="50000"/>
+              </a:srgbClr>
+            </a:outerShdw>
+          </a:effectLst>
+          <a:extLst>
+            <a:ext uri="{C572A759-6A51-4108-AA02-DFA0A04FC94B}">
+              <ma14:wrappingTextBoxFlag xmlns:ma14="http://schemas.microsoft.com/office/mac/drawingml/2011/main" xmlns:a14="http://schemas.microsoft.com/office/drawing/2010/main" xmlns:m="http://schemas.openxmlformats.org/officeDocument/2006/math" xmlns="" val="1"/>
+            </a:ext>
+          </a:extLst>
+        </p:spPr>
+        <p:txBody>
+          <a:bodyPr wrap="square" lIns="50800" tIns="50800" rIns="50800" bIns="50800" numCol="1" anchor="t">
+            <a:noAutofit/>
+          </a:bodyPr>
+          <a:lstStyle/>
+          <a:p>
+            <a:pPr algn="r"/>
+            <a:endParaRPr dirty="0">
+              <a:solidFill>
+                <a:schemeClr val="tx1"/>
+              </a:solidFill>
+              <a:latin typeface="微软雅黑" panose="020B0503020204020204" pitchFamily="34" charset="-122"/>
+              <a:ea typeface="微软雅黑" panose="020B0503020204020204" pitchFamily="34" charset="-122"/>
+            </a:endParaRPr>
+          </a:p>
+        </p:txBody>
+      </p:sp>
+      <p:sp>
+        <p:nvSpPr>
+          <p:cNvPr id="22" name="zk">
+            <a:extLst>
+              <a:ext uri="{FF2B5EF4-FFF2-40B4-BE49-F238E27FC236}">
+                <a16:creationId xmlns:a16="http://schemas.microsoft.com/office/drawing/2014/main" id="{8ADFB8E2-B14D-4106-939A-1D54D0D64136}"/>
+              </a:ext>
+            </a:extLst>
+          </p:cNvPr>
+          <p:cNvSpPr/>
+          <p:nvPr/>
+        </p:nvSpPr>
+        <p:spPr>
+          <a:xfrm>
+            <a:off x="6146851" y="7026166"/>
             <a:ext cx="1169204" cy="442356"/>
           </a:xfrm>
           <a:prstGeom prst="roundRect">
@@ -10182,7 +10321,7 @@
           </a:effectLst>
           <a:extLst>
             <a:ext uri="{C572A759-6A51-4108-AA02-DFA0A04FC94B}">
-              <ma14:wrappingTextBoxFlag xmlns="" xmlns:m="http://schemas.openxmlformats.org/officeDocument/2006/math" xmlns:a14="http://schemas.microsoft.com/office/drawing/2010/main" xmlns:ma14="http://schemas.microsoft.com/office/mac/drawingml/2011/main" val="1"/>
+              <ma14:wrappingTextBoxFlag xmlns:ma14="http://schemas.microsoft.com/office/mac/drawingml/2011/main" xmlns:a14="http://schemas.microsoft.com/office/drawing/2010/main" xmlns:m="http://schemas.openxmlformats.org/officeDocument/2006/math" xmlns="" val="1"/>
             </a:ext>
           </a:extLst>
         </p:spPr>
@@ -10209,7 +10348,7 @@
                 <a:latin typeface="微软雅黑" panose="020B0503020204020204" pitchFamily="34" charset="-122"/>
                 <a:ea typeface="微软雅黑" panose="020B0503020204020204" pitchFamily="34" charset="-122"/>
               </a:rPr>
-              <a:t>etcd</a:t>
+              <a:t>ZK</a:t>
             </a:r>
             <a:endParaRPr dirty="0">
               <a:latin typeface="微软雅黑" panose="020B0503020204020204" pitchFamily="34" charset="-122"/>
@@ -10220,10 +10359,10 @@
       </p:sp>
       <p:sp>
         <p:nvSpPr>
-          <p:cNvPr id="20" name="Registries">
+          <p:cNvPr id="25" name="zk">
             <a:extLst>
               <a:ext uri="{FF2B5EF4-FFF2-40B4-BE49-F238E27FC236}">
-                <a16:creationId xmlns:a16="http://schemas.microsoft.com/office/drawing/2014/main" id="{9D0FEC0B-B783-4711-A7C9-A42C73F4A52A}"/>
+                <a16:creationId xmlns:a16="http://schemas.microsoft.com/office/drawing/2014/main" id="{1E652752-74F1-4163-8CD9-ED5EDE803748}"/>
               </a:ext>
             </a:extLst>
           </p:cNvPr>
@@ -10232,69 +10371,7 @@
         </p:nvSpPr>
         <p:spPr>
           <a:xfrm>
-            <a:off x="3154714" y="6779311"/>
-            <a:ext cx="11331307" cy="940948"/>
-          </a:xfrm>
-          <a:prstGeom prst="roundRect">
-            <a:avLst>
-              <a:gd name="adj" fmla="val 7483"/>
-            </a:avLst>
-          </a:prstGeom>
-          <a:noFill/>
-          <a:ln w="12700" cap="flat">
-            <a:solidFill>
-              <a:schemeClr val="tx2">
-                <a:lumMod val="75000"/>
-              </a:schemeClr>
-            </a:solidFill>
-            <a:prstDash val="dashDot"/>
-            <a:miter lim="400000"/>
-          </a:ln>
-          <a:effectLst>
-            <a:outerShdw blurRad="38100" dist="25400" dir="5400000" rotWithShape="0">
-              <a:srgbClr val="000000">
-                <a:alpha val="50000"/>
-              </a:srgbClr>
-            </a:outerShdw>
-          </a:effectLst>
-          <a:extLst>
-            <a:ext uri="{C572A759-6A51-4108-AA02-DFA0A04FC94B}">
-              <ma14:wrappingTextBoxFlag xmlns="" xmlns:m="http://schemas.openxmlformats.org/officeDocument/2006/math" xmlns:a14="http://schemas.microsoft.com/office/drawing/2010/main" xmlns:ma14="http://schemas.microsoft.com/office/mac/drawingml/2011/main" val="1"/>
-            </a:ext>
-          </a:extLst>
-        </p:spPr>
-        <p:txBody>
-          <a:bodyPr wrap="square" lIns="50800" tIns="50800" rIns="50800" bIns="50800" numCol="1" anchor="t">
-            <a:noAutofit/>
-          </a:bodyPr>
-          <a:lstStyle/>
-          <a:p>
-            <a:pPr algn="r"/>
-            <a:endParaRPr dirty="0">
-              <a:solidFill>
-                <a:schemeClr val="tx1"/>
-              </a:solidFill>
-              <a:latin typeface="微软雅黑" panose="020B0503020204020204" pitchFamily="34" charset="-122"/>
-              <a:ea typeface="微软雅黑" panose="020B0503020204020204" pitchFamily="34" charset="-122"/>
-            </a:endParaRPr>
-          </a:p>
-        </p:txBody>
-      </p:sp>
-      <p:sp>
-        <p:nvSpPr>
-          <p:cNvPr id="22" name="zk">
-            <a:extLst>
-              <a:ext uri="{FF2B5EF4-FFF2-40B4-BE49-F238E27FC236}">
-                <a16:creationId xmlns:a16="http://schemas.microsoft.com/office/drawing/2014/main" id="{8ADFB8E2-B14D-4106-939A-1D54D0D64136}"/>
-              </a:ext>
-            </a:extLst>
-          </p:cNvPr>
-          <p:cNvSpPr/>
-          <p:nvPr/>
-        </p:nvSpPr>
-        <p:spPr>
-          <a:xfrm>
-            <a:off x="6146851" y="7026166"/>
+            <a:off x="7994752" y="7026166"/>
             <a:ext cx="1169204" cy="442356"/>
           </a:xfrm>
           <a:prstGeom prst="roundRect">
@@ -10319,82 +10396,7 @@
           </a:effectLst>
           <a:extLst>
             <a:ext uri="{C572A759-6A51-4108-AA02-DFA0A04FC94B}">
-              <ma14:wrappingTextBoxFlag xmlns="" xmlns:m="http://schemas.openxmlformats.org/officeDocument/2006/math" xmlns:a14="http://schemas.microsoft.com/office/drawing/2010/main" xmlns:ma14="http://schemas.microsoft.com/office/mac/drawingml/2011/main" val="1"/>
-            </a:ext>
-          </a:extLst>
-        </p:spPr>
-        <p:txBody>
-          <a:bodyPr wrap="square" lIns="50800" tIns="50800" rIns="50800" bIns="50800" numCol="1" anchor="ctr">
-            <a:noAutofit/>
-          </a:bodyPr>
-          <a:lstStyle>
-            <a:lvl1pPr>
-              <a:defRPr b="0">
-                <a:solidFill>
-                  <a:srgbClr val="FFFFFF"/>
-                </a:solidFill>
-                <a:latin typeface="Helvetica Light"/>
-                <a:ea typeface="Helvetica Light"/>
-                <a:cs typeface="Helvetica Light"/>
-                <a:sym typeface="Helvetica Light"/>
-              </a:defRPr>
-            </a:lvl1pPr>
-          </a:lstStyle>
-          <a:p>
-            <a:r>
-              <a:rPr lang="en-US" altLang="zh-CN" dirty="0">
-                <a:latin typeface="微软雅黑" panose="020B0503020204020204" pitchFamily="34" charset="-122"/>
-                <a:ea typeface="微软雅黑" panose="020B0503020204020204" pitchFamily="34" charset="-122"/>
-              </a:rPr>
-              <a:t>ZK</a:t>
-            </a:r>
-            <a:endParaRPr dirty="0">
-              <a:latin typeface="微软雅黑" panose="020B0503020204020204" pitchFamily="34" charset="-122"/>
-              <a:ea typeface="微软雅黑" panose="020B0503020204020204" pitchFamily="34" charset="-122"/>
-            </a:endParaRPr>
-          </a:p>
-        </p:txBody>
-      </p:sp>
-      <p:sp>
-        <p:nvSpPr>
-          <p:cNvPr id="25" name="zk">
-            <a:extLst>
-              <a:ext uri="{FF2B5EF4-FFF2-40B4-BE49-F238E27FC236}">
-                <a16:creationId xmlns:a16="http://schemas.microsoft.com/office/drawing/2014/main" id="{1E652752-74F1-4163-8CD9-ED5EDE803748}"/>
-              </a:ext>
-            </a:extLst>
-          </p:cNvPr>
-          <p:cNvSpPr/>
-          <p:nvPr/>
-        </p:nvSpPr>
-        <p:spPr>
-          <a:xfrm>
-            <a:off x="7994752" y="7026166"/>
-            <a:ext cx="1169204" cy="442356"/>
-          </a:xfrm>
-          <a:prstGeom prst="roundRect">
-            <a:avLst/>
-          </a:prstGeom>
-          <a:noFill/>
-          <a:ln w="19050" cap="flat">
-            <a:solidFill>
-              <a:schemeClr val="tx2">
-                <a:lumMod val="60000"/>
-                <a:lumOff val="40000"/>
-              </a:schemeClr>
-            </a:solidFill>
-            <a:miter lim="400000"/>
-          </a:ln>
-          <a:effectLst>
-            <a:outerShdw blurRad="38100" dist="25400" dir="5400000" rotWithShape="0">
-              <a:srgbClr val="000000">
-                <a:alpha val="50000"/>
-              </a:srgbClr>
-            </a:outerShdw>
-          </a:effectLst>
-          <a:extLst>
-            <a:ext uri="{C572A759-6A51-4108-AA02-DFA0A04FC94B}">
-              <ma14:wrappingTextBoxFlag xmlns="" xmlns:m="http://schemas.openxmlformats.org/officeDocument/2006/math" xmlns:a14="http://schemas.microsoft.com/office/drawing/2010/main" xmlns:ma14="http://schemas.microsoft.com/office/mac/drawingml/2011/main" val="1"/>
+              <ma14:wrappingTextBoxFlag xmlns:ma14="http://schemas.microsoft.com/office/mac/drawingml/2011/main" xmlns:a14="http://schemas.microsoft.com/office/drawing/2010/main" xmlns:m="http://schemas.openxmlformats.org/officeDocument/2006/math" xmlns="" val="1"/>
             </a:ext>
           </a:extLst>
         </p:spPr>
@@ -10945,7 +10947,7 @@
           </a:effectLst>
           <a:extLst>
             <a:ext uri="{C572A759-6A51-4108-AA02-DFA0A04FC94B}">
-              <ma14:wrappingTextBoxFlag xmlns="" xmlns:m="http://schemas.openxmlformats.org/officeDocument/2006/math" xmlns:a14="http://schemas.microsoft.com/office/drawing/2010/main" xmlns:ma14="http://schemas.microsoft.com/office/mac/drawingml/2011/main" val="1"/>
+              <ma14:wrappingTextBoxFlag xmlns:ma14="http://schemas.microsoft.com/office/mac/drawingml/2011/main" xmlns:a14="http://schemas.microsoft.com/office/drawing/2010/main" xmlns:m="http://schemas.openxmlformats.org/officeDocument/2006/math" xmlns="" val="1"/>
             </a:ext>
           </a:extLst>
         </p:spPr>
@@ -11005,7 +11007,7 @@
           </a:effectLst>
           <a:extLst>
             <a:ext uri="{C572A759-6A51-4108-AA02-DFA0A04FC94B}">
-              <ma14:wrappingTextBoxFlag xmlns="" xmlns:m="http://schemas.openxmlformats.org/officeDocument/2006/math" xmlns:a14="http://schemas.microsoft.com/office/drawing/2010/main" xmlns:ma14="http://schemas.microsoft.com/office/mac/drawingml/2011/main" val="1"/>
+              <ma14:wrappingTextBoxFlag xmlns:ma14="http://schemas.microsoft.com/office/mac/drawingml/2011/main" xmlns:a14="http://schemas.microsoft.com/office/drawing/2010/main" xmlns:m="http://schemas.openxmlformats.org/officeDocument/2006/math" xmlns="" val="1"/>
             </a:ext>
           </a:extLst>
         </p:spPr>
@@ -11080,7 +11082,7 @@
           </a:effectLst>
           <a:extLst>
             <a:ext uri="{C572A759-6A51-4108-AA02-DFA0A04FC94B}">
-              <ma14:wrappingTextBoxFlag xmlns="" xmlns:m="http://schemas.openxmlformats.org/officeDocument/2006/math" xmlns:a14="http://schemas.microsoft.com/office/drawing/2010/main" xmlns:ma14="http://schemas.microsoft.com/office/mac/drawingml/2011/main" val="1"/>
+              <ma14:wrappingTextBoxFlag xmlns:ma14="http://schemas.microsoft.com/office/mac/drawingml/2011/main" xmlns:a14="http://schemas.microsoft.com/office/drawing/2010/main" xmlns:m="http://schemas.openxmlformats.org/officeDocument/2006/math" xmlns="" val="1"/>
             </a:ext>
           </a:extLst>
         </p:spPr>
@@ -11285,10 +11287,7 @@
             <a:avLst/>
           </a:prstGeom>
           <a:solidFill>
-            <a:schemeClr val="tx1">
-              <a:lumMod val="50000"/>
-              <a:lumOff val="50000"/>
-            </a:schemeClr>
+            <a:srgbClr val="2FA6AD"/>
           </a:solidFill>
           <a:ln w="19050" cap="flat">
             <a:solidFill>
@@ -11308,7 +11307,7 @@
           </a:effectLst>
           <a:extLst>
             <a:ext uri="{C572A759-6A51-4108-AA02-DFA0A04FC94B}">
-              <ma14:wrappingTextBoxFlag xmlns="" xmlns:m="http://schemas.openxmlformats.org/officeDocument/2006/math" xmlns:a14="http://schemas.microsoft.com/office/drawing/2010/main" xmlns:ma14="http://schemas.microsoft.com/office/mac/drawingml/2011/main" val="1"/>
+              <ma14:wrappingTextBoxFlag xmlns:ma14="http://schemas.microsoft.com/office/mac/drawingml/2011/main" xmlns:a14="http://schemas.microsoft.com/office/drawing/2010/main" xmlns:m="http://schemas.openxmlformats.org/officeDocument/2006/math" xmlns="" val="1"/>
             </a:ext>
           </a:extLst>
         </p:spPr>
@@ -11421,7 +11420,7 @@
           </a:effectLst>
           <a:extLst>
             <a:ext uri="{C572A759-6A51-4108-AA02-DFA0A04FC94B}">
-              <ma14:wrappingTextBoxFlag xmlns="" xmlns:m="http://schemas.openxmlformats.org/officeDocument/2006/math" xmlns:a14="http://schemas.microsoft.com/office/drawing/2010/main" xmlns:ma14="http://schemas.microsoft.com/office/mac/drawingml/2011/main" val="1"/>
+              <ma14:wrappingTextBoxFlag xmlns:ma14="http://schemas.microsoft.com/office/mac/drawingml/2011/main" xmlns:a14="http://schemas.microsoft.com/office/drawing/2010/main" xmlns:m="http://schemas.openxmlformats.org/officeDocument/2006/math" xmlns="" val="1"/>
             </a:ext>
           </a:extLst>
         </p:spPr>
@@ -11464,9 +11463,7 @@
             <a:avLst/>
           </a:prstGeom>
           <a:solidFill>
-            <a:schemeClr val="tx2">
-              <a:lumMod val="75000"/>
-            </a:schemeClr>
+            <a:srgbClr val="2FA6AD"/>
           </a:solidFill>
           <a:ln w="19050" cap="flat">
             <a:solidFill>
@@ -11486,7 +11483,7 @@
           </a:effectLst>
           <a:extLst>
             <a:ext uri="{C572A759-6A51-4108-AA02-DFA0A04FC94B}">
-              <ma14:wrappingTextBoxFlag xmlns="" xmlns:m="http://schemas.openxmlformats.org/officeDocument/2006/math" xmlns:a14="http://schemas.microsoft.com/office/drawing/2010/main" xmlns:ma14="http://schemas.microsoft.com/office/mac/drawingml/2011/main" val="1"/>
+              <ma14:wrappingTextBoxFlag xmlns:ma14="http://schemas.microsoft.com/office/mac/drawingml/2011/main" xmlns:a14="http://schemas.microsoft.com/office/drawing/2010/main" xmlns:m="http://schemas.openxmlformats.org/officeDocument/2006/math" xmlns="" val="1"/>
             </a:ext>
           </a:extLst>
         </p:spPr>
@@ -11509,7 +11506,7 @@
           </a:lstStyle>
           <a:p>
             <a:r>
-              <a:rPr lang="en-US" altLang="zh-CN" sz="1200" dirty="0">
+              <a:rPr lang="en-US" altLang="zh-CN" sz="1200" b="1" dirty="0">
                 <a:solidFill>
                   <a:schemeClr val="bg1"/>
                 </a:solidFill>
@@ -11518,7 +11515,7 @@
               </a:rPr>
               <a:t>failover</a:t>
             </a:r>
-            <a:endParaRPr sz="1200" dirty="0">
+            <a:endParaRPr sz="1200" b="1" dirty="0">
               <a:solidFill>
                 <a:schemeClr val="bg1"/>
               </a:solidFill>
@@ -11549,9 +11546,7 @@
             <a:avLst/>
           </a:prstGeom>
           <a:solidFill>
-            <a:schemeClr val="tx2">
-              <a:lumMod val="75000"/>
-            </a:schemeClr>
+            <a:srgbClr val="2FA6AD"/>
           </a:solidFill>
           <a:ln w="19050" cap="flat">
             <a:solidFill>
@@ -11571,7 +11566,7 @@
           </a:effectLst>
           <a:extLst>
             <a:ext uri="{C572A759-6A51-4108-AA02-DFA0A04FC94B}">
-              <ma14:wrappingTextBoxFlag xmlns="" xmlns:m="http://schemas.openxmlformats.org/officeDocument/2006/math" xmlns:a14="http://schemas.microsoft.com/office/drawing/2010/main" xmlns:ma14="http://schemas.microsoft.com/office/mac/drawingml/2011/main" val="1"/>
+              <ma14:wrappingTextBoxFlag xmlns:ma14="http://schemas.microsoft.com/office/mac/drawingml/2011/main" xmlns:a14="http://schemas.microsoft.com/office/drawing/2010/main" xmlns:m="http://schemas.openxmlformats.org/officeDocument/2006/math" xmlns="" val="1"/>
             </a:ext>
           </a:extLst>
         </p:spPr>
@@ -11594,7 +11589,7 @@
           </a:lstStyle>
           <a:p>
             <a:r>
-              <a:rPr lang="en-US" altLang="zh-CN" sz="1200" dirty="0">
+              <a:rPr lang="en-US" altLang="zh-CN" sz="1200" b="1" dirty="0">
                 <a:solidFill>
                   <a:schemeClr val="bg1"/>
                 </a:solidFill>
@@ -11603,7 +11598,7 @@
               </a:rPr>
               <a:t>failfast</a:t>
             </a:r>
-            <a:endParaRPr sz="1200" dirty="0">
+            <a:endParaRPr sz="1200" b="1" dirty="0">
               <a:solidFill>
                 <a:schemeClr val="bg1"/>
               </a:solidFill>
@@ -11634,9 +11629,7 @@
             <a:avLst/>
           </a:prstGeom>
           <a:solidFill>
-            <a:schemeClr val="tx2">
-              <a:lumMod val="75000"/>
-            </a:schemeClr>
+            <a:srgbClr val="2FA6AD"/>
           </a:solidFill>
           <a:ln w="19050" cap="flat">
             <a:solidFill>
@@ -11656,7 +11649,7 @@
           </a:effectLst>
           <a:extLst>
             <a:ext uri="{C572A759-6A51-4108-AA02-DFA0A04FC94B}">
-              <ma14:wrappingTextBoxFlag xmlns="" xmlns:m="http://schemas.openxmlformats.org/officeDocument/2006/math" xmlns:a14="http://schemas.microsoft.com/office/drawing/2010/main" xmlns:ma14="http://schemas.microsoft.com/office/mac/drawingml/2011/main" val="1"/>
+              <ma14:wrappingTextBoxFlag xmlns:ma14="http://schemas.microsoft.com/office/mac/drawingml/2011/main" xmlns:a14="http://schemas.microsoft.com/office/drawing/2010/main" xmlns:m="http://schemas.openxmlformats.org/officeDocument/2006/math" xmlns="" val="1"/>
             </a:ext>
           </a:extLst>
         </p:spPr>
@@ -11679,7 +11672,7 @@
           </a:lstStyle>
           <a:p>
             <a:r>
-              <a:rPr lang="en-US" altLang="zh-CN" sz="1200" dirty="0">
+              <a:rPr lang="en-US" altLang="zh-CN" sz="1200" b="1" dirty="0">
                 <a:solidFill>
                   <a:schemeClr val="bg1"/>
                 </a:solidFill>
@@ -11688,7 +11681,7 @@
               </a:rPr>
               <a:t>failsave</a:t>
             </a:r>
-            <a:endParaRPr sz="1200" dirty="0">
+            <a:endParaRPr sz="1200" b="1" dirty="0">
               <a:solidFill>
                 <a:schemeClr val="bg1"/>
               </a:solidFill>
@@ -11718,7 +11711,9 @@
           <a:prstGeom prst="roundRect">
             <a:avLst/>
           </a:prstGeom>
-          <a:noFill/>
+          <a:solidFill>
+            <a:srgbClr val="17242F"/>
+          </a:solidFill>
           <a:ln w="19050" cap="flat">
             <a:solidFill>
               <a:schemeClr val="tx2">
@@ -11737,7 +11732,7 @@
           </a:effectLst>
           <a:extLst>
             <a:ext uri="{C572A759-6A51-4108-AA02-DFA0A04FC94B}">
-              <ma14:wrappingTextBoxFlag xmlns="" xmlns:m="http://schemas.openxmlformats.org/officeDocument/2006/math" xmlns:a14="http://schemas.microsoft.com/office/drawing/2010/main" xmlns:ma14="http://schemas.microsoft.com/office/mac/drawingml/2011/main" val="1"/>
+              <ma14:wrappingTextBoxFlag xmlns:ma14="http://schemas.microsoft.com/office/mac/drawingml/2011/main" xmlns:a14="http://schemas.microsoft.com/office/drawing/2010/main" xmlns:m="http://schemas.openxmlformats.org/officeDocument/2006/math" xmlns="" val="1"/>
             </a:ext>
           </a:extLst>
         </p:spPr>
@@ -11799,7 +11794,9 @@
           <a:prstGeom prst="roundRect">
             <a:avLst/>
           </a:prstGeom>
-          <a:noFill/>
+          <a:solidFill>
+            <a:srgbClr val="165155"/>
+          </a:solidFill>
           <a:ln w="19050" cap="flat">
             <a:solidFill>
               <a:schemeClr val="tx2">
@@ -11818,7 +11815,7 @@
           </a:effectLst>
           <a:extLst>
             <a:ext uri="{C572A759-6A51-4108-AA02-DFA0A04FC94B}">
-              <ma14:wrappingTextBoxFlag xmlns="" xmlns:m="http://schemas.openxmlformats.org/officeDocument/2006/math" xmlns:a14="http://schemas.microsoft.com/office/drawing/2010/main" xmlns:ma14="http://schemas.microsoft.com/office/mac/drawingml/2011/main" val="1"/>
+              <ma14:wrappingTextBoxFlag xmlns:ma14="http://schemas.microsoft.com/office/mac/drawingml/2011/main" xmlns:a14="http://schemas.microsoft.com/office/drawing/2010/main" xmlns:m="http://schemas.openxmlformats.org/officeDocument/2006/math" xmlns="" val="1"/>
             </a:ext>
           </a:extLst>
         </p:spPr>
@@ -11895,7 +11892,7 @@
           </a:effectLst>
           <a:extLst>
             <a:ext uri="{C572A759-6A51-4108-AA02-DFA0A04FC94B}">
-              <ma14:wrappingTextBoxFlag xmlns="" xmlns:m="http://schemas.openxmlformats.org/officeDocument/2006/math" xmlns:a14="http://schemas.microsoft.com/office/drawing/2010/main" xmlns:ma14="http://schemas.microsoft.com/office/mac/drawingml/2011/main" val="1"/>
+              <ma14:wrappingTextBoxFlag xmlns:ma14="http://schemas.microsoft.com/office/mac/drawingml/2011/main" xmlns:a14="http://schemas.microsoft.com/office/drawing/2010/main" xmlns:m="http://schemas.openxmlformats.org/officeDocument/2006/math" xmlns="" val="1"/>
             </a:ext>
           </a:extLst>
         </p:spPr>
@@ -11938,9 +11935,7 @@
             <a:avLst/>
           </a:prstGeom>
           <a:solidFill>
-            <a:schemeClr val="tx2">
-              <a:lumMod val="75000"/>
-            </a:schemeClr>
+            <a:schemeClr val="tx1"/>
           </a:solidFill>
           <a:ln w="19050" cap="flat">
             <a:solidFill>
@@ -11960,7 +11955,7 @@
           </a:effectLst>
           <a:extLst>
             <a:ext uri="{C572A759-6A51-4108-AA02-DFA0A04FC94B}">
-              <ma14:wrappingTextBoxFlag xmlns="" xmlns:m="http://schemas.openxmlformats.org/officeDocument/2006/math" xmlns:a14="http://schemas.microsoft.com/office/drawing/2010/main" xmlns:ma14="http://schemas.microsoft.com/office/mac/drawingml/2011/main" val="1"/>
+              <ma14:wrappingTextBoxFlag xmlns:ma14="http://schemas.microsoft.com/office/mac/drawingml/2011/main" xmlns:a14="http://schemas.microsoft.com/office/drawing/2010/main" xmlns:m="http://schemas.openxmlformats.org/officeDocument/2006/math" xmlns="" val="1"/>
             </a:ext>
           </a:extLst>
         </p:spPr>
@@ -11983,16 +11978,16 @@
           </a:lstStyle>
           <a:p>
             <a:r>
-              <a:rPr lang="en-US" altLang="zh-CN" sz="1200" dirty="0">
+              <a:rPr lang="en-US" altLang="zh-CN" sz="1200" b="1" dirty="0">
                 <a:solidFill>
                   <a:schemeClr val="bg1"/>
                 </a:solidFill>
                 <a:latin typeface="微软雅黑" panose="020B0503020204020204" pitchFamily="34" charset="-122"/>
                 <a:ea typeface="微软雅黑" panose="020B0503020204020204" pitchFamily="34" charset="-122"/>
               </a:rPr>
-              <a:t>random</a:t>
+              <a:t>Random</a:t>
             </a:r>
-            <a:endParaRPr sz="1200" dirty="0">
+            <a:endParaRPr sz="1200" b="1" dirty="0">
               <a:solidFill>
                 <a:schemeClr val="bg1"/>
               </a:solidFill>
@@ -12023,9 +12018,7 @@
             <a:avLst/>
           </a:prstGeom>
           <a:solidFill>
-            <a:schemeClr val="tx2">
-              <a:lumMod val="75000"/>
-            </a:schemeClr>
+            <a:srgbClr val="2FA6AD"/>
           </a:solidFill>
           <a:ln w="19050" cap="flat">
             <a:solidFill>
@@ -12045,7 +12038,7 @@
           </a:effectLst>
           <a:extLst>
             <a:ext uri="{C572A759-6A51-4108-AA02-DFA0A04FC94B}">
-              <ma14:wrappingTextBoxFlag xmlns="" xmlns:m="http://schemas.openxmlformats.org/officeDocument/2006/math" xmlns:a14="http://schemas.microsoft.com/office/drawing/2010/main" xmlns:ma14="http://schemas.microsoft.com/office/mac/drawingml/2011/main" val="1"/>
+              <ma14:wrappingTextBoxFlag xmlns:ma14="http://schemas.microsoft.com/office/mac/drawingml/2011/main" xmlns:a14="http://schemas.microsoft.com/office/drawing/2010/main" xmlns:m="http://schemas.openxmlformats.org/officeDocument/2006/math" xmlns="" val="1"/>
             </a:ext>
           </a:extLst>
         </p:spPr>
@@ -12067,7 +12060,7 @@
             </a:lvl1pPr>
           </a:lstStyle>
           <a:p>
-            <a:endParaRPr lang="en-US" altLang="zh-CN" sz="1200" dirty="0">
+            <a:endParaRPr lang="en-US" altLang="zh-CN" sz="1200" b="1" dirty="0">
               <a:solidFill>
                 <a:schemeClr val="bg1"/>
               </a:solidFill>
@@ -12077,7 +12070,7 @@
           </a:p>
           <a:p>
             <a:r>
-              <a:rPr lang="en-US" altLang="zh-CN" sz="1200" dirty="0">
+              <a:rPr lang="en-US" altLang="zh-CN" sz="1200" b="1" dirty="0">
                 <a:solidFill>
                   <a:schemeClr val="bg1"/>
                 </a:solidFill>
@@ -12088,7 +12081,7 @@
             </a:r>
           </a:p>
           <a:p>
-            <a:endParaRPr sz="1200" dirty="0">
+            <a:endParaRPr sz="1200" b="1" dirty="0">
               <a:solidFill>
                 <a:schemeClr val="bg1"/>
               </a:solidFill>
@@ -12119,9 +12112,7 @@
             <a:avLst/>
           </a:prstGeom>
           <a:solidFill>
-            <a:schemeClr val="tx2">
-              <a:lumMod val="75000"/>
-            </a:schemeClr>
+            <a:schemeClr val="tx1"/>
           </a:solidFill>
           <a:ln w="19050" cap="flat">
             <a:solidFill>
@@ -12141,7 +12132,7 @@
           </a:effectLst>
           <a:extLst>
             <a:ext uri="{C572A759-6A51-4108-AA02-DFA0A04FC94B}">
-              <ma14:wrappingTextBoxFlag xmlns="" xmlns:m="http://schemas.openxmlformats.org/officeDocument/2006/math" xmlns:a14="http://schemas.microsoft.com/office/drawing/2010/main" xmlns:ma14="http://schemas.microsoft.com/office/mac/drawingml/2011/main" val="1"/>
+              <ma14:wrappingTextBoxFlag xmlns:ma14="http://schemas.microsoft.com/office/mac/drawingml/2011/main" xmlns:a14="http://schemas.microsoft.com/office/drawing/2010/main" xmlns:m="http://schemas.openxmlformats.org/officeDocument/2006/math" xmlns="" val="1"/>
             </a:ext>
           </a:extLst>
         </p:spPr>
@@ -12164,7 +12155,7 @@
           </a:lstStyle>
           <a:p>
             <a:r>
-              <a:rPr lang="en-US" altLang="zh-CN" sz="1200" dirty="0">
+              <a:rPr lang="en-US" altLang="zh-CN" sz="1200" b="1" dirty="0">
                 <a:solidFill>
                   <a:schemeClr val="bg1"/>
                 </a:solidFill>
@@ -12173,7 +12164,7 @@
               </a:rPr>
               <a:t>RR</a:t>
             </a:r>
-            <a:endParaRPr sz="1200" dirty="0">
+            <a:endParaRPr sz="1200" b="1" dirty="0">
               <a:solidFill>
                 <a:schemeClr val="bg1"/>
               </a:solidFill>
@@ -12592,7 +12583,7 @@
           </a:effectLst>
           <a:extLst>
             <a:ext uri="{C572A759-6A51-4108-AA02-DFA0A04FC94B}">
-              <ma14:wrappingTextBoxFlag xmlns="" xmlns:m="http://schemas.openxmlformats.org/officeDocument/2006/math" xmlns:a14="http://schemas.microsoft.com/office/drawing/2010/main" xmlns:ma14="http://schemas.microsoft.com/office/mac/drawingml/2011/main" val="1"/>
+              <ma14:wrappingTextBoxFlag xmlns:ma14="http://schemas.microsoft.com/office/mac/drawingml/2011/main" xmlns:a14="http://schemas.microsoft.com/office/drawing/2010/main" xmlns:m="http://schemas.openxmlformats.org/officeDocument/2006/math" xmlns="" val="1"/>
             </a:ext>
           </a:extLst>
         </p:spPr>
@@ -12635,9 +12626,7 @@
             <a:avLst/>
           </a:prstGeom>
           <a:solidFill>
-            <a:schemeClr val="tx2">
-              <a:lumMod val="75000"/>
-            </a:schemeClr>
+            <a:srgbClr val="175154"/>
           </a:solidFill>
           <a:ln w="19050" cap="flat">
             <a:solidFill>
@@ -12657,7 +12646,7 @@
           </a:effectLst>
           <a:extLst>
             <a:ext uri="{C572A759-6A51-4108-AA02-DFA0A04FC94B}">
-              <ma14:wrappingTextBoxFlag xmlns="" xmlns:m="http://schemas.openxmlformats.org/officeDocument/2006/math" xmlns:a14="http://schemas.microsoft.com/office/drawing/2010/main" xmlns:ma14="http://schemas.microsoft.com/office/mac/drawingml/2011/main" val="1"/>
+              <ma14:wrappingTextBoxFlag xmlns:ma14="http://schemas.microsoft.com/office/mac/drawingml/2011/main" xmlns:a14="http://schemas.microsoft.com/office/drawing/2010/main" xmlns:m="http://schemas.openxmlformats.org/officeDocument/2006/math" xmlns="" val="1"/>
             </a:ext>
           </a:extLst>
         </p:spPr>
@@ -12687,7 +12676,7 @@
                 <a:latin typeface="微软雅黑" panose="020B0503020204020204" pitchFamily="34" charset="-122"/>
                 <a:ea typeface="微软雅黑" panose="020B0503020204020204" pitchFamily="34" charset="-122"/>
               </a:rPr>
-              <a:t>tps limit</a:t>
+              <a:t>TPS limit</a:t>
             </a:r>
           </a:p>
         </p:txBody>
@@ -12713,9 +12702,7 @@
             <a:avLst/>
           </a:prstGeom>
           <a:solidFill>
-            <a:schemeClr val="tx2">
-              <a:lumMod val="75000"/>
-            </a:schemeClr>
+            <a:srgbClr val="175154"/>
           </a:solidFill>
           <a:ln w="19050" cap="flat">
             <a:solidFill>
@@ -12735,7 +12722,7 @@
           </a:effectLst>
           <a:extLst>
             <a:ext uri="{C572A759-6A51-4108-AA02-DFA0A04FC94B}">
-              <ma14:wrappingTextBoxFlag xmlns="" xmlns:m="http://schemas.openxmlformats.org/officeDocument/2006/math" xmlns:a14="http://schemas.microsoft.com/office/drawing/2010/main" xmlns:ma14="http://schemas.microsoft.com/office/mac/drawingml/2011/main" val="1"/>
+              <ma14:wrappingTextBoxFlag xmlns:ma14="http://schemas.microsoft.com/office/mac/drawingml/2011/main" xmlns:a14="http://schemas.microsoft.com/office/drawing/2010/main" xmlns:m="http://schemas.openxmlformats.org/officeDocument/2006/math" xmlns="" val="1"/>
             </a:ext>
           </a:extLst>
         </p:spPr>
@@ -12767,6 +12754,16 @@
           </a:p>
           <a:p>
             <a:r>
+              <a:rPr lang="en-US" altLang="zh-CN" sz="1200">
+                <a:solidFill>
+                  <a:schemeClr val="bg1"/>
+                </a:solidFill>
+                <a:latin typeface="微软雅黑" panose="020B0503020204020204" pitchFamily="34" charset="-122"/>
+                <a:ea typeface="微软雅黑" panose="020B0503020204020204" pitchFamily="34" charset="-122"/>
+              </a:rPr>
+              <a:t>Generic </a:t>
+            </a:r>
+            <a:r>
               <a:rPr lang="en-US" altLang="zh-CN" sz="1200" dirty="0">
                 <a:solidFill>
                   <a:schemeClr val="bg1"/>
@@ -12774,7 +12771,7 @@
                 <a:latin typeface="微软雅黑" panose="020B0503020204020204" pitchFamily="34" charset="-122"/>
                 <a:ea typeface="微软雅黑" panose="020B0503020204020204" pitchFamily="34" charset="-122"/>
               </a:rPr>
-              <a:t>generic invoke</a:t>
+              <a:t>invoke</a:t>
             </a:r>
           </a:p>
           <a:p>
@@ -12808,7 +12805,9 @@
           <a:prstGeom prst="roundRect">
             <a:avLst/>
           </a:prstGeom>
-          <a:noFill/>
+          <a:solidFill>
+            <a:srgbClr val="17242F"/>
+          </a:solidFill>
           <a:ln w="19050" cap="flat">
             <a:solidFill>
               <a:schemeClr val="tx2">
@@ -12827,7 +12826,7 @@
           </a:effectLst>
           <a:extLst>
             <a:ext uri="{C572A759-6A51-4108-AA02-DFA0A04FC94B}">
-              <ma14:wrappingTextBoxFlag xmlns="" xmlns:m="http://schemas.openxmlformats.org/officeDocument/2006/math" xmlns:a14="http://schemas.microsoft.com/office/drawing/2010/main" xmlns:ma14="http://schemas.microsoft.com/office/mac/drawingml/2011/main" val="1"/>
+              <ma14:wrappingTextBoxFlag xmlns:ma14="http://schemas.microsoft.com/office/mac/drawingml/2011/main" xmlns:a14="http://schemas.microsoft.com/office/drawing/2010/main" xmlns:m="http://schemas.openxmlformats.org/officeDocument/2006/math" xmlns="" val="1"/>
             </a:ext>
           </a:extLst>
         </p:spPr>
@@ -12910,7 +12909,7 @@
           </a:effectLst>
           <a:extLst>
             <a:ext uri="{C572A759-6A51-4108-AA02-DFA0A04FC94B}">
-              <ma14:wrappingTextBoxFlag xmlns="" xmlns:m="http://schemas.openxmlformats.org/officeDocument/2006/math" xmlns:a14="http://schemas.microsoft.com/office/drawing/2010/main" xmlns:ma14="http://schemas.microsoft.com/office/mac/drawingml/2011/main" val="1"/>
+              <ma14:wrappingTextBoxFlag xmlns:ma14="http://schemas.microsoft.com/office/mac/drawingml/2011/main" xmlns:a14="http://schemas.microsoft.com/office/drawing/2010/main" xmlns:m="http://schemas.openxmlformats.org/officeDocument/2006/math" xmlns="" val="1"/>
             </a:ext>
           </a:extLst>
         </p:spPr>
@@ -12953,9 +12952,7 @@
             <a:avLst/>
           </a:prstGeom>
           <a:solidFill>
-            <a:schemeClr val="tx2">
-              <a:lumMod val="75000"/>
-            </a:schemeClr>
+            <a:schemeClr val="tx1"/>
           </a:solidFill>
           <a:ln w="19050" cap="flat">
             <a:solidFill>
@@ -12975,7 +12972,7 @@
           </a:effectLst>
           <a:extLst>
             <a:ext uri="{C572A759-6A51-4108-AA02-DFA0A04FC94B}">
-              <ma14:wrappingTextBoxFlag xmlns="" xmlns:m="http://schemas.openxmlformats.org/officeDocument/2006/math" xmlns:a14="http://schemas.microsoft.com/office/drawing/2010/main" xmlns:ma14="http://schemas.microsoft.com/office/mac/drawingml/2011/main" val="1"/>
+              <ma14:wrappingTextBoxFlag xmlns:ma14="http://schemas.microsoft.com/office/mac/drawingml/2011/main" xmlns:a14="http://schemas.microsoft.com/office/drawing/2010/main" xmlns:m="http://schemas.openxmlformats.org/officeDocument/2006/math" xmlns="" val="1"/>
             </a:ext>
           </a:extLst>
         </p:spPr>
@@ -12998,16 +12995,16 @@
           </a:lstStyle>
           <a:p>
             <a:r>
-              <a:rPr lang="en-US" altLang="zh-CN" sz="1200" dirty="0">
+              <a:rPr lang="en-US" altLang="zh-CN" sz="1200" b="1" dirty="0">
                 <a:solidFill>
                   <a:schemeClr val="bg1"/>
                 </a:solidFill>
                 <a:latin typeface="微软雅黑" panose="020B0503020204020204" pitchFamily="34" charset="-122"/>
                 <a:ea typeface="微软雅黑" panose="020B0503020204020204" pitchFamily="34" charset="-122"/>
               </a:rPr>
-              <a:t>grpc</a:t>
+              <a:t>gRPC</a:t>
             </a:r>
-            <a:endParaRPr sz="1200" dirty="0">
+            <a:endParaRPr sz="1200" b="1" dirty="0">
               <a:solidFill>
                 <a:schemeClr val="bg1"/>
               </a:solidFill>
@@ -13038,9 +13035,7 @@
             <a:avLst/>
           </a:prstGeom>
           <a:solidFill>
-            <a:schemeClr val="tx2">
-              <a:lumMod val="75000"/>
-            </a:schemeClr>
+            <a:schemeClr val="tx1"/>
           </a:solidFill>
           <a:ln w="19050" cap="flat">
             <a:solidFill>
@@ -13060,7 +13055,7 @@
           </a:effectLst>
           <a:extLst>
             <a:ext uri="{C572A759-6A51-4108-AA02-DFA0A04FC94B}">
-              <ma14:wrappingTextBoxFlag xmlns="" xmlns:m="http://schemas.openxmlformats.org/officeDocument/2006/math" xmlns:a14="http://schemas.microsoft.com/office/drawing/2010/main" xmlns:ma14="http://schemas.microsoft.com/office/mac/drawingml/2011/main" val="1"/>
+              <ma14:wrappingTextBoxFlag xmlns:ma14="http://schemas.microsoft.com/office/mac/drawingml/2011/main" xmlns:a14="http://schemas.microsoft.com/office/drawing/2010/main" xmlns:m="http://schemas.openxmlformats.org/officeDocument/2006/math" xmlns="" val="1"/>
             </a:ext>
           </a:extLst>
         </p:spPr>
@@ -13083,16 +13078,16 @@
           </a:lstStyle>
           <a:p>
             <a:r>
-              <a:rPr lang="en-US" altLang="zh-CN" sz="1200" dirty="0">
+              <a:rPr lang="en-US" altLang="zh-CN" sz="1200" b="1" dirty="0">
                 <a:solidFill>
                   <a:schemeClr val="bg1"/>
                 </a:solidFill>
                 <a:latin typeface="微软雅黑" panose="020B0503020204020204" pitchFamily="34" charset="-122"/>
                 <a:ea typeface="微软雅黑" panose="020B0503020204020204" pitchFamily="34" charset="-122"/>
               </a:rPr>
-              <a:t>jsonrpc</a:t>
+              <a:t>JSONRPC</a:t>
             </a:r>
-            <a:endParaRPr sz="1200" dirty="0">
+            <a:endParaRPr sz="1200" b="1" dirty="0">
               <a:solidFill>
                 <a:schemeClr val="bg1"/>
               </a:solidFill>
@@ -13123,9 +13118,7 @@
             <a:avLst/>
           </a:prstGeom>
           <a:solidFill>
-            <a:schemeClr val="tx2">
-              <a:lumMod val="75000"/>
-            </a:schemeClr>
+            <a:schemeClr val="tx1"/>
           </a:solidFill>
           <a:ln w="19050" cap="flat">
             <a:solidFill>
@@ -13145,7 +13138,7 @@
           </a:effectLst>
           <a:extLst>
             <a:ext uri="{C572A759-6A51-4108-AA02-DFA0A04FC94B}">
-              <ma14:wrappingTextBoxFlag xmlns="" xmlns:m="http://schemas.openxmlformats.org/officeDocument/2006/math" xmlns:a14="http://schemas.microsoft.com/office/drawing/2010/main" xmlns:ma14="http://schemas.microsoft.com/office/mac/drawingml/2011/main" val="1"/>
+              <ma14:wrappingTextBoxFlag xmlns:ma14="http://schemas.microsoft.com/office/mac/drawingml/2011/main" xmlns:a14="http://schemas.microsoft.com/office/drawing/2010/main" xmlns:m="http://schemas.openxmlformats.org/officeDocument/2006/math" xmlns="" val="1"/>
             </a:ext>
           </a:extLst>
         </p:spPr>
@@ -13168,16 +13161,16 @@
           </a:lstStyle>
           <a:p>
             <a:r>
-              <a:rPr lang="en-US" altLang="zh-CN" sz="1200" dirty="0">
+              <a:rPr lang="en-US" altLang="zh-CN" sz="1200" b="1" dirty="0">
                 <a:solidFill>
                   <a:schemeClr val="bg1"/>
                 </a:solidFill>
                 <a:latin typeface="微软雅黑" panose="020B0503020204020204" pitchFamily="34" charset="-122"/>
                 <a:ea typeface="微软雅黑" panose="020B0503020204020204" pitchFamily="34" charset="-122"/>
               </a:rPr>
-              <a:t>rest</a:t>
+              <a:t>REST</a:t>
             </a:r>
-            <a:endParaRPr sz="1200" dirty="0">
+            <a:endParaRPr sz="1200" b="1" dirty="0">
               <a:solidFill>
                 <a:schemeClr val="bg1"/>
               </a:solidFill>
@@ -13208,9 +13201,7 @@
             <a:avLst/>
           </a:prstGeom>
           <a:solidFill>
-            <a:schemeClr val="tx2">
-              <a:lumMod val="75000"/>
-            </a:schemeClr>
+            <a:srgbClr val="2FA6AD"/>
           </a:solidFill>
           <a:ln w="19050" cap="flat">
             <a:solidFill>
@@ -13230,7 +13221,7 @@
           </a:effectLst>
           <a:extLst>
             <a:ext uri="{C572A759-6A51-4108-AA02-DFA0A04FC94B}">
-              <ma14:wrappingTextBoxFlag xmlns="" xmlns:m="http://schemas.openxmlformats.org/officeDocument/2006/math" xmlns:a14="http://schemas.microsoft.com/office/drawing/2010/main" xmlns:ma14="http://schemas.microsoft.com/office/mac/drawingml/2011/main" val="1"/>
+              <ma14:wrappingTextBoxFlag xmlns:ma14="http://schemas.microsoft.com/office/mac/drawingml/2011/main" xmlns:a14="http://schemas.microsoft.com/office/drawing/2010/main" xmlns:m="http://schemas.openxmlformats.org/officeDocument/2006/math" xmlns="" val="1"/>
             </a:ext>
           </a:extLst>
         </p:spPr>
@@ -13253,16 +13244,16 @@
           </a:lstStyle>
           <a:p>
             <a:r>
-              <a:rPr lang="en-US" altLang="zh-CN" sz="1200" dirty="0">
+              <a:rPr lang="en-US" altLang="zh-CN" sz="1200" b="1" dirty="0">
                 <a:solidFill>
                   <a:schemeClr val="bg1"/>
                 </a:solidFill>
                 <a:latin typeface="微软雅黑" panose="020B0503020204020204" pitchFamily="34" charset="-122"/>
                 <a:ea typeface="微软雅黑" panose="020B0503020204020204" pitchFamily="34" charset="-122"/>
               </a:rPr>
-              <a:t>dubbo</a:t>
+              <a:t>Dubbo</a:t>
             </a:r>
-            <a:endParaRPr sz="1200" dirty="0">
+            <a:endParaRPr sz="1200" b="1" dirty="0">
               <a:solidFill>
                 <a:schemeClr val="bg1"/>
               </a:solidFill>
@@ -13435,7 +13426,7 @@
                 <a:cs typeface="Helvetica Neue"/>
                 <a:sym typeface="Helvetica Neue"/>
               </a:rPr>
-              <a:t>protocol</a:t>
+              <a:t>Protocol</a:t>
             </a:r>
             <a:endParaRPr kumimoji="0" lang="zh-CN" altLang="en-US" sz="1200" b="1" i="0" u="none" strike="noStrike" cap="none" spc="0" normalizeH="0" baseline="0" dirty="0">
               <a:ln>
@@ -13525,7 +13516,9 @@
           <a:prstGeom prst="roundRect">
             <a:avLst/>
           </a:prstGeom>
-          <a:noFill/>
+          <a:solidFill>
+            <a:srgbClr val="17242F"/>
+          </a:solidFill>
           <a:ln w="19050" cap="flat">
             <a:solidFill>
               <a:schemeClr val="tx2">
@@ -13544,7 +13537,7 @@
           </a:effectLst>
           <a:extLst>
             <a:ext uri="{C572A759-6A51-4108-AA02-DFA0A04FC94B}">
-              <ma14:wrappingTextBoxFlag xmlns="" xmlns:m="http://schemas.openxmlformats.org/officeDocument/2006/math" xmlns:a14="http://schemas.microsoft.com/office/drawing/2010/main" xmlns:ma14="http://schemas.microsoft.com/office/mac/drawingml/2011/main" val="1"/>
+              <ma14:wrappingTextBoxFlag xmlns:ma14="http://schemas.microsoft.com/office/mac/drawingml/2011/main" xmlns:a14="http://schemas.microsoft.com/office/drawing/2010/main" xmlns:m="http://schemas.openxmlformats.org/officeDocument/2006/math" xmlns="" val="1"/>
             </a:ext>
           </a:extLst>
         </p:spPr>
@@ -13627,7 +13620,7 @@
           </a:effectLst>
           <a:extLst>
             <a:ext uri="{C572A759-6A51-4108-AA02-DFA0A04FC94B}">
-              <ma14:wrappingTextBoxFlag xmlns="" xmlns:m="http://schemas.openxmlformats.org/officeDocument/2006/math" xmlns:a14="http://schemas.microsoft.com/office/drawing/2010/main" xmlns:ma14="http://schemas.microsoft.com/office/mac/drawingml/2011/main" val="1"/>
+              <ma14:wrappingTextBoxFlag xmlns:ma14="http://schemas.microsoft.com/office/mac/drawingml/2011/main" xmlns:a14="http://schemas.microsoft.com/office/drawing/2010/main" xmlns:m="http://schemas.openxmlformats.org/officeDocument/2006/math" xmlns="" val="1"/>
             </a:ext>
           </a:extLst>
         </p:spPr>
@@ -13670,9 +13663,7 @@
             <a:avLst/>
           </a:prstGeom>
           <a:solidFill>
-            <a:schemeClr val="tx2">
-              <a:lumMod val="75000"/>
-            </a:schemeClr>
+            <a:schemeClr val="tx1"/>
           </a:solidFill>
           <a:ln w="19050" cap="flat">
             <a:solidFill>
@@ -13692,7 +13683,7 @@
           </a:effectLst>
           <a:extLst>
             <a:ext uri="{C572A759-6A51-4108-AA02-DFA0A04FC94B}">
-              <ma14:wrappingTextBoxFlag xmlns="" xmlns:m="http://schemas.openxmlformats.org/officeDocument/2006/math" xmlns:a14="http://schemas.microsoft.com/office/drawing/2010/main" xmlns:ma14="http://schemas.microsoft.com/office/mac/drawingml/2011/main" val="1"/>
+              <ma14:wrappingTextBoxFlag xmlns:ma14="http://schemas.microsoft.com/office/mac/drawingml/2011/main" xmlns:a14="http://schemas.microsoft.com/office/drawing/2010/main" xmlns:m="http://schemas.openxmlformats.org/officeDocument/2006/math" xmlns="" val="1"/>
             </a:ext>
           </a:extLst>
         </p:spPr>
@@ -13715,7 +13706,7 @@
           </a:lstStyle>
           <a:p>
             <a:r>
-              <a:rPr lang="en-US" altLang="zh-CN" sz="1200" dirty="0">
+              <a:rPr lang="en-US" altLang="zh-CN" sz="1200" b="1" dirty="0">
                 <a:solidFill>
                   <a:schemeClr val="bg1"/>
                 </a:solidFill>
@@ -13724,7 +13715,7 @@
               </a:rPr>
               <a:t>condition</a:t>
             </a:r>
-            <a:endParaRPr sz="1200" dirty="0">
+            <a:endParaRPr sz="1200" b="1" dirty="0">
               <a:solidFill>
                 <a:schemeClr val="bg1"/>
               </a:solidFill>
@@ -13754,7 +13745,9 @@
           <a:prstGeom prst="roundRect">
             <a:avLst/>
           </a:prstGeom>
-          <a:noFill/>
+          <a:solidFill>
+            <a:srgbClr val="17242F"/>
+          </a:solidFill>
           <a:ln w="19050" cap="flat">
             <a:solidFill>
               <a:schemeClr val="tx2">
@@ -13773,7 +13766,7 @@
           </a:effectLst>
           <a:extLst>
             <a:ext uri="{C572A759-6A51-4108-AA02-DFA0A04FC94B}">
-              <ma14:wrappingTextBoxFlag xmlns="" xmlns:m="http://schemas.openxmlformats.org/officeDocument/2006/math" xmlns:a14="http://schemas.microsoft.com/office/drawing/2010/main" xmlns:ma14="http://schemas.microsoft.com/office/mac/drawingml/2011/main" val="1"/>
+              <ma14:wrappingTextBoxFlag xmlns:ma14="http://schemas.microsoft.com/office/mac/drawingml/2011/main" xmlns:a14="http://schemas.microsoft.com/office/drawing/2010/main" xmlns:m="http://schemas.openxmlformats.org/officeDocument/2006/math" xmlns="" val="1"/>
             </a:ext>
           </a:extLst>
         </p:spPr>
@@ -14104,7 +14097,7 @@
           </a:effectLst>
           <a:extLst>
             <a:ext uri="{C572A759-6A51-4108-AA02-DFA0A04FC94B}">
-              <ma14:wrappingTextBoxFlag xmlns="" xmlns:m="http://schemas.openxmlformats.org/officeDocument/2006/math" xmlns:a14="http://schemas.microsoft.com/office/drawing/2010/main" xmlns:ma14="http://schemas.microsoft.com/office/mac/drawingml/2011/main" val="1"/>
+              <ma14:wrappingTextBoxFlag xmlns:ma14="http://schemas.microsoft.com/office/mac/drawingml/2011/main" xmlns:a14="http://schemas.microsoft.com/office/drawing/2010/main" xmlns:m="http://schemas.openxmlformats.org/officeDocument/2006/math" xmlns="" val="1"/>
             </a:ext>
           </a:extLst>
         </p:spPr>
@@ -14147,9 +14140,7 @@
             <a:avLst/>
           </a:prstGeom>
           <a:solidFill>
-            <a:schemeClr val="tx2">
-              <a:lumMod val="75000"/>
-            </a:schemeClr>
+            <a:schemeClr val="tx1"/>
           </a:solidFill>
           <a:ln w="19050" cap="flat">
             <a:solidFill>
@@ -14169,7 +14160,7 @@
           </a:effectLst>
           <a:extLst>
             <a:ext uri="{C572A759-6A51-4108-AA02-DFA0A04FC94B}">
-              <ma14:wrappingTextBoxFlag xmlns="" xmlns:m="http://schemas.openxmlformats.org/officeDocument/2006/math" xmlns:a14="http://schemas.microsoft.com/office/drawing/2010/main" xmlns:ma14="http://schemas.microsoft.com/office/mac/drawingml/2011/main" val="1"/>
+              <ma14:wrappingTextBoxFlag xmlns:ma14="http://schemas.microsoft.com/office/mac/drawingml/2011/main" xmlns:a14="http://schemas.microsoft.com/office/drawing/2010/main" xmlns:m="http://schemas.openxmlformats.org/officeDocument/2006/math" xmlns="" val="1"/>
             </a:ext>
           </a:extLst>
         </p:spPr>
@@ -14192,16 +14183,16 @@
           </a:lstStyle>
           <a:p>
             <a:r>
-              <a:rPr lang="en-US" altLang="zh-CN" sz="1200" dirty="0">
+              <a:rPr lang="en-US" altLang="zh-CN" sz="1200" b="1" dirty="0">
                 <a:solidFill>
                   <a:schemeClr val="bg1"/>
                 </a:solidFill>
                 <a:latin typeface="微软雅黑" panose="020B0503020204020204" pitchFamily="34" charset="-122"/>
                 <a:ea typeface="微软雅黑" panose="020B0503020204020204" pitchFamily="34" charset="-122"/>
               </a:rPr>
-              <a:t>grpc</a:t>
+              <a:t>gRPC</a:t>
             </a:r>
-            <a:endParaRPr sz="1200" dirty="0">
+            <a:endParaRPr sz="1200" b="1" dirty="0">
               <a:solidFill>
                 <a:schemeClr val="bg1"/>
               </a:solidFill>
@@ -14232,9 +14223,7 @@
             <a:avLst/>
           </a:prstGeom>
           <a:solidFill>
-            <a:schemeClr val="tx2">
-              <a:lumMod val="75000"/>
-            </a:schemeClr>
+            <a:schemeClr val="tx1"/>
           </a:solidFill>
           <a:ln w="19050" cap="flat">
             <a:solidFill>
@@ -14254,7 +14243,7 @@
           </a:effectLst>
           <a:extLst>
             <a:ext uri="{C572A759-6A51-4108-AA02-DFA0A04FC94B}">
-              <ma14:wrappingTextBoxFlag xmlns="" xmlns:m="http://schemas.openxmlformats.org/officeDocument/2006/math" xmlns:a14="http://schemas.microsoft.com/office/drawing/2010/main" xmlns:ma14="http://schemas.microsoft.com/office/mac/drawingml/2011/main" val="1"/>
+              <ma14:wrappingTextBoxFlag xmlns:ma14="http://schemas.microsoft.com/office/mac/drawingml/2011/main" xmlns:a14="http://schemas.microsoft.com/office/drawing/2010/main" xmlns:m="http://schemas.openxmlformats.org/officeDocument/2006/math" xmlns="" val="1"/>
             </a:ext>
           </a:extLst>
         </p:spPr>
@@ -14277,16 +14266,16 @@
           </a:lstStyle>
           <a:p>
             <a:r>
-              <a:rPr lang="en-US" altLang="zh-CN" sz="1200" dirty="0">
+              <a:rPr lang="en-US" altLang="zh-CN" sz="1200" b="1" dirty="0">
                 <a:solidFill>
                   <a:schemeClr val="bg1"/>
                 </a:solidFill>
                 <a:latin typeface="微软雅黑" panose="020B0503020204020204" pitchFamily="34" charset="-122"/>
                 <a:ea typeface="微软雅黑" panose="020B0503020204020204" pitchFamily="34" charset="-122"/>
               </a:rPr>
-              <a:t>jsonrpc</a:t>
+              <a:t>JSONRPC</a:t>
             </a:r>
-            <a:endParaRPr sz="1200" dirty="0">
+            <a:endParaRPr sz="1200" b="1" dirty="0">
               <a:solidFill>
                 <a:schemeClr val="bg1"/>
               </a:solidFill>
@@ -14317,9 +14306,7 @@
             <a:avLst/>
           </a:prstGeom>
           <a:solidFill>
-            <a:schemeClr val="tx2">
-              <a:lumMod val="75000"/>
-            </a:schemeClr>
+            <a:schemeClr val="tx1"/>
           </a:solidFill>
           <a:ln w="19050" cap="flat">
             <a:solidFill>
@@ -14339,7 +14326,7 @@
           </a:effectLst>
           <a:extLst>
             <a:ext uri="{C572A759-6A51-4108-AA02-DFA0A04FC94B}">
-              <ma14:wrappingTextBoxFlag xmlns="" xmlns:m="http://schemas.openxmlformats.org/officeDocument/2006/math" xmlns:a14="http://schemas.microsoft.com/office/drawing/2010/main" xmlns:ma14="http://schemas.microsoft.com/office/mac/drawingml/2011/main" val="1"/>
+              <ma14:wrappingTextBoxFlag xmlns:ma14="http://schemas.microsoft.com/office/mac/drawingml/2011/main" xmlns:a14="http://schemas.microsoft.com/office/drawing/2010/main" xmlns:m="http://schemas.openxmlformats.org/officeDocument/2006/math" xmlns="" val="1"/>
             </a:ext>
           </a:extLst>
         </p:spPr>
@@ -14362,16 +14349,16 @@
           </a:lstStyle>
           <a:p>
             <a:r>
-              <a:rPr lang="en-US" altLang="zh-CN" sz="1200" dirty="0">
+              <a:rPr lang="en-US" altLang="zh-CN" sz="1200" b="1" dirty="0">
                 <a:solidFill>
                   <a:schemeClr val="bg1"/>
                 </a:solidFill>
                 <a:latin typeface="微软雅黑" panose="020B0503020204020204" pitchFamily="34" charset="-122"/>
                 <a:ea typeface="微软雅黑" panose="020B0503020204020204" pitchFamily="34" charset="-122"/>
               </a:rPr>
-              <a:t>rest</a:t>
+              <a:t>REST</a:t>
             </a:r>
-            <a:endParaRPr sz="1200" dirty="0">
+            <a:endParaRPr sz="1200" b="1" dirty="0">
               <a:solidFill>
                 <a:schemeClr val="bg1"/>
               </a:solidFill>
@@ -14402,9 +14389,7 @@
             <a:avLst/>
           </a:prstGeom>
           <a:solidFill>
-            <a:schemeClr val="tx2">
-              <a:lumMod val="75000"/>
-            </a:schemeClr>
+            <a:srgbClr val="2FA6AD"/>
           </a:solidFill>
           <a:ln w="19050" cap="flat">
             <a:solidFill>
@@ -14424,7 +14409,7 @@
           </a:effectLst>
           <a:extLst>
             <a:ext uri="{C572A759-6A51-4108-AA02-DFA0A04FC94B}">
-              <ma14:wrappingTextBoxFlag xmlns="" xmlns:m="http://schemas.openxmlformats.org/officeDocument/2006/math" xmlns:a14="http://schemas.microsoft.com/office/drawing/2010/main" xmlns:ma14="http://schemas.microsoft.com/office/mac/drawingml/2011/main" val="1"/>
+              <ma14:wrappingTextBoxFlag xmlns:ma14="http://schemas.microsoft.com/office/mac/drawingml/2011/main" xmlns:a14="http://schemas.microsoft.com/office/drawing/2010/main" xmlns:m="http://schemas.openxmlformats.org/officeDocument/2006/math" xmlns="" val="1"/>
             </a:ext>
           </a:extLst>
         </p:spPr>
@@ -14447,16 +14432,16 @@
           </a:lstStyle>
           <a:p>
             <a:r>
-              <a:rPr lang="en-US" altLang="zh-CN" sz="1200" dirty="0">
+              <a:rPr lang="en-US" altLang="zh-CN" sz="1200" b="1" dirty="0">
                 <a:solidFill>
                   <a:schemeClr val="bg1"/>
                 </a:solidFill>
                 <a:latin typeface="微软雅黑" panose="020B0503020204020204" pitchFamily="34" charset="-122"/>
                 <a:ea typeface="微软雅黑" panose="020B0503020204020204" pitchFamily="34" charset="-122"/>
               </a:rPr>
-              <a:t>dubbo</a:t>
+              <a:t>Dubbo</a:t>
             </a:r>
-            <a:endParaRPr sz="1200" dirty="0">
+            <a:endParaRPr sz="1200" b="1" dirty="0">
               <a:solidFill>
                 <a:schemeClr val="bg1"/>
               </a:solidFill>
@@ -14655,7 +14640,7 @@
           </a:effectLst>
           <a:extLst>
             <a:ext uri="{C572A759-6A51-4108-AA02-DFA0A04FC94B}">
-              <ma14:wrappingTextBoxFlag xmlns="" xmlns:m="http://schemas.openxmlformats.org/officeDocument/2006/math" xmlns:a14="http://schemas.microsoft.com/office/drawing/2010/main" xmlns:ma14="http://schemas.microsoft.com/office/mac/drawingml/2011/main" val="1"/>
+              <ma14:wrappingTextBoxFlag xmlns:ma14="http://schemas.microsoft.com/office/mac/drawingml/2011/main" xmlns:a14="http://schemas.microsoft.com/office/drawing/2010/main" xmlns:m="http://schemas.openxmlformats.org/officeDocument/2006/math" xmlns="" val="1"/>
             </a:ext>
           </a:extLst>
         </p:spPr>
@@ -14692,15 +14677,13 @@
         <p:spPr>
           <a:xfrm>
             <a:off x="12242197" y="4742952"/>
-            <a:ext cx="890337" cy="313529"/>
+            <a:ext cx="944414" cy="313529"/>
           </a:xfrm>
           <a:prstGeom prst="roundRect">
             <a:avLst/>
           </a:prstGeom>
           <a:solidFill>
-            <a:schemeClr val="tx2">
-              <a:lumMod val="75000"/>
-            </a:schemeClr>
+            <a:schemeClr val="tx1"/>
           </a:solidFill>
           <a:ln w="19050" cap="flat">
             <a:solidFill>
@@ -14720,7 +14703,7 @@
           </a:effectLst>
           <a:extLst>
             <a:ext uri="{C572A759-6A51-4108-AA02-DFA0A04FC94B}">
-              <ma14:wrappingTextBoxFlag xmlns="" xmlns:m="http://schemas.openxmlformats.org/officeDocument/2006/math" xmlns:a14="http://schemas.microsoft.com/office/drawing/2010/main" xmlns:ma14="http://schemas.microsoft.com/office/mac/drawingml/2011/main" val="1"/>
+              <ma14:wrappingTextBoxFlag xmlns:ma14="http://schemas.microsoft.com/office/mac/drawingml/2011/main" xmlns:a14="http://schemas.microsoft.com/office/drawing/2010/main" xmlns:m="http://schemas.openxmlformats.org/officeDocument/2006/math" xmlns="" val="1"/>
             </a:ext>
           </a:extLst>
         </p:spPr>
@@ -14743,7 +14726,7 @@
           </a:lstStyle>
           <a:p>
             <a:r>
-              <a:rPr lang="en-US" sz="1200" dirty="0">
+              <a:rPr lang="en-US" sz="1200" b="1" dirty="0">
                 <a:solidFill>
                   <a:schemeClr val="bg1"/>
                 </a:solidFill>
@@ -14752,7 +14735,7 @@
               </a:rPr>
               <a:t>interface1</a:t>
             </a:r>
-            <a:endParaRPr sz="1200" dirty="0">
+            <a:endParaRPr sz="1200" b="1" dirty="0">
               <a:solidFill>
                 <a:schemeClr val="bg1"/>
               </a:solidFill>
@@ -14925,15 +14908,13 @@
         <p:spPr>
           <a:xfrm>
             <a:off x="12242197" y="5210731"/>
-            <a:ext cx="890337" cy="313529"/>
+            <a:ext cx="944414" cy="313529"/>
           </a:xfrm>
           <a:prstGeom prst="roundRect">
             <a:avLst/>
           </a:prstGeom>
           <a:solidFill>
-            <a:schemeClr val="tx2">
-              <a:lumMod val="75000"/>
-            </a:schemeClr>
+            <a:schemeClr val="tx1"/>
           </a:solidFill>
           <a:ln w="19050" cap="flat">
             <a:solidFill>
@@ -14953,7 +14934,7 @@
           </a:effectLst>
           <a:extLst>
             <a:ext uri="{C572A759-6A51-4108-AA02-DFA0A04FC94B}">
-              <ma14:wrappingTextBoxFlag xmlns="" xmlns:m="http://schemas.openxmlformats.org/officeDocument/2006/math" xmlns:a14="http://schemas.microsoft.com/office/drawing/2010/main" xmlns:ma14="http://schemas.microsoft.com/office/mac/drawingml/2011/main" val="1"/>
+              <ma14:wrappingTextBoxFlag xmlns:ma14="http://schemas.microsoft.com/office/mac/drawingml/2011/main" xmlns:a14="http://schemas.microsoft.com/office/drawing/2010/main" xmlns:m="http://schemas.openxmlformats.org/officeDocument/2006/math" xmlns="" val="1"/>
             </a:ext>
           </a:extLst>
         </p:spPr>
@@ -14976,7 +14957,7 @@
           </a:lstStyle>
           <a:p>
             <a:r>
-              <a:rPr lang="en-US" sz="1200" dirty="0">
+              <a:rPr lang="en-US" sz="1200" b="1" dirty="0">
                 <a:solidFill>
                   <a:schemeClr val="bg1"/>
                 </a:solidFill>
@@ -14985,7 +14966,7 @@
               </a:rPr>
               <a:t>interface2</a:t>
             </a:r>
-            <a:endParaRPr sz="1200" dirty="0">
+            <a:endParaRPr sz="1200" b="1" dirty="0">
               <a:solidFill>
                 <a:schemeClr val="bg1"/>
               </a:solidFill>
@@ -15010,96 +14991,13 @@
         <p:spPr>
           <a:xfrm>
             <a:off x="12242197" y="5663257"/>
-            <a:ext cx="890337" cy="313529"/>
+            <a:ext cx="944414" cy="313529"/>
           </a:xfrm>
           <a:prstGeom prst="roundRect">
             <a:avLst/>
           </a:prstGeom>
-          <a:noFill/>
-          <a:ln w="19050" cap="flat">
-            <a:solidFill>
-              <a:schemeClr val="tx2">
-                <a:lumMod val="60000"/>
-                <a:lumOff val="40000"/>
-              </a:schemeClr>
-            </a:solidFill>
-            <a:miter lim="400000"/>
-          </a:ln>
-          <a:effectLst>
-            <a:outerShdw blurRad="38100" dist="25400" dir="5400000" rotWithShape="0">
-              <a:srgbClr val="000000">
-                <a:alpha val="50000"/>
-              </a:srgbClr>
-            </a:outerShdw>
-          </a:effectLst>
-          <a:extLst>
-            <a:ext uri="{C572A759-6A51-4108-AA02-DFA0A04FC94B}">
-              <ma14:wrappingTextBoxFlag xmlns="" xmlns:m="http://schemas.openxmlformats.org/officeDocument/2006/math" xmlns:a14="http://schemas.microsoft.com/office/drawing/2010/main" xmlns:ma14="http://schemas.microsoft.com/office/mac/drawingml/2011/main" val="1"/>
-            </a:ext>
-          </a:extLst>
-        </p:spPr>
-        <p:txBody>
-          <a:bodyPr wrap="square" lIns="50800" tIns="50800" rIns="50800" bIns="50800" numCol="1" anchor="ctr">
-            <a:noAutofit/>
-          </a:bodyPr>
-          <a:lstStyle>
-            <a:lvl1pPr>
-              <a:defRPr b="0">
-                <a:solidFill>
-                  <a:srgbClr val="FFFFFF"/>
-                </a:solidFill>
-                <a:latin typeface="Helvetica Light"/>
-                <a:ea typeface="Helvetica Light"/>
-                <a:cs typeface="Helvetica Light"/>
-                <a:sym typeface="Helvetica Light"/>
-              </a:defRPr>
-            </a:lvl1pPr>
-          </a:lstStyle>
-          <a:p>
-            <a:r>
-              <a:rPr lang="en-US" sz="1200" dirty="0">
-                <a:solidFill>
-                  <a:schemeClr val="bg1"/>
-                </a:solidFill>
-                <a:latin typeface="微软雅黑" panose="020B0503020204020204" pitchFamily="34" charset="-122"/>
-                <a:ea typeface="微软雅黑" panose="020B0503020204020204" pitchFamily="34" charset="-122"/>
-              </a:rPr>
-              <a:t>…</a:t>
-            </a:r>
-            <a:endParaRPr sz="1200" dirty="0">
-              <a:solidFill>
-                <a:schemeClr val="bg1"/>
-              </a:solidFill>
-              <a:latin typeface="微软雅黑" panose="020B0503020204020204" pitchFamily="34" charset="-122"/>
-              <a:ea typeface="微软雅黑" panose="020B0503020204020204" pitchFamily="34" charset="-122"/>
-            </a:endParaRPr>
-          </a:p>
-        </p:txBody>
-      </p:sp>
-      <p:sp>
-        <p:nvSpPr>
-          <p:cNvPr id="165" name="zk">
-            <a:extLst>
-              <a:ext uri="{FF2B5EF4-FFF2-40B4-BE49-F238E27FC236}">
-                <a16:creationId xmlns:a16="http://schemas.microsoft.com/office/drawing/2014/main" id="{71566939-962E-43E1-8DD9-8FA47259F816}"/>
-              </a:ext>
-            </a:extLst>
-          </p:cNvPr>
-          <p:cNvSpPr/>
-          <p:nvPr/>
-        </p:nvSpPr>
-        <p:spPr>
-          <a:xfrm>
-            <a:off x="13294986" y="4728963"/>
-            <a:ext cx="890337" cy="313529"/>
-          </a:xfrm>
-          <a:prstGeom prst="roundRect">
-            <a:avLst/>
-          </a:prstGeom>
           <a:solidFill>
-            <a:schemeClr val="tx2">
-              <a:lumMod val="75000"/>
-            </a:schemeClr>
+            <a:srgbClr val="17242F"/>
           </a:solidFill>
           <a:ln w="19050" cap="flat">
             <a:solidFill>
@@ -15119,7 +15017,7 @@
           </a:effectLst>
           <a:extLst>
             <a:ext uri="{C572A759-6A51-4108-AA02-DFA0A04FC94B}">
-              <ma14:wrappingTextBoxFlag xmlns="" xmlns:m="http://schemas.openxmlformats.org/officeDocument/2006/math" xmlns:a14="http://schemas.microsoft.com/office/drawing/2010/main" xmlns:ma14="http://schemas.microsoft.com/office/mac/drawingml/2011/main" val="1"/>
+              <ma14:wrappingTextBoxFlag xmlns:ma14="http://schemas.microsoft.com/office/mac/drawingml/2011/main" xmlns:a14="http://schemas.microsoft.com/office/drawing/2010/main" xmlns:m="http://schemas.openxmlformats.org/officeDocument/2006/math" xmlns="" val="1"/>
             </a:ext>
           </a:extLst>
         </p:spPr>
@@ -15149,7 +15047,7 @@
                 <a:latin typeface="微软雅黑" panose="020B0503020204020204" pitchFamily="34" charset="-122"/>
                 <a:ea typeface="微软雅黑" panose="020B0503020204020204" pitchFamily="34" charset="-122"/>
               </a:rPr>
-              <a:t>service`1</a:t>
+              <a:t>…</a:t>
             </a:r>
             <a:endParaRPr sz="1200" dirty="0">
               <a:solidFill>
@@ -15163,10 +15061,10 @@
       </p:sp>
       <p:sp>
         <p:nvSpPr>
-          <p:cNvPr id="166" name="zk">
+          <p:cNvPr id="165" name="zk">
             <a:extLst>
               <a:ext uri="{FF2B5EF4-FFF2-40B4-BE49-F238E27FC236}">
-                <a16:creationId xmlns:a16="http://schemas.microsoft.com/office/drawing/2014/main" id="{5542E580-5AC7-40B5-AF85-DEEEDDE6F7E5}"/>
+                <a16:creationId xmlns:a16="http://schemas.microsoft.com/office/drawing/2014/main" id="{71566939-962E-43E1-8DD9-8FA47259F816}"/>
               </a:ext>
             </a:extLst>
           </p:cNvPr>
@@ -15175,16 +15073,14 @@
         </p:nvSpPr>
         <p:spPr>
           <a:xfrm>
-            <a:off x="13294986" y="5196742"/>
+            <a:off x="13294986" y="4728963"/>
             <a:ext cx="890337" cy="313529"/>
           </a:xfrm>
           <a:prstGeom prst="roundRect">
             <a:avLst/>
           </a:prstGeom>
           <a:solidFill>
-            <a:schemeClr val="tx2">
-              <a:lumMod val="75000"/>
-            </a:schemeClr>
+            <a:srgbClr val="175154"/>
           </a:solidFill>
           <a:ln w="19050" cap="flat">
             <a:solidFill>
@@ -15204,7 +15100,7 @@
           </a:effectLst>
           <a:extLst>
             <a:ext uri="{C572A759-6A51-4108-AA02-DFA0A04FC94B}">
-              <ma14:wrappingTextBoxFlag xmlns="" xmlns:m="http://schemas.openxmlformats.org/officeDocument/2006/math" xmlns:a14="http://schemas.microsoft.com/office/drawing/2010/main" xmlns:ma14="http://schemas.microsoft.com/office/mac/drawingml/2011/main" val="1"/>
+              <ma14:wrappingTextBoxFlag xmlns:ma14="http://schemas.microsoft.com/office/mac/drawingml/2011/main" xmlns:a14="http://schemas.microsoft.com/office/drawing/2010/main" xmlns:m="http://schemas.openxmlformats.org/officeDocument/2006/math" xmlns="" val="1"/>
             </a:ext>
           </a:extLst>
         </p:spPr>
@@ -15227,16 +15123,16 @@
           </a:lstStyle>
           <a:p>
             <a:r>
-              <a:rPr lang="en-US" sz="1200" dirty="0">
+              <a:rPr lang="en-US" sz="1200" b="1" dirty="0">
                 <a:solidFill>
                   <a:schemeClr val="bg1"/>
                 </a:solidFill>
                 <a:latin typeface="微软雅黑" panose="020B0503020204020204" pitchFamily="34" charset="-122"/>
                 <a:ea typeface="微软雅黑" panose="020B0503020204020204" pitchFamily="34" charset="-122"/>
               </a:rPr>
-              <a:t>service2</a:t>
+              <a:t>service1</a:t>
             </a:r>
-            <a:endParaRPr sz="1200" dirty="0">
+            <a:endParaRPr sz="1200" b="1" dirty="0">
               <a:solidFill>
                 <a:schemeClr val="bg1"/>
               </a:solidFill>
@@ -15248,10 +15144,10 @@
       </p:sp>
       <p:sp>
         <p:nvSpPr>
-          <p:cNvPr id="167" name="zk">
+          <p:cNvPr id="166" name="zk">
             <a:extLst>
               <a:ext uri="{FF2B5EF4-FFF2-40B4-BE49-F238E27FC236}">
-                <a16:creationId xmlns:a16="http://schemas.microsoft.com/office/drawing/2014/main" id="{F386B0CD-92B8-4CB3-BDD8-49C77528718C}"/>
+                <a16:creationId xmlns:a16="http://schemas.microsoft.com/office/drawing/2014/main" id="{5542E580-5AC7-40B5-AF85-DEEEDDE6F7E5}"/>
               </a:ext>
             </a:extLst>
           </p:cNvPr>
@@ -15260,13 +15156,15 @@
         </p:nvSpPr>
         <p:spPr>
           <a:xfrm>
-            <a:off x="13294986" y="5649268"/>
+            <a:off x="13294986" y="5196742"/>
             <a:ext cx="890337" cy="313529"/>
           </a:xfrm>
           <a:prstGeom prst="roundRect">
             <a:avLst/>
           </a:prstGeom>
-          <a:noFill/>
+          <a:solidFill>
+            <a:srgbClr val="175154"/>
+          </a:solidFill>
           <a:ln w="19050" cap="flat">
             <a:solidFill>
               <a:schemeClr val="tx2">
@@ -15285,7 +15183,90 @@
           </a:effectLst>
           <a:extLst>
             <a:ext uri="{C572A759-6A51-4108-AA02-DFA0A04FC94B}">
-              <ma14:wrappingTextBoxFlag xmlns="" xmlns:m="http://schemas.openxmlformats.org/officeDocument/2006/math" xmlns:a14="http://schemas.microsoft.com/office/drawing/2010/main" xmlns:ma14="http://schemas.microsoft.com/office/mac/drawingml/2011/main" val="1"/>
+              <ma14:wrappingTextBoxFlag xmlns:ma14="http://schemas.microsoft.com/office/mac/drawingml/2011/main" xmlns:a14="http://schemas.microsoft.com/office/drawing/2010/main" xmlns:m="http://schemas.openxmlformats.org/officeDocument/2006/math" xmlns="" val="1"/>
+            </a:ext>
+          </a:extLst>
+        </p:spPr>
+        <p:txBody>
+          <a:bodyPr wrap="square" lIns="50800" tIns="50800" rIns="50800" bIns="50800" numCol="1" anchor="ctr">
+            <a:noAutofit/>
+          </a:bodyPr>
+          <a:lstStyle>
+            <a:lvl1pPr>
+              <a:defRPr b="0">
+                <a:solidFill>
+                  <a:srgbClr val="FFFFFF"/>
+                </a:solidFill>
+                <a:latin typeface="Helvetica Light"/>
+                <a:ea typeface="Helvetica Light"/>
+                <a:cs typeface="Helvetica Light"/>
+                <a:sym typeface="Helvetica Light"/>
+              </a:defRPr>
+            </a:lvl1pPr>
+          </a:lstStyle>
+          <a:p>
+            <a:r>
+              <a:rPr lang="en-US" sz="1200" b="1" dirty="0">
+                <a:solidFill>
+                  <a:schemeClr val="bg1"/>
+                </a:solidFill>
+                <a:latin typeface="微软雅黑" panose="020B0503020204020204" pitchFamily="34" charset="-122"/>
+                <a:ea typeface="微软雅黑" panose="020B0503020204020204" pitchFamily="34" charset="-122"/>
+              </a:rPr>
+              <a:t>service2</a:t>
+            </a:r>
+            <a:endParaRPr sz="1200" b="1" dirty="0">
+              <a:solidFill>
+                <a:schemeClr val="bg1"/>
+              </a:solidFill>
+              <a:latin typeface="微软雅黑" panose="020B0503020204020204" pitchFamily="34" charset="-122"/>
+              <a:ea typeface="微软雅黑" panose="020B0503020204020204" pitchFamily="34" charset="-122"/>
+            </a:endParaRPr>
+          </a:p>
+        </p:txBody>
+      </p:sp>
+      <p:sp>
+        <p:nvSpPr>
+          <p:cNvPr id="167" name="zk">
+            <a:extLst>
+              <a:ext uri="{FF2B5EF4-FFF2-40B4-BE49-F238E27FC236}">
+                <a16:creationId xmlns:a16="http://schemas.microsoft.com/office/drawing/2014/main" id="{F386B0CD-92B8-4CB3-BDD8-49C77528718C}"/>
+              </a:ext>
+            </a:extLst>
+          </p:cNvPr>
+          <p:cNvSpPr/>
+          <p:nvPr/>
+        </p:nvSpPr>
+        <p:spPr>
+          <a:xfrm>
+            <a:off x="13294986" y="5649268"/>
+            <a:ext cx="890337" cy="313529"/>
+          </a:xfrm>
+          <a:prstGeom prst="roundRect">
+            <a:avLst/>
+          </a:prstGeom>
+          <a:solidFill>
+            <a:srgbClr val="17242F"/>
+          </a:solidFill>
+          <a:ln w="19050" cap="flat">
+            <a:solidFill>
+              <a:schemeClr val="tx2">
+                <a:lumMod val="60000"/>
+                <a:lumOff val="40000"/>
+              </a:schemeClr>
+            </a:solidFill>
+            <a:miter lim="400000"/>
+          </a:ln>
+          <a:effectLst>
+            <a:outerShdw blurRad="38100" dist="25400" dir="5400000" rotWithShape="0">
+              <a:srgbClr val="000000">
+                <a:alpha val="50000"/>
+              </a:srgbClr>
+            </a:outerShdw>
+          </a:effectLst>
+          <a:extLst>
+            <a:ext uri="{C572A759-6A51-4108-AA02-DFA0A04FC94B}">
+              <ma14:wrappingTextBoxFlag xmlns:ma14="http://schemas.microsoft.com/office/mac/drawingml/2011/main" xmlns:a14="http://schemas.microsoft.com/office/drawing/2010/main" xmlns:m="http://schemas.openxmlformats.org/officeDocument/2006/math" xmlns="" val="1"/>
             </a:ext>
           </a:extLst>
         </p:spPr>
@@ -15368,7 +15349,7 @@
           </a:effectLst>
           <a:extLst>
             <a:ext uri="{C572A759-6A51-4108-AA02-DFA0A04FC94B}">
-              <ma14:wrappingTextBoxFlag xmlns="" xmlns:m="http://schemas.openxmlformats.org/officeDocument/2006/math" xmlns:a14="http://schemas.microsoft.com/office/drawing/2010/main" xmlns:ma14="http://schemas.microsoft.com/office/mac/drawingml/2011/main" val="1"/>
+              <ma14:wrappingTextBoxFlag xmlns:ma14="http://schemas.microsoft.com/office/mac/drawingml/2011/main" xmlns:a14="http://schemas.microsoft.com/office/drawing/2010/main" xmlns:m="http://schemas.openxmlformats.org/officeDocument/2006/math" xmlns="" val="1"/>
             </a:ext>
           </a:extLst>
         </p:spPr>
@@ -15411,9 +15392,7 @@
             <a:avLst/>
           </a:prstGeom>
           <a:solidFill>
-            <a:schemeClr val="accent3">
-              <a:lumMod val="75000"/>
-            </a:schemeClr>
+            <a:srgbClr val="2FA6AD"/>
           </a:solidFill>
           <a:ln w="19050" cap="flat">
             <a:solidFill>
@@ -15433,7 +15412,7 @@
           </a:effectLst>
           <a:extLst>
             <a:ext uri="{C572A759-6A51-4108-AA02-DFA0A04FC94B}">
-              <ma14:wrappingTextBoxFlag xmlns="" xmlns:m="http://schemas.openxmlformats.org/officeDocument/2006/math" xmlns:a14="http://schemas.microsoft.com/office/drawing/2010/main" xmlns:ma14="http://schemas.microsoft.com/office/mac/drawingml/2011/main" val="1"/>
+              <ma14:wrappingTextBoxFlag xmlns:ma14="http://schemas.microsoft.com/office/mac/drawingml/2011/main" xmlns:a14="http://schemas.microsoft.com/office/drawing/2010/main" xmlns:m="http://schemas.openxmlformats.org/officeDocument/2006/math" xmlns="" val="1"/>
             </a:ext>
           </a:extLst>
         </p:spPr>
@@ -15456,7 +15435,7 @@
           </a:lstStyle>
           <a:p>
             <a:r>
-              <a:rPr lang="en-US" altLang="zh-CN" sz="1200" dirty="0">
+              <a:rPr lang="en-US" altLang="zh-CN" sz="1200" b="1" dirty="0">
                 <a:solidFill>
                   <a:schemeClr val="bg1"/>
                 </a:solidFill>
@@ -15465,7 +15444,7 @@
               </a:rPr>
               <a:t>tracing</a:t>
             </a:r>
-            <a:endParaRPr sz="1200" dirty="0">
+            <a:endParaRPr sz="1200" b="1" dirty="0">
               <a:solidFill>
                 <a:schemeClr val="bg1"/>
               </a:solidFill>
@@ -15496,9 +15475,7 @@
             <a:avLst/>
           </a:prstGeom>
           <a:solidFill>
-            <a:schemeClr val="accent3">
-              <a:lumMod val="75000"/>
-            </a:schemeClr>
+            <a:srgbClr val="2FA6AD"/>
           </a:solidFill>
           <a:ln w="19050" cap="flat">
             <a:solidFill>
@@ -15518,7 +15495,7 @@
           </a:effectLst>
           <a:extLst>
             <a:ext uri="{C572A759-6A51-4108-AA02-DFA0A04FC94B}">
-              <ma14:wrappingTextBoxFlag xmlns="" xmlns:m="http://schemas.openxmlformats.org/officeDocument/2006/math" xmlns:a14="http://schemas.microsoft.com/office/drawing/2010/main" xmlns:ma14="http://schemas.microsoft.com/office/mac/drawingml/2011/main" val="1"/>
+              <ma14:wrappingTextBoxFlag xmlns:ma14="http://schemas.microsoft.com/office/mac/drawingml/2011/main" xmlns:a14="http://schemas.microsoft.com/office/drawing/2010/main" xmlns:m="http://schemas.openxmlformats.org/officeDocument/2006/math" xmlns="" val="1"/>
             </a:ext>
           </a:extLst>
         </p:spPr>
@@ -15541,7 +15518,7 @@
           </a:lstStyle>
           <a:p>
             <a:r>
-              <a:rPr lang="en-US" altLang="zh-CN" sz="1200" dirty="0">
+              <a:rPr lang="en-US" altLang="zh-CN" sz="1200" b="1" dirty="0">
                 <a:solidFill>
                   <a:schemeClr val="bg1"/>
                 </a:solidFill>
@@ -15550,7 +15527,7 @@
               </a:rPr>
               <a:t>config</a:t>
             </a:r>
-            <a:endParaRPr sz="1200" dirty="0">
+            <a:endParaRPr sz="1200" b="1" dirty="0">
               <a:solidFill>
                 <a:schemeClr val="bg1"/>
               </a:solidFill>
@@ -15761,9 +15738,7 @@
             <a:avLst/>
           </a:prstGeom>
           <a:solidFill>
-            <a:schemeClr val="tx2">
-              <a:lumMod val="75000"/>
-            </a:schemeClr>
+            <a:schemeClr val="tx1"/>
           </a:solidFill>
           <a:ln w="19050" cap="flat">
             <a:solidFill>
@@ -15783,7 +15758,7 @@
           </a:effectLst>
           <a:extLst>
             <a:ext uri="{C572A759-6A51-4108-AA02-DFA0A04FC94B}">
-              <ma14:wrappingTextBoxFlag xmlns="" xmlns:m="http://schemas.openxmlformats.org/officeDocument/2006/math" xmlns:a14="http://schemas.microsoft.com/office/drawing/2010/main" xmlns:ma14="http://schemas.microsoft.com/office/mac/drawingml/2011/main" val="1"/>
+              <ma14:wrappingTextBoxFlag xmlns:ma14="http://schemas.microsoft.com/office/mac/drawingml/2011/main" xmlns:a14="http://schemas.microsoft.com/office/drawing/2010/main" xmlns:m="http://schemas.openxmlformats.org/officeDocument/2006/math" xmlns="" val="1"/>
             </a:ext>
           </a:extLst>
         </p:spPr>
@@ -15805,7 +15780,7 @@
             </a:lvl1pPr>
           </a:lstStyle>
           <a:p>
-            <a:endParaRPr lang="en-US" altLang="zh-CN" sz="1200" dirty="0">
+            <a:endParaRPr lang="en-US" altLang="zh-CN" sz="1200" b="1" dirty="0">
               <a:solidFill>
                 <a:schemeClr val="bg1"/>
               </a:solidFill>
@@ -15815,7 +15790,7 @@
           </a:p>
           <a:p>
             <a:r>
-              <a:rPr lang="en-US" altLang="zh-CN" sz="1200" dirty="0">
+              <a:rPr lang="en-US" altLang="zh-CN" sz="1200" b="1" dirty="0">
                 <a:solidFill>
                   <a:schemeClr val="bg1"/>
                 </a:solidFill>
@@ -15826,7 +15801,7 @@
             </a:r>
           </a:p>
           <a:p>
-            <a:endParaRPr lang="zh-CN" altLang="en-US" sz="1200" dirty="0">
+            <a:endParaRPr lang="zh-CN" altLang="en-US" sz="1200" b="1" dirty="0">
               <a:solidFill>
                 <a:schemeClr val="bg1"/>
               </a:solidFill>
@@ -15850,8 +15825,8 @@
         </p:nvSpPr>
         <p:spPr>
           <a:xfrm>
-            <a:off x="3154714" y="9262583"/>
-            <a:ext cx="3215960" cy="318036"/>
+            <a:off x="3154713" y="9154862"/>
+            <a:ext cx="11331307" cy="533479"/>
           </a:xfrm>
           <a:prstGeom prst="rect">
             <a:avLst/>
@@ -15882,6 +15857,7 @@
           </a:bodyPr>
           <a:lstStyle/>
           <a:p>
+            <a:pPr algn="l"/>
             <a:r>
               <a:rPr lang="en-US" altLang="zh-CN" sz="1400" b="0" dirty="0">
                 <a:solidFill>
@@ -15891,7 +15867,21 @@
                 <a:ea typeface="Verdana" panose="020B0604030504040204" pitchFamily="34" charset="0"/>
                 <a:cs typeface="Helvetica Light"/>
               </a:rPr>
-              <a:t>Hlty Inst -&gt; </a:t>
+              <a:t> RR 	     -&gt; Round Robin  </a:t>
+            </a:r>
+          </a:p>
+          <a:p>
+            <a:pPr algn="l"/>
+            <a:r>
+              <a:rPr lang="en-US" altLang="zh-CN" sz="1400" b="0" dirty="0">
+                <a:solidFill>
+                  <a:schemeClr val="bg1"/>
+                </a:solidFill>
+                <a:latin typeface="Verdana" panose="020B0604030504040204" pitchFamily="34" charset="0"/>
+                <a:ea typeface="Verdana" panose="020B0604030504040204" pitchFamily="34" charset="0"/>
+                <a:cs typeface="Helvetica Light"/>
+              </a:rPr>
+              <a:t> Hlty Inst -&gt; </a:t>
             </a:r>
             <a:r>
               <a:rPr lang="en-US" altLang="zh-CN" sz="1400" b="0" dirty="0">
@@ -15903,14 +15893,6 @@
               </a:rPr>
               <a:t>Healthy instance first</a:t>
             </a:r>
-            <a:endParaRPr lang="en-US" altLang="zh-CN" sz="1400" b="0" dirty="0">
-              <a:solidFill>
-                <a:schemeClr val="bg1"/>
-              </a:solidFill>
-              <a:latin typeface="Verdana" panose="020B0604030504040204" pitchFamily="34" charset="0"/>
-              <a:ea typeface="Verdana" panose="020B0604030504040204" pitchFamily="34" charset="0"/>
-              <a:cs typeface="Helvetica Light"/>
-            </a:endParaRPr>
           </a:p>
         </p:txBody>
       </p:sp>

--- a/resource/dubbo-go-arch.pptx
+++ b/resource/dubbo-go-arch.pptx
@@ -2228,7 +2228,7 @@
           </a:ln>
           <a:extLst>
             <a:ext uri="{C572A759-6A51-4108-AA02-DFA0A04FC94B}">
-              <ma14:wrappingTextBoxFlag xmlns:ma14="http://schemas.microsoft.com/office/mac/drawingml/2011/main" xmlns:a14="http://schemas.microsoft.com/office/drawing/2010/main" xmlns:m="http://schemas.openxmlformats.org/officeDocument/2006/math" xmlns="" val="1"/>
+              <ma14:wrappingTextBoxFlag xmlns="" xmlns:m="http://schemas.openxmlformats.org/officeDocument/2006/math" xmlns:a14="http://schemas.microsoft.com/office/drawing/2010/main" xmlns:ma14="http://schemas.microsoft.com/office/mac/drawingml/2011/main" val="1"/>
             </a:ext>
           </a:extLst>
         </p:spPr>
@@ -2267,7 +2267,7 @@
           </a:ln>
           <a:extLst>
             <a:ext uri="{C572A759-6A51-4108-AA02-DFA0A04FC94B}">
-              <ma14:wrappingTextBoxFlag xmlns:ma14="http://schemas.microsoft.com/office/mac/drawingml/2011/main" xmlns:a14="http://schemas.microsoft.com/office/drawing/2010/main" xmlns:m="http://schemas.openxmlformats.org/officeDocument/2006/math" xmlns="" val="1"/>
+              <ma14:wrappingTextBoxFlag xmlns="" xmlns:m="http://schemas.openxmlformats.org/officeDocument/2006/math" xmlns:a14="http://schemas.microsoft.com/office/drawing/2010/main" xmlns:ma14="http://schemas.microsoft.com/office/mac/drawingml/2011/main" val="1"/>
             </a:ext>
           </a:extLst>
         </p:spPr>
@@ -3150,7 +3150,7 @@
           </a:effectLst>
           <a:extLst>
             <a:ext uri="{C572A759-6A51-4108-AA02-DFA0A04FC94B}">
-              <ma14:wrappingTextBoxFlag xmlns:ma14="http://schemas.microsoft.com/office/mac/drawingml/2011/main" xmlns:a14="http://schemas.microsoft.com/office/drawing/2010/main" xmlns:m="http://schemas.openxmlformats.org/officeDocument/2006/math" xmlns="" val="1"/>
+              <ma14:wrappingTextBoxFlag xmlns="" xmlns:m="http://schemas.openxmlformats.org/officeDocument/2006/math" xmlns:a14="http://schemas.microsoft.com/office/drawing/2010/main" xmlns:ma14="http://schemas.microsoft.com/office/mac/drawingml/2011/main" val="1"/>
             </a:ext>
           </a:extLst>
         </p:spPr>
@@ -3250,7 +3250,7 @@
           </a:effectLst>
           <a:extLst>
             <a:ext uri="{C572A759-6A51-4108-AA02-DFA0A04FC94B}">
-              <ma14:wrappingTextBoxFlag xmlns:ma14="http://schemas.microsoft.com/office/mac/drawingml/2011/main" xmlns:a14="http://schemas.microsoft.com/office/drawing/2010/main" xmlns:m="http://schemas.openxmlformats.org/officeDocument/2006/math" xmlns="" val="1"/>
+              <ma14:wrappingTextBoxFlag xmlns="" xmlns:m="http://schemas.openxmlformats.org/officeDocument/2006/math" xmlns:a14="http://schemas.microsoft.com/office/drawing/2010/main" xmlns:ma14="http://schemas.microsoft.com/office/mac/drawingml/2011/main" val="1"/>
             </a:ext>
           </a:extLst>
         </p:spPr>
@@ -3320,7 +3320,7 @@
           </a:effectLst>
           <a:extLst>
             <a:ext uri="{C572A759-6A51-4108-AA02-DFA0A04FC94B}">
-              <ma14:wrappingTextBoxFlag xmlns:ma14="http://schemas.microsoft.com/office/mac/drawingml/2011/main" xmlns:a14="http://schemas.microsoft.com/office/drawing/2010/main" xmlns:m="http://schemas.openxmlformats.org/officeDocument/2006/math" xmlns="" val="1"/>
+              <ma14:wrappingTextBoxFlag xmlns="" xmlns:m="http://schemas.openxmlformats.org/officeDocument/2006/math" xmlns:a14="http://schemas.microsoft.com/office/drawing/2010/main" xmlns:ma14="http://schemas.microsoft.com/office/mac/drawingml/2011/main" val="1"/>
             </a:ext>
           </a:extLst>
         </p:spPr>
@@ -3373,7 +3373,7 @@
           </a:effectLst>
           <a:extLst>
             <a:ext uri="{C572A759-6A51-4108-AA02-DFA0A04FC94B}">
-              <ma14:wrappingTextBoxFlag xmlns:ma14="http://schemas.microsoft.com/office/mac/drawingml/2011/main" xmlns:a14="http://schemas.microsoft.com/office/drawing/2010/main" xmlns:m="http://schemas.openxmlformats.org/officeDocument/2006/math" xmlns="" val="1"/>
+              <ma14:wrappingTextBoxFlag xmlns="" xmlns:m="http://schemas.openxmlformats.org/officeDocument/2006/math" xmlns:a14="http://schemas.microsoft.com/office/drawing/2010/main" xmlns:ma14="http://schemas.microsoft.com/office/mac/drawingml/2011/main" val="1"/>
             </a:ext>
           </a:extLst>
         </p:spPr>
@@ -3427,7 +3427,7 @@
           </a:effectLst>
           <a:extLst>
             <a:ext uri="{C572A759-6A51-4108-AA02-DFA0A04FC94B}">
-              <ma14:wrappingTextBoxFlag xmlns:ma14="http://schemas.microsoft.com/office/mac/drawingml/2011/main" xmlns:a14="http://schemas.microsoft.com/office/drawing/2010/main" xmlns:m="http://schemas.openxmlformats.org/officeDocument/2006/math" xmlns="" val="1"/>
+              <ma14:wrappingTextBoxFlag xmlns="" xmlns:m="http://schemas.openxmlformats.org/officeDocument/2006/math" xmlns:a14="http://schemas.microsoft.com/office/drawing/2010/main" xmlns:ma14="http://schemas.microsoft.com/office/mac/drawingml/2011/main" val="1"/>
             </a:ext>
           </a:extLst>
         </p:spPr>
@@ -3481,7 +3481,7 @@
           </a:effectLst>
           <a:extLst>
             <a:ext uri="{C572A759-6A51-4108-AA02-DFA0A04FC94B}">
-              <ma14:wrappingTextBoxFlag xmlns:ma14="http://schemas.microsoft.com/office/mac/drawingml/2011/main" xmlns:a14="http://schemas.microsoft.com/office/drawing/2010/main" xmlns:m="http://schemas.openxmlformats.org/officeDocument/2006/math" xmlns="" val="1"/>
+              <ma14:wrappingTextBoxFlag xmlns="" xmlns:m="http://schemas.openxmlformats.org/officeDocument/2006/math" xmlns:a14="http://schemas.microsoft.com/office/drawing/2010/main" xmlns:ma14="http://schemas.microsoft.com/office/mac/drawingml/2011/main" val="1"/>
             </a:ext>
           </a:extLst>
         </p:spPr>
@@ -3540,7 +3540,7 @@
           </a:effectLst>
           <a:extLst>
             <a:ext uri="{C572A759-6A51-4108-AA02-DFA0A04FC94B}">
-              <ma14:wrappingTextBoxFlag xmlns:ma14="http://schemas.microsoft.com/office/mac/drawingml/2011/main" xmlns:a14="http://schemas.microsoft.com/office/drawing/2010/main" xmlns:m="http://schemas.openxmlformats.org/officeDocument/2006/math" xmlns="" val="1"/>
+              <ma14:wrappingTextBoxFlag xmlns="" xmlns:m="http://schemas.openxmlformats.org/officeDocument/2006/math" xmlns:a14="http://schemas.microsoft.com/office/drawing/2010/main" xmlns:ma14="http://schemas.microsoft.com/office/mac/drawingml/2011/main" val="1"/>
             </a:ext>
           </a:extLst>
         </p:spPr>
@@ -3591,7 +3591,7 @@
           </a:effectLst>
           <a:extLst>
             <a:ext uri="{C572A759-6A51-4108-AA02-DFA0A04FC94B}">
-              <ma14:wrappingTextBoxFlag xmlns:ma14="http://schemas.microsoft.com/office/mac/drawingml/2011/main" xmlns:a14="http://schemas.microsoft.com/office/drawing/2010/main" xmlns:m="http://schemas.openxmlformats.org/officeDocument/2006/math" xmlns="" val="1"/>
+              <ma14:wrappingTextBoxFlag xmlns="" xmlns:m="http://schemas.openxmlformats.org/officeDocument/2006/math" xmlns:a14="http://schemas.microsoft.com/office/drawing/2010/main" xmlns:ma14="http://schemas.microsoft.com/office/mac/drawingml/2011/main" val="1"/>
             </a:ext>
           </a:extLst>
         </p:spPr>
@@ -3645,7 +3645,7 @@
           </a:effectLst>
           <a:extLst>
             <a:ext uri="{C572A759-6A51-4108-AA02-DFA0A04FC94B}">
-              <ma14:wrappingTextBoxFlag xmlns:ma14="http://schemas.microsoft.com/office/mac/drawingml/2011/main" xmlns:a14="http://schemas.microsoft.com/office/drawing/2010/main" xmlns:m="http://schemas.openxmlformats.org/officeDocument/2006/math" xmlns="" val="1"/>
+              <ma14:wrappingTextBoxFlag xmlns="" xmlns:m="http://schemas.openxmlformats.org/officeDocument/2006/math" xmlns:a14="http://schemas.microsoft.com/office/drawing/2010/main" xmlns:ma14="http://schemas.microsoft.com/office/mac/drawingml/2011/main" val="1"/>
             </a:ext>
           </a:extLst>
         </p:spPr>
@@ -3699,7 +3699,7 @@
           </a:effectLst>
           <a:extLst>
             <a:ext uri="{C572A759-6A51-4108-AA02-DFA0A04FC94B}">
-              <ma14:wrappingTextBoxFlag xmlns:ma14="http://schemas.microsoft.com/office/mac/drawingml/2011/main" xmlns:a14="http://schemas.microsoft.com/office/drawing/2010/main" xmlns:m="http://schemas.openxmlformats.org/officeDocument/2006/math" xmlns="" val="1"/>
+              <ma14:wrappingTextBoxFlag xmlns="" xmlns:m="http://schemas.openxmlformats.org/officeDocument/2006/math" xmlns:a14="http://schemas.microsoft.com/office/drawing/2010/main" xmlns:ma14="http://schemas.microsoft.com/office/mac/drawingml/2011/main" val="1"/>
             </a:ext>
           </a:extLst>
         </p:spPr>
@@ -3753,7 +3753,7 @@
           </a:effectLst>
           <a:extLst>
             <a:ext uri="{C572A759-6A51-4108-AA02-DFA0A04FC94B}">
-              <ma14:wrappingTextBoxFlag xmlns:ma14="http://schemas.microsoft.com/office/mac/drawingml/2011/main" xmlns:a14="http://schemas.microsoft.com/office/drawing/2010/main" xmlns:m="http://schemas.openxmlformats.org/officeDocument/2006/math" xmlns="" val="1"/>
+              <ma14:wrappingTextBoxFlag xmlns="" xmlns:m="http://schemas.openxmlformats.org/officeDocument/2006/math" xmlns:a14="http://schemas.microsoft.com/office/drawing/2010/main" xmlns:ma14="http://schemas.microsoft.com/office/mac/drawingml/2011/main" val="1"/>
             </a:ext>
           </a:extLst>
         </p:spPr>
@@ -3807,7 +3807,7 @@
           </a:effectLst>
           <a:extLst>
             <a:ext uri="{C572A759-6A51-4108-AA02-DFA0A04FC94B}">
-              <ma14:wrappingTextBoxFlag xmlns:ma14="http://schemas.microsoft.com/office/mac/drawingml/2011/main" xmlns:a14="http://schemas.microsoft.com/office/drawing/2010/main" xmlns:m="http://schemas.openxmlformats.org/officeDocument/2006/math" xmlns="" val="1"/>
+              <ma14:wrappingTextBoxFlag xmlns="" xmlns:m="http://schemas.openxmlformats.org/officeDocument/2006/math" xmlns:a14="http://schemas.microsoft.com/office/drawing/2010/main" xmlns:ma14="http://schemas.microsoft.com/office/mac/drawingml/2011/main" val="1"/>
             </a:ext>
           </a:extLst>
         </p:spPr>
@@ -3983,7 +3983,7 @@
           </a:effectLst>
           <a:extLst>
             <a:ext uri="{C572A759-6A51-4108-AA02-DFA0A04FC94B}">
-              <ma14:wrappingTextBoxFlag xmlns:ma14="http://schemas.microsoft.com/office/mac/drawingml/2011/main" xmlns:a14="http://schemas.microsoft.com/office/drawing/2010/main" xmlns:m="http://schemas.openxmlformats.org/officeDocument/2006/math" xmlns="" val="1"/>
+              <ma14:wrappingTextBoxFlag xmlns="" xmlns:m="http://schemas.openxmlformats.org/officeDocument/2006/math" xmlns:a14="http://schemas.microsoft.com/office/drawing/2010/main" xmlns:ma14="http://schemas.microsoft.com/office/mac/drawingml/2011/main" val="1"/>
             </a:ext>
           </a:extLst>
         </p:spPr>
@@ -4107,7 +4107,7 @@
           </a:effectLst>
           <a:extLst>
             <a:ext uri="{C572A759-6A51-4108-AA02-DFA0A04FC94B}">
-              <ma14:wrappingTextBoxFlag xmlns:ma14="http://schemas.microsoft.com/office/mac/drawingml/2011/main" xmlns:a14="http://schemas.microsoft.com/office/drawing/2010/main" xmlns:m="http://schemas.openxmlformats.org/officeDocument/2006/math" xmlns="" val="1"/>
+              <ma14:wrappingTextBoxFlag xmlns="" xmlns:m="http://schemas.openxmlformats.org/officeDocument/2006/math" xmlns:a14="http://schemas.microsoft.com/office/drawing/2010/main" xmlns:ma14="http://schemas.microsoft.com/office/mac/drawingml/2011/main" val="1"/>
             </a:ext>
           </a:extLst>
         </p:spPr>
@@ -4166,7 +4166,7 @@
           </a:effectLst>
           <a:extLst>
             <a:ext uri="{C572A759-6A51-4108-AA02-DFA0A04FC94B}">
-              <ma14:wrappingTextBoxFlag xmlns:ma14="http://schemas.microsoft.com/office/mac/drawingml/2011/main" xmlns:a14="http://schemas.microsoft.com/office/drawing/2010/main" xmlns:m="http://schemas.openxmlformats.org/officeDocument/2006/math" xmlns="" val="1"/>
+              <ma14:wrappingTextBoxFlag xmlns="" xmlns:m="http://schemas.openxmlformats.org/officeDocument/2006/math" xmlns:a14="http://schemas.microsoft.com/office/drawing/2010/main" xmlns:ma14="http://schemas.microsoft.com/office/mac/drawingml/2011/main" val="1"/>
             </a:ext>
           </a:extLst>
         </p:spPr>
@@ -4231,7 +4231,7 @@
           </a:effectLst>
           <a:extLst>
             <a:ext uri="{C572A759-6A51-4108-AA02-DFA0A04FC94B}">
-              <ma14:wrappingTextBoxFlag xmlns:ma14="http://schemas.microsoft.com/office/mac/drawingml/2011/main" xmlns:a14="http://schemas.microsoft.com/office/drawing/2010/main" xmlns:m="http://schemas.openxmlformats.org/officeDocument/2006/math" xmlns="" val="1"/>
+              <ma14:wrappingTextBoxFlag xmlns="" xmlns:m="http://schemas.openxmlformats.org/officeDocument/2006/math" xmlns:a14="http://schemas.microsoft.com/office/drawing/2010/main" xmlns:ma14="http://schemas.microsoft.com/office/mac/drawingml/2011/main" val="1"/>
             </a:ext>
           </a:extLst>
         </p:spPr>
@@ -4296,7 +4296,7 @@
           </a:effectLst>
           <a:extLst>
             <a:ext uri="{C572A759-6A51-4108-AA02-DFA0A04FC94B}">
-              <ma14:wrappingTextBoxFlag xmlns:ma14="http://schemas.microsoft.com/office/mac/drawingml/2011/main" xmlns:a14="http://schemas.microsoft.com/office/drawing/2010/main" xmlns:m="http://schemas.openxmlformats.org/officeDocument/2006/math" xmlns="" val="1"/>
+              <ma14:wrappingTextBoxFlag xmlns="" xmlns:m="http://schemas.openxmlformats.org/officeDocument/2006/math" xmlns:a14="http://schemas.microsoft.com/office/drawing/2010/main" xmlns:ma14="http://schemas.microsoft.com/office/mac/drawingml/2011/main" val="1"/>
             </a:ext>
           </a:extLst>
         </p:spPr>
@@ -4361,7 +4361,7 @@
           </a:effectLst>
           <a:extLst>
             <a:ext uri="{C572A759-6A51-4108-AA02-DFA0A04FC94B}">
-              <ma14:wrappingTextBoxFlag xmlns:ma14="http://schemas.microsoft.com/office/mac/drawingml/2011/main" xmlns:a14="http://schemas.microsoft.com/office/drawing/2010/main" xmlns:m="http://schemas.openxmlformats.org/officeDocument/2006/math" xmlns="" val="1"/>
+              <ma14:wrappingTextBoxFlag xmlns="" xmlns:m="http://schemas.openxmlformats.org/officeDocument/2006/math" xmlns:a14="http://schemas.microsoft.com/office/drawing/2010/main" xmlns:ma14="http://schemas.microsoft.com/office/mac/drawingml/2011/main" val="1"/>
             </a:ext>
           </a:extLst>
         </p:spPr>
@@ -4647,7 +4647,7 @@
           </a:effectLst>
           <a:extLst>
             <a:ext uri="{C572A759-6A51-4108-AA02-DFA0A04FC94B}">
-              <ma14:wrappingTextBoxFlag xmlns:ma14="http://schemas.microsoft.com/office/mac/drawingml/2011/main" xmlns:a14="http://schemas.microsoft.com/office/drawing/2010/main" xmlns:m="http://schemas.openxmlformats.org/officeDocument/2006/math" xmlns="" val="1"/>
+              <ma14:wrappingTextBoxFlag xmlns="" xmlns:m="http://schemas.openxmlformats.org/officeDocument/2006/math" xmlns:a14="http://schemas.microsoft.com/office/drawing/2010/main" xmlns:ma14="http://schemas.microsoft.com/office/mac/drawingml/2011/main" val="1"/>
             </a:ext>
           </a:extLst>
         </p:spPr>
@@ -4706,7 +4706,7 @@
           </a:effectLst>
           <a:extLst>
             <a:ext uri="{C572A759-6A51-4108-AA02-DFA0A04FC94B}">
-              <ma14:wrappingTextBoxFlag xmlns:ma14="http://schemas.microsoft.com/office/mac/drawingml/2011/main" xmlns:a14="http://schemas.microsoft.com/office/drawing/2010/main" xmlns:m="http://schemas.openxmlformats.org/officeDocument/2006/math" xmlns="" val="1"/>
+              <ma14:wrappingTextBoxFlag xmlns="" xmlns:m="http://schemas.openxmlformats.org/officeDocument/2006/math" xmlns:a14="http://schemas.microsoft.com/office/drawing/2010/main" xmlns:ma14="http://schemas.microsoft.com/office/mac/drawingml/2011/main" val="1"/>
             </a:ext>
           </a:extLst>
         </p:spPr>
@@ -4771,7 +4771,7 @@
           </a:effectLst>
           <a:extLst>
             <a:ext uri="{C572A759-6A51-4108-AA02-DFA0A04FC94B}">
-              <ma14:wrappingTextBoxFlag xmlns:ma14="http://schemas.microsoft.com/office/mac/drawingml/2011/main" xmlns:a14="http://schemas.microsoft.com/office/drawing/2010/main" xmlns:m="http://schemas.openxmlformats.org/officeDocument/2006/math" xmlns="" val="1"/>
+              <ma14:wrappingTextBoxFlag xmlns="" xmlns:m="http://schemas.openxmlformats.org/officeDocument/2006/math" xmlns:a14="http://schemas.microsoft.com/office/drawing/2010/main" xmlns:ma14="http://schemas.microsoft.com/office/mac/drawingml/2011/main" val="1"/>
             </a:ext>
           </a:extLst>
         </p:spPr>
@@ -4836,7 +4836,7 @@
           </a:effectLst>
           <a:extLst>
             <a:ext uri="{C572A759-6A51-4108-AA02-DFA0A04FC94B}">
-              <ma14:wrappingTextBoxFlag xmlns:ma14="http://schemas.microsoft.com/office/mac/drawingml/2011/main" xmlns:a14="http://schemas.microsoft.com/office/drawing/2010/main" xmlns:m="http://schemas.openxmlformats.org/officeDocument/2006/math" xmlns="" val="1"/>
+              <ma14:wrappingTextBoxFlag xmlns="" xmlns:m="http://schemas.openxmlformats.org/officeDocument/2006/math" xmlns:a14="http://schemas.microsoft.com/office/drawing/2010/main" xmlns:ma14="http://schemas.microsoft.com/office/mac/drawingml/2011/main" val="1"/>
             </a:ext>
           </a:extLst>
         </p:spPr>
@@ -4901,7 +4901,7 @@
           </a:effectLst>
           <a:extLst>
             <a:ext uri="{C572A759-6A51-4108-AA02-DFA0A04FC94B}">
-              <ma14:wrappingTextBoxFlag xmlns:ma14="http://schemas.microsoft.com/office/mac/drawingml/2011/main" xmlns:a14="http://schemas.microsoft.com/office/drawing/2010/main" xmlns:m="http://schemas.openxmlformats.org/officeDocument/2006/math" xmlns="" val="1"/>
+              <ma14:wrappingTextBoxFlag xmlns="" xmlns:m="http://schemas.openxmlformats.org/officeDocument/2006/math" xmlns:a14="http://schemas.microsoft.com/office/drawing/2010/main" xmlns:ma14="http://schemas.microsoft.com/office/mac/drawingml/2011/main" val="1"/>
             </a:ext>
           </a:extLst>
         </p:spPr>
@@ -5032,7 +5032,7 @@
             <a:effectLst/>
             <a:extLst>
               <a:ext uri="{C572A759-6A51-4108-AA02-DFA0A04FC94B}">
-                <ma14:wrappingTextBoxFlag xmlns:ma14="http://schemas.microsoft.com/office/mac/drawingml/2011/main" xmlns:a14="http://schemas.microsoft.com/office/drawing/2010/main" xmlns:m="http://schemas.openxmlformats.org/officeDocument/2006/math" xmlns="" val="1"/>
+                <ma14:wrappingTextBoxFlag xmlns="" xmlns:m="http://schemas.openxmlformats.org/officeDocument/2006/math" xmlns:a14="http://schemas.microsoft.com/office/drawing/2010/main" xmlns:ma14="http://schemas.microsoft.com/office/mac/drawingml/2011/main" val="1"/>
               </a:ext>
             </a:extLst>
           </p:spPr>
@@ -5161,7 +5161,7 @@
             <a:effectLst/>
             <a:extLst>
               <a:ext uri="{C572A759-6A51-4108-AA02-DFA0A04FC94B}">
-                <ma14:wrappingTextBoxFlag xmlns:ma14="http://schemas.microsoft.com/office/mac/drawingml/2011/main" xmlns:a14="http://schemas.microsoft.com/office/drawing/2010/main" xmlns:m="http://schemas.openxmlformats.org/officeDocument/2006/math" xmlns="" val="1"/>
+                <ma14:wrappingTextBoxFlag xmlns="" xmlns:m="http://schemas.openxmlformats.org/officeDocument/2006/math" xmlns:a14="http://schemas.microsoft.com/office/drawing/2010/main" xmlns:ma14="http://schemas.microsoft.com/office/mac/drawingml/2011/main" val="1"/>
               </a:ext>
             </a:extLst>
           </p:spPr>
@@ -5212,7 +5212,7 @@
             </a:ln>
             <a:extLst>
               <a:ext uri="{C572A759-6A51-4108-AA02-DFA0A04FC94B}">
-                <ma14:wrappingTextBoxFlag xmlns:ma14="http://schemas.microsoft.com/office/mac/drawingml/2011/main" xmlns:a14="http://schemas.microsoft.com/office/drawing/2010/main" xmlns:m="http://schemas.openxmlformats.org/officeDocument/2006/math" xmlns="" val="1"/>
+                <ma14:wrappingTextBoxFlag xmlns="" xmlns:m="http://schemas.openxmlformats.org/officeDocument/2006/math" xmlns:a14="http://schemas.microsoft.com/office/drawing/2010/main" xmlns:ma14="http://schemas.microsoft.com/office/mac/drawingml/2011/main" val="1"/>
               </a:ext>
             </a:extLst>
           </p:spPr>
@@ -5406,7 +5406,7 @@
             </a:effectLst>
             <a:extLst>
               <a:ext uri="{C572A759-6A51-4108-AA02-DFA0A04FC94B}">
-                <ma14:wrappingTextBoxFlag xmlns:ma14="http://schemas.microsoft.com/office/mac/drawingml/2011/main" xmlns:a14="http://schemas.microsoft.com/office/drawing/2010/main" xmlns:m="http://schemas.openxmlformats.org/officeDocument/2006/math" xmlns="" val="1"/>
+                <ma14:wrappingTextBoxFlag xmlns="" xmlns:m="http://schemas.openxmlformats.org/officeDocument/2006/math" xmlns:a14="http://schemas.microsoft.com/office/drawing/2010/main" xmlns:ma14="http://schemas.microsoft.com/office/mac/drawingml/2011/main" val="1"/>
               </a:ext>
             </a:extLst>
           </p:spPr>
@@ -5476,7 +5476,7 @@
             </a:effectLst>
             <a:extLst>
               <a:ext uri="{C572A759-6A51-4108-AA02-DFA0A04FC94B}">
-                <ma14:wrappingTextBoxFlag xmlns:ma14="http://schemas.microsoft.com/office/mac/drawingml/2011/main" xmlns:a14="http://schemas.microsoft.com/office/drawing/2010/main" xmlns:m="http://schemas.openxmlformats.org/officeDocument/2006/math" xmlns="" val="1"/>
+                <ma14:wrappingTextBoxFlag xmlns="" xmlns:m="http://schemas.openxmlformats.org/officeDocument/2006/math" xmlns:a14="http://schemas.microsoft.com/office/drawing/2010/main" xmlns:ma14="http://schemas.microsoft.com/office/mac/drawingml/2011/main" val="1"/>
               </a:ext>
             </a:extLst>
           </p:spPr>
@@ -5599,7 +5599,7 @@
           </a:ln>
           <a:extLst>
             <a:ext uri="{C572A759-6A51-4108-AA02-DFA0A04FC94B}">
-              <ma14:wrappingTextBoxFlag xmlns:ma14="http://schemas.microsoft.com/office/mac/drawingml/2011/main" xmlns:a14="http://schemas.microsoft.com/office/drawing/2010/main" xmlns:m="http://schemas.openxmlformats.org/officeDocument/2006/math" xmlns="" val="1"/>
+              <ma14:wrappingTextBoxFlag xmlns="" xmlns:m="http://schemas.openxmlformats.org/officeDocument/2006/math" xmlns:a14="http://schemas.microsoft.com/office/drawing/2010/main" xmlns:ma14="http://schemas.microsoft.com/office/mac/drawingml/2011/main" val="1"/>
             </a:ext>
           </a:extLst>
         </p:spPr>
@@ -5688,7 +5688,7 @@
             </a:effectLst>
             <a:extLst>
               <a:ext uri="{C572A759-6A51-4108-AA02-DFA0A04FC94B}">
-                <ma14:wrappingTextBoxFlag xmlns:ma14="http://schemas.microsoft.com/office/mac/drawingml/2011/main" xmlns:a14="http://schemas.microsoft.com/office/drawing/2010/main" xmlns:m="http://schemas.openxmlformats.org/officeDocument/2006/math" xmlns="" val="1"/>
+                <ma14:wrappingTextBoxFlag xmlns="" xmlns:m="http://schemas.openxmlformats.org/officeDocument/2006/math" xmlns:a14="http://schemas.microsoft.com/office/drawing/2010/main" xmlns:ma14="http://schemas.microsoft.com/office/mac/drawingml/2011/main" val="1"/>
               </a:ext>
             </a:extLst>
           </p:spPr>
@@ -5782,7 +5782,7 @@
                 </a:effectLst>
                 <a:extLst>
                   <a:ext uri="{C572A759-6A51-4108-AA02-DFA0A04FC94B}">
-                    <ma14:wrappingTextBoxFlag xmlns:ma14="http://schemas.microsoft.com/office/mac/drawingml/2011/main" xmlns:a14="http://schemas.microsoft.com/office/drawing/2010/main" xmlns:m="http://schemas.openxmlformats.org/officeDocument/2006/math" xmlns="" val="1"/>
+                    <ma14:wrappingTextBoxFlag xmlns="" xmlns:m="http://schemas.openxmlformats.org/officeDocument/2006/math" xmlns:a14="http://schemas.microsoft.com/office/drawing/2010/main" xmlns:ma14="http://schemas.microsoft.com/office/mac/drawingml/2011/main" val="1"/>
                   </a:ext>
                 </a:extLst>
               </p:spPr>
@@ -5849,7 +5849,7 @@
                 </a:effectLst>
                 <a:extLst>
                   <a:ext uri="{C572A759-6A51-4108-AA02-DFA0A04FC94B}">
-                    <ma14:wrappingTextBoxFlag xmlns:ma14="http://schemas.microsoft.com/office/mac/drawingml/2011/main" xmlns:a14="http://schemas.microsoft.com/office/drawing/2010/main" xmlns:m="http://schemas.openxmlformats.org/officeDocument/2006/math" xmlns="" val="1"/>
+                    <ma14:wrappingTextBoxFlag xmlns="" xmlns:m="http://schemas.openxmlformats.org/officeDocument/2006/math" xmlns:a14="http://schemas.microsoft.com/office/drawing/2010/main" xmlns:ma14="http://schemas.microsoft.com/office/mac/drawingml/2011/main" val="1"/>
                   </a:ext>
                 </a:extLst>
               </p:spPr>
@@ -5934,7 +5934,7 @@
                 </a:effectLst>
                 <a:extLst>
                   <a:ext uri="{C572A759-6A51-4108-AA02-DFA0A04FC94B}">
-                    <ma14:wrappingTextBoxFlag xmlns:ma14="http://schemas.microsoft.com/office/mac/drawingml/2011/main" xmlns:a14="http://schemas.microsoft.com/office/drawing/2010/main" xmlns:m="http://schemas.openxmlformats.org/officeDocument/2006/math" xmlns="" val="1"/>
+                    <ma14:wrappingTextBoxFlag xmlns="" xmlns:m="http://schemas.openxmlformats.org/officeDocument/2006/math" xmlns:a14="http://schemas.microsoft.com/office/drawing/2010/main" xmlns:ma14="http://schemas.microsoft.com/office/mac/drawingml/2011/main" val="1"/>
                   </a:ext>
                 </a:extLst>
               </p:spPr>
@@ -6001,7 +6001,7 @@
                 </a:effectLst>
                 <a:extLst>
                   <a:ext uri="{C572A759-6A51-4108-AA02-DFA0A04FC94B}">
-                    <ma14:wrappingTextBoxFlag xmlns:ma14="http://schemas.microsoft.com/office/mac/drawingml/2011/main" xmlns:a14="http://schemas.microsoft.com/office/drawing/2010/main" xmlns:m="http://schemas.openxmlformats.org/officeDocument/2006/math" xmlns="" val="1"/>
+                    <ma14:wrappingTextBoxFlag xmlns="" xmlns:m="http://schemas.openxmlformats.org/officeDocument/2006/math" xmlns:a14="http://schemas.microsoft.com/office/drawing/2010/main" xmlns:ma14="http://schemas.microsoft.com/office/mac/drawingml/2011/main" val="1"/>
                   </a:ext>
                 </a:extLst>
               </p:spPr>
@@ -6090,7 +6090,7 @@
                 </a:effectLst>
                 <a:extLst>
                   <a:ext uri="{C572A759-6A51-4108-AA02-DFA0A04FC94B}">
-                    <ma14:wrappingTextBoxFlag xmlns:ma14="http://schemas.microsoft.com/office/mac/drawingml/2011/main" xmlns:a14="http://schemas.microsoft.com/office/drawing/2010/main" xmlns:m="http://schemas.openxmlformats.org/officeDocument/2006/math" xmlns="" val="1"/>
+                    <ma14:wrappingTextBoxFlag xmlns="" xmlns:m="http://schemas.openxmlformats.org/officeDocument/2006/math" xmlns:a14="http://schemas.microsoft.com/office/drawing/2010/main" xmlns:ma14="http://schemas.microsoft.com/office/mac/drawingml/2011/main" val="1"/>
                   </a:ext>
                 </a:extLst>
               </p:spPr>
@@ -6157,7 +6157,7 @@
                 </a:effectLst>
                 <a:extLst>
                   <a:ext uri="{C572A759-6A51-4108-AA02-DFA0A04FC94B}">
-                    <ma14:wrappingTextBoxFlag xmlns:ma14="http://schemas.microsoft.com/office/mac/drawingml/2011/main" xmlns:a14="http://schemas.microsoft.com/office/drawing/2010/main" xmlns:m="http://schemas.openxmlformats.org/officeDocument/2006/math" xmlns="" val="1"/>
+                    <ma14:wrappingTextBoxFlag xmlns="" xmlns:m="http://schemas.openxmlformats.org/officeDocument/2006/math" xmlns:a14="http://schemas.microsoft.com/office/drawing/2010/main" xmlns:ma14="http://schemas.microsoft.com/office/mac/drawingml/2011/main" val="1"/>
                   </a:ext>
                 </a:extLst>
               </p:spPr>
@@ -6242,7 +6242,7 @@
                 </a:effectLst>
                 <a:extLst>
                   <a:ext uri="{C572A759-6A51-4108-AA02-DFA0A04FC94B}">
-                    <ma14:wrappingTextBoxFlag xmlns:ma14="http://schemas.microsoft.com/office/mac/drawingml/2011/main" xmlns:a14="http://schemas.microsoft.com/office/drawing/2010/main" xmlns:m="http://schemas.openxmlformats.org/officeDocument/2006/math" xmlns="" val="1"/>
+                    <ma14:wrappingTextBoxFlag xmlns="" xmlns:m="http://schemas.openxmlformats.org/officeDocument/2006/math" xmlns:a14="http://schemas.microsoft.com/office/drawing/2010/main" xmlns:ma14="http://schemas.microsoft.com/office/mac/drawingml/2011/main" val="1"/>
                   </a:ext>
                 </a:extLst>
               </p:spPr>
@@ -6309,7 +6309,7 @@
                 </a:effectLst>
                 <a:extLst>
                   <a:ext uri="{C572A759-6A51-4108-AA02-DFA0A04FC94B}">
-                    <ma14:wrappingTextBoxFlag xmlns:ma14="http://schemas.microsoft.com/office/mac/drawingml/2011/main" xmlns:a14="http://schemas.microsoft.com/office/drawing/2010/main" xmlns:m="http://schemas.openxmlformats.org/officeDocument/2006/math" xmlns="" val="1"/>
+                    <ma14:wrappingTextBoxFlag xmlns="" xmlns:m="http://schemas.openxmlformats.org/officeDocument/2006/math" xmlns:a14="http://schemas.microsoft.com/office/drawing/2010/main" xmlns:ma14="http://schemas.microsoft.com/office/mac/drawingml/2011/main" val="1"/>
                   </a:ext>
                 </a:extLst>
               </p:spPr>
@@ -6400,7 +6400,7 @@
                 </a:effectLst>
                 <a:extLst>
                   <a:ext uri="{C572A759-6A51-4108-AA02-DFA0A04FC94B}">
-                    <ma14:wrappingTextBoxFlag xmlns:ma14="http://schemas.microsoft.com/office/mac/drawingml/2011/main" xmlns:a14="http://schemas.microsoft.com/office/drawing/2010/main" xmlns:m="http://schemas.openxmlformats.org/officeDocument/2006/math" xmlns="" val="1"/>
+                    <ma14:wrappingTextBoxFlag xmlns="" xmlns:m="http://schemas.openxmlformats.org/officeDocument/2006/math" xmlns:a14="http://schemas.microsoft.com/office/drawing/2010/main" xmlns:ma14="http://schemas.microsoft.com/office/mac/drawingml/2011/main" val="1"/>
                   </a:ext>
                 </a:extLst>
               </p:spPr>
@@ -6490,7 +6490,7 @@
                 </a:effectLst>
                 <a:extLst>
                   <a:ext uri="{C572A759-6A51-4108-AA02-DFA0A04FC94B}">
-                    <ma14:wrappingTextBoxFlag xmlns:ma14="http://schemas.microsoft.com/office/mac/drawingml/2011/main" xmlns:a14="http://schemas.microsoft.com/office/drawing/2010/main" xmlns:m="http://schemas.openxmlformats.org/officeDocument/2006/math" xmlns="" val="1"/>
+                    <ma14:wrappingTextBoxFlag xmlns="" xmlns:m="http://schemas.openxmlformats.org/officeDocument/2006/math" xmlns:a14="http://schemas.microsoft.com/office/drawing/2010/main" xmlns:ma14="http://schemas.microsoft.com/office/mac/drawingml/2011/main" val="1"/>
                   </a:ext>
                 </a:extLst>
               </p:spPr>
@@ -6601,7 +6601,7 @@
               </a:effectLst>
               <a:extLst>
                 <a:ext uri="{C572A759-6A51-4108-AA02-DFA0A04FC94B}">
-                  <ma14:wrappingTextBoxFlag xmlns:ma14="http://schemas.microsoft.com/office/mac/drawingml/2011/main" xmlns:a14="http://schemas.microsoft.com/office/drawing/2010/main" xmlns:m="http://schemas.openxmlformats.org/officeDocument/2006/math" xmlns="" val="1"/>
+                  <ma14:wrappingTextBoxFlag xmlns="" xmlns:m="http://schemas.openxmlformats.org/officeDocument/2006/math" xmlns:a14="http://schemas.microsoft.com/office/drawing/2010/main" xmlns:ma14="http://schemas.microsoft.com/office/mac/drawingml/2011/main" val="1"/>
                 </a:ext>
               </a:extLst>
             </p:spPr>
@@ -6687,7 +6687,7 @@
               </a:effectLst>
               <a:extLst>
                 <a:ext uri="{C572A759-6A51-4108-AA02-DFA0A04FC94B}">
-                  <ma14:wrappingTextBoxFlag xmlns:ma14="http://schemas.microsoft.com/office/mac/drawingml/2011/main" xmlns:a14="http://schemas.microsoft.com/office/drawing/2010/main" xmlns:m="http://schemas.openxmlformats.org/officeDocument/2006/math" xmlns="" val="1"/>
+                  <ma14:wrappingTextBoxFlag xmlns="" xmlns:m="http://schemas.openxmlformats.org/officeDocument/2006/math" xmlns:a14="http://schemas.microsoft.com/office/drawing/2010/main" xmlns:ma14="http://schemas.microsoft.com/office/mac/drawingml/2011/main" val="1"/>
                 </a:ext>
               </a:extLst>
             </p:spPr>
@@ -6751,7 +6751,7 @@
               </a:effectLst>
               <a:extLst>
                 <a:ext uri="{C572A759-6A51-4108-AA02-DFA0A04FC94B}">
-                  <ma14:wrappingTextBoxFlag xmlns:ma14="http://schemas.microsoft.com/office/mac/drawingml/2011/main" xmlns:a14="http://schemas.microsoft.com/office/drawing/2010/main" xmlns:m="http://schemas.openxmlformats.org/officeDocument/2006/math" xmlns="" val="1"/>
+                  <ma14:wrappingTextBoxFlag xmlns="" xmlns:m="http://schemas.openxmlformats.org/officeDocument/2006/math" xmlns:a14="http://schemas.microsoft.com/office/drawing/2010/main" xmlns:ma14="http://schemas.microsoft.com/office/mac/drawingml/2011/main" val="1"/>
                 </a:ext>
               </a:extLst>
             </p:spPr>
@@ -6825,7 +6825,7 @@
               </a:effectLst>
               <a:extLst>
                 <a:ext uri="{C572A759-6A51-4108-AA02-DFA0A04FC94B}">
-                  <ma14:wrappingTextBoxFlag xmlns:ma14="http://schemas.microsoft.com/office/mac/drawingml/2011/main" xmlns:a14="http://schemas.microsoft.com/office/drawing/2010/main" xmlns:m="http://schemas.openxmlformats.org/officeDocument/2006/math" xmlns="" val="1"/>
+                  <ma14:wrappingTextBoxFlag xmlns="" xmlns:m="http://schemas.openxmlformats.org/officeDocument/2006/math" xmlns:a14="http://schemas.microsoft.com/office/drawing/2010/main" xmlns:ma14="http://schemas.microsoft.com/office/mac/drawingml/2011/main" val="1"/>
                 </a:ext>
               </a:extLst>
             </p:spPr>
@@ -6920,7 +6920,7 @@
               </a:effectLst>
               <a:extLst>
                 <a:ext uri="{C572A759-6A51-4108-AA02-DFA0A04FC94B}">
-                  <ma14:wrappingTextBoxFlag xmlns:ma14="http://schemas.microsoft.com/office/mac/drawingml/2011/main" xmlns:a14="http://schemas.microsoft.com/office/drawing/2010/main" xmlns:m="http://schemas.openxmlformats.org/officeDocument/2006/math" xmlns="" val="1"/>
+                  <ma14:wrappingTextBoxFlag xmlns="" xmlns:m="http://schemas.openxmlformats.org/officeDocument/2006/math" xmlns:a14="http://schemas.microsoft.com/office/drawing/2010/main" xmlns:ma14="http://schemas.microsoft.com/office/mac/drawingml/2011/main" val="1"/>
                 </a:ext>
               </a:extLst>
             </p:spPr>
@@ -7023,7 +7023,7 @@
               </a:effectLst>
               <a:extLst>
                 <a:ext uri="{C572A759-6A51-4108-AA02-DFA0A04FC94B}">
-                  <ma14:wrappingTextBoxFlag xmlns:ma14="http://schemas.microsoft.com/office/mac/drawingml/2011/main" xmlns:a14="http://schemas.microsoft.com/office/drawing/2010/main" xmlns:m="http://schemas.openxmlformats.org/officeDocument/2006/math" xmlns="" val="1"/>
+                  <ma14:wrappingTextBoxFlag xmlns="" xmlns:m="http://schemas.openxmlformats.org/officeDocument/2006/math" xmlns:a14="http://schemas.microsoft.com/office/drawing/2010/main" xmlns:ma14="http://schemas.microsoft.com/office/mac/drawingml/2011/main" val="1"/>
                 </a:ext>
               </a:extLst>
             </p:spPr>
@@ -7097,7 +7097,7 @@
               </a:effectLst>
               <a:extLst>
                 <a:ext uri="{C572A759-6A51-4108-AA02-DFA0A04FC94B}">
-                  <ma14:wrappingTextBoxFlag xmlns:ma14="http://schemas.microsoft.com/office/mac/drawingml/2011/main" xmlns:a14="http://schemas.microsoft.com/office/drawing/2010/main" xmlns:m="http://schemas.openxmlformats.org/officeDocument/2006/math" xmlns="" val="1"/>
+                  <ma14:wrappingTextBoxFlag xmlns="" xmlns:m="http://schemas.openxmlformats.org/officeDocument/2006/math" xmlns:a14="http://schemas.microsoft.com/office/drawing/2010/main" xmlns:ma14="http://schemas.microsoft.com/office/mac/drawingml/2011/main" val="1"/>
                 </a:ext>
               </a:extLst>
             </p:spPr>
@@ -7171,7 +7171,7 @@
               </a:effectLst>
               <a:extLst>
                 <a:ext uri="{C572A759-6A51-4108-AA02-DFA0A04FC94B}">
-                  <ma14:wrappingTextBoxFlag xmlns:ma14="http://schemas.microsoft.com/office/mac/drawingml/2011/main" xmlns:a14="http://schemas.microsoft.com/office/drawing/2010/main" xmlns:m="http://schemas.openxmlformats.org/officeDocument/2006/math" xmlns="" val="1"/>
+                  <ma14:wrappingTextBoxFlag xmlns="" xmlns:m="http://schemas.openxmlformats.org/officeDocument/2006/math" xmlns:a14="http://schemas.microsoft.com/office/drawing/2010/main" xmlns:ma14="http://schemas.microsoft.com/office/mac/drawingml/2011/main" val="1"/>
                 </a:ext>
               </a:extLst>
             </p:spPr>
@@ -7244,7 +7244,7 @@
           </a:effectLst>
           <a:extLst>
             <a:ext uri="{C572A759-6A51-4108-AA02-DFA0A04FC94B}">
-              <ma14:wrappingTextBoxFlag xmlns:ma14="http://schemas.microsoft.com/office/mac/drawingml/2011/main" xmlns:a14="http://schemas.microsoft.com/office/drawing/2010/main" xmlns:m="http://schemas.openxmlformats.org/officeDocument/2006/math" xmlns="" val="1"/>
+              <ma14:wrappingTextBoxFlag xmlns="" xmlns:m="http://schemas.openxmlformats.org/officeDocument/2006/math" xmlns:a14="http://schemas.microsoft.com/office/drawing/2010/main" xmlns:ma14="http://schemas.microsoft.com/office/mac/drawingml/2011/main" val="1"/>
             </a:ext>
           </a:extLst>
         </p:spPr>
@@ -7302,7 +7302,7 @@
           </a:effectLst>
           <a:extLst>
             <a:ext uri="{C572A759-6A51-4108-AA02-DFA0A04FC94B}">
-              <ma14:wrappingTextBoxFlag xmlns:ma14="http://schemas.microsoft.com/office/mac/drawingml/2011/main" xmlns:a14="http://schemas.microsoft.com/office/drawing/2010/main" xmlns:m="http://schemas.openxmlformats.org/officeDocument/2006/math" xmlns="" val="1"/>
+              <ma14:wrappingTextBoxFlag xmlns="" xmlns:m="http://schemas.openxmlformats.org/officeDocument/2006/math" xmlns:a14="http://schemas.microsoft.com/office/drawing/2010/main" xmlns:ma14="http://schemas.microsoft.com/office/mac/drawingml/2011/main" val="1"/>
             </a:ext>
           </a:extLst>
         </p:spPr>
@@ -7372,7 +7372,7 @@
           </a:effectLst>
           <a:extLst>
             <a:ext uri="{C572A759-6A51-4108-AA02-DFA0A04FC94B}">
-              <ma14:wrappingTextBoxFlag xmlns:ma14="http://schemas.microsoft.com/office/mac/drawingml/2011/main" xmlns:a14="http://schemas.microsoft.com/office/drawing/2010/main" xmlns:m="http://schemas.openxmlformats.org/officeDocument/2006/math" xmlns="" val="1"/>
+              <ma14:wrappingTextBoxFlag xmlns="" xmlns:m="http://schemas.openxmlformats.org/officeDocument/2006/math" xmlns:a14="http://schemas.microsoft.com/office/drawing/2010/main" xmlns:ma14="http://schemas.microsoft.com/office/mac/drawingml/2011/main" val="1"/>
             </a:ext>
           </a:extLst>
         </p:spPr>
@@ -7442,7 +7442,7 @@
           </a:effectLst>
           <a:extLst>
             <a:ext uri="{C572A759-6A51-4108-AA02-DFA0A04FC94B}">
-              <ma14:wrappingTextBoxFlag xmlns:ma14="http://schemas.microsoft.com/office/mac/drawingml/2011/main" xmlns:a14="http://schemas.microsoft.com/office/drawing/2010/main" xmlns:m="http://schemas.openxmlformats.org/officeDocument/2006/math" xmlns="" val="1"/>
+              <ma14:wrappingTextBoxFlag xmlns="" xmlns:m="http://schemas.openxmlformats.org/officeDocument/2006/math" xmlns:a14="http://schemas.microsoft.com/office/drawing/2010/main" xmlns:ma14="http://schemas.microsoft.com/office/mac/drawingml/2011/main" val="1"/>
             </a:ext>
           </a:extLst>
         </p:spPr>
@@ -7512,7 +7512,7 @@
           </a:effectLst>
           <a:extLst>
             <a:ext uri="{C572A759-6A51-4108-AA02-DFA0A04FC94B}">
-              <ma14:wrappingTextBoxFlag xmlns:ma14="http://schemas.microsoft.com/office/mac/drawingml/2011/main" xmlns:a14="http://schemas.microsoft.com/office/drawing/2010/main" xmlns:m="http://schemas.openxmlformats.org/officeDocument/2006/math" xmlns="" val="1"/>
+              <ma14:wrappingTextBoxFlag xmlns="" xmlns:m="http://schemas.openxmlformats.org/officeDocument/2006/math" xmlns:a14="http://schemas.microsoft.com/office/drawing/2010/main" xmlns:ma14="http://schemas.microsoft.com/office/mac/drawingml/2011/main" val="1"/>
             </a:ext>
           </a:extLst>
         </p:spPr>
@@ -7738,7 +7738,7 @@
           </a:effectLst>
           <a:extLst>
             <a:ext uri="{C572A759-6A51-4108-AA02-DFA0A04FC94B}">
-              <ma14:wrappingTextBoxFlag xmlns:ma14="http://schemas.microsoft.com/office/mac/drawingml/2011/main" xmlns:a14="http://schemas.microsoft.com/office/drawing/2010/main" xmlns:m="http://schemas.openxmlformats.org/officeDocument/2006/math" xmlns="" val="1"/>
+              <ma14:wrappingTextBoxFlag xmlns="" xmlns:m="http://schemas.openxmlformats.org/officeDocument/2006/math" xmlns:a14="http://schemas.microsoft.com/office/drawing/2010/main" xmlns:ma14="http://schemas.microsoft.com/office/mac/drawingml/2011/main" val="1"/>
             </a:ext>
           </a:extLst>
         </p:spPr>
@@ -7789,7 +7789,7 @@
           </a:ln>
           <a:extLst>
             <a:ext uri="{C572A759-6A51-4108-AA02-DFA0A04FC94B}">
-              <ma14:wrappingTextBoxFlag xmlns:ma14="http://schemas.microsoft.com/office/mac/drawingml/2011/main" xmlns:a14="http://schemas.microsoft.com/office/drawing/2010/main" xmlns:m="http://schemas.openxmlformats.org/officeDocument/2006/math" xmlns="" val="1"/>
+              <ma14:wrappingTextBoxFlag xmlns="" xmlns:m="http://schemas.openxmlformats.org/officeDocument/2006/math" xmlns:a14="http://schemas.microsoft.com/office/drawing/2010/main" xmlns:ma14="http://schemas.microsoft.com/office/mac/drawingml/2011/main" val="1"/>
             </a:ext>
           </a:extLst>
         </p:spPr>
@@ -7844,7 +7844,7 @@
           </a:ln>
           <a:extLst>
             <a:ext uri="{C572A759-6A51-4108-AA02-DFA0A04FC94B}">
-              <ma14:wrappingTextBoxFlag xmlns:ma14="http://schemas.microsoft.com/office/mac/drawingml/2011/main" xmlns:a14="http://schemas.microsoft.com/office/drawing/2010/main" xmlns:m="http://schemas.openxmlformats.org/officeDocument/2006/math" xmlns="" val="1"/>
+              <ma14:wrappingTextBoxFlag xmlns="" xmlns:m="http://schemas.openxmlformats.org/officeDocument/2006/math" xmlns:a14="http://schemas.microsoft.com/office/drawing/2010/main" xmlns:ma14="http://schemas.microsoft.com/office/mac/drawingml/2011/main" val="1"/>
             </a:ext>
           </a:extLst>
         </p:spPr>
@@ -7982,7 +7982,7 @@
           </a:effectLst>
           <a:extLst>
             <a:ext uri="{C572A759-6A51-4108-AA02-DFA0A04FC94B}">
-              <ma14:wrappingTextBoxFlag xmlns:ma14="http://schemas.microsoft.com/office/mac/drawingml/2011/main" xmlns:a14="http://schemas.microsoft.com/office/drawing/2010/main" xmlns:m="http://schemas.openxmlformats.org/officeDocument/2006/math" xmlns="" val="1"/>
+              <ma14:wrappingTextBoxFlag xmlns="" xmlns:m="http://schemas.openxmlformats.org/officeDocument/2006/math" xmlns:a14="http://schemas.microsoft.com/office/drawing/2010/main" xmlns:ma14="http://schemas.microsoft.com/office/mac/drawingml/2011/main" val="1"/>
             </a:ext>
           </a:extLst>
         </p:spPr>
@@ -8046,7 +8046,7 @@
           </a:effectLst>
           <a:extLst>
             <a:ext uri="{C572A759-6A51-4108-AA02-DFA0A04FC94B}">
-              <ma14:wrappingTextBoxFlag xmlns:ma14="http://schemas.microsoft.com/office/mac/drawingml/2011/main" xmlns:a14="http://schemas.microsoft.com/office/drawing/2010/main" xmlns:m="http://schemas.openxmlformats.org/officeDocument/2006/math" xmlns="" val="1"/>
+              <ma14:wrappingTextBoxFlag xmlns="" xmlns:m="http://schemas.openxmlformats.org/officeDocument/2006/math" xmlns:a14="http://schemas.microsoft.com/office/drawing/2010/main" xmlns:ma14="http://schemas.microsoft.com/office/mac/drawingml/2011/main" val="1"/>
             </a:ext>
           </a:extLst>
         </p:spPr>
@@ -8116,7 +8116,7 @@
           </a:effectLst>
           <a:extLst>
             <a:ext uri="{C572A759-6A51-4108-AA02-DFA0A04FC94B}">
-              <ma14:wrappingTextBoxFlag xmlns:ma14="http://schemas.microsoft.com/office/mac/drawingml/2011/main" xmlns:a14="http://schemas.microsoft.com/office/drawing/2010/main" xmlns:m="http://schemas.openxmlformats.org/officeDocument/2006/math" xmlns="" val="1"/>
+              <ma14:wrappingTextBoxFlag xmlns="" xmlns:m="http://schemas.openxmlformats.org/officeDocument/2006/math" xmlns:a14="http://schemas.microsoft.com/office/drawing/2010/main" xmlns:ma14="http://schemas.microsoft.com/office/mac/drawingml/2011/main" val="1"/>
             </a:ext>
           </a:extLst>
         </p:spPr>
@@ -8186,7 +8186,7 @@
           </a:effectLst>
           <a:extLst>
             <a:ext uri="{C572A759-6A51-4108-AA02-DFA0A04FC94B}">
-              <ma14:wrappingTextBoxFlag xmlns:ma14="http://schemas.microsoft.com/office/mac/drawingml/2011/main" xmlns:a14="http://schemas.microsoft.com/office/drawing/2010/main" xmlns:m="http://schemas.openxmlformats.org/officeDocument/2006/math" xmlns="" val="1"/>
+              <ma14:wrappingTextBoxFlag xmlns="" xmlns:m="http://schemas.openxmlformats.org/officeDocument/2006/math" xmlns:a14="http://schemas.microsoft.com/office/drawing/2010/main" xmlns:ma14="http://schemas.microsoft.com/office/mac/drawingml/2011/main" val="1"/>
             </a:ext>
           </a:extLst>
         </p:spPr>
@@ -8256,7 +8256,7 @@
           </a:effectLst>
           <a:extLst>
             <a:ext uri="{C572A759-6A51-4108-AA02-DFA0A04FC94B}">
-              <ma14:wrappingTextBoxFlag xmlns:ma14="http://schemas.microsoft.com/office/mac/drawingml/2011/main" xmlns:a14="http://schemas.microsoft.com/office/drawing/2010/main" xmlns:m="http://schemas.openxmlformats.org/officeDocument/2006/math" xmlns="" val="1"/>
+              <ma14:wrappingTextBoxFlag xmlns="" xmlns:m="http://schemas.openxmlformats.org/officeDocument/2006/math" xmlns:a14="http://schemas.microsoft.com/office/drawing/2010/main" xmlns:ma14="http://schemas.microsoft.com/office/mac/drawingml/2011/main" val="1"/>
             </a:ext>
           </a:extLst>
         </p:spPr>
@@ -8346,7 +8346,7 @@
             </a:effectLst>
             <a:extLst>
               <a:ext uri="{C572A759-6A51-4108-AA02-DFA0A04FC94B}">
-                <ma14:wrappingTextBoxFlag xmlns:ma14="http://schemas.microsoft.com/office/mac/drawingml/2011/main" xmlns:a14="http://schemas.microsoft.com/office/drawing/2010/main" xmlns:m="http://schemas.openxmlformats.org/officeDocument/2006/math" xmlns="" val="1"/>
+                <ma14:wrappingTextBoxFlag xmlns="" xmlns:m="http://schemas.openxmlformats.org/officeDocument/2006/math" xmlns:a14="http://schemas.microsoft.com/office/drawing/2010/main" xmlns:ma14="http://schemas.microsoft.com/office/mac/drawingml/2011/main" val="1"/>
               </a:ext>
             </a:extLst>
           </p:spPr>
@@ -8416,7 +8416,7 @@
             </a:effectLst>
             <a:extLst>
               <a:ext uri="{C572A759-6A51-4108-AA02-DFA0A04FC94B}">
-                <ma14:wrappingTextBoxFlag xmlns:ma14="http://schemas.microsoft.com/office/mac/drawingml/2011/main" xmlns:a14="http://schemas.microsoft.com/office/drawing/2010/main" xmlns:m="http://schemas.openxmlformats.org/officeDocument/2006/math" xmlns="" val="1"/>
+                <ma14:wrappingTextBoxFlag xmlns="" xmlns:m="http://schemas.openxmlformats.org/officeDocument/2006/math" xmlns:a14="http://schemas.microsoft.com/office/drawing/2010/main" xmlns:ma14="http://schemas.microsoft.com/office/mac/drawingml/2011/main" val="1"/>
               </a:ext>
             </a:extLst>
           </p:spPr>
@@ -8514,7 +8514,7 @@
             </a:effectLst>
             <a:extLst>
               <a:ext uri="{C572A759-6A51-4108-AA02-DFA0A04FC94B}">
-                <ma14:wrappingTextBoxFlag xmlns:ma14="http://schemas.microsoft.com/office/mac/drawingml/2011/main" xmlns:a14="http://schemas.microsoft.com/office/drawing/2010/main" xmlns:m="http://schemas.openxmlformats.org/officeDocument/2006/math" xmlns="" val="1"/>
+                <ma14:wrappingTextBoxFlag xmlns="" xmlns:m="http://schemas.openxmlformats.org/officeDocument/2006/math" xmlns:a14="http://schemas.microsoft.com/office/drawing/2010/main" xmlns:ma14="http://schemas.microsoft.com/office/mac/drawingml/2011/main" val="1"/>
               </a:ext>
             </a:extLst>
           </p:spPr>
@@ -8570,7 +8570,7 @@
             </a:effectLst>
             <a:extLst>
               <a:ext uri="{C572A759-6A51-4108-AA02-DFA0A04FC94B}">
-                <ma14:wrappingTextBoxFlag xmlns:ma14="http://schemas.microsoft.com/office/mac/drawingml/2011/main" xmlns:a14="http://schemas.microsoft.com/office/drawing/2010/main" xmlns:m="http://schemas.openxmlformats.org/officeDocument/2006/math" xmlns="" val="1"/>
+                <ma14:wrappingTextBoxFlag xmlns="" xmlns:m="http://schemas.openxmlformats.org/officeDocument/2006/math" xmlns:a14="http://schemas.microsoft.com/office/drawing/2010/main" xmlns:ma14="http://schemas.microsoft.com/office/mac/drawingml/2011/main" val="1"/>
               </a:ext>
             </a:extLst>
           </p:spPr>
@@ -8626,7 +8626,7 @@
             </a:effectLst>
             <a:extLst>
               <a:ext uri="{C572A759-6A51-4108-AA02-DFA0A04FC94B}">
-                <ma14:wrappingTextBoxFlag xmlns:ma14="http://schemas.microsoft.com/office/mac/drawingml/2011/main" xmlns:a14="http://schemas.microsoft.com/office/drawing/2010/main" xmlns:m="http://schemas.openxmlformats.org/officeDocument/2006/math" xmlns="" val="1"/>
+                <ma14:wrappingTextBoxFlag xmlns="" xmlns:m="http://schemas.openxmlformats.org/officeDocument/2006/math" xmlns:a14="http://schemas.microsoft.com/office/drawing/2010/main" xmlns:ma14="http://schemas.microsoft.com/office/mac/drawingml/2011/main" val="1"/>
               </a:ext>
             </a:extLst>
           </p:spPr>
@@ -8690,7 +8690,7 @@
             </a:effectLst>
             <a:extLst>
               <a:ext uri="{C572A759-6A51-4108-AA02-DFA0A04FC94B}">
-                <ma14:wrappingTextBoxFlag xmlns:ma14="http://schemas.microsoft.com/office/mac/drawingml/2011/main" xmlns:a14="http://schemas.microsoft.com/office/drawing/2010/main" xmlns:m="http://schemas.openxmlformats.org/officeDocument/2006/math" xmlns="" val="1"/>
+                <ma14:wrappingTextBoxFlag xmlns="" xmlns:m="http://schemas.openxmlformats.org/officeDocument/2006/math" xmlns:a14="http://schemas.microsoft.com/office/drawing/2010/main" xmlns:ma14="http://schemas.microsoft.com/office/mac/drawingml/2011/main" val="1"/>
               </a:ext>
             </a:extLst>
           </p:spPr>
@@ -8764,7 +8764,7 @@
           </a:effectLst>
           <a:extLst>
             <a:ext uri="{C572A759-6A51-4108-AA02-DFA0A04FC94B}">
-              <ma14:wrappingTextBoxFlag xmlns:ma14="http://schemas.microsoft.com/office/mac/drawingml/2011/main" xmlns:a14="http://schemas.microsoft.com/office/drawing/2010/main" xmlns:m="http://schemas.openxmlformats.org/officeDocument/2006/math" xmlns="" val="1"/>
+              <ma14:wrappingTextBoxFlag xmlns="" xmlns:m="http://schemas.openxmlformats.org/officeDocument/2006/math" xmlns:a14="http://schemas.microsoft.com/office/drawing/2010/main" xmlns:ma14="http://schemas.microsoft.com/office/mac/drawingml/2011/main" val="1"/>
             </a:ext>
           </a:extLst>
         </p:spPr>
@@ -8826,7 +8826,7 @@
           </a:effectLst>
           <a:extLst>
             <a:ext uri="{C572A759-6A51-4108-AA02-DFA0A04FC94B}">
-              <ma14:wrappingTextBoxFlag xmlns:ma14="http://schemas.microsoft.com/office/mac/drawingml/2011/main" xmlns:a14="http://schemas.microsoft.com/office/drawing/2010/main" xmlns:m="http://schemas.openxmlformats.org/officeDocument/2006/math" xmlns="" val="1"/>
+              <ma14:wrappingTextBoxFlag xmlns="" xmlns:m="http://schemas.openxmlformats.org/officeDocument/2006/math" xmlns:a14="http://schemas.microsoft.com/office/drawing/2010/main" xmlns:ma14="http://schemas.microsoft.com/office/mac/drawingml/2011/main" val="1"/>
             </a:ext>
           </a:extLst>
         </p:spPr>
@@ -9019,7 +9019,7 @@
           </a:effectLst>
           <a:extLst>
             <a:ext uri="{C572A759-6A51-4108-AA02-DFA0A04FC94B}">
-              <ma14:wrappingTextBoxFlag xmlns:ma14="http://schemas.microsoft.com/office/mac/drawingml/2011/main" xmlns:a14="http://schemas.microsoft.com/office/drawing/2010/main" xmlns:m="http://schemas.openxmlformats.org/officeDocument/2006/math" xmlns="" val="1"/>
+              <ma14:wrappingTextBoxFlag xmlns="" xmlns:m="http://schemas.openxmlformats.org/officeDocument/2006/math" xmlns:a14="http://schemas.microsoft.com/office/drawing/2010/main" xmlns:ma14="http://schemas.microsoft.com/office/mac/drawingml/2011/main" val="1"/>
             </a:ext>
           </a:extLst>
         </p:spPr>
@@ -9081,7 +9081,7 @@
           </a:effectLst>
           <a:extLst>
             <a:ext uri="{C572A759-6A51-4108-AA02-DFA0A04FC94B}">
-              <ma14:wrappingTextBoxFlag xmlns:ma14="http://schemas.microsoft.com/office/mac/drawingml/2011/main" xmlns:a14="http://schemas.microsoft.com/office/drawing/2010/main" xmlns:m="http://schemas.openxmlformats.org/officeDocument/2006/math" xmlns="" val="1"/>
+              <ma14:wrappingTextBoxFlag xmlns="" xmlns:m="http://schemas.openxmlformats.org/officeDocument/2006/math" xmlns:a14="http://schemas.microsoft.com/office/drawing/2010/main" xmlns:ma14="http://schemas.microsoft.com/office/mac/drawingml/2011/main" val="1"/>
             </a:ext>
           </a:extLst>
         </p:spPr>
@@ -9145,7 +9145,7 @@
           </a:effectLst>
           <a:extLst>
             <a:ext uri="{C572A759-6A51-4108-AA02-DFA0A04FC94B}">
-              <ma14:wrappingTextBoxFlag xmlns:ma14="http://schemas.microsoft.com/office/mac/drawingml/2011/main" xmlns:a14="http://schemas.microsoft.com/office/drawing/2010/main" xmlns:m="http://schemas.openxmlformats.org/officeDocument/2006/math" xmlns="" val="1"/>
+              <ma14:wrappingTextBoxFlag xmlns="" xmlns:m="http://schemas.openxmlformats.org/officeDocument/2006/math" xmlns:a14="http://schemas.microsoft.com/office/drawing/2010/main" xmlns:ma14="http://schemas.microsoft.com/office/mac/drawingml/2011/main" val="1"/>
             </a:ext>
           </a:extLst>
         </p:spPr>
@@ -9215,7 +9215,7 @@
           </a:effectLst>
           <a:extLst>
             <a:ext uri="{C572A759-6A51-4108-AA02-DFA0A04FC94B}">
-              <ma14:wrappingTextBoxFlag xmlns:ma14="http://schemas.microsoft.com/office/mac/drawingml/2011/main" xmlns:a14="http://schemas.microsoft.com/office/drawing/2010/main" xmlns:m="http://schemas.openxmlformats.org/officeDocument/2006/math" xmlns="" val="1"/>
+              <ma14:wrappingTextBoxFlag xmlns="" xmlns:m="http://schemas.openxmlformats.org/officeDocument/2006/math" xmlns:a14="http://schemas.microsoft.com/office/drawing/2010/main" xmlns:ma14="http://schemas.microsoft.com/office/mac/drawingml/2011/main" val="1"/>
             </a:ext>
           </a:extLst>
         </p:spPr>
@@ -9285,7 +9285,7 @@
           </a:effectLst>
           <a:extLst>
             <a:ext uri="{C572A759-6A51-4108-AA02-DFA0A04FC94B}">
-              <ma14:wrappingTextBoxFlag xmlns:ma14="http://schemas.microsoft.com/office/mac/drawingml/2011/main" xmlns:a14="http://schemas.microsoft.com/office/drawing/2010/main" xmlns:m="http://schemas.openxmlformats.org/officeDocument/2006/math" xmlns="" val="1"/>
+              <ma14:wrappingTextBoxFlag xmlns="" xmlns:m="http://schemas.openxmlformats.org/officeDocument/2006/math" xmlns:a14="http://schemas.microsoft.com/office/drawing/2010/main" xmlns:ma14="http://schemas.microsoft.com/office/mac/drawingml/2011/main" val="1"/>
             </a:ext>
           </a:extLst>
         </p:spPr>
@@ -9355,7 +9355,7 @@
           </a:effectLst>
           <a:extLst>
             <a:ext uri="{C572A759-6A51-4108-AA02-DFA0A04FC94B}">
-              <ma14:wrappingTextBoxFlag xmlns:ma14="http://schemas.microsoft.com/office/mac/drawingml/2011/main" xmlns:a14="http://schemas.microsoft.com/office/drawing/2010/main" xmlns:m="http://schemas.openxmlformats.org/officeDocument/2006/math" xmlns="" val="1"/>
+              <ma14:wrappingTextBoxFlag xmlns="" xmlns:m="http://schemas.openxmlformats.org/officeDocument/2006/math" xmlns:a14="http://schemas.microsoft.com/office/drawing/2010/main" xmlns:ma14="http://schemas.microsoft.com/office/mac/drawingml/2011/main" val="1"/>
             </a:ext>
           </a:extLst>
         </p:spPr>
@@ -9425,7 +9425,7 @@
           </a:effectLst>
           <a:extLst>
             <a:ext uri="{C572A759-6A51-4108-AA02-DFA0A04FC94B}">
-              <ma14:wrappingTextBoxFlag xmlns:ma14="http://schemas.microsoft.com/office/mac/drawingml/2011/main" xmlns:a14="http://schemas.microsoft.com/office/drawing/2010/main" xmlns:m="http://schemas.openxmlformats.org/officeDocument/2006/math" xmlns="" val="1"/>
+              <ma14:wrappingTextBoxFlag xmlns="" xmlns:m="http://schemas.openxmlformats.org/officeDocument/2006/math" xmlns:a14="http://schemas.microsoft.com/office/drawing/2010/main" xmlns:ma14="http://schemas.microsoft.com/office/mac/drawingml/2011/main" val="1"/>
             </a:ext>
           </a:extLst>
         </p:spPr>
@@ -9672,7 +9672,7 @@
           </a:effectLst>
           <a:extLst>
             <a:ext uri="{C572A759-6A51-4108-AA02-DFA0A04FC94B}">
-              <ma14:wrappingTextBoxFlag xmlns:ma14="http://schemas.microsoft.com/office/mac/drawingml/2011/main" xmlns:a14="http://schemas.microsoft.com/office/drawing/2010/main" xmlns:m="http://schemas.openxmlformats.org/officeDocument/2006/math" xmlns="" val="1"/>
+              <ma14:wrappingTextBoxFlag xmlns="" xmlns:m="http://schemas.openxmlformats.org/officeDocument/2006/math" xmlns:a14="http://schemas.microsoft.com/office/drawing/2010/main" xmlns:ma14="http://schemas.microsoft.com/office/mac/drawingml/2011/main" val="1"/>
             </a:ext>
           </a:extLst>
         </p:spPr>
@@ -9732,7 +9732,7 @@
           </a:effectLst>
           <a:extLst>
             <a:ext uri="{C572A759-6A51-4108-AA02-DFA0A04FC94B}">
-              <ma14:wrappingTextBoxFlag xmlns:ma14="http://schemas.microsoft.com/office/mac/drawingml/2011/main" xmlns:a14="http://schemas.microsoft.com/office/drawing/2010/main" xmlns:m="http://schemas.openxmlformats.org/officeDocument/2006/math" xmlns="" val="1"/>
+              <ma14:wrappingTextBoxFlag xmlns="" xmlns:m="http://schemas.openxmlformats.org/officeDocument/2006/math" xmlns:a14="http://schemas.microsoft.com/office/drawing/2010/main" xmlns:ma14="http://schemas.microsoft.com/office/mac/drawingml/2011/main" val="1"/>
             </a:ext>
           </a:extLst>
         </p:spPr>
@@ -9792,7 +9792,7 @@
           </a:effectLst>
           <a:extLst>
             <a:ext uri="{C572A759-6A51-4108-AA02-DFA0A04FC94B}">
-              <ma14:wrappingTextBoxFlag xmlns:ma14="http://schemas.microsoft.com/office/mac/drawingml/2011/main" xmlns:a14="http://schemas.microsoft.com/office/drawing/2010/main" xmlns:m="http://schemas.openxmlformats.org/officeDocument/2006/math" xmlns="" val="1"/>
+              <ma14:wrappingTextBoxFlag xmlns="" xmlns:m="http://schemas.openxmlformats.org/officeDocument/2006/math" xmlns:a14="http://schemas.microsoft.com/office/drawing/2010/main" xmlns:ma14="http://schemas.microsoft.com/office/mac/drawingml/2011/main" val="1"/>
             </a:ext>
           </a:extLst>
         </p:spPr>
@@ -9896,7 +9896,7 @@
           </a:effectLst>
           <a:extLst>
             <a:ext uri="{C572A759-6A51-4108-AA02-DFA0A04FC94B}">
-              <ma14:wrappingTextBoxFlag xmlns:ma14="http://schemas.microsoft.com/office/mac/drawingml/2011/main" xmlns:a14="http://schemas.microsoft.com/office/drawing/2010/main" xmlns:m="http://schemas.openxmlformats.org/officeDocument/2006/math" xmlns="" val="1"/>
+              <ma14:wrappingTextBoxFlag xmlns="" xmlns:m="http://schemas.openxmlformats.org/officeDocument/2006/math" xmlns:a14="http://schemas.microsoft.com/office/drawing/2010/main" xmlns:ma14="http://schemas.microsoft.com/office/mac/drawingml/2011/main" val="1"/>
             </a:ext>
           </a:extLst>
         </p:spPr>
@@ -9957,7 +9957,7 @@
           </a:effectLst>
           <a:extLst>
             <a:ext uri="{C572A759-6A51-4108-AA02-DFA0A04FC94B}">
-              <ma14:wrappingTextBoxFlag xmlns:ma14="http://schemas.microsoft.com/office/mac/drawingml/2011/main" xmlns:a14="http://schemas.microsoft.com/office/drawing/2010/main" xmlns:m="http://schemas.openxmlformats.org/officeDocument/2006/math" xmlns="" val="1"/>
+              <ma14:wrappingTextBoxFlag xmlns="" xmlns:m="http://schemas.openxmlformats.org/officeDocument/2006/math" xmlns:a14="http://schemas.microsoft.com/office/drawing/2010/main" xmlns:ma14="http://schemas.microsoft.com/office/mac/drawingml/2011/main" val="1"/>
             </a:ext>
           </a:extLst>
         </p:spPr>
@@ -10032,7 +10032,7 @@
           </a:effectLst>
           <a:extLst>
             <a:ext uri="{C572A759-6A51-4108-AA02-DFA0A04FC94B}">
-              <ma14:wrappingTextBoxFlag xmlns:ma14="http://schemas.microsoft.com/office/mac/drawingml/2011/main" xmlns:a14="http://schemas.microsoft.com/office/drawing/2010/main" xmlns:m="http://schemas.openxmlformats.org/officeDocument/2006/math" xmlns="" val="1"/>
+              <ma14:wrappingTextBoxFlag xmlns="" xmlns:m="http://schemas.openxmlformats.org/officeDocument/2006/math" xmlns:a14="http://schemas.microsoft.com/office/drawing/2010/main" xmlns:ma14="http://schemas.microsoft.com/office/mac/drawingml/2011/main" val="1"/>
             </a:ext>
           </a:extLst>
         </p:spPr>
@@ -10109,7 +10109,7 @@
           </a:effectLst>
           <a:extLst>
             <a:ext uri="{C572A759-6A51-4108-AA02-DFA0A04FC94B}">
-              <ma14:wrappingTextBoxFlag xmlns:ma14="http://schemas.microsoft.com/office/mac/drawingml/2011/main" xmlns:a14="http://schemas.microsoft.com/office/drawing/2010/main" xmlns:m="http://schemas.openxmlformats.org/officeDocument/2006/math" xmlns="" val="1"/>
+              <ma14:wrappingTextBoxFlag xmlns="" xmlns:m="http://schemas.openxmlformats.org/officeDocument/2006/math" xmlns:a14="http://schemas.microsoft.com/office/drawing/2010/main" xmlns:ma14="http://schemas.microsoft.com/office/mac/drawingml/2011/main" val="1"/>
             </a:ext>
           </a:extLst>
         </p:spPr>
@@ -10184,7 +10184,7 @@
           </a:effectLst>
           <a:extLst>
             <a:ext uri="{C572A759-6A51-4108-AA02-DFA0A04FC94B}">
-              <ma14:wrappingTextBoxFlag xmlns:ma14="http://schemas.microsoft.com/office/mac/drawingml/2011/main" xmlns:a14="http://schemas.microsoft.com/office/drawing/2010/main" xmlns:m="http://schemas.openxmlformats.org/officeDocument/2006/math" xmlns="" val="1"/>
+              <ma14:wrappingTextBoxFlag xmlns="" xmlns:m="http://schemas.openxmlformats.org/officeDocument/2006/math" xmlns:a14="http://schemas.microsoft.com/office/drawing/2010/main" xmlns:ma14="http://schemas.microsoft.com/office/mac/drawingml/2011/main" val="1"/>
             </a:ext>
           </a:extLst>
         </p:spPr>
@@ -10261,7 +10261,7 @@
           </a:effectLst>
           <a:extLst>
             <a:ext uri="{C572A759-6A51-4108-AA02-DFA0A04FC94B}">
-              <ma14:wrappingTextBoxFlag xmlns:ma14="http://schemas.microsoft.com/office/mac/drawingml/2011/main" xmlns:a14="http://schemas.microsoft.com/office/drawing/2010/main" xmlns:m="http://schemas.openxmlformats.org/officeDocument/2006/math" xmlns="" val="1"/>
+              <ma14:wrappingTextBoxFlag xmlns="" xmlns:m="http://schemas.openxmlformats.org/officeDocument/2006/math" xmlns:a14="http://schemas.microsoft.com/office/drawing/2010/main" xmlns:ma14="http://schemas.microsoft.com/office/mac/drawingml/2011/main" val="1"/>
             </a:ext>
           </a:extLst>
         </p:spPr>
@@ -10321,7 +10321,7 @@
           </a:effectLst>
           <a:extLst>
             <a:ext uri="{C572A759-6A51-4108-AA02-DFA0A04FC94B}">
-              <ma14:wrappingTextBoxFlag xmlns:ma14="http://schemas.microsoft.com/office/mac/drawingml/2011/main" xmlns:a14="http://schemas.microsoft.com/office/drawing/2010/main" xmlns:m="http://schemas.openxmlformats.org/officeDocument/2006/math" xmlns="" val="1"/>
+              <ma14:wrappingTextBoxFlag xmlns="" xmlns:m="http://schemas.openxmlformats.org/officeDocument/2006/math" xmlns:a14="http://schemas.microsoft.com/office/drawing/2010/main" xmlns:ma14="http://schemas.microsoft.com/office/mac/drawingml/2011/main" val="1"/>
             </a:ext>
           </a:extLst>
         </p:spPr>
@@ -10396,7 +10396,7 @@
           </a:effectLst>
           <a:extLst>
             <a:ext uri="{C572A759-6A51-4108-AA02-DFA0A04FC94B}">
-              <ma14:wrappingTextBoxFlag xmlns:ma14="http://schemas.microsoft.com/office/mac/drawingml/2011/main" xmlns:a14="http://schemas.microsoft.com/office/drawing/2010/main" xmlns:m="http://schemas.openxmlformats.org/officeDocument/2006/math" xmlns="" val="1"/>
+              <ma14:wrappingTextBoxFlag xmlns="" xmlns:m="http://schemas.openxmlformats.org/officeDocument/2006/math" xmlns:a14="http://schemas.microsoft.com/office/drawing/2010/main" xmlns:ma14="http://schemas.microsoft.com/office/mac/drawingml/2011/main" val="1"/>
             </a:ext>
           </a:extLst>
         </p:spPr>
@@ -10947,7 +10947,7 @@
           </a:effectLst>
           <a:extLst>
             <a:ext uri="{C572A759-6A51-4108-AA02-DFA0A04FC94B}">
-              <ma14:wrappingTextBoxFlag xmlns:ma14="http://schemas.microsoft.com/office/mac/drawingml/2011/main" xmlns:a14="http://schemas.microsoft.com/office/drawing/2010/main" xmlns:m="http://schemas.openxmlformats.org/officeDocument/2006/math" xmlns="" val="1"/>
+              <ma14:wrappingTextBoxFlag xmlns="" xmlns:m="http://schemas.openxmlformats.org/officeDocument/2006/math" xmlns:a14="http://schemas.microsoft.com/office/drawing/2010/main" xmlns:ma14="http://schemas.microsoft.com/office/mac/drawingml/2011/main" val="1"/>
             </a:ext>
           </a:extLst>
         </p:spPr>
@@ -11007,7 +11007,7 @@
           </a:effectLst>
           <a:extLst>
             <a:ext uri="{C572A759-6A51-4108-AA02-DFA0A04FC94B}">
-              <ma14:wrappingTextBoxFlag xmlns:ma14="http://schemas.microsoft.com/office/mac/drawingml/2011/main" xmlns:a14="http://schemas.microsoft.com/office/drawing/2010/main" xmlns:m="http://schemas.openxmlformats.org/officeDocument/2006/math" xmlns="" val="1"/>
+              <ma14:wrappingTextBoxFlag xmlns="" xmlns:m="http://schemas.openxmlformats.org/officeDocument/2006/math" xmlns:a14="http://schemas.microsoft.com/office/drawing/2010/main" xmlns:ma14="http://schemas.microsoft.com/office/mac/drawingml/2011/main" val="1"/>
             </a:ext>
           </a:extLst>
         </p:spPr>
@@ -11082,7 +11082,7 @@
           </a:effectLst>
           <a:extLst>
             <a:ext uri="{C572A759-6A51-4108-AA02-DFA0A04FC94B}">
-              <ma14:wrappingTextBoxFlag xmlns:ma14="http://schemas.microsoft.com/office/mac/drawingml/2011/main" xmlns:a14="http://schemas.microsoft.com/office/drawing/2010/main" xmlns:m="http://schemas.openxmlformats.org/officeDocument/2006/math" xmlns="" val="1"/>
+              <ma14:wrappingTextBoxFlag xmlns="" xmlns:m="http://schemas.openxmlformats.org/officeDocument/2006/math" xmlns:a14="http://schemas.microsoft.com/office/drawing/2010/main" xmlns:ma14="http://schemas.microsoft.com/office/mac/drawingml/2011/main" val="1"/>
             </a:ext>
           </a:extLst>
         </p:spPr>
@@ -11307,7 +11307,7 @@
           </a:effectLst>
           <a:extLst>
             <a:ext uri="{C572A759-6A51-4108-AA02-DFA0A04FC94B}">
-              <ma14:wrappingTextBoxFlag xmlns:ma14="http://schemas.microsoft.com/office/mac/drawingml/2011/main" xmlns:a14="http://schemas.microsoft.com/office/drawing/2010/main" xmlns:m="http://schemas.openxmlformats.org/officeDocument/2006/math" xmlns="" val="1"/>
+              <ma14:wrappingTextBoxFlag xmlns="" xmlns:m="http://schemas.openxmlformats.org/officeDocument/2006/math" xmlns:a14="http://schemas.microsoft.com/office/drawing/2010/main" xmlns:ma14="http://schemas.microsoft.com/office/mac/drawingml/2011/main" val="1"/>
             </a:ext>
           </a:extLst>
         </p:spPr>
@@ -11420,7 +11420,7 @@
           </a:effectLst>
           <a:extLst>
             <a:ext uri="{C572A759-6A51-4108-AA02-DFA0A04FC94B}">
-              <ma14:wrappingTextBoxFlag xmlns:ma14="http://schemas.microsoft.com/office/mac/drawingml/2011/main" xmlns:a14="http://schemas.microsoft.com/office/drawing/2010/main" xmlns:m="http://schemas.openxmlformats.org/officeDocument/2006/math" xmlns="" val="1"/>
+              <ma14:wrappingTextBoxFlag xmlns="" xmlns:m="http://schemas.openxmlformats.org/officeDocument/2006/math" xmlns:a14="http://schemas.microsoft.com/office/drawing/2010/main" xmlns:ma14="http://schemas.microsoft.com/office/mac/drawingml/2011/main" val="1"/>
             </a:ext>
           </a:extLst>
         </p:spPr>
@@ -11483,7 +11483,7 @@
           </a:effectLst>
           <a:extLst>
             <a:ext uri="{C572A759-6A51-4108-AA02-DFA0A04FC94B}">
-              <ma14:wrappingTextBoxFlag xmlns:ma14="http://schemas.microsoft.com/office/mac/drawingml/2011/main" xmlns:a14="http://schemas.microsoft.com/office/drawing/2010/main" xmlns:m="http://schemas.openxmlformats.org/officeDocument/2006/math" xmlns="" val="1"/>
+              <ma14:wrappingTextBoxFlag xmlns="" xmlns:m="http://schemas.openxmlformats.org/officeDocument/2006/math" xmlns:a14="http://schemas.microsoft.com/office/drawing/2010/main" xmlns:ma14="http://schemas.microsoft.com/office/mac/drawingml/2011/main" val="1"/>
             </a:ext>
           </a:extLst>
         </p:spPr>
@@ -11566,7 +11566,7 @@
           </a:effectLst>
           <a:extLst>
             <a:ext uri="{C572A759-6A51-4108-AA02-DFA0A04FC94B}">
-              <ma14:wrappingTextBoxFlag xmlns:ma14="http://schemas.microsoft.com/office/mac/drawingml/2011/main" xmlns:a14="http://schemas.microsoft.com/office/drawing/2010/main" xmlns:m="http://schemas.openxmlformats.org/officeDocument/2006/math" xmlns="" val="1"/>
+              <ma14:wrappingTextBoxFlag xmlns="" xmlns:m="http://schemas.openxmlformats.org/officeDocument/2006/math" xmlns:a14="http://schemas.microsoft.com/office/drawing/2010/main" xmlns:ma14="http://schemas.microsoft.com/office/mac/drawingml/2011/main" val="1"/>
             </a:ext>
           </a:extLst>
         </p:spPr>
@@ -11649,7 +11649,7 @@
           </a:effectLst>
           <a:extLst>
             <a:ext uri="{C572A759-6A51-4108-AA02-DFA0A04FC94B}">
-              <ma14:wrappingTextBoxFlag xmlns:ma14="http://schemas.microsoft.com/office/mac/drawingml/2011/main" xmlns:a14="http://schemas.microsoft.com/office/drawing/2010/main" xmlns:m="http://schemas.openxmlformats.org/officeDocument/2006/math" xmlns="" val="1"/>
+              <ma14:wrappingTextBoxFlag xmlns="" xmlns:m="http://schemas.openxmlformats.org/officeDocument/2006/math" xmlns:a14="http://schemas.microsoft.com/office/drawing/2010/main" xmlns:ma14="http://schemas.microsoft.com/office/mac/drawingml/2011/main" val="1"/>
             </a:ext>
           </a:extLst>
         </p:spPr>
@@ -11732,7 +11732,7 @@
           </a:effectLst>
           <a:extLst>
             <a:ext uri="{C572A759-6A51-4108-AA02-DFA0A04FC94B}">
-              <ma14:wrappingTextBoxFlag xmlns:ma14="http://schemas.microsoft.com/office/mac/drawingml/2011/main" xmlns:a14="http://schemas.microsoft.com/office/drawing/2010/main" xmlns:m="http://schemas.openxmlformats.org/officeDocument/2006/math" xmlns="" val="1"/>
+              <ma14:wrappingTextBoxFlag xmlns="" xmlns:m="http://schemas.openxmlformats.org/officeDocument/2006/math" xmlns:a14="http://schemas.microsoft.com/office/drawing/2010/main" xmlns:ma14="http://schemas.microsoft.com/office/mac/drawingml/2011/main" val="1"/>
             </a:ext>
           </a:extLst>
         </p:spPr>
@@ -11815,7 +11815,7 @@
           </a:effectLst>
           <a:extLst>
             <a:ext uri="{C572A759-6A51-4108-AA02-DFA0A04FC94B}">
-              <ma14:wrappingTextBoxFlag xmlns:ma14="http://schemas.microsoft.com/office/mac/drawingml/2011/main" xmlns:a14="http://schemas.microsoft.com/office/drawing/2010/main" xmlns:m="http://schemas.openxmlformats.org/officeDocument/2006/math" xmlns="" val="1"/>
+              <ma14:wrappingTextBoxFlag xmlns="" xmlns:m="http://schemas.openxmlformats.org/officeDocument/2006/math" xmlns:a14="http://schemas.microsoft.com/office/drawing/2010/main" xmlns:ma14="http://schemas.microsoft.com/office/mac/drawingml/2011/main" val="1"/>
             </a:ext>
           </a:extLst>
         </p:spPr>
@@ -11892,7 +11892,7 @@
           </a:effectLst>
           <a:extLst>
             <a:ext uri="{C572A759-6A51-4108-AA02-DFA0A04FC94B}">
-              <ma14:wrappingTextBoxFlag xmlns:ma14="http://schemas.microsoft.com/office/mac/drawingml/2011/main" xmlns:a14="http://schemas.microsoft.com/office/drawing/2010/main" xmlns:m="http://schemas.openxmlformats.org/officeDocument/2006/math" xmlns="" val="1"/>
+              <ma14:wrappingTextBoxFlag xmlns="" xmlns:m="http://schemas.openxmlformats.org/officeDocument/2006/math" xmlns:a14="http://schemas.microsoft.com/office/drawing/2010/main" xmlns:ma14="http://schemas.microsoft.com/office/mac/drawingml/2011/main" val="1"/>
             </a:ext>
           </a:extLst>
         </p:spPr>
@@ -11955,7 +11955,7 @@
           </a:effectLst>
           <a:extLst>
             <a:ext uri="{C572A759-6A51-4108-AA02-DFA0A04FC94B}">
-              <ma14:wrappingTextBoxFlag xmlns:ma14="http://schemas.microsoft.com/office/mac/drawingml/2011/main" xmlns:a14="http://schemas.microsoft.com/office/drawing/2010/main" xmlns:m="http://schemas.openxmlformats.org/officeDocument/2006/math" xmlns="" val="1"/>
+              <ma14:wrappingTextBoxFlag xmlns="" xmlns:m="http://schemas.openxmlformats.org/officeDocument/2006/math" xmlns:a14="http://schemas.microsoft.com/office/drawing/2010/main" xmlns:ma14="http://schemas.microsoft.com/office/mac/drawingml/2011/main" val="1"/>
             </a:ext>
           </a:extLst>
         </p:spPr>
@@ -12038,7 +12038,7 @@
           </a:effectLst>
           <a:extLst>
             <a:ext uri="{C572A759-6A51-4108-AA02-DFA0A04FC94B}">
-              <ma14:wrappingTextBoxFlag xmlns:ma14="http://schemas.microsoft.com/office/mac/drawingml/2011/main" xmlns:a14="http://schemas.microsoft.com/office/drawing/2010/main" xmlns:m="http://schemas.openxmlformats.org/officeDocument/2006/math" xmlns="" val="1"/>
+              <ma14:wrappingTextBoxFlag xmlns="" xmlns:m="http://schemas.openxmlformats.org/officeDocument/2006/math" xmlns:a14="http://schemas.microsoft.com/office/drawing/2010/main" xmlns:ma14="http://schemas.microsoft.com/office/mac/drawingml/2011/main" val="1"/>
             </a:ext>
           </a:extLst>
         </p:spPr>
@@ -12132,7 +12132,7 @@
           </a:effectLst>
           <a:extLst>
             <a:ext uri="{C572A759-6A51-4108-AA02-DFA0A04FC94B}">
-              <ma14:wrappingTextBoxFlag xmlns:ma14="http://schemas.microsoft.com/office/mac/drawingml/2011/main" xmlns:a14="http://schemas.microsoft.com/office/drawing/2010/main" xmlns:m="http://schemas.openxmlformats.org/officeDocument/2006/math" xmlns="" val="1"/>
+              <ma14:wrappingTextBoxFlag xmlns="" xmlns:m="http://schemas.openxmlformats.org/officeDocument/2006/math" xmlns:a14="http://schemas.microsoft.com/office/drawing/2010/main" xmlns:ma14="http://schemas.microsoft.com/office/mac/drawingml/2011/main" val="1"/>
             </a:ext>
           </a:extLst>
         </p:spPr>
@@ -12583,7 +12583,7 @@
           </a:effectLst>
           <a:extLst>
             <a:ext uri="{C572A759-6A51-4108-AA02-DFA0A04FC94B}">
-              <ma14:wrappingTextBoxFlag xmlns:ma14="http://schemas.microsoft.com/office/mac/drawingml/2011/main" xmlns:a14="http://schemas.microsoft.com/office/drawing/2010/main" xmlns:m="http://schemas.openxmlformats.org/officeDocument/2006/math" xmlns="" val="1"/>
+              <ma14:wrappingTextBoxFlag xmlns="" xmlns:m="http://schemas.openxmlformats.org/officeDocument/2006/math" xmlns:a14="http://schemas.microsoft.com/office/drawing/2010/main" xmlns:ma14="http://schemas.microsoft.com/office/mac/drawingml/2011/main" val="1"/>
             </a:ext>
           </a:extLst>
         </p:spPr>
@@ -12646,7 +12646,7 @@
           </a:effectLst>
           <a:extLst>
             <a:ext uri="{C572A759-6A51-4108-AA02-DFA0A04FC94B}">
-              <ma14:wrappingTextBoxFlag xmlns:ma14="http://schemas.microsoft.com/office/mac/drawingml/2011/main" xmlns:a14="http://schemas.microsoft.com/office/drawing/2010/main" xmlns:m="http://schemas.openxmlformats.org/officeDocument/2006/math" xmlns="" val="1"/>
+              <ma14:wrappingTextBoxFlag xmlns="" xmlns:m="http://schemas.openxmlformats.org/officeDocument/2006/math" xmlns:a14="http://schemas.microsoft.com/office/drawing/2010/main" xmlns:ma14="http://schemas.microsoft.com/office/mac/drawingml/2011/main" val="1"/>
             </a:ext>
           </a:extLst>
         </p:spPr>
@@ -12722,7 +12722,7 @@
           </a:effectLst>
           <a:extLst>
             <a:ext uri="{C572A759-6A51-4108-AA02-DFA0A04FC94B}">
-              <ma14:wrappingTextBoxFlag xmlns:ma14="http://schemas.microsoft.com/office/mac/drawingml/2011/main" xmlns:a14="http://schemas.microsoft.com/office/drawing/2010/main" xmlns:m="http://schemas.openxmlformats.org/officeDocument/2006/math" xmlns="" val="1"/>
+              <ma14:wrappingTextBoxFlag xmlns="" xmlns:m="http://schemas.openxmlformats.org/officeDocument/2006/math" xmlns:a14="http://schemas.microsoft.com/office/drawing/2010/main" xmlns:ma14="http://schemas.microsoft.com/office/mac/drawingml/2011/main" val="1"/>
             </a:ext>
           </a:extLst>
         </p:spPr>
@@ -12826,7 +12826,7 @@
           </a:effectLst>
           <a:extLst>
             <a:ext uri="{C572A759-6A51-4108-AA02-DFA0A04FC94B}">
-              <ma14:wrappingTextBoxFlag xmlns:ma14="http://schemas.microsoft.com/office/mac/drawingml/2011/main" xmlns:a14="http://schemas.microsoft.com/office/drawing/2010/main" xmlns:m="http://schemas.openxmlformats.org/officeDocument/2006/math" xmlns="" val="1"/>
+              <ma14:wrappingTextBoxFlag xmlns="" xmlns:m="http://schemas.openxmlformats.org/officeDocument/2006/math" xmlns:a14="http://schemas.microsoft.com/office/drawing/2010/main" xmlns:ma14="http://schemas.microsoft.com/office/mac/drawingml/2011/main" val="1"/>
             </a:ext>
           </a:extLst>
         </p:spPr>
@@ -12909,7 +12909,7 @@
           </a:effectLst>
           <a:extLst>
             <a:ext uri="{C572A759-6A51-4108-AA02-DFA0A04FC94B}">
-              <ma14:wrappingTextBoxFlag xmlns:ma14="http://schemas.microsoft.com/office/mac/drawingml/2011/main" xmlns:a14="http://schemas.microsoft.com/office/drawing/2010/main" xmlns:m="http://schemas.openxmlformats.org/officeDocument/2006/math" xmlns="" val="1"/>
+              <ma14:wrappingTextBoxFlag xmlns="" xmlns:m="http://schemas.openxmlformats.org/officeDocument/2006/math" xmlns:a14="http://schemas.microsoft.com/office/drawing/2010/main" xmlns:ma14="http://schemas.microsoft.com/office/mac/drawingml/2011/main" val="1"/>
             </a:ext>
           </a:extLst>
         </p:spPr>
@@ -12972,7 +12972,7 @@
           </a:effectLst>
           <a:extLst>
             <a:ext uri="{C572A759-6A51-4108-AA02-DFA0A04FC94B}">
-              <ma14:wrappingTextBoxFlag xmlns:ma14="http://schemas.microsoft.com/office/mac/drawingml/2011/main" xmlns:a14="http://schemas.microsoft.com/office/drawing/2010/main" xmlns:m="http://schemas.openxmlformats.org/officeDocument/2006/math" xmlns="" val="1"/>
+              <ma14:wrappingTextBoxFlag xmlns="" xmlns:m="http://schemas.openxmlformats.org/officeDocument/2006/math" xmlns:a14="http://schemas.microsoft.com/office/drawing/2010/main" xmlns:ma14="http://schemas.microsoft.com/office/mac/drawingml/2011/main" val="1"/>
             </a:ext>
           </a:extLst>
         </p:spPr>
@@ -13055,7 +13055,7 @@
           </a:effectLst>
           <a:extLst>
             <a:ext uri="{C572A759-6A51-4108-AA02-DFA0A04FC94B}">
-              <ma14:wrappingTextBoxFlag xmlns:ma14="http://schemas.microsoft.com/office/mac/drawingml/2011/main" xmlns:a14="http://schemas.microsoft.com/office/drawing/2010/main" xmlns:m="http://schemas.openxmlformats.org/officeDocument/2006/math" xmlns="" val="1"/>
+              <ma14:wrappingTextBoxFlag xmlns="" xmlns:m="http://schemas.openxmlformats.org/officeDocument/2006/math" xmlns:a14="http://schemas.microsoft.com/office/drawing/2010/main" xmlns:ma14="http://schemas.microsoft.com/office/mac/drawingml/2011/main" val="1"/>
             </a:ext>
           </a:extLst>
         </p:spPr>
@@ -13138,7 +13138,7 @@
           </a:effectLst>
           <a:extLst>
             <a:ext uri="{C572A759-6A51-4108-AA02-DFA0A04FC94B}">
-              <ma14:wrappingTextBoxFlag xmlns:ma14="http://schemas.microsoft.com/office/mac/drawingml/2011/main" xmlns:a14="http://schemas.microsoft.com/office/drawing/2010/main" xmlns:m="http://schemas.openxmlformats.org/officeDocument/2006/math" xmlns="" val="1"/>
+              <ma14:wrappingTextBoxFlag xmlns="" xmlns:m="http://schemas.openxmlformats.org/officeDocument/2006/math" xmlns:a14="http://schemas.microsoft.com/office/drawing/2010/main" xmlns:ma14="http://schemas.microsoft.com/office/mac/drawingml/2011/main" val="1"/>
             </a:ext>
           </a:extLst>
         </p:spPr>
@@ -13221,7 +13221,7 @@
           </a:effectLst>
           <a:extLst>
             <a:ext uri="{C572A759-6A51-4108-AA02-DFA0A04FC94B}">
-              <ma14:wrappingTextBoxFlag xmlns:ma14="http://schemas.microsoft.com/office/mac/drawingml/2011/main" xmlns:a14="http://schemas.microsoft.com/office/drawing/2010/main" xmlns:m="http://schemas.openxmlformats.org/officeDocument/2006/math" xmlns="" val="1"/>
+              <ma14:wrappingTextBoxFlag xmlns="" xmlns:m="http://schemas.openxmlformats.org/officeDocument/2006/math" xmlns:a14="http://schemas.microsoft.com/office/drawing/2010/main" xmlns:ma14="http://schemas.microsoft.com/office/mac/drawingml/2011/main" val="1"/>
             </a:ext>
           </a:extLst>
         </p:spPr>
@@ -13537,7 +13537,7 @@
           </a:effectLst>
           <a:extLst>
             <a:ext uri="{C572A759-6A51-4108-AA02-DFA0A04FC94B}">
-              <ma14:wrappingTextBoxFlag xmlns:ma14="http://schemas.microsoft.com/office/mac/drawingml/2011/main" xmlns:a14="http://schemas.microsoft.com/office/drawing/2010/main" xmlns:m="http://schemas.openxmlformats.org/officeDocument/2006/math" xmlns="" val="1"/>
+              <ma14:wrappingTextBoxFlag xmlns="" xmlns:m="http://schemas.openxmlformats.org/officeDocument/2006/math" xmlns:a14="http://schemas.microsoft.com/office/drawing/2010/main" xmlns:ma14="http://schemas.microsoft.com/office/mac/drawingml/2011/main" val="1"/>
             </a:ext>
           </a:extLst>
         </p:spPr>
@@ -13620,7 +13620,7 @@
           </a:effectLst>
           <a:extLst>
             <a:ext uri="{C572A759-6A51-4108-AA02-DFA0A04FC94B}">
-              <ma14:wrappingTextBoxFlag xmlns:ma14="http://schemas.microsoft.com/office/mac/drawingml/2011/main" xmlns:a14="http://schemas.microsoft.com/office/drawing/2010/main" xmlns:m="http://schemas.openxmlformats.org/officeDocument/2006/math" xmlns="" val="1"/>
+              <ma14:wrappingTextBoxFlag xmlns="" xmlns:m="http://schemas.openxmlformats.org/officeDocument/2006/math" xmlns:a14="http://schemas.microsoft.com/office/drawing/2010/main" xmlns:ma14="http://schemas.microsoft.com/office/mac/drawingml/2011/main" val="1"/>
             </a:ext>
           </a:extLst>
         </p:spPr>
@@ -13683,7 +13683,7 @@
           </a:effectLst>
           <a:extLst>
             <a:ext uri="{C572A759-6A51-4108-AA02-DFA0A04FC94B}">
-              <ma14:wrappingTextBoxFlag xmlns:ma14="http://schemas.microsoft.com/office/mac/drawingml/2011/main" xmlns:a14="http://schemas.microsoft.com/office/drawing/2010/main" xmlns:m="http://schemas.openxmlformats.org/officeDocument/2006/math" xmlns="" val="1"/>
+              <ma14:wrappingTextBoxFlag xmlns="" xmlns:m="http://schemas.openxmlformats.org/officeDocument/2006/math" xmlns:a14="http://schemas.microsoft.com/office/drawing/2010/main" xmlns:ma14="http://schemas.microsoft.com/office/mac/drawingml/2011/main" val="1"/>
             </a:ext>
           </a:extLst>
         </p:spPr>
@@ -13766,7 +13766,7 @@
           </a:effectLst>
           <a:extLst>
             <a:ext uri="{C572A759-6A51-4108-AA02-DFA0A04FC94B}">
-              <ma14:wrappingTextBoxFlag xmlns:ma14="http://schemas.microsoft.com/office/mac/drawingml/2011/main" xmlns:a14="http://schemas.microsoft.com/office/drawing/2010/main" xmlns:m="http://schemas.openxmlformats.org/officeDocument/2006/math" xmlns="" val="1"/>
+              <ma14:wrappingTextBoxFlag xmlns="" xmlns:m="http://schemas.openxmlformats.org/officeDocument/2006/math" xmlns:a14="http://schemas.microsoft.com/office/drawing/2010/main" xmlns:ma14="http://schemas.microsoft.com/office/mac/drawingml/2011/main" val="1"/>
             </a:ext>
           </a:extLst>
         </p:spPr>
@@ -14097,7 +14097,7 @@
           </a:effectLst>
           <a:extLst>
             <a:ext uri="{C572A759-6A51-4108-AA02-DFA0A04FC94B}">
-              <ma14:wrappingTextBoxFlag xmlns:ma14="http://schemas.microsoft.com/office/mac/drawingml/2011/main" xmlns:a14="http://schemas.microsoft.com/office/drawing/2010/main" xmlns:m="http://schemas.openxmlformats.org/officeDocument/2006/math" xmlns="" val="1"/>
+              <ma14:wrappingTextBoxFlag xmlns="" xmlns:m="http://schemas.openxmlformats.org/officeDocument/2006/math" xmlns:a14="http://schemas.microsoft.com/office/drawing/2010/main" xmlns:ma14="http://schemas.microsoft.com/office/mac/drawingml/2011/main" val="1"/>
             </a:ext>
           </a:extLst>
         </p:spPr>
@@ -14160,7 +14160,7 @@
           </a:effectLst>
           <a:extLst>
             <a:ext uri="{C572A759-6A51-4108-AA02-DFA0A04FC94B}">
-              <ma14:wrappingTextBoxFlag xmlns:ma14="http://schemas.microsoft.com/office/mac/drawingml/2011/main" xmlns:a14="http://schemas.microsoft.com/office/drawing/2010/main" xmlns:m="http://schemas.openxmlformats.org/officeDocument/2006/math" xmlns="" val="1"/>
+              <ma14:wrappingTextBoxFlag xmlns="" xmlns:m="http://schemas.openxmlformats.org/officeDocument/2006/math" xmlns:a14="http://schemas.microsoft.com/office/drawing/2010/main" xmlns:ma14="http://schemas.microsoft.com/office/mac/drawingml/2011/main" val="1"/>
             </a:ext>
           </a:extLst>
         </p:spPr>
@@ -14243,7 +14243,7 @@
           </a:effectLst>
           <a:extLst>
             <a:ext uri="{C572A759-6A51-4108-AA02-DFA0A04FC94B}">
-              <ma14:wrappingTextBoxFlag xmlns:ma14="http://schemas.microsoft.com/office/mac/drawingml/2011/main" xmlns:a14="http://schemas.microsoft.com/office/drawing/2010/main" xmlns:m="http://schemas.openxmlformats.org/officeDocument/2006/math" xmlns="" val="1"/>
+              <ma14:wrappingTextBoxFlag xmlns="" xmlns:m="http://schemas.openxmlformats.org/officeDocument/2006/math" xmlns:a14="http://schemas.microsoft.com/office/drawing/2010/main" xmlns:ma14="http://schemas.microsoft.com/office/mac/drawingml/2011/main" val="1"/>
             </a:ext>
           </a:extLst>
         </p:spPr>
@@ -14326,7 +14326,7 @@
           </a:effectLst>
           <a:extLst>
             <a:ext uri="{C572A759-6A51-4108-AA02-DFA0A04FC94B}">
-              <ma14:wrappingTextBoxFlag xmlns:ma14="http://schemas.microsoft.com/office/mac/drawingml/2011/main" xmlns:a14="http://schemas.microsoft.com/office/drawing/2010/main" xmlns:m="http://schemas.openxmlformats.org/officeDocument/2006/math" xmlns="" val="1"/>
+              <ma14:wrappingTextBoxFlag xmlns="" xmlns:m="http://schemas.openxmlformats.org/officeDocument/2006/math" xmlns:a14="http://schemas.microsoft.com/office/drawing/2010/main" xmlns:ma14="http://schemas.microsoft.com/office/mac/drawingml/2011/main" val="1"/>
             </a:ext>
           </a:extLst>
         </p:spPr>
@@ -14409,7 +14409,7 @@
           </a:effectLst>
           <a:extLst>
             <a:ext uri="{C572A759-6A51-4108-AA02-DFA0A04FC94B}">
-              <ma14:wrappingTextBoxFlag xmlns:ma14="http://schemas.microsoft.com/office/mac/drawingml/2011/main" xmlns:a14="http://schemas.microsoft.com/office/drawing/2010/main" xmlns:m="http://schemas.openxmlformats.org/officeDocument/2006/math" xmlns="" val="1"/>
+              <ma14:wrappingTextBoxFlag xmlns="" xmlns:m="http://schemas.openxmlformats.org/officeDocument/2006/math" xmlns:a14="http://schemas.microsoft.com/office/drawing/2010/main" xmlns:ma14="http://schemas.microsoft.com/office/mac/drawingml/2011/main" val="1"/>
             </a:ext>
           </a:extLst>
         </p:spPr>
@@ -14640,7 +14640,7 @@
           </a:effectLst>
           <a:extLst>
             <a:ext uri="{C572A759-6A51-4108-AA02-DFA0A04FC94B}">
-              <ma14:wrappingTextBoxFlag xmlns:ma14="http://schemas.microsoft.com/office/mac/drawingml/2011/main" xmlns:a14="http://schemas.microsoft.com/office/drawing/2010/main" xmlns:m="http://schemas.openxmlformats.org/officeDocument/2006/math" xmlns="" val="1"/>
+              <ma14:wrappingTextBoxFlag xmlns="" xmlns:m="http://schemas.openxmlformats.org/officeDocument/2006/math" xmlns:a14="http://schemas.microsoft.com/office/drawing/2010/main" xmlns:ma14="http://schemas.microsoft.com/office/mac/drawingml/2011/main" val="1"/>
             </a:ext>
           </a:extLst>
         </p:spPr>
@@ -14703,7 +14703,7 @@
           </a:effectLst>
           <a:extLst>
             <a:ext uri="{C572A759-6A51-4108-AA02-DFA0A04FC94B}">
-              <ma14:wrappingTextBoxFlag xmlns:ma14="http://schemas.microsoft.com/office/mac/drawingml/2011/main" xmlns:a14="http://schemas.microsoft.com/office/drawing/2010/main" xmlns:m="http://schemas.openxmlformats.org/officeDocument/2006/math" xmlns="" val="1"/>
+              <ma14:wrappingTextBoxFlag xmlns="" xmlns:m="http://schemas.openxmlformats.org/officeDocument/2006/math" xmlns:a14="http://schemas.microsoft.com/office/drawing/2010/main" xmlns:ma14="http://schemas.microsoft.com/office/mac/drawingml/2011/main" val="1"/>
             </a:ext>
           </a:extLst>
         </p:spPr>
@@ -14934,7 +14934,7 @@
           </a:effectLst>
           <a:extLst>
             <a:ext uri="{C572A759-6A51-4108-AA02-DFA0A04FC94B}">
-              <ma14:wrappingTextBoxFlag xmlns:ma14="http://schemas.microsoft.com/office/mac/drawingml/2011/main" xmlns:a14="http://schemas.microsoft.com/office/drawing/2010/main" xmlns:m="http://schemas.openxmlformats.org/officeDocument/2006/math" xmlns="" val="1"/>
+              <ma14:wrappingTextBoxFlag xmlns="" xmlns:m="http://schemas.openxmlformats.org/officeDocument/2006/math" xmlns:a14="http://schemas.microsoft.com/office/drawing/2010/main" xmlns:ma14="http://schemas.microsoft.com/office/mac/drawingml/2011/main" val="1"/>
             </a:ext>
           </a:extLst>
         </p:spPr>
@@ -15017,7 +15017,7 @@
           </a:effectLst>
           <a:extLst>
             <a:ext uri="{C572A759-6A51-4108-AA02-DFA0A04FC94B}">
-              <ma14:wrappingTextBoxFlag xmlns:ma14="http://schemas.microsoft.com/office/mac/drawingml/2011/main" xmlns:a14="http://schemas.microsoft.com/office/drawing/2010/main" xmlns:m="http://schemas.openxmlformats.org/officeDocument/2006/math" xmlns="" val="1"/>
+              <ma14:wrappingTextBoxFlag xmlns="" xmlns:m="http://schemas.openxmlformats.org/officeDocument/2006/math" xmlns:a14="http://schemas.microsoft.com/office/drawing/2010/main" xmlns:ma14="http://schemas.microsoft.com/office/mac/drawingml/2011/main" val="1"/>
             </a:ext>
           </a:extLst>
         </p:spPr>
@@ -15100,7 +15100,7 @@
           </a:effectLst>
           <a:extLst>
             <a:ext uri="{C572A759-6A51-4108-AA02-DFA0A04FC94B}">
-              <ma14:wrappingTextBoxFlag xmlns:ma14="http://schemas.microsoft.com/office/mac/drawingml/2011/main" xmlns:a14="http://schemas.microsoft.com/office/drawing/2010/main" xmlns:m="http://schemas.openxmlformats.org/officeDocument/2006/math" xmlns="" val="1"/>
+              <ma14:wrappingTextBoxFlag xmlns="" xmlns:m="http://schemas.openxmlformats.org/officeDocument/2006/math" xmlns:a14="http://schemas.microsoft.com/office/drawing/2010/main" xmlns:ma14="http://schemas.microsoft.com/office/mac/drawingml/2011/main" val="1"/>
             </a:ext>
           </a:extLst>
         </p:spPr>
@@ -15183,7 +15183,7 @@
           </a:effectLst>
           <a:extLst>
             <a:ext uri="{C572A759-6A51-4108-AA02-DFA0A04FC94B}">
-              <ma14:wrappingTextBoxFlag xmlns:ma14="http://schemas.microsoft.com/office/mac/drawingml/2011/main" xmlns:a14="http://schemas.microsoft.com/office/drawing/2010/main" xmlns:m="http://schemas.openxmlformats.org/officeDocument/2006/math" xmlns="" val="1"/>
+              <ma14:wrappingTextBoxFlag xmlns="" xmlns:m="http://schemas.openxmlformats.org/officeDocument/2006/math" xmlns:a14="http://schemas.microsoft.com/office/drawing/2010/main" xmlns:ma14="http://schemas.microsoft.com/office/mac/drawingml/2011/main" val="1"/>
             </a:ext>
           </a:extLst>
         </p:spPr>
@@ -15266,7 +15266,7 @@
           </a:effectLst>
           <a:extLst>
             <a:ext uri="{C572A759-6A51-4108-AA02-DFA0A04FC94B}">
-              <ma14:wrappingTextBoxFlag xmlns:ma14="http://schemas.microsoft.com/office/mac/drawingml/2011/main" xmlns:a14="http://schemas.microsoft.com/office/drawing/2010/main" xmlns:m="http://schemas.openxmlformats.org/officeDocument/2006/math" xmlns="" val="1"/>
+              <ma14:wrappingTextBoxFlag xmlns="" xmlns:m="http://schemas.openxmlformats.org/officeDocument/2006/math" xmlns:a14="http://schemas.microsoft.com/office/drawing/2010/main" xmlns:ma14="http://schemas.microsoft.com/office/mac/drawingml/2011/main" val="1"/>
             </a:ext>
           </a:extLst>
         </p:spPr>
@@ -15349,7 +15349,7 @@
           </a:effectLst>
           <a:extLst>
             <a:ext uri="{C572A759-6A51-4108-AA02-DFA0A04FC94B}">
-              <ma14:wrappingTextBoxFlag xmlns:ma14="http://schemas.microsoft.com/office/mac/drawingml/2011/main" xmlns:a14="http://schemas.microsoft.com/office/drawing/2010/main" xmlns:m="http://schemas.openxmlformats.org/officeDocument/2006/math" xmlns="" val="1"/>
+              <ma14:wrappingTextBoxFlag xmlns="" xmlns:m="http://schemas.openxmlformats.org/officeDocument/2006/math" xmlns:a14="http://schemas.microsoft.com/office/drawing/2010/main" xmlns:ma14="http://schemas.microsoft.com/office/mac/drawingml/2011/main" val="1"/>
             </a:ext>
           </a:extLst>
         </p:spPr>
@@ -15412,7 +15412,7 @@
           </a:effectLst>
           <a:extLst>
             <a:ext uri="{C572A759-6A51-4108-AA02-DFA0A04FC94B}">
-              <ma14:wrappingTextBoxFlag xmlns:ma14="http://schemas.microsoft.com/office/mac/drawingml/2011/main" xmlns:a14="http://schemas.microsoft.com/office/drawing/2010/main" xmlns:m="http://schemas.openxmlformats.org/officeDocument/2006/math" xmlns="" val="1"/>
+              <ma14:wrappingTextBoxFlag xmlns="" xmlns:m="http://schemas.openxmlformats.org/officeDocument/2006/math" xmlns:a14="http://schemas.microsoft.com/office/drawing/2010/main" xmlns:ma14="http://schemas.microsoft.com/office/mac/drawingml/2011/main" val="1"/>
             </a:ext>
           </a:extLst>
         </p:spPr>
@@ -15495,7 +15495,7 @@
           </a:effectLst>
           <a:extLst>
             <a:ext uri="{C572A759-6A51-4108-AA02-DFA0A04FC94B}">
-              <ma14:wrappingTextBoxFlag xmlns:ma14="http://schemas.microsoft.com/office/mac/drawingml/2011/main" xmlns:a14="http://schemas.microsoft.com/office/drawing/2010/main" xmlns:m="http://schemas.openxmlformats.org/officeDocument/2006/math" xmlns="" val="1"/>
+              <ma14:wrappingTextBoxFlag xmlns="" xmlns:m="http://schemas.openxmlformats.org/officeDocument/2006/math" xmlns:a14="http://schemas.microsoft.com/office/drawing/2010/main" xmlns:ma14="http://schemas.microsoft.com/office/mac/drawingml/2011/main" val="1"/>
             </a:ext>
           </a:extLst>
         </p:spPr>
@@ -15758,7 +15758,7 @@
           </a:effectLst>
           <a:extLst>
             <a:ext uri="{C572A759-6A51-4108-AA02-DFA0A04FC94B}">
-              <ma14:wrappingTextBoxFlag xmlns:ma14="http://schemas.microsoft.com/office/mac/drawingml/2011/main" xmlns:a14="http://schemas.microsoft.com/office/drawing/2010/main" xmlns:m="http://schemas.openxmlformats.org/officeDocument/2006/math" xmlns="" val="1"/>
+              <ma14:wrappingTextBoxFlag xmlns="" xmlns:m="http://schemas.openxmlformats.org/officeDocument/2006/math" xmlns:a14="http://schemas.microsoft.com/office/drawing/2010/main" xmlns:ma14="http://schemas.microsoft.com/office/mac/drawingml/2011/main" val="1"/>
             </a:ext>
           </a:extLst>
         </p:spPr>
@@ -15825,8 +15825,8 @@
         </p:nvSpPr>
         <p:spPr>
           <a:xfrm>
-            <a:off x="3154713" y="9154862"/>
-            <a:ext cx="11331307" cy="533479"/>
+            <a:off x="3154714" y="9154862"/>
+            <a:ext cx="4782106" cy="533479"/>
           </a:xfrm>
           <a:prstGeom prst="rect">
             <a:avLst/>

--- a/resource/dubbo-go-arch.pptx
+++ b/resource/dubbo-go-arch.pptx
@@ -5,12 +5,13 @@
     <p:sldMasterId id="2147483648" r:id="rId1"/>
   </p:sldMasterIdLst>
   <p:notesMasterIdLst>
-    <p:notesMasterId r:id="rId5"/>
+    <p:notesMasterId r:id="rId6"/>
   </p:notesMasterIdLst>
   <p:sldIdLst>
     <p:sldId id="258" r:id="rId2"/>
-    <p:sldId id="261" r:id="rId3"/>
-    <p:sldId id="260" r:id="rId4"/>
+    <p:sldId id="262" r:id="rId3"/>
+    <p:sldId id="261" r:id="rId4"/>
+    <p:sldId id="260" r:id="rId5"/>
   </p:sldIdLst>
   <p:sldSz cx="17340263" cy="9753600"/>
   <p:notesSz cx="6858000" cy="9144000"/>
@@ -506,6 +507,67 @@
     </a:lvl9pPr>
   </p:notesStyle>
 </p:notesMaster>
+</file>
+
+<file path=ppt/notesSlides/notesSlide1.xml><?xml version="1.0" encoding="utf-8"?>
+<p:notes xmlns:a="http://schemas.openxmlformats.org/drawingml/2006/main" xmlns:r="http://schemas.openxmlformats.org/officeDocument/2006/relationships" xmlns:p="http://schemas.openxmlformats.org/presentationml/2006/main">
+  <p:cSld>
+    <p:spTree>
+      <p:nvGrpSpPr>
+        <p:cNvPr id="1" name=""/>
+        <p:cNvGrpSpPr/>
+        <p:nvPr/>
+      </p:nvGrpSpPr>
+      <p:grpSpPr>
+        <a:xfrm>
+          <a:off x="0" y="0"/>
+          <a:ext cx="0" cy="0"/>
+          <a:chOff x="0" y="0"/>
+          <a:chExt cx="0" cy="0"/>
+        </a:xfrm>
+      </p:grpSpPr>
+      <p:sp>
+        <p:nvSpPr>
+          <p:cNvPr id="2" name="幻灯片图像占位符 1"/>
+          <p:cNvSpPr>
+            <a:spLocks noGrp="1" noRot="1" noChangeAspect="1"/>
+          </p:cNvSpPr>
+          <p:nvPr>
+            <p:ph type="sldImg"/>
+          </p:nvPr>
+        </p:nvSpPr>
+        <p:spPr/>
+      </p:sp>
+      <p:sp>
+        <p:nvSpPr>
+          <p:cNvPr id="3" name="备注占位符 2"/>
+          <p:cNvSpPr>
+            <a:spLocks noGrp="1"/>
+          </p:cNvSpPr>
+          <p:nvPr>
+            <p:ph type="body" idx="1"/>
+          </p:nvPr>
+        </p:nvSpPr>
+        <p:spPr/>
+        <p:txBody>
+          <a:bodyPr/>
+          <a:lstStyle/>
+          <a:p>
+            <a:endParaRPr kumimoji="1" lang="zh-CN" altLang="en-US" dirty="0"/>
+          </a:p>
+        </p:txBody>
+      </p:sp>
+    </p:spTree>
+    <p:extLst>
+      <p:ext uri="{BB962C8B-B14F-4D97-AF65-F5344CB8AC3E}">
+        <p14:creationId xmlns:p14="http://schemas.microsoft.com/office/powerpoint/2010/main" val="2864173397"/>
+      </p:ext>
+    </p:extLst>
+  </p:cSld>
+  <p:clrMapOvr>
+    <a:masterClrMapping/>
+  </p:clrMapOvr>
+</p:notes>
 </file>
 
 <file path=ppt/slideLayouts/slideLayout1.xml><?xml version="1.0" encoding="utf-8"?>
@@ -3084,6 +3146,6522 @@
 </file>
 
 <file path=ppt/slides/slide1.xml><?xml version="1.0" encoding="utf-8"?>
+<p:sld xmlns:a="http://schemas.openxmlformats.org/drawingml/2006/main" xmlns:r="http://schemas.openxmlformats.org/officeDocument/2006/relationships" xmlns:p="http://schemas.openxmlformats.org/presentationml/2006/main" showMasterSp="0">
+  <p:cSld>
+    <p:bg>
+      <p:bgPr>
+        <a:pattFill prst="pct5">
+          <a:fgClr>
+            <a:srgbClr val="FFFFFF"/>
+          </a:fgClr>
+          <a:bgClr>
+            <a:schemeClr val="bg1"/>
+          </a:bgClr>
+        </a:pattFill>
+        <a:effectLst/>
+      </p:bgPr>
+    </p:bg>
+    <p:spTree>
+      <p:nvGrpSpPr>
+        <p:cNvPr id="1" name=""/>
+        <p:cNvGrpSpPr/>
+        <p:nvPr/>
+      </p:nvGrpSpPr>
+      <p:grpSpPr>
+        <a:xfrm>
+          <a:off x="0" y="0"/>
+          <a:ext cx="0" cy="0"/>
+          <a:chOff x="0" y="0"/>
+          <a:chExt cx="0" cy="0"/>
+        </a:xfrm>
+      </p:grpSpPr>
+      <p:sp>
+        <p:nvSpPr>
+          <p:cNvPr id="222" name="Registries">
+            <a:extLst>
+              <a:ext uri="{FF2B5EF4-FFF2-40B4-BE49-F238E27FC236}">
+                <a16:creationId xmlns:a16="http://schemas.microsoft.com/office/drawing/2014/main" id="{3927B2D4-88A1-4347-AB46-E33AFD8B1B22}"/>
+              </a:ext>
+            </a:extLst>
+          </p:cNvPr>
+          <p:cNvSpPr/>
+          <p:nvPr/>
+        </p:nvSpPr>
+        <p:spPr>
+          <a:xfrm>
+            <a:off x="502480" y="3820446"/>
+            <a:ext cx="16267750" cy="5726742"/>
+          </a:xfrm>
+          <a:prstGeom prst="roundRect">
+            <a:avLst>
+              <a:gd name="adj" fmla="val 7483"/>
+            </a:avLst>
+          </a:prstGeom>
+          <a:solidFill>
+            <a:srgbClr val="F2F2F2"/>
+          </a:solidFill>
+          <a:ln w="12700" cap="flat">
+            <a:noFill/>
+            <a:miter lim="400000"/>
+          </a:ln>
+          <a:effectLst>
+            <a:outerShdw blurRad="38100" dist="25400" dir="5400000" rotWithShape="0">
+              <a:srgbClr val="000000">
+                <a:alpha val="50000"/>
+              </a:srgbClr>
+            </a:outerShdw>
+          </a:effectLst>
+          <a:extLst>
+            <a:ext uri="{C572A759-6A51-4108-AA02-DFA0A04FC94B}">
+              <ma14:wrappingTextBoxFlag xmlns="" xmlns:m="http://schemas.openxmlformats.org/officeDocument/2006/math" xmlns:a14="http://schemas.microsoft.com/office/drawing/2010/main" xmlns:ma14="http://schemas.microsoft.com/office/mac/drawingml/2011/main" val="1"/>
+            </a:ext>
+          </a:extLst>
+        </p:spPr>
+        <p:txBody>
+          <a:bodyPr wrap="square" lIns="50800" tIns="50800" rIns="50800" bIns="50800" numCol="1" anchor="t">
+            <a:noAutofit/>
+          </a:bodyPr>
+          <a:lstStyle/>
+          <a:p>
+            <a:pPr algn="r"/>
+            <a:endParaRPr dirty="0">
+              <a:solidFill>
+                <a:schemeClr val="tx1"/>
+              </a:solidFill>
+              <a:latin typeface="微软雅黑" panose="020B0503020204020204" pitchFamily="34" charset="-122"/>
+              <a:ea typeface="微软雅黑" panose="020B0503020204020204" pitchFamily="34" charset="-122"/>
+              <a:cs typeface="Helvetica Light"/>
+            </a:endParaRPr>
+          </a:p>
+        </p:txBody>
+      </p:sp>
+      <p:sp>
+        <p:nvSpPr>
+          <p:cNvPr id="144" name="Line"/>
+          <p:cNvSpPr/>
+          <p:nvPr/>
+        </p:nvSpPr>
+        <p:spPr>
+          <a:xfrm>
+            <a:off x="2062940" y="6334488"/>
+            <a:ext cx="243782" cy="2"/>
+          </a:xfrm>
+          <a:prstGeom prst="line">
+            <a:avLst/>
+          </a:prstGeom>
+          <a:ln w="38100">
+            <a:solidFill>
+              <a:schemeClr val="bg2">
+                <a:lumMod val="50000"/>
+              </a:schemeClr>
+            </a:solidFill>
+            <a:tailEnd type="triangle" w="med" len="med"/>
+          </a:ln>
+        </p:spPr>
+        <p:style>
+          <a:lnRef idx="1">
+            <a:schemeClr val="accent1"/>
+          </a:lnRef>
+          <a:fillRef idx="0">
+            <a:schemeClr val="accent1"/>
+          </a:fillRef>
+          <a:effectRef idx="0">
+            <a:schemeClr val="accent1"/>
+          </a:effectRef>
+          <a:fontRef idx="minor">
+            <a:schemeClr val="tx1"/>
+          </a:fontRef>
+        </p:style>
+        <p:txBody>
+          <a:bodyPr wrap="square" lIns="50800" tIns="50800" rIns="50800" bIns="50800" numCol="1" anchor="ctr">
+            <a:noAutofit/>
+          </a:bodyPr>
+          <a:lstStyle/>
+          <a:p>
+            <a:pPr>
+              <a:defRPr b="0">
+                <a:latin typeface="Helvetica Light"/>
+                <a:ea typeface="Helvetica Light"/>
+                <a:cs typeface="Helvetica Light"/>
+                <a:sym typeface="Helvetica Light"/>
+              </a:defRPr>
+            </a:pPr>
+            <a:endParaRPr>
+              <a:latin typeface="微软雅黑" panose="020B0503020204020204" pitchFamily="34" charset="-122"/>
+              <a:ea typeface="微软雅黑" panose="020B0503020204020204" pitchFamily="34" charset="-122"/>
+            </a:endParaRPr>
+          </a:p>
+        </p:txBody>
+      </p:sp>
+      <p:sp>
+        <p:nvSpPr>
+          <p:cNvPr id="13" name="TextBox 12">
+            <a:extLst>
+              <a:ext uri="{FF2B5EF4-FFF2-40B4-BE49-F238E27FC236}">
+                <a16:creationId xmlns:a16="http://schemas.microsoft.com/office/drawing/2014/main" id="{7F039890-6A13-EB4E-B77D-005EAD70187C}"/>
+              </a:ext>
+            </a:extLst>
+          </p:cNvPr>
+          <p:cNvSpPr txBox="1"/>
+          <p:nvPr/>
+        </p:nvSpPr>
+        <p:spPr>
+          <a:xfrm>
+            <a:off x="15423134" y="1972590"/>
+            <a:ext cx="102657" cy="471924"/>
+          </a:xfrm>
+          <a:prstGeom prst="rect">
+            <a:avLst/>
+          </a:prstGeom>
+          <a:noFill/>
+          <a:ln w="12700" cap="flat">
+            <a:noFill/>
+            <a:miter lim="400000"/>
+          </a:ln>
+          <a:effectLst/>
+          <a:sp3d/>
+        </p:spPr>
+        <p:style>
+          <a:lnRef idx="0">
+            <a:scrgbClr r="0" g="0" b="0"/>
+          </a:lnRef>
+          <a:fillRef idx="0">
+            <a:scrgbClr r="0" g="0" b="0"/>
+          </a:fillRef>
+          <a:effectRef idx="0">
+            <a:scrgbClr r="0" g="0" b="0"/>
+          </a:effectRef>
+          <a:fontRef idx="none"/>
+        </p:style>
+        <p:txBody>
+          <a:bodyPr rot="0" spcFirstLastPara="1" vertOverflow="overflow" horzOverflow="overflow" vert="horz" wrap="none" lIns="50800" tIns="50800" rIns="50800" bIns="50800" numCol="1" spcCol="38100" rtlCol="0" anchor="ctr">
+            <a:spAutoFit/>
+          </a:bodyPr>
+          <a:lstStyle/>
+          <a:p>
+            <a:pPr marL="0" marR="0" indent="0" algn="ctr" defTabSz="584200" rtl="0" fontAlgn="auto" latinLnBrk="0" hangingPunct="0">
+              <a:lnSpc>
+                <a:spcPct val="100000"/>
+              </a:lnSpc>
+              <a:spcBef>
+                <a:spcPts val="0"/>
+              </a:spcBef>
+              <a:spcAft>
+                <a:spcPts val="0"/>
+              </a:spcAft>
+              <a:buClrTx/>
+              <a:buSzTx/>
+              <a:buFontTx/>
+              <a:buNone/>
+              <a:tabLst/>
+            </a:pPr>
+            <a:endParaRPr kumimoji="0" lang="en-CN" sz="2400" b="1" i="0" u="none" strike="noStrike" cap="none" spc="0" normalizeH="0" baseline="0" dirty="0">
+              <a:ln>
+                <a:noFill/>
+              </a:ln>
+              <a:solidFill>
+                <a:srgbClr val="000000"/>
+              </a:solidFill>
+              <a:effectLst/>
+              <a:uFillTx/>
+              <a:latin typeface="Helvetica Neue"/>
+              <a:ea typeface="Helvetica Neue"/>
+              <a:cs typeface="Helvetica Neue"/>
+              <a:sym typeface="Helvetica Neue"/>
+            </a:endParaRPr>
+          </a:p>
+        </p:txBody>
+      </p:sp>
+      <p:sp>
+        <p:nvSpPr>
+          <p:cNvPr id="14" name="TextBox 13">
+            <a:extLst>
+              <a:ext uri="{FF2B5EF4-FFF2-40B4-BE49-F238E27FC236}">
+                <a16:creationId xmlns:a16="http://schemas.microsoft.com/office/drawing/2014/main" id="{2D1E5930-E555-4347-AE77-0A4960BE1969}"/>
+              </a:ext>
+            </a:extLst>
+          </p:cNvPr>
+          <p:cNvSpPr txBox="1"/>
+          <p:nvPr/>
+        </p:nvSpPr>
+        <p:spPr>
+          <a:xfrm>
+            <a:off x="16021010" y="2517713"/>
+            <a:ext cx="102657" cy="471924"/>
+          </a:xfrm>
+          <a:prstGeom prst="rect">
+            <a:avLst/>
+          </a:prstGeom>
+          <a:noFill/>
+          <a:ln w="12700" cap="flat">
+            <a:noFill/>
+            <a:miter lim="400000"/>
+          </a:ln>
+          <a:effectLst/>
+          <a:sp3d/>
+        </p:spPr>
+        <p:style>
+          <a:lnRef idx="0">
+            <a:scrgbClr r="0" g="0" b="0"/>
+          </a:lnRef>
+          <a:fillRef idx="0">
+            <a:scrgbClr r="0" g="0" b="0"/>
+          </a:fillRef>
+          <a:effectRef idx="0">
+            <a:scrgbClr r="0" g="0" b="0"/>
+          </a:effectRef>
+          <a:fontRef idx="none"/>
+        </p:style>
+        <p:txBody>
+          <a:bodyPr rot="0" spcFirstLastPara="1" vertOverflow="overflow" horzOverflow="overflow" vert="horz" wrap="none" lIns="50800" tIns="50800" rIns="50800" bIns="50800" numCol="1" spcCol="38100" rtlCol="0" anchor="ctr">
+            <a:spAutoFit/>
+          </a:bodyPr>
+          <a:lstStyle/>
+          <a:p>
+            <a:pPr marL="0" marR="0" indent="0" algn="ctr" defTabSz="584200" rtl="0" fontAlgn="auto" latinLnBrk="0" hangingPunct="0">
+              <a:lnSpc>
+                <a:spcPct val="100000"/>
+              </a:lnSpc>
+              <a:spcBef>
+                <a:spcPts val="0"/>
+              </a:spcBef>
+              <a:spcAft>
+                <a:spcPts val="0"/>
+              </a:spcAft>
+              <a:buClrTx/>
+              <a:buSzTx/>
+              <a:buFontTx/>
+              <a:buNone/>
+              <a:tabLst/>
+            </a:pPr>
+            <a:endParaRPr kumimoji="0" lang="en-CN" sz="2400" b="1" i="0" u="none" strike="noStrike" cap="none" spc="0" normalizeH="0" baseline="0" dirty="0">
+              <a:ln>
+                <a:noFill/>
+              </a:ln>
+              <a:solidFill>
+                <a:srgbClr val="000000"/>
+              </a:solidFill>
+              <a:effectLst/>
+              <a:uFillTx/>
+              <a:latin typeface="Helvetica Neue"/>
+              <a:ea typeface="Helvetica Neue"/>
+              <a:cs typeface="Helvetica Neue"/>
+              <a:sym typeface="Helvetica Neue"/>
+            </a:endParaRPr>
+          </a:p>
+        </p:txBody>
+      </p:sp>
+      <p:grpSp>
+        <p:nvGrpSpPr>
+          <p:cNvPr id="29" name="组合 28">
+            <a:extLst>
+              <a:ext uri="{FF2B5EF4-FFF2-40B4-BE49-F238E27FC236}">
+                <a16:creationId xmlns:a16="http://schemas.microsoft.com/office/drawing/2014/main" id="{5F571990-44F2-864A-8134-AC92E794C45D}"/>
+              </a:ext>
+            </a:extLst>
+          </p:cNvPr>
+          <p:cNvGrpSpPr/>
+          <p:nvPr/>
+        </p:nvGrpSpPr>
+        <p:grpSpPr>
+          <a:xfrm>
+            <a:off x="12767601" y="4105792"/>
+            <a:ext cx="3418068" cy="5190987"/>
+            <a:chOff x="10228718" y="2037697"/>
+            <a:chExt cx="3418068" cy="5190987"/>
+          </a:xfrm>
+        </p:grpSpPr>
+        <p:sp>
+          <p:nvSpPr>
+            <p:cNvPr id="146" name="Provider"/>
+            <p:cNvSpPr/>
+            <p:nvPr/>
+          </p:nvSpPr>
+          <p:spPr>
+            <a:xfrm>
+              <a:off x="10228718" y="2037697"/>
+              <a:ext cx="3418068" cy="5190987"/>
+            </a:xfrm>
+            <a:prstGeom prst="roundRect">
+              <a:avLst>
+                <a:gd name="adj" fmla="val 4145"/>
+              </a:avLst>
+            </a:prstGeom>
+            <a:solidFill>
+              <a:schemeClr val="tx2">
+                <a:lumMod val="20000"/>
+                <a:lumOff val="80000"/>
+              </a:schemeClr>
+            </a:solidFill>
+            <a:ln w="12700" cap="flat">
+              <a:noFill/>
+              <a:miter lim="400000"/>
+            </a:ln>
+            <a:effectLst>
+              <a:outerShdw blurRad="38100" dist="25400" dir="5400000" rotWithShape="0">
+                <a:srgbClr val="000000">
+                  <a:alpha val="50000"/>
+                </a:srgbClr>
+              </a:outerShdw>
+            </a:effectLst>
+            <a:extLst>
+              <a:ext uri="{C572A759-6A51-4108-AA02-DFA0A04FC94B}">
+                <ma14:wrappingTextBoxFlag xmlns="" xmlns:m="http://schemas.openxmlformats.org/officeDocument/2006/math" xmlns:a14="http://schemas.microsoft.com/office/drawing/2010/main" xmlns:ma14="http://schemas.microsoft.com/office/mac/drawingml/2011/main" val="1"/>
+              </a:ext>
+            </a:extLst>
+          </p:spPr>
+          <p:txBody>
+            <a:bodyPr wrap="square" lIns="50800" tIns="50800" rIns="50800" bIns="50800" numCol="1" anchor="t">
+              <a:noAutofit/>
+            </a:bodyPr>
+            <a:lstStyle>
+              <a:lvl1pPr algn="r">
+                <a:defRPr b="0">
+                  <a:solidFill>
+                    <a:srgbClr val="FFFFFF"/>
+                  </a:solidFill>
+                  <a:latin typeface="Helvetica Light"/>
+                  <a:ea typeface="Helvetica Light"/>
+                  <a:cs typeface="Helvetica Light"/>
+                  <a:sym typeface="Helvetica Light"/>
+                </a:defRPr>
+              </a:lvl1pPr>
+            </a:lstStyle>
+            <a:p>
+              <a:r>
+                <a:rPr b="1" dirty="0">
+                  <a:solidFill>
+                    <a:schemeClr val="tx1"/>
+                  </a:solidFill>
+                  <a:latin typeface="微软雅黑" panose="020B0503020204020204" pitchFamily="34" charset="-122"/>
+                  <a:ea typeface="微软雅黑" panose="020B0503020204020204" pitchFamily="34" charset="-122"/>
+                </a:rPr>
+                <a:t>Provider</a:t>
+              </a:r>
+            </a:p>
+          </p:txBody>
+        </p:sp>
+        <p:grpSp>
+          <p:nvGrpSpPr>
+            <p:cNvPr id="25" name="组合 24">
+              <a:extLst>
+                <a:ext uri="{FF2B5EF4-FFF2-40B4-BE49-F238E27FC236}">
+                  <a16:creationId xmlns:a16="http://schemas.microsoft.com/office/drawing/2014/main" id="{EEDC85DA-7E55-B847-A5AE-CAE896E12D59}"/>
+                </a:ext>
+              </a:extLst>
+            </p:cNvPr>
+            <p:cNvGrpSpPr/>
+            <p:nvPr/>
+          </p:nvGrpSpPr>
+          <p:grpSpPr>
+            <a:xfrm>
+              <a:off x="12155286" y="2777920"/>
+              <a:ext cx="1329522" cy="2880000"/>
+              <a:chOff x="15347937" y="2777920"/>
+              <a:chExt cx="1329522" cy="2880000"/>
+            </a:xfrm>
+          </p:grpSpPr>
+          <p:sp>
+            <p:nvSpPr>
+              <p:cNvPr id="113" name="proxy"/>
+              <p:cNvSpPr/>
+              <p:nvPr/>
+            </p:nvSpPr>
+            <p:spPr>
+              <a:xfrm>
+                <a:off x="15347937" y="2777920"/>
+                <a:ext cx="1329522" cy="2880000"/>
+              </a:xfrm>
+              <a:prstGeom prst="roundRect">
+                <a:avLst>
+                  <a:gd name="adj" fmla="val 6831"/>
+                </a:avLst>
+              </a:prstGeom>
+              <a:solidFill>
+                <a:schemeClr val="bg1">
+                  <a:lumMod val="75000"/>
+                </a:schemeClr>
+              </a:solidFill>
+              <a:ln w="12700" cap="flat">
+                <a:noFill/>
+                <a:prstDash val="solid"/>
+                <a:miter lim="400000"/>
+              </a:ln>
+              <a:effectLst>
+                <a:outerShdw blurRad="50800" dist="38100" dir="5400000" algn="t" rotWithShape="0">
+                  <a:prstClr val="black">
+                    <a:alpha val="40000"/>
+                  </a:prstClr>
+                </a:outerShdw>
+              </a:effectLst>
+              <a:extLst>
+                <a:ext uri="{C572A759-6A51-4108-AA02-DFA0A04FC94B}">
+                  <ma14:wrappingTextBoxFlag xmlns="" xmlns:m="http://schemas.openxmlformats.org/officeDocument/2006/math" xmlns:a14="http://schemas.microsoft.com/office/drawing/2010/main" xmlns:ma14="http://schemas.microsoft.com/office/mac/drawingml/2011/main" val="1"/>
+                </a:ext>
+              </a:extLst>
+            </p:spPr>
+            <p:txBody>
+              <a:bodyPr wrap="square" lIns="50800" tIns="50800" rIns="50800" bIns="50800" numCol="1" anchor="t">
+                <a:noAutofit/>
+              </a:bodyPr>
+              <a:lstStyle>
+                <a:lvl1pPr>
+                  <a:defRPr sz="1700" b="0">
+                    <a:latin typeface="Helvetica Light"/>
+                    <a:ea typeface="Helvetica Light"/>
+                    <a:cs typeface="Helvetica Light"/>
+                    <a:sym typeface="Helvetica Light"/>
+                  </a:defRPr>
+                </a:lvl1pPr>
+              </a:lstStyle>
+              <a:p>
+                <a:r>
+                  <a:rPr dirty="0">
+                    <a:latin typeface="微软雅黑" panose="020B0503020204020204" pitchFamily="34" charset="-122"/>
+                    <a:ea typeface="微软雅黑" panose="020B0503020204020204" pitchFamily="34" charset="-122"/>
+                  </a:rPr>
+                  <a:t>proxy</a:t>
+                </a:r>
+              </a:p>
+            </p:txBody>
+          </p:sp>
+          <p:sp>
+            <p:nvSpPr>
+              <p:cNvPr id="114" name="interface1"/>
+              <p:cNvSpPr/>
+              <p:nvPr/>
+            </p:nvSpPr>
+            <p:spPr>
+              <a:xfrm>
+                <a:off x="15463753" y="3376607"/>
+                <a:ext cx="1123384" cy="238458"/>
+              </a:xfrm>
+              <a:prstGeom prst="roundRect">
+                <a:avLst/>
+              </a:prstGeom>
+              <a:solidFill>
+                <a:schemeClr val="accent4"/>
+              </a:solidFill>
+              <a:ln w="12700" cap="flat">
+                <a:noFill/>
+                <a:miter lim="400000"/>
+              </a:ln>
+              <a:effectLst>
+                <a:outerShdw blurRad="38100" dist="25400" dir="5400000" rotWithShape="0">
+                  <a:srgbClr val="000000">
+                    <a:alpha val="50000"/>
+                  </a:srgbClr>
+                </a:outerShdw>
+              </a:effectLst>
+              <a:extLst>
+                <a:ext uri="{C572A759-6A51-4108-AA02-DFA0A04FC94B}">
+                  <ma14:wrappingTextBoxFlag xmlns="" xmlns:m="http://schemas.openxmlformats.org/officeDocument/2006/math" xmlns:a14="http://schemas.microsoft.com/office/drawing/2010/main" xmlns:ma14="http://schemas.microsoft.com/office/mac/drawingml/2011/main" val="1"/>
+                </a:ext>
+              </a:extLst>
+            </p:spPr>
+            <p:txBody>
+              <a:bodyPr wrap="square" lIns="50800" tIns="50800" rIns="50800" bIns="50800" numCol="1" anchor="ctr">
+                <a:noAutofit/>
+              </a:bodyPr>
+              <a:lstStyle>
+                <a:lvl1pPr>
+                  <a:defRPr sz="1500" b="0">
+                    <a:solidFill>
+                      <a:srgbClr val="FFFFFF"/>
+                    </a:solidFill>
+                    <a:latin typeface="Helvetica Light"/>
+                    <a:ea typeface="Helvetica Light"/>
+                    <a:cs typeface="Helvetica Light"/>
+                    <a:sym typeface="Helvetica Light"/>
+                  </a:defRPr>
+                </a:lvl1pPr>
+              </a:lstStyle>
+              <a:p>
+                <a:r>
+                  <a:rPr lang="en-US" dirty="0">
+                    <a:solidFill>
+                      <a:sysClr val="windowText" lastClr="000000"/>
+                    </a:solidFill>
+                    <a:latin typeface="微软雅黑" panose="020B0503020204020204" pitchFamily="34" charset="-122"/>
+                    <a:ea typeface="微软雅黑" panose="020B0503020204020204" pitchFamily="34" charset="-122"/>
+                  </a:rPr>
+                  <a:t>service1</a:t>
+                </a:r>
+              </a:p>
+            </p:txBody>
+          </p:sp>
+          <p:sp>
+            <p:nvSpPr>
+              <p:cNvPr id="115" name="interface2"/>
+              <p:cNvSpPr/>
+              <p:nvPr/>
+            </p:nvSpPr>
+            <p:spPr>
+              <a:xfrm>
+                <a:off x="15464641" y="3868276"/>
+                <a:ext cx="1123384" cy="238460"/>
+              </a:xfrm>
+              <a:prstGeom prst="roundRect">
+                <a:avLst/>
+              </a:prstGeom>
+              <a:solidFill>
+                <a:schemeClr val="accent4"/>
+              </a:solidFill>
+              <a:ln w="12700" cap="flat">
+                <a:noFill/>
+                <a:miter lim="400000"/>
+              </a:ln>
+              <a:effectLst>
+                <a:outerShdw blurRad="38100" dist="25400" dir="5400000" rotWithShape="0">
+                  <a:srgbClr val="000000">
+                    <a:alpha val="50000"/>
+                  </a:srgbClr>
+                </a:outerShdw>
+              </a:effectLst>
+              <a:extLst>
+                <a:ext uri="{C572A759-6A51-4108-AA02-DFA0A04FC94B}">
+                  <ma14:wrappingTextBoxFlag xmlns="" xmlns:m="http://schemas.openxmlformats.org/officeDocument/2006/math" xmlns:a14="http://schemas.microsoft.com/office/drawing/2010/main" xmlns:ma14="http://schemas.microsoft.com/office/mac/drawingml/2011/main" val="1"/>
+                </a:ext>
+              </a:extLst>
+            </p:spPr>
+            <p:txBody>
+              <a:bodyPr wrap="square" lIns="50800" tIns="50800" rIns="50800" bIns="50800" numCol="1" anchor="ctr">
+                <a:noAutofit/>
+              </a:bodyPr>
+              <a:lstStyle>
+                <a:lvl1pPr>
+                  <a:defRPr sz="1500" b="0">
+                    <a:solidFill>
+                      <a:srgbClr val="FFFFFF"/>
+                    </a:solidFill>
+                    <a:latin typeface="Helvetica Light"/>
+                    <a:ea typeface="Helvetica Light"/>
+                    <a:cs typeface="Helvetica Light"/>
+                    <a:sym typeface="Helvetica Light"/>
+                  </a:defRPr>
+                </a:lvl1pPr>
+              </a:lstStyle>
+              <a:p>
+                <a:r>
+                  <a:rPr lang="en-US" dirty="0">
+                    <a:solidFill>
+                      <a:sysClr val="windowText" lastClr="000000"/>
+                    </a:solidFill>
+                    <a:latin typeface="微软雅黑" panose="020B0503020204020204" pitchFamily="34" charset="-122"/>
+                    <a:ea typeface="微软雅黑" panose="020B0503020204020204" pitchFamily="34" charset="-122"/>
+                  </a:rPr>
+                  <a:t>service2</a:t>
+                </a:r>
+              </a:p>
+            </p:txBody>
+          </p:sp>
+          <p:sp>
+            <p:nvSpPr>
+              <p:cNvPr id="116" name="interface3"/>
+              <p:cNvSpPr/>
+              <p:nvPr/>
+            </p:nvSpPr>
+            <p:spPr>
+              <a:xfrm>
+                <a:off x="15465529" y="4359946"/>
+                <a:ext cx="1123384" cy="238460"/>
+              </a:xfrm>
+              <a:prstGeom prst="roundRect">
+                <a:avLst/>
+              </a:prstGeom>
+              <a:solidFill>
+                <a:schemeClr val="accent4"/>
+              </a:solidFill>
+              <a:ln w="12700" cap="flat">
+                <a:noFill/>
+                <a:miter lim="400000"/>
+              </a:ln>
+              <a:effectLst>
+                <a:outerShdw blurRad="38100" dist="25400" dir="5400000" rotWithShape="0">
+                  <a:srgbClr val="000000">
+                    <a:alpha val="50000"/>
+                  </a:srgbClr>
+                </a:outerShdw>
+              </a:effectLst>
+              <a:extLst>
+                <a:ext uri="{C572A759-6A51-4108-AA02-DFA0A04FC94B}">
+                  <ma14:wrappingTextBoxFlag xmlns="" xmlns:m="http://schemas.openxmlformats.org/officeDocument/2006/math" xmlns:a14="http://schemas.microsoft.com/office/drawing/2010/main" xmlns:ma14="http://schemas.microsoft.com/office/mac/drawingml/2011/main" val="1"/>
+                </a:ext>
+              </a:extLst>
+            </p:spPr>
+            <p:txBody>
+              <a:bodyPr wrap="square" lIns="50800" tIns="50800" rIns="50800" bIns="50800" numCol="1" anchor="ctr">
+                <a:noAutofit/>
+              </a:bodyPr>
+              <a:lstStyle>
+                <a:lvl1pPr>
+                  <a:defRPr sz="1500" b="0">
+                    <a:solidFill>
+                      <a:srgbClr val="FFFFFF"/>
+                    </a:solidFill>
+                    <a:latin typeface="Helvetica Light"/>
+                    <a:ea typeface="Helvetica Light"/>
+                    <a:cs typeface="Helvetica Light"/>
+                    <a:sym typeface="Helvetica Light"/>
+                  </a:defRPr>
+                </a:lvl1pPr>
+              </a:lstStyle>
+              <a:p>
+                <a:r>
+                  <a:rPr lang="en-US" dirty="0">
+                    <a:solidFill>
+                      <a:sysClr val="windowText" lastClr="000000"/>
+                    </a:solidFill>
+                    <a:latin typeface="微软雅黑" panose="020B0503020204020204" pitchFamily="34" charset="-122"/>
+                    <a:ea typeface="微软雅黑" panose="020B0503020204020204" pitchFamily="34" charset="-122"/>
+                  </a:rPr>
+                  <a:t>service3</a:t>
+                </a:r>
+              </a:p>
+            </p:txBody>
+          </p:sp>
+          <p:sp>
+            <p:nvSpPr>
+              <p:cNvPr id="117" name="…"/>
+              <p:cNvSpPr/>
+              <p:nvPr/>
+            </p:nvSpPr>
+            <p:spPr>
+              <a:xfrm>
+                <a:off x="15466417" y="4851616"/>
+                <a:ext cx="1123384" cy="238460"/>
+              </a:xfrm>
+              <a:prstGeom prst="roundRect">
+                <a:avLst/>
+              </a:prstGeom>
+              <a:solidFill>
+                <a:schemeClr val="accent4"/>
+              </a:solidFill>
+              <a:ln w="12700" cap="flat">
+                <a:noFill/>
+                <a:miter lim="400000"/>
+              </a:ln>
+              <a:effectLst>
+                <a:outerShdw blurRad="38100" dist="25400" dir="5400000" rotWithShape="0">
+                  <a:srgbClr val="000000">
+                    <a:alpha val="50000"/>
+                  </a:srgbClr>
+                </a:outerShdw>
+              </a:effectLst>
+              <a:extLst>
+                <a:ext uri="{C572A759-6A51-4108-AA02-DFA0A04FC94B}">
+                  <ma14:wrappingTextBoxFlag xmlns="" xmlns:m="http://schemas.openxmlformats.org/officeDocument/2006/math" xmlns:a14="http://schemas.microsoft.com/office/drawing/2010/main" xmlns:ma14="http://schemas.microsoft.com/office/mac/drawingml/2011/main" val="1"/>
+                </a:ext>
+              </a:extLst>
+            </p:spPr>
+            <p:txBody>
+              <a:bodyPr wrap="square" lIns="50800" tIns="50800" rIns="50800" bIns="50800" numCol="1" anchor="ctr">
+                <a:noAutofit/>
+              </a:bodyPr>
+              <a:lstStyle>
+                <a:lvl1pPr>
+                  <a:defRPr sz="1500" b="0">
+                    <a:solidFill>
+                      <a:srgbClr val="FFFFFF"/>
+                    </a:solidFill>
+                    <a:latin typeface="Helvetica Light"/>
+                    <a:ea typeface="Helvetica Light"/>
+                    <a:cs typeface="Helvetica Light"/>
+                    <a:sym typeface="Helvetica Light"/>
+                  </a:defRPr>
+                </a:lvl1pPr>
+              </a:lstStyle>
+              <a:p>
+                <a:r>
+                  <a:rPr>
+                    <a:solidFill>
+                      <a:sysClr val="windowText" lastClr="000000"/>
+                    </a:solidFill>
+                    <a:latin typeface="微软雅黑" panose="020B0503020204020204" pitchFamily="34" charset="-122"/>
+                    <a:ea typeface="微软雅黑" panose="020B0503020204020204" pitchFamily="34" charset="-122"/>
+                  </a:rPr>
+                  <a:t>…</a:t>
+                </a:r>
+              </a:p>
+            </p:txBody>
+          </p:sp>
+        </p:grpSp>
+        <p:sp>
+          <p:nvSpPr>
+            <p:cNvPr id="151" name="Registry">
+              <a:extLst>
+                <a:ext uri="{FF2B5EF4-FFF2-40B4-BE49-F238E27FC236}">
+                  <a16:creationId xmlns:a16="http://schemas.microsoft.com/office/drawing/2014/main" id="{025FB938-9D4B-874A-8DB0-F228DB2AF3AC}"/>
+                </a:ext>
+              </a:extLst>
+            </p:cNvPr>
+            <p:cNvSpPr/>
+            <p:nvPr/>
+          </p:nvSpPr>
+          <p:spPr>
+            <a:xfrm>
+              <a:off x="10399053" y="2156532"/>
+              <a:ext cx="1756233" cy="417378"/>
+            </a:xfrm>
+            <a:prstGeom prst="roundRect">
+              <a:avLst/>
+            </a:prstGeom>
+            <a:solidFill>
+              <a:srgbClr val="F39019"/>
+            </a:solidFill>
+            <a:ln w="12700" cap="flat">
+              <a:noFill/>
+              <a:miter lim="400000"/>
+            </a:ln>
+            <a:effectLst>
+              <a:outerShdw blurRad="38100" dist="25400" dir="5400000" rotWithShape="0">
+                <a:srgbClr val="000000">
+                  <a:alpha val="50000"/>
+                </a:srgbClr>
+              </a:outerShdw>
+            </a:effectLst>
+            <a:extLst>
+              <a:ext uri="{C572A759-6A51-4108-AA02-DFA0A04FC94B}">
+                <ma14:wrappingTextBoxFlag xmlns="" xmlns:m="http://schemas.openxmlformats.org/officeDocument/2006/math" xmlns:a14="http://schemas.microsoft.com/office/drawing/2010/main" xmlns:ma14="http://schemas.microsoft.com/office/mac/drawingml/2011/main" val="1"/>
+              </a:ext>
+            </a:extLst>
+          </p:spPr>
+          <p:txBody>
+            <a:bodyPr wrap="square" lIns="50800" tIns="50800" rIns="50800" bIns="50800" numCol="1" anchor="ctr">
+              <a:noAutofit/>
+            </a:bodyPr>
+            <a:lstStyle>
+              <a:lvl1pPr>
+                <a:defRPr sz="1900" b="0">
+                  <a:solidFill>
+                    <a:srgbClr val="FFFFFF"/>
+                  </a:solidFill>
+                  <a:latin typeface="Helvetica Light"/>
+                  <a:ea typeface="Helvetica Light"/>
+                  <a:cs typeface="Helvetica Light"/>
+                  <a:sym typeface="Helvetica Light"/>
+                </a:defRPr>
+              </a:lvl1pPr>
+            </a:lstStyle>
+            <a:p>
+              <a:r>
+                <a:rPr>
+                  <a:latin typeface="微软雅黑" panose="020B0503020204020204" pitchFamily="34" charset="-122"/>
+                  <a:ea typeface="微软雅黑" panose="020B0503020204020204" pitchFamily="34" charset="-122"/>
+                </a:rPr>
+                <a:t>Registry</a:t>
+              </a:r>
+            </a:p>
+          </p:txBody>
+        </p:sp>
+        <p:grpSp>
+          <p:nvGrpSpPr>
+            <p:cNvPr id="23" name="组合 22">
+              <a:extLst>
+                <a:ext uri="{FF2B5EF4-FFF2-40B4-BE49-F238E27FC236}">
+                  <a16:creationId xmlns:a16="http://schemas.microsoft.com/office/drawing/2014/main" id="{C59A712B-4101-C24D-8F57-7C318D91C5DA}"/>
+                </a:ext>
+              </a:extLst>
+            </p:cNvPr>
+            <p:cNvGrpSpPr/>
+            <p:nvPr/>
+          </p:nvGrpSpPr>
+          <p:grpSpPr>
+            <a:xfrm>
+              <a:off x="10449722" y="2761778"/>
+              <a:ext cx="1337088" cy="2880000"/>
+              <a:chOff x="13642373" y="2761778"/>
+              <a:chExt cx="1337088" cy="2880000"/>
+            </a:xfrm>
+          </p:grpSpPr>
+          <p:sp>
+            <p:nvSpPr>
+              <p:cNvPr id="217" name="codec">
+                <a:extLst>
+                  <a:ext uri="{FF2B5EF4-FFF2-40B4-BE49-F238E27FC236}">
+                    <a16:creationId xmlns:a16="http://schemas.microsoft.com/office/drawing/2014/main" id="{92FFD5A5-42F9-AD41-8F11-9EAA9787B82F}"/>
+                  </a:ext>
+                </a:extLst>
+              </p:cNvPr>
+              <p:cNvSpPr/>
+              <p:nvPr/>
+            </p:nvSpPr>
+            <p:spPr>
+              <a:xfrm>
+                <a:off x="13642373" y="2761778"/>
+                <a:ext cx="1337088" cy="2880000"/>
+              </a:xfrm>
+              <a:prstGeom prst="roundRect">
+                <a:avLst>
+                  <a:gd name="adj" fmla="val 6344"/>
+                </a:avLst>
+              </a:prstGeom>
+              <a:solidFill>
+                <a:schemeClr val="bg1">
+                  <a:lumMod val="75000"/>
+                </a:schemeClr>
+              </a:solidFill>
+              <a:ln w="12700" cap="flat">
+                <a:noFill/>
+                <a:prstDash val="solid"/>
+                <a:miter lim="400000"/>
+              </a:ln>
+              <a:effectLst>
+                <a:outerShdw blurRad="50800" dist="38100" dir="5400000" algn="t" rotWithShape="0">
+                  <a:prstClr val="black">
+                    <a:alpha val="40000"/>
+                  </a:prstClr>
+                </a:outerShdw>
+              </a:effectLst>
+              <a:extLst>
+                <a:ext uri="{C572A759-6A51-4108-AA02-DFA0A04FC94B}">
+                  <ma14:wrappingTextBoxFlag xmlns="" xmlns:m="http://schemas.openxmlformats.org/officeDocument/2006/math" xmlns:a14="http://schemas.microsoft.com/office/drawing/2010/main" xmlns:ma14="http://schemas.microsoft.com/office/mac/drawingml/2011/main" val="1"/>
+                </a:ext>
+              </a:extLst>
+            </p:spPr>
+            <p:txBody>
+              <a:bodyPr wrap="square" lIns="50800" tIns="50800" rIns="50800" bIns="50800" numCol="1" anchor="t">
+                <a:noAutofit/>
+              </a:bodyPr>
+              <a:lstStyle/>
+              <a:p>
+                <a:r>
+                  <a:rPr lang="en-US" altLang="zh-CN" sz="1700" b="0" dirty="0">
+                    <a:latin typeface="微软雅黑" panose="020B0503020204020204" pitchFamily="34" charset="-122"/>
+                    <a:ea typeface="微软雅黑" panose="020B0503020204020204" pitchFamily="34" charset="-122"/>
+                    <a:cs typeface="Helvetica Light"/>
+                  </a:rPr>
+                  <a:t>invoker</a:t>
+                </a:r>
+                <a:endParaRPr sz="1700" b="0" dirty="0">
+                  <a:latin typeface="微软雅黑" panose="020B0503020204020204" pitchFamily="34" charset="-122"/>
+                  <a:ea typeface="微软雅黑" panose="020B0503020204020204" pitchFamily="34" charset="-122"/>
+                  <a:cs typeface="Helvetica Light"/>
+                </a:endParaRPr>
+              </a:p>
+            </p:txBody>
+          </p:sp>
+          <p:sp>
+            <p:nvSpPr>
+              <p:cNvPr id="218" name="jsonrpc 2.0">
+                <a:extLst>
+                  <a:ext uri="{FF2B5EF4-FFF2-40B4-BE49-F238E27FC236}">
+                    <a16:creationId xmlns:a16="http://schemas.microsoft.com/office/drawing/2014/main" id="{6CF82384-8E1E-7E4A-A042-A4D6BE538B49}"/>
+                  </a:ext>
+                </a:extLst>
+              </p:cNvPr>
+              <p:cNvSpPr/>
+              <p:nvPr/>
+            </p:nvSpPr>
+            <p:spPr>
+              <a:xfrm>
+                <a:off x="13699385" y="3277509"/>
+                <a:ext cx="1219802" cy="384067"/>
+              </a:xfrm>
+              <a:prstGeom prst="roundRect">
+                <a:avLst>
+                  <a:gd name="adj" fmla="val 9824"/>
+                </a:avLst>
+              </a:prstGeom>
+              <a:solidFill>
+                <a:schemeClr val="accent4"/>
+              </a:solidFill>
+              <a:ln w="12700" cap="flat">
+                <a:noFill/>
+                <a:miter lim="400000"/>
+              </a:ln>
+              <a:effectLst>
+                <a:outerShdw blurRad="38100" dist="25400" dir="5400000" rotWithShape="0">
+                  <a:srgbClr val="000000">
+                    <a:alpha val="50000"/>
+                  </a:srgbClr>
+                </a:outerShdw>
+              </a:effectLst>
+              <a:extLst>
+                <a:ext uri="{C572A759-6A51-4108-AA02-DFA0A04FC94B}">
+                  <ma14:wrappingTextBoxFlag xmlns="" xmlns:m="http://schemas.openxmlformats.org/officeDocument/2006/math" xmlns:a14="http://schemas.microsoft.com/office/drawing/2010/main" xmlns:ma14="http://schemas.microsoft.com/office/mac/drawingml/2011/main" val="1"/>
+                </a:ext>
+              </a:extLst>
+            </p:spPr>
+            <p:txBody>
+              <a:bodyPr wrap="square" lIns="50800" tIns="50800" rIns="50800" bIns="50800" numCol="1" anchor="ctr">
+                <a:noAutofit/>
+              </a:bodyPr>
+              <a:lstStyle/>
+              <a:p>
+                <a:r>
+                  <a:rPr lang="en-US" altLang="zh-CN" sz="1500" b="0" dirty="0">
+                    <a:solidFill>
+                      <a:sysClr val="windowText" lastClr="000000"/>
+                    </a:solidFill>
+                    <a:latin typeface="微软雅黑" panose="020B0503020204020204" pitchFamily="34" charset="-122"/>
+                    <a:ea typeface="微软雅黑" panose="020B0503020204020204" pitchFamily="34" charset="-122"/>
+                    <a:cs typeface="Helvetica Light"/>
+                  </a:rPr>
+                  <a:t>grpc</a:t>
+                </a:r>
+                <a:endParaRPr sz="1500" b="0" dirty="0">
+                  <a:solidFill>
+                    <a:sysClr val="windowText" lastClr="000000"/>
+                  </a:solidFill>
+                  <a:latin typeface="微软雅黑" panose="020B0503020204020204" pitchFamily="34" charset="-122"/>
+                  <a:ea typeface="微软雅黑" panose="020B0503020204020204" pitchFamily="34" charset="-122"/>
+                  <a:cs typeface="Helvetica Light"/>
+                </a:endParaRPr>
+              </a:p>
+            </p:txBody>
+          </p:sp>
+          <p:sp>
+            <p:nvSpPr>
+              <p:cNvPr id="219" name="jsonrpc 2.0">
+                <a:extLst>
+                  <a:ext uri="{FF2B5EF4-FFF2-40B4-BE49-F238E27FC236}">
+                    <a16:creationId xmlns:a16="http://schemas.microsoft.com/office/drawing/2014/main" id="{5719FC6C-1A92-CD43-A8EC-DD34CDE91576}"/>
+                  </a:ext>
+                </a:extLst>
+              </p:cNvPr>
+              <p:cNvSpPr/>
+              <p:nvPr/>
+            </p:nvSpPr>
+            <p:spPr>
+              <a:xfrm>
+                <a:off x="13699385" y="3875071"/>
+                <a:ext cx="1219802" cy="384067"/>
+              </a:xfrm>
+              <a:prstGeom prst="roundRect">
+                <a:avLst>
+                  <a:gd name="adj" fmla="val 9824"/>
+                </a:avLst>
+              </a:prstGeom>
+              <a:solidFill>
+                <a:schemeClr val="accent4"/>
+              </a:solidFill>
+              <a:ln w="12700" cap="flat">
+                <a:noFill/>
+                <a:miter lim="400000"/>
+              </a:ln>
+              <a:effectLst>
+                <a:outerShdw blurRad="38100" dist="25400" dir="5400000" rotWithShape="0">
+                  <a:srgbClr val="000000">
+                    <a:alpha val="50000"/>
+                  </a:srgbClr>
+                </a:outerShdw>
+              </a:effectLst>
+              <a:extLst>
+                <a:ext uri="{C572A759-6A51-4108-AA02-DFA0A04FC94B}">
+                  <ma14:wrappingTextBoxFlag xmlns="" xmlns:m="http://schemas.openxmlformats.org/officeDocument/2006/math" xmlns:a14="http://schemas.microsoft.com/office/drawing/2010/main" xmlns:ma14="http://schemas.microsoft.com/office/mac/drawingml/2011/main" val="1"/>
+                </a:ext>
+              </a:extLst>
+            </p:spPr>
+            <p:txBody>
+              <a:bodyPr wrap="square" lIns="50800" tIns="50800" rIns="50800" bIns="50800" numCol="1" anchor="ctr">
+                <a:noAutofit/>
+              </a:bodyPr>
+              <a:lstStyle/>
+              <a:p>
+                <a:r>
+                  <a:rPr lang="en-US" altLang="zh-CN" sz="1500" b="0" dirty="0">
+                    <a:solidFill>
+                      <a:sysClr val="windowText" lastClr="000000"/>
+                    </a:solidFill>
+                    <a:latin typeface="微软雅黑" panose="020B0503020204020204" pitchFamily="34" charset="-122"/>
+                    <a:ea typeface="微软雅黑" panose="020B0503020204020204" pitchFamily="34" charset="-122"/>
+                    <a:cs typeface="Helvetica Light"/>
+                  </a:rPr>
+                  <a:t>rest</a:t>
+                </a:r>
+                <a:endParaRPr sz="1500" b="0" dirty="0">
+                  <a:solidFill>
+                    <a:sysClr val="windowText" lastClr="000000"/>
+                  </a:solidFill>
+                  <a:latin typeface="微软雅黑" panose="020B0503020204020204" pitchFamily="34" charset="-122"/>
+                  <a:ea typeface="微软雅黑" panose="020B0503020204020204" pitchFamily="34" charset="-122"/>
+                  <a:cs typeface="Helvetica Light"/>
+                </a:endParaRPr>
+              </a:p>
+            </p:txBody>
+          </p:sp>
+          <p:sp>
+            <p:nvSpPr>
+              <p:cNvPr id="220" name="jsonrpc 2.0">
+                <a:extLst>
+                  <a:ext uri="{FF2B5EF4-FFF2-40B4-BE49-F238E27FC236}">
+                    <a16:creationId xmlns:a16="http://schemas.microsoft.com/office/drawing/2014/main" id="{C8310379-CC2B-1541-B26D-C7FBA12BCB6D}"/>
+                  </a:ext>
+                </a:extLst>
+              </p:cNvPr>
+              <p:cNvSpPr/>
+              <p:nvPr/>
+            </p:nvSpPr>
+            <p:spPr>
+              <a:xfrm>
+                <a:off x="13699385" y="5070194"/>
+                <a:ext cx="1219802" cy="384067"/>
+              </a:xfrm>
+              <a:prstGeom prst="roundRect">
+                <a:avLst>
+                  <a:gd name="adj" fmla="val 9824"/>
+                </a:avLst>
+              </a:prstGeom>
+              <a:solidFill>
+                <a:schemeClr val="accent4"/>
+              </a:solidFill>
+              <a:ln w="12700" cap="flat">
+                <a:noFill/>
+                <a:miter lim="400000"/>
+              </a:ln>
+              <a:effectLst>
+                <a:outerShdw blurRad="38100" dist="25400" dir="5400000" rotWithShape="0">
+                  <a:srgbClr val="000000">
+                    <a:alpha val="50000"/>
+                  </a:srgbClr>
+                </a:outerShdw>
+              </a:effectLst>
+              <a:extLst>
+                <a:ext uri="{C572A759-6A51-4108-AA02-DFA0A04FC94B}">
+                  <ma14:wrappingTextBoxFlag xmlns="" xmlns:m="http://schemas.openxmlformats.org/officeDocument/2006/math" xmlns:a14="http://schemas.microsoft.com/office/drawing/2010/main" xmlns:ma14="http://schemas.microsoft.com/office/mac/drawingml/2011/main" val="1"/>
+                </a:ext>
+              </a:extLst>
+            </p:spPr>
+            <p:txBody>
+              <a:bodyPr wrap="square" lIns="50800" tIns="50800" rIns="50800" bIns="50800" numCol="1" anchor="ctr">
+                <a:noAutofit/>
+              </a:bodyPr>
+              <a:lstStyle/>
+              <a:p>
+                <a:r>
+                  <a:rPr lang="en-US" altLang="zh-CN" sz="1500" b="0" dirty="0">
+                    <a:solidFill>
+                      <a:sysClr val="windowText" lastClr="000000"/>
+                    </a:solidFill>
+                    <a:latin typeface="微软雅黑" panose="020B0503020204020204" pitchFamily="34" charset="-122"/>
+                    <a:ea typeface="微软雅黑" panose="020B0503020204020204" pitchFamily="34" charset="-122"/>
+                    <a:cs typeface="Helvetica Light"/>
+                  </a:rPr>
+                  <a:t>dubbo</a:t>
+                </a:r>
+                <a:endParaRPr sz="1500" b="0" dirty="0">
+                  <a:solidFill>
+                    <a:sysClr val="windowText" lastClr="000000"/>
+                  </a:solidFill>
+                  <a:latin typeface="微软雅黑" panose="020B0503020204020204" pitchFamily="34" charset="-122"/>
+                  <a:ea typeface="微软雅黑" panose="020B0503020204020204" pitchFamily="34" charset="-122"/>
+                  <a:cs typeface="Helvetica Light"/>
+                </a:endParaRPr>
+              </a:p>
+            </p:txBody>
+          </p:sp>
+          <p:sp>
+            <p:nvSpPr>
+              <p:cNvPr id="221" name="jsonrpc 2.0">
+                <a:extLst>
+                  <a:ext uri="{FF2B5EF4-FFF2-40B4-BE49-F238E27FC236}">
+                    <a16:creationId xmlns:a16="http://schemas.microsoft.com/office/drawing/2014/main" id="{BE756D3D-174B-C342-B88F-3CB685856201}"/>
+                  </a:ext>
+                </a:extLst>
+              </p:cNvPr>
+              <p:cNvSpPr/>
+              <p:nvPr/>
+            </p:nvSpPr>
+            <p:spPr>
+              <a:xfrm>
+                <a:off x="13699385" y="4472633"/>
+                <a:ext cx="1219802" cy="384067"/>
+              </a:xfrm>
+              <a:prstGeom prst="roundRect">
+                <a:avLst>
+                  <a:gd name="adj" fmla="val 9824"/>
+                </a:avLst>
+              </a:prstGeom>
+              <a:solidFill>
+                <a:schemeClr val="accent4"/>
+              </a:solidFill>
+              <a:ln w="12700" cap="flat">
+                <a:noFill/>
+                <a:miter lim="400000"/>
+              </a:ln>
+              <a:effectLst>
+                <a:outerShdw blurRad="38100" dist="25400" dir="5400000" rotWithShape="0">
+                  <a:srgbClr val="000000">
+                    <a:alpha val="50000"/>
+                  </a:srgbClr>
+                </a:outerShdw>
+              </a:effectLst>
+              <a:extLst>
+                <a:ext uri="{C572A759-6A51-4108-AA02-DFA0A04FC94B}">
+                  <ma14:wrappingTextBoxFlag xmlns="" xmlns:m="http://schemas.openxmlformats.org/officeDocument/2006/math" xmlns:a14="http://schemas.microsoft.com/office/drawing/2010/main" xmlns:ma14="http://schemas.microsoft.com/office/mac/drawingml/2011/main" val="1"/>
+                </a:ext>
+              </a:extLst>
+            </p:spPr>
+            <p:txBody>
+              <a:bodyPr wrap="square" lIns="50800" tIns="50800" rIns="50800" bIns="50800" numCol="1" anchor="ctr">
+                <a:noAutofit/>
+              </a:bodyPr>
+              <a:lstStyle/>
+              <a:p>
+                <a:r>
+                  <a:rPr lang="en-US" altLang="zh-CN" sz="1500" b="0" dirty="0">
+                    <a:solidFill>
+                      <a:sysClr val="windowText" lastClr="000000"/>
+                    </a:solidFill>
+                    <a:latin typeface="微软雅黑" panose="020B0503020204020204" pitchFamily="34" charset="-122"/>
+                    <a:ea typeface="微软雅黑" panose="020B0503020204020204" pitchFamily="34" charset="-122"/>
+                    <a:cs typeface="Helvetica Light"/>
+                  </a:rPr>
+                  <a:t>jsonrpc</a:t>
+                </a:r>
+                <a:endParaRPr sz="1500" b="0" dirty="0">
+                  <a:solidFill>
+                    <a:sysClr val="windowText" lastClr="000000"/>
+                  </a:solidFill>
+                  <a:latin typeface="微软雅黑" panose="020B0503020204020204" pitchFamily="34" charset="-122"/>
+                  <a:ea typeface="微软雅黑" panose="020B0503020204020204" pitchFamily="34" charset="-122"/>
+                  <a:cs typeface="Helvetica Light"/>
+                </a:endParaRPr>
+              </a:p>
+            </p:txBody>
+          </p:sp>
+        </p:grpSp>
+      </p:grpSp>
+      <p:grpSp>
+        <p:nvGrpSpPr>
+          <p:cNvPr id="26" name="组合 25">
+            <a:extLst>
+              <a:ext uri="{FF2B5EF4-FFF2-40B4-BE49-F238E27FC236}">
+                <a16:creationId xmlns:a16="http://schemas.microsoft.com/office/drawing/2014/main" id="{2E2DA679-274A-0148-A019-D36996A899CC}"/>
+              </a:ext>
+            </a:extLst>
+          </p:cNvPr>
+          <p:cNvGrpSpPr/>
+          <p:nvPr/>
+        </p:nvGrpSpPr>
+        <p:grpSpPr>
+          <a:xfrm>
+            <a:off x="662805" y="4123159"/>
+            <a:ext cx="5701606" cy="5217304"/>
+            <a:chOff x="662805" y="2037699"/>
+            <a:chExt cx="5701606" cy="5217304"/>
+          </a:xfrm>
+        </p:grpSpPr>
+        <p:sp>
+          <p:nvSpPr>
+            <p:cNvPr id="120" name="Consumer"/>
+            <p:cNvSpPr/>
+            <p:nvPr/>
+          </p:nvSpPr>
+          <p:spPr>
+            <a:xfrm>
+              <a:off x="662805" y="2037699"/>
+              <a:ext cx="5701606" cy="5217304"/>
+            </a:xfrm>
+            <a:prstGeom prst="roundRect">
+              <a:avLst>
+                <a:gd name="adj" fmla="val 5322"/>
+              </a:avLst>
+            </a:prstGeom>
+            <a:solidFill>
+              <a:schemeClr val="tx2">
+                <a:lumMod val="20000"/>
+                <a:lumOff val="80000"/>
+              </a:schemeClr>
+            </a:solidFill>
+            <a:ln w="12700" cap="flat">
+              <a:noFill/>
+              <a:miter lim="400000"/>
+            </a:ln>
+            <a:effectLst>
+              <a:outerShdw blurRad="38100" dist="25400" dir="5400000" rotWithShape="0">
+                <a:srgbClr val="000000">
+                  <a:alpha val="50000"/>
+                </a:srgbClr>
+              </a:outerShdw>
+            </a:effectLst>
+            <a:extLst>
+              <a:ext uri="{C572A759-6A51-4108-AA02-DFA0A04FC94B}">
+                <ma14:wrappingTextBoxFlag xmlns="" xmlns:m="http://schemas.openxmlformats.org/officeDocument/2006/math" xmlns:a14="http://schemas.microsoft.com/office/drawing/2010/main" xmlns:ma14="http://schemas.microsoft.com/office/mac/drawingml/2011/main" val="1"/>
+              </a:ext>
+            </a:extLst>
+          </p:spPr>
+          <p:txBody>
+            <a:bodyPr wrap="square" lIns="50800" tIns="50800" rIns="50800" bIns="50800" numCol="1" anchor="t">
+              <a:noAutofit/>
+            </a:bodyPr>
+            <a:lstStyle>
+              <a:lvl1pPr algn="l">
+                <a:defRPr b="0">
+                  <a:solidFill>
+                    <a:srgbClr val="FFFFFF"/>
+                  </a:solidFill>
+                  <a:latin typeface="Helvetica Light"/>
+                  <a:ea typeface="Helvetica Light"/>
+                  <a:cs typeface="Helvetica Light"/>
+                  <a:sym typeface="Helvetica Light"/>
+                </a:defRPr>
+              </a:lvl1pPr>
+            </a:lstStyle>
+            <a:p>
+              <a:r>
+                <a:rPr b="1" dirty="0">
+                  <a:solidFill>
+                    <a:schemeClr val="tx1"/>
+                  </a:solidFill>
+                  <a:latin typeface="微软雅黑" panose="020B0503020204020204" pitchFamily="34" charset="-122"/>
+                  <a:ea typeface="微软雅黑" panose="020B0503020204020204" pitchFamily="34" charset="-122"/>
+                </a:rPr>
+                <a:t>Consumer</a:t>
+              </a:r>
+            </a:p>
+          </p:txBody>
+        </p:sp>
+        <p:grpSp>
+          <p:nvGrpSpPr>
+            <p:cNvPr id="12" name="组合 11">
+              <a:extLst>
+                <a:ext uri="{FF2B5EF4-FFF2-40B4-BE49-F238E27FC236}">
+                  <a16:creationId xmlns:a16="http://schemas.microsoft.com/office/drawing/2014/main" id="{45A26D58-CBE7-3D42-9C2E-80B89B9DB92A}"/>
+                </a:ext>
+              </a:extLst>
+            </p:cNvPr>
+            <p:cNvGrpSpPr/>
+            <p:nvPr/>
+          </p:nvGrpSpPr>
+          <p:grpSpPr>
+            <a:xfrm>
+              <a:off x="2286246" y="2858928"/>
+              <a:ext cx="1122749" cy="2880000"/>
+              <a:chOff x="2344808" y="2858928"/>
+              <a:chExt cx="1122749" cy="2880000"/>
+            </a:xfrm>
+          </p:grpSpPr>
+          <p:sp>
+            <p:nvSpPr>
+              <p:cNvPr id="130" name="cluster &amp; load balance"/>
+              <p:cNvSpPr/>
+              <p:nvPr/>
+            </p:nvSpPr>
+            <p:spPr>
+              <a:xfrm>
+                <a:off x="2344808" y="2858928"/>
+                <a:ext cx="1106736" cy="2880000"/>
+              </a:xfrm>
+              <a:prstGeom prst="roundRect">
+                <a:avLst>
+                  <a:gd name="adj" fmla="val 3763"/>
+                </a:avLst>
+              </a:prstGeom>
+              <a:solidFill>
+                <a:schemeClr val="bg1">
+                  <a:lumMod val="75000"/>
+                </a:schemeClr>
+              </a:solidFill>
+              <a:ln w="12700" cap="flat">
+                <a:noFill/>
+                <a:prstDash val="solid"/>
+                <a:miter lim="400000"/>
+              </a:ln>
+              <a:effectLst>
+                <a:outerShdw blurRad="50800" dist="38100" dir="5400000" algn="t" rotWithShape="0">
+                  <a:prstClr val="black">
+                    <a:alpha val="40000"/>
+                  </a:prstClr>
+                </a:outerShdw>
+              </a:effectLst>
+              <a:extLst>
+                <a:ext uri="{C572A759-6A51-4108-AA02-DFA0A04FC94B}">
+                  <ma14:wrappingTextBoxFlag xmlns="" xmlns:m="http://schemas.openxmlformats.org/officeDocument/2006/math" xmlns:a14="http://schemas.microsoft.com/office/drawing/2010/main" xmlns:ma14="http://schemas.microsoft.com/office/mac/drawingml/2011/main" val="1"/>
+                </a:ext>
+              </a:extLst>
+            </p:spPr>
+            <p:txBody>
+              <a:bodyPr wrap="square" lIns="50800" tIns="50800" rIns="50800" bIns="50800" numCol="1" anchor="t">
+                <a:noAutofit/>
+              </a:bodyPr>
+              <a:lstStyle/>
+              <a:p>
+                <a:r>
+                  <a:rPr sz="1700" b="0" dirty="0">
+                    <a:latin typeface="微软雅黑" panose="020B0503020204020204" pitchFamily="34" charset="-122"/>
+                    <a:ea typeface="微软雅黑" panose="020B0503020204020204" pitchFamily="34" charset="-122"/>
+                    <a:cs typeface="Helvetica Light"/>
+                  </a:rPr>
+                  <a:t>cluster</a:t>
+                </a:r>
+              </a:p>
+            </p:txBody>
+          </p:sp>
+          <p:sp>
+            <p:nvSpPr>
+              <p:cNvPr id="134" name="failover"/>
+              <p:cNvSpPr/>
+              <p:nvPr/>
+            </p:nvSpPr>
+            <p:spPr>
+              <a:xfrm>
+                <a:off x="2360821" y="3459657"/>
+                <a:ext cx="1106736" cy="237600"/>
+              </a:xfrm>
+              <a:prstGeom prst="roundRect">
+                <a:avLst/>
+              </a:prstGeom>
+              <a:solidFill>
+                <a:schemeClr val="accent4"/>
+              </a:solidFill>
+              <a:ln w="12700" cap="flat">
+                <a:noFill/>
+                <a:miter lim="400000"/>
+              </a:ln>
+              <a:effectLst>
+                <a:outerShdw blurRad="38100" dist="25400" dir="5400000" rotWithShape="0">
+                  <a:srgbClr val="000000">
+                    <a:alpha val="50000"/>
+                  </a:srgbClr>
+                </a:outerShdw>
+              </a:effectLst>
+              <a:extLst>
+                <a:ext uri="{C572A759-6A51-4108-AA02-DFA0A04FC94B}">
+                  <ma14:wrappingTextBoxFlag xmlns="" xmlns:m="http://schemas.openxmlformats.org/officeDocument/2006/math" xmlns:a14="http://schemas.microsoft.com/office/drawing/2010/main" xmlns:ma14="http://schemas.microsoft.com/office/mac/drawingml/2011/main" val="1"/>
+                </a:ext>
+              </a:extLst>
+            </p:spPr>
+            <p:txBody>
+              <a:bodyPr wrap="square" lIns="50800" tIns="50800" rIns="50800" bIns="50800" numCol="1" anchor="ctr">
+                <a:noAutofit/>
+              </a:bodyPr>
+              <a:lstStyle/>
+              <a:p>
+                <a:r>
+                  <a:rPr sz="1500" b="0" dirty="0">
+                    <a:solidFill>
+                      <a:sysClr val="windowText" lastClr="000000"/>
+                    </a:solidFill>
+                    <a:latin typeface="微软雅黑" panose="020B0503020204020204" pitchFamily="34" charset="-122"/>
+                    <a:ea typeface="微软雅黑" panose="020B0503020204020204" pitchFamily="34" charset="-122"/>
+                    <a:cs typeface="Helvetica Light"/>
+                  </a:rPr>
+                  <a:t>failover</a:t>
+                </a:r>
+              </a:p>
+            </p:txBody>
+          </p:sp>
+          <p:sp>
+            <p:nvSpPr>
+              <p:cNvPr id="135" name="failfast"/>
+              <p:cNvSpPr/>
+              <p:nvPr/>
+            </p:nvSpPr>
+            <p:spPr>
+              <a:xfrm>
+                <a:off x="2360821" y="3951325"/>
+                <a:ext cx="1106736" cy="238410"/>
+              </a:xfrm>
+              <a:prstGeom prst="roundRect">
+                <a:avLst/>
+              </a:prstGeom>
+              <a:solidFill>
+                <a:schemeClr val="accent4"/>
+              </a:solidFill>
+              <a:ln w="12700" cap="flat">
+                <a:noFill/>
+                <a:miter lim="400000"/>
+              </a:ln>
+              <a:effectLst>
+                <a:outerShdw blurRad="38100" dist="25400" dir="5400000" rotWithShape="0">
+                  <a:srgbClr val="000000">
+                    <a:alpha val="50000"/>
+                  </a:srgbClr>
+                </a:outerShdw>
+              </a:effectLst>
+              <a:extLst>
+                <a:ext uri="{C572A759-6A51-4108-AA02-DFA0A04FC94B}">
+                  <ma14:wrappingTextBoxFlag xmlns="" xmlns:m="http://schemas.openxmlformats.org/officeDocument/2006/math" xmlns:a14="http://schemas.microsoft.com/office/drawing/2010/main" xmlns:ma14="http://schemas.microsoft.com/office/mac/drawingml/2011/main" val="1"/>
+                </a:ext>
+              </a:extLst>
+            </p:spPr>
+            <p:txBody>
+              <a:bodyPr wrap="square" lIns="50800" tIns="50800" rIns="50800" bIns="50800" numCol="1" anchor="ctr">
+                <a:noAutofit/>
+              </a:bodyPr>
+              <a:lstStyle/>
+              <a:p>
+                <a:r>
+                  <a:rPr sz="1500" b="0" dirty="0">
+                    <a:solidFill>
+                      <a:sysClr val="windowText" lastClr="000000"/>
+                    </a:solidFill>
+                    <a:latin typeface="微软雅黑" panose="020B0503020204020204" pitchFamily="34" charset="-122"/>
+                    <a:ea typeface="微软雅黑" panose="020B0503020204020204" pitchFamily="34" charset="-122"/>
+                    <a:cs typeface="Helvetica Light"/>
+                  </a:rPr>
+                  <a:t>failfast</a:t>
+                </a:r>
+              </a:p>
+            </p:txBody>
+          </p:sp>
+          <p:sp>
+            <p:nvSpPr>
+              <p:cNvPr id="136" name="failsafe"/>
+              <p:cNvSpPr/>
+              <p:nvPr/>
+            </p:nvSpPr>
+            <p:spPr>
+              <a:xfrm>
+                <a:off x="2360821" y="4442995"/>
+                <a:ext cx="1106736" cy="236192"/>
+              </a:xfrm>
+              <a:prstGeom prst="roundRect">
+                <a:avLst/>
+              </a:prstGeom>
+              <a:solidFill>
+                <a:schemeClr val="accent4"/>
+              </a:solidFill>
+              <a:ln w="12700" cap="flat">
+                <a:noFill/>
+                <a:miter lim="400000"/>
+              </a:ln>
+              <a:effectLst>
+                <a:outerShdw blurRad="38100" dist="25400" dir="5400000" rotWithShape="0">
+                  <a:srgbClr val="000000">
+                    <a:alpha val="50000"/>
+                  </a:srgbClr>
+                </a:outerShdw>
+              </a:effectLst>
+              <a:extLst>
+                <a:ext uri="{C572A759-6A51-4108-AA02-DFA0A04FC94B}">
+                  <ma14:wrappingTextBoxFlag xmlns="" xmlns:m="http://schemas.openxmlformats.org/officeDocument/2006/math" xmlns:a14="http://schemas.microsoft.com/office/drawing/2010/main" xmlns:ma14="http://schemas.microsoft.com/office/mac/drawingml/2011/main" val="1"/>
+                </a:ext>
+              </a:extLst>
+            </p:spPr>
+            <p:txBody>
+              <a:bodyPr wrap="square" lIns="50800" tIns="50800" rIns="50800" bIns="50800" numCol="1" anchor="ctr">
+                <a:noAutofit/>
+              </a:bodyPr>
+              <a:lstStyle/>
+              <a:p>
+                <a:r>
+                  <a:rPr sz="1500" b="0" dirty="0">
+                    <a:solidFill>
+                      <a:sysClr val="windowText" lastClr="000000"/>
+                    </a:solidFill>
+                    <a:latin typeface="微软雅黑" panose="020B0503020204020204" pitchFamily="34" charset="-122"/>
+                    <a:ea typeface="微软雅黑" panose="020B0503020204020204" pitchFamily="34" charset="-122"/>
+                    <a:cs typeface="Helvetica Light"/>
+                  </a:rPr>
+                  <a:t>failsafe</a:t>
+                </a:r>
+              </a:p>
+            </p:txBody>
+          </p:sp>
+          <p:sp>
+            <p:nvSpPr>
+              <p:cNvPr id="137" name="…"/>
+              <p:cNvSpPr/>
+              <p:nvPr/>
+            </p:nvSpPr>
+            <p:spPr>
+              <a:xfrm>
+                <a:off x="2360821" y="4934666"/>
+                <a:ext cx="1106736" cy="238460"/>
+              </a:xfrm>
+              <a:prstGeom prst="roundRect">
+                <a:avLst/>
+              </a:prstGeom>
+              <a:solidFill>
+                <a:schemeClr val="accent4"/>
+              </a:solidFill>
+              <a:ln w="12700" cap="flat">
+                <a:noFill/>
+                <a:miter lim="400000"/>
+              </a:ln>
+              <a:effectLst>
+                <a:outerShdw blurRad="38100" dist="25400" dir="5400000" rotWithShape="0">
+                  <a:srgbClr val="000000">
+                    <a:alpha val="50000"/>
+                  </a:srgbClr>
+                </a:outerShdw>
+              </a:effectLst>
+              <a:extLst>
+                <a:ext uri="{C572A759-6A51-4108-AA02-DFA0A04FC94B}">
+                  <ma14:wrappingTextBoxFlag xmlns="" xmlns:m="http://schemas.openxmlformats.org/officeDocument/2006/math" xmlns:a14="http://schemas.microsoft.com/office/drawing/2010/main" xmlns:ma14="http://schemas.microsoft.com/office/mac/drawingml/2011/main" val="1"/>
+                </a:ext>
+              </a:extLst>
+            </p:spPr>
+            <p:txBody>
+              <a:bodyPr wrap="square" lIns="50800" tIns="50800" rIns="50800" bIns="50800" numCol="1" anchor="ctr">
+                <a:noAutofit/>
+              </a:bodyPr>
+              <a:lstStyle/>
+              <a:p>
+                <a:r>
+                  <a:rPr sz="1500" b="0" dirty="0">
+                    <a:solidFill>
+                      <a:sysClr val="windowText" lastClr="000000"/>
+                    </a:solidFill>
+                    <a:latin typeface="微软雅黑" panose="020B0503020204020204" pitchFamily="34" charset="-122"/>
+                    <a:ea typeface="微软雅黑" panose="020B0503020204020204" pitchFamily="34" charset="-122"/>
+                    <a:cs typeface="Helvetica Light"/>
+                  </a:rPr>
+                  <a:t>…</a:t>
+                </a:r>
+              </a:p>
+            </p:txBody>
+          </p:sp>
+        </p:grpSp>
+        <p:sp>
+          <p:nvSpPr>
+            <p:cNvPr id="139" name="Registry"/>
+            <p:cNvSpPr/>
+            <p:nvPr/>
+          </p:nvSpPr>
+          <p:spPr>
+            <a:xfrm>
+              <a:off x="2863628" y="2206440"/>
+              <a:ext cx="3182746" cy="417378"/>
+            </a:xfrm>
+            <a:prstGeom prst="roundRect">
+              <a:avLst/>
+            </a:prstGeom>
+            <a:solidFill>
+              <a:srgbClr val="F39019"/>
+            </a:solidFill>
+            <a:ln w="12700" cap="flat">
+              <a:noFill/>
+              <a:miter lim="400000"/>
+            </a:ln>
+            <a:effectLst>
+              <a:outerShdw blurRad="38100" dist="25400" dir="5400000" rotWithShape="0">
+                <a:srgbClr val="000000">
+                  <a:alpha val="50000"/>
+                </a:srgbClr>
+              </a:outerShdw>
+            </a:effectLst>
+            <a:extLst>
+              <a:ext uri="{C572A759-6A51-4108-AA02-DFA0A04FC94B}">
+                <ma14:wrappingTextBoxFlag xmlns="" xmlns:m="http://schemas.openxmlformats.org/officeDocument/2006/math" xmlns:a14="http://schemas.microsoft.com/office/drawing/2010/main" xmlns:ma14="http://schemas.microsoft.com/office/mac/drawingml/2011/main" val="1"/>
+              </a:ext>
+            </a:extLst>
+          </p:spPr>
+          <p:txBody>
+            <a:bodyPr wrap="square" lIns="50800" tIns="50800" rIns="50800" bIns="50800" numCol="1" anchor="ctr">
+              <a:noAutofit/>
+            </a:bodyPr>
+            <a:lstStyle>
+              <a:lvl1pPr>
+                <a:defRPr sz="1900" b="0">
+                  <a:solidFill>
+                    <a:srgbClr val="FFFFFF"/>
+                  </a:solidFill>
+                  <a:latin typeface="Helvetica Light"/>
+                  <a:ea typeface="Helvetica Light"/>
+                  <a:cs typeface="Helvetica Light"/>
+                  <a:sym typeface="Helvetica Light"/>
+                </a:defRPr>
+              </a:lvl1pPr>
+            </a:lstStyle>
+            <a:p>
+              <a:r>
+                <a:rPr>
+                  <a:latin typeface="微软雅黑" panose="020B0503020204020204" pitchFamily="34" charset="-122"/>
+                  <a:ea typeface="微软雅黑" panose="020B0503020204020204" pitchFamily="34" charset="-122"/>
+                </a:rPr>
+                <a:t>Registry</a:t>
+              </a:r>
+            </a:p>
+          </p:txBody>
+        </p:sp>
+        <p:grpSp>
+          <p:nvGrpSpPr>
+            <p:cNvPr id="9" name="组合 8">
+              <a:extLst>
+                <a:ext uri="{FF2B5EF4-FFF2-40B4-BE49-F238E27FC236}">
+                  <a16:creationId xmlns:a16="http://schemas.microsoft.com/office/drawing/2014/main" id="{69ADBC21-D931-F743-8E32-235433EB456E}"/>
+                </a:ext>
+              </a:extLst>
+            </p:cNvPr>
+            <p:cNvGrpSpPr/>
+            <p:nvPr/>
+          </p:nvGrpSpPr>
+          <p:grpSpPr>
+            <a:xfrm>
+              <a:off x="771306" y="2858928"/>
+              <a:ext cx="1211554" cy="2880000"/>
+              <a:chOff x="848796" y="2858928"/>
+              <a:chExt cx="1211554" cy="2880000"/>
+            </a:xfrm>
+          </p:grpSpPr>
+          <p:sp>
+            <p:nvSpPr>
+              <p:cNvPr id="206" name="proxy"/>
+              <p:cNvSpPr/>
+              <p:nvPr/>
+            </p:nvSpPr>
+            <p:spPr>
+              <a:xfrm>
+                <a:off x="848796" y="2858928"/>
+                <a:ext cx="1211554" cy="2880000"/>
+              </a:xfrm>
+              <a:prstGeom prst="roundRect">
+                <a:avLst>
+                  <a:gd name="adj" fmla="val 6831"/>
+                </a:avLst>
+              </a:prstGeom>
+              <a:solidFill>
+                <a:schemeClr val="bg1">
+                  <a:lumMod val="75000"/>
+                </a:schemeClr>
+              </a:solidFill>
+              <a:ln w="12700" cap="flat">
+                <a:noFill/>
+                <a:prstDash val="solid"/>
+                <a:miter lim="400000"/>
+              </a:ln>
+              <a:effectLst>
+                <a:outerShdw blurRad="50800" dist="38100" dir="5400000" algn="t" rotWithShape="0">
+                  <a:prstClr val="black">
+                    <a:alpha val="40000"/>
+                  </a:prstClr>
+                </a:outerShdw>
+              </a:effectLst>
+              <a:extLst>
+                <a:ext uri="{C572A759-6A51-4108-AA02-DFA0A04FC94B}">
+                  <ma14:wrappingTextBoxFlag xmlns="" xmlns:m="http://schemas.openxmlformats.org/officeDocument/2006/math" xmlns:a14="http://schemas.microsoft.com/office/drawing/2010/main" xmlns:ma14="http://schemas.microsoft.com/office/mac/drawingml/2011/main" val="1"/>
+                </a:ext>
+              </a:extLst>
+            </p:spPr>
+            <p:txBody>
+              <a:bodyPr wrap="square" lIns="50800" tIns="50800" rIns="50800" bIns="50800" numCol="1" anchor="t">
+                <a:noAutofit/>
+              </a:bodyPr>
+              <a:lstStyle>
+                <a:lvl1pPr>
+                  <a:defRPr sz="1700" b="0">
+                    <a:latin typeface="Helvetica Light"/>
+                    <a:ea typeface="Helvetica Light"/>
+                    <a:cs typeface="Helvetica Light"/>
+                    <a:sym typeface="Helvetica Light"/>
+                  </a:defRPr>
+                </a:lvl1pPr>
+              </a:lstStyle>
+              <a:p>
+                <a:r>
+                  <a:rPr dirty="0">
+                    <a:latin typeface="微软雅黑" panose="020B0503020204020204" pitchFamily="34" charset="-122"/>
+                    <a:ea typeface="微软雅黑" panose="020B0503020204020204" pitchFamily="34" charset="-122"/>
+                  </a:rPr>
+                  <a:t>proxy</a:t>
+                </a:r>
+              </a:p>
+            </p:txBody>
+          </p:sp>
+          <p:sp>
+            <p:nvSpPr>
+              <p:cNvPr id="207" name="interface1"/>
+              <p:cNvSpPr/>
+              <p:nvPr/>
+            </p:nvSpPr>
+            <p:spPr>
+              <a:xfrm>
+                <a:off x="905177" y="3459657"/>
+                <a:ext cx="1123384" cy="238458"/>
+              </a:xfrm>
+              <a:prstGeom prst="roundRect">
+                <a:avLst/>
+              </a:prstGeom>
+              <a:solidFill>
+                <a:schemeClr val="accent4"/>
+              </a:solidFill>
+              <a:ln w="12700" cap="flat">
+                <a:noFill/>
+                <a:miter lim="400000"/>
+              </a:ln>
+              <a:effectLst>
+                <a:outerShdw blurRad="38100" dist="25400" dir="5400000" rotWithShape="0">
+                  <a:srgbClr val="000000">
+                    <a:alpha val="50000"/>
+                  </a:srgbClr>
+                </a:outerShdw>
+              </a:effectLst>
+              <a:extLst>
+                <a:ext uri="{C572A759-6A51-4108-AA02-DFA0A04FC94B}">
+                  <ma14:wrappingTextBoxFlag xmlns="" xmlns:m="http://schemas.openxmlformats.org/officeDocument/2006/math" xmlns:a14="http://schemas.microsoft.com/office/drawing/2010/main" xmlns:ma14="http://schemas.microsoft.com/office/mac/drawingml/2011/main" val="1"/>
+                </a:ext>
+              </a:extLst>
+            </p:spPr>
+            <p:txBody>
+              <a:bodyPr wrap="square" lIns="50800" tIns="50800" rIns="50800" bIns="50800" numCol="1" anchor="ctr">
+                <a:noAutofit/>
+              </a:bodyPr>
+              <a:lstStyle>
+                <a:lvl1pPr>
+                  <a:defRPr sz="1500" b="0">
+                    <a:solidFill>
+                      <a:srgbClr val="FFFFFF"/>
+                    </a:solidFill>
+                    <a:latin typeface="Helvetica Light"/>
+                    <a:ea typeface="Helvetica Light"/>
+                    <a:cs typeface="Helvetica Light"/>
+                    <a:sym typeface="Helvetica Light"/>
+                  </a:defRPr>
+                </a:lvl1pPr>
+              </a:lstStyle>
+              <a:p>
+                <a:r>
+                  <a:rPr dirty="0">
+                    <a:solidFill>
+                      <a:sysClr val="windowText" lastClr="000000"/>
+                    </a:solidFill>
+                    <a:latin typeface="微软雅黑" panose="020B0503020204020204" pitchFamily="34" charset="-122"/>
+                    <a:ea typeface="微软雅黑" panose="020B0503020204020204" pitchFamily="34" charset="-122"/>
+                  </a:rPr>
+                  <a:t>interface1</a:t>
+                </a:r>
+              </a:p>
+            </p:txBody>
+          </p:sp>
+          <p:sp>
+            <p:nvSpPr>
+              <p:cNvPr id="208" name="interface2"/>
+              <p:cNvSpPr/>
+              <p:nvPr/>
+            </p:nvSpPr>
+            <p:spPr>
+              <a:xfrm>
+                <a:off x="906065" y="3951325"/>
+                <a:ext cx="1123384" cy="238460"/>
+              </a:xfrm>
+              <a:prstGeom prst="roundRect">
+                <a:avLst/>
+              </a:prstGeom>
+              <a:solidFill>
+                <a:schemeClr val="accent4"/>
+              </a:solidFill>
+              <a:ln w="12700" cap="flat">
+                <a:noFill/>
+                <a:miter lim="400000"/>
+              </a:ln>
+              <a:effectLst>
+                <a:outerShdw blurRad="38100" dist="25400" dir="5400000" rotWithShape="0">
+                  <a:srgbClr val="000000">
+                    <a:alpha val="50000"/>
+                  </a:srgbClr>
+                </a:outerShdw>
+              </a:effectLst>
+              <a:extLst>
+                <a:ext uri="{C572A759-6A51-4108-AA02-DFA0A04FC94B}">
+                  <ma14:wrappingTextBoxFlag xmlns="" xmlns:m="http://schemas.openxmlformats.org/officeDocument/2006/math" xmlns:a14="http://schemas.microsoft.com/office/drawing/2010/main" xmlns:ma14="http://schemas.microsoft.com/office/mac/drawingml/2011/main" val="1"/>
+                </a:ext>
+              </a:extLst>
+            </p:spPr>
+            <p:txBody>
+              <a:bodyPr wrap="square" lIns="50800" tIns="50800" rIns="50800" bIns="50800" numCol="1" anchor="ctr">
+                <a:noAutofit/>
+              </a:bodyPr>
+              <a:lstStyle>
+                <a:lvl1pPr>
+                  <a:defRPr sz="1500" b="0">
+                    <a:solidFill>
+                      <a:srgbClr val="FFFFFF"/>
+                    </a:solidFill>
+                    <a:latin typeface="Helvetica Light"/>
+                    <a:ea typeface="Helvetica Light"/>
+                    <a:cs typeface="Helvetica Light"/>
+                    <a:sym typeface="Helvetica Light"/>
+                  </a:defRPr>
+                </a:lvl1pPr>
+              </a:lstStyle>
+              <a:p>
+                <a:r>
+                  <a:rPr dirty="0">
+                    <a:solidFill>
+                      <a:sysClr val="windowText" lastClr="000000"/>
+                    </a:solidFill>
+                    <a:latin typeface="微软雅黑" panose="020B0503020204020204" pitchFamily="34" charset="-122"/>
+                    <a:ea typeface="微软雅黑" panose="020B0503020204020204" pitchFamily="34" charset="-122"/>
+                  </a:rPr>
+                  <a:t>interface2</a:t>
+                </a:r>
+              </a:p>
+            </p:txBody>
+          </p:sp>
+          <p:sp>
+            <p:nvSpPr>
+              <p:cNvPr id="209" name="interface3"/>
+              <p:cNvSpPr/>
+              <p:nvPr/>
+            </p:nvSpPr>
+            <p:spPr>
+              <a:xfrm>
+                <a:off x="906953" y="4442995"/>
+                <a:ext cx="1123384" cy="238460"/>
+              </a:xfrm>
+              <a:prstGeom prst="roundRect">
+                <a:avLst/>
+              </a:prstGeom>
+              <a:solidFill>
+                <a:schemeClr val="accent4"/>
+              </a:solidFill>
+              <a:ln w="12700" cap="flat">
+                <a:noFill/>
+                <a:miter lim="400000"/>
+              </a:ln>
+              <a:effectLst>
+                <a:outerShdw blurRad="38100" dist="25400" dir="5400000" rotWithShape="0">
+                  <a:srgbClr val="000000">
+                    <a:alpha val="50000"/>
+                  </a:srgbClr>
+                </a:outerShdw>
+              </a:effectLst>
+              <a:extLst>
+                <a:ext uri="{C572A759-6A51-4108-AA02-DFA0A04FC94B}">
+                  <ma14:wrappingTextBoxFlag xmlns="" xmlns:m="http://schemas.openxmlformats.org/officeDocument/2006/math" xmlns:a14="http://schemas.microsoft.com/office/drawing/2010/main" xmlns:ma14="http://schemas.microsoft.com/office/mac/drawingml/2011/main" val="1"/>
+                </a:ext>
+              </a:extLst>
+            </p:spPr>
+            <p:txBody>
+              <a:bodyPr wrap="square" lIns="50800" tIns="50800" rIns="50800" bIns="50800" numCol="1" anchor="ctr">
+                <a:noAutofit/>
+              </a:bodyPr>
+              <a:lstStyle>
+                <a:lvl1pPr>
+                  <a:defRPr sz="1500" b="0">
+                    <a:solidFill>
+                      <a:srgbClr val="FFFFFF"/>
+                    </a:solidFill>
+                    <a:latin typeface="Helvetica Light"/>
+                    <a:ea typeface="Helvetica Light"/>
+                    <a:cs typeface="Helvetica Light"/>
+                    <a:sym typeface="Helvetica Light"/>
+                  </a:defRPr>
+                </a:lvl1pPr>
+              </a:lstStyle>
+              <a:p>
+                <a:r>
+                  <a:rPr dirty="0">
+                    <a:solidFill>
+                      <a:sysClr val="windowText" lastClr="000000"/>
+                    </a:solidFill>
+                    <a:latin typeface="微软雅黑" panose="020B0503020204020204" pitchFamily="34" charset="-122"/>
+                    <a:ea typeface="微软雅黑" panose="020B0503020204020204" pitchFamily="34" charset="-122"/>
+                  </a:rPr>
+                  <a:t>interface3</a:t>
+                </a:r>
+              </a:p>
+            </p:txBody>
+          </p:sp>
+          <p:sp>
+            <p:nvSpPr>
+              <p:cNvPr id="210" name="…"/>
+              <p:cNvSpPr/>
+              <p:nvPr/>
+            </p:nvSpPr>
+            <p:spPr>
+              <a:xfrm>
+                <a:off x="907841" y="4934666"/>
+                <a:ext cx="1123384" cy="238460"/>
+              </a:xfrm>
+              <a:prstGeom prst="roundRect">
+                <a:avLst/>
+              </a:prstGeom>
+              <a:solidFill>
+                <a:schemeClr val="accent4"/>
+              </a:solidFill>
+              <a:ln w="12700" cap="flat">
+                <a:noFill/>
+                <a:miter lim="400000"/>
+              </a:ln>
+              <a:effectLst>
+                <a:outerShdw blurRad="38100" dist="25400" dir="5400000" rotWithShape="0">
+                  <a:srgbClr val="000000">
+                    <a:alpha val="50000"/>
+                  </a:srgbClr>
+                </a:outerShdw>
+              </a:effectLst>
+              <a:extLst>
+                <a:ext uri="{C572A759-6A51-4108-AA02-DFA0A04FC94B}">
+                  <ma14:wrappingTextBoxFlag xmlns="" xmlns:m="http://schemas.openxmlformats.org/officeDocument/2006/math" xmlns:a14="http://schemas.microsoft.com/office/drawing/2010/main" xmlns:ma14="http://schemas.microsoft.com/office/mac/drawingml/2011/main" val="1"/>
+                </a:ext>
+              </a:extLst>
+            </p:spPr>
+            <p:txBody>
+              <a:bodyPr wrap="square" lIns="50800" tIns="50800" rIns="50800" bIns="50800" numCol="1" anchor="ctr">
+                <a:noAutofit/>
+              </a:bodyPr>
+              <a:lstStyle>
+                <a:lvl1pPr>
+                  <a:defRPr sz="1500" b="0">
+                    <a:solidFill>
+                      <a:srgbClr val="FFFFFF"/>
+                    </a:solidFill>
+                    <a:latin typeface="Helvetica Light"/>
+                    <a:ea typeface="Helvetica Light"/>
+                    <a:cs typeface="Helvetica Light"/>
+                    <a:sym typeface="Helvetica Light"/>
+                  </a:defRPr>
+                </a:lvl1pPr>
+              </a:lstStyle>
+              <a:p>
+                <a:r>
+                  <a:rPr>
+                    <a:solidFill>
+                      <a:sysClr val="windowText" lastClr="000000"/>
+                    </a:solidFill>
+                    <a:latin typeface="微软雅黑" panose="020B0503020204020204" pitchFamily="34" charset="-122"/>
+                    <a:ea typeface="微软雅黑" panose="020B0503020204020204" pitchFamily="34" charset="-122"/>
+                  </a:rPr>
+                  <a:t>…</a:t>
+                </a:r>
+              </a:p>
+            </p:txBody>
+          </p:sp>
+        </p:grpSp>
+        <p:grpSp>
+          <p:nvGrpSpPr>
+            <p:cNvPr id="20" name="组合 19">
+              <a:extLst>
+                <a:ext uri="{FF2B5EF4-FFF2-40B4-BE49-F238E27FC236}">
+                  <a16:creationId xmlns:a16="http://schemas.microsoft.com/office/drawing/2014/main" id="{86D45808-1AD8-9944-A29B-56DE98DD5446}"/>
+                </a:ext>
+              </a:extLst>
+            </p:cNvPr>
+            <p:cNvGrpSpPr/>
+            <p:nvPr/>
+          </p:nvGrpSpPr>
+          <p:grpSpPr>
+            <a:xfrm>
+              <a:off x="5121247" y="2858928"/>
+              <a:ext cx="1114186" cy="2880000"/>
+              <a:chOff x="5291725" y="2858928"/>
+              <a:chExt cx="1114186" cy="2880000"/>
+            </a:xfrm>
+          </p:grpSpPr>
+          <p:sp>
+            <p:nvSpPr>
+              <p:cNvPr id="165" name="cluster &amp; load balance">
+                <a:extLst>
+                  <a:ext uri="{FF2B5EF4-FFF2-40B4-BE49-F238E27FC236}">
+                    <a16:creationId xmlns:a16="http://schemas.microsoft.com/office/drawing/2014/main" id="{EFEFCE6D-8BEC-6C45-84B0-FAC308D99542}"/>
+                  </a:ext>
+                </a:extLst>
+              </p:cNvPr>
+              <p:cNvSpPr/>
+              <p:nvPr/>
+            </p:nvSpPr>
+            <p:spPr>
+              <a:xfrm>
+                <a:off x="5291725" y="2858928"/>
+                <a:ext cx="1114186" cy="2880000"/>
+              </a:xfrm>
+              <a:prstGeom prst="roundRect">
+                <a:avLst>
+                  <a:gd name="adj" fmla="val 3763"/>
+                </a:avLst>
+              </a:prstGeom>
+              <a:solidFill>
+                <a:schemeClr val="bg1">
+                  <a:lumMod val="75000"/>
+                </a:schemeClr>
+              </a:solidFill>
+              <a:ln w="12700" cap="flat">
+                <a:noFill/>
+                <a:prstDash val="solid"/>
+                <a:miter lim="400000"/>
+              </a:ln>
+              <a:effectLst>
+                <a:outerShdw blurRad="50800" dist="38100" dir="5400000" algn="t" rotWithShape="0">
+                  <a:prstClr val="black">
+                    <a:alpha val="40000"/>
+                  </a:prstClr>
+                </a:outerShdw>
+              </a:effectLst>
+              <a:extLst>
+                <a:ext uri="{C572A759-6A51-4108-AA02-DFA0A04FC94B}">
+                  <ma14:wrappingTextBoxFlag xmlns="" xmlns:m="http://schemas.openxmlformats.org/officeDocument/2006/math" xmlns:a14="http://schemas.microsoft.com/office/drawing/2010/main" xmlns:ma14="http://schemas.microsoft.com/office/mac/drawingml/2011/main" val="1"/>
+                </a:ext>
+              </a:extLst>
+            </p:spPr>
+            <p:txBody>
+              <a:bodyPr wrap="square" lIns="50800" tIns="50800" rIns="50800" bIns="50800" numCol="1" anchor="t">
+                <a:noAutofit/>
+              </a:bodyPr>
+              <a:lstStyle/>
+              <a:p>
+                <a:r>
+                  <a:rPr lang="en-US" altLang="zh-CN" sz="1700" b="0" dirty="0">
+                    <a:latin typeface="微软雅黑" panose="020B0503020204020204" pitchFamily="34" charset="-122"/>
+                    <a:ea typeface="微软雅黑" panose="020B0503020204020204" pitchFamily="34" charset="-122"/>
+                    <a:cs typeface="Helvetica Light"/>
+                  </a:rPr>
+                  <a:t>LB</a:t>
+                </a:r>
+                <a:endParaRPr sz="1700" b="0" dirty="0">
+                  <a:latin typeface="微软雅黑" panose="020B0503020204020204" pitchFamily="34" charset="-122"/>
+                  <a:ea typeface="微软雅黑" panose="020B0503020204020204" pitchFamily="34" charset="-122"/>
+                  <a:cs typeface="Helvetica Light"/>
+                </a:endParaRPr>
+              </a:p>
+            </p:txBody>
+          </p:sp>
+          <p:sp>
+            <p:nvSpPr>
+              <p:cNvPr id="131" name="random"/>
+              <p:cNvSpPr/>
+              <p:nvPr/>
+            </p:nvSpPr>
+            <p:spPr>
+              <a:xfrm>
+                <a:off x="5327763" y="3416656"/>
+                <a:ext cx="1036375" cy="422299"/>
+              </a:xfrm>
+              <a:prstGeom prst="roundRect">
+                <a:avLst/>
+              </a:prstGeom>
+              <a:solidFill>
+                <a:schemeClr val="accent4"/>
+              </a:solidFill>
+              <a:ln w="12700" cap="flat">
+                <a:noFill/>
+                <a:miter lim="400000"/>
+              </a:ln>
+              <a:effectLst>
+                <a:outerShdw blurRad="38100" dist="25400" dir="5400000" rotWithShape="0">
+                  <a:srgbClr val="000000">
+                    <a:alpha val="50000"/>
+                  </a:srgbClr>
+                </a:outerShdw>
+              </a:effectLst>
+              <a:extLst>
+                <a:ext uri="{C572A759-6A51-4108-AA02-DFA0A04FC94B}">
+                  <ma14:wrappingTextBoxFlag xmlns="" xmlns:m="http://schemas.openxmlformats.org/officeDocument/2006/math" xmlns:a14="http://schemas.microsoft.com/office/drawing/2010/main" xmlns:ma14="http://schemas.microsoft.com/office/mac/drawingml/2011/main" val="1"/>
+                </a:ext>
+              </a:extLst>
+            </p:spPr>
+            <p:txBody>
+              <a:bodyPr wrap="square" lIns="50800" tIns="50800" rIns="50800" bIns="50800" numCol="1" anchor="ctr">
+                <a:noAutofit/>
+              </a:bodyPr>
+              <a:lstStyle/>
+              <a:p>
+                <a:r>
+                  <a:rPr sz="1500" b="0" dirty="0">
+                    <a:solidFill>
+                      <a:sysClr val="windowText" lastClr="000000"/>
+                    </a:solidFill>
+                    <a:latin typeface="微软雅黑" panose="020B0503020204020204" pitchFamily="34" charset="-122"/>
+                    <a:ea typeface="微软雅黑" panose="020B0503020204020204" pitchFamily="34" charset="-122"/>
+                    <a:cs typeface="Helvetica Light"/>
+                  </a:rPr>
+                  <a:t>random</a:t>
+                </a:r>
+              </a:p>
+            </p:txBody>
+          </p:sp>
+          <p:sp>
+            <p:nvSpPr>
+              <p:cNvPr id="132" name="round…"/>
+              <p:cNvSpPr/>
+              <p:nvPr/>
+            </p:nvSpPr>
+            <p:spPr>
+              <a:xfrm>
+                <a:off x="5331664" y="4089529"/>
+                <a:ext cx="1028572" cy="402399"/>
+              </a:xfrm>
+              <a:prstGeom prst="roundRect">
+                <a:avLst>
+                  <a:gd name="adj" fmla="val 10262"/>
+                </a:avLst>
+              </a:prstGeom>
+              <a:solidFill>
+                <a:schemeClr val="accent4"/>
+              </a:solidFill>
+              <a:ln w="12700" cap="flat">
+                <a:noFill/>
+                <a:miter lim="400000"/>
+              </a:ln>
+              <a:effectLst>
+                <a:outerShdw blurRad="38100" dist="25400" dir="5400000" rotWithShape="0">
+                  <a:srgbClr val="000000">
+                    <a:alpha val="50000"/>
+                  </a:srgbClr>
+                </a:outerShdw>
+              </a:effectLst>
+              <a:extLst>
+                <a:ext uri="{C572A759-6A51-4108-AA02-DFA0A04FC94B}">
+                  <ma14:wrappingTextBoxFlag xmlns="" xmlns:m="http://schemas.openxmlformats.org/officeDocument/2006/math" xmlns:a14="http://schemas.microsoft.com/office/drawing/2010/main" xmlns:ma14="http://schemas.microsoft.com/office/mac/drawingml/2011/main" val="1"/>
+                </a:ext>
+              </a:extLst>
+            </p:spPr>
+            <p:txBody>
+              <a:bodyPr wrap="square" lIns="50800" tIns="50800" rIns="50800" bIns="50800" numCol="1" anchor="ctr">
+                <a:noAutofit/>
+              </a:bodyPr>
+              <a:lstStyle/>
+              <a:p>
+                <a:r>
+                  <a:rPr lang="en-US" altLang="zh-CN" sz="1500" b="0" dirty="0">
+                    <a:solidFill>
+                      <a:sysClr val="windowText" lastClr="000000"/>
+                    </a:solidFill>
+                    <a:latin typeface="微软雅黑" panose="020B0503020204020204" pitchFamily="34" charset="-122"/>
+                    <a:ea typeface="微软雅黑" panose="020B0503020204020204" pitchFamily="34" charset="-122"/>
+                    <a:cs typeface="Helvetica Light"/>
+                  </a:rPr>
+                  <a:t>RR</a:t>
+                </a:r>
+                <a:endParaRPr sz="1500" b="0" dirty="0">
+                  <a:solidFill>
+                    <a:sysClr val="windowText" lastClr="000000"/>
+                  </a:solidFill>
+                  <a:latin typeface="微软雅黑" panose="020B0503020204020204" pitchFamily="34" charset="-122"/>
+                  <a:ea typeface="微软雅黑" panose="020B0503020204020204" pitchFamily="34" charset="-122"/>
+                  <a:cs typeface="Helvetica Light"/>
+                </a:endParaRPr>
+              </a:p>
+            </p:txBody>
+          </p:sp>
+          <p:sp>
+            <p:nvSpPr>
+              <p:cNvPr id="133" name="least…"/>
+              <p:cNvSpPr/>
+              <p:nvPr/>
+            </p:nvSpPr>
+            <p:spPr>
+              <a:xfrm>
+                <a:off x="5321497" y="4742502"/>
+                <a:ext cx="1048906" cy="408016"/>
+              </a:xfrm>
+              <a:prstGeom prst="roundRect">
+                <a:avLst>
+                  <a:gd name="adj" fmla="val 11068"/>
+                </a:avLst>
+              </a:prstGeom>
+              <a:solidFill>
+                <a:schemeClr val="accent4"/>
+              </a:solidFill>
+              <a:ln w="12700" cap="flat">
+                <a:noFill/>
+                <a:miter lim="400000"/>
+              </a:ln>
+              <a:effectLst>
+                <a:outerShdw blurRad="38100" dist="25400" dir="5400000" rotWithShape="0">
+                  <a:srgbClr val="000000">
+                    <a:alpha val="50000"/>
+                  </a:srgbClr>
+                </a:outerShdw>
+              </a:effectLst>
+              <a:extLst>
+                <a:ext uri="{C572A759-6A51-4108-AA02-DFA0A04FC94B}">
+                  <ma14:wrappingTextBoxFlag xmlns="" xmlns:m="http://schemas.openxmlformats.org/officeDocument/2006/math" xmlns:a14="http://schemas.microsoft.com/office/drawing/2010/main" xmlns:ma14="http://schemas.microsoft.com/office/mac/drawingml/2011/main" val="1"/>
+                </a:ext>
+              </a:extLst>
+            </p:spPr>
+            <p:txBody>
+              <a:bodyPr wrap="square" lIns="50800" tIns="50800" rIns="50800" bIns="50800" numCol="1" anchor="ctr">
+                <a:noAutofit/>
+              </a:bodyPr>
+              <a:lstStyle/>
+              <a:p>
+                <a:r>
+                  <a:rPr lang="en-US" sz="1500" b="0" dirty="0">
+                    <a:solidFill>
+                      <a:sysClr val="windowText" lastClr="000000"/>
+                    </a:solidFill>
+                    <a:latin typeface="微软雅黑" panose="020B0503020204020204" pitchFamily="34" charset="-122"/>
+                    <a:ea typeface="微软雅黑" panose="020B0503020204020204" pitchFamily="34" charset="-122"/>
+                    <a:cs typeface="Helvetica Light"/>
+                  </a:rPr>
+                  <a:t>Lst atv</a:t>
+                </a:r>
+                <a:endParaRPr sz="1500" b="0" dirty="0">
+                  <a:solidFill>
+                    <a:sysClr val="windowText" lastClr="000000"/>
+                  </a:solidFill>
+                  <a:latin typeface="微软雅黑" panose="020B0503020204020204" pitchFamily="34" charset="-122"/>
+                  <a:ea typeface="微软雅黑" panose="020B0503020204020204" pitchFamily="34" charset="-122"/>
+                  <a:cs typeface="Helvetica Light"/>
+                </a:endParaRPr>
+              </a:p>
+            </p:txBody>
+          </p:sp>
+        </p:grpSp>
+        <p:grpSp>
+          <p:nvGrpSpPr>
+            <p:cNvPr id="15" name="组合 14">
+              <a:extLst>
+                <a:ext uri="{FF2B5EF4-FFF2-40B4-BE49-F238E27FC236}">
+                  <a16:creationId xmlns:a16="http://schemas.microsoft.com/office/drawing/2014/main" id="{16B674FB-B27C-2B47-8EC3-4A6A05CF5786}"/>
+                </a:ext>
+              </a:extLst>
+            </p:cNvPr>
+            <p:cNvGrpSpPr/>
+            <p:nvPr/>
+          </p:nvGrpSpPr>
+          <p:grpSpPr>
+            <a:xfrm>
+              <a:off x="3712381" y="2858928"/>
+              <a:ext cx="1105481" cy="2880000"/>
+              <a:chOff x="3791635" y="2858928"/>
+              <a:chExt cx="1105481" cy="2880000"/>
+            </a:xfrm>
+          </p:grpSpPr>
+          <p:sp>
+            <p:nvSpPr>
+              <p:cNvPr id="167" name="cluster &amp; load balance">
+                <a:extLst>
+                  <a:ext uri="{FF2B5EF4-FFF2-40B4-BE49-F238E27FC236}">
+                    <a16:creationId xmlns:a16="http://schemas.microsoft.com/office/drawing/2014/main" id="{02566AE0-DBB1-CB4A-AF41-3033717F74BF}"/>
+                  </a:ext>
+                </a:extLst>
+              </p:cNvPr>
+              <p:cNvSpPr/>
+              <p:nvPr/>
+            </p:nvSpPr>
+            <p:spPr>
+              <a:xfrm>
+                <a:off x="3798901" y="2858928"/>
+                <a:ext cx="1098215" cy="2880000"/>
+              </a:xfrm>
+              <a:prstGeom prst="roundRect">
+                <a:avLst>
+                  <a:gd name="adj" fmla="val 3763"/>
+                </a:avLst>
+              </a:prstGeom>
+              <a:solidFill>
+                <a:schemeClr val="bg1">
+                  <a:lumMod val="75000"/>
+                </a:schemeClr>
+              </a:solidFill>
+              <a:ln w="12700" cap="flat">
+                <a:noFill/>
+                <a:prstDash val="solid"/>
+                <a:miter lim="400000"/>
+              </a:ln>
+              <a:effectLst>
+                <a:outerShdw blurRad="50800" dist="38100" dir="5400000" algn="t" rotWithShape="0">
+                  <a:prstClr val="black">
+                    <a:alpha val="40000"/>
+                  </a:prstClr>
+                </a:outerShdw>
+              </a:effectLst>
+              <a:extLst>
+                <a:ext uri="{C572A759-6A51-4108-AA02-DFA0A04FC94B}">
+                  <ma14:wrappingTextBoxFlag xmlns="" xmlns:m="http://schemas.openxmlformats.org/officeDocument/2006/math" xmlns:a14="http://schemas.microsoft.com/office/drawing/2010/main" xmlns:ma14="http://schemas.microsoft.com/office/mac/drawingml/2011/main" val="1"/>
+                </a:ext>
+              </a:extLst>
+            </p:spPr>
+            <p:txBody>
+              <a:bodyPr wrap="square" lIns="50800" tIns="50800" rIns="50800" bIns="50800" numCol="1" anchor="t">
+                <a:noAutofit/>
+              </a:bodyPr>
+              <a:lstStyle/>
+              <a:p>
+                <a:r>
+                  <a:rPr lang="en-US" altLang="zh-CN" sz="1700" b="0" dirty="0">
+                    <a:latin typeface="微软雅黑" panose="020B0503020204020204" pitchFamily="34" charset="-122"/>
+                    <a:ea typeface="微软雅黑" panose="020B0503020204020204" pitchFamily="34" charset="-122"/>
+                    <a:cs typeface="Helvetica Light"/>
+                  </a:rPr>
+                  <a:t>Router</a:t>
+                </a:r>
+                <a:endParaRPr sz="1700" b="0" dirty="0">
+                  <a:latin typeface="微软雅黑" panose="020B0503020204020204" pitchFamily="34" charset="-122"/>
+                  <a:ea typeface="微软雅黑" panose="020B0503020204020204" pitchFamily="34" charset="-122"/>
+                  <a:cs typeface="Helvetica Light"/>
+                </a:endParaRPr>
+              </a:p>
+            </p:txBody>
+          </p:sp>
+          <p:sp>
+            <p:nvSpPr>
+              <p:cNvPr id="169" name="failfast">
+                <a:extLst>
+                  <a:ext uri="{FF2B5EF4-FFF2-40B4-BE49-F238E27FC236}">
+                    <a16:creationId xmlns:a16="http://schemas.microsoft.com/office/drawing/2014/main" id="{1862D8CC-B8A7-514C-84EF-EE4C76D950EE}"/>
+                  </a:ext>
+                </a:extLst>
+              </p:cNvPr>
+              <p:cNvSpPr/>
+              <p:nvPr/>
+            </p:nvSpPr>
+            <p:spPr>
+              <a:xfrm>
+                <a:off x="3791635" y="3627217"/>
+                <a:ext cx="1091255" cy="485530"/>
+              </a:xfrm>
+              <a:prstGeom prst="roundRect">
+                <a:avLst/>
+              </a:prstGeom>
+              <a:solidFill>
+                <a:schemeClr val="accent4"/>
+              </a:solidFill>
+              <a:ln w="12700" cap="flat">
+                <a:noFill/>
+                <a:miter lim="400000"/>
+              </a:ln>
+              <a:effectLst>
+                <a:outerShdw blurRad="38100" dist="25400" dir="5400000" rotWithShape="0">
+                  <a:srgbClr val="000000">
+                    <a:alpha val="50000"/>
+                  </a:srgbClr>
+                </a:outerShdw>
+              </a:effectLst>
+              <a:extLst>
+                <a:ext uri="{C572A759-6A51-4108-AA02-DFA0A04FC94B}">
+                  <ma14:wrappingTextBoxFlag xmlns="" xmlns:m="http://schemas.openxmlformats.org/officeDocument/2006/math" xmlns:a14="http://schemas.microsoft.com/office/drawing/2010/main" xmlns:ma14="http://schemas.microsoft.com/office/mac/drawingml/2011/main" val="1"/>
+                </a:ext>
+              </a:extLst>
+            </p:spPr>
+            <p:txBody>
+              <a:bodyPr wrap="square" lIns="50800" tIns="50800" rIns="50800" bIns="50800" numCol="1" anchor="ctr">
+                <a:noAutofit/>
+              </a:bodyPr>
+              <a:lstStyle/>
+              <a:p>
+                <a:r>
+                  <a:rPr lang="en-US" altLang="zh-CN" sz="1500" b="0" dirty="0">
+                    <a:solidFill>
+                      <a:sysClr val="windowText" lastClr="000000"/>
+                    </a:solidFill>
+                    <a:latin typeface="微软雅黑" panose="020B0503020204020204" pitchFamily="34" charset="-122"/>
+                    <a:ea typeface="微软雅黑" panose="020B0503020204020204" pitchFamily="34" charset="-122"/>
+                    <a:cs typeface="Helvetica Light"/>
+                  </a:rPr>
+                  <a:t>condition</a:t>
+                </a:r>
+                <a:endParaRPr sz="1500" b="0" dirty="0">
+                  <a:solidFill>
+                    <a:sysClr val="windowText" lastClr="000000"/>
+                  </a:solidFill>
+                  <a:latin typeface="微软雅黑" panose="020B0503020204020204" pitchFamily="34" charset="-122"/>
+                  <a:ea typeface="微软雅黑" panose="020B0503020204020204" pitchFamily="34" charset="-122"/>
+                  <a:cs typeface="Helvetica Light"/>
+                </a:endParaRPr>
+              </a:p>
+            </p:txBody>
+          </p:sp>
+          <p:sp>
+            <p:nvSpPr>
+              <p:cNvPr id="141" name="generic…">
+                <a:extLst>
+                  <a:ext uri="{FF2B5EF4-FFF2-40B4-BE49-F238E27FC236}">
+                    <a16:creationId xmlns:a16="http://schemas.microsoft.com/office/drawing/2014/main" id="{2CE078D3-4204-4A28-B88D-96AA59125FD3}"/>
+                  </a:ext>
+                </a:extLst>
+              </p:cNvPr>
+              <p:cNvSpPr/>
+              <p:nvPr/>
+            </p:nvSpPr>
+            <p:spPr>
+              <a:xfrm>
+                <a:off x="3791635" y="4355824"/>
+                <a:ext cx="1091255" cy="507307"/>
+              </a:xfrm>
+              <a:prstGeom prst="roundRect">
+                <a:avLst>
+                  <a:gd name="adj" fmla="val 11868"/>
+                </a:avLst>
+              </a:prstGeom>
+              <a:solidFill>
+                <a:schemeClr val="accent4"/>
+              </a:solidFill>
+              <a:ln w="12700" cap="flat">
+                <a:noFill/>
+                <a:miter lim="400000"/>
+              </a:ln>
+              <a:effectLst>
+                <a:outerShdw blurRad="38100" dist="25400" dir="5400000" rotWithShape="0">
+                  <a:srgbClr val="000000">
+                    <a:alpha val="50000"/>
+                  </a:srgbClr>
+                </a:outerShdw>
+              </a:effectLst>
+              <a:extLst>
+                <a:ext uri="{C572A759-6A51-4108-AA02-DFA0A04FC94B}">
+                  <ma14:wrappingTextBoxFlag xmlns="" xmlns:m="http://schemas.openxmlformats.org/officeDocument/2006/math" xmlns:a14="http://schemas.microsoft.com/office/drawing/2010/main" xmlns:ma14="http://schemas.microsoft.com/office/mac/drawingml/2011/main" val="1"/>
+                </a:ext>
+              </a:extLst>
+            </p:spPr>
+            <p:txBody>
+              <a:bodyPr wrap="square" lIns="50800" tIns="50800" rIns="50800" bIns="50800" numCol="1" anchor="ctr">
+                <a:noAutofit/>
+              </a:bodyPr>
+              <a:lstStyle/>
+              <a:p>
+                <a:r>
+                  <a:rPr lang="en-US" sz="1500" b="0" dirty="0">
+                    <a:solidFill>
+                      <a:sysClr val="windowText" lastClr="000000"/>
+                    </a:solidFill>
+                    <a:latin typeface="微软雅黑" panose="020B0503020204020204" pitchFamily="34" charset="-122"/>
+                    <a:ea typeface="微软雅黑" panose="020B0503020204020204" pitchFamily="34" charset="-122"/>
+                    <a:cs typeface="Helvetica Light"/>
+                  </a:rPr>
+                  <a:t>Hlty </a:t>
+                </a:r>
+                <a:r>
+                  <a:rPr lang="en-US" altLang="zh-CN" sz="1500" b="0" dirty="0">
+                    <a:solidFill>
+                      <a:sysClr val="windowText" lastClr="000000"/>
+                    </a:solidFill>
+                    <a:latin typeface="微软雅黑" panose="020B0503020204020204" pitchFamily="34" charset="-122"/>
+                    <a:ea typeface="微软雅黑" panose="020B0503020204020204" pitchFamily="34" charset="-122"/>
+                    <a:cs typeface="Helvetica Light"/>
+                  </a:rPr>
+                  <a:t>i</a:t>
+                </a:r>
+                <a:r>
+                  <a:rPr lang="en-US" sz="1500" b="0" dirty="0">
+                    <a:solidFill>
+                      <a:sysClr val="windowText" lastClr="000000"/>
+                    </a:solidFill>
+                    <a:latin typeface="微软雅黑" panose="020B0503020204020204" pitchFamily="34" charset="-122"/>
+                    <a:ea typeface="微软雅黑" panose="020B0503020204020204" pitchFamily="34" charset="-122"/>
+                    <a:cs typeface="Helvetica Light"/>
+                  </a:rPr>
+                  <a:t>nst</a:t>
+                </a:r>
+                <a:endParaRPr sz="1500" b="0" dirty="0">
+                  <a:solidFill>
+                    <a:sysClr val="windowText" lastClr="000000"/>
+                  </a:solidFill>
+                  <a:latin typeface="微软雅黑" panose="020B0503020204020204" pitchFamily="34" charset="-122"/>
+                  <a:ea typeface="微软雅黑" panose="020B0503020204020204" pitchFamily="34" charset="-122"/>
+                  <a:cs typeface="Helvetica Light"/>
+                </a:endParaRPr>
+              </a:p>
+            </p:txBody>
+          </p:sp>
+        </p:grpSp>
+      </p:grpSp>
+      <p:grpSp>
+        <p:nvGrpSpPr>
+          <p:cNvPr id="74" name="组合 73">
+            <a:extLst>
+              <a:ext uri="{FF2B5EF4-FFF2-40B4-BE49-F238E27FC236}">
+                <a16:creationId xmlns:a16="http://schemas.microsoft.com/office/drawing/2014/main" id="{806B0AD1-3001-AA45-810B-E485F9AF96A8}"/>
+              </a:ext>
+            </a:extLst>
+          </p:cNvPr>
+          <p:cNvGrpSpPr/>
+          <p:nvPr/>
+        </p:nvGrpSpPr>
+        <p:grpSpPr>
+          <a:xfrm>
+            <a:off x="537806" y="2377260"/>
+            <a:ext cx="12587712" cy="935501"/>
+            <a:chOff x="537805" y="489019"/>
+            <a:chExt cx="12880147" cy="935501"/>
+          </a:xfrm>
+        </p:grpSpPr>
+        <p:sp>
+          <p:nvSpPr>
+            <p:cNvPr id="170" name="Registries"/>
+            <p:cNvSpPr/>
+            <p:nvPr/>
+          </p:nvSpPr>
+          <p:spPr>
+            <a:xfrm>
+              <a:off x="537805" y="497366"/>
+              <a:ext cx="12880147" cy="927154"/>
+            </a:xfrm>
+            <a:prstGeom prst="roundRect">
+              <a:avLst>
+                <a:gd name="adj" fmla="val 7483"/>
+              </a:avLst>
+            </a:prstGeom>
+            <a:solidFill>
+              <a:srgbClr val="F2F2F2"/>
+            </a:solidFill>
+            <a:ln w="12700" cap="flat">
+              <a:noFill/>
+              <a:miter lim="400000"/>
+            </a:ln>
+            <a:effectLst>
+              <a:outerShdw blurRad="38100" dist="25400" dir="5400000" rotWithShape="0">
+                <a:srgbClr val="000000">
+                  <a:alpha val="50000"/>
+                </a:srgbClr>
+              </a:outerShdw>
+            </a:effectLst>
+            <a:extLst>
+              <a:ext uri="{C572A759-6A51-4108-AA02-DFA0A04FC94B}">
+                <ma14:wrappingTextBoxFlag xmlns="" xmlns:m="http://schemas.openxmlformats.org/officeDocument/2006/math" xmlns:a14="http://schemas.microsoft.com/office/drawing/2010/main" xmlns:ma14="http://schemas.microsoft.com/office/mac/drawingml/2011/main" val="1"/>
+              </a:ext>
+            </a:extLst>
+          </p:spPr>
+          <p:txBody>
+            <a:bodyPr wrap="square" lIns="50800" tIns="50800" rIns="50800" bIns="50800" numCol="1" anchor="t">
+              <a:noAutofit/>
+            </a:bodyPr>
+            <a:lstStyle/>
+            <a:p>
+              <a:pPr algn="r"/>
+              <a:endParaRPr dirty="0">
+                <a:solidFill>
+                  <a:schemeClr val="tx1"/>
+                </a:solidFill>
+                <a:latin typeface="微软雅黑" panose="020B0503020204020204" pitchFamily="34" charset="-122"/>
+                <a:ea typeface="微软雅黑" panose="020B0503020204020204" pitchFamily="34" charset="-122"/>
+                <a:cs typeface="Helvetica Light"/>
+              </a:endParaRPr>
+            </a:p>
+          </p:txBody>
+        </p:sp>
+        <p:grpSp>
+          <p:nvGrpSpPr>
+            <p:cNvPr id="3" name="组合 2">
+              <a:extLst>
+                <a:ext uri="{FF2B5EF4-FFF2-40B4-BE49-F238E27FC236}">
+                  <a16:creationId xmlns:a16="http://schemas.microsoft.com/office/drawing/2014/main" id="{DF633E9A-289C-7D48-B8BC-DC76F7A7A12E}"/>
+                </a:ext>
+              </a:extLst>
+            </p:cNvPr>
+            <p:cNvGrpSpPr/>
+            <p:nvPr/>
+          </p:nvGrpSpPr>
+          <p:grpSpPr>
+            <a:xfrm>
+              <a:off x="2329373" y="801679"/>
+              <a:ext cx="9914230" cy="417514"/>
+              <a:chOff x="2756800" y="894618"/>
+              <a:chExt cx="9914230" cy="417514"/>
+            </a:xfrm>
+          </p:grpSpPr>
+          <p:sp>
+            <p:nvSpPr>
+              <p:cNvPr id="181" name="consul"/>
+              <p:cNvSpPr/>
+              <p:nvPr/>
+            </p:nvSpPr>
+            <p:spPr>
+              <a:xfrm>
+                <a:off x="8984584" y="894618"/>
+                <a:ext cx="1610518" cy="417514"/>
+              </a:xfrm>
+              <a:prstGeom prst="roundRect">
+                <a:avLst/>
+              </a:prstGeom>
+              <a:solidFill>
+                <a:schemeClr val="accent2">
+                  <a:lumMod val="75000"/>
+                </a:schemeClr>
+              </a:solidFill>
+              <a:ln w="12700" cap="flat">
+                <a:noFill/>
+                <a:miter lim="400000"/>
+              </a:ln>
+              <a:effectLst>
+                <a:outerShdw blurRad="38100" dist="25400" dir="5400000" rotWithShape="0">
+                  <a:srgbClr val="000000">
+                    <a:alpha val="50000"/>
+                  </a:srgbClr>
+                </a:outerShdw>
+              </a:effectLst>
+              <a:extLst>
+                <a:ext uri="{C572A759-6A51-4108-AA02-DFA0A04FC94B}">
+                  <ma14:wrappingTextBoxFlag xmlns="" xmlns:m="http://schemas.openxmlformats.org/officeDocument/2006/math" xmlns:a14="http://schemas.microsoft.com/office/drawing/2010/main" xmlns:ma14="http://schemas.microsoft.com/office/mac/drawingml/2011/main" val="1"/>
+                </a:ext>
+              </a:extLst>
+            </p:spPr>
+            <p:txBody>
+              <a:bodyPr wrap="square" lIns="50800" tIns="50800" rIns="50800" bIns="50800" numCol="1" anchor="ctr">
+                <a:noAutofit/>
+              </a:bodyPr>
+              <a:lstStyle>
+                <a:lvl1pPr>
+                  <a:defRPr b="0">
+                    <a:solidFill>
+                      <a:srgbClr val="FFFFFF"/>
+                    </a:solidFill>
+                    <a:latin typeface="Helvetica Light"/>
+                    <a:ea typeface="Helvetica Light"/>
+                    <a:cs typeface="Helvetica Light"/>
+                    <a:sym typeface="Helvetica Light"/>
+                  </a:defRPr>
+                </a:lvl1pPr>
+              </a:lstStyle>
+              <a:p>
+                <a:r>
+                  <a:rPr dirty="0">
+                    <a:latin typeface="微软雅黑" panose="020B0503020204020204" pitchFamily="34" charset="-122"/>
+                    <a:ea typeface="微软雅黑" panose="020B0503020204020204" pitchFamily="34" charset="-122"/>
+                  </a:rPr>
+                  <a:t>consul</a:t>
+                </a:r>
+              </a:p>
+            </p:txBody>
+          </p:sp>
+          <p:sp>
+            <p:nvSpPr>
+              <p:cNvPr id="124" name="consul">
+                <a:extLst>
+                  <a:ext uri="{FF2B5EF4-FFF2-40B4-BE49-F238E27FC236}">
+                    <a16:creationId xmlns:a16="http://schemas.microsoft.com/office/drawing/2014/main" id="{635CB415-15EF-644B-8BD6-24CFD4578B48}"/>
+                  </a:ext>
+                </a:extLst>
+              </p:cNvPr>
+              <p:cNvSpPr/>
+              <p:nvPr/>
+            </p:nvSpPr>
+            <p:spPr>
+              <a:xfrm>
+                <a:off x="11060512" y="894618"/>
+                <a:ext cx="1610518" cy="417514"/>
+              </a:xfrm>
+              <a:prstGeom prst="roundRect">
+                <a:avLst/>
+              </a:prstGeom>
+              <a:solidFill>
+                <a:schemeClr val="accent2">
+                  <a:lumMod val="75000"/>
+                </a:schemeClr>
+              </a:solidFill>
+              <a:ln w="12700" cap="flat">
+                <a:noFill/>
+                <a:miter lim="400000"/>
+              </a:ln>
+              <a:effectLst>
+                <a:outerShdw blurRad="38100" dist="25400" dir="5400000" rotWithShape="0">
+                  <a:srgbClr val="000000">
+                    <a:alpha val="50000"/>
+                  </a:srgbClr>
+                </a:outerShdw>
+              </a:effectLst>
+              <a:extLst>
+                <a:ext uri="{C572A759-6A51-4108-AA02-DFA0A04FC94B}">
+                  <ma14:wrappingTextBoxFlag xmlns="" xmlns:m="http://schemas.openxmlformats.org/officeDocument/2006/math" xmlns:a14="http://schemas.microsoft.com/office/drawing/2010/main" xmlns:ma14="http://schemas.microsoft.com/office/mac/drawingml/2011/main" val="1"/>
+                </a:ext>
+              </a:extLst>
+            </p:spPr>
+            <p:txBody>
+              <a:bodyPr wrap="square" lIns="50800" tIns="50800" rIns="50800" bIns="50800" numCol="1" anchor="ctr">
+                <a:noAutofit/>
+              </a:bodyPr>
+              <a:lstStyle>
+                <a:lvl1pPr>
+                  <a:defRPr b="0">
+                    <a:solidFill>
+                      <a:srgbClr val="FFFFFF"/>
+                    </a:solidFill>
+                    <a:latin typeface="Helvetica Light"/>
+                    <a:ea typeface="Helvetica Light"/>
+                    <a:cs typeface="Helvetica Light"/>
+                    <a:sym typeface="Helvetica Light"/>
+                  </a:defRPr>
+                </a:lvl1pPr>
+              </a:lstStyle>
+              <a:p>
+                <a:r>
+                  <a:rPr lang="en-US" altLang="zh-CN" dirty="0">
+                    <a:latin typeface="微软雅黑" panose="020B0503020204020204" pitchFamily="34" charset="-122"/>
+                    <a:ea typeface="微软雅黑" panose="020B0503020204020204" pitchFamily="34" charset="-122"/>
+                  </a:rPr>
+                  <a:t>k8s</a:t>
+                </a:r>
+                <a:endParaRPr dirty="0">
+                  <a:latin typeface="微软雅黑" panose="020B0503020204020204" pitchFamily="34" charset="-122"/>
+                  <a:ea typeface="微软雅黑" panose="020B0503020204020204" pitchFamily="34" charset="-122"/>
+                </a:endParaRPr>
+              </a:p>
+            </p:txBody>
+          </p:sp>
+          <p:sp>
+            <p:nvSpPr>
+              <p:cNvPr id="204" name="nacos">
+                <a:extLst>
+                  <a:ext uri="{FF2B5EF4-FFF2-40B4-BE49-F238E27FC236}">
+                    <a16:creationId xmlns:a16="http://schemas.microsoft.com/office/drawing/2014/main" id="{5A6A04AE-CB6E-404C-A190-B1EE216F8F16}"/>
+                  </a:ext>
+                </a:extLst>
+              </p:cNvPr>
+              <p:cNvSpPr/>
+              <p:nvPr/>
+            </p:nvSpPr>
+            <p:spPr>
+              <a:xfrm>
+                <a:off x="6908656" y="894618"/>
+                <a:ext cx="1610516" cy="417514"/>
+              </a:xfrm>
+              <a:prstGeom prst="roundRect">
+                <a:avLst/>
+              </a:prstGeom>
+              <a:solidFill>
+                <a:schemeClr val="accent2">
+                  <a:lumMod val="75000"/>
+                </a:schemeClr>
+              </a:solidFill>
+              <a:ln w="12700" cap="flat">
+                <a:noFill/>
+                <a:miter lim="400000"/>
+              </a:ln>
+              <a:effectLst>
+                <a:outerShdw blurRad="38100" dist="25400" dir="5400000" rotWithShape="0">
+                  <a:srgbClr val="000000">
+                    <a:alpha val="50000"/>
+                  </a:srgbClr>
+                </a:outerShdw>
+              </a:effectLst>
+              <a:extLst>
+                <a:ext uri="{C572A759-6A51-4108-AA02-DFA0A04FC94B}">
+                  <ma14:wrappingTextBoxFlag xmlns="" xmlns:m="http://schemas.openxmlformats.org/officeDocument/2006/math" xmlns:a14="http://schemas.microsoft.com/office/drawing/2010/main" xmlns:ma14="http://schemas.microsoft.com/office/mac/drawingml/2011/main" val="1"/>
+                </a:ext>
+              </a:extLst>
+            </p:spPr>
+            <p:txBody>
+              <a:bodyPr wrap="square" lIns="50800" tIns="50800" rIns="50800" bIns="50800" numCol="1" anchor="ctr">
+                <a:noAutofit/>
+              </a:bodyPr>
+              <a:lstStyle>
+                <a:lvl1pPr>
+                  <a:defRPr b="0">
+                    <a:solidFill>
+                      <a:srgbClr val="FFFFFF"/>
+                    </a:solidFill>
+                    <a:latin typeface="Helvetica Light"/>
+                    <a:ea typeface="Helvetica Light"/>
+                    <a:cs typeface="Helvetica Light"/>
+                    <a:sym typeface="Helvetica Light"/>
+                  </a:defRPr>
+                </a:lvl1pPr>
+              </a:lstStyle>
+              <a:p>
+                <a:r>
+                  <a:rPr dirty="0" err="1">
+                    <a:latin typeface="微软雅黑" panose="020B0503020204020204" pitchFamily="34" charset="-122"/>
+                    <a:ea typeface="微软雅黑" panose="020B0503020204020204" pitchFamily="34" charset="-122"/>
+                  </a:rPr>
+                  <a:t>nac</a:t>
+                </a:r>
+                <a:r>
+                  <a:rPr lang="en" dirty="0">
+                    <a:latin typeface="微软雅黑" panose="020B0503020204020204" pitchFamily="34" charset="-122"/>
+                    <a:ea typeface="微软雅黑" panose="020B0503020204020204" pitchFamily="34" charset="-122"/>
+                  </a:rPr>
+                  <a:t>o</a:t>
+                </a:r>
+                <a:r>
+                  <a:rPr dirty="0">
+                    <a:latin typeface="微软雅黑" panose="020B0503020204020204" pitchFamily="34" charset="-122"/>
+                    <a:ea typeface="微软雅黑" panose="020B0503020204020204" pitchFamily="34" charset="-122"/>
+                  </a:rPr>
+                  <a:t>s</a:t>
+                </a:r>
+              </a:p>
+            </p:txBody>
+          </p:sp>
+          <p:sp>
+            <p:nvSpPr>
+              <p:cNvPr id="205" name="nacos">
+                <a:extLst>
+                  <a:ext uri="{FF2B5EF4-FFF2-40B4-BE49-F238E27FC236}">
+                    <a16:creationId xmlns:a16="http://schemas.microsoft.com/office/drawing/2014/main" id="{639B38EC-0710-1B44-A5E8-6E9437D03F41}"/>
+                  </a:ext>
+                </a:extLst>
+              </p:cNvPr>
+              <p:cNvSpPr/>
+              <p:nvPr/>
+            </p:nvSpPr>
+            <p:spPr>
+              <a:xfrm>
+                <a:off x="2756800" y="894618"/>
+                <a:ext cx="1610516" cy="417514"/>
+              </a:xfrm>
+              <a:prstGeom prst="roundRect">
+                <a:avLst/>
+              </a:prstGeom>
+              <a:solidFill>
+                <a:schemeClr val="accent2">
+                  <a:lumMod val="75000"/>
+                </a:schemeClr>
+              </a:solidFill>
+              <a:ln w="12700" cap="flat">
+                <a:noFill/>
+                <a:miter lim="400000"/>
+              </a:ln>
+              <a:effectLst>
+                <a:outerShdw blurRad="38100" dist="25400" dir="5400000" rotWithShape="0">
+                  <a:srgbClr val="000000">
+                    <a:alpha val="50000"/>
+                  </a:srgbClr>
+                </a:outerShdw>
+              </a:effectLst>
+              <a:extLst>
+                <a:ext uri="{C572A759-6A51-4108-AA02-DFA0A04FC94B}">
+                  <ma14:wrappingTextBoxFlag xmlns="" xmlns:m="http://schemas.openxmlformats.org/officeDocument/2006/math" xmlns:a14="http://schemas.microsoft.com/office/drawing/2010/main" xmlns:ma14="http://schemas.microsoft.com/office/mac/drawingml/2011/main" val="1"/>
+                </a:ext>
+              </a:extLst>
+            </p:spPr>
+            <p:txBody>
+              <a:bodyPr wrap="square" lIns="50800" tIns="50800" rIns="50800" bIns="50800" numCol="1" anchor="ctr">
+                <a:noAutofit/>
+              </a:bodyPr>
+              <a:lstStyle>
+                <a:lvl1pPr>
+                  <a:defRPr b="0">
+                    <a:solidFill>
+                      <a:srgbClr val="FFFFFF"/>
+                    </a:solidFill>
+                    <a:latin typeface="Helvetica Light"/>
+                    <a:ea typeface="Helvetica Light"/>
+                    <a:cs typeface="Helvetica Light"/>
+                    <a:sym typeface="Helvetica Light"/>
+                  </a:defRPr>
+                </a:lvl1pPr>
+              </a:lstStyle>
+              <a:p>
+                <a:r>
+                  <a:rPr lang="en-US" altLang="zh-CN" dirty="0" err="1">
+                    <a:latin typeface="微软雅黑" panose="020B0503020204020204" pitchFamily="34" charset="-122"/>
+                    <a:ea typeface="微软雅黑" panose="020B0503020204020204" pitchFamily="34" charset="-122"/>
+                  </a:rPr>
+                  <a:t>zk</a:t>
+                </a:r>
+                <a:endParaRPr dirty="0">
+                  <a:latin typeface="微软雅黑" panose="020B0503020204020204" pitchFamily="34" charset="-122"/>
+                  <a:ea typeface="微软雅黑" panose="020B0503020204020204" pitchFamily="34" charset="-122"/>
+                </a:endParaRPr>
+              </a:p>
+            </p:txBody>
+          </p:sp>
+          <p:sp>
+            <p:nvSpPr>
+              <p:cNvPr id="211" name="nacos">
+                <a:extLst>
+                  <a:ext uri="{FF2B5EF4-FFF2-40B4-BE49-F238E27FC236}">
+                    <a16:creationId xmlns:a16="http://schemas.microsoft.com/office/drawing/2014/main" id="{0C326568-DD99-914D-B59C-62C66ECA5498}"/>
+                  </a:ext>
+                </a:extLst>
+              </p:cNvPr>
+              <p:cNvSpPr/>
+              <p:nvPr/>
+            </p:nvSpPr>
+            <p:spPr>
+              <a:xfrm>
+                <a:off x="4832728" y="894618"/>
+                <a:ext cx="1610516" cy="417514"/>
+              </a:xfrm>
+              <a:prstGeom prst="roundRect">
+                <a:avLst/>
+              </a:prstGeom>
+              <a:solidFill>
+                <a:schemeClr val="accent2">
+                  <a:lumMod val="75000"/>
+                </a:schemeClr>
+              </a:solidFill>
+              <a:ln w="12700" cap="flat">
+                <a:noFill/>
+                <a:miter lim="400000"/>
+              </a:ln>
+              <a:effectLst>
+                <a:outerShdw blurRad="38100" dist="25400" dir="5400000" rotWithShape="0">
+                  <a:srgbClr val="000000">
+                    <a:alpha val="50000"/>
+                  </a:srgbClr>
+                </a:outerShdw>
+              </a:effectLst>
+              <a:extLst>
+                <a:ext uri="{C572A759-6A51-4108-AA02-DFA0A04FC94B}">
+                  <ma14:wrappingTextBoxFlag xmlns="" xmlns:m="http://schemas.openxmlformats.org/officeDocument/2006/math" xmlns:a14="http://schemas.microsoft.com/office/drawing/2010/main" xmlns:ma14="http://schemas.microsoft.com/office/mac/drawingml/2011/main" val="1"/>
+                </a:ext>
+              </a:extLst>
+            </p:spPr>
+            <p:txBody>
+              <a:bodyPr wrap="square" lIns="50800" tIns="50800" rIns="50800" bIns="50800" numCol="1" anchor="ctr">
+                <a:noAutofit/>
+              </a:bodyPr>
+              <a:lstStyle>
+                <a:lvl1pPr>
+                  <a:defRPr b="0">
+                    <a:solidFill>
+                      <a:srgbClr val="FFFFFF"/>
+                    </a:solidFill>
+                    <a:latin typeface="Helvetica Light"/>
+                    <a:ea typeface="Helvetica Light"/>
+                    <a:cs typeface="Helvetica Light"/>
+                    <a:sym typeface="Helvetica Light"/>
+                  </a:defRPr>
+                </a:lvl1pPr>
+              </a:lstStyle>
+              <a:p>
+                <a:r>
+                  <a:rPr lang="en-US" altLang="zh-CN" dirty="0" err="1">
+                    <a:latin typeface="微软雅黑" panose="020B0503020204020204" pitchFamily="34" charset="-122"/>
+                    <a:ea typeface="微软雅黑" panose="020B0503020204020204" pitchFamily="34" charset="-122"/>
+                  </a:rPr>
+                  <a:t>etcd</a:t>
+                </a:r>
+                <a:endParaRPr dirty="0">
+                  <a:latin typeface="微软雅黑" panose="020B0503020204020204" pitchFamily="34" charset="-122"/>
+                  <a:ea typeface="微软雅黑" panose="020B0503020204020204" pitchFamily="34" charset="-122"/>
+                </a:endParaRPr>
+              </a:p>
+            </p:txBody>
+          </p:sp>
+        </p:grpSp>
+        <p:sp>
+          <p:nvSpPr>
+            <p:cNvPr id="5" name="文本框 4">
+              <a:extLst>
+                <a:ext uri="{FF2B5EF4-FFF2-40B4-BE49-F238E27FC236}">
+                  <a16:creationId xmlns:a16="http://schemas.microsoft.com/office/drawing/2014/main" id="{A0CC71A3-56D8-6440-BD6A-512856C6AE9C}"/>
+                </a:ext>
+              </a:extLst>
+            </p:cNvPr>
+            <p:cNvSpPr txBox="1"/>
+            <p:nvPr/>
+          </p:nvSpPr>
+          <p:spPr>
+            <a:xfrm>
+              <a:off x="537805" y="489019"/>
+              <a:ext cx="1580820" cy="471924"/>
+            </a:xfrm>
+            <a:prstGeom prst="rect">
+              <a:avLst/>
+            </a:prstGeom>
+            <a:noFill/>
+            <a:ln w="12700" cap="flat">
+              <a:noFill/>
+              <a:miter lim="400000"/>
+            </a:ln>
+            <a:effectLst/>
+            <a:sp3d/>
+          </p:spPr>
+          <p:style>
+            <a:lnRef idx="0">
+              <a:scrgbClr r="0" g="0" b="0"/>
+            </a:lnRef>
+            <a:fillRef idx="0">
+              <a:scrgbClr r="0" g="0" b="0"/>
+            </a:fillRef>
+            <a:effectRef idx="0">
+              <a:scrgbClr r="0" g="0" b="0"/>
+            </a:effectRef>
+            <a:fontRef idx="none"/>
+          </p:style>
+          <p:txBody>
+            <a:bodyPr rot="0" spcFirstLastPara="1" vertOverflow="overflow" horzOverflow="overflow" vert="horz" wrap="square" lIns="50800" tIns="50800" rIns="50800" bIns="50800" numCol="1" spcCol="38100" rtlCol="0" anchor="ctr">
+              <a:spAutoFit/>
+            </a:bodyPr>
+            <a:lstStyle/>
+            <a:p>
+              <a:pPr marL="0" marR="0" indent="0" algn="ctr" defTabSz="584200" rtl="0" fontAlgn="auto" latinLnBrk="0" hangingPunct="0">
+                <a:lnSpc>
+                  <a:spcPct val="100000"/>
+                </a:lnSpc>
+                <a:spcBef>
+                  <a:spcPts val="0"/>
+                </a:spcBef>
+                <a:spcAft>
+                  <a:spcPts val="0"/>
+                </a:spcAft>
+                <a:buClrTx/>
+                <a:buSzTx/>
+                <a:buFontTx/>
+                <a:buNone/>
+                <a:tabLst/>
+              </a:pPr>
+              <a:r>
+                <a:rPr kumimoji="0" lang="en-US" altLang="zh-CN" sz="2400" b="1" i="0" u="none" strike="noStrike" cap="none" spc="0" normalizeH="0" baseline="0" dirty="0">
+                  <a:ln>
+                    <a:noFill/>
+                  </a:ln>
+                  <a:solidFill>
+                    <a:srgbClr val="000000"/>
+                  </a:solidFill>
+                  <a:effectLst/>
+                  <a:uFillTx/>
+                  <a:latin typeface="Helvetica Neue"/>
+                  <a:ea typeface="Helvetica Neue"/>
+                  <a:cs typeface="Helvetica Neue"/>
+                  <a:sym typeface="Helvetica Neue"/>
+                </a:rPr>
+                <a:t>Registry</a:t>
+              </a:r>
+              <a:endParaRPr kumimoji="0" lang="zh-CN" altLang="en-US" sz="2400" b="1" i="0" u="none" strike="noStrike" cap="none" spc="0" normalizeH="0" baseline="0" dirty="0">
+                <a:ln>
+                  <a:noFill/>
+                </a:ln>
+                <a:solidFill>
+                  <a:srgbClr val="000000"/>
+                </a:solidFill>
+                <a:effectLst/>
+                <a:uFillTx/>
+                <a:latin typeface="Helvetica Neue"/>
+                <a:ea typeface="Helvetica Neue"/>
+                <a:cs typeface="Helvetica Neue"/>
+                <a:sym typeface="Helvetica Neue"/>
+              </a:endParaRPr>
+            </a:p>
+          </p:txBody>
+        </p:sp>
+      </p:grpSp>
+      <p:grpSp>
+        <p:nvGrpSpPr>
+          <p:cNvPr id="27" name="组合 26">
+            <a:extLst>
+              <a:ext uri="{FF2B5EF4-FFF2-40B4-BE49-F238E27FC236}">
+                <a16:creationId xmlns:a16="http://schemas.microsoft.com/office/drawing/2014/main" id="{71625B8C-1CF8-9540-9297-4987F66EFAAD}"/>
+              </a:ext>
+            </a:extLst>
+          </p:cNvPr>
+          <p:cNvGrpSpPr/>
+          <p:nvPr/>
+        </p:nvGrpSpPr>
+        <p:grpSpPr>
+          <a:xfrm>
+            <a:off x="7383218" y="4123159"/>
+            <a:ext cx="4365577" cy="5220658"/>
+            <a:chOff x="6497707" y="2037699"/>
+            <a:chExt cx="4365577" cy="5220658"/>
+          </a:xfrm>
+        </p:grpSpPr>
+        <p:sp>
+          <p:nvSpPr>
+            <p:cNvPr id="223" name="Consumer">
+              <a:extLst>
+                <a:ext uri="{FF2B5EF4-FFF2-40B4-BE49-F238E27FC236}">
+                  <a16:creationId xmlns:a16="http://schemas.microsoft.com/office/drawing/2014/main" id="{EFD26152-B23D-F649-9DCB-AD85746C0790}"/>
+                </a:ext>
+              </a:extLst>
+            </p:cNvPr>
+            <p:cNvSpPr/>
+            <p:nvPr/>
+          </p:nvSpPr>
+          <p:spPr>
+            <a:xfrm>
+              <a:off x="6497707" y="2037699"/>
+              <a:ext cx="4365577" cy="5220658"/>
+            </a:xfrm>
+            <a:prstGeom prst="roundRect">
+              <a:avLst>
+                <a:gd name="adj" fmla="val 5322"/>
+              </a:avLst>
+            </a:prstGeom>
+            <a:solidFill>
+              <a:srgbClr val="E2F0DB"/>
+            </a:solidFill>
+            <a:ln w="12700" cap="flat">
+              <a:noFill/>
+              <a:miter lim="400000"/>
+            </a:ln>
+            <a:effectLst>
+              <a:outerShdw blurRad="38100" dist="25400" dir="5400000" rotWithShape="0">
+                <a:srgbClr val="000000">
+                  <a:alpha val="50000"/>
+                </a:srgbClr>
+              </a:outerShdw>
+            </a:effectLst>
+            <a:extLst>
+              <a:ext uri="{C572A759-6A51-4108-AA02-DFA0A04FC94B}">
+                <ma14:wrappingTextBoxFlag xmlns="" xmlns:m="http://schemas.openxmlformats.org/officeDocument/2006/math" xmlns:a14="http://schemas.microsoft.com/office/drawing/2010/main" xmlns:ma14="http://schemas.microsoft.com/office/mac/drawingml/2011/main" val="1"/>
+              </a:ext>
+            </a:extLst>
+          </p:spPr>
+          <p:txBody>
+            <a:bodyPr wrap="square" lIns="50800" tIns="50800" rIns="50800" bIns="50800" numCol="1" anchor="t">
+              <a:noAutofit/>
+            </a:bodyPr>
+            <a:lstStyle>
+              <a:lvl1pPr algn="l">
+                <a:defRPr b="0">
+                  <a:solidFill>
+                    <a:srgbClr val="FFFFFF"/>
+                  </a:solidFill>
+                  <a:latin typeface="Helvetica Light"/>
+                  <a:ea typeface="Helvetica Light"/>
+                  <a:cs typeface="Helvetica Light"/>
+                  <a:sym typeface="Helvetica Light"/>
+                </a:defRPr>
+              </a:lvl1pPr>
+            </a:lstStyle>
+            <a:p>
+              <a:r>
+                <a:rPr lang="en-US" b="1" dirty="0">
+                  <a:solidFill>
+                    <a:schemeClr val="tx1"/>
+                  </a:solidFill>
+                  <a:latin typeface="微软雅黑" panose="020B0503020204020204" pitchFamily="34" charset="-122"/>
+                  <a:ea typeface="微软雅黑" panose="020B0503020204020204" pitchFamily="34" charset="-122"/>
+                </a:rPr>
+                <a:t>Common Modules</a:t>
+              </a:r>
+              <a:endParaRPr b="1" dirty="0">
+                <a:solidFill>
+                  <a:schemeClr val="tx1"/>
+                </a:solidFill>
+                <a:latin typeface="微软雅黑" panose="020B0503020204020204" pitchFamily="34" charset="-122"/>
+                <a:ea typeface="微软雅黑" panose="020B0503020204020204" pitchFamily="34" charset="-122"/>
+              </a:endParaRPr>
+            </a:p>
+          </p:txBody>
+        </p:sp>
+        <p:grpSp>
+          <p:nvGrpSpPr>
+            <p:cNvPr id="22" name="组合 21">
+              <a:extLst>
+                <a:ext uri="{FF2B5EF4-FFF2-40B4-BE49-F238E27FC236}">
+                  <a16:creationId xmlns:a16="http://schemas.microsoft.com/office/drawing/2014/main" id="{7079120D-3757-D645-9D1C-A53A97A78D5E}"/>
+                </a:ext>
+              </a:extLst>
+            </p:cNvPr>
+            <p:cNvGrpSpPr/>
+            <p:nvPr/>
+          </p:nvGrpSpPr>
+          <p:grpSpPr>
+            <a:xfrm>
+              <a:off x="9157816" y="2858928"/>
+              <a:ext cx="1083600" cy="2880000"/>
+              <a:chOff x="12722428" y="2770256"/>
+              <a:chExt cx="1083600" cy="2880000"/>
+            </a:xfrm>
+          </p:grpSpPr>
+          <p:sp>
+            <p:nvSpPr>
+              <p:cNvPr id="191" name="filter">
+                <a:extLst>
+                  <a:ext uri="{FF2B5EF4-FFF2-40B4-BE49-F238E27FC236}">
+                    <a16:creationId xmlns:a16="http://schemas.microsoft.com/office/drawing/2014/main" id="{871C255B-59D1-1B46-8671-C3449CEC3898}"/>
+                  </a:ext>
+                </a:extLst>
+              </p:cNvPr>
+              <p:cNvSpPr/>
+              <p:nvPr/>
+            </p:nvSpPr>
+            <p:spPr>
+              <a:xfrm>
+                <a:off x="12722428" y="2770256"/>
+                <a:ext cx="1083600" cy="2880000"/>
+              </a:xfrm>
+              <a:prstGeom prst="roundRect">
+                <a:avLst>
+                  <a:gd name="adj" fmla="val 5299"/>
+                </a:avLst>
+              </a:prstGeom>
+              <a:solidFill>
+                <a:schemeClr val="bg1">
+                  <a:lumMod val="75000"/>
+                </a:schemeClr>
+              </a:solidFill>
+              <a:ln w="12700" cap="flat">
+                <a:noFill/>
+                <a:prstDash val="solid"/>
+                <a:miter lim="400000"/>
+              </a:ln>
+              <a:effectLst>
+                <a:outerShdw blurRad="50800" dist="38100" dir="5400000" algn="t" rotWithShape="0">
+                  <a:prstClr val="black">
+                    <a:alpha val="40000"/>
+                  </a:prstClr>
+                </a:outerShdw>
+              </a:effectLst>
+              <a:extLst>
+                <a:ext uri="{C572A759-6A51-4108-AA02-DFA0A04FC94B}">
+                  <ma14:wrappingTextBoxFlag xmlns="" xmlns:m="http://schemas.openxmlformats.org/officeDocument/2006/math" xmlns:a14="http://schemas.microsoft.com/office/drawing/2010/main" xmlns:ma14="http://schemas.microsoft.com/office/mac/drawingml/2011/main" val="1"/>
+                </a:ext>
+              </a:extLst>
+            </p:spPr>
+            <p:txBody>
+              <a:bodyPr wrap="square" lIns="50800" tIns="50800" rIns="50800" bIns="50800" numCol="1" anchor="t">
+                <a:noAutofit/>
+              </a:bodyPr>
+              <a:lstStyle/>
+              <a:p>
+                <a:r>
+                  <a:rPr sz="1700" b="0" dirty="0">
+                    <a:latin typeface="微软雅黑" panose="020B0503020204020204" pitchFamily="34" charset="-122"/>
+                    <a:ea typeface="微软雅黑" panose="020B0503020204020204" pitchFamily="34" charset="-122"/>
+                    <a:cs typeface="Helvetica Light"/>
+                  </a:rPr>
+                  <a:t>filter</a:t>
+                </a:r>
+              </a:p>
+            </p:txBody>
+          </p:sp>
+          <p:sp>
+            <p:nvSpPr>
+              <p:cNvPr id="140" name="generic…">
+                <a:extLst>
+                  <a:ext uri="{FF2B5EF4-FFF2-40B4-BE49-F238E27FC236}">
+                    <a16:creationId xmlns:a16="http://schemas.microsoft.com/office/drawing/2014/main" id="{90718863-7046-4577-A065-69C7ACB7064D}"/>
+                  </a:ext>
+                </a:extLst>
+              </p:cNvPr>
+              <p:cNvSpPr/>
+              <p:nvPr/>
+            </p:nvSpPr>
+            <p:spPr>
+              <a:xfrm>
+                <a:off x="12819343" y="3989133"/>
+                <a:ext cx="916642" cy="381745"/>
+              </a:xfrm>
+              <a:prstGeom prst="roundRect">
+                <a:avLst>
+                  <a:gd name="adj" fmla="val 11868"/>
+                </a:avLst>
+              </a:prstGeom>
+              <a:solidFill>
+                <a:schemeClr val="accent4"/>
+              </a:solidFill>
+              <a:ln w="12700" cap="flat">
+                <a:noFill/>
+                <a:miter lim="400000"/>
+              </a:ln>
+              <a:effectLst>
+                <a:outerShdw blurRad="38100" dist="25400" dir="5400000" rotWithShape="0">
+                  <a:srgbClr val="000000">
+                    <a:alpha val="50000"/>
+                  </a:srgbClr>
+                </a:outerShdw>
+              </a:effectLst>
+              <a:extLst>
+                <a:ext uri="{C572A759-6A51-4108-AA02-DFA0A04FC94B}">
+                  <ma14:wrappingTextBoxFlag xmlns="" xmlns:m="http://schemas.openxmlformats.org/officeDocument/2006/math" xmlns:a14="http://schemas.microsoft.com/office/drawing/2010/main" xmlns:ma14="http://schemas.microsoft.com/office/mac/drawingml/2011/main" val="1"/>
+                </a:ext>
+              </a:extLst>
+            </p:spPr>
+            <p:txBody>
+              <a:bodyPr wrap="square" lIns="50800" tIns="50800" rIns="50800" bIns="50800" numCol="1" anchor="ctr">
+                <a:noAutofit/>
+              </a:bodyPr>
+              <a:lstStyle/>
+              <a:p>
+                <a:r>
+                  <a:rPr sz="1500" b="0" dirty="0">
+                    <a:solidFill>
+                      <a:sysClr val="windowText" lastClr="000000"/>
+                    </a:solidFill>
+                    <a:latin typeface="微软雅黑" panose="020B0503020204020204" pitchFamily="34" charset="-122"/>
+                    <a:ea typeface="微软雅黑" panose="020B0503020204020204" pitchFamily="34" charset="-122"/>
+                    <a:cs typeface="Helvetica Light"/>
+                  </a:rPr>
+                  <a:t>generic</a:t>
+                </a:r>
+              </a:p>
+            </p:txBody>
+          </p:sp>
+          <p:sp>
+            <p:nvSpPr>
+              <p:cNvPr id="145" name="tps limit">
+                <a:extLst>
+                  <a:ext uri="{FF2B5EF4-FFF2-40B4-BE49-F238E27FC236}">
+                    <a16:creationId xmlns:a16="http://schemas.microsoft.com/office/drawing/2014/main" id="{6152C54E-BC96-4DDB-AD41-E4E51D751F34}"/>
+                  </a:ext>
+                </a:extLst>
+              </p:cNvPr>
+              <p:cNvSpPr/>
+              <p:nvPr/>
+            </p:nvSpPr>
+            <p:spPr>
+              <a:xfrm>
+                <a:off x="12813779" y="3267595"/>
+                <a:ext cx="948427" cy="456919"/>
+              </a:xfrm>
+              <a:prstGeom prst="roundRect">
+                <a:avLst/>
+              </a:prstGeom>
+              <a:solidFill>
+                <a:schemeClr val="accent4"/>
+              </a:solidFill>
+              <a:ln w="12700" cap="flat">
+                <a:noFill/>
+                <a:miter lim="400000"/>
+              </a:ln>
+              <a:effectLst>
+                <a:outerShdw blurRad="38100" dist="25400" dir="5400000" rotWithShape="0">
+                  <a:srgbClr val="000000">
+                    <a:alpha val="50000"/>
+                  </a:srgbClr>
+                </a:outerShdw>
+              </a:effectLst>
+              <a:extLst>
+                <a:ext uri="{C572A759-6A51-4108-AA02-DFA0A04FC94B}">
+                  <ma14:wrappingTextBoxFlag xmlns="" xmlns:m="http://schemas.openxmlformats.org/officeDocument/2006/math" xmlns:a14="http://schemas.microsoft.com/office/drawing/2010/main" xmlns:ma14="http://schemas.microsoft.com/office/mac/drawingml/2011/main" val="1"/>
+                </a:ext>
+              </a:extLst>
+            </p:spPr>
+            <p:txBody>
+              <a:bodyPr wrap="square" lIns="50800" tIns="50800" rIns="50800" bIns="50800" numCol="1" anchor="ctr">
+                <a:noAutofit/>
+              </a:bodyPr>
+              <a:lstStyle/>
+              <a:p>
+                <a:r>
+                  <a:rPr sz="1500" b="0" dirty="0">
+                    <a:solidFill>
+                      <a:sysClr val="windowText" lastClr="000000"/>
+                    </a:solidFill>
+                    <a:latin typeface="微软雅黑" panose="020B0503020204020204" pitchFamily="34" charset="-122"/>
+                    <a:ea typeface="微软雅黑" panose="020B0503020204020204" pitchFamily="34" charset="-122"/>
+                    <a:cs typeface="Helvetica Light"/>
+                  </a:rPr>
+                  <a:t>tps limit</a:t>
+                </a:r>
+              </a:p>
+            </p:txBody>
+          </p:sp>
+          <p:sp>
+            <p:nvSpPr>
+              <p:cNvPr id="147" name="…">
+                <a:extLst>
+                  <a:ext uri="{FF2B5EF4-FFF2-40B4-BE49-F238E27FC236}">
+                    <a16:creationId xmlns:a16="http://schemas.microsoft.com/office/drawing/2014/main" id="{CF11954F-683E-46B7-87E5-61BB6AF65C6D}"/>
+                  </a:ext>
+                </a:extLst>
+              </p:cNvPr>
+              <p:cNvSpPr/>
+              <p:nvPr/>
+            </p:nvSpPr>
+            <p:spPr>
+              <a:xfrm>
+                <a:off x="12813779" y="4635496"/>
+                <a:ext cx="916643" cy="387129"/>
+              </a:xfrm>
+              <a:prstGeom prst="roundRect">
+                <a:avLst/>
+              </a:prstGeom>
+              <a:solidFill>
+                <a:schemeClr val="accent4"/>
+              </a:solidFill>
+              <a:ln w="12700" cap="flat">
+                <a:noFill/>
+                <a:miter lim="400000"/>
+              </a:ln>
+              <a:effectLst>
+                <a:outerShdw blurRad="38100" dist="25400" dir="5400000" rotWithShape="0">
+                  <a:srgbClr val="000000">
+                    <a:alpha val="50000"/>
+                  </a:srgbClr>
+                </a:outerShdw>
+              </a:effectLst>
+              <a:extLst>
+                <a:ext uri="{C572A759-6A51-4108-AA02-DFA0A04FC94B}">
+                  <ma14:wrappingTextBoxFlag xmlns="" xmlns:m="http://schemas.openxmlformats.org/officeDocument/2006/math" xmlns:a14="http://schemas.microsoft.com/office/drawing/2010/main" xmlns:ma14="http://schemas.microsoft.com/office/mac/drawingml/2011/main" val="1"/>
+                </a:ext>
+              </a:extLst>
+            </p:spPr>
+            <p:txBody>
+              <a:bodyPr wrap="square" lIns="50800" tIns="50800" rIns="50800" bIns="50800" numCol="1" anchor="ctr">
+                <a:noAutofit/>
+              </a:bodyPr>
+              <a:lstStyle/>
+              <a:p>
+                <a:r>
+                  <a:rPr sz="1500" b="0" dirty="0">
+                    <a:solidFill>
+                      <a:sysClr val="windowText" lastClr="000000"/>
+                    </a:solidFill>
+                    <a:latin typeface="微软雅黑" panose="020B0503020204020204" pitchFamily="34" charset="-122"/>
+                    <a:ea typeface="微软雅黑" panose="020B0503020204020204" pitchFamily="34" charset="-122"/>
+                    <a:cs typeface="Helvetica Light"/>
+                  </a:rPr>
+                  <a:t>…</a:t>
+                </a:r>
+              </a:p>
+            </p:txBody>
+          </p:sp>
+        </p:grpSp>
+        <p:grpSp>
+          <p:nvGrpSpPr>
+            <p:cNvPr id="21" name="组合 20">
+              <a:extLst>
+                <a:ext uri="{FF2B5EF4-FFF2-40B4-BE49-F238E27FC236}">
+                  <a16:creationId xmlns:a16="http://schemas.microsoft.com/office/drawing/2014/main" id="{C533AF49-A37D-2947-B336-58FC12294F73}"/>
+                </a:ext>
+              </a:extLst>
+            </p:cNvPr>
+            <p:cNvGrpSpPr/>
+            <p:nvPr/>
+          </p:nvGrpSpPr>
+          <p:grpSpPr>
+            <a:xfrm>
+              <a:off x="6997588" y="2858928"/>
+              <a:ext cx="1337088" cy="2880000"/>
+              <a:chOff x="10562200" y="2758483"/>
+              <a:chExt cx="1337088" cy="2880000"/>
+            </a:xfrm>
+          </p:grpSpPr>
+          <p:sp>
+            <p:nvSpPr>
+              <p:cNvPr id="156" name="codec">
+                <a:extLst>
+                  <a:ext uri="{FF2B5EF4-FFF2-40B4-BE49-F238E27FC236}">
+                    <a16:creationId xmlns:a16="http://schemas.microsoft.com/office/drawing/2014/main" id="{1BC941CE-E8DF-C14D-AD87-6AE1A66A0262}"/>
+                  </a:ext>
+                </a:extLst>
+              </p:cNvPr>
+              <p:cNvSpPr/>
+              <p:nvPr/>
+            </p:nvSpPr>
+            <p:spPr>
+              <a:xfrm>
+                <a:off x="10562200" y="2758483"/>
+                <a:ext cx="1337088" cy="2880000"/>
+              </a:xfrm>
+              <a:prstGeom prst="roundRect">
+                <a:avLst>
+                  <a:gd name="adj" fmla="val 6344"/>
+                </a:avLst>
+              </a:prstGeom>
+              <a:solidFill>
+                <a:schemeClr val="bg1">
+                  <a:lumMod val="75000"/>
+                </a:schemeClr>
+              </a:solidFill>
+              <a:ln w="12700" cap="flat">
+                <a:noFill/>
+                <a:prstDash val="solid"/>
+                <a:miter lim="400000"/>
+              </a:ln>
+              <a:effectLst>
+                <a:outerShdw blurRad="50800" dist="38100" dir="5400000" algn="t" rotWithShape="0">
+                  <a:prstClr val="black">
+                    <a:alpha val="40000"/>
+                  </a:prstClr>
+                </a:outerShdw>
+              </a:effectLst>
+              <a:extLst>
+                <a:ext uri="{C572A759-6A51-4108-AA02-DFA0A04FC94B}">
+                  <ma14:wrappingTextBoxFlag xmlns="" xmlns:m="http://schemas.openxmlformats.org/officeDocument/2006/math" xmlns:a14="http://schemas.microsoft.com/office/drawing/2010/main" xmlns:ma14="http://schemas.microsoft.com/office/mac/drawingml/2011/main" val="1"/>
+                </a:ext>
+              </a:extLst>
+            </p:spPr>
+            <p:txBody>
+              <a:bodyPr wrap="square" lIns="50800" tIns="50800" rIns="50800" bIns="50800" numCol="1" anchor="t">
+                <a:noAutofit/>
+              </a:bodyPr>
+              <a:lstStyle/>
+              <a:p>
+                <a:r>
+                  <a:rPr lang="en-US" altLang="zh-CN" sz="1700" b="0" dirty="0">
+                    <a:latin typeface="微软雅黑" panose="020B0503020204020204" pitchFamily="34" charset="-122"/>
+                    <a:ea typeface="微软雅黑" panose="020B0503020204020204" pitchFamily="34" charset="-122"/>
+                    <a:cs typeface="Helvetica Light"/>
+                  </a:rPr>
+                  <a:t>protocol</a:t>
+                </a:r>
+                <a:endParaRPr sz="1700" b="0" dirty="0">
+                  <a:latin typeface="微软雅黑" panose="020B0503020204020204" pitchFamily="34" charset="-122"/>
+                  <a:ea typeface="微软雅黑" panose="020B0503020204020204" pitchFamily="34" charset="-122"/>
+                  <a:cs typeface="Helvetica Light"/>
+                </a:endParaRPr>
+              </a:p>
+            </p:txBody>
+          </p:sp>
+          <p:sp>
+            <p:nvSpPr>
+              <p:cNvPr id="157" name="jsonrpc 2.0">
+                <a:extLst>
+                  <a:ext uri="{FF2B5EF4-FFF2-40B4-BE49-F238E27FC236}">
+                    <a16:creationId xmlns:a16="http://schemas.microsoft.com/office/drawing/2014/main" id="{31729B33-CB03-A949-928E-D642F68F10A4}"/>
+                  </a:ext>
+                </a:extLst>
+              </p:cNvPr>
+              <p:cNvSpPr/>
+              <p:nvPr/>
+            </p:nvSpPr>
+            <p:spPr>
+              <a:xfrm>
+                <a:off x="10602753" y="3274214"/>
+                <a:ext cx="1219802" cy="384067"/>
+              </a:xfrm>
+              <a:prstGeom prst="roundRect">
+                <a:avLst>
+                  <a:gd name="adj" fmla="val 9824"/>
+                </a:avLst>
+              </a:prstGeom>
+              <a:solidFill>
+                <a:schemeClr val="accent4"/>
+              </a:solidFill>
+              <a:ln w="12700" cap="flat">
+                <a:noFill/>
+                <a:miter lim="400000"/>
+              </a:ln>
+              <a:effectLst>
+                <a:outerShdw blurRad="38100" dist="25400" dir="5400000" rotWithShape="0">
+                  <a:srgbClr val="000000">
+                    <a:alpha val="50000"/>
+                  </a:srgbClr>
+                </a:outerShdw>
+              </a:effectLst>
+              <a:extLst>
+                <a:ext uri="{C572A759-6A51-4108-AA02-DFA0A04FC94B}">
+                  <ma14:wrappingTextBoxFlag xmlns="" xmlns:m="http://schemas.openxmlformats.org/officeDocument/2006/math" xmlns:a14="http://schemas.microsoft.com/office/drawing/2010/main" xmlns:ma14="http://schemas.microsoft.com/office/mac/drawingml/2011/main" val="1"/>
+                </a:ext>
+              </a:extLst>
+            </p:spPr>
+            <p:txBody>
+              <a:bodyPr wrap="square" lIns="50800" tIns="50800" rIns="50800" bIns="50800" numCol="1" anchor="ctr">
+                <a:noAutofit/>
+              </a:bodyPr>
+              <a:lstStyle/>
+              <a:p>
+                <a:r>
+                  <a:rPr lang="en-US" altLang="zh-CN" sz="1500" b="0" dirty="0">
+                    <a:solidFill>
+                      <a:sysClr val="windowText" lastClr="000000"/>
+                    </a:solidFill>
+                    <a:latin typeface="微软雅黑" panose="020B0503020204020204" pitchFamily="34" charset="-122"/>
+                    <a:ea typeface="微软雅黑" panose="020B0503020204020204" pitchFamily="34" charset="-122"/>
+                    <a:cs typeface="Helvetica Light"/>
+                  </a:rPr>
+                  <a:t>grpc</a:t>
+                </a:r>
+                <a:endParaRPr sz="1500" b="0" dirty="0">
+                  <a:solidFill>
+                    <a:sysClr val="windowText" lastClr="000000"/>
+                  </a:solidFill>
+                  <a:latin typeface="微软雅黑" panose="020B0503020204020204" pitchFamily="34" charset="-122"/>
+                  <a:ea typeface="微软雅黑" panose="020B0503020204020204" pitchFamily="34" charset="-122"/>
+                  <a:cs typeface="Helvetica Light"/>
+                </a:endParaRPr>
+              </a:p>
+            </p:txBody>
+          </p:sp>
+          <p:sp>
+            <p:nvSpPr>
+              <p:cNvPr id="158" name="jsonrpc 2.0">
+                <a:extLst>
+                  <a:ext uri="{FF2B5EF4-FFF2-40B4-BE49-F238E27FC236}">
+                    <a16:creationId xmlns:a16="http://schemas.microsoft.com/office/drawing/2014/main" id="{810C242C-F03E-1140-82C1-7B58537AFCC5}"/>
+                  </a:ext>
+                </a:extLst>
+              </p:cNvPr>
+              <p:cNvSpPr/>
+              <p:nvPr/>
+            </p:nvSpPr>
+            <p:spPr>
+              <a:xfrm>
+                <a:off x="10602753" y="3786522"/>
+                <a:ext cx="1219802" cy="344140"/>
+              </a:xfrm>
+              <a:prstGeom prst="roundRect">
+                <a:avLst>
+                  <a:gd name="adj" fmla="val 9824"/>
+                </a:avLst>
+              </a:prstGeom>
+              <a:solidFill>
+                <a:schemeClr val="accent4"/>
+              </a:solidFill>
+              <a:ln w="12700" cap="flat">
+                <a:noFill/>
+                <a:miter lim="400000"/>
+              </a:ln>
+              <a:effectLst>
+                <a:outerShdw blurRad="38100" dist="25400" dir="5400000" rotWithShape="0">
+                  <a:srgbClr val="000000">
+                    <a:alpha val="50000"/>
+                  </a:srgbClr>
+                </a:outerShdw>
+              </a:effectLst>
+              <a:extLst>
+                <a:ext uri="{C572A759-6A51-4108-AA02-DFA0A04FC94B}">
+                  <ma14:wrappingTextBoxFlag xmlns="" xmlns:m="http://schemas.openxmlformats.org/officeDocument/2006/math" xmlns:a14="http://schemas.microsoft.com/office/drawing/2010/main" xmlns:ma14="http://schemas.microsoft.com/office/mac/drawingml/2011/main" val="1"/>
+                </a:ext>
+              </a:extLst>
+            </p:spPr>
+            <p:txBody>
+              <a:bodyPr wrap="square" lIns="50800" tIns="50800" rIns="50800" bIns="50800" numCol="1" anchor="ctr">
+                <a:noAutofit/>
+              </a:bodyPr>
+              <a:lstStyle/>
+              <a:p>
+                <a:r>
+                  <a:rPr lang="en-US" altLang="zh-CN" sz="1500" b="0" dirty="0">
+                    <a:solidFill>
+                      <a:sysClr val="windowText" lastClr="000000"/>
+                    </a:solidFill>
+                    <a:latin typeface="微软雅黑" panose="020B0503020204020204" pitchFamily="34" charset="-122"/>
+                    <a:ea typeface="微软雅黑" panose="020B0503020204020204" pitchFamily="34" charset="-122"/>
+                    <a:cs typeface="Helvetica Light"/>
+                  </a:rPr>
+                  <a:t>rest</a:t>
+                </a:r>
+                <a:endParaRPr sz="1500" b="0" dirty="0">
+                  <a:solidFill>
+                    <a:sysClr val="windowText" lastClr="000000"/>
+                  </a:solidFill>
+                  <a:latin typeface="微软雅黑" panose="020B0503020204020204" pitchFamily="34" charset="-122"/>
+                  <a:ea typeface="微软雅黑" panose="020B0503020204020204" pitchFamily="34" charset="-122"/>
+                  <a:cs typeface="Helvetica Light"/>
+                </a:endParaRPr>
+              </a:p>
+            </p:txBody>
+          </p:sp>
+          <p:sp>
+            <p:nvSpPr>
+              <p:cNvPr id="159" name="jsonrpc 2.0">
+                <a:extLst>
+                  <a:ext uri="{FF2B5EF4-FFF2-40B4-BE49-F238E27FC236}">
+                    <a16:creationId xmlns:a16="http://schemas.microsoft.com/office/drawing/2014/main" id="{5307773E-988C-7148-96BD-95808C19D800}"/>
+                  </a:ext>
+                </a:extLst>
+              </p:cNvPr>
+              <p:cNvSpPr/>
+              <p:nvPr/>
+            </p:nvSpPr>
+            <p:spPr>
+              <a:xfrm>
+                <a:off x="10602753" y="4731283"/>
+                <a:ext cx="1219802" cy="289160"/>
+              </a:xfrm>
+              <a:prstGeom prst="roundRect">
+                <a:avLst>
+                  <a:gd name="adj" fmla="val 9824"/>
+                </a:avLst>
+              </a:prstGeom>
+              <a:solidFill>
+                <a:schemeClr val="accent4"/>
+              </a:solidFill>
+              <a:ln w="12700" cap="flat">
+                <a:noFill/>
+                <a:miter lim="400000"/>
+              </a:ln>
+              <a:effectLst>
+                <a:outerShdw blurRad="38100" dist="25400" dir="5400000" rotWithShape="0">
+                  <a:srgbClr val="000000">
+                    <a:alpha val="50000"/>
+                  </a:srgbClr>
+                </a:outerShdw>
+              </a:effectLst>
+              <a:extLst>
+                <a:ext uri="{C572A759-6A51-4108-AA02-DFA0A04FC94B}">
+                  <ma14:wrappingTextBoxFlag xmlns="" xmlns:m="http://schemas.openxmlformats.org/officeDocument/2006/math" xmlns:a14="http://schemas.microsoft.com/office/drawing/2010/main" xmlns:ma14="http://schemas.microsoft.com/office/mac/drawingml/2011/main" val="1"/>
+                </a:ext>
+              </a:extLst>
+            </p:spPr>
+            <p:txBody>
+              <a:bodyPr wrap="square" lIns="50800" tIns="50800" rIns="50800" bIns="50800" numCol="1" anchor="ctr">
+                <a:noAutofit/>
+              </a:bodyPr>
+              <a:lstStyle/>
+              <a:p>
+                <a:r>
+                  <a:rPr lang="en-US" altLang="zh-CN" sz="1500" b="0" dirty="0">
+                    <a:solidFill>
+                      <a:sysClr val="windowText" lastClr="000000"/>
+                    </a:solidFill>
+                    <a:latin typeface="微软雅黑" panose="020B0503020204020204" pitchFamily="34" charset="-122"/>
+                    <a:ea typeface="微软雅黑" panose="020B0503020204020204" pitchFamily="34" charset="-122"/>
+                  </a:rPr>
+                  <a:t>dubbo</a:t>
+                </a:r>
+                <a:endParaRPr sz="1500" b="0" dirty="0">
+                  <a:solidFill>
+                    <a:sysClr val="windowText" lastClr="000000"/>
+                  </a:solidFill>
+                  <a:latin typeface="微软雅黑" panose="020B0503020204020204" pitchFamily="34" charset="-122"/>
+                  <a:ea typeface="微软雅黑" panose="020B0503020204020204" pitchFamily="34" charset="-122"/>
+                </a:endParaRPr>
+              </a:p>
+            </p:txBody>
+          </p:sp>
+          <p:sp>
+            <p:nvSpPr>
+              <p:cNvPr id="160" name="jsonrpc 2.0">
+                <a:extLst>
+                  <a:ext uri="{FF2B5EF4-FFF2-40B4-BE49-F238E27FC236}">
+                    <a16:creationId xmlns:a16="http://schemas.microsoft.com/office/drawing/2014/main" id="{71262FAD-AE26-CA4F-99D1-CE5AE48B29D3}"/>
+                  </a:ext>
+                </a:extLst>
+              </p:cNvPr>
+              <p:cNvSpPr/>
+              <p:nvPr/>
+            </p:nvSpPr>
+            <p:spPr>
+              <a:xfrm>
+                <a:off x="10602753" y="4258903"/>
+                <a:ext cx="1219802" cy="344140"/>
+              </a:xfrm>
+              <a:prstGeom prst="roundRect">
+                <a:avLst>
+                  <a:gd name="adj" fmla="val 9824"/>
+                </a:avLst>
+              </a:prstGeom>
+              <a:solidFill>
+                <a:schemeClr val="accent4"/>
+              </a:solidFill>
+              <a:ln w="12700" cap="flat">
+                <a:noFill/>
+                <a:miter lim="400000"/>
+              </a:ln>
+              <a:effectLst>
+                <a:outerShdw blurRad="38100" dist="25400" dir="5400000" rotWithShape="0">
+                  <a:srgbClr val="000000">
+                    <a:alpha val="50000"/>
+                  </a:srgbClr>
+                </a:outerShdw>
+              </a:effectLst>
+              <a:extLst>
+                <a:ext uri="{C572A759-6A51-4108-AA02-DFA0A04FC94B}">
+                  <ma14:wrappingTextBoxFlag xmlns="" xmlns:m="http://schemas.openxmlformats.org/officeDocument/2006/math" xmlns:a14="http://schemas.microsoft.com/office/drawing/2010/main" xmlns:ma14="http://schemas.microsoft.com/office/mac/drawingml/2011/main" val="1"/>
+                </a:ext>
+              </a:extLst>
+            </p:spPr>
+            <p:txBody>
+              <a:bodyPr wrap="square" lIns="50800" tIns="50800" rIns="50800" bIns="50800" numCol="1" anchor="ctr">
+                <a:noAutofit/>
+              </a:bodyPr>
+              <a:lstStyle/>
+              <a:p>
+                <a:r>
+                  <a:rPr lang="en-US" altLang="zh-CN" sz="1500" b="0" dirty="0">
+                    <a:solidFill>
+                      <a:sysClr val="windowText" lastClr="000000"/>
+                    </a:solidFill>
+                    <a:latin typeface="微软雅黑" panose="020B0503020204020204" pitchFamily="34" charset="-122"/>
+                    <a:ea typeface="微软雅黑" panose="020B0503020204020204" pitchFamily="34" charset="-122"/>
+                  </a:rPr>
+                  <a:t>jsonrpc</a:t>
+                </a:r>
+                <a:endParaRPr sz="1500" b="0" dirty="0">
+                  <a:solidFill>
+                    <a:sysClr val="windowText" lastClr="000000"/>
+                  </a:solidFill>
+                  <a:latin typeface="微软雅黑" panose="020B0503020204020204" pitchFamily="34" charset="-122"/>
+                  <a:ea typeface="微软雅黑" panose="020B0503020204020204" pitchFamily="34" charset="-122"/>
+                </a:endParaRPr>
+              </a:p>
+            </p:txBody>
+          </p:sp>
+          <p:sp>
+            <p:nvSpPr>
+              <p:cNvPr id="166" name="jsonrpc 2.0">
+                <a:extLst>
+                  <a:ext uri="{FF2B5EF4-FFF2-40B4-BE49-F238E27FC236}">
+                    <a16:creationId xmlns:a16="http://schemas.microsoft.com/office/drawing/2014/main" id="{52A2F92A-CB8F-F04E-BF2A-1EEEB3FB6D12}"/>
+                  </a:ext>
+                </a:extLst>
+              </p:cNvPr>
+              <p:cNvSpPr/>
+              <p:nvPr/>
+            </p:nvSpPr>
+            <p:spPr>
+              <a:xfrm>
+                <a:off x="10602753" y="5148683"/>
+                <a:ext cx="1219802" cy="344140"/>
+              </a:xfrm>
+              <a:prstGeom prst="roundRect">
+                <a:avLst>
+                  <a:gd name="adj" fmla="val 9824"/>
+                </a:avLst>
+              </a:prstGeom>
+              <a:solidFill>
+                <a:schemeClr val="accent4"/>
+              </a:solidFill>
+              <a:ln w="12700" cap="flat">
+                <a:noFill/>
+                <a:miter lim="400000"/>
+              </a:ln>
+              <a:effectLst>
+                <a:outerShdw blurRad="38100" dist="25400" dir="5400000" rotWithShape="0">
+                  <a:srgbClr val="000000">
+                    <a:alpha val="50000"/>
+                  </a:srgbClr>
+                </a:outerShdw>
+              </a:effectLst>
+              <a:extLst>
+                <a:ext uri="{C572A759-6A51-4108-AA02-DFA0A04FC94B}">
+                  <ma14:wrappingTextBoxFlag xmlns="" xmlns:m="http://schemas.openxmlformats.org/officeDocument/2006/math" xmlns:a14="http://schemas.microsoft.com/office/drawing/2010/main" xmlns:ma14="http://schemas.microsoft.com/office/mac/drawingml/2011/main" val="1"/>
+                </a:ext>
+              </a:extLst>
+            </p:spPr>
+            <p:txBody>
+              <a:bodyPr wrap="square" lIns="50800" tIns="50800" rIns="50800" bIns="50800" numCol="1" anchor="ctr">
+                <a:noAutofit/>
+              </a:bodyPr>
+              <a:lstStyle/>
+              <a:p>
+                <a:r>
+                  <a:rPr lang="en-US" sz="1500" b="0" dirty="0" err="1">
+                    <a:solidFill>
+                      <a:sysClr val="windowText" lastClr="000000"/>
+                    </a:solidFill>
+                    <a:latin typeface="微软雅黑" panose="020B0503020204020204" pitchFamily="34" charset="-122"/>
+                    <a:ea typeface="微软雅黑" panose="020B0503020204020204" pitchFamily="34" charset="-122"/>
+                  </a:rPr>
+                  <a:t>grpc+json</a:t>
+                </a:r>
+                <a:endParaRPr sz="1500" b="0" dirty="0">
+                  <a:solidFill>
+                    <a:sysClr val="windowText" lastClr="000000"/>
+                  </a:solidFill>
+                  <a:latin typeface="微软雅黑" panose="020B0503020204020204" pitchFamily="34" charset="-122"/>
+                  <a:ea typeface="微软雅黑" panose="020B0503020204020204" pitchFamily="34" charset="-122"/>
+                </a:endParaRPr>
+              </a:p>
+            </p:txBody>
+          </p:sp>
+        </p:grpSp>
+      </p:grpSp>
+      <p:grpSp>
+        <p:nvGrpSpPr>
+          <p:cNvPr id="224" name="Group 160">
+            <a:extLst>
+              <a:ext uri="{FF2B5EF4-FFF2-40B4-BE49-F238E27FC236}">
+                <a16:creationId xmlns:a16="http://schemas.microsoft.com/office/drawing/2014/main" id="{D91AB9E3-FAF9-9647-A82E-6A0037B8F99B}"/>
+              </a:ext>
+            </a:extLst>
+          </p:cNvPr>
+          <p:cNvGrpSpPr/>
+          <p:nvPr/>
+        </p:nvGrpSpPr>
+        <p:grpSpPr>
+          <a:xfrm>
+            <a:off x="827686" y="8121916"/>
+            <a:ext cx="5362071" cy="912659"/>
+            <a:chOff x="11242638" y="6397973"/>
+            <a:chExt cx="4072836" cy="912659"/>
+          </a:xfrm>
+        </p:grpSpPr>
+        <p:sp>
+          <p:nvSpPr>
+            <p:cNvPr id="225" name="Config">
+              <a:extLst>
+                <a:ext uri="{FF2B5EF4-FFF2-40B4-BE49-F238E27FC236}">
+                  <a16:creationId xmlns:a16="http://schemas.microsoft.com/office/drawing/2014/main" id="{7C3DE85E-F4E9-064A-8A15-B5A4FF937389}"/>
+                </a:ext>
+              </a:extLst>
+            </p:cNvPr>
+            <p:cNvSpPr/>
+            <p:nvPr/>
+          </p:nvSpPr>
+          <p:spPr>
+            <a:xfrm>
+              <a:off x="11242638" y="6397973"/>
+              <a:ext cx="4072836" cy="417378"/>
+            </a:xfrm>
+            <a:prstGeom prst="roundRect">
+              <a:avLst/>
+            </a:prstGeom>
+            <a:solidFill>
+              <a:schemeClr val="bg2">
+                <a:lumMod val="50000"/>
+              </a:schemeClr>
+            </a:solidFill>
+            <a:ln w="12700" cap="flat">
+              <a:noFill/>
+              <a:miter lim="400000"/>
+            </a:ln>
+            <a:effectLst>
+              <a:outerShdw blurRad="38100" dist="25400" dir="5400000" rotWithShape="0">
+                <a:srgbClr val="000000">
+                  <a:alpha val="50000"/>
+                </a:srgbClr>
+              </a:outerShdw>
+            </a:effectLst>
+            <a:extLst>
+              <a:ext uri="{C572A759-6A51-4108-AA02-DFA0A04FC94B}">
+                <ma14:wrappingTextBoxFlag xmlns="" xmlns:m="http://schemas.openxmlformats.org/officeDocument/2006/math" xmlns:a14="http://schemas.microsoft.com/office/drawing/2010/main" xmlns:ma14="http://schemas.microsoft.com/office/mac/drawingml/2011/main" val="1"/>
+              </a:ext>
+            </a:extLst>
+          </p:spPr>
+          <p:txBody>
+            <a:bodyPr wrap="square" lIns="50800" tIns="50800" rIns="50800" bIns="50800" numCol="1" anchor="ctr">
+              <a:noAutofit/>
+            </a:bodyPr>
+            <a:lstStyle>
+              <a:lvl1pPr>
+                <a:defRPr sz="1900" b="0">
+                  <a:solidFill>
+                    <a:srgbClr val="FFFFFF"/>
+                  </a:solidFill>
+                  <a:latin typeface="Helvetica Light"/>
+                  <a:ea typeface="Helvetica Light"/>
+                  <a:cs typeface="Helvetica Light"/>
+                  <a:sym typeface="Helvetica Light"/>
+                </a:defRPr>
+              </a:lvl1pPr>
+            </a:lstStyle>
+            <a:p>
+              <a:r>
+                <a:rPr dirty="0">
+                  <a:latin typeface="微软雅黑" panose="020B0503020204020204" pitchFamily="34" charset="-122"/>
+                  <a:ea typeface="微软雅黑" panose="020B0503020204020204" pitchFamily="34" charset="-122"/>
+                </a:rPr>
+                <a:t>Config</a:t>
+              </a:r>
+            </a:p>
+          </p:txBody>
+        </p:sp>
+        <p:sp>
+          <p:nvSpPr>
+            <p:cNvPr id="226" name="Config">
+              <a:extLst>
+                <a:ext uri="{FF2B5EF4-FFF2-40B4-BE49-F238E27FC236}">
+                  <a16:creationId xmlns:a16="http://schemas.microsoft.com/office/drawing/2014/main" id="{4C166646-5690-1E4F-8F66-C01705D8D20F}"/>
+                </a:ext>
+              </a:extLst>
+            </p:cNvPr>
+            <p:cNvSpPr/>
+            <p:nvPr/>
+          </p:nvSpPr>
+          <p:spPr>
+            <a:xfrm>
+              <a:off x="11242638" y="6893254"/>
+              <a:ext cx="4072836" cy="417378"/>
+            </a:xfrm>
+            <a:prstGeom prst="roundRect">
+              <a:avLst/>
+            </a:prstGeom>
+            <a:solidFill>
+              <a:schemeClr val="bg2">
+                <a:lumMod val="50000"/>
+              </a:schemeClr>
+            </a:solidFill>
+            <a:ln w="12700" cap="flat">
+              <a:noFill/>
+              <a:miter lim="400000"/>
+            </a:ln>
+            <a:effectLst>
+              <a:outerShdw blurRad="38100" dist="25400" dir="5400000" rotWithShape="0">
+                <a:srgbClr val="000000">
+                  <a:alpha val="50000"/>
+                </a:srgbClr>
+              </a:outerShdw>
+            </a:effectLst>
+            <a:extLst>
+              <a:ext uri="{C572A759-6A51-4108-AA02-DFA0A04FC94B}">
+                <ma14:wrappingTextBoxFlag xmlns="" xmlns:m="http://schemas.openxmlformats.org/officeDocument/2006/math" xmlns:a14="http://schemas.microsoft.com/office/drawing/2010/main" xmlns:ma14="http://schemas.microsoft.com/office/mac/drawingml/2011/main" val="1"/>
+              </a:ext>
+            </a:extLst>
+          </p:spPr>
+          <p:txBody>
+            <a:bodyPr wrap="square" lIns="50800" tIns="50800" rIns="50800" bIns="50800" numCol="1" anchor="ctr">
+              <a:noAutofit/>
+            </a:bodyPr>
+            <a:lstStyle>
+              <a:lvl1pPr>
+                <a:defRPr sz="1900" b="0">
+                  <a:solidFill>
+                    <a:srgbClr val="FFFFFF"/>
+                  </a:solidFill>
+                  <a:latin typeface="Helvetica Light"/>
+                  <a:ea typeface="Helvetica Light"/>
+                  <a:cs typeface="Helvetica Light"/>
+                  <a:sym typeface="Helvetica Light"/>
+                </a:defRPr>
+              </a:lvl1pPr>
+            </a:lstStyle>
+            <a:p>
+              <a:r>
+                <a:rPr lang="en-US" dirty="0">
+                  <a:latin typeface="微软雅黑" panose="020B0503020204020204" pitchFamily="34" charset="-122"/>
+                  <a:ea typeface="微软雅黑" panose="020B0503020204020204" pitchFamily="34" charset="-122"/>
+                </a:rPr>
+                <a:t>Tracing</a:t>
+              </a:r>
+              <a:endParaRPr dirty="0">
+                <a:latin typeface="微软雅黑" panose="020B0503020204020204" pitchFamily="34" charset="-122"/>
+                <a:ea typeface="微软雅黑" panose="020B0503020204020204" pitchFamily="34" charset="-122"/>
+              </a:endParaRPr>
+            </a:p>
+          </p:txBody>
+        </p:sp>
+      </p:grpSp>
+      <p:grpSp>
+        <p:nvGrpSpPr>
+          <p:cNvPr id="227" name="Group 160">
+            <a:extLst>
+              <a:ext uri="{FF2B5EF4-FFF2-40B4-BE49-F238E27FC236}">
+                <a16:creationId xmlns:a16="http://schemas.microsoft.com/office/drawing/2014/main" id="{75200F34-E901-C942-BA79-FFE1216D47A8}"/>
+              </a:ext>
+            </a:extLst>
+          </p:cNvPr>
+          <p:cNvGrpSpPr/>
+          <p:nvPr/>
+        </p:nvGrpSpPr>
+        <p:grpSpPr>
+          <a:xfrm>
+            <a:off x="13070495" y="8121916"/>
+            <a:ext cx="2855689" cy="912659"/>
+            <a:chOff x="11242638" y="6397973"/>
+            <a:chExt cx="4072836" cy="912659"/>
+          </a:xfrm>
+        </p:grpSpPr>
+        <p:sp>
+          <p:nvSpPr>
+            <p:cNvPr id="228" name="Config">
+              <a:extLst>
+                <a:ext uri="{FF2B5EF4-FFF2-40B4-BE49-F238E27FC236}">
+                  <a16:creationId xmlns:a16="http://schemas.microsoft.com/office/drawing/2014/main" id="{D767C5DE-728B-6046-8717-366AB0A432D0}"/>
+                </a:ext>
+              </a:extLst>
+            </p:cNvPr>
+            <p:cNvSpPr/>
+            <p:nvPr/>
+          </p:nvSpPr>
+          <p:spPr>
+            <a:xfrm>
+              <a:off x="11242638" y="6397973"/>
+              <a:ext cx="4072836" cy="417378"/>
+            </a:xfrm>
+            <a:prstGeom prst="roundRect">
+              <a:avLst/>
+            </a:prstGeom>
+            <a:solidFill>
+              <a:schemeClr val="bg2">
+                <a:lumMod val="50000"/>
+              </a:schemeClr>
+            </a:solidFill>
+            <a:ln w="12700" cap="flat">
+              <a:noFill/>
+              <a:miter lim="400000"/>
+            </a:ln>
+            <a:effectLst>
+              <a:outerShdw blurRad="38100" dist="25400" dir="5400000" rotWithShape="0">
+                <a:srgbClr val="000000">
+                  <a:alpha val="50000"/>
+                </a:srgbClr>
+              </a:outerShdw>
+            </a:effectLst>
+            <a:extLst>
+              <a:ext uri="{C572A759-6A51-4108-AA02-DFA0A04FC94B}">
+                <ma14:wrappingTextBoxFlag xmlns="" xmlns:m="http://schemas.openxmlformats.org/officeDocument/2006/math" xmlns:a14="http://schemas.microsoft.com/office/drawing/2010/main" xmlns:ma14="http://schemas.microsoft.com/office/mac/drawingml/2011/main" val="1"/>
+              </a:ext>
+            </a:extLst>
+          </p:spPr>
+          <p:txBody>
+            <a:bodyPr wrap="square" lIns="50800" tIns="50800" rIns="50800" bIns="50800" numCol="1" anchor="ctr">
+              <a:noAutofit/>
+            </a:bodyPr>
+            <a:lstStyle>
+              <a:lvl1pPr>
+                <a:defRPr sz="1900" b="0">
+                  <a:solidFill>
+                    <a:srgbClr val="FFFFFF"/>
+                  </a:solidFill>
+                  <a:latin typeface="Helvetica Light"/>
+                  <a:ea typeface="Helvetica Light"/>
+                  <a:cs typeface="Helvetica Light"/>
+                  <a:sym typeface="Helvetica Light"/>
+                </a:defRPr>
+              </a:lvl1pPr>
+            </a:lstStyle>
+            <a:p>
+              <a:r>
+                <a:rPr dirty="0">
+                  <a:latin typeface="微软雅黑" panose="020B0503020204020204" pitchFamily="34" charset="-122"/>
+                  <a:ea typeface="微软雅黑" panose="020B0503020204020204" pitchFamily="34" charset="-122"/>
+                </a:rPr>
+                <a:t>Config</a:t>
+              </a:r>
+            </a:p>
+          </p:txBody>
+        </p:sp>
+        <p:sp>
+          <p:nvSpPr>
+            <p:cNvPr id="229" name="Config">
+              <a:extLst>
+                <a:ext uri="{FF2B5EF4-FFF2-40B4-BE49-F238E27FC236}">
+                  <a16:creationId xmlns:a16="http://schemas.microsoft.com/office/drawing/2014/main" id="{B66C3002-649E-6E46-8ABF-FA9605C69BF7}"/>
+                </a:ext>
+              </a:extLst>
+            </p:cNvPr>
+            <p:cNvSpPr/>
+            <p:nvPr/>
+          </p:nvSpPr>
+          <p:spPr>
+            <a:xfrm>
+              <a:off x="11242638" y="6893254"/>
+              <a:ext cx="4072836" cy="417378"/>
+            </a:xfrm>
+            <a:prstGeom prst="roundRect">
+              <a:avLst/>
+            </a:prstGeom>
+            <a:solidFill>
+              <a:schemeClr val="bg2">
+                <a:lumMod val="50000"/>
+              </a:schemeClr>
+            </a:solidFill>
+            <a:ln w="12700" cap="flat">
+              <a:noFill/>
+              <a:miter lim="400000"/>
+            </a:ln>
+            <a:effectLst>
+              <a:outerShdw blurRad="38100" dist="25400" dir="5400000" rotWithShape="0">
+                <a:srgbClr val="000000">
+                  <a:alpha val="50000"/>
+                </a:srgbClr>
+              </a:outerShdw>
+            </a:effectLst>
+            <a:extLst>
+              <a:ext uri="{C572A759-6A51-4108-AA02-DFA0A04FC94B}">
+                <ma14:wrappingTextBoxFlag xmlns="" xmlns:m="http://schemas.openxmlformats.org/officeDocument/2006/math" xmlns:a14="http://schemas.microsoft.com/office/drawing/2010/main" xmlns:ma14="http://schemas.microsoft.com/office/mac/drawingml/2011/main" val="1"/>
+              </a:ext>
+            </a:extLst>
+          </p:spPr>
+          <p:txBody>
+            <a:bodyPr wrap="square" lIns="50800" tIns="50800" rIns="50800" bIns="50800" numCol="1" anchor="ctr">
+              <a:noAutofit/>
+            </a:bodyPr>
+            <a:lstStyle>
+              <a:lvl1pPr>
+                <a:defRPr sz="1900" b="0">
+                  <a:solidFill>
+                    <a:srgbClr val="FFFFFF"/>
+                  </a:solidFill>
+                  <a:latin typeface="Helvetica Light"/>
+                  <a:ea typeface="Helvetica Light"/>
+                  <a:cs typeface="Helvetica Light"/>
+                  <a:sym typeface="Helvetica Light"/>
+                </a:defRPr>
+              </a:lvl1pPr>
+            </a:lstStyle>
+            <a:p>
+              <a:r>
+                <a:rPr lang="en-US" dirty="0">
+                  <a:latin typeface="微软雅黑" panose="020B0503020204020204" pitchFamily="34" charset="-122"/>
+                  <a:ea typeface="微软雅黑" panose="020B0503020204020204" pitchFamily="34" charset="-122"/>
+                </a:rPr>
+                <a:t>Tracing</a:t>
+              </a:r>
+              <a:endParaRPr dirty="0">
+                <a:latin typeface="微软雅黑" panose="020B0503020204020204" pitchFamily="34" charset="-122"/>
+                <a:ea typeface="微软雅黑" panose="020B0503020204020204" pitchFamily="34" charset="-122"/>
+              </a:endParaRPr>
+            </a:p>
+          </p:txBody>
+        </p:sp>
+      </p:grpSp>
+      <p:cxnSp>
+        <p:nvCxnSpPr>
+          <p:cNvPr id="31" name="直线箭头连接符 30">
+            <a:extLst>
+              <a:ext uri="{FF2B5EF4-FFF2-40B4-BE49-F238E27FC236}">
+                <a16:creationId xmlns:a16="http://schemas.microsoft.com/office/drawing/2014/main" id="{976BF3CA-9D71-6746-B244-43A08A49403A}"/>
+              </a:ext>
+            </a:extLst>
+          </p:cNvPr>
+          <p:cNvCxnSpPr>
+            <a:endCxn id="228" idx="1"/>
+          </p:cNvCxnSpPr>
+          <p:nvPr/>
+        </p:nvCxnSpPr>
+        <p:spPr>
+          <a:xfrm>
+            <a:off x="6189757" y="8300280"/>
+            <a:ext cx="6880738" cy="30325"/>
+          </a:xfrm>
+          <a:prstGeom prst="straightConnector1">
+            <a:avLst/>
+          </a:prstGeom>
+          <a:noFill/>
+          <a:ln w="25400" cap="flat">
+            <a:solidFill>
+              <a:schemeClr val="tx1">
+                <a:lumMod val="50000"/>
+                <a:lumOff val="50000"/>
+              </a:schemeClr>
+            </a:solidFill>
+            <a:prstDash val="solid"/>
+            <a:miter lim="400000"/>
+            <a:tailEnd type="triangle"/>
+          </a:ln>
+          <a:effectLst/>
+          <a:sp3d/>
+        </p:spPr>
+        <p:style>
+          <a:lnRef idx="0">
+            <a:scrgbClr r="0" g="0" b="0"/>
+          </a:lnRef>
+          <a:fillRef idx="0">
+            <a:scrgbClr r="0" g="0" b="0"/>
+          </a:fillRef>
+          <a:effectRef idx="0">
+            <a:scrgbClr r="0" g="0" b="0"/>
+          </a:effectRef>
+          <a:fontRef idx="none"/>
+        </p:style>
+      </p:cxnSp>
+      <p:cxnSp>
+        <p:nvCxnSpPr>
+          <p:cNvPr id="33" name="直线箭头连接符 32">
+            <a:extLst>
+              <a:ext uri="{FF2B5EF4-FFF2-40B4-BE49-F238E27FC236}">
+                <a16:creationId xmlns:a16="http://schemas.microsoft.com/office/drawing/2014/main" id="{272EBF6F-1D43-5145-90E5-B9BA91031F61}"/>
+              </a:ext>
+            </a:extLst>
+          </p:cNvPr>
+          <p:cNvCxnSpPr>
+            <a:endCxn id="229" idx="1"/>
+          </p:cNvCxnSpPr>
+          <p:nvPr/>
+        </p:nvCxnSpPr>
+        <p:spPr>
+          <a:xfrm>
+            <a:off x="6189757" y="8796115"/>
+            <a:ext cx="6880738" cy="29771"/>
+          </a:xfrm>
+          <a:prstGeom prst="straightConnector1">
+            <a:avLst/>
+          </a:prstGeom>
+          <a:noFill/>
+          <a:ln w="25400" cap="flat">
+            <a:solidFill>
+              <a:schemeClr val="tx1">
+                <a:lumMod val="50000"/>
+                <a:lumOff val="50000"/>
+              </a:schemeClr>
+            </a:solidFill>
+            <a:prstDash val="solid"/>
+            <a:miter lim="400000"/>
+            <a:tailEnd type="triangle"/>
+          </a:ln>
+          <a:effectLst/>
+          <a:sp3d/>
+        </p:spPr>
+        <p:style>
+          <a:lnRef idx="0">
+            <a:scrgbClr r="0" g="0" b="0"/>
+          </a:lnRef>
+          <a:fillRef idx="0">
+            <a:scrgbClr r="0" g="0" b="0"/>
+          </a:fillRef>
+          <a:effectRef idx="0">
+            <a:scrgbClr r="0" g="0" b="0"/>
+          </a:effectRef>
+          <a:fontRef idx="none"/>
+        </p:style>
+      </p:cxnSp>
+      <p:sp>
+        <p:nvSpPr>
+          <p:cNvPr id="230" name="tcp">
+            <a:extLst>
+              <a:ext uri="{FF2B5EF4-FFF2-40B4-BE49-F238E27FC236}">
+                <a16:creationId xmlns:a16="http://schemas.microsoft.com/office/drawing/2014/main" id="{15579AB4-6652-BC48-80C7-73F8AACD411D}"/>
+              </a:ext>
+            </a:extLst>
+          </p:cNvPr>
+          <p:cNvSpPr txBox="1"/>
+          <p:nvPr/>
+        </p:nvSpPr>
+        <p:spPr>
+          <a:xfrm>
+            <a:off x="9042769" y="8381165"/>
+            <a:ext cx="1327599" cy="421818"/>
+          </a:xfrm>
+          <a:prstGeom prst="rect">
+            <a:avLst/>
+          </a:prstGeom>
+          <a:ln w="12700">
+            <a:miter lim="400000"/>
+          </a:ln>
+          <a:extLst>
+            <a:ext uri="{C572A759-6A51-4108-AA02-DFA0A04FC94B}">
+              <ma14:wrappingTextBoxFlag xmlns="" xmlns:m="http://schemas.openxmlformats.org/officeDocument/2006/math" xmlns:a14="http://schemas.microsoft.com/office/drawing/2010/main" xmlns:ma14="http://schemas.microsoft.com/office/mac/drawingml/2011/main" val="1"/>
+            </a:ext>
+          </a:extLst>
+        </p:spPr>
+        <p:txBody>
+          <a:bodyPr lIns="50800" tIns="50800" rIns="50800" bIns="50800" anchor="ctr"/>
+          <a:lstStyle>
+            <a:lvl1pPr>
+              <a:defRPr sz="2800" b="0">
+                <a:latin typeface="Helvetica Light"/>
+                <a:ea typeface="Helvetica Light"/>
+                <a:cs typeface="Helvetica Light"/>
+                <a:sym typeface="Helvetica Light"/>
+              </a:defRPr>
+            </a:lvl1pPr>
+          </a:lstStyle>
+          <a:p>
+            <a:r>
+              <a:rPr lang="en-US" sz="1800" b="1" dirty="0">
+                <a:solidFill>
+                  <a:srgbClr val="6C6969"/>
+                </a:solidFill>
+                <a:latin typeface="微软雅黑" panose="020B0503020204020204" pitchFamily="34" charset="-122"/>
+                <a:ea typeface="微软雅黑" panose="020B0503020204020204" pitchFamily="34" charset="-122"/>
+              </a:rPr>
+              <a:t>chain</a:t>
+            </a:r>
+            <a:endParaRPr sz="1800" b="1" dirty="0">
+              <a:solidFill>
+                <a:srgbClr val="6C6969"/>
+              </a:solidFill>
+              <a:latin typeface="微软雅黑" panose="020B0503020204020204" pitchFamily="34" charset="-122"/>
+              <a:ea typeface="微软雅黑" panose="020B0503020204020204" pitchFamily="34" charset="-122"/>
+            </a:endParaRPr>
+          </a:p>
+        </p:txBody>
+      </p:sp>
+      <p:cxnSp>
+        <p:nvCxnSpPr>
+          <p:cNvPr id="38" name="直线箭头连接符 37">
+            <a:extLst>
+              <a:ext uri="{FF2B5EF4-FFF2-40B4-BE49-F238E27FC236}">
+                <a16:creationId xmlns:a16="http://schemas.microsoft.com/office/drawing/2014/main" id="{7AC61107-340F-F14E-ABED-33F7B0620C18}"/>
+              </a:ext>
+            </a:extLst>
+          </p:cNvPr>
+          <p:cNvCxnSpPr>
+            <a:cxnSpLocks/>
+            <a:stCxn id="146" idx="0"/>
+          </p:cNvCxnSpPr>
+          <p:nvPr/>
+        </p:nvCxnSpPr>
+        <p:spPr>
+          <a:xfrm flipH="1" flipV="1">
+            <a:off x="11564376" y="3359285"/>
+            <a:ext cx="2912259" cy="746507"/>
+          </a:xfrm>
+          <a:prstGeom prst="straightConnector1">
+            <a:avLst/>
+          </a:prstGeom>
+          <a:noFill/>
+          <a:ln w="25400" cap="flat">
+            <a:solidFill>
+              <a:schemeClr val="tx1">
+                <a:lumMod val="50000"/>
+                <a:lumOff val="50000"/>
+              </a:schemeClr>
+            </a:solidFill>
+            <a:prstDash val="solid"/>
+            <a:miter lim="400000"/>
+            <a:tailEnd type="triangle"/>
+          </a:ln>
+          <a:effectLst/>
+          <a:sp3d/>
+        </p:spPr>
+        <p:style>
+          <a:lnRef idx="0">
+            <a:scrgbClr r="0" g="0" b="0"/>
+          </a:lnRef>
+          <a:fillRef idx="0">
+            <a:scrgbClr r="0" g="0" b="0"/>
+          </a:fillRef>
+          <a:effectRef idx="0">
+            <a:scrgbClr r="0" g="0" b="0"/>
+          </a:effectRef>
+          <a:fontRef idx="none"/>
+        </p:style>
+      </p:cxnSp>
+      <p:cxnSp>
+        <p:nvCxnSpPr>
+          <p:cNvPr id="42" name="直线箭头连接符 41">
+            <a:extLst>
+              <a:ext uri="{FF2B5EF4-FFF2-40B4-BE49-F238E27FC236}">
+                <a16:creationId xmlns:a16="http://schemas.microsoft.com/office/drawing/2014/main" id="{0903E52F-4032-E14D-9171-D5134AF2949C}"/>
+              </a:ext>
+            </a:extLst>
+          </p:cNvPr>
+          <p:cNvCxnSpPr>
+            <a:cxnSpLocks/>
+          </p:cNvCxnSpPr>
+          <p:nvPr/>
+        </p:nvCxnSpPr>
+        <p:spPr>
+          <a:xfrm flipV="1">
+            <a:off x="3508721" y="3319182"/>
+            <a:ext cx="1652465" cy="786611"/>
+          </a:xfrm>
+          <a:prstGeom prst="straightConnector1">
+            <a:avLst/>
+          </a:prstGeom>
+          <a:noFill/>
+          <a:ln w="25400" cap="flat">
+            <a:solidFill>
+              <a:schemeClr val="tx1">
+                <a:lumMod val="50000"/>
+                <a:lumOff val="50000"/>
+              </a:schemeClr>
+            </a:solidFill>
+            <a:prstDash val="solid"/>
+            <a:miter lim="400000"/>
+            <a:headEnd type="triangle"/>
+            <a:tailEnd type="triangle"/>
+          </a:ln>
+          <a:effectLst/>
+          <a:sp3d/>
+        </p:spPr>
+        <p:style>
+          <a:lnRef idx="0">
+            <a:scrgbClr r="0" g="0" b="0"/>
+          </a:lnRef>
+          <a:fillRef idx="0">
+            <a:scrgbClr r="0" g="0" b="0"/>
+          </a:fillRef>
+          <a:effectRef idx="0">
+            <a:scrgbClr r="0" g="0" b="0"/>
+          </a:effectRef>
+          <a:fontRef idx="none"/>
+        </p:style>
+      </p:cxnSp>
+      <p:cxnSp>
+        <p:nvCxnSpPr>
+          <p:cNvPr id="44" name="直线箭头连接符 43">
+            <a:extLst>
+              <a:ext uri="{FF2B5EF4-FFF2-40B4-BE49-F238E27FC236}">
+                <a16:creationId xmlns:a16="http://schemas.microsoft.com/office/drawing/2014/main" id="{0B9D5229-0904-6149-BE44-5317524DFF8B}"/>
+              </a:ext>
+            </a:extLst>
+          </p:cNvPr>
+          <p:cNvCxnSpPr/>
+          <p:nvPr/>
+        </p:nvCxnSpPr>
+        <p:spPr>
+          <a:xfrm>
+            <a:off x="1982860" y="6279609"/>
+            <a:ext cx="346513" cy="0"/>
+          </a:xfrm>
+          <a:prstGeom prst="straightConnector1">
+            <a:avLst/>
+          </a:prstGeom>
+          <a:noFill/>
+          <a:ln w="25400" cap="flat">
+            <a:solidFill>
+              <a:schemeClr val="tx1">
+                <a:lumMod val="50000"/>
+                <a:lumOff val="50000"/>
+              </a:schemeClr>
+            </a:solidFill>
+            <a:prstDash val="solid"/>
+            <a:miter lim="400000"/>
+            <a:tailEnd type="triangle"/>
+          </a:ln>
+          <a:effectLst/>
+          <a:sp3d/>
+        </p:spPr>
+        <p:style>
+          <a:lnRef idx="0">
+            <a:scrgbClr r="0" g="0" b="0"/>
+          </a:lnRef>
+          <a:fillRef idx="0">
+            <a:scrgbClr r="0" g="0" b="0"/>
+          </a:fillRef>
+          <a:effectRef idx="0">
+            <a:scrgbClr r="0" g="0" b="0"/>
+          </a:effectRef>
+          <a:fontRef idx="none"/>
+        </p:style>
+      </p:cxnSp>
+      <p:cxnSp>
+        <p:nvCxnSpPr>
+          <p:cNvPr id="231" name="直线箭头连接符 230">
+            <a:extLst>
+              <a:ext uri="{FF2B5EF4-FFF2-40B4-BE49-F238E27FC236}">
+                <a16:creationId xmlns:a16="http://schemas.microsoft.com/office/drawing/2014/main" id="{2E381F03-17E7-0243-89EC-6CE06341013B}"/>
+              </a:ext>
+            </a:extLst>
+          </p:cNvPr>
+          <p:cNvCxnSpPr/>
+          <p:nvPr/>
+        </p:nvCxnSpPr>
+        <p:spPr>
+          <a:xfrm>
+            <a:off x="3373134" y="6279609"/>
+            <a:ext cx="346513" cy="0"/>
+          </a:xfrm>
+          <a:prstGeom prst="straightConnector1">
+            <a:avLst/>
+          </a:prstGeom>
+          <a:noFill/>
+          <a:ln w="25400" cap="flat">
+            <a:solidFill>
+              <a:schemeClr val="tx1">
+                <a:lumMod val="50000"/>
+                <a:lumOff val="50000"/>
+              </a:schemeClr>
+            </a:solidFill>
+            <a:prstDash val="solid"/>
+            <a:miter lim="400000"/>
+            <a:tailEnd type="triangle"/>
+          </a:ln>
+          <a:effectLst/>
+          <a:sp3d/>
+        </p:spPr>
+        <p:style>
+          <a:lnRef idx="0">
+            <a:scrgbClr r="0" g="0" b="0"/>
+          </a:lnRef>
+          <a:fillRef idx="0">
+            <a:scrgbClr r="0" g="0" b="0"/>
+          </a:fillRef>
+          <a:effectRef idx="0">
+            <a:scrgbClr r="0" g="0" b="0"/>
+          </a:effectRef>
+          <a:fontRef idx="none"/>
+        </p:style>
+      </p:cxnSp>
+      <p:cxnSp>
+        <p:nvCxnSpPr>
+          <p:cNvPr id="232" name="直线箭头连接符 231">
+            <a:extLst>
+              <a:ext uri="{FF2B5EF4-FFF2-40B4-BE49-F238E27FC236}">
+                <a16:creationId xmlns:a16="http://schemas.microsoft.com/office/drawing/2014/main" id="{9DC0B83E-2F13-364A-B8E7-B954AADA522E}"/>
+              </a:ext>
+            </a:extLst>
+          </p:cNvPr>
+          <p:cNvCxnSpPr/>
+          <p:nvPr/>
+        </p:nvCxnSpPr>
+        <p:spPr>
+          <a:xfrm>
+            <a:off x="4774734" y="6279609"/>
+            <a:ext cx="346513" cy="0"/>
+          </a:xfrm>
+          <a:prstGeom prst="straightConnector1">
+            <a:avLst/>
+          </a:prstGeom>
+          <a:noFill/>
+          <a:ln w="25400" cap="flat">
+            <a:solidFill>
+              <a:schemeClr val="tx1">
+                <a:lumMod val="50000"/>
+                <a:lumOff val="50000"/>
+              </a:schemeClr>
+            </a:solidFill>
+            <a:prstDash val="solid"/>
+            <a:miter lim="400000"/>
+            <a:tailEnd type="triangle"/>
+          </a:ln>
+          <a:effectLst/>
+          <a:sp3d/>
+        </p:spPr>
+        <p:style>
+          <a:lnRef idx="0">
+            <a:scrgbClr r="0" g="0" b="0"/>
+          </a:lnRef>
+          <a:fillRef idx="0">
+            <a:scrgbClr r="0" g="0" b="0"/>
+          </a:fillRef>
+          <a:effectRef idx="0">
+            <a:scrgbClr r="0" g="0" b="0"/>
+          </a:effectRef>
+          <a:fontRef idx="none"/>
+        </p:style>
+      </p:cxnSp>
+      <p:cxnSp>
+        <p:nvCxnSpPr>
+          <p:cNvPr id="233" name="直线箭头连接符 232">
+            <a:extLst>
+              <a:ext uri="{FF2B5EF4-FFF2-40B4-BE49-F238E27FC236}">
+                <a16:creationId xmlns:a16="http://schemas.microsoft.com/office/drawing/2014/main" id="{93E3D6E6-21DD-6D48-9901-7443778C14F7}"/>
+              </a:ext>
+            </a:extLst>
+          </p:cNvPr>
+          <p:cNvCxnSpPr/>
+          <p:nvPr/>
+        </p:nvCxnSpPr>
+        <p:spPr>
+          <a:xfrm>
+            <a:off x="14347656" y="6279609"/>
+            <a:ext cx="346513" cy="0"/>
+          </a:xfrm>
+          <a:prstGeom prst="straightConnector1">
+            <a:avLst/>
+          </a:prstGeom>
+          <a:noFill/>
+          <a:ln w="25400" cap="flat">
+            <a:solidFill>
+              <a:schemeClr val="tx1">
+                <a:lumMod val="50000"/>
+                <a:lumOff val="50000"/>
+              </a:schemeClr>
+            </a:solidFill>
+            <a:prstDash val="solid"/>
+            <a:miter lim="400000"/>
+            <a:tailEnd type="triangle"/>
+          </a:ln>
+          <a:effectLst/>
+          <a:sp3d/>
+        </p:spPr>
+        <p:style>
+          <a:lnRef idx="0">
+            <a:scrgbClr r="0" g="0" b="0"/>
+          </a:lnRef>
+          <a:fillRef idx="0">
+            <a:scrgbClr r="0" g="0" b="0"/>
+          </a:fillRef>
+          <a:effectRef idx="0">
+            <a:scrgbClr r="0" g="0" b="0"/>
+          </a:effectRef>
+          <a:fontRef idx="none"/>
+        </p:style>
+      </p:cxnSp>
+      <p:cxnSp>
+        <p:nvCxnSpPr>
+          <p:cNvPr id="46" name="直线箭头连接符 45">
+            <a:extLst>
+              <a:ext uri="{FF2B5EF4-FFF2-40B4-BE49-F238E27FC236}">
+                <a16:creationId xmlns:a16="http://schemas.microsoft.com/office/drawing/2014/main" id="{D0425BF3-BEF2-9046-A069-6D13D7452FC2}"/>
+              </a:ext>
+            </a:extLst>
+          </p:cNvPr>
+          <p:cNvCxnSpPr>
+            <a:cxnSpLocks/>
+          </p:cNvCxnSpPr>
+          <p:nvPr/>
+        </p:nvCxnSpPr>
+        <p:spPr>
+          <a:xfrm>
+            <a:off x="6386129" y="6269873"/>
+            <a:ext cx="1496970" cy="1665"/>
+          </a:xfrm>
+          <a:prstGeom prst="straightConnector1">
+            <a:avLst/>
+          </a:prstGeom>
+          <a:noFill/>
+          <a:ln w="25400" cap="flat">
+            <a:solidFill>
+              <a:schemeClr val="tx1">
+                <a:lumMod val="50000"/>
+                <a:lumOff val="50000"/>
+              </a:schemeClr>
+            </a:solidFill>
+            <a:prstDash val="solid"/>
+            <a:miter lim="400000"/>
+            <a:tailEnd type="triangle"/>
+          </a:ln>
+          <a:effectLst/>
+          <a:sp3d/>
+        </p:spPr>
+        <p:style>
+          <a:lnRef idx="0">
+            <a:scrgbClr r="0" g="0" b="0"/>
+          </a:lnRef>
+          <a:fillRef idx="0">
+            <a:scrgbClr r="0" g="0" b="0"/>
+          </a:fillRef>
+          <a:effectRef idx="0">
+            <a:scrgbClr r="0" g="0" b="0"/>
+          </a:effectRef>
+          <a:fontRef idx="none"/>
+        </p:style>
+      </p:cxnSp>
+      <p:cxnSp>
+        <p:nvCxnSpPr>
+          <p:cNvPr id="234" name="直线箭头连接符 233">
+            <a:extLst>
+              <a:ext uri="{FF2B5EF4-FFF2-40B4-BE49-F238E27FC236}">
+                <a16:creationId xmlns:a16="http://schemas.microsoft.com/office/drawing/2014/main" id="{EC3E11EC-7EA8-A049-8335-9578F9A216F2}"/>
+              </a:ext>
+            </a:extLst>
+          </p:cNvPr>
+          <p:cNvCxnSpPr>
+            <a:cxnSpLocks/>
+          </p:cNvCxnSpPr>
+          <p:nvPr/>
+        </p:nvCxnSpPr>
+        <p:spPr>
+          <a:xfrm>
+            <a:off x="11126927" y="6269873"/>
+            <a:ext cx="1790481" cy="1665"/>
+          </a:xfrm>
+          <a:prstGeom prst="straightConnector1">
+            <a:avLst/>
+          </a:prstGeom>
+          <a:noFill/>
+          <a:ln w="25400" cap="flat">
+            <a:solidFill>
+              <a:schemeClr val="tx1">
+                <a:lumMod val="50000"/>
+                <a:lumOff val="50000"/>
+              </a:schemeClr>
+            </a:solidFill>
+            <a:prstDash val="solid"/>
+            <a:miter lim="400000"/>
+            <a:tailEnd type="triangle"/>
+          </a:ln>
+          <a:effectLst/>
+          <a:sp3d/>
+        </p:spPr>
+        <p:style>
+          <a:lnRef idx="0">
+            <a:scrgbClr r="0" g="0" b="0"/>
+          </a:lnRef>
+          <a:fillRef idx="0">
+            <a:scrgbClr r="0" g="0" b="0"/>
+          </a:fillRef>
+          <a:effectRef idx="0">
+            <a:scrgbClr r="0" g="0" b="0"/>
+          </a:effectRef>
+          <a:fontRef idx="none"/>
+        </p:style>
+      </p:cxnSp>
+      <p:cxnSp>
+        <p:nvCxnSpPr>
+          <p:cNvPr id="48" name="直线箭头连接符 47">
+            <a:extLst>
+              <a:ext uri="{FF2B5EF4-FFF2-40B4-BE49-F238E27FC236}">
+                <a16:creationId xmlns:a16="http://schemas.microsoft.com/office/drawing/2014/main" id="{1A896AD1-F1BD-4949-ACF0-D5D113F987BF}"/>
+              </a:ext>
+            </a:extLst>
+          </p:cNvPr>
+          <p:cNvCxnSpPr/>
+          <p:nvPr/>
+        </p:nvCxnSpPr>
+        <p:spPr>
+          <a:xfrm flipV="1">
+            <a:off x="9214165" y="6271538"/>
+            <a:ext cx="810000" cy="0"/>
+          </a:xfrm>
+          <a:prstGeom prst="straightConnector1">
+            <a:avLst/>
+          </a:prstGeom>
+          <a:noFill/>
+          <a:ln w="25400" cap="flat">
+            <a:solidFill>
+              <a:schemeClr val="tx1">
+                <a:lumMod val="50000"/>
+                <a:lumOff val="50000"/>
+              </a:schemeClr>
+            </a:solidFill>
+            <a:prstDash val="solid"/>
+            <a:miter lim="400000"/>
+            <a:tailEnd type="triangle"/>
+          </a:ln>
+          <a:effectLst/>
+          <a:sp3d/>
+        </p:spPr>
+        <p:style>
+          <a:lnRef idx="0">
+            <a:scrgbClr r="0" g="0" b="0"/>
+          </a:lnRef>
+          <a:fillRef idx="0">
+            <a:scrgbClr r="0" g="0" b="0"/>
+          </a:fillRef>
+          <a:effectRef idx="0">
+            <a:scrgbClr r="0" g="0" b="0"/>
+          </a:effectRef>
+          <a:fontRef idx="none"/>
+        </p:style>
+      </p:cxnSp>
+      <p:sp>
+        <p:nvSpPr>
+          <p:cNvPr id="235" name="Subscribe">
+            <a:extLst>
+              <a:ext uri="{FF2B5EF4-FFF2-40B4-BE49-F238E27FC236}">
+                <a16:creationId xmlns:a16="http://schemas.microsoft.com/office/drawing/2014/main" id="{01B160A0-C47E-384C-B909-A44F78474A95}"/>
+              </a:ext>
+            </a:extLst>
+          </p:cNvPr>
+          <p:cNvSpPr txBox="1"/>
+          <p:nvPr/>
+        </p:nvSpPr>
+        <p:spPr>
+          <a:xfrm rot="20225000">
+            <a:off x="3328896" y="3566592"/>
+            <a:ext cx="1117150" cy="272438"/>
+          </a:xfrm>
+          <a:prstGeom prst="rect">
+            <a:avLst/>
+          </a:prstGeom>
+          <a:noFill/>
+          <a:ln w="12700" cap="flat">
+            <a:noFill/>
+            <a:miter lim="400000"/>
+          </a:ln>
+          <a:effectLst/>
+          <a:extLst>
+            <a:ext uri="{C572A759-6A51-4108-AA02-DFA0A04FC94B}">
+              <ma14:wrappingTextBoxFlag xmlns="" xmlns:m="http://schemas.openxmlformats.org/officeDocument/2006/math" xmlns:a14="http://schemas.microsoft.com/office/drawing/2010/main" xmlns:ma14="http://schemas.microsoft.com/office/mac/drawingml/2011/main" val="1"/>
+            </a:ext>
+          </a:extLst>
+        </p:spPr>
+        <p:txBody>
+          <a:bodyPr wrap="none" lIns="50800" tIns="50800" rIns="50800" bIns="50800" numCol="1" anchor="ctr">
+            <a:spAutoFit/>
+          </a:bodyPr>
+          <a:lstStyle>
+            <a:lvl1pPr>
+              <a:defRPr sz="1300" b="0">
+                <a:latin typeface="Helvetica Light"/>
+                <a:ea typeface="Helvetica Light"/>
+                <a:cs typeface="Helvetica Light"/>
+                <a:sym typeface="Helvetica Light"/>
+              </a:defRPr>
+            </a:lvl1pPr>
+          </a:lstStyle>
+          <a:p>
+            <a:r>
+              <a:rPr sz="1800" b="1" dirty="0">
+                <a:solidFill>
+                  <a:srgbClr val="6C6969"/>
+                </a:solidFill>
+                <a:latin typeface="微软雅黑" panose="020B0503020204020204" pitchFamily="34" charset="-122"/>
+                <a:ea typeface="微软雅黑" panose="020B0503020204020204" pitchFamily="34" charset="-122"/>
+              </a:rPr>
+              <a:t>Subscribe</a:t>
+            </a:r>
+          </a:p>
+        </p:txBody>
+      </p:sp>
+      <p:sp>
+        <p:nvSpPr>
+          <p:cNvPr id="236" name="Notify">
+            <a:extLst>
+              <a:ext uri="{FF2B5EF4-FFF2-40B4-BE49-F238E27FC236}">
+                <a16:creationId xmlns:a16="http://schemas.microsoft.com/office/drawing/2014/main" id="{8FD5FAFD-40E3-4D4E-BB25-7E063C385D62}"/>
+              </a:ext>
+            </a:extLst>
+          </p:cNvPr>
+          <p:cNvSpPr txBox="1"/>
+          <p:nvPr/>
+        </p:nvSpPr>
+        <p:spPr>
+          <a:xfrm rot="20101097">
+            <a:off x="4013023" y="3802342"/>
+            <a:ext cx="762684" cy="272438"/>
+          </a:xfrm>
+          <a:prstGeom prst="rect">
+            <a:avLst/>
+          </a:prstGeom>
+          <a:ln w="12700">
+            <a:miter lim="400000"/>
+          </a:ln>
+          <a:extLst>
+            <a:ext uri="{C572A759-6A51-4108-AA02-DFA0A04FC94B}">
+              <ma14:wrappingTextBoxFlag xmlns="" xmlns:m="http://schemas.openxmlformats.org/officeDocument/2006/math" xmlns:a14="http://schemas.microsoft.com/office/drawing/2010/main" xmlns:ma14="http://schemas.microsoft.com/office/mac/drawingml/2011/main" val="1"/>
+            </a:ext>
+          </a:extLst>
+        </p:spPr>
+        <p:txBody>
+          <a:bodyPr wrap="none" lIns="50800" tIns="50800" rIns="50800" bIns="50800" anchor="ctr">
+            <a:spAutoFit/>
+          </a:bodyPr>
+          <a:lstStyle>
+            <a:lvl1pPr>
+              <a:defRPr sz="1300" b="0">
+                <a:latin typeface="Helvetica Light"/>
+                <a:ea typeface="Helvetica Light"/>
+                <a:cs typeface="Helvetica Light"/>
+                <a:sym typeface="Helvetica Light"/>
+              </a:defRPr>
+            </a:lvl1pPr>
+          </a:lstStyle>
+          <a:p>
+            <a:r>
+              <a:rPr sz="1800" b="1" dirty="0">
+                <a:solidFill>
+                  <a:srgbClr val="6C6969"/>
+                </a:solidFill>
+                <a:latin typeface="微软雅黑" panose="020B0503020204020204" pitchFamily="34" charset="-122"/>
+                <a:ea typeface="微软雅黑" panose="020B0503020204020204" pitchFamily="34" charset="-122"/>
+              </a:rPr>
+              <a:t>Notify</a:t>
+            </a:r>
+          </a:p>
+        </p:txBody>
+      </p:sp>
+      <p:sp>
+        <p:nvSpPr>
+          <p:cNvPr id="237" name="Register">
+            <a:extLst>
+              <a:ext uri="{FF2B5EF4-FFF2-40B4-BE49-F238E27FC236}">
+                <a16:creationId xmlns:a16="http://schemas.microsoft.com/office/drawing/2014/main" id="{6C171471-0C75-744B-B299-EB3E53B0AB3A}"/>
+              </a:ext>
+            </a:extLst>
+          </p:cNvPr>
+          <p:cNvSpPr txBox="1"/>
+          <p:nvPr/>
+        </p:nvSpPr>
+        <p:spPr>
+          <a:xfrm rot="841859">
+            <a:off x="13245009" y="3594837"/>
+            <a:ext cx="768254" cy="287957"/>
+          </a:xfrm>
+          <a:prstGeom prst="rect">
+            <a:avLst/>
+          </a:prstGeom>
+          <a:noFill/>
+          <a:ln w="12700" cap="flat">
+            <a:noFill/>
+            <a:miter lim="400000"/>
+          </a:ln>
+          <a:effectLst/>
+          <a:extLst>
+            <a:ext uri="{C572A759-6A51-4108-AA02-DFA0A04FC94B}">
+              <ma14:wrappingTextBoxFlag xmlns="" xmlns:m="http://schemas.openxmlformats.org/officeDocument/2006/math" xmlns:a14="http://schemas.microsoft.com/office/drawing/2010/main" xmlns:ma14="http://schemas.microsoft.com/office/mac/drawingml/2011/main" val="1"/>
+            </a:ext>
+          </a:extLst>
+        </p:spPr>
+        <p:txBody>
+          <a:bodyPr wrap="none" lIns="50800" tIns="50800" rIns="50800" bIns="50800" numCol="1" anchor="ctr">
+            <a:spAutoFit/>
+          </a:bodyPr>
+          <a:lstStyle>
+            <a:lvl1pPr>
+              <a:defRPr sz="1300" b="0">
+                <a:latin typeface="Helvetica Light"/>
+                <a:ea typeface="Helvetica Light"/>
+                <a:cs typeface="Helvetica Light"/>
+                <a:sym typeface="Helvetica Light"/>
+              </a:defRPr>
+            </a:lvl1pPr>
+          </a:lstStyle>
+          <a:p>
+            <a:r>
+              <a:rPr sz="1800" b="1" dirty="0">
+                <a:solidFill>
+                  <a:srgbClr val="6C6969"/>
+                </a:solidFill>
+                <a:latin typeface="微软雅黑" panose="020B0503020204020204" pitchFamily="34" charset="-122"/>
+                <a:ea typeface="微软雅黑" panose="020B0503020204020204" pitchFamily="34" charset="-122"/>
+              </a:rPr>
+              <a:t>Register</a:t>
+            </a:r>
+          </a:p>
+        </p:txBody>
+      </p:sp>
+      <p:sp>
+        <p:nvSpPr>
+          <p:cNvPr id="73" name="弧 72">
+            <a:extLst>
+              <a:ext uri="{FF2B5EF4-FFF2-40B4-BE49-F238E27FC236}">
+                <a16:creationId xmlns:a16="http://schemas.microsoft.com/office/drawing/2014/main" id="{E932D28E-DCE8-4E4D-A65E-34D4050962C6}"/>
+              </a:ext>
+            </a:extLst>
+          </p:cNvPr>
+          <p:cNvSpPr/>
+          <p:nvPr/>
+        </p:nvSpPr>
+        <p:spPr>
+          <a:xfrm>
+            <a:off x="5831123" y="3830178"/>
+            <a:ext cx="7487592" cy="877564"/>
+          </a:xfrm>
+          <a:prstGeom prst="arc">
+            <a:avLst>
+              <a:gd name="adj1" fmla="val 10807603"/>
+              <a:gd name="adj2" fmla="val 0"/>
+            </a:avLst>
+          </a:prstGeom>
+          <a:noFill/>
+          <a:ln w="63500" cap="flat">
+            <a:solidFill>
+              <a:srgbClr val="000000"/>
+            </a:solidFill>
+            <a:prstDash val="solid"/>
+            <a:miter lim="400000"/>
+            <a:tailEnd type="triangle"/>
+          </a:ln>
+          <a:effectLst/>
+          <a:sp3d/>
+        </p:spPr>
+        <p:style>
+          <a:lnRef idx="0">
+            <a:scrgbClr r="0" g="0" b="0"/>
+          </a:lnRef>
+          <a:fillRef idx="0">
+            <a:scrgbClr r="0" g="0" b="0"/>
+          </a:fillRef>
+          <a:effectRef idx="0">
+            <a:scrgbClr r="0" g="0" b="0"/>
+          </a:effectRef>
+          <a:fontRef idx="none"/>
+        </p:style>
+        <p:txBody>
+          <a:bodyPr rot="0" spcFirstLastPara="1" vertOverflow="overflow" horzOverflow="overflow" vert="horz" wrap="square" lIns="91439" tIns="45719" rIns="91439" bIns="45719" numCol="1" spcCol="38100" rtlCol="0" anchor="t">
+            <a:noAutofit/>
+          </a:bodyPr>
+          <a:lstStyle/>
+          <a:p>
+            <a:pPr marL="0" marR="0" indent="0" algn="l" defTabSz="914400" rtl="0" fontAlgn="auto" latinLnBrk="1" hangingPunct="0">
+              <a:lnSpc>
+                <a:spcPct val="100000"/>
+              </a:lnSpc>
+              <a:spcBef>
+                <a:spcPts val="0"/>
+              </a:spcBef>
+              <a:spcAft>
+                <a:spcPts val="0"/>
+              </a:spcAft>
+              <a:buClrTx/>
+              <a:buSzTx/>
+              <a:buFontTx/>
+              <a:buNone/>
+              <a:tabLst/>
+            </a:pPr>
+            <a:endParaRPr kumimoji="0" lang="zh-CN" altLang="en-US" sz="1800" b="0" i="0" u="none" strike="noStrike" cap="none" spc="0" normalizeH="0" baseline="0">
+              <a:ln>
+                <a:noFill/>
+              </a:ln>
+              <a:solidFill>
+                <a:srgbClr val="000000"/>
+              </a:solidFill>
+              <a:effectLst/>
+              <a:uFillTx/>
+            </a:endParaRPr>
+          </a:p>
+        </p:txBody>
+      </p:sp>
+      <p:sp>
+        <p:nvSpPr>
+          <p:cNvPr id="238" name="tcp">
+            <a:extLst>
+              <a:ext uri="{FF2B5EF4-FFF2-40B4-BE49-F238E27FC236}">
+                <a16:creationId xmlns:a16="http://schemas.microsoft.com/office/drawing/2014/main" id="{C1DAC404-0DE3-6D41-89DA-5C3780AE9819}"/>
+              </a:ext>
+            </a:extLst>
+          </p:cNvPr>
+          <p:cNvSpPr txBox="1"/>
+          <p:nvPr/>
+        </p:nvSpPr>
+        <p:spPr>
+          <a:xfrm>
+            <a:off x="8551643" y="3443162"/>
+            <a:ext cx="1652465" cy="380774"/>
+          </a:xfrm>
+          <a:prstGeom prst="rect">
+            <a:avLst/>
+          </a:prstGeom>
+          <a:ln w="12700">
+            <a:miter lim="400000"/>
+          </a:ln>
+          <a:extLst>
+            <a:ext uri="{C572A759-6A51-4108-AA02-DFA0A04FC94B}">
+              <ma14:wrappingTextBoxFlag xmlns="" xmlns:m="http://schemas.openxmlformats.org/officeDocument/2006/math" xmlns:a14="http://schemas.microsoft.com/office/drawing/2010/main" xmlns:ma14="http://schemas.microsoft.com/office/mac/drawingml/2011/main" val="1"/>
+            </a:ext>
+          </a:extLst>
+        </p:spPr>
+        <p:txBody>
+          <a:bodyPr lIns="50800" tIns="50800" rIns="50800" bIns="50800" anchor="ctr"/>
+          <a:lstStyle>
+            <a:lvl1pPr>
+              <a:defRPr sz="2800" b="0">
+                <a:latin typeface="Helvetica Light"/>
+                <a:ea typeface="Helvetica Light"/>
+                <a:cs typeface="Helvetica Light"/>
+                <a:sym typeface="Helvetica Light"/>
+              </a:defRPr>
+            </a:lvl1pPr>
+          </a:lstStyle>
+          <a:p>
+            <a:r>
+              <a:rPr lang="en-US" sz="1800" b="1" dirty="0">
+                <a:solidFill>
+                  <a:srgbClr val="6C6969"/>
+                </a:solidFill>
+                <a:latin typeface="微软雅黑" panose="020B0503020204020204" pitchFamily="34" charset="-122"/>
+                <a:ea typeface="微软雅黑" panose="020B0503020204020204" pitchFamily="34" charset="-122"/>
+              </a:rPr>
+              <a:t>HTTP / TCP</a:t>
+            </a:r>
+            <a:endParaRPr sz="1800" b="1" dirty="0">
+              <a:solidFill>
+                <a:srgbClr val="6C6969"/>
+              </a:solidFill>
+              <a:latin typeface="微软雅黑" panose="020B0503020204020204" pitchFamily="34" charset="-122"/>
+              <a:ea typeface="微软雅黑" panose="020B0503020204020204" pitchFamily="34" charset="-122"/>
+            </a:endParaRPr>
+          </a:p>
+        </p:txBody>
+      </p:sp>
+      <p:sp>
+        <p:nvSpPr>
+          <p:cNvPr id="128" name="Registries">
+            <a:extLst>
+              <a:ext uri="{FF2B5EF4-FFF2-40B4-BE49-F238E27FC236}">
+                <a16:creationId xmlns:a16="http://schemas.microsoft.com/office/drawing/2014/main" id="{4ED90106-F937-B949-AEB7-E5B557A8C43C}"/>
+              </a:ext>
+            </a:extLst>
+          </p:cNvPr>
+          <p:cNvSpPr/>
+          <p:nvPr/>
+        </p:nvSpPr>
+        <p:spPr>
+          <a:xfrm>
+            <a:off x="537805" y="492653"/>
+            <a:ext cx="16232424" cy="1491680"/>
+          </a:xfrm>
+          <a:prstGeom prst="roundRect">
+            <a:avLst>
+              <a:gd name="adj" fmla="val 7483"/>
+            </a:avLst>
+          </a:prstGeom>
+          <a:solidFill>
+            <a:srgbClr val="F2F2F2"/>
+          </a:solidFill>
+          <a:ln w="12700" cap="flat">
+            <a:noFill/>
+            <a:miter lim="400000"/>
+          </a:ln>
+          <a:effectLst>
+            <a:outerShdw blurRad="38100" dist="25400" dir="5400000" rotWithShape="0">
+              <a:srgbClr val="000000">
+                <a:alpha val="50000"/>
+              </a:srgbClr>
+            </a:outerShdw>
+          </a:effectLst>
+          <a:extLst>
+            <a:ext uri="{C572A759-6A51-4108-AA02-DFA0A04FC94B}">
+              <ma14:wrappingTextBoxFlag xmlns="" xmlns:m="http://schemas.openxmlformats.org/officeDocument/2006/math" xmlns:a14="http://schemas.microsoft.com/office/drawing/2010/main" xmlns:ma14="http://schemas.microsoft.com/office/mac/drawingml/2011/main" val="1"/>
+            </a:ext>
+          </a:extLst>
+        </p:spPr>
+        <p:txBody>
+          <a:bodyPr wrap="square" lIns="50800" tIns="50800" rIns="50800" bIns="50800" numCol="1" anchor="t">
+            <a:noAutofit/>
+          </a:bodyPr>
+          <a:lstStyle/>
+          <a:p>
+            <a:pPr algn="r"/>
+            <a:endParaRPr dirty="0">
+              <a:solidFill>
+                <a:schemeClr val="tx1"/>
+              </a:solidFill>
+              <a:latin typeface="微软雅黑" panose="020B0503020204020204" pitchFamily="34" charset="-122"/>
+              <a:ea typeface="微软雅黑" panose="020B0503020204020204" pitchFamily="34" charset="-122"/>
+              <a:cs typeface="Helvetica Light"/>
+            </a:endParaRPr>
+          </a:p>
+        </p:txBody>
+      </p:sp>
+      <p:grpSp>
+        <p:nvGrpSpPr>
+          <p:cNvPr id="150" name="Group 10">
+            <a:extLst>
+              <a:ext uri="{FF2B5EF4-FFF2-40B4-BE49-F238E27FC236}">
+                <a16:creationId xmlns:a16="http://schemas.microsoft.com/office/drawing/2014/main" id="{8921C0AB-A53D-9F45-B1CF-1CBC93CC6442}"/>
+              </a:ext>
+            </a:extLst>
+          </p:cNvPr>
+          <p:cNvGrpSpPr/>
+          <p:nvPr/>
+        </p:nvGrpSpPr>
+        <p:grpSpPr>
+          <a:xfrm>
+            <a:off x="11449613" y="671868"/>
+            <a:ext cx="5046850" cy="1080000"/>
+            <a:chOff x="9664613" y="7880534"/>
+            <a:chExt cx="5035542" cy="1547722"/>
+          </a:xfrm>
+        </p:grpSpPr>
+        <p:sp>
+          <p:nvSpPr>
+            <p:cNvPr id="153" name="Config center">
+              <a:extLst>
+                <a:ext uri="{FF2B5EF4-FFF2-40B4-BE49-F238E27FC236}">
+                  <a16:creationId xmlns:a16="http://schemas.microsoft.com/office/drawing/2014/main" id="{E3F960EA-2947-214D-B8D0-CA7DA84049D6}"/>
+                </a:ext>
+              </a:extLst>
+            </p:cNvPr>
+            <p:cNvSpPr/>
+            <p:nvPr/>
+          </p:nvSpPr>
+          <p:spPr>
+            <a:xfrm>
+              <a:off x="9664613" y="7880534"/>
+              <a:ext cx="5035542" cy="1547722"/>
+            </a:xfrm>
+            <a:prstGeom prst="roundRect">
+              <a:avLst>
+                <a:gd name="adj" fmla="val 8447"/>
+              </a:avLst>
+            </a:prstGeom>
+            <a:solidFill>
+              <a:srgbClr val="E2F0D9"/>
+            </a:solidFill>
+            <a:ln w="12700" cap="flat">
+              <a:noFill/>
+              <a:miter lim="400000"/>
+            </a:ln>
+            <a:effectLst>
+              <a:outerShdw blurRad="38100" dist="25400" dir="5400000" rotWithShape="0">
+                <a:srgbClr val="000000">
+                  <a:alpha val="50000"/>
+                </a:srgbClr>
+              </a:outerShdw>
+            </a:effectLst>
+            <a:extLst>
+              <a:ext uri="{C572A759-6A51-4108-AA02-DFA0A04FC94B}">
+                <ma14:wrappingTextBoxFlag xmlns="" xmlns:m="http://schemas.openxmlformats.org/officeDocument/2006/math" xmlns:a14="http://schemas.microsoft.com/office/drawing/2010/main" xmlns:ma14="http://schemas.microsoft.com/office/mac/drawingml/2011/main" val="1"/>
+              </a:ext>
+            </a:extLst>
+          </p:spPr>
+          <p:txBody>
+            <a:bodyPr wrap="square" lIns="50800" tIns="50800" rIns="50800" bIns="50800" numCol="1" anchor="b">
+              <a:noAutofit/>
+            </a:bodyPr>
+            <a:lstStyle/>
+            <a:p>
+              <a:r>
+                <a:rPr lang="en-CN" dirty="0">
+                  <a:solidFill>
+                    <a:schemeClr val="tx1"/>
+                  </a:solidFill>
+                  <a:latin typeface="微软雅黑" panose="020B0503020204020204" pitchFamily="34" charset="-122"/>
+                  <a:ea typeface="微软雅黑" panose="020B0503020204020204" pitchFamily="34" charset="-122"/>
+                  <a:cs typeface="Helvetica Light"/>
+                </a:rPr>
+                <a:t>Monitor</a:t>
+              </a:r>
+              <a:r>
+                <a:rPr lang="en-US" altLang="zh-CN" dirty="0">
+                  <a:solidFill>
+                    <a:schemeClr val="tx1"/>
+                  </a:solidFill>
+                  <a:latin typeface="微软雅黑" panose="020B0503020204020204" pitchFamily="34" charset="-122"/>
+                  <a:ea typeface="微软雅黑" panose="020B0503020204020204" pitchFamily="34" charset="-122"/>
+                  <a:cs typeface="Helvetica Light"/>
+                </a:rPr>
+                <a:t>(opentracing</a:t>
+              </a:r>
+              <a:r>
+                <a:rPr lang="zh-CN" altLang="en-US" dirty="0">
+                  <a:solidFill>
+                    <a:schemeClr val="tx1"/>
+                  </a:solidFill>
+                  <a:latin typeface="微软雅黑" panose="020B0503020204020204" pitchFamily="34" charset="-122"/>
+                  <a:ea typeface="微软雅黑" panose="020B0503020204020204" pitchFamily="34" charset="-122"/>
+                  <a:cs typeface="Helvetica Light"/>
+                </a:rPr>
+                <a:t> </a:t>
+              </a:r>
+              <a:r>
+                <a:rPr lang="en-US" altLang="zh-CN" dirty="0">
+                  <a:solidFill>
+                    <a:schemeClr val="tx1"/>
+                  </a:solidFill>
+                  <a:latin typeface="微软雅黑" panose="020B0503020204020204" pitchFamily="34" charset="-122"/>
+                  <a:ea typeface="微软雅黑" panose="020B0503020204020204" pitchFamily="34" charset="-122"/>
+                  <a:cs typeface="Helvetica Light"/>
+                </a:rPr>
+                <a:t>API)</a:t>
+              </a:r>
+              <a:endParaRPr lang="en-CN" dirty="0">
+                <a:solidFill>
+                  <a:schemeClr val="tx1"/>
+                </a:solidFill>
+                <a:latin typeface="微软雅黑" panose="020B0503020204020204" pitchFamily="34" charset="-122"/>
+                <a:ea typeface="微软雅黑" panose="020B0503020204020204" pitchFamily="34" charset="-122"/>
+                <a:cs typeface="Helvetica Light"/>
+              </a:endParaRPr>
+            </a:p>
+          </p:txBody>
+        </p:sp>
+        <p:sp>
+          <p:nvSpPr>
+            <p:cNvPr id="154" name="Apollo">
+              <a:extLst>
+                <a:ext uri="{FF2B5EF4-FFF2-40B4-BE49-F238E27FC236}">
+                  <a16:creationId xmlns:a16="http://schemas.microsoft.com/office/drawing/2014/main" id="{7CE8686A-B690-604E-8316-E2AD44E78134}"/>
+                </a:ext>
+              </a:extLst>
+            </p:cNvPr>
+            <p:cNvSpPr/>
+            <p:nvPr/>
+          </p:nvSpPr>
+          <p:spPr>
+            <a:xfrm>
+              <a:off x="10066761" y="8122053"/>
+              <a:ext cx="1270001" cy="567498"/>
+            </a:xfrm>
+            <a:prstGeom prst="roundRect">
+              <a:avLst/>
+            </a:prstGeom>
+            <a:solidFill>
+              <a:schemeClr val="accent2">
+                <a:lumMod val="75000"/>
+              </a:schemeClr>
+            </a:solidFill>
+            <a:ln w="12700" cap="flat">
+              <a:noFill/>
+              <a:miter lim="400000"/>
+            </a:ln>
+            <a:effectLst>
+              <a:outerShdw blurRad="38100" dist="25400" dir="5400000" rotWithShape="0">
+                <a:srgbClr val="000000">
+                  <a:alpha val="50000"/>
+                </a:srgbClr>
+              </a:outerShdw>
+            </a:effectLst>
+            <a:extLst>
+              <a:ext uri="{C572A759-6A51-4108-AA02-DFA0A04FC94B}">
+                <ma14:wrappingTextBoxFlag xmlns="" xmlns:m="http://schemas.openxmlformats.org/officeDocument/2006/math" xmlns:a14="http://schemas.microsoft.com/office/drawing/2010/main" xmlns:ma14="http://schemas.microsoft.com/office/mac/drawingml/2011/main" val="1"/>
+              </a:ext>
+            </a:extLst>
+          </p:spPr>
+          <p:txBody>
+            <a:bodyPr wrap="square" lIns="50800" tIns="50800" rIns="50800" bIns="50800" numCol="1" anchor="ctr">
+              <a:noAutofit/>
+            </a:bodyPr>
+            <a:lstStyle>
+              <a:lvl1pPr>
+                <a:defRPr b="0">
+                  <a:solidFill>
+                    <a:srgbClr val="FFFFFF"/>
+                  </a:solidFill>
+                  <a:latin typeface="Helvetica Light"/>
+                  <a:ea typeface="Helvetica Light"/>
+                  <a:cs typeface="Helvetica Light"/>
+                  <a:sym typeface="Helvetica Light"/>
+                </a:defRPr>
+              </a:lvl1pPr>
+            </a:lstStyle>
+            <a:p>
+              <a:r>
+                <a:rPr lang="en-US" dirty="0" err="1">
+                  <a:latin typeface="微软雅黑" panose="020B0503020204020204" pitchFamily="34" charset="-122"/>
+                  <a:ea typeface="微软雅黑" panose="020B0503020204020204" pitchFamily="34" charset="-122"/>
+                </a:rPr>
+                <a:t>zipkin</a:t>
+              </a:r>
+              <a:endParaRPr dirty="0">
+                <a:latin typeface="微软雅黑" panose="020B0503020204020204" pitchFamily="34" charset="-122"/>
+                <a:ea typeface="微软雅黑" panose="020B0503020204020204" pitchFamily="34" charset="-122"/>
+              </a:endParaRPr>
+            </a:p>
+          </p:txBody>
+        </p:sp>
+        <p:sp>
+          <p:nvSpPr>
+            <p:cNvPr id="161" name="zk">
+              <a:extLst>
+                <a:ext uri="{FF2B5EF4-FFF2-40B4-BE49-F238E27FC236}">
+                  <a16:creationId xmlns:a16="http://schemas.microsoft.com/office/drawing/2014/main" id="{A5B65C12-985F-5D43-88C2-7EA895D2CA58}"/>
+                </a:ext>
+              </a:extLst>
+            </p:cNvPr>
+            <p:cNvSpPr/>
+            <p:nvPr/>
+          </p:nvSpPr>
+          <p:spPr>
+            <a:xfrm>
+              <a:off x="11519829" y="8141235"/>
+              <a:ext cx="1270001" cy="567498"/>
+            </a:xfrm>
+            <a:prstGeom prst="roundRect">
+              <a:avLst/>
+            </a:prstGeom>
+            <a:solidFill>
+              <a:schemeClr val="accent2">
+                <a:lumMod val="75000"/>
+              </a:schemeClr>
+            </a:solidFill>
+            <a:ln w="12700" cap="flat">
+              <a:noFill/>
+              <a:miter lim="400000"/>
+            </a:ln>
+            <a:effectLst>
+              <a:outerShdw blurRad="38100" dist="25400" dir="5400000" rotWithShape="0">
+                <a:srgbClr val="000000">
+                  <a:alpha val="50000"/>
+                </a:srgbClr>
+              </a:outerShdw>
+            </a:effectLst>
+            <a:extLst>
+              <a:ext uri="{C572A759-6A51-4108-AA02-DFA0A04FC94B}">
+                <ma14:wrappingTextBoxFlag xmlns="" xmlns:m="http://schemas.openxmlformats.org/officeDocument/2006/math" xmlns:a14="http://schemas.microsoft.com/office/drawing/2010/main" xmlns:ma14="http://schemas.microsoft.com/office/mac/drawingml/2011/main" val="1"/>
+              </a:ext>
+            </a:extLst>
+          </p:spPr>
+          <p:txBody>
+            <a:bodyPr wrap="square" lIns="50800" tIns="50800" rIns="50800" bIns="50800" numCol="1" anchor="ctr">
+              <a:noAutofit/>
+            </a:bodyPr>
+            <a:lstStyle>
+              <a:lvl1pPr>
+                <a:defRPr b="0">
+                  <a:solidFill>
+                    <a:srgbClr val="FFFFFF"/>
+                  </a:solidFill>
+                  <a:latin typeface="Helvetica Light"/>
+                  <a:ea typeface="Helvetica Light"/>
+                  <a:cs typeface="Helvetica Light"/>
+                  <a:sym typeface="Helvetica Light"/>
+                </a:defRPr>
+              </a:lvl1pPr>
+            </a:lstStyle>
+            <a:p>
+              <a:r>
+                <a:rPr lang="en-US" altLang="zh-CN" dirty="0">
+                  <a:latin typeface="微软雅黑" panose="020B0503020204020204" pitchFamily="34" charset="-122"/>
+                  <a:ea typeface="微软雅黑" panose="020B0503020204020204" pitchFamily="34" charset="-122"/>
+                </a:rPr>
+                <a:t>jaeger</a:t>
+              </a:r>
+              <a:endParaRPr dirty="0">
+                <a:latin typeface="微软雅黑" panose="020B0503020204020204" pitchFamily="34" charset="-122"/>
+                <a:ea typeface="微软雅黑" panose="020B0503020204020204" pitchFamily="34" charset="-122"/>
+              </a:endParaRPr>
+            </a:p>
+          </p:txBody>
+        </p:sp>
+        <p:sp>
+          <p:nvSpPr>
+            <p:cNvPr id="162" name="zk">
+              <a:extLst>
+                <a:ext uri="{FF2B5EF4-FFF2-40B4-BE49-F238E27FC236}">
+                  <a16:creationId xmlns:a16="http://schemas.microsoft.com/office/drawing/2014/main" id="{30B562CF-FCF3-2F46-9451-9A2C99B512AD}"/>
+                </a:ext>
+              </a:extLst>
+            </p:cNvPr>
+            <p:cNvSpPr/>
+            <p:nvPr/>
+          </p:nvSpPr>
+          <p:spPr>
+            <a:xfrm>
+              <a:off x="13035173" y="8123708"/>
+              <a:ext cx="1270001" cy="567498"/>
+            </a:xfrm>
+            <a:prstGeom prst="roundRect">
+              <a:avLst/>
+            </a:prstGeom>
+            <a:solidFill>
+              <a:schemeClr val="accent2">
+                <a:lumMod val="75000"/>
+              </a:schemeClr>
+            </a:solidFill>
+            <a:ln w="12700" cap="flat">
+              <a:noFill/>
+              <a:miter lim="400000"/>
+            </a:ln>
+            <a:effectLst>
+              <a:outerShdw blurRad="38100" dist="25400" dir="5400000" rotWithShape="0">
+                <a:srgbClr val="000000">
+                  <a:alpha val="50000"/>
+                </a:srgbClr>
+              </a:outerShdw>
+            </a:effectLst>
+            <a:extLst>
+              <a:ext uri="{C572A759-6A51-4108-AA02-DFA0A04FC94B}">
+                <ma14:wrappingTextBoxFlag xmlns="" xmlns:m="http://schemas.openxmlformats.org/officeDocument/2006/math" xmlns:a14="http://schemas.microsoft.com/office/drawing/2010/main" xmlns:ma14="http://schemas.microsoft.com/office/mac/drawingml/2011/main" val="1"/>
+              </a:ext>
+            </a:extLst>
+          </p:spPr>
+          <p:txBody>
+            <a:bodyPr wrap="square" lIns="50800" tIns="50800" rIns="50800" bIns="50800" numCol="1" anchor="ctr">
+              <a:noAutofit/>
+            </a:bodyPr>
+            <a:lstStyle>
+              <a:lvl1pPr>
+                <a:defRPr b="0">
+                  <a:solidFill>
+                    <a:srgbClr val="FFFFFF"/>
+                  </a:solidFill>
+                  <a:latin typeface="Helvetica Light"/>
+                  <a:ea typeface="Helvetica Light"/>
+                  <a:cs typeface="Helvetica Light"/>
+                  <a:sym typeface="Helvetica Light"/>
+                </a:defRPr>
+              </a:lvl1pPr>
+            </a:lstStyle>
+            <a:p>
+              <a:r>
+                <a:rPr lang="en-US" altLang="zh-CN" dirty="0">
+                  <a:latin typeface="微软雅黑" panose="020B0503020204020204" pitchFamily="34" charset="-122"/>
+                  <a:ea typeface="微软雅黑" panose="020B0503020204020204" pitchFamily="34" charset="-122"/>
+                </a:rPr>
+                <a:t>…</a:t>
+              </a:r>
+              <a:endParaRPr dirty="0">
+                <a:latin typeface="微软雅黑" panose="020B0503020204020204" pitchFamily="34" charset="-122"/>
+                <a:ea typeface="微软雅黑" panose="020B0503020204020204" pitchFamily="34" charset="-122"/>
+              </a:endParaRPr>
+            </a:p>
+          </p:txBody>
+        </p:sp>
+      </p:grpSp>
+      <p:grpSp>
+        <p:nvGrpSpPr>
+          <p:cNvPr id="163" name="Group 9">
+            <a:extLst>
+              <a:ext uri="{FF2B5EF4-FFF2-40B4-BE49-F238E27FC236}">
+                <a16:creationId xmlns:a16="http://schemas.microsoft.com/office/drawing/2014/main" id="{B62DEDC1-E2CD-A74B-BA5E-ECBB97672538}"/>
+              </a:ext>
+            </a:extLst>
+          </p:cNvPr>
+          <p:cNvGrpSpPr/>
+          <p:nvPr/>
+        </p:nvGrpSpPr>
+        <p:grpSpPr>
+          <a:xfrm>
+            <a:off x="843800" y="671972"/>
+            <a:ext cx="3760284" cy="1080000"/>
+            <a:chOff x="4546317" y="7884223"/>
+            <a:chExt cx="4244286" cy="1494743"/>
+          </a:xfrm>
+        </p:grpSpPr>
+        <p:sp>
+          <p:nvSpPr>
+            <p:cNvPr id="168" name="Config center">
+              <a:extLst>
+                <a:ext uri="{FF2B5EF4-FFF2-40B4-BE49-F238E27FC236}">
+                  <a16:creationId xmlns:a16="http://schemas.microsoft.com/office/drawing/2014/main" id="{E8626B6A-D7E2-8A45-93CB-0944C588F6B6}"/>
+                </a:ext>
+              </a:extLst>
+            </p:cNvPr>
+            <p:cNvSpPr/>
+            <p:nvPr/>
+          </p:nvSpPr>
+          <p:spPr>
+            <a:xfrm>
+              <a:off x="4546317" y="7884223"/>
+              <a:ext cx="4244286" cy="1494743"/>
+            </a:xfrm>
+            <a:prstGeom prst="roundRect">
+              <a:avLst>
+                <a:gd name="adj" fmla="val 8447"/>
+              </a:avLst>
+            </a:prstGeom>
+            <a:solidFill>
+              <a:srgbClr val="E2F0D9"/>
+            </a:solidFill>
+            <a:ln w="12700" cap="flat">
+              <a:noFill/>
+              <a:miter lim="400000"/>
+            </a:ln>
+            <a:effectLst>
+              <a:outerShdw blurRad="38100" dist="25400" dir="5400000" rotWithShape="0">
+                <a:srgbClr val="000000">
+                  <a:alpha val="50000"/>
+                </a:srgbClr>
+              </a:outerShdw>
+            </a:effectLst>
+            <a:extLst>
+              <a:ext uri="{C572A759-6A51-4108-AA02-DFA0A04FC94B}">
+                <ma14:wrappingTextBoxFlag xmlns="" xmlns:m="http://schemas.openxmlformats.org/officeDocument/2006/math" xmlns:a14="http://schemas.microsoft.com/office/drawing/2010/main" xmlns:ma14="http://schemas.microsoft.com/office/mac/drawingml/2011/main" val="1"/>
+              </a:ext>
+            </a:extLst>
+          </p:spPr>
+          <p:txBody>
+            <a:bodyPr wrap="square" lIns="50800" tIns="50800" rIns="50800" bIns="50800" numCol="1" anchor="b">
+              <a:noAutofit/>
+            </a:bodyPr>
+            <a:lstStyle/>
+            <a:p>
+              <a:r>
+                <a:rPr lang="en-US" altLang="zh-CN" dirty="0">
+                  <a:solidFill>
+                    <a:schemeClr val="tx1"/>
+                  </a:solidFill>
+                  <a:latin typeface="微软雅黑" panose="020B0503020204020204" pitchFamily="34" charset="-122"/>
+                  <a:ea typeface="微软雅黑" panose="020B0503020204020204" pitchFamily="34" charset="-122"/>
+                  <a:cs typeface="Helvetica Light"/>
+                </a:rPr>
+                <a:t>Config</a:t>
+              </a:r>
+              <a:r>
+                <a:rPr lang="zh-CN" altLang="en-US" dirty="0">
+                  <a:solidFill>
+                    <a:schemeClr val="tx1"/>
+                  </a:solidFill>
+                  <a:latin typeface="微软雅黑" panose="020B0503020204020204" pitchFamily="34" charset="-122"/>
+                  <a:ea typeface="微软雅黑" panose="020B0503020204020204" pitchFamily="34" charset="-122"/>
+                  <a:cs typeface="Helvetica Light"/>
+                </a:rPr>
+                <a:t> </a:t>
+              </a:r>
+              <a:r>
+                <a:rPr lang="en-US" altLang="zh-CN" dirty="0">
+                  <a:solidFill>
+                    <a:schemeClr val="tx1"/>
+                  </a:solidFill>
+                  <a:latin typeface="微软雅黑" panose="020B0503020204020204" pitchFamily="34" charset="-122"/>
+                  <a:ea typeface="微软雅黑" panose="020B0503020204020204" pitchFamily="34" charset="-122"/>
+                  <a:cs typeface="Helvetica Light"/>
+                </a:rPr>
+                <a:t>center</a:t>
+              </a:r>
+              <a:endParaRPr dirty="0">
+                <a:solidFill>
+                  <a:schemeClr val="tx1"/>
+                </a:solidFill>
+                <a:latin typeface="微软雅黑" panose="020B0503020204020204" pitchFamily="34" charset="-122"/>
+                <a:ea typeface="微软雅黑" panose="020B0503020204020204" pitchFamily="34" charset="-122"/>
+                <a:cs typeface="Helvetica Light"/>
+              </a:endParaRPr>
+            </a:p>
+          </p:txBody>
+        </p:sp>
+        <p:sp>
+          <p:nvSpPr>
+            <p:cNvPr id="171" name="Apollo">
+              <a:extLst>
+                <a:ext uri="{FF2B5EF4-FFF2-40B4-BE49-F238E27FC236}">
+                  <a16:creationId xmlns:a16="http://schemas.microsoft.com/office/drawing/2014/main" id="{DD369E5A-C468-2341-8B96-58358BAEFED9}"/>
+                </a:ext>
+              </a:extLst>
+            </p:cNvPr>
+            <p:cNvSpPr/>
+            <p:nvPr/>
+          </p:nvSpPr>
+          <p:spPr>
+            <a:xfrm>
+              <a:off x="4780017" y="8081135"/>
+              <a:ext cx="1270001" cy="548072"/>
+            </a:xfrm>
+            <a:prstGeom prst="roundRect">
+              <a:avLst/>
+            </a:prstGeom>
+            <a:solidFill>
+              <a:schemeClr val="accent2">
+                <a:lumMod val="75000"/>
+              </a:schemeClr>
+            </a:solidFill>
+            <a:ln w="12700" cap="flat">
+              <a:noFill/>
+              <a:miter lim="400000"/>
+            </a:ln>
+            <a:effectLst>
+              <a:outerShdw blurRad="38100" dist="25400" dir="5400000" rotWithShape="0">
+                <a:srgbClr val="000000">
+                  <a:alpha val="50000"/>
+                </a:srgbClr>
+              </a:outerShdw>
+            </a:effectLst>
+            <a:extLst>
+              <a:ext uri="{C572A759-6A51-4108-AA02-DFA0A04FC94B}">
+                <ma14:wrappingTextBoxFlag xmlns="" xmlns:m="http://schemas.openxmlformats.org/officeDocument/2006/math" xmlns:a14="http://schemas.microsoft.com/office/drawing/2010/main" xmlns:ma14="http://schemas.microsoft.com/office/mac/drawingml/2011/main" val="1"/>
+              </a:ext>
+            </a:extLst>
+          </p:spPr>
+          <p:txBody>
+            <a:bodyPr wrap="square" lIns="50800" tIns="50800" rIns="50800" bIns="50800" numCol="1" anchor="ctr">
+              <a:noAutofit/>
+            </a:bodyPr>
+            <a:lstStyle>
+              <a:lvl1pPr>
+                <a:defRPr b="0">
+                  <a:solidFill>
+                    <a:srgbClr val="FFFFFF"/>
+                  </a:solidFill>
+                  <a:latin typeface="Helvetica Light"/>
+                  <a:ea typeface="Helvetica Light"/>
+                  <a:cs typeface="Helvetica Light"/>
+                  <a:sym typeface="Helvetica Light"/>
+                </a:defRPr>
+              </a:lvl1pPr>
+            </a:lstStyle>
+            <a:p>
+              <a:r>
+                <a:rPr lang="en-US" dirty="0" err="1">
+                  <a:latin typeface="微软雅黑" panose="020B0503020204020204" pitchFamily="34" charset="-122"/>
+                  <a:ea typeface="微软雅黑" panose="020B0503020204020204" pitchFamily="34" charset="-122"/>
+                </a:rPr>
+                <a:t>a</a:t>
+              </a:r>
+              <a:r>
+                <a:rPr dirty="0" err="1">
+                  <a:latin typeface="微软雅黑" panose="020B0503020204020204" pitchFamily="34" charset="-122"/>
+                  <a:ea typeface="微软雅黑" panose="020B0503020204020204" pitchFamily="34" charset="-122"/>
+                </a:rPr>
+                <a:t>pollo</a:t>
+              </a:r>
+              <a:endParaRPr dirty="0">
+                <a:latin typeface="微软雅黑" panose="020B0503020204020204" pitchFamily="34" charset="-122"/>
+                <a:ea typeface="微软雅黑" panose="020B0503020204020204" pitchFamily="34" charset="-122"/>
+              </a:endParaRPr>
+            </a:p>
+          </p:txBody>
+        </p:sp>
+        <p:sp>
+          <p:nvSpPr>
+            <p:cNvPr id="172" name="zk">
+              <a:extLst>
+                <a:ext uri="{FF2B5EF4-FFF2-40B4-BE49-F238E27FC236}">
+                  <a16:creationId xmlns:a16="http://schemas.microsoft.com/office/drawing/2014/main" id="{235E1B4F-9F25-D94C-9318-84D72A2A9283}"/>
+                </a:ext>
+              </a:extLst>
+            </p:cNvPr>
+            <p:cNvSpPr/>
+            <p:nvPr/>
+          </p:nvSpPr>
+          <p:spPr>
+            <a:xfrm>
+              <a:off x="6275327" y="8083276"/>
+              <a:ext cx="865374" cy="548072"/>
+            </a:xfrm>
+            <a:prstGeom prst="roundRect">
+              <a:avLst/>
+            </a:prstGeom>
+            <a:solidFill>
+              <a:schemeClr val="accent2">
+                <a:lumMod val="75000"/>
+              </a:schemeClr>
+            </a:solidFill>
+            <a:ln w="12700" cap="flat">
+              <a:noFill/>
+              <a:miter lim="400000"/>
+            </a:ln>
+            <a:effectLst>
+              <a:outerShdw blurRad="38100" dist="25400" dir="5400000" rotWithShape="0">
+                <a:srgbClr val="000000">
+                  <a:alpha val="50000"/>
+                </a:srgbClr>
+              </a:outerShdw>
+            </a:effectLst>
+            <a:extLst>
+              <a:ext uri="{C572A759-6A51-4108-AA02-DFA0A04FC94B}">
+                <ma14:wrappingTextBoxFlag xmlns="" xmlns:m="http://schemas.openxmlformats.org/officeDocument/2006/math" xmlns:a14="http://schemas.microsoft.com/office/drawing/2010/main" xmlns:ma14="http://schemas.microsoft.com/office/mac/drawingml/2011/main" val="1"/>
+              </a:ext>
+            </a:extLst>
+          </p:spPr>
+          <p:txBody>
+            <a:bodyPr wrap="square" lIns="50800" tIns="50800" rIns="50800" bIns="50800" numCol="1" anchor="ctr">
+              <a:noAutofit/>
+            </a:bodyPr>
+            <a:lstStyle>
+              <a:lvl1pPr>
+                <a:defRPr b="0">
+                  <a:solidFill>
+                    <a:srgbClr val="FFFFFF"/>
+                  </a:solidFill>
+                  <a:latin typeface="Helvetica Light"/>
+                  <a:ea typeface="Helvetica Light"/>
+                  <a:cs typeface="Helvetica Light"/>
+                  <a:sym typeface="Helvetica Light"/>
+                </a:defRPr>
+              </a:lvl1pPr>
+            </a:lstStyle>
+            <a:p>
+              <a:r>
+                <a:rPr dirty="0" err="1">
+                  <a:latin typeface="微软雅黑" panose="020B0503020204020204" pitchFamily="34" charset="-122"/>
+                  <a:ea typeface="微软雅黑" panose="020B0503020204020204" pitchFamily="34" charset="-122"/>
+                </a:rPr>
+                <a:t>zk</a:t>
+              </a:r>
+              <a:endParaRPr dirty="0">
+                <a:latin typeface="微软雅黑" panose="020B0503020204020204" pitchFamily="34" charset="-122"/>
+                <a:ea typeface="微软雅黑" panose="020B0503020204020204" pitchFamily="34" charset="-122"/>
+              </a:endParaRPr>
+            </a:p>
+          </p:txBody>
+        </p:sp>
+        <p:sp>
+          <p:nvSpPr>
+            <p:cNvPr id="173" name="Apollo">
+              <a:extLst>
+                <a:ext uri="{FF2B5EF4-FFF2-40B4-BE49-F238E27FC236}">
+                  <a16:creationId xmlns:a16="http://schemas.microsoft.com/office/drawing/2014/main" id="{EB2B3711-A5E0-0244-B139-22ECBE8A6975}"/>
+                </a:ext>
+              </a:extLst>
+            </p:cNvPr>
+            <p:cNvSpPr/>
+            <p:nvPr/>
+          </p:nvSpPr>
+          <p:spPr>
+            <a:xfrm>
+              <a:off x="7377674" y="8077511"/>
+              <a:ext cx="1270001" cy="548072"/>
+            </a:xfrm>
+            <a:prstGeom prst="roundRect">
+              <a:avLst/>
+            </a:prstGeom>
+            <a:solidFill>
+              <a:schemeClr val="accent2">
+                <a:lumMod val="75000"/>
+              </a:schemeClr>
+            </a:solidFill>
+            <a:ln w="12700" cap="flat">
+              <a:noFill/>
+              <a:miter lim="400000"/>
+            </a:ln>
+            <a:effectLst>
+              <a:outerShdw blurRad="38100" dist="25400" dir="5400000" rotWithShape="0">
+                <a:srgbClr val="000000">
+                  <a:alpha val="50000"/>
+                </a:srgbClr>
+              </a:outerShdw>
+            </a:effectLst>
+            <a:extLst>
+              <a:ext uri="{C572A759-6A51-4108-AA02-DFA0A04FC94B}">
+                <ma14:wrappingTextBoxFlag xmlns="" xmlns:m="http://schemas.openxmlformats.org/officeDocument/2006/math" xmlns:a14="http://schemas.microsoft.com/office/drawing/2010/main" xmlns:ma14="http://schemas.microsoft.com/office/mac/drawingml/2011/main" val="1"/>
+              </a:ext>
+            </a:extLst>
+          </p:spPr>
+          <p:txBody>
+            <a:bodyPr wrap="square" lIns="50800" tIns="50800" rIns="50800" bIns="50800" numCol="1" anchor="ctr">
+              <a:noAutofit/>
+            </a:bodyPr>
+            <a:lstStyle>
+              <a:lvl1pPr>
+                <a:defRPr b="0">
+                  <a:solidFill>
+                    <a:srgbClr val="FFFFFF"/>
+                  </a:solidFill>
+                  <a:latin typeface="Helvetica Light"/>
+                  <a:ea typeface="Helvetica Light"/>
+                  <a:cs typeface="Helvetica Light"/>
+                  <a:sym typeface="Helvetica Light"/>
+                </a:defRPr>
+              </a:lvl1pPr>
+            </a:lstStyle>
+            <a:p>
+              <a:r>
+                <a:rPr lang="en-US" dirty="0" err="1">
+                  <a:latin typeface="微软雅黑" panose="020B0503020204020204" pitchFamily="34" charset="-122"/>
+                  <a:ea typeface="微软雅黑" panose="020B0503020204020204" pitchFamily="34" charset="-122"/>
+                </a:rPr>
+                <a:t>nacos</a:t>
+              </a:r>
+              <a:endParaRPr dirty="0">
+                <a:latin typeface="微软雅黑" panose="020B0503020204020204" pitchFamily="34" charset="-122"/>
+                <a:ea typeface="微软雅黑" panose="020B0503020204020204" pitchFamily="34" charset="-122"/>
+              </a:endParaRPr>
+            </a:p>
+          </p:txBody>
+        </p:sp>
+      </p:grpSp>
+      <p:grpSp>
+        <p:nvGrpSpPr>
+          <p:cNvPr id="2" name="组合 1">
+            <a:extLst>
+              <a:ext uri="{FF2B5EF4-FFF2-40B4-BE49-F238E27FC236}">
+                <a16:creationId xmlns:a16="http://schemas.microsoft.com/office/drawing/2014/main" id="{A6B57E1C-6730-A646-A584-D3CCAAC3116C}"/>
+              </a:ext>
+            </a:extLst>
+          </p:cNvPr>
+          <p:cNvGrpSpPr/>
+          <p:nvPr/>
+        </p:nvGrpSpPr>
+        <p:grpSpPr>
+          <a:xfrm>
+            <a:off x="5425013" y="671972"/>
+            <a:ext cx="5203671" cy="1080000"/>
+            <a:chOff x="5425013" y="335090"/>
+            <a:chExt cx="5203671" cy="1080000"/>
+          </a:xfrm>
+        </p:grpSpPr>
+        <p:sp>
+          <p:nvSpPr>
+            <p:cNvPr id="138" name="Config center">
+              <a:extLst>
+                <a:ext uri="{FF2B5EF4-FFF2-40B4-BE49-F238E27FC236}">
+                  <a16:creationId xmlns:a16="http://schemas.microsoft.com/office/drawing/2014/main" id="{BDBFEF54-794D-004B-BF56-D02929008F93}"/>
+                </a:ext>
+              </a:extLst>
+            </p:cNvPr>
+            <p:cNvSpPr/>
+            <p:nvPr/>
+          </p:nvSpPr>
+          <p:spPr>
+            <a:xfrm>
+              <a:off x="5425013" y="335090"/>
+              <a:ext cx="5203671" cy="1080000"/>
+            </a:xfrm>
+            <a:prstGeom prst="roundRect">
+              <a:avLst>
+                <a:gd name="adj" fmla="val 8447"/>
+              </a:avLst>
+            </a:prstGeom>
+            <a:solidFill>
+              <a:srgbClr val="E2F0D9"/>
+            </a:solidFill>
+            <a:ln w="12700" cap="flat">
+              <a:noFill/>
+              <a:miter lim="400000"/>
+            </a:ln>
+            <a:effectLst>
+              <a:outerShdw blurRad="38100" dist="25400" dir="5400000" rotWithShape="0">
+                <a:srgbClr val="000000">
+                  <a:alpha val="50000"/>
+                </a:srgbClr>
+              </a:outerShdw>
+            </a:effectLst>
+            <a:extLst>
+              <a:ext uri="{C572A759-6A51-4108-AA02-DFA0A04FC94B}">
+                <ma14:wrappingTextBoxFlag xmlns="" xmlns:m="http://schemas.openxmlformats.org/officeDocument/2006/math" xmlns:a14="http://schemas.microsoft.com/office/drawing/2010/main" xmlns:ma14="http://schemas.microsoft.com/office/mac/drawingml/2011/main" val="1"/>
+              </a:ext>
+            </a:extLst>
+          </p:spPr>
+          <p:txBody>
+            <a:bodyPr wrap="square" lIns="50800" tIns="50800" rIns="50800" bIns="50800" numCol="1" anchor="b">
+              <a:noAutofit/>
+            </a:bodyPr>
+            <a:lstStyle/>
+            <a:p>
+              <a:r>
+                <a:rPr lang="en-US" altLang="zh-CN" dirty="0">
+                  <a:solidFill>
+                    <a:schemeClr val="tx1"/>
+                  </a:solidFill>
+                  <a:latin typeface="微软雅黑" panose="020B0503020204020204" pitchFamily="34" charset="-122"/>
+                  <a:ea typeface="微软雅黑" panose="020B0503020204020204" pitchFamily="34" charset="-122"/>
+                  <a:cs typeface="Helvetica Light"/>
+                </a:rPr>
+                <a:t>Metadata</a:t>
+              </a:r>
+              <a:r>
+                <a:rPr lang="zh-CN" altLang="en-US" dirty="0">
+                  <a:solidFill>
+                    <a:schemeClr val="tx1"/>
+                  </a:solidFill>
+                  <a:latin typeface="微软雅黑" panose="020B0503020204020204" pitchFamily="34" charset="-122"/>
+                  <a:ea typeface="微软雅黑" panose="020B0503020204020204" pitchFamily="34" charset="-122"/>
+                  <a:cs typeface="Helvetica Light"/>
+                </a:rPr>
+                <a:t> </a:t>
+              </a:r>
+              <a:r>
+                <a:rPr lang="en-US" altLang="zh-CN" dirty="0">
+                  <a:solidFill>
+                    <a:schemeClr val="tx1"/>
+                  </a:solidFill>
+                  <a:latin typeface="微软雅黑" panose="020B0503020204020204" pitchFamily="34" charset="-122"/>
+                  <a:ea typeface="微软雅黑" panose="020B0503020204020204" pitchFamily="34" charset="-122"/>
+                  <a:cs typeface="Helvetica Light"/>
+                </a:rPr>
+                <a:t>center</a:t>
+              </a:r>
+              <a:endParaRPr dirty="0">
+                <a:solidFill>
+                  <a:schemeClr val="tx1"/>
+                </a:solidFill>
+                <a:latin typeface="微软雅黑" panose="020B0503020204020204" pitchFamily="34" charset="-122"/>
+                <a:ea typeface="微软雅黑" panose="020B0503020204020204" pitchFamily="34" charset="-122"/>
+                <a:cs typeface="Helvetica Light"/>
+              </a:endParaRPr>
+            </a:p>
+          </p:txBody>
+        </p:sp>
+        <p:sp>
+          <p:nvSpPr>
+            <p:cNvPr id="142" name="Apollo">
+              <a:extLst>
+                <a:ext uri="{FF2B5EF4-FFF2-40B4-BE49-F238E27FC236}">
+                  <a16:creationId xmlns:a16="http://schemas.microsoft.com/office/drawing/2014/main" id="{4CE1C776-9F53-8B40-BE47-DA167A449FA4}"/>
+                </a:ext>
+              </a:extLst>
+            </p:cNvPr>
+            <p:cNvSpPr/>
+            <p:nvPr/>
+          </p:nvSpPr>
+          <p:spPr>
+            <a:xfrm>
+              <a:off x="5657817" y="527097"/>
+              <a:ext cx="1337692" cy="396000"/>
+            </a:xfrm>
+            <a:prstGeom prst="roundRect">
+              <a:avLst/>
+            </a:prstGeom>
+            <a:solidFill>
+              <a:schemeClr val="accent2">
+                <a:lumMod val="75000"/>
+              </a:schemeClr>
+            </a:solidFill>
+            <a:ln w="12700" cap="flat">
+              <a:noFill/>
+              <a:miter lim="400000"/>
+            </a:ln>
+            <a:effectLst>
+              <a:outerShdw blurRad="38100" dist="25400" dir="5400000" rotWithShape="0">
+                <a:srgbClr val="000000">
+                  <a:alpha val="50000"/>
+                </a:srgbClr>
+              </a:outerShdw>
+            </a:effectLst>
+            <a:extLst>
+              <a:ext uri="{C572A759-6A51-4108-AA02-DFA0A04FC94B}">
+                <ma14:wrappingTextBoxFlag xmlns="" xmlns:m="http://schemas.openxmlformats.org/officeDocument/2006/math" xmlns:a14="http://schemas.microsoft.com/office/drawing/2010/main" xmlns:ma14="http://schemas.microsoft.com/office/mac/drawingml/2011/main" val="1"/>
+              </a:ext>
+            </a:extLst>
+          </p:spPr>
+          <p:txBody>
+            <a:bodyPr wrap="square" lIns="50800" tIns="50800" rIns="50800" bIns="50800" numCol="1" anchor="ctr">
+              <a:noAutofit/>
+            </a:bodyPr>
+            <a:lstStyle>
+              <a:lvl1pPr>
+                <a:defRPr b="0">
+                  <a:solidFill>
+                    <a:srgbClr val="FFFFFF"/>
+                  </a:solidFill>
+                  <a:latin typeface="Helvetica Light"/>
+                  <a:ea typeface="Helvetica Light"/>
+                  <a:cs typeface="Helvetica Light"/>
+                  <a:sym typeface="Helvetica Light"/>
+                </a:defRPr>
+              </a:lvl1pPr>
+            </a:lstStyle>
+            <a:p>
+              <a:r>
+                <a:rPr lang="en" altLang="zh-CN" dirty="0"/>
+                <a:t>consul</a:t>
+              </a:r>
+              <a:endParaRPr dirty="0">
+                <a:latin typeface="微软雅黑" panose="020B0503020204020204" pitchFamily="34" charset="-122"/>
+                <a:ea typeface="微软雅黑" panose="020B0503020204020204" pitchFamily="34" charset="-122"/>
+              </a:endParaRPr>
+            </a:p>
+          </p:txBody>
+        </p:sp>
+        <p:sp>
+          <p:nvSpPr>
+            <p:cNvPr id="143" name="zk">
+              <a:extLst>
+                <a:ext uri="{FF2B5EF4-FFF2-40B4-BE49-F238E27FC236}">
+                  <a16:creationId xmlns:a16="http://schemas.microsoft.com/office/drawing/2014/main" id="{A17FA7F8-CC68-5142-865E-45915B3232FA}"/>
+                </a:ext>
+              </a:extLst>
+            </p:cNvPr>
+            <p:cNvSpPr/>
+            <p:nvPr/>
+          </p:nvSpPr>
+          <p:spPr>
+            <a:xfrm>
+              <a:off x="7097273" y="527095"/>
+              <a:ext cx="906339" cy="396000"/>
+            </a:xfrm>
+            <a:prstGeom prst="roundRect">
+              <a:avLst/>
+            </a:prstGeom>
+            <a:solidFill>
+              <a:schemeClr val="accent2">
+                <a:lumMod val="75000"/>
+              </a:schemeClr>
+            </a:solidFill>
+            <a:ln w="12700" cap="flat">
+              <a:noFill/>
+              <a:miter lim="400000"/>
+            </a:ln>
+            <a:effectLst>
+              <a:outerShdw blurRad="38100" dist="25400" dir="5400000" rotWithShape="0">
+                <a:srgbClr val="000000">
+                  <a:alpha val="50000"/>
+                </a:srgbClr>
+              </a:outerShdw>
+            </a:effectLst>
+            <a:extLst>
+              <a:ext uri="{C572A759-6A51-4108-AA02-DFA0A04FC94B}">
+                <ma14:wrappingTextBoxFlag xmlns="" xmlns:m="http://schemas.openxmlformats.org/officeDocument/2006/math" xmlns:a14="http://schemas.microsoft.com/office/drawing/2010/main" xmlns:ma14="http://schemas.microsoft.com/office/mac/drawingml/2011/main" val="1"/>
+              </a:ext>
+            </a:extLst>
+          </p:spPr>
+          <p:txBody>
+            <a:bodyPr wrap="square" lIns="50800" tIns="50800" rIns="50800" bIns="50800" numCol="1" anchor="ctr">
+              <a:noAutofit/>
+            </a:bodyPr>
+            <a:lstStyle>
+              <a:lvl1pPr>
+                <a:defRPr b="0">
+                  <a:solidFill>
+                    <a:srgbClr val="FFFFFF"/>
+                  </a:solidFill>
+                  <a:latin typeface="Helvetica Light"/>
+                  <a:ea typeface="Helvetica Light"/>
+                  <a:cs typeface="Helvetica Light"/>
+                  <a:sym typeface="Helvetica Light"/>
+                </a:defRPr>
+              </a:lvl1pPr>
+            </a:lstStyle>
+            <a:p>
+              <a:r>
+                <a:rPr dirty="0" err="1">
+                  <a:latin typeface="微软雅黑" panose="020B0503020204020204" pitchFamily="34" charset="-122"/>
+                  <a:ea typeface="微软雅黑" panose="020B0503020204020204" pitchFamily="34" charset="-122"/>
+                </a:rPr>
+                <a:t>zk</a:t>
+              </a:r>
+              <a:endParaRPr dirty="0">
+                <a:latin typeface="微软雅黑" panose="020B0503020204020204" pitchFamily="34" charset="-122"/>
+                <a:ea typeface="微软雅黑" panose="020B0503020204020204" pitchFamily="34" charset="-122"/>
+              </a:endParaRPr>
+            </a:p>
+          </p:txBody>
+        </p:sp>
+        <p:sp>
+          <p:nvSpPr>
+            <p:cNvPr id="149" name="Apollo">
+              <a:extLst>
+                <a:ext uri="{FF2B5EF4-FFF2-40B4-BE49-F238E27FC236}">
+                  <a16:creationId xmlns:a16="http://schemas.microsoft.com/office/drawing/2014/main" id="{684480D6-02B1-8B45-A311-39217C2378E0}"/>
+                </a:ext>
+              </a:extLst>
+            </p:cNvPr>
+            <p:cNvSpPr/>
+            <p:nvPr/>
+          </p:nvSpPr>
+          <p:spPr>
+            <a:xfrm>
+              <a:off x="8105376" y="527096"/>
+              <a:ext cx="1058316" cy="396000"/>
+            </a:xfrm>
+            <a:prstGeom prst="roundRect">
+              <a:avLst/>
+            </a:prstGeom>
+            <a:solidFill>
+              <a:schemeClr val="accent2">
+                <a:lumMod val="75000"/>
+              </a:schemeClr>
+            </a:solidFill>
+            <a:ln w="12700" cap="flat">
+              <a:noFill/>
+              <a:miter lim="400000"/>
+            </a:ln>
+            <a:effectLst>
+              <a:outerShdw blurRad="38100" dist="25400" dir="5400000" rotWithShape="0">
+                <a:srgbClr val="000000">
+                  <a:alpha val="50000"/>
+                </a:srgbClr>
+              </a:outerShdw>
+            </a:effectLst>
+            <a:extLst>
+              <a:ext uri="{C572A759-6A51-4108-AA02-DFA0A04FC94B}">
+                <ma14:wrappingTextBoxFlag xmlns="" xmlns:m="http://schemas.openxmlformats.org/officeDocument/2006/math" xmlns:a14="http://schemas.microsoft.com/office/drawing/2010/main" xmlns:ma14="http://schemas.microsoft.com/office/mac/drawingml/2011/main" val="1"/>
+              </a:ext>
+            </a:extLst>
+          </p:spPr>
+          <p:txBody>
+            <a:bodyPr wrap="square" lIns="50800" tIns="50800" rIns="50800" bIns="50800" numCol="1" anchor="ctr">
+              <a:noAutofit/>
+            </a:bodyPr>
+            <a:lstStyle>
+              <a:lvl1pPr>
+                <a:defRPr b="0">
+                  <a:solidFill>
+                    <a:srgbClr val="FFFFFF"/>
+                  </a:solidFill>
+                  <a:latin typeface="Helvetica Light"/>
+                  <a:ea typeface="Helvetica Light"/>
+                  <a:cs typeface="Helvetica Light"/>
+                  <a:sym typeface="Helvetica Light"/>
+                </a:defRPr>
+              </a:lvl1pPr>
+            </a:lstStyle>
+            <a:p>
+              <a:r>
+                <a:rPr lang="en-US" dirty="0" err="1">
+                  <a:latin typeface="微软雅黑" panose="020B0503020204020204" pitchFamily="34" charset="-122"/>
+                  <a:ea typeface="微软雅黑" panose="020B0503020204020204" pitchFamily="34" charset="-122"/>
+                </a:rPr>
+                <a:t>nacos</a:t>
+              </a:r>
+              <a:endParaRPr dirty="0">
+                <a:latin typeface="微软雅黑" panose="020B0503020204020204" pitchFamily="34" charset="-122"/>
+                <a:ea typeface="微软雅黑" panose="020B0503020204020204" pitchFamily="34" charset="-122"/>
+              </a:endParaRPr>
+            </a:p>
+          </p:txBody>
+        </p:sp>
+        <p:sp>
+          <p:nvSpPr>
+            <p:cNvPr id="174" name="Apollo">
+              <a:extLst>
+                <a:ext uri="{FF2B5EF4-FFF2-40B4-BE49-F238E27FC236}">
+                  <a16:creationId xmlns:a16="http://schemas.microsoft.com/office/drawing/2014/main" id="{756F761D-33E6-CE42-AA8A-C1D93DE67179}"/>
+                </a:ext>
+              </a:extLst>
+            </p:cNvPr>
+            <p:cNvSpPr/>
+            <p:nvPr/>
+          </p:nvSpPr>
+          <p:spPr>
+            <a:xfrm>
+              <a:off x="9265456" y="527096"/>
+              <a:ext cx="1135257" cy="396000"/>
+            </a:xfrm>
+            <a:prstGeom prst="roundRect">
+              <a:avLst/>
+            </a:prstGeom>
+            <a:solidFill>
+              <a:schemeClr val="accent2">
+                <a:lumMod val="75000"/>
+              </a:schemeClr>
+            </a:solidFill>
+            <a:ln w="12700" cap="flat">
+              <a:noFill/>
+              <a:miter lim="400000"/>
+            </a:ln>
+            <a:effectLst>
+              <a:outerShdw blurRad="38100" dist="25400" dir="5400000" rotWithShape="0">
+                <a:srgbClr val="000000">
+                  <a:alpha val="50000"/>
+                </a:srgbClr>
+              </a:outerShdw>
+            </a:effectLst>
+            <a:extLst>
+              <a:ext uri="{C572A759-6A51-4108-AA02-DFA0A04FC94B}">
+                <ma14:wrappingTextBoxFlag xmlns="" xmlns:m="http://schemas.openxmlformats.org/officeDocument/2006/math" xmlns:a14="http://schemas.microsoft.com/office/drawing/2010/main" xmlns:ma14="http://schemas.microsoft.com/office/mac/drawingml/2011/main" val="1"/>
+              </a:ext>
+            </a:extLst>
+          </p:spPr>
+          <p:txBody>
+            <a:bodyPr wrap="square" lIns="50800" tIns="50800" rIns="50800" bIns="50800" numCol="1" anchor="ctr">
+              <a:noAutofit/>
+            </a:bodyPr>
+            <a:lstStyle>
+              <a:lvl1pPr>
+                <a:defRPr b="0">
+                  <a:solidFill>
+                    <a:srgbClr val="FFFFFF"/>
+                  </a:solidFill>
+                  <a:latin typeface="Helvetica Light"/>
+                  <a:ea typeface="Helvetica Light"/>
+                  <a:cs typeface="Helvetica Light"/>
+                  <a:sym typeface="Helvetica Light"/>
+                </a:defRPr>
+              </a:lvl1pPr>
+            </a:lstStyle>
+            <a:p>
+              <a:r>
+                <a:rPr lang="en-US" dirty="0" err="1">
+                  <a:latin typeface="微软雅黑" panose="020B0503020204020204" pitchFamily="34" charset="-122"/>
+                  <a:ea typeface="微软雅黑" panose="020B0503020204020204" pitchFamily="34" charset="-122"/>
+                </a:rPr>
+                <a:t>etcd</a:t>
+              </a:r>
+              <a:endParaRPr dirty="0">
+                <a:latin typeface="微软雅黑" panose="020B0503020204020204" pitchFamily="34" charset="-122"/>
+                <a:ea typeface="微软雅黑" panose="020B0503020204020204" pitchFamily="34" charset="-122"/>
+              </a:endParaRPr>
+            </a:p>
+          </p:txBody>
+        </p:sp>
+      </p:grpSp>
+      <p:sp>
+        <p:nvSpPr>
+          <p:cNvPr id="8" name="文本框 7">
+            <a:extLst>
+              <a:ext uri="{FF2B5EF4-FFF2-40B4-BE49-F238E27FC236}">
+                <a16:creationId xmlns:a16="http://schemas.microsoft.com/office/drawing/2014/main" id="{0B6AD05B-A7BE-48C2-A1F9-6E9305F5E149}"/>
+              </a:ext>
+            </a:extLst>
+          </p:cNvPr>
+          <p:cNvSpPr txBox="1"/>
+          <p:nvPr/>
+        </p:nvSpPr>
+        <p:spPr>
+          <a:xfrm>
+            <a:off x="13289487" y="2374041"/>
+            <a:ext cx="3480742" cy="748923"/>
+          </a:xfrm>
+          <a:prstGeom prst="rect">
+            <a:avLst/>
+          </a:prstGeom>
+          <a:noFill/>
+          <a:ln w="12700" cap="flat">
+            <a:noFill/>
+            <a:miter lim="400000"/>
+          </a:ln>
+          <a:effectLst/>
+          <a:sp3d/>
+        </p:spPr>
+        <p:style>
+          <a:lnRef idx="0">
+            <a:scrgbClr r="0" g="0" b="0"/>
+          </a:lnRef>
+          <a:fillRef idx="0">
+            <a:scrgbClr r="0" g="0" b="0"/>
+          </a:fillRef>
+          <a:effectRef idx="0">
+            <a:scrgbClr r="0" g="0" b="0"/>
+          </a:effectRef>
+          <a:fontRef idx="none"/>
+        </p:style>
+        <p:txBody>
+          <a:bodyPr rot="0" spcFirstLastPara="1" vertOverflow="overflow" horzOverflow="overflow" vert="horz" wrap="square" lIns="50800" tIns="50800" rIns="50800" bIns="50800" numCol="1" spcCol="38100" rtlCol="0" anchor="ctr">
+            <a:spAutoFit/>
+          </a:bodyPr>
+          <a:lstStyle/>
+          <a:p>
+            <a:pPr algn="l"/>
+            <a:r>
+              <a:rPr lang="en-US" altLang="zh-CN" sz="1400" b="0" dirty="0">
+                <a:solidFill>
+                  <a:sysClr val="windowText" lastClr="000000"/>
+                </a:solidFill>
+                <a:latin typeface="Verdana" panose="020B0604030504040204" pitchFamily="34" charset="0"/>
+                <a:ea typeface="Verdana" panose="020B0604030504040204" pitchFamily="34" charset="0"/>
+                <a:cs typeface="Helvetica Light"/>
+              </a:rPr>
+              <a:t> RR 		-&gt; Round Robin</a:t>
+            </a:r>
+          </a:p>
+          <a:p>
+            <a:pPr algn="l"/>
+            <a:r>
+              <a:rPr lang="en-US" altLang="zh-CN" sz="1400" b="0" dirty="0">
+                <a:solidFill>
+                  <a:sysClr val="windowText" lastClr="000000"/>
+                </a:solidFill>
+                <a:latin typeface="Verdana" panose="020B0604030504040204" pitchFamily="34" charset="0"/>
+                <a:ea typeface="Verdana" panose="020B0604030504040204" pitchFamily="34" charset="0"/>
+                <a:cs typeface="Helvetica Light"/>
+              </a:rPr>
+              <a:t> Lst atv 	-&gt; Least Active</a:t>
+            </a:r>
+          </a:p>
+          <a:p>
+            <a:r>
+              <a:rPr lang="en-US" altLang="zh-CN" sz="1400" b="0" dirty="0">
+                <a:solidFill>
+                  <a:sysClr val="windowText" lastClr="000000"/>
+                </a:solidFill>
+                <a:latin typeface="Verdana" panose="020B0604030504040204" pitchFamily="34" charset="0"/>
+                <a:ea typeface="Verdana" panose="020B0604030504040204" pitchFamily="34" charset="0"/>
+                <a:cs typeface="Helvetica Light"/>
+              </a:rPr>
+              <a:t> Hlty Inst 	-&gt; </a:t>
+            </a:r>
+            <a:r>
+              <a:rPr lang="en-US" altLang="zh-CN" sz="1400" b="0" dirty="0">
+                <a:latin typeface="Verdana" panose="020B0604030504040204" pitchFamily="34" charset="0"/>
+                <a:ea typeface="Verdana" panose="020B0604030504040204" pitchFamily="34" charset="0"/>
+              </a:rPr>
+              <a:t>Healthy instance first</a:t>
+            </a:r>
+          </a:p>
+        </p:txBody>
+      </p:sp>
+      <p:cxnSp>
+        <p:nvCxnSpPr>
+          <p:cNvPr id="6" name="直线箭头连接符 5">
+            <a:extLst>
+              <a:ext uri="{FF2B5EF4-FFF2-40B4-BE49-F238E27FC236}">
+                <a16:creationId xmlns:a16="http://schemas.microsoft.com/office/drawing/2014/main" id="{B81B61C5-343F-134B-8D20-6C9E41E09A45}"/>
+              </a:ext>
+            </a:extLst>
+          </p:cNvPr>
+          <p:cNvCxnSpPr>
+            <a:cxnSpLocks/>
+            <a:endCxn id="168" idx="2"/>
+          </p:cNvCxnSpPr>
+          <p:nvPr/>
+        </p:nvCxnSpPr>
+        <p:spPr>
+          <a:xfrm flipH="1" flipV="1">
+            <a:off x="2723942" y="1751972"/>
+            <a:ext cx="0" cy="648000"/>
+          </a:xfrm>
+          <a:prstGeom prst="straightConnector1">
+            <a:avLst/>
+          </a:prstGeom>
+          <a:noFill/>
+          <a:ln w="25400" cap="flat">
+            <a:solidFill>
+              <a:schemeClr val="tx1">
+                <a:lumMod val="50000"/>
+                <a:lumOff val="50000"/>
+              </a:schemeClr>
+            </a:solidFill>
+            <a:prstDash val="solid"/>
+            <a:miter lim="400000"/>
+            <a:tailEnd type="triangle"/>
+          </a:ln>
+          <a:effectLst/>
+          <a:sp3d/>
+        </p:spPr>
+        <p:style>
+          <a:lnRef idx="0">
+            <a:scrgbClr r="0" g="0" b="0"/>
+          </a:lnRef>
+          <a:fillRef idx="0">
+            <a:scrgbClr r="0" g="0" b="0"/>
+          </a:fillRef>
+          <a:effectRef idx="0">
+            <a:scrgbClr r="0" g="0" b="0"/>
+          </a:effectRef>
+          <a:fontRef idx="none"/>
+        </p:style>
+      </p:cxnSp>
+      <p:cxnSp>
+        <p:nvCxnSpPr>
+          <p:cNvPr id="175" name="直线箭头连接符 174">
+            <a:extLst>
+              <a:ext uri="{FF2B5EF4-FFF2-40B4-BE49-F238E27FC236}">
+                <a16:creationId xmlns:a16="http://schemas.microsoft.com/office/drawing/2014/main" id="{86D00918-FD08-A94A-9BBA-0129C5559C14}"/>
+              </a:ext>
+            </a:extLst>
+          </p:cNvPr>
+          <p:cNvCxnSpPr>
+            <a:cxnSpLocks/>
+          </p:cNvCxnSpPr>
+          <p:nvPr/>
+        </p:nvCxnSpPr>
+        <p:spPr>
+          <a:xfrm flipV="1">
+            <a:off x="7390982" y="1751868"/>
+            <a:ext cx="0" cy="648000"/>
+          </a:xfrm>
+          <a:prstGeom prst="straightConnector1">
+            <a:avLst/>
+          </a:prstGeom>
+          <a:noFill/>
+          <a:ln w="25400" cap="flat">
+            <a:solidFill>
+              <a:schemeClr val="tx1">
+                <a:lumMod val="50000"/>
+                <a:lumOff val="50000"/>
+              </a:schemeClr>
+            </a:solidFill>
+            <a:prstDash val="solid"/>
+            <a:miter lim="400000"/>
+            <a:tailEnd type="triangle"/>
+          </a:ln>
+          <a:effectLst/>
+          <a:sp3d/>
+        </p:spPr>
+        <p:style>
+          <a:lnRef idx="0">
+            <a:scrgbClr r="0" g="0" b="0"/>
+          </a:lnRef>
+          <a:fillRef idx="0">
+            <a:scrgbClr r="0" g="0" b="0"/>
+          </a:fillRef>
+          <a:effectRef idx="0">
+            <a:scrgbClr r="0" g="0" b="0"/>
+          </a:effectRef>
+          <a:fontRef idx="none"/>
+        </p:style>
+      </p:cxnSp>
+      <p:cxnSp>
+        <p:nvCxnSpPr>
+          <p:cNvPr id="176" name="直线箭头连接符 175">
+            <a:extLst>
+              <a:ext uri="{FF2B5EF4-FFF2-40B4-BE49-F238E27FC236}">
+                <a16:creationId xmlns:a16="http://schemas.microsoft.com/office/drawing/2014/main" id="{AE801EB8-385B-3B42-82EA-AEB348128DD0}"/>
+              </a:ext>
+            </a:extLst>
+          </p:cNvPr>
+          <p:cNvCxnSpPr>
+            <a:cxnSpLocks/>
+          </p:cNvCxnSpPr>
+          <p:nvPr/>
+        </p:nvCxnSpPr>
+        <p:spPr>
+          <a:xfrm flipV="1">
+            <a:off x="12489090" y="1751868"/>
+            <a:ext cx="0" cy="648000"/>
+          </a:xfrm>
+          <a:prstGeom prst="straightConnector1">
+            <a:avLst/>
+          </a:prstGeom>
+          <a:noFill/>
+          <a:ln w="25400" cap="flat">
+            <a:solidFill>
+              <a:schemeClr val="tx1">
+                <a:lumMod val="50000"/>
+                <a:lumOff val="50000"/>
+              </a:schemeClr>
+            </a:solidFill>
+            <a:prstDash val="solid"/>
+            <a:miter lim="400000"/>
+            <a:tailEnd type="triangle"/>
+          </a:ln>
+          <a:effectLst/>
+          <a:sp3d/>
+        </p:spPr>
+        <p:style>
+          <a:lnRef idx="0">
+            <a:scrgbClr r="0" g="0" b="0"/>
+          </a:lnRef>
+          <a:fillRef idx="0">
+            <a:scrgbClr r="0" g="0" b="0"/>
+          </a:fillRef>
+          <a:effectRef idx="0">
+            <a:scrgbClr r="0" g="0" b="0"/>
+          </a:effectRef>
+          <a:fontRef idx="none"/>
+        </p:style>
+      </p:cxnSp>
+    </p:spTree>
+    <p:extLst>
+      <p:ext uri="{BB962C8B-B14F-4D97-AF65-F5344CB8AC3E}">
+        <p14:creationId xmlns:p14="http://schemas.microsoft.com/office/powerpoint/2010/main" val="1967153138"/>
+      </p:ext>
+    </p:extLst>
+  </p:cSld>
+  <p:clrMapOvr>
+    <a:masterClrMapping/>
+  </p:clrMapOvr>
+  <p:transition spd="med"/>
+</p:sld>
+</file>
+
+<file path=ppt/slides/slide2.xml><?xml version="1.0" encoding="utf-8"?>
 <p:sld xmlns:a="http://schemas.openxmlformats.org/drawingml/2006/main" xmlns:r="http://schemas.openxmlformats.org/officeDocument/2006/relationships" xmlns:p="http://schemas.openxmlformats.org/presentationml/2006/main" showMasterSp="0">
   <p:cSld>
     <p:bg>
@@ -9387,7 +15965,7 @@
     </p:spTree>
     <p:extLst>
       <p:ext uri="{BB962C8B-B14F-4D97-AF65-F5344CB8AC3E}">
-        <p14:creationId xmlns:p14="http://schemas.microsoft.com/office/powerpoint/2010/main" val="1967153138"/>
+        <p14:creationId xmlns:p14="http://schemas.microsoft.com/office/powerpoint/2010/main" val="1681414531"/>
       </p:ext>
     </p:extLst>
   </p:cSld>
@@ -9398,7 +15976,7 @@
 </p:sld>
 </file>
 
-<file path=ppt/slides/slide2.xml><?xml version="1.0" encoding="utf-8"?>
+<file path=ppt/slides/slide3.xml><?xml version="1.0" encoding="utf-8"?>
 <p:sld xmlns:a="http://schemas.openxmlformats.org/drawingml/2006/main" xmlns:r="http://schemas.openxmlformats.org/officeDocument/2006/relationships" xmlns:p="http://schemas.openxmlformats.org/presentationml/2006/main" showMasterSp="0">
   <p:cSld>
     <p:bg>
@@ -16627,7 +23205,7 @@
 </p:sld>
 </file>
 
-<file path=ppt/slides/slide3.xml><?xml version="1.0" encoding="utf-8"?>
+<file path=ppt/slides/slide4.xml><?xml version="1.0" encoding="utf-8"?>
 <p:sld xmlns:a="http://schemas.openxmlformats.org/drawingml/2006/main" xmlns:r="http://schemas.openxmlformats.org/officeDocument/2006/relationships" xmlns:p="http://schemas.openxmlformats.org/presentationml/2006/main">
   <p:cSld>
     <p:bg>
@@ -17031,8 +23609,8 @@
         </p:nvSpPr>
         <p:spPr>
           <a:xfrm>
-            <a:off x="3154714" y="6779311"/>
-            <a:ext cx="11331307" cy="940948"/>
+            <a:off x="9420751" y="6779311"/>
+            <a:ext cx="5065269" cy="940948"/>
           </a:xfrm>
           <a:prstGeom prst="roundRect">
             <a:avLst>
@@ -17093,8 +23671,8 @@
         </p:nvSpPr>
         <p:spPr>
           <a:xfrm>
-            <a:off x="6146851" y="7026166"/>
-            <a:ext cx="1169204" cy="442356"/>
+            <a:off x="10059538" y="7066132"/>
+            <a:ext cx="1152000" cy="432000"/>
           </a:xfrm>
           <a:prstGeom prst="roundRect">
             <a:avLst/>
@@ -17168,8 +23746,8 @@
         </p:nvSpPr>
         <p:spPr>
           <a:xfrm>
-            <a:off x="7994752" y="7026166"/>
-            <a:ext cx="1169204" cy="442356"/>
+            <a:off x="11488713" y="7042610"/>
+            <a:ext cx="1152000" cy="432000"/>
           </a:xfrm>
           <a:prstGeom prst="roundRect">
             <a:avLst/>
@@ -17393,8 +23971,8 @@
         </p:nvCxnSpPr>
         <p:spPr>
           <a:xfrm>
-            <a:off x="13845123" y="7239922"/>
-            <a:ext cx="1393690" cy="11107"/>
+            <a:off x="14185363" y="7239922"/>
+            <a:ext cx="1080000" cy="11107"/>
           </a:xfrm>
           <a:prstGeom prst="line">
             <a:avLst/>
@@ -17595,7 +24173,7 @@
         </p:blipFill>
         <p:spPr>
           <a:xfrm>
-            <a:off x="15462032" y="7011322"/>
+            <a:off x="15446534" y="6902836"/>
             <a:ext cx="457200" cy="457200"/>
           </a:xfrm>
           <a:prstGeom prst="rect">
@@ -17617,7 +24195,7 @@
         </p:nvSpPr>
         <p:spPr>
           <a:xfrm>
-            <a:off x="15129205" y="7468522"/>
+            <a:off x="15113707" y="7360036"/>
             <a:ext cx="1120500" cy="287258"/>
           </a:xfrm>
           <a:prstGeom prst="rect">
@@ -18077,8 +24655,8 @@
         </p:nvSpPr>
         <p:spPr>
           <a:xfrm>
-            <a:off x="9842654" y="7011322"/>
-            <a:ext cx="1169204" cy="442356"/>
+            <a:off x="12882884" y="7042773"/>
+            <a:ext cx="1152000" cy="432000"/>
           </a:xfrm>
           <a:prstGeom prst="roundRect">
             <a:avLst/>
@@ -19742,8 +26320,8 @@
         </p:nvSpPr>
         <p:spPr>
           <a:xfrm>
-            <a:off x="10637816" y="3373521"/>
-            <a:ext cx="890337" cy="313529"/>
+            <a:off x="10593210" y="3373521"/>
+            <a:ext cx="1080000" cy="288000"/>
           </a:xfrm>
           <a:prstGeom prst="roundRect">
             <a:avLst/>
@@ -19825,8 +26403,8 @@
         </p:nvSpPr>
         <p:spPr>
           <a:xfrm>
-            <a:off x="10637816" y="3888851"/>
-            <a:ext cx="890337" cy="313529"/>
+            <a:off x="10593210" y="3888851"/>
+            <a:ext cx="1080000" cy="288000"/>
           </a:xfrm>
           <a:prstGeom prst="roundRect">
             <a:avLst/>
@@ -19908,8 +26486,8 @@
         </p:nvSpPr>
         <p:spPr>
           <a:xfrm>
-            <a:off x="10637816" y="4404181"/>
-            <a:ext cx="890337" cy="313529"/>
+            <a:off x="10593210" y="4404181"/>
+            <a:ext cx="1080000" cy="288000"/>
           </a:xfrm>
           <a:prstGeom prst="roundRect">
             <a:avLst/>
@@ -19991,8 +26569,8 @@
         </p:nvSpPr>
         <p:spPr>
           <a:xfrm>
-            <a:off x="10637816" y="4919510"/>
-            <a:ext cx="890337" cy="313529"/>
+            <a:off x="10593210" y="4919510"/>
+            <a:ext cx="1080000" cy="288000"/>
           </a:xfrm>
           <a:prstGeom prst="roundRect">
             <a:avLst/>
@@ -20307,8 +26885,8 @@
         </p:nvSpPr>
         <p:spPr>
           <a:xfrm>
-            <a:off x="10639720" y="5422752"/>
-            <a:ext cx="890337" cy="313529"/>
+            <a:off x="10593210" y="5753022"/>
+            <a:ext cx="1080000" cy="288000"/>
           </a:xfrm>
           <a:prstGeom prst="roundRect">
             <a:avLst/>
@@ -22693,6 +29271,637 @@
           </a:p>
         </p:txBody>
       </p:sp>
+      <p:sp>
+        <p:nvSpPr>
+          <p:cNvPr id="95" name="zk">
+            <a:extLst>
+              <a:ext uri="{FF2B5EF4-FFF2-40B4-BE49-F238E27FC236}">
+                <a16:creationId xmlns:a16="http://schemas.microsoft.com/office/drawing/2014/main" id="{A28DF06C-BD0E-694D-806D-4CB443E647D2}"/>
+              </a:ext>
+            </a:extLst>
+          </p:cNvPr>
+          <p:cNvSpPr/>
+          <p:nvPr/>
+        </p:nvSpPr>
+        <p:spPr>
+          <a:xfrm>
+            <a:off x="10593210" y="5344728"/>
+            <a:ext cx="1080000" cy="288000"/>
+          </a:xfrm>
+          <a:prstGeom prst="roundRect">
+            <a:avLst/>
+          </a:prstGeom>
+          <a:solidFill>
+            <a:srgbClr val="2FA6AD"/>
+          </a:solidFill>
+          <a:ln w="19050" cap="flat">
+            <a:solidFill>
+              <a:schemeClr val="tx2">
+                <a:lumMod val="60000"/>
+                <a:lumOff val="40000"/>
+              </a:schemeClr>
+            </a:solidFill>
+            <a:miter lim="400000"/>
+          </a:ln>
+          <a:effectLst>
+            <a:outerShdw blurRad="38100" dist="25400" dir="5400000" rotWithShape="0">
+              <a:srgbClr val="000000">
+                <a:alpha val="50000"/>
+              </a:srgbClr>
+            </a:outerShdw>
+          </a:effectLst>
+          <a:extLst>
+            <a:ext uri="{C572A759-6A51-4108-AA02-DFA0A04FC94B}">
+              <ma14:wrappingTextBoxFlag xmlns="" xmlns:m="http://schemas.openxmlformats.org/officeDocument/2006/math" xmlns:a14="http://schemas.microsoft.com/office/drawing/2010/main" xmlns:ma14="http://schemas.microsoft.com/office/mac/drawingml/2011/main" val="1"/>
+            </a:ext>
+          </a:extLst>
+        </p:spPr>
+        <p:txBody>
+          <a:bodyPr wrap="square" lIns="50800" tIns="50800" rIns="50800" bIns="50800" numCol="1" anchor="ctr">
+            <a:noAutofit/>
+          </a:bodyPr>
+          <a:lstStyle>
+            <a:lvl1pPr>
+              <a:defRPr b="0">
+                <a:solidFill>
+                  <a:srgbClr val="FFFFFF"/>
+                </a:solidFill>
+                <a:latin typeface="Helvetica Light"/>
+                <a:ea typeface="Helvetica Light"/>
+                <a:cs typeface="Helvetica Light"/>
+                <a:sym typeface="Helvetica Light"/>
+              </a:defRPr>
+            </a:lvl1pPr>
+          </a:lstStyle>
+          <a:p>
+            <a:r>
+              <a:rPr lang="en-US" sz="1200" b="1" dirty="0" err="1">
+                <a:solidFill>
+                  <a:schemeClr val="bg1"/>
+                </a:solidFill>
+                <a:latin typeface="微软雅黑" panose="020B0503020204020204" pitchFamily="34" charset="-122"/>
+                <a:ea typeface="微软雅黑" panose="020B0503020204020204" pitchFamily="34" charset="-122"/>
+              </a:rPr>
+              <a:t>gRPC+JSON</a:t>
+            </a:r>
+            <a:endParaRPr sz="1200" b="1" dirty="0">
+              <a:solidFill>
+                <a:schemeClr val="bg1"/>
+              </a:solidFill>
+              <a:latin typeface="微软雅黑" panose="020B0503020204020204" pitchFamily="34" charset="-122"/>
+              <a:ea typeface="微软雅黑" panose="020B0503020204020204" pitchFamily="34" charset="-122"/>
+            </a:endParaRPr>
+          </a:p>
+        </p:txBody>
+      </p:sp>
+      <p:sp>
+        <p:nvSpPr>
+          <p:cNvPr id="96" name="Registries">
+            <a:extLst>
+              <a:ext uri="{FF2B5EF4-FFF2-40B4-BE49-F238E27FC236}">
+                <a16:creationId xmlns:a16="http://schemas.microsoft.com/office/drawing/2014/main" id="{6E33BFAD-1357-6145-8CA4-8FDA9CE528ED}"/>
+              </a:ext>
+            </a:extLst>
+          </p:cNvPr>
+          <p:cNvSpPr/>
+          <p:nvPr/>
+        </p:nvSpPr>
+        <p:spPr>
+          <a:xfrm>
+            <a:off x="3148962" y="6762176"/>
+            <a:ext cx="5994614" cy="940948"/>
+          </a:xfrm>
+          <a:prstGeom prst="roundRect">
+            <a:avLst>
+              <a:gd name="adj" fmla="val 7483"/>
+            </a:avLst>
+          </a:prstGeom>
+          <a:noFill/>
+          <a:ln w="12700" cap="flat">
+            <a:solidFill>
+              <a:schemeClr val="bg1">
+                <a:lumMod val="95000"/>
+              </a:schemeClr>
+            </a:solidFill>
+            <a:prstDash val="lgDash"/>
+            <a:miter lim="400000"/>
+          </a:ln>
+          <a:effectLst>
+            <a:outerShdw blurRad="38100" dist="25400" dir="5400000" rotWithShape="0">
+              <a:srgbClr val="000000">
+                <a:alpha val="50000"/>
+              </a:srgbClr>
+            </a:outerShdw>
+          </a:effectLst>
+          <a:extLst>
+            <a:ext uri="{C572A759-6A51-4108-AA02-DFA0A04FC94B}">
+              <ma14:wrappingTextBoxFlag xmlns="" xmlns:m="http://schemas.openxmlformats.org/officeDocument/2006/math" xmlns:a14="http://schemas.microsoft.com/office/drawing/2010/main" xmlns:ma14="http://schemas.microsoft.com/office/mac/drawingml/2011/main" val="1"/>
+            </a:ext>
+          </a:extLst>
+        </p:spPr>
+        <p:txBody>
+          <a:bodyPr wrap="square" lIns="50800" tIns="50800" rIns="50800" bIns="50800" numCol="1" anchor="t">
+            <a:noAutofit/>
+          </a:bodyPr>
+          <a:lstStyle/>
+          <a:p>
+            <a:pPr algn="r"/>
+            <a:endParaRPr dirty="0">
+              <a:solidFill>
+                <a:schemeClr val="tx1"/>
+              </a:solidFill>
+              <a:latin typeface="微软雅黑" panose="020B0503020204020204" pitchFamily="34" charset="-122"/>
+              <a:ea typeface="微软雅黑" panose="020B0503020204020204" pitchFamily="34" charset="-122"/>
+            </a:endParaRPr>
+          </a:p>
+        </p:txBody>
+      </p:sp>
+      <p:sp>
+        <p:nvSpPr>
+          <p:cNvPr id="97" name="zk">
+            <a:extLst>
+              <a:ext uri="{FF2B5EF4-FFF2-40B4-BE49-F238E27FC236}">
+                <a16:creationId xmlns:a16="http://schemas.microsoft.com/office/drawing/2014/main" id="{8E67ED09-1C72-A845-9C8E-B6C561968B0B}"/>
+              </a:ext>
+            </a:extLst>
+          </p:cNvPr>
+          <p:cNvSpPr/>
+          <p:nvPr/>
+        </p:nvSpPr>
+        <p:spPr>
+          <a:xfrm>
+            <a:off x="3320667" y="7025758"/>
+            <a:ext cx="1073347" cy="432000"/>
+          </a:xfrm>
+          <a:prstGeom prst="roundRect">
+            <a:avLst/>
+          </a:prstGeom>
+          <a:noFill/>
+          <a:ln w="19050" cap="flat">
+            <a:solidFill>
+              <a:schemeClr val="tx2">
+                <a:lumMod val="60000"/>
+                <a:lumOff val="40000"/>
+              </a:schemeClr>
+            </a:solidFill>
+            <a:miter lim="400000"/>
+          </a:ln>
+          <a:effectLst>
+            <a:outerShdw blurRad="38100" dist="25400" dir="5400000" rotWithShape="0">
+              <a:srgbClr val="000000">
+                <a:alpha val="50000"/>
+              </a:srgbClr>
+            </a:outerShdw>
+          </a:effectLst>
+          <a:extLst>
+            <a:ext uri="{C572A759-6A51-4108-AA02-DFA0A04FC94B}">
+              <ma14:wrappingTextBoxFlag xmlns="" xmlns:m="http://schemas.openxmlformats.org/officeDocument/2006/math" xmlns:a14="http://schemas.microsoft.com/office/drawing/2010/main" xmlns:ma14="http://schemas.microsoft.com/office/mac/drawingml/2011/main" val="1"/>
+            </a:ext>
+          </a:extLst>
+        </p:spPr>
+        <p:txBody>
+          <a:bodyPr wrap="square" lIns="50800" tIns="50800" rIns="50800" bIns="50800" numCol="1" anchor="ctr">
+            <a:noAutofit/>
+          </a:bodyPr>
+          <a:lstStyle>
+            <a:lvl1pPr>
+              <a:defRPr b="0">
+                <a:solidFill>
+                  <a:srgbClr val="FFFFFF"/>
+                </a:solidFill>
+                <a:latin typeface="Helvetica Light"/>
+                <a:ea typeface="Helvetica Light"/>
+                <a:cs typeface="Helvetica Light"/>
+                <a:sym typeface="Helvetica Light"/>
+              </a:defRPr>
+            </a:lvl1pPr>
+          </a:lstStyle>
+          <a:p>
+            <a:r>
+              <a:rPr lang="en-US" altLang="zh-CN" dirty="0">
+                <a:latin typeface="微软雅黑" panose="020B0503020204020204" pitchFamily="34" charset="-122"/>
+                <a:ea typeface="微软雅黑" panose="020B0503020204020204" pitchFamily="34" charset="-122"/>
+              </a:rPr>
+              <a:t>ZK</a:t>
+            </a:r>
+            <a:endParaRPr dirty="0">
+              <a:latin typeface="微软雅黑" panose="020B0503020204020204" pitchFamily="34" charset="-122"/>
+              <a:ea typeface="微软雅黑" panose="020B0503020204020204" pitchFamily="34" charset="-122"/>
+            </a:endParaRPr>
+          </a:p>
+        </p:txBody>
+      </p:sp>
+      <p:sp>
+        <p:nvSpPr>
+          <p:cNvPr id="98" name="zk">
+            <a:extLst>
+              <a:ext uri="{FF2B5EF4-FFF2-40B4-BE49-F238E27FC236}">
+                <a16:creationId xmlns:a16="http://schemas.microsoft.com/office/drawing/2014/main" id="{B43793AF-B8CD-734C-9CB1-C8549235BD60}"/>
+              </a:ext>
+            </a:extLst>
+          </p:cNvPr>
+          <p:cNvSpPr/>
+          <p:nvPr/>
+        </p:nvSpPr>
+        <p:spPr>
+          <a:xfrm>
+            <a:off x="4633216" y="7025758"/>
+            <a:ext cx="1363362" cy="432000"/>
+          </a:xfrm>
+          <a:prstGeom prst="roundRect">
+            <a:avLst/>
+          </a:prstGeom>
+          <a:noFill/>
+          <a:ln w="19050" cap="flat">
+            <a:solidFill>
+              <a:schemeClr val="tx2">
+                <a:lumMod val="60000"/>
+                <a:lumOff val="40000"/>
+              </a:schemeClr>
+            </a:solidFill>
+            <a:miter lim="400000"/>
+          </a:ln>
+          <a:effectLst>
+            <a:outerShdw blurRad="38100" dist="25400" dir="5400000" rotWithShape="0">
+              <a:srgbClr val="000000">
+                <a:alpha val="50000"/>
+              </a:srgbClr>
+            </a:outerShdw>
+          </a:effectLst>
+          <a:extLst>
+            <a:ext uri="{C572A759-6A51-4108-AA02-DFA0A04FC94B}">
+              <ma14:wrappingTextBoxFlag xmlns="" xmlns:m="http://schemas.openxmlformats.org/officeDocument/2006/math" xmlns:a14="http://schemas.microsoft.com/office/drawing/2010/main" xmlns:ma14="http://schemas.microsoft.com/office/mac/drawingml/2011/main" val="1"/>
+            </a:ext>
+          </a:extLst>
+        </p:spPr>
+        <p:txBody>
+          <a:bodyPr wrap="square" lIns="50800" tIns="50800" rIns="50800" bIns="50800" numCol="1" anchor="ctr">
+            <a:noAutofit/>
+          </a:bodyPr>
+          <a:lstStyle>
+            <a:lvl1pPr>
+              <a:defRPr b="0">
+                <a:solidFill>
+                  <a:srgbClr val="FFFFFF"/>
+                </a:solidFill>
+                <a:latin typeface="Helvetica Light"/>
+                <a:ea typeface="Helvetica Light"/>
+                <a:cs typeface="Helvetica Light"/>
+                <a:sym typeface="Helvetica Light"/>
+              </a:defRPr>
+            </a:lvl1pPr>
+          </a:lstStyle>
+          <a:p>
+            <a:r>
+              <a:rPr lang="en" altLang="zh-CN" dirty="0"/>
+              <a:t>Consul</a:t>
+            </a:r>
+            <a:endParaRPr dirty="0">
+              <a:latin typeface="微软雅黑" panose="020B0503020204020204" pitchFamily="34" charset="-122"/>
+              <a:ea typeface="微软雅黑" panose="020B0503020204020204" pitchFamily="34" charset="-122"/>
+            </a:endParaRPr>
+          </a:p>
+        </p:txBody>
+      </p:sp>
+      <p:sp>
+        <p:nvSpPr>
+          <p:cNvPr id="101" name="zk">
+            <a:extLst>
+              <a:ext uri="{FF2B5EF4-FFF2-40B4-BE49-F238E27FC236}">
+                <a16:creationId xmlns:a16="http://schemas.microsoft.com/office/drawing/2014/main" id="{A31ED276-6D16-E34B-834E-5FE74985B061}"/>
+              </a:ext>
+            </a:extLst>
+          </p:cNvPr>
+          <p:cNvSpPr/>
+          <p:nvPr/>
+        </p:nvSpPr>
+        <p:spPr>
+          <a:xfrm>
+            <a:off x="6239934" y="7025758"/>
+            <a:ext cx="1248060" cy="432000"/>
+          </a:xfrm>
+          <a:prstGeom prst="roundRect">
+            <a:avLst/>
+          </a:prstGeom>
+          <a:solidFill>
+            <a:srgbClr val="2FA6AD"/>
+          </a:solidFill>
+          <a:ln w="19050" cap="flat">
+            <a:solidFill>
+              <a:schemeClr val="tx2">
+                <a:lumMod val="60000"/>
+                <a:lumOff val="40000"/>
+              </a:schemeClr>
+            </a:solidFill>
+            <a:miter lim="400000"/>
+          </a:ln>
+          <a:effectLst>
+            <a:outerShdw blurRad="38100" dist="25400" dir="5400000" rotWithShape="0">
+              <a:srgbClr val="000000">
+                <a:alpha val="50000"/>
+              </a:srgbClr>
+            </a:outerShdw>
+          </a:effectLst>
+          <a:extLst>
+            <a:ext uri="{C572A759-6A51-4108-AA02-DFA0A04FC94B}">
+              <ma14:wrappingTextBoxFlag xmlns="" xmlns:m="http://schemas.openxmlformats.org/officeDocument/2006/math" xmlns:a14="http://schemas.microsoft.com/office/drawing/2010/main" xmlns:ma14="http://schemas.microsoft.com/office/mac/drawingml/2011/main" val="1"/>
+            </a:ext>
+          </a:extLst>
+        </p:spPr>
+        <p:txBody>
+          <a:bodyPr wrap="square" lIns="50800" tIns="50800" rIns="50800" bIns="50800" numCol="1" anchor="ctr">
+            <a:noAutofit/>
+          </a:bodyPr>
+          <a:lstStyle>
+            <a:lvl1pPr>
+              <a:defRPr b="0">
+                <a:solidFill>
+                  <a:srgbClr val="FFFFFF"/>
+                </a:solidFill>
+                <a:latin typeface="Helvetica Light"/>
+                <a:ea typeface="Helvetica Light"/>
+                <a:cs typeface="Helvetica Light"/>
+                <a:sym typeface="Helvetica Light"/>
+              </a:defRPr>
+            </a:lvl1pPr>
+          </a:lstStyle>
+          <a:p>
+            <a:r>
+              <a:rPr lang="en-US" altLang="zh-CN" dirty="0">
+                <a:latin typeface="微软雅黑" panose="020B0503020204020204" pitchFamily="34" charset="-122"/>
+                <a:ea typeface="微软雅黑" panose="020B0503020204020204" pitchFamily="34" charset="-122"/>
+              </a:rPr>
+              <a:t>Nacos</a:t>
+            </a:r>
+            <a:endParaRPr dirty="0">
+              <a:latin typeface="微软雅黑" panose="020B0503020204020204" pitchFamily="34" charset="-122"/>
+              <a:ea typeface="微软雅黑" panose="020B0503020204020204" pitchFamily="34" charset="-122"/>
+            </a:endParaRPr>
+          </a:p>
+        </p:txBody>
+      </p:sp>
+      <p:sp>
+        <p:nvSpPr>
+          <p:cNvPr id="102" name="zk">
+            <a:extLst>
+              <a:ext uri="{FF2B5EF4-FFF2-40B4-BE49-F238E27FC236}">
+                <a16:creationId xmlns:a16="http://schemas.microsoft.com/office/drawing/2014/main" id="{4EDA2634-BDE8-0D4B-93FB-88C06D33187B}"/>
+              </a:ext>
+            </a:extLst>
+          </p:cNvPr>
+          <p:cNvSpPr/>
+          <p:nvPr/>
+        </p:nvSpPr>
+        <p:spPr>
+          <a:xfrm>
+            <a:off x="7667924" y="7025758"/>
+            <a:ext cx="1183432" cy="432000"/>
+          </a:xfrm>
+          <a:prstGeom prst="roundRect">
+            <a:avLst/>
+          </a:prstGeom>
+          <a:solidFill>
+            <a:srgbClr val="2FA6AD"/>
+          </a:solidFill>
+          <a:ln w="19050" cap="flat">
+            <a:solidFill>
+              <a:schemeClr val="tx2">
+                <a:lumMod val="60000"/>
+                <a:lumOff val="40000"/>
+              </a:schemeClr>
+            </a:solidFill>
+            <a:miter lim="400000"/>
+          </a:ln>
+          <a:effectLst>
+            <a:outerShdw blurRad="38100" dist="25400" dir="5400000" rotWithShape="0">
+              <a:srgbClr val="000000">
+                <a:alpha val="50000"/>
+              </a:srgbClr>
+            </a:outerShdw>
+          </a:effectLst>
+          <a:extLst>
+            <a:ext uri="{C572A759-6A51-4108-AA02-DFA0A04FC94B}">
+              <ma14:wrappingTextBoxFlag xmlns="" xmlns:m="http://schemas.openxmlformats.org/officeDocument/2006/math" xmlns:a14="http://schemas.microsoft.com/office/drawing/2010/main" xmlns:ma14="http://schemas.microsoft.com/office/mac/drawingml/2011/main" val="1"/>
+            </a:ext>
+          </a:extLst>
+        </p:spPr>
+        <p:txBody>
+          <a:bodyPr wrap="square" lIns="50800" tIns="50800" rIns="50800" bIns="50800" numCol="1" anchor="ctr">
+            <a:noAutofit/>
+          </a:bodyPr>
+          <a:lstStyle>
+            <a:lvl1pPr>
+              <a:defRPr b="0">
+                <a:solidFill>
+                  <a:srgbClr val="FFFFFF"/>
+                </a:solidFill>
+                <a:latin typeface="Helvetica Light"/>
+                <a:ea typeface="Helvetica Light"/>
+                <a:cs typeface="Helvetica Light"/>
+                <a:sym typeface="Helvetica Light"/>
+              </a:defRPr>
+            </a:lvl1pPr>
+          </a:lstStyle>
+          <a:p>
+            <a:r>
+              <a:rPr lang="en-US" altLang="zh-CN" dirty="0" err="1">
+                <a:latin typeface="微软雅黑" panose="020B0503020204020204" pitchFamily="34" charset="-122"/>
+                <a:ea typeface="微软雅黑" panose="020B0503020204020204" pitchFamily="34" charset="-122"/>
+              </a:rPr>
+              <a:t>Etcd</a:t>
+            </a:r>
+            <a:endParaRPr dirty="0">
+              <a:latin typeface="微软雅黑" panose="020B0503020204020204" pitchFamily="34" charset="-122"/>
+              <a:ea typeface="微软雅黑" panose="020B0503020204020204" pitchFamily="34" charset="-122"/>
+            </a:endParaRPr>
+          </a:p>
+        </p:txBody>
+      </p:sp>
+      <p:cxnSp>
+        <p:nvCxnSpPr>
+          <p:cNvPr id="103" name="连接符: 肘形 93">
+            <a:extLst>
+              <a:ext uri="{FF2B5EF4-FFF2-40B4-BE49-F238E27FC236}">
+                <a16:creationId xmlns:a16="http://schemas.microsoft.com/office/drawing/2014/main" id="{F8EF06CC-417D-5541-BB5A-9B90DD29362D}"/>
+              </a:ext>
+            </a:extLst>
+          </p:cNvPr>
+          <p:cNvCxnSpPr>
+            <a:cxnSpLocks/>
+            <a:stCxn id="96" idx="2"/>
+          </p:cNvCxnSpPr>
+          <p:nvPr/>
+        </p:nvCxnSpPr>
+        <p:spPr>
+          <a:xfrm rot="16200000" flipH="1">
+            <a:off x="10586624" y="3262769"/>
+            <a:ext cx="211834" cy="9092544"/>
+          </a:xfrm>
+          <a:prstGeom prst="bentConnector2">
+            <a:avLst/>
+          </a:prstGeom>
+          <a:noFill/>
+          <a:ln w="25400" cap="flat">
+            <a:solidFill>
+              <a:schemeClr val="bg2">
+                <a:lumMod val="50000"/>
+              </a:schemeClr>
+            </a:solidFill>
+            <a:prstDash val="solid"/>
+            <a:miter lim="400000"/>
+          </a:ln>
+          <a:effectLst/>
+          <a:sp3d/>
+        </p:spPr>
+        <p:style>
+          <a:lnRef idx="0">
+            <a:scrgbClr r="0" g="0" b="0"/>
+          </a:lnRef>
+          <a:fillRef idx="0">
+            <a:scrgbClr r="0" g="0" b="0"/>
+          </a:fillRef>
+          <a:effectRef idx="0">
+            <a:scrgbClr r="0" g="0" b="0"/>
+          </a:effectRef>
+          <a:fontRef idx="none"/>
+        </p:style>
+      </p:cxnSp>
+      <p:pic>
+        <p:nvPicPr>
+          <p:cNvPr id="14" name="图片 13">
+            <a:extLst>
+              <a:ext uri="{FF2B5EF4-FFF2-40B4-BE49-F238E27FC236}">
+                <a16:creationId xmlns:a16="http://schemas.microsoft.com/office/drawing/2014/main" id="{A1B849DA-5F0B-564D-9192-1FBA63F5D347}"/>
+              </a:ext>
+            </a:extLst>
+          </p:cNvPr>
+          <p:cNvPicPr>
+            <a:picLocks noChangeAspect="1"/>
+          </p:cNvPicPr>
+          <p:nvPr/>
+        </p:nvPicPr>
+        <p:blipFill>
+          <a:blip r:embed="rId12">
+            <a:extLst>
+              <a:ext uri="{28A0092B-C50C-407E-A947-70E740481C1C}">
+                <a14:useLocalDpi xmlns:a14="http://schemas.microsoft.com/office/drawing/2010/main" val="0"/>
+              </a:ext>
+            </a:extLst>
+          </a:blip>
+          <a:stretch>
+            <a:fillRect/>
+          </a:stretch>
+        </p:blipFill>
+        <p:spPr>
+          <a:xfrm>
+            <a:off x="15485855" y="7817236"/>
+            <a:ext cx="304800" cy="304800"/>
+          </a:xfrm>
+          <a:prstGeom prst="rect">
+            <a:avLst/>
+          </a:prstGeom>
+        </p:spPr>
+      </p:pic>
+      <p:sp>
+        <p:nvSpPr>
+          <p:cNvPr id="104" name="文本框 103">
+            <a:extLst>
+              <a:ext uri="{FF2B5EF4-FFF2-40B4-BE49-F238E27FC236}">
+                <a16:creationId xmlns:a16="http://schemas.microsoft.com/office/drawing/2014/main" id="{3DB54623-C552-D14B-82EA-05602AF361CD}"/>
+              </a:ext>
+            </a:extLst>
+          </p:cNvPr>
+          <p:cNvSpPr txBox="1"/>
+          <p:nvPr/>
+        </p:nvSpPr>
+        <p:spPr>
+          <a:xfrm>
+            <a:off x="15036017" y="8119949"/>
+            <a:ext cx="1336904" cy="287258"/>
+          </a:xfrm>
+          <a:prstGeom prst="rect">
+            <a:avLst/>
+          </a:prstGeom>
+          <a:noFill/>
+          <a:ln w="12700" cap="flat">
+            <a:noFill/>
+            <a:miter lim="400000"/>
+          </a:ln>
+          <a:effectLst/>
+          <a:sp3d/>
+        </p:spPr>
+        <p:style>
+          <a:lnRef idx="0">
+            <a:scrgbClr r="0" g="0" b="0"/>
+          </a:lnRef>
+          <a:fillRef idx="0">
+            <a:scrgbClr r="0" g="0" b="0"/>
+          </a:fillRef>
+          <a:effectRef idx="0">
+            <a:scrgbClr r="0" g="0" b="0"/>
+          </a:effectRef>
+          <a:fontRef idx="none"/>
+        </p:style>
+        <p:txBody>
+          <a:bodyPr rot="0" spcFirstLastPara="1" vertOverflow="overflow" horzOverflow="overflow" vert="horz" wrap="none" lIns="50800" tIns="50800" rIns="50800" bIns="50800" numCol="1" spcCol="38100" rtlCol="0" anchor="ctr">
+            <a:spAutoFit/>
+          </a:bodyPr>
+          <a:lstStyle/>
+          <a:p>
+            <a:pPr marL="0" marR="0" indent="0" algn="ctr" defTabSz="584200" rtl="0" fontAlgn="auto" latinLnBrk="0" hangingPunct="0">
+              <a:lnSpc>
+                <a:spcPct val="100000"/>
+              </a:lnSpc>
+              <a:spcBef>
+                <a:spcPts val="0"/>
+              </a:spcBef>
+              <a:spcAft>
+                <a:spcPts val="0"/>
+              </a:spcAft>
+              <a:buClrTx/>
+              <a:buSzTx/>
+              <a:buFontTx/>
+              <a:buNone/>
+              <a:tabLst/>
+            </a:pPr>
+            <a:r>
+              <a:rPr kumimoji="0" lang="en-US" altLang="zh-CN" sz="1200" b="1" i="0" u="none" strike="noStrike" cap="none" spc="0" normalizeH="0" baseline="0" dirty="0">
+                <a:ln>
+                  <a:noFill/>
+                </a:ln>
+                <a:solidFill>
+                  <a:schemeClr val="bg2">
+                    <a:lumMod val="75000"/>
+                  </a:schemeClr>
+                </a:solidFill>
+                <a:effectLst/>
+                <a:uFillTx/>
+                <a:latin typeface="Helvetica Neue"/>
+                <a:ea typeface="Helvetica Neue"/>
+                <a:cs typeface="Helvetica Neue"/>
+                <a:sym typeface="Helvetica Neue"/>
+              </a:rPr>
+              <a:t>Metadata Center</a:t>
+            </a:r>
+            <a:endParaRPr kumimoji="0" lang="zh-CN" altLang="en-US" sz="1200" b="1" i="0" u="none" strike="noStrike" cap="none" spc="0" normalizeH="0" baseline="0" dirty="0">
+              <a:ln>
+                <a:noFill/>
+              </a:ln>
+              <a:solidFill>
+                <a:schemeClr val="bg2">
+                  <a:lumMod val="75000"/>
+                </a:schemeClr>
+              </a:solidFill>
+              <a:effectLst/>
+              <a:uFillTx/>
+              <a:latin typeface="Helvetica Neue"/>
+              <a:ea typeface="Helvetica Neue"/>
+              <a:cs typeface="Helvetica Neue"/>
+              <a:sym typeface="Helvetica Neue"/>
+            </a:endParaRPr>
+          </a:p>
+        </p:txBody>
+      </p:sp>
     </p:spTree>
     <p:extLst>
       <p:ext uri="{BB962C8B-B14F-4D97-AF65-F5344CB8AC3E}">

--- a/resource/dubbo-go-arch.pptx
+++ b/resource/dubbo-go-arch.pptx
@@ -2352,7 +2352,7 @@
           </a:ln>
           <a:extLst>
             <a:ext uri="{C572A759-6A51-4108-AA02-DFA0A04FC94B}">
-              <ma14:wrappingTextBoxFlag xmlns:ma14="http://schemas.microsoft.com/office/mac/drawingml/2011/main" xmlns:a14="http://schemas.microsoft.com/office/drawing/2010/main" xmlns:m="http://schemas.openxmlformats.org/officeDocument/2006/math" xmlns="" val="1"/>
+              <ma14:wrappingTextBoxFlag xmlns="" xmlns:m="http://schemas.openxmlformats.org/officeDocument/2006/math" xmlns:a14="http://schemas.microsoft.com/office/drawing/2010/main" xmlns:ma14="http://schemas.microsoft.com/office/mac/drawingml/2011/main" val="1"/>
             </a:ext>
           </a:extLst>
         </p:spPr>
@@ -2391,7 +2391,7 @@
           </a:ln>
           <a:extLst>
             <a:ext uri="{C572A759-6A51-4108-AA02-DFA0A04FC94B}">
-              <ma14:wrappingTextBoxFlag xmlns:ma14="http://schemas.microsoft.com/office/mac/drawingml/2011/main" xmlns:a14="http://schemas.microsoft.com/office/drawing/2010/main" xmlns:m="http://schemas.openxmlformats.org/officeDocument/2006/math" xmlns="" val="1"/>
+              <ma14:wrappingTextBoxFlag xmlns="" xmlns:m="http://schemas.openxmlformats.org/officeDocument/2006/math" xmlns:a14="http://schemas.microsoft.com/office/drawing/2010/main" xmlns:ma14="http://schemas.microsoft.com/office/mac/drawingml/2011/main" val="1"/>
             </a:ext>
           </a:extLst>
         </p:spPr>
@@ -3274,7 +3274,7 @@
           </a:effectLst>
           <a:extLst>
             <a:ext uri="{C572A759-6A51-4108-AA02-DFA0A04FC94B}">
-              <ma14:wrappingTextBoxFlag xmlns:ma14="http://schemas.microsoft.com/office/mac/drawingml/2011/main" xmlns:a14="http://schemas.microsoft.com/office/drawing/2010/main" xmlns:m="http://schemas.openxmlformats.org/officeDocument/2006/math" xmlns="" val="1"/>
+              <ma14:wrappingTextBoxFlag xmlns="" xmlns:m="http://schemas.openxmlformats.org/officeDocument/2006/math" xmlns:a14="http://schemas.microsoft.com/office/drawing/2010/main" xmlns:ma14="http://schemas.microsoft.com/office/mac/drawingml/2011/main" val="1"/>
             </a:ext>
           </a:extLst>
         </p:spPr>
@@ -3567,7 +3567,7 @@
             </a:effectLst>
             <a:extLst>
               <a:ext uri="{C572A759-6A51-4108-AA02-DFA0A04FC94B}">
-                <ma14:wrappingTextBoxFlag xmlns:ma14="http://schemas.microsoft.com/office/mac/drawingml/2011/main" xmlns:a14="http://schemas.microsoft.com/office/drawing/2010/main" xmlns:m="http://schemas.openxmlformats.org/officeDocument/2006/math" xmlns="" val="1"/>
+                <ma14:wrappingTextBoxFlag xmlns="" xmlns:m="http://schemas.openxmlformats.org/officeDocument/2006/math" xmlns:a14="http://schemas.microsoft.com/office/drawing/2010/main" xmlns:ma14="http://schemas.microsoft.com/office/mac/drawingml/2011/main" val="1"/>
               </a:ext>
             </a:extLst>
           </p:spPr>
@@ -3657,7 +3657,7 @@
               </a:effectLst>
               <a:extLst>
                 <a:ext uri="{C572A759-6A51-4108-AA02-DFA0A04FC94B}">
-                  <ma14:wrappingTextBoxFlag xmlns:ma14="http://schemas.microsoft.com/office/mac/drawingml/2011/main" xmlns:a14="http://schemas.microsoft.com/office/drawing/2010/main" xmlns:m="http://schemas.openxmlformats.org/officeDocument/2006/math" xmlns="" val="1"/>
+                  <ma14:wrappingTextBoxFlag xmlns="" xmlns:m="http://schemas.openxmlformats.org/officeDocument/2006/math" xmlns:a14="http://schemas.microsoft.com/office/drawing/2010/main" xmlns:ma14="http://schemas.microsoft.com/office/mac/drawingml/2011/main" val="1"/>
                 </a:ext>
               </a:extLst>
             </p:spPr>
@@ -3716,7 +3716,7 @@
               </a:effectLst>
               <a:extLst>
                 <a:ext uri="{C572A759-6A51-4108-AA02-DFA0A04FC94B}">
-                  <ma14:wrappingTextBoxFlag xmlns:ma14="http://schemas.microsoft.com/office/mac/drawingml/2011/main" xmlns:a14="http://schemas.microsoft.com/office/drawing/2010/main" xmlns:m="http://schemas.openxmlformats.org/officeDocument/2006/math" xmlns="" val="1"/>
+                  <ma14:wrappingTextBoxFlag xmlns="" xmlns:m="http://schemas.openxmlformats.org/officeDocument/2006/math" xmlns:a14="http://schemas.microsoft.com/office/drawing/2010/main" xmlns:ma14="http://schemas.microsoft.com/office/mac/drawingml/2011/main" val="1"/>
                 </a:ext>
               </a:extLst>
             </p:spPr>
@@ -3781,7 +3781,7 @@
               </a:effectLst>
               <a:extLst>
                 <a:ext uri="{C572A759-6A51-4108-AA02-DFA0A04FC94B}">
-                  <ma14:wrappingTextBoxFlag xmlns:ma14="http://schemas.microsoft.com/office/mac/drawingml/2011/main" xmlns:a14="http://schemas.microsoft.com/office/drawing/2010/main" xmlns:m="http://schemas.openxmlformats.org/officeDocument/2006/math" xmlns="" val="1"/>
+                  <ma14:wrappingTextBoxFlag xmlns="" xmlns:m="http://schemas.openxmlformats.org/officeDocument/2006/math" xmlns:a14="http://schemas.microsoft.com/office/drawing/2010/main" xmlns:ma14="http://schemas.microsoft.com/office/mac/drawingml/2011/main" val="1"/>
                 </a:ext>
               </a:extLst>
             </p:spPr>
@@ -3846,7 +3846,7 @@
               </a:effectLst>
               <a:extLst>
                 <a:ext uri="{C572A759-6A51-4108-AA02-DFA0A04FC94B}">
-                  <ma14:wrappingTextBoxFlag xmlns:ma14="http://schemas.microsoft.com/office/mac/drawingml/2011/main" xmlns:a14="http://schemas.microsoft.com/office/drawing/2010/main" xmlns:m="http://schemas.openxmlformats.org/officeDocument/2006/math" xmlns="" val="1"/>
+                  <ma14:wrappingTextBoxFlag xmlns="" xmlns:m="http://schemas.openxmlformats.org/officeDocument/2006/math" xmlns:a14="http://schemas.microsoft.com/office/drawing/2010/main" xmlns:ma14="http://schemas.microsoft.com/office/mac/drawingml/2011/main" val="1"/>
                 </a:ext>
               </a:extLst>
             </p:spPr>
@@ -3911,7 +3911,7 @@
               </a:effectLst>
               <a:extLst>
                 <a:ext uri="{C572A759-6A51-4108-AA02-DFA0A04FC94B}">
-                  <ma14:wrappingTextBoxFlag xmlns:ma14="http://schemas.microsoft.com/office/mac/drawingml/2011/main" xmlns:a14="http://schemas.microsoft.com/office/drawing/2010/main" xmlns:m="http://schemas.openxmlformats.org/officeDocument/2006/math" xmlns="" val="1"/>
+                  <ma14:wrappingTextBoxFlag xmlns="" xmlns:m="http://schemas.openxmlformats.org/officeDocument/2006/math" xmlns:a14="http://schemas.microsoft.com/office/drawing/2010/main" xmlns:ma14="http://schemas.microsoft.com/office/mac/drawingml/2011/main" val="1"/>
                 </a:ext>
               </a:extLst>
             </p:spPr>
@@ -3983,7 +3983,7 @@
             </a:effectLst>
             <a:extLst>
               <a:ext uri="{C572A759-6A51-4108-AA02-DFA0A04FC94B}">
-                <ma14:wrappingTextBoxFlag xmlns:ma14="http://schemas.microsoft.com/office/mac/drawingml/2011/main" xmlns:a14="http://schemas.microsoft.com/office/drawing/2010/main" xmlns:m="http://schemas.openxmlformats.org/officeDocument/2006/math" xmlns="" val="1"/>
+                <ma14:wrappingTextBoxFlag xmlns="" xmlns:m="http://schemas.openxmlformats.org/officeDocument/2006/math" xmlns:a14="http://schemas.microsoft.com/office/drawing/2010/main" xmlns:ma14="http://schemas.microsoft.com/office/mac/drawingml/2011/main" val="1"/>
               </a:ext>
             </a:extLst>
           </p:spPr>
@@ -4076,7 +4076,7 @@
               </a:effectLst>
               <a:extLst>
                 <a:ext uri="{C572A759-6A51-4108-AA02-DFA0A04FC94B}">
-                  <ma14:wrappingTextBoxFlag xmlns:ma14="http://schemas.microsoft.com/office/mac/drawingml/2011/main" xmlns:a14="http://schemas.microsoft.com/office/drawing/2010/main" xmlns:m="http://schemas.openxmlformats.org/officeDocument/2006/math" xmlns="" val="1"/>
+                  <ma14:wrappingTextBoxFlag xmlns="" xmlns:m="http://schemas.openxmlformats.org/officeDocument/2006/math" xmlns:a14="http://schemas.microsoft.com/office/drawing/2010/main" xmlns:ma14="http://schemas.microsoft.com/office/mac/drawingml/2011/main" val="1"/>
                 </a:ext>
               </a:extLst>
             </p:spPr>
@@ -4140,7 +4140,7 @@
               </a:effectLst>
               <a:extLst>
                 <a:ext uri="{C572A759-6A51-4108-AA02-DFA0A04FC94B}">
-                  <ma14:wrappingTextBoxFlag xmlns:ma14="http://schemas.microsoft.com/office/mac/drawingml/2011/main" xmlns:a14="http://schemas.microsoft.com/office/drawing/2010/main" xmlns:m="http://schemas.openxmlformats.org/officeDocument/2006/math" xmlns="" val="1"/>
+                  <ma14:wrappingTextBoxFlag xmlns="" xmlns:m="http://schemas.openxmlformats.org/officeDocument/2006/math" xmlns:a14="http://schemas.microsoft.com/office/drawing/2010/main" xmlns:ma14="http://schemas.microsoft.com/office/mac/drawingml/2011/main" val="1"/>
                 </a:ext>
               </a:extLst>
             </p:spPr>
@@ -4210,7 +4210,7 @@
               </a:effectLst>
               <a:extLst>
                 <a:ext uri="{C572A759-6A51-4108-AA02-DFA0A04FC94B}">
-                  <ma14:wrappingTextBoxFlag xmlns:ma14="http://schemas.microsoft.com/office/mac/drawingml/2011/main" xmlns:a14="http://schemas.microsoft.com/office/drawing/2010/main" xmlns:m="http://schemas.openxmlformats.org/officeDocument/2006/math" xmlns="" val="1"/>
+                  <ma14:wrappingTextBoxFlag xmlns="" xmlns:m="http://schemas.openxmlformats.org/officeDocument/2006/math" xmlns:a14="http://schemas.microsoft.com/office/drawing/2010/main" xmlns:ma14="http://schemas.microsoft.com/office/mac/drawingml/2011/main" val="1"/>
                 </a:ext>
               </a:extLst>
             </p:spPr>
@@ -4280,7 +4280,7 @@
               </a:effectLst>
               <a:extLst>
                 <a:ext uri="{C572A759-6A51-4108-AA02-DFA0A04FC94B}">
-                  <ma14:wrappingTextBoxFlag xmlns:ma14="http://schemas.microsoft.com/office/mac/drawingml/2011/main" xmlns:a14="http://schemas.microsoft.com/office/drawing/2010/main" xmlns:m="http://schemas.openxmlformats.org/officeDocument/2006/math" xmlns="" val="1"/>
+                  <ma14:wrappingTextBoxFlag xmlns="" xmlns:m="http://schemas.openxmlformats.org/officeDocument/2006/math" xmlns:a14="http://schemas.microsoft.com/office/drawing/2010/main" xmlns:ma14="http://schemas.microsoft.com/office/mac/drawingml/2011/main" val="1"/>
                 </a:ext>
               </a:extLst>
             </p:spPr>
@@ -4350,7 +4350,7 @@
               </a:effectLst>
               <a:extLst>
                 <a:ext uri="{C572A759-6A51-4108-AA02-DFA0A04FC94B}">
-                  <ma14:wrappingTextBoxFlag xmlns:ma14="http://schemas.microsoft.com/office/mac/drawingml/2011/main" xmlns:a14="http://schemas.microsoft.com/office/drawing/2010/main" xmlns:m="http://schemas.openxmlformats.org/officeDocument/2006/math" xmlns="" val="1"/>
+                  <ma14:wrappingTextBoxFlag xmlns="" xmlns:m="http://schemas.openxmlformats.org/officeDocument/2006/math" xmlns:a14="http://schemas.microsoft.com/office/drawing/2010/main" xmlns:ma14="http://schemas.microsoft.com/office/mac/drawingml/2011/main" val="1"/>
                 </a:ext>
               </a:extLst>
             </p:spPr>
@@ -4439,7 +4439,7 @@
             </a:effectLst>
             <a:extLst>
               <a:ext uri="{C572A759-6A51-4108-AA02-DFA0A04FC94B}">
-                <ma14:wrappingTextBoxFlag xmlns:ma14="http://schemas.microsoft.com/office/mac/drawingml/2011/main" xmlns:a14="http://schemas.microsoft.com/office/drawing/2010/main" xmlns:m="http://schemas.openxmlformats.org/officeDocument/2006/math" xmlns="" val="1"/>
+                <ma14:wrappingTextBoxFlag xmlns="" xmlns:m="http://schemas.openxmlformats.org/officeDocument/2006/math" xmlns:a14="http://schemas.microsoft.com/office/drawing/2010/main" xmlns:ma14="http://schemas.microsoft.com/office/mac/drawingml/2011/main" val="1"/>
               </a:ext>
             </a:extLst>
           </p:spPr>
@@ -4529,7 +4529,7 @@
               </a:effectLst>
               <a:extLst>
                 <a:ext uri="{C572A759-6A51-4108-AA02-DFA0A04FC94B}">
-                  <ma14:wrappingTextBoxFlag xmlns:ma14="http://schemas.microsoft.com/office/mac/drawingml/2011/main" xmlns:a14="http://schemas.microsoft.com/office/drawing/2010/main" xmlns:m="http://schemas.openxmlformats.org/officeDocument/2006/math" xmlns="" val="1"/>
+                  <ma14:wrappingTextBoxFlag xmlns="" xmlns:m="http://schemas.openxmlformats.org/officeDocument/2006/math" xmlns:a14="http://schemas.microsoft.com/office/drawing/2010/main" xmlns:ma14="http://schemas.microsoft.com/office/mac/drawingml/2011/main" val="1"/>
                 </a:ext>
               </a:extLst>
             </p:spPr>
@@ -4580,7 +4580,7 @@
               </a:effectLst>
               <a:extLst>
                 <a:ext uri="{C572A759-6A51-4108-AA02-DFA0A04FC94B}">
-                  <ma14:wrappingTextBoxFlag xmlns:ma14="http://schemas.microsoft.com/office/mac/drawingml/2011/main" xmlns:a14="http://schemas.microsoft.com/office/drawing/2010/main" xmlns:m="http://schemas.openxmlformats.org/officeDocument/2006/math" xmlns="" val="1"/>
+                  <ma14:wrappingTextBoxFlag xmlns="" xmlns:m="http://schemas.openxmlformats.org/officeDocument/2006/math" xmlns:a14="http://schemas.microsoft.com/office/drawing/2010/main" xmlns:ma14="http://schemas.microsoft.com/office/mac/drawingml/2011/main" val="1"/>
                 </a:ext>
               </a:extLst>
             </p:spPr>
@@ -4634,7 +4634,7 @@
               </a:effectLst>
               <a:extLst>
                 <a:ext uri="{C572A759-6A51-4108-AA02-DFA0A04FC94B}">
-                  <ma14:wrappingTextBoxFlag xmlns:ma14="http://schemas.microsoft.com/office/mac/drawingml/2011/main" xmlns:a14="http://schemas.microsoft.com/office/drawing/2010/main" xmlns:m="http://schemas.openxmlformats.org/officeDocument/2006/math" xmlns="" val="1"/>
+                  <ma14:wrappingTextBoxFlag xmlns="" xmlns:m="http://schemas.openxmlformats.org/officeDocument/2006/math" xmlns:a14="http://schemas.microsoft.com/office/drawing/2010/main" xmlns:ma14="http://schemas.microsoft.com/office/mac/drawingml/2011/main" val="1"/>
                 </a:ext>
               </a:extLst>
             </p:spPr>
@@ -4688,7 +4688,7 @@
               </a:effectLst>
               <a:extLst>
                 <a:ext uri="{C572A759-6A51-4108-AA02-DFA0A04FC94B}">
-                  <ma14:wrappingTextBoxFlag xmlns:ma14="http://schemas.microsoft.com/office/mac/drawingml/2011/main" xmlns:a14="http://schemas.microsoft.com/office/drawing/2010/main" xmlns:m="http://schemas.openxmlformats.org/officeDocument/2006/math" xmlns="" val="1"/>
+                  <ma14:wrappingTextBoxFlag xmlns="" xmlns:m="http://schemas.openxmlformats.org/officeDocument/2006/math" xmlns:a14="http://schemas.microsoft.com/office/drawing/2010/main" xmlns:ma14="http://schemas.microsoft.com/office/mac/drawingml/2011/main" val="1"/>
                 </a:ext>
               </a:extLst>
             </p:spPr>
@@ -4742,7 +4742,7 @@
               </a:effectLst>
               <a:extLst>
                 <a:ext uri="{C572A759-6A51-4108-AA02-DFA0A04FC94B}">
-                  <ma14:wrappingTextBoxFlag xmlns:ma14="http://schemas.microsoft.com/office/mac/drawingml/2011/main" xmlns:a14="http://schemas.microsoft.com/office/drawing/2010/main" xmlns:m="http://schemas.openxmlformats.org/officeDocument/2006/math" xmlns="" val="1"/>
+                  <ma14:wrappingTextBoxFlag xmlns="" xmlns:m="http://schemas.openxmlformats.org/officeDocument/2006/math" xmlns:a14="http://schemas.microsoft.com/office/drawing/2010/main" xmlns:ma14="http://schemas.microsoft.com/office/mac/drawingml/2011/main" val="1"/>
                 </a:ext>
               </a:extLst>
             </p:spPr>
@@ -4797,7 +4797,7 @@
             </a:effectLst>
             <a:extLst>
               <a:ext uri="{C572A759-6A51-4108-AA02-DFA0A04FC94B}">
-                <ma14:wrappingTextBoxFlag xmlns:ma14="http://schemas.microsoft.com/office/mac/drawingml/2011/main" xmlns:a14="http://schemas.microsoft.com/office/drawing/2010/main" xmlns:m="http://schemas.openxmlformats.org/officeDocument/2006/math" xmlns="" val="1"/>
+                <ma14:wrappingTextBoxFlag xmlns="" xmlns:m="http://schemas.openxmlformats.org/officeDocument/2006/math" xmlns:a14="http://schemas.microsoft.com/office/drawing/2010/main" xmlns:ma14="http://schemas.microsoft.com/office/mac/drawingml/2011/main" val="1"/>
               </a:ext>
             </a:extLst>
           </p:spPr>
@@ -4884,7 +4884,7 @@
               </a:effectLst>
               <a:extLst>
                 <a:ext uri="{C572A759-6A51-4108-AA02-DFA0A04FC94B}">
-                  <ma14:wrappingTextBoxFlag xmlns:ma14="http://schemas.microsoft.com/office/mac/drawingml/2011/main" xmlns:a14="http://schemas.microsoft.com/office/drawing/2010/main" xmlns:m="http://schemas.openxmlformats.org/officeDocument/2006/math" xmlns="" val="1"/>
+                  <ma14:wrappingTextBoxFlag xmlns="" xmlns:m="http://schemas.openxmlformats.org/officeDocument/2006/math" xmlns:a14="http://schemas.microsoft.com/office/drawing/2010/main" xmlns:ma14="http://schemas.microsoft.com/office/mac/drawingml/2011/main" val="1"/>
                 </a:ext>
               </a:extLst>
             </p:spPr>
@@ -4943,7 +4943,7 @@
               </a:effectLst>
               <a:extLst>
                 <a:ext uri="{C572A759-6A51-4108-AA02-DFA0A04FC94B}">
-                  <ma14:wrappingTextBoxFlag xmlns:ma14="http://schemas.microsoft.com/office/mac/drawingml/2011/main" xmlns:a14="http://schemas.microsoft.com/office/drawing/2010/main" xmlns:m="http://schemas.openxmlformats.org/officeDocument/2006/math" xmlns="" val="1"/>
+                  <ma14:wrappingTextBoxFlag xmlns="" xmlns:m="http://schemas.openxmlformats.org/officeDocument/2006/math" xmlns:a14="http://schemas.microsoft.com/office/drawing/2010/main" xmlns:ma14="http://schemas.microsoft.com/office/mac/drawingml/2011/main" val="1"/>
                 </a:ext>
               </a:extLst>
             </p:spPr>
@@ -5008,7 +5008,7 @@
               </a:effectLst>
               <a:extLst>
                 <a:ext uri="{C572A759-6A51-4108-AA02-DFA0A04FC94B}">
-                  <ma14:wrappingTextBoxFlag xmlns:ma14="http://schemas.microsoft.com/office/mac/drawingml/2011/main" xmlns:a14="http://schemas.microsoft.com/office/drawing/2010/main" xmlns:m="http://schemas.openxmlformats.org/officeDocument/2006/math" xmlns="" val="1"/>
+                  <ma14:wrappingTextBoxFlag xmlns="" xmlns:m="http://schemas.openxmlformats.org/officeDocument/2006/math" xmlns:a14="http://schemas.microsoft.com/office/drawing/2010/main" xmlns:ma14="http://schemas.microsoft.com/office/mac/drawingml/2011/main" val="1"/>
                 </a:ext>
               </a:extLst>
             </p:spPr>
@@ -5073,7 +5073,7 @@
               </a:effectLst>
               <a:extLst>
                 <a:ext uri="{C572A759-6A51-4108-AA02-DFA0A04FC94B}">
-                  <ma14:wrappingTextBoxFlag xmlns:ma14="http://schemas.microsoft.com/office/mac/drawingml/2011/main" xmlns:a14="http://schemas.microsoft.com/office/drawing/2010/main" xmlns:m="http://schemas.openxmlformats.org/officeDocument/2006/math" xmlns="" val="1"/>
+                  <ma14:wrappingTextBoxFlag xmlns="" xmlns:m="http://schemas.openxmlformats.org/officeDocument/2006/math" xmlns:a14="http://schemas.microsoft.com/office/drawing/2010/main" xmlns:ma14="http://schemas.microsoft.com/office/mac/drawingml/2011/main" val="1"/>
                 </a:ext>
               </a:extLst>
             </p:spPr>
@@ -5138,7 +5138,7 @@
               </a:effectLst>
               <a:extLst>
                 <a:ext uri="{C572A759-6A51-4108-AA02-DFA0A04FC94B}">
-                  <ma14:wrappingTextBoxFlag xmlns:ma14="http://schemas.microsoft.com/office/mac/drawingml/2011/main" xmlns:a14="http://schemas.microsoft.com/office/drawing/2010/main" xmlns:m="http://schemas.openxmlformats.org/officeDocument/2006/math" xmlns="" val="1"/>
+                  <ma14:wrappingTextBoxFlag xmlns="" xmlns:m="http://schemas.openxmlformats.org/officeDocument/2006/math" xmlns:a14="http://schemas.microsoft.com/office/drawing/2010/main" xmlns:ma14="http://schemas.microsoft.com/office/mac/drawingml/2011/main" val="1"/>
                 </a:ext>
               </a:extLst>
             </p:spPr>
@@ -5235,7 +5235,7 @@
               </a:effectLst>
               <a:extLst>
                 <a:ext uri="{C572A759-6A51-4108-AA02-DFA0A04FC94B}">
-                  <ma14:wrappingTextBoxFlag xmlns:ma14="http://schemas.microsoft.com/office/mac/drawingml/2011/main" xmlns:a14="http://schemas.microsoft.com/office/drawing/2010/main" xmlns:m="http://schemas.openxmlformats.org/officeDocument/2006/math" xmlns="" val="1"/>
+                  <ma14:wrappingTextBoxFlag xmlns="" xmlns:m="http://schemas.openxmlformats.org/officeDocument/2006/math" xmlns:a14="http://schemas.microsoft.com/office/drawing/2010/main" xmlns:ma14="http://schemas.microsoft.com/office/mac/drawingml/2011/main" val="1"/>
                 </a:ext>
               </a:extLst>
             </p:spPr>
@@ -5291,7 +5291,7 @@
               </a:effectLst>
               <a:extLst>
                 <a:ext uri="{C572A759-6A51-4108-AA02-DFA0A04FC94B}">
-                  <ma14:wrappingTextBoxFlag xmlns:ma14="http://schemas.microsoft.com/office/mac/drawingml/2011/main" xmlns:a14="http://schemas.microsoft.com/office/drawing/2010/main" xmlns:m="http://schemas.openxmlformats.org/officeDocument/2006/math" xmlns="" val="1"/>
+                  <ma14:wrappingTextBoxFlag xmlns="" xmlns:m="http://schemas.openxmlformats.org/officeDocument/2006/math" xmlns:a14="http://schemas.microsoft.com/office/drawing/2010/main" xmlns:ma14="http://schemas.microsoft.com/office/mac/drawingml/2011/main" val="1"/>
                 </a:ext>
               </a:extLst>
             </p:spPr>
@@ -5347,7 +5347,7 @@
               </a:effectLst>
               <a:extLst>
                 <a:ext uri="{C572A759-6A51-4108-AA02-DFA0A04FC94B}">
-                  <ma14:wrappingTextBoxFlag xmlns:ma14="http://schemas.microsoft.com/office/mac/drawingml/2011/main" xmlns:a14="http://schemas.microsoft.com/office/drawing/2010/main" xmlns:m="http://schemas.openxmlformats.org/officeDocument/2006/math" xmlns="" val="1"/>
+                  <ma14:wrappingTextBoxFlag xmlns="" xmlns:m="http://schemas.openxmlformats.org/officeDocument/2006/math" xmlns:a14="http://schemas.microsoft.com/office/drawing/2010/main" xmlns:ma14="http://schemas.microsoft.com/office/mac/drawingml/2011/main" val="1"/>
                 </a:ext>
               </a:extLst>
             </p:spPr>
@@ -5411,7 +5411,7 @@
               </a:effectLst>
               <a:extLst>
                 <a:ext uri="{C572A759-6A51-4108-AA02-DFA0A04FC94B}">
-                  <ma14:wrappingTextBoxFlag xmlns:ma14="http://schemas.microsoft.com/office/mac/drawingml/2011/main" xmlns:a14="http://schemas.microsoft.com/office/drawing/2010/main" xmlns:m="http://schemas.openxmlformats.org/officeDocument/2006/math" xmlns="" val="1"/>
+                  <ma14:wrappingTextBoxFlag xmlns="" xmlns:m="http://schemas.openxmlformats.org/officeDocument/2006/math" xmlns:a14="http://schemas.microsoft.com/office/drawing/2010/main" xmlns:ma14="http://schemas.microsoft.com/office/mac/drawingml/2011/main" val="1"/>
                 </a:ext>
               </a:extLst>
             </p:spPr>
@@ -5505,7 +5505,7 @@
               </a:effectLst>
               <a:extLst>
                 <a:ext uri="{C572A759-6A51-4108-AA02-DFA0A04FC94B}">
-                  <ma14:wrappingTextBoxFlag xmlns:ma14="http://schemas.microsoft.com/office/mac/drawingml/2011/main" xmlns:a14="http://schemas.microsoft.com/office/drawing/2010/main" xmlns:m="http://schemas.openxmlformats.org/officeDocument/2006/math" xmlns="" val="1"/>
+                  <ma14:wrappingTextBoxFlag xmlns="" xmlns:m="http://schemas.openxmlformats.org/officeDocument/2006/math" xmlns:a14="http://schemas.microsoft.com/office/drawing/2010/main" xmlns:ma14="http://schemas.microsoft.com/office/mac/drawingml/2011/main" val="1"/>
                 </a:ext>
               </a:extLst>
             </p:spPr>
@@ -5567,7 +5567,7 @@
               </a:effectLst>
               <a:extLst>
                 <a:ext uri="{C572A759-6A51-4108-AA02-DFA0A04FC94B}">
-                  <ma14:wrappingTextBoxFlag xmlns:ma14="http://schemas.microsoft.com/office/mac/drawingml/2011/main" xmlns:a14="http://schemas.microsoft.com/office/drawing/2010/main" xmlns:m="http://schemas.openxmlformats.org/officeDocument/2006/math" xmlns="" val="1"/>
+                  <ma14:wrappingTextBoxFlag xmlns="" xmlns:m="http://schemas.openxmlformats.org/officeDocument/2006/math" xmlns:a14="http://schemas.microsoft.com/office/drawing/2010/main" xmlns:ma14="http://schemas.microsoft.com/office/mac/drawingml/2011/main" val="1"/>
                 </a:ext>
               </a:extLst>
             </p:spPr>
@@ -5637,7 +5637,7 @@
               </a:effectLst>
               <a:extLst>
                 <a:ext uri="{C572A759-6A51-4108-AA02-DFA0A04FC94B}">
-                  <ma14:wrappingTextBoxFlag xmlns:ma14="http://schemas.microsoft.com/office/mac/drawingml/2011/main" xmlns:a14="http://schemas.microsoft.com/office/drawing/2010/main" xmlns:m="http://schemas.openxmlformats.org/officeDocument/2006/math" xmlns="" val="1"/>
+                  <ma14:wrappingTextBoxFlag xmlns="" xmlns:m="http://schemas.openxmlformats.org/officeDocument/2006/math" xmlns:a14="http://schemas.microsoft.com/office/drawing/2010/main" xmlns:ma14="http://schemas.microsoft.com/office/mac/drawingml/2011/main" val="1"/>
                 </a:ext>
               </a:extLst>
             </p:spPr>
@@ -5751,7 +5751,7 @@
             </a:effectLst>
             <a:extLst>
               <a:ext uri="{C572A759-6A51-4108-AA02-DFA0A04FC94B}">
-                <ma14:wrappingTextBoxFlag xmlns:ma14="http://schemas.microsoft.com/office/mac/drawingml/2011/main" xmlns:a14="http://schemas.microsoft.com/office/drawing/2010/main" xmlns:m="http://schemas.openxmlformats.org/officeDocument/2006/math" xmlns="" val="1"/>
+                <ma14:wrappingTextBoxFlag xmlns="" xmlns:m="http://schemas.openxmlformats.org/officeDocument/2006/math" xmlns:a14="http://schemas.microsoft.com/office/drawing/2010/main" xmlns:ma14="http://schemas.microsoft.com/office/mac/drawingml/2011/main" val="1"/>
               </a:ext>
             </a:extLst>
           </p:spPr>
@@ -5854,7 +5854,7 @@
               </a:effectLst>
               <a:extLst>
                 <a:ext uri="{C572A759-6A51-4108-AA02-DFA0A04FC94B}">
-                  <ma14:wrappingTextBoxFlag xmlns:ma14="http://schemas.microsoft.com/office/mac/drawingml/2011/main" xmlns:a14="http://schemas.microsoft.com/office/drawing/2010/main" xmlns:m="http://schemas.openxmlformats.org/officeDocument/2006/math" xmlns="" val="1"/>
+                  <ma14:wrappingTextBoxFlag xmlns="" xmlns:m="http://schemas.openxmlformats.org/officeDocument/2006/math" xmlns:a14="http://schemas.microsoft.com/office/drawing/2010/main" xmlns:ma14="http://schemas.microsoft.com/office/mac/drawingml/2011/main" val="1"/>
                 </a:ext>
               </a:extLst>
             </p:spPr>
@@ -5913,7 +5913,7 @@
               </a:effectLst>
               <a:extLst>
                 <a:ext uri="{C572A759-6A51-4108-AA02-DFA0A04FC94B}">
-                  <ma14:wrappingTextBoxFlag xmlns:ma14="http://schemas.microsoft.com/office/mac/drawingml/2011/main" xmlns:a14="http://schemas.microsoft.com/office/drawing/2010/main" xmlns:m="http://schemas.openxmlformats.org/officeDocument/2006/math" xmlns="" val="1"/>
+                  <ma14:wrappingTextBoxFlag xmlns="" xmlns:m="http://schemas.openxmlformats.org/officeDocument/2006/math" xmlns:a14="http://schemas.microsoft.com/office/drawing/2010/main" xmlns:ma14="http://schemas.microsoft.com/office/mac/drawingml/2011/main" val="1"/>
                 </a:ext>
               </a:extLst>
             </p:spPr>
@@ -5973,7 +5973,7 @@
               </a:effectLst>
               <a:extLst>
                 <a:ext uri="{C572A759-6A51-4108-AA02-DFA0A04FC94B}">
-                  <ma14:wrappingTextBoxFlag xmlns:ma14="http://schemas.microsoft.com/office/mac/drawingml/2011/main" xmlns:a14="http://schemas.microsoft.com/office/drawing/2010/main" xmlns:m="http://schemas.openxmlformats.org/officeDocument/2006/math" xmlns="" val="1"/>
+                  <ma14:wrappingTextBoxFlag xmlns="" xmlns:m="http://schemas.openxmlformats.org/officeDocument/2006/math" xmlns:a14="http://schemas.microsoft.com/office/drawing/2010/main" xmlns:ma14="http://schemas.microsoft.com/office/mac/drawingml/2011/main" val="1"/>
                 </a:ext>
               </a:extLst>
             </p:spPr>
@@ -6033,7 +6033,7 @@
               </a:effectLst>
               <a:extLst>
                 <a:ext uri="{C572A759-6A51-4108-AA02-DFA0A04FC94B}">
-                  <ma14:wrappingTextBoxFlag xmlns:ma14="http://schemas.microsoft.com/office/mac/drawingml/2011/main" xmlns:a14="http://schemas.microsoft.com/office/drawing/2010/main" xmlns:m="http://schemas.openxmlformats.org/officeDocument/2006/math" xmlns="" val="1"/>
+                  <ma14:wrappingTextBoxFlag xmlns="" xmlns:m="http://schemas.openxmlformats.org/officeDocument/2006/math" xmlns:a14="http://schemas.microsoft.com/office/drawing/2010/main" xmlns:ma14="http://schemas.microsoft.com/office/mac/drawingml/2011/main" val="1"/>
                 </a:ext>
               </a:extLst>
             </p:spPr>
@@ -6119,7 +6119,7 @@
               </a:effectLst>
               <a:extLst>
                 <a:ext uri="{C572A759-6A51-4108-AA02-DFA0A04FC94B}">
-                  <ma14:wrappingTextBoxFlag xmlns:ma14="http://schemas.microsoft.com/office/mac/drawingml/2011/main" xmlns:a14="http://schemas.microsoft.com/office/drawing/2010/main" xmlns:m="http://schemas.openxmlformats.org/officeDocument/2006/math" xmlns="" val="1"/>
+                  <ma14:wrappingTextBoxFlag xmlns="" xmlns:m="http://schemas.openxmlformats.org/officeDocument/2006/math" xmlns:a14="http://schemas.microsoft.com/office/drawing/2010/main" xmlns:ma14="http://schemas.microsoft.com/office/mac/drawingml/2011/main" val="1"/>
                 </a:ext>
               </a:extLst>
             </p:spPr>
@@ -6183,7 +6183,7 @@
               </a:effectLst>
               <a:extLst>
                 <a:ext uri="{C572A759-6A51-4108-AA02-DFA0A04FC94B}">
-                  <ma14:wrappingTextBoxFlag xmlns:ma14="http://schemas.microsoft.com/office/mac/drawingml/2011/main" xmlns:a14="http://schemas.microsoft.com/office/drawing/2010/main" xmlns:m="http://schemas.openxmlformats.org/officeDocument/2006/math" xmlns="" val="1"/>
+                  <ma14:wrappingTextBoxFlag xmlns="" xmlns:m="http://schemas.openxmlformats.org/officeDocument/2006/math" xmlns:a14="http://schemas.microsoft.com/office/drawing/2010/main" xmlns:ma14="http://schemas.microsoft.com/office/mac/drawingml/2011/main" val="1"/>
                 </a:ext>
               </a:extLst>
             </p:spPr>
@@ -6253,7 +6253,7 @@
               </a:effectLst>
               <a:extLst>
                 <a:ext uri="{C572A759-6A51-4108-AA02-DFA0A04FC94B}">
-                  <ma14:wrappingTextBoxFlag xmlns:ma14="http://schemas.microsoft.com/office/mac/drawingml/2011/main" xmlns:a14="http://schemas.microsoft.com/office/drawing/2010/main" xmlns:m="http://schemas.openxmlformats.org/officeDocument/2006/math" xmlns="" val="1"/>
+                  <ma14:wrappingTextBoxFlag xmlns="" xmlns:m="http://schemas.openxmlformats.org/officeDocument/2006/math" xmlns:a14="http://schemas.microsoft.com/office/drawing/2010/main" xmlns:ma14="http://schemas.microsoft.com/office/mac/drawingml/2011/main" val="1"/>
                 </a:ext>
               </a:extLst>
             </p:spPr>
@@ -6323,7 +6323,7 @@
               </a:effectLst>
               <a:extLst>
                 <a:ext uri="{C572A759-6A51-4108-AA02-DFA0A04FC94B}">
-                  <ma14:wrappingTextBoxFlag xmlns:ma14="http://schemas.microsoft.com/office/mac/drawingml/2011/main" xmlns:a14="http://schemas.microsoft.com/office/drawing/2010/main" xmlns:m="http://schemas.openxmlformats.org/officeDocument/2006/math" xmlns="" val="1"/>
+                  <ma14:wrappingTextBoxFlag xmlns="" xmlns:m="http://schemas.openxmlformats.org/officeDocument/2006/math" xmlns:a14="http://schemas.microsoft.com/office/drawing/2010/main" xmlns:ma14="http://schemas.microsoft.com/office/mac/drawingml/2011/main" val="1"/>
                 </a:ext>
               </a:extLst>
             </p:spPr>
@@ -6391,7 +6391,7 @@
               </a:effectLst>
               <a:extLst>
                 <a:ext uri="{C572A759-6A51-4108-AA02-DFA0A04FC94B}">
-                  <ma14:wrappingTextBoxFlag xmlns:ma14="http://schemas.microsoft.com/office/mac/drawingml/2011/main" xmlns:a14="http://schemas.microsoft.com/office/drawing/2010/main" xmlns:m="http://schemas.openxmlformats.org/officeDocument/2006/math" xmlns="" val="1"/>
+                  <ma14:wrappingTextBoxFlag xmlns="" xmlns:m="http://schemas.openxmlformats.org/officeDocument/2006/math" xmlns:a14="http://schemas.microsoft.com/office/drawing/2010/main" xmlns:ma14="http://schemas.microsoft.com/office/mac/drawingml/2011/main" val="1"/>
                 </a:ext>
               </a:extLst>
             </p:spPr>
@@ -6459,7 +6459,7 @@
               </a:effectLst>
               <a:extLst>
                 <a:ext uri="{C572A759-6A51-4108-AA02-DFA0A04FC94B}">
-                  <ma14:wrappingTextBoxFlag xmlns:ma14="http://schemas.microsoft.com/office/mac/drawingml/2011/main" xmlns:a14="http://schemas.microsoft.com/office/drawing/2010/main" xmlns:m="http://schemas.openxmlformats.org/officeDocument/2006/math" xmlns="" val="1"/>
+                  <ma14:wrappingTextBoxFlag xmlns="" xmlns:m="http://schemas.openxmlformats.org/officeDocument/2006/math" xmlns:a14="http://schemas.microsoft.com/office/drawing/2010/main" xmlns:ma14="http://schemas.microsoft.com/office/mac/drawingml/2011/main" val="1"/>
                 </a:ext>
               </a:extLst>
             </p:spPr>
@@ -6549,7 +6549,7 @@
             </a:effectLst>
             <a:extLst>
               <a:ext uri="{C572A759-6A51-4108-AA02-DFA0A04FC94B}">
-                <ma14:wrappingTextBoxFlag xmlns:ma14="http://schemas.microsoft.com/office/mac/drawingml/2011/main" xmlns:a14="http://schemas.microsoft.com/office/drawing/2010/main" xmlns:m="http://schemas.openxmlformats.org/officeDocument/2006/math" xmlns="" val="1"/>
+                <ma14:wrappingTextBoxFlag xmlns="" xmlns:m="http://schemas.openxmlformats.org/officeDocument/2006/math" xmlns:a14="http://schemas.microsoft.com/office/drawing/2010/main" xmlns:ma14="http://schemas.microsoft.com/office/mac/drawingml/2011/main" val="1"/>
               </a:ext>
             </a:extLst>
           </p:spPr>
@@ -6619,7 +6619,7 @@
             </a:effectLst>
             <a:extLst>
               <a:ext uri="{C572A759-6A51-4108-AA02-DFA0A04FC94B}">
-                <ma14:wrappingTextBoxFlag xmlns:ma14="http://schemas.microsoft.com/office/mac/drawingml/2011/main" xmlns:a14="http://schemas.microsoft.com/office/drawing/2010/main" xmlns:m="http://schemas.openxmlformats.org/officeDocument/2006/math" xmlns="" val="1"/>
+                <ma14:wrappingTextBoxFlag xmlns="" xmlns:m="http://schemas.openxmlformats.org/officeDocument/2006/math" xmlns:a14="http://schemas.microsoft.com/office/drawing/2010/main" xmlns:ma14="http://schemas.microsoft.com/office/mac/drawingml/2011/main" val="1"/>
               </a:ext>
             </a:extLst>
           </p:spPr>
@@ -6714,7 +6714,7 @@
             </a:effectLst>
             <a:extLst>
               <a:ext uri="{C572A759-6A51-4108-AA02-DFA0A04FC94B}">
-                <ma14:wrappingTextBoxFlag xmlns:ma14="http://schemas.microsoft.com/office/mac/drawingml/2011/main" xmlns:a14="http://schemas.microsoft.com/office/drawing/2010/main" xmlns:m="http://schemas.openxmlformats.org/officeDocument/2006/math" xmlns="" val="1"/>
+                <ma14:wrappingTextBoxFlag xmlns="" xmlns:m="http://schemas.openxmlformats.org/officeDocument/2006/math" xmlns:a14="http://schemas.microsoft.com/office/drawing/2010/main" xmlns:ma14="http://schemas.microsoft.com/office/mac/drawingml/2011/main" val="1"/>
               </a:ext>
             </a:extLst>
           </p:spPr>
@@ -6784,7 +6784,7 @@
             </a:effectLst>
             <a:extLst>
               <a:ext uri="{C572A759-6A51-4108-AA02-DFA0A04FC94B}">
-                <ma14:wrappingTextBoxFlag xmlns:ma14="http://schemas.microsoft.com/office/mac/drawingml/2011/main" xmlns:a14="http://schemas.microsoft.com/office/drawing/2010/main" xmlns:m="http://schemas.openxmlformats.org/officeDocument/2006/math" xmlns="" val="1"/>
+                <ma14:wrappingTextBoxFlag xmlns="" xmlns:m="http://schemas.openxmlformats.org/officeDocument/2006/math" xmlns:a14="http://schemas.microsoft.com/office/drawing/2010/main" xmlns:ma14="http://schemas.microsoft.com/office/mac/drawingml/2011/main" val="1"/>
               </a:ext>
             </a:extLst>
           </p:spPr>
@@ -6946,7 +6946,7 @@
           </a:ln>
           <a:extLst>
             <a:ext uri="{C572A759-6A51-4108-AA02-DFA0A04FC94B}">
-              <ma14:wrappingTextBoxFlag xmlns:ma14="http://schemas.microsoft.com/office/mac/drawingml/2011/main" xmlns:a14="http://schemas.microsoft.com/office/drawing/2010/main" xmlns:m="http://schemas.openxmlformats.org/officeDocument/2006/math" xmlns="" val="1"/>
+              <ma14:wrappingTextBoxFlag xmlns="" xmlns:m="http://schemas.openxmlformats.org/officeDocument/2006/math" xmlns:a14="http://schemas.microsoft.com/office/drawing/2010/main" xmlns:ma14="http://schemas.microsoft.com/office/mac/drawingml/2011/main" val="1"/>
             </a:ext>
           </a:extLst>
         </p:spPr>
@@ -7336,8 +7336,8 @@
           <p:nvPr/>
         </p:nvSpPr>
         <p:spPr>
-          <a:xfrm rot="18401289">
-            <a:off x="2537392" y="2360453"/>
+          <a:xfrm rot="20946287">
+            <a:off x="5024560" y="2486356"/>
             <a:ext cx="1016363" cy="379591"/>
           </a:xfrm>
           <a:prstGeom prst="rect">
@@ -7348,7 +7348,7 @@
           </a:ln>
           <a:extLst>
             <a:ext uri="{C572A759-6A51-4108-AA02-DFA0A04FC94B}">
-              <ma14:wrappingTextBoxFlag xmlns:ma14="http://schemas.microsoft.com/office/mac/drawingml/2011/main" xmlns:a14="http://schemas.microsoft.com/office/drawing/2010/main" xmlns:m="http://schemas.openxmlformats.org/officeDocument/2006/math" xmlns="" val="1"/>
+              <ma14:wrappingTextBoxFlag xmlns="" xmlns:m="http://schemas.openxmlformats.org/officeDocument/2006/math" xmlns:a14="http://schemas.microsoft.com/office/drawing/2010/main" xmlns:ma14="http://schemas.microsoft.com/office/mac/drawingml/2011/main" val="1"/>
             </a:ext>
           </a:extLst>
         </p:spPr>
@@ -7394,7 +7394,7 @@
         </p:nvSpPr>
         <p:spPr>
           <a:xfrm rot="476644">
-            <a:off x="11236263" y="2294463"/>
+            <a:off x="11294616" y="2232896"/>
             <a:ext cx="768254" cy="287957"/>
           </a:xfrm>
           <a:prstGeom prst="rect">
@@ -7408,7 +7408,7 @@
           <a:effectLst/>
           <a:extLst>
             <a:ext uri="{C572A759-6A51-4108-AA02-DFA0A04FC94B}">
-              <ma14:wrappingTextBoxFlag xmlns:ma14="http://schemas.microsoft.com/office/mac/drawingml/2011/main" xmlns:a14="http://schemas.microsoft.com/office/drawing/2010/main" xmlns:m="http://schemas.openxmlformats.org/officeDocument/2006/math" xmlns="" val="1"/>
+              <ma14:wrappingTextBoxFlag xmlns="" xmlns:m="http://schemas.openxmlformats.org/officeDocument/2006/math" xmlns:a14="http://schemas.microsoft.com/office/drawing/2010/main" xmlns:ma14="http://schemas.microsoft.com/office/mac/drawingml/2011/main" val="1"/>
             </a:ext>
           </a:extLst>
         </p:spPr>
@@ -7547,7 +7547,7 @@
           </a:ln>
           <a:extLst>
             <a:ext uri="{C572A759-6A51-4108-AA02-DFA0A04FC94B}">
-              <ma14:wrappingTextBoxFlag xmlns:ma14="http://schemas.microsoft.com/office/mac/drawingml/2011/main" xmlns:a14="http://schemas.microsoft.com/office/drawing/2010/main" xmlns:m="http://schemas.openxmlformats.org/officeDocument/2006/math" xmlns="" val="1"/>
+              <ma14:wrappingTextBoxFlag xmlns="" xmlns:m="http://schemas.openxmlformats.org/officeDocument/2006/math" xmlns:a14="http://schemas.microsoft.com/office/drawing/2010/main" xmlns:ma14="http://schemas.microsoft.com/office/mac/drawingml/2011/main" val="1"/>
             </a:ext>
           </a:extLst>
         </p:spPr>
@@ -7622,7 +7622,7 @@
           </a:effectLst>
           <a:extLst>
             <a:ext uri="{C572A759-6A51-4108-AA02-DFA0A04FC94B}">
-              <ma14:wrappingTextBoxFlag xmlns:ma14="http://schemas.microsoft.com/office/mac/drawingml/2011/main" xmlns:a14="http://schemas.microsoft.com/office/drawing/2010/main" xmlns:m="http://schemas.openxmlformats.org/officeDocument/2006/math" xmlns="" val="1"/>
+              <ma14:wrappingTextBoxFlag xmlns="" xmlns:m="http://schemas.openxmlformats.org/officeDocument/2006/math" xmlns:a14="http://schemas.microsoft.com/office/drawing/2010/main" xmlns:ma14="http://schemas.microsoft.com/office/mac/drawingml/2011/main" val="1"/>
             </a:ext>
           </a:extLst>
         </p:spPr>
@@ -7702,7 +7702,7 @@
             </a:effectLst>
             <a:extLst>
               <a:ext uri="{C572A759-6A51-4108-AA02-DFA0A04FC94B}">
-                <ma14:wrappingTextBoxFlag xmlns:ma14="http://schemas.microsoft.com/office/mac/drawingml/2011/main" xmlns:a14="http://schemas.microsoft.com/office/drawing/2010/main" xmlns:m="http://schemas.openxmlformats.org/officeDocument/2006/math" xmlns="" val="1"/>
+                <ma14:wrappingTextBoxFlag xmlns="" xmlns:m="http://schemas.openxmlformats.org/officeDocument/2006/math" xmlns:a14="http://schemas.microsoft.com/office/drawing/2010/main" xmlns:ma14="http://schemas.microsoft.com/office/mac/drawingml/2011/main" val="1"/>
               </a:ext>
             </a:extLst>
           </p:spPr>
@@ -7794,7 +7794,7 @@
             </a:effectLst>
             <a:extLst>
               <a:ext uri="{C572A759-6A51-4108-AA02-DFA0A04FC94B}">
-                <ma14:wrappingTextBoxFlag xmlns:ma14="http://schemas.microsoft.com/office/mac/drawingml/2011/main" xmlns:a14="http://schemas.microsoft.com/office/drawing/2010/main" xmlns:m="http://schemas.openxmlformats.org/officeDocument/2006/math" xmlns="" val="1"/>
+                <ma14:wrappingTextBoxFlag xmlns="" xmlns:m="http://schemas.openxmlformats.org/officeDocument/2006/math" xmlns:a14="http://schemas.microsoft.com/office/drawing/2010/main" xmlns:ma14="http://schemas.microsoft.com/office/mac/drawingml/2011/main" val="1"/>
               </a:ext>
             </a:extLst>
           </p:spPr>
@@ -7875,7 +7875,7 @@
             </a:effectLst>
             <a:extLst>
               <a:ext uri="{C572A759-6A51-4108-AA02-DFA0A04FC94B}">
-                <ma14:wrappingTextBoxFlag xmlns:ma14="http://schemas.microsoft.com/office/mac/drawingml/2011/main" xmlns:a14="http://schemas.microsoft.com/office/drawing/2010/main" xmlns:m="http://schemas.openxmlformats.org/officeDocument/2006/math" xmlns="" val="1"/>
+                <ma14:wrappingTextBoxFlag xmlns="" xmlns:m="http://schemas.openxmlformats.org/officeDocument/2006/math" xmlns:a14="http://schemas.microsoft.com/office/drawing/2010/main" xmlns:ma14="http://schemas.microsoft.com/office/mac/drawingml/2011/main" val="1"/>
               </a:ext>
             </a:extLst>
           </p:spPr>
@@ -7949,7 +7949,7 @@
             </a:effectLst>
             <a:extLst>
               <a:ext uri="{C572A759-6A51-4108-AA02-DFA0A04FC94B}">
-                <ma14:wrappingTextBoxFlag xmlns:ma14="http://schemas.microsoft.com/office/mac/drawingml/2011/main" xmlns:a14="http://schemas.microsoft.com/office/drawing/2010/main" xmlns:m="http://schemas.openxmlformats.org/officeDocument/2006/math" xmlns="" val="1"/>
+                <ma14:wrappingTextBoxFlag xmlns="" xmlns:m="http://schemas.openxmlformats.org/officeDocument/2006/math" xmlns:a14="http://schemas.microsoft.com/office/drawing/2010/main" xmlns:ma14="http://schemas.microsoft.com/office/mac/drawingml/2011/main" val="1"/>
               </a:ext>
             </a:extLst>
           </p:spPr>
@@ -8044,7 +8044,7 @@
             </a:effectLst>
             <a:extLst>
               <a:ext uri="{C572A759-6A51-4108-AA02-DFA0A04FC94B}">
-                <ma14:wrappingTextBoxFlag xmlns:ma14="http://schemas.microsoft.com/office/mac/drawingml/2011/main" xmlns:a14="http://schemas.microsoft.com/office/drawing/2010/main" xmlns:m="http://schemas.openxmlformats.org/officeDocument/2006/math" xmlns="" val="1"/>
+                <ma14:wrappingTextBoxFlag xmlns="" xmlns:m="http://schemas.openxmlformats.org/officeDocument/2006/math" xmlns:a14="http://schemas.microsoft.com/office/drawing/2010/main" xmlns:ma14="http://schemas.microsoft.com/office/mac/drawingml/2011/main" val="1"/>
               </a:ext>
             </a:extLst>
           </p:spPr>
@@ -8136,7 +8136,7 @@
             </a:effectLst>
             <a:extLst>
               <a:ext uri="{C572A759-6A51-4108-AA02-DFA0A04FC94B}">
-                <ma14:wrappingTextBoxFlag xmlns:ma14="http://schemas.microsoft.com/office/mac/drawingml/2011/main" xmlns:a14="http://schemas.microsoft.com/office/drawing/2010/main" xmlns:m="http://schemas.openxmlformats.org/officeDocument/2006/math" xmlns="" val="1"/>
+                <ma14:wrappingTextBoxFlag xmlns="" xmlns:m="http://schemas.openxmlformats.org/officeDocument/2006/math" xmlns:a14="http://schemas.microsoft.com/office/drawing/2010/main" xmlns:ma14="http://schemas.microsoft.com/office/mac/drawingml/2011/main" val="1"/>
               </a:ext>
             </a:extLst>
           </p:spPr>
@@ -8207,7 +8207,7 @@
             </a:effectLst>
             <a:extLst>
               <a:ext uri="{C572A759-6A51-4108-AA02-DFA0A04FC94B}">
-                <ma14:wrappingTextBoxFlag xmlns:ma14="http://schemas.microsoft.com/office/mac/drawingml/2011/main" xmlns:a14="http://schemas.microsoft.com/office/drawing/2010/main" xmlns:m="http://schemas.openxmlformats.org/officeDocument/2006/math" xmlns="" val="1"/>
+                <ma14:wrappingTextBoxFlag xmlns="" xmlns:m="http://schemas.openxmlformats.org/officeDocument/2006/math" xmlns:a14="http://schemas.microsoft.com/office/drawing/2010/main" xmlns:ma14="http://schemas.microsoft.com/office/mac/drawingml/2011/main" val="1"/>
               </a:ext>
             </a:extLst>
           </p:spPr>
@@ -8281,7 +8281,7 @@
             </a:effectLst>
             <a:extLst>
               <a:ext uri="{C572A759-6A51-4108-AA02-DFA0A04FC94B}">
-                <ma14:wrappingTextBoxFlag xmlns:ma14="http://schemas.microsoft.com/office/mac/drawingml/2011/main" xmlns:a14="http://schemas.microsoft.com/office/drawing/2010/main" xmlns:m="http://schemas.openxmlformats.org/officeDocument/2006/math" xmlns="" val="1"/>
+                <ma14:wrappingTextBoxFlag xmlns="" xmlns:m="http://schemas.openxmlformats.org/officeDocument/2006/math" xmlns:a14="http://schemas.microsoft.com/office/drawing/2010/main" xmlns:ma14="http://schemas.microsoft.com/office/mac/drawingml/2011/main" val="1"/>
               </a:ext>
             </a:extLst>
           </p:spPr>
@@ -8355,7 +8355,7 @@
             </a:effectLst>
             <a:extLst>
               <a:ext uri="{C572A759-6A51-4108-AA02-DFA0A04FC94B}">
-                <ma14:wrappingTextBoxFlag xmlns:ma14="http://schemas.microsoft.com/office/mac/drawingml/2011/main" xmlns:a14="http://schemas.microsoft.com/office/drawing/2010/main" xmlns:m="http://schemas.openxmlformats.org/officeDocument/2006/math" xmlns="" val="1"/>
+                <ma14:wrappingTextBoxFlag xmlns="" xmlns:m="http://schemas.openxmlformats.org/officeDocument/2006/math" xmlns:a14="http://schemas.microsoft.com/office/drawing/2010/main" xmlns:ma14="http://schemas.microsoft.com/office/mac/drawingml/2011/main" val="1"/>
               </a:ext>
             </a:extLst>
           </p:spPr>
@@ -8525,7 +8525,7 @@
           </a:effectLst>
           <a:extLst>
             <a:ext uri="{C572A759-6A51-4108-AA02-DFA0A04FC94B}">
-              <ma14:wrappingTextBoxFlag xmlns:ma14="http://schemas.microsoft.com/office/mac/drawingml/2011/main" xmlns:a14="http://schemas.microsoft.com/office/drawing/2010/main" xmlns:m="http://schemas.openxmlformats.org/officeDocument/2006/math" xmlns="" val="1"/>
+              <ma14:wrappingTextBoxFlag xmlns="" xmlns:m="http://schemas.openxmlformats.org/officeDocument/2006/math" xmlns:a14="http://schemas.microsoft.com/office/drawing/2010/main" xmlns:ma14="http://schemas.microsoft.com/office/mac/drawingml/2011/main" val="1"/>
             </a:ext>
           </a:extLst>
         </p:spPr>
@@ -8595,7 +8595,7 @@
           </a:effectLst>
           <a:extLst>
             <a:ext uri="{C572A759-6A51-4108-AA02-DFA0A04FC94B}">
-              <ma14:wrappingTextBoxFlag xmlns:ma14="http://schemas.microsoft.com/office/mac/drawingml/2011/main" xmlns:a14="http://schemas.microsoft.com/office/drawing/2010/main" xmlns:m="http://schemas.openxmlformats.org/officeDocument/2006/math" xmlns="" val="1"/>
+              <ma14:wrappingTextBoxFlag xmlns="" xmlns:m="http://schemas.openxmlformats.org/officeDocument/2006/math" xmlns:a14="http://schemas.microsoft.com/office/drawing/2010/main" xmlns:ma14="http://schemas.microsoft.com/office/mac/drawingml/2011/main" val="1"/>
             </a:ext>
           </a:extLst>
         </p:spPr>
@@ -8666,7 +8666,7 @@
           </a:effectLst>
           <a:extLst>
             <a:ext uri="{C572A759-6A51-4108-AA02-DFA0A04FC94B}">
-              <ma14:wrappingTextBoxFlag xmlns:ma14="http://schemas.microsoft.com/office/mac/drawingml/2011/main" xmlns:a14="http://schemas.microsoft.com/office/drawing/2010/main" xmlns:m="http://schemas.openxmlformats.org/officeDocument/2006/math" xmlns="" val="1"/>
+              <ma14:wrappingTextBoxFlag xmlns="" xmlns:m="http://schemas.openxmlformats.org/officeDocument/2006/math" xmlns:a14="http://schemas.microsoft.com/office/drawing/2010/main" xmlns:ma14="http://schemas.microsoft.com/office/mac/drawingml/2011/main" val="1"/>
             </a:ext>
           </a:extLst>
         </p:spPr>
@@ -8740,7 +8740,7 @@
           </a:effectLst>
           <a:extLst>
             <a:ext uri="{C572A759-6A51-4108-AA02-DFA0A04FC94B}">
-              <ma14:wrappingTextBoxFlag xmlns:ma14="http://schemas.microsoft.com/office/mac/drawingml/2011/main" xmlns:a14="http://schemas.microsoft.com/office/drawing/2010/main" xmlns:m="http://schemas.openxmlformats.org/officeDocument/2006/math" xmlns="" val="1"/>
+              <ma14:wrappingTextBoxFlag xmlns="" xmlns:m="http://schemas.openxmlformats.org/officeDocument/2006/math" xmlns:a14="http://schemas.microsoft.com/office/drawing/2010/main" xmlns:ma14="http://schemas.microsoft.com/office/mac/drawingml/2011/main" val="1"/>
             </a:ext>
           </a:extLst>
         </p:spPr>
@@ -8814,7 +8814,7 @@
           </a:effectLst>
           <a:extLst>
             <a:ext uri="{C572A759-6A51-4108-AA02-DFA0A04FC94B}">
-              <ma14:wrappingTextBoxFlag xmlns:ma14="http://schemas.microsoft.com/office/mac/drawingml/2011/main" xmlns:a14="http://schemas.microsoft.com/office/drawing/2010/main" xmlns:m="http://schemas.openxmlformats.org/officeDocument/2006/math" xmlns="" val="1"/>
+              <ma14:wrappingTextBoxFlag xmlns="" xmlns:m="http://schemas.openxmlformats.org/officeDocument/2006/math" xmlns:a14="http://schemas.microsoft.com/office/drawing/2010/main" xmlns:ma14="http://schemas.microsoft.com/office/mac/drawingml/2011/main" val="1"/>
             </a:ext>
           </a:extLst>
         </p:spPr>
@@ -8888,7 +8888,7 @@
           </a:effectLst>
           <a:extLst>
             <a:ext uri="{C572A759-6A51-4108-AA02-DFA0A04FC94B}">
-              <ma14:wrappingTextBoxFlag xmlns:ma14="http://schemas.microsoft.com/office/mac/drawingml/2011/main" xmlns:a14="http://schemas.microsoft.com/office/drawing/2010/main" xmlns:m="http://schemas.openxmlformats.org/officeDocument/2006/math" xmlns="" val="1"/>
+              <ma14:wrappingTextBoxFlag xmlns="" xmlns:m="http://schemas.openxmlformats.org/officeDocument/2006/math" xmlns:a14="http://schemas.microsoft.com/office/drawing/2010/main" xmlns:ma14="http://schemas.microsoft.com/office/mac/drawingml/2011/main" val="1"/>
             </a:ext>
           </a:extLst>
         </p:spPr>
@@ -8935,13 +8935,14 @@
           </p:cNvPr>
           <p:cNvCxnSpPr>
             <a:cxnSpLocks/>
+            <a:endCxn id="128" idx="2"/>
           </p:cNvCxnSpPr>
           <p:nvPr/>
         </p:nvCxnSpPr>
         <p:spPr>
           <a:xfrm flipV="1">
-            <a:off x="2424690" y="1798738"/>
-            <a:ext cx="811724" cy="1164212"/>
+            <a:off x="2424690" y="1984333"/>
+            <a:ext cx="6229327" cy="978618"/>
           </a:xfrm>
           <a:prstGeom prst="straightConnector1">
             <a:avLst/>
@@ -8986,13 +8987,14 @@
           </p:cNvPr>
           <p:cNvCxnSpPr>
             <a:cxnSpLocks/>
+            <a:endCxn id="128" idx="2"/>
           </p:cNvCxnSpPr>
           <p:nvPr/>
         </p:nvCxnSpPr>
         <p:spPr>
           <a:xfrm flipH="1" flipV="1">
-            <a:off x="6511404" y="1801103"/>
-            <a:ext cx="8000556" cy="1333468"/>
+            <a:off x="8654017" y="1984333"/>
+            <a:ext cx="5857944" cy="1150238"/>
           </a:xfrm>
           <a:prstGeom prst="straightConnector1">
             <a:avLst/>
@@ -9038,8 +9040,8 @@
           <p:nvPr/>
         </p:nvSpPr>
         <p:spPr>
-          <a:xfrm rot="18541286">
-            <a:off x="1919210" y="2189843"/>
+          <a:xfrm rot="21040535">
+            <a:off x="4691920" y="2092148"/>
             <a:ext cx="1315650" cy="379591"/>
           </a:xfrm>
           <a:prstGeom prst="rect">
@@ -9053,7 +9055,7 @@
           <a:effectLst/>
           <a:extLst>
             <a:ext uri="{C572A759-6A51-4108-AA02-DFA0A04FC94B}">
-              <ma14:wrappingTextBoxFlag xmlns:ma14="http://schemas.microsoft.com/office/mac/drawingml/2011/main" xmlns:a14="http://schemas.microsoft.com/office/drawing/2010/main" xmlns:m="http://schemas.openxmlformats.org/officeDocument/2006/math" xmlns="" val="1"/>
+              <ma14:wrappingTextBoxFlag xmlns="" xmlns:m="http://schemas.openxmlformats.org/officeDocument/2006/math" xmlns:a14="http://schemas.microsoft.com/office/drawing/2010/main" xmlns:ma14="http://schemas.microsoft.com/office/mac/drawingml/2011/main" val="1"/>
             </a:ext>
           </a:extLst>
         </p:spPr>
@@ -9123,7 +9125,7 @@
           </a:effectLst>
           <a:extLst>
             <a:ext uri="{C572A759-6A51-4108-AA02-DFA0A04FC94B}">
-              <ma14:wrappingTextBoxFlag xmlns:ma14="http://schemas.microsoft.com/office/mac/drawingml/2011/main" xmlns:a14="http://schemas.microsoft.com/office/drawing/2010/main" xmlns:m="http://schemas.openxmlformats.org/officeDocument/2006/math" xmlns="" val="1"/>
+              <ma14:wrappingTextBoxFlag xmlns="" xmlns:m="http://schemas.openxmlformats.org/officeDocument/2006/math" xmlns:a14="http://schemas.microsoft.com/office/drawing/2010/main" xmlns:ma14="http://schemas.microsoft.com/office/mac/drawingml/2011/main" val="1"/>
             </a:ext>
           </a:extLst>
         </p:spPr>
@@ -9183,7 +9185,7 @@
           </a:effectLst>
           <a:extLst>
             <a:ext uri="{C572A759-6A51-4108-AA02-DFA0A04FC94B}">
-              <ma14:wrappingTextBoxFlag xmlns:ma14="http://schemas.microsoft.com/office/mac/drawingml/2011/main" xmlns:a14="http://schemas.microsoft.com/office/drawing/2010/main" xmlns:m="http://schemas.openxmlformats.org/officeDocument/2006/math" xmlns="" val="1"/>
+              <ma14:wrappingTextBoxFlag xmlns="" xmlns:m="http://schemas.openxmlformats.org/officeDocument/2006/math" xmlns:a14="http://schemas.microsoft.com/office/drawing/2010/main" xmlns:ma14="http://schemas.microsoft.com/office/mac/drawingml/2011/main" val="1"/>
             </a:ext>
           </a:extLst>
         </p:spPr>
@@ -9257,7 +9259,7 @@
           </a:effectLst>
           <a:extLst>
             <a:ext uri="{C572A759-6A51-4108-AA02-DFA0A04FC94B}">
-              <ma14:wrappingTextBoxFlag xmlns:ma14="http://schemas.microsoft.com/office/mac/drawingml/2011/main" xmlns:a14="http://schemas.microsoft.com/office/drawing/2010/main" xmlns:m="http://schemas.openxmlformats.org/officeDocument/2006/math" xmlns="" val="1"/>
+              <ma14:wrappingTextBoxFlag xmlns="" xmlns:m="http://schemas.openxmlformats.org/officeDocument/2006/math" xmlns:a14="http://schemas.microsoft.com/office/drawing/2010/main" xmlns:ma14="http://schemas.microsoft.com/office/mac/drawingml/2011/main" val="1"/>
             </a:ext>
           </a:extLst>
         </p:spPr>
@@ -9331,7 +9333,7 @@
           </a:effectLst>
           <a:extLst>
             <a:ext uri="{C572A759-6A51-4108-AA02-DFA0A04FC94B}">
-              <ma14:wrappingTextBoxFlag xmlns:ma14="http://schemas.microsoft.com/office/mac/drawingml/2011/main" xmlns:a14="http://schemas.microsoft.com/office/drawing/2010/main" xmlns:m="http://schemas.openxmlformats.org/officeDocument/2006/math" xmlns="" val="1"/>
+              <ma14:wrappingTextBoxFlag xmlns="" xmlns:m="http://schemas.openxmlformats.org/officeDocument/2006/math" xmlns:a14="http://schemas.microsoft.com/office/drawing/2010/main" xmlns:ma14="http://schemas.microsoft.com/office/mac/drawingml/2011/main" val="1"/>
             </a:ext>
           </a:extLst>
         </p:spPr>
@@ -9559,7 +9561,7 @@
           </a:effectLst>
           <a:extLst>
             <a:ext uri="{C572A759-6A51-4108-AA02-DFA0A04FC94B}">
-              <ma14:wrappingTextBoxFlag xmlns:ma14="http://schemas.microsoft.com/office/mac/drawingml/2011/main" xmlns:a14="http://schemas.microsoft.com/office/drawing/2010/main" xmlns:m="http://schemas.openxmlformats.org/officeDocument/2006/math" xmlns="" val="1"/>
+              <ma14:wrappingTextBoxFlag xmlns="" xmlns:m="http://schemas.openxmlformats.org/officeDocument/2006/math" xmlns:a14="http://schemas.microsoft.com/office/drawing/2010/main" xmlns:ma14="http://schemas.microsoft.com/office/mac/drawingml/2011/main" val="1"/>
             </a:ext>
           </a:extLst>
         </p:spPr>
@@ -9620,7 +9622,7 @@
           </a:effectLst>
           <a:extLst>
             <a:ext uri="{C572A759-6A51-4108-AA02-DFA0A04FC94B}">
-              <ma14:wrappingTextBoxFlag xmlns:ma14="http://schemas.microsoft.com/office/mac/drawingml/2011/main" xmlns:a14="http://schemas.microsoft.com/office/drawing/2010/main" xmlns:m="http://schemas.openxmlformats.org/officeDocument/2006/math" xmlns="" val="1"/>
+              <ma14:wrappingTextBoxFlag xmlns="" xmlns:m="http://schemas.openxmlformats.org/officeDocument/2006/math" xmlns:a14="http://schemas.microsoft.com/office/drawing/2010/main" xmlns:ma14="http://schemas.microsoft.com/office/mac/drawingml/2011/main" val="1"/>
             </a:ext>
           </a:extLst>
         </p:spPr>
@@ -9695,7 +9697,7 @@
           </a:effectLst>
           <a:extLst>
             <a:ext uri="{C572A759-6A51-4108-AA02-DFA0A04FC94B}">
-              <ma14:wrappingTextBoxFlag xmlns:ma14="http://schemas.microsoft.com/office/mac/drawingml/2011/main" xmlns:a14="http://schemas.microsoft.com/office/drawing/2010/main" xmlns:m="http://schemas.openxmlformats.org/officeDocument/2006/math" xmlns="" val="1"/>
+              <ma14:wrappingTextBoxFlag xmlns="" xmlns:m="http://schemas.openxmlformats.org/officeDocument/2006/math" xmlns:a14="http://schemas.microsoft.com/office/drawing/2010/main" xmlns:ma14="http://schemas.microsoft.com/office/mac/drawingml/2011/main" val="1"/>
             </a:ext>
           </a:extLst>
         </p:spPr>
@@ -9772,7 +9774,7 @@
           </a:effectLst>
           <a:extLst>
             <a:ext uri="{C572A759-6A51-4108-AA02-DFA0A04FC94B}">
-              <ma14:wrappingTextBoxFlag xmlns:ma14="http://schemas.microsoft.com/office/mac/drawingml/2011/main" xmlns:a14="http://schemas.microsoft.com/office/drawing/2010/main" xmlns:m="http://schemas.openxmlformats.org/officeDocument/2006/math" xmlns="" val="1"/>
+              <ma14:wrappingTextBoxFlag xmlns="" xmlns:m="http://schemas.openxmlformats.org/officeDocument/2006/math" xmlns:a14="http://schemas.microsoft.com/office/drawing/2010/main" xmlns:ma14="http://schemas.microsoft.com/office/mac/drawingml/2011/main" val="1"/>
             </a:ext>
           </a:extLst>
         </p:spPr>
@@ -9847,7 +9849,7 @@
           </a:effectLst>
           <a:extLst>
             <a:ext uri="{C572A759-6A51-4108-AA02-DFA0A04FC94B}">
-              <ma14:wrappingTextBoxFlag xmlns:ma14="http://schemas.microsoft.com/office/mac/drawingml/2011/main" xmlns:a14="http://schemas.microsoft.com/office/drawing/2010/main" xmlns:m="http://schemas.openxmlformats.org/officeDocument/2006/math" xmlns="" val="1"/>
+              <ma14:wrappingTextBoxFlag xmlns="" xmlns:m="http://schemas.openxmlformats.org/officeDocument/2006/math" xmlns:a14="http://schemas.microsoft.com/office/drawing/2010/main" xmlns:ma14="http://schemas.microsoft.com/office/mac/drawingml/2011/main" val="1"/>
             </a:ext>
           </a:extLst>
         </p:spPr>
@@ -9924,7 +9926,7 @@
           </a:effectLst>
           <a:extLst>
             <a:ext uri="{C572A759-6A51-4108-AA02-DFA0A04FC94B}">
-              <ma14:wrappingTextBoxFlag xmlns:ma14="http://schemas.microsoft.com/office/mac/drawingml/2011/main" xmlns:a14="http://schemas.microsoft.com/office/drawing/2010/main" xmlns:m="http://schemas.openxmlformats.org/officeDocument/2006/math" xmlns="" val="1"/>
+              <ma14:wrappingTextBoxFlag xmlns="" xmlns:m="http://schemas.openxmlformats.org/officeDocument/2006/math" xmlns:a14="http://schemas.microsoft.com/office/drawing/2010/main" xmlns:ma14="http://schemas.microsoft.com/office/mac/drawingml/2011/main" val="1"/>
             </a:ext>
           </a:extLst>
         </p:spPr>
@@ -9984,7 +9986,7 @@
           </a:effectLst>
           <a:extLst>
             <a:ext uri="{C572A759-6A51-4108-AA02-DFA0A04FC94B}">
-              <ma14:wrappingTextBoxFlag xmlns:ma14="http://schemas.microsoft.com/office/mac/drawingml/2011/main" xmlns:a14="http://schemas.microsoft.com/office/drawing/2010/main" xmlns:m="http://schemas.openxmlformats.org/officeDocument/2006/math" xmlns="" val="1"/>
+              <ma14:wrappingTextBoxFlag xmlns="" xmlns:m="http://schemas.openxmlformats.org/officeDocument/2006/math" xmlns:a14="http://schemas.microsoft.com/office/drawing/2010/main" xmlns:ma14="http://schemas.microsoft.com/office/mac/drawingml/2011/main" val="1"/>
             </a:ext>
           </a:extLst>
         </p:spPr>
@@ -10059,7 +10061,7 @@
           </a:effectLst>
           <a:extLst>
             <a:ext uri="{C572A759-6A51-4108-AA02-DFA0A04FC94B}">
-              <ma14:wrappingTextBoxFlag xmlns:ma14="http://schemas.microsoft.com/office/mac/drawingml/2011/main" xmlns:a14="http://schemas.microsoft.com/office/drawing/2010/main" xmlns:m="http://schemas.openxmlformats.org/officeDocument/2006/math" xmlns="" val="1"/>
+              <ma14:wrappingTextBoxFlag xmlns="" xmlns:m="http://schemas.openxmlformats.org/officeDocument/2006/math" xmlns:a14="http://schemas.microsoft.com/office/drawing/2010/main" xmlns:ma14="http://schemas.microsoft.com/office/mac/drawingml/2011/main" val="1"/>
             </a:ext>
           </a:extLst>
         </p:spPr>
@@ -10610,7 +10612,7 @@
           </a:effectLst>
           <a:extLst>
             <a:ext uri="{C572A759-6A51-4108-AA02-DFA0A04FC94B}">
-              <ma14:wrappingTextBoxFlag xmlns:ma14="http://schemas.microsoft.com/office/mac/drawingml/2011/main" xmlns:a14="http://schemas.microsoft.com/office/drawing/2010/main" xmlns:m="http://schemas.openxmlformats.org/officeDocument/2006/math" xmlns="" val="1"/>
+              <ma14:wrappingTextBoxFlag xmlns="" xmlns:m="http://schemas.openxmlformats.org/officeDocument/2006/math" xmlns:a14="http://schemas.microsoft.com/office/drawing/2010/main" xmlns:ma14="http://schemas.microsoft.com/office/mac/drawingml/2011/main" val="1"/>
             </a:ext>
           </a:extLst>
         </p:spPr>
@@ -10670,7 +10672,7 @@
           </a:effectLst>
           <a:extLst>
             <a:ext uri="{C572A759-6A51-4108-AA02-DFA0A04FC94B}">
-              <ma14:wrappingTextBoxFlag xmlns:ma14="http://schemas.microsoft.com/office/mac/drawingml/2011/main" xmlns:a14="http://schemas.microsoft.com/office/drawing/2010/main" xmlns:m="http://schemas.openxmlformats.org/officeDocument/2006/math" xmlns="" val="1"/>
+              <ma14:wrappingTextBoxFlag xmlns="" xmlns:m="http://schemas.openxmlformats.org/officeDocument/2006/math" xmlns:a14="http://schemas.microsoft.com/office/drawing/2010/main" xmlns:ma14="http://schemas.microsoft.com/office/mac/drawingml/2011/main" val="1"/>
             </a:ext>
           </a:extLst>
         </p:spPr>
@@ -10745,7 +10747,7 @@
           </a:effectLst>
           <a:extLst>
             <a:ext uri="{C572A759-6A51-4108-AA02-DFA0A04FC94B}">
-              <ma14:wrappingTextBoxFlag xmlns:ma14="http://schemas.microsoft.com/office/mac/drawingml/2011/main" xmlns:a14="http://schemas.microsoft.com/office/drawing/2010/main" xmlns:m="http://schemas.openxmlformats.org/officeDocument/2006/math" xmlns="" val="1"/>
+              <ma14:wrappingTextBoxFlag xmlns="" xmlns:m="http://schemas.openxmlformats.org/officeDocument/2006/math" xmlns:a14="http://schemas.microsoft.com/office/drawing/2010/main" xmlns:ma14="http://schemas.microsoft.com/office/mac/drawingml/2011/main" val="1"/>
             </a:ext>
           </a:extLst>
         </p:spPr>
@@ -10970,7 +10972,7 @@
           </a:effectLst>
           <a:extLst>
             <a:ext uri="{C572A759-6A51-4108-AA02-DFA0A04FC94B}">
-              <ma14:wrappingTextBoxFlag xmlns:ma14="http://schemas.microsoft.com/office/mac/drawingml/2011/main" xmlns:a14="http://schemas.microsoft.com/office/drawing/2010/main" xmlns:m="http://schemas.openxmlformats.org/officeDocument/2006/math" xmlns="" val="1"/>
+              <ma14:wrappingTextBoxFlag xmlns="" xmlns:m="http://schemas.openxmlformats.org/officeDocument/2006/math" xmlns:a14="http://schemas.microsoft.com/office/drawing/2010/main" xmlns:ma14="http://schemas.microsoft.com/office/mac/drawingml/2011/main" val="1"/>
             </a:ext>
           </a:extLst>
         </p:spPr>
@@ -11083,7 +11085,7 @@
           </a:effectLst>
           <a:extLst>
             <a:ext uri="{C572A759-6A51-4108-AA02-DFA0A04FC94B}">
-              <ma14:wrappingTextBoxFlag xmlns:ma14="http://schemas.microsoft.com/office/mac/drawingml/2011/main" xmlns:a14="http://schemas.microsoft.com/office/drawing/2010/main" xmlns:m="http://schemas.openxmlformats.org/officeDocument/2006/math" xmlns="" val="1"/>
+              <ma14:wrappingTextBoxFlag xmlns="" xmlns:m="http://schemas.openxmlformats.org/officeDocument/2006/math" xmlns:a14="http://schemas.microsoft.com/office/drawing/2010/main" xmlns:ma14="http://schemas.microsoft.com/office/mac/drawingml/2011/main" val="1"/>
             </a:ext>
           </a:extLst>
         </p:spPr>
@@ -11146,7 +11148,7 @@
           </a:effectLst>
           <a:extLst>
             <a:ext uri="{C572A759-6A51-4108-AA02-DFA0A04FC94B}">
-              <ma14:wrappingTextBoxFlag xmlns:ma14="http://schemas.microsoft.com/office/mac/drawingml/2011/main" xmlns:a14="http://schemas.microsoft.com/office/drawing/2010/main" xmlns:m="http://schemas.openxmlformats.org/officeDocument/2006/math" xmlns="" val="1"/>
+              <ma14:wrappingTextBoxFlag xmlns="" xmlns:m="http://schemas.openxmlformats.org/officeDocument/2006/math" xmlns:a14="http://schemas.microsoft.com/office/drawing/2010/main" xmlns:ma14="http://schemas.microsoft.com/office/mac/drawingml/2011/main" val="1"/>
             </a:ext>
           </a:extLst>
         </p:spPr>
@@ -11229,7 +11231,7 @@
           </a:effectLst>
           <a:extLst>
             <a:ext uri="{C572A759-6A51-4108-AA02-DFA0A04FC94B}">
-              <ma14:wrappingTextBoxFlag xmlns:ma14="http://schemas.microsoft.com/office/mac/drawingml/2011/main" xmlns:a14="http://schemas.microsoft.com/office/drawing/2010/main" xmlns:m="http://schemas.openxmlformats.org/officeDocument/2006/math" xmlns="" val="1"/>
+              <ma14:wrappingTextBoxFlag xmlns="" xmlns:m="http://schemas.openxmlformats.org/officeDocument/2006/math" xmlns:a14="http://schemas.microsoft.com/office/drawing/2010/main" xmlns:ma14="http://schemas.microsoft.com/office/mac/drawingml/2011/main" val="1"/>
             </a:ext>
           </a:extLst>
         </p:spPr>
@@ -11312,7 +11314,7 @@
           </a:effectLst>
           <a:extLst>
             <a:ext uri="{C572A759-6A51-4108-AA02-DFA0A04FC94B}">
-              <ma14:wrappingTextBoxFlag xmlns:ma14="http://schemas.microsoft.com/office/mac/drawingml/2011/main" xmlns:a14="http://schemas.microsoft.com/office/drawing/2010/main" xmlns:m="http://schemas.openxmlformats.org/officeDocument/2006/math" xmlns="" val="1"/>
+              <ma14:wrappingTextBoxFlag xmlns="" xmlns:m="http://schemas.openxmlformats.org/officeDocument/2006/math" xmlns:a14="http://schemas.microsoft.com/office/drawing/2010/main" xmlns:ma14="http://schemas.microsoft.com/office/mac/drawingml/2011/main" val="1"/>
             </a:ext>
           </a:extLst>
         </p:spPr>
@@ -11395,7 +11397,7 @@
           </a:effectLst>
           <a:extLst>
             <a:ext uri="{C572A759-6A51-4108-AA02-DFA0A04FC94B}">
-              <ma14:wrappingTextBoxFlag xmlns:ma14="http://schemas.microsoft.com/office/mac/drawingml/2011/main" xmlns:a14="http://schemas.microsoft.com/office/drawing/2010/main" xmlns:m="http://schemas.openxmlformats.org/officeDocument/2006/math" xmlns="" val="1"/>
+              <ma14:wrappingTextBoxFlag xmlns="" xmlns:m="http://schemas.openxmlformats.org/officeDocument/2006/math" xmlns:a14="http://schemas.microsoft.com/office/drawing/2010/main" xmlns:ma14="http://schemas.microsoft.com/office/mac/drawingml/2011/main" val="1"/>
             </a:ext>
           </a:extLst>
         </p:spPr>
@@ -11478,7 +11480,7 @@
           </a:effectLst>
           <a:extLst>
             <a:ext uri="{C572A759-6A51-4108-AA02-DFA0A04FC94B}">
-              <ma14:wrappingTextBoxFlag xmlns:ma14="http://schemas.microsoft.com/office/mac/drawingml/2011/main" xmlns:a14="http://schemas.microsoft.com/office/drawing/2010/main" xmlns:m="http://schemas.openxmlformats.org/officeDocument/2006/math" xmlns="" val="1"/>
+              <ma14:wrappingTextBoxFlag xmlns="" xmlns:m="http://schemas.openxmlformats.org/officeDocument/2006/math" xmlns:a14="http://schemas.microsoft.com/office/drawing/2010/main" xmlns:ma14="http://schemas.microsoft.com/office/mac/drawingml/2011/main" val="1"/>
             </a:ext>
           </a:extLst>
         </p:spPr>
@@ -11555,7 +11557,7 @@
           </a:effectLst>
           <a:extLst>
             <a:ext uri="{C572A759-6A51-4108-AA02-DFA0A04FC94B}">
-              <ma14:wrappingTextBoxFlag xmlns:ma14="http://schemas.microsoft.com/office/mac/drawingml/2011/main" xmlns:a14="http://schemas.microsoft.com/office/drawing/2010/main" xmlns:m="http://schemas.openxmlformats.org/officeDocument/2006/math" xmlns="" val="1"/>
+              <ma14:wrappingTextBoxFlag xmlns="" xmlns:m="http://schemas.openxmlformats.org/officeDocument/2006/math" xmlns:a14="http://schemas.microsoft.com/office/drawing/2010/main" xmlns:ma14="http://schemas.microsoft.com/office/mac/drawingml/2011/main" val="1"/>
             </a:ext>
           </a:extLst>
         </p:spPr>
@@ -11618,7 +11620,7 @@
           </a:effectLst>
           <a:extLst>
             <a:ext uri="{C572A759-6A51-4108-AA02-DFA0A04FC94B}">
-              <ma14:wrappingTextBoxFlag xmlns:ma14="http://schemas.microsoft.com/office/mac/drawingml/2011/main" xmlns:a14="http://schemas.microsoft.com/office/drawing/2010/main" xmlns:m="http://schemas.openxmlformats.org/officeDocument/2006/math" xmlns="" val="1"/>
+              <ma14:wrappingTextBoxFlag xmlns="" xmlns:m="http://schemas.openxmlformats.org/officeDocument/2006/math" xmlns:a14="http://schemas.microsoft.com/office/drawing/2010/main" xmlns:ma14="http://schemas.microsoft.com/office/mac/drawingml/2011/main" val="1"/>
             </a:ext>
           </a:extLst>
         </p:spPr>
@@ -11701,7 +11703,7 @@
           </a:effectLst>
           <a:extLst>
             <a:ext uri="{C572A759-6A51-4108-AA02-DFA0A04FC94B}">
-              <ma14:wrappingTextBoxFlag xmlns:ma14="http://schemas.microsoft.com/office/mac/drawingml/2011/main" xmlns:a14="http://schemas.microsoft.com/office/drawing/2010/main" xmlns:m="http://schemas.openxmlformats.org/officeDocument/2006/math" xmlns="" val="1"/>
+              <ma14:wrappingTextBoxFlag xmlns="" xmlns:m="http://schemas.openxmlformats.org/officeDocument/2006/math" xmlns:a14="http://schemas.microsoft.com/office/drawing/2010/main" xmlns:ma14="http://schemas.microsoft.com/office/mac/drawingml/2011/main" val="1"/>
             </a:ext>
           </a:extLst>
         </p:spPr>
@@ -11795,7 +11797,7 @@
           </a:effectLst>
           <a:extLst>
             <a:ext uri="{C572A759-6A51-4108-AA02-DFA0A04FC94B}">
-              <ma14:wrappingTextBoxFlag xmlns:ma14="http://schemas.microsoft.com/office/mac/drawingml/2011/main" xmlns:a14="http://schemas.microsoft.com/office/drawing/2010/main" xmlns:m="http://schemas.openxmlformats.org/officeDocument/2006/math" xmlns="" val="1"/>
+              <ma14:wrappingTextBoxFlag xmlns="" xmlns:m="http://schemas.openxmlformats.org/officeDocument/2006/math" xmlns:a14="http://schemas.microsoft.com/office/drawing/2010/main" xmlns:ma14="http://schemas.microsoft.com/office/mac/drawingml/2011/main" val="1"/>
             </a:ext>
           </a:extLst>
         </p:spPr>
@@ -12246,7 +12248,7 @@
           </a:effectLst>
           <a:extLst>
             <a:ext uri="{C572A759-6A51-4108-AA02-DFA0A04FC94B}">
-              <ma14:wrappingTextBoxFlag xmlns:ma14="http://schemas.microsoft.com/office/mac/drawingml/2011/main" xmlns:a14="http://schemas.microsoft.com/office/drawing/2010/main" xmlns:m="http://schemas.openxmlformats.org/officeDocument/2006/math" xmlns="" val="1"/>
+              <ma14:wrappingTextBoxFlag xmlns="" xmlns:m="http://schemas.openxmlformats.org/officeDocument/2006/math" xmlns:a14="http://schemas.microsoft.com/office/drawing/2010/main" xmlns:ma14="http://schemas.microsoft.com/office/mac/drawingml/2011/main" val="1"/>
             </a:ext>
           </a:extLst>
         </p:spPr>
@@ -12309,7 +12311,7 @@
           </a:effectLst>
           <a:extLst>
             <a:ext uri="{C572A759-6A51-4108-AA02-DFA0A04FC94B}">
-              <ma14:wrappingTextBoxFlag xmlns:ma14="http://schemas.microsoft.com/office/mac/drawingml/2011/main" xmlns:a14="http://schemas.microsoft.com/office/drawing/2010/main" xmlns:m="http://schemas.openxmlformats.org/officeDocument/2006/math" xmlns="" val="1"/>
+              <ma14:wrappingTextBoxFlag xmlns="" xmlns:m="http://schemas.openxmlformats.org/officeDocument/2006/math" xmlns:a14="http://schemas.microsoft.com/office/drawing/2010/main" xmlns:ma14="http://schemas.microsoft.com/office/mac/drawingml/2011/main" val="1"/>
             </a:ext>
           </a:extLst>
         </p:spPr>
@@ -12385,7 +12387,7 @@
           </a:effectLst>
           <a:extLst>
             <a:ext uri="{C572A759-6A51-4108-AA02-DFA0A04FC94B}">
-              <ma14:wrappingTextBoxFlag xmlns:ma14="http://schemas.microsoft.com/office/mac/drawingml/2011/main" xmlns:a14="http://schemas.microsoft.com/office/drawing/2010/main" xmlns:m="http://schemas.openxmlformats.org/officeDocument/2006/math" xmlns="" val="1"/>
+              <ma14:wrappingTextBoxFlag xmlns="" xmlns:m="http://schemas.openxmlformats.org/officeDocument/2006/math" xmlns:a14="http://schemas.microsoft.com/office/drawing/2010/main" xmlns:ma14="http://schemas.microsoft.com/office/mac/drawingml/2011/main" val="1"/>
             </a:ext>
           </a:extLst>
         </p:spPr>
@@ -12489,7 +12491,7 @@
           </a:effectLst>
           <a:extLst>
             <a:ext uri="{C572A759-6A51-4108-AA02-DFA0A04FC94B}">
-              <ma14:wrappingTextBoxFlag xmlns:ma14="http://schemas.microsoft.com/office/mac/drawingml/2011/main" xmlns:a14="http://schemas.microsoft.com/office/drawing/2010/main" xmlns:m="http://schemas.openxmlformats.org/officeDocument/2006/math" xmlns="" val="1"/>
+              <ma14:wrappingTextBoxFlag xmlns="" xmlns:m="http://schemas.openxmlformats.org/officeDocument/2006/math" xmlns:a14="http://schemas.microsoft.com/office/drawing/2010/main" xmlns:ma14="http://schemas.microsoft.com/office/mac/drawingml/2011/main" val="1"/>
             </a:ext>
           </a:extLst>
         </p:spPr>
@@ -12572,7 +12574,7 @@
           </a:effectLst>
           <a:extLst>
             <a:ext uri="{C572A759-6A51-4108-AA02-DFA0A04FC94B}">
-              <ma14:wrappingTextBoxFlag xmlns:ma14="http://schemas.microsoft.com/office/mac/drawingml/2011/main" xmlns:a14="http://schemas.microsoft.com/office/drawing/2010/main" xmlns:m="http://schemas.openxmlformats.org/officeDocument/2006/math" xmlns="" val="1"/>
+              <ma14:wrappingTextBoxFlag xmlns="" xmlns:m="http://schemas.openxmlformats.org/officeDocument/2006/math" xmlns:a14="http://schemas.microsoft.com/office/drawing/2010/main" xmlns:ma14="http://schemas.microsoft.com/office/mac/drawingml/2011/main" val="1"/>
             </a:ext>
           </a:extLst>
         </p:spPr>
@@ -12635,7 +12637,7 @@
           </a:effectLst>
           <a:extLst>
             <a:ext uri="{C572A759-6A51-4108-AA02-DFA0A04FC94B}">
-              <ma14:wrappingTextBoxFlag xmlns:ma14="http://schemas.microsoft.com/office/mac/drawingml/2011/main" xmlns:a14="http://schemas.microsoft.com/office/drawing/2010/main" xmlns:m="http://schemas.openxmlformats.org/officeDocument/2006/math" xmlns="" val="1"/>
+              <ma14:wrappingTextBoxFlag xmlns="" xmlns:m="http://schemas.openxmlformats.org/officeDocument/2006/math" xmlns:a14="http://schemas.microsoft.com/office/drawing/2010/main" xmlns:ma14="http://schemas.microsoft.com/office/mac/drawingml/2011/main" val="1"/>
             </a:ext>
           </a:extLst>
         </p:spPr>
@@ -12718,7 +12720,7 @@
           </a:effectLst>
           <a:extLst>
             <a:ext uri="{C572A759-6A51-4108-AA02-DFA0A04FC94B}">
-              <ma14:wrappingTextBoxFlag xmlns:ma14="http://schemas.microsoft.com/office/mac/drawingml/2011/main" xmlns:a14="http://schemas.microsoft.com/office/drawing/2010/main" xmlns:m="http://schemas.openxmlformats.org/officeDocument/2006/math" xmlns="" val="1"/>
+              <ma14:wrappingTextBoxFlag xmlns="" xmlns:m="http://schemas.openxmlformats.org/officeDocument/2006/math" xmlns:a14="http://schemas.microsoft.com/office/drawing/2010/main" xmlns:ma14="http://schemas.microsoft.com/office/mac/drawingml/2011/main" val="1"/>
             </a:ext>
           </a:extLst>
         </p:spPr>
@@ -12801,7 +12803,7 @@
           </a:effectLst>
           <a:extLst>
             <a:ext uri="{C572A759-6A51-4108-AA02-DFA0A04FC94B}">
-              <ma14:wrappingTextBoxFlag xmlns:ma14="http://schemas.microsoft.com/office/mac/drawingml/2011/main" xmlns:a14="http://schemas.microsoft.com/office/drawing/2010/main" xmlns:m="http://schemas.openxmlformats.org/officeDocument/2006/math" xmlns="" val="1"/>
+              <ma14:wrappingTextBoxFlag xmlns="" xmlns:m="http://schemas.openxmlformats.org/officeDocument/2006/math" xmlns:a14="http://schemas.microsoft.com/office/drawing/2010/main" xmlns:ma14="http://schemas.microsoft.com/office/mac/drawingml/2011/main" val="1"/>
             </a:ext>
           </a:extLst>
         </p:spPr>
@@ -12884,7 +12886,7 @@
           </a:effectLst>
           <a:extLst>
             <a:ext uri="{C572A759-6A51-4108-AA02-DFA0A04FC94B}">
-              <ma14:wrappingTextBoxFlag xmlns:ma14="http://schemas.microsoft.com/office/mac/drawingml/2011/main" xmlns:a14="http://schemas.microsoft.com/office/drawing/2010/main" xmlns:m="http://schemas.openxmlformats.org/officeDocument/2006/math" xmlns="" val="1"/>
+              <ma14:wrappingTextBoxFlag xmlns="" xmlns:m="http://schemas.openxmlformats.org/officeDocument/2006/math" xmlns:a14="http://schemas.microsoft.com/office/drawing/2010/main" xmlns:ma14="http://schemas.microsoft.com/office/mac/drawingml/2011/main" val="1"/>
             </a:ext>
           </a:extLst>
         </p:spPr>
@@ -13200,7 +13202,7 @@
           </a:effectLst>
           <a:extLst>
             <a:ext uri="{C572A759-6A51-4108-AA02-DFA0A04FC94B}">
-              <ma14:wrappingTextBoxFlag xmlns:ma14="http://schemas.microsoft.com/office/mac/drawingml/2011/main" xmlns:a14="http://schemas.microsoft.com/office/drawing/2010/main" xmlns:m="http://schemas.openxmlformats.org/officeDocument/2006/math" xmlns="" val="1"/>
+              <ma14:wrappingTextBoxFlag xmlns="" xmlns:m="http://schemas.openxmlformats.org/officeDocument/2006/math" xmlns:a14="http://schemas.microsoft.com/office/drawing/2010/main" xmlns:ma14="http://schemas.microsoft.com/office/mac/drawingml/2011/main" val="1"/>
             </a:ext>
           </a:extLst>
         </p:spPr>
@@ -13283,7 +13285,7 @@
           </a:effectLst>
           <a:extLst>
             <a:ext uri="{C572A759-6A51-4108-AA02-DFA0A04FC94B}">
-              <ma14:wrappingTextBoxFlag xmlns:ma14="http://schemas.microsoft.com/office/mac/drawingml/2011/main" xmlns:a14="http://schemas.microsoft.com/office/drawing/2010/main" xmlns:m="http://schemas.openxmlformats.org/officeDocument/2006/math" xmlns="" val="1"/>
+              <ma14:wrappingTextBoxFlag xmlns="" xmlns:m="http://schemas.openxmlformats.org/officeDocument/2006/math" xmlns:a14="http://schemas.microsoft.com/office/drawing/2010/main" xmlns:ma14="http://schemas.microsoft.com/office/mac/drawingml/2011/main" val="1"/>
             </a:ext>
           </a:extLst>
         </p:spPr>
@@ -13346,7 +13348,7 @@
           </a:effectLst>
           <a:extLst>
             <a:ext uri="{C572A759-6A51-4108-AA02-DFA0A04FC94B}">
-              <ma14:wrappingTextBoxFlag xmlns:ma14="http://schemas.microsoft.com/office/mac/drawingml/2011/main" xmlns:a14="http://schemas.microsoft.com/office/drawing/2010/main" xmlns:m="http://schemas.openxmlformats.org/officeDocument/2006/math" xmlns="" val="1"/>
+              <ma14:wrappingTextBoxFlag xmlns="" xmlns:m="http://schemas.openxmlformats.org/officeDocument/2006/math" xmlns:a14="http://schemas.microsoft.com/office/drawing/2010/main" xmlns:ma14="http://schemas.microsoft.com/office/mac/drawingml/2011/main" val="1"/>
             </a:ext>
           </a:extLst>
         </p:spPr>
@@ -13429,7 +13431,7 @@
           </a:effectLst>
           <a:extLst>
             <a:ext uri="{C572A759-6A51-4108-AA02-DFA0A04FC94B}">
-              <ma14:wrappingTextBoxFlag xmlns:ma14="http://schemas.microsoft.com/office/mac/drawingml/2011/main" xmlns:a14="http://schemas.microsoft.com/office/drawing/2010/main" xmlns:m="http://schemas.openxmlformats.org/officeDocument/2006/math" xmlns="" val="1"/>
+              <ma14:wrappingTextBoxFlag xmlns="" xmlns:m="http://schemas.openxmlformats.org/officeDocument/2006/math" xmlns:a14="http://schemas.microsoft.com/office/drawing/2010/main" xmlns:ma14="http://schemas.microsoft.com/office/mac/drawingml/2011/main" val="1"/>
             </a:ext>
           </a:extLst>
         </p:spPr>
@@ -13760,7 +13762,7 @@
           </a:effectLst>
           <a:extLst>
             <a:ext uri="{C572A759-6A51-4108-AA02-DFA0A04FC94B}">
-              <ma14:wrappingTextBoxFlag xmlns:ma14="http://schemas.microsoft.com/office/mac/drawingml/2011/main" xmlns:a14="http://schemas.microsoft.com/office/drawing/2010/main" xmlns:m="http://schemas.openxmlformats.org/officeDocument/2006/math" xmlns="" val="1"/>
+              <ma14:wrappingTextBoxFlag xmlns="" xmlns:m="http://schemas.openxmlformats.org/officeDocument/2006/math" xmlns:a14="http://schemas.microsoft.com/office/drawing/2010/main" xmlns:ma14="http://schemas.microsoft.com/office/mac/drawingml/2011/main" val="1"/>
             </a:ext>
           </a:extLst>
         </p:spPr>
@@ -13823,7 +13825,7 @@
           </a:effectLst>
           <a:extLst>
             <a:ext uri="{C572A759-6A51-4108-AA02-DFA0A04FC94B}">
-              <ma14:wrappingTextBoxFlag xmlns:ma14="http://schemas.microsoft.com/office/mac/drawingml/2011/main" xmlns:a14="http://schemas.microsoft.com/office/drawing/2010/main" xmlns:m="http://schemas.openxmlformats.org/officeDocument/2006/math" xmlns="" val="1"/>
+              <ma14:wrappingTextBoxFlag xmlns="" xmlns:m="http://schemas.openxmlformats.org/officeDocument/2006/math" xmlns:a14="http://schemas.microsoft.com/office/drawing/2010/main" xmlns:ma14="http://schemas.microsoft.com/office/mac/drawingml/2011/main" val="1"/>
             </a:ext>
           </a:extLst>
         </p:spPr>
@@ -13906,7 +13908,7 @@
           </a:effectLst>
           <a:extLst>
             <a:ext uri="{C572A759-6A51-4108-AA02-DFA0A04FC94B}">
-              <ma14:wrappingTextBoxFlag xmlns:ma14="http://schemas.microsoft.com/office/mac/drawingml/2011/main" xmlns:a14="http://schemas.microsoft.com/office/drawing/2010/main" xmlns:m="http://schemas.openxmlformats.org/officeDocument/2006/math" xmlns="" val="1"/>
+              <ma14:wrappingTextBoxFlag xmlns="" xmlns:m="http://schemas.openxmlformats.org/officeDocument/2006/math" xmlns:a14="http://schemas.microsoft.com/office/drawing/2010/main" xmlns:ma14="http://schemas.microsoft.com/office/mac/drawingml/2011/main" val="1"/>
             </a:ext>
           </a:extLst>
         </p:spPr>
@@ -13989,7 +13991,7 @@
           </a:effectLst>
           <a:extLst>
             <a:ext uri="{C572A759-6A51-4108-AA02-DFA0A04FC94B}">
-              <ma14:wrappingTextBoxFlag xmlns:ma14="http://schemas.microsoft.com/office/mac/drawingml/2011/main" xmlns:a14="http://schemas.microsoft.com/office/drawing/2010/main" xmlns:m="http://schemas.openxmlformats.org/officeDocument/2006/math" xmlns="" val="1"/>
+              <ma14:wrappingTextBoxFlag xmlns="" xmlns:m="http://schemas.openxmlformats.org/officeDocument/2006/math" xmlns:a14="http://schemas.microsoft.com/office/drawing/2010/main" xmlns:ma14="http://schemas.microsoft.com/office/mac/drawingml/2011/main" val="1"/>
             </a:ext>
           </a:extLst>
         </p:spPr>
@@ -14072,7 +14074,7 @@
           </a:effectLst>
           <a:extLst>
             <a:ext uri="{C572A759-6A51-4108-AA02-DFA0A04FC94B}">
-              <ma14:wrappingTextBoxFlag xmlns:ma14="http://schemas.microsoft.com/office/mac/drawingml/2011/main" xmlns:a14="http://schemas.microsoft.com/office/drawing/2010/main" xmlns:m="http://schemas.openxmlformats.org/officeDocument/2006/math" xmlns="" val="1"/>
+              <ma14:wrappingTextBoxFlag xmlns="" xmlns:m="http://schemas.openxmlformats.org/officeDocument/2006/math" xmlns:a14="http://schemas.microsoft.com/office/drawing/2010/main" xmlns:ma14="http://schemas.microsoft.com/office/mac/drawingml/2011/main" val="1"/>
             </a:ext>
           </a:extLst>
         </p:spPr>
@@ -14303,7 +14305,7 @@
           </a:effectLst>
           <a:extLst>
             <a:ext uri="{C572A759-6A51-4108-AA02-DFA0A04FC94B}">
-              <ma14:wrappingTextBoxFlag xmlns:ma14="http://schemas.microsoft.com/office/mac/drawingml/2011/main" xmlns:a14="http://schemas.microsoft.com/office/drawing/2010/main" xmlns:m="http://schemas.openxmlformats.org/officeDocument/2006/math" xmlns="" val="1"/>
+              <ma14:wrappingTextBoxFlag xmlns="" xmlns:m="http://schemas.openxmlformats.org/officeDocument/2006/math" xmlns:a14="http://schemas.microsoft.com/office/drawing/2010/main" xmlns:ma14="http://schemas.microsoft.com/office/mac/drawingml/2011/main" val="1"/>
             </a:ext>
           </a:extLst>
         </p:spPr>
@@ -14366,7 +14368,7 @@
           </a:effectLst>
           <a:extLst>
             <a:ext uri="{C572A759-6A51-4108-AA02-DFA0A04FC94B}">
-              <ma14:wrappingTextBoxFlag xmlns:ma14="http://schemas.microsoft.com/office/mac/drawingml/2011/main" xmlns:a14="http://schemas.microsoft.com/office/drawing/2010/main" xmlns:m="http://schemas.openxmlformats.org/officeDocument/2006/math" xmlns="" val="1"/>
+              <ma14:wrappingTextBoxFlag xmlns="" xmlns:m="http://schemas.openxmlformats.org/officeDocument/2006/math" xmlns:a14="http://schemas.microsoft.com/office/drawing/2010/main" xmlns:ma14="http://schemas.microsoft.com/office/mac/drawingml/2011/main" val="1"/>
             </a:ext>
           </a:extLst>
         </p:spPr>
@@ -14597,7 +14599,7 @@
           </a:effectLst>
           <a:extLst>
             <a:ext uri="{C572A759-6A51-4108-AA02-DFA0A04FC94B}">
-              <ma14:wrappingTextBoxFlag xmlns:ma14="http://schemas.microsoft.com/office/mac/drawingml/2011/main" xmlns:a14="http://schemas.microsoft.com/office/drawing/2010/main" xmlns:m="http://schemas.openxmlformats.org/officeDocument/2006/math" xmlns="" val="1"/>
+              <ma14:wrappingTextBoxFlag xmlns="" xmlns:m="http://schemas.openxmlformats.org/officeDocument/2006/math" xmlns:a14="http://schemas.microsoft.com/office/drawing/2010/main" xmlns:ma14="http://schemas.microsoft.com/office/mac/drawingml/2011/main" val="1"/>
             </a:ext>
           </a:extLst>
         </p:spPr>
@@ -14680,7 +14682,7 @@
           </a:effectLst>
           <a:extLst>
             <a:ext uri="{C572A759-6A51-4108-AA02-DFA0A04FC94B}">
-              <ma14:wrappingTextBoxFlag xmlns:ma14="http://schemas.microsoft.com/office/mac/drawingml/2011/main" xmlns:a14="http://schemas.microsoft.com/office/drawing/2010/main" xmlns:m="http://schemas.openxmlformats.org/officeDocument/2006/math" xmlns="" val="1"/>
+              <ma14:wrappingTextBoxFlag xmlns="" xmlns:m="http://schemas.openxmlformats.org/officeDocument/2006/math" xmlns:a14="http://schemas.microsoft.com/office/drawing/2010/main" xmlns:ma14="http://schemas.microsoft.com/office/mac/drawingml/2011/main" val="1"/>
             </a:ext>
           </a:extLst>
         </p:spPr>
@@ -14763,7 +14765,7 @@
           </a:effectLst>
           <a:extLst>
             <a:ext uri="{C572A759-6A51-4108-AA02-DFA0A04FC94B}">
-              <ma14:wrappingTextBoxFlag xmlns:ma14="http://schemas.microsoft.com/office/mac/drawingml/2011/main" xmlns:a14="http://schemas.microsoft.com/office/drawing/2010/main" xmlns:m="http://schemas.openxmlformats.org/officeDocument/2006/math" xmlns="" val="1"/>
+              <ma14:wrappingTextBoxFlag xmlns="" xmlns:m="http://schemas.openxmlformats.org/officeDocument/2006/math" xmlns:a14="http://schemas.microsoft.com/office/drawing/2010/main" xmlns:ma14="http://schemas.microsoft.com/office/mac/drawingml/2011/main" val="1"/>
             </a:ext>
           </a:extLst>
         </p:spPr>
@@ -14846,7 +14848,7 @@
           </a:effectLst>
           <a:extLst>
             <a:ext uri="{C572A759-6A51-4108-AA02-DFA0A04FC94B}">
-              <ma14:wrappingTextBoxFlag xmlns:ma14="http://schemas.microsoft.com/office/mac/drawingml/2011/main" xmlns:a14="http://schemas.microsoft.com/office/drawing/2010/main" xmlns:m="http://schemas.openxmlformats.org/officeDocument/2006/math" xmlns="" val="1"/>
+              <ma14:wrappingTextBoxFlag xmlns="" xmlns:m="http://schemas.openxmlformats.org/officeDocument/2006/math" xmlns:a14="http://schemas.microsoft.com/office/drawing/2010/main" xmlns:ma14="http://schemas.microsoft.com/office/mac/drawingml/2011/main" val="1"/>
             </a:ext>
           </a:extLst>
         </p:spPr>
@@ -14929,7 +14931,7 @@
           </a:effectLst>
           <a:extLst>
             <a:ext uri="{C572A759-6A51-4108-AA02-DFA0A04FC94B}">
-              <ma14:wrappingTextBoxFlag xmlns:ma14="http://schemas.microsoft.com/office/mac/drawingml/2011/main" xmlns:a14="http://schemas.microsoft.com/office/drawing/2010/main" xmlns:m="http://schemas.openxmlformats.org/officeDocument/2006/math" xmlns="" val="1"/>
+              <ma14:wrappingTextBoxFlag xmlns="" xmlns:m="http://schemas.openxmlformats.org/officeDocument/2006/math" xmlns:a14="http://schemas.microsoft.com/office/drawing/2010/main" xmlns:ma14="http://schemas.microsoft.com/office/mac/drawingml/2011/main" val="1"/>
             </a:ext>
           </a:extLst>
         </p:spPr>
@@ -15012,7 +15014,7 @@
           </a:effectLst>
           <a:extLst>
             <a:ext uri="{C572A759-6A51-4108-AA02-DFA0A04FC94B}">
-              <ma14:wrappingTextBoxFlag xmlns:ma14="http://schemas.microsoft.com/office/mac/drawingml/2011/main" xmlns:a14="http://schemas.microsoft.com/office/drawing/2010/main" xmlns:m="http://schemas.openxmlformats.org/officeDocument/2006/math" xmlns="" val="1"/>
+              <ma14:wrappingTextBoxFlag xmlns="" xmlns:m="http://schemas.openxmlformats.org/officeDocument/2006/math" xmlns:a14="http://schemas.microsoft.com/office/drawing/2010/main" xmlns:ma14="http://schemas.microsoft.com/office/mac/drawingml/2011/main" val="1"/>
             </a:ext>
           </a:extLst>
         </p:spPr>
@@ -15075,7 +15077,7 @@
           </a:effectLst>
           <a:extLst>
             <a:ext uri="{C572A759-6A51-4108-AA02-DFA0A04FC94B}">
-              <ma14:wrappingTextBoxFlag xmlns:ma14="http://schemas.microsoft.com/office/mac/drawingml/2011/main" xmlns:a14="http://schemas.microsoft.com/office/drawing/2010/main" xmlns:m="http://schemas.openxmlformats.org/officeDocument/2006/math" xmlns="" val="1"/>
+              <ma14:wrappingTextBoxFlag xmlns="" xmlns:m="http://schemas.openxmlformats.org/officeDocument/2006/math" xmlns:a14="http://schemas.microsoft.com/office/drawing/2010/main" xmlns:ma14="http://schemas.microsoft.com/office/mac/drawingml/2011/main" val="1"/>
             </a:ext>
           </a:extLst>
         </p:spPr>
@@ -15158,7 +15160,7 @@
           </a:effectLst>
           <a:extLst>
             <a:ext uri="{C572A759-6A51-4108-AA02-DFA0A04FC94B}">
-              <ma14:wrappingTextBoxFlag xmlns:ma14="http://schemas.microsoft.com/office/mac/drawingml/2011/main" xmlns:a14="http://schemas.microsoft.com/office/drawing/2010/main" xmlns:m="http://schemas.openxmlformats.org/officeDocument/2006/math" xmlns="" val="1"/>
+              <ma14:wrappingTextBoxFlag xmlns="" xmlns:m="http://schemas.openxmlformats.org/officeDocument/2006/math" xmlns:a14="http://schemas.microsoft.com/office/drawing/2010/main" xmlns:ma14="http://schemas.microsoft.com/office/mac/drawingml/2011/main" val="1"/>
             </a:ext>
           </a:extLst>
         </p:spPr>
@@ -15421,7 +15423,7 @@
           </a:effectLst>
           <a:extLst>
             <a:ext uri="{C572A759-6A51-4108-AA02-DFA0A04FC94B}">
-              <ma14:wrappingTextBoxFlag xmlns:ma14="http://schemas.microsoft.com/office/mac/drawingml/2011/main" xmlns:a14="http://schemas.microsoft.com/office/drawing/2010/main" xmlns:m="http://schemas.openxmlformats.org/officeDocument/2006/math" xmlns="" val="1"/>
+              <ma14:wrappingTextBoxFlag xmlns="" xmlns:m="http://schemas.openxmlformats.org/officeDocument/2006/math" xmlns:a14="http://schemas.microsoft.com/office/drawing/2010/main" xmlns:ma14="http://schemas.microsoft.com/office/mac/drawingml/2011/main" val="1"/>
             </a:ext>
           </a:extLst>
         </p:spPr>
@@ -15600,7 +15602,7 @@
           </a:effectLst>
           <a:extLst>
             <a:ext uri="{C572A759-6A51-4108-AA02-DFA0A04FC94B}">
-              <ma14:wrappingTextBoxFlag xmlns:ma14="http://schemas.microsoft.com/office/mac/drawingml/2011/main" xmlns:a14="http://schemas.microsoft.com/office/drawing/2010/main" xmlns:m="http://schemas.openxmlformats.org/officeDocument/2006/math" xmlns="" val="1"/>
+              <ma14:wrappingTextBoxFlag xmlns="" xmlns:m="http://schemas.openxmlformats.org/officeDocument/2006/math" xmlns:a14="http://schemas.microsoft.com/office/drawing/2010/main" xmlns:ma14="http://schemas.microsoft.com/office/mac/drawingml/2011/main" val="1"/>
             </a:ext>
           </a:extLst>
         </p:spPr>
@@ -15683,7 +15685,7 @@
           </a:effectLst>
           <a:extLst>
             <a:ext uri="{C572A759-6A51-4108-AA02-DFA0A04FC94B}">
-              <ma14:wrappingTextBoxFlag xmlns:ma14="http://schemas.microsoft.com/office/mac/drawingml/2011/main" xmlns:a14="http://schemas.microsoft.com/office/drawing/2010/main" xmlns:m="http://schemas.openxmlformats.org/officeDocument/2006/math" xmlns="" val="1"/>
+              <ma14:wrappingTextBoxFlag xmlns="" xmlns:m="http://schemas.openxmlformats.org/officeDocument/2006/math" xmlns:a14="http://schemas.microsoft.com/office/drawing/2010/main" xmlns:ma14="http://schemas.microsoft.com/office/mac/drawingml/2011/main" val="1"/>
             </a:ext>
           </a:extLst>
         </p:spPr>
@@ -15743,7 +15745,7 @@
           </a:effectLst>
           <a:extLst>
             <a:ext uri="{C572A759-6A51-4108-AA02-DFA0A04FC94B}">
-              <ma14:wrappingTextBoxFlag xmlns:ma14="http://schemas.microsoft.com/office/mac/drawingml/2011/main" xmlns:a14="http://schemas.microsoft.com/office/drawing/2010/main" xmlns:m="http://schemas.openxmlformats.org/officeDocument/2006/math" xmlns="" val="1"/>
+              <ma14:wrappingTextBoxFlag xmlns="" xmlns:m="http://schemas.openxmlformats.org/officeDocument/2006/math" xmlns:a14="http://schemas.microsoft.com/office/drawing/2010/main" xmlns:ma14="http://schemas.microsoft.com/office/mac/drawingml/2011/main" val="1"/>
             </a:ext>
           </a:extLst>
         </p:spPr>
@@ -15818,7 +15820,7 @@
           </a:effectLst>
           <a:extLst>
             <a:ext uri="{C572A759-6A51-4108-AA02-DFA0A04FC94B}">
-              <ma14:wrappingTextBoxFlag xmlns:ma14="http://schemas.microsoft.com/office/mac/drawingml/2011/main" xmlns:a14="http://schemas.microsoft.com/office/drawing/2010/main" xmlns:m="http://schemas.openxmlformats.org/officeDocument/2006/math" xmlns="" val="1"/>
+              <ma14:wrappingTextBoxFlag xmlns="" xmlns:m="http://schemas.openxmlformats.org/officeDocument/2006/math" xmlns:a14="http://schemas.microsoft.com/office/drawing/2010/main" xmlns:ma14="http://schemas.microsoft.com/office/mac/drawingml/2011/main" val="1"/>
             </a:ext>
           </a:extLst>
         </p:spPr>
@@ -15892,7 +15894,7 @@
           </a:effectLst>
           <a:extLst>
             <a:ext uri="{C572A759-6A51-4108-AA02-DFA0A04FC94B}">
-              <ma14:wrappingTextBoxFlag xmlns:ma14="http://schemas.microsoft.com/office/mac/drawingml/2011/main" xmlns:a14="http://schemas.microsoft.com/office/drawing/2010/main" xmlns:m="http://schemas.openxmlformats.org/officeDocument/2006/math" xmlns="" val="1"/>
+              <ma14:wrappingTextBoxFlag xmlns="" xmlns:m="http://schemas.openxmlformats.org/officeDocument/2006/math" xmlns:a14="http://schemas.microsoft.com/office/drawing/2010/main" xmlns:ma14="http://schemas.microsoft.com/office/mac/drawingml/2011/main" val="1"/>
             </a:ext>
           </a:extLst>
         </p:spPr>
@@ -15969,7 +15971,7 @@
           </a:effectLst>
           <a:extLst>
             <a:ext uri="{C572A759-6A51-4108-AA02-DFA0A04FC94B}">
-              <ma14:wrappingTextBoxFlag xmlns:ma14="http://schemas.microsoft.com/office/mac/drawingml/2011/main" xmlns:a14="http://schemas.microsoft.com/office/drawing/2010/main" xmlns:m="http://schemas.openxmlformats.org/officeDocument/2006/math" xmlns="" val="1"/>
+              <ma14:wrappingTextBoxFlag xmlns="" xmlns:m="http://schemas.openxmlformats.org/officeDocument/2006/math" xmlns:a14="http://schemas.microsoft.com/office/drawing/2010/main" xmlns:ma14="http://schemas.microsoft.com/office/mac/drawingml/2011/main" val="1"/>
             </a:ext>
           </a:extLst>
         </p:spPr>
@@ -16258,7 +16260,7 @@
           </a:effectLst>
           <a:extLst>
             <a:ext uri="{C572A759-6A51-4108-AA02-DFA0A04FC94B}">
-              <ma14:wrappingTextBoxFlag xmlns:ma14="http://schemas.microsoft.com/office/mac/drawingml/2011/main" xmlns:a14="http://schemas.microsoft.com/office/drawing/2010/main" xmlns:m="http://schemas.openxmlformats.org/officeDocument/2006/math" xmlns="" val="1"/>
+              <ma14:wrappingTextBoxFlag xmlns="" xmlns:m="http://schemas.openxmlformats.org/officeDocument/2006/math" xmlns:a14="http://schemas.microsoft.com/office/drawing/2010/main" xmlns:ma14="http://schemas.microsoft.com/office/mac/drawingml/2011/main" val="1"/>
             </a:ext>
           </a:extLst>
         </p:spPr>
@@ -16551,7 +16553,7 @@
             </a:effectLst>
             <a:extLst>
               <a:ext uri="{C572A759-6A51-4108-AA02-DFA0A04FC94B}">
-                <ma14:wrappingTextBoxFlag xmlns:ma14="http://schemas.microsoft.com/office/mac/drawingml/2011/main" xmlns:a14="http://schemas.microsoft.com/office/drawing/2010/main" xmlns:m="http://schemas.openxmlformats.org/officeDocument/2006/math" xmlns="" val="1"/>
+                <ma14:wrappingTextBoxFlag xmlns="" xmlns:m="http://schemas.openxmlformats.org/officeDocument/2006/math" xmlns:a14="http://schemas.microsoft.com/office/drawing/2010/main" xmlns:ma14="http://schemas.microsoft.com/office/mac/drawingml/2011/main" val="1"/>
               </a:ext>
             </a:extLst>
           </p:spPr>
@@ -16641,7 +16643,7 @@
               </a:effectLst>
               <a:extLst>
                 <a:ext uri="{C572A759-6A51-4108-AA02-DFA0A04FC94B}">
-                  <ma14:wrappingTextBoxFlag xmlns:ma14="http://schemas.microsoft.com/office/mac/drawingml/2011/main" xmlns:a14="http://schemas.microsoft.com/office/drawing/2010/main" xmlns:m="http://schemas.openxmlformats.org/officeDocument/2006/math" xmlns="" val="1"/>
+                  <ma14:wrappingTextBoxFlag xmlns="" xmlns:m="http://schemas.openxmlformats.org/officeDocument/2006/math" xmlns:a14="http://schemas.microsoft.com/office/drawing/2010/main" xmlns:ma14="http://schemas.microsoft.com/office/mac/drawingml/2011/main" val="1"/>
                 </a:ext>
               </a:extLst>
             </p:spPr>
@@ -16700,7 +16702,7 @@
               </a:effectLst>
               <a:extLst>
                 <a:ext uri="{C572A759-6A51-4108-AA02-DFA0A04FC94B}">
-                  <ma14:wrappingTextBoxFlag xmlns:ma14="http://schemas.microsoft.com/office/mac/drawingml/2011/main" xmlns:a14="http://schemas.microsoft.com/office/drawing/2010/main" xmlns:m="http://schemas.openxmlformats.org/officeDocument/2006/math" xmlns="" val="1"/>
+                  <ma14:wrappingTextBoxFlag xmlns="" xmlns:m="http://schemas.openxmlformats.org/officeDocument/2006/math" xmlns:a14="http://schemas.microsoft.com/office/drawing/2010/main" xmlns:ma14="http://schemas.microsoft.com/office/mac/drawingml/2011/main" val="1"/>
                 </a:ext>
               </a:extLst>
             </p:spPr>
@@ -16765,7 +16767,7 @@
               </a:effectLst>
               <a:extLst>
                 <a:ext uri="{C572A759-6A51-4108-AA02-DFA0A04FC94B}">
-                  <ma14:wrappingTextBoxFlag xmlns:ma14="http://schemas.microsoft.com/office/mac/drawingml/2011/main" xmlns:a14="http://schemas.microsoft.com/office/drawing/2010/main" xmlns:m="http://schemas.openxmlformats.org/officeDocument/2006/math" xmlns="" val="1"/>
+                  <ma14:wrappingTextBoxFlag xmlns="" xmlns:m="http://schemas.openxmlformats.org/officeDocument/2006/math" xmlns:a14="http://schemas.microsoft.com/office/drawing/2010/main" xmlns:ma14="http://schemas.microsoft.com/office/mac/drawingml/2011/main" val="1"/>
                 </a:ext>
               </a:extLst>
             </p:spPr>
@@ -16830,7 +16832,7 @@
               </a:effectLst>
               <a:extLst>
                 <a:ext uri="{C572A759-6A51-4108-AA02-DFA0A04FC94B}">
-                  <ma14:wrappingTextBoxFlag xmlns:ma14="http://schemas.microsoft.com/office/mac/drawingml/2011/main" xmlns:a14="http://schemas.microsoft.com/office/drawing/2010/main" xmlns:m="http://schemas.openxmlformats.org/officeDocument/2006/math" xmlns="" val="1"/>
+                  <ma14:wrappingTextBoxFlag xmlns="" xmlns:m="http://schemas.openxmlformats.org/officeDocument/2006/math" xmlns:a14="http://schemas.microsoft.com/office/drawing/2010/main" xmlns:ma14="http://schemas.microsoft.com/office/mac/drawingml/2011/main" val="1"/>
                 </a:ext>
               </a:extLst>
             </p:spPr>
@@ -16895,7 +16897,7 @@
               </a:effectLst>
               <a:extLst>
                 <a:ext uri="{C572A759-6A51-4108-AA02-DFA0A04FC94B}">
-                  <ma14:wrappingTextBoxFlag xmlns:ma14="http://schemas.microsoft.com/office/mac/drawingml/2011/main" xmlns:a14="http://schemas.microsoft.com/office/drawing/2010/main" xmlns:m="http://schemas.openxmlformats.org/officeDocument/2006/math" xmlns="" val="1"/>
+                  <ma14:wrappingTextBoxFlag xmlns="" xmlns:m="http://schemas.openxmlformats.org/officeDocument/2006/math" xmlns:a14="http://schemas.microsoft.com/office/drawing/2010/main" xmlns:ma14="http://schemas.microsoft.com/office/mac/drawingml/2011/main" val="1"/>
                 </a:ext>
               </a:extLst>
             </p:spPr>
@@ -16967,7 +16969,7 @@
             </a:effectLst>
             <a:extLst>
               <a:ext uri="{C572A759-6A51-4108-AA02-DFA0A04FC94B}">
-                <ma14:wrappingTextBoxFlag xmlns:ma14="http://schemas.microsoft.com/office/mac/drawingml/2011/main" xmlns:a14="http://schemas.microsoft.com/office/drawing/2010/main" xmlns:m="http://schemas.openxmlformats.org/officeDocument/2006/math" xmlns="" val="1"/>
+                <ma14:wrappingTextBoxFlag xmlns="" xmlns:m="http://schemas.openxmlformats.org/officeDocument/2006/math" xmlns:a14="http://schemas.microsoft.com/office/drawing/2010/main" xmlns:ma14="http://schemas.microsoft.com/office/mac/drawingml/2011/main" val="1"/>
               </a:ext>
             </a:extLst>
           </p:spPr>
@@ -17060,7 +17062,7 @@
               </a:effectLst>
               <a:extLst>
                 <a:ext uri="{C572A759-6A51-4108-AA02-DFA0A04FC94B}">
-                  <ma14:wrappingTextBoxFlag xmlns:ma14="http://schemas.microsoft.com/office/mac/drawingml/2011/main" xmlns:a14="http://schemas.microsoft.com/office/drawing/2010/main" xmlns:m="http://schemas.openxmlformats.org/officeDocument/2006/math" xmlns="" val="1"/>
+                  <ma14:wrappingTextBoxFlag xmlns="" xmlns:m="http://schemas.openxmlformats.org/officeDocument/2006/math" xmlns:a14="http://schemas.microsoft.com/office/drawing/2010/main" xmlns:ma14="http://schemas.microsoft.com/office/mac/drawingml/2011/main" val="1"/>
                 </a:ext>
               </a:extLst>
             </p:spPr>
@@ -17124,7 +17126,7 @@
               </a:effectLst>
               <a:extLst>
                 <a:ext uri="{C572A759-6A51-4108-AA02-DFA0A04FC94B}">
-                  <ma14:wrappingTextBoxFlag xmlns:ma14="http://schemas.microsoft.com/office/mac/drawingml/2011/main" xmlns:a14="http://schemas.microsoft.com/office/drawing/2010/main" xmlns:m="http://schemas.openxmlformats.org/officeDocument/2006/math" xmlns="" val="1"/>
+                  <ma14:wrappingTextBoxFlag xmlns="" xmlns:m="http://schemas.openxmlformats.org/officeDocument/2006/math" xmlns:a14="http://schemas.microsoft.com/office/drawing/2010/main" xmlns:ma14="http://schemas.microsoft.com/office/mac/drawingml/2011/main" val="1"/>
                 </a:ext>
               </a:extLst>
             </p:spPr>
@@ -17194,7 +17196,7 @@
               </a:effectLst>
               <a:extLst>
                 <a:ext uri="{C572A759-6A51-4108-AA02-DFA0A04FC94B}">
-                  <ma14:wrappingTextBoxFlag xmlns:ma14="http://schemas.microsoft.com/office/mac/drawingml/2011/main" xmlns:a14="http://schemas.microsoft.com/office/drawing/2010/main" xmlns:m="http://schemas.openxmlformats.org/officeDocument/2006/math" xmlns="" val="1"/>
+                  <ma14:wrappingTextBoxFlag xmlns="" xmlns:m="http://schemas.openxmlformats.org/officeDocument/2006/math" xmlns:a14="http://schemas.microsoft.com/office/drawing/2010/main" xmlns:ma14="http://schemas.microsoft.com/office/mac/drawingml/2011/main" val="1"/>
                 </a:ext>
               </a:extLst>
             </p:spPr>
@@ -17264,7 +17266,7 @@
               </a:effectLst>
               <a:extLst>
                 <a:ext uri="{C572A759-6A51-4108-AA02-DFA0A04FC94B}">
-                  <ma14:wrappingTextBoxFlag xmlns:ma14="http://schemas.microsoft.com/office/mac/drawingml/2011/main" xmlns:a14="http://schemas.microsoft.com/office/drawing/2010/main" xmlns:m="http://schemas.openxmlformats.org/officeDocument/2006/math" xmlns="" val="1"/>
+                  <ma14:wrappingTextBoxFlag xmlns="" xmlns:m="http://schemas.openxmlformats.org/officeDocument/2006/math" xmlns:a14="http://schemas.microsoft.com/office/drawing/2010/main" xmlns:ma14="http://schemas.microsoft.com/office/mac/drawingml/2011/main" val="1"/>
                 </a:ext>
               </a:extLst>
             </p:spPr>
@@ -17334,7 +17336,7 @@
               </a:effectLst>
               <a:extLst>
                 <a:ext uri="{C572A759-6A51-4108-AA02-DFA0A04FC94B}">
-                  <ma14:wrappingTextBoxFlag xmlns:ma14="http://schemas.microsoft.com/office/mac/drawingml/2011/main" xmlns:a14="http://schemas.microsoft.com/office/drawing/2010/main" xmlns:m="http://schemas.openxmlformats.org/officeDocument/2006/math" xmlns="" val="1"/>
+                  <ma14:wrappingTextBoxFlag xmlns="" xmlns:m="http://schemas.openxmlformats.org/officeDocument/2006/math" xmlns:a14="http://schemas.microsoft.com/office/drawing/2010/main" xmlns:ma14="http://schemas.microsoft.com/office/mac/drawingml/2011/main" val="1"/>
                 </a:ext>
               </a:extLst>
             </p:spPr>
@@ -17423,7 +17425,7 @@
             </a:effectLst>
             <a:extLst>
               <a:ext uri="{C572A759-6A51-4108-AA02-DFA0A04FC94B}">
-                <ma14:wrappingTextBoxFlag xmlns:ma14="http://schemas.microsoft.com/office/mac/drawingml/2011/main" xmlns:a14="http://schemas.microsoft.com/office/drawing/2010/main" xmlns:m="http://schemas.openxmlformats.org/officeDocument/2006/math" xmlns="" val="1"/>
+                <ma14:wrappingTextBoxFlag xmlns="" xmlns:m="http://schemas.openxmlformats.org/officeDocument/2006/math" xmlns:a14="http://schemas.microsoft.com/office/drawing/2010/main" xmlns:ma14="http://schemas.microsoft.com/office/mac/drawingml/2011/main" val="1"/>
               </a:ext>
             </a:extLst>
           </p:spPr>
@@ -17513,7 +17515,7 @@
               </a:effectLst>
               <a:extLst>
                 <a:ext uri="{C572A759-6A51-4108-AA02-DFA0A04FC94B}">
-                  <ma14:wrappingTextBoxFlag xmlns:ma14="http://schemas.microsoft.com/office/mac/drawingml/2011/main" xmlns:a14="http://schemas.microsoft.com/office/drawing/2010/main" xmlns:m="http://schemas.openxmlformats.org/officeDocument/2006/math" xmlns="" val="1"/>
+                  <ma14:wrappingTextBoxFlag xmlns="" xmlns:m="http://schemas.openxmlformats.org/officeDocument/2006/math" xmlns:a14="http://schemas.microsoft.com/office/drawing/2010/main" xmlns:ma14="http://schemas.microsoft.com/office/mac/drawingml/2011/main" val="1"/>
                 </a:ext>
               </a:extLst>
             </p:spPr>
@@ -17564,7 +17566,7 @@
               </a:effectLst>
               <a:extLst>
                 <a:ext uri="{C572A759-6A51-4108-AA02-DFA0A04FC94B}">
-                  <ma14:wrappingTextBoxFlag xmlns:ma14="http://schemas.microsoft.com/office/mac/drawingml/2011/main" xmlns:a14="http://schemas.microsoft.com/office/drawing/2010/main" xmlns:m="http://schemas.openxmlformats.org/officeDocument/2006/math" xmlns="" val="1"/>
+                  <ma14:wrappingTextBoxFlag xmlns="" xmlns:m="http://schemas.openxmlformats.org/officeDocument/2006/math" xmlns:a14="http://schemas.microsoft.com/office/drawing/2010/main" xmlns:ma14="http://schemas.microsoft.com/office/mac/drawingml/2011/main" val="1"/>
                 </a:ext>
               </a:extLst>
             </p:spPr>
@@ -17618,7 +17620,7 @@
               </a:effectLst>
               <a:extLst>
                 <a:ext uri="{C572A759-6A51-4108-AA02-DFA0A04FC94B}">
-                  <ma14:wrappingTextBoxFlag xmlns:ma14="http://schemas.microsoft.com/office/mac/drawingml/2011/main" xmlns:a14="http://schemas.microsoft.com/office/drawing/2010/main" xmlns:m="http://schemas.openxmlformats.org/officeDocument/2006/math" xmlns="" val="1"/>
+                  <ma14:wrappingTextBoxFlag xmlns="" xmlns:m="http://schemas.openxmlformats.org/officeDocument/2006/math" xmlns:a14="http://schemas.microsoft.com/office/drawing/2010/main" xmlns:ma14="http://schemas.microsoft.com/office/mac/drawingml/2011/main" val="1"/>
                 </a:ext>
               </a:extLst>
             </p:spPr>
@@ -17672,7 +17674,7 @@
               </a:effectLst>
               <a:extLst>
                 <a:ext uri="{C572A759-6A51-4108-AA02-DFA0A04FC94B}">
-                  <ma14:wrappingTextBoxFlag xmlns:ma14="http://schemas.microsoft.com/office/mac/drawingml/2011/main" xmlns:a14="http://schemas.microsoft.com/office/drawing/2010/main" xmlns:m="http://schemas.openxmlformats.org/officeDocument/2006/math" xmlns="" val="1"/>
+                  <ma14:wrappingTextBoxFlag xmlns="" xmlns:m="http://schemas.openxmlformats.org/officeDocument/2006/math" xmlns:a14="http://schemas.microsoft.com/office/drawing/2010/main" xmlns:ma14="http://schemas.microsoft.com/office/mac/drawingml/2011/main" val="1"/>
                 </a:ext>
               </a:extLst>
             </p:spPr>
@@ -17726,7 +17728,7 @@
               </a:effectLst>
               <a:extLst>
                 <a:ext uri="{C572A759-6A51-4108-AA02-DFA0A04FC94B}">
-                  <ma14:wrappingTextBoxFlag xmlns:ma14="http://schemas.microsoft.com/office/mac/drawingml/2011/main" xmlns:a14="http://schemas.microsoft.com/office/drawing/2010/main" xmlns:m="http://schemas.openxmlformats.org/officeDocument/2006/math" xmlns="" val="1"/>
+                  <ma14:wrappingTextBoxFlag xmlns="" xmlns:m="http://schemas.openxmlformats.org/officeDocument/2006/math" xmlns:a14="http://schemas.microsoft.com/office/drawing/2010/main" xmlns:ma14="http://schemas.microsoft.com/office/mac/drawingml/2011/main" val="1"/>
                 </a:ext>
               </a:extLst>
             </p:spPr>
@@ -17781,7 +17783,7 @@
             </a:effectLst>
             <a:extLst>
               <a:ext uri="{C572A759-6A51-4108-AA02-DFA0A04FC94B}">
-                <ma14:wrappingTextBoxFlag xmlns:ma14="http://schemas.microsoft.com/office/mac/drawingml/2011/main" xmlns:a14="http://schemas.microsoft.com/office/drawing/2010/main" xmlns:m="http://schemas.openxmlformats.org/officeDocument/2006/math" xmlns="" val="1"/>
+                <ma14:wrappingTextBoxFlag xmlns="" xmlns:m="http://schemas.openxmlformats.org/officeDocument/2006/math" xmlns:a14="http://schemas.microsoft.com/office/drawing/2010/main" xmlns:ma14="http://schemas.microsoft.com/office/mac/drawingml/2011/main" val="1"/>
               </a:ext>
             </a:extLst>
           </p:spPr>
@@ -17868,7 +17870,7 @@
               </a:effectLst>
               <a:extLst>
                 <a:ext uri="{C572A759-6A51-4108-AA02-DFA0A04FC94B}">
-                  <ma14:wrappingTextBoxFlag xmlns:ma14="http://schemas.microsoft.com/office/mac/drawingml/2011/main" xmlns:a14="http://schemas.microsoft.com/office/drawing/2010/main" xmlns:m="http://schemas.openxmlformats.org/officeDocument/2006/math" xmlns="" val="1"/>
+                  <ma14:wrappingTextBoxFlag xmlns="" xmlns:m="http://schemas.openxmlformats.org/officeDocument/2006/math" xmlns:a14="http://schemas.microsoft.com/office/drawing/2010/main" xmlns:ma14="http://schemas.microsoft.com/office/mac/drawingml/2011/main" val="1"/>
                 </a:ext>
               </a:extLst>
             </p:spPr>
@@ -17927,7 +17929,7 @@
               </a:effectLst>
               <a:extLst>
                 <a:ext uri="{C572A759-6A51-4108-AA02-DFA0A04FC94B}">
-                  <ma14:wrappingTextBoxFlag xmlns:ma14="http://schemas.microsoft.com/office/mac/drawingml/2011/main" xmlns:a14="http://schemas.microsoft.com/office/drawing/2010/main" xmlns:m="http://schemas.openxmlformats.org/officeDocument/2006/math" xmlns="" val="1"/>
+                  <ma14:wrappingTextBoxFlag xmlns="" xmlns:m="http://schemas.openxmlformats.org/officeDocument/2006/math" xmlns:a14="http://schemas.microsoft.com/office/drawing/2010/main" xmlns:ma14="http://schemas.microsoft.com/office/mac/drawingml/2011/main" val="1"/>
                 </a:ext>
               </a:extLst>
             </p:spPr>
@@ -17992,7 +17994,7 @@
               </a:effectLst>
               <a:extLst>
                 <a:ext uri="{C572A759-6A51-4108-AA02-DFA0A04FC94B}">
-                  <ma14:wrappingTextBoxFlag xmlns:ma14="http://schemas.microsoft.com/office/mac/drawingml/2011/main" xmlns:a14="http://schemas.microsoft.com/office/drawing/2010/main" xmlns:m="http://schemas.openxmlformats.org/officeDocument/2006/math" xmlns="" val="1"/>
+                  <ma14:wrappingTextBoxFlag xmlns="" xmlns:m="http://schemas.openxmlformats.org/officeDocument/2006/math" xmlns:a14="http://schemas.microsoft.com/office/drawing/2010/main" xmlns:ma14="http://schemas.microsoft.com/office/mac/drawingml/2011/main" val="1"/>
                 </a:ext>
               </a:extLst>
             </p:spPr>
@@ -18057,7 +18059,7 @@
               </a:effectLst>
               <a:extLst>
                 <a:ext uri="{C572A759-6A51-4108-AA02-DFA0A04FC94B}">
-                  <ma14:wrappingTextBoxFlag xmlns:ma14="http://schemas.microsoft.com/office/mac/drawingml/2011/main" xmlns:a14="http://schemas.microsoft.com/office/drawing/2010/main" xmlns:m="http://schemas.openxmlformats.org/officeDocument/2006/math" xmlns="" val="1"/>
+                  <ma14:wrappingTextBoxFlag xmlns="" xmlns:m="http://schemas.openxmlformats.org/officeDocument/2006/math" xmlns:a14="http://schemas.microsoft.com/office/drawing/2010/main" xmlns:ma14="http://schemas.microsoft.com/office/mac/drawingml/2011/main" val="1"/>
                 </a:ext>
               </a:extLst>
             </p:spPr>
@@ -18122,7 +18124,7 @@
               </a:effectLst>
               <a:extLst>
                 <a:ext uri="{C572A759-6A51-4108-AA02-DFA0A04FC94B}">
-                  <ma14:wrappingTextBoxFlag xmlns:ma14="http://schemas.microsoft.com/office/mac/drawingml/2011/main" xmlns:a14="http://schemas.microsoft.com/office/drawing/2010/main" xmlns:m="http://schemas.openxmlformats.org/officeDocument/2006/math" xmlns="" val="1"/>
+                  <ma14:wrappingTextBoxFlag xmlns="" xmlns:m="http://schemas.openxmlformats.org/officeDocument/2006/math" xmlns:a14="http://schemas.microsoft.com/office/drawing/2010/main" xmlns:ma14="http://schemas.microsoft.com/office/mac/drawingml/2011/main" val="1"/>
                 </a:ext>
               </a:extLst>
             </p:spPr>
@@ -18219,7 +18221,7 @@
               </a:effectLst>
               <a:extLst>
                 <a:ext uri="{C572A759-6A51-4108-AA02-DFA0A04FC94B}">
-                  <ma14:wrappingTextBoxFlag xmlns:ma14="http://schemas.microsoft.com/office/mac/drawingml/2011/main" xmlns:a14="http://schemas.microsoft.com/office/drawing/2010/main" xmlns:m="http://schemas.openxmlformats.org/officeDocument/2006/math" xmlns="" val="1"/>
+                  <ma14:wrappingTextBoxFlag xmlns="" xmlns:m="http://schemas.openxmlformats.org/officeDocument/2006/math" xmlns:a14="http://schemas.microsoft.com/office/drawing/2010/main" xmlns:ma14="http://schemas.microsoft.com/office/mac/drawingml/2011/main" val="1"/>
                 </a:ext>
               </a:extLst>
             </p:spPr>
@@ -18275,7 +18277,7 @@
               </a:effectLst>
               <a:extLst>
                 <a:ext uri="{C572A759-6A51-4108-AA02-DFA0A04FC94B}">
-                  <ma14:wrappingTextBoxFlag xmlns:ma14="http://schemas.microsoft.com/office/mac/drawingml/2011/main" xmlns:a14="http://schemas.microsoft.com/office/drawing/2010/main" xmlns:m="http://schemas.openxmlformats.org/officeDocument/2006/math" xmlns="" val="1"/>
+                  <ma14:wrappingTextBoxFlag xmlns="" xmlns:m="http://schemas.openxmlformats.org/officeDocument/2006/math" xmlns:a14="http://schemas.microsoft.com/office/drawing/2010/main" xmlns:ma14="http://schemas.microsoft.com/office/mac/drawingml/2011/main" val="1"/>
                 </a:ext>
               </a:extLst>
             </p:spPr>
@@ -18331,7 +18333,7 @@
               </a:effectLst>
               <a:extLst>
                 <a:ext uri="{C572A759-6A51-4108-AA02-DFA0A04FC94B}">
-                  <ma14:wrappingTextBoxFlag xmlns:ma14="http://schemas.microsoft.com/office/mac/drawingml/2011/main" xmlns:a14="http://schemas.microsoft.com/office/drawing/2010/main" xmlns:m="http://schemas.openxmlformats.org/officeDocument/2006/math" xmlns="" val="1"/>
+                  <ma14:wrappingTextBoxFlag xmlns="" xmlns:m="http://schemas.openxmlformats.org/officeDocument/2006/math" xmlns:a14="http://schemas.microsoft.com/office/drawing/2010/main" xmlns:ma14="http://schemas.microsoft.com/office/mac/drawingml/2011/main" val="1"/>
                 </a:ext>
               </a:extLst>
             </p:spPr>
@@ -18395,7 +18397,7 @@
               </a:effectLst>
               <a:extLst>
                 <a:ext uri="{C572A759-6A51-4108-AA02-DFA0A04FC94B}">
-                  <ma14:wrappingTextBoxFlag xmlns:ma14="http://schemas.microsoft.com/office/mac/drawingml/2011/main" xmlns:a14="http://schemas.microsoft.com/office/drawing/2010/main" xmlns:m="http://schemas.openxmlformats.org/officeDocument/2006/math" xmlns="" val="1"/>
+                  <ma14:wrappingTextBoxFlag xmlns="" xmlns:m="http://schemas.openxmlformats.org/officeDocument/2006/math" xmlns:a14="http://schemas.microsoft.com/office/drawing/2010/main" xmlns:ma14="http://schemas.microsoft.com/office/mac/drawingml/2011/main" val="1"/>
                 </a:ext>
               </a:extLst>
             </p:spPr>
@@ -18489,7 +18491,7 @@
               </a:effectLst>
               <a:extLst>
                 <a:ext uri="{C572A759-6A51-4108-AA02-DFA0A04FC94B}">
-                  <ma14:wrappingTextBoxFlag xmlns:ma14="http://schemas.microsoft.com/office/mac/drawingml/2011/main" xmlns:a14="http://schemas.microsoft.com/office/drawing/2010/main" xmlns:m="http://schemas.openxmlformats.org/officeDocument/2006/math" xmlns="" val="1"/>
+                  <ma14:wrappingTextBoxFlag xmlns="" xmlns:m="http://schemas.openxmlformats.org/officeDocument/2006/math" xmlns:a14="http://schemas.microsoft.com/office/drawing/2010/main" xmlns:ma14="http://schemas.microsoft.com/office/mac/drawingml/2011/main" val="1"/>
                 </a:ext>
               </a:extLst>
             </p:spPr>
@@ -18551,7 +18553,7 @@
               </a:effectLst>
               <a:extLst>
                 <a:ext uri="{C572A759-6A51-4108-AA02-DFA0A04FC94B}">
-                  <ma14:wrappingTextBoxFlag xmlns:ma14="http://schemas.microsoft.com/office/mac/drawingml/2011/main" xmlns:a14="http://schemas.microsoft.com/office/drawing/2010/main" xmlns:m="http://schemas.openxmlformats.org/officeDocument/2006/math" xmlns="" val="1"/>
+                  <ma14:wrappingTextBoxFlag xmlns="" xmlns:m="http://schemas.openxmlformats.org/officeDocument/2006/math" xmlns:a14="http://schemas.microsoft.com/office/drawing/2010/main" xmlns:ma14="http://schemas.microsoft.com/office/mac/drawingml/2011/main" val="1"/>
                 </a:ext>
               </a:extLst>
             </p:spPr>
@@ -18621,7 +18623,7 @@
               </a:effectLst>
               <a:extLst>
                 <a:ext uri="{C572A759-6A51-4108-AA02-DFA0A04FC94B}">
-                  <ma14:wrappingTextBoxFlag xmlns:ma14="http://schemas.microsoft.com/office/mac/drawingml/2011/main" xmlns:a14="http://schemas.microsoft.com/office/drawing/2010/main" xmlns:m="http://schemas.openxmlformats.org/officeDocument/2006/math" xmlns="" val="1"/>
+                  <ma14:wrappingTextBoxFlag xmlns="" xmlns:m="http://schemas.openxmlformats.org/officeDocument/2006/math" xmlns:a14="http://schemas.microsoft.com/office/drawing/2010/main" xmlns:ma14="http://schemas.microsoft.com/office/mac/drawingml/2011/main" val="1"/>
                 </a:ext>
               </a:extLst>
             </p:spPr>
@@ -18729,7 +18731,7 @@
             </a:effectLst>
             <a:extLst>
               <a:ext uri="{C572A759-6A51-4108-AA02-DFA0A04FC94B}">
-                <ma14:wrappingTextBoxFlag xmlns:ma14="http://schemas.microsoft.com/office/mac/drawingml/2011/main" xmlns:a14="http://schemas.microsoft.com/office/drawing/2010/main" xmlns:m="http://schemas.openxmlformats.org/officeDocument/2006/math" xmlns="" val="1"/>
+                <ma14:wrappingTextBoxFlag xmlns="" xmlns:m="http://schemas.openxmlformats.org/officeDocument/2006/math" xmlns:a14="http://schemas.microsoft.com/office/drawing/2010/main" xmlns:ma14="http://schemas.microsoft.com/office/mac/drawingml/2011/main" val="1"/>
               </a:ext>
             </a:extLst>
           </p:spPr>
@@ -18803,7 +18805,7 @@
               </a:effectLst>
               <a:extLst>
                 <a:ext uri="{C572A759-6A51-4108-AA02-DFA0A04FC94B}">
-                  <ma14:wrappingTextBoxFlag xmlns:ma14="http://schemas.microsoft.com/office/mac/drawingml/2011/main" xmlns:a14="http://schemas.microsoft.com/office/drawing/2010/main" xmlns:m="http://schemas.openxmlformats.org/officeDocument/2006/math" xmlns="" val="1"/>
+                  <ma14:wrappingTextBoxFlag xmlns="" xmlns:m="http://schemas.openxmlformats.org/officeDocument/2006/math" xmlns:a14="http://schemas.microsoft.com/office/drawing/2010/main" xmlns:ma14="http://schemas.microsoft.com/office/mac/drawingml/2011/main" val="1"/>
                 </a:ext>
               </a:extLst>
             </p:spPr>
@@ -18873,7 +18875,7 @@
               </a:effectLst>
               <a:extLst>
                 <a:ext uri="{C572A759-6A51-4108-AA02-DFA0A04FC94B}">
-                  <ma14:wrappingTextBoxFlag xmlns:ma14="http://schemas.microsoft.com/office/mac/drawingml/2011/main" xmlns:a14="http://schemas.microsoft.com/office/drawing/2010/main" xmlns:m="http://schemas.openxmlformats.org/officeDocument/2006/math" xmlns="" val="1"/>
+                  <ma14:wrappingTextBoxFlag xmlns="" xmlns:m="http://schemas.openxmlformats.org/officeDocument/2006/math" xmlns:a14="http://schemas.microsoft.com/office/drawing/2010/main" xmlns:ma14="http://schemas.microsoft.com/office/mac/drawingml/2011/main" val="1"/>
                 </a:ext>
               </a:extLst>
             </p:spPr>
@@ -18947,7 +18949,7 @@
               </a:effectLst>
               <a:extLst>
                 <a:ext uri="{C572A759-6A51-4108-AA02-DFA0A04FC94B}">
-                  <ma14:wrappingTextBoxFlag xmlns:ma14="http://schemas.microsoft.com/office/mac/drawingml/2011/main" xmlns:a14="http://schemas.microsoft.com/office/drawing/2010/main" xmlns:m="http://schemas.openxmlformats.org/officeDocument/2006/math" xmlns="" val="1"/>
+                  <ma14:wrappingTextBoxFlag xmlns="" xmlns:m="http://schemas.openxmlformats.org/officeDocument/2006/math" xmlns:a14="http://schemas.microsoft.com/office/drawing/2010/main" xmlns:ma14="http://schemas.microsoft.com/office/mac/drawingml/2011/main" val="1"/>
                 </a:ext>
               </a:extLst>
             </p:spPr>
@@ -19031,7 +19033,7 @@
               </a:effectLst>
               <a:extLst>
                 <a:ext uri="{C572A759-6A51-4108-AA02-DFA0A04FC94B}">
-                  <ma14:wrappingTextBoxFlag xmlns:ma14="http://schemas.microsoft.com/office/mac/drawingml/2011/main" xmlns:a14="http://schemas.microsoft.com/office/drawing/2010/main" xmlns:m="http://schemas.openxmlformats.org/officeDocument/2006/math" xmlns="" val="1"/>
+                  <ma14:wrappingTextBoxFlag xmlns="" xmlns:m="http://schemas.openxmlformats.org/officeDocument/2006/math" xmlns:a14="http://schemas.microsoft.com/office/drawing/2010/main" xmlns:ma14="http://schemas.microsoft.com/office/mac/drawingml/2011/main" val="1"/>
                 </a:ext>
               </a:extLst>
             </p:spPr>
@@ -19105,7 +19107,7 @@
               </a:effectLst>
               <a:extLst>
                 <a:ext uri="{C572A759-6A51-4108-AA02-DFA0A04FC94B}">
-                  <ma14:wrappingTextBoxFlag xmlns:ma14="http://schemas.microsoft.com/office/mac/drawingml/2011/main" xmlns:a14="http://schemas.microsoft.com/office/drawing/2010/main" xmlns:m="http://schemas.openxmlformats.org/officeDocument/2006/math" xmlns="" val="1"/>
+                  <ma14:wrappingTextBoxFlag xmlns="" xmlns:m="http://schemas.openxmlformats.org/officeDocument/2006/math" xmlns:a14="http://schemas.microsoft.com/office/drawing/2010/main" xmlns:ma14="http://schemas.microsoft.com/office/mac/drawingml/2011/main" val="1"/>
                 </a:ext>
               </a:extLst>
             </p:spPr>
@@ -19297,7 +19299,7 @@
             </a:effectLst>
             <a:extLst>
               <a:ext uri="{C572A759-6A51-4108-AA02-DFA0A04FC94B}">
-                <ma14:wrappingTextBoxFlag xmlns:ma14="http://schemas.microsoft.com/office/mac/drawingml/2011/main" xmlns:a14="http://schemas.microsoft.com/office/drawing/2010/main" xmlns:m="http://schemas.openxmlformats.org/officeDocument/2006/math" xmlns="" val="1"/>
+                <ma14:wrappingTextBoxFlag xmlns="" xmlns:m="http://schemas.openxmlformats.org/officeDocument/2006/math" xmlns:a14="http://schemas.microsoft.com/office/drawing/2010/main" xmlns:ma14="http://schemas.microsoft.com/office/mac/drawingml/2011/main" val="1"/>
               </a:ext>
             </a:extLst>
           </p:spPr>
@@ -19400,7 +19402,7 @@
               </a:effectLst>
               <a:extLst>
                 <a:ext uri="{C572A759-6A51-4108-AA02-DFA0A04FC94B}">
-                  <ma14:wrappingTextBoxFlag xmlns:ma14="http://schemas.microsoft.com/office/mac/drawingml/2011/main" xmlns:a14="http://schemas.microsoft.com/office/drawing/2010/main" xmlns:m="http://schemas.openxmlformats.org/officeDocument/2006/math" xmlns="" val="1"/>
+                  <ma14:wrappingTextBoxFlag xmlns="" xmlns:m="http://schemas.openxmlformats.org/officeDocument/2006/math" xmlns:a14="http://schemas.microsoft.com/office/drawing/2010/main" xmlns:ma14="http://schemas.microsoft.com/office/mac/drawingml/2011/main" val="1"/>
                 </a:ext>
               </a:extLst>
             </p:spPr>
@@ -19459,7 +19461,7 @@
               </a:effectLst>
               <a:extLst>
                 <a:ext uri="{C572A759-6A51-4108-AA02-DFA0A04FC94B}">
-                  <ma14:wrappingTextBoxFlag xmlns:ma14="http://schemas.microsoft.com/office/mac/drawingml/2011/main" xmlns:a14="http://schemas.microsoft.com/office/drawing/2010/main" xmlns:m="http://schemas.openxmlformats.org/officeDocument/2006/math" xmlns="" val="1"/>
+                  <ma14:wrappingTextBoxFlag xmlns="" xmlns:m="http://schemas.openxmlformats.org/officeDocument/2006/math" xmlns:a14="http://schemas.microsoft.com/office/drawing/2010/main" xmlns:ma14="http://schemas.microsoft.com/office/mac/drawingml/2011/main" val="1"/>
                 </a:ext>
               </a:extLst>
             </p:spPr>
@@ -19519,7 +19521,7 @@
               </a:effectLst>
               <a:extLst>
                 <a:ext uri="{C572A759-6A51-4108-AA02-DFA0A04FC94B}">
-                  <ma14:wrappingTextBoxFlag xmlns:ma14="http://schemas.microsoft.com/office/mac/drawingml/2011/main" xmlns:a14="http://schemas.microsoft.com/office/drawing/2010/main" xmlns:m="http://schemas.openxmlformats.org/officeDocument/2006/math" xmlns="" val="1"/>
+                  <ma14:wrappingTextBoxFlag xmlns="" xmlns:m="http://schemas.openxmlformats.org/officeDocument/2006/math" xmlns:a14="http://schemas.microsoft.com/office/drawing/2010/main" xmlns:ma14="http://schemas.microsoft.com/office/mac/drawingml/2011/main" val="1"/>
                 </a:ext>
               </a:extLst>
             </p:spPr>
@@ -19579,7 +19581,7 @@
               </a:effectLst>
               <a:extLst>
                 <a:ext uri="{C572A759-6A51-4108-AA02-DFA0A04FC94B}">
-                  <ma14:wrappingTextBoxFlag xmlns:ma14="http://schemas.microsoft.com/office/mac/drawingml/2011/main" xmlns:a14="http://schemas.microsoft.com/office/drawing/2010/main" xmlns:m="http://schemas.openxmlformats.org/officeDocument/2006/math" xmlns="" val="1"/>
+                  <ma14:wrappingTextBoxFlag xmlns="" xmlns:m="http://schemas.openxmlformats.org/officeDocument/2006/math" xmlns:a14="http://schemas.microsoft.com/office/drawing/2010/main" xmlns:ma14="http://schemas.microsoft.com/office/mac/drawingml/2011/main" val="1"/>
                 </a:ext>
               </a:extLst>
             </p:spPr>
@@ -19665,7 +19667,7 @@
               </a:effectLst>
               <a:extLst>
                 <a:ext uri="{C572A759-6A51-4108-AA02-DFA0A04FC94B}">
-                  <ma14:wrappingTextBoxFlag xmlns:ma14="http://schemas.microsoft.com/office/mac/drawingml/2011/main" xmlns:a14="http://schemas.microsoft.com/office/drawing/2010/main" xmlns:m="http://schemas.openxmlformats.org/officeDocument/2006/math" xmlns="" val="1"/>
+                  <ma14:wrappingTextBoxFlag xmlns="" xmlns:m="http://schemas.openxmlformats.org/officeDocument/2006/math" xmlns:a14="http://schemas.microsoft.com/office/drawing/2010/main" xmlns:ma14="http://schemas.microsoft.com/office/mac/drawingml/2011/main" val="1"/>
                 </a:ext>
               </a:extLst>
             </p:spPr>
@@ -19729,7 +19731,7 @@
               </a:effectLst>
               <a:extLst>
                 <a:ext uri="{C572A759-6A51-4108-AA02-DFA0A04FC94B}">
-                  <ma14:wrappingTextBoxFlag xmlns:ma14="http://schemas.microsoft.com/office/mac/drawingml/2011/main" xmlns:a14="http://schemas.microsoft.com/office/drawing/2010/main" xmlns:m="http://schemas.openxmlformats.org/officeDocument/2006/math" xmlns="" val="1"/>
+                  <ma14:wrappingTextBoxFlag xmlns="" xmlns:m="http://schemas.openxmlformats.org/officeDocument/2006/math" xmlns:a14="http://schemas.microsoft.com/office/drawing/2010/main" xmlns:ma14="http://schemas.microsoft.com/office/mac/drawingml/2011/main" val="1"/>
                 </a:ext>
               </a:extLst>
             </p:spPr>
@@ -19799,7 +19801,7 @@
               </a:effectLst>
               <a:extLst>
                 <a:ext uri="{C572A759-6A51-4108-AA02-DFA0A04FC94B}">
-                  <ma14:wrappingTextBoxFlag xmlns:ma14="http://schemas.microsoft.com/office/mac/drawingml/2011/main" xmlns:a14="http://schemas.microsoft.com/office/drawing/2010/main" xmlns:m="http://schemas.openxmlformats.org/officeDocument/2006/math" xmlns="" val="1"/>
+                  <ma14:wrappingTextBoxFlag xmlns="" xmlns:m="http://schemas.openxmlformats.org/officeDocument/2006/math" xmlns:a14="http://schemas.microsoft.com/office/drawing/2010/main" xmlns:ma14="http://schemas.microsoft.com/office/mac/drawingml/2011/main" val="1"/>
                 </a:ext>
               </a:extLst>
             </p:spPr>
@@ -19869,7 +19871,7 @@
               </a:effectLst>
               <a:extLst>
                 <a:ext uri="{C572A759-6A51-4108-AA02-DFA0A04FC94B}">
-                  <ma14:wrappingTextBoxFlag xmlns:ma14="http://schemas.microsoft.com/office/mac/drawingml/2011/main" xmlns:a14="http://schemas.microsoft.com/office/drawing/2010/main" xmlns:m="http://schemas.openxmlformats.org/officeDocument/2006/math" xmlns="" val="1"/>
+                  <ma14:wrappingTextBoxFlag xmlns="" xmlns:m="http://schemas.openxmlformats.org/officeDocument/2006/math" xmlns:a14="http://schemas.microsoft.com/office/drawing/2010/main" xmlns:ma14="http://schemas.microsoft.com/office/mac/drawingml/2011/main" val="1"/>
                 </a:ext>
               </a:extLst>
             </p:spPr>
@@ -19937,7 +19939,7 @@
               </a:effectLst>
               <a:extLst>
                 <a:ext uri="{C572A759-6A51-4108-AA02-DFA0A04FC94B}">
-                  <ma14:wrappingTextBoxFlag xmlns:ma14="http://schemas.microsoft.com/office/mac/drawingml/2011/main" xmlns:a14="http://schemas.microsoft.com/office/drawing/2010/main" xmlns:m="http://schemas.openxmlformats.org/officeDocument/2006/math" xmlns="" val="1"/>
+                  <ma14:wrappingTextBoxFlag xmlns="" xmlns:m="http://schemas.openxmlformats.org/officeDocument/2006/math" xmlns:a14="http://schemas.microsoft.com/office/drawing/2010/main" xmlns:ma14="http://schemas.microsoft.com/office/mac/drawingml/2011/main" val="1"/>
                 </a:ext>
               </a:extLst>
             </p:spPr>
@@ -20005,7 +20007,7 @@
               </a:effectLst>
               <a:extLst>
                 <a:ext uri="{C572A759-6A51-4108-AA02-DFA0A04FC94B}">
-                  <ma14:wrappingTextBoxFlag xmlns:ma14="http://schemas.microsoft.com/office/mac/drawingml/2011/main" xmlns:a14="http://schemas.microsoft.com/office/drawing/2010/main" xmlns:m="http://schemas.openxmlformats.org/officeDocument/2006/math" xmlns="" val="1"/>
+                  <ma14:wrappingTextBoxFlag xmlns="" xmlns:m="http://schemas.openxmlformats.org/officeDocument/2006/math" xmlns:a14="http://schemas.microsoft.com/office/drawing/2010/main" xmlns:ma14="http://schemas.microsoft.com/office/mac/drawingml/2011/main" val="1"/>
                 </a:ext>
               </a:extLst>
             </p:spPr>
@@ -20095,7 +20097,7 @@
             </a:effectLst>
             <a:extLst>
               <a:ext uri="{C572A759-6A51-4108-AA02-DFA0A04FC94B}">
-                <ma14:wrappingTextBoxFlag xmlns:ma14="http://schemas.microsoft.com/office/mac/drawingml/2011/main" xmlns:a14="http://schemas.microsoft.com/office/drawing/2010/main" xmlns:m="http://schemas.openxmlformats.org/officeDocument/2006/math" xmlns="" val="1"/>
+                <ma14:wrappingTextBoxFlag xmlns="" xmlns:m="http://schemas.openxmlformats.org/officeDocument/2006/math" xmlns:a14="http://schemas.microsoft.com/office/drawing/2010/main" xmlns:ma14="http://schemas.microsoft.com/office/mac/drawingml/2011/main" val="1"/>
               </a:ext>
             </a:extLst>
           </p:spPr>
@@ -20165,7 +20167,7 @@
             </a:effectLst>
             <a:extLst>
               <a:ext uri="{C572A759-6A51-4108-AA02-DFA0A04FC94B}">
-                <ma14:wrappingTextBoxFlag xmlns:ma14="http://schemas.microsoft.com/office/mac/drawingml/2011/main" xmlns:a14="http://schemas.microsoft.com/office/drawing/2010/main" xmlns:m="http://schemas.openxmlformats.org/officeDocument/2006/math" xmlns="" val="1"/>
+                <ma14:wrappingTextBoxFlag xmlns="" xmlns:m="http://schemas.openxmlformats.org/officeDocument/2006/math" xmlns:a14="http://schemas.microsoft.com/office/drawing/2010/main" xmlns:ma14="http://schemas.microsoft.com/office/mac/drawingml/2011/main" val="1"/>
               </a:ext>
             </a:extLst>
           </p:spPr>
@@ -20260,7 +20262,7 @@
             </a:effectLst>
             <a:extLst>
               <a:ext uri="{C572A759-6A51-4108-AA02-DFA0A04FC94B}">
-                <ma14:wrappingTextBoxFlag xmlns:ma14="http://schemas.microsoft.com/office/mac/drawingml/2011/main" xmlns:a14="http://schemas.microsoft.com/office/drawing/2010/main" xmlns:m="http://schemas.openxmlformats.org/officeDocument/2006/math" xmlns="" val="1"/>
+                <ma14:wrappingTextBoxFlag xmlns="" xmlns:m="http://schemas.openxmlformats.org/officeDocument/2006/math" xmlns:a14="http://schemas.microsoft.com/office/drawing/2010/main" xmlns:ma14="http://schemas.microsoft.com/office/mac/drawingml/2011/main" val="1"/>
               </a:ext>
             </a:extLst>
           </p:spPr>
@@ -20330,7 +20332,7 @@
             </a:effectLst>
             <a:extLst>
               <a:ext uri="{C572A759-6A51-4108-AA02-DFA0A04FC94B}">
-                <ma14:wrappingTextBoxFlag xmlns:ma14="http://schemas.microsoft.com/office/mac/drawingml/2011/main" xmlns:a14="http://schemas.microsoft.com/office/drawing/2010/main" xmlns:m="http://schemas.openxmlformats.org/officeDocument/2006/math" xmlns="" val="1"/>
+                <ma14:wrappingTextBoxFlag xmlns="" xmlns:m="http://schemas.openxmlformats.org/officeDocument/2006/math" xmlns:a14="http://schemas.microsoft.com/office/drawing/2010/main" xmlns:ma14="http://schemas.microsoft.com/office/mac/drawingml/2011/main" val="1"/>
               </a:ext>
             </a:extLst>
           </p:spPr>
@@ -20492,7 +20494,7 @@
           </a:ln>
           <a:extLst>
             <a:ext uri="{C572A759-6A51-4108-AA02-DFA0A04FC94B}">
-              <ma14:wrappingTextBoxFlag xmlns:ma14="http://schemas.microsoft.com/office/mac/drawingml/2011/main" xmlns:a14="http://schemas.microsoft.com/office/drawing/2010/main" xmlns:m="http://schemas.openxmlformats.org/officeDocument/2006/math" xmlns="" val="1"/>
+              <ma14:wrappingTextBoxFlag xmlns="" xmlns:m="http://schemas.openxmlformats.org/officeDocument/2006/math" xmlns:a14="http://schemas.microsoft.com/office/drawing/2010/main" xmlns:ma14="http://schemas.microsoft.com/office/mac/drawingml/2011/main" val="1"/>
             </a:ext>
           </a:extLst>
         </p:spPr>
@@ -20999,7 +21001,7 @@
           <a:effectLst/>
           <a:extLst>
             <a:ext uri="{C572A759-6A51-4108-AA02-DFA0A04FC94B}">
-              <ma14:wrappingTextBoxFlag xmlns:ma14="http://schemas.microsoft.com/office/mac/drawingml/2011/main" xmlns:a14="http://schemas.microsoft.com/office/drawing/2010/main" xmlns:m="http://schemas.openxmlformats.org/officeDocument/2006/math" xmlns="" val="1"/>
+              <ma14:wrappingTextBoxFlag xmlns="" xmlns:m="http://schemas.openxmlformats.org/officeDocument/2006/math" xmlns:a14="http://schemas.microsoft.com/office/drawing/2010/main" xmlns:ma14="http://schemas.microsoft.com/office/mac/drawingml/2011/main" val="1"/>
             </a:ext>
           </a:extLst>
         </p:spPr>
@@ -21056,7 +21058,7 @@
           </a:ln>
           <a:extLst>
             <a:ext uri="{C572A759-6A51-4108-AA02-DFA0A04FC94B}">
-              <ma14:wrappingTextBoxFlag xmlns:ma14="http://schemas.microsoft.com/office/mac/drawingml/2011/main" xmlns:a14="http://schemas.microsoft.com/office/drawing/2010/main" xmlns:m="http://schemas.openxmlformats.org/officeDocument/2006/math" xmlns="" val="1"/>
+              <ma14:wrappingTextBoxFlag xmlns="" xmlns:m="http://schemas.openxmlformats.org/officeDocument/2006/math" xmlns:a14="http://schemas.microsoft.com/office/drawing/2010/main" xmlns:ma14="http://schemas.microsoft.com/office/mac/drawingml/2011/main" val="1"/>
             </a:ext>
           </a:extLst>
         </p:spPr>
@@ -21116,7 +21118,7 @@
           <a:effectLst/>
           <a:extLst>
             <a:ext uri="{C572A759-6A51-4108-AA02-DFA0A04FC94B}">
-              <ma14:wrappingTextBoxFlag xmlns:ma14="http://schemas.microsoft.com/office/mac/drawingml/2011/main" xmlns:a14="http://schemas.microsoft.com/office/drawing/2010/main" xmlns:m="http://schemas.openxmlformats.org/officeDocument/2006/math" xmlns="" val="1"/>
+              <ma14:wrappingTextBoxFlag xmlns="" xmlns:m="http://schemas.openxmlformats.org/officeDocument/2006/math" xmlns:a14="http://schemas.microsoft.com/office/drawing/2010/main" xmlns:ma14="http://schemas.microsoft.com/office/mac/drawingml/2011/main" val="1"/>
             </a:ext>
           </a:extLst>
         </p:spPr>
@@ -21255,7 +21257,7 @@
           </a:ln>
           <a:extLst>
             <a:ext uri="{C572A759-6A51-4108-AA02-DFA0A04FC94B}">
-              <ma14:wrappingTextBoxFlag xmlns:ma14="http://schemas.microsoft.com/office/mac/drawingml/2011/main" xmlns:a14="http://schemas.microsoft.com/office/drawing/2010/main" xmlns:m="http://schemas.openxmlformats.org/officeDocument/2006/math" xmlns="" val="1"/>
+              <ma14:wrappingTextBoxFlag xmlns="" xmlns:m="http://schemas.openxmlformats.org/officeDocument/2006/math" xmlns:a14="http://schemas.microsoft.com/office/drawing/2010/main" xmlns:ma14="http://schemas.microsoft.com/office/mac/drawingml/2011/main" val="1"/>
             </a:ext>
           </a:extLst>
         </p:spPr>
@@ -21330,7 +21332,7 @@
           </a:effectLst>
           <a:extLst>
             <a:ext uri="{C572A759-6A51-4108-AA02-DFA0A04FC94B}">
-              <ma14:wrappingTextBoxFlag xmlns:ma14="http://schemas.microsoft.com/office/mac/drawingml/2011/main" xmlns:a14="http://schemas.microsoft.com/office/drawing/2010/main" xmlns:m="http://schemas.openxmlformats.org/officeDocument/2006/math" xmlns="" val="1"/>
+              <ma14:wrappingTextBoxFlag xmlns="" xmlns:m="http://schemas.openxmlformats.org/officeDocument/2006/math" xmlns:a14="http://schemas.microsoft.com/office/drawing/2010/main" xmlns:ma14="http://schemas.microsoft.com/office/mac/drawingml/2011/main" val="1"/>
             </a:ext>
           </a:extLst>
         </p:spPr>
@@ -21410,7 +21412,7 @@
             </a:effectLst>
             <a:extLst>
               <a:ext uri="{C572A759-6A51-4108-AA02-DFA0A04FC94B}">
-                <ma14:wrappingTextBoxFlag xmlns:ma14="http://schemas.microsoft.com/office/mac/drawingml/2011/main" xmlns:a14="http://schemas.microsoft.com/office/drawing/2010/main" xmlns:m="http://schemas.openxmlformats.org/officeDocument/2006/math" xmlns="" val="1"/>
+                <ma14:wrappingTextBoxFlag xmlns="" xmlns:m="http://schemas.openxmlformats.org/officeDocument/2006/math" xmlns:a14="http://schemas.microsoft.com/office/drawing/2010/main" xmlns:ma14="http://schemas.microsoft.com/office/mac/drawingml/2011/main" val="1"/>
               </a:ext>
             </a:extLst>
           </p:spPr>
@@ -21513,7 +21515,7 @@
             </a:effectLst>
             <a:extLst>
               <a:ext uri="{C572A759-6A51-4108-AA02-DFA0A04FC94B}">
-                <ma14:wrappingTextBoxFlag xmlns:ma14="http://schemas.microsoft.com/office/mac/drawingml/2011/main" xmlns:a14="http://schemas.microsoft.com/office/drawing/2010/main" xmlns:m="http://schemas.openxmlformats.org/officeDocument/2006/math" xmlns="" val="1"/>
+                <ma14:wrappingTextBoxFlag xmlns="" xmlns:m="http://schemas.openxmlformats.org/officeDocument/2006/math" xmlns:a14="http://schemas.microsoft.com/office/drawing/2010/main" xmlns:ma14="http://schemas.microsoft.com/office/mac/drawingml/2011/main" val="1"/>
               </a:ext>
             </a:extLst>
           </p:spPr>
@@ -21587,7 +21589,7 @@
             </a:effectLst>
             <a:extLst>
               <a:ext uri="{C572A759-6A51-4108-AA02-DFA0A04FC94B}">
-                <ma14:wrappingTextBoxFlag xmlns:ma14="http://schemas.microsoft.com/office/mac/drawingml/2011/main" xmlns:a14="http://schemas.microsoft.com/office/drawing/2010/main" xmlns:m="http://schemas.openxmlformats.org/officeDocument/2006/math" xmlns="" val="1"/>
+                <ma14:wrappingTextBoxFlag xmlns="" xmlns:m="http://schemas.openxmlformats.org/officeDocument/2006/math" xmlns:a14="http://schemas.microsoft.com/office/drawing/2010/main" xmlns:ma14="http://schemas.microsoft.com/office/mac/drawingml/2011/main" val="1"/>
               </a:ext>
             </a:extLst>
           </p:spPr>
@@ -21661,7 +21663,7 @@
             </a:effectLst>
             <a:extLst>
               <a:ext uri="{C572A759-6A51-4108-AA02-DFA0A04FC94B}">
-                <ma14:wrappingTextBoxFlag xmlns:ma14="http://schemas.microsoft.com/office/mac/drawingml/2011/main" xmlns:a14="http://schemas.microsoft.com/office/drawing/2010/main" xmlns:m="http://schemas.openxmlformats.org/officeDocument/2006/math" xmlns="" val="1"/>
+                <ma14:wrappingTextBoxFlag xmlns="" xmlns:m="http://schemas.openxmlformats.org/officeDocument/2006/math" xmlns:a14="http://schemas.microsoft.com/office/drawing/2010/main" xmlns:ma14="http://schemas.microsoft.com/office/mac/drawingml/2011/main" val="1"/>
               </a:ext>
             </a:extLst>
           </p:spPr>
@@ -21756,7 +21758,7 @@
             </a:effectLst>
             <a:extLst>
               <a:ext uri="{C572A759-6A51-4108-AA02-DFA0A04FC94B}">
-                <ma14:wrappingTextBoxFlag xmlns:ma14="http://schemas.microsoft.com/office/mac/drawingml/2011/main" xmlns:a14="http://schemas.microsoft.com/office/drawing/2010/main" xmlns:m="http://schemas.openxmlformats.org/officeDocument/2006/math" xmlns="" val="1"/>
+                <ma14:wrappingTextBoxFlag xmlns="" xmlns:m="http://schemas.openxmlformats.org/officeDocument/2006/math" xmlns:a14="http://schemas.microsoft.com/office/drawing/2010/main" xmlns:ma14="http://schemas.microsoft.com/office/mac/drawingml/2011/main" val="1"/>
               </a:ext>
             </a:extLst>
           </p:spPr>
@@ -21848,7 +21850,7 @@
             </a:effectLst>
             <a:extLst>
               <a:ext uri="{C572A759-6A51-4108-AA02-DFA0A04FC94B}">
-                <ma14:wrappingTextBoxFlag xmlns:ma14="http://schemas.microsoft.com/office/mac/drawingml/2011/main" xmlns:a14="http://schemas.microsoft.com/office/drawing/2010/main" xmlns:m="http://schemas.openxmlformats.org/officeDocument/2006/math" xmlns="" val="1"/>
+                <ma14:wrappingTextBoxFlag xmlns="" xmlns:m="http://schemas.openxmlformats.org/officeDocument/2006/math" xmlns:a14="http://schemas.microsoft.com/office/drawing/2010/main" xmlns:ma14="http://schemas.microsoft.com/office/mac/drawingml/2011/main" val="1"/>
               </a:ext>
             </a:extLst>
           </p:spPr>
@@ -21929,7 +21931,7 @@
             </a:effectLst>
             <a:extLst>
               <a:ext uri="{C572A759-6A51-4108-AA02-DFA0A04FC94B}">
-                <ma14:wrappingTextBoxFlag xmlns:ma14="http://schemas.microsoft.com/office/mac/drawingml/2011/main" xmlns:a14="http://schemas.microsoft.com/office/drawing/2010/main" xmlns:m="http://schemas.openxmlformats.org/officeDocument/2006/math" xmlns="" val="1"/>
+                <ma14:wrappingTextBoxFlag xmlns="" xmlns:m="http://schemas.openxmlformats.org/officeDocument/2006/math" xmlns:a14="http://schemas.microsoft.com/office/drawing/2010/main" xmlns:ma14="http://schemas.microsoft.com/office/mac/drawingml/2011/main" val="1"/>
               </a:ext>
             </a:extLst>
           </p:spPr>
@@ -22003,7 +22005,7 @@
             </a:effectLst>
             <a:extLst>
               <a:ext uri="{C572A759-6A51-4108-AA02-DFA0A04FC94B}">
-                <ma14:wrappingTextBoxFlag xmlns:ma14="http://schemas.microsoft.com/office/mac/drawingml/2011/main" xmlns:a14="http://schemas.microsoft.com/office/drawing/2010/main" xmlns:m="http://schemas.openxmlformats.org/officeDocument/2006/math" xmlns="" val="1"/>
+                <ma14:wrappingTextBoxFlag xmlns="" xmlns:m="http://schemas.openxmlformats.org/officeDocument/2006/math" xmlns:a14="http://schemas.microsoft.com/office/drawing/2010/main" xmlns:ma14="http://schemas.microsoft.com/office/mac/drawingml/2011/main" val="1"/>
               </a:ext>
             </a:extLst>
           </p:spPr>
@@ -22098,7 +22100,7 @@
             </a:effectLst>
             <a:extLst>
               <a:ext uri="{C572A759-6A51-4108-AA02-DFA0A04FC94B}">
-                <ma14:wrappingTextBoxFlag xmlns:ma14="http://schemas.microsoft.com/office/mac/drawingml/2011/main" xmlns:a14="http://schemas.microsoft.com/office/drawing/2010/main" xmlns:m="http://schemas.openxmlformats.org/officeDocument/2006/math" xmlns="" val="1"/>
+                <ma14:wrappingTextBoxFlag xmlns="" xmlns:m="http://schemas.openxmlformats.org/officeDocument/2006/math" xmlns:a14="http://schemas.microsoft.com/office/drawing/2010/main" xmlns:ma14="http://schemas.microsoft.com/office/mac/drawingml/2011/main" val="1"/>
               </a:ext>
             </a:extLst>
           </p:spPr>
@@ -22190,7 +22192,7 @@
             </a:effectLst>
             <a:extLst>
               <a:ext uri="{C572A759-6A51-4108-AA02-DFA0A04FC94B}">
-                <ma14:wrappingTextBoxFlag xmlns:ma14="http://schemas.microsoft.com/office/mac/drawingml/2011/main" xmlns:a14="http://schemas.microsoft.com/office/drawing/2010/main" xmlns:m="http://schemas.openxmlformats.org/officeDocument/2006/math" xmlns="" val="1"/>
+                <ma14:wrappingTextBoxFlag xmlns="" xmlns:m="http://schemas.openxmlformats.org/officeDocument/2006/math" xmlns:a14="http://schemas.microsoft.com/office/drawing/2010/main" xmlns:ma14="http://schemas.microsoft.com/office/mac/drawingml/2011/main" val="1"/>
               </a:ext>
             </a:extLst>
           </p:spPr>
@@ -22261,7 +22263,7 @@
             </a:effectLst>
             <a:extLst>
               <a:ext uri="{C572A759-6A51-4108-AA02-DFA0A04FC94B}">
-                <ma14:wrappingTextBoxFlag xmlns:ma14="http://schemas.microsoft.com/office/mac/drawingml/2011/main" xmlns:a14="http://schemas.microsoft.com/office/drawing/2010/main" xmlns:m="http://schemas.openxmlformats.org/officeDocument/2006/math" xmlns="" val="1"/>
+                <ma14:wrappingTextBoxFlag xmlns="" xmlns:m="http://schemas.openxmlformats.org/officeDocument/2006/math" xmlns:a14="http://schemas.microsoft.com/office/drawing/2010/main" xmlns:ma14="http://schemas.microsoft.com/office/mac/drawingml/2011/main" val="1"/>
               </a:ext>
             </a:extLst>
           </p:spPr>
@@ -22335,7 +22337,7 @@
             </a:effectLst>
             <a:extLst>
               <a:ext uri="{C572A759-6A51-4108-AA02-DFA0A04FC94B}">
-                <ma14:wrappingTextBoxFlag xmlns:ma14="http://schemas.microsoft.com/office/mac/drawingml/2011/main" xmlns:a14="http://schemas.microsoft.com/office/drawing/2010/main" xmlns:m="http://schemas.openxmlformats.org/officeDocument/2006/math" xmlns="" val="1"/>
+                <ma14:wrappingTextBoxFlag xmlns="" xmlns:m="http://schemas.openxmlformats.org/officeDocument/2006/math" xmlns:a14="http://schemas.microsoft.com/office/drawing/2010/main" xmlns:ma14="http://schemas.microsoft.com/office/mac/drawingml/2011/main" val="1"/>
               </a:ext>
             </a:extLst>
           </p:spPr>
@@ -22409,7 +22411,7 @@
             </a:effectLst>
             <a:extLst>
               <a:ext uri="{C572A759-6A51-4108-AA02-DFA0A04FC94B}">
-                <ma14:wrappingTextBoxFlag xmlns:ma14="http://schemas.microsoft.com/office/mac/drawingml/2011/main" xmlns:a14="http://schemas.microsoft.com/office/drawing/2010/main" xmlns:m="http://schemas.openxmlformats.org/officeDocument/2006/math" xmlns="" val="1"/>
+                <ma14:wrappingTextBoxFlag xmlns="" xmlns:m="http://schemas.openxmlformats.org/officeDocument/2006/math" xmlns:a14="http://schemas.microsoft.com/office/drawing/2010/main" xmlns:ma14="http://schemas.microsoft.com/office/mac/drawingml/2011/main" val="1"/>
               </a:ext>
             </a:extLst>
           </p:spPr>
@@ -22774,7 +22776,7 @@
           </a:effectLst>
           <a:extLst>
             <a:ext uri="{C572A759-6A51-4108-AA02-DFA0A04FC94B}">
-              <ma14:wrappingTextBoxFlag xmlns:ma14="http://schemas.microsoft.com/office/mac/drawingml/2011/main" xmlns:a14="http://schemas.microsoft.com/office/drawing/2010/main" xmlns:m="http://schemas.openxmlformats.org/officeDocument/2006/math" xmlns="" val="1"/>
+              <ma14:wrappingTextBoxFlag xmlns="" xmlns:m="http://schemas.openxmlformats.org/officeDocument/2006/math" xmlns:a14="http://schemas.microsoft.com/office/drawing/2010/main" xmlns:ma14="http://schemas.microsoft.com/office/mac/drawingml/2011/main" val="1"/>
             </a:ext>
           </a:extLst>
         </p:spPr>
@@ -22834,7 +22836,7 @@
           </a:effectLst>
           <a:extLst>
             <a:ext uri="{C572A759-6A51-4108-AA02-DFA0A04FC94B}">
-              <ma14:wrappingTextBoxFlag xmlns:ma14="http://schemas.microsoft.com/office/mac/drawingml/2011/main" xmlns:a14="http://schemas.microsoft.com/office/drawing/2010/main" xmlns:m="http://schemas.openxmlformats.org/officeDocument/2006/math" xmlns="" val="1"/>
+              <ma14:wrappingTextBoxFlag xmlns="" xmlns:m="http://schemas.openxmlformats.org/officeDocument/2006/math" xmlns:a14="http://schemas.microsoft.com/office/drawing/2010/main" xmlns:ma14="http://schemas.microsoft.com/office/mac/drawingml/2011/main" val="1"/>
             </a:ext>
           </a:extLst>
         </p:spPr>
@@ -22946,7 +22948,7 @@
           </a:effectLst>
           <a:extLst>
             <a:ext uri="{C572A759-6A51-4108-AA02-DFA0A04FC94B}">
-              <ma14:wrappingTextBoxFlag xmlns:ma14="http://schemas.microsoft.com/office/mac/drawingml/2011/main" xmlns:a14="http://schemas.microsoft.com/office/drawing/2010/main" xmlns:m="http://schemas.openxmlformats.org/officeDocument/2006/math" xmlns="" val="1"/>
+              <ma14:wrappingTextBoxFlag xmlns="" xmlns:m="http://schemas.openxmlformats.org/officeDocument/2006/math" xmlns:a14="http://schemas.microsoft.com/office/drawing/2010/main" xmlns:ma14="http://schemas.microsoft.com/office/mac/drawingml/2011/main" val="1"/>
             </a:ext>
           </a:extLst>
         </p:spPr>
@@ -23032,7 +23034,7 @@
           </a:effectLst>
           <a:extLst>
             <a:ext uri="{C572A759-6A51-4108-AA02-DFA0A04FC94B}">
-              <ma14:wrappingTextBoxFlag xmlns:ma14="http://schemas.microsoft.com/office/mac/drawingml/2011/main" xmlns:a14="http://schemas.microsoft.com/office/drawing/2010/main" xmlns:m="http://schemas.openxmlformats.org/officeDocument/2006/math" xmlns="" val="1"/>
+              <ma14:wrappingTextBoxFlag xmlns="" xmlns:m="http://schemas.openxmlformats.org/officeDocument/2006/math" xmlns:a14="http://schemas.microsoft.com/office/drawing/2010/main" xmlns:ma14="http://schemas.microsoft.com/office/mac/drawingml/2011/main" val="1"/>
             </a:ext>
           </a:extLst>
         </p:spPr>
@@ -23097,7 +23099,7 @@
           </a:effectLst>
           <a:extLst>
             <a:ext uri="{C572A759-6A51-4108-AA02-DFA0A04FC94B}">
-              <ma14:wrappingTextBoxFlag xmlns:ma14="http://schemas.microsoft.com/office/mac/drawingml/2011/main" xmlns:a14="http://schemas.microsoft.com/office/drawing/2010/main" xmlns:m="http://schemas.openxmlformats.org/officeDocument/2006/math" xmlns="" val="1"/>
+              <ma14:wrappingTextBoxFlag xmlns="" xmlns:m="http://schemas.openxmlformats.org/officeDocument/2006/math" xmlns:a14="http://schemas.microsoft.com/office/drawing/2010/main" xmlns:ma14="http://schemas.microsoft.com/office/mac/drawingml/2011/main" val="1"/>
             </a:ext>
           </a:extLst>
         </p:spPr>
@@ -23171,7 +23173,7 @@
           </a:effectLst>
           <a:extLst>
             <a:ext uri="{C572A759-6A51-4108-AA02-DFA0A04FC94B}">
-              <ma14:wrappingTextBoxFlag xmlns:ma14="http://schemas.microsoft.com/office/mac/drawingml/2011/main" xmlns:a14="http://schemas.microsoft.com/office/drawing/2010/main" xmlns:m="http://schemas.openxmlformats.org/officeDocument/2006/math" xmlns="" val="1"/>
+              <ma14:wrappingTextBoxFlag xmlns="" xmlns:m="http://schemas.openxmlformats.org/officeDocument/2006/math" xmlns:a14="http://schemas.microsoft.com/office/drawing/2010/main" xmlns:ma14="http://schemas.microsoft.com/office/mac/drawingml/2011/main" val="1"/>
             </a:ext>
           </a:extLst>
         </p:spPr>
@@ -23265,7 +23267,7 @@
             </a:effectLst>
             <a:extLst>
               <a:ext uri="{C572A759-6A51-4108-AA02-DFA0A04FC94B}">
-                <ma14:wrappingTextBoxFlag xmlns:ma14="http://schemas.microsoft.com/office/mac/drawingml/2011/main" xmlns:a14="http://schemas.microsoft.com/office/drawing/2010/main" xmlns:m="http://schemas.openxmlformats.org/officeDocument/2006/math" xmlns="" val="1"/>
+                <ma14:wrappingTextBoxFlag xmlns="" xmlns:m="http://schemas.openxmlformats.org/officeDocument/2006/math" xmlns:a14="http://schemas.microsoft.com/office/drawing/2010/main" xmlns:ma14="http://schemas.microsoft.com/office/mac/drawingml/2011/main" val="1"/>
               </a:ext>
             </a:extLst>
           </p:spPr>
@@ -23368,7 +23370,7 @@
             </a:effectLst>
             <a:extLst>
               <a:ext uri="{C572A759-6A51-4108-AA02-DFA0A04FC94B}">
-                <ma14:wrappingTextBoxFlag xmlns:ma14="http://schemas.microsoft.com/office/mac/drawingml/2011/main" xmlns:a14="http://schemas.microsoft.com/office/drawing/2010/main" xmlns:m="http://schemas.openxmlformats.org/officeDocument/2006/math" xmlns="" val="1"/>
+                <ma14:wrappingTextBoxFlag xmlns="" xmlns:m="http://schemas.openxmlformats.org/officeDocument/2006/math" xmlns:a14="http://schemas.microsoft.com/office/drawing/2010/main" xmlns:ma14="http://schemas.microsoft.com/office/mac/drawingml/2011/main" val="1"/>
               </a:ext>
             </a:extLst>
           </p:spPr>
@@ -23442,7 +23444,7 @@
             </a:effectLst>
             <a:extLst>
               <a:ext uri="{C572A759-6A51-4108-AA02-DFA0A04FC94B}">
-                <ma14:wrappingTextBoxFlag xmlns:ma14="http://schemas.microsoft.com/office/mac/drawingml/2011/main" xmlns:a14="http://schemas.microsoft.com/office/drawing/2010/main" xmlns:m="http://schemas.openxmlformats.org/officeDocument/2006/math" xmlns="" val="1"/>
+                <ma14:wrappingTextBoxFlag xmlns="" xmlns:m="http://schemas.openxmlformats.org/officeDocument/2006/math" xmlns:a14="http://schemas.microsoft.com/office/drawing/2010/main" xmlns:ma14="http://schemas.microsoft.com/office/mac/drawingml/2011/main" val="1"/>
               </a:ext>
             </a:extLst>
           </p:spPr>
@@ -23516,7 +23518,7 @@
             </a:effectLst>
             <a:extLst>
               <a:ext uri="{C572A759-6A51-4108-AA02-DFA0A04FC94B}">
-                <ma14:wrappingTextBoxFlag xmlns:ma14="http://schemas.microsoft.com/office/mac/drawingml/2011/main" xmlns:a14="http://schemas.microsoft.com/office/drawing/2010/main" xmlns:m="http://schemas.openxmlformats.org/officeDocument/2006/math" xmlns="" val="1"/>
+                <ma14:wrappingTextBoxFlag xmlns="" xmlns:m="http://schemas.openxmlformats.org/officeDocument/2006/math" xmlns:a14="http://schemas.microsoft.com/office/drawing/2010/main" xmlns:ma14="http://schemas.microsoft.com/office/mac/drawingml/2011/main" val="1"/>
               </a:ext>
             </a:extLst>
           </p:spPr>
@@ -23766,7 +23768,7 @@
             </a:effectLst>
             <a:extLst>
               <a:ext uri="{C572A759-6A51-4108-AA02-DFA0A04FC94B}">
-                <ma14:wrappingTextBoxFlag xmlns:ma14="http://schemas.microsoft.com/office/mac/drawingml/2011/main" xmlns:a14="http://schemas.microsoft.com/office/drawing/2010/main" xmlns:m="http://schemas.openxmlformats.org/officeDocument/2006/math" xmlns="" val="1"/>
+                <ma14:wrappingTextBoxFlag xmlns="" xmlns:m="http://schemas.openxmlformats.org/officeDocument/2006/math" xmlns:a14="http://schemas.microsoft.com/office/drawing/2010/main" xmlns:ma14="http://schemas.microsoft.com/office/mac/drawingml/2011/main" val="1"/>
               </a:ext>
             </a:extLst>
           </p:spPr>
@@ -23856,7 +23858,7 @@
               </a:effectLst>
               <a:extLst>
                 <a:ext uri="{C572A759-6A51-4108-AA02-DFA0A04FC94B}">
-                  <ma14:wrappingTextBoxFlag xmlns:ma14="http://schemas.microsoft.com/office/mac/drawingml/2011/main" xmlns:a14="http://schemas.microsoft.com/office/drawing/2010/main" xmlns:m="http://schemas.openxmlformats.org/officeDocument/2006/math" xmlns="" val="1"/>
+                  <ma14:wrappingTextBoxFlag xmlns="" xmlns:m="http://schemas.openxmlformats.org/officeDocument/2006/math" xmlns:a14="http://schemas.microsoft.com/office/drawing/2010/main" xmlns:ma14="http://schemas.microsoft.com/office/mac/drawingml/2011/main" val="1"/>
                 </a:ext>
               </a:extLst>
             </p:spPr>
@@ -23915,7 +23917,7 @@
               </a:effectLst>
               <a:extLst>
                 <a:ext uri="{C572A759-6A51-4108-AA02-DFA0A04FC94B}">
-                  <ma14:wrappingTextBoxFlag xmlns:ma14="http://schemas.microsoft.com/office/mac/drawingml/2011/main" xmlns:a14="http://schemas.microsoft.com/office/drawing/2010/main" xmlns:m="http://schemas.openxmlformats.org/officeDocument/2006/math" xmlns="" val="1"/>
+                  <ma14:wrappingTextBoxFlag xmlns="" xmlns:m="http://schemas.openxmlformats.org/officeDocument/2006/math" xmlns:a14="http://schemas.microsoft.com/office/drawing/2010/main" xmlns:ma14="http://schemas.microsoft.com/office/mac/drawingml/2011/main" val="1"/>
                 </a:ext>
               </a:extLst>
             </p:spPr>
@@ -23980,7 +23982,7 @@
               </a:effectLst>
               <a:extLst>
                 <a:ext uri="{C572A759-6A51-4108-AA02-DFA0A04FC94B}">
-                  <ma14:wrappingTextBoxFlag xmlns:ma14="http://schemas.microsoft.com/office/mac/drawingml/2011/main" xmlns:a14="http://schemas.microsoft.com/office/drawing/2010/main" xmlns:m="http://schemas.openxmlformats.org/officeDocument/2006/math" xmlns="" val="1"/>
+                  <ma14:wrappingTextBoxFlag xmlns="" xmlns:m="http://schemas.openxmlformats.org/officeDocument/2006/math" xmlns:a14="http://schemas.microsoft.com/office/drawing/2010/main" xmlns:ma14="http://schemas.microsoft.com/office/mac/drawingml/2011/main" val="1"/>
                 </a:ext>
               </a:extLst>
             </p:spPr>
@@ -24045,7 +24047,7 @@
               </a:effectLst>
               <a:extLst>
                 <a:ext uri="{C572A759-6A51-4108-AA02-DFA0A04FC94B}">
-                  <ma14:wrappingTextBoxFlag xmlns:ma14="http://schemas.microsoft.com/office/mac/drawingml/2011/main" xmlns:a14="http://schemas.microsoft.com/office/drawing/2010/main" xmlns:m="http://schemas.openxmlformats.org/officeDocument/2006/math" xmlns="" val="1"/>
+                  <ma14:wrappingTextBoxFlag xmlns="" xmlns:m="http://schemas.openxmlformats.org/officeDocument/2006/math" xmlns:a14="http://schemas.microsoft.com/office/drawing/2010/main" xmlns:ma14="http://schemas.microsoft.com/office/mac/drawingml/2011/main" val="1"/>
                 </a:ext>
               </a:extLst>
             </p:spPr>
@@ -24110,7 +24112,7 @@
               </a:effectLst>
               <a:extLst>
                 <a:ext uri="{C572A759-6A51-4108-AA02-DFA0A04FC94B}">
-                  <ma14:wrappingTextBoxFlag xmlns:ma14="http://schemas.microsoft.com/office/mac/drawingml/2011/main" xmlns:a14="http://schemas.microsoft.com/office/drawing/2010/main" xmlns:m="http://schemas.openxmlformats.org/officeDocument/2006/math" xmlns="" val="1"/>
+                  <ma14:wrappingTextBoxFlag xmlns="" xmlns:m="http://schemas.openxmlformats.org/officeDocument/2006/math" xmlns:a14="http://schemas.microsoft.com/office/drawing/2010/main" xmlns:ma14="http://schemas.microsoft.com/office/mac/drawingml/2011/main" val="1"/>
                 </a:ext>
               </a:extLst>
             </p:spPr>
@@ -24182,7 +24184,7 @@
             </a:effectLst>
             <a:extLst>
               <a:ext uri="{C572A759-6A51-4108-AA02-DFA0A04FC94B}">
-                <ma14:wrappingTextBoxFlag xmlns:ma14="http://schemas.microsoft.com/office/mac/drawingml/2011/main" xmlns:a14="http://schemas.microsoft.com/office/drawing/2010/main" xmlns:m="http://schemas.openxmlformats.org/officeDocument/2006/math" xmlns="" val="1"/>
+                <ma14:wrappingTextBoxFlag xmlns="" xmlns:m="http://schemas.openxmlformats.org/officeDocument/2006/math" xmlns:a14="http://schemas.microsoft.com/office/drawing/2010/main" xmlns:ma14="http://schemas.microsoft.com/office/mac/drawingml/2011/main" val="1"/>
               </a:ext>
             </a:extLst>
           </p:spPr>
@@ -24275,7 +24277,7 @@
               </a:effectLst>
               <a:extLst>
                 <a:ext uri="{C572A759-6A51-4108-AA02-DFA0A04FC94B}">
-                  <ma14:wrappingTextBoxFlag xmlns:ma14="http://schemas.microsoft.com/office/mac/drawingml/2011/main" xmlns:a14="http://schemas.microsoft.com/office/drawing/2010/main" xmlns:m="http://schemas.openxmlformats.org/officeDocument/2006/math" xmlns="" val="1"/>
+                  <ma14:wrappingTextBoxFlag xmlns="" xmlns:m="http://schemas.openxmlformats.org/officeDocument/2006/math" xmlns:a14="http://schemas.microsoft.com/office/drawing/2010/main" xmlns:ma14="http://schemas.microsoft.com/office/mac/drawingml/2011/main" val="1"/>
                 </a:ext>
               </a:extLst>
             </p:spPr>
@@ -24339,7 +24341,7 @@
               </a:effectLst>
               <a:extLst>
                 <a:ext uri="{C572A759-6A51-4108-AA02-DFA0A04FC94B}">
-                  <ma14:wrappingTextBoxFlag xmlns:ma14="http://schemas.microsoft.com/office/mac/drawingml/2011/main" xmlns:a14="http://schemas.microsoft.com/office/drawing/2010/main" xmlns:m="http://schemas.openxmlformats.org/officeDocument/2006/math" xmlns="" val="1"/>
+                  <ma14:wrappingTextBoxFlag xmlns="" xmlns:m="http://schemas.openxmlformats.org/officeDocument/2006/math" xmlns:a14="http://schemas.microsoft.com/office/drawing/2010/main" xmlns:ma14="http://schemas.microsoft.com/office/mac/drawingml/2011/main" val="1"/>
                 </a:ext>
               </a:extLst>
             </p:spPr>
@@ -24409,7 +24411,7 @@
               </a:effectLst>
               <a:extLst>
                 <a:ext uri="{C572A759-6A51-4108-AA02-DFA0A04FC94B}">
-                  <ma14:wrappingTextBoxFlag xmlns:ma14="http://schemas.microsoft.com/office/mac/drawingml/2011/main" xmlns:a14="http://schemas.microsoft.com/office/drawing/2010/main" xmlns:m="http://schemas.openxmlformats.org/officeDocument/2006/math" xmlns="" val="1"/>
+                  <ma14:wrappingTextBoxFlag xmlns="" xmlns:m="http://schemas.openxmlformats.org/officeDocument/2006/math" xmlns:a14="http://schemas.microsoft.com/office/drawing/2010/main" xmlns:ma14="http://schemas.microsoft.com/office/mac/drawingml/2011/main" val="1"/>
                 </a:ext>
               </a:extLst>
             </p:spPr>
@@ -24479,7 +24481,7 @@
               </a:effectLst>
               <a:extLst>
                 <a:ext uri="{C572A759-6A51-4108-AA02-DFA0A04FC94B}">
-                  <ma14:wrappingTextBoxFlag xmlns:ma14="http://schemas.microsoft.com/office/mac/drawingml/2011/main" xmlns:a14="http://schemas.microsoft.com/office/drawing/2010/main" xmlns:m="http://schemas.openxmlformats.org/officeDocument/2006/math" xmlns="" val="1"/>
+                  <ma14:wrappingTextBoxFlag xmlns="" xmlns:m="http://schemas.openxmlformats.org/officeDocument/2006/math" xmlns:a14="http://schemas.microsoft.com/office/drawing/2010/main" xmlns:ma14="http://schemas.microsoft.com/office/mac/drawingml/2011/main" val="1"/>
                 </a:ext>
               </a:extLst>
             </p:spPr>
@@ -24549,7 +24551,7 @@
               </a:effectLst>
               <a:extLst>
                 <a:ext uri="{C572A759-6A51-4108-AA02-DFA0A04FC94B}">
-                  <ma14:wrappingTextBoxFlag xmlns:ma14="http://schemas.microsoft.com/office/mac/drawingml/2011/main" xmlns:a14="http://schemas.microsoft.com/office/drawing/2010/main" xmlns:m="http://schemas.openxmlformats.org/officeDocument/2006/math" xmlns="" val="1"/>
+                  <ma14:wrappingTextBoxFlag xmlns="" xmlns:m="http://schemas.openxmlformats.org/officeDocument/2006/math" xmlns:a14="http://schemas.microsoft.com/office/drawing/2010/main" xmlns:ma14="http://schemas.microsoft.com/office/mac/drawingml/2011/main" val="1"/>
                 </a:ext>
               </a:extLst>
             </p:spPr>
@@ -24638,7 +24640,7 @@
             </a:effectLst>
             <a:extLst>
               <a:ext uri="{C572A759-6A51-4108-AA02-DFA0A04FC94B}">
-                <ma14:wrappingTextBoxFlag xmlns:ma14="http://schemas.microsoft.com/office/mac/drawingml/2011/main" xmlns:a14="http://schemas.microsoft.com/office/drawing/2010/main" xmlns:m="http://schemas.openxmlformats.org/officeDocument/2006/math" xmlns="" val="1"/>
+                <ma14:wrappingTextBoxFlag xmlns="" xmlns:m="http://schemas.openxmlformats.org/officeDocument/2006/math" xmlns:a14="http://schemas.microsoft.com/office/drawing/2010/main" xmlns:ma14="http://schemas.microsoft.com/office/mac/drawingml/2011/main" val="1"/>
               </a:ext>
             </a:extLst>
           </p:spPr>
@@ -24728,7 +24730,7 @@
               </a:effectLst>
               <a:extLst>
                 <a:ext uri="{C572A759-6A51-4108-AA02-DFA0A04FC94B}">
-                  <ma14:wrappingTextBoxFlag xmlns:ma14="http://schemas.microsoft.com/office/mac/drawingml/2011/main" xmlns:a14="http://schemas.microsoft.com/office/drawing/2010/main" xmlns:m="http://schemas.openxmlformats.org/officeDocument/2006/math" xmlns="" val="1"/>
+                  <ma14:wrappingTextBoxFlag xmlns="" xmlns:m="http://schemas.openxmlformats.org/officeDocument/2006/math" xmlns:a14="http://schemas.microsoft.com/office/drawing/2010/main" xmlns:ma14="http://schemas.microsoft.com/office/mac/drawingml/2011/main" val="1"/>
                 </a:ext>
               </a:extLst>
             </p:spPr>
@@ -24779,7 +24781,7 @@
               </a:effectLst>
               <a:extLst>
                 <a:ext uri="{C572A759-6A51-4108-AA02-DFA0A04FC94B}">
-                  <ma14:wrappingTextBoxFlag xmlns:ma14="http://schemas.microsoft.com/office/mac/drawingml/2011/main" xmlns:a14="http://schemas.microsoft.com/office/drawing/2010/main" xmlns:m="http://schemas.openxmlformats.org/officeDocument/2006/math" xmlns="" val="1"/>
+                  <ma14:wrappingTextBoxFlag xmlns="" xmlns:m="http://schemas.openxmlformats.org/officeDocument/2006/math" xmlns:a14="http://schemas.microsoft.com/office/drawing/2010/main" xmlns:ma14="http://schemas.microsoft.com/office/mac/drawingml/2011/main" val="1"/>
                 </a:ext>
               </a:extLst>
             </p:spPr>
@@ -24833,7 +24835,7 @@
               </a:effectLst>
               <a:extLst>
                 <a:ext uri="{C572A759-6A51-4108-AA02-DFA0A04FC94B}">
-                  <ma14:wrappingTextBoxFlag xmlns:ma14="http://schemas.microsoft.com/office/mac/drawingml/2011/main" xmlns:a14="http://schemas.microsoft.com/office/drawing/2010/main" xmlns:m="http://schemas.openxmlformats.org/officeDocument/2006/math" xmlns="" val="1"/>
+                  <ma14:wrappingTextBoxFlag xmlns="" xmlns:m="http://schemas.openxmlformats.org/officeDocument/2006/math" xmlns:a14="http://schemas.microsoft.com/office/drawing/2010/main" xmlns:ma14="http://schemas.microsoft.com/office/mac/drawingml/2011/main" val="1"/>
                 </a:ext>
               </a:extLst>
             </p:spPr>
@@ -24887,7 +24889,7 @@
               </a:effectLst>
               <a:extLst>
                 <a:ext uri="{C572A759-6A51-4108-AA02-DFA0A04FC94B}">
-                  <ma14:wrappingTextBoxFlag xmlns:ma14="http://schemas.microsoft.com/office/mac/drawingml/2011/main" xmlns:a14="http://schemas.microsoft.com/office/drawing/2010/main" xmlns:m="http://schemas.openxmlformats.org/officeDocument/2006/math" xmlns="" val="1"/>
+                  <ma14:wrappingTextBoxFlag xmlns="" xmlns:m="http://schemas.openxmlformats.org/officeDocument/2006/math" xmlns:a14="http://schemas.microsoft.com/office/drawing/2010/main" xmlns:ma14="http://schemas.microsoft.com/office/mac/drawingml/2011/main" val="1"/>
                 </a:ext>
               </a:extLst>
             </p:spPr>
@@ -24941,7 +24943,7 @@
               </a:effectLst>
               <a:extLst>
                 <a:ext uri="{C572A759-6A51-4108-AA02-DFA0A04FC94B}">
-                  <ma14:wrappingTextBoxFlag xmlns:ma14="http://schemas.microsoft.com/office/mac/drawingml/2011/main" xmlns:a14="http://schemas.microsoft.com/office/drawing/2010/main" xmlns:m="http://schemas.openxmlformats.org/officeDocument/2006/math" xmlns="" val="1"/>
+                  <ma14:wrappingTextBoxFlag xmlns="" xmlns:m="http://schemas.openxmlformats.org/officeDocument/2006/math" xmlns:a14="http://schemas.microsoft.com/office/drawing/2010/main" xmlns:ma14="http://schemas.microsoft.com/office/mac/drawingml/2011/main" val="1"/>
                 </a:ext>
               </a:extLst>
             </p:spPr>
@@ -24996,7 +24998,7 @@
             </a:effectLst>
             <a:extLst>
               <a:ext uri="{C572A759-6A51-4108-AA02-DFA0A04FC94B}">
-                <ma14:wrappingTextBoxFlag xmlns:ma14="http://schemas.microsoft.com/office/mac/drawingml/2011/main" xmlns:a14="http://schemas.microsoft.com/office/drawing/2010/main" xmlns:m="http://schemas.openxmlformats.org/officeDocument/2006/math" xmlns="" val="1"/>
+                <ma14:wrappingTextBoxFlag xmlns="" xmlns:m="http://schemas.openxmlformats.org/officeDocument/2006/math" xmlns:a14="http://schemas.microsoft.com/office/drawing/2010/main" xmlns:ma14="http://schemas.microsoft.com/office/mac/drawingml/2011/main" val="1"/>
               </a:ext>
             </a:extLst>
           </p:spPr>
@@ -25083,7 +25085,7 @@
               </a:effectLst>
               <a:extLst>
                 <a:ext uri="{C572A759-6A51-4108-AA02-DFA0A04FC94B}">
-                  <ma14:wrappingTextBoxFlag xmlns:ma14="http://schemas.microsoft.com/office/mac/drawingml/2011/main" xmlns:a14="http://schemas.microsoft.com/office/drawing/2010/main" xmlns:m="http://schemas.openxmlformats.org/officeDocument/2006/math" xmlns="" val="1"/>
+                  <ma14:wrappingTextBoxFlag xmlns="" xmlns:m="http://schemas.openxmlformats.org/officeDocument/2006/math" xmlns:a14="http://schemas.microsoft.com/office/drawing/2010/main" xmlns:ma14="http://schemas.microsoft.com/office/mac/drawingml/2011/main" val="1"/>
                 </a:ext>
               </a:extLst>
             </p:spPr>
@@ -25142,7 +25144,7 @@
               </a:effectLst>
               <a:extLst>
                 <a:ext uri="{C572A759-6A51-4108-AA02-DFA0A04FC94B}">
-                  <ma14:wrappingTextBoxFlag xmlns:ma14="http://schemas.microsoft.com/office/mac/drawingml/2011/main" xmlns:a14="http://schemas.microsoft.com/office/drawing/2010/main" xmlns:m="http://schemas.openxmlformats.org/officeDocument/2006/math" xmlns="" val="1"/>
+                  <ma14:wrappingTextBoxFlag xmlns="" xmlns:m="http://schemas.openxmlformats.org/officeDocument/2006/math" xmlns:a14="http://schemas.microsoft.com/office/drawing/2010/main" xmlns:ma14="http://schemas.microsoft.com/office/mac/drawingml/2011/main" val="1"/>
                 </a:ext>
               </a:extLst>
             </p:spPr>
@@ -25207,7 +25209,7 @@
               </a:effectLst>
               <a:extLst>
                 <a:ext uri="{C572A759-6A51-4108-AA02-DFA0A04FC94B}">
-                  <ma14:wrappingTextBoxFlag xmlns:ma14="http://schemas.microsoft.com/office/mac/drawingml/2011/main" xmlns:a14="http://schemas.microsoft.com/office/drawing/2010/main" xmlns:m="http://schemas.openxmlformats.org/officeDocument/2006/math" xmlns="" val="1"/>
+                  <ma14:wrappingTextBoxFlag xmlns="" xmlns:m="http://schemas.openxmlformats.org/officeDocument/2006/math" xmlns:a14="http://schemas.microsoft.com/office/drawing/2010/main" xmlns:ma14="http://schemas.microsoft.com/office/mac/drawingml/2011/main" val="1"/>
                 </a:ext>
               </a:extLst>
             </p:spPr>
@@ -25272,7 +25274,7 @@
               </a:effectLst>
               <a:extLst>
                 <a:ext uri="{C572A759-6A51-4108-AA02-DFA0A04FC94B}">
-                  <ma14:wrappingTextBoxFlag xmlns:ma14="http://schemas.microsoft.com/office/mac/drawingml/2011/main" xmlns:a14="http://schemas.microsoft.com/office/drawing/2010/main" xmlns:m="http://schemas.openxmlformats.org/officeDocument/2006/math" xmlns="" val="1"/>
+                  <ma14:wrappingTextBoxFlag xmlns="" xmlns:m="http://schemas.openxmlformats.org/officeDocument/2006/math" xmlns:a14="http://schemas.microsoft.com/office/drawing/2010/main" xmlns:ma14="http://schemas.microsoft.com/office/mac/drawingml/2011/main" val="1"/>
                 </a:ext>
               </a:extLst>
             </p:spPr>
@@ -25337,7 +25339,7 @@
               </a:effectLst>
               <a:extLst>
                 <a:ext uri="{C572A759-6A51-4108-AA02-DFA0A04FC94B}">
-                  <ma14:wrappingTextBoxFlag xmlns:ma14="http://schemas.microsoft.com/office/mac/drawingml/2011/main" xmlns:a14="http://schemas.microsoft.com/office/drawing/2010/main" xmlns:m="http://schemas.openxmlformats.org/officeDocument/2006/math" xmlns="" val="1"/>
+                  <ma14:wrappingTextBoxFlag xmlns="" xmlns:m="http://schemas.openxmlformats.org/officeDocument/2006/math" xmlns:a14="http://schemas.microsoft.com/office/drawing/2010/main" xmlns:ma14="http://schemas.microsoft.com/office/mac/drawingml/2011/main" val="1"/>
                 </a:ext>
               </a:extLst>
             </p:spPr>
@@ -25434,7 +25436,7 @@
               </a:effectLst>
               <a:extLst>
                 <a:ext uri="{C572A759-6A51-4108-AA02-DFA0A04FC94B}">
-                  <ma14:wrappingTextBoxFlag xmlns:ma14="http://schemas.microsoft.com/office/mac/drawingml/2011/main" xmlns:a14="http://schemas.microsoft.com/office/drawing/2010/main" xmlns:m="http://schemas.openxmlformats.org/officeDocument/2006/math" xmlns="" val="1"/>
+                  <ma14:wrappingTextBoxFlag xmlns="" xmlns:m="http://schemas.openxmlformats.org/officeDocument/2006/math" xmlns:a14="http://schemas.microsoft.com/office/drawing/2010/main" xmlns:ma14="http://schemas.microsoft.com/office/mac/drawingml/2011/main" val="1"/>
                 </a:ext>
               </a:extLst>
             </p:spPr>
@@ -25490,7 +25492,7 @@
               </a:effectLst>
               <a:extLst>
                 <a:ext uri="{C572A759-6A51-4108-AA02-DFA0A04FC94B}">
-                  <ma14:wrappingTextBoxFlag xmlns:ma14="http://schemas.microsoft.com/office/mac/drawingml/2011/main" xmlns:a14="http://schemas.microsoft.com/office/drawing/2010/main" xmlns:m="http://schemas.openxmlformats.org/officeDocument/2006/math" xmlns="" val="1"/>
+                  <ma14:wrappingTextBoxFlag xmlns="" xmlns:m="http://schemas.openxmlformats.org/officeDocument/2006/math" xmlns:a14="http://schemas.microsoft.com/office/drawing/2010/main" xmlns:ma14="http://schemas.microsoft.com/office/mac/drawingml/2011/main" val="1"/>
                 </a:ext>
               </a:extLst>
             </p:spPr>
@@ -25546,7 +25548,7 @@
               </a:effectLst>
               <a:extLst>
                 <a:ext uri="{C572A759-6A51-4108-AA02-DFA0A04FC94B}">
-                  <ma14:wrappingTextBoxFlag xmlns:ma14="http://schemas.microsoft.com/office/mac/drawingml/2011/main" xmlns:a14="http://schemas.microsoft.com/office/drawing/2010/main" xmlns:m="http://schemas.openxmlformats.org/officeDocument/2006/math" xmlns="" val="1"/>
+                  <ma14:wrappingTextBoxFlag xmlns="" xmlns:m="http://schemas.openxmlformats.org/officeDocument/2006/math" xmlns:a14="http://schemas.microsoft.com/office/drawing/2010/main" xmlns:ma14="http://schemas.microsoft.com/office/mac/drawingml/2011/main" val="1"/>
                 </a:ext>
               </a:extLst>
             </p:spPr>
@@ -25610,7 +25612,7 @@
               </a:effectLst>
               <a:extLst>
                 <a:ext uri="{C572A759-6A51-4108-AA02-DFA0A04FC94B}">
-                  <ma14:wrappingTextBoxFlag xmlns:ma14="http://schemas.microsoft.com/office/mac/drawingml/2011/main" xmlns:a14="http://schemas.microsoft.com/office/drawing/2010/main" xmlns:m="http://schemas.openxmlformats.org/officeDocument/2006/math" xmlns="" val="1"/>
+                  <ma14:wrappingTextBoxFlag xmlns="" xmlns:m="http://schemas.openxmlformats.org/officeDocument/2006/math" xmlns:a14="http://schemas.microsoft.com/office/drawing/2010/main" xmlns:ma14="http://schemas.microsoft.com/office/mac/drawingml/2011/main" val="1"/>
                 </a:ext>
               </a:extLst>
             </p:spPr>
@@ -25704,7 +25706,7 @@
               </a:effectLst>
               <a:extLst>
                 <a:ext uri="{C572A759-6A51-4108-AA02-DFA0A04FC94B}">
-                  <ma14:wrappingTextBoxFlag xmlns:ma14="http://schemas.microsoft.com/office/mac/drawingml/2011/main" xmlns:a14="http://schemas.microsoft.com/office/drawing/2010/main" xmlns:m="http://schemas.openxmlformats.org/officeDocument/2006/math" xmlns="" val="1"/>
+                  <ma14:wrappingTextBoxFlag xmlns="" xmlns:m="http://schemas.openxmlformats.org/officeDocument/2006/math" xmlns:a14="http://schemas.microsoft.com/office/drawing/2010/main" xmlns:ma14="http://schemas.microsoft.com/office/mac/drawingml/2011/main" val="1"/>
                 </a:ext>
               </a:extLst>
             </p:spPr>
@@ -25766,7 +25768,7 @@
               </a:effectLst>
               <a:extLst>
                 <a:ext uri="{C572A759-6A51-4108-AA02-DFA0A04FC94B}">
-                  <ma14:wrappingTextBoxFlag xmlns:ma14="http://schemas.microsoft.com/office/mac/drawingml/2011/main" xmlns:a14="http://schemas.microsoft.com/office/drawing/2010/main" xmlns:m="http://schemas.openxmlformats.org/officeDocument/2006/math" xmlns="" val="1"/>
+                  <ma14:wrappingTextBoxFlag xmlns="" xmlns:m="http://schemas.openxmlformats.org/officeDocument/2006/math" xmlns:a14="http://schemas.microsoft.com/office/drawing/2010/main" xmlns:ma14="http://schemas.microsoft.com/office/mac/drawingml/2011/main" val="1"/>
                 </a:ext>
               </a:extLst>
             </p:spPr>
@@ -25836,7 +25838,7 @@
               </a:effectLst>
               <a:extLst>
                 <a:ext uri="{C572A759-6A51-4108-AA02-DFA0A04FC94B}">
-                  <ma14:wrappingTextBoxFlag xmlns:ma14="http://schemas.microsoft.com/office/mac/drawingml/2011/main" xmlns:a14="http://schemas.microsoft.com/office/drawing/2010/main" xmlns:m="http://schemas.openxmlformats.org/officeDocument/2006/math" xmlns="" val="1"/>
+                  <ma14:wrappingTextBoxFlag xmlns="" xmlns:m="http://schemas.openxmlformats.org/officeDocument/2006/math" xmlns:a14="http://schemas.microsoft.com/office/drawing/2010/main" xmlns:ma14="http://schemas.microsoft.com/office/mac/drawingml/2011/main" val="1"/>
                 </a:ext>
               </a:extLst>
             </p:spPr>
@@ -26045,7 +26047,7 @@
             </a:effectLst>
             <a:extLst>
               <a:ext uri="{C572A759-6A51-4108-AA02-DFA0A04FC94B}">
-                <ma14:wrappingTextBoxFlag xmlns:ma14="http://schemas.microsoft.com/office/mac/drawingml/2011/main" xmlns:a14="http://schemas.microsoft.com/office/drawing/2010/main" xmlns:m="http://schemas.openxmlformats.org/officeDocument/2006/math" xmlns="" val="1"/>
+                <ma14:wrappingTextBoxFlag xmlns="" xmlns:m="http://schemas.openxmlformats.org/officeDocument/2006/math" xmlns:a14="http://schemas.microsoft.com/office/drawing/2010/main" xmlns:ma14="http://schemas.microsoft.com/office/mac/drawingml/2011/main" val="1"/>
               </a:ext>
             </a:extLst>
           </p:spPr>
@@ -26137,7 +26139,7 @@
             </a:effectLst>
             <a:extLst>
               <a:ext uri="{C572A759-6A51-4108-AA02-DFA0A04FC94B}">
-                <ma14:wrappingTextBoxFlag xmlns:ma14="http://schemas.microsoft.com/office/mac/drawingml/2011/main" xmlns:a14="http://schemas.microsoft.com/office/drawing/2010/main" xmlns:m="http://schemas.openxmlformats.org/officeDocument/2006/math" xmlns="" val="1"/>
+                <ma14:wrappingTextBoxFlag xmlns="" xmlns:m="http://schemas.openxmlformats.org/officeDocument/2006/math" xmlns:a14="http://schemas.microsoft.com/office/drawing/2010/main" xmlns:ma14="http://schemas.microsoft.com/office/mac/drawingml/2011/main" val="1"/>
               </a:ext>
             </a:extLst>
           </p:spPr>
@@ -26207,7 +26209,7 @@
             </a:effectLst>
             <a:extLst>
               <a:ext uri="{C572A759-6A51-4108-AA02-DFA0A04FC94B}">
-                <ma14:wrappingTextBoxFlag xmlns:ma14="http://schemas.microsoft.com/office/mac/drawingml/2011/main" xmlns:a14="http://schemas.microsoft.com/office/drawing/2010/main" xmlns:m="http://schemas.openxmlformats.org/officeDocument/2006/math" xmlns="" val="1"/>
+                <ma14:wrappingTextBoxFlag xmlns="" xmlns:m="http://schemas.openxmlformats.org/officeDocument/2006/math" xmlns:a14="http://schemas.microsoft.com/office/drawing/2010/main" xmlns:ma14="http://schemas.microsoft.com/office/mac/drawingml/2011/main" val="1"/>
               </a:ext>
             </a:extLst>
           </p:spPr>
@@ -26281,7 +26283,7 @@
             </a:effectLst>
             <a:extLst>
               <a:ext uri="{C572A759-6A51-4108-AA02-DFA0A04FC94B}">
-                <ma14:wrappingTextBoxFlag xmlns:ma14="http://schemas.microsoft.com/office/mac/drawingml/2011/main" xmlns:a14="http://schemas.microsoft.com/office/drawing/2010/main" xmlns:m="http://schemas.openxmlformats.org/officeDocument/2006/math" xmlns="" val="1"/>
+                <ma14:wrappingTextBoxFlag xmlns="" xmlns:m="http://schemas.openxmlformats.org/officeDocument/2006/math" xmlns:a14="http://schemas.microsoft.com/office/drawing/2010/main" xmlns:ma14="http://schemas.microsoft.com/office/mac/drawingml/2011/main" val="1"/>
               </a:ext>
             </a:extLst>
           </p:spPr>
@@ -26356,7 +26358,7 @@
           </a:effectLst>
           <a:extLst>
             <a:ext uri="{C572A759-6A51-4108-AA02-DFA0A04FC94B}">
-              <ma14:wrappingTextBoxFlag xmlns:ma14="http://schemas.microsoft.com/office/mac/drawingml/2011/main" xmlns:a14="http://schemas.microsoft.com/office/drawing/2010/main" xmlns:m="http://schemas.openxmlformats.org/officeDocument/2006/math" xmlns="" val="1"/>
+              <ma14:wrappingTextBoxFlag xmlns="" xmlns:m="http://schemas.openxmlformats.org/officeDocument/2006/math" xmlns:a14="http://schemas.microsoft.com/office/drawing/2010/main" xmlns:ma14="http://schemas.microsoft.com/office/mac/drawingml/2011/main" val="1"/>
             </a:ext>
           </a:extLst>
         </p:spPr>
@@ -26444,7 +26446,7 @@
             </a:effectLst>
             <a:extLst>
               <a:ext uri="{C572A759-6A51-4108-AA02-DFA0A04FC94B}">
-                <ma14:wrappingTextBoxFlag xmlns:ma14="http://schemas.microsoft.com/office/mac/drawingml/2011/main" xmlns:a14="http://schemas.microsoft.com/office/drawing/2010/main" xmlns:m="http://schemas.openxmlformats.org/officeDocument/2006/math" xmlns="" val="1"/>
+                <ma14:wrappingTextBoxFlag xmlns="" xmlns:m="http://schemas.openxmlformats.org/officeDocument/2006/math" xmlns:a14="http://schemas.microsoft.com/office/drawing/2010/main" xmlns:ma14="http://schemas.microsoft.com/office/mac/drawingml/2011/main" val="1"/>
               </a:ext>
             </a:extLst>
           </p:spPr>
@@ -26518,7 +26520,7 @@
               </a:effectLst>
               <a:extLst>
                 <a:ext uri="{C572A759-6A51-4108-AA02-DFA0A04FC94B}">
-                  <ma14:wrappingTextBoxFlag xmlns:ma14="http://schemas.microsoft.com/office/mac/drawingml/2011/main" xmlns:a14="http://schemas.microsoft.com/office/drawing/2010/main" xmlns:m="http://schemas.openxmlformats.org/officeDocument/2006/math" xmlns="" val="1"/>
+                  <ma14:wrappingTextBoxFlag xmlns="" xmlns:m="http://schemas.openxmlformats.org/officeDocument/2006/math" xmlns:a14="http://schemas.microsoft.com/office/drawing/2010/main" xmlns:ma14="http://schemas.microsoft.com/office/mac/drawingml/2011/main" val="1"/>
                 </a:ext>
               </a:extLst>
             </p:spPr>
@@ -26588,7 +26590,7 @@
               </a:effectLst>
               <a:extLst>
                 <a:ext uri="{C572A759-6A51-4108-AA02-DFA0A04FC94B}">
-                  <ma14:wrappingTextBoxFlag xmlns:ma14="http://schemas.microsoft.com/office/mac/drawingml/2011/main" xmlns:a14="http://schemas.microsoft.com/office/drawing/2010/main" xmlns:m="http://schemas.openxmlformats.org/officeDocument/2006/math" xmlns="" val="1"/>
+                  <ma14:wrappingTextBoxFlag xmlns="" xmlns:m="http://schemas.openxmlformats.org/officeDocument/2006/math" xmlns:a14="http://schemas.microsoft.com/office/drawing/2010/main" xmlns:ma14="http://schemas.microsoft.com/office/mac/drawingml/2011/main" val="1"/>
                 </a:ext>
               </a:extLst>
             </p:spPr>
@@ -26662,7 +26664,7 @@
               </a:effectLst>
               <a:extLst>
                 <a:ext uri="{C572A759-6A51-4108-AA02-DFA0A04FC94B}">
-                  <ma14:wrappingTextBoxFlag xmlns:ma14="http://schemas.microsoft.com/office/mac/drawingml/2011/main" xmlns:a14="http://schemas.microsoft.com/office/drawing/2010/main" xmlns:m="http://schemas.openxmlformats.org/officeDocument/2006/math" xmlns="" val="1"/>
+                  <ma14:wrappingTextBoxFlag xmlns="" xmlns:m="http://schemas.openxmlformats.org/officeDocument/2006/math" xmlns:a14="http://schemas.microsoft.com/office/drawing/2010/main" xmlns:ma14="http://schemas.microsoft.com/office/mac/drawingml/2011/main" val="1"/>
                 </a:ext>
               </a:extLst>
             </p:spPr>
@@ -26746,7 +26748,7 @@
               </a:effectLst>
               <a:extLst>
                 <a:ext uri="{C572A759-6A51-4108-AA02-DFA0A04FC94B}">
-                  <ma14:wrappingTextBoxFlag xmlns:ma14="http://schemas.microsoft.com/office/mac/drawingml/2011/main" xmlns:a14="http://schemas.microsoft.com/office/drawing/2010/main" xmlns:m="http://schemas.openxmlformats.org/officeDocument/2006/math" xmlns="" val="1"/>
+                  <ma14:wrappingTextBoxFlag xmlns="" xmlns:m="http://schemas.openxmlformats.org/officeDocument/2006/math" xmlns:a14="http://schemas.microsoft.com/office/drawing/2010/main" xmlns:ma14="http://schemas.microsoft.com/office/mac/drawingml/2011/main" val="1"/>
                 </a:ext>
               </a:extLst>
             </p:spPr>
@@ -26820,7 +26822,7 @@
               </a:effectLst>
               <a:extLst>
                 <a:ext uri="{C572A759-6A51-4108-AA02-DFA0A04FC94B}">
-                  <ma14:wrappingTextBoxFlag xmlns:ma14="http://schemas.microsoft.com/office/mac/drawingml/2011/main" xmlns:a14="http://schemas.microsoft.com/office/drawing/2010/main" xmlns:m="http://schemas.openxmlformats.org/officeDocument/2006/math" xmlns="" val="1"/>
+                  <ma14:wrappingTextBoxFlag xmlns="" xmlns:m="http://schemas.openxmlformats.org/officeDocument/2006/math" xmlns:a14="http://schemas.microsoft.com/office/drawing/2010/main" xmlns:ma14="http://schemas.microsoft.com/office/mac/drawingml/2011/main" val="1"/>
                 </a:ext>
               </a:extLst>
             </p:spPr>
@@ -27012,7 +27014,7 @@
             </a:effectLst>
             <a:extLst>
               <a:ext uri="{C572A759-6A51-4108-AA02-DFA0A04FC94B}">
-                <ma14:wrappingTextBoxFlag xmlns:ma14="http://schemas.microsoft.com/office/mac/drawingml/2011/main" xmlns:a14="http://schemas.microsoft.com/office/drawing/2010/main" xmlns:m="http://schemas.openxmlformats.org/officeDocument/2006/math" xmlns="" val="1"/>
+                <ma14:wrappingTextBoxFlag xmlns="" xmlns:m="http://schemas.openxmlformats.org/officeDocument/2006/math" xmlns:a14="http://schemas.microsoft.com/office/drawing/2010/main" xmlns:ma14="http://schemas.microsoft.com/office/mac/drawingml/2011/main" val="1"/>
               </a:ext>
             </a:extLst>
           </p:spPr>
@@ -27115,7 +27117,7 @@
               </a:effectLst>
               <a:extLst>
                 <a:ext uri="{C572A759-6A51-4108-AA02-DFA0A04FC94B}">
-                  <ma14:wrappingTextBoxFlag xmlns:ma14="http://schemas.microsoft.com/office/mac/drawingml/2011/main" xmlns:a14="http://schemas.microsoft.com/office/drawing/2010/main" xmlns:m="http://schemas.openxmlformats.org/officeDocument/2006/math" xmlns="" val="1"/>
+                  <ma14:wrappingTextBoxFlag xmlns="" xmlns:m="http://schemas.openxmlformats.org/officeDocument/2006/math" xmlns:a14="http://schemas.microsoft.com/office/drawing/2010/main" xmlns:ma14="http://schemas.microsoft.com/office/mac/drawingml/2011/main" val="1"/>
                 </a:ext>
               </a:extLst>
             </p:spPr>
@@ -27174,7 +27176,7 @@
               </a:effectLst>
               <a:extLst>
                 <a:ext uri="{C572A759-6A51-4108-AA02-DFA0A04FC94B}">
-                  <ma14:wrappingTextBoxFlag xmlns:ma14="http://schemas.microsoft.com/office/mac/drawingml/2011/main" xmlns:a14="http://schemas.microsoft.com/office/drawing/2010/main" xmlns:m="http://schemas.openxmlformats.org/officeDocument/2006/math" xmlns="" val="1"/>
+                  <ma14:wrappingTextBoxFlag xmlns="" xmlns:m="http://schemas.openxmlformats.org/officeDocument/2006/math" xmlns:a14="http://schemas.microsoft.com/office/drawing/2010/main" xmlns:ma14="http://schemas.microsoft.com/office/mac/drawingml/2011/main" val="1"/>
                 </a:ext>
               </a:extLst>
             </p:spPr>
@@ -27234,7 +27236,7 @@
               </a:effectLst>
               <a:extLst>
                 <a:ext uri="{C572A759-6A51-4108-AA02-DFA0A04FC94B}">
-                  <ma14:wrappingTextBoxFlag xmlns:ma14="http://schemas.microsoft.com/office/mac/drawingml/2011/main" xmlns:a14="http://schemas.microsoft.com/office/drawing/2010/main" xmlns:m="http://schemas.openxmlformats.org/officeDocument/2006/math" xmlns="" val="1"/>
+                  <ma14:wrappingTextBoxFlag xmlns="" xmlns:m="http://schemas.openxmlformats.org/officeDocument/2006/math" xmlns:a14="http://schemas.microsoft.com/office/drawing/2010/main" xmlns:ma14="http://schemas.microsoft.com/office/mac/drawingml/2011/main" val="1"/>
                 </a:ext>
               </a:extLst>
             </p:spPr>
@@ -27294,7 +27296,7 @@
               </a:effectLst>
               <a:extLst>
                 <a:ext uri="{C572A759-6A51-4108-AA02-DFA0A04FC94B}">
-                  <ma14:wrappingTextBoxFlag xmlns:ma14="http://schemas.microsoft.com/office/mac/drawingml/2011/main" xmlns:a14="http://schemas.microsoft.com/office/drawing/2010/main" xmlns:m="http://schemas.openxmlformats.org/officeDocument/2006/math" xmlns="" val="1"/>
+                  <ma14:wrappingTextBoxFlag xmlns="" xmlns:m="http://schemas.openxmlformats.org/officeDocument/2006/math" xmlns:a14="http://schemas.microsoft.com/office/drawing/2010/main" xmlns:ma14="http://schemas.microsoft.com/office/mac/drawingml/2011/main" val="1"/>
                 </a:ext>
               </a:extLst>
             </p:spPr>
@@ -27380,7 +27382,7 @@
               </a:effectLst>
               <a:extLst>
                 <a:ext uri="{C572A759-6A51-4108-AA02-DFA0A04FC94B}">
-                  <ma14:wrappingTextBoxFlag xmlns:ma14="http://schemas.microsoft.com/office/mac/drawingml/2011/main" xmlns:a14="http://schemas.microsoft.com/office/drawing/2010/main" xmlns:m="http://schemas.openxmlformats.org/officeDocument/2006/math" xmlns="" val="1"/>
+                  <ma14:wrappingTextBoxFlag xmlns="" xmlns:m="http://schemas.openxmlformats.org/officeDocument/2006/math" xmlns:a14="http://schemas.microsoft.com/office/drawing/2010/main" xmlns:ma14="http://schemas.microsoft.com/office/mac/drawingml/2011/main" val="1"/>
                 </a:ext>
               </a:extLst>
             </p:spPr>
@@ -27444,7 +27446,7 @@
               </a:effectLst>
               <a:extLst>
                 <a:ext uri="{C572A759-6A51-4108-AA02-DFA0A04FC94B}">
-                  <ma14:wrappingTextBoxFlag xmlns:ma14="http://schemas.microsoft.com/office/mac/drawingml/2011/main" xmlns:a14="http://schemas.microsoft.com/office/drawing/2010/main" xmlns:m="http://schemas.openxmlformats.org/officeDocument/2006/math" xmlns="" val="1"/>
+                  <ma14:wrappingTextBoxFlag xmlns="" xmlns:m="http://schemas.openxmlformats.org/officeDocument/2006/math" xmlns:a14="http://schemas.microsoft.com/office/drawing/2010/main" xmlns:ma14="http://schemas.microsoft.com/office/mac/drawingml/2011/main" val="1"/>
                 </a:ext>
               </a:extLst>
             </p:spPr>
@@ -27514,7 +27516,7 @@
               </a:effectLst>
               <a:extLst>
                 <a:ext uri="{C572A759-6A51-4108-AA02-DFA0A04FC94B}">
-                  <ma14:wrappingTextBoxFlag xmlns:ma14="http://schemas.microsoft.com/office/mac/drawingml/2011/main" xmlns:a14="http://schemas.microsoft.com/office/drawing/2010/main" xmlns:m="http://schemas.openxmlformats.org/officeDocument/2006/math" xmlns="" val="1"/>
+                  <ma14:wrappingTextBoxFlag xmlns="" xmlns:m="http://schemas.openxmlformats.org/officeDocument/2006/math" xmlns:a14="http://schemas.microsoft.com/office/drawing/2010/main" xmlns:ma14="http://schemas.microsoft.com/office/mac/drawingml/2011/main" val="1"/>
                 </a:ext>
               </a:extLst>
             </p:spPr>
@@ -27584,7 +27586,7 @@
               </a:effectLst>
               <a:extLst>
                 <a:ext uri="{C572A759-6A51-4108-AA02-DFA0A04FC94B}">
-                  <ma14:wrappingTextBoxFlag xmlns:ma14="http://schemas.microsoft.com/office/mac/drawingml/2011/main" xmlns:a14="http://schemas.microsoft.com/office/drawing/2010/main" xmlns:m="http://schemas.openxmlformats.org/officeDocument/2006/math" xmlns="" val="1"/>
+                  <ma14:wrappingTextBoxFlag xmlns="" xmlns:m="http://schemas.openxmlformats.org/officeDocument/2006/math" xmlns:a14="http://schemas.microsoft.com/office/drawing/2010/main" xmlns:ma14="http://schemas.microsoft.com/office/mac/drawingml/2011/main" val="1"/>
                 </a:ext>
               </a:extLst>
             </p:spPr>
@@ -27652,7 +27654,7 @@
               </a:effectLst>
               <a:extLst>
                 <a:ext uri="{C572A759-6A51-4108-AA02-DFA0A04FC94B}">
-                  <ma14:wrappingTextBoxFlag xmlns:ma14="http://schemas.microsoft.com/office/mac/drawingml/2011/main" xmlns:a14="http://schemas.microsoft.com/office/drawing/2010/main" xmlns:m="http://schemas.openxmlformats.org/officeDocument/2006/math" xmlns="" val="1"/>
+                  <ma14:wrappingTextBoxFlag xmlns="" xmlns:m="http://schemas.openxmlformats.org/officeDocument/2006/math" xmlns:a14="http://schemas.microsoft.com/office/drawing/2010/main" xmlns:ma14="http://schemas.microsoft.com/office/mac/drawingml/2011/main" val="1"/>
                 </a:ext>
               </a:extLst>
             </p:spPr>
@@ -27720,7 +27722,7 @@
               </a:effectLst>
               <a:extLst>
                 <a:ext uri="{C572A759-6A51-4108-AA02-DFA0A04FC94B}">
-                  <ma14:wrappingTextBoxFlag xmlns:ma14="http://schemas.microsoft.com/office/mac/drawingml/2011/main" xmlns:a14="http://schemas.microsoft.com/office/drawing/2010/main" xmlns:m="http://schemas.openxmlformats.org/officeDocument/2006/math" xmlns="" val="1"/>
+                  <ma14:wrappingTextBoxFlag xmlns="" xmlns:m="http://schemas.openxmlformats.org/officeDocument/2006/math" xmlns:a14="http://schemas.microsoft.com/office/drawing/2010/main" xmlns:ma14="http://schemas.microsoft.com/office/mac/drawingml/2011/main" val="1"/>
                 </a:ext>
               </a:extLst>
             </p:spPr>
@@ -27810,7 +27812,7 @@
             </a:effectLst>
             <a:extLst>
               <a:ext uri="{C572A759-6A51-4108-AA02-DFA0A04FC94B}">
-                <ma14:wrappingTextBoxFlag xmlns:ma14="http://schemas.microsoft.com/office/mac/drawingml/2011/main" xmlns:a14="http://schemas.microsoft.com/office/drawing/2010/main" xmlns:m="http://schemas.openxmlformats.org/officeDocument/2006/math" xmlns="" val="1"/>
+                <ma14:wrappingTextBoxFlag xmlns="" xmlns:m="http://schemas.openxmlformats.org/officeDocument/2006/math" xmlns:a14="http://schemas.microsoft.com/office/drawing/2010/main" xmlns:ma14="http://schemas.microsoft.com/office/mac/drawingml/2011/main" val="1"/>
               </a:ext>
             </a:extLst>
           </p:spPr>
@@ -27880,7 +27882,7 @@
             </a:effectLst>
             <a:extLst>
               <a:ext uri="{C572A759-6A51-4108-AA02-DFA0A04FC94B}">
-                <ma14:wrappingTextBoxFlag xmlns:ma14="http://schemas.microsoft.com/office/mac/drawingml/2011/main" xmlns:a14="http://schemas.microsoft.com/office/drawing/2010/main" xmlns:m="http://schemas.openxmlformats.org/officeDocument/2006/math" xmlns="" val="1"/>
+                <ma14:wrappingTextBoxFlag xmlns="" xmlns:m="http://schemas.openxmlformats.org/officeDocument/2006/math" xmlns:a14="http://schemas.microsoft.com/office/drawing/2010/main" xmlns:ma14="http://schemas.microsoft.com/office/mac/drawingml/2011/main" val="1"/>
               </a:ext>
             </a:extLst>
           </p:spPr>
@@ -27975,7 +27977,7 @@
             </a:effectLst>
             <a:extLst>
               <a:ext uri="{C572A759-6A51-4108-AA02-DFA0A04FC94B}">
-                <ma14:wrappingTextBoxFlag xmlns:ma14="http://schemas.microsoft.com/office/mac/drawingml/2011/main" xmlns:a14="http://schemas.microsoft.com/office/drawing/2010/main" xmlns:m="http://schemas.openxmlformats.org/officeDocument/2006/math" xmlns="" val="1"/>
+                <ma14:wrappingTextBoxFlag xmlns="" xmlns:m="http://schemas.openxmlformats.org/officeDocument/2006/math" xmlns:a14="http://schemas.microsoft.com/office/drawing/2010/main" xmlns:ma14="http://schemas.microsoft.com/office/mac/drawingml/2011/main" val="1"/>
               </a:ext>
             </a:extLst>
           </p:spPr>
@@ -28045,7 +28047,7 @@
             </a:effectLst>
             <a:extLst>
               <a:ext uri="{C572A759-6A51-4108-AA02-DFA0A04FC94B}">
-                <ma14:wrappingTextBoxFlag xmlns:ma14="http://schemas.microsoft.com/office/mac/drawingml/2011/main" xmlns:a14="http://schemas.microsoft.com/office/drawing/2010/main" xmlns:m="http://schemas.openxmlformats.org/officeDocument/2006/math" xmlns="" val="1"/>
+                <ma14:wrappingTextBoxFlag xmlns="" xmlns:m="http://schemas.openxmlformats.org/officeDocument/2006/math" xmlns:a14="http://schemas.microsoft.com/office/drawing/2010/main" xmlns:ma14="http://schemas.microsoft.com/office/mac/drawingml/2011/main" val="1"/>
               </a:ext>
             </a:extLst>
           </p:spPr>
@@ -28207,7 +28209,7 @@
           </a:ln>
           <a:extLst>
             <a:ext uri="{C572A759-6A51-4108-AA02-DFA0A04FC94B}">
-              <ma14:wrappingTextBoxFlag xmlns:ma14="http://schemas.microsoft.com/office/mac/drawingml/2011/main" xmlns:a14="http://schemas.microsoft.com/office/drawing/2010/main" xmlns:m="http://schemas.openxmlformats.org/officeDocument/2006/math" xmlns="" val="1"/>
+              <ma14:wrappingTextBoxFlag xmlns="" xmlns:m="http://schemas.openxmlformats.org/officeDocument/2006/math" xmlns:a14="http://schemas.microsoft.com/office/drawing/2010/main" xmlns:ma14="http://schemas.microsoft.com/office/mac/drawingml/2011/main" val="1"/>
             </a:ext>
           </a:extLst>
         </p:spPr>
@@ -28714,7 +28716,7 @@
           <a:effectLst/>
           <a:extLst>
             <a:ext uri="{C572A759-6A51-4108-AA02-DFA0A04FC94B}">
-              <ma14:wrappingTextBoxFlag xmlns:ma14="http://schemas.microsoft.com/office/mac/drawingml/2011/main" xmlns:a14="http://schemas.microsoft.com/office/drawing/2010/main" xmlns:m="http://schemas.openxmlformats.org/officeDocument/2006/math" xmlns="" val="1"/>
+              <ma14:wrappingTextBoxFlag xmlns="" xmlns:m="http://schemas.openxmlformats.org/officeDocument/2006/math" xmlns:a14="http://schemas.microsoft.com/office/drawing/2010/main" xmlns:ma14="http://schemas.microsoft.com/office/mac/drawingml/2011/main" val="1"/>
             </a:ext>
           </a:extLst>
         </p:spPr>
@@ -28771,7 +28773,7 @@
           </a:ln>
           <a:extLst>
             <a:ext uri="{C572A759-6A51-4108-AA02-DFA0A04FC94B}">
-              <ma14:wrappingTextBoxFlag xmlns:ma14="http://schemas.microsoft.com/office/mac/drawingml/2011/main" xmlns:a14="http://schemas.microsoft.com/office/drawing/2010/main" xmlns:m="http://schemas.openxmlformats.org/officeDocument/2006/math" xmlns="" val="1"/>
+              <ma14:wrappingTextBoxFlag xmlns="" xmlns:m="http://schemas.openxmlformats.org/officeDocument/2006/math" xmlns:a14="http://schemas.microsoft.com/office/drawing/2010/main" xmlns:ma14="http://schemas.microsoft.com/office/mac/drawingml/2011/main" val="1"/>
             </a:ext>
           </a:extLst>
         </p:spPr>
@@ -28831,7 +28833,7 @@
           <a:effectLst/>
           <a:extLst>
             <a:ext uri="{C572A759-6A51-4108-AA02-DFA0A04FC94B}">
-              <ma14:wrappingTextBoxFlag xmlns:ma14="http://schemas.microsoft.com/office/mac/drawingml/2011/main" xmlns:a14="http://schemas.microsoft.com/office/drawing/2010/main" xmlns:m="http://schemas.openxmlformats.org/officeDocument/2006/math" xmlns="" val="1"/>
+              <ma14:wrappingTextBoxFlag xmlns="" xmlns:m="http://schemas.openxmlformats.org/officeDocument/2006/math" xmlns:a14="http://schemas.microsoft.com/office/drawing/2010/main" xmlns:ma14="http://schemas.microsoft.com/office/mac/drawingml/2011/main" val="1"/>
             </a:ext>
           </a:extLst>
         </p:spPr>
@@ -28970,7 +28972,7 @@
           </a:ln>
           <a:extLst>
             <a:ext uri="{C572A759-6A51-4108-AA02-DFA0A04FC94B}">
-              <ma14:wrappingTextBoxFlag xmlns:ma14="http://schemas.microsoft.com/office/mac/drawingml/2011/main" xmlns:a14="http://schemas.microsoft.com/office/drawing/2010/main" xmlns:m="http://schemas.openxmlformats.org/officeDocument/2006/math" xmlns="" val="1"/>
+              <ma14:wrappingTextBoxFlag xmlns="" xmlns:m="http://schemas.openxmlformats.org/officeDocument/2006/math" xmlns:a14="http://schemas.microsoft.com/office/drawing/2010/main" xmlns:ma14="http://schemas.microsoft.com/office/mac/drawingml/2011/main" val="1"/>
             </a:ext>
           </a:extLst>
         </p:spPr>
